--- a/pictures.pptx
+++ b/pictures.pptx
@@ -13,6 +13,7 @@
     <p:sldId id="261" r:id="rId7"/>
     <p:sldId id="262" r:id="rId8"/>
     <p:sldId id="263" r:id="rId9"/>
+    <p:sldId id="264" r:id="rId10"/>
   </p:sldIdLst>
   <p:sldSz cx="9144000" cy="6858000" type="screen4x3"/>
   <p:notesSz cx="6858000" cy="9144000"/>
@@ -115,6 +116,753 @@
 </file>
 
 <file path=ppt/diagrams/colors1.xml><?xml version="1.0" encoding="utf-8"?>
+<dgm:colorsDef xmlns:dgm="http://schemas.openxmlformats.org/drawingml/2006/diagram" xmlns:a="http://schemas.openxmlformats.org/drawingml/2006/main" uniqueId="urn:microsoft.com/office/officeart/2005/8/colors/accent1_2">
+  <dgm:title val=""/>
+  <dgm:desc val=""/>
+  <dgm:catLst>
+    <dgm:cat type="accent1" pri="11200"/>
+  </dgm:catLst>
+  <dgm:styleLbl name="node0">
+    <dgm:fillClrLst meth="repeat">
+      <a:schemeClr val="accent1"/>
+    </dgm:fillClrLst>
+    <dgm:linClrLst meth="repeat">
+      <a:schemeClr val="lt1"/>
+    </dgm:linClrLst>
+    <dgm:effectClrLst/>
+    <dgm:txLinClrLst/>
+    <dgm:txFillClrLst/>
+    <dgm:txEffectClrLst/>
+  </dgm:styleLbl>
+  <dgm:styleLbl name="alignNode1">
+    <dgm:fillClrLst meth="repeat">
+      <a:schemeClr val="accent1"/>
+    </dgm:fillClrLst>
+    <dgm:linClrLst meth="repeat">
+      <a:schemeClr val="accent1"/>
+    </dgm:linClrLst>
+    <dgm:effectClrLst/>
+    <dgm:txLinClrLst/>
+    <dgm:txFillClrLst/>
+    <dgm:txEffectClrLst/>
+  </dgm:styleLbl>
+  <dgm:styleLbl name="node1">
+    <dgm:fillClrLst meth="repeat">
+      <a:schemeClr val="accent1"/>
+    </dgm:fillClrLst>
+    <dgm:linClrLst meth="repeat">
+      <a:schemeClr val="lt1"/>
+    </dgm:linClrLst>
+    <dgm:effectClrLst/>
+    <dgm:txLinClrLst/>
+    <dgm:txFillClrLst/>
+    <dgm:txEffectClrLst/>
+  </dgm:styleLbl>
+  <dgm:styleLbl name="lnNode1">
+    <dgm:fillClrLst meth="repeat">
+      <a:schemeClr val="accent1"/>
+    </dgm:fillClrLst>
+    <dgm:linClrLst meth="repeat">
+      <a:schemeClr val="lt1"/>
+    </dgm:linClrLst>
+    <dgm:effectClrLst/>
+    <dgm:txLinClrLst/>
+    <dgm:txFillClrLst/>
+    <dgm:txEffectClrLst/>
+  </dgm:styleLbl>
+  <dgm:styleLbl name="vennNode1">
+    <dgm:fillClrLst meth="repeat">
+      <a:schemeClr val="accent1">
+        <a:alpha val="50000"/>
+      </a:schemeClr>
+    </dgm:fillClrLst>
+    <dgm:linClrLst meth="repeat">
+      <a:schemeClr val="lt1"/>
+    </dgm:linClrLst>
+    <dgm:effectClrLst/>
+    <dgm:txLinClrLst/>
+    <dgm:txFillClrLst/>
+    <dgm:txEffectClrLst/>
+  </dgm:styleLbl>
+  <dgm:styleLbl name="node2">
+    <dgm:fillClrLst meth="repeat">
+      <a:schemeClr val="accent1"/>
+    </dgm:fillClrLst>
+    <dgm:linClrLst meth="repeat">
+      <a:schemeClr val="lt1"/>
+    </dgm:linClrLst>
+    <dgm:effectClrLst/>
+    <dgm:txLinClrLst/>
+    <dgm:txFillClrLst/>
+    <dgm:txEffectClrLst/>
+  </dgm:styleLbl>
+  <dgm:styleLbl name="node3">
+    <dgm:fillClrLst meth="repeat">
+      <a:schemeClr val="accent1"/>
+    </dgm:fillClrLst>
+    <dgm:linClrLst meth="repeat">
+      <a:schemeClr val="lt1"/>
+    </dgm:linClrLst>
+    <dgm:effectClrLst/>
+    <dgm:txLinClrLst/>
+    <dgm:txFillClrLst/>
+    <dgm:txEffectClrLst/>
+  </dgm:styleLbl>
+  <dgm:styleLbl name="node4">
+    <dgm:fillClrLst meth="repeat">
+      <a:schemeClr val="accent1"/>
+    </dgm:fillClrLst>
+    <dgm:linClrLst meth="repeat">
+      <a:schemeClr val="lt1"/>
+    </dgm:linClrLst>
+    <dgm:effectClrLst/>
+    <dgm:txLinClrLst/>
+    <dgm:txFillClrLst/>
+    <dgm:txEffectClrLst/>
+  </dgm:styleLbl>
+  <dgm:styleLbl name="fgImgPlace1">
+    <dgm:fillClrLst meth="repeat">
+      <a:schemeClr val="accent1">
+        <a:tint val="50000"/>
+      </a:schemeClr>
+    </dgm:fillClrLst>
+    <dgm:linClrLst meth="repeat">
+      <a:schemeClr val="lt1"/>
+    </dgm:linClrLst>
+    <dgm:effectClrLst/>
+    <dgm:txLinClrLst/>
+    <dgm:txFillClrLst meth="repeat">
+      <a:schemeClr val="lt1"/>
+    </dgm:txFillClrLst>
+    <dgm:txEffectClrLst/>
+  </dgm:styleLbl>
+  <dgm:styleLbl name="alignImgPlace1">
+    <dgm:fillClrLst meth="repeat">
+      <a:schemeClr val="accent1">
+        <a:tint val="50000"/>
+      </a:schemeClr>
+    </dgm:fillClrLst>
+    <dgm:linClrLst meth="repeat">
+      <a:schemeClr val="lt1"/>
+    </dgm:linClrLst>
+    <dgm:effectClrLst/>
+    <dgm:txLinClrLst/>
+    <dgm:txFillClrLst meth="repeat">
+      <a:schemeClr val="lt1"/>
+    </dgm:txFillClrLst>
+    <dgm:txEffectClrLst/>
+  </dgm:styleLbl>
+  <dgm:styleLbl name="bgImgPlace1">
+    <dgm:fillClrLst meth="repeat">
+      <a:schemeClr val="accent1">
+        <a:tint val="50000"/>
+      </a:schemeClr>
+    </dgm:fillClrLst>
+    <dgm:linClrLst meth="repeat">
+      <a:schemeClr val="lt1"/>
+    </dgm:linClrLst>
+    <dgm:effectClrLst/>
+    <dgm:txLinClrLst/>
+    <dgm:txFillClrLst meth="repeat">
+      <a:schemeClr val="lt1"/>
+    </dgm:txFillClrLst>
+    <dgm:txEffectClrLst/>
+  </dgm:styleLbl>
+  <dgm:styleLbl name="sibTrans2D1">
+    <dgm:fillClrLst meth="repeat">
+      <a:schemeClr val="accent1">
+        <a:tint val="60000"/>
+      </a:schemeClr>
+    </dgm:fillClrLst>
+    <dgm:linClrLst meth="repeat">
+      <a:schemeClr val="accent1">
+        <a:tint val="60000"/>
+      </a:schemeClr>
+    </dgm:linClrLst>
+    <dgm:effectClrLst/>
+    <dgm:txLinClrLst/>
+    <dgm:txFillClrLst/>
+    <dgm:txEffectClrLst/>
+  </dgm:styleLbl>
+  <dgm:styleLbl name="fgSibTrans2D1">
+    <dgm:fillClrLst meth="repeat">
+      <a:schemeClr val="accent1">
+        <a:tint val="60000"/>
+      </a:schemeClr>
+    </dgm:fillClrLst>
+    <dgm:linClrLst meth="repeat">
+      <a:schemeClr val="accent1">
+        <a:tint val="60000"/>
+      </a:schemeClr>
+    </dgm:linClrLst>
+    <dgm:effectClrLst/>
+    <dgm:txLinClrLst/>
+    <dgm:txFillClrLst/>
+    <dgm:txEffectClrLst/>
+  </dgm:styleLbl>
+  <dgm:styleLbl name="bgSibTrans2D1">
+    <dgm:fillClrLst meth="repeat">
+      <a:schemeClr val="accent1">
+        <a:tint val="60000"/>
+      </a:schemeClr>
+    </dgm:fillClrLst>
+    <dgm:linClrLst meth="repeat">
+      <a:schemeClr val="accent1">
+        <a:tint val="60000"/>
+      </a:schemeClr>
+    </dgm:linClrLst>
+    <dgm:effectClrLst/>
+    <dgm:txLinClrLst/>
+    <dgm:txFillClrLst/>
+    <dgm:txEffectClrLst/>
+  </dgm:styleLbl>
+  <dgm:styleLbl name="sibTrans1D1">
+    <dgm:fillClrLst meth="repeat">
+      <a:schemeClr val="accent1"/>
+    </dgm:fillClrLst>
+    <dgm:linClrLst meth="repeat">
+      <a:schemeClr val="accent1"/>
+    </dgm:linClrLst>
+    <dgm:effectClrLst/>
+    <dgm:txLinClrLst/>
+    <dgm:txFillClrLst meth="repeat">
+      <a:schemeClr val="tx1"/>
+    </dgm:txFillClrLst>
+    <dgm:txEffectClrLst/>
+  </dgm:styleLbl>
+  <dgm:styleLbl name="callout">
+    <dgm:fillClrLst meth="repeat">
+      <a:schemeClr val="accent1"/>
+    </dgm:fillClrLst>
+    <dgm:linClrLst meth="repeat">
+      <a:schemeClr val="accent1">
+        <a:tint val="50000"/>
+      </a:schemeClr>
+    </dgm:linClrLst>
+    <dgm:effectClrLst/>
+    <dgm:txLinClrLst/>
+    <dgm:txFillClrLst meth="repeat">
+      <a:schemeClr val="tx1"/>
+    </dgm:txFillClrLst>
+    <dgm:txEffectClrLst/>
+  </dgm:styleLbl>
+  <dgm:styleLbl name="asst0">
+    <dgm:fillClrLst meth="repeat">
+      <a:schemeClr val="accent1"/>
+    </dgm:fillClrLst>
+    <dgm:linClrLst meth="repeat">
+      <a:schemeClr val="lt1"/>
+    </dgm:linClrLst>
+    <dgm:effectClrLst/>
+    <dgm:txLinClrLst/>
+    <dgm:txFillClrLst/>
+    <dgm:txEffectClrLst/>
+  </dgm:styleLbl>
+  <dgm:styleLbl name="asst1">
+    <dgm:fillClrLst meth="repeat">
+      <a:schemeClr val="accent1"/>
+    </dgm:fillClrLst>
+    <dgm:linClrLst meth="repeat">
+      <a:schemeClr val="lt1"/>
+    </dgm:linClrLst>
+    <dgm:effectClrLst/>
+    <dgm:txLinClrLst/>
+    <dgm:txFillClrLst/>
+    <dgm:txEffectClrLst/>
+  </dgm:styleLbl>
+  <dgm:styleLbl name="asst2">
+    <dgm:fillClrLst meth="repeat">
+      <a:schemeClr val="accent1"/>
+    </dgm:fillClrLst>
+    <dgm:linClrLst meth="repeat">
+      <a:schemeClr val="lt1"/>
+    </dgm:linClrLst>
+    <dgm:effectClrLst/>
+    <dgm:txLinClrLst/>
+    <dgm:txFillClrLst/>
+    <dgm:txEffectClrLst/>
+  </dgm:styleLbl>
+  <dgm:styleLbl name="asst3">
+    <dgm:fillClrLst meth="repeat">
+      <a:schemeClr val="accent1"/>
+    </dgm:fillClrLst>
+    <dgm:linClrLst meth="repeat">
+      <a:schemeClr val="lt1"/>
+    </dgm:linClrLst>
+    <dgm:effectClrLst/>
+    <dgm:txLinClrLst/>
+    <dgm:txFillClrLst/>
+    <dgm:txEffectClrLst/>
+  </dgm:styleLbl>
+  <dgm:styleLbl name="asst4">
+    <dgm:fillClrLst meth="repeat">
+      <a:schemeClr val="accent1"/>
+    </dgm:fillClrLst>
+    <dgm:linClrLst meth="repeat">
+      <a:schemeClr val="lt1"/>
+    </dgm:linClrLst>
+    <dgm:effectClrLst/>
+    <dgm:txLinClrLst/>
+    <dgm:txFillClrLst/>
+    <dgm:txEffectClrLst/>
+  </dgm:styleLbl>
+  <dgm:styleLbl name="parChTrans2D1">
+    <dgm:fillClrLst meth="repeat">
+      <a:schemeClr val="accent1">
+        <a:tint val="60000"/>
+      </a:schemeClr>
+    </dgm:fillClrLst>
+    <dgm:linClrLst meth="repeat">
+      <a:schemeClr val="accent1">
+        <a:tint val="60000"/>
+      </a:schemeClr>
+    </dgm:linClrLst>
+    <dgm:effectClrLst/>
+    <dgm:txLinClrLst/>
+    <dgm:txFillClrLst meth="repeat">
+      <a:schemeClr val="lt1"/>
+    </dgm:txFillClrLst>
+    <dgm:txEffectClrLst/>
+  </dgm:styleLbl>
+  <dgm:styleLbl name="parChTrans2D2">
+    <dgm:fillClrLst meth="repeat">
+      <a:schemeClr val="accent1"/>
+    </dgm:fillClrLst>
+    <dgm:linClrLst meth="repeat">
+      <a:schemeClr val="accent1"/>
+    </dgm:linClrLst>
+    <dgm:effectClrLst/>
+    <dgm:txLinClrLst/>
+    <dgm:txFillClrLst meth="repeat">
+      <a:schemeClr val="lt1"/>
+    </dgm:txFillClrLst>
+    <dgm:txEffectClrLst/>
+  </dgm:styleLbl>
+  <dgm:styleLbl name="parChTrans2D3">
+    <dgm:fillClrLst meth="repeat">
+      <a:schemeClr val="accent1"/>
+    </dgm:fillClrLst>
+    <dgm:linClrLst meth="repeat">
+      <a:schemeClr val="accent1"/>
+    </dgm:linClrLst>
+    <dgm:effectClrLst/>
+    <dgm:txLinClrLst/>
+    <dgm:txFillClrLst meth="repeat">
+      <a:schemeClr val="lt1"/>
+    </dgm:txFillClrLst>
+    <dgm:txEffectClrLst/>
+  </dgm:styleLbl>
+  <dgm:styleLbl name="parChTrans2D4">
+    <dgm:fillClrLst meth="repeat">
+      <a:schemeClr val="accent1"/>
+    </dgm:fillClrLst>
+    <dgm:linClrLst meth="repeat">
+      <a:schemeClr val="accent1"/>
+    </dgm:linClrLst>
+    <dgm:effectClrLst/>
+    <dgm:txLinClrLst/>
+    <dgm:txFillClrLst meth="repeat">
+      <a:schemeClr val="lt1"/>
+    </dgm:txFillClrLst>
+    <dgm:txEffectClrLst/>
+  </dgm:styleLbl>
+  <dgm:styleLbl name="parChTrans1D1">
+    <dgm:fillClrLst meth="repeat">
+      <a:schemeClr val="accent1"/>
+    </dgm:fillClrLst>
+    <dgm:linClrLst meth="repeat">
+      <a:schemeClr val="accent1">
+        <a:shade val="60000"/>
+      </a:schemeClr>
+    </dgm:linClrLst>
+    <dgm:effectClrLst/>
+    <dgm:txLinClrLst/>
+    <dgm:txFillClrLst meth="repeat">
+      <a:schemeClr val="tx1"/>
+    </dgm:txFillClrLst>
+    <dgm:txEffectClrLst/>
+  </dgm:styleLbl>
+  <dgm:styleLbl name="parChTrans1D2">
+    <dgm:fillClrLst meth="repeat">
+      <a:schemeClr val="accent1"/>
+    </dgm:fillClrLst>
+    <dgm:linClrLst meth="repeat">
+      <a:schemeClr val="accent1">
+        <a:shade val="60000"/>
+      </a:schemeClr>
+    </dgm:linClrLst>
+    <dgm:effectClrLst/>
+    <dgm:txLinClrLst/>
+    <dgm:txFillClrLst meth="repeat">
+      <a:schemeClr val="tx1"/>
+    </dgm:txFillClrLst>
+    <dgm:txEffectClrLst/>
+  </dgm:styleLbl>
+  <dgm:styleLbl name="parChTrans1D3">
+    <dgm:fillClrLst meth="repeat">
+      <a:schemeClr val="accent1"/>
+    </dgm:fillClrLst>
+    <dgm:linClrLst meth="repeat">
+      <a:schemeClr val="accent1">
+        <a:shade val="80000"/>
+      </a:schemeClr>
+    </dgm:linClrLst>
+    <dgm:effectClrLst/>
+    <dgm:txLinClrLst/>
+    <dgm:txFillClrLst meth="repeat">
+      <a:schemeClr val="tx1"/>
+    </dgm:txFillClrLst>
+    <dgm:txEffectClrLst/>
+  </dgm:styleLbl>
+  <dgm:styleLbl name="parChTrans1D4">
+    <dgm:fillClrLst meth="repeat">
+      <a:schemeClr val="accent1"/>
+    </dgm:fillClrLst>
+    <dgm:linClrLst meth="repeat">
+      <a:schemeClr val="accent1">
+        <a:shade val="80000"/>
+      </a:schemeClr>
+    </dgm:linClrLst>
+    <dgm:effectClrLst/>
+    <dgm:txLinClrLst/>
+    <dgm:txFillClrLst meth="repeat">
+      <a:schemeClr val="tx1"/>
+    </dgm:txFillClrLst>
+    <dgm:txEffectClrLst/>
+  </dgm:styleLbl>
+  <dgm:styleLbl name="fgAcc1">
+    <dgm:fillClrLst meth="repeat">
+      <a:schemeClr val="lt1">
+        <a:alpha val="90000"/>
+      </a:schemeClr>
+    </dgm:fillClrLst>
+    <dgm:linClrLst meth="repeat">
+      <a:schemeClr val="accent1"/>
+    </dgm:linClrLst>
+    <dgm:effectClrLst/>
+    <dgm:txLinClrLst/>
+    <dgm:txFillClrLst meth="repeat">
+      <a:schemeClr val="dk1"/>
+    </dgm:txFillClrLst>
+    <dgm:txEffectClrLst/>
+  </dgm:styleLbl>
+  <dgm:styleLbl name="conFgAcc1">
+    <dgm:fillClrLst meth="repeat">
+      <a:schemeClr val="lt1">
+        <a:alpha val="90000"/>
+      </a:schemeClr>
+    </dgm:fillClrLst>
+    <dgm:linClrLst meth="repeat">
+      <a:schemeClr val="accent1"/>
+    </dgm:linClrLst>
+    <dgm:effectClrLst/>
+    <dgm:txLinClrLst/>
+    <dgm:txFillClrLst meth="repeat">
+      <a:schemeClr val="dk1"/>
+    </dgm:txFillClrLst>
+    <dgm:txEffectClrLst/>
+  </dgm:styleLbl>
+  <dgm:styleLbl name="alignAcc1">
+    <dgm:fillClrLst meth="repeat">
+      <a:schemeClr val="lt1">
+        <a:alpha val="90000"/>
+      </a:schemeClr>
+    </dgm:fillClrLst>
+    <dgm:linClrLst meth="repeat">
+      <a:schemeClr val="accent1"/>
+    </dgm:linClrLst>
+    <dgm:effectClrLst/>
+    <dgm:txLinClrLst/>
+    <dgm:txFillClrLst meth="repeat">
+      <a:schemeClr val="dk1"/>
+    </dgm:txFillClrLst>
+    <dgm:txEffectClrLst/>
+  </dgm:styleLbl>
+  <dgm:styleLbl name="trAlignAcc1">
+    <dgm:fillClrLst meth="repeat">
+      <a:schemeClr val="lt1">
+        <a:alpha val="40000"/>
+      </a:schemeClr>
+    </dgm:fillClrLst>
+    <dgm:linClrLst meth="repeat">
+      <a:schemeClr val="accent1"/>
+    </dgm:linClrLst>
+    <dgm:effectClrLst/>
+    <dgm:txLinClrLst/>
+    <dgm:txFillClrLst meth="repeat">
+      <a:schemeClr val="dk1"/>
+    </dgm:txFillClrLst>
+    <dgm:txEffectClrLst/>
+  </dgm:styleLbl>
+  <dgm:styleLbl name="bgAcc1">
+    <dgm:fillClrLst meth="repeat">
+      <a:schemeClr val="lt1">
+        <a:alpha val="90000"/>
+      </a:schemeClr>
+    </dgm:fillClrLst>
+    <dgm:linClrLst meth="repeat">
+      <a:schemeClr val="accent1"/>
+    </dgm:linClrLst>
+    <dgm:effectClrLst/>
+    <dgm:txLinClrLst/>
+    <dgm:txFillClrLst meth="repeat">
+      <a:schemeClr val="dk1"/>
+    </dgm:txFillClrLst>
+    <dgm:txEffectClrLst/>
+  </dgm:styleLbl>
+  <dgm:styleLbl name="solidFgAcc1">
+    <dgm:fillClrLst meth="repeat">
+      <a:schemeClr val="lt1"/>
+    </dgm:fillClrLst>
+    <dgm:linClrLst meth="repeat">
+      <a:schemeClr val="accent1"/>
+    </dgm:linClrLst>
+    <dgm:effectClrLst/>
+    <dgm:txLinClrLst/>
+    <dgm:txFillClrLst meth="repeat">
+      <a:schemeClr val="dk1"/>
+    </dgm:txFillClrLst>
+    <dgm:txEffectClrLst/>
+  </dgm:styleLbl>
+  <dgm:styleLbl name="solidAlignAcc1">
+    <dgm:fillClrLst meth="repeat">
+      <a:schemeClr val="lt1"/>
+    </dgm:fillClrLst>
+    <dgm:linClrLst meth="repeat">
+      <a:schemeClr val="accent1"/>
+    </dgm:linClrLst>
+    <dgm:effectClrLst/>
+    <dgm:txLinClrLst/>
+    <dgm:txFillClrLst meth="repeat">
+      <a:schemeClr val="dk1"/>
+    </dgm:txFillClrLst>
+    <dgm:txEffectClrLst/>
+  </dgm:styleLbl>
+  <dgm:styleLbl name="solidBgAcc1">
+    <dgm:fillClrLst meth="repeat">
+      <a:schemeClr val="lt1"/>
+    </dgm:fillClrLst>
+    <dgm:linClrLst meth="repeat">
+      <a:schemeClr val="accent1"/>
+    </dgm:linClrLst>
+    <dgm:effectClrLst/>
+    <dgm:txLinClrLst/>
+    <dgm:txFillClrLst meth="repeat">
+      <a:schemeClr val="dk1"/>
+    </dgm:txFillClrLst>
+    <dgm:txEffectClrLst/>
+  </dgm:styleLbl>
+  <dgm:styleLbl name="fgAccFollowNode1">
+    <dgm:fillClrLst meth="repeat">
+      <a:schemeClr val="accent1">
+        <a:alpha val="90000"/>
+        <a:tint val="40000"/>
+      </a:schemeClr>
+    </dgm:fillClrLst>
+    <dgm:linClrLst meth="repeat">
+      <a:schemeClr val="accent1">
+        <a:alpha val="90000"/>
+        <a:tint val="40000"/>
+      </a:schemeClr>
+    </dgm:linClrLst>
+    <dgm:effectClrLst/>
+    <dgm:txLinClrLst/>
+    <dgm:txFillClrLst meth="repeat">
+      <a:schemeClr val="dk1"/>
+    </dgm:txFillClrLst>
+    <dgm:txEffectClrLst/>
+  </dgm:styleLbl>
+  <dgm:styleLbl name="alignAccFollowNode1">
+    <dgm:fillClrLst meth="repeat">
+      <a:schemeClr val="accent1">
+        <a:alpha val="90000"/>
+        <a:tint val="40000"/>
+      </a:schemeClr>
+    </dgm:fillClrLst>
+    <dgm:linClrLst meth="repeat">
+      <a:schemeClr val="accent1">
+        <a:alpha val="90000"/>
+        <a:tint val="40000"/>
+      </a:schemeClr>
+    </dgm:linClrLst>
+    <dgm:effectClrLst/>
+    <dgm:txLinClrLst/>
+    <dgm:txFillClrLst meth="repeat">
+      <a:schemeClr val="dk1"/>
+    </dgm:txFillClrLst>
+    <dgm:txEffectClrLst/>
+  </dgm:styleLbl>
+  <dgm:styleLbl name="bgAccFollowNode1">
+    <dgm:fillClrLst meth="repeat">
+      <a:schemeClr val="accent1">
+        <a:alpha val="90000"/>
+        <a:tint val="40000"/>
+      </a:schemeClr>
+    </dgm:fillClrLst>
+    <dgm:linClrLst meth="repeat">
+      <a:schemeClr val="accent1">
+        <a:alpha val="90000"/>
+        <a:tint val="40000"/>
+      </a:schemeClr>
+    </dgm:linClrLst>
+    <dgm:effectClrLst/>
+    <dgm:txLinClrLst/>
+    <dgm:txFillClrLst meth="repeat">
+      <a:schemeClr val="dk1"/>
+    </dgm:txFillClrLst>
+    <dgm:txEffectClrLst/>
+  </dgm:styleLbl>
+  <dgm:styleLbl name="fgAcc0">
+    <dgm:fillClrLst meth="repeat">
+      <a:schemeClr val="lt1">
+        <a:alpha val="90000"/>
+      </a:schemeClr>
+    </dgm:fillClrLst>
+    <dgm:linClrLst meth="repeat">
+      <a:schemeClr val="accent1"/>
+    </dgm:linClrLst>
+    <dgm:effectClrLst/>
+    <dgm:txLinClrLst/>
+    <dgm:txFillClrLst meth="repeat">
+      <a:schemeClr val="dk1"/>
+    </dgm:txFillClrLst>
+    <dgm:txEffectClrLst/>
+  </dgm:styleLbl>
+  <dgm:styleLbl name="fgAcc2">
+    <dgm:fillClrLst meth="repeat">
+      <a:schemeClr val="lt1">
+        <a:alpha val="90000"/>
+      </a:schemeClr>
+    </dgm:fillClrLst>
+    <dgm:linClrLst meth="repeat">
+      <a:schemeClr val="accent1"/>
+    </dgm:linClrLst>
+    <dgm:effectClrLst/>
+    <dgm:txLinClrLst/>
+    <dgm:txFillClrLst meth="repeat">
+      <a:schemeClr val="dk1"/>
+    </dgm:txFillClrLst>
+    <dgm:txEffectClrLst/>
+  </dgm:styleLbl>
+  <dgm:styleLbl name="fgAcc3">
+    <dgm:fillClrLst meth="repeat">
+      <a:schemeClr val="lt1">
+        <a:alpha val="90000"/>
+      </a:schemeClr>
+    </dgm:fillClrLst>
+    <dgm:linClrLst meth="repeat">
+      <a:schemeClr val="accent1"/>
+    </dgm:linClrLst>
+    <dgm:effectClrLst/>
+    <dgm:txLinClrLst/>
+    <dgm:txFillClrLst meth="repeat">
+      <a:schemeClr val="dk1"/>
+    </dgm:txFillClrLst>
+    <dgm:txEffectClrLst/>
+  </dgm:styleLbl>
+  <dgm:styleLbl name="fgAcc4">
+    <dgm:fillClrLst meth="repeat">
+      <a:schemeClr val="lt1">
+        <a:alpha val="90000"/>
+      </a:schemeClr>
+    </dgm:fillClrLst>
+    <dgm:linClrLst meth="repeat">
+      <a:schemeClr val="accent1"/>
+    </dgm:linClrLst>
+    <dgm:effectClrLst/>
+    <dgm:txLinClrLst/>
+    <dgm:txFillClrLst meth="repeat">
+      <a:schemeClr val="dk1"/>
+    </dgm:txFillClrLst>
+    <dgm:txEffectClrLst/>
+  </dgm:styleLbl>
+  <dgm:styleLbl name="bgShp">
+    <dgm:fillClrLst meth="repeat">
+      <a:schemeClr val="accent1">
+        <a:tint val="40000"/>
+      </a:schemeClr>
+    </dgm:fillClrLst>
+    <dgm:linClrLst meth="repeat">
+      <a:schemeClr val="accent1"/>
+    </dgm:linClrLst>
+    <dgm:effectClrLst/>
+    <dgm:txLinClrLst/>
+    <dgm:txFillClrLst meth="repeat">
+      <a:schemeClr val="dk1"/>
+    </dgm:txFillClrLst>
+    <dgm:txEffectClrLst/>
+  </dgm:styleLbl>
+  <dgm:styleLbl name="dkBgShp">
+    <dgm:fillClrLst meth="repeat">
+      <a:schemeClr val="accent1">
+        <a:shade val="80000"/>
+      </a:schemeClr>
+    </dgm:fillClrLst>
+    <dgm:linClrLst meth="repeat">
+      <a:schemeClr val="accent1"/>
+    </dgm:linClrLst>
+    <dgm:effectClrLst/>
+    <dgm:txLinClrLst/>
+    <dgm:txFillClrLst meth="repeat">
+      <a:schemeClr val="lt1"/>
+    </dgm:txFillClrLst>
+    <dgm:txEffectClrLst/>
+  </dgm:styleLbl>
+  <dgm:styleLbl name="trBgShp">
+    <dgm:fillClrLst meth="repeat">
+      <a:schemeClr val="accent1">
+        <a:tint val="50000"/>
+        <a:alpha val="40000"/>
+      </a:schemeClr>
+    </dgm:fillClrLst>
+    <dgm:linClrLst meth="repeat">
+      <a:schemeClr val="accent1"/>
+    </dgm:linClrLst>
+    <dgm:effectClrLst/>
+    <dgm:txLinClrLst/>
+    <dgm:txFillClrLst meth="repeat">
+      <a:schemeClr val="lt1"/>
+    </dgm:txFillClrLst>
+    <dgm:txEffectClrLst/>
+  </dgm:styleLbl>
+  <dgm:styleLbl name="fgShp">
+    <dgm:fillClrLst meth="repeat">
+      <a:schemeClr val="accent1">
+        <a:tint val="60000"/>
+      </a:schemeClr>
+    </dgm:fillClrLst>
+    <dgm:linClrLst meth="repeat">
+      <a:schemeClr val="lt1"/>
+    </dgm:linClrLst>
+    <dgm:effectClrLst/>
+    <dgm:txLinClrLst/>
+    <dgm:txFillClrLst meth="repeat">
+      <a:schemeClr val="dk1"/>
+    </dgm:txFillClrLst>
+    <dgm:txEffectClrLst/>
+  </dgm:styleLbl>
+  <dgm:styleLbl name="revTx">
+    <dgm:fillClrLst meth="repeat">
+      <a:schemeClr val="lt1">
+        <a:alpha val="0"/>
+      </a:schemeClr>
+    </dgm:fillClrLst>
+    <dgm:linClrLst meth="repeat">
+      <a:schemeClr val="dk1">
+        <a:alpha val="0"/>
+      </a:schemeClr>
+    </dgm:linClrLst>
+    <dgm:effectClrLst/>
+    <dgm:txLinClrLst/>
+    <dgm:txFillClrLst meth="repeat">
+      <a:schemeClr val="tx1"/>
+    </dgm:txFillClrLst>
+    <dgm:txEffectClrLst/>
+  </dgm:styleLbl>
+</dgm:colorsDef>
+</file>
+
+<file path=ppt/diagrams/colors2.xml><?xml version="1.0" encoding="utf-8"?>
 <dgm:colorsDef xmlns:dgm="http://schemas.openxmlformats.org/drawingml/2006/diagram" xmlns:a="http://schemas.openxmlformats.org/drawingml/2006/main" uniqueId="urn:microsoft.com/office/officeart/2005/8/colors/accent1_2">
   <dgm:title val=""/>
   <dgm:desc val=""/>
@@ -1062,6 +1810,532 @@
     <dgm:cxn modelId="{92256D3B-D8D0-45EC-AA96-D725095AB19A}" type="presParOf" srcId="{F879393D-987D-4A4F-9334-D42AB832B066}" destId="{5BAAEAA7-D021-43B8-879F-390B2EF9DB92}" srcOrd="2" destOrd="0" presId="urn:microsoft.com/office/officeart/2005/8/layout/chevron1"/>
     <dgm:cxn modelId="{3470AAB0-ED11-4011-BEDB-8A5FA3829910}" type="presParOf" srcId="{F879393D-987D-4A4F-9334-D42AB832B066}" destId="{12D4B053-6DE8-4051-AC0D-063234682397}" srcOrd="3" destOrd="0" presId="urn:microsoft.com/office/officeart/2005/8/layout/chevron1"/>
     <dgm:cxn modelId="{FFCB59D0-B4F8-4988-A8B0-76D98AA97E3D}" type="presParOf" srcId="{F879393D-987D-4A4F-9334-D42AB832B066}" destId="{68FBF925-E59F-4056-9E04-C1A849D3EDC9}" srcOrd="4" destOrd="0" presId="urn:microsoft.com/office/officeart/2005/8/layout/chevron1"/>
+  </dgm:cxnLst>
+  <dgm:bg/>
+  <dgm:whole/>
+  <dgm:extLst>
+    <a:ext uri="http://schemas.microsoft.com/office/drawing/2008/diagram">
+      <dsp:dataModelExt xmlns:dsp="http://schemas.microsoft.com/office/drawing/2008/diagram" relId="rId6" minVer="http://schemas.openxmlformats.org/drawingml/2006/diagram"/>
+    </a:ext>
+  </dgm:extLst>
+</dgm:dataModel>
+</file>
+
+<file path=ppt/diagrams/data2.xml><?xml version="1.0" encoding="utf-8"?>
+<dgm:dataModel xmlns:dgm="http://schemas.openxmlformats.org/drawingml/2006/diagram" xmlns:a="http://schemas.openxmlformats.org/drawingml/2006/main">
+  <dgm:ptLst>
+    <dgm:pt modelId="{9450D4C9-C4B2-4911-A89A-514780CB9F15}" type="doc">
+      <dgm:prSet loTypeId="urn:microsoft.com/office/officeart/2005/8/layout/chevron1" loCatId="process" qsTypeId="urn:microsoft.com/office/officeart/2005/8/quickstyle/simple1" qsCatId="simple" csTypeId="urn:microsoft.com/office/officeart/2005/8/colors/accent1_2" csCatId="accent1" phldr="1"/>
+      <dgm:spPr/>
+    </dgm:pt>
+    <dgm:pt modelId="{64331C73-F894-4973-9E15-1A620C348097}">
+      <dgm:prSet phldrT="[Text]"/>
+      <dgm:spPr/>
+      <dgm:t>
+        <a:bodyPr/>
+        <a:lstStyle/>
+        <a:p>
+          <a:r>
+            <a:rPr lang="en-US" dirty="0" smtClean="0">
+              <a:solidFill>
+                <a:schemeClr val="tx1"/>
+              </a:solidFill>
+            </a:rPr>
+            <a:t>Input </a:t>
+          </a:r>
+          <a:r>
+            <a:rPr lang="en-US" dirty="0" smtClean="0">
+              <a:solidFill>
+                <a:schemeClr val="tx1"/>
+              </a:solidFill>
+            </a:rPr>
+            <a:t>Parsing</a:t>
+          </a:r>
+          <a:endParaRPr lang="en-US" dirty="0">
+            <a:solidFill>
+              <a:schemeClr val="tx1"/>
+            </a:solidFill>
+          </a:endParaRPr>
+        </a:p>
+      </dgm:t>
+    </dgm:pt>
+    <dgm:pt modelId="{77CFB40D-6F23-4B24-A619-E0E618CEB0D8}" type="parTrans" cxnId="{5F875D11-DB50-43F9-BDF2-78334F8D7E58}">
+      <dgm:prSet/>
+      <dgm:spPr/>
+      <dgm:t>
+        <a:bodyPr/>
+        <a:lstStyle/>
+        <a:p>
+          <a:endParaRPr lang="en-US"/>
+        </a:p>
+      </dgm:t>
+    </dgm:pt>
+    <dgm:pt modelId="{FFC0C0DB-5B55-4194-A6BD-4ACC55D2B470}" type="sibTrans" cxnId="{5F875D11-DB50-43F9-BDF2-78334F8D7E58}">
+      <dgm:prSet/>
+      <dgm:spPr/>
+      <dgm:t>
+        <a:bodyPr/>
+        <a:lstStyle/>
+        <a:p>
+          <a:endParaRPr lang="en-US"/>
+        </a:p>
+      </dgm:t>
+    </dgm:pt>
+    <dgm:pt modelId="{868111AE-E299-4D01-BF58-8129A9506C06}">
+      <dgm:prSet phldrT="[Text]"/>
+      <dgm:spPr/>
+      <dgm:t>
+        <a:bodyPr/>
+        <a:lstStyle/>
+        <a:p>
+          <a:r>
+            <a:rPr lang="en-US" dirty="0" smtClean="0">
+              <a:solidFill>
+                <a:schemeClr val="tx1"/>
+              </a:solidFill>
+            </a:rPr>
+            <a:t>Print </a:t>
+          </a:r>
+          <a:r>
+            <a:rPr lang="en-US" dirty="0" smtClean="0">
+              <a:solidFill>
+                <a:schemeClr val="tx1"/>
+              </a:solidFill>
+            </a:rPr>
+            <a:t>object arrangement</a:t>
+          </a:r>
+          <a:endParaRPr lang="en-US" dirty="0">
+            <a:solidFill>
+              <a:schemeClr val="tx1"/>
+            </a:solidFill>
+          </a:endParaRPr>
+        </a:p>
+      </dgm:t>
+    </dgm:pt>
+    <dgm:pt modelId="{C75652AF-634A-420D-9D96-F9B77B193B68}" type="parTrans" cxnId="{863F3A18-B337-4D3B-86F0-8953E07EAC44}">
+      <dgm:prSet/>
+      <dgm:spPr/>
+      <dgm:t>
+        <a:bodyPr/>
+        <a:lstStyle/>
+        <a:p>
+          <a:endParaRPr lang="en-US"/>
+        </a:p>
+      </dgm:t>
+    </dgm:pt>
+    <dgm:pt modelId="{44CBE08D-1567-41F1-8953-1BAC21412B7A}" type="sibTrans" cxnId="{863F3A18-B337-4D3B-86F0-8953E07EAC44}">
+      <dgm:prSet/>
+      <dgm:spPr/>
+      <dgm:t>
+        <a:bodyPr/>
+        <a:lstStyle/>
+        <a:p>
+          <a:endParaRPr lang="en-US"/>
+        </a:p>
+      </dgm:t>
+    </dgm:pt>
+    <dgm:pt modelId="{B537E5C6-AC88-45DE-A692-878DAC35B119}">
+      <dgm:prSet phldrT="[Text]"/>
+      <dgm:spPr/>
+      <dgm:t>
+        <a:bodyPr/>
+        <a:lstStyle/>
+        <a:p>
+          <a:r>
+            <a:rPr lang="en-US" dirty="0" smtClean="0">
+              <a:solidFill>
+                <a:schemeClr val="tx1"/>
+              </a:solidFill>
+            </a:rPr>
+            <a:t>Rasterization </a:t>
+          </a:r>
+          <a:r>
+            <a:rPr lang="en-US" dirty="0" smtClean="0">
+              <a:solidFill>
+                <a:schemeClr val="tx1"/>
+              </a:solidFill>
+            </a:rPr>
+            <a:t>&amp; Voxelization</a:t>
+          </a:r>
+          <a:endParaRPr lang="en-US" dirty="0">
+            <a:solidFill>
+              <a:schemeClr val="tx1"/>
+            </a:solidFill>
+          </a:endParaRPr>
+        </a:p>
+      </dgm:t>
+    </dgm:pt>
+    <dgm:pt modelId="{21C1899A-364B-44E7-8777-92B33ED6457F}" type="parTrans" cxnId="{9DF62359-97EF-4CF4-AE53-CD7F768719C7}">
+      <dgm:prSet/>
+      <dgm:spPr/>
+      <dgm:t>
+        <a:bodyPr/>
+        <a:lstStyle/>
+        <a:p>
+          <a:endParaRPr lang="en-US"/>
+        </a:p>
+      </dgm:t>
+    </dgm:pt>
+    <dgm:pt modelId="{DE041BA8-1086-4C93-A56B-5A6A7F7943AB}" type="sibTrans" cxnId="{9DF62359-97EF-4CF4-AE53-CD7F768719C7}">
+      <dgm:prSet/>
+      <dgm:spPr/>
+      <dgm:t>
+        <a:bodyPr/>
+        <a:lstStyle/>
+        <a:p>
+          <a:endParaRPr lang="en-US"/>
+        </a:p>
+      </dgm:t>
+    </dgm:pt>
+    <dgm:pt modelId="{962489C9-99E7-4179-9C22-D64CAB835C31}">
+      <dgm:prSet phldrT="[Text]"/>
+      <dgm:spPr/>
+      <dgm:t>
+        <a:bodyPr/>
+        <a:lstStyle/>
+        <a:p>
+          <a:r>
+            <a:rPr lang="en-US" dirty="0" smtClean="0">
+              <a:solidFill>
+                <a:schemeClr val="tx1"/>
+              </a:solidFill>
+            </a:rPr>
+            <a:t>Tonal Value Calculation</a:t>
+          </a:r>
+          <a:endParaRPr lang="en-US" dirty="0">
+            <a:solidFill>
+              <a:schemeClr val="tx1"/>
+            </a:solidFill>
+          </a:endParaRPr>
+        </a:p>
+      </dgm:t>
+    </dgm:pt>
+    <dgm:pt modelId="{44042CD2-4D4B-4F8B-847E-88E42BCD2928}" type="parTrans" cxnId="{09C829B3-9421-472C-992B-F9C6C7EA8079}">
+      <dgm:prSet/>
+      <dgm:spPr/>
+      <dgm:t>
+        <a:bodyPr/>
+        <a:lstStyle/>
+        <a:p>
+          <a:endParaRPr lang="en-US"/>
+        </a:p>
+      </dgm:t>
+    </dgm:pt>
+    <dgm:pt modelId="{4A484662-FBA7-4F43-BE10-51AB84EA0D6F}" type="sibTrans" cxnId="{09C829B3-9421-472C-992B-F9C6C7EA8079}">
+      <dgm:prSet/>
+      <dgm:spPr/>
+      <dgm:t>
+        <a:bodyPr/>
+        <a:lstStyle/>
+        <a:p>
+          <a:endParaRPr lang="en-US"/>
+        </a:p>
+      </dgm:t>
+    </dgm:pt>
+    <dgm:pt modelId="{C97B20BC-3CBA-411F-AB14-F158490C5BCC}">
+      <dgm:prSet phldrT="[Text]"/>
+      <dgm:spPr/>
+      <dgm:t>
+        <a:bodyPr/>
+        <a:lstStyle/>
+        <a:p>
+          <a:r>
+            <a:rPr lang="en-US" dirty="0" smtClean="0">
+              <a:solidFill>
+                <a:schemeClr val="tx1"/>
+              </a:solidFill>
+            </a:rPr>
+            <a:t>Output Generation</a:t>
+          </a:r>
+          <a:endParaRPr lang="en-US" dirty="0">
+            <a:solidFill>
+              <a:schemeClr val="tx1"/>
+            </a:solidFill>
+          </a:endParaRPr>
+        </a:p>
+      </dgm:t>
+    </dgm:pt>
+    <dgm:pt modelId="{F7EE3B89-45E3-4220-BAF4-37722295D274}" type="parTrans" cxnId="{6189A4AA-D7EB-418F-9F2D-C66AC3C01A62}">
+      <dgm:prSet/>
+      <dgm:spPr/>
+      <dgm:t>
+        <a:bodyPr/>
+        <a:lstStyle/>
+        <a:p>
+          <a:endParaRPr lang="en-US"/>
+        </a:p>
+      </dgm:t>
+    </dgm:pt>
+    <dgm:pt modelId="{484765B2-A338-4F5A-B411-50FEAAE111D8}" type="sibTrans" cxnId="{6189A4AA-D7EB-418F-9F2D-C66AC3C01A62}">
+      <dgm:prSet/>
+      <dgm:spPr/>
+      <dgm:t>
+        <a:bodyPr/>
+        <a:lstStyle/>
+        <a:p>
+          <a:endParaRPr lang="en-US"/>
+        </a:p>
+      </dgm:t>
+    </dgm:pt>
+    <dgm:pt modelId="{CF478C61-00AD-4194-8D4F-7DB2AE098B5C}">
+      <dgm:prSet/>
+      <dgm:spPr/>
+      <dgm:t>
+        <a:bodyPr/>
+        <a:lstStyle/>
+        <a:p>
+          <a:r>
+            <a:rPr lang="en-US" dirty="0" smtClean="0">
+              <a:solidFill>
+                <a:schemeClr val="tx1"/>
+              </a:solidFill>
+            </a:rPr>
+            <a:t>Surface Distance Evaluation</a:t>
+          </a:r>
+          <a:endParaRPr lang="en-US" dirty="0">
+            <a:solidFill>
+              <a:schemeClr val="tx1"/>
+            </a:solidFill>
+          </a:endParaRPr>
+        </a:p>
+      </dgm:t>
+    </dgm:pt>
+    <dgm:pt modelId="{2EC35964-DAF3-4C89-B364-499868C294A8}" type="parTrans" cxnId="{C378ED72-E206-4B76-B23C-B3B4B3340B73}">
+      <dgm:prSet/>
+      <dgm:spPr/>
+      <dgm:t>
+        <a:bodyPr/>
+        <a:lstStyle/>
+        <a:p>
+          <a:endParaRPr lang="en-US"/>
+        </a:p>
+      </dgm:t>
+    </dgm:pt>
+    <dgm:pt modelId="{58567C9B-A274-4468-A0E3-EA814A581623}" type="sibTrans" cxnId="{C378ED72-E206-4B76-B23C-B3B4B3340B73}">
+      <dgm:prSet/>
+      <dgm:spPr/>
+      <dgm:t>
+        <a:bodyPr/>
+        <a:lstStyle/>
+        <a:p>
+          <a:endParaRPr lang="en-US"/>
+        </a:p>
+      </dgm:t>
+    </dgm:pt>
+    <dgm:pt modelId="{8A145133-89F4-4E11-BED7-033969110BEF}">
+      <dgm:prSet/>
+      <dgm:spPr/>
+      <dgm:t>
+        <a:bodyPr/>
+        <a:lstStyle/>
+        <a:p>
+          <a:r>
+            <a:rPr lang="en-US" dirty="0" smtClean="0">
+              <a:solidFill>
+                <a:schemeClr val="tx1"/>
+              </a:solidFill>
+            </a:rPr>
+            <a:t>Layer Extraction and Half-toning</a:t>
+          </a:r>
+          <a:endParaRPr lang="en-US" dirty="0">
+            <a:solidFill>
+              <a:schemeClr val="tx1"/>
+            </a:solidFill>
+          </a:endParaRPr>
+        </a:p>
+      </dgm:t>
+    </dgm:pt>
+    <dgm:pt modelId="{06C89CBF-459F-4019-BA59-A67EB395C5B9}" type="parTrans" cxnId="{3472B545-712D-4EE5-A0FD-FCCE69A3F421}">
+      <dgm:prSet/>
+      <dgm:spPr/>
+      <dgm:t>
+        <a:bodyPr/>
+        <a:lstStyle/>
+        <a:p>
+          <a:endParaRPr lang="en-US"/>
+        </a:p>
+      </dgm:t>
+    </dgm:pt>
+    <dgm:pt modelId="{A211C329-5A6A-4787-B4B1-98439EF8D8DC}" type="sibTrans" cxnId="{3472B545-712D-4EE5-A0FD-FCCE69A3F421}">
+      <dgm:prSet/>
+      <dgm:spPr/>
+      <dgm:t>
+        <a:bodyPr/>
+        <a:lstStyle/>
+        <a:p>
+          <a:endParaRPr lang="en-US"/>
+        </a:p>
+      </dgm:t>
+    </dgm:pt>
+    <dgm:pt modelId="{460ED21A-C4DB-432F-A891-283E6D30FEEE}" type="pres">
+      <dgm:prSet presAssocID="{9450D4C9-C4B2-4911-A89A-514780CB9F15}" presName="Name0" presStyleCnt="0">
+        <dgm:presLayoutVars>
+          <dgm:dir/>
+          <dgm:animLvl val="lvl"/>
+          <dgm:resizeHandles val="exact"/>
+        </dgm:presLayoutVars>
+      </dgm:prSet>
+      <dgm:spPr/>
+    </dgm:pt>
+    <dgm:pt modelId="{09A00682-3313-476D-9195-849AA0621560}" type="pres">
+      <dgm:prSet presAssocID="{64331C73-F894-4973-9E15-1A620C348097}" presName="parTxOnly" presStyleLbl="node1" presStyleIdx="0" presStyleCnt="7">
+        <dgm:presLayoutVars>
+          <dgm:chMax val="0"/>
+          <dgm:chPref val="0"/>
+          <dgm:bulletEnabled val="1"/>
+        </dgm:presLayoutVars>
+      </dgm:prSet>
+      <dgm:spPr/>
+      <dgm:t>
+        <a:bodyPr/>
+        <a:lstStyle/>
+        <a:p>
+          <a:endParaRPr lang="en-US"/>
+        </a:p>
+      </dgm:t>
+    </dgm:pt>
+    <dgm:pt modelId="{99E3799A-A836-4FE8-B104-89D1C921FE24}" type="pres">
+      <dgm:prSet presAssocID="{FFC0C0DB-5B55-4194-A6BD-4ACC55D2B470}" presName="parTxOnlySpace" presStyleCnt="0"/>
+      <dgm:spPr/>
+    </dgm:pt>
+    <dgm:pt modelId="{771B5359-AC59-491F-AE7E-C91287E4A360}" type="pres">
+      <dgm:prSet presAssocID="{868111AE-E299-4D01-BF58-8129A9506C06}" presName="parTxOnly" presStyleLbl="node1" presStyleIdx="1" presStyleCnt="7">
+        <dgm:presLayoutVars>
+          <dgm:chMax val="0"/>
+          <dgm:chPref val="0"/>
+          <dgm:bulletEnabled val="1"/>
+        </dgm:presLayoutVars>
+      </dgm:prSet>
+      <dgm:spPr/>
+      <dgm:t>
+        <a:bodyPr/>
+        <a:lstStyle/>
+        <a:p>
+          <a:endParaRPr lang="en-US"/>
+        </a:p>
+      </dgm:t>
+    </dgm:pt>
+    <dgm:pt modelId="{75522E6D-27B7-40AA-A316-4A6613A7C57D}" type="pres">
+      <dgm:prSet presAssocID="{44CBE08D-1567-41F1-8953-1BAC21412B7A}" presName="parTxOnlySpace" presStyleCnt="0"/>
+      <dgm:spPr/>
+    </dgm:pt>
+    <dgm:pt modelId="{5535CA09-926A-457A-A4B7-21390F15F94F}" type="pres">
+      <dgm:prSet presAssocID="{B537E5C6-AC88-45DE-A692-878DAC35B119}" presName="parTxOnly" presStyleLbl="node1" presStyleIdx="2" presStyleCnt="7">
+        <dgm:presLayoutVars>
+          <dgm:chMax val="0"/>
+          <dgm:chPref val="0"/>
+          <dgm:bulletEnabled val="1"/>
+        </dgm:presLayoutVars>
+      </dgm:prSet>
+      <dgm:spPr/>
+      <dgm:t>
+        <a:bodyPr/>
+        <a:lstStyle/>
+        <a:p>
+          <a:endParaRPr lang="en-US"/>
+        </a:p>
+      </dgm:t>
+    </dgm:pt>
+    <dgm:pt modelId="{050E8A10-5846-4752-A63F-04EDD592E918}" type="pres">
+      <dgm:prSet presAssocID="{DE041BA8-1086-4C93-A56B-5A6A7F7943AB}" presName="parTxOnlySpace" presStyleCnt="0"/>
+      <dgm:spPr/>
+    </dgm:pt>
+    <dgm:pt modelId="{9D68CD03-B1A7-4BEA-B058-FD22B6150897}" type="pres">
+      <dgm:prSet presAssocID="{962489C9-99E7-4179-9C22-D64CAB835C31}" presName="parTxOnly" presStyleLbl="node1" presStyleIdx="3" presStyleCnt="7">
+        <dgm:presLayoutVars>
+          <dgm:chMax val="0"/>
+          <dgm:chPref val="0"/>
+          <dgm:bulletEnabled val="1"/>
+        </dgm:presLayoutVars>
+      </dgm:prSet>
+      <dgm:spPr/>
+      <dgm:t>
+        <a:bodyPr/>
+        <a:lstStyle/>
+        <a:p>
+          <a:endParaRPr lang="en-US"/>
+        </a:p>
+      </dgm:t>
+    </dgm:pt>
+    <dgm:pt modelId="{CA268DEB-688B-43F6-A789-5CB9AD8E0E8A}" type="pres">
+      <dgm:prSet presAssocID="{4A484662-FBA7-4F43-BE10-51AB84EA0D6F}" presName="parTxOnlySpace" presStyleCnt="0"/>
+      <dgm:spPr/>
+    </dgm:pt>
+    <dgm:pt modelId="{47EC26A5-DB58-47F3-B21F-7ECE3520D744}" type="pres">
+      <dgm:prSet presAssocID="{8A145133-89F4-4E11-BED7-033969110BEF}" presName="parTxOnly" presStyleLbl="node1" presStyleIdx="4" presStyleCnt="7">
+        <dgm:presLayoutVars>
+          <dgm:chMax val="0"/>
+          <dgm:chPref val="0"/>
+          <dgm:bulletEnabled val="1"/>
+        </dgm:presLayoutVars>
+      </dgm:prSet>
+      <dgm:spPr/>
+    </dgm:pt>
+    <dgm:pt modelId="{CE4688A7-E31F-48E4-A08F-2D3FA59A10C5}" type="pres">
+      <dgm:prSet presAssocID="{A211C329-5A6A-4787-B4B1-98439EF8D8DC}" presName="parTxOnlySpace" presStyleCnt="0"/>
+      <dgm:spPr/>
+    </dgm:pt>
+    <dgm:pt modelId="{1214DDDF-E3A3-4EB3-BFBD-CAE78864CA50}" type="pres">
+      <dgm:prSet presAssocID="{CF478C61-00AD-4194-8D4F-7DB2AE098B5C}" presName="parTxOnly" presStyleLbl="node1" presStyleIdx="5" presStyleCnt="7">
+        <dgm:presLayoutVars>
+          <dgm:chMax val="0"/>
+          <dgm:chPref val="0"/>
+          <dgm:bulletEnabled val="1"/>
+        </dgm:presLayoutVars>
+      </dgm:prSet>
+      <dgm:spPr/>
+    </dgm:pt>
+    <dgm:pt modelId="{9B48478D-4364-4A01-B914-3ECAC052B879}" type="pres">
+      <dgm:prSet presAssocID="{58567C9B-A274-4468-A0E3-EA814A581623}" presName="parTxOnlySpace" presStyleCnt="0"/>
+      <dgm:spPr/>
+    </dgm:pt>
+    <dgm:pt modelId="{5D5D5C88-985A-485D-991E-57409E5BC77A}" type="pres">
+      <dgm:prSet presAssocID="{C97B20BC-3CBA-411F-AB14-F158490C5BCC}" presName="parTxOnly" presStyleLbl="node1" presStyleIdx="6" presStyleCnt="7">
+        <dgm:presLayoutVars>
+          <dgm:chMax val="0"/>
+          <dgm:chPref val="0"/>
+          <dgm:bulletEnabled val="1"/>
+        </dgm:presLayoutVars>
+      </dgm:prSet>
+      <dgm:spPr/>
+      <dgm:t>
+        <a:bodyPr/>
+        <a:lstStyle/>
+        <a:p>
+          <a:endParaRPr lang="en-US"/>
+        </a:p>
+      </dgm:t>
+    </dgm:pt>
+  </dgm:ptLst>
+  <dgm:cxnLst>
+    <dgm:cxn modelId="{6189A4AA-D7EB-418F-9F2D-C66AC3C01A62}" srcId="{9450D4C9-C4B2-4911-A89A-514780CB9F15}" destId="{C97B20BC-3CBA-411F-AB14-F158490C5BCC}" srcOrd="6" destOrd="0" parTransId="{F7EE3B89-45E3-4220-BAF4-37722295D274}" sibTransId="{484765B2-A338-4F5A-B411-50FEAAE111D8}"/>
+    <dgm:cxn modelId="{C04C286E-F3CB-4F9C-A9D3-E1C714569928}" type="presOf" srcId="{962489C9-99E7-4179-9C22-D64CAB835C31}" destId="{9D68CD03-B1A7-4BEA-B058-FD22B6150897}" srcOrd="0" destOrd="0" presId="urn:microsoft.com/office/officeart/2005/8/layout/chevron1"/>
+    <dgm:cxn modelId="{9DF62359-97EF-4CF4-AE53-CD7F768719C7}" srcId="{9450D4C9-C4B2-4911-A89A-514780CB9F15}" destId="{B537E5C6-AC88-45DE-A692-878DAC35B119}" srcOrd="2" destOrd="0" parTransId="{21C1899A-364B-44E7-8777-92B33ED6457F}" sibTransId="{DE041BA8-1086-4C93-A56B-5A6A7F7943AB}"/>
+    <dgm:cxn modelId="{3472B545-712D-4EE5-A0FD-FCCE69A3F421}" srcId="{9450D4C9-C4B2-4911-A89A-514780CB9F15}" destId="{8A145133-89F4-4E11-BED7-033969110BEF}" srcOrd="4" destOrd="0" parTransId="{06C89CBF-459F-4019-BA59-A67EB395C5B9}" sibTransId="{A211C329-5A6A-4787-B4B1-98439EF8D8DC}"/>
+    <dgm:cxn modelId="{09C829B3-9421-472C-992B-F9C6C7EA8079}" srcId="{9450D4C9-C4B2-4911-A89A-514780CB9F15}" destId="{962489C9-99E7-4179-9C22-D64CAB835C31}" srcOrd="3" destOrd="0" parTransId="{44042CD2-4D4B-4F8B-847E-88E42BCD2928}" sibTransId="{4A484662-FBA7-4F43-BE10-51AB84EA0D6F}"/>
+    <dgm:cxn modelId="{7000B5C2-4F63-48D2-B345-7AAD7E3D400A}" type="presOf" srcId="{C97B20BC-3CBA-411F-AB14-F158490C5BCC}" destId="{5D5D5C88-985A-485D-991E-57409E5BC77A}" srcOrd="0" destOrd="0" presId="urn:microsoft.com/office/officeart/2005/8/layout/chevron1"/>
+    <dgm:cxn modelId="{7301DC52-2307-4D26-BB4E-D7886F63C24A}" type="presOf" srcId="{868111AE-E299-4D01-BF58-8129A9506C06}" destId="{771B5359-AC59-491F-AE7E-C91287E4A360}" srcOrd="0" destOrd="0" presId="urn:microsoft.com/office/officeart/2005/8/layout/chevron1"/>
+    <dgm:cxn modelId="{C378ED72-E206-4B76-B23C-B3B4B3340B73}" srcId="{9450D4C9-C4B2-4911-A89A-514780CB9F15}" destId="{CF478C61-00AD-4194-8D4F-7DB2AE098B5C}" srcOrd="5" destOrd="0" parTransId="{2EC35964-DAF3-4C89-B364-499868C294A8}" sibTransId="{58567C9B-A274-4468-A0E3-EA814A581623}"/>
+    <dgm:cxn modelId="{482379BC-5645-4FD0-878F-8EC4CDA2EED3}" type="presOf" srcId="{CF478C61-00AD-4194-8D4F-7DB2AE098B5C}" destId="{1214DDDF-E3A3-4EB3-BFBD-CAE78864CA50}" srcOrd="0" destOrd="0" presId="urn:microsoft.com/office/officeart/2005/8/layout/chevron1"/>
+    <dgm:cxn modelId="{0634C07E-9B92-4862-AE73-669FB447C23A}" type="presOf" srcId="{B537E5C6-AC88-45DE-A692-878DAC35B119}" destId="{5535CA09-926A-457A-A4B7-21390F15F94F}" srcOrd="0" destOrd="0" presId="urn:microsoft.com/office/officeart/2005/8/layout/chevron1"/>
+    <dgm:cxn modelId="{57BA3C68-BC2F-4757-8247-D0ABECA113C8}" type="presOf" srcId="{8A145133-89F4-4E11-BED7-033969110BEF}" destId="{47EC26A5-DB58-47F3-B21F-7ECE3520D744}" srcOrd="0" destOrd="0" presId="urn:microsoft.com/office/officeart/2005/8/layout/chevron1"/>
+    <dgm:cxn modelId="{B22E7FC3-8354-4071-9729-712A64B6BD46}" type="presOf" srcId="{9450D4C9-C4B2-4911-A89A-514780CB9F15}" destId="{460ED21A-C4DB-432F-A891-283E6D30FEEE}" srcOrd="0" destOrd="0" presId="urn:microsoft.com/office/officeart/2005/8/layout/chevron1"/>
+    <dgm:cxn modelId="{863F3A18-B337-4D3B-86F0-8953E07EAC44}" srcId="{9450D4C9-C4B2-4911-A89A-514780CB9F15}" destId="{868111AE-E299-4D01-BF58-8129A9506C06}" srcOrd="1" destOrd="0" parTransId="{C75652AF-634A-420D-9D96-F9B77B193B68}" sibTransId="{44CBE08D-1567-41F1-8953-1BAC21412B7A}"/>
+    <dgm:cxn modelId="{5F875D11-DB50-43F9-BDF2-78334F8D7E58}" srcId="{9450D4C9-C4B2-4911-A89A-514780CB9F15}" destId="{64331C73-F894-4973-9E15-1A620C348097}" srcOrd="0" destOrd="0" parTransId="{77CFB40D-6F23-4B24-A619-E0E618CEB0D8}" sibTransId="{FFC0C0DB-5B55-4194-A6BD-4ACC55D2B470}"/>
+    <dgm:cxn modelId="{DCDA388B-27FF-47A0-B71D-9F49880F0540}" type="presOf" srcId="{64331C73-F894-4973-9E15-1A620C348097}" destId="{09A00682-3313-476D-9195-849AA0621560}" srcOrd="0" destOrd="0" presId="urn:microsoft.com/office/officeart/2005/8/layout/chevron1"/>
+    <dgm:cxn modelId="{1F1AC9A6-1863-4DF6-8A35-A9EC6BD71052}" type="presParOf" srcId="{460ED21A-C4DB-432F-A891-283E6D30FEEE}" destId="{09A00682-3313-476D-9195-849AA0621560}" srcOrd="0" destOrd="0" presId="urn:microsoft.com/office/officeart/2005/8/layout/chevron1"/>
+    <dgm:cxn modelId="{2F60A8DF-413C-41EB-8BDD-E90ED6C35836}" type="presParOf" srcId="{460ED21A-C4DB-432F-A891-283E6D30FEEE}" destId="{99E3799A-A836-4FE8-B104-89D1C921FE24}" srcOrd="1" destOrd="0" presId="urn:microsoft.com/office/officeart/2005/8/layout/chevron1"/>
+    <dgm:cxn modelId="{118B86F9-54D1-46F1-92FC-BA458827B6E9}" type="presParOf" srcId="{460ED21A-C4DB-432F-A891-283E6D30FEEE}" destId="{771B5359-AC59-491F-AE7E-C91287E4A360}" srcOrd="2" destOrd="0" presId="urn:microsoft.com/office/officeart/2005/8/layout/chevron1"/>
+    <dgm:cxn modelId="{5EBADC4F-2E14-4E72-AB52-8EBE1E14239D}" type="presParOf" srcId="{460ED21A-C4DB-432F-A891-283E6D30FEEE}" destId="{75522E6D-27B7-40AA-A316-4A6613A7C57D}" srcOrd="3" destOrd="0" presId="urn:microsoft.com/office/officeart/2005/8/layout/chevron1"/>
+    <dgm:cxn modelId="{F4DC8A5A-8B2F-470B-B449-7AAE85019795}" type="presParOf" srcId="{460ED21A-C4DB-432F-A891-283E6D30FEEE}" destId="{5535CA09-926A-457A-A4B7-21390F15F94F}" srcOrd="4" destOrd="0" presId="urn:microsoft.com/office/officeart/2005/8/layout/chevron1"/>
+    <dgm:cxn modelId="{E2DC88B9-C297-4961-BB4B-E041773059C0}" type="presParOf" srcId="{460ED21A-C4DB-432F-A891-283E6D30FEEE}" destId="{050E8A10-5846-4752-A63F-04EDD592E918}" srcOrd="5" destOrd="0" presId="urn:microsoft.com/office/officeart/2005/8/layout/chevron1"/>
+    <dgm:cxn modelId="{C9866B5A-84A2-49F8-B77F-710F24CB19C0}" type="presParOf" srcId="{460ED21A-C4DB-432F-A891-283E6D30FEEE}" destId="{9D68CD03-B1A7-4BEA-B058-FD22B6150897}" srcOrd="6" destOrd="0" presId="urn:microsoft.com/office/officeart/2005/8/layout/chevron1"/>
+    <dgm:cxn modelId="{1DE563D7-D3C7-4582-A7A1-EF04DF3534A5}" type="presParOf" srcId="{460ED21A-C4DB-432F-A891-283E6D30FEEE}" destId="{CA268DEB-688B-43F6-A789-5CB9AD8E0E8A}" srcOrd="7" destOrd="0" presId="urn:microsoft.com/office/officeart/2005/8/layout/chevron1"/>
+    <dgm:cxn modelId="{1968FB94-7982-4FDF-AC31-7E584CD6BC75}" type="presParOf" srcId="{460ED21A-C4DB-432F-A891-283E6D30FEEE}" destId="{47EC26A5-DB58-47F3-B21F-7ECE3520D744}" srcOrd="8" destOrd="0" presId="urn:microsoft.com/office/officeart/2005/8/layout/chevron1"/>
+    <dgm:cxn modelId="{BDA3D8FA-D21A-41ED-9384-5CD47F0A3F07}" type="presParOf" srcId="{460ED21A-C4DB-432F-A891-283E6D30FEEE}" destId="{CE4688A7-E31F-48E4-A08F-2D3FA59A10C5}" srcOrd="9" destOrd="0" presId="urn:microsoft.com/office/officeart/2005/8/layout/chevron1"/>
+    <dgm:cxn modelId="{97591D7E-DFB2-4EB0-AC92-010C771CDB78}" type="presParOf" srcId="{460ED21A-C4DB-432F-A891-283E6D30FEEE}" destId="{1214DDDF-E3A3-4EB3-BFBD-CAE78864CA50}" srcOrd="10" destOrd="0" presId="urn:microsoft.com/office/officeart/2005/8/layout/chevron1"/>
+    <dgm:cxn modelId="{ECBECAE1-D1D0-4BF0-ACE5-DD4AE6529896}" type="presParOf" srcId="{460ED21A-C4DB-432F-A891-283E6D30FEEE}" destId="{9B48478D-4364-4A01-B914-3ECAC052B879}" srcOrd="11" destOrd="0" presId="urn:microsoft.com/office/officeart/2005/8/layout/chevron1"/>
+    <dgm:cxn modelId="{22B23F35-F549-46EB-9089-6C4E1CF3C71A}" type="presParOf" srcId="{460ED21A-C4DB-432F-A891-283E6D30FEEE}" destId="{5D5D5C88-985A-485D-991E-57409E5BC77A}" srcOrd="12" destOrd="0" presId="urn:microsoft.com/office/officeart/2005/8/layout/chevron1"/>
   </dgm:cxnLst>
   <dgm:bg/>
   <dgm:whole/>
@@ -1316,7 +2590,921 @@
 </dsp:drawing>
 </file>
 
+<file path=ppt/diagrams/drawing2.xml><?xml version="1.0" encoding="utf-8"?>
+<dsp:drawing xmlns:dgm="http://schemas.openxmlformats.org/drawingml/2006/diagram" xmlns:dsp="http://schemas.microsoft.com/office/drawing/2008/diagram" xmlns:a="http://schemas.openxmlformats.org/drawingml/2006/main">
+  <dsp:spTree>
+    <dsp:nvGrpSpPr>
+      <dsp:cNvPr id="0" name=""/>
+      <dsp:cNvGrpSpPr/>
+    </dsp:nvGrpSpPr>
+    <dsp:grpSpPr/>
+    <dsp:sp modelId="{09A00682-3313-476D-9195-849AA0621560}">
+      <dsp:nvSpPr>
+        <dsp:cNvPr id="0" name=""/>
+        <dsp:cNvSpPr/>
+      </dsp:nvSpPr>
+      <dsp:spPr>
+        <a:xfrm>
+          <a:off x="0" y="1397793"/>
+          <a:ext cx="1393031" cy="557212"/>
+        </a:xfrm>
+        <a:prstGeom prst="chevron">
+          <a:avLst/>
+        </a:prstGeom>
+        <a:solidFill>
+          <a:schemeClr val="accent1">
+            <a:hueOff val="0"/>
+            <a:satOff val="0"/>
+            <a:lumOff val="0"/>
+            <a:alphaOff val="0"/>
+          </a:schemeClr>
+        </a:solidFill>
+        <a:ln w="25400" cap="flat" cmpd="sng" algn="ctr">
+          <a:solidFill>
+            <a:schemeClr val="lt1">
+              <a:hueOff val="0"/>
+              <a:satOff val="0"/>
+              <a:lumOff val="0"/>
+              <a:alphaOff val="0"/>
+            </a:schemeClr>
+          </a:solidFill>
+          <a:prstDash val="solid"/>
+        </a:ln>
+        <a:effectLst/>
+      </dsp:spPr>
+      <dsp:style>
+        <a:lnRef idx="2">
+          <a:scrgbClr r="0" g="0" b="0"/>
+        </a:lnRef>
+        <a:fillRef idx="1">
+          <a:scrgbClr r="0" g="0" b="0"/>
+        </a:fillRef>
+        <a:effectRef idx="0">
+          <a:scrgbClr r="0" g="0" b="0"/>
+        </a:effectRef>
+        <a:fontRef idx="minor">
+          <a:schemeClr val="lt1"/>
+        </a:fontRef>
+      </dsp:style>
+      <dsp:txBody>
+        <a:bodyPr spcFirstLastPara="0" vert="horz" wrap="square" lIns="40005" tIns="13335" rIns="13335" bIns="13335" numCol="1" spcCol="1270" anchor="ctr" anchorCtr="0">
+          <a:noAutofit/>
+        </a:bodyPr>
+        <a:lstStyle/>
+        <a:p>
+          <a:pPr lvl="0" algn="ctr" defTabSz="444500">
+            <a:lnSpc>
+              <a:spcPct val="90000"/>
+            </a:lnSpc>
+            <a:spcBef>
+              <a:spcPct val="0"/>
+            </a:spcBef>
+            <a:spcAft>
+              <a:spcPct val="35000"/>
+            </a:spcAft>
+          </a:pPr>
+          <a:r>
+            <a:rPr lang="en-US" sz="1000" kern="1200" dirty="0" smtClean="0">
+              <a:solidFill>
+                <a:schemeClr val="tx1"/>
+              </a:solidFill>
+            </a:rPr>
+            <a:t>Input </a:t>
+          </a:r>
+          <a:r>
+            <a:rPr lang="en-US" sz="1000" kern="1200" dirty="0" smtClean="0">
+              <a:solidFill>
+                <a:schemeClr val="tx1"/>
+              </a:solidFill>
+            </a:rPr>
+            <a:t>Parsing</a:t>
+          </a:r>
+          <a:endParaRPr lang="en-US" sz="1000" kern="1200" dirty="0">
+            <a:solidFill>
+              <a:schemeClr val="tx1"/>
+            </a:solidFill>
+          </a:endParaRPr>
+        </a:p>
+      </dsp:txBody>
+      <dsp:txXfrm>
+        <a:off x="278606" y="1397793"/>
+        <a:ext cx="835819" cy="557212"/>
+      </dsp:txXfrm>
+    </dsp:sp>
+    <dsp:sp modelId="{771B5359-AC59-491F-AE7E-C91287E4A360}">
+      <dsp:nvSpPr>
+        <dsp:cNvPr id="0" name=""/>
+        <dsp:cNvSpPr/>
+      </dsp:nvSpPr>
+      <dsp:spPr>
+        <a:xfrm>
+          <a:off x="1253728" y="1397793"/>
+          <a:ext cx="1393031" cy="557212"/>
+        </a:xfrm>
+        <a:prstGeom prst="chevron">
+          <a:avLst/>
+        </a:prstGeom>
+        <a:solidFill>
+          <a:schemeClr val="accent1">
+            <a:hueOff val="0"/>
+            <a:satOff val="0"/>
+            <a:lumOff val="0"/>
+            <a:alphaOff val="0"/>
+          </a:schemeClr>
+        </a:solidFill>
+        <a:ln w="25400" cap="flat" cmpd="sng" algn="ctr">
+          <a:solidFill>
+            <a:schemeClr val="lt1">
+              <a:hueOff val="0"/>
+              <a:satOff val="0"/>
+              <a:lumOff val="0"/>
+              <a:alphaOff val="0"/>
+            </a:schemeClr>
+          </a:solidFill>
+          <a:prstDash val="solid"/>
+        </a:ln>
+        <a:effectLst/>
+      </dsp:spPr>
+      <dsp:style>
+        <a:lnRef idx="2">
+          <a:scrgbClr r="0" g="0" b="0"/>
+        </a:lnRef>
+        <a:fillRef idx="1">
+          <a:scrgbClr r="0" g="0" b="0"/>
+        </a:fillRef>
+        <a:effectRef idx="0">
+          <a:scrgbClr r="0" g="0" b="0"/>
+        </a:effectRef>
+        <a:fontRef idx="minor">
+          <a:schemeClr val="lt1"/>
+        </a:fontRef>
+      </dsp:style>
+      <dsp:txBody>
+        <a:bodyPr spcFirstLastPara="0" vert="horz" wrap="square" lIns="40005" tIns="13335" rIns="13335" bIns="13335" numCol="1" spcCol="1270" anchor="ctr" anchorCtr="0">
+          <a:noAutofit/>
+        </a:bodyPr>
+        <a:lstStyle/>
+        <a:p>
+          <a:pPr lvl="0" algn="ctr" defTabSz="444500">
+            <a:lnSpc>
+              <a:spcPct val="90000"/>
+            </a:lnSpc>
+            <a:spcBef>
+              <a:spcPct val="0"/>
+            </a:spcBef>
+            <a:spcAft>
+              <a:spcPct val="35000"/>
+            </a:spcAft>
+          </a:pPr>
+          <a:r>
+            <a:rPr lang="en-US" sz="1000" kern="1200" dirty="0" smtClean="0">
+              <a:solidFill>
+                <a:schemeClr val="tx1"/>
+              </a:solidFill>
+            </a:rPr>
+            <a:t>Print </a:t>
+          </a:r>
+          <a:r>
+            <a:rPr lang="en-US" sz="1000" kern="1200" dirty="0" smtClean="0">
+              <a:solidFill>
+                <a:schemeClr val="tx1"/>
+              </a:solidFill>
+            </a:rPr>
+            <a:t>object arrangement</a:t>
+          </a:r>
+          <a:endParaRPr lang="en-US" sz="1000" kern="1200" dirty="0">
+            <a:solidFill>
+              <a:schemeClr val="tx1"/>
+            </a:solidFill>
+          </a:endParaRPr>
+        </a:p>
+      </dsp:txBody>
+      <dsp:txXfrm>
+        <a:off x="1532334" y="1397793"/>
+        <a:ext cx="835819" cy="557212"/>
+      </dsp:txXfrm>
+    </dsp:sp>
+    <dsp:sp modelId="{5535CA09-926A-457A-A4B7-21390F15F94F}">
+      <dsp:nvSpPr>
+        <dsp:cNvPr id="0" name=""/>
+        <dsp:cNvSpPr/>
+      </dsp:nvSpPr>
+      <dsp:spPr>
+        <a:xfrm>
+          <a:off x="2507456" y="1397793"/>
+          <a:ext cx="1393031" cy="557212"/>
+        </a:xfrm>
+        <a:prstGeom prst="chevron">
+          <a:avLst/>
+        </a:prstGeom>
+        <a:solidFill>
+          <a:schemeClr val="accent1">
+            <a:hueOff val="0"/>
+            <a:satOff val="0"/>
+            <a:lumOff val="0"/>
+            <a:alphaOff val="0"/>
+          </a:schemeClr>
+        </a:solidFill>
+        <a:ln w="25400" cap="flat" cmpd="sng" algn="ctr">
+          <a:solidFill>
+            <a:schemeClr val="lt1">
+              <a:hueOff val="0"/>
+              <a:satOff val="0"/>
+              <a:lumOff val="0"/>
+              <a:alphaOff val="0"/>
+            </a:schemeClr>
+          </a:solidFill>
+          <a:prstDash val="solid"/>
+        </a:ln>
+        <a:effectLst/>
+      </dsp:spPr>
+      <dsp:style>
+        <a:lnRef idx="2">
+          <a:scrgbClr r="0" g="0" b="0"/>
+        </a:lnRef>
+        <a:fillRef idx="1">
+          <a:scrgbClr r="0" g="0" b="0"/>
+        </a:fillRef>
+        <a:effectRef idx="0">
+          <a:scrgbClr r="0" g="0" b="0"/>
+        </a:effectRef>
+        <a:fontRef idx="minor">
+          <a:schemeClr val="lt1"/>
+        </a:fontRef>
+      </dsp:style>
+      <dsp:txBody>
+        <a:bodyPr spcFirstLastPara="0" vert="horz" wrap="square" lIns="40005" tIns="13335" rIns="13335" bIns="13335" numCol="1" spcCol="1270" anchor="ctr" anchorCtr="0">
+          <a:noAutofit/>
+        </a:bodyPr>
+        <a:lstStyle/>
+        <a:p>
+          <a:pPr lvl="0" algn="ctr" defTabSz="444500">
+            <a:lnSpc>
+              <a:spcPct val="90000"/>
+            </a:lnSpc>
+            <a:spcBef>
+              <a:spcPct val="0"/>
+            </a:spcBef>
+            <a:spcAft>
+              <a:spcPct val="35000"/>
+            </a:spcAft>
+          </a:pPr>
+          <a:r>
+            <a:rPr lang="en-US" sz="1000" kern="1200" dirty="0" smtClean="0">
+              <a:solidFill>
+                <a:schemeClr val="tx1"/>
+              </a:solidFill>
+            </a:rPr>
+            <a:t>Rasterization </a:t>
+          </a:r>
+          <a:r>
+            <a:rPr lang="en-US" sz="1000" kern="1200" dirty="0" smtClean="0">
+              <a:solidFill>
+                <a:schemeClr val="tx1"/>
+              </a:solidFill>
+            </a:rPr>
+            <a:t>&amp; Voxelization</a:t>
+          </a:r>
+          <a:endParaRPr lang="en-US" sz="1000" kern="1200" dirty="0">
+            <a:solidFill>
+              <a:schemeClr val="tx1"/>
+            </a:solidFill>
+          </a:endParaRPr>
+        </a:p>
+      </dsp:txBody>
+      <dsp:txXfrm>
+        <a:off x="2786062" y="1397793"/>
+        <a:ext cx="835819" cy="557212"/>
+      </dsp:txXfrm>
+    </dsp:sp>
+    <dsp:sp modelId="{9D68CD03-B1A7-4BEA-B058-FD22B6150897}">
+      <dsp:nvSpPr>
+        <dsp:cNvPr id="0" name=""/>
+        <dsp:cNvSpPr/>
+      </dsp:nvSpPr>
+      <dsp:spPr>
+        <a:xfrm>
+          <a:off x="3761184" y="1397793"/>
+          <a:ext cx="1393031" cy="557212"/>
+        </a:xfrm>
+        <a:prstGeom prst="chevron">
+          <a:avLst/>
+        </a:prstGeom>
+        <a:solidFill>
+          <a:schemeClr val="accent1">
+            <a:hueOff val="0"/>
+            <a:satOff val="0"/>
+            <a:lumOff val="0"/>
+            <a:alphaOff val="0"/>
+          </a:schemeClr>
+        </a:solidFill>
+        <a:ln w="25400" cap="flat" cmpd="sng" algn="ctr">
+          <a:solidFill>
+            <a:schemeClr val="lt1">
+              <a:hueOff val="0"/>
+              <a:satOff val="0"/>
+              <a:lumOff val="0"/>
+              <a:alphaOff val="0"/>
+            </a:schemeClr>
+          </a:solidFill>
+          <a:prstDash val="solid"/>
+        </a:ln>
+        <a:effectLst/>
+      </dsp:spPr>
+      <dsp:style>
+        <a:lnRef idx="2">
+          <a:scrgbClr r="0" g="0" b="0"/>
+        </a:lnRef>
+        <a:fillRef idx="1">
+          <a:scrgbClr r="0" g="0" b="0"/>
+        </a:fillRef>
+        <a:effectRef idx="0">
+          <a:scrgbClr r="0" g="0" b="0"/>
+        </a:effectRef>
+        <a:fontRef idx="minor">
+          <a:schemeClr val="lt1"/>
+        </a:fontRef>
+      </dsp:style>
+      <dsp:txBody>
+        <a:bodyPr spcFirstLastPara="0" vert="horz" wrap="square" lIns="40005" tIns="13335" rIns="13335" bIns="13335" numCol="1" spcCol="1270" anchor="ctr" anchorCtr="0">
+          <a:noAutofit/>
+        </a:bodyPr>
+        <a:lstStyle/>
+        <a:p>
+          <a:pPr lvl="0" algn="ctr" defTabSz="444500">
+            <a:lnSpc>
+              <a:spcPct val="90000"/>
+            </a:lnSpc>
+            <a:spcBef>
+              <a:spcPct val="0"/>
+            </a:spcBef>
+            <a:spcAft>
+              <a:spcPct val="35000"/>
+            </a:spcAft>
+          </a:pPr>
+          <a:r>
+            <a:rPr lang="en-US" sz="1000" kern="1200" dirty="0" smtClean="0">
+              <a:solidFill>
+                <a:schemeClr val="tx1"/>
+              </a:solidFill>
+            </a:rPr>
+            <a:t>Tonal Value Calculation</a:t>
+          </a:r>
+          <a:endParaRPr lang="en-US" sz="1000" kern="1200" dirty="0">
+            <a:solidFill>
+              <a:schemeClr val="tx1"/>
+            </a:solidFill>
+          </a:endParaRPr>
+        </a:p>
+      </dsp:txBody>
+      <dsp:txXfrm>
+        <a:off x="4039790" y="1397793"/>
+        <a:ext cx="835819" cy="557212"/>
+      </dsp:txXfrm>
+    </dsp:sp>
+    <dsp:sp modelId="{47EC26A5-DB58-47F3-B21F-7ECE3520D744}">
+      <dsp:nvSpPr>
+        <dsp:cNvPr id="0" name=""/>
+        <dsp:cNvSpPr/>
+      </dsp:nvSpPr>
+      <dsp:spPr>
+        <a:xfrm>
+          <a:off x="5014912" y="1397793"/>
+          <a:ext cx="1393031" cy="557212"/>
+        </a:xfrm>
+        <a:prstGeom prst="chevron">
+          <a:avLst/>
+        </a:prstGeom>
+        <a:solidFill>
+          <a:schemeClr val="accent1">
+            <a:hueOff val="0"/>
+            <a:satOff val="0"/>
+            <a:lumOff val="0"/>
+            <a:alphaOff val="0"/>
+          </a:schemeClr>
+        </a:solidFill>
+        <a:ln w="25400" cap="flat" cmpd="sng" algn="ctr">
+          <a:solidFill>
+            <a:schemeClr val="lt1">
+              <a:hueOff val="0"/>
+              <a:satOff val="0"/>
+              <a:lumOff val="0"/>
+              <a:alphaOff val="0"/>
+            </a:schemeClr>
+          </a:solidFill>
+          <a:prstDash val="solid"/>
+        </a:ln>
+        <a:effectLst/>
+      </dsp:spPr>
+      <dsp:style>
+        <a:lnRef idx="2">
+          <a:scrgbClr r="0" g="0" b="0"/>
+        </a:lnRef>
+        <a:fillRef idx="1">
+          <a:scrgbClr r="0" g="0" b="0"/>
+        </a:fillRef>
+        <a:effectRef idx="0">
+          <a:scrgbClr r="0" g="0" b="0"/>
+        </a:effectRef>
+        <a:fontRef idx="minor">
+          <a:schemeClr val="lt1"/>
+        </a:fontRef>
+      </dsp:style>
+      <dsp:txBody>
+        <a:bodyPr spcFirstLastPara="0" vert="horz" wrap="square" lIns="40005" tIns="13335" rIns="13335" bIns="13335" numCol="1" spcCol="1270" anchor="ctr" anchorCtr="0">
+          <a:noAutofit/>
+        </a:bodyPr>
+        <a:lstStyle/>
+        <a:p>
+          <a:pPr lvl="0" algn="ctr" defTabSz="444500">
+            <a:lnSpc>
+              <a:spcPct val="90000"/>
+            </a:lnSpc>
+            <a:spcBef>
+              <a:spcPct val="0"/>
+            </a:spcBef>
+            <a:spcAft>
+              <a:spcPct val="35000"/>
+            </a:spcAft>
+          </a:pPr>
+          <a:r>
+            <a:rPr lang="en-US" sz="1000" kern="1200" dirty="0" smtClean="0">
+              <a:solidFill>
+                <a:schemeClr val="tx1"/>
+              </a:solidFill>
+            </a:rPr>
+            <a:t>Layer Extraction and Half-toning</a:t>
+          </a:r>
+          <a:endParaRPr lang="en-US" sz="1000" kern="1200" dirty="0">
+            <a:solidFill>
+              <a:schemeClr val="tx1"/>
+            </a:solidFill>
+          </a:endParaRPr>
+        </a:p>
+      </dsp:txBody>
+      <dsp:txXfrm>
+        <a:off x="5293518" y="1397793"/>
+        <a:ext cx="835819" cy="557212"/>
+      </dsp:txXfrm>
+    </dsp:sp>
+    <dsp:sp modelId="{1214DDDF-E3A3-4EB3-BFBD-CAE78864CA50}">
+      <dsp:nvSpPr>
+        <dsp:cNvPr id="0" name=""/>
+        <dsp:cNvSpPr/>
+      </dsp:nvSpPr>
+      <dsp:spPr>
+        <a:xfrm>
+          <a:off x="6268640" y="1397793"/>
+          <a:ext cx="1393031" cy="557212"/>
+        </a:xfrm>
+        <a:prstGeom prst="chevron">
+          <a:avLst/>
+        </a:prstGeom>
+        <a:solidFill>
+          <a:schemeClr val="accent1">
+            <a:hueOff val="0"/>
+            <a:satOff val="0"/>
+            <a:lumOff val="0"/>
+            <a:alphaOff val="0"/>
+          </a:schemeClr>
+        </a:solidFill>
+        <a:ln w="25400" cap="flat" cmpd="sng" algn="ctr">
+          <a:solidFill>
+            <a:schemeClr val="lt1">
+              <a:hueOff val="0"/>
+              <a:satOff val="0"/>
+              <a:lumOff val="0"/>
+              <a:alphaOff val="0"/>
+            </a:schemeClr>
+          </a:solidFill>
+          <a:prstDash val="solid"/>
+        </a:ln>
+        <a:effectLst/>
+      </dsp:spPr>
+      <dsp:style>
+        <a:lnRef idx="2">
+          <a:scrgbClr r="0" g="0" b="0"/>
+        </a:lnRef>
+        <a:fillRef idx="1">
+          <a:scrgbClr r="0" g="0" b="0"/>
+        </a:fillRef>
+        <a:effectRef idx="0">
+          <a:scrgbClr r="0" g="0" b="0"/>
+        </a:effectRef>
+        <a:fontRef idx="minor">
+          <a:schemeClr val="lt1"/>
+        </a:fontRef>
+      </dsp:style>
+      <dsp:txBody>
+        <a:bodyPr spcFirstLastPara="0" vert="horz" wrap="square" lIns="40005" tIns="13335" rIns="13335" bIns="13335" numCol="1" spcCol="1270" anchor="ctr" anchorCtr="0">
+          <a:noAutofit/>
+        </a:bodyPr>
+        <a:lstStyle/>
+        <a:p>
+          <a:pPr lvl="0" algn="ctr" defTabSz="444500">
+            <a:lnSpc>
+              <a:spcPct val="90000"/>
+            </a:lnSpc>
+            <a:spcBef>
+              <a:spcPct val="0"/>
+            </a:spcBef>
+            <a:spcAft>
+              <a:spcPct val="35000"/>
+            </a:spcAft>
+          </a:pPr>
+          <a:r>
+            <a:rPr lang="en-US" sz="1000" kern="1200" dirty="0" smtClean="0">
+              <a:solidFill>
+                <a:schemeClr val="tx1"/>
+              </a:solidFill>
+            </a:rPr>
+            <a:t>Surface Distance Evaluation</a:t>
+          </a:r>
+          <a:endParaRPr lang="en-US" sz="1000" kern="1200" dirty="0">
+            <a:solidFill>
+              <a:schemeClr val="tx1"/>
+            </a:solidFill>
+          </a:endParaRPr>
+        </a:p>
+      </dsp:txBody>
+      <dsp:txXfrm>
+        <a:off x="6547246" y="1397793"/>
+        <a:ext cx="835819" cy="557212"/>
+      </dsp:txXfrm>
+    </dsp:sp>
+    <dsp:sp modelId="{5D5D5C88-985A-485D-991E-57409E5BC77A}">
+      <dsp:nvSpPr>
+        <dsp:cNvPr id="0" name=""/>
+        <dsp:cNvSpPr/>
+      </dsp:nvSpPr>
+      <dsp:spPr>
+        <a:xfrm>
+          <a:off x="7522368" y="1397793"/>
+          <a:ext cx="1393031" cy="557212"/>
+        </a:xfrm>
+        <a:prstGeom prst="chevron">
+          <a:avLst/>
+        </a:prstGeom>
+        <a:solidFill>
+          <a:schemeClr val="accent1">
+            <a:hueOff val="0"/>
+            <a:satOff val="0"/>
+            <a:lumOff val="0"/>
+            <a:alphaOff val="0"/>
+          </a:schemeClr>
+        </a:solidFill>
+        <a:ln w="25400" cap="flat" cmpd="sng" algn="ctr">
+          <a:solidFill>
+            <a:schemeClr val="lt1">
+              <a:hueOff val="0"/>
+              <a:satOff val="0"/>
+              <a:lumOff val="0"/>
+              <a:alphaOff val="0"/>
+            </a:schemeClr>
+          </a:solidFill>
+          <a:prstDash val="solid"/>
+        </a:ln>
+        <a:effectLst/>
+      </dsp:spPr>
+      <dsp:style>
+        <a:lnRef idx="2">
+          <a:scrgbClr r="0" g="0" b="0"/>
+        </a:lnRef>
+        <a:fillRef idx="1">
+          <a:scrgbClr r="0" g="0" b="0"/>
+        </a:fillRef>
+        <a:effectRef idx="0">
+          <a:scrgbClr r="0" g="0" b="0"/>
+        </a:effectRef>
+        <a:fontRef idx="minor">
+          <a:schemeClr val="lt1"/>
+        </a:fontRef>
+      </dsp:style>
+      <dsp:txBody>
+        <a:bodyPr spcFirstLastPara="0" vert="horz" wrap="square" lIns="40005" tIns="13335" rIns="13335" bIns="13335" numCol="1" spcCol="1270" anchor="ctr" anchorCtr="0">
+          <a:noAutofit/>
+        </a:bodyPr>
+        <a:lstStyle/>
+        <a:p>
+          <a:pPr lvl="0" algn="ctr" defTabSz="444500">
+            <a:lnSpc>
+              <a:spcPct val="90000"/>
+            </a:lnSpc>
+            <a:spcBef>
+              <a:spcPct val="0"/>
+            </a:spcBef>
+            <a:spcAft>
+              <a:spcPct val="35000"/>
+            </a:spcAft>
+          </a:pPr>
+          <a:r>
+            <a:rPr lang="en-US" sz="1000" kern="1200" dirty="0" smtClean="0">
+              <a:solidFill>
+                <a:schemeClr val="tx1"/>
+              </a:solidFill>
+            </a:rPr>
+            <a:t>Output Generation</a:t>
+          </a:r>
+          <a:endParaRPr lang="en-US" sz="1000" kern="1200" dirty="0">
+            <a:solidFill>
+              <a:schemeClr val="tx1"/>
+            </a:solidFill>
+          </a:endParaRPr>
+        </a:p>
+      </dsp:txBody>
+      <dsp:txXfrm>
+        <a:off x="7800974" y="1397793"/>
+        <a:ext cx="835819" cy="557212"/>
+      </dsp:txXfrm>
+    </dsp:sp>
+  </dsp:spTree>
+</dsp:drawing>
+</file>
+
 <file path=ppt/diagrams/layout1.xml><?xml version="1.0" encoding="utf-8"?>
+<dgm:layoutDef xmlns:dgm="http://schemas.openxmlformats.org/drawingml/2006/diagram" xmlns:a="http://schemas.openxmlformats.org/drawingml/2006/main" uniqueId="urn:microsoft.com/office/officeart/2005/8/layout/chevron1">
+  <dgm:title val=""/>
+  <dgm:desc val=""/>
+  <dgm:catLst>
+    <dgm:cat type="process" pri="9000"/>
+  </dgm:catLst>
+  <dgm:sampData useDef="1">
+    <dgm:dataModel>
+      <dgm:ptLst/>
+      <dgm:bg/>
+      <dgm:whole/>
+    </dgm:dataModel>
+  </dgm:sampData>
+  <dgm:styleData>
+    <dgm:dataModel>
+      <dgm:ptLst>
+        <dgm:pt modelId="0" type="doc"/>
+        <dgm:pt modelId="1"/>
+        <dgm:pt modelId="2"/>
+      </dgm:ptLst>
+      <dgm:cxnLst>
+        <dgm:cxn modelId="3" srcId="0" destId="1" srcOrd="0" destOrd="0"/>
+        <dgm:cxn modelId="4" srcId="0" destId="2" srcOrd="1" destOrd="0"/>
+      </dgm:cxnLst>
+      <dgm:bg/>
+      <dgm:whole/>
+    </dgm:dataModel>
+  </dgm:styleData>
+  <dgm:clrData>
+    <dgm:dataModel>
+      <dgm:ptLst>
+        <dgm:pt modelId="0" type="doc"/>
+        <dgm:pt modelId="1"/>
+        <dgm:pt modelId="2"/>
+        <dgm:pt modelId="3"/>
+        <dgm:pt modelId="4"/>
+      </dgm:ptLst>
+      <dgm:cxnLst>
+        <dgm:cxn modelId="5" srcId="0" destId="1" srcOrd="0" destOrd="0"/>
+        <dgm:cxn modelId="6" srcId="0" destId="2" srcOrd="1" destOrd="0"/>
+        <dgm:cxn modelId="7" srcId="0" destId="3" srcOrd="2" destOrd="0"/>
+        <dgm:cxn modelId="8" srcId="0" destId="4" srcOrd="3" destOrd="0"/>
+      </dgm:cxnLst>
+      <dgm:bg/>
+      <dgm:whole/>
+    </dgm:dataModel>
+  </dgm:clrData>
+  <dgm:layoutNode name="Name0">
+    <dgm:varLst>
+      <dgm:dir/>
+      <dgm:animLvl val="lvl"/>
+      <dgm:resizeHandles val="exact"/>
+    </dgm:varLst>
+    <dgm:choose name="Name1">
+      <dgm:if name="Name2" func="var" arg="dir" op="equ" val="norm">
+        <dgm:alg type="lin"/>
+      </dgm:if>
+      <dgm:else name="Name3">
+        <dgm:alg type="lin">
+          <dgm:param type="linDir" val="fromR"/>
+        </dgm:alg>
+      </dgm:else>
+    </dgm:choose>
+    <dgm:shape xmlns:r="http://schemas.openxmlformats.org/officeDocument/2006/relationships" r:blip="">
+      <dgm:adjLst/>
+    </dgm:shape>
+    <dgm:presOf/>
+    <dgm:choose name="Name4">
+      <dgm:if name="Name5" axis="des" func="maxDepth" op="gte" val="2">
+        <dgm:constrLst>
+          <dgm:constr type="h" for="ch" forName="composite" refType="h"/>
+          <dgm:constr type="w" for="ch" forName="composite" refType="w"/>
+          <dgm:constr type="w" for="des" forName="parTx"/>
+          <dgm:constr type="h" for="des" forName="parTx" op="equ"/>
+          <dgm:constr type="w" for="des" forName="desTx"/>
+          <dgm:constr type="h" for="des" forName="desTx" op="equ"/>
+          <dgm:constr type="primFontSz" for="des" forName="parTx" val="65"/>
+          <dgm:constr type="secFontSz" for="des" forName="desTx" refType="primFontSz" refFor="des" refForName="parTx" op="equ"/>
+          <dgm:constr type="h" for="des" forName="parTx" refType="primFontSz" refFor="des" refForName="parTx" fact="1.5"/>
+          <dgm:constr type="h" for="des" forName="desTx" refType="primFontSz" refFor="des" refForName="parTx" fact="0.5"/>
+          <dgm:constr type="w" for="ch" forName="space" op="equ" val="-6"/>
+        </dgm:constrLst>
+        <dgm:ruleLst>
+          <dgm:rule type="w" for="ch" forName="composite" val="0" fact="NaN" max="NaN"/>
+          <dgm:rule type="primFontSz" for="des" forName="parTx" val="5" fact="NaN" max="NaN"/>
+        </dgm:ruleLst>
+        <dgm:forEach name="Name6" axis="ch" ptType="node">
+          <dgm:layoutNode name="composite">
+            <dgm:alg type="composite"/>
+            <dgm:shape xmlns:r="http://schemas.openxmlformats.org/officeDocument/2006/relationships" r:blip="">
+              <dgm:adjLst/>
+            </dgm:shape>
+            <dgm:presOf/>
+            <dgm:choose name="Name7">
+              <dgm:if name="Name8" func="var" arg="dir" op="equ" val="norm">
+                <dgm:constrLst>
+                  <dgm:constr type="l" for="ch" forName="parTx"/>
+                  <dgm:constr type="w" for="ch" forName="parTx" refType="w"/>
+                  <dgm:constr type="t" for="ch" forName="parTx"/>
+                  <dgm:constr type="l" for="ch" forName="desTx"/>
+                  <dgm:constr type="w" for="ch" forName="desTx" refType="w" refFor="ch" refForName="parTx" fact="0.8"/>
+                  <dgm:constr type="t" for="ch" forName="desTx" refType="h" refFor="ch" refForName="parTx" fact="1.125"/>
+                </dgm:constrLst>
+              </dgm:if>
+              <dgm:else name="Name9">
+                <dgm:constrLst>
+                  <dgm:constr type="l" for="ch" forName="parTx"/>
+                  <dgm:constr type="w" for="ch" forName="parTx" refType="w"/>
+                  <dgm:constr type="t" for="ch" forName="parTx"/>
+                  <dgm:constr type="l" for="ch" forName="desTx" refType="w" fact="0.2"/>
+                  <dgm:constr type="w" for="ch" forName="desTx" refType="w" refFor="ch" refForName="parTx" fact="0.8"/>
+                  <dgm:constr type="t" for="ch" forName="desTx" refType="h" refFor="ch" refForName="parTx" fact="1.125"/>
+                </dgm:constrLst>
+              </dgm:else>
+            </dgm:choose>
+            <dgm:ruleLst>
+              <dgm:rule type="h" val="INF" fact="NaN" max="NaN"/>
+            </dgm:ruleLst>
+            <dgm:layoutNode name="parTx">
+              <dgm:varLst>
+                <dgm:chMax val="0"/>
+                <dgm:chPref val="0"/>
+                <dgm:bulletEnabled val="1"/>
+              </dgm:varLst>
+              <dgm:alg type="tx"/>
+              <dgm:choose name="Name10">
+                <dgm:if name="Name11" func="var" arg="dir" op="equ" val="norm">
+                  <dgm:shape xmlns:r="http://schemas.openxmlformats.org/officeDocument/2006/relationships" type="chevron" r:blip="">
+                    <dgm:adjLst/>
+                  </dgm:shape>
+                </dgm:if>
+                <dgm:else name="Name12">
+                  <dgm:shape xmlns:r="http://schemas.openxmlformats.org/officeDocument/2006/relationships" rot="180" type="chevron" r:blip="">
+                    <dgm:adjLst/>
+                  </dgm:shape>
+                </dgm:else>
+              </dgm:choose>
+              <dgm:presOf axis="self" ptType="node"/>
+              <dgm:choose name="Name13">
+                <dgm:if name="Name14" func="var" arg="dir" op="equ" val="norm">
+                  <dgm:constrLst>
+                    <dgm:constr type="h" refType="w" op="lte" fact="0.4"/>
+                    <dgm:constr type="h"/>
+                    <dgm:constr type="tMarg" refType="primFontSz" fact="0.105"/>
+                    <dgm:constr type="bMarg" refType="primFontSz" fact="0.105"/>
+                    <dgm:constr type="lMarg" refType="primFontSz" fact="0.315"/>
+                    <dgm:constr type="rMarg" refType="primFontSz" fact="0.105"/>
+                  </dgm:constrLst>
+                </dgm:if>
+                <dgm:else name="Name15">
+                  <dgm:constrLst>
+                    <dgm:constr type="h" refType="w" op="lte" fact="0.4"/>
+                    <dgm:constr type="h"/>
+                    <dgm:constr type="tMarg" refType="primFontSz" fact="0.105"/>
+                    <dgm:constr type="bMarg" refType="primFontSz" fact="0.105"/>
+                    <dgm:constr type="lMarg" refType="primFontSz" fact="0.105"/>
+                    <dgm:constr type="rMarg" refType="primFontSz" fact="0.315"/>
+                  </dgm:constrLst>
+                </dgm:else>
+              </dgm:choose>
+              <dgm:ruleLst>
+                <dgm:rule type="h" val="INF" fact="NaN" max="NaN"/>
+              </dgm:ruleLst>
+            </dgm:layoutNode>
+            <dgm:layoutNode name="desTx" styleLbl="revTx">
+              <dgm:varLst>
+                <dgm:bulletEnabled val="1"/>
+              </dgm:varLst>
+              <dgm:alg type="tx">
+                <dgm:param type="stBulletLvl" val="1"/>
+              </dgm:alg>
+              <dgm:choose name="Name16">
+                <dgm:if name="Name17" axis="ch" ptType="node" func="cnt" op="gte" val="1">
+                  <dgm:shape xmlns:r="http://schemas.openxmlformats.org/officeDocument/2006/relationships" type="rect" r:blip="">
+                    <dgm:adjLst/>
+                  </dgm:shape>
+                </dgm:if>
+                <dgm:else name="Name18">
+                  <dgm:shape xmlns:r="http://schemas.openxmlformats.org/officeDocument/2006/relationships" type="rect" r:blip="" hideGeom="1">
+                    <dgm:adjLst/>
+                  </dgm:shape>
+                </dgm:else>
+              </dgm:choose>
+              <dgm:presOf axis="des" ptType="node"/>
+              <dgm:constrLst>
+                <dgm:constr type="secFontSz" val="65"/>
+                <dgm:constr type="primFontSz" refType="secFontSz"/>
+                <dgm:constr type="h"/>
+                <dgm:constr type="tMarg"/>
+                <dgm:constr type="bMarg"/>
+                <dgm:constr type="rMarg"/>
+                <dgm:constr type="lMarg"/>
+              </dgm:constrLst>
+              <dgm:ruleLst>
+                <dgm:rule type="h" val="INF" fact="NaN" max="NaN"/>
+              </dgm:ruleLst>
+            </dgm:layoutNode>
+          </dgm:layoutNode>
+          <dgm:forEach name="Name19" axis="followSib" ptType="sibTrans" cnt="1">
+            <dgm:layoutNode name="space">
+              <dgm:alg type="sp"/>
+              <dgm:shape xmlns:r="http://schemas.openxmlformats.org/officeDocument/2006/relationships" r:blip="">
+                <dgm:adjLst/>
+              </dgm:shape>
+              <dgm:presOf/>
+              <dgm:constrLst/>
+              <dgm:ruleLst/>
+            </dgm:layoutNode>
+          </dgm:forEach>
+        </dgm:forEach>
+      </dgm:if>
+      <dgm:else name="Name20">
+        <dgm:constrLst>
+          <dgm:constr type="w" for="ch" forName="parTxOnly" refType="w"/>
+          <dgm:constr type="h" for="des" forName="parTxOnly" op="equ"/>
+          <dgm:constr type="primFontSz" for="des" forName="parTxOnly" op="equ" val="65"/>
+          <dgm:constr type="w" for="ch" forName="parTxOnlySpace" refType="w" refFor="ch" refForName="parTxOnly" fact="-0.1"/>
+        </dgm:constrLst>
+        <dgm:ruleLst/>
+        <dgm:forEach name="Name21" axis="ch" ptType="node">
+          <dgm:layoutNode name="parTxOnly">
+            <dgm:varLst>
+              <dgm:chMax val="0"/>
+              <dgm:chPref val="0"/>
+              <dgm:bulletEnabled val="1"/>
+            </dgm:varLst>
+            <dgm:alg type="tx"/>
+            <dgm:choose name="Name22">
+              <dgm:if name="Name23" func="var" arg="dir" op="equ" val="norm">
+                <dgm:shape xmlns:r="http://schemas.openxmlformats.org/officeDocument/2006/relationships" type="chevron" r:blip="">
+                  <dgm:adjLst/>
+                </dgm:shape>
+              </dgm:if>
+              <dgm:else name="Name24">
+                <dgm:shape xmlns:r="http://schemas.openxmlformats.org/officeDocument/2006/relationships" rot="180" type="chevron" r:blip="">
+                  <dgm:adjLst/>
+                </dgm:shape>
+              </dgm:else>
+            </dgm:choose>
+            <dgm:presOf axis="self" ptType="node"/>
+            <dgm:choose name="Name25">
+              <dgm:if name="Name26" func="var" arg="dir" op="equ" val="norm">
+                <dgm:constrLst>
+                  <dgm:constr type="h" refType="w" op="equ" fact="0.4"/>
+                  <dgm:constr type="tMarg" refType="primFontSz" fact="0.105"/>
+                  <dgm:constr type="bMarg" refType="primFontSz" fact="0.105"/>
+                  <dgm:constr type="lMarg" refType="primFontSz" fact="0.315"/>
+                  <dgm:constr type="rMarg" refType="primFontSz" fact="0.105"/>
+                </dgm:constrLst>
+              </dgm:if>
+              <dgm:else name="Name27">
+                <dgm:constrLst>
+                  <dgm:constr type="h" refType="w" op="equ" fact="0.4"/>
+                  <dgm:constr type="tMarg" refType="primFontSz" fact="0.105"/>
+                  <dgm:constr type="bMarg" refType="primFontSz" fact="0.105"/>
+                  <dgm:constr type="lMarg" refType="primFontSz" fact="0.105"/>
+                  <dgm:constr type="rMarg" refType="primFontSz" fact="0.315"/>
+                </dgm:constrLst>
+              </dgm:else>
+            </dgm:choose>
+            <dgm:ruleLst>
+              <dgm:rule type="primFontSz" val="5" fact="NaN" max="NaN"/>
+            </dgm:ruleLst>
+          </dgm:layoutNode>
+          <dgm:forEach name="Name28" axis="followSib" ptType="sibTrans" cnt="1">
+            <dgm:layoutNode name="parTxOnlySpace">
+              <dgm:alg type="sp"/>
+              <dgm:shape xmlns:r="http://schemas.openxmlformats.org/officeDocument/2006/relationships" r:blip="">
+                <dgm:adjLst/>
+              </dgm:shape>
+              <dgm:presOf/>
+              <dgm:constrLst/>
+              <dgm:ruleLst/>
+            </dgm:layoutNode>
+          </dgm:forEach>
+        </dgm:forEach>
+      </dgm:else>
+    </dgm:choose>
+  </dgm:layoutNode>
+</dgm:layoutDef>
+</file>
+
+<file path=ppt/diagrams/layout2.xml><?xml version="1.0" encoding="utf-8"?>
 <dgm:layoutDef xmlns:dgm="http://schemas.openxmlformats.org/drawingml/2006/diagram" xmlns:a="http://schemas.openxmlformats.org/drawingml/2006/main" uniqueId="urn:microsoft.com/office/officeart/2005/8/layout/chevron1">
   <dgm:title val=""/>
   <dgm:desc val=""/>
@@ -2633,6 +4821,1040 @@
 </dgm:styleDef>
 </file>
 
+<file path=ppt/diagrams/quickStyle2.xml><?xml version="1.0" encoding="utf-8"?>
+<dgm:styleDef xmlns:dgm="http://schemas.openxmlformats.org/drawingml/2006/diagram" xmlns:a="http://schemas.openxmlformats.org/drawingml/2006/main" uniqueId="urn:microsoft.com/office/officeart/2005/8/quickstyle/simple1">
+  <dgm:title val=""/>
+  <dgm:desc val=""/>
+  <dgm:catLst>
+    <dgm:cat type="simple" pri="10100"/>
+  </dgm:catLst>
+  <dgm:scene3d>
+    <a:camera prst="orthographicFront"/>
+    <a:lightRig rig="threePt" dir="t"/>
+  </dgm:scene3d>
+  <dgm:styleLbl name="node0">
+    <dgm:scene3d>
+      <a:camera prst="orthographicFront"/>
+      <a:lightRig rig="threePt" dir="t"/>
+    </dgm:scene3d>
+    <dgm:sp3d/>
+    <dgm:txPr/>
+    <dgm:style>
+      <a:lnRef idx="2">
+        <a:scrgbClr r="0" g="0" b="0"/>
+      </a:lnRef>
+      <a:fillRef idx="1">
+        <a:scrgbClr r="0" g="0" b="0"/>
+      </a:fillRef>
+      <a:effectRef idx="0">
+        <a:scrgbClr r="0" g="0" b="0"/>
+      </a:effectRef>
+      <a:fontRef idx="minor">
+        <a:schemeClr val="lt1"/>
+      </a:fontRef>
+    </dgm:style>
+  </dgm:styleLbl>
+  <dgm:styleLbl name="lnNode1">
+    <dgm:scene3d>
+      <a:camera prst="orthographicFront"/>
+      <a:lightRig rig="threePt" dir="t"/>
+    </dgm:scene3d>
+    <dgm:sp3d/>
+    <dgm:txPr/>
+    <dgm:style>
+      <a:lnRef idx="2">
+        <a:scrgbClr r="0" g="0" b="0"/>
+      </a:lnRef>
+      <a:fillRef idx="1">
+        <a:scrgbClr r="0" g="0" b="0"/>
+      </a:fillRef>
+      <a:effectRef idx="0">
+        <a:scrgbClr r="0" g="0" b="0"/>
+      </a:effectRef>
+      <a:fontRef idx="minor">
+        <a:schemeClr val="lt1"/>
+      </a:fontRef>
+    </dgm:style>
+  </dgm:styleLbl>
+  <dgm:styleLbl name="vennNode1">
+    <dgm:scene3d>
+      <a:camera prst="orthographicFront"/>
+      <a:lightRig rig="threePt" dir="t"/>
+    </dgm:scene3d>
+    <dgm:sp3d/>
+    <dgm:txPr/>
+    <dgm:style>
+      <a:lnRef idx="2">
+        <a:scrgbClr r="0" g="0" b="0"/>
+      </a:lnRef>
+      <a:fillRef idx="1">
+        <a:scrgbClr r="0" g="0" b="0"/>
+      </a:fillRef>
+      <a:effectRef idx="0">
+        <a:scrgbClr r="0" g="0" b="0"/>
+      </a:effectRef>
+      <a:fontRef idx="minor">
+        <a:schemeClr val="tx1"/>
+      </a:fontRef>
+    </dgm:style>
+  </dgm:styleLbl>
+  <dgm:styleLbl name="alignNode1">
+    <dgm:scene3d>
+      <a:camera prst="orthographicFront"/>
+      <a:lightRig rig="threePt" dir="t"/>
+    </dgm:scene3d>
+    <dgm:sp3d/>
+    <dgm:txPr/>
+    <dgm:style>
+      <a:lnRef idx="2">
+        <a:scrgbClr r="0" g="0" b="0"/>
+      </a:lnRef>
+      <a:fillRef idx="1">
+        <a:scrgbClr r="0" g="0" b="0"/>
+      </a:fillRef>
+      <a:effectRef idx="0">
+        <a:scrgbClr r="0" g="0" b="0"/>
+      </a:effectRef>
+      <a:fontRef idx="minor">
+        <a:schemeClr val="lt1"/>
+      </a:fontRef>
+    </dgm:style>
+  </dgm:styleLbl>
+  <dgm:styleLbl name="node1">
+    <dgm:scene3d>
+      <a:camera prst="orthographicFront"/>
+      <a:lightRig rig="threePt" dir="t"/>
+    </dgm:scene3d>
+    <dgm:sp3d/>
+    <dgm:txPr/>
+    <dgm:style>
+      <a:lnRef idx="2">
+        <a:scrgbClr r="0" g="0" b="0"/>
+      </a:lnRef>
+      <a:fillRef idx="1">
+        <a:scrgbClr r="0" g="0" b="0"/>
+      </a:fillRef>
+      <a:effectRef idx="0">
+        <a:scrgbClr r="0" g="0" b="0"/>
+      </a:effectRef>
+      <a:fontRef idx="minor">
+        <a:schemeClr val="lt1"/>
+      </a:fontRef>
+    </dgm:style>
+  </dgm:styleLbl>
+  <dgm:styleLbl name="node2">
+    <dgm:scene3d>
+      <a:camera prst="orthographicFront"/>
+      <a:lightRig rig="threePt" dir="t"/>
+    </dgm:scene3d>
+    <dgm:sp3d/>
+    <dgm:txPr/>
+    <dgm:style>
+      <a:lnRef idx="2">
+        <a:scrgbClr r="0" g="0" b="0"/>
+      </a:lnRef>
+      <a:fillRef idx="1">
+        <a:scrgbClr r="0" g="0" b="0"/>
+      </a:fillRef>
+      <a:effectRef idx="0">
+        <a:scrgbClr r="0" g="0" b="0"/>
+      </a:effectRef>
+      <a:fontRef idx="minor">
+        <a:schemeClr val="lt1"/>
+      </a:fontRef>
+    </dgm:style>
+  </dgm:styleLbl>
+  <dgm:styleLbl name="node3">
+    <dgm:scene3d>
+      <a:camera prst="orthographicFront"/>
+      <a:lightRig rig="threePt" dir="t"/>
+    </dgm:scene3d>
+    <dgm:sp3d/>
+    <dgm:txPr/>
+    <dgm:style>
+      <a:lnRef idx="2">
+        <a:scrgbClr r="0" g="0" b="0"/>
+      </a:lnRef>
+      <a:fillRef idx="1">
+        <a:scrgbClr r="0" g="0" b="0"/>
+      </a:fillRef>
+      <a:effectRef idx="0">
+        <a:scrgbClr r="0" g="0" b="0"/>
+      </a:effectRef>
+      <a:fontRef idx="minor">
+        <a:schemeClr val="lt1"/>
+      </a:fontRef>
+    </dgm:style>
+  </dgm:styleLbl>
+  <dgm:styleLbl name="node4">
+    <dgm:scene3d>
+      <a:camera prst="orthographicFront"/>
+      <a:lightRig rig="threePt" dir="t"/>
+    </dgm:scene3d>
+    <dgm:sp3d/>
+    <dgm:txPr/>
+    <dgm:style>
+      <a:lnRef idx="2">
+        <a:scrgbClr r="0" g="0" b="0"/>
+      </a:lnRef>
+      <a:fillRef idx="1">
+        <a:scrgbClr r="0" g="0" b="0"/>
+      </a:fillRef>
+      <a:effectRef idx="0">
+        <a:scrgbClr r="0" g="0" b="0"/>
+      </a:effectRef>
+      <a:fontRef idx="minor">
+        <a:schemeClr val="lt1"/>
+      </a:fontRef>
+    </dgm:style>
+  </dgm:styleLbl>
+  <dgm:styleLbl name="fgImgPlace1">
+    <dgm:scene3d>
+      <a:camera prst="orthographicFront"/>
+      <a:lightRig rig="threePt" dir="t"/>
+    </dgm:scene3d>
+    <dgm:sp3d/>
+    <dgm:txPr/>
+    <dgm:style>
+      <a:lnRef idx="2">
+        <a:scrgbClr r="0" g="0" b="0"/>
+      </a:lnRef>
+      <a:fillRef idx="1">
+        <a:scrgbClr r="0" g="0" b="0"/>
+      </a:fillRef>
+      <a:effectRef idx="0">
+        <a:scrgbClr r="0" g="0" b="0"/>
+      </a:effectRef>
+      <a:fontRef idx="minor"/>
+    </dgm:style>
+  </dgm:styleLbl>
+  <dgm:styleLbl name="alignImgPlace1">
+    <dgm:scene3d>
+      <a:camera prst="orthographicFront"/>
+      <a:lightRig rig="threePt" dir="t"/>
+    </dgm:scene3d>
+    <dgm:sp3d/>
+    <dgm:txPr/>
+    <dgm:style>
+      <a:lnRef idx="2">
+        <a:scrgbClr r="0" g="0" b="0"/>
+      </a:lnRef>
+      <a:fillRef idx="1">
+        <a:scrgbClr r="0" g="0" b="0"/>
+      </a:fillRef>
+      <a:effectRef idx="0">
+        <a:scrgbClr r="0" g="0" b="0"/>
+      </a:effectRef>
+      <a:fontRef idx="minor"/>
+    </dgm:style>
+  </dgm:styleLbl>
+  <dgm:styleLbl name="bgImgPlace1">
+    <dgm:scene3d>
+      <a:camera prst="orthographicFront"/>
+      <a:lightRig rig="threePt" dir="t"/>
+    </dgm:scene3d>
+    <dgm:sp3d/>
+    <dgm:txPr/>
+    <dgm:style>
+      <a:lnRef idx="2">
+        <a:scrgbClr r="0" g="0" b="0"/>
+      </a:lnRef>
+      <a:fillRef idx="1">
+        <a:scrgbClr r="0" g="0" b="0"/>
+      </a:fillRef>
+      <a:effectRef idx="0">
+        <a:scrgbClr r="0" g="0" b="0"/>
+      </a:effectRef>
+      <a:fontRef idx="minor"/>
+    </dgm:style>
+  </dgm:styleLbl>
+  <dgm:styleLbl name="sibTrans2D1">
+    <dgm:scene3d>
+      <a:camera prst="orthographicFront"/>
+      <a:lightRig rig="threePt" dir="t"/>
+    </dgm:scene3d>
+    <dgm:sp3d/>
+    <dgm:txPr/>
+    <dgm:style>
+      <a:lnRef idx="0">
+        <a:scrgbClr r="0" g="0" b="0"/>
+      </a:lnRef>
+      <a:fillRef idx="1">
+        <a:scrgbClr r="0" g="0" b="0"/>
+      </a:fillRef>
+      <a:effectRef idx="0">
+        <a:scrgbClr r="0" g="0" b="0"/>
+      </a:effectRef>
+      <a:fontRef idx="minor">
+        <a:schemeClr val="lt1"/>
+      </a:fontRef>
+    </dgm:style>
+  </dgm:styleLbl>
+  <dgm:styleLbl name="fgSibTrans2D1">
+    <dgm:scene3d>
+      <a:camera prst="orthographicFront"/>
+      <a:lightRig rig="threePt" dir="t"/>
+    </dgm:scene3d>
+    <dgm:sp3d/>
+    <dgm:txPr/>
+    <dgm:style>
+      <a:lnRef idx="0">
+        <a:scrgbClr r="0" g="0" b="0"/>
+      </a:lnRef>
+      <a:fillRef idx="1">
+        <a:scrgbClr r="0" g="0" b="0"/>
+      </a:fillRef>
+      <a:effectRef idx="0">
+        <a:scrgbClr r="0" g="0" b="0"/>
+      </a:effectRef>
+      <a:fontRef idx="minor">
+        <a:schemeClr val="lt1"/>
+      </a:fontRef>
+    </dgm:style>
+  </dgm:styleLbl>
+  <dgm:styleLbl name="bgSibTrans2D1">
+    <dgm:scene3d>
+      <a:camera prst="orthographicFront"/>
+      <a:lightRig rig="threePt" dir="t"/>
+    </dgm:scene3d>
+    <dgm:sp3d/>
+    <dgm:txPr/>
+    <dgm:style>
+      <a:lnRef idx="0">
+        <a:scrgbClr r="0" g="0" b="0"/>
+      </a:lnRef>
+      <a:fillRef idx="1">
+        <a:scrgbClr r="0" g="0" b="0"/>
+      </a:fillRef>
+      <a:effectRef idx="0">
+        <a:scrgbClr r="0" g="0" b="0"/>
+      </a:effectRef>
+      <a:fontRef idx="minor">
+        <a:schemeClr val="lt1"/>
+      </a:fontRef>
+    </dgm:style>
+  </dgm:styleLbl>
+  <dgm:styleLbl name="sibTrans1D1">
+    <dgm:scene3d>
+      <a:camera prst="orthographicFront"/>
+      <a:lightRig rig="threePt" dir="t"/>
+    </dgm:scene3d>
+    <dgm:sp3d/>
+    <dgm:txPr/>
+    <dgm:style>
+      <a:lnRef idx="1">
+        <a:scrgbClr r="0" g="0" b="0"/>
+      </a:lnRef>
+      <a:fillRef idx="0">
+        <a:scrgbClr r="0" g="0" b="0"/>
+      </a:fillRef>
+      <a:effectRef idx="0">
+        <a:scrgbClr r="0" g="0" b="0"/>
+      </a:effectRef>
+      <a:fontRef idx="minor"/>
+    </dgm:style>
+  </dgm:styleLbl>
+  <dgm:styleLbl name="callout">
+    <dgm:scene3d>
+      <a:camera prst="orthographicFront"/>
+      <a:lightRig rig="threePt" dir="t"/>
+    </dgm:scene3d>
+    <dgm:sp3d/>
+    <dgm:txPr/>
+    <dgm:style>
+      <a:lnRef idx="2">
+        <a:scrgbClr r="0" g="0" b="0"/>
+      </a:lnRef>
+      <a:fillRef idx="1">
+        <a:scrgbClr r="0" g="0" b="0"/>
+      </a:fillRef>
+      <a:effectRef idx="0">
+        <a:scrgbClr r="0" g="0" b="0"/>
+      </a:effectRef>
+      <a:fontRef idx="minor"/>
+    </dgm:style>
+  </dgm:styleLbl>
+  <dgm:styleLbl name="asst0">
+    <dgm:scene3d>
+      <a:camera prst="orthographicFront"/>
+      <a:lightRig rig="threePt" dir="t"/>
+    </dgm:scene3d>
+    <dgm:sp3d/>
+    <dgm:txPr/>
+    <dgm:style>
+      <a:lnRef idx="2">
+        <a:scrgbClr r="0" g="0" b="0"/>
+      </a:lnRef>
+      <a:fillRef idx="1">
+        <a:scrgbClr r="0" g="0" b="0"/>
+      </a:fillRef>
+      <a:effectRef idx="0">
+        <a:scrgbClr r="0" g="0" b="0"/>
+      </a:effectRef>
+      <a:fontRef idx="minor">
+        <a:schemeClr val="lt1"/>
+      </a:fontRef>
+    </dgm:style>
+  </dgm:styleLbl>
+  <dgm:styleLbl name="asst1">
+    <dgm:scene3d>
+      <a:camera prst="orthographicFront"/>
+      <a:lightRig rig="threePt" dir="t"/>
+    </dgm:scene3d>
+    <dgm:sp3d/>
+    <dgm:txPr/>
+    <dgm:style>
+      <a:lnRef idx="2">
+        <a:scrgbClr r="0" g="0" b="0"/>
+      </a:lnRef>
+      <a:fillRef idx="1">
+        <a:scrgbClr r="0" g="0" b="0"/>
+      </a:fillRef>
+      <a:effectRef idx="0">
+        <a:scrgbClr r="0" g="0" b="0"/>
+      </a:effectRef>
+      <a:fontRef idx="minor">
+        <a:schemeClr val="lt1"/>
+      </a:fontRef>
+    </dgm:style>
+  </dgm:styleLbl>
+  <dgm:styleLbl name="asst2">
+    <dgm:scene3d>
+      <a:camera prst="orthographicFront"/>
+      <a:lightRig rig="threePt" dir="t"/>
+    </dgm:scene3d>
+    <dgm:sp3d/>
+    <dgm:txPr/>
+    <dgm:style>
+      <a:lnRef idx="2">
+        <a:scrgbClr r="0" g="0" b="0"/>
+      </a:lnRef>
+      <a:fillRef idx="1">
+        <a:scrgbClr r="0" g="0" b="0"/>
+      </a:fillRef>
+      <a:effectRef idx="0">
+        <a:scrgbClr r="0" g="0" b="0"/>
+      </a:effectRef>
+      <a:fontRef idx="minor">
+        <a:schemeClr val="lt1"/>
+      </a:fontRef>
+    </dgm:style>
+  </dgm:styleLbl>
+  <dgm:styleLbl name="asst3">
+    <dgm:scene3d>
+      <a:camera prst="orthographicFront"/>
+      <a:lightRig rig="threePt" dir="t"/>
+    </dgm:scene3d>
+    <dgm:sp3d/>
+    <dgm:txPr/>
+    <dgm:style>
+      <a:lnRef idx="2">
+        <a:scrgbClr r="0" g="0" b="0"/>
+      </a:lnRef>
+      <a:fillRef idx="1">
+        <a:scrgbClr r="0" g="0" b="0"/>
+      </a:fillRef>
+      <a:effectRef idx="0">
+        <a:scrgbClr r="0" g="0" b="0"/>
+      </a:effectRef>
+      <a:fontRef idx="minor">
+        <a:schemeClr val="lt1"/>
+      </a:fontRef>
+    </dgm:style>
+  </dgm:styleLbl>
+  <dgm:styleLbl name="asst4">
+    <dgm:scene3d>
+      <a:camera prst="orthographicFront"/>
+      <a:lightRig rig="threePt" dir="t"/>
+    </dgm:scene3d>
+    <dgm:sp3d/>
+    <dgm:txPr/>
+    <dgm:style>
+      <a:lnRef idx="2">
+        <a:scrgbClr r="0" g="0" b="0"/>
+      </a:lnRef>
+      <a:fillRef idx="1">
+        <a:scrgbClr r="0" g="0" b="0"/>
+      </a:fillRef>
+      <a:effectRef idx="0">
+        <a:scrgbClr r="0" g="0" b="0"/>
+      </a:effectRef>
+      <a:fontRef idx="minor">
+        <a:schemeClr val="lt1"/>
+      </a:fontRef>
+    </dgm:style>
+  </dgm:styleLbl>
+  <dgm:styleLbl name="parChTrans2D1">
+    <dgm:scene3d>
+      <a:camera prst="orthographicFront"/>
+      <a:lightRig rig="threePt" dir="t"/>
+    </dgm:scene3d>
+    <dgm:sp3d/>
+    <dgm:txPr/>
+    <dgm:style>
+      <a:lnRef idx="2">
+        <a:scrgbClr r="0" g="0" b="0"/>
+      </a:lnRef>
+      <a:fillRef idx="1">
+        <a:scrgbClr r="0" g="0" b="0"/>
+      </a:fillRef>
+      <a:effectRef idx="0">
+        <a:scrgbClr r="0" g="0" b="0"/>
+      </a:effectRef>
+      <a:fontRef idx="minor">
+        <a:schemeClr val="lt1"/>
+      </a:fontRef>
+    </dgm:style>
+  </dgm:styleLbl>
+  <dgm:styleLbl name="parChTrans2D2">
+    <dgm:scene3d>
+      <a:camera prst="orthographicFront"/>
+      <a:lightRig rig="threePt" dir="t"/>
+    </dgm:scene3d>
+    <dgm:sp3d/>
+    <dgm:txPr/>
+    <dgm:style>
+      <a:lnRef idx="2">
+        <a:scrgbClr r="0" g="0" b="0"/>
+      </a:lnRef>
+      <a:fillRef idx="1">
+        <a:scrgbClr r="0" g="0" b="0"/>
+      </a:fillRef>
+      <a:effectRef idx="0">
+        <a:scrgbClr r="0" g="0" b="0"/>
+      </a:effectRef>
+      <a:fontRef idx="minor">
+        <a:schemeClr val="lt1"/>
+      </a:fontRef>
+    </dgm:style>
+  </dgm:styleLbl>
+  <dgm:styleLbl name="parChTrans2D3">
+    <dgm:scene3d>
+      <a:camera prst="orthographicFront"/>
+      <a:lightRig rig="threePt" dir="t"/>
+    </dgm:scene3d>
+    <dgm:sp3d/>
+    <dgm:txPr/>
+    <dgm:style>
+      <a:lnRef idx="2">
+        <a:scrgbClr r="0" g="0" b="0"/>
+      </a:lnRef>
+      <a:fillRef idx="1">
+        <a:scrgbClr r="0" g="0" b="0"/>
+      </a:fillRef>
+      <a:effectRef idx="0">
+        <a:scrgbClr r="0" g="0" b="0"/>
+      </a:effectRef>
+      <a:fontRef idx="minor">
+        <a:schemeClr val="lt1"/>
+      </a:fontRef>
+    </dgm:style>
+  </dgm:styleLbl>
+  <dgm:styleLbl name="parChTrans2D4">
+    <dgm:scene3d>
+      <a:camera prst="orthographicFront"/>
+      <a:lightRig rig="threePt" dir="t"/>
+    </dgm:scene3d>
+    <dgm:sp3d/>
+    <dgm:txPr/>
+    <dgm:style>
+      <a:lnRef idx="2">
+        <a:scrgbClr r="0" g="0" b="0"/>
+      </a:lnRef>
+      <a:fillRef idx="1">
+        <a:scrgbClr r="0" g="0" b="0"/>
+      </a:fillRef>
+      <a:effectRef idx="0">
+        <a:scrgbClr r="0" g="0" b="0"/>
+      </a:effectRef>
+      <a:fontRef idx="minor">
+        <a:schemeClr val="lt1"/>
+      </a:fontRef>
+    </dgm:style>
+  </dgm:styleLbl>
+  <dgm:styleLbl name="parChTrans1D1">
+    <dgm:scene3d>
+      <a:camera prst="orthographicFront"/>
+      <a:lightRig rig="threePt" dir="t"/>
+    </dgm:scene3d>
+    <dgm:sp3d/>
+    <dgm:txPr/>
+    <dgm:style>
+      <a:lnRef idx="2">
+        <a:scrgbClr r="0" g="0" b="0"/>
+      </a:lnRef>
+      <a:fillRef idx="0">
+        <a:scrgbClr r="0" g="0" b="0"/>
+      </a:fillRef>
+      <a:effectRef idx="0">
+        <a:scrgbClr r="0" g="0" b="0"/>
+      </a:effectRef>
+      <a:fontRef idx="minor"/>
+    </dgm:style>
+  </dgm:styleLbl>
+  <dgm:styleLbl name="parChTrans1D2">
+    <dgm:scene3d>
+      <a:camera prst="orthographicFront"/>
+      <a:lightRig rig="threePt" dir="t"/>
+    </dgm:scene3d>
+    <dgm:sp3d/>
+    <dgm:txPr/>
+    <dgm:style>
+      <a:lnRef idx="2">
+        <a:scrgbClr r="0" g="0" b="0"/>
+      </a:lnRef>
+      <a:fillRef idx="0">
+        <a:scrgbClr r="0" g="0" b="0"/>
+      </a:fillRef>
+      <a:effectRef idx="0">
+        <a:scrgbClr r="0" g="0" b="0"/>
+      </a:effectRef>
+      <a:fontRef idx="minor"/>
+    </dgm:style>
+  </dgm:styleLbl>
+  <dgm:styleLbl name="parChTrans1D3">
+    <dgm:scene3d>
+      <a:camera prst="orthographicFront"/>
+      <a:lightRig rig="threePt" dir="t"/>
+    </dgm:scene3d>
+    <dgm:sp3d/>
+    <dgm:txPr/>
+    <dgm:style>
+      <a:lnRef idx="2">
+        <a:scrgbClr r="0" g="0" b="0"/>
+      </a:lnRef>
+      <a:fillRef idx="0">
+        <a:scrgbClr r="0" g="0" b="0"/>
+      </a:fillRef>
+      <a:effectRef idx="0">
+        <a:scrgbClr r="0" g="0" b="0"/>
+      </a:effectRef>
+      <a:fontRef idx="minor"/>
+    </dgm:style>
+  </dgm:styleLbl>
+  <dgm:styleLbl name="parChTrans1D4">
+    <dgm:scene3d>
+      <a:camera prst="orthographicFront"/>
+      <a:lightRig rig="threePt" dir="t"/>
+    </dgm:scene3d>
+    <dgm:sp3d/>
+    <dgm:txPr/>
+    <dgm:style>
+      <a:lnRef idx="2">
+        <a:scrgbClr r="0" g="0" b="0"/>
+      </a:lnRef>
+      <a:fillRef idx="0">
+        <a:scrgbClr r="0" g="0" b="0"/>
+      </a:fillRef>
+      <a:effectRef idx="0">
+        <a:scrgbClr r="0" g="0" b="0"/>
+      </a:effectRef>
+      <a:fontRef idx="minor"/>
+    </dgm:style>
+  </dgm:styleLbl>
+  <dgm:styleLbl name="fgAcc1">
+    <dgm:scene3d>
+      <a:camera prst="orthographicFront"/>
+      <a:lightRig rig="threePt" dir="t"/>
+    </dgm:scene3d>
+    <dgm:sp3d/>
+    <dgm:txPr/>
+    <dgm:style>
+      <a:lnRef idx="2">
+        <a:scrgbClr r="0" g="0" b="0"/>
+      </a:lnRef>
+      <a:fillRef idx="1">
+        <a:scrgbClr r="0" g="0" b="0"/>
+      </a:fillRef>
+      <a:effectRef idx="0">
+        <a:scrgbClr r="0" g="0" b="0"/>
+      </a:effectRef>
+      <a:fontRef idx="minor"/>
+    </dgm:style>
+  </dgm:styleLbl>
+  <dgm:styleLbl name="conFgAcc1">
+    <dgm:scene3d>
+      <a:camera prst="orthographicFront"/>
+      <a:lightRig rig="threePt" dir="t"/>
+    </dgm:scene3d>
+    <dgm:sp3d/>
+    <dgm:txPr/>
+    <dgm:style>
+      <a:lnRef idx="2">
+        <a:scrgbClr r="0" g="0" b="0"/>
+      </a:lnRef>
+      <a:fillRef idx="1">
+        <a:scrgbClr r="0" g="0" b="0"/>
+      </a:fillRef>
+      <a:effectRef idx="0">
+        <a:scrgbClr r="0" g="0" b="0"/>
+      </a:effectRef>
+      <a:fontRef idx="minor"/>
+    </dgm:style>
+  </dgm:styleLbl>
+  <dgm:styleLbl name="alignAcc1">
+    <dgm:scene3d>
+      <a:camera prst="orthographicFront"/>
+      <a:lightRig rig="threePt" dir="t"/>
+    </dgm:scene3d>
+    <dgm:sp3d/>
+    <dgm:txPr/>
+    <dgm:style>
+      <a:lnRef idx="2">
+        <a:scrgbClr r="0" g="0" b="0"/>
+      </a:lnRef>
+      <a:fillRef idx="1">
+        <a:scrgbClr r="0" g="0" b="0"/>
+      </a:fillRef>
+      <a:effectRef idx="0">
+        <a:scrgbClr r="0" g="0" b="0"/>
+      </a:effectRef>
+      <a:fontRef idx="minor"/>
+    </dgm:style>
+  </dgm:styleLbl>
+  <dgm:styleLbl name="trAlignAcc1">
+    <dgm:scene3d>
+      <a:camera prst="orthographicFront"/>
+      <a:lightRig rig="threePt" dir="t"/>
+    </dgm:scene3d>
+    <dgm:sp3d/>
+    <dgm:txPr/>
+    <dgm:style>
+      <a:lnRef idx="1">
+        <a:scrgbClr r="0" g="0" b="0"/>
+      </a:lnRef>
+      <a:fillRef idx="1">
+        <a:scrgbClr r="0" g="0" b="0"/>
+      </a:fillRef>
+      <a:effectRef idx="0">
+        <a:scrgbClr r="0" g="0" b="0"/>
+      </a:effectRef>
+      <a:fontRef idx="minor"/>
+    </dgm:style>
+  </dgm:styleLbl>
+  <dgm:styleLbl name="bgAcc1">
+    <dgm:scene3d>
+      <a:camera prst="orthographicFront"/>
+      <a:lightRig rig="threePt" dir="t"/>
+    </dgm:scene3d>
+    <dgm:sp3d/>
+    <dgm:txPr/>
+    <dgm:style>
+      <a:lnRef idx="2">
+        <a:scrgbClr r="0" g="0" b="0"/>
+      </a:lnRef>
+      <a:fillRef idx="1">
+        <a:scrgbClr r="0" g="0" b="0"/>
+      </a:fillRef>
+      <a:effectRef idx="0">
+        <a:scrgbClr r="0" g="0" b="0"/>
+      </a:effectRef>
+      <a:fontRef idx="minor"/>
+    </dgm:style>
+  </dgm:styleLbl>
+  <dgm:styleLbl name="solidFgAcc1">
+    <dgm:scene3d>
+      <a:camera prst="orthographicFront"/>
+      <a:lightRig rig="threePt" dir="t"/>
+    </dgm:scene3d>
+    <dgm:sp3d/>
+    <dgm:txPr/>
+    <dgm:style>
+      <a:lnRef idx="2">
+        <a:scrgbClr r="0" g="0" b="0"/>
+      </a:lnRef>
+      <a:fillRef idx="1">
+        <a:scrgbClr r="0" g="0" b="0"/>
+      </a:fillRef>
+      <a:effectRef idx="0">
+        <a:scrgbClr r="0" g="0" b="0"/>
+      </a:effectRef>
+      <a:fontRef idx="minor"/>
+    </dgm:style>
+  </dgm:styleLbl>
+  <dgm:styleLbl name="solidAlignAcc1">
+    <dgm:scene3d>
+      <a:camera prst="orthographicFront"/>
+      <a:lightRig rig="threePt" dir="t"/>
+    </dgm:scene3d>
+    <dgm:sp3d/>
+    <dgm:txPr/>
+    <dgm:style>
+      <a:lnRef idx="2">
+        <a:scrgbClr r="0" g="0" b="0"/>
+      </a:lnRef>
+      <a:fillRef idx="1">
+        <a:scrgbClr r="0" g="0" b="0"/>
+      </a:fillRef>
+      <a:effectRef idx="0">
+        <a:scrgbClr r="0" g="0" b="0"/>
+      </a:effectRef>
+      <a:fontRef idx="minor"/>
+    </dgm:style>
+  </dgm:styleLbl>
+  <dgm:styleLbl name="solidBgAcc1">
+    <dgm:scene3d>
+      <a:camera prst="orthographicFront"/>
+      <a:lightRig rig="threePt" dir="t"/>
+    </dgm:scene3d>
+    <dgm:sp3d/>
+    <dgm:txPr/>
+    <dgm:style>
+      <a:lnRef idx="2">
+        <a:scrgbClr r="0" g="0" b="0"/>
+      </a:lnRef>
+      <a:fillRef idx="1">
+        <a:scrgbClr r="0" g="0" b="0"/>
+      </a:fillRef>
+      <a:effectRef idx="0">
+        <a:scrgbClr r="0" g="0" b="0"/>
+      </a:effectRef>
+      <a:fontRef idx="minor"/>
+    </dgm:style>
+  </dgm:styleLbl>
+  <dgm:styleLbl name="fgAccFollowNode1">
+    <dgm:scene3d>
+      <a:camera prst="orthographicFront"/>
+      <a:lightRig rig="threePt" dir="t"/>
+    </dgm:scene3d>
+    <dgm:sp3d/>
+    <dgm:txPr/>
+    <dgm:style>
+      <a:lnRef idx="2">
+        <a:scrgbClr r="0" g="0" b="0"/>
+      </a:lnRef>
+      <a:fillRef idx="1">
+        <a:scrgbClr r="0" g="0" b="0"/>
+      </a:fillRef>
+      <a:effectRef idx="0">
+        <a:scrgbClr r="0" g="0" b="0"/>
+      </a:effectRef>
+      <a:fontRef idx="minor"/>
+    </dgm:style>
+  </dgm:styleLbl>
+  <dgm:styleLbl name="alignAccFollowNode1">
+    <dgm:scene3d>
+      <a:camera prst="orthographicFront"/>
+      <a:lightRig rig="threePt" dir="t"/>
+    </dgm:scene3d>
+    <dgm:sp3d/>
+    <dgm:txPr/>
+    <dgm:style>
+      <a:lnRef idx="2">
+        <a:scrgbClr r="0" g="0" b="0"/>
+      </a:lnRef>
+      <a:fillRef idx="1">
+        <a:scrgbClr r="0" g="0" b="0"/>
+      </a:fillRef>
+      <a:effectRef idx="0">
+        <a:scrgbClr r="0" g="0" b="0"/>
+      </a:effectRef>
+      <a:fontRef idx="minor"/>
+    </dgm:style>
+  </dgm:styleLbl>
+  <dgm:styleLbl name="bgAccFollowNode1">
+    <dgm:scene3d>
+      <a:camera prst="orthographicFront"/>
+      <a:lightRig rig="threePt" dir="t"/>
+    </dgm:scene3d>
+    <dgm:sp3d/>
+    <dgm:txPr/>
+    <dgm:style>
+      <a:lnRef idx="2">
+        <a:scrgbClr r="0" g="0" b="0"/>
+      </a:lnRef>
+      <a:fillRef idx="1">
+        <a:scrgbClr r="0" g="0" b="0"/>
+      </a:fillRef>
+      <a:effectRef idx="0">
+        <a:scrgbClr r="0" g="0" b="0"/>
+      </a:effectRef>
+      <a:fontRef idx="minor"/>
+    </dgm:style>
+  </dgm:styleLbl>
+  <dgm:styleLbl name="fgAcc0">
+    <dgm:scene3d>
+      <a:camera prst="orthographicFront"/>
+      <a:lightRig rig="threePt" dir="t"/>
+    </dgm:scene3d>
+    <dgm:sp3d/>
+    <dgm:txPr/>
+    <dgm:style>
+      <a:lnRef idx="2">
+        <a:scrgbClr r="0" g="0" b="0"/>
+      </a:lnRef>
+      <a:fillRef idx="1">
+        <a:scrgbClr r="0" g="0" b="0"/>
+      </a:fillRef>
+      <a:effectRef idx="0">
+        <a:scrgbClr r="0" g="0" b="0"/>
+      </a:effectRef>
+      <a:fontRef idx="minor"/>
+    </dgm:style>
+  </dgm:styleLbl>
+  <dgm:styleLbl name="fgAcc2">
+    <dgm:scene3d>
+      <a:camera prst="orthographicFront"/>
+      <a:lightRig rig="threePt" dir="t"/>
+    </dgm:scene3d>
+    <dgm:sp3d/>
+    <dgm:txPr/>
+    <dgm:style>
+      <a:lnRef idx="2">
+        <a:scrgbClr r="0" g="0" b="0"/>
+      </a:lnRef>
+      <a:fillRef idx="1">
+        <a:scrgbClr r="0" g="0" b="0"/>
+      </a:fillRef>
+      <a:effectRef idx="0">
+        <a:scrgbClr r="0" g="0" b="0"/>
+      </a:effectRef>
+      <a:fontRef idx="minor"/>
+    </dgm:style>
+  </dgm:styleLbl>
+  <dgm:styleLbl name="fgAcc3">
+    <dgm:scene3d>
+      <a:camera prst="orthographicFront"/>
+      <a:lightRig rig="threePt" dir="t"/>
+    </dgm:scene3d>
+    <dgm:sp3d/>
+    <dgm:txPr/>
+    <dgm:style>
+      <a:lnRef idx="2">
+        <a:scrgbClr r="0" g="0" b="0"/>
+      </a:lnRef>
+      <a:fillRef idx="1">
+        <a:scrgbClr r="0" g="0" b="0"/>
+      </a:fillRef>
+      <a:effectRef idx="0">
+        <a:scrgbClr r="0" g="0" b="0"/>
+      </a:effectRef>
+      <a:fontRef idx="minor"/>
+    </dgm:style>
+  </dgm:styleLbl>
+  <dgm:styleLbl name="fgAcc4">
+    <dgm:scene3d>
+      <a:camera prst="orthographicFront"/>
+      <a:lightRig rig="threePt" dir="t"/>
+    </dgm:scene3d>
+    <dgm:sp3d/>
+    <dgm:txPr/>
+    <dgm:style>
+      <a:lnRef idx="2">
+        <a:scrgbClr r="0" g="0" b="0"/>
+      </a:lnRef>
+      <a:fillRef idx="1">
+        <a:scrgbClr r="0" g="0" b="0"/>
+      </a:fillRef>
+      <a:effectRef idx="0">
+        <a:scrgbClr r="0" g="0" b="0"/>
+      </a:effectRef>
+      <a:fontRef idx="minor"/>
+    </dgm:style>
+  </dgm:styleLbl>
+  <dgm:styleLbl name="bgShp">
+    <dgm:scene3d>
+      <a:camera prst="orthographicFront"/>
+      <a:lightRig rig="threePt" dir="t"/>
+    </dgm:scene3d>
+    <dgm:sp3d/>
+    <dgm:txPr/>
+    <dgm:style>
+      <a:lnRef idx="0">
+        <a:scrgbClr r="0" g="0" b="0"/>
+      </a:lnRef>
+      <a:fillRef idx="1">
+        <a:scrgbClr r="0" g="0" b="0"/>
+      </a:fillRef>
+      <a:effectRef idx="0">
+        <a:scrgbClr r="0" g="0" b="0"/>
+      </a:effectRef>
+      <a:fontRef idx="minor"/>
+    </dgm:style>
+  </dgm:styleLbl>
+  <dgm:styleLbl name="dkBgShp">
+    <dgm:scene3d>
+      <a:camera prst="orthographicFront"/>
+      <a:lightRig rig="threePt" dir="t"/>
+    </dgm:scene3d>
+    <dgm:sp3d/>
+    <dgm:txPr/>
+    <dgm:style>
+      <a:lnRef idx="0">
+        <a:scrgbClr r="0" g="0" b="0"/>
+      </a:lnRef>
+      <a:fillRef idx="1">
+        <a:scrgbClr r="0" g="0" b="0"/>
+      </a:fillRef>
+      <a:effectRef idx="0">
+        <a:scrgbClr r="0" g="0" b="0"/>
+      </a:effectRef>
+      <a:fontRef idx="minor"/>
+    </dgm:style>
+  </dgm:styleLbl>
+  <dgm:styleLbl name="trBgShp">
+    <dgm:scene3d>
+      <a:camera prst="orthographicFront"/>
+      <a:lightRig rig="threePt" dir="t"/>
+    </dgm:scene3d>
+    <dgm:sp3d/>
+    <dgm:txPr/>
+    <dgm:style>
+      <a:lnRef idx="0">
+        <a:scrgbClr r="0" g="0" b="0"/>
+      </a:lnRef>
+      <a:fillRef idx="1">
+        <a:scrgbClr r="0" g="0" b="0"/>
+      </a:fillRef>
+      <a:effectRef idx="0">
+        <a:scrgbClr r="0" g="0" b="0"/>
+      </a:effectRef>
+      <a:fontRef idx="minor"/>
+    </dgm:style>
+  </dgm:styleLbl>
+  <dgm:styleLbl name="fgShp">
+    <dgm:scene3d>
+      <a:camera prst="orthographicFront"/>
+      <a:lightRig rig="threePt" dir="t"/>
+    </dgm:scene3d>
+    <dgm:sp3d/>
+    <dgm:txPr/>
+    <dgm:style>
+      <a:lnRef idx="2">
+        <a:scrgbClr r="0" g="0" b="0"/>
+      </a:lnRef>
+      <a:fillRef idx="1">
+        <a:scrgbClr r="0" g="0" b="0"/>
+      </a:fillRef>
+      <a:effectRef idx="0">
+        <a:scrgbClr r="0" g="0" b="0"/>
+      </a:effectRef>
+      <a:fontRef idx="minor"/>
+    </dgm:style>
+  </dgm:styleLbl>
+  <dgm:styleLbl name="revTx">
+    <dgm:scene3d>
+      <a:camera prst="orthographicFront"/>
+      <a:lightRig rig="threePt" dir="t"/>
+    </dgm:scene3d>
+    <dgm:sp3d/>
+    <dgm:txPr/>
+    <dgm:style>
+      <a:lnRef idx="0">
+        <a:scrgbClr r="0" g="0" b="0"/>
+      </a:lnRef>
+      <a:fillRef idx="0">
+        <a:scrgbClr r="0" g="0" b="0"/>
+      </a:fillRef>
+      <a:effectRef idx="0">
+        <a:scrgbClr r="0" g="0" b="0"/>
+      </a:effectRef>
+      <a:fontRef idx="minor"/>
+    </dgm:style>
+  </dgm:styleLbl>
+</dgm:styleDef>
+</file>
+
 <file path=ppt/slideLayouts/slideLayout1.xml><?xml version="1.0" encoding="utf-8"?>
 <p:sldLayout xmlns:a="http://schemas.openxmlformats.org/drawingml/2006/main" xmlns:r="http://schemas.openxmlformats.org/officeDocument/2006/relationships" xmlns:p="http://schemas.openxmlformats.org/presentationml/2006/main" type="title" preserve="1">
   <p:cSld name="Title Slide">
@@ -2815,7 +6037,7 @@
             <a:fld id="{1D8BD707-D9CF-40AE-B4C6-C98DA3205C09}" type="datetimeFigureOut">
               <a:rPr lang="en-US" smtClean="0"/>
               <a:pPr/>
-              <a:t>8/15/2016</a:t>
+              <a:t>9/21/2016</a:t>
             </a:fld>
             <a:endParaRPr lang="en-US"/>
           </a:p>
@@ -2982,7 +6204,7 @@
             <a:fld id="{1D8BD707-D9CF-40AE-B4C6-C98DA3205C09}" type="datetimeFigureOut">
               <a:rPr lang="en-US" smtClean="0"/>
               <a:pPr/>
-              <a:t>8/15/2016</a:t>
+              <a:t>9/21/2016</a:t>
             </a:fld>
             <a:endParaRPr lang="en-US"/>
           </a:p>
@@ -3159,7 +6381,7 @@
             <a:fld id="{1D8BD707-D9CF-40AE-B4C6-C98DA3205C09}" type="datetimeFigureOut">
               <a:rPr lang="en-US" smtClean="0"/>
               <a:pPr/>
-              <a:t>8/15/2016</a:t>
+              <a:t>9/21/2016</a:t>
             </a:fld>
             <a:endParaRPr lang="en-US"/>
           </a:p>
@@ -3326,7 +6548,7 @@
             <a:fld id="{1D8BD707-D9CF-40AE-B4C6-C98DA3205C09}" type="datetimeFigureOut">
               <a:rPr lang="en-US" smtClean="0"/>
               <a:pPr/>
-              <a:t>8/15/2016</a:t>
+              <a:t>9/21/2016</a:t>
             </a:fld>
             <a:endParaRPr lang="en-US"/>
           </a:p>
@@ -3569,7 +6791,7 @@
             <a:fld id="{1D8BD707-D9CF-40AE-B4C6-C98DA3205C09}" type="datetimeFigureOut">
               <a:rPr lang="en-US" smtClean="0"/>
               <a:pPr/>
-              <a:t>8/15/2016</a:t>
+              <a:t>9/21/2016</a:t>
             </a:fld>
             <a:endParaRPr lang="en-US"/>
           </a:p>
@@ -3854,7 +7076,7 @@
             <a:fld id="{1D8BD707-D9CF-40AE-B4C6-C98DA3205C09}" type="datetimeFigureOut">
               <a:rPr lang="en-US" smtClean="0"/>
               <a:pPr/>
-              <a:t>8/15/2016</a:t>
+              <a:t>9/21/2016</a:t>
             </a:fld>
             <a:endParaRPr lang="en-US"/>
           </a:p>
@@ -4273,7 +7495,7 @@
             <a:fld id="{1D8BD707-D9CF-40AE-B4C6-C98DA3205C09}" type="datetimeFigureOut">
               <a:rPr lang="en-US" smtClean="0"/>
               <a:pPr/>
-              <a:t>8/15/2016</a:t>
+              <a:t>9/21/2016</a:t>
             </a:fld>
             <a:endParaRPr lang="en-US"/>
           </a:p>
@@ -4388,7 +7610,7 @@
             <a:fld id="{1D8BD707-D9CF-40AE-B4C6-C98DA3205C09}" type="datetimeFigureOut">
               <a:rPr lang="en-US" smtClean="0"/>
               <a:pPr/>
-              <a:t>8/15/2016</a:t>
+              <a:t>9/21/2016</a:t>
             </a:fld>
             <a:endParaRPr lang="en-US"/>
           </a:p>
@@ -4480,7 +7702,7 @@
             <a:fld id="{1D8BD707-D9CF-40AE-B4C6-C98DA3205C09}" type="datetimeFigureOut">
               <a:rPr lang="en-US" smtClean="0"/>
               <a:pPr/>
-              <a:t>8/15/2016</a:t>
+              <a:t>9/21/2016</a:t>
             </a:fld>
             <a:endParaRPr lang="en-US"/>
           </a:p>
@@ -4754,7 +7976,7 @@
             <a:fld id="{1D8BD707-D9CF-40AE-B4C6-C98DA3205C09}" type="datetimeFigureOut">
               <a:rPr lang="en-US" smtClean="0"/>
               <a:pPr/>
-              <a:t>8/15/2016</a:t>
+              <a:t>9/21/2016</a:t>
             </a:fld>
             <a:endParaRPr lang="en-US"/>
           </a:p>
@@ -5004,7 +8226,7 @@
             <a:fld id="{1D8BD707-D9CF-40AE-B4C6-C98DA3205C09}" type="datetimeFigureOut">
               <a:rPr lang="en-US" smtClean="0"/>
               <a:pPr/>
-              <a:t>8/15/2016</a:t>
+              <a:t>9/21/2016</a:t>
             </a:fld>
             <a:endParaRPr lang="en-US"/>
           </a:p>
@@ -5214,7 +8436,7 @@
             <a:fld id="{1D8BD707-D9CF-40AE-B4C6-C98DA3205C09}" type="datetimeFigureOut">
               <a:rPr lang="en-US" smtClean="0"/>
               <a:pPr/>
-              <a:t>8/15/2016</a:t>
+              <a:t>9/21/2016</a:t>
             </a:fld>
             <a:endParaRPr lang="en-US"/>
           </a:p>
@@ -6769,7 +9991,6 @@
               <a:rPr lang="en-US" dirty="0"/>
               <a:t>FileParserPJ</a:t>
             </a:r>
-            <a:endParaRPr lang="en-US" dirty="0"/>
           </a:p>
         </p:txBody>
       </p:sp>
@@ -7453,7 +10674,6 @@
               <a:rPr lang="en-US" dirty="0"/>
               <a:t>FileParserPJ</a:t>
             </a:r>
-            <a:endParaRPr lang="en-US" dirty="0"/>
           </a:p>
         </p:txBody>
       </p:sp>
@@ -8190,7 +11410,6 @@
               <a:rPr lang="en-US" dirty="0"/>
               <a:t>FileParserPJ</a:t>
             </a:r>
-            <a:endParaRPr lang="en-US" dirty="0"/>
           </a:p>
         </p:txBody>
       </p:sp>
@@ -8504,6 +11723,180 @@
     <p:extLst>
       <p:ext uri="{BB962C8B-B14F-4D97-AF65-F5344CB8AC3E}">
         <p14:creationId xmlns:p14="http://schemas.microsoft.com/office/powerpoint/2010/main" val="448705179"/>
+      </p:ext>
+    </p:extLst>
+  </p:cSld>
+  <p:clrMapOvr>
+    <a:masterClrMapping/>
+  </p:clrMapOvr>
+</p:sld>
+</file>
+
+<file path=ppt/slides/slide9.xml><?xml version="1.0" encoding="utf-8"?>
+<p:sld xmlns:a="http://schemas.openxmlformats.org/drawingml/2006/main" xmlns:r="http://schemas.openxmlformats.org/officeDocument/2006/relationships" xmlns:p="http://schemas.openxmlformats.org/presentationml/2006/main">
+  <p:cSld>
+    <p:spTree>
+      <p:nvGrpSpPr>
+        <p:cNvPr id="1" name=""/>
+        <p:cNvGrpSpPr/>
+        <p:nvPr/>
+      </p:nvGrpSpPr>
+      <p:grpSpPr>
+        <a:xfrm>
+          <a:off x="0" y="0"/>
+          <a:ext cx="0" cy="0"/>
+          <a:chOff x="0" y="0"/>
+          <a:chExt cx="0" cy="0"/>
+        </a:xfrm>
+      </p:grpSpPr>
+      <p:sp>
+        <p:nvSpPr>
+          <p:cNvPr id="2" name="Title 1"/>
+          <p:cNvSpPr>
+            <a:spLocks noGrp="1"/>
+          </p:cNvSpPr>
+          <p:nvPr>
+            <p:ph type="title"/>
+          </p:nvPr>
+        </p:nvSpPr>
+        <p:spPr/>
+        <p:txBody>
+          <a:bodyPr>
+            <a:normAutofit fontScale="90000"/>
+          </a:bodyPr>
+          <a:lstStyle/>
+          <a:p>
+            <a:r>
+              <a:rPr lang="en-US" dirty="0" smtClean="0"/>
+              <a:t/>
+            </a:r>
+            <a:br>
+              <a:rPr lang="en-US" dirty="0" smtClean="0"/>
+            </a:br>
+            <a:endParaRPr lang="en-US" dirty="0"/>
+          </a:p>
+        </p:txBody>
+      </p:sp>
+      <p:sp>
+        <p:nvSpPr>
+          <p:cNvPr id="3" name="Content Placeholder 2"/>
+          <p:cNvSpPr>
+            <a:spLocks noGrp="1"/>
+          </p:cNvSpPr>
+          <p:nvPr>
+            <p:ph idx="1"/>
+          </p:nvPr>
+        </p:nvSpPr>
+        <p:spPr/>
+        <p:txBody>
+          <a:bodyPr/>
+          <a:lstStyle/>
+          <a:p>
+            <a:endParaRPr lang="en-US" dirty="0" smtClean="0"/>
+          </a:p>
+          <a:p>
+            <a:pPr marL="0" indent="0">
+              <a:buNone/>
+            </a:pPr>
+            <a:endParaRPr lang="en-US" dirty="0"/>
+          </a:p>
+        </p:txBody>
+      </p:sp>
+      <p:graphicFrame>
+        <p:nvGraphicFramePr>
+          <p:cNvPr id="5" name="Diagram 4"/>
+          <p:cNvGraphicFramePr/>
+          <p:nvPr>
+            <p:extLst>
+              <p:ext uri="{D42A27DB-BD31-4B8C-83A1-F6EECF244321}">
+                <p14:modId xmlns:p14="http://schemas.microsoft.com/office/powerpoint/2010/main" val="2970409429"/>
+              </p:ext>
+            </p:extLst>
+          </p:nvPr>
+        </p:nvGraphicFramePr>
+        <p:xfrm>
+          <a:off x="152400" y="1524000"/>
+          <a:ext cx="8915400" cy="3352800"/>
+        </p:xfrm>
+        <a:graphic>
+          <a:graphicData uri="http://schemas.openxmlformats.org/drawingml/2006/diagram">
+            <dgm:relIds xmlns:dgm="http://schemas.openxmlformats.org/drawingml/2006/diagram" xmlns:r="http://schemas.openxmlformats.org/officeDocument/2006/relationships" r:dm="rId2" r:lo="rId3" r:qs="rId4" r:cs="rId5"/>
+          </a:graphicData>
+        </a:graphic>
+      </p:graphicFrame>
+      <p:cxnSp>
+        <p:nvCxnSpPr>
+          <p:cNvPr id="11" name="Curved Connector 10"/>
+          <p:cNvCxnSpPr/>
+          <p:nvPr/>
+        </p:nvCxnSpPr>
+        <p:spPr>
+          <a:xfrm>
+            <a:off x="4495800" y="3581400"/>
+            <a:ext cx="3810000" cy="12700"/>
+          </a:xfrm>
+          <a:prstGeom prst="curvedConnector3">
+            <a:avLst>
+              <a:gd name="adj1" fmla="val 52491"/>
+            </a:avLst>
+          </a:prstGeom>
+          <a:ln>
+            <a:headEnd type="arrow"/>
+            <a:tailEnd type="arrow"/>
+          </a:ln>
+        </p:spPr>
+        <p:style>
+          <a:lnRef idx="1">
+            <a:schemeClr val="accent1"/>
+          </a:lnRef>
+          <a:fillRef idx="0">
+            <a:schemeClr val="accent1"/>
+          </a:fillRef>
+          <a:effectRef idx="0">
+            <a:schemeClr val="accent1"/>
+          </a:effectRef>
+          <a:fontRef idx="minor">
+            <a:schemeClr val="tx1"/>
+          </a:fontRef>
+        </p:style>
+      </p:cxnSp>
+      <p:sp>
+        <p:nvSpPr>
+          <p:cNvPr id="16" name="TextBox 15"/>
+          <p:cNvSpPr txBox="1"/>
+          <p:nvPr/>
+        </p:nvSpPr>
+        <p:spPr>
+          <a:xfrm>
+            <a:off x="5676900" y="3594100"/>
+            <a:ext cx="1447800" cy="246221"/>
+          </a:xfrm>
+          <a:prstGeom prst="rect">
+            <a:avLst/>
+          </a:prstGeom>
+          <a:noFill/>
+        </p:spPr>
+        <p:txBody>
+          <a:bodyPr wrap="square" rtlCol="0">
+            <a:spAutoFit/>
+          </a:bodyPr>
+          <a:lstStyle/>
+          <a:p>
+            <a:r>
+              <a:rPr lang="en-US" sz="1000" dirty="0" smtClean="0"/>
+              <a:t>repeated </a:t>
+            </a:r>
+            <a:r>
+              <a:rPr lang="en-US" sz="1000" dirty="0"/>
+              <a:t>chunk-wise</a:t>
+            </a:r>
+          </a:p>
+        </p:txBody>
+      </p:sp>
+    </p:spTree>
+    <p:extLst>
+      <p:ext uri="{BB962C8B-B14F-4D97-AF65-F5344CB8AC3E}">
+        <p14:creationId xmlns:p14="http://schemas.microsoft.com/office/powerpoint/2010/main" val="3522882765"/>
       </p:ext>
     </p:extLst>
   </p:cSld>

--- a/pictures.pptx
+++ b/pictures.pptx
@@ -14,6 +14,7 @@
     <p:sldId id="262" r:id="rId8"/>
     <p:sldId id="263" r:id="rId9"/>
     <p:sldId id="264" r:id="rId10"/>
+    <p:sldId id="265" r:id="rId11"/>
   </p:sldIdLst>
   <p:sldSz cx="9144000" cy="6858000" type="screen4x3"/>
   <p:notesSz cx="6858000" cy="9144000"/>
@@ -863,6 +864,753 @@
 </file>
 
 <file path=ppt/diagrams/colors2.xml><?xml version="1.0" encoding="utf-8"?>
+<dgm:colorsDef xmlns:dgm="http://schemas.openxmlformats.org/drawingml/2006/diagram" xmlns:a="http://schemas.openxmlformats.org/drawingml/2006/main" uniqueId="urn:microsoft.com/office/officeart/2005/8/colors/accent1_2">
+  <dgm:title val=""/>
+  <dgm:desc val=""/>
+  <dgm:catLst>
+    <dgm:cat type="accent1" pri="11200"/>
+  </dgm:catLst>
+  <dgm:styleLbl name="node0">
+    <dgm:fillClrLst meth="repeat">
+      <a:schemeClr val="accent1"/>
+    </dgm:fillClrLst>
+    <dgm:linClrLst meth="repeat">
+      <a:schemeClr val="lt1"/>
+    </dgm:linClrLst>
+    <dgm:effectClrLst/>
+    <dgm:txLinClrLst/>
+    <dgm:txFillClrLst/>
+    <dgm:txEffectClrLst/>
+  </dgm:styleLbl>
+  <dgm:styleLbl name="alignNode1">
+    <dgm:fillClrLst meth="repeat">
+      <a:schemeClr val="accent1"/>
+    </dgm:fillClrLst>
+    <dgm:linClrLst meth="repeat">
+      <a:schemeClr val="accent1"/>
+    </dgm:linClrLst>
+    <dgm:effectClrLst/>
+    <dgm:txLinClrLst/>
+    <dgm:txFillClrLst/>
+    <dgm:txEffectClrLst/>
+  </dgm:styleLbl>
+  <dgm:styleLbl name="node1">
+    <dgm:fillClrLst meth="repeat">
+      <a:schemeClr val="accent1"/>
+    </dgm:fillClrLst>
+    <dgm:linClrLst meth="repeat">
+      <a:schemeClr val="lt1"/>
+    </dgm:linClrLst>
+    <dgm:effectClrLst/>
+    <dgm:txLinClrLst/>
+    <dgm:txFillClrLst/>
+    <dgm:txEffectClrLst/>
+  </dgm:styleLbl>
+  <dgm:styleLbl name="lnNode1">
+    <dgm:fillClrLst meth="repeat">
+      <a:schemeClr val="accent1"/>
+    </dgm:fillClrLst>
+    <dgm:linClrLst meth="repeat">
+      <a:schemeClr val="lt1"/>
+    </dgm:linClrLst>
+    <dgm:effectClrLst/>
+    <dgm:txLinClrLst/>
+    <dgm:txFillClrLst/>
+    <dgm:txEffectClrLst/>
+  </dgm:styleLbl>
+  <dgm:styleLbl name="vennNode1">
+    <dgm:fillClrLst meth="repeat">
+      <a:schemeClr val="accent1">
+        <a:alpha val="50000"/>
+      </a:schemeClr>
+    </dgm:fillClrLst>
+    <dgm:linClrLst meth="repeat">
+      <a:schemeClr val="lt1"/>
+    </dgm:linClrLst>
+    <dgm:effectClrLst/>
+    <dgm:txLinClrLst/>
+    <dgm:txFillClrLst/>
+    <dgm:txEffectClrLst/>
+  </dgm:styleLbl>
+  <dgm:styleLbl name="node2">
+    <dgm:fillClrLst meth="repeat">
+      <a:schemeClr val="accent1"/>
+    </dgm:fillClrLst>
+    <dgm:linClrLst meth="repeat">
+      <a:schemeClr val="lt1"/>
+    </dgm:linClrLst>
+    <dgm:effectClrLst/>
+    <dgm:txLinClrLst/>
+    <dgm:txFillClrLst/>
+    <dgm:txEffectClrLst/>
+  </dgm:styleLbl>
+  <dgm:styleLbl name="node3">
+    <dgm:fillClrLst meth="repeat">
+      <a:schemeClr val="accent1"/>
+    </dgm:fillClrLst>
+    <dgm:linClrLst meth="repeat">
+      <a:schemeClr val="lt1"/>
+    </dgm:linClrLst>
+    <dgm:effectClrLst/>
+    <dgm:txLinClrLst/>
+    <dgm:txFillClrLst/>
+    <dgm:txEffectClrLst/>
+  </dgm:styleLbl>
+  <dgm:styleLbl name="node4">
+    <dgm:fillClrLst meth="repeat">
+      <a:schemeClr val="accent1"/>
+    </dgm:fillClrLst>
+    <dgm:linClrLst meth="repeat">
+      <a:schemeClr val="lt1"/>
+    </dgm:linClrLst>
+    <dgm:effectClrLst/>
+    <dgm:txLinClrLst/>
+    <dgm:txFillClrLst/>
+    <dgm:txEffectClrLst/>
+  </dgm:styleLbl>
+  <dgm:styleLbl name="fgImgPlace1">
+    <dgm:fillClrLst meth="repeat">
+      <a:schemeClr val="accent1">
+        <a:tint val="50000"/>
+      </a:schemeClr>
+    </dgm:fillClrLst>
+    <dgm:linClrLst meth="repeat">
+      <a:schemeClr val="lt1"/>
+    </dgm:linClrLst>
+    <dgm:effectClrLst/>
+    <dgm:txLinClrLst/>
+    <dgm:txFillClrLst meth="repeat">
+      <a:schemeClr val="lt1"/>
+    </dgm:txFillClrLst>
+    <dgm:txEffectClrLst/>
+  </dgm:styleLbl>
+  <dgm:styleLbl name="alignImgPlace1">
+    <dgm:fillClrLst meth="repeat">
+      <a:schemeClr val="accent1">
+        <a:tint val="50000"/>
+      </a:schemeClr>
+    </dgm:fillClrLst>
+    <dgm:linClrLst meth="repeat">
+      <a:schemeClr val="lt1"/>
+    </dgm:linClrLst>
+    <dgm:effectClrLst/>
+    <dgm:txLinClrLst/>
+    <dgm:txFillClrLst meth="repeat">
+      <a:schemeClr val="lt1"/>
+    </dgm:txFillClrLst>
+    <dgm:txEffectClrLst/>
+  </dgm:styleLbl>
+  <dgm:styleLbl name="bgImgPlace1">
+    <dgm:fillClrLst meth="repeat">
+      <a:schemeClr val="accent1">
+        <a:tint val="50000"/>
+      </a:schemeClr>
+    </dgm:fillClrLst>
+    <dgm:linClrLst meth="repeat">
+      <a:schemeClr val="lt1"/>
+    </dgm:linClrLst>
+    <dgm:effectClrLst/>
+    <dgm:txLinClrLst/>
+    <dgm:txFillClrLst meth="repeat">
+      <a:schemeClr val="lt1"/>
+    </dgm:txFillClrLst>
+    <dgm:txEffectClrLst/>
+  </dgm:styleLbl>
+  <dgm:styleLbl name="sibTrans2D1">
+    <dgm:fillClrLst meth="repeat">
+      <a:schemeClr val="accent1">
+        <a:tint val="60000"/>
+      </a:schemeClr>
+    </dgm:fillClrLst>
+    <dgm:linClrLst meth="repeat">
+      <a:schemeClr val="accent1">
+        <a:tint val="60000"/>
+      </a:schemeClr>
+    </dgm:linClrLst>
+    <dgm:effectClrLst/>
+    <dgm:txLinClrLst/>
+    <dgm:txFillClrLst/>
+    <dgm:txEffectClrLst/>
+  </dgm:styleLbl>
+  <dgm:styleLbl name="fgSibTrans2D1">
+    <dgm:fillClrLst meth="repeat">
+      <a:schemeClr val="accent1">
+        <a:tint val="60000"/>
+      </a:schemeClr>
+    </dgm:fillClrLst>
+    <dgm:linClrLst meth="repeat">
+      <a:schemeClr val="accent1">
+        <a:tint val="60000"/>
+      </a:schemeClr>
+    </dgm:linClrLst>
+    <dgm:effectClrLst/>
+    <dgm:txLinClrLst/>
+    <dgm:txFillClrLst/>
+    <dgm:txEffectClrLst/>
+  </dgm:styleLbl>
+  <dgm:styleLbl name="bgSibTrans2D1">
+    <dgm:fillClrLst meth="repeat">
+      <a:schemeClr val="accent1">
+        <a:tint val="60000"/>
+      </a:schemeClr>
+    </dgm:fillClrLst>
+    <dgm:linClrLst meth="repeat">
+      <a:schemeClr val="accent1">
+        <a:tint val="60000"/>
+      </a:schemeClr>
+    </dgm:linClrLst>
+    <dgm:effectClrLst/>
+    <dgm:txLinClrLst/>
+    <dgm:txFillClrLst/>
+    <dgm:txEffectClrLst/>
+  </dgm:styleLbl>
+  <dgm:styleLbl name="sibTrans1D1">
+    <dgm:fillClrLst meth="repeat">
+      <a:schemeClr val="accent1"/>
+    </dgm:fillClrLst>
+    <dgm:linClrLst meth="repeat">
+      <a:schemeClr val="accent1"/>
+    </dgm:linClrLst>
+    <dgm:effectClrLst/>
+    <dgm:txLinClrLst/>
+    <dgm:txFillClrLst meth="repeat">
+      <a:schemeClr val="tx1"/>
+    </dgm:txFillClrLst>
+    <dgm:txEffectClrLst/>
+  </dgm:styleLbl>
+  <dgm:styleLbl name="callout">
+    <dgm:fillClrLst meth="repeat">
+      <a:schemeClr val="accent1"/>
+    </dgm:fillClrLst>
+    <dgm:linClrLst meth="repeat">
+      <a:schemeClr val="accent1">
+        <a:tint val="50000"/>
+      </a:schemeClr>
+    </dgm:linClrLst>
+    <dgm:effectClrLst/>
+    <dgm:txLinClrLst/>
+    <dgm:txFillClrLst meth="repeat">
+      <a:schemeClr val="tx1"/>
+    </dgm:txFillClrLst>
+    <dgm:txEffectClrLst/>
+  </dgm:styleLbl>
+  <dgm:styleLbl name="asst0">
+    <dgm:fillClrLst meth="repeat">
+      <a:schemeClr val="accent1"/>
+    </dgm:fillClrLst>
+    <dgm:linClrLst meth="repeat">
+      <a:schemeClr val="lt1"/>
+    </dgm:linClrLst>
+    <dgm:effectClrLst/>
+    <dgm:txLinClrLst/>
+    <dgm:txFillClrLst/>
+    <dgm:txEffectClrLst/>
+  </dgm:styleLbl>
+  <dgm:styleLbl name="asst1">
+    <dgm:fillClrLst meth="repeat">
+      <a:schemeClr val="accent1"/>
+    </dgm:fillClrLst>
+    <dgm:linClrLst meth="repeat">
+      <a:schemeClr val="lt1"/>
+    </dgm:linClrLst>
+    <dgm:effectClrLst/>
+    <dgm:txLinClrLst/>
+    <dgm:txFillClrLst/>
+    <dgm:txEffectClrLst/>
+  </dgm:styleLbl>
+  <dgm:styleLbl name="asst2">
+    <dgm:fillClrLst meth="repeat">
+      <a:schemeClr val="accent1"/>
+    </dgm:fillClrLst>
+    <dgm:linClrLst meth="repeat">
+      <a:schemeClr val="lt1"/>
+    </dgm:linClrLst>
+    <dgm:effectClrLst/>
+    <dgm:txLinClrLst/>
+    <dgm:txFillClrLst/>
+    <dgm:txEffectClrLst/>
+  </dgm:styleLbl>
+  <dgm:styleLbl name="asst3">
+    <dgm:fillClrLst meth="repeat">
+      <a:schemeClr val="accent1"/>
+    </dgm:fillClrLst>
+    <dgm:linClrLst meth="repeat">
+      <a:schemeClr val="lt1"/>
+    </dgm:linClrLst>
+    <dgm:effectClrLst/>
+    <dgm:txLinClrLst/>
+    <dgm:txFillClrLst/>
+    <dgm:txEffectClrLst/>
+  </dgm:styleLbl>
+  <dgm:styleLbl name="asst4">
+    <dgm:fillClrLst meth="repeat">
+      <a:schemeClr val="accent1"/>
+    </dgm:fillClrLst>
+    <dgm:linClrLst meth="repeat">
+      <a:schemeClr val="lt1"/>
+    </dgm:linClrLst>
+    <dgm:effectClrLst/>
+    <dgm:txLinClrLst/>
+    <dgm:txFillClrLst/>
+    <dgm:txEffectClrLst/>
+  </dgm:styleLbl>
+  <dgm:styleLbl name="parChTrans2D1">
+    <dgm:fillClrLst meth="repeat">
+      <a:schemeClr val="accent1">
+        <a:tint val="60000"/>
+      </a:schemeClr>
+    </dgm:fillClrLst>
+    <dgm:linClrLst meth="repeat">
+      <a:schemeClr val="accent1">
+        <a:tint val="60000"/>
+      </a:schemeClr>
+    </dgm:linClrLst>
+    <dgm:effectClrLst/>
+    <dgm:txLinClrLst/>
+    <dgm:txFillClrLst meth="repeat">
+      <a:schemeClr val="lt1"/>
+    </dgm:txFillClrLst>
+    <dgm:txEffectClrLst/>
+  </dgm:styleLbl>
+  <dgm:styleLbl name="parChTrans2D2">
+    <dgm:fillClrLst meth="repeat">
+      <a:schemeClr val="accent1"/>
+    </dgm:fillClrLst>
+    <dgm:linClrLst meth="repeat">
+      <a:schemeClr val="accent1"/>
+    </dgm:linClrLst>
+    <dgm:effectClrLst/>
+    <dgm:txLinClrLst/>
+    <dgm:txFillClrLst meth="repeat">
+      <a:schemeClr val="lt1"/>
+    </dgm:txFillClrLst>
+    <dgm:txEffectClrLst/>
+  </dgm:styleLbl>
+  <dgm:styleLbl name="parChTrans2D3">
+    <dgm:fillClrLst meth="repeat">
+      <a:schemeClr val="accent1"/>
+    </dgm:fillClrLst>
+    <dgm:linClrLst meth="repeat">
+      <a:schemeClr val="accent1"/>
+    </dgm:linClrLst>
+    <dgm:effectClrLst/>
+    <dgm:txLinClrLst/>
+    <dgm:txFillClrLst meth="repeat">
+      <a:schemeClr val="lt1"/>
+    </dgm:txFillClrLst>
+    <dgm:txEffectClrLst/>
+  </dgm:styleLbl>
+  <dgm:styleLbl name="parChTrans2D4">
+    <dgm:fillClrLst meth="repeat">
+      <a:schemeClr val="accent1"/>
+    </dgm:fillClrLst>
+    <dgm:linClrLst meth="repeat">
+      <a:schemeClr val="accent1"/>
+    </dgm:linClrLst>
+    <dgm:effectClrLst/>
+    <dgm:txLinClrLst/>
+    <dgm:txFillClrLst meth="repeat">
+      <a:schemeClr val="lt1"/>
+    </dgm:txFillClrLst>
+    <dgm:txEffectClrLst/>
+  </dgm:styleLbl>
+  <dgm:styleLbl name="parChTrans1D1">
+    <dgm:fillClrLst meth="repeat">
+      <a:schemeClr val="accent1"/>
+    </dgm:fillClrLst>
+    <dgm:linClrLst meth="repeat">
+      <a:schemeClr val="accent1">
+        <a:shade val="60000"/>
+      </a:schemeClr>
+    </dgm:linClrLst>
+    <dgm:effectClrLst/>
+    <dgm:txLinClrLst/>
+    <dgm:txFillClrLst meth="repeat">
+      <a:schemeClr val="tx1"/>
+    </dgm:txFillClrLst>
+    <dgm:txEffectClrLst/>
+  </dgm:styleLbl>
+  <dgm:styleLbl name="parChTrans1D2">
+    <dgm:fillClrLst meth="repeat">
+      <a:schemeClr val="accent1"/>
+    </dgm:fillClrLst>
+    <dgm:linClrLst meth="repeat">
+      <a:schemeClr val="accent1">
+        <a:shade val="60000"/>
+      </a:schemeClr>
+    </dgm:linClrLst>
+    <dgm:effectClrLst/>
+    <dgm:txLinClrLst/>
+    <dgm:txFillClrLst meth="repeat">
+      <a:schemeClr val="tx1"/>
+    </dgm:txFillClrLst>
+    <dgm:txEffectClrLst/>
+  </dgm:styleLbl>
+  <dgm:styleLbl name="parChTrans1D3">
+    <dgm:fillClrLst meth="repeat">
+      <a:schemeClr val="accent1"/>
+    </dgm:fillClrLst>
+    <dgm:linClrLst meth="repeat">
+      <a:schemeClr val="accent1">
+        <a:shade val="80000"/>
+      </a:schemeClr>
+    </dgm:linClrLst>
+    <dgm:effectClrLst/>
+    <dgm:txLinClrLst/>
+    <dgm:txFillClrLst meth="repeat">
+      <a:schemeClr val="tx1"/>
+    </dgm:txFillClrLst>
+    <dgm:txEffectClrLst/>
+  </dgm:styleLbl>
+  <dgm:styleLbl name="parChTrans1D4">
+    <dgm:fillClrLst meth="repeat">
+      <a:schemeClr val="accent1"/>
+    </dgm:fillClrLst>
+    <dgm:linClrLst meth="repeat">
+      <a:schemeClr val="accent1">
+        <a:shade val="80000"/>
+      </a:schemeClr>
+    </dgm:linClrLst>
+    <dgm:effectClrLst/>
+    <dgm:txLinClrLst/>
+    <dgm:txFillClrLst meth="repeat">
+      <a:schemeClr val="tx1"/>
+    </dgm:txFillClrLst>
+    <dgm:txEffectClrLst/>
+  </dgm:styleLbl>
+  <dgm:styleLbl name="fgAcc1">
+    <dgm:fillClrLst meth="repeat">
+      <a:schemeClr val="lt1">
+        <a:alpha val="90000"/>
+      </a:schemeClr>
+    </dgm:fillClrLst>
+    <dgm:linClrLst meth="repeat">
+      <a:schemeClr val="accent1"/>
+    </dgm:linClrLst>
+    <dgm:effectClrLst/>
+    <dgm:txLinClrLst/>
+    <dgm:txFillClrLst meth="repeat">
+      <a:schemeClr val="dk1"/>
+    </dgm:txFillClrLst>
+    <dgm:txEffectClrLst/>
+  </dgm:styleLbl>
+  <dgm:styleLbl name="conFgAcc1">
+    <dgm:fillClrLst meth="repeat">
+      <a:schemeClr val="lt1">
+        <a:alpha val="90000"/>
+      </a:schemeClr>
+    </dgm:fillClrLst>
+    <dgm:linClrLst meth="repeat">
+      <a:schemeClr val="accent1"/>
+    </dgm:linClrLst>
+    <dgm:effectClrLst/>
+    <dgm:txLinClrLst/>
+    <dgm:txFillClrLst meth="repeat">
+      <a:schemeClr val="dk1"/>
+    </dgm:txFillClrLst>
+    <dgm:txEffectClrLst/>
+  </dgm:styleLbl>
+  <dgm:styleLbl name="alignAcc1">
+    <dgm:fillClrLst meth="repeat">
+      <a:schemeClr val="lt1">
+        <a:alpha val="90000"/>
+      </a:schemeClr>
+    </dgm:fillClrLst>
+    <dgm:linClrLst meth="repeat">
+      <a:schemeClr val="accent1"/>
+    </dgm:linClrLst>
+    <dgm:effectClrLst/>
+    <dgm:txLinClrLst/>
+    <dgm:txFillClrLst meth="repeat">
+      <a:schemeClr val="dk1"/>
+    </dgm:txFillClrLst>
+    <dgm:txEffectClrLst/>
+  </dgm:styleLbl>
+  <dgm:styleLbl name="trAlignAcc1">
+    <dgm:fillClrLst meth="repeat">
+      <a:schemeClr val="lt1">
+        <a:alpha val="40000"/>
+      </a:schemeClr>
+    </dgm:fillClrLst>
+    <dgm:linClrLst meth="repeat">
+      <a:schemeClr val="accent1"/>
+    </dgm:linClrLst>
+    <dgm:effectClrLst/>
+    <dgm:txLinClrLst/>
+    <dgm:txFillClrLst meth="repeat">
+      <a:schemeClr val="dk1"/>
+    </dgm:txFillClrLst>
+    <dgm:txEffectClrLst/>
+  </dgm:styleLbl>
+  <dgm:styleLbl name="bgAcc1">
+    <dgm:fillClrLst meth="repeat">
+      <a:schemeClr val="lt1">
+        <a:alpha val="90000"/>
+      </a:schemeClr>
+    </dgm:fillClrLst>
+    <dgm:linClrLst meth="repeat">
+      <a:schemeClr val="accent1"/>
+    </dgm:linClrLst>
+    <dgm:effectClrLst/>
+    <dgm:txLinClrLst/>
+    <dgm:txFillClrLst meth="repeat">
+      <a:schemeClr val="dk1"/>
+    </dgm:txFillClrLst>
+    <dgm:txEffectClrLst/>
+  </dgm:styleLbl>
+  <dgm:styleLbl name="solidFgAcc1">
+    <dgm:fillClrLst meth="repeat">
+      <a:schemeClr val="lt1"/>
+    </dgm:fillClrLst>
+    <dgm:linClrLst meth="repeat">
+      <a:schemeClr val="accent1"/>
+    </dgm:linClrLst>
+    <dgm:effectClrLst/>
+    <dgm:txLinClrLst/>
+    <dgm:txFillClrLst meth="repeat">
+      <a:schemeClr val="dk1"/>
+    </dgm:txFillClrLst>
+    <dgm:txEffectClrLst/>
+  </dgm:styleLbl>
+  <dgm:styleLbl name="solidAlignAcc1">
+    <dgm:fillClrLst meth="repeat">
+      <a:schemeClr val="lt1"/>
+    </dgm:fillClrLst>
+    <dgm:linClrLst meth="repeat">
+      <a:schemeClr val="accent1"/>
+    </dgm:linClrLst>
+    <dgm:effectClrLst/>
+    <dgm:txLinClrLst/>
+    <dgm:txFillClrLst meth="repeat">
+      <a:schemeClr val="dk1"/>
+    </dgm:txFillClrLst>
+    <dgm:txEffectClrLst/>
+  </dgm:styleLbl>
+  <dgm:styleLbl name="solidBgAcc1">
+    <dgm:fillClrLst meth="repeat">
+      <a:schemeClr val="lt1"/>
+    </dgm:fillClrLst>
+    <dgm:linClrLst meth="repeat">
+      <a:schemeClr val="accent1"/>
+    </dgm:linClrLst>
+    <dgm:effectClrLst/>
+    <dgm:txLinClrLst/>
+    <dgm:txFillClrLst meth="repeat">
+      <a:schemeClr val="dk1"/>
+    </dgm:txFillClrLst>
+    <dgm:txEffectClrLst/>
+  </dgm:styleLbl>
+  <dgm:styleLbl name="fgAccFollowNode1">
+    <dgm:fillClrLst meth="repeat">
+      <a:schemeClr val="accent1">
+        <a:alpha val="90000"/>
+        <a:tint val="40000"/>
+      </a:schemeClr>
+    </dgm:fillClrLst>
+    <dgm:linClrLst meth="repeat">
+      <a:schemeClr val="accent1">
+        <a:alpha val="90000"/>
+        <a:tint val="40000"/>
+      </a:schemeClr>
+    </dgm:linClrLst>
+    <dgm:effectClrLst/>
+    <dgm:txLinClrLst/>
+    <dgm:txFillClrLst meth="repeat">
+      <a:schemeClr val="dk1"/>
+    </dgm:txFillClrLst>
+    <dgm:txEffectClrLst/>
+  </dgm:styleLbl>
+  <dgm:styleLbl name="alignAccFollowNode1">
+    <dgm:fillClrLst meth="repeat">
+      <a:schemeClr val="accent1">
+        <a:alpha val="90000"/>
+        <a:tint val="40000"/>
+      </a:schemeClr>
+    </dgm:fillClrLst>
+    <dgm:linClrLst meth="repeat">
+      <a:schemeClr val="accent1">
+        <a:alpha val="90000"/>
+        <a:tint val="40000"/>
+      </a:schemeClr>
+    </dgm:linClrLst>
+    <dgm:effectClrLst/>
+    <dgm:txLinClrLst/>
+    <dgm:txFillClrLst meth="repeat">
+      <a:schemeClr val="dk1"/>
+    </dgm:txFillClrLst>
+    <dgm:txEffectClrLst/>
+  </dgm:styleLbl>
+  <dgm:styleLbl name="bgAccFollowNode1">
+    <dgm:fillClrLst meth="repeat">
+      <a:schemeClr val="accent1">
+        <a:alpha val="90000"/>
+        <a:tint val="40000"/>
+      </a:schemeClr>
+    </dgm:fillClrLst>
+    <dgm:linClrLst meth="repeat">
+      <a:schemeClr val="accent1">
+        <a:alpha val="90000"/>
+        <a:tint val="40000"/>
+      </a:schemeClr>
+    </dgm:linClrLst>
+    <dgm:effectClrLst/>
+    <dgm:txLinClrLst/>
+    <dgm:txFillClrLst meth="repeat">
+      <a:schemeClr val="dk1"/>
+    </dgm:txFillClrLst>
+    <dgm:txEffectClrLst/>
+  </dgm:styleLbl>
+  <dgm:styleLbl name="fgAcc0">
+    <dgm:fillClrLst meth="repeat">
+      <a:schemeClr val="lt1">
+        <a:alpha val="90000"/>
+      </a:schemeClr>
+    </dgm:fillClrLst>
+    <dgm:linClrLst meth="repeat">
+      <a:schemeClr val="accent1"/>
+    </dgm:linClrLst>
+    <dgm:effectClrLst/>
+    <dgm:txLinClrLst/>
+    <dgm:txFillClrLst meth="repeat">
+      <a:schemeClr val="dk1"/>
+    </dgm:txFillClrLst>
+    <dgm:txEffectClrLst/>
+  </dgm:styleLbl>
+  <dgm:styleLbl name="fgAcc2">
+    <dgm:fillClrLst meth="repeat">
+      <a:schemeClr val="lt1">
+        <a:alpha val="90000"/>
+      </a:schemeClr>
+    </dgm:fillClrLst>
+    <dgm:linClrLst meth="repeat">
+      <a:schemeClr val="accent1"/>
+    </dgm:linClrLst>
+    <dgm:effectClrLst/>
+    <dgm:txLinClrLst/>
+    <dgm:txFillClrLst meth="repeat">
+      <a:schemeClr val="dk1"/>
+    </dgm:txFillClrLst>
+    <dgm:txEffectClrLst/>
+  </dgm:styleLbl>
+  <dgm:styleLbl name="fgAcc3">
+    <dgm:fillClrLst meth="repeat">
+      <a:schemeClr val="lt1">
+        <a:alpha val="90000"/>
+      </a:schemeClr>
+    </dgm:fillClrLst>
+    <dgm:linClrLst meth="repeat">
+      <a:schemeClr val="accent1"/>
+    </dgm:linClrLst>
+    <dgm:effectClrLst/>
+    <dgm:txLinClrLst/>
+    <dgm:txFillClrLst meth="repeat">
+      <a:schemeClr val="dk1"/>
+    </dgm:txFillClrLst>
+    <dgm:txEffectClrLst/>
+  </dgm:styleLbl>
+  <dgm:styleLbl name="fgAcc4">
+    <dgm:fillClrLst meth="repeat">
+      <a:schemeClr val="lt1">
+        <a:alpha val="90000"/>
+      </a:schemeClr>
+    </dgm:fillClrLst>
+    <dgm:linClrLst meth="repeat">
+      <a:schemeClr val="accent1"/>
+    </dgm:linClrLst>
+    <dgm:effectClrLst/>
+    <dgm:txLinClrLst/>
+    <dgm:txFillClrLst meth="repeat">
+      <a:schemeClr val="dk1"/>
+    </dgm:txFillClrLst>
+    <dgm:txEffectClrLst/>
+  </dgm:styleLbl>
+  <dgm:styleLbl name="bgShp">
+    <dgm:fillClrLst meth="repeat">
+      <a:schemeClr val="accent1">
+        <a:tint val="40000"/>
+      </a:schemeClr>
+    </dgm:fillClrLst>
+    <dgm:linClrLst meth="repeat">
+      <a:schemeClr val="accent1"/>
+    </dgm:linClrLst>
+    <dgm:effectClrLst/>
+    <dgm:txLinClrLst/>
+    <dgm:txFillClrLst meth="repeat">
+      <a:schemeClr val="dk1"/>
+    </dgm:txFillClrLst>
+    <dgm:txEffectClrLst/>
+  </dgm:styleLbl>
+  <dgm:styleLbl name="dkBgShp">
+    <dgm:fillClrLst meth="repeat">
+      <a:schemeClr val="accent1">
+        <a:shade val="80000"/>
+      </a:schemeClr>
+    </dgm:fillClrLst>
+    <dgm:linClrLst meth="repeat">
+      <a:schemeClr val="accent1"/>
+    </dgm:linClrLst>
+    <dgm:effectClrLst/>
+    <dgm:txLinClrLst/>
+    <dgm:txFillClrLst meth="repeat">
+      <a:schemeClr val="lt1"/>
+    </dgm:txFillClrLst>
+    <dgm:txEffectClrLst/>
+  </dgm:styleLbl>
+  <dgm:styleLbl name="trBgShp">
+    <dgm:fillClrLst meth="repeat">
+      <a:schemeClr val="accent1">
+        <a:tint val="50000"/>
+        <a:alpha val="40000"/>
+      </a:schemeClr>
+    </dgm:fillClrLst>
+    <dgm:linClrLst meth="repeat">
+      <a:schemeClr val="accent1"/>
+    </dgm:linClrLst>
+    <dgm:effectClrLst/>
+    <dgm:txLinClrLst/>
+    <dgm:txFillClrLst meth="repeat">
+      <a:schemeClr val="lt1"/>
+    </dgm:txFillClrLst>
+    <dgm:txEffectClrLst/>
+  </dgm:styleLbl>
+  <dgm:styleLbl name="fgShp">
+    <dgm:fillClrLst meth="repeat">
+      <a:schemeClr val="accent1">
+        <a:tint val="60000"/>
+      </a:schemeClr>
+    </dgm:fillClrLst>
+    <dgm:linClrLst meth="repeat">
+      <a:schemeClr val="lt1"/>
+    </dgm:linClrLst>
+    <dgm:effectClrLst/>
+    <dgm:txLinClrLst/>
+    <dgm:txFillClrLst meth="repeat">
+      <a:schemeClr val="dk1"/>
+    </dgm:txFillClrLst>
+    <dgm:txEffectClrLst/>
+  </dgm:styleLbl>
+  <dgm:styleLbl name="revTx">
+    <dgm:fillClrLst meth="repeat">
+      <a:schemeClr val="lt1">
+        <a:alpha val="0"/>
+      </a:schemeClr>
+    </dgm:fillClrLst>
+    <dgm:linClrLst meth="repeat">
+      <a:schemeClr val="dk1">
+        <a:alpha val="0"/>
+      </a:schemeClr>
+    </dgm:linClrLst>
+    <dgm:effectClrLst/>
+    <dgm:txLinClrLst/>
+    <dgm:txFillClrLst meth="repeat">
+      <a:schemeClr val="tx1"/>
+    </dgm:txFillClrLst>
+    <dgm:txEffectClrLst/>
+  </dgm:styleLbl>
+</dgm:colorsDef>
+</file>
+
+<file path=ppt/diagrams/colors3.xml><?xml version="1.0" encoding="utf-8"?>
 <dgm:colorsDef xmlns:dgm="http://schemas.openxmlformats.org/drawingml/2006/diagram" xmlns:a="http://schemas.openxmlformats.org/drawingml/2006/main" uniqueId="urn:microsoft.com/office/officeart/2005/8/colors/accent1_2">
   <dgm:title val=""/>
   <dgm:desc val=""/>
@@ -1841,15 +2589,7 @@
                 <a:schemeClr val="tx1"/>
               </a:solidFill>
             </a:rPr>
-            <a:t>Input </a:t>
-          </a:r>
-          <a:r>
-            <a:rPr lang="en-US" dirty="0" smtClean="0">
-              <a:solidFill>
-                <a:schemeClr val="tx1"/>
-              </a:solidFill>
-            </a:rPr>
-            <a:t>Parsing</a:t>
+            <a:t>Input Parsing</a:t>
           </a:r>
           <a:endParaRPr lang="en-US" dirty="0">
             <a:solidFill>
@@ -1894,15 +2634,7 @@
                 <a:schemeClr val="tx1"/>
               </a:solidFill>
             </a:rPr>
-            <a:t>Print </a:t>
-          </a:r>
-          <a:r>
-            <a:rPr lang="en-US" dirty="0" smtClean="0">
-              <a:solidFill>
-                <a:schemeClr val="tx1"/>
-              </a:solidFill>
-            </a:rPr>
-            <a:t>object arrangement</a:t>
+            <a:t>Print object arrangement</a:t>
           </a:r>
           <a:endParaRPr lang="en-US" dirty="0">
             <a:solidFill>
@@ -1947,15 +2679,7 @@
                 <a:schemeClr val="tx1"/>
               </a:solidFill>
             </a:rPr>
-            <a:t>Rasterization </a:t>
-          </a:r>
-          <a:r>
-            <a:rPr lang="en-US" dirty="0" smtClean="0">
-              <a:solidFill>
-                <a:schemeClr val="tx1"/>
-              </a:solidFill>
-            </a:rPr>
-            <a:t>&amp; Voxelization</a:t>
+            <a:t>Rasterization &amp; Voxelization</a:t>
           </a:r>
           <a:endParaRPr lang="en-US" dirty="0">
             <a:solidFill>
@@ -2270,6 +2994,13 @@
         </dgm:presLayoutVars>
       </dgm:prSet>
       <dgm:spPr/>
+      <dgm:t>
+        <a:bodyPr/>
+        <a:lstStyle/>
+        <a:p>
+          <a:endParaRPr lang="en-US"/>
+        </a:p>
+      </dgm:t>
     </dgm:pt>
     <dgm:pt modelId="{CE4688A7-E31F-48E4-A08F-2D3FA59A10C5}" type="pres">
       <dgm:prSet presAssocID="{A211C329-5A6A-4787-B4B1-98439EF8D8DC}" presName="parTxOnlySpace" presStyleCnt="0"/>
@@ -2284,6 +3015,13 @@
         </dgm:presLayoutVars>
       </dgm:prSet>
       <dgm:spPr/>
+      <dgm:t>
+        <a:bodyPr/>
+        <a:lstStyle/>
+        <a:p>
+          <a:endParaRPr lang="en-US"/>
+        </a:p>
+      </dgm:t>
     </dgm:pt>
     <dgm:pt modelId="{9B48478D-4364-4A01-B914-3ECAC052B879}" type="pres">
       <dgm:prSet presAssocID="{58567C9B-A274-4468-A0E3-EA814A581623}" presName="parTxOnlySpace" presStyleCnt="0"/>
@@ -2310,8 +3048,8 @@
   <dgm:cxnLst>
     <dgm:cxn modelId="{6189A4AA-D7EB-418F-9F2D-C66AC3C01A62}" srcId="{9450D4C9-C4B2-4911-A89A-514780CB9F15}" destId="{C97B20BC-3CBA-411F-AB14-F158490C5BCC}" srcOrd="6" destOrd="0" parTransId="{F7EE3B89-45E3-4220-BAF4-37722295D274}" sibTransId="{484765B2-A338-4F5A-B411-50FEAAE111D8}"/>
     <dgm:cxn modelId="{C04C286E-F3CB-4F9C-A9D3-E1C714569928}" type="presOf" srcId="{962489C9-99E7-4179-9C22-D64CAB835C31}" destId="{9D68CD03-B1A7-4BEA-B058-FD22B6150897}" srcOrd="0" destOrd="0" presId="urn:microsoft.com/office/officeart/2005/8/layout/chevron1"/>
+    <dgm:cxn modelId="{3472B545-712D-4EE5-A0FD-FCCE69A3F421}" srcId="{9450D4C9-C4B2-4911-A89A-514780CB9F15}" destId="{8A145133-89F4-4E11-BED7-033969110BEF}" srcOrd="4" destOrd="0" parTransId="{06C89CBF-459F-4019-BA59-A67EB395C5B9}" sibTransId="{A211C329-5A6A-4787-B4B1-98439EF8D8DC}"/>
     <dgm:cxn modelId="{9DF62359-97EF-4CF4-AE53-CD7F768719C7}" srcId="{9450D4C9-C4B2-4911-A89A-514780CB9F15}" destId="{B537E5C6-AC88-45DE-A692-878DAC35B119}" srcOrd="2" destOrd="0" parTransId="{21C1899A-364B-44E7-8777-92B33ED6457F}" sibTransId="{DE041BA8-1086-4C93-A56B-5A6A7F7943AB}"/>
-    <dgm:cxn modelId="{3472B545-712D-4EE5-A0FD-FCCE69A3F421}" srcId="{9450D4C9-C4B2-4911-A89A-514780CB9F15}" destId="{8A145133-89F4-4E11-BED7-033969110BEF}" srcOrd="4" destOrd="0" parTransId="{06C89CBF-459F-4019-BA59-A67EB395C5B9}" sibTransId="{A211C329-5A6A-4787-B4B1-98439EF8D8DC}"/>
     <dgm:cxn modelId="{09C829B3-9421-472C-992B-F9C6C7EA8079}" srcId="{9450D4C9-C4B2-4911-A89A-514780CB9F15}" destId="{962489C9-99E7-4179-9C22-D64CAB835C31}" srcOrd="3" destOrd="0" parTransId="{44042CD2-4D4B-4F8B-847E-88E42BCD2928}" sibTransId="{4A484662-FBA7-4F43-BE10-51AB84EA0D6F}"/>
     <dgm:cxn modelId="{7000B5C2-4F63-48D2-B345-7AAD7E3D400A}" type="presOf" srcId="{C97B20BC-3CBA-411F-AB14-F158490C5BCC}" destId="{5D5D5C88-985A-485D-991E-57409E5BC77A}" srcOrd="0" destOrd="0" presId="urn:microsoft.com/office/officeart/2005/8/layout/chevron1"/>
     <dgm:cxn modelId="{7301DC52-2307-4D26-BB4E-D7886F63C24A}" type="presOf" srcId="{868111AE-E299-4D01-BF58-8129A9506C06}" destId="{771B5359-AC59-491F-AE7E-C91287E4A360}" srcOrd="0" destOrd="0" presId="urn:microsoft.com/office/officeart/2005/8/layout/chevron1"/>
@@ -2336,6 +3074,522 @@
     <dgm:cxn modelId="{97591D7E-DFB2-4EB0-AC92-010C771CDB78}" type="presParOf" srcId="{460ED21A-C4DB-432F-A891-283E6D30FEEE}" destId="{1214DDDF-E3A3-4EB3-BFBD-CAE78864CA50}" srcOrd="10" destOrd="0" presId="urn:microsoft.com/office/officeart/2005/8/layout/chevron1"/>
     <dgm:cxn modelId="{ECBECAE1-D1D0-4BF0-ACE5-DD4AE6529896}" type="presParOf" srcId="{460ED21A-C4DB-432F-A891-283E6D30FEEE}" destId="{9B48478D-4364-4A01-B914-3ECAC052B879}" srcOrd="11" destOrd="0" presId="urn:microsoft.com/office/officeart/2005/8/layout/chevron1"/>
     <dgm:cxn modelId="{22B23F35-F549-46EB-9089-6C4E1CF3C71A}" type="presParOf" srcId="{460ED21A-C4DB-432F-A891-283E6D30FEEE}" destId="{5D5D5C88-985A-485D-991E-57409E5BC77A}" srcOrd="12" destOrd="0" presId="urn:microsoft.com/office/officeart/2005/8/layout/chevron1"/>
+  </dgm:cxnLst>
+  <dgm:bg/>
+  <dgm:whole/>
+  <dgm:extLst>
+    <a:ext uri="http://schemas.microsoft.com/office/drawing/2008/diagram">
+      <dsp:dataModelExt xmlns:dsp="http://schemas.microsoft.com/office/drawing/2008/diagram" relId="rId6" minVer="http://schemas.openxmlformats.org/drawingml/2006/diagram"/>
+    </a:ext>
+  </dgm:extLst>
+</dgm:dataModel>
+</file>
+
+<file path=ppt/diagrams/data3.xml><?xml version="1.0" encoding="utf-8"?>
+<dgm:dataModel xmlns:dgm="http://schemas.openxmlformats.org/drawingml/2006/diagram" xmlns:a="http://schemas.openxmlformats.org/drawingml/2006/main">
+  <dgm:ptLst>
+    <dgm:pt modelId="{9450D4C9-C4B2-4911-A89A-514780CB9F15}" type="doc">
+      <dgm:prSet loTypeId="urn:microsoft.com/office/officeart/2005/8/layout/chevron1" loCatId="process" qsTypeId="urn:microsoft.com/office/officeart/2005/8/quickstyle/simple1" qsCatId="simple" csTypeId="urn:microsoft.com/office/officeart/2005/8/colors/accent1_2" csCatId="accent1" phldr="1"/>
+      <dgm:spPr/>
+    </dgm:pt>
+    <dgm:pt modelId="{64331C73-F894-4973-9E15-1A620C348097}">
+      <dgm:prSet phldrT="[Text]"/>
+      <dgm:spPr/>
+      <dgm:t>
+        <a:bodyPr/>
+        <a:lstStyle/>
+        <a:p>
+          <a:r>
+            <a:rPr lang="en-US" dirty="0" smtClean="0">
+              <a:solidFill>
+                <a:schemeClr val="tx1"/>
+              </a:solidFill>
+            </a:rPr>
+            <a:t>Input Parsing</a:t>
+          </a:r>
+          <a:endParaRPr lang="en-US" dirty="0">
+            <a:solidFill>
+              <a:schemeClr val="tx1"/>
+            </a:solidFill>
+          </a:endParaRPr>
+        </a:p>
+      </dgm:t>
+    </dgm:pt>
+    <dgm:pt modelId="{77CFB40D-6F23-4B24-A619-E0E618CEB0D8}" type="parTrans" cxnId="{5F875D11-DB50-43F9-BDF2-78334F8D7E58}">
+      <dgm:prSet/>
+      <dgm:spPr/>
+      <dgm:t>
+        <a:bodyPr/>
+        <a:lstStyle/>
+        <a:p>
+          <a:endParaRPr lang="en-US"/>
+        </a:p>
+      </dgm:t>
+    </dgm:pt>
+    <dgm:pt modelId="{FFC0C0DB-5B55-4194-A6BD-4ACC55D2B470}" type="sibTrans" cxnId="{5F875D11-DB50-43F9-BDF2-78334F8D7E58}">
+      <dgm:prSet/>
+      <dgm:spPr/>
+      <dgm:t>
+        <a:bodyPr/>
+        <a:lstStyle/>
+        <a:p>
+          <a:endParaRPr lang="en-US"/>
+        </a:p>
+      </dgm:t>
+    </dgm:pt>
+    <dgm:pt modelId="{868111AE-E299-4D01-BF58-8129A9506C06}">
+      <dgm:prSet phldrT="[Text]"/>
+      <dgm:spPr/>
+      <dgm:t>
+        <a:bodyPr/>
+        <a:lstStyle/>
+        <a:p>
+          <a:r>
+            <a:rPr lang="en-US" dirty="0" smtClean="0">
+              <a:solidFill>
+                <a:schemeClr val="tx1"/>
+              </a:solidFill>
+            </a:rPr>
+            <a:t>Print object arrangement</a:t>
+          </a:r>
+          <a:endParaRPr lang="en-US" dirty="0">
+            <a:solidFill>
+              <a:schemeClr val="tx1"/>
+            </a:solidFill>
+          </a:endParaRPr>
+        </a:p>
+      </dgm:t>
+    </dgm:pt>
+    <dgm:pt modelId="{C75652AF-634A-420D-9D96-F9B77B193B68}" type="parTrans" cxnId="{863F3A18-B337-4D3B-86F0-8953E07EAC44}">
+      <dgm:prSet/>
+      <dgm:spPr/>
+      <dgm:t>
+        <a:bodyPr/>
+        <a:lstStyle/>
+        <a:p>
+          <a:endParaRPr lang="en-US"/>
+        </a:p>
+      </dgm:t>
+    </dgm:pt>
+    <dgm:pt modelId="{44CBE08D-1567-41F1-8953-1BAC21412B7A}" type="sibTrans" cxnId="{863F3A18-B337-4D3B-86F0-8953E07EAC44}">
+      <dgm:prSet/>
+      <dgm:spPr/>
+      <dgm:t>
+        <a:bodyPr/>
+        <a:lstStyle/>
+        <a:p>
+          <a:endParaRPr lang="en-US"/>
+        </a:p>
+      </dgm:t>
+    </dgm:pt>
+    <dgm:pt modelId="{B537E5C6-AC88-45DE-A692-878DAC35B119}">
+      <dgm:prSet phldrT="[Text]"/>
+      <dgm:spPr/>
+      <dgm:t>
+        <a:bodyPr/>
+        <a:lstStyle/>
+        <a:p>
+          <a:r>
+            <a:rPr lang="en-US" dirty="0" smtClean="0">
+              <a:solidFill>
+                <a:schemeClr val="tx1"/>
+              </a:solidFill>
+            </a:rPr>
+            <a:t>Rasterization &amp; Voxelization</a:t>
+          </a:r>
+          <a:endParaRPr lang="en-US" dirty="0">
+            <a:solidFill>
+              <a:schemeClr val="tx1"/>
+            </a:solidFill>
+          </a:endParaRPr>
+        </a:p>
+      </dgm:t>
+    </dgm:pt>
+    <dgm:pt modelId="{21C1899A-364B-44E7-8777-92B33ED6457F}" type="parTrans" cxnId="{9DF62359-97EF-4CF4-AE53-CD7F768719C7}">
+      <dgm:prSet/>
+      <dgm:spPr/>
+      <dgm:t>
+        <a:bodyPr/>
+        <a:lstStyle/>
+        <a:p>
+          <a:endParaRPr lang="en-US"/>
+        </a:p>
+      </dgm:t>
+    </dgm:pt>
+    <dgm:pt modelId="{DE041BA8-1086-4C93-A56B-5A6A7F7943AB}" type="sibTrans" cxnId="{9DF62359-97EF-4CF4-AE53-CD7F768719C7}">
+      <dgm:prSet/>
+      <dgm:spPr/>
+      <dgm:t>
+        <a:bodyPr/>
+        <a:lstStyle/>
+        <a:p>
+          <a:endParaRPr lang="en-US"/>
+        </a:p>
+      </dgm:t>
+    </dgm:pt>
+    <dgm:pt modelId="{962489C9-99E7-4179-9C22-D64CAB835C31}">
+      <dgm:prSet phldrT="[Text]"/>
+      <dgm:spPr/>
+      <dgm:t>
+        <a:bodyPr/>
+        <a:lstStyle/>
+        <a:p>
+          <a:r>
+            <a:rPr lang="en-US" dirty="0" smtClean="0">
+              <a:solidFill>
+                <a:schemeClr val="tx1"/>
+              </a:solidFill>
+            </a:rPr>
+            <a:t>Tonal Value Calculation</a:t>
+          </a:r>
+          <a:endParaRPr lang="en-US" dirty="0">
+            <a:solidFill>
+              <a:schemeClr val="tx1"/>
+            </a:solidFill>
+          </a:endParaRPr>
+        </a:p>
+      </dgm:t>
+    </dgm:pt>
+    <dgm:pt modelId="{44042CD2-4D4B-4F8B-847E-88E42BCD2928}" type="parTrans" cxnId="{09C829B3-9421-472C-992B-F9C6C7EA8079}">
+      <dgm:prSet/>
+      <dgm:spPr/>
+      <dgm:t>
+        <a:bodyPr/>
+        <a:lstStyle/>
+        <a:p>
+          <a:endParaRPr lang="en-US"/>
+        </a:p>
+      </dgm:t>
+    </dgm:pt>
+    <dgm:pt modelId="{4A484662-FBA7-4F43-BE10-51AB84EA0D6F}" type="sibTrans" cxnId="{09C829B3-9421-472C-992B-F9C6C7EA8079}">
+      <dgm:prSet/>
+      <dgm:spPr/>
+      <dgm:t>
+        <a:bodyPr/>
+        <a:lstStyle/>
+        <a:p>
+          <a:endParaRPr lang="en-US"/>
+        </a:p>
+      </dgm:t>
+    </dgm:pt>
+    <dgm:pt modelId="{C97B20BC-3CBA-411F-AB14-F158490C5BCC}">
+      <dgm:prSet phldrT="[Text]"/>
+      <dgm:spPr/>
+      <dgm:t>
+        <a:bodyPr/>
+        <a:lstStyle/>
+        <a:p>
+          <a:r>
+            <a:rPr lang="en-US" dirty="0" smtClean="0">
+              <a:solidFill>
+                <a:schemeClr val="tx1"/>
+              </a:solidFill>
+            </a:rPr>
+            <a:t>Output Generation</a:t>
+          </a:r>
+          <a:endParaRPr lang="en-US" dirty="0">
+            <a:solidFill>
+              <a:schemeClr val="tx1"/>
+            </a:solidFill>
+          </a:endParaRPr>
+        </a:p>
+      </dgm:t>
+    </dgm:pt>
+    <dgm:pt modelId="{F7EE3B89-45E3-4220-BAF4-37722295D274}" type="parTrans" cxnId="{6189A4AA-D7EB-418F-9F2D-C66AC3C01A62}">
+      <dgm:prSet/>
+      <dgm:spPr/>
+      <dgm:t>
+        <a:bodyPr/>
+        <a:lstStyle/>
+        <a:p>
+          <a:endParaRPr lang="en-US"/>
+        </a:p>
+      </dgm:t>
+    </dgm:pt>
+    <dgm:pt modelId="{484765B2-A338-4F5A-B411-50FEAAE111D8}" type="sibTrans" cxnId="{6189A4AA-D7EB-418F-9F2D-C66AC3C01A62}">
+      <dgm:prSet/>
+      <dgm:spPr/>
+      <dgm:t>
+        <a:bodyPr/>
+        <a:lstStyle/>
+        <a:p>
+          <a:endParaRPr lang="en-US"/>
+        </a:p>
+      </dgm:t>
+    </dgm:pt>
+    <dgm:pt modelId="{CF478C61-00AD-4194-8D4F-7DB2AE098B5C}">
+      <dgm:prSet/>
+      <dgm:spPr/>
+      <dgm:t>
+        <a:bodyPr/>
+        <a:lstStyle/>
+        <a:p>
+          <a:r>
+            <a:rPr lang="en-US" dirty="0" smtClean="0">
+              <a:solidFill>
+                <a:schemeClr val="tx1"/>
+              </a:solidFill>
+            </a:rPr>
+            <a:t>Surface Distance Evaluation</a:t>
+          </a:r>
+          <a:endParaRPr lang="en-US" dirty="0">
+            <a:solidFill>
+              <a:schemeClr val="tx1"/>
+            </a:solidFill>
+          </a:endParaRPr>
+        </a:p>
+      </dgm:t>
+    </dgm:pt>
+    <dgm:pt modelId="{2EC35964-DAF3-4C89-B364-499868C294A8}" type="parTrans" cxnId="{C378ED72-E206-4B76-B23C-B3B4B3340B73}">
+      <dgm:prSet/>
+      <dgm:spPr/>
+      <dgm:t>
+        <a:bodyPr/>
+        <a:lstStyle/>
+        <a:p>
+          <a:endParaRPr lang="en-US"/>
+        </a:p>
+      </dgm:t>
+    </dgm:pt>
+    <dgm:pt modelId="{58567C9B-A274-4468-A0E3-EA814A581623}" type="sibTrans" cxnId="{C378ED72-E206-4B76-B23C-B3B4B3340B73}">
+      <dgm:prSet/>
+      <dgm:spPr/>
+      <dgm:t>
+        <a:bodyPr/>
+        <a:lstStyle/>
+        <a:p>
+          <a:endParaRPr lang="en-US"/>
+        </a:p>
+      </dgm:t>
+    </dgm:pt>
+    <dgm:pt modelId="{8A145133-89F4-4E11-BED7-033969110BEF}">
+      <dgm:prSet/>
+      <dgm:spPr/>
+      <dgm:t>
+        <a:bodyPr/>
+        <a:lstStyle/>
+        <a:p>
+          <a:r>
+            <a:rPr lang="en-US" dirty="0" smtClean="0">
+              <a:solidFill>
+                <a:schemeClr val="tx1"/>
+              </a:solidFill>
+            </a:rPr>
+            <a:t>Layer Extraction and Half-toning</a:t>
+          </a:r>
+          <a:endParaRPr lang="en-US" dirty="0">
+            <a:solidFill>
+              <a:schemeClr val="tx1"/>
+            </a:solidFill>
+          </a:endParaRPr>
+        </a:p>
+      </dgm:t>
+    </dgm:pt>
+    <dgm:pt modelId="{06C89CBF-459F-4019-BA59-A67EB395C5B9}" type="parTrans" cxnId="{3472B545-712D-4EE5-A0FD-FCCE69A3F421}">
+      <dgm:prSet/>
+      <dgm:spPr/>
+      <dgm:t>
+        <a:bodyPr/>
+        <a:lstStyle/>
+        <a:p>
+          <a:endParaRPr lang="en-US"/>
+        </a:p>
+      </dgm:t>
+    </dgm:pt>
+    <dgm:pt modelId="{A211C329-5A6A-4787-B4B1-98439EF8D8DC}" type="sibTrans" cxnId="{3472B545-712D-4EE5-A0FD-FCCE69A3F421}">
+      <dgm:prSet/>
+      <dgm:spPr/>
+      <dgm:t>
+        <a:bodyPr/>
+        <a:lstStyle/>
+        <a:p>
+          <a:endParaRPr lang="en-US"/>
+        </a:p>
+      </dgm:t>
+    </dgm:pt>
+    <dgm:pt modelId="{460ED21A-C4DB-432F-A891-283E6D30FEEE}" type="pres">
+      <dgm:prSet presAssocID="{9450D4C9-C4B2-4911-A89A-514780CB9F15}" presName="Name0" presStyleCnt="0">
+        <dgm:presLayoutVars>
+          <dgm:dir/>
+          <dgm:animLvl val="lvl"/>
+          <dgm:resizeHandles val="exact"/>
+        </dgm:presLayoutVars>
+      </dgm:prSet>
+      <dgm:spPr/>
+    </dgm:pt>
+    <dgm:pt modelId="{09A00682-3313-476D-9195-849AA0621560}" type="pres">
+      <dgm:prSet presAssocID="{64331C73-F894-4973-9E15-1A620C348097}" presName="parTxOnly" presStyleLbl="node1" presStyleIdx="0" presStyleCnt="7">
+        <dgm:presLayoutVars>
+          <dgm:chMax val="0"/>
+          <dgm:chPref val="0"/>
+          <dgm:bulletEnabled val="1"/>
+        </dgm:presLayoutVars>
+      </dgm:prSet>
+      <dgm:spPr/>
+      <dgm:t>
+        <a:bodyPr/>
+        <a:lstStyle/>
+        <a:p>
+          <a:endParaRPr lang="en-US"/>
+        </a:p>
+      </dgm:t>
+    </dgm:pt>
+    <dgm:pt modelId="{99E3799A-A836-4FE8-B104-89D1C921FE24}" type="pres">
+      <dgm:prSet presAssocID="{FFC0C0DB-5B55-4194-A6BD-4ACC55D2B470}" presName="parTxOnlySpace" presStyleCnt="0"/>
+      <dgm:spPr/>
+    </dgm:pt>
+    <dgm:pt modelId="{771B5359-AC59-491F-AE7E-C91287E4A360}" type="pres">
+      <dgm:prSet presAssocID="{868111AE-E299-4D01-BF58-8129A9506C06}" presName="parTxOnly" presStyleLbl="node1" presStyleIdx="1" presStyleCnt="7">
+        <dgm:presLayoutVars>
+          <dgm:chMax val="0"/>
+          <dgm:chPref val="0"/>
+          <dgm:bulletEnabled val="1"/>
+        </dgm:presLayoutVars>
+      </dgm:prSet>
+      <dgm:spPr/>
+      <dgm:t>
+        <a:bodyPr/>
+        <a:lstStyle/>
+        <a:p>
+          <a:endParaRPr lang="en-US"/>
+        </a:p>
+      </dgm:t>
+    </dgm:pt>
+    <dgm:pt modelId="{75522E6D-27B7-40AA-A316-4A6613A7C57D}" type="pres">
+      <dgm:prSet presAssocID="{44CBE08D-1567-41F1-8953-1BAC21412B7A}" presName="parTxOnlySpace" presStyleCnt="0"/>
+      <dgm:spPr/>
+    </dgm:pt>
+    <dgm:pt modelId="{5535CA09-926A-457A-A4B7-21390F15F94F}" type="pres">
+      <dgm:prSet presAssocID="{B537E5C6-AC88-45DE-A692-878DAC35B119}" presName="parTxOnly" presStyleLbl="node1" presStyleIdx="2" presStyleCnt="7">
+        <dgm:presLayoutVars>
+          <dgm:chMax val="0"/>
+          <dgm:chPref val="0"/>
+          <dgm:bulletEnabled val="1"/>
+        </dgm:presLayoutVars>
+      </dgm:prSet>
+      <dgm:spPr/>
+      <dgm:t>
+        <a:bodyPr/>
+        <a:lstStyle/>
+        <a:p>
+          <a:endParaRPr lang="en-US"/>
+        </a:p>
+      </dgm:t>
+    </dgm:pt>
+    <dgm:pt modelId="{050E8A10-5846-4752-A63F-04EDD592E918}" type="pres">
+      <dgm:prSet presAssocID="{DE041BA8-1086-4C93-A56B-5A6A7F7943AB}" presName="parTxOnlySpace" presStyleCnt="0"/>
+      <dgm:spPr/>
+    </dgm:pt>
+    <dgm:pt modelId="{9D68CD03-B1A7-4BEA-B058-FD22B6150897}" type="pres">
+      <dgm:prSet presAssocID="{962489C9-99E7-4179-9C22-D64CAB835C31}" presName="parTxOnly" presStyleLbl="node1" presStyleIdx="3" presStyleCnt="7">
+        <dgm:presLayoutVars>
+          <dgm:chMax val="0"/>
+          <dgm:chPref val="0"/>
+          <dgm:bulletEnabled val="1"/>
+        </dgm:presLayoutVars>
+      </dgm:prSet>
+      <dgm:spPr/>
+      <dgm:t>
+        <a:bodyPr/>
+        <a:lstStyle/>
+        <a:p>
+          <a:endParaRPr lang="en-US"/>
+        </a:p>
+      </dgm:t>
+    </dgm:pt>
+    <dgm:pt modelId="{CA268DEB-688B-43F6-A789-5CB9AD8E0E8A}" type="pres">
+      <dgm:prSet presAssocID="{4A484662-FBA7-4F43-BE10-51AB84EA0D6F}" presName="parTxOnlySpace" presStyleCnt="0"/>
+      <dgm:spPr/>
+    </dgm:pt>
+    <dgm:pt modelId="{47EC26A5-DB58-47F3-B21F-7ECE3520D744}" type="pres">
+      <dgm:prSet presAssocID="{8A145133-89F4-4E11-BED7-033969110BEF}" presName="parTxOnly" presStyleLbl="node1" presStyleIdx="4" presStyleCnt="7">
+        <dgm:presLayoutVars>
+          <dgm:chMax val="0"/>
+          <dgm:chPref val="0"/>
+          <dgm:bulletEnabled val="1"/>
+        </dgm:presLayoutVars>
+      </dgm:prSet>
+      <dgm:spPr/>
+      <dgm:t>
+        <a:bodyPr/>
+        <a:lstStyle/>
+        <a:p>
+          <a:endParaRPr lang="en-US"/>
+        </a:p>
+      </dgm:t>
+    </dgm:pt>
+    <dgm:pt modelId="{CE4688A7-E31F-48E4-A08F-2D3FA59A10C5}" type="pres">
+      <dgm:prSet presAssocID="{A211C329-5A6A-4787-B4B1-98439EF8D8DC}" presName="parTxOnlySpace" presStyleCnt="0"/>
+      <dgm:spPr/>
+    </dgm:pt>
+    <dgm:pt modelId="{1214DDDF-E3A3-4EB3-BFBD-CAE78864CA50}" type="pres">
+      <dgm:prSet presAssocID="{CF478C61-00AD-4194-8D4F-7DB2AE098B5C}" presName="parTxOnly" presStyleLbl="node1" presStyleIdx="5" presStyleCnt="7">
+        <dgm:presLayoutVars>
+          <dgm:chMax val="0"/>
+          <dgm:chPref val="0"/>
+          <dgm:bulletEnabled val="1"/>
+        </dgm:presLayoutVars>
+      </dgm:prSet>
+      <dgm:spPr/>
+      <dgm:t>
+        <a:bodyPr/>
+        <a:lstStyle/>
+        <a:p>
+          <a:endParaRPr lang="en-US"/>
+        </a:p>
+      </dgm:t>
+    </dgm:pt>
+    <dgm:pt modelId="{9B48478D-4364-4A01-B914-3ECAC052B879}" type="pres">
+      <dgm:prSet presAssocID="{58567C9B-A274-4468-A0E3-EA814A581623}" presName="parTxOnlySpace" presStyleCnt="0"/>
+      <dgm:spPr/>
+    </dgm:pt>
+    <dgm:pt modelId="{5D5D5C88-985A-485D-991E-57409E5BC77A}" type="pres">
+      <dgm:prSet presAssocID="{C97B20BC-3CBA-411F-AB14-F158490C5BCC}" presName="parTxOnly" presStyleLbl="node1" presStyleIdx="6" presStyleCnt="7">
+        <dgm:presLayoutVars>
+          <dgm:chMax val="0"/>
+          <dgm:chPref val="0"/>
+          <dgm:bulletEnabled val="1"/>
+        </dgm:presLayoutVars>
+      </dgm:prSet>
+      <dgm:spPr/>
+      <dgm:t>
+        <a:bodyPr/>
+        <a:lstStyle/>
+        <a:p>
+          <a:endParaRPr lang="en-US"/>
+        </a:p>
+      </dgm:t>
+    </dgm:pt>
+  </dgm:ptLst>
+  <dgm:cxnLst>
+    <dgm:cxn modelId="{A4A6F842-F938-4989-939A-E610F0BEDC3D}" type="presOf" srcId="{9450D4C9-C4B2-4911-A89A-514780CB9F15}" destId="{460ED21A-C4DB-432F-A891-283E6D30FEEE}" srcOrd="0" destOrd="0" presId="urn:microsoft.com/office/officeart/2005/8/layout/chevron1"/>
+    <dgm:cxn modelId="{C378ED72-E206-4B76-B23C-B3B4B3340B73}" srcId="{9450D4C9-C4B2-4911-A89A-514780CB9F15}" destId="{CF478C61-00AD-4194-8D4F-7DB2AE098B5C}" srcOrd="5" destOrd="0" parTransId="{2EC35964-DAF3-4C89-B364-499868C294A8}" sibTransId="{58567C9B-A274-4468-A0E3-EA814A581623}"/>
+    <dgm:cxn modelId="{5F875D11-DB50-43F9-BDF2-78334F8D7E58}" srcId="{9450D4C9-C4B2-4911-A89A-514780CB9F15}" destId="{64331C73-F894-4973-9E15-1A620C348097}" srcOrd="0" destOrd="0" parTransId="{77CFB40D-6F23-4B24-A619-E0E618CEB0D8}" sibTransId="{FFC0C0DB-5B55-4194-A6BD-4ACC55D2B470}"/>
+    <dgm:cxn modelId="{9DF62359-97EF-4CF4-AE53-CD7F768719C7}" srcId="{9450D4C9-C4B2-4911-A89A-514780CB9F15}" destId="{B537E5C6-AC88-45DE-A692-878DAC35B119}" srcOrd="2" destOrd="0" parTransId="{21C1899A-364B-44E7-8777-92B33ED6457F}" sibTransId="{DE041BA8-1086-4C93-A56B-5A6A7F7943AB}"/>
+    <dgm:cxn modelId="{7668A89A-29E8-4E15-83A2-61AF98F853AA}" type="presOf" srcId="{868111AE-E299-4D01-BF58-8129A9506C06}" destId="{771B5359-AC59-491F-AE7E-C91287E4A360}" srcOrd="0" destOrd="0" presId="urn:microsoft.com/office/officeart/2005/8/layout/chevron1"/>
+    <dgm:cxn modelId="{09C829B3-9421-472C-992B-F9C6C7EA8079}" srcId="{9450D4C9-C4B2-4911-A89A-514780CB9F15}" destId="{962489C9-99E7-4179-9C22-D64CAB835C31}" srcOrd="3" destOrd="0" parTransId="{44042CD2-4D4B-4F8B-847E-88E42BCD2928}" sibTransId="{4A484662-FBA7-4F43-BE10-51AB84EA0D6F}"/>
+    <dgm:cxn modelId="{926CA9DC-DF6F-4A9D-9612-83D48BE5EA1C}" type="presOf" srcId="{64331C73-F894-4973-9E15-1A620C348097}" destId="{09A00682-3313-476D-9195-849AA0621560}" srcOrd="0" destOrd="0" presId="urn:microsoft.com/office/officeart/2005/8/layout/chevron1"/>
+    <dgm:cxn modelId="{639D5D99-9E2A-4A71-BD4D-065403E54717}" type="presOf" srcId="{B537E5C6-AC88-45DE-A692-878DAC35B119}" destId="{5535CA09-926A-457A-A4B7-21390F15F94F}" srcOrd="0" destOrd="0" presId="urn:microsoft.com/office/officeart/2005/8/layout/chevron1"/>
+    <dgm:cxn modelId="{B3F5CCFA-FE39-4B4E-9CFC-BD7D8A83E842}" type="presOf" srcId="{CF478C61-00AD-4194-8D4F-7DB2AE098B5C}" destId="{1214DDDF-E3A3-4EB3-BFBD-CAE78864CA50}" srcOrd="0" destOrd="0" presId="urn:microsoft.com/office/officeart/2005/8/layout/chevron1"/>
+    <dgm:cxn modelId="{77A0D87E-0458-4AB3-8FE4-5731CF46972A}" type="presOf" srcId="{C97B20BC-3CBA-411F-AB14-F158490C5BCC}" destId="{5D5D5C88-985A-485D-991E-57409E5BC77A}" srcOrd="0" destOrd="0" presId="urn:microsoft.com/office/officeart/2005/8/layout/chevron1"/>
+    <dgm:cxn modelId="{1C1DB8ED-0C78-4531-81AD-594F179D4A4A}" type="presOf" srcId="{8A145133-89F4-4E11-BED7-033969110BEF}" destId="{47EC26A5-DB58-47F3-B21F-7ECE3520D744}" srcOrd="0" destOrd="0" presId="urn:microsoft.com/office/officeart/2005/8/layout/chevron1"/>
+    <dgm:cxn modelId="{6189A4AA-D7EB-418F-9F2D-C66AC3C01A62}" srcId="{9450D4C9-C4B2-4911-A89A-514780CB9F15}" destId="{C97B20BC-3CBA-411F-AB14-F158490C5BCC}" srcOrd="6" destOrd="0" parTransId="{F7EE3B89-45E3-4220-BAF4-37722295D274}" sibTransId="{484765B2-A338-4F5A-B411-50FEAAE111D8}"/>
+    <dgm:cxn modelId="{3472B545-712D-4EE5-A0FD-FCCE69A3F421}" srcId="{9450D4C9-C4B2-4911-A89A-514780CB9F15}" destId="{8A145133-89F4-4E11-BED7-033969110BEF}" srcOrd="4" destOrd="0" parTransId="{06C89CBF-459F-4019-BA59-A67EB395C5B9}" sibTransId="{A211C329-5A6A-4787-B4B1-98439EF8D8DC}"/>
+    <dgm:cxn modelId="{4F2130A0-1415-4348-8853-90D1F7780598}" type="presOf" srcId="{962489C9-99E7-4179-9C22-D64CAB835C31}" destId="{9D68CD03-B1A7-4BEA-B058-FD22B6150897}" srcOrd="0" destOrd="0" presId="urn:microsoft.com/office/officeart/2005/8/layout/chevron1"/>
+    <dgm:cxn modelId="{863F3A18-B337-4D3B-86F0-8953E07EAC44}" srcId="{9450D4C9-C4B2-4911-A89A-514780CB9F15}" destId="{868111AE-E299-4D01-BF58-8129A9506C06}" srcOrd="1" destOrd="0" parTransId="{C75652AF-634A-420D-9D96-F9B77B193B68}" sibTransId="{44CBE08D-1567-41F1-8953-1BAC21412B7A}"/>
+    <dgm:cxn modelId="{98901DD5-2768-4888-AE47-AD4093D629AA}" type="presParOf" srcId="{460ED21A-C4DB-432F-A891-283E6D30FEEE}" destId="{09A00682-3313-476D-9195-849AA0621560}" srcOrd="0" destOrd="0" presId="urn:microsoft.com/office/officeart/2005/8/layout/chevron1"/>
+    <dgm:cxn modelId="{793183C6-7351-48F1-81BD-406C0C7251A1}" type="presParOf" srcId="{460ED21A-C4DB-432F-A891-283E6D30FEEE}" destId="{99E3799A-A836-4FE8-B104-89D1C921FE24}" srcOrd="1" destOrd="0" presId="urn:microsoft.com/office/officeart/2005/8/layout/chevron1"/>
+    <dgm:cxn modelId="{0B271C2D-988A-408B-94F8-D7ABC20F8653}" type="presParOf" srcId="{460ED21A-C4DB-432F-A891-283E6D30FEEE}" destId="{771B5359-AC59-491F-AE7E-C91287E4A360}" srcOrd="2" destOrd="0" presId="urn:microsoft.com/office/officeart/2005/8/layout/chevron1"/>
+    <dgm:cxn modelId="{571ED106-6CCF-4424-B3B2-6E61665970EC}" type="presParOf" srcId="{460ED21A-C4DB-432F-A891-283E6D30FEEE}" destId="{75522E6D-27B7-40AA-A316-4A6613A7C57D}" srcOrd="3" destOrd="0" presId="urn:microsoft.com/office/officeart/2005/8/layout/chevron1"/>
+    <dgm:cxn modelId="{7076C20A-8DE1-4E48-ACFC-1507CCD4573F}" type="presParOf" srcId="{460ED21A-C4DB-432F-A891-283E6D30FEEE}" destId="{5535CA09-926A-457A-A4B7-21390F15F94F}" srcOrd="4" destOrd="0" presId="urn:microsoft.com/office/officeart/2005/8/layout/chevron1"/>
+    <dgm:cxn modelId="{268B419A-4703-4685-A46E-40E681CB209E}" type="presParOf" srcId="{460ED21A-C4DB-432F-A891-283E6D30FEEE}" destId="{050E8A10-5846-4752-A63F-04EDD592E918}" srcOrd="5" destOrd="0" presId="urn:microsoft.com/office/officeart/2005/8/layout/chevron1"/>
+    <dgm:cxn modelId="{79E1FCB0-D650-4AE8-A2AD-4DEC2BC5903E}" type="presParOf" srcId="{460ED21A-C4DB-432F-A891-283E6D30FEEE}" destId="{9D68CD03-B1A7-4BEA-B058-FD22B6150897}" srcOrd="6" destOrd="0" presId="urn:microsoft.com/office/officeart/2005/8/layout/chevron1"/>
+    <dgm:cxn modelId="{2C35EEEB-D3E8-4E63-8D4E-BF8EDB27D91D}" type="presParOf" srcId="{460ED21A-C4DB-432F-A891-283E6D30FEEE}" destId="{CA268DEB-688B-43F6-A789-5CB9AD8E0E8A}" srcOrd="7" destOrd="0" presId="urn:microsoft.com/office/officeart/2005/8/layout/chevron1"/>
+    <dgm:cxn modelId="{C6FE796B-5F0F-440A-8D79-79CD46ED20FA}" type="presParOf" srcId="{460ED21A-C4DB-432F-A891-283E6D30FEEE}" destId="{47EC26A5-DB58-47F3-B21F-7ECE3520D744}" srcOrd="8" destOrd="0" presId="urn:microsoft.com/office/officeart/2005/8/layout/chevron1"/>
+    <dgm:cxn modelId="{72FB38A9-F706-4E33-A6A7-7A67B631CD59}" type="presParOf" srcId="{460ED21A-C4DB-432F-A891-283E6D30FEEE}" destId="{CE4688A7-E31F-48E4-A08F-2D3FA59A10C5}" srcOrd="9" destOrd="0" presId="urn:microsoft.com/office/officeart/2005/8/layout/chevron1"/>
+    <dgm:cxn modelId="{BFA956CC-EF8D-4872-BC32-DDABCAED0F1B}" type="presParOf" srcId="{460ED21A-C4DB-432F-A891-283E6D30FEEE}" destId="{1214DDDF-E3A3-4EB3-BFBD-CAE78864CA50}" srcOrd="10" destOrd="0" presId="urn:microsoft.com/office/officeart/2005/8/layout/chevron1"/>
+    <dgm:cxn modelId="{DC7BDCDD-EE4A-4DBE-9D25-FAF6F4CCE6B6}" type="presParOf" srcId="{460ED21A-C4DB-432F-A891-283E6D30FEEE}" destId="{9B48478D-4364-4A01-B914-3ECAC052B879}" srcOrd="11" destOrd="0" presId="urn:microsoft.com/office/officeart/2005/8/layout/chevron1"/>
+    <dgm:cxn modelId="{2012B53E-358B-4183-BA84-D3BDAAF8258D}" type="presParOf" srcId="{460ED21A-C4DB-432F-A891-283E6D30FEEE}" destId="{5D5D5C88-985A-485D-991E-57409E5BC77A}" srcOrd="12" destOrd="0" presId="urn:microsoft.com/office/officeart/2005/8/layout/chevron1"/>
   </dgm:cxnLst>
   <dgm:bg/>
   <dgm:whole/>
@@ -2669,15 +3923,7 @@
                 <a:schemeClr val="tx1"/>
               </a:solidFill>
             </a:rPr>
-            <a:t>Input </a:t>
-          </a:r>
-          <a:r>
-            <a:rPr lang="en-US" sz="1000" kern="1200" dirty="0" smtClean="0">
-              <a:solidFill>
-                <a:schemeClr val="tx1"/>
-              </a:solidFill>
-            </a:rPr>
-            <a:t>Parsing</a:t>
+            <a:t>Input Parsing</a:t>
           </a:r>
           <a:endParaRPr lang="en-US" sz="1000" kern="1200" dirty="0">
             <a:solidFill>
@@ -2762,15 +4008,7 @@
                 <a:schemeClr val="tx1"/>
               </a:solidFill>
             </a:rPr>
-            <a:t>Print </a:t>
-          </a:r>
-          <a:r>
-            <a:rPr lang="en-US" sz="1000" kern="1200" dirty="0" smtClean="0">
-              <a:solidFill>
-                <a:schemeClr val="tx1"/>
-              </a:solidFill>
-            </a:rPr>
-            <a:t>object arrangement</a:t>
+            <a:t>Print object arrangement</a:t>
           </a:r>
           <a:endParaRPr lang="en-US" sz="1000" kern="1200" dirty="0">
             <a:solidFill>
@@ -2855,15 +4093,614 @@
                 <a:schemeClr val="tx1"/>
               </a:solidFill>
             </a:rPr>
-            <a:t>Rasterization </a:t>
+            <a:t>Rasterization &amp; Voxelization</a:t>
           </a:r>
+          <a:endParaRPr lang="en-US" sz="1000" kern="1200" dirty="0">
+            <a:solidFill>
+              <a:schemeClr val="tx1"/>
+            </a:solidFill>
+          </a:endParaRPr>
+        </a:p>
+      </dsp:txBody>
+      <dsp:txXfrm>
+        <a:off x="2786062" y="1397793"/>
+        <a:ext cx="835819" cy="557212"/>
+      </dsp:txXfrm>
+    </dsp:sp>
+    <dsp:sp modelId="{9D68CD03-B1A7-4BEA-B058-FD22B6150897}">
+      <dsp:nvSpPr>
+        <dsp:cNvPr id="0" name=""/>
+        <dsp:cNvSpPr/>
+      </dsp:nvSpPr>
+      <dsp:spPr>
+        <a:xfrm>
+          <a:off x="3761184" y="1397793"/>
+          <a:ext cx="1393031" cy="557212"/>
+        </a:xfrm>
+        <a:prstGeom prst="chevron">
+          <a:avLst/>
+        </a:prstGeom>
+        <a:solidFill>
+          <a:schemeClr val="accent1">
+            <a:hueOff val="0"/>
+            <a:satOff val="0"/>
+            <a:lumOff val="0"/>
+            <a:alphaOff val="0"/>
+          </a:schemeClr>
+        </a:solidFill>
+        <a:ln w="25400" cap="flat" cmpd="sng" algn="ctr">
+          <a:solidFill>
+            <a:schemeClr val="lt1">
+              <a:hueOff val="0"/>
+              <a:satOff val="0"/>
+              <a:lumOff val="0"/>
+              <a:alphaOff val="0"/>
+            </a:schemeClr>
+          </a:solidFill>
+          <a:prstDash val="solid"/>
+        </a:ln>
+        <a:effectLst/>
+      </dsp:spPr>
+      <dsp:style>
+        <a:lnRef idx="2">
+          <a:scrgbClr r="0" g="0" b="0"/>
+        </a:lnRef>
+        <a:fillRef idx="1">
+          <a:scrgbClr r="0" g="0" b="0"/>
+        </a:fillRef>
+        <a:effectRef idx="0">
+          <a:scrgbClr r="0" g="0" b="0"/>
+        </a:effectRef>
+        <a:fontRef idx="minor">
+          <a:schemeClr val="lt1"/>
+        </a:fontRef>
+      </dsp:style>
+      <dsp:txBody>
+        <a:bodyPr spcFirstLastPara="0" vert="horz" wrap="square" lIns="40005" tIns="13335" rIns="13335" bIns="13335" numCol="1" spcCol="1270" anchor="ctr" anchorCtr="0">
+          <a:noAutofit/>
+        </a:bodyPr>
+        <a:lstStyle/>
+        <a:p>
+          <a:pPr lvl="0" algn="ctr" defTabSz="444500">
+            <a:lnSpc>
+              <a:spcPct val="90000"/>
+            </a:lnSpc>
+            <a:spcBef>
+              <a:spcPct val="0"/>
+            </a:spcBef>
+            <a:spcAft>
+              <a:spcPct val="35000"/>
+            </a:spcAft>
+          </a:pPr>
           <a:r>
             <a:rPr lang="en-US" sz="1000" kern="1200" dirty="0" smtClean="0">
               <a:solidFill>
                 <a:schemeClr val="tx1"/>
               </a:solidFill>
             </a:rPr>
-            <a:t>&amp; Voxelization</a:t>
+            <a:t>Tonal Value Calculation</a:t>
+          </a:r>
+          <a:endParaRPr lang="en-US" sz="1000" kern="1200" dirty="0">
+            <a:solidFill>
+              <a:schemeClr val="tx1"/>
+            </a:solidFill>
+          </a:endParaRPr>
+        </a:p>
+      </dsp:txBody>
+      <dsp:txXfrm>
+        <a:off x="4039790" y="1397793"/>
+        <a:ext cx="835819" cy="557212"/>
+      </dsp:txXfrm>
+    </dsp:sp>
+    <dsp:sp modelId="{47EC26A5-DB58-47F3-B21F-7ECE3520D744}">
+      <dsp:nvSpPr>
+        <dsp:cNvPr id="0" name=""/>
+        <dsp:cNvSpPr/>
+      </dsp:nvSpPr>
+      <dsp:spPr>
+        <a:xfrm>
+          <a:off x="5014912" y="1397793"/>
+          <a:ext cx="1393031" cy="557212"/>
+        </a:xfrm>
+        <a:prstGeom prst="chevron">
+          <a:avLst/>
+        </a:prstGeom>
+        <a:solidFill>
+          <a:schemeClr val="accent1">
+            <a:hueOff val="0"/>
+            <a:satOff val="0"/>
+            <a:lumOff val="0"/>
+            <a:alphaOff val="0"/>
+          </a:schemeClr>
+        </a:solidFill>
+        <a:ln w="25400" cap="flat" cmpd="sng" algn="ctr">
+          <a:solidFill>
+            <a:schemeClr val="lt1">
+              <a:hueOff val="0"/>
+              <a:satOff val="0"/>
+              <a:lumOff val="0"/>
+              <a:alphaOff val="0"/>
+            </a:schemeClr>
+          </a:solidFill>
+          <a:prstDash val="solid"/>
+        </a:ln>
+        <a:effectLst/>
+      </dsp:spPr>
+      <dsp:style>
+        <a:lnRef idx="2">
+          <a:scrgbClr r="0" g="0" b="0"/>
+        </a:lnRef>
+        <a:fillRef idx="1">
+          <a:scrgbClr r="0" g="0" b="0"/>
+        </a:fillRef>
+        <a:effectRef idx="0">
+          <a:scrgbClr r="0" g="0" b="0"/>
+        </a:effectRef>
+        <a:fontRef idx="minor">
+          <a:schemeClr val="lt1"/>
+        </a:fontRef>
+      </dsp:style>
+      <dsp:txBody>
+        <a:bodyPr spcFirstLastPara="0" vert="horz" wrap="square" lIns="40005" tIns="13335" rIns="13335" bIns="13335" numCol="1" spcCol="1270" anchor="ctr" anchorCtr="0">
+          <a:noAutofit/>
+        </a:bodyPr>
+        <a:lstStyle/>
+        <a:p>
+          <a:pPr lvl="0" algn="ctr" defTabSz="444500">
+            <a:lnSpc>
+              <a:spcPct val="90000"/>
+            </a:lnSpc>
+            <a:spcBef>
+              <a:spcPct val="0"/>
+            </a:spcBef>
+            <a:spcAft>
+              <a:spcPct val="35000"/>
+            </a:spcAft>
+          </a:pPr>
+          <a:r>
+            <a:rPr lang="en-US" sz="1000" kern="1200" dirty="0" smtClean="0">
+              <a:solidFill>
+                <a:schemeClr val="tx1"/>
+              </a:solidFill>
+            </a:rPr>
+            <a:t>Layer Extraction and Half-toning</a:t>
+          </a:r>
+          <a:endParaRPr lang="en-US" sz="1000" kern="1200" dirty="0">
+            <a:solidFill>
+              <a:schemeClr val="tx1"/>
+            </a:solidFill>
+          </a:endParaRPr>
+        </a:p>
+      </dsp:txBody>
+      <dsp:txXfrm>
+        <a:off x="5293518" y="1397793"/>
+        <a:ext cx="835819" cy="557212"/>
+      </dsp:txXfrm>
+    </dsp:sp>
+    <dsp:sp modelId="{1214DDDF-E3A3-4EB3-BFBD-CAE78864CA50}">
+      <dsp:nvSpPr>
+        <dsp:cNvPr id="0" name=""/>
+        <dsp:cNvSpPr/>
+      </dsp:nvSpPr>
+      <dsp:spPr>
+        <a:xfrm>
+          <a:off x="6268640" y="1397793"/>
+          <a:ext cx="1393031" cy="557212"/>
+        </a:xfrm>
+        <a:prstGeom prst="chevron">
+          <a:avLst/>
+        </a:prstGeom>
+        <a:solidFill>
+          <a:schemeClr val="accent1">
+            <a:hueOff val="0"/>
+            <a:satOff val="0"/>
+            <a:lumOff val="0"/>
+            <a:alphaOff val="0"/>
+          </a:schemeClr>
+        </a:solidFill>
+        <a:ln w="25400" cap="flat" cmpd="sng" algn="ctr">
+          <a:solidFill>
+            <a:schemeClr val="lt1">
+              <a:hueOff val="0"/>
+              <a:satOff val="0"/>
+              <a:lumOff val="0"/>
+              <a:alphaOff val="0"/>
+            </a:schemeClr>
+          </a:solidFill>
+          <a:prstDash val="solid"/>
+        </a:ln>
+        <a:effectLst/>
+      </dsp:spPr>
+      <dsp:style>
+        <a:lnRef idx="2">
+          <a:scrgbClr r="0" g="0" b="0"/>
+        </a:lnRef>
+        <a:fillRef idx="1">
+          <a:scrgbClr r="0" g="0" b="0"/>
+        </a:fillRef>
+        <a:effectRef idx="0">
+          <a:scrgbClr r="0" g="0" b="0"/>
+        </a:effectRef>
+        <a:fontRef idx="minor">
+          <a:schemeClr val="lt1"/>
+        </a:fontRef>
+      </dsp:style>
+      <dsp:txBody>
+        <a:bodyPr spcFirstLastPara="0" vert="horz" wrap="square" lIns="40005" tIns="13335" rIns="13335" bIns="13335" numCol="1" spcCol="1270" anchor="ctr" anchorCtr="0">
+          <a:noAutofit/>
+        </a:bodyPr>
+        <a:lstStyle/>
+        <a:p>
+          <a:pPr lvl="0" algn="ctr" defTabSz="444500">
+            <a:lnSpc>
+              <a:spcPct val="90000"/>
+            </a:lnSpc>
+            <a:spcBef>
+              <a:spcPct val="0"/>
+            </a:spcBef>
+            <a:spcAft>
+              <a:spcPct val="35000"/>
+            </a:spcAft>
+          </a:pPr>
+          <a:r>
+            <a:rPr lang="en-US" sz="1000" kern="1200" dirty="0" smtClean="0">
+              <a:solidFill>
+                <a:schemeClr val="tx1"/>
+              </a:solidFill>
+            </a:rPr>
+            <a:t>Surface Distance Evaluation</a:t>
+          </a:r>
+          <a:endParaRPr lang="en-US" sz="1000" kern="1200" dirty="0">
+            <a:solidFill>
+              <a:schemeClr val="tx1"/>
+            </a:solidFill>
+          </a:endParaRPr>
+        </a:p>
+      </dsp:txBody>
+      <dsp:txXfrm>
+        <a:off x="6547246" y="1397793"/>
+        <a:ext cx="835819" cy="557212"/>
+      </dsp:txXfrm>
+    </dsp:sp>
+    <dsp:sp modelId="{5D5D5C88-985A-485D-991E-57409E5BC77A}">
+      <dsp:nvSpPr>
+        <dsp:cNvPr id="0" name=""/>
+        <dsp:cNvSpPr/>
+      </dsp:nvSpPr>
+      <dsp:spPr>
+        <a:xfrm>
+          <a:off x="7522368" y="1397793"/>
+          <a:ext cx="1393031" cy="557212"/>
+        </a:xfrm>
+        <a:prstGeom prst="chevron">
+          <a:avLst/>
+        </a:prstGeom>
+        <a:solidFill>
+          <a:schemeClr val="accent1">
+            <a:hueOff val="0"/>
+            <a:satOff val="0"/>
+            <a:lumOff val="0"/>
+            <a:alphaOff val="0"/>
+          </a:schemeClr>
+        </a:solidFill>
+        <a:ln w="25400" cap="flat" cmpd="sng" algn="ctr">
+          <a:solidFill>
+            <a:schemeClr val="lt1">
+              <a:hueOff val="0"/>
+              <a:satOff val="0"/>
+              <a:lumOff val="0"/>
+              <a:alphaOff val="0"/>
+            </a:schemeClr>
+          </a:solidFill>
+          <a:prstDash val="solid"/>
+        </a:ln>
+        <a:effectLst/>
+      </dsp:spPr>
+      <dsp:style>
+        <a:lnRef idx="2">
+          <a:scrgbClr r="0" g="0" b="0"/>
+        </a:lnRef>
+        <a:fillRef idx="1">
+          <a:scrgbClr r="0" g="0" b="0"/>
+        </a:fillRef>
+        <a:effectRef idx="0">
+          <a:scrgbClr r="0" g="0" b="0"/>
+        </a:effectRef>
+        <a:fontRef idx="minor">
+          <a:schemeClr val="lt1"/>
+        </a:fontRef>
+      </dsp:style>
+      <dsp:txBody>
+        <a:bodyPr spcFirstLastPara="0" vert="horz" wrap="square" lIns="40005" tIns="13335" rIns="13335" bIns="13335" numCol="1" spcCol="1270" anchor="ctr" anchorCtr="0">
+          <a:noAutofit/>
+        </a:bodyPr>
+        <a:lstStyle/>
+        <a:p>
+          <a:pPr lvl="0" algn="ctr" defTabSz="444500">
+            <a:lnSpc>
+              <a:spcPct val="90000"/>
+            </a:lnSpc>
+            <a:spcBef>
+              <a:spcPct val="0"/>
+            </a:spcBef>
+            <a:spcAft>
+              <a:spcPct val="35000"/>
+            </a:spcAft>
+          </a:pPr>
+          <a:r>
+            <a:rPr lang="en-US" sz="1000" kern="1200" dirty="0" smtClean="0">
+              <a:solidFill>
+                <a:schemeClr val="tx1"/>
+              </a:solidFill>
+            </a:rPr>
+            <a:t>Output Generation</a:t>
+          </a:r>
+          <a:endParaRPr lang="en-US" sz="1000" kern="1200" dirty="0">
+            <a:solidFill>
+              <a:schemeClr val="tx1"/>
+            </a:solidFill>
+          </a:endParaRPr>
+        </a:p>
+      </dsp:txBody>
+      <dsp:txXfrm>
+        <a:off x="7800974" y="1397793"/>
+        <a:ext cx="835819" cy="557212"/>
+      </dsp:txXfrm>
+    </dsp:sp>
+  </dsp:spTree>
+</dsp:drawing>
+</file>
+
+<file path=ppt/diagrams/drawing3.xml><?xml version="1.0" encoding="utf-8"?>
+<dsp:drawing xmlns:dgm="http://schemas.openxmlformats.org/drawingml/2006/diagram" xmlns:dsp="http://schemas.microsoft.com/office/drawing/2008/diagram" xmlns:a="http://schemas.openxmlformats.org/drawingml/2006/main">
+  <dsp:spTree>
+    <dsp:nvGrpSpPr>
+      <dsp:cNvPr id="0" name=""/>
+      <dsp:cNvGrpSpPr/>
+    </dsp:nvGrpSpPr>
+    <dsp:grpSpPr/>
+    <dsp:sp modelId="{09A00682-3313-476D-9195-849AA0621560}">
+      <dsp:nvSpPr>
+        <dsp:cNvPr id="0" name=""/>
+        <dsp:cNvSpPr/>
+      </dsp:nvSpPr>
+      <dsp:spPr>
+        <a:xfrm>
+          <a:off x="0" y="1397793"/>
+          <a:ext cx="1393031" cy="557212"/>
+        </a:xfrm>
+        <a:prstGeom prst="chevron">
+          <a:avLst/>
+        </a:prstGeom>
+        <a:solidFill>
+          <a:schemeClr val="accent1">
+            <a:hueOff val="0"/>
+            <a:satOff val="0"/>
+            <a:lumOff val="0"/>
+            <a:alphaOff val="0"/>
+          </a:schemeClr>
+        </a:solidFill>
+        <a:ln w="25400" cap="flat" cmpd="sng" algn="ctr">
+          <a:solidFill>
+            <a:schemeClr val="lt1">
+              <a:hueOff val="0"/>
+              <a:satOff val="0"/>
+              <a:lumOff val="0"/>
+              <a:alphaOff val="0"/>
+            </a:schemeClr>
+          </a:solidFill>
+          <a:prstDash val="solid"/>
+        </a:ln>
+        <a:effectLst/>
+      </dsp:spPr>
+      <dsp:style>
+        <a:lnRef idx="2">
+          <a:scrgbClr r="0" g="0" b="0"/>
+        </a:lnRef>
+        <a:fillRef idx="1">
+          <a:scrgbClr r="0" g="0" b="0"/>
+        </a:fillRef>
+        <a:effectRef idx="0">
+          <a:scrgbClr r="0" g="0" b="0"/>
+        </a:effectRef>
+        <a:fontRef idx="minor">
+          <a:schemeClr val="lt1"/>
+        </a:fontRef>
+      </dsp:style>
+      <dsp:txBody>
+        <a:bodyPr spcFirstLastPara="0" vert="horz" wrap="square" lIns="40005" tIns="13335" rIns="13335" bIns="13335" numCol="1" spcCol="1270" anchor="ctr" anchorCtr="0">
+          <a:noAutofit/>
+        </a:bodyPr>
+        <a:lstStyle/>
+        <a:p>
+          <a:pPr lvl="0" algn="ctr" defTabSz="444500">
+            <a:lnSpc>
+              <a:spcPct val="90000"/>
+            </a:lnSpc>
+            <a:spcBef>
+              <a:spcPct val="0"/>
+            </a:spcBef>
+            <a:spcAft>
+              <a:spcPct val="35000"/>
+            </a:spcAft>
+          </a:pPr>
+          <a:r>
+            <a:rPr lang="en-US" sz="1000" kern="1200" dirty="0" smtClean="0">
+              <a:solidFill>
+                <a:schemeClr val="tx1"/>
+              </a:solidFill>
+            </a:rPr>
+            <a:t>Input Parsing</a:t>
+          </a:r>
+          <a:endParaRPr lang="en-US" sz="1000" kern="1200" dirty="0">
+            <a:solidFill>
+              <a:schemeClr val="tx1"/>
+            </a:solidFill>
+          </a:endParaRPr>
+        </a:p>
+      </dsp:txBody>
+      <dsp:txXfrm>
+        <a:off x="278606" y="1397793"/>
+        <a:ext cx="835819" cy="557212"/>
+      </dsp:txXfrm>
+    </dsp:sp>
+    <dsp:sp modelId="{771B5359-AC59-491F-AE7E-C91287E4A360}">
+      <dsp:nvSpPr>
+        <dsp:cNvPr id="0" name=""/>
+        <dsp:cNvSpPr/>
+      </dsp:nvSpPr>
+      <dsp:spPr>
+        <a:xfrm>
+          <a:off x="1253728" y="1397793"/>
+          <a:ext cx="1393031" cy="557212"/>
+        </a:xfrm>
+        <a:prstGeom prst="chevron">
+          <a:avLst/>
+        </a:prstGeom>
+        <a:solidFill>
+          <a:schemeClr val="accent1">
+            <a:hueOff val="0"/>
+            <a:satOff val="0"/>
+            <a:lumOff val="0"/>
+            <a:alphaOff val="0"/>
+          </a:schemeClr>
+        </a:solidFill>
+        <a:ln w="25400" cap="flat" cmpd="sng" algn="ctr">
+          <a:solidFill>
+            <a:schemeClr val="lt1">
+              <a:hueOff val="0"/>
+              <a:satOff val="0"/>
+              <a:lumOff val="0"/>
+              <a:alphaOff val="0"/>
+            </a:schemeClr>
+          </a:solidFill>
+          <a:prstDash val="solid"/>
+        </a:ln>
+        <a:effectLst/>
+      </dsp:spPr>
+      <dsp:style>
+        <a:lnRef idx="2">
+          <a:scrgbClr r="0" g="0" b="0"/>
+        </a:lnRef>
+        <a:fillRef idx="1">
+          <a:scrgbClr r="0" g="0" b="0"/>
+        </a:fillRef>
+        <a:effectRef idx="0">
+          <a:scrgbClr r="0" g="0" b="0"/>
+        </a:effectRef>
+        <a:fontRef idx="minor">
+          <a:schemeClr val="lt1"/>
+        </a:fontRef>
+      </dsp:style>
+      <dsp:txBody>
+        <a:bodyPr spcFirstLastPara="0" vert="horz" wrap="square" lIns="40005" tIns="13335" rIns="13335" bIns="13335" numCol="1" spcCol="1270" anchor="ctr" anchorCtr="0">
+          <a:noAutofit/>
+        </a:bodyPr>
+        <a:lstStyle/>
+        <a:p>
+          <a:pPr lvl="0" algn="ctr" defTabSz="444500">
+            <a:lnSpc>
+              <a:spcPct val="90000"/>
+            </a:lnSpc>
+            <a:spcBef>
+              <a:spcPct val="0"/>
+            </a:spcBef>
+            <a:spcAft>
+              <a:spcPct val="35000"/>
+            </a:spcAft>
+          </a:pPr>
+          <a:r>
+            <a:rPr lang="en-US" sz="1000" kern="1200" dirty="0" smtClean="0">
+              <a:solidFill>
+                <a:schemeClr val="tx1"/>
+              </a:solidFill>
+            </a:rPr>
+            <a:t>Print object arrangement</a:t>
+          </a:r>
+          <a:endParaRPr lang="en-US" sz="1000" kern="1200" dirty="0">
+            <a:solidFill>
+              <a:schemeClr val="tx1"/>
+            </a:solidFill>
+          </a:endParaRPr>
+        </a:p>
+      </dsp:txBody>
+      <dsp:txXfrm>
+        <a:off x="1532334" y="1397793"/>
+        <a:ext cx="835819" cy="557212"/>
+      </dsp:txXfrm>
+    </dsp:sp>
+    <dsp:sp modelId="{5535CA09-926A-457A-A4B7-21390F15F94F}">
+      <dsp:nvSpPr>
+        <dsp:cNvPr id="0" name=""/>
+        <dsp:cNvSpPr/>
+      </dsp:nvSpPr>
+      <dsp:spPr>
+        <a:xfrm>
+          <a:off x="2507456" y="1397793"/>
+          <a:ext cx="1393031" cy="557212"/>
+        </a:xfrm>
+        <a:prstGeom prst="chevron">
+          <a:avLst/>
+        </a:prstGeom>
+        <a:solidFill>
+          <a:schemeClr val="accent1">
+            <a:hueOff val="0"/>
+            <a:satOff val="0"/>
+            <a:lumOff val="0"/>
+            <a:alphaOff val="0"/>
+          </a:schemeClr>
+        </a:solidFill>
+        <a:ln w="25400" cap="flat" cmpd="sng" algn="ctr">
+          <a:solidFill>
+            <a:schemeClr val="lt1">
+              <a:hueOff val="0"/>
+              <a:satOff val="0"/>
+              <a:lumOff val="0"/>
+              <a:alphaOff val="0"/>
+            </a:schemeClr>
+          </a:solidFill>
+          <a:prstDash val="solid"/>
+        </a:ln>
+        <a:effectLst/>
+      </dsp:spPr>
+      <dsp:style>
+        <a:lnRef idx="2">
+          <a:scrgbClr r="0" g="0" b="0"/>
+        </a:lnRef>
+        <a:fillRef idx="1">
+          <a:scrgbClr r="0" g="0" b="0"/>
+        </a:fillRef>
+        <a:effectRef idx="0">
+          <a:scrgbClr r="0" g="0" b="0"/>
+        </a:effectRef>
+        <a:fontRef idx="minor">
+          <a:schemeClr val="lt1"/>
+        </a:fontRef>
+      </dsp:style>
+      <dsp:txBody>
+        <a:bodyPr spcFirstLastPara="0" vert="horz" wrap="square" lIns="40005" tIns="13335" rIns="13335" bIns="13335" numCol="1" spcCol="1270" anchor="ctr" anchorCtr="0">
+          <a:noAutofit/>
+        </a:bodyPr>
+        <a:lstStyle/>
+        <a:p>
+          <a:pPr lvl="0" algn="ctr" defTabSz="444500">
+            <a:lnSpc>
+              <a:spcPct val="90000"/>
+            </a:lnSpc>
+            <a:spcBef>
+              <a:spcPct val="0"/>
+            </a:spcBef>
+            <a:spcAft>
+              <a:spcPct val="35000"/>
+            </a:spcAft>
+          </a:pPr>
+          <a:r>
+            <a:rPr lang="en-US" sz="1000" kern="1200" dirty="0" smtClean="0">
+              <a:solidFill>
+                <a:schemeClr val="tx1"/>
+              </a:solidFill>
+            </a:rPr>
+            <a:t>Rasterization &amp; Voxelization</a:t>
           </a:r>
           <a:endParaRPr lang="en-US" sz="1000" kern="1200" dirty="0">
             <a:solidFill>
@@ -3787,6 +5624,289 @@
 </dgm:layoutDef>
 </file>
 
+<file path=ppt/diagrams/layout3.xml><?xml version="1.0" encoding="utf-8"?>
+<dgm:layoutDef xmlns:dgm="http://schemas.openxmlformats.org/drawingml/2006/diagram" xmlns:a="http://schemas.openxmlformats.org/drawingml/2006/main" uniqueId="urn:microsoft.com/office/officeart/2005/8/layout/chevron1">
+  <dgm:title val=""/>
+  <dgm:desc val=""/>
+  <dgm:catLst>
+    <dgm:cat type="process" pri="9000"/>
+  </dgm:catLst>
+  <dgm:sampData useDef="1">
+    <dgm:dataModel>
+      <dgm:ptLst/>
+      <dgm:bg/>
+      <dgm:whole/>
+    </dgm:dataModel>
+  </dgm:sampData>
+  <dgm:styleData>
+    <dgm:dataModel>
+      <dgm:ptLst>
+        <dgm:pt modelId="0" type="doc"/>
+        <dgm:pt modelId="1"/>
+        <dgm:pt modelId="2"/>
+      </dgm:ptLst>
+      <dgm:cxnLst>
+        <dgm:cxn modelId="3" srcId="0" destId="1" srcOrd="0" destOrd="0"/>
+        <dgm:cxn modelId="4" srcId="0" destId="2" srcOrd="1" destOrd="0"/>
+      </dgm:cxnLst>
+      <dgm:bg/>
+      <dgm:whole/>
+    </dgm:dataModel>
+  </dgm:styleData>
+  <dgm:clrData>
+    <dgm:dataModel>
+      <dgm:ptLst>
+        <dgm:pt modelId="0" type="doc"/>
+        <dgm:pt modelId="1"/>
+        <dgm:pt modelId="2"/>
+        <dgm:pt modelId="3"/>
+        <dgm:pt modelId="4"/>
+      </dgm:ptLst>
+      <dgm:cxnLst>
+        <dgm:cxn modelId="5" srcId="0" destId="1" srcOrd="0" destOrd="0"/>
+        <dgm:cxn modelId="6" srcId="0" destId="2" srcOrd="1" destOrd="0"/>
+        <dgm:cxn modelId="7" srcId="0" destId="3" srcOrd="2" destOrd="0"/>
+        <dgm:cxn modelId="8" srcId="0" destId="4" srcOrd="3" destOrd="0"/>
+      </dgm:cxnLst>
+      <dgm:bg/>
+      <dgm:whole/>
+    </dgm:dataModel>
+  </dgm:clrData>
+  <dgm:layoutNode name="Name0">
+    <dgm:varLst>
+      <dgm:dir/>
+      <dgm:animLvl val="lvl"/>
+      <dgm:resizeHandles val="exact"/>
+    </dgm:varLst>
+    <dgm:choose name="Name1">
+      <dgm:if name="Name2" func="var" arg="dir" op="equ" val="norm">
+        <dgm:alg type="lin"/>
+      </dgm:if>
+      <dgm:else name="Name3">
+        <dgm:alg type="lin">
+          <dgm:param type="linDir" val="fromR"/>
+        </dgm:alg>
+      </dgm:else>
+    </dgm:choose>
+    <dgm:shape xmlns:r="http://schemas.openxmlformats.org/officeDocument/2006/relationships" r:blip="">
+      <dgm:adjLst/>
+    </dgm:shape>
+    <dgm:presOf/>
+    <dgm:choose name="Name4">
+      <dgm:if name="Name5" axis="des" func="maxDepth" op="gte" val="2">
+        <dgm:constrLst>
+          <dgm:constr type="h" for="ch" forName="composite" refType="h"/>
+          <dgm:constr type="w" for="ch" forName="composite" refType="w"/>
+          <dgm:constr type="w" for="des" forName="parTx"/>
+          <dgm:constr type="h" for="des" forName="parTx" op="equ"/>
+          <dgm:constr type="w" for="des" forName="desTx"/>
+          <dgm:constr type="h" for="des" forName="desTx" op="equ"/>
+          <dgm:constr type="primFontSz" for="des" forName="parTx" val="65"/>
+          <dgm:constr type="secFontSz" for="des" forName="desTx" refType="primFontSz" refFor="des" refForName="parTx" op="equ"/>
+          <dgm:constr type="h" for="des" forName="parTx" refType="primFontSz" refFor="des" refForName="parTx" fact="1.5"/>
+          <dgm:constr type="h" for="des" forName="desTx" refType="primFontSz" refFor="des" refForName="parTx" fact="0.5"/>
+          <dgm:constr type="w" for="ch" forName="space" op="equ" val="-6"/>
+        </dgm:constrLst>
+        <dgm:ruleLst>
+          <dgm:rule type="w" for="ch" forName="composite" val="0" fact="NaN" max="NaN"/>
+          <dgm:rule type="primFontSz" for="des" forName="parTx" val="5" fact="NaN" max="NaN"/>
+        </dgm:ruleLst>
+        <dgm:forEach name="Name6" axis="ch" ptType="node">
+          <dgm:layoutNode name="composite">
+            <dgm:alg type="composite"/>
+            <dgm:shape xmlns:r="http://schemas.openxmlformats.org/officeDocument/2006/relationships" r:blip="">
+              <dgm:adjLst/>
+            </dgm:shape>
+            <dgm:presOf/>
+            <dgm:choose name="Name7">
+              <dgm:if name="Name8" func="var" arg="dir" op="equ" val="norm">
+                <dgm:constrLst>
+                  <dgm:constr type="l" for="ch" forName="parTx"/>
+                  <dgm:constr type="w" for="ch" forName="parTx" refType="w"/>
+                  <dgm:constr type="t" for="ch" forName="parTx"/>
+                  <dgm:constr type="l" for="ch" forName="desTx"/>
+                  <dgm:constr type="w" for="ch" forName="desTx" refType="w" refFor="ch" refForName="parTx" fact="0.8"/>
+                  <dgm:constr type="t" for="ch" forName="desTx" refType="h" refFor="ch" refForName="parTx" fact="1.125"/>
+                </dgm:constrLst>
+              </dgm:if>
+              <dgm:else name="Name9">
+                <dgm:constrLst>
+                  <dgm:constr type="l" for="ch" forName="parTx"/>
+                  <dgm:constr type="w" for="ch" forName="parTx" refType="w"/>
+                  <dgm:constr type="t" for="ch" forName="parTx"/>
+                  <dgm:constr type="l" for="ch" forName="desTx" refType="w" fact="0.2"/>
+                  <dgm:constr type="w" for="ch" forName="desTx" refType="w" refFor="ch" refForName="parTx" fact="0.8"/>
+                  <dgm:constr type="t" for="ch" forName="desTx" refType="h" refFor="ch" refForName="parTx" fact="1.125"/>
+                </dgm:constrLst>
+              </dgm:else>
+            </dgm:choose>
+            <dgm:ruleLst>
+              <dgm:rule type="h" val="INF" fact="NaN" max="NaN"/>
+            </dgm:ruleLst>
+            <dgm:layoutNode name="parTx">
+              <dgm:varLst>
+                <dgm:chMax val="0"/>
+                <dgm:chPref val="0"/>
+                <dgm:bulletEnabled val="1"/>
+              </dgm:varLst>
+              <dgm:alg type="tx"/>
+              <dgm:choose name="Name10">
+                <dgm:if name="Name11" func="var" arg="dir" op="equ" val="norm">
+                  <dgm:shape xmlns:r="http://schemas.openxmlformats.org/officeDocument/2006/relationships" type="chevron" r:blip="">
+                    <dgm:adjLst/>
+                  </dgm:shape>
+                </dgm:if>
+                <dgm:else name="Name12">
+                  <dgm:shape xmlns:r="http://schemas.openxmlformats.org/officeDocument/2006/relationships" rot="180" type="chevron" r:blip="">
+                    <dgm:adjLst/>
+                  </dgm:shape>
+                </dgm:else>
+              </dgm:choose>
+              <dgm:presOf axis="self" ptType="node"/>
+              <dgm:choose name="Name13">
+                <dgm:if name="Name14" func="var" arg="dir" op="equ" val="norm">
+                  <dgm:constrLst>
+                    <dgm:constr type="h" refType="w" op="lte" fact="0.4"/>
+                    <dgm:constr type="h"/>
+                    <dgm:constr type="tMarg" refType="primFontSz" fact="0.105"/>
+                    <dgm:constr type="bMarg" refType="primFontSz" fact="0.105"/>
+                    <dgm:constr type="lMarg" refType="primFontSz" fact="0.315"/>
+                    <dgm:constr type="rMarg" refType="primFontSz" fact="0.105"/>
+                  </dgm:constrLst>
+                </dgm:if>
+                <dgm:else name="Name15">
+                  <dgm:constrLst>
+                    <dgm:constr type="h" refType="w" op="lte" fact="0.4"/>
+                    <dgm:constr type="h"/>
+                    <dgm:constr type="tMarg" refType="primFontSz" fact="0.105"/>
+                    <dgm:constr type="bMarg" refType="primFontSz" fact="0.105"/>
+                    <dgm:constr type="lMarg" refType="primFontSz" fact="0.105"/>
+                    <dgm:constr type="rMarg" refType="primFontSz" fact="0.315"/>
+                  </dgm:constrLst>
+                </dgm:else>
+              </dgm:choose>
+              <dgm:ruleLst>
+                <dgm:rule type="h" val="INF" fact="NaN" max="NaN"/>
+              </dgm:ruleLst>
+            </dgm:layoutNode>
+            <dgm:layoutNode name="desTx" styleLbl="revTx">
+              <dgm:varLst>
+                <dgm:bulletEnabled val="1"/>
+              </dgm:varLst>
+              <dgm:alg type="tx">
+                <dgm:param type="stBulletLvl" val="1"/>
+              </dgm:alg>
+              <dgm:choose name="Name16">
+                <dgm:if name="Name17" axis="ch" ptType="node" func="cnt" op="gte" val="1">
+                  <dgm:shape xmlns:r="http://schemas.openxmlformats.org/officeDocument/2006/relationships" type="rect" r:blip="">
+                    <dgm:adjLst/>
+                  </dgm:shape>
+                </dgm:if>
+                <dgm:else name="Name18">
+                  <dgm:shape xmlns:r="http://schemas.openxmlformats.org/officeDocument/2006/relationships" type="rect" r:blip="" hideGeom="1">
+                    <dgm:adjLst/>
+                  </dgm:shape>
+                </dgm:else>
+              </dgm:choose>
+              <dgm:presOf axis="des" ptType="node"/>
+              <dgm:constrLst>
+                <dgm:constr type="secFontSz" val="65"/>
+                <dgm:constr type="primFontSz" refType="secFontSz"/>
+                <dgm:constr type="h"/>
+                <dgm:constr type="tMarg"/>
+                <dgm:constr type="bMarg"/>
+                <dgm:constr type="rMarg"/>
+                <dgm:constr type="lMarg"/>
+              </dgm:constrLst>
+              <dgm:ruleLst>
+                <dgm:rule type="h" val="INF" fact="NaN" max="NaN"/>
+              </dgm:ruleLst>
+            </dgm:layoutNode>
+          </dgm:layoutNode>
+          <dgm:forEach name="Name19" axis="followSib" ptType="sibTrans" cnt="1">
+            <dgm:layoutNode name="space">
+              <dgm:alg type="sp"/>
+              <dgm:shape xmlns:r="http://schemas.openxmlformats.org/officeDocument/2006/relationships" r:blip="">
+                <dgm:adjLst/>
+              </dgm:shape>
+              <dgm:presOf/>
+              <dgm:constrLst/>
+              <dgm:ruleLst/>
+            </dgm:layoutNode>
+          </dgm:forEach>
+        </dgm:forEach>
+      </dgm:if>
+      <dgm:else name="Name20">
+        <dgm:constrLst>
+          <dgm:constr type="w" for="ch" forName="parTxOnly" refType="w"/>
+          <dgm:constr type="h" for="des" forName="parTxOnly" op="equ"/>
+          <dgm:constr type="primFontSz" for="des" forName="parTxOnly" op="equ" val="65"/>
+          <dgm:constr type="w" for="ch" forName="parTxOnlySpace" refType="w" refFor="ch" refForName="parTxOnly" fact="-0.1"/>
+        </dgm:constrLst>
+        <dgm:ruleLst/>
+        <dgm:forEach name="Name21" axis="ch" ptType="node">
+          <dgm:layoutNode name="parTxOnly">
+            <dgm:varLst>
+              <dgm:chMax val="0"/>
+              <dgm:chPref val="0"/>
+              <dgm:bulletEnabled val="1"/>
+            </dgm:varLst>
+            <dgm:alg type="tx"/>
+            <dgm:choose name="Name22">
+              <dgm:if name="Name23" func="var" arg="dir" op="equ" val="norm">
+                <dgm:shape xmlns:r="http://schemas.openxmlformats.org/officeDocument/2006/relationships" type="chevron" r:blip="">
+                  <dgm:adjLst/>
+                </dgm:shape>
+              </dgm:if>
+              <dgm:else name="Name24">
+                <dgm:shape xmlns:r="http://schemas.openxmlformats.org/officeDocument/2006/relationships" rot="180" type="chevron" r:blip="">
+                  <dgm:adjLst/>
+                </dgm:shape>
+              </dgm:else>
+            </dgm:choose>
+            <dgm:presOf axis="self" ptType="node"/>
+            <dgm:choose name="Name25">
+              <dgm:if name="Name26" func="var" arg="dir" op="equ" val="norm">
+                <dgm:constrLst>
+                  <dgm:constr type="h" refType="w" op="equ" fact="0.4"/>
+                  <dgm:constr type="tMarg" refType="primFontSz" fact="0.105"/>
+                  <dgm:constr type="bMarg" refType="primFontSz" fact="0.105"/>
+                  <dgm:constr type="lMarg" refType="primFontSz" fact="0.315"/>
+                  <dgm:constr type="rMarg" refType="primFontSz" fact="0.105"/>
+                </dgm:constrLst>
+              </dgm:if>
+              <dgm:else name="Name27">
+                <dgm:constrLst>
+                  <dgm:constr type="h" refType="w" op="equ" fact="0.4"/>
+                  <dgm:constr type="tMarg" refType="primFontSz" fact="0.105"/>
+                  <dgm:constr type="bMarg" refType="primFontSz" fact="0.105"/>
+                  <dgm:constr type="lMarg" refType="primFontSz" fact="0.105"/>
+                  <dgm:constr type="rMarg" refType="primFontSz" fact="0.315"/>
+                </dgm:constrLst>
+              </dgm:else>
+            </dgm:choose>
+            <dgm:ruleLst>
+              <dgm:rule type="primFontSz" val="5" fact="NaN" max="NaN"/>
+            </dgm:ruleLst>
+          </dgm:layoutNode>
+          <dgm:forEach name="Name28" axis="followSib" ptType="sibTrans" cnt="1">
+            <dgm:layoutNode name="parTxOnlySpace">
+              <dgm:alg type="sp"/>
+              <dgm:shape xmlns:r="http://schemas.openxmlformats.org/officeDocument/2006/relationships" r:blip="">
+                <dgm:adjLst/>
+              </dgm:shape>
+              <dgm:presOf/>
+              <dgm:constrLst/>
+              <dgm:ruleLst/>
+            </dgm:layoutNode>
+          </dgm:forEach>
+        </dgm:forEach>
+      </dgm:else>
+    </dgm:choose>
+  </dgm:layoutNode>
+</dgm:layoutDef>
+</file>
+
 <file path=ppt/diagrams/quickStyle1.xml><?xml version="1.0" encoding="utf-8"?>
 <dgm:styleDef xmlns:dgm="http://schemas.openxmlformats.org/drawingml/2006/diagram" xmlns:a="http://schemas.openxmlformats.org/drawingml/2006/main" uniqueId="urn:microsoft.com/office/officeart/2005/8/quickstyle/simple1">
   <dgm:title val=""/>
@@ -4822,6 +6942,1040 @@
 </file>
 
 <file path=ppt/diagrams/quickStyle2.xml><?xml version="1.0" encoding="utf-8"?>
+<dgm:styleDef xmlns:dgm="http://schemas.openxmlformats.org/drawingml/2006/diagram" xmlns:a="http://schemas.openxmlformats.org/drawingml/2006/main" uniqueId="urn:microsoft.com/office/officeart/2005/8/quickstyle/simple1">
+  <dgm:title val=""/>
+  <dgm:desc val=""/>
+  <dgm:catLst>
+    <dgm:cat type="simple" pri="10100"/>
+  </dgm:catLst>
+  <dgm:scene3d>
+    <a:camera prst="orthographicFront"/>
+    <a:lightRig rig="threePt" dir="t"/>
+  </dgm:scene3d>
+  <dgm:styleLbl name="node0">
+    <dgm:scene3d>
+      <a:camera prst="orthographicFront"/>
+      <a:lightRig rig="threePt" dir="t"/>
+    </dgm:scene3d>
+    <dgm:sp3d/>
+    <dgm:txPr/>
+    <dgm:style>
+      <a:lnRef idx="2">
+        <a:scrgbClr r="0" g="0" b="0"/>
+      </a:lnRef>
+      <a:fillRef idx="1">
+        <a:scrgbClr r="0" g="0" b="0"/>
+      </a:fillRef>
+      <a:effectRef idx="0">
+        <a:scrgbClr r="0" g="0" b="0"/>
+      </a:effectRef>
+      <a:fontRef idx="minor">
+        <a:schemeClr val="lt1"/>
+      </a:fontRef>
+    </dgm:style>
+  </dgm:styleLbl>
+  <dgm:styleLbl name="lnNode1">
+    <dgm:scene3d>
+      <a:camera prst="orthographicFront"/>
+      <a:lightRig rig="threePt" dir="t"/>
+    </dgm:scene3d>
+    <dgm:sp3d/>
+    <dgm:txPr/>
+    <dgm:style>
+      <a:lnRef idx="2">
+        <a:scrgbClr r="0" g="0" b="0"/>
+      </a:lnRef>
+      <a:fillRef idx="1">
+        <a:scrgbClr r="0" g="0" b="0"/>
+      </a:fillRef>
+      <a:effectRef idx="0">
+        <a:scrgbClr r="0" g="0" b="0"/>
+      </a:effectRef>
+      <a:fontRef idx="minor">
+        <a:schemeClr val="lt1"/>
+      </a:fontRef>
+    </dgm:style>
+  </dgm:styleLbl>
+  <dgm:styleLbl name="vennNode1">
+    <dgm:scene3d>
+      <a:camera prst="orthographicFront"/>
+      <a:lightRig rig="threePt" dir="t"/>
+    </dgm:scene3d>
+    <dgm:sp3d/>
+    <dgm:txPr/>
+    <dgm:style>
+      <a:lnRef idx="2">
+        <a:scrgbClr r="0" g="0" b="0"/>
+      </a:lnRef>
+      <a:fillRef idx="1">
+        <a:scrgbClr r="0" g="0" b="0"/>
+      </a:fillRef>
+      <a:effectRef idx="0">
+        <a:scrgbClr r="0" g="0" b="0"/>
+      </a:effectRef>
+      <a:fontRef idx="minor">
+        <a:schemeClr val="tx1"/>
+      </a:fontRef>
+    </dgm:style>
+  </dgm:styleLbl>
+  <dgm:styleLbl name="alignNode1">
+    <dgm:scene3d>
+      <a:camera prst="orthographicFront"/>
+      <a:lightRig rig="threePt" dir="t"/>
+    </dgm:scene3d>
+    <dgm:sp3d/>
+    <dgm:txPr/>
+    <dgm:style>
+      <a:lnRef idx="2">
+        <a:scrgbClr r="0" g="0" b="0"/>
+      </a:lnRef>
+      <a:fillRef idx="1">
+        <a:scrgbClr r="0" g="0" b="0"/>
+      </a:fillRef>
+      <a:effectRef idx="0">
+        <a:scrgbClr r="0" g="0" b="0"/>
+      </a:effectRef>
+      <a:fontRef idx="minor">
+        <a:schemeClr val="lt1"/>
+      </a:fontRef>
+    </dgm:style>
+  </dgm:styleLbl>
+  <dgm:styleLbl name="node1">
+    <dgm:scene3d>
+      <a:camera prst="orthographicFront"/>
+      <a:lightRig rig="threePt" dir="t"/>
+    </dgm:scene3d>
+    <dgm:sp3d/>
+    <dgm:txPr/>
+    <dgm:style>
+      <a:lnRef idx="2">
+        <a:scrgbClr r="0" g="0" b="0"/>
+      </a:lnRef>
+      <a:fillRef idx="1">
+        <a:scrgbClr r="0" g="0" b="0"/>
+      </a:fillRef>
+      <a:effectRef idx="0">
+        <a:scrgbClr r="0" g="0" b="0"/>
+      </a:effectRef>
+      <a:fontRef idx="minor">
+        <a:schemeClr val="lt1"/>
+      </a:fontRef>
+    </dgm:style>
+  </dgm:styleLbl>
+  <dgm:styleLbl name="node2">
+    <dgm:scene3d>
+      <a:camera prst="orthographicFront"/>
+      <a:lightRig rig="threePt" dir="t"/>
+    </dgm:scene3d>
+    <dgm:sp3d/>
+    <dgm:txPr/>
+    <dgm:style>
+      <a:lnRef idx="2">
+        <a:scrgbClr r="0" g="0" b="0"/>
+      </a:lnRef>
+      <a:fillRef idx="1">
+        <a:scrgbClr r="0" g="0" b="0"/>
+      </a:fillRef>
+      <a:effectRef idx="0">
+        <a:scrgbClr r="0" g="0" b="0"/>
+      </a:effectRef>
+      <a:fontRef idx="minor">
+        <a:schemeClr val="lt1"/>
+      </a:fontRef>
+    </dgm:style>
+  </dgm:styleLbl>
+  <dgm:styleLbl name="node3">
+    <dgm:scene3d>
+      <a:camera prst="orthographicFront"/>
+      <a:lightRig rig="threePt" dir="t"/>
+    </dgm:scene3d>
+    <dgm:sp3d/>
+    <dgm:txPr/>
+    <dgm:style>
+      <a:lnRef idx="2">
+        <a:scrgbClr r="0" g="0" b="0"/>
+      </a:lnRef>
+      <a:fillRef idx="1">
+        <a:scrgbClr r="0" g="0" b="0"/>
+      </a:fillRef>
+      <a:effectRef idx="0">
+        <a:scrgbClr r="0" g="0" b="0"/>
+      </a:effectRef>
+      <a:fontRef idx="minor">
+        <a:schemeClr val="lt1"/>
+      </a:fontRef>
+    </dgm:style>
+  </dgm:styleLbl>
+  <dgm:styleLbl name="node4">
+    <dgm:scene3d>
+      <a:camera prst="orthographicFront"/>
+      <a:lightRig rig="threePt" dir="t"/>
+    </dgm:scene3d>
+    <dgm:sp3d/>
+    <dgm:txPr/>
+    <dgm:style>
+      <a:lnRef idx="2">
+        <a:scrgbClr r="0" g="0" b="0"/>
+      </a:lnRef>
+      <a:fillRef idx="1">
+        <a:scrgbClr r="0" g="0" b="0"/>
+      </a:fillRef>
+      <a:effectRef idx="0">
+        <a:scrgbClr r="0" g="0" b="0"/>
+      </a:effectRef>
+      <a:fontRef idx="minor">
+        <a:schemeClr val="lt1"/>
+      </a:fontRef>
+    </dgm:style>
+  </dgm:styleLbl>
+  <dgm:styleLbl name="fgImgPlace1">
+    <dgm:scene3d>
+      <a:camera prst="orthographicFront"/>
+      <a:lightRig rig="threePt" dir="t"/>
+    </dgm:scene3d>
+    <dgm:sp3d/>
+    <dgm:txPr/>
+    <dgm:style>
+      <a:lnRef idx="2">
+        <a:scrgbClr r="0" g="0" b="0"/>
+      </a:lnRef>
+      <a:fillRef idx="1">
+        <a:scrgbClr r="0" g="0" b="0"/>
+      </a:fillRef>
+      <a:effectRef idx="0">
+        <a:scrgbClr r="0" g="0" b="0"/>
+      </a:effectRef>
+      <a:fontRef idx="minor"/>
+    </dgm:style>
+  </dgm:styleLbl>
+  <dgm:styleLbl name="alignImgPlace1">
+    <dgm:scene3d>
+      <a:camera prst="orthographicFront"/>
+      <a:lightRig rig="threePt" dir="t"/>
+    </dgm:scene3d>
+    <dgm:sp3d/>
+    <dgm:txPr/>
+    <dgm:style>
+      <a:lnRef idx="2">
+        <a:scrgbClr r="0" g="0" b="0"/>
+      </a:lnRef>
+      <a:fillRef idx="1">
+        <a:scrgbClr r="0" g="0" b="0"/>
+      </a:fillRef>
+      <a:effectRef idx="0">
+        <a:scrgbClr r="0" g="0" b="0"/>
+      </a:effectRef>
+      <a:fontRef idx="minor"/>
+    </dgm:style>
+  </dgm:styleLbl>
+  <dgm:styleLbl name="bgImgPlace1">
+    <dgm:scene3d>
+      <a:camera prst="orthographicFront"/>
+      <a:lightRig rig="threePt" dir="t"/>
+    </dgm:scene3d>
+    <dgm:sp3d/>
+    <dgm:txPr/>
+    <dgm:style>
+      <a:lnRef idx="2">
+        <a:scrgbClr r="0" g="0" b="0"/>
+      </a:lnRef>
+      <a:fillRef idx="1">
+        <a:scrgbClr r="0" g="0" b="0"/>
+      </a:fillRef>
+      <a:effectRef idx="0">
+        <a:scrgbClr r="0" g="0" b="0"/>
+      </a:effectRef>
+      <a:fontRef idx="minor"/>
+    </dgm:style>
+  </dgm:styleLbl>
+  <dgm:styleLbl name="sibTrans2D1">
+    <dgm:scene3d>
+      <a:camera prst="orthographicFront"/>
+      <a:lightRig rig="threePt" dir="t"/>
+    </dgm:scene3d>
+    <dgm:sp3d/>
+    <dgm:txPr/>
+    <dgm:style>
+      <a:lnRef idx="0">
+        <a:scrgbClr r="0" g="0" b="0"/>
+      </a:lnRef>
+      <a:fillRef idx="1">
+        <a:scrgbClr r="0" g="0" b="0"/>
+      </a:fillRef>
+      <a:effectRef idx="0">
+        <a:scrgbClr r="0" g="0" b="0"/>
+      </a:effectRef>
+      <a:fontRef idx="minor">
+        <a:schemeClr val="lt1"/>
+      </a:fontRef>
+    </dgm:style>
+  </dgm:styleLbl>
+  <dgm:styleLbl name="fgSibTrans2D1">
+    <dgm:scene3d>
+      <a:camera prst="orthographicFront"/>
+      <a:lightRig rig="threePt" dir="t"/>
+    </dgm:scene3d>
+    <dgm:sp3d/>
+    <dgm:txPr/>
+    <dgm:style>
+      <a:lnRef idx="0">
+        <a:scrgbClr r="0" g="0" b="0"/>
+      </a:lnRef>
+      <a:fillRef idx="1">
+        <a:scrgbClr r="0" g="0" b="0"/>
+      </a:fillRef>
+      <a:effectRef idx="0">
+        <a:scrgbClr r="0" g="0" b="0"/>
+      </a:effectRef>
+      <a:fontRef idx="minor">
+        <a:schemeClr val="lt1"/>
+      </a:fontRef>
+    </dgm:style>
+  </dgm:styleLbl>
+  <dgm:styleLbl name="bgSibTrans2D1">
+    <dgm:scene3d>
+      <a:camera prst="orthographicFront"/>
+      <a:lightRig rig="threePt" dir="t"/>
+    </dgm:scene3d>
+    <dgm:sp3d/>
+    <dgm:txPr/>
+    <dgm:style>
+      <a:lnRef idx="0">
+        <a:scrgbClr r="0" g="0" b="0"/>
+      </a:lnRef>
+      <a:fillRef idx="1">
+        <a:scrgbClr r="0" g="0" b="0"/>
+      </a:fillRef>
+      <a:effectRef idx="0">
+        <a:scrgbClr r="0" g="0" b="0"/>
+      </a:effectRef>
+      <a:fontRef idx="minor">
+        <a:schemeClr val="lt1"/>
+      </a:fontRef>
+    </dgm:style>
+  </dgm:styleLbl>
+  <dgm:styleLbl name="sibTrans1D1">
+    <dgm:scene3d>
+      <a:camera prst="orthographicFront"/>
+      <a:lightRig rig="threePt" dir="t"/>
+    </dgm:scene3d>
+    <dgm:sp3d/>
+    <dgm:txPr/>
+    <dgm:style>
+      <a:lnRef idx="1">
+        <a:scrgbClr r="0" g="0" b="0"/>
+      </a:lnRef>
+      <a:fillRef idx="0">
+        <a:scrgbClr r="0" g="0" b="0"/>
+      </a:fillRef>
+      <a:effectRef idx="0">
+        <a:scrgbClr r="0" g="0" b="0"/>
+      </a:effectRef>
+      <a:fontRef idx="minor"/>
+    </dgm:style>
+  </dgm:styleLbl>
+  <dgm:styleLbl name="callout">
+    <dgm:scene3d>
+      <a:camera prst="orthographicFront"/>
+      <a:lightRig rig="threePt" dir="t"/>
+    </dgm:scene3d>
+    <dgm:sp3d/>
+    <dgm:txPr/>
+    <dgm:style>
+      <a:lnRef idx="2">
+        <a:scrgbClr r="0" g="0" b="0"/>
+      </a:lnRef>
+      <a:fillRef idx="1">
+        <a:scrgbClr r="0" g="0" b="0"/>
+      </a:fillRef>
+      <a:effectRef idx="0">
+        <a:scrgbClr r="0" g="0" b="0"/>
+      </a:effectRef>
+      <a:fontRef idx="minor"/>
+    </dgm:style>
+  </dgm:styleLbl>
+  <dgm:styleLbl name="asst0">
+    <dgm:scene3d>
+      <a:camera prst="orthographicFront"/>
+      <a:lightRig rig="threePt" dir="t"/>
+    </dgm:scene3d>
+    <dgm:sp3d/>
+    <dgm:txPr/>
+    <dgm:style>
+      <a:lnRef idx="2">
+        <a:scrgbClr r="0" g="0" b="0"/>
+      </a:lnRef>
+      <a:fillRef idx="1">
+        <a:scrgbClr r="0" g="0" b="0"/>
+      </a:fillRef>
+      <a:effectRef idx="0">
+        <a:scrgbClr r="0" g="0" b="0"/>
+      </a:effectRef>
+      <a:fontRef idx="minor">
+        <a:schemeClr val="lt1"/>
+      </a:fontRef>
+    </dgm:style>
+  </dgm:styleLbl>
+  <dgm:styleLbl name="asst1">
+    <dgm:scene3d>
+      <a:camera prst="orthographicFront"/>
+      <a:lightRig rig="threePt" dir="t"/>
+    </dgm:scene3d>
+    <dgm:sp3d/>
+    <dgm:txPr/>
+    <dgm:style>
+      <a:lnRef idx="2">
+        <a:scrgbClr r="0" g="0" b="0"/>
+      </a:lnRef>
+      <a:fillRef idx="1">
+        <a:scrgbClr r="0" g="0" b="0"/>
+      </a:fillRef>
+      <a:effectRef idx="0">
+        <a:scrgbClr r="0" g="0" b="0"/>
+      </a:effectRef>
+      <a:fontRef idx="minor">
+        <a:schemeClr val="lt1"/>
+      </a:fontRef>
+    </dgm:style>
+  </dgm:styleLbl>
+  <dgm:styleLbl name="asst2">
+    <dgm:scene3d>
+      <a:camera prst="orthographicFront"/>
+      <a:lightRig rig="threePt" dir="t"/>
+    </dgm:scene3d>
+    <dgm:sp3d/>
+    <dgm:txPr/>
+    <dgm:style>
+      <a:lnRef idx="2">
+        <a:scrgbClr r="0" g="0" b="0"/>
+      </a:lnRef>
+      <a:fillRef idx="1">
+        <a:scrgbClr r="0" g="0" b="0"/>
+      </a:fillRef>
+      <a:effectRef idx="0">
+        <a:scrgbClr r="0" g="0" b="0"/>
+      </a:effectRef>
+      <a:fontRef idx="minor">
+        <a:schemeClr val="lt1"/>
+      </a:fontRef>
+    </dgm:style>
+  </dgm:styleLbl>
+  <dgm:styleLbl name="asst3">
+    <dgm:scene3d>
+      <a:camera prst="orthographicFront"/>
+      <a:lightRig rig="threePt" dir="t"/>
+    </dgm:scene3d>
+    <dgm:sp3d/>
+    <dgm:txPr/>
+    <dgm:style>
+      <a:lnRef idx="2">
+        <a:scrgbClr r="0" g="0" b="0"/>
+      </a:lnRef>
+      <a:fillRef idx="1">
+        <a:scrgbClr r="0" g="0" b="0"/>
+      </a:fillRef>
+      <a:effectRef idx="0">
+        <a:scrgbClr r="0" g="0" b="0"/>
+      </a:effectRef>
+      <a:fontRef idx="minor">
+        <a:schemeClr val="lt1"/>
+      </a:fontRef>
+    </dgm:style>
+  </dgm:styleLbl>
+  <dgm:styleLbl name="asst4">
+    <dgm:scene3d>
+      <a:camera prst="orthographicFront"/>
+      <a:lightRig rig="threePt" dir="t"/>
+    </dgm:scene3d>
+    <dgm:sp3d/>
+    <dgm:txPr/>
+    <dgm:style>
+      <a:lnRef idx="2">
+        <a:scrgbClr r="0" g="0" b="0"/>
+      </a:lnRef>
+      <a:fillRef idx="1">
+        <a:scrgbClr r="0" g="0" b="0"/>
+      </a:fillRef>
+      <a:effectRef idx="0">
+        <a:scrgbClr r="0" g="0" b="0"/>
+      </a:effectRef>
+      <a:fontRef idx="minor">
+        <a:schemeClr val="lt1"/>
+      </a:fontRef>
+    </dgm:style>
+  </dgm:styleLbl>
+  <dgm:styleLbl name="parChTrans2D1">
+    <dgm:scene3d>
+      <a:camera prst="orthographicFront"/>
+      <a:lightRig rig="threePt" dir="t"/>
+    </dgm:scene3d>
+    <dgm:sp3d/>
+    <dgm:txPr/>
+    <dgm:style>
+      <a:lnRef idx="2">
+        <a:scrgbClr r="0" g="0" b="0"/>
+      </a:lnRef>
+      <a:fillRef idx="1">
+        <a:scrgbClr r="0" g="0" b="0"/>
+      </a:fillRef>
+      <a:effectRef idx="0">
+        <a:scrgbClr r="0" g="0" b="0"/>
+      </a:effectRef>
+      <a:fontRef idx="minor">
+        <a:schemeClr val="lt1"/>
+      </a:fontRef>
+    </dgm:style>
+  </dgm:styleLbl>
+  <dgm:styleLbl name="parChTrans2D2">
+    <dgm:scene3d>
+      <a:camera prst="orthographicFront"/>
+      <a:lightRig rig="threePt" dir="t"/>
+    </dgm:scene3d>
+    <dgm:sp3d/>
+    <dgm:txPr/>
+    <dgm:style>
+      <a:lnRef idx="2">
+        <a:scrgbClr r="0" g="0" b="0"/>
+      </a:lnRef>
+      <a:fillRef idx="1">
+        <a:scrgbClr r="0" g="0" b="0"/>
+      </a:fillRef>
+      <a:effectRef idx="0">
+        <a:scrgbClr r="0" g="0" b="0"/>
+      </a:effectRef>
+      <a:fontRef idx="minor">
+        <a:schemeClr val="lt1"/>
+      </a:fontRef>
+    </dgm:style>
+  </dgm:styleLbl>
+  <dgm:styleLbl name="parChTrans2D3">
+    <dgm:scene3d>
+      <a:camera prst="orthographicFront"/>
+      <a:lightRig rig="threePt" dir="t"/>
+    </dgm:scene3d>
+    <dgm:sp3d/>
+    <dgm:txPr/>
+    <dgm:style>
+      <a:lnRef idx="2">
+        <a:scrgbClr r="0" g="0" b="0"/>
+      </a:lnRef>
+      <a:fillRef idx="1">
+        <a:scrgbClr r="0" g="0" b="0"/>
+      </a:fillRef>
+      <a:effectRef idx="0">
+        <a:scrgbClr r="0" g="0" b="0"/>
+      </a:effectRef>
+      <a:fontRef idx="minor">
+        <a:schemeClr val="lt1"/>
+      </a:fontRef>
+    </dgm:style>
+  </dgm:styleLbl>
+  <dgm:styleLbl name="parChTrans2D4">
+    <dgm:scene3d>
+      <a:camera prst="orthographicFront"/>
+      <a:lightRig rig="threePt" dir="t"/>
+    </dgm:scene3d>
+    <dgm:sp3d/>
+    <dgm:txPr/>
+    <dgm:style>
+      <a:lnRef idx="2">
+        <a:scrgbClr r="0" g="0" b="0"/>
+      </a:lnRef>
+      <a:fillRef idx="1">
+        <a:scrgbClr r="0" g="0" b="0"/>
+      </a:fillRef>
+      <a:effectRef idx="0">
+        <a:scrgbClr r="0" g="0" b="0"/>
+      </a:effectRef>
+      <a:fontRef idx="minor">
+        <a:schemeClr val="lt1"/>
+      </a:fontRef>
+    </dgm:style>
+  </dgm:styleLbl>
+  <dgm:styleLbl name="parChTrans1D1">
+    <dgm:scene3d>
+      <a:camera prst="orthographicFront"/>
+      <a:lightRig rig="threePt" dir="t"/>
+    </dgm:scene3d>
+    <dgm:sp3d/>
+    <dgm:txPr/>
+    <dgm:style>
+      <a:lnRef idx="2">
+        <a:scrgbClr r="0" g="0" b="0"/>
+      </a:lnRef>
+      <a:fillRef idx="0">
+        <a:scrgbClr r="0" g="0" b="0"/>
+      </a:fillRef>
+      <a:effectRef idx="0">
+        <a:scrgbClr r="0" g="0" b="0"/>
+      </a:effectRef>
+      <a:fontRef idx="minor"/>
+    </dgm:style>
+  </dgm:styleLbl>
+  <dgm:styleLbl name="parChTrans1D2">
+    <dgm:scene3d>
+      <a:camera prst="orthographicFront"/>
+      <a:lightRig rig="threePt" dir="t"/>
+    </dgm:scene3d>
+    <dgm:sp3d/>
+    <dgm:txPr/>
+    <dgm:style>
+      <a:lnRef idx="2">
+        <a:scrgbClr r="0" g="0" b="0"/>
+      </a:lnRef>
+      <a:fillRef idx="0">
+        <a:scrgbClr r="0" g="0" b="0"/>
+      </a:fillRef>
+      <a:effectRef idx="0">
+        <a:scrgbClr r="0" g="0" b="0"/>
+      </a:effectRef>
+      <a:fontRef idx="minor"/>
+    </dgm:style>
+  </dgm:styleLbl>
+  <dgm:styleLbl name="parChTrans1D3">
+    <dgm:scene3d>
+      <a:camera prst="orthographicFront"/>
+      <a:lightRig rig="threePt" dir="t"/>
+    </dgm:scene3d>
+    <dgm:sp3d/>
+    <dgm:txPr/>
+    <dgm:style>
+      <a:lnRef idx="2">
+        <a:scrgbClr r="0" g="0" b="0"/>
+      </a:lnRef>
+      <a:fillRef idx="0">
+        <a:scrgbClr r="0" g="0" b="0"/>
+      </a:fillRef>
+      <a:effectRef idx="0">
+        <a:scrgbClr r="0" g="0" b="0"/>
+      </a:effectRef>
+      <a:fontRef idx="minor"/>
+    </dgm:style>
+  </dgm:styleLbl>
+  <dgm:styleLbl name="parChTrans1D4">
+    <dgm:scene3d>
+      <a:camera prst="orthographicFront"/>
+      <a:lightRig rig="threePt" dir="t"/>
+    </dgm:scene3d>
+    <dgm:sp3d/>
+    <dgm:txPr/>
+    <dgm:style>
+      <a:lnRef idx="2">
+        <a:scrgbClr r="0" g="0" b="0"/>
+      </a:lnRef>
+      <a:fillRef idx="0">
+        <a:scrgbClr r="0" g="0" b="0"/>
+      </a:fillRef>
+      <a:effectRef idx="0">
+        <a:scrgbClr r="0" g="0" b="0"/>
+      </a:effectRef>
+      <a:fontRef idx="minor"/>
+    </dgm:style>
+  </dgm:styleLbl>
+  <dgm:styleLbl name="fgAcc1">
+    <dgm:scene3d>
+      <a:camera prst="orthographicFront"/>
+      <a:lightRig rig="threePt" dir="t"/>
+    </dgm:scene3d>
+    <dgm:sp3d/>
+    <dgm:txPr/>
+    <dgm:style>
+      <a:lnRef idx="2">
+        <a:scrgbClr r="0" g="0" b="0"/>
+      </a:lnRef>
+      <a:fillRef idx="1">
+        <a:scrgbClr r="0" g="0" b="0"/>
+      </a:fillRef>
+      <a:effectRef idx="0">
+        <a:scrgbClr r="0" g="0" b="0"/>
+      </a:effectRef>
+      <a:fontRef idx="minor"/>
+    </dgm:style>
+  </dgm:styleLbl>
+  <dgm:styleLbl name="conFgAcc1">
+    <dgm:scene3d>
+      <a:camera prst="orthographicFront"/>
+      <a:lightRig rig="threePt" dir="t"/>
+    </dgm:scene3d>
+    <dgm:sp3d/>
+    <dgm:txPr/>
+    <dgm:style>
+      <a:lnRef idx="2">
+        <a:scrgbClr r="0" g="0" b="0"/>
+      </a:lnRef>
+      <a:fillRef idx="1">
+        <a:scrgbClr r="0" g="0" b="0"/>
+      </a:fillRef>
+      <a:effectRef idx="0">
+        <a:scrgbClr r="0" g="0" b="0"/>
+      </a:effectRef>
+      <a:fontRef idx="minor"/>
+    </dgm:style>
+  </dgm:styleLbl>
+  <dgm:styleLbl name="alignAcc1">
+    <dgm:scene3d>
+      <a:camera prst="orthographicFront"/>
+      <a:lightRig rig="threePt" dir="t"/>
+    </dgm:scene3d>
+    <dgm:sp3d/>
+    <dgm:txPr/>
+    <dgm:style>
+      <a:lnRef idx="2">
+        <a:scrgbClr r="0" g="0" b="0"/>
+      </a:lnRef>
+      <a:fillRef idx="1">
+        <a:scrgbClr r="0" g="0" b="0"/>
+      </a:fillRef>
+      <a:effectRef idx="0">
+        <a:scrgbClr r="0" g="0" b="0"/>
+      </a:effectRef>
+      <a:fontRef idx="minor"/>
+    </dgm:style>
+  </dgm:styleLbl>
+  <dgm:styleLbl name="trAlignAcc1">
+    <dgm:scene3d>
+      <a:camera prst="orthographicFront"/>
+      <a:lightRig rig="threePt" dir="t"/>
+    </dgm:scene3d>
+    <dgm:sp3d/>
+    <dgm:txPr/>
+    <dgm:style>
+      <a:lnRef idx="1">
+        <a:scrgbClr r="0" g="0" b="0"/>
+      </a:lnRef>
+      <a:fillRef idx="1">
+        <a:scrgbClr r="0" g="0" b="0"/>
+      </a:fillRef>
+      <a:effectRef idx="0">
+        <a:scrgbClr r="0" g="0" b="0"/>
+      </a:effectRef>
+      <a:fontRef idx="minor"/>
+    </dgm:style>
+  </dgm:styleLbl>
+  <dgm:styleLbl name="bgAcc1">
+    <dgm:scene3d>
+      <a:camera prst="orthographicFront"/>
+      <a:lightRig rig="threePt" dir="t"/>
+    </dgm:scene3d>
+    <dgm:sp3d/>
+    <dgm:txPr/>
+    <dgm:style>
+      <a:lnRef idx="2">
+        <a:scrgbClr r="0" g="0" b="0"/>
+      </a:lnRef>
+      <a:fillRef idx="1">
+        <a:scrgbClr r="0" g="0" b="0"/>
+      </a:fillRef>
+      <a:effectRef idx="0">
+        <a:scrgbClr r="0" g="0" b="0"/>
+      </a:effectRef>
+      <a:fontRef idx="minor"/>
+    </dgm:style>
+  </dgm:styleLbl>
+  <dgm:styleLbl name="solidFgAcc1">
+    <dgm:scene3d>
+      <a:camera prst="orthographicFront"/>
+      <a:lightRig rig="threePt" dir="t"/>
+    </dgm:scene3d>
+    <dgm:sp3d/>
+    <dgm:txPr/>
+    <dgm:style>
+      <a:lnRef idx="2">
+        <a:scrgbClr r="0" g="0" b="0"/>
+      </a:lnRef>
+      <a:fillRef idx="1">
+        <a:scrgbClr r="0" g="0" b="0"/>
+      </a:fillRef>
+      <a:effectRef idx="0">
+        <a:scrgbClr r="0" g="0" b="0"/>
+      </a:effectRef>
+      <a:fontRef idx="minor"/>
+    </dgm:style>
+  </dgm:styleLbl>
+  <dgm:styleLbl name="solidAlignAcc1">
+    <dgm:scene3d>
+      <a:camera prst="orthographicFront"/>
+      <a:lightRig rig="threePt" dir="t"/>
+    </dgm:scene3d>
+    <dgm:sp3d/>
+    <dgm:txPr/>
+    <dgm:style>
+      <a:lnRef idx="2">
+        <a:scrgbClr r="0" g="0" b="0"/>
+      </a:lnRef>
+      <a:fillRef idx="1">
+        <a:scrgbClr r="0" g="0" b="0"/>
+      </a:fillRef>
+      <a:effectRef idx="0">
+        <a:scrgbClr r="0" g="0" b="0"/>
+      </a:effectRef>
+      <a:fontRef idx="minor"/>
+    </dgm:style>
+  </dgm:styleLbl>
+  <dgm:styleLbl name="solidBgAcc1">
+    <dgm:scene3d>
+      <a:camera prst="orthographicFront"/>
+      <a:lightRig rig="threePt" dir="t"/>
+    </dgm:scene3d>
+    <dgm:sp3d/>
+    <dgm:txPr/>
+    <dgm:style>
+      <a:lnRef idx="2">
+        <a:scrgbClr r="0" g="0" b="0"/>
+      </a:lnRef>
+      <a:fillRef idx="1">
+        <a:scrgbClr r="0" g="0" b="0"/>
+      </a:fillRef>
+      <a:effectRef idx="0">
+        <a:scrgbClr r="0" g="0" b="0"/>
+      </a:effectRef>
+      <a:fontRef idx="minor"/>
+    </dgm:style>
+  </dgm:styleLbl>
+  <dgm:styleLbl name="fgAccFollowNode1">
+    <dgm:scene3d>
+      <a:camera prst="orthographicFront"/>
+      <a:lightRig rig="threePt" dir="t"/>
+    </dgm:scene3d>
+    <dgm:sp3d/>
+    <dgm:txPr/>
+    <dgm:style>
+      <a:lnRef idx="2">
+        <a:scrgbClr r="0" g="0" b="0"/>
+      </a:lnRef>
+      <a:fillRef idx="1">
+        <a:scrgbClr r="0" g="0" b="0"/>
+      </a:fillRef>
+      <a:effectRef idx="0">
+        <a:scrgbClr r="0" g="0" b="0"/>
+      </a:effectRef>
+      <a:fontRef idx="minor"/>
+    </dgm:style>
+  </dgm:styleLbl>
+  <dgm:styleLbl name="alignAccFollowNode1">
+    <dgm:scene3d>
+      <a:camera prst="orthographicFront"/>
+      <a:lightRig rig="threePt" dir="t"/>
+    </dgm:scene3d>
+    <dgm:sp3d/>
+    <dgm:txPr/>
+    <dgm:style>
+      <a:lnRef idx="2">
+        <a:scrgbClr r="0" g="0" b="0"/>
+      </a:lnRef>
+      <a:fillRef idx="1">
+        <a:scrgbClr r="0" g="0" b="0"/>
+      </a:fillRef>
+      <a:effectRef idx="0">
+        <a:scrgbClr r="0" g="0" b="0"/>
+      </a:effectRef>
+      <a:fontRef idx="minor"/>
+    </dgm:style>
+  </dgm:styleLbl>
+  <dgm:styleLbl name="bgAccFollowNode1">
+    <dgm:scene3d>
+      <a:camera prst="orthographicFront"/>
+      <a:lightRig rig="threePt" dir="t"/>
+    </dgm:scene3d>
+    <dgm:sp3d/>
+    <dgm:txPr/>
+    <dgm:style>
+      <a:lnRef idx="2">
+        <a:scrgbClr r="0" g="0" b="0"/>
+      </a:lnRef>
+      <a:fillRef idx="1">
+        <a:scrgbClr r="0" g="0" b="0"/>
+      </a:fillRef>
+      <a:effectRef idx="0">
+        <a:scrgbClr r="0" g="0" b="0"/>
+      </a:effectRef>
+      <a:fontRef idx="minor"/>
+    </dgm:style>
+  </dgm:styleLbl>
+  <dgm:styleLbl name="fgAcc0">
+    <dgm:scene3d>
+      <a:camera prst="orthographicFront"/>
+      <a:lightRig rig="threePt" dir="t"/>
+    </dgm:scene3d>
+    <dgm:sp3d/>
+    <dgm:txPr/>
+    <dgm:style>
+      <a:lnRef idx="2">
+        <a:scrgbClr r="0" g="0" b="0"/>
+      </a:lnRef>
+      <a:fillRef idx="1">
+        <a:scrgbClr r="0" g="0" b="0"/>
+      </a:fillRef>
+      <a:effectRef idx="0">
+        <a:scrgbClr r="0" g="0" b="0"/>
+      </a:effectRef>
+      <a:fontRef idx="minor"/>
+    </dgm:style>
+  </dgm:styleLbl>
+  <dgm:styleLbl name="fgAcc2">
+    <dgm:scene3d>
+      <a:camera prst="orthographicFront"/>
+      <a:lightRig rig="threePt" dir="t"/>
+    </dgm:scene3d>
+    <dgm:sp3d/>
+    <dgm:txPr/>
+    <dgm:style>
+      <a:lnRef idx="2">
+        <a:scrgbClr r="0" g="0" b="0"/>
+      </a:lnRef>
+      <a:fillRef idx="1">
+        <a:scrgbClr r="0" g="0" b="0"/>
+      </a:fillRef>
+      <a:effectRef idx="0">
+        <a:scrgbClr r="0" g="0" b="0"/>
+      </a:effectRef>
+      <a:fontRef idx="minor"/>
+    </dgm:style>
+  </dgm:styleLbl>
+  <dgm:styleLbl name="fgAcc3">
+    <dgm:scene3d>
+      <a:camera prst="orthographicFront"/>
+      <a:lightRig rig="threePt" dir="t"/>
+    </dgm:scene3d>
+    <dgm:sp3d/>
+    <dgm:txPr/>
+    <dgm:style>
+      <a:lnRef idx="2">
+        <a:scrgbClr r="0" g="0" b="0"/>
+      </a:lnRef>
+      <a:fillRef idx="1">
+        <a:scrgbClr r="0" g="0" b="0"/>
+      </a:fillRef>
+      <a:effectRef idx="0">
+        <a:scrgbClr r="0" g="0" b="0"/>
+      </a:effectRef>
+      <a:fontRef idx="minor"/>
+    </dgm:style>
+  </dgm:styleLbl>
+  <dgm:styleLbl name="fgAcc4">
+    <dgm:scene3d>
+      <a:camera prst="orthographicFront"/>
+      <a:lightRig rig="threePt" dir="t"/>
+    </dgm:scene3d>
+    <dgm:sp3d/>
+    <dgm:txPr/>
+    <dgm:style>
+      <a:lnRef idx="2">
+        <a:scrgbClr r="0" g="0" b="0"/>
+      </a:lnRef>
+      <a:fillRef idx="1">
+        <a:scrgbClr r="0" g="0" b="0"/>
+      </a:fillRef>
+      <a:effectRef idx="0">
+        <a:scrgbClr r="0" g="0" b="0"/>
+      </a:effectRef>
+      <a:fontRef idx="minor"/>
+    </dgm:style>
+  </dgm:styleLbl>
+  <dgm:styleLbl name="bgShp">
+    <dgm:scene3d>
+      <a:camera prst="orthographicFront"/>
+      <a:lightRig rig="threePt" dir="t"/>
+    </dgm:scene3d>
+    <dgm:sp3d/>
+    <dgm:txPr/>
+    <dgm:style>
+      <a:lnRef idx="0">
+        <a:scrgbClr r="0" g="0" b="0"/>
+      </a:lnRef>
+      <a:fillRef idx="1">
+        <a:scrgbClr r="0" g="0" b="0"/>
+      </a:fillRef>
+      <a:effectRef idx="0">
+        <a:scrgbClr r="0" g="0" b="0"/>
+      </a:effectRef>
+      <a:fontRef idx="minor"/>
+    </dgm:style>
+  </dgm:styleLbl>
+  <dgm:styleLbl name="dkBgShp">
+    <dgm:scene3d>
+      <a:camera prst="orthographicFront"/>
+      <a:lightRig rig="threePt" dir="t"/>
+    </dgm:scene3d>
+    <dgm:sp3d/>
+    <dgm:txPr/>
+    <dgm:style>
+      <a:lnRef idx="0">
+        <a:scrgbClr r="0" g="0" b="0"/>
+      </a:lnRef>
+      <a:fillRef idx="1">
+        <a:scrgbClr r="0" g="0" b="0"/>
+      </a:fillRef>
+      <a:effectRef idx="0">
+        <a:scrgbClr r="0" g="0" b="0"/>
+      </a:effectRef>
+      <a:fontRef idx="minor"/>
+    </dgm:style>
+  </dgm:styleLbl>
+  <dgm:styleLbl name="trBgShp">
+    <dgm:scene3d>
+      <a:camera prst="orthographicFront"/>
+      <a:lightRig rig="threePt" dir="t"/>
+    </dgm:scene3d>
+    <dgm:sp3d/>
+    <dgm:txPr/>
+    <dgm:style>
+      <a:lnRef idx="0">
+        <a:scrgbClr r="0" g="0" b="0"/>
+      </a:lnRef>
+      <a:fillRef idx="1">
+        <a:scrgbClr r="0" g="0" b="0"/>
+      </a:fillRef>
+      <a:effectRef idx="0">
+        <a:scrgbClr r="0" g="0" b="0"/>
+      </a:effectRef>
+      <a:fontRef idx="minor"/>
+    </dgm:style>
+  </dgm:styleLbl>
+  <dgm:styleLbl name="fgShp">
+    <dgm:scene3d>
+      <a:camera prst="orthographicFront"/>
+      <a:lightRig rig="threePt" dir="t"/>
+    </dgm:scene3d>
+    <dgm:sp3d/>
+    <dgm:txPr/>
+    <dgm:style>
+      <a:lnRef idx="2">
+        <a:scrgbClr r="0" g="0" b="0"/>
+      </a:lnRef>
+      <a:fillRef idx="1">
+        <a:scrgbClr r="0" g="0" b="0"/>
+      </a:fillRef>
+      <a:effectRef idx="0">
+        <a:scrgbClr r="0" g="0" b="0"/>
+      </a:effectRef>
+      <a:fontRef idx="minor"/>
+    </dgm:style>
+  </dgm:styleLbl>
+  <dgm:styleLbl name="revTx">
+    <dgm:scene3d>
+      <a:camera prst="orthographicFront"/>
+      <a:lightRig rig="threePt" dir="t"/>
+    </dgm:scene3d>
+    <dgm:sp3d/>
+    <dgm:txPr/>
+    <dgm:style>
+      <a:lnRef idx="0">
+        <a:scrgbClr r="0" g="0" b="0"/>
+      </a:lnRef>
+      <a:fillRef idx="0">
+        <a:scrgbClr r="0" g="0" b="0"/>
+      </a:fillRef>
+      <a:effectRef idx="0">
+        <a:scrgbClr r="0" g="0" b="0"/>
+      </a:effectRef>
+      <a:fontRef idx="minor"/>
+    </dgm:style>
+  </dgm:styleLbl>
+</dgm:styleDef>
+</file>
+
+<file path=ppt/diagrams/quickStyle3.xml><?xml version="1.0" encoding="utf-8"?>
 <dgm:styleDef xmlns:dgm="http://schemas.openxmlformats.org/drawingml/2006/diagram" xmlns:a="http://schemas.openxmlformats.org/drawingml/2006/main" uniqueId="urn:microsoft.com/office/officeart/2005/8/quickstyle/simple1">
   <dgm:title val=""/>
   <dgm:desc val=""/>
@@ -8911,6 +12065,108 @@
     <p:extLst>
       <p:ext uri="{BB962C8B-B14F-4D97-AF65-F5344CB8AC3E}">
         <p14:creationId xmlns:p14="http://schemas.microsoft.com/office/powerpoint/2010/main" val="3650172683"/>
+      </p:ext>
+    </p:extLst>
+  </p:cSld>
+  <p:clrMapOvr>
+    <a:masterClrMapping/>
+  </p:clrMapOvr>
+</p:sld>
+</file>
+
+<file path=ppt/slides/slide10.xml><?xml version="1.0" encoding="utf-8"?>
+<p:sld xmlns:a="http://schemas.openxmlformats.org/drawingml/2006/main" xmlns:r="http://schemas.openxmlformats.org/officeDocument/2006/relationships" xmlns:p="http://schemas.openxmlformats.org/presentationml/2006/main">
+  <p:cSld>
+    <p:spTree>
+      <p:nvGrpSpPr>
+        <p:cNvPr id="1" name=""/>
+        <p:cNvGrpSpPr/>
+        <p:nvPr/>
+      </p:nvGrpSpPr>
+      <p:grpSpPr>
+        <a:xfrm>
+          <a:off x="0" y="0"/>
+          <a:ext cx="0" cy="0"/>
+          <a:chOff x="0" y="0"/>
+          <a:chExt cx="0" cy="0"/>
+        </a:xfrm>
+      </p:grpSpPr>
+      <p:sp>
+        <p:nvSpPr>
+          <p:cNvPr id="2" name="Title 1"/>
+          <p:cNvSpPr>
+            <a:spLocks noGrp="1"/>
+          </p:cNvSpPr>
+          <p:nvPr>
+            <p:ph type="title"/>
+          </p:nvPr>
+        </p:nvSpPr>
+        <p:spPr/>
+        <p:txBody>
+          <a:bodyPr>
+            <a:normAutofit fontScale="90000"/>
+          </a:bodyPr>
+          <a:lstStyle/>
+          <a:p>
+            <a:r>
+              <a:rPr lang="en-US" dirty="0" smtClean="0"/>
+              <a:t/>
+            </a:r>
+            <a:br>
+              <a:rPr lang="en-US" dirty="0" smtClean="0"/>
+            </a:br>
+            <a:endParaRPr lang="en-US" dirty="0"/>
+          </a:p>
+        </p:txBody>
+      </p:sp>
+      <p:sp>
+        <p:nvSpPr>
+          <p:cNvPr id="3" name="Content Placeholder 2"/>
+          <p:cNvSpPr>
+            <a:spLocks noGrp="1"/>
+          </p:cNvSpPr>
+          <p:nvPr>
+            <p:ph idx="1"/>
+          </p:nvPr>
+        </p:nvSpPr>
+        <p:spPr/>
+        <p:txBody>
+          <a:bodyPr/>
+          <a:lstStyle/>
+          <a:p>
+            <a:endParaRPr lang="en-US" dirty="0" smtClean="0"/>
+          </a:p>
+          <a:p>
+            <a:endParaRPr lang="en-US" dirty="0"/>
+          </a:p>
+        </p:txBody>
+      </p:sp>
+      <p:graphicFrame>
+        <p:nvGraphicFramePr>
+          <p:cNvPr id="4" name="Diagram 3"/>
+          <p:cNvGraphicFramePr/>
+          <p:nvPr>
+            <p:extLst>
+              <p:ext uri="{D42A27DB-BD31-4B8C-83A1-F6EECF244321}">
+                <p14:modId xmlns:p14="http://schemas.microsoft.com/office/powerpoint/2010/main" val="4217214646"/>
+              </p:ext>
+            </p:extLst>
+          </p:nvPr>
+        </p:nvGraphicFramePr>
+        <p:xfrm>
+          <a:off x="228600" y="2133600"/>
+          <a:ext cx="8915400" cy="3352800"/>
+        </p:xfrm>
+        <a:graphic>
+          <a:graphicData uri="http://schemas.openxmlformats.org/drawingml/2006/diagram">
+            <dgm:relIds xmlns:dgm="http://schemas.openxmlformats.org/drawingml/2006/diagram" xmlns:r="http://schemas.openxmlformats.org/officeDocument/2006/relationships" r:dm="rId2" r:lo="rId3" r:qs="rId4" r:cs="rId5"/>
+          </a:graphicData>
+        </a:graphic>
+      </p:graphicFrame>
+    </p:spTree>
+    <p:extLst>
+      <p:ext uri="{BB962C8B-B14F-4D97-AF65-F5344CB8AC3E}">
+        <p14:creationId xmlns:p14="http://schemas.microsoft.com/office/powerpoint/2010/main" val="1044658037"/>
       </p:ext>
     </p:extLst>
   </p:cSld>

--- a/pictures.pptx
+++ b/pictures.pptx
@@ -15,6 +15,11 @@
     <p:sldId id="263" r:id="rId9"/>
     <p:sldId id="264" r:id="rId10"/>
     <p:sldId id="265" r:id="rId11"/>
+    <p:sldId id="266" r:id="rId12"/>
+    <p:sldId id="267" r:id="rId13"/>
+    <p:sldId id="268" r:id="rId14"/>
+    <p:sldId id="269" r:id="rId15"/>
+    <p:sldId id="270" r:id="rId16"/>
   </p:sldIdLst>
   <p:sldSz cx="9144000" cy="6858000" type="screen4x3"/>
   <p:notesSz cx="6858000" cy="9144000"/>
@@ -1611,6 +1616,753 @@
 </file>
 
 <file path=ppt/diagrams/colors3.xml><?xml version="1.0" encoding="utf-8"?>
+<dgm:colorsDef xmlns:dgm="http://schemas.openxmlformats.org/drawingml/2006/diagram" xmlns:a="http://schemas.openxmlformats.org/drawingml/2006/main" uniqueId="urn:microsoft.com/office/officeart/2005/8/colors/accent1_2">
+  <dgm:title val=""/>
+  <dgm:desc val=""/>
+  <dgm:catLst>
+    <dgm:cat type="accent1" pri="11200"/>
+  </dgm:catLst>
+  <dgm:styleLbl name="node0">
+    <dgm:fillClrLst meth="repeat">
+      <a:schemeClr val="accent1"/>
+    </dgm:fillClrLst>
+    <dgm:linClrLst meth="repeat">
+      <a:schemeClr val="lt1"/>
+    </dgm:linClrLst>
+    <dgm:effectClrLst/>
+    <dgm:txLinClrLst/>
+    <dgm:txFillClrLst/>
+    <dgm:txEffectClrLst/>
+  </dgm:styleLbl>
+  <dgm:styleLbl name="alignNode1">
+    <dgm:fillClrLst meth="repeat">
+      <a:schemeClr val="accent1"/>
+    </dgm:fillClrLst>
+    <dgm:linClrLst meth="repeat">
+      <a:schemeClr val="accent1"/>
+    </dgm:linClrLst>
+    <dgm:effectClrLst/>
+    <dgm:txLinClrLst/>
+    <dgm:txFillClrLst/>
+    <dgm:txEffectClrLst/>
+  </dgm:styleLbl>
+  <dgm:styleLbl name="node1">
+    <dgm:fillClrLst meth="repeat">
+      <a:schemeClr val="accent1"/>
+    </dgm:fillClrLst>
+    <dgm:linClrLst meth="repeat">
+      <a:schemeClr val="lt1"/>
+    </dgm:linClrLst>
+    <dgm:effectClrLst/>
+    <dgm:txLinClrLst/>
+    <dgm:txFillClrLst/>
+    <dgm:txEffectClrLst/>
+  </dgm:styleLbl>
+  <dgm:styleLbl name="lnNode1">
+    <dgm:fillClrLst meth="repeat">
+      <a:schemeClr val="accent1"/>
+    </dgm:fillClrLst>
+    <dgm:linClrLst meth="repeat">
+      <a:schemeClr val="lt1"/>
+    </dgm:linClrLst>
+    <dgm:effectClrLst/>
+    <dgm:txLinClrLst/>
+    <dgm:txFillClrLst/>
+    <dgm:txEffectClrLst/>
+  </dgm:styleLbl>
+  <dgm:styleLbl name="vennNode1">
+    <dgm:fillClrLst meth="repeat">
+      <a:schemeClr val="accent1">
+        <a:alpha val="50000"/>
+      </a:schemeClr>
+    </dgm:fillClrLst>
+    <dgm:linClrLst meth="repeat">
+      <a:schemeClr val="lt1"/>
+    </dgm:linClrLst>
+    <dgm:effectClrLst/>
+    <dgm:txLinClrLst/>
+    <dgm:txFillClrLst/>
+    <dgm:txEffectClrLst/>
+  </dgm:styleLbl>
+  <dgm:styleLbl name="node2">
+    <dgm:fillClrLst meth="repeat">
+      <a:schemeClr val="accent1"/>
+    </dgm:fillClrLst>
+    <dgm:linClrLst meth="repeat">
+      <a:schemeClr val="lt1"/>
+    </dgm:linClrLst>
+    <dgm:effectClrLst/>
+    <dgm:txLinClrLst/>
+    <dgm:txFillClrLst/>
+    <dgm:txEffectClrLst/>
+  </dgm:styleLbl>
+  <dgm:styleLbl name="node3">
+    <dgm:fillClrLst meth="repeat">
+      <a:schemeClr val="accent1"/>
+    </dgm:fillClrLst>
+    <dgm:linClrLst meth="repeat">
+      <a:schemeClr val="lt1"/>
+    </dgm:linClrLst>
+    <dgm:effectClrLst/>
+    <dgm:txLinClrLst/>
+    <dgm:txFillClrLst/>
+    <dgm:txEffectClrLst/>
+  </dgm:styleLbl>
+  <dgm:styleLbl name="node4">
+    <dgm:fillClrLst meth="repeat">
+      <a:schemeClr val="accent1"/>
+    </dgm:fillClrLst>
+    <dgm:linClrLst meth="repeat">
+      <a:schemeClr val="lt1"/>
+    </dgm:linClrLst>
+    <dgm:effectClrLst/>
+    <dgm:txLinClrLst/>
+    <dgm:txFillClrLst/>
+    <dgm:txEffectClrLst/>
+  </dgm:styleLbl>
+  <dgm:styleLbl name="fgImgPlace1">
+    <dgm:fillClrLst meth="repeat">
+      <a:schemeClr val="accent1">
+        <a:tint val="50000"/>
+      </a:schemeClr>
+    </dgm:fillClrLst>
+    <dgm:linClrLst meth="repeat">
+      <a:schemeClr val="lt1"/>
+    </dgm:linClrLst>
+    <dgm:effectClrLst/>
+    <dgm:txLinClrLst/>
+    <dgm:txFillClrLst meth="repeat">
+      <a:schemeClr val="lt1"/>
+    </dgm:txFillClrLst>
+    <dgm:txEffectClrLst/>
+  </dgm:styleLbl>
+  <dgm:styleLbl name="alignImgPlace1">
+    <dgm:fillClrLst meth="repeat">
+      <a:schemeClr val="accent1">
+        <a:tint val="50000"/>
+      </a:schemeClr>
+    </dgm:fillClrLst>
+    <dgm:linClrLst meth="repeat">
+      <a:schemeClr val="lt1"/>
+    </dgm:linClrLst>
+    <dgm:effectClrLst/>
+    <dgm:txLinClrLst/>
+    <dgm:txFillClrLst meth="repeat">
+      <a:schemeClr val="lt1"/>
+    </dgm:txFillClrLst>
+    <dgm:txEffectClrLst/>
+  </dgm:styleLbl>
+  <dgm:styleLbl name="bgImgPlace1">
+    <dgm:fillClrLst meth="repeat">
+      <a:schemeClr val="accent1">
+        <a:tint val="50000"/>
+      </a:schemeClr>
+    </dgm:fillClrLst>
+    <dgm:linClrLst meth="repeat">
+      <a:schemeClr val="lt1"/>
+    </dgm:linClrLst>
+    <dgm:effectClrLst/>
+    <dgm:txLinClrLst/>
+    <dgm:txFillClrLst meth="repeat">
+      <a:schemeClr val="lt1"/>
+    </dgm:txFillClrLst>
+    <dgm:txEffectClrLst/>
+  </dgm:styleLbl>
+  <dgm:styleLbl name="sibTrans2D1">
+    <dgm:fillClrLst meth="repeat">
+      <a:schemeClr val="accent1">
+        <a:tint val="60000"/>
+      </a:schemeClr>
+    </dgm:fillClrLst>
+    <dgm:linClrLst meth="repeat">
+      <a:schemeClr val="accent1">
+        <a:tint val="60000"/>
+      </a:schemeClr>
+    </dgm:linClrLst>
+    <dgm:effectClrLst/>
+    <dgm:txLinClrLst/>
+    <dgm:txFillClrLst/>
+    <dgm:txEffectClrLst/>
+  </dgm:styleLbl>
+  <dgm:styleLbl name="fgSibTrans2D1">
+    <dgm:fillClrLst meth="repeat">
+      <a:schemeClr val="accent1">
+        <a:tint val="60000"/>
+      </a:schemeClr>
+    </dgm:fillClrLst>
+    <dgm:linClrLst meth="repeat">
+      <a:schemeClr val="accent1">
+        <a:tint val="60000"/>
+      </a:schemeClr>
+    </dgm:linClrLst>
+    <dgm:effectClrLst/>
+    <dgm:txLinClrLst/>
+    <dgm:txFillClrLst/>
+    <dgm:txEffectClrLst/>
+  </dgm:styleLbl>
+  <dgm:styleLbl name="bgSibTrans2D1">
+    <dgm:fillClrLst meth="repeat">
+      <a:schemeClr val="accent1">
+        <a:tint val="60000"/>
+      </a:schemeClr>
+    </dgm:fillClrLst>
+    <dgm:linClrLst meth="repeat">
+      <a:schemeClr val="accent1">
+        <a:tint val="60000"/>
+      </a:schemeClr>
+    </dgm:linClrLst>
+    <dgm:effectClrLst/>
+    <dgm:txLinClrLst/>
+    <dgm:txFillClrLst/>
+    <dgm:txEffectClrLst/>
+  </dgm:styleLbl>
+  <dgm:styleLbl name="sibTrans1D1">
+    <dgm:fillClrLst meth="repeat">
+      <a:schemeClr val="accent1"/>
+    </dgm:fillClrLst>
+    <dgm:linClrLst meth="repeat">
+      <a:schemeClr val="accent1"/>
+    </dgm:linClrLst>
+    <dgm:effectClrLst/>
+    <dgm:txLinClrLst/>
+    <dgm:txFillClrLst meth="repeat">
+      <a:schemeClr val="tx1"/>
+    </dgm:txFillClrLst>
+    <dgm:txEffectClrLst/>
+  </dgm:styleLbl>
+  <dgm:styleLbl name="callout">
+    <dgm:fillClrLst meth="repeat">
+      <a:schemeClr val="accent1"/>
+    </dgm:fillClrLst>
+    <dgm:linClrLst meth="repeat">
+      <a:schemeClr val="accent1">
+        <a:tint val="50000"/>
+      </a:schemeClr>
+    </dgm:linClrLst>
+    <dgm:effectClrLst/>
+    <dgm:txLinClrLst/>
+    <dgm:txFillClrLst meth="repeat">
+      <a:schemeClr val="tx1"/>
+    </dgm:txFillClrLst>
+    <dgm:txEffectClrLst/>
+  </dgm:styleLbl>
+  <dgm:styleLbl name="asst0">
+    <dgm:fillClrLst meth="repeat">
+      <a:schemeClr val="accent1"/>
+    </dgm:fillClrLst>
+    <dgm:linClrLst meth="repeat">
+      <a:schemeClr val="lt1"/>
+    </dgm:linClrLst>
+    <dgm:effectClrLst/>
+    <dgm:txLinClrLst/>
+    <dgm:txFillClrLst/>
+    <dgm:txEffectClrLst/>
+  </dgm:styleLbl>
+  <dgm:styleLbl name="asst1">
+    <dgm:fillClrLst meth="repeat">
+      <a:schemeClr val="accent1"/>
+    </dgm:fillClrLst>
+    <dgm:linClrLst meth="repeat">
+      <a:schemeClr val="lt1"/>
+    </dgm:linClrLst>
+    <dgm:effectClrLst/>
+    <dgm:txLinClrLst/>
+    <dgm:txFillClrLst/>
+    <dgm:txEffectClrLst/>
+  </dgm:styleLbl>
+  <dgm:styleLbl name="asst2">
+    <dgm:fillClrLst meth="repeat">
+      <a:schemeClr val="accent1"/>
+    </dgm:fillClrLst>
+    <dgm:linClrLst meth="repeat">
+      <a:schemeClr val="lt1"/>
+    </dgm:linClrLst>
+    <dgm:effectClrLst/>
+    <dgm:txLinClrLst/>
+    <dgm:txFillClrLst/>
+    <dgm:txEffectClrLst/>
+  </dgm:styleLbl>
+  <dgm:styleLbl name="asst3">
+    <dgm:fillClrLst meth="repeat">
+      <a:schemeClr val="accent1"/>
+    </dgm:fillClrLst>
+    <dgm:linClrLst meth="repeat">
+      <a:schemeClr val="lt1"/>
+    </dgm:linClrLst>
+    <dgm:effectClrLst/>
+    <dgm:txLinClrLst/>
+    <dgm:txFillClrLst/>
+    <dgm:txEffectClrLst/>
+  </dgm:styleLbl>
+  <dgm:styleLbl name="asst4">
+    <dgm:fillClrLst meth="repeat">
+      <a:schemeClr val="accent1"/>
+    </dgm:fillClrLst>
+    <dgm:linClrLst meth="repeat">
+      <a:schemeClr val="lt1"/>
+    </dgm:linClrLst>
+    <dgm:effectClrLst/>
+    <dgm:txLinClrLst/>
+    <dgm:txFillClrLst/>
+    <dgm:txEffectClrLst/>
+  </dgm:styleLbl>
+  <dgm:styleLbl name="parChTrans2D1">
+    <dgm:fillClrLst meth="repeat">
+      <a:schemeClr val="accent1">
+        <a:tint val="60000"/>
+      </a:schemeClr>
+    </dgm:fillClrLst>
+    <dgm:linClrLst meth="repeat">
+      <a:schemeClr val="accent1">
+        <a:tint val="60000"/>
+      </a:schemeClr>
+    </dgm:linClrLst>
+    <dgm:effectClrLst/>
+    <dgm:txLinClrLst/>
+    <dgm:txFillClrLst meth="repeat">
+      <a:schemeClr val="lt1"/>
+    </dgm:txFillClrLst>
+    <dgm:txEffectClrLst/>
+  </dgm:styleLbl>
+  <dgm:styleLbl name="parChTrans2D2">
+    <dgm:fillClrLst meth="repeat">
+      <a:schemeClr val="accent1"/>
+    </dgm:fillClrLst>
+    <dgm:linClrLst meth="repeat">
+      <a:schemeClr val="accent1"/>
+    </dgm:linClrLst>
+    <dgm:effectClrLst/>
+    <dgm:txLinClrLst/>
+    <dgm:txFillClrLst meth="repeat">
+      <a:schemeClr val="lt1"/>
+    </dgm:txFillClrLst>
+    <dgm:txEffectClrLst/>
+  </dgm:styleLbl>
+  <dgm:styleLbl name="parChTrans2D3">
+    <dgm:fillClrLst meth="repeat">
+      <a:schemeClr val="accent1"/>
+    </dgm:fillClrLst>
+    <dgm:linClrLst meth="repeat">
+      <a:schemeClr val="accent1"/>
+    </dgm:linClrLst>
+    <dgm:effectClrLst/>
+    <dgm:txLinClrLst/>
+    <dgm:txFillClrLst meth="repeat">
+      <a:schemeClr val="lt1"/>
+    </dgm:txFillClrLst>
+    <dgm:txEffectClrLst/>
+  </dgm:styleLbl>
+  <dgm:styleLbl name="parChTrans2D4">
+    <dgm:fillClrLst meth="repeat">
+      <a:schemeClr val="accent1"/>
+    </dgm:fillClrLst>
+    <dgm:linClrLst meth="repeat">
+      <a:schemeClr val="accent1"/>
+    </dgm:linClrLst>
+    <dgm:effectClrLst/>
+    <dgm:txLinClrLst/>
+    <dgm:txFillClrLst meth="repeat">
+      <a:schemeClr val="lt1"/>
+    </dgm:txFillClrLst>
+    <dgm:txEffectClrLst/>
+  </dgm:styleLbl>
+  <dgm:styleLbl name="parChTrans1D1">
+    <dgm:fillClrLst meth="repeat">
+      <a:schemeClr val="accent1"/>
+    </dgm:fillClrLst>
+    <dgm:linClrLst meth="repeat">
+      <a:schemeClr val="accent1">
+        <a:shade val="60000"/>
+      </a:schemeClr>
+    </dgm:linClrLst>
+    <dgm:effectClrLst/>
+    <dgm:txLinClrLst/>
+    <dgm:txFillClrLst meth="repeat">
+      <a:schemeClr val="tx1"/>
+    </dgm:txFillClrLst>
+    <dgm:txEffectClrLst/>
+  </dgm:styleLbl>
+  <dgm:styleLbl name="parChTrans1D2">
+    <dgm:fillClrLst meth="repeat">
+      <a:schemeClr val="accent1"/>
+    </dgm:fillClrLst>
+    <dgm:linClrLst meth="repeat">
+      <a:schemeClr val="accent1">
+        <a:shade val="60000"/>
+      </a:schemeClr>
+    </dgm:linClrLst>
+    <dgm:effectClrLst/>
+    <dgm:txLinClrLst/>
+    <dgm:txFillClrLst meth="repeat">
+      <a:schemeClr val="tx1"/>
+    </dgm:txFillClrLst>
+    <dgm:txEffectClrLst/>
+  </dgm:styleLbl>
+  <dgm:styleLbl name="parChTrans1D3">
+    <dgm:fillClrLst meth="repeat">
+      <a:schemeClr val="accent1"/>
+    </dgm:fillClrLst>
+    <dgm:linClrLst meth="repeat">
+      <a:schemeClr val="accent1">
+        <a:shade val="80000"/>
+      </a:schemeClr>
+    </dgm:linClrLst>
+    <dgm:effectClrLst/>
+    <dgm:txLinClrLst/>
+    <dgm:txFillClrLst meth="repeat">
+      <a:schemeClr val="tx1"/>
+    </dgm:txFillClrLst>
+    <dgm:txEffectClrLst/>
+  </dgm:styleLbl>
+  <dgm:styleLbl name="parChTrans1D4">
+    <dgm:fillClrLst meth="repeat">
+      <a:schemeClr val="accent1"/>
+    </dgm:fillClrLst>
+    <dgm:linClrLst meth="repeat">
+      <a:schemeClr val="accent1">
+        <a:shade val="80000"/>
+      </a:schemeClr>
+    </dgm:linClrLst>
+    <dgm:effectClrLst/>
+    <dgm:txLinClrLst/>
+    <dgm:txFillClrLst meth="repeat">
+      <a:schemeClr val="tx1"/>
+    </dgm:txFillClrLst>
+    <dgm:txEffectClrLst/>
+  </dgm:styleLbl>
+  <dgm:styleLbl name="fgAcc1">
+    <dgm:fillClrLst meth="repeat">
+      <a:schemeClr val="lt1">
+        <a:alpha val="90000"/>
+      </a:schemeClr>
+    </dgm:fillClrLst>
+    <dgm:linClrLst meth="repeat">
+      <a:schemeClr val="accent1"/>
+    </dgm:linClrLst>
+    <dgm:effectClrLst/>
+    <dgm:txLinClrLst/>
+    <dgm:txFillClrLst meth="repeat">
+      <a:schemeClr val="dk1"/>
+    </dgm:txFillClrLst>
+    <dgm:txEffectClrLst/>
+  </dgm:styleLbl>
+  <dgm:styleLbl name="conFgAcc1">
+    <dgm:fillClrLst meth="repeat">
+      <a:schemeClr val="lt1">
+        <a:alpha val="90000"/>
+      </a:schemeClr>
+    </dgm:fillClrLst>
+    <dgm:linClrLst meth="repeat">
+      <a:schemeClr val="accent1"/>
+    </dgm:linClrLst>
+    <dgm:effectClrLst/>
+    <dgm:txLinClrLst/>
+    <dgm:txFillClrLst meth="repeat">
+      <a:schemeClr val="dk1"/>
+    </dgm:txFillClrLst>
+    <dgm:txEffectClrLst/>
+  </dgm:styleLbl>
+  <dgm:styleLbl name="alignAcc1">
+    <dgm:fillClrLst meth="repeat">
+      <a:schemeClr val="lt1">
+        <a:alpha val="90000"/>
+      </a:schemeClr>
+    </dgm:fillClrLst>
+    <dgm:linClrLst meth="repeat">
+      <a:schemeClr val="accent1"/>
+    </dgm:linClrLst>
+    <dgm:effectClrLst/>
+    <dgm:txLinClrLst/>
+    <dgm:txFillClrLst meth="repeat">
+      <a:schemeClr val="dk1"/>
+    </dgm:txFillClrLst>
+    <dgm:txEffectClrLst/>
+  </dgm:styleLbl>
+  <dgm:styleLbl name="trAlignAcc1">
+    <dgm:fillClrLst meth="repeat">
+      <a:schemeClr val="lt1">
+        <a:alpha val="40000"/>
+      </a:schemeClr>
+    </dgm:fillClrLst>
+    <dgm:linClrLst meth="repeat">
+      <a:schemeClr val="accent1"/>
+    </dgm:linClrLst>
+    <dgm:effectClrLst/>
+    <dgm:txLinClrLst/>
+    <dgm:txFillClrLst meth="repeat">
+      <a:schemeClr val="dk1"/>
+    </dgm:txFillClrLst>
+    <dgm:txEffectClrLst/>
+  </dgm:styleLbl>
+  <dgm:styleLbl name="bgAcc1">
+    <dgm:fillClrLst meth="repeat">
+      <a:schemeClr val="lt1">
+        <a:alpha val="90000"/>
+      </a:schemeClr>
+    </dgm:fillClrLst>
+    <dgm:linClrLst meth="repeat">
+      <a:schemeClr val="accent1"/>
+    </dgm:linClrLst>
+    <dgm:effectClrLst/>
+    <dgm:txLinClrLst/>
+    <dgm:txFillClrLst meth="repeat">
+      <a:schemeClr val="dk1"/>
+    </dgm:txFillClrLst>
+    <dgm:txEffectClrLst/>
+  </dgm:styleLbl>
+  <dgm:styleLbl name="solidFgAcc1">
+    <dgm:fillClrLst meth="repeat">
+      <a:schemeClr val="lt1"/>
+    </dgm:fillClrLst>
+    <dgm:linClrLst meth="repeat">
+      <a:schemeClr val="accent1"/>
+    </dgm:linClrLst>
+    <dgm:effectClrLst/>
+    <dgm:txLinClrLst/>
+    <dgm:txFillClrLst meth="repeat">
+      <a:schemeClr val="dk1"/>
+    </dgm:txFillClrLst>
+    <dgm:txEffectClrLst/>
+  </dgm:styleLbl>
+  <dgm:styleLbl name="solidAlignAcc1">
+    <dgm:fillClrLst meth="repeat">
+      <a:schemeClr val="lt1"/>
+    </dgm:fillClrLst>
+    <dgm:linClrLst meth="repeat">
+      <a:schemeClr val="accent1"/>
+    </dgm:linClrLst>
+    <dgm:effectClrLst/>
+    <dgm:txLinClrLst/>
+    <dgm:txFillClrLst meth="repeat">
+      <a:schemeClr val="dk1"/>
+    </dgm:txFillClrLst>
+    <dgm:txEffectClrLst/>
+  </dgm:styleLbl>
+  <dgm:styleLbl name="solidBgAcc1">
+    <dgm:fillClrLst meth="repeat">
+      <a:schemeClr val="lt1"/>
+    </dgm:fillClrLst>
+    <dgm:linClrLst meth="repeat">
+      <a:schemeClr val="accent1"/>
+    </dgm:linClrLst>
+    <dgm:effectClrLst/>
+    <dgm:txLinClrLst/>
+    <dgm:txFillClrLst meth="repeat">
+      <a:schemeClr val="dk1"/>
+    </dgm:txFillClrLst>
+    <dgm:txEffectClrLst/>
+  </dgm:styleLbl>
+  <dgm:styleLbl name="fgAccFollowNode1">
+    <dgm:fillClrLst meth="repeat">
+      <a:schemeClr val="accent1">
+        <a:alpha val="90000"/>
+        <a:tint val="40000"/>
+      </a:schemeClr>
+    </dgm:fillClrLst>
+    <dgm:linClrLst meth="repeat">
+      <a:schemeClr val="accent1">
+        <a:alpha val="90000"/>
+        <a:tint val="40000"/>
+      </a:schemeClr>
+    </dgm:linClrLst>
+    <dgm:effectClrLst/>
+    <dgm:txLinClrLst/>
+    <dgm:txFillClrLst meth="repeat">
+      <a:schemeClr val="dk1"/>
+    </dgm:txFillClrLst>
+    <dgm:txEffectClrLst/>
+  </dgm:styleLbl>
+  <dgm:styleLbl name="alignAccFollowNode1">
+    <dgm:fillClrLst meth="repeat">
+      <a:schemeClr val="accent1">
+        <a:alpha val="90000"/>
+        <a:tint val="40000"/>
+      </a:schemeClr>
+    </dgm:fillClrLst>
+    <dgm:linClrLst meth="repeat">
+      <a:schemeClr val="accent1">
+        <a:alpha val="90000"/>
+        <a:tint val="40000"/>
+      </a:schemeClr>
+    </dgm:linClrLst>
+    <dgm:effectClrLst/>
+    <dgm:txLinClrLst/>
+    <dgm:txFillClrLst meth="repeat">
+      <a:schemeClr val="dk1"/>
+    </dgm:txFillClrLst>
+    <dgm:txEffectClrLst/>
+  </dgm:styleLbl>
+  <dgm:styleLbl name="bgAccFollowNode1">
+    <dgm:fillClrLst meth="repeat">
+      <a:schemeClr val="accent1">
+        <a:alpha val="90000"/>
+        <a:tint val="40000"/>
+      </a:schemeClr>
+    </dgm:fillClrLst>
+    <dgm:linClrLst meth="repeat">
+      <a:schemeClr val="accent1">
+        <a:alpha val="90000"/>
+        <a:tint val="40000"/>
+      </a:schemeClr>
+    </dgm:linClrLst>
+    <dgm:effectClrLst/>
+    <dgm:txLinClrLst/>
+    <dgm:txFillClrLst meth="repeat">
+      <a:schemeClr val="dk1"/>
+    </dgm:txFillClrLst>
+    <dgm:txEffectClrLst/>
+  </dgm:styleLbl>
+  <dgm:styleLbl name="fgAcc0">
+    <dgm:fillClrLst meth="repeat">
+      <a:schemeClr val="lt1">
+        <a:alpha val="90000"/>
+      </a:schemeClr>
+    </dgm:fillClrLst>
+    <dgm:linClrLst meth="repeat">
+      <a:schemeClr val="accent1"/>
+    </dgm:linClrLst>
+    <dgm:effectClrLst/>
+    <dgm:txLinClrLst/>
+    <dgm:txFillClrLst meth="repeat">
+      <a:schemeClr val="dk1"/>
+    </dgm:txFillClrLst>
+    <dgm:txEffectClrLst/>
+  </dgm:styleLbl>
+  <dgm:styleLbl name="fgAcc2">
+    <dgm:fillClrLst meth="repeat">
+      <a:schemeClr val="lt1">
+        <a:alpha val="90000"/>
+      </a:schemeClr>
+    </dgm:fillClrLst>
+    <dgm:linClrLst meth="repeat">
+      <a:schemeClr val="accent1"/>
+    </dgm:linClrLst>
+    <dgm:effectClrLst/>
+    <dgm:txLinClrLst/>
+    <dgm:txFillClrLst meth="repeat">
+      <a:schemeClr val="dk1"/>
+    </dgm:txFillClrLst>
+    <dgm:txEffectClrLst/>
+  </dgm:styleLbl>
+  <dgm:styleLbl name="fgAcc3">
+    <dgm:fillClrLst meth="repeat">
+      <a:schemeClr val="lt1">
+        <a:alpha val="90000"/>
+      </a:schemeClr>
+    </dgm:fillClrLst>
+    <dgm:linClrLst meth="repeat">
+      <a:schemeClr val="accent1"/>
+    </dgm:linClrLst>
+    <dgm:effectClrLst/>
+    <dgm:txLinClrLst/>
+    <dgm:txFillClrLst meth="repeat">
+      <a:schemeClr val="dk1"/>
+    </dgm:txFillClrLst>
+    <dgm:txEffectClrLst/>
+  </dgm:styleLbl>
+  <dgm:styleLbl name="fgAcc4">
+    <dgm:fillClrLst meth="repeat">
+      <a:schemeClr val="lt1">
+        <a:alpha val="90000"/>
+      </a:schemeClr>
+    </dgm:fillClrLst>
+    <dgm:linClrLst meth="repeat">
+      <a:schemeClr val="accent1"/>
+    </dgm:linClrLst>
+    <dgm:effectClrLst/>
+    <dgm:txLinClrLst/>
+    <dgm:txFillClrLst meth="repeat">
+      <a:schemeClr val="dk1"/>
+    </dgm:txFillClrLst>
+    <dgm:txEffectClrLst/>
+  </dgm:styleLbl>
+  <dgm:styleLbl name="bgShp">
+    <dgm:fillClrLst meth="repeat">
+      <a:schemeClr val="accent1">
+        <a:tint val="40000"/>
+      </a:schemeClr>
+    </dgm:fillClrLst>
+    <dgm:linClrLst meth="repeat">
+      <a:schemeClr val="accent1"/>
+    </dgm:linClrLst>
+    <dgm:effectClrLst/>
+    <dgm:txLinClrLst/>
+    <dgm:txFillClrLst meth="repeat">
+      <a:schemeClr val="dk1"/>
+    </dgm:txFillClrLst>
+    <dgm:txEffectClrLst/>
+  </dgm:styleLbl>
+  <dgm:styleLbl name="dkBgShp">
+    <dgm:fillClrLst meth="repeat">
+      <a:schemeClr val="accent1">
+        <a:shade val="80000"/>
+      </a:schemeClr>
+    </dgm:fillClrLst>
+    <dgm:linClrLst meth="repeat">
+      <a:schemeClr val="accent1"/>
+    </dgm:linClrLst>
+    <dgm:effectClrLst/>
+    <dgm:txLinClrLst/>
+    <dgm:txFillClrLst meth="repeat">
+      <a:schemeClr val="lt1"/>
+    </dgm:txFillClrLst>
+    <dgm:txEffectClrLst/>
+  </dgm:styleLbl>
+  <dgm:styleLbl name="trBgShp">
+    <dgm:fillClrLst meth="repeat">
+      <a:schemeClr val="accent1">
+        <a:tint val="50000"/>
+        <a:alpha val="40000"/>
+      </a:schemeClr>
+    </dgm:fillClrLst>
+    <dgm:linClrLst meth="repeat">
+      <a:schemeClr val="accent1"/>
+    </dgm:linClrLst>
+    <dgm:effectClrLst/>
+    <dgm:txLinClrLst/>
+    <dgm:txFillClrLst meth="repeat">
+      <a:schemeClr val="lt1"/>
+    </dgm:txFillClrLst>
+    <dgm:txEffectClrLst/>
+  </dgm:styleLbl>
+  <dgm:styleLbl name="fgShp">
+    <dgm:fillClrLst meth="repeat">
+      <a:schemeClr val="accent1">
+        <a:tint val="60000"/>
+      </a:schemeClr>
+    </dgm:fillClrLst>
+    <dgm:linClrLst meth="repeat">
+      <a:schemeClr val="lt1"/>
+    </dgm:linClrLst>
+    <dgm:effectClrLst/>
+    <dgm:txLinClrLst/>
+    <dgm:txFillClrLst meth="repeat">
+      <a:schemeClr val="dk1"/>
+    </dgm:txFillClrLst>
+    <dgm:txEffectClrLst/>
+  </dgm:styleLbl>
+  <dgm:styleLbl name="revTx">
+    <dgm:fillClrLst meth="repeat">
+      <a:schemeClr val="lt1">
+        <a:alpha val="0"/>
+      </a:schemeClr>
+    </dgm:fillClrLst>
+    <dgm:linClrLst meth="repeat">
+      <a:schemeClr val="dk1">
+        <a:alpha val="0"/>
+      </a:schemeClr>
+    </dgm:linClrLst>
+    <dgm:effectClrLst/>
+    <dgm:txLinClrLst/>
+    <dgm:txFillClrLst meth="repeat">
+      <a:schemeClr val="tx1"/>
+    </dgm:txFillClrLst>
+    <dgm:txEffectClrLst/>
+  </dgm:styleLbl>
+</dgm:colorsDef>
+</file>
+
+<file path=ppt/diagrams/colors4.xml><?xml version="1.0" encoding="utf-8"?>
 <dgm:colorsDef xmlns:dgm="http://schemas.openxmlformats.org/drawingml/2006/diagram" xmlns:a="http://schemas.openxmlformats.org/drawingml/2006/main" uniqueId="urn:microsoft.com/office/officeart/2005/8/colors/accent1_2">
   <dgm:title val=""/>
   <dgm:desc val=""/>
@@ -3570,9 +4322,9 @@
     <dgm:cxn modelId="{09C829B3-9421-472C-992B-F9C6C7EA8079}" srcId="{9450D4C9-C4B2-4911-A89A-514780CB9F15}" destId="{962489C9-99E7-4179-9C22-D64CAB835C31}" srcOrd="3" destOrd="0" parTransId="{44042CD2-4D4B-4F8B-847E-88E42BCD2928}" sibTransId="{4A484662-FBA7-4F43-BE10-51AB84EA0D6F}"/>
     <dgm:cxn modelId="{926CA9DC-DF6F-4A9D-9612-83D48BE5EA1C}" type="presOf" srcId="{64331C73-F894-4973-9E15-1A620C348097}" destId="{09A00682-3313-476D-9195-849AA0621560}" srcOrd="0" destOrd="0" presId="urn:microsoft.com/office/officeart/2005/8/layout/chevron1"/>
     <dgm:cxn modelId="{639D5D99-9E2A-4A71-BD4D-065403E54717}" type="presOf" srcId="{B537E5C6-AC88-45DE-A692-878DAC35B119}" destId="{5535CA09-926A-457A-A4B7-21390F15F94F}" srcOrd="0" destOrd="0" presId="urn:microsoft.com/office/officeart/2005/8/layout/chevron1"/>
-    <dgm:cxn modelId="{B3F5CCFA-FE39-4B4E-9CFC-BD7D8A83E842}" type="presOf" srcId="{CF478C61-00AD-4194-8D4F-7DB2AE098B5C}" destId="{1214DDDF-E3A3-4EB3-BFBD-CAE78864CA50}" srcOrd="0" destOrd="0" presId="urn:microsoft.com/office/officeart/2005/8/layout/chevron1"/>
     <dgm:cxn modelId="{77A0D87E-0458-4AB3-8FE4-5731CF46972A}" type="presOf" srcId="{C97B20BC-3CBA-411F-AB14-F158490C5BCC}" destId="{5D5D5C88-985A-485D-991E-57409E5BC77A}" srcOrd="0" destOrd="0" presId="urn:microsoft.com/office/officeart/2005/8/layout/chevron1"/>
     <dgm:cxn modelId="{1C1DB8ED-0C78-4531-81AD-594F179D4A4A}" type="presOf" srcId="{8A145133-89F4-4E11-BED7-033969110BEF}" destId="{47EC26A5-DB58-47F3-B21F-7ECE3520D744}" srcOrd="0" destOrd="0" presId="urn:microsoft.com/office/officeart/2005/8/layout/chevron1"/>
+    <dgm:cxn modelId="{B3F5CCFA-FE39-4B4E-9CFC-BD7D8A83E842}" type="presOf" srcId="{CF478C61-00AD-4194-8D4F-7DB2AE098B5C}" destId="{1214DDDF-E3A3-4EB3-BFBD-CAE78864CA50}" srcOrd="0" destOrd="0" presId="urn:microsoft.com/office/officeart/2005/8/layout/chevron1"/>
     <dgm:cxn modelId="{6189A4AA-D7EB-418F-9F2D-C66AC3C01A62}" srcId="{9450D4C9-C4B2-4911-A89A-514780CB9F15}" destId="{C97B20BC-3CBA-411F-AB14-F158490C5BCC}" srcOrd="6" destOrd="0" parTransId="{F7EE3B89-45E3-4220-BAF4-37722295D274}" sibTransId="{484765B2-A338-4F5A-B411-50FEAAE111D8}"/>
     <dgm:cxn modelId="{3472B545-712D-4EE5-A0FD-FCCE69A3F421}" srcId="{9450D4C9-C4B2-4911-A89A-514780CB9F15}" destId="{8A145133-89F4-4E11-BED7-033969110BEF}" srcOrd="4" destOrd="0" parTransId="{06C89CBF-459F-4019-BA59-A67EB395C5B9}" sibTransId="{A211C329-5A6A-4787-B4B1-98439EF8D8DC}"/>
     <dgm:cxn modelId="{4F2130A0-1415-4348-8853-90D1F7780598}" type="presOf" srcId="{962489C9-99E7-4179-9C22-D64CAB835C31}" destId="{9D68CD03-B1A7-4BEA-B058-FD22B6150897}" srcOrd="0" destOrd="0" presId="urn:microsoft.com/office/officeart/2005/8/layout/chevron1"/>
@@ -3590,6 +4342,391 @@
     <dgm:cxn modelId="{BFA956CC-EF8D-4872-BC32-DDABCAED0F1B}" type="presParOf" srcId="{460ED21A-C4DB-432F-A891-283E6D30FEEE}" destId="{1214DDDF-E3A3-4EB3-BFBD-CAE78864CA50}" srcOrd="10" destOrd="0" presId="urn:microsoft.com/office/officeart/2005/8/layout/chevron1"/>
     <dgm:cxn modelId="{DC7BDCDD-EE4A-4DBE-9D25-FAF6F4CCE6B6}" type="presParOf" srcId="{460ED21A-C4DB-432F-A891-283E6D30FEEE}" destId="{9B48478D-4364-4A01-B914-3ECAC052B879}" srcOrd="11" destOrd="0" presId="urn:microsoft.com/office/officeart/2005/8/layout/chevron1"/>
     <dgm:cxn modelId="{2012B53E-358B-4183-BA84-D3BDAAF8258D}" type="presParOf" srcId="{460ED21A-C4DB-432F-A891-283E6D30FEEE}" destId="{5D5D5C88-985A-485D-991E-57409E5BC77A}" srcOrd="12" destOrd="0" presId="urn:microsoft.com/office/officeart/2005/8/layout/chevron1"/>
+  </dgm:cxnLst>
+  <dgm:bg/>
+  <dgm:whole/>
+  <dgm:extLst>
+    <a:ext uri="http://schemas.microsoft.com/office/drawing/2008/diagram">
+      <dsp:dataModelExt xmlns:dsp="http://schemas.microsoft.com/office/drawing/2008/diagram" relId="rId6" minVer="http://schemas.openxmlformats.org/drawingml/2006/diagram"/>
+    </a:ext>
+  </dgm:extLst>
+</dgm:dataModel>
+</file>
+
+<file path=ppt/diagrams/data4.xml><?xml version="1.0" encoding="utf-8"?>
+<dgm:dataModel xmlns:dgm="http://schemas.openxmlformats.org/drawingml/2006/diagram" xmlns:a="http://schemas.openxmlformats.org/drawingml/2006/main">
+  <dgm:ptLst>
+    <dgm:pt modelId="{E599E731-E7DC-479C-8CF1-D6244889523C}" type="doc">
+      <dgm:prSet loTypeId="urn:microsoft.com/office/officeart/2005/8/layout/hierarchy1" loCatId="hierarchy" qsTypeId="urn:microsoft.com/office/officeart/2005/8/quickstyle/3d4" qsCatId="3D" csTypeId="urn:microsoft.com/office/officeart/2005/8/colors/accent1_2" csCatId="accent1" phldr="1"/>
+      <dgm:spPr/>
+      <dgm:t>
+        <a:bodyPr/>
+        <a:lstStyle/>
+        <a:p>
+          <a:endParaRPr lang="en-US"/>
+        </a:p>
+      </dgm:t>
+    </dgm:pt>
+    <dgm:pt modelId="{EDE96FF5-1D6F-40D9-BAA4-5F216284EA68}">
+      <dgm:prSet phldrT="[Text]" custT="1"/>
+      <dgm:spPr/>
+      <dgm:t>
+        <a:bodyPr/>
+        <a:lstStyle/>
+        <a:p>
+          <a:r>
+            <a:rPr lang="en-US" sz="1600" b="1" dirty="0" smtClean="0"/>
+            <a:t>Shared resources</a:t>
+          </a:r>
+          <a:endParaRPr lang="en-US" sz="1600" b="1" dirty="0"/>
+        </a:p>
+      </dgm:t>
+    </dgm:pt>
+    <dgm:pt modelId="{0321C310-AEF3-46E8-B8A4-6C11DB864603}" type="parTrans" cxnId="{01FB11D6-684D-4E49-B5B0-EAFE14330F37}">
+      <dgm:prSet/>
+      <dgm:spPr/>
+      <dgm:t>
+        <a:bodyPr/>
+        <a:lstStyle/>
+        <a:p>
+          <a:endParaRPr lang="en-US"/>
+        </a:p>
+      </dgm:t>
+    </dgm:pt>
+    <dgm:pt modelId="{D4600DEE-2AE6-474A-83CF-788E07829090}" type="sibTrans" cxnId="{01FB11D6-684D-4E49-B5B0-EAFE14330F37}">
+      <dgm:prSet/>
+      <dgm:spPr/>
+      <dgm:t>
+        <a:bodyPr/>
+        <a:lstStyle/>
+        <a:p>
+          <a:endParaRPr lang="en-US"/>
+        </a:p>
+      </dgm:t>
+    </dgm:pt>
+    <dgm:pt modelId="{D3416637-C472-49E7-8A77-42EA7EE4FB2D}">
+      <dgm:prSet phldrT="[Text]" custT="1"/>
+      <dgm:spPr/>
+      <dgm:t>
+        <a:bodyPr/>
+        <a:lstStyle/>
+        <a:p>
+          <a:pPr algn="ctr"/>
+          <a:r>
+            <a:rPr lang="en-US" sz="1600" b="1" dirty="0" smtClean="0"/>
+            <a:t>Physical Resources</a:t>
+          </a:r>
+        </a:p>
+        <a:p>
+          <a:pPr algn="ctr"/>
+          <a:r>
+            <a:rPr lang="en-US" sz="900" dirty="0" smtClean="0"/>
+            <a:t>- resources which can be shared with some dependence on their location </a:t>
+          </a:r>
+        </a:p>
+        <a:p>
+          <a:pPr algn="l"/>
+          <a:endParaRPr lang="en-US" sz="900" dirty="0" smtClean="0"/>
+        </a:p>
+        <a:p>
+          <a:pPr algn="l"/>
+          <a:r>
+            <a:rPr lang="en-US" sz="900" dirty="0" smtClean="0"/>
+            <a:t>Computation power</a:t>
+          </a:r>
+        </a:p>
+        <a:p>
+          <a:pPr algn="l"/>
+          <a:r>
+            <a:rPr lang="en-US" sz="900" dirty="0" smtClean="0"/>
+            <a:t>Storage devices</a:t>
+          </a:r>
+        </a:p>
+        <a:p>
+          <a:pPr algn="l"/>
+          <a:r>
+            <a:rPr lang="en-US" sz="900" dirty="0" smtClean="0"/>
+            <a:t>Communication capacity</a:t>
+          </a:r>
+        </a:p>
+        <a:p>
+          <a:pPr algn="ctr"/>
+          <a:endParaRPr lang="en-US" sz="900" dirty="0"/>
+        </a:p>
+      </dgm:t>
+    </dgm:pt>
+    <dgm:pt modelId="{3FF84238-6296-41FA-AC31-BE8D99191283}" type="parTrans" cxnId="{DCEFC734-5258-4187-81E2-2DA3C3A0600D}">
+      <dgm:prSet/>
+      <dgm:spPr/>
+      <dgm:t>
+        <a:bodyPr/>
+        <a:lstStyle/>
+        <a:p>
+          <a:endParaRPr lang="en-US"/>
+        </a:p>
+      </dgm:t>
+    </dgm:pt>
+    <dgm:pt modelId="{C2F2F837-7292-499A-9363-26D4909D7F7A}" type="sibTrans" cxnId="{DCEFC734-5258-4187-81E2-2DA3C3A0600D}">
+      <dgm:prSet/>
+      <dgm:spPr/>
+      <dgm:t>
+        <a:bodyPr/>
+        <a:lstStyle/>
+        <a:p>
+          <a:endParaRPr lang="en-US"/>
+        </a:p>
+      </dgm:t>
+    </dgm:pt>
+    <dgm:pt modelId="{B3EDA70C-121E-4511-8433-9E3CEA3A1041}">
+      <dgm:prSet phldrT="[Text]" custT="1"/>
+      <dgm:spPr/>
+      <dgm:t>
+        <a:bodyPr/>
+        <a:lstStyle/>
+        <a:p>
+          <a:pPr algn="ctr"/>
+          <a:r>
+            <a:rPr lang="en-US" sz="1600" b="1" dirty="0" smtClean="0"/>
+            <a:t>Virtual Resources</a:t>
+          </a:r>
+        </a:p>
+        <a:p>
+          <a:pPr algn="ctr"/>
+          <a:r>
+            <a:rPr lang="en-US" sz="900" dirty="0" smtClean="0"/>
+            <a:t>-resources which can be shared </a:t>
+          </a:r>
+          <a:r>
+            <a:rPr lang="en-US" sz="900" dirty="0" smtClean="0"/>
+            <a:t>independent of their </a:t>
+          </a:r>
+          <a:r>
+            <a:rPr lang="en-US" sz="900" dirty="0" smtClean="0"/>
+            <a:t>physical location</a:t>
+          </a:r>
+        </a:p>
+        <a:p>
+          <a:pPr algn="ctr"/>
+          <a:r>
+            <a:rPr lang="en-US" sz="900" dirty="0" smtClean="0"/>
+            <a:t> </a:t>
+          </a:r>
+        </a:p>
+        <a:p>
+          <a:pPr algn="l"/>
+          <a:r>
+            <a:rPr lang="en-US" sz="900" dirty="0" smtClean="0"/>
+            <a:t>Operating systems</a:t>
+          </a:r>
+        </a:p>
+        <a:p>
+          <a:pPr algn="l"/>
+          <a:r>
+            <a:rPr lang="en-US" sz="900" dirty="0" smtClean="0"/>
+            <a:t>Software and licenses</a:t>
+          </a:r>
+        </a:p>
+        <a:p>
+          <a:pPr algn="l"/>
+          <a:r>
+            <a:rPr lang="en-US" sz="900" dirty="0" smtClean="0"/>
+            <a:t>Tasks and applications </a:t>
+          </a:r>
+        </a:p>
+        <a:p>
+          <a:pPr algn="l"/>
+          <a:r>
+            <a:rPr lang="en-US" sz="900" dirty="0" smtClean="0"/>
+            <a:t>Services</a:t>
+          </a:r>
+          <a:endParaRPr lang="en-US" sz="900" dirty="0"/>
+        </a:p>
+      </dgm:t>
+    </dgm:pt>
+    <dgm:pt modelId="{3203F13A-12BF-4556-A522-A41B0A00850D}" type="parTrans" cxnId="{25D7E370-8D92-4E2B-B024-D053047D8CE2}">
+      <dgm:prSet/>
+      <dgm:spPr/>
+      <dgm:t>
+        <a:bodyPr/>
+        <a:lstStyle/>
+        <a:p>
+          <a:endParaRPr lang="en-US"/>
+        </a:p>
+      </dgm:t>
+    </dgm:pt>
+    <dgm:pt modelId="{0EFF336F-BB38-4F04-9D43-D16852737E47}" type="sibTrans" cxnId="{25D7E370-8D92-4E2B-B024-D053047D8CE2}">
+      <dgm:prSet/>
+      <dgm:spPr/>
+      <dgm:t>
+        <a:bodyPr/>
+        <a:lstStyle/>
+        <a:p>
+          <a:endParaRPr lang="en-US"/>
+        </a:p>
+      </dgm:t>
+    </dgm:pt>
+    <dgm:pt modelId="{D95F9AD9-2B6E-4F59-B64C-5D4FC2E366CE}" type="pres">
+      <dgm:prSet presAssocID="{E599E731-E7DC-479C-8CF1-D6244889523C}" presName="hierChild1" presStyleCnt="0">
+        <dgm:presLayoutVars>
+          <dgm:chPref val="1"/>
+          <dgm:dir/>
+          <dgm:animOne val="branch"/>
+          <dgm:animLvl val="lvl"/>
+          <dgm:resizeHandles/>
+        </dgm:presLayoutVars>
+      </dgm:prSet>
+      <dgm:spPr/>
+      <dgm:t>
+        <a:bodyPr/>
+        <a:lstStyle/>
+        <a:p>
+          <a:endParaRPr lang="en-US"/>
+        </a:p>
+      </dgm:t>
+    </dgm:pt>
+    <dgm:pt modelId="{CF8D7650-8692-446B-80AA-1D837010E69E}" type="pres">
+      <dgm:prSet presAssocID="{EDE96FF5-1D6F-40D9-BAA4-5F216284EA68}" presName="hierRoot1" presStyleCnt="0"/>
+      <dgm:spPr/>
+    </dgm:pt>
+    <dgm:pt modelId="{5C537912-794E-42DA-8968-3ADE7773EE31}" type="pres">
+      <dgm:prSet presAssocID="{EDE96FF5-1D6F-40D9-BAA4-5F216284EA68}" presName="composite" presStyleCnt="0"/>
+      <dgm:spPr/>
+    </dgm:pt>
+    <dgm:pt modelId="{53C24587-0A2B-4FE3-9D3F-3944C820D5B6}" type="pres">
+      <dgm:prSet presAssocID="{EDE96FF5-1D6F-40D9-BAA4-5F216284EA68}" presName="background" presStyleLbl="node0" presStyleIdx="0" presStyleCnt="1"/>
+      <dgm:spPr/>
+    </dgm:pt>
+    <dgm:pt modelId="{633A4F81-F993-47EB-820A-B68DB3A5390E}" type="pres">
+      <dgm:prSet presAssocID="{EDE96FF5-1D6F-40D9-BAA4-5F216284EA68}" presName="text" presStyleLbl="fgAcc0" presStyleIdx="0" presStyleCnt="1" custScaleX="70576" custScaleY="46480" custLinFactNeighborX="-2359" custLinFactNeighborY="537">
+        <dgm:presLayoutVars>
+          <dgm:chPref val="3"/>
+        </dgm:presLayoutVars>
+      </dgm:prSet>
+      <dgm:spPr/>
+      <dgm:t>
+        <a:bodyPr/>
+        <a:lstStyle/>
+        <a:p>
+          <a:endParaRPr lang="en-US"/>
+        </a:p>
+      </dgm:t>
+    </dgm:pt>
+    <dgm:pt modelId="{9525C4BF-B71D-4DF6-B5D8-7C3C93628DE9}" type="pres">
+      <dgm:prSet presAssocID="{EDE96FF5-1D6F-40D9-BAA4-5F216284EA68}" presName="hierChild2" presStyleCnt="0"/>
+      <dgm:spPr/>
+    </dgm:pt>
+    <dgm:pt modelId="{3B4976F8-1C91-4B4A-AF74-A6A32D597C6F}" type="pres">
+      <dgm:prSet presAssocID="{3FF84238-6296-41FA-AC31-BE8D99191283}" presName="Name10" presStyleLbl="parChTrans1D2" presStyleIdx="0" presStyleCnt="2"/>
+      <dgm:spPr/>
+      <dgm:t>
+        <a:bodyPr/>
+        <a:lstStyle/>
+        <a:p>
+          <a:endParaRPr lang="en-US"/>
+        </a:p>
+      </dgm:t>
+    </dgm:pt>
+    <dgm:pt modelId="{21FF550D-E877-43C1-9C96-8867747CD76B}" type="pres">
+      <dgm:prSet presAssocID="{D3416637-C472-49E7-8A77-42EA7EE4FB2D}" presName="hierRoot2" presStyleCnt="0"/>
+      <dgm:spPr/>
+    </dgm:pt>
+    <dgm:pt modelId="{6513E347-F1D0-4551-BE8C-624BBDE06C92}" type="pres">
+      <dgm:prSet presAssocID="{D3416637-C472-49E7-8A77-42EA7EE4FB2D}" presName="composite2" presStyleCnt="0"/>
+      <dgm:spPr/>
+    </dgm:pt>
+    <dgm:pt modelId="{6BAED831-1434-4AE7-8DB7-037BBAC56C31}" type="pres">
+      <dgm:prSet presAssocID="{D3416637-C472-49E7-8A77-42EA7EE4FB2D}" presName="background2" presStyleLbl="node2" presStyleIdx="0" presStyleCnt="2"/>
+      <dgm:spPr/>
+    </dgm:pt>
+    <dgm:pt modelId="{2CA332BF-C7D5-44C4-86AB-C5F8609888C3}" type="pres">
+      <dgm:prSet presAssocID="{D3416637-C472-49E7-8A77-42EA7EE4FB2D}" presName="text2" presStyleLbl="fgAcc2" presStyleIdx="0" presStyleCnt="2" custLinFactNeighborX="-28" custLinFactNeighborY="2983">
+        <dgm:presLayoutVars>
+          <dgm:chPref val="3"/>
+        </dgm:presLayoutVars>
+      </dgm:prSet>
+      <dgm:spPr/>
+      <dgm:t>
+        <a:bodyPr/>
+        <a:lstStyle/>
+        <a:p>
+          <a:endParaRPr lang="en-US"/>
+        </a:p>
+      </dgm:t>
+    </dgm:pt>
+    <dgm:pt modelId="{02A9C2E9-D720-4DC8-8099-7C06137BF772}" type="pres">
+      <dgm:prSet presAssocID="{D3416637-C472-49E7-8A77-42EA7EE4FB2D}" presName="hierChild3" presStyleCnt="0"/>
+      <dgm:spPr/>
+    </dgm:pt>
+    <dgm:pt modelId="{82B6CC98-E7D5-4D4E-ACD9-D9D53E7526DB}" type="pres">
+      <dgm:prSet presAssocID="{3203F13A-12BF-4556-A522-A41B0A00850D}" presName="Name10" presStyleLbl="parChTrans1D2" presStyleIdx="1" presStyleCnt="2"/>
+      <dgm:spPr/>
+      <dgm:t>
+        <a:bodyPr/>
+        <a:lstStyle/>
+        <a:p>
+          <a:endParaRPr lang="en-US"/>
+        </a:p>
+      </dgm:t>
+    </dgm:pt>
+    <dgm:pt modelId="{FD1E6DF3-1F96-46AD-8241-D014A12C880D}" type="pres">
+      <dgm:prSet presAssocID="{B3EDA70C-121E-4511-8433-9E3CEA3A1041}" presName="hierRoot2" presStyleCnt="0"/>
+      <dgm:spPr/>
+    </dgm:pt>
+    <dgm:pt modelId="{2B3A8281-D1C9-419D-93FE-4EE025A27E32}" type="pres">
+      <dgm:prSet presAssocID="{B3EDA70C-121E-4511-8433-9E3CEA3A1041}" presName="composite2" presStyleCnt="0"/>
+      <dgm:spPr/>
+    </dgm:pt>
+    <dgm:pt modelId="{54ED80A4-9519-416E-8692-A675E58D6A01}" type="pres">
+      <dgm:prSet presAssocID="{B3EDA70C-121E-4511-8433-9E3CEA3A1041}" presName="background2" presStyleLbl="node2" presStyleIdx="1" presStyleCnt="2"/>
+      <dgm:spPr/>
+    </dgm:pt>
+    <dgm:pt modelId="{62F573A8-C98B-4300-903C-ACC41DE49811}" type="pres">
+      <dgm:prSet presAssocID="{B3EDA70C-121E-4511-8433-9E3CEA3A1041}" presName="text2" presStyleLbl="fgAcc2" presStyleIdx="1" presStyleCnt="2" custLinFactNeighborX="279" custLinFactNeighborY="2983">
+        <dgm:presLayoutVars>
+          <dgm:chPref val="3"/>
+        </dgm:presLayoutVars>
+      </dgm:prSet>
+      <dgm:spPr/>
+      <dgm:t>
+        <a:bodyPr/>
+        <a:lstStyle/>
+        <a:p>
+          <a:endParaRPr lang="en-US"/>
+        </a:p>
+      </dgm:t>
+    </dgm:pt>
+    <dgm:pt modelId="{B89752FF-95A7-474E-A154-DD269E4F5DE4}" type="pres">
+      <dgm:prSet presAssocID="{B3EDA70C-121E-4511-8433-9E3CEA3A1041}" presName="hierChild3" presStyleCnt="0"/>
+      <dgm:spPr/>
+    </dgm:pt>
+  </dgm:ptLst>
+  <dgm:cxnLst>
+    <dgm:cxn modelId="{D29B2DFD-6448-43ED-AD6F-A88D3997D5AD}" type="presOf" srcId="{EDE96FF5-1D6F-40D9-BAA4-5F216284EA68}" destId="{633A4F81-F993-47EB-820A-B68DB3A5390E}" srcOrd="0" destOrd="0" presId="urn:microsoft.com/office/officeart/2005/8/layout/hierarchy1"/>
+    <dgm:cxn modelId="{25D7E370-8D92-4E2B-B024-D053047D8CE2}" srcId="{EDE96FF5-1D6F-40D9-BAA4-5F216284EA68}" destId="{B3EDA70C-121E-4511-8433-9E3CEA3A1041}" srcOrd="1" destOrd="0" parTransId="{3203F13A-12BF-4556-A522-A41B0A00850D}" sibTransId="{0EFF336F-BB38-4F04-9D43-D16852737E47}"/>
+    <dgm:cxn modelId="{E470C9C2-04B1-4DBA-BDD8-DA9E788EC044}" type="presOf" srcId="{E599E731-E7DC-479C-8CF1-D6244889523C}" destId="{D95F9AD9-2B6E-4F59-B64C-5D4FC2E366CE}" srcOrd="0" destOrd="0" presId="urn:microsoft.com/office/officeart/2005/8/layout/hierarchy1"/>
+    <dgm:cxn modelId="{DCEFC734-5258-4187-81E2-2DA3C3A0600D}" srcId="{EDE96FF5-1D6F-40D9-BAA4-5F216284EA68}" destId="{D3416637-C472-49E7-8A77-42EA7EE4FB2D}" srcOrd="0" destOrd="0" parTransId="{3FF84238-6296-41FA-AC31-BE8D99191283}" sibTransId="{C2F2F837-7292-499A-9363-26D4909D7F7A}"/>
+    <dgm:cxn modelId="{AA02A161-9E71-4263-A901-09BFD558970D}" type="presOf" srcId="{D3416637-C472-49E7-8A77-42EA7EE4FB2D}" destId="{2CA332BF-C7D5-44C4-86AB-C5F8609888C3}" srcOrd="0" destOrd="0" presId="urn:microsoft.com/office/officeart/2005/8/layout/hierarchy1"/>
+    <dgm:cxn modelId="{01FB11D6-684D-4E49-B5B0-EAFE14330F37}" srcId="{E599E731-E7DC-479C-8CF1-D6244889523C}" destId="{EDE96FF5-1D6F-40D9-BAA4-5F216284EA68}" srcOrd="0" destOrd="0" parTransId="{0321C310-AEF3-46E8-B8A4-6C11DB864603}" sibTransId="{D4600DEE-2AE6-474A-83CF-788E07829090}"/>
+    <dgm:cxn modelId="{FBEA6683-523A-4555-AC76-8EA8246433E8}" type="presOf" srcId="{B3EDA70C-121E-4511-8433-9E3CEA3A1041}" destId="{62F573A8-C98B-4300-903C-ACC41DE49811}" srcOrd="0" destOrd="0" presId="urn:microsoft.com/office/officeart/2005/8/layout/hierarchy1"/>
+    <dgm:cxn modelId="{B4B656B2-B9F5-4518-B1FC-D6049C1794CC}" type="presOf" srcId="{3203F13A-12BF-4556-A522-A41B0A00850D}" destId="{82B6CC98-E7D5-4D4E-ACD9-D9D53E7526DB}" srcOrd="0" destOrd="0" presId="urn:microsoft.com/office/officeart/2005/8/layout/hierarchy1"/>
+    <dgm:cxn modelId="{61E18A5C-F5D9-4D94-9A8A-644F91246958}" type="presOf" srcId="{3FF84238-6296-41FA-AC31-BE8D99191283}" destId="{3B4976F8-1C91-4B4A-AF74-A6A32D597C6F}" srcOrd="0" destOrd="0" presId="urn:microsoft.com/office/officeart/2005/8/layout/hierarchy1"/>
+    <dgm:cxn modelId="{0C7A26C2-1BBB-4A9B-BAED-D8019201ABB6}" type="presParOf" srcId="{D95F9AD9-2B6E-4F59-B64C-5D4FC2E366CE}" destId="{CF8D7650-8692-446B-80AA-1D837010E69E}" srcOrd="0" destOrd="0" presId="urn:microsoft.com/office/officeart/2005/8/layout/hierarchy1"/>
+    <dgm:cxn modelId="{34B243D6-3D1A-4412-9071-43C8F5F42BCD}" type="presParOf" srcId="{CF8D7650-8692-446B-80AA-1D837010E69E}" destId="{5C537912-794E-42DA-8968-3ADE7773EE31}" srcOrd="0" destOrd="0" presId="urn:microsoft.com/office/officeart/2005/8/layout/hierarchy1"/>
+    <dgm:cxn modelId="{A7F0C584-3116-495D-B238-7C602CC00206}" type="presParOf" srcId="{5C537912-794E-42DA-8968-3ADE7773EE31}" destId="{53C24587-0A2B-4FE3-9D3F-3944C820D5B6}" srcOrd="0" destOrd="0" presId="urn:microsoft.com/office/officeart/2005/8/layout/hierarchy1"/>
+    <dgm:cxn modelId="{14874694-B3D7-4310-A6E5-D1F5AE031643}" type="presParOf" srcId="{5C537912-794E-42DA-8968-3ADE7773EE31}" destId="{633A4F81-F993-47EB-820A-B68DB3A5390E}" srcOrd="1" destOrd="0" presId="urn:microsoft.com/office/officeart/2005/8/layout/hierarchy1"/>
+    <dgm:cxn modelId="{C0895DE8-E691-4F5E-B278-0FE8A57FE96C}" type="presParOf" srcId="{CF8D7650-8692-446B-80AA-1D837010E69E}" destId="{9525C4BF-B71D-4DF6-B5D8-7C3C93628DE9}" srcOrd="1" destOrd="0" presId="urn:microsoft.com/office/officeart/2005/8/layout/hierarchy1"/>
+    <dgm:cxn modelId="{9D9C5433-1549-47C4-B069-020B3287097C}" type="presParOf" srcId="{9525C4BF-B71D-4DF6-B5D8-7C3C93628DE9}" destId="{3B4976F8-1C91-4B4A-AF74-A6A32D597C6F}" srcOrd="0" destOrd="0" presId="urn:microsoft.com/office/officeart/2005/8/layout/hierarchy1"/>
+    <dgm:cxn modelId="{9FB6C0E8-723A-4B9D-A362-1B5DC256CB36}" type="presParOf" srcId="{9525C4BF-B71D-4DF6-B5D8-7C3C93628DE9}" destId="{21FF550D-E877-43C1-9C96-8867747CD76B}" srcOrd="1" destOrd="0" presId="urn:microsoft.com/office/officeart/2005/8/layout/hierarchy1"/>
+    <dgm:cxn modelId="{175BB7AC-2DB0-4FEF-A1E4-ABC666368D51}" type="presParOf" srcId="{21FF550D-E877-43C1-9C96-8867747CD76B}" destId="{6513E347-F1D0-4551-BE8C-624BBDE06C92}" srcOrd="0" destOrd="0" presId="urn:microsoft.com/office/officeart/2005/8/layout/hierarchy1"/>
+    <dgm:cxn modelId="{C692657B-EE98-42B4-9F5D-228C8C64C56C}" type="presParOf" srcId="{6513E347-F1D0-4551-BE8C-624BBDE06C92}" destId="{6BAED831-1434-4AE7-8DB7-037BBAC56C31}" srcOrd="0" destOrd="0" presId="urn:microsoft.com/office/officeart/2005/8/layout/hierarchy1"/>
+    <dgm:cxn modelId="{5FE2A403-CE24-409A-8B29-2034B9844647}" type="presParOf" srcId="{6513E347-F1D0-4551-BE8C-624BBDE06C92}" destId="{2CA332BF-C7D5-44C4-86AB-C5F8609888C3}" srcOrd="1" destOrd="0" presId="urn:microsoft.com/office/officeart/2005/8/layout/hierarchy1"/>
+    <dgm:cxn modelId="{D5E96431-9076-42C4-8D5C-C5E4FB49B615}" type="presParOf" srcId="{21FF550D-E877-43C1-9C96-8867747CD76B}" destId="{02A9C2E9-D720-4DC8-8099-7C06137BF772}" srcOrd="1" destOrd="0" presId="urn:microsoft.com/office/officeart/2005/8/layout/hierarchy1"/>
+    <dgm:cxn modelId="{E8512BFF-08DC-4AE6-B807-7369FB713AEB}" type="presParOf" srcId="{9525C4BF-B71D-4DF6-B5D8-7C3C93628DE9}" destId="{82B6CC98-E7D5-4D4E-ACD9-D9D53E7526DB}" srcOrd="2" destOrd="0" presId="urn:microsoft.com/office/officeart/2005/8/layout/hierarchy1"/>
+    <dgm:cxn modelId="{DC9AC2AB-8659-4C2B-A47B-C14D3820D8DF}" type="presParOf" srcId="{9525C4BF-B71D-4DF6-B5D8-7C3C93628DE9}" destId="{FD1E6DF3-1F96-46AD-8241-D014A12C880D}" srcOrd="3" destOrd="0" presId="urn:microsoft.com/office/officeart/2005/8/layout/hierarchy1"/>
+    <dgm:cxn modelId="{6B1945C1-60D3-445E-A46F-C5E23990F2D4}" type="presParOf" srcId="{FD1E6DF3-1F96-46AD-8241-D014A12C880D}" destId="{2B3A8281-D1C9-419D-93FE-4EE025A27E32}" srcOrd="0" destOrd="0" presId="urn:microsoft.com/office/officeart/2005/8/layout/hierarchy1"/>
+    <dgm:cxn modelId="{964576EB-FC5E-455D-B431-6343D0870E06}" type="presParOf" srcId="{2B3A8281-D1C9-419D-93FE-4EE025A27E32}" destId="{54ED80A4-9519-416E-8692-A675E58D6A01}" srcOrd="0" destOrd="0" presId="urn:microsoft.com/office/officeart/2005/8/layout/hierarchy1"/>
+    <dgm:cxn modelId="{EECFADF0-7901-47F2-B00E-5282F2840E37}" type="presParOf" srcId="{2B3A8281-D1C9-419D-93FE-4EE025A27E32}" destId="{62F573A8-C98B-4300-903C-ACC41DE49811}" srcOrd="1" destOrd="0" presId="urn:microsoft.com/office/officeart/2005/8/layout/hierarchy1"/>
+    <dgm:cxn modelId="{15580954-D31A-4BE9-BF7A-C14D2BC348A9}" type="presParOf" srcId="{FD1E6DF3-1F96-46AD-8241-D014A12C880D}" destId="{B89752FF-95A7-474E-A154-DD269E4F5DE4}" srcOrd="1" destOrd="0" presId="urn:microsoft.com/office/officeart/2005/8/layout/hierarchy1"/>
   </dgm:cxnLst>
   <dgm:bg/>
   <dgm:whole/>
@@ -5058,6 +6195,755 @@
 </dsp:drawing>
 </file>
 
+<file path=ppt/diagrams/drawing4.xml><?xml version="1.0" encoding="utf-8"?>
+<dsp:drawing xmlns:dgm="http://schemas.openxmlformats.org/drawingml/2006/diagram" xmlns:dsp="http://schemas.microsoft.com/office/drawing/2008/diagram" xmlns:a="http://schemas.openxmlformats.org/drawingml/2006/main">
+  <dsp:spTree>
+    <dsp:nvGrpSpPr>
+      <dsp:cNvPr id="0" name=""/>
+      <dsp:cNvGrpSpPr/>
+    </dsp:nvGrpSpPr>
+    <dsp:grpSpPr/>
+    <dsp:sp modelId="{82B6CC98-E7D5-4D4E-ACD9-D9D53E7526DB}">
+      <dsp:nvSpPr>
+        <dsp:cNvPr id="0" name=""/>
+        <dsp:cNvSpPr/>
+      </dsp:nvSpPr>
+      <dsp:spPr>
+        <a:xfrm>
+          <a:off x="2841277" y="1079400"/>
+          <a:ext cx="1658541" cy="800206"/>
+        </a:xfrm>
+        <a:custGeom>
+          <a:avLst/>
+          <a:gdLst/>
+          <a:ahLst/>
+          <a:cxnLst/>
+          <a:rect l="0" t="0" r="0" b="0"/>
+          <a:pathLst>
+            <a:path>
+              <a:moveTo>
+                <a:pt x="0" y="0"/>
+              </a:moveTo>
+              <a:lnTo>
+                <a:pt x="0" y="558239"/>
+              </a:lnTo>
+              <a:lnTo>
+                <a:pt x="1658541" y="558239"/>
+              </a:lnTo>
+              <a:lnTo>
+                <a:pt x="1658541" y="800206"/>
+              </a:lnTo>
+            </a:path>
+          </a:pathLst>
+        </a:custGeom>
+        <a:noFill/>
+        <a:ln w="25400" cap="flat" cmpd="sng" algn="ctr">
+          <a:solidFill>
+            <a:schemeClr val="accent1">
+              <a:shade val="60000"/>
+              <a:hueOff val="0"/>
+              <a:satOff val="0"/>
+              <a:lumOff val="0"/>
+              <a:alphaOff val="0"/>
+            </a:schemeClr>
+          </a:solidFill>
+          <a:prstDash val="solid"/>
+        </a:ln>
+        <a:effectLst/>
+        <a:sp3d z="-40000" prstMaterial="matte"/>
+      </dsp:spPr>
+      <dsp:style>
+        <a:lnRef idx="2">
+          <a:scrgbClr r="0" g="0" b="0"/>
+        </a:lnRef>
+        <a:fillRef idx="0">
+          <a:scrgbClr r="0" g="0" b="0"/>
+        </a:fillRef>
+        <a:effectRef idx="0">
+          <a:scrgbClr r="0" g="0" b="0"/>
+        </a:effectRef>
+        <a:fontRef idx="minor"/>
+      </dsp:style>
+    </dsp:sp>
+    <dsp:sp modelId="{3B4976F8-1C91-4B4A-AF74-A6A32D597C6F}">
+      <dsp:nvSpPr>
+        <dsp:cNvPr id="0" name=""/>
+        <dsp:cNvSpPr/>
+      </dsp:nvSpPr>
+      <dsp:spPr>
+        <a:xfrm>
+          <a:off x="1305979" y="1079400"/>
+          <a:ext cx="1535297" cy="800206"/>
+        </a:xfrm>
+        <a:custGeom>
+          <a:avLst/>
+          <a:gdLst/>
+          <a:ahLst/>
+          <a:cxnLst/>
+          <a:rect l="0" t="0" r="0" b="0"/>
+          <a:pathLst>
+            <a:path>
+              <a:moveTo>
+                <a:pt x="1535297" y="0"/>
+              </a:moveTo>
+              <a:lnTo>
+                <a:pt x="1535297" y="558239"/>
+              </a:lnTo>
+              <a:lnTo>
+                <a:pt x="0" y="558239"/>
+              </a:lnTo>
+              <a:lnTo>
+                <a:pt x="0" y="800206"/>
+              </a:lnTo>
+            </a:path>
+          </a:pathLst>
+        </a:custGeom>
+        <a:noFill/>
+        <a:ln w="25400" cap="flat" cmpd="sng" algn="ctr">
+          <a:solidFill>
+            <a:schemeClr val="accent1">
+              <a:shade val="60000"/>
+              <a:hueOff val="0"/>
+              <a:satOff val="0"/>
+              <a:lumOff val="0"/>
+              <a:alphaOff val="0"/>
+            </a:schemeClr>
+          </a:solidFill>
+          <a:prstDash val="solid"/>
+        </a:ln>
+        <a:effectLst/>
+        <a:sp3d z="-40000" prstMaterial="matte"/>
+      </dsp:spPr>
+      <dsp:style>
+        <a:lnRef idx="2">
+          <a:scrgbClr r="0" g="0" b="0"/>
+        </a:lnRef>
+        <a:fillRef idx="0">
+          <a:scrgbClr r="0" g="0" b="0"/>
+        </a:fillRef>
+        <a:effectRef idx="0">
+          <a:scrgbClr r="0" g="0" b="0"/>
+        </a:effectRef>
+        <a:fontRef idx="minor"/>
+      </dsp:style>
+    </dsp:sp>
+    <dsp:sp modelId="{53C24587-0A2B-4FE3-9D3F-3944C820D5B6}">
+      <dsp:nvSpPr>
+        <dsp:cNvPr id="0" name=""/>
+        <dsp:cNvSpPr/>
+      </dsp:nvSpPr>
+      <dsp:spPr>
+        <a:xfrm>
+          <a:off x="1919577" y="308493"/>
+          <a:ext cx="1843398" cy="770906"/>
+        </a:xfrm>
+        <a:prstGeom prst="roundRect">
+          <a:avLst>
+            <a:gd name="adj" fmla="val 10000"/>
+          </a:avLst>
+        </a:prstGeom>
+        <a:solidFill>
+          <a:schemeClr val="accent1">
+            <a:hueOff val="0"/>
+            <a:satOff val="0"/>
+            <a:lumOff val="0"/>
+            <a:alphaOff val="0"/>
+          </a:schemeClr>
+        </a:solidFill>
+        <a:ln>
+          <a:noFill/>
+        </a:ln>
+        <a:effectLst/>
+        <a:scene3d>
+          <a:camera prst="orthographicFront"/>
+          <a:lightRig rig="chilly" dir="t"/>
+        </a:scene3d>
+        <a:sp3d prstMaterial="translucentPowder">
+          <a:bevelT w="127000" h="25400" prst="softRound"/>
+        </a:sp3d>
+      </dsp:spPr>
+      <dsp:style>
+        <a:lnRef idx="0">
+          <a:scrgbClr r="0" g="0" b="0"/>
+        </a:lnRef>
+        <a:fillRef idx="1">
+          <a:scrgbClr r="0" g="0" b="0"/>
+        </a:fillRef>
+        <a:effectRef idx="0">
+          <a:scrgbClr r="0" g="0" b="0"/>
+        </a:effectRef>
+        <a:fontRef idx="minor">
+          <a:schemeClr val="lt1"/>
+        </a:fontRef>
+      </dsp:style>
+    </dsp:sp>
+    <dsp:sp modelId="{633A4F81-F993-47EB-820A-B68DB3A5390E}">
+      <dsp:nvSpPr>
+        <dsp:cNvPr id="0" name=""/>
+        <dsp:cNvSpPr/>
+      </dsp:nvSpPr>
+      <dsp:spPr>
+        <a:xfrm>
+          <a:off x="2209792" y="584197"/>
+          <a:ext cx="1843398" cy="770906"/>
+        </a:xfrm>
+        <a:prstGeom prst="roundRect">
+          <a:avLst>
+            <a:gd name="adj" fmla="val 10000"/>
+          </a:avLst>
+        </a:prstGeom>
+        <a:solidFill>
+          <a:schemeClr val="lt1">
+            <a:alpha val="90000"/>
+            <a:hueOff val="0"/>
+            <a:satOff val="0"/>
+            <a:lumOff val="0"/>
+            <a:alphaOff val="0"/>
+          </a:schemeClr>
+        </a:solidFill>
+        <a:ln w="9525" cap="flat" cmpd="sng" algn="ctr">
+          <a:solidFill>
+            <a:schemeClr val="accent1">
+              <a:hueOff val="0"/>
+              <a:satOff val="0"/>
+              <a:lumOff val="0"/>
+              <a:alphaOff val="0"/>
+            </a:schemeClr>
+          </a:solidFill>
+          <a:prstDash val="solid"/>
+        </a:ln>
+        <a:effectLst/>
+        <a:scene3d>
+          <a:camera prst="orthographicFront"/>
+          <a:lightRig rig="chilly" dir="t"/>
+        </a:scene3d>
+        <a:sp3d z="12700" extrusionH="1700" prstMaterial="dkEdge">
+          <a:bevelT w="25400" h="6350" prst="softRound"/>
+          <a:bevelB w="0" h="0" prst="convex"/>
+        </a:sp3d>
+      </dsp:spPr>
+      <dsp:style>
+        <a:lnRef idx="1">
+          <a:scrgbClr r="0" g="0" b="0"/>
+        </a:lnRef>
+        <a:fillRef idx="1">
+          <a:scrgbClr r="0" g="0" b="0"/>
+        </a:fillRef>
+        <a:effectRef idx="0">
+          <a:scrgbClr r="0" g="0" b="0"/>
+        </a:effectRef>
+        <a:fontRef idx="minor"/>
+      </dsp:style>
+      <dsp:txBody>
+        <a:bodyPr spcFirstLastPara="0" vert="horz" wrap="square" lIns="60960" tIns="60960" rIns="60960" bIns="60960" numCol="1" spcCol="1270" anchor="ctr" anchorCtr="0">
+          <a:noAutofit/>
+        </a:bodyPr>
+        <a:lstStyle/>
+        <a:p>
+          <a:pPr lvl="0" algn="ctr" defTabSz="711200">
+            <a:lnSpc>
+              <a:spcPct val="90000"/>
+            </a:lnSpc>
+            <a:spcBef>
+              <a:spcPct val="0"/>
+            </a:spcBef>
+            <a:spcAft>
+              <a:spcPct val="35000"/>
+            </a:spcAft>
+          </a:pPr>
+          <a:r>
+            <a:rPr lang="en-US" sz="1600" b="1" kern="1200" dirty="0" smtClean="0"/>
+            <a:t>Shared resources</a:t>
+          </a:r>
+          <a:endParaRPr lang="en-US" sz="1600" b="1" kern="1200" dirty="0"/>
+        </a:p>
+      </dsp:txBody>
+      <dsp:txXfrm>
+        <a:off x="2232371" y="606776"/>
+        <a:ext cx="1798240" cy="725748"/>
+      </dsp:txXfrm>
+    </dsp:sp>
+    <dsp:sp modelId="{6BAED831-1434-4AE7-8DB7-037BBAC56C31}">
+      <dsp:nvSpPr>
+        <dsp:cNvPr id="0" name=""/>
+        <dsp:cNvSpPr/>
+      </dsp:nvSpPr>
+      <dsp:spPr>
+        <a:xfrm>
+          <a:off x="12" y="1879606"/>
+          <a:ext cx="2611933" cy="1658577"/>
+        </a:xfrm>
+        <a:prstGeom prst="roundRect">
+          <a:avLst>
+            <a:gd name="adj" fmla="val 10000"/>
+          </a:avLst>
+        </a:prstGeom>
+        <a:solidFill>
+          <a:schemeClr val="accent1">
+            <a:hueOff val="0"/>
+            <a:satOff val="0"/>
+            <a:lumOff val="0"/>
+            <a:alphaOff val="0"/>
+          </a:schemeClr>
+        </a:solidFill>
+        <a:ln>
+          <a:noFill/>
+        </a:ln>
+        <a:effectLst/>
+        <a:scene3d>
+          <a:camera prst="orthographicFront"/>
+          <a:lightRig rig="chilly" dir="t"/>
+        </a:scene3d>
+        <a:sp3d prstMaterial="translucentPowder">
+          <a:bevelT w="127000" h="25400" prst="softRound"/>
+        </a:sp3d>
+      </dsp:spPr>
+      <dsp:style>
+        <a:lnRef idx="0">
+          <a:scrgbClr r="0" g="0" b="0"/>
+        </a:lnRef>
+        <a:fillRef idx="1">
+          <a:scrgbClr r="0" g="0" b="0"/>
+        </a:fillRef>
+        <a:effectRef idx="0">
+          <a:scrgbClr r="0" g="0" b="0"/>
+        </a:effectRef>
+        <a:fontRef idx="minor">
+          <a:schemeClr val="lt1"/>
+        </a:fontRef>
+      </dsp:style>
+    </dsp:sp>
+    <dsp:sp modelId="{2CA332BF-C7D5-44C4-86AB-C5F8609888C3}">
+      <dsp:nvSpPr>
+        <dsp:cNvPr id="0" name=""/>
+        <dsp:cNvSpPr/>
+      </dsp:nvSpPr>
+      <dsp:spPr>
+        <a:xfrm>
+          <a:off x="290227" y="2155310"/>
+          <a:ext cx="2611933" cy="1658577"/>
+        </a:xfrm>
+        <a:prstGeom prst="roundRect">
+          <a:avLst>
+            <a:gd name="adj" fmla="val 10000"/>
+          </a:avLst>
+        </a:prstGeom>
+        <a:solidFill>
+          <a:schemeClr val="lt1">
+            <a:alpha val="90000"/>
+            <a:hueOff val="0"/>
+            <a:satOff val="0"/>
+            <a:lumOff val="0"/>
+            <a:alphaOff val="0"/>
+          </a:schemeClr>
+        </a:solidFill>
+        <a:ln w="9525" cap="flat" cmpd="sng" algn="ctr">
+          <a:solidFill>
+            <a:schemeClr val="accent1">
+              <a:hueOff val="0"/>
+              <a:satOff val="0"/>
+              <a:lumOff val="0"/>
+              <a:alphaOff val="0"/>
+            </a:schemeClr>
+          </a:solidFill>
+          <a:prstDash val="solid"/>
+        </a:ln>
+        <a:effectLst/>
+        <a:scene3d>
+          <a:camera prst="orthographicFront"/>
+          <a:lightRig rig="chilly" dir="t"/>
+        </a:scene3d>
+        <a:sp3d z="12700" extrusionH="1700" prstMaterial="dkEdge">
+          <a:bevelT w="25400" h="6350" prst="softRound"/>
+          <a:bevelB w="0" h="0" prst="convex"/>
+        </a:sp3d>
+      </dsp:spPr>
+      <dsp:style>
+        <a:lnRef idx="1">
+          <a:scrgbClr r="0" g="0" b="0"/>
+        </a:lnRef>
+        <a:fillRef idx="1">
+          <a:scrgbClr r="0" g="0" b="0"/>
+        </a:fillRef>
+        <a:effectRef idx="0">
+          <a:scrgbClr r="0" g="0" b="0"/>
+        </a:effectRef>
+        <a:fontRef idx="minor"/>
+      </dsp:style>
+      <dsp:txBody>
+        <a:bodyPr spcFirstLastPara="0" vert="horz" wrap="square" lIns="60960" tIns="60960" rIns="60960" bIns="60960" numCol="1" spcCol="1270" anchor="ctr" anchorCtr="0">
+          <a:noAutofit/>
+        </a:bodyPr>
+        <a:lstStyle/>
+        <a:p>
+          <a:pPr lvl="0" algn="ctr" defTabSz="711200">
+            <a:lnSpc>
+              <a:spcPct val="90000"/>
+            </a:lnSpc>
+            <a:spcBef>
+              <a:spcPct val="0"/>
+            </a:spcBef>
+            <a:spcAft>
+              <a:spcPct val="35000"/>
+            </a:spcAft>
+          </a:pPr>
+          <a:r>
+            <a:rPr lang="en-US" sz="1600" b="1" kern="1200" dirty="0" smtClean="0"/>
+            <a:t>Physical Resources</a:t>
+          </a:r>
+        </a:p>
+        <a:p>
+          <a:pPr lvl="0" algn="ctr" defTabSz="711200">
+            <a:lnSpc>
+              <a:spcPct val="90000"/>
+            </a:lnSpc>
+            <a:spcBef>
+              <a:spcPct val="0"/>
+            </a:spcBef>
+            <a:spcAft>
+              <a:spcPct val="35000"/>
+            </a:spcAft>
+          </a:pPr>
+          <a:r>
+            <a:rPr lang="en-US" sz="900" kern="1200" dirty="0" smtClean="0"/>
+            <a:t>- resources which can be shared with some dependence on their location </a:t>
+          </a:r>
+        </a:p>
+        <a:p>
+          <a:pPr lvl="0" algn="l" defTabSz="711200">
+            <a:lnSpc>
+              <a:spcPct val="90000"/>
+            </a:lnSpc>
+            <a:spcBef>
+              <a:spcPct val="0"/>
+            </a:spcBef>
+            <a:spcAft>
+              <a:spcPct val="35000"/>
+            </a:spcAft>
+          </a:pPr>
+          <a:endParaRPr lang="en-US" sz="900" kern="1200" dirty="0" smtClean="0"/>
+        </a:p>
+        <a:p>
+          <a:pPr lvl="0" algn="l" defTabSz="711200">
+            <a:lnSpc>
+              <a:spcPct val="90000"/>
+            </a:lnSpc>
+            <a:spcBef>
+              <a:spcPct val="0"/>
+            </a:spcBef>
+            <a:spcAft>
+              <a:spcPct val="35000"/>
+            </a:spcAft>
+          </a:pPr>
+          <a:r>
+            <a:rPr lang="en-US" sz="900" kern="1200" dirty="0" smtClean="0"/>
+            <a:t>Computation power</a:t>
+          </a:r>
+        </a:p>
+        <a:p>
+          <a:pPr lvl="0" algn="l" defTabSz="711200">
+            <a:lnSpc>
+              <a:spcPct val="90000"/>
+            </a:lnSpc>
+            <a:spcBef>
+              <a:spcPct val="0"/>
+            </a:spcBef>
+            <a:spcAft>
+              <a:spcPct val="35000"/>
+            </a:spcAft>
+          </a:pPr>
+          <a:r>
+            <a:rPr lang="en-US" sz="900" kern="1200" dirty="0" smtClean="0"/>
+            <a:t>Storage devices</a:t>
+          </a:r>
+        </a:p>
+        <a:p>
+          <a:pPr lvl="0" algn="l" defTabSz="711200">
+            <a:lnSpc>
+              <a:spcPct val="90000"/>
+            </a:lnSpc>
+            <a:spcBef>
+              <a:spcPct val="0"/>
+            </a:spcBef>
+            <a:spcAft>
+              <a:spcPct val="35000"/>
+            </a:spcAft>
+          </a:pPr>
+          <a:r>
+            <a:rPr lang="en-US" sz="900" kern="1200" dirty="0" smtClean="0"/>
+            <a:t>Communication capacity</a:t>
+          </a:r>
+        </a:p>
+        <a:p>
+          <a:pPr lvl="0" algn="ctr" defTabSz="711200">
+            <a:lnSpc>
+              <a:spcPct val="90000"/>
+            </a:lnSpc>
+            <a:spcBef>
+              <a:spcPct val="0"/>
+            </a:spcBef>
+            <a:spcAft>
+              <a:spcPct val="35000"/>
+            </a:spcAft>
+          </a:pPr>
+          <a:endParaRPr lang="en-US" sz="900" kern="1200" dirty="0"/>
+        </a:p>
+      </dsp:txBody>
+      <dsp:txXfrm>
+        <a:off x="338805" y="2203888"/>
+        <a:ext cx="2514777" cy="1561421"/>
+      </dsp:txXfrm>
+    </dsp:sp>
+    <dsp:sp modelId="{54ED80A4-9519-416E-8692-A675E58D6A01}">
+      <dsp:nvSpPr>
+        <dsp:cNvPr id="0" name=""/>
+        <dsp:cNvSpPr/>
+      </dsp:nvSpPr>
+      <dsp:spPr>
+        <a:xfrm>
+          <a:off x="3193851" y="1879606"/>
+          <a:ext cx="2611933" cy="1658577"/>
+        </a:xfrm>
+        <a:prstGeom prst="roundRect">
+          <a:avLst>
+            <a:gd name="adj" fmla="val 10000"/>
+          </a:avLst>
+        </a:prstGeom>
+        <a:solidFill>
+          <a:schemeClr val="accent1">
+            <a:hueOff val="0"/>
+            <a:satOff val="0"/>
+            <a:lumOff val="0"/>
+            <a:alphaOff val="0"/>
+          </a:schemeClr>
+        </a:solidFill>
+        <a:ln>
+          <a:noFill/>
+        </a:ln>
+        <a:effectLst/>
+        <a:scene3d>
+          <a:camera prst="orthographicFront"/>
+          <a:lightRig rig="chilly" dir="t"/>
+        </a:scene3d>
+        <a:sp3d prstMaterial="translucentPowder">
+          <a:bevelT w="127000" h="25400" prst="softRound"/>
+        </a:sp3d>
+      </dsp:spPr>
+      <dsp:style>
+        <a:lnRef idx="0">
+          <a:scrgbClr r="0" g="0" b="0"/>
+        </a:lnRef>
+        <a:fillRef idx="1">
+          <a:scrgbClr r="0" g="0" b="0"/>
+        </a:fillRef>
+        <a:effectRef idx="0">
+          <a:scrgbClr r="0" g="0" b="0"/>
+        </a:effectRef>
+        <a:fontRef idx="minor">
+          <a:schemeClr val="lt1"/>
+        </a:fontRef>
+      </dsp:style>
+    </dsp:sp>
+    <dsp:sp modelId="{62F573A8-C98B-4300-903C-ACC41DE49811}">
+      <dsp:nvSpPr>
+        <dsp:cNvPr id="0" name=""/>
+        <dsp:cNvSpPr/>
+      </dsp:nvSpPr>
+      <dsp:spPr>
+        <a:xfrm>
+          <a:off x="3484066" y="2155310"/>
+          <a:ext cx="2611933" cy="1658577"/>
+        </a:xfrm>
+        <a:prstGeom prst="roundRect">
+          <a:avLst>
+            <a:gd name="adj" fmla="val 10000"/>
+          </a:avLst>
+        </a:prstGeom>
+        <a:solidFill>
+          <a:schemeClr val="lt1">
+            <a:alpha val="90000"/>
+            <a:hueOff val="0"/>
+            <a:satOff val="0"/>
+            <a:lumOff val="0"/>
+            <a:alphaOff val="0"/>
+          </a:schemeClr>
+        </a:solidFill>
+        <a:ln w="9525" cap="flat" cmpd="sng" algn="ctr">
+          <a:solidFill>
+            <a:schemeClr val="accent1">
+              <a:hueOff val="0"/>
+              <a:satOff val="0"/>
+              <a:lumOff val="0"/>
+              <a:alphaOff val="0"/>
+            </a:schemeClr>
+          </a:solidFill>
+          <a:prstDash val="solid"/>
+        </a:ln>
+        <a:effectLst/>
+        <a:scene3d>
+          <a:camera prst="orthographicFront"/>
+          <a:lightRig rig="chilly" dir="t"/>
+        </a:scene3d>
+        <a:sp3d z="12700" extrusionH="1700" prstMaterial="dkEdge">
+          <a:bevelT w="25400" h="6350" prst="softRound"/>
+          <a:bevelB w="0" h="0" prst="convex"/>
+        </a:sp3d>
+      </dsp:spPr>
+      <dsp:style>
+        <a:lnRef idx="1">
+          <a:scrgbClr r="0" g="0" b="0"/>
+        </a:lnRef>
+        <a:fillRef idx="1">
+          <a:scrgbClr r="0" g="0" b="0"/>
+        </a:fillRef>
+        <a:effectRef idx="0">
+          <a:scrgbClr r="0" g="0" b="0"/>
+        </a:effectRef>
+        <a:fontRef idx="minor"/>
+      </dsp:style>
+      <dsp:txBody>
+        <a:bodyPr spcFirstLastPara="0" vert="horz" wrap="square" lIns="60960" tIns="60960" rIns="60960" bIns="60960" numCol="1" spcCol="1270" anchor="ctr" anchorCtr="0">
+          <a:noAutofit/>
+        </a:bodyPr>
+        <a:lstStyle/>
+        <a:p>
+          <a:pPr lvl="0" algn="ctr" defTabSz="711200">
+            <a:lnSpc>
+              <a:spcPct val="90000"/>
+            </a:lnSpc>
+            <a:spcBef>
+              <a:spcPct val="0"/>
+            </a:spcBef>
+            <a:spcAft>
+              <a:spcPct val="35000"/>
+            </a:spcAft>
+          </a:pPr>
+          <a:r>
+            <a:rPr lang="en-US" sz="1600" b="1" kern="1200" dirty="0" smtClean="0"/>
+            <a:t>Virtual Resources</a:t>
+          </a:r>
+        </a:p>
+        <a:p>
+          <a:pPr lvl="0" algn="ctr" defTabSz="711200">
+            <a:lnSpc>
+              <a:spcPct val="90000"/>
+            </a:lnSpc>
+            <a:spcBef>
+              <a:spcPct val="0"/>
+            </a:spcBef>
+            <a:spcAft>
+              <a:spcPct val="35000"/>
+            </a:spcAft>
+          </a:pPr>
+          <a:r>
+            <a:rPr lang="en-US" sz="900" kern="1200" dirty="0" smtClean="0"/>
+            <a:t>-resources which can be shared </a:t>
+          </a:r>
+          <a:r>
+            <a:rPr lang="en-US" sz="900" kern="1200" dirty="0" smtClean="0"/>
+            <a:t>independent of their </a:t>
+          </a:r>
+          <a:r>
+            <a:rPr lang="en-US" sz="900" kern="1200" dirty="0" smtClean="0"/>
+            <a:t>physical location</a:t>
+          </a:r>
+        </a:p>
+        <a:p>
+          <a:pPr lvl="0" algn="ctr" defTabSz="711200">
+            <a:lnSpc>
+              <a:spcPct val="90000"/>
+            </a:lnSpc>
+            <a:spcBef>
+              <a:spcPct val="0"/>
+            </a:spcBef>
+            <a:spcAft>
+              <a:spcPct val="35000"/>
+            </a:spcAft>
+          </a:pPr>
+          <a:r>
+            <a:rPr lang="en-US" sz="900" kern="1200" dirty="0" smtClean="0"/>
+            <a:t> </a:t>
+          </a:r>
+        </a:p>
+        <a:p>
+          <a:pPr lvl="0" algn="l" defTabSz="711200">
+            <a:lnSpc>
+              <a:spcPct val="90000"/>
+            </a:lnSpc>
+            <a:spcBef>
+              <a:spcPct val="0"/>
+            </a:spcBef>
+            <a:spcAft>
+              <a:spcPct val="35000"/>
+            </a:spcAft>
+          </a:pPr>
+          <a:r>
+            <a:rPr lang="en-US" sz="900" kern="1200" dirty="0" smtClean="0"/>
+            <a:t>Operating systems</a:t>
+          </a:r>
+        </a:p>
+        <a:p>
+          <a:pPr lvl="0" algn="l" defTabSz="711200">
+            <a:lnSpc>
+              <a:spcPct val="90000"/>
+            </a:lnSpc>
+            <a:spcBef>
+              <a:spcPct val="0"/>
+            </a:spcBef>
+            <a:spcAft>
+              <a:spcPct val="35000"/>
+            </a:spcAft>
+          </a:pPr>
+          <a:r>
+            <a:rPr lang="en-US" sz="900" kern="1200" dirty="0" smtClean="0"/>
+            <a:t>Software and licenses</a:t>
+          </a:r>
+        </a:p>
+        <a:p>
+          <a:pPr lvl="0" algn="l" defTabSz="711200">
+            <a:lnSpc>
+              <a:spcPct val="90000"/>
+            </a:lnSpc>
+            <a:spcBef>
+              <a:spcPct val="0"/>
+            </a:spcBef>
+            <a:spcAft>
+              <a:spcPct val="35000"/>
+            </a:spcAft>
+          </a:pPr>
+          <a:r>
+            <a:rPr lang="en-US" sz="900" kern="1200" dirty="0" smtClean="0"/>
+            <a:t>Tasks and applications </a:t>
+          </a:r>
+        </a:p>
+        <a:p>
+          <a:pPr lvl="0" algn="l" defTabSz="711200">
+            <a:lnSpc>
+              <a:spcPct val="90000"/>
+            </a:lnSpc>
+            <a:spcBef>
+              <a:spcPct val="0"/>
+            </a:spcBef>
+            <a:spcAft>
+              <a:spcPct val="35000"/>
+            </a:spcAft>
+          </a:pPr>
+          <a:r>
+            <a:rPr lang="en-US" sz="900" kern="1200" dirty="0" smtClean="0"/>
+            <a:t>Services</a:t>
+          </a:r>
+          <a:endParaRPr lang="en-US" sz="900" kern="1200" dirty="0"/>
+        </a:p>
+      </dsp:txBody>
+      <dsp:txXfrm>
+        <a:off x="3532644" y="2203888"/>
+        <a:ext cx="2514777" cy="1561421"/>
+      </dsp:txXfrm>
+    </dsp:sp>
+  </dsp:spTree>
+</dsp:drawing>
+</file>
+
 <file path=ppt/diagrams/layout1.xml><?xml version="1.0" encoding="utf-8"?>
 <dgm:layoutDef xmlns:dgm="http://schemas.openxmlformats.org/drawingml/2006/diagram" xmlns:a="http://schemas.openxmlformats.org/drawingml/2006/main" uniqueId="urn:microsoft.com/office/officeart/2005/8/layout/chevron1">
   <dgm:title val=""/>
@@ -5907,6 +7793,569 @@
 </dgm:layoutDef>
 </file>
 
+<file path=ppt/diagrams/layout4.xml><?xml version="1.0" encoding="utf-8"?>
+<dgm:layoutDef xmlns:dgm="http://schemas.openxmlformats.org/drawingml/2006/diagram" xmlns:a="http://schemas.openxmlformats.org/drawingml/2006/main" uniqueId="urn:microsoft.com/office/officeart/2005/8/layout/hierarchy1">
+  <dgm:title val=""/>
+  <dgm:desc val=""/>
+  <dgm:catLst>
+    <dgm:cat type="hierarchy" pri="2000"/>
+  </dgm:catLst>
+  <dgm:sampData>
+    <dgm:dataModel>
+      <dgm:ptLst>
+        <dgm:pt modelId="0" type="doc"/>
+        <dgm:pt modelId="1">
+          <dgm:prSet phldr="1"/>
+        </dgm:pt>
+        <dgm:pt modelId="2">
+          <dgm:prSet phldr="1"/>
+        </dgm:pt>
+        <dgm:pt modelId="21">
+          <dgm:prSet phldr="1"/>
+        </dgm:pt>
+        <dgm:pt modelId="22">
+          <dgm:prSet phldr="1"/>
+        </dgm:pt>
+        <dgm:pt modelId="3">
+          <dgm:prSet phldr="1"/>
+        </dgm:pt>
+        <dgm:pt modelId="31">
+          <dgm:prSet phldr="1"/>
+        </dgm:pt>
+      </dgm:ptLst>
+      <dgm:cxnLst>
+        <dgm:cxn modelId="4" srcId="0" destId="1" srcOrd="0" destOrd="0"/>
+        <dgm:cxn modelId="5" srcId="1" destId="2" srcOrd="0" destOrd="0"/>
+        <dgm:cxn modelId="6" srcId="1" destId="3" srcOrd="1" destOrd="0"/>
+        <dgm:cxn modelId="23" srcId="2" destId="21" srcOrd="0" destOrd="0"/>
+        <dgm:cxn modelId="24" srcId="2" destId="22" srcOrd="1" destOrd="0"/>
+        <dgm:cxn modelId="33" srcId="3" destId="31" srcOrd="0" destOrd="0"/>
+      </dgm:cxnLst>
+      <dgm:bg/>
+      <dgm:whole/>
+    </dgm:dataModel>
+  </dgm:sampData>
+  <dgm:styleData>
+    <dgm:dataModel>
+      <dgm:ptLst>
+        <dgm:pt modelId="0" type="doc"/>
+        <dgm:pt modelId="1"/>
+        <dgm:pt modelId="11"/>
+        <dgm:pt modelId="12"/>
+      </dgm:ptLst>
+      <dgm:cxnLst>
+        <dgm:cxn modelId="2" srcId="0" destId="1" srcOrd="0" destOrd="0"/>
+        <dgm:cxn modelId="13" srcId="1" destId="11" srcOrd="0" destOrd="0"/>
+        <dgm:cxn modelId="14" srcId="1" destId="12" srcOrd="1" destOrd="0"/>
+      </dgm:cxnLst>
+      <dgm:bg/>
+      <dgm:whole/>
+    </dgm:dataModel>
+  </dgm:styleData>
+  <dgm:clrData>
+    <dgm:dataModel>
+      <dgm:ptLst>
+        <dgm:pt modelId="0" type="doc"/>
+        <dgm:pt modelId="1"/>
+        <dgm:pt modelId="2"/>
+        <dgm:pt modelId="21"/>
+        <dgm:pt modelId="211"/>
+        <dgm:pt modelId="3"/>
+        <dgm:pt modelId="31"/>
+        <dgm:pt modelId="311"/>
+      </dgm:ptLst>
+      <dgm:cxnLst>
+        <dgm:cxn modelId="4" srcId="0" destId="1" srcOrd="0" destOrd="0"/>
+        <dgm:cxn modelId="5" srcId="1" destId="2" srcOrd="0" destOrd="0"/>
+        <dgm:cxn modelId="6" srcId="1" destId="3" srcOrd="1" destOrd="0"/>
+        <dgm:cxn modelId="23" srcId="2" destId="21" srcOrd="0" destOrd="0"/>
+        <dgm:cxn modelId="24" srcId="21" destId="211" srcOrd="0" destOrd="0"/>
+        <dgm:cxn modelId="33" srcId="3" destId="31" srcOrd="0" destOrd="0"/>
+        <dgm:cxn modelId="34" srcId="31" destId="311" srcOrd="0" destOrd="0"/>
+      </dgm:cxnLst>
+      <dgm:bg/>
+      <dgm:whole/>
+    </dgm:dataModel>
+  </dgm:clrData>
+  <dgm:layoutNode name="hierChild1">
+    <dgm:varLst>
+      <dgm:chPref val="1"/>
+      <dgm:dir/>
+      <dgm:animOne val="branch"/>
+      <dgm:animLvl val="lvl"/>
+      <dgm:resizeHandles/>
+    </dgm:varLst>
+    <dgm:choose name="Name0">
+      <dgm:if name="Name1" func="var" arg="dir" op="equ" val="norm">
+        <dgm:alg type="hierChild">
+          <dgm:param type="linDir" val="fromL"/>
+        </dgm:alg>
+      </dgm:if>
+      <dgm:else name="Name2">
+        <dgm:alg type="hierChild">
+          <dgm:param type="linDir" val="fromR"/>
+        </dgm:alg>
+      </dgm:else>
+    </dgm:choose>
+    <dgm:shape xmlns:r="http://schemas.openxmlformats.org/officeDocument/2006/relationships" r:blip="">
+      <dgm:adjLst/>
+    </dgm:shape>
+    <dgm:presOf/>
+    <dgm:constrLst>
+      <dgm:constr type="primFontSz" for="des" ptType="node" op="equ" val="65"/>
+      <dgm:constr type="w" for="des" forName="composite" refType="w"/>
+      <dgm:constr type="h" for="des" forName="composite" refType="w" refFor="des" refForName="composite" fact="0.667"/>
+      <dgm:constr type="w" for="des" forName="composite2" refType="w" refFor="des" refForName="composite"/>
+      <dgm:constr type="h" for="des" forName="composite2" refType="h" refFor="des" refForName="composite"/>
+      <dgm:constr type="w" for="des" forName="composite3" refType="w" refFor="des" refForName="composite"/>
+      <dgm:constr type="h" for="des" forName="composite3" refType="h" refFor="des" refForName="composite"/>
+      <dgm:constr type="w" for="des" forName="composite4" refType="w" refFor="des" refForName="composite"/>
+      <dgm:constr type="h" for="des" forName="composite4" refType="h" refFor="des" refForName="composite"/>
+      <dgm:constr type="w" for="des" forName="composite5" refType="w" refFor="des" refForName="composite"/>
+      <dgm:constr type="h" for="des" forName="composite5" refType="h" refFor="des" refForName="composite"/>
+      <dgm:constr type="sibSp" refType="w" refFor="des" refForName="composite" fact="0.1"/>
+      <dgm:constr type="sibSp" for="des" forName="hierChild2" refType="sibSp"/>
+      <dgm:constr type="sibSp" for="des" forName="hierChild3" refType="sibSp"/>
+      <dgm:constr type="sibSp" for="des" forName="hierChild4" refType="sibSp"/>
+      <dgm:constr type="sibSp" for="des" forName="hierChild5" refType="sibSp"/>
+      <dgm:constr type="sibSp" for="des" forName="hierChild6" refType="sibSp"/>
+      <dgm:constr type="sp" for="des" forName="hierRoot1" refType="h" refFor="des" refForName="composite" fact="0.25"/>
+      <dgm:constr type="sp" for="des" forName="hierRoot2" refType="sp" refFor="des" refForName="hierRoot1"/>
+      <dgm:constr type="sp" for="des" forName="hierRoot3" refType="sp" refFor="des" refForName="hierRoot1"/>
+      <dgm:constr type="sp" for="des" forName="hierRoot4" refType="sp" refFor="des" refForName="hierRoot1"/>
+      <dgm:constr type="sp" for="des" forName="hierRoot5" refType="sp" refFor="des" refForName="hierRoot1"/>
+    </dgm:constrLst>
+    <dgm:ruleLst/>
+    <dgm:forEach name="Name3" axis="ch">
+      <dgm:forEach name="Name4" axis="self" ptType="node">
+        <dgm:layoutNode name="hierRoot1">
+          <dgm:alg type="hierRoot"/>
+          <dgm:shape xmlns:r="http://schemas.openxmlformats.org/officeDocument/2006/relationships" r:blip="">
+            <dgm:adjLst/>
+          </dgm:shape>
+          <dgm:presOf/>
+          <dgm:constrLst>
+            <dgm:constr type="bendDist" for="des" ptType="parTrans" refType="sp" fact="0.5"/>
+          </dgm:constrLst>
+          <dgm:ruleLst/>
+          <dgm:layoutNode name="composite">
+            <dgm:alg type="composite"/>
+            <dgm:shape xmlns:r="http://schemas.openxmlformats.org/officeDocument/2006/relationships" r:blip="">
+              <dgm:adjLst/>
+            </dgm:shape>
+            <dgm:presOf/>
+            <dgm:constrLst>
+              <dgm:constr type="w" for="ch" forName="background" refType="w" fact="0.9"/>
+              <dgm:constr type="h" for="ch" forName="background" refType="w" refFor="ch" refForName="background" fact="0.635"/>
+              <dgm:constr type="t" for="ch" forName="background"/>
+              <dgm:constr type="l" for="ch" forName="background"/>
+              <dgm:constr type="w" for="ch" forName="text" refType="w" fact="0.9"/>
+              <dgm:constr type="h" for="ch" forName="text" refType="w" refFor="ch" refForName="text" fact="0.635"/>
+              <dgm:constr type="t" for="ch" forName="text" refType="w" fact="0.095"/>
+              <dgm:constr type="l" for="ch" forName="text" refType="w" fact="0.1"/>
+            </dgm:constrLst>
+            <dgm:ruleLst/>
+            <dgm:layoutNode name="background" styleLbl="node0" moveWith="text">
+              <dgm:alg type="sp"/>
+              <dgm:shape xmlns:r="http://schemas.openxmlformats.org/officeDocument/2006/relationships" type="roundRect" r:blip="">
+                <dgm:adjLst>
+                  <dgm:adj idx="1" val="0.1"/>
+                </dgm:adjLst>
+              </dgm:shape>
+              <dgm:presOf/>
+              <dgm:constrLst/>
+              <dgm:ruleLst/>
+            </dgm:layoutNode>
+            <dgm:layoutNode name="text" styleLbl="fgAcc0">
+              <dgm:varLst>
+                <dgm:chPref val="3"/>
+              </dgm:varLst>
+              <dgm:alg type="tx"/>
+              <dgm:shape xmlns:r="http://schemas.openxmlformats.org/officeDocument/2006/relationships" type="roundRect" r:blip="">
+                <dgm:adjLst>
+                  <dgm:adj idx="1" val="0.1"/>
+                </dgm:adjLst>
+              </dgm:shape>
+              <dgm:presOf axis="self"/>
+              <dgm:constrLst>
+                <dgm:constr type="tMarg" refType="primFontSz" fact="0.3"/>
+                <dgm:constr type="bMarg" refType="primFontSz" fact="0.3"/>
+                <dgm:constr type="lMarg" refType="primFontSz" fact="0.3"/>
+                <dgm:constr type="rMarg" refType="primFontSz" fact="0.3"/>
+              </dgm:constrLst>
+              <dgm:ruleLst>
+                <dgm:rule type="primFontSz" val="5" fact="NaN" max="NaN"/>
+              </dgm:ruleLst>
+            </dgm:layoutNode>
+          </dgm:layoutNode>
+          <dgm:layoutNode name="hierChild2">
+            <dgm:choose name="Name5">
+              <dgm:if name="Name6" func="var" arg="dir" op="equ" val="norm">
+                <dgm:alg type="hierChild">
+                  <dgm:param type="linDir" val="fromL"/>
+                </dgm:alg>
+              </dgm:if>
+              <dgm:else name="Name7">
+                <dgm:alg type="hierChild">
+                  <dgm:param type="linDir" val="fromR"/>
+                </dgm:alg>
+              </dgm:else>
+            </dgm:choose>
+            <dgm:shape xmlns:r="http://schemas.openxmlformats.org/officeDocument/2006/relationships" r:blip="">
+              <dgm:adjLst/>
+            </dgm:shape>
+            <dgm:presOf/>
+            <dgm:constrLst/>
+            <dgm:ruleLst/>
+            <dgm:forEach name="Name8" axis="ch">
+              <dgm:forEach name="Name9" axis="self" ptType="parTrans" cnt="1">
+                <dgm:layoutNode name="Name10">
+                  <dgm:alg type="conn">
+                    <dgm:param type="dim" val="1D"/>
+                    <dgm:param type="endSty" val="noArr"/>
+                    <dgm:param type="connRout" val="bend"/>
+                    <dgm:param type="bendPt" val="end"/>
+                    <dgm:param type="begPts" val="bCtr"/>
+                    <dgm:param type="endPts" val="tCtr"/>
+                    <dgm:param type="srcNode" val="background"/>
+                    <dgm:param type="dstNode" val="background2"/>
+                  </dgm:alg>
+                  <dgm:shape xmlns:r="http://schemas.openxmlformats.org/officeDocument/2006/relationships" type="conn" r:blip="" zOrderOff="-999">
+                    <dgm:adjLst/>
+                  </dgm:shape>
+                  <dgm:presOf axis="self"/>
+                  <dgm:constrLst>
+                    <dgm:constr type="begPad"/>
+                    <dgm:constr type="endPad"/>
+                  </dgm:constrLst>
+                  <dgm:ruleLst/>
+                </dgm:layoutNode>
+              </dgm:forEach>
+              <dgm:forEach name="Name11" axis="self" ptType="node">
+                <dgm:layoutNode name="hierRoot2">
+                  <dgm:alg type="hierRoot"/>
+                  <dgm:shape xmlns:r="http://schemas.openxmlformats.org/officeDocument/2006/relationships" r:blip="">
+                    <dgm:adjLst/>
+                  </dgm:shape>
+                  <dgm:presOf/>
+                  <dgm:constrLst>
+                    <dgm:constr type="bendDist" for="des" ptType="parTrans" refType="sp" fact="0.5"/>
+                  </dgm:constrLst>
+                  <dgm:ruleLst/>
+                  <dgm:layoutNode name="composite2">
+                    <dgm:alg type="composite"/>
+                    <dgm:shape xmlns:r="http://schemas.openxmlformats.org/officeDocument/2006/relationships" r:blip="">
+                      <dgm:adjLst/>
+                    </dgm:shape>
+                    <dgm:presOf/>
+                    <dgm:constrLst>
+                      <dgm:constr type="w" for="ch" forName="background2" refType="w" fact="0.9"/>
+                      <dgm:constr type="h" for="ch" forName="background2" refType="w" refFor="ch" refForName="background2" fact="0.635"/>
+                      <dgm:constr type="t" for="ch" forName="background2"/>
+                      <dgm:constr type="l" for="ch" forName="background2"/>
+                      <dgm:constr type="w" for="ch" forName="text2" refType="w" fact="0.9"/>
+                      <dgm:constr type="h" for="ch" forName="text2" refType="w" refFor="ch" refForName="text2" fact="0.635"/>
+                      <dgm:constr type="t" for="ch" forName="text2" refType="w" fact="0.095"/>
+                      <dgm:constr type="l" for="ch" forName="text2" refType="w" fact="0.1"/>
+                    </dgm:constrLst>
+                    <dgm:ruleLst/>
+                    <dgm:layoutNode name="background2" moveWith="text2">
+                      <dgm:alg type="sp"/>
+                      <dgm:shape xmlns:r="http://schemas.openxmlformats.org/officeDocument/2006/relationships" type="roundRect" r:blip="">
+                        <dgm:adjLst>
+                          <dgm:adj idx="1" val="0.1"/>
+                        </dgm:adjLst>
+                      </dgm:shape>
+                      <dgm:presOf/>
+                      <dgm:constrLst/>
+                      <dgm:ruleLst/>
+                    </dgm:layoutNode>
+                    <dgm:layoutNode name="text2" styleLbl="fgAcc2">
+                      <dgm:varLst>
+                        <dgm:chPref val="3"/>
+                      </dgm:varLst>
+                      <dgm:alg type="tx"/>
+                      <dgm:shape xmlns:r="http://schemas.openxmlformats.org/officeDocument/2006/relationships" type="roundRect" r:blip="">
+                        <dgm:adjLst>
+                          <dgm:adj idx="1" val="0.1"/>
+                        </dgm:adjLst>
+                      </dgm:shape>
+                      <dgm:presOf axis="self"/>
+                      <dgm:constrLst>
+                        <dgm:constr type="tMarg" refType="primFontSz" fact="0.3"/>
+                        <dgm:constr type="bMarg" refType="primFontSz" fact="0.3"/>
+                        <dgm:constr type="lMarg" refType="primFontSz" fact="0.3"/>
+                        <dgm:constr type="rMarg" refType="primFontSz" fact="0.3"/>
+                      </dgm:constrLst>
+                      <dgm:ruleLst>
+                        <dgm:rule type="primFontSz" val="5" fact="NaN" max="NaN"/>
+                      </dgm:ruleLst>
+                    </dgm:layoutNode>
+                  </dgm:layoutNode>
+                  <dgm:layoutNode name="hierChild3">
+                    <dgm:choose name="Name12">
+                      <dgm:if name="Name13" func="var" arg="dir" op="equ" val="norm">
+                        <dgm:alg type="hierChild">
+                          <dgm:param type="linDir" val="fromL"/>
+                        </dgm:alg>
+                      </dgm:if>
+                      <dgm:else name="Name14">
+                        <dgm:alg type="hierChild">
+                          <dgm:param type="linDir" val="fromR"/>
+                        </dgm:alg>
+                      </dgm:else>
+                    </dgm:choose>
+                    <dgm:shape xmlns:r="http://schemas.openxmlformats.org/officeDocument/2006/relationships" r:blip="">
+                      <dgm:adjLst/>
+                    </dgm:shape>
+                    <dgm:presOf/>
+                    <dgm:constrLst/>
+                    <dgm:ruleLst/>
+                    <dgm:forEach name="Name15" axis="ch">
+                      <dgm:forEach name="Name16" axis="self" ptType="parTrans" cnt="1">
+                        <dgm:layoutNode name="Name17">
+                          <dgm:alg type="conn">
+                            <dgm:param type="dim" val="1D"/>
+                            <dgm:param type="endSty" val="noArr"/>
+                            <dgm:param type="connRout" val="bend"/>
+                            <dgm:param type="bendPt" val="end"/>
+                            <dgm:param type="begPts" val="bCtr"/>
+                            <dgm:param type="endPts" val="tCtr"/>
+                            <dgm:param type="srcNode" val="background2"/>
+                            <dgm:param type="dstNode" val="background3"/>
+                          </dgm:alg>
+                          <dgm:shape xmlns:r="http://schemas.openxmlformats.org/officeDocument/2006/relationships" type="conn" r:blip="" zOrderOff="-999">
+                            <dgm:adjLst/>
+                          </dgm:shape>
+                          <dgm:presOf axis="self"/>
+                          <dgm:constrLst>
+                            <dgm:constr type="begPad"/>
+                            <dgm:constr type="endPad"/>
+                          </dgm:constrLst>
+                          <dgm:ruleLst/>
+                        </dgm:layoutNode>
+                      </dgm:forEach>
+                      <dgm:forEach name="Name18" axis="self" ptType="node">
+                        <dgm:layoutNode name="hierRoot3">
+                          <dgm:alg type="hierRoot"/>
+                          <dgm:shape xmlns:r="http://schemas.openxmlformats.org/officeDocument/2006/relationships" r:blip="">
+                            <dgm:adjLst/>
+                          </dgm:shape>
+                          <dgm:presOf/>
+                          <dgm:constrLst>
+                            <dgm:constr type="bendDist" for="des" ptType="parTrans" refType="sp" fact="0.5"/>
+                          </dgm:constrLst>
+                          <dgm:ruleLst/>
+                          <dgm:layoutNode name="composite3">
+                            <dgm:alg type="composite"/>
+                            <dgm:shape xmlns:r="http://schemas.openxmlformats.org/officeDocument/2006/relationships" r:blip="">
+                              <dgm:adjLst/>
+                            </dgm:shape>
+                            <dgm:presOf/>
+                            <dgm:constrLst>
+                              <dgm:constr type="w" for="ch" forName="background3" refType="w" fact="0.9"/>
+                              <dgm:constr type="h" for="ch" forName="background3" refType="w" refFor="ch" refForName="background3" fact="0.635"/>
+                              <dgm:constr type="t" for="ch" forName="background3"/>
+                              <dgm:constr type="l" for="ch" forName="background3"/>
+                              <dgm:constr type="w" for="ch" forName="text3" refType="w" fact="0.9"/>
+                              <dgm:constr type="h" for="ch" forName="text3" refType="w" refFor="ch" refForName="text3" fact="0.635"/>
+                              <dgm:constr type="t" for="ch" forName="text3" refType="w" fact="0.095"/>
+                              <dgm:constr type="l" for="ch" forName="text3" refType="w" fact="0.1"/>
+                            </dgm:constrLst>
+                            <dgm:ruleLst/>
+                            <dgm:layoutNode name="background3" moveWith="text3">
+                              <dgm:alg type="sp"/>
+                              <dgm:shape xmlns:r="http://schemas.openxmlformats.org/officeDocument/2006/relationships" type="roundRect" r:blip="">
+                                <dgm:adjLst>
+                                  <dgm:adj idx="1" val="0.1"/>
+                                </dgm:adjLst>
+                              </dgm:shape>
+                              <dgm:presOf/>
+                              <dgm:constrLst/>
+                              <dgm:ruleLst/>
+                            </dgm:layoutNode>
+                            <dgm:layoutNode name="text3" styleLbl="fgAcc3">
+                              <dgm:varLst>
+                                <dgm:chPref val="3"/>
+                              </dgm:varLst>
+                              <dgm:alg type="tx"/>
+                              <dgm:shape xmlns:r="http://schemas.openxmlformats.org/officeDocument/2006/relationships" type="roundRect" r:blip="">
+                                <dgm:adjLst>
+                                  <dgm:adj idx="1" val="0.1"/>
+                                </dgm:adjLst>
+                              </dgm:shape>
+                              <dgm:presOf axis="self"/>
+                              <dgm:constrLst>
+                                <dgm:constr type="tMarg" refType="primFontSz" fact="0.3"/>
+                                <dgm:constr type="bMarg" refType="primFontSz" fact="0.3"/>
+                                <dgm:constr type="lMarg" refType="primFontSz" fact="0.3"/>
+                                <dgm:constr type="rMarg" refType="primFontSz" fact="0.3"/>
+                              </dgm:constrLst>
+                              <dgm:ruleLst>
+                                <dgm:rule type="primFontSz" val="5" fact="NaN" max="NaN"/>
+                              </dgm:ruleLst>
+                            </dgm:layoutNode>
+                          </dgm:layoutNode>
+                          <dgm:layoutNode name="hierChild4">
+                            <dgm:choose name="Name19">
+                              <dgm:if name="Name20" func="var" arg="dir" op="equ" val="norm">
+                                <dgm:alg type="hierChild">
+                                  <dgm:param type="linDir" val="fromL"/>
+                                </dgm:alg>
+                              </dgm:if>
+                              <dgm:else name="Name21">
+                                <dgm:alg type="hierChild">
+                                  <dgm:param type="linDir" val="fromR"/>
+                                </dgm:alg>
+                              </dgm:else>
+                            </dgm:choose>
+                            <dgm:shape xmlns:r="http://schemas.openxmlformats.org/officeDocument/2006/relationships" r:blip="">
+                              <dgm:adjLst/>
+                            </dgm:shape>
+                            <dgm:presOf/>
+                            <dgm:constrLst/>
+                            <dgm:ruleLst/>
+                            <dgm:forEach name="repeat" axis="ch">
+                              <dgm:forEach name="Name22" axis="self" ptType="parTrans" cnt="1">
+                                <dgm:layoutNode name="Name23">
+                                  <dgm:choose name="Name24">
+                                    <dgm:if name="Name25" axis="self" func="depth" op="lte" val="4">
+                                      <dgm:alg type="conn">
+                                        <dgm:param type="dim" val="1D"/>
+                                        <dgm:param type="endSty" val="noArr"/>
+                                        <dgm:param type="connRout" val="bend"/>
+                                        <dgm:param type="bendPt" val="end"/>
+                                        <dgm:param type="begPts" val="bCtr"/>
+                                        <dgm:param type="endPts" val="tCtr"/>
+                                        <dgm:param type="srcNode" val="background3"/>
+                                        <dgm:param type="dstNode" val="background4"/>
+                                      </dgm:alg>
+                                    </dgm:if>
+                                    <dgm:else name="Name26">
+                                      <dgm:alg type="conn">
+                                        <dgm:param type="dim" val="1D"/>
+                                        <dgm:param type="endSty" val="noArr"/>
+                                        <dgm:param type="connRout" val="bend"/>
+                                        <dgm:param type="bendPt" val="end"/>
+                                        <dgm:param type="begPts" val="bCtr"/>
+                                        <dgm:param type="endPts" val="tCtr"/>
+                                        <dgm:param type="srcNode" val="background4"/>
+                                        <dgm:param type="dstNode" val="background4"/>
+                                      </dgm:alg>
+                                    </dgm:else>
+                                  </dgm:choose>
+                                  <dgm:shape xmlns:r="http://schemas.openxmlformats.org/officeDocument/2006/relationships" type="conn" r:blip="" zOrderOff="-999">
+                                    <dgm:adjLst/>
+                                  </dgm:shape>
+                                  <dgm:presOf axis="self"/>
+                                  <dgm:constrLst>
+                                    <dgm:constr type="begPad"/>
+                                    <dgm:constr type="endPad"/>
+                                  </dgm:constrLst>
+                                  <dgm:ruleLst/>
+                                </dgm:layoutNode>
+                              </dgm:forEach>
+                              <dgm:forEach name="Name27" axis="self" ptType="node">
+                                <dgm:layoutNode name="hierRoot4">
+                                  <dgm:alg type="hierRoot"/>
+                                  <dgm:shape xmlns:r="http://schemas.openxmlformats.org/officeDocument/2006/relationships" r:blip="">
+                                    <dgm:adjLst/>
+                                  </dgm:shape>
+                                  <dgm:presOf/>
+                                  <dgm:constrLst>
+                                    <dgm:constr type="bendDist" for="des" ptType="parTrans" refType="sp" fact="0.5"/>
+                                  </dgm:constrLst>
+                                  <dgm:ruleLst/>
+                                  <dgm:layoutNode name="composite4">
+                                    <dgm:alg type="composite"/>
+                                    <dgm:shape xmlns:r="http://schemas.openxmlformats.org/officeDocument/2006/relationships" r:blip="">
+                                      <dgm:adjLst/>
+                                    </dgm:shape>
+                                    <dgm:presOf/>
+                                    <dgm:constrLst>
+                                      <dgm:constr type="w" for="ch" forName="background4" refType="w" fact="0.9"/>
+                                      <dgm:constr type="h" for="ch" forName="background4" refType="w" refFor="ch" refForName="background4" fact="0.635"/>
+                                      <dgm:constr type="t" for="ch" forName="background4"/>
+                                      <dgm:constr type="l" for="ch" forName="background4"/>
+                                      <dgm:constr type="w" for="ch" forName="text4" refType="w" fact="0.9"/>
+                                      <dgm:constr type="h" for="ch" forName="text4" refType="w" refFor="ch" refForName="text4" fact="0.635"/>
+                                      <dgm:constr type="t" for="ch" forName="text4" refType="w" fact="0.095"/>
+                                      <dgm:constr type="l" for="ch" forName="text4" refType="w" fact="0.1"/>
+                                    </dgm:constrLst>
+                                    <dgm:ruleLst/>
+                                    <dgm:layoutNode name="background4" moveWith="text4">
+                                      <dgm:alg type="sp"/>
+                                      <dgm:shape xmlns:r="http://schemas.openxmlformats.org/officeDocument/2006/relationships" type="roundRect" r:blip="">
+                                        <dgm:adjLst>
+                                          <dgm:adj idx="1" val="0.1"/>
+                                        </dgm:adjLst>
+                                      </dgm:shape>
+                                      <dgm:presOf/>
+                                      <dgm:constrLst/>
+                                      <dgm:ruleLst/>
+                                    </dgm:layoutNode>
+                                    <dgm:layoutNode name="text4" styleLbl="fgAcc4">
+                                      <dgm:varLst>
+                                        <dgm:chPref val="3"/>
+                                      </dgm:varLst>
+                                      <dgm:alg type="tx"/>
+                                      <dgm:shape xmlns:r="http://schemas.openxmlformats.org/officeDocument/2006/relationships" type="roundRect" r:blip="">
+                                        <dgm:adjLst>
+                                          <dgm:adj idx="1" val="0.1"/>
+                                        </dgm:adjLst>
+                                      </dgm:shape>
+                                      <dgm:presOf axis="self"/>
+                                      <dgm:constrLst>
+                                        <dgm:constr type="tMarg" refType="primFontSz" fact="0.3"/>
+                                        <dgm:constr type="bMarg" refType="primFontSz" fact="0.3"/>
+                                        <dgm:constr type="lMarg" refType="primFontSz" fact="0.3"/>
+                                        <dgm:constr type="rMarg" refType="primFontSz" fact="0.3"/>
+                                      </dgm:constrLst>
+                                      <dgm:ruleLst>
+                                        <dgm:rule type="primFontSz" val="5" fact="NaN" max="NaN"/>
+                                      </dgm:ruleLst>
+                                    </dgm:layoutNode>
+                                  </dgm:layoutNode>
+                                  <dgm:layoutNode name="hierChild5">
+                                    <dgm:choose name="Name28">
+                                      <dgm:if name="Name29" func="var" arg="dir" op="equ" val="norm">
+                                        <dgm:alg type="hierChild">
+                                          <dgm:param type="linDir" val="fromL"/>
+                                        </dgm:alg>
+                                      </dgm:if>
+                                      <dgm:else name="Name30">
+                                        <dgm:alg type="hierChild">
+                                          <dgm:param type="linDir" val="fromR"/>
+                                        </dgm:alg>
+                                      </dgm:else>
+                                    </dgm:choose>
+                                    <dgm:shape xmlns:r="http://schemas.openxmlformats.org/officeDocument/2006/relationships" r:blip="">
+                                      <dgm:adjLst/>
+                                    </dgm:shape>
+                                    <dgm:presOf/>
+                                    <dgm:constrLst/>
+                                    <dgm:ruleLst/>
+                                    <dgm:forEach name="Name31" ref="repeat"/>
+                                  </dgm:layoutNode>
+                                </dgm:layoutNode>
+                              </dgm:forEach>
+                            </dgm:forEach>
+                          </dgm:layoutNode>
+                        </dgm:layoutNode>
+                      </dgm:forEach>
+                    </dgm:forEach>
+                  </dgm:layoutNode>
+                </dgm:layoutNode>
+              </dgm:forEach>
+            </dgm:forEach>
+          </dgm:layoutNode>
+        </dgm:layoutNode>
+      </dgm:forEach>
+    </dgm:forEach>
+  </dgm:layoutNode>
+</dgm:layoutDef>
+</file>
+
 <file path=ppt/diagrams/quickStyle1.xml><?xml version="1.0" encoding="utf-8"?>
 <dgm:styleDef xmlns:dgm="http://schemas.openxmlformats.org/drawingml/2006/diagram" xmlns:a="http://schemas.openxmlformats.org/drawingml/2006/main" uniqueId="urn:microsoft.com/office/officeart/2005/8/quickstyle/simple1">
   <dgm:title val=""/>
@@ -8975,6 +11424,1117 @@
     <dgm:txPr/>
     <dgm:style>
       <a:lnRef idx="2">
+        <a:scrgbClr r="0" g="0" b="0"/>
+      </a:lnRef>
+      <a:fillRef idx="1">
+        <a:scrgbClr r="0" g="0" b="0"/>
+      </a:fillRef>
+      <a:effectRef idx="0">
+        <a:scrgbClr r="0" g="0" b="0"/>
+      </a:effectRef>
+      <a:fontRef idx="minor"/>
+    </dgm:style>
+  </dgm:styleLbl>
+  <dgm:styleLbl name="revTx">
+    <dgm:scene3d>
+      <a:camera prst="orthographicFront"/>
+      <a:lightRig rig="threePt" dir="t"/>
+    </dgm:scene3d>
+    <dgm:sp3d/>
+    <dgm:txPr/>
+    <dgm:style>
+      <a:lnRef idx="0">
+        <a:scrgbClr r="0" g="0" b="0"/>
+      </a:lnRef>
+      <a:fillRef idx="0">
+        <a:scrgbClr r="0" g="0" b="0"/>
+      </a:fillRef>
+      <a:effectRef idx="0">
+        <a:scrgbClr r="0" g="0" b="0"/>
+      </a:effectRef>
+      <a:fontRef idx="minor"/>
+    </dgm:style>
+  </dgm:styleLbl>
+</dgm:styleDef>
+</file>
+
+<file path=ppt/diagrams/quickStyle4.xml><?xml version="1.0" encoding="utf-8"?>
+<dgm:styleDef xmlns:dgm="http://schemas.openxmlformats.org/drawingml/2006/diagram" xmlns:a="http://schemas.openxmlformats.org/drawingml/2006/main" uniqueId="urn:microsoft.com/office/officeart/2005/8/quickstyle/3d4">
+  <dgm:title val=""/>
+  <dgm:desc val=""/>
+  <dgm:catLst>
+    <dgm:cat type="3D" pri="11400"/>
+  </dgm:catLst>
+  <dgm:scene3d>
+    <a:camera prst="orthographicFront"/>
+    <a:lightRig rig="threePt" dir="t"/>
+  </dgm:scene3d>
+  <dgm:styleLbl name="node0">
+    <dgm:scene3d>
+      <a:camera prst="orthographicFront"/>
+      <a:lightRig rig="chilly" dir="t"/>
+    </dgm:scene3d>
+    <dgm:sp3d prstMaterial="translucentPowder">
+      <a:bevelT w="127000" h="25400" prst="softRound"/>
+    </dgm:sp3d>
+    <dgm:txPr/>
+    <dgm:style>
+      <a:lnRef idx="0">
+        <a:scrgbClr r="0" g="0" b="0"/>
+      </a:lnRef>
+      <a:fillRef idx="1">
+        <a:scrgbClr r="0" g="0" b="0"/>
+      </a:fillRef>
+      <a:effectRef idx="0">
+        <a:scrgbClr r="0" g="0" b="0"/>
+      </a:effectRef>
+      <a:fontRef idx="minor">
+        <a:schemeClr val="lt1"/>
+      </a:fontRef>
+    </dgm:style>
+  </dgm:styleLbl>
+  <dgm:styleLbl name="lnNode1">
+    <dgm:scene3d>
+      <a:camera prst="orthographicFront"/>
+      <a:lightRig rig="chilly" dir="t"/>
+    </dgm:scene3d>
+    <dgm:sp3d prstMaterial="translucentPowder">
+      <a:bevelT w="127000" h="25400" prst="softRound"/>
+    </dgm:sp3d>
+    <dgm:txPr/>
+    <dgm:style>
+      <a:lnRef idx="0">
+        <a:scrgbClr r="0" g="0" b="0"/>
+      </a:lnRef>
+      <a:fillRef idx="1">
+        <a:scrgbClr r="0" g="0" b="0"/>
+      </a:fillRef>
+      <a:effectRef idx="0">
+        <a:scrgbClr r="0" g="0" b="0"/>
+      </a:effectRef>
+      <a:fontRef idx="minor">
+        <a:schemeClr val="lt1"/>
+      </a:fontRef>
+    </dgm:style>
+  </dgm:styleLbl>
+  <dgm:styleLbl name="vennNode1">
+    <dgm:scene3d>
+      <a:camera prst="orthographicFront"/>
+      <a:lightRig rig="chilly" dir="t"/>
+    </dgm:scene3d>
+    <dgm:sp3d prstMaterial="translucentPowder">
+      <a:bevelT w="127000" h="25400" prst="softRound"/>
+    </dgm:sp3d>
+    <dgm:txPr/>
+    <dgm:style>
+      <a:lnRef idx="0">
+        <a:scrgbClr r="0" g="0" b="0"/>
+      </a:lnRef>
+      <a:fillRef idx="1">
+        <a:scrgbClr r="0" g="0" b="0"/>
+      </a:fillRef>
+      <a:effectRef idx="0">
+        <a:scrgbClr r="0" g="0" b="0"/>
+      </a:effectRef>
+      <a:fontRef idx="minor">
+        <a:schemeClr val="tx1"/>
+      </a:fontRef>
+    </dgm:style>
+  </dgm:styleLbl>
+  <dgm:styleLbl name="alignNode1">
+    <dgm:scene3d>
+      <a:camera prst="orthographicFront"/>
+      <a:lightRig rig="chilly" dir="t"/>
+    </dgm:scene3d>
+    <dgm:sp3d prstMaterial="translucentPowder">
+      <a:bevelT w="127000" h="25400" prst="softRound"/>
+    </dgm:sp3d>
+    <dgm:txPr/>
+    <dgm:style>
+      <a:lnRef idx="1">
+        <a:scrgbClr r="0" g="0" b="0"/>
+      </a:lnRef>
+      <a:fillRef idx="1">
+        <a:scrgbClr r="0" g="0" b="0"/>
+      </a:fillRef>
+      <a:effectRef idx="0">
+        <a:scrgbClr r="0" g="0" b="0"/>
+      </a:effectRef>
+      <a:fontRef idx="minor">
+        <a:schemeClr val="lt1"/>
+      </a:fontRef>
+    </dgm:style>
+  </dgm:styleLbl>
+  <dgm:styleLbl name="node1">
+    <dgm:scene3d>
+      <a:camera prst="orthographicFront"/>
+      <a:lightRig rig="chilly" dir="t"/>
+    </dgm:scene3d>
+    <dgm:sp3d prstMaterial="translucentPowder">
+      <a:bevelT w="127000" h="25400" prst="softRound"/>
+    </dgm:sp3d>
+    <dgm:txPr/>
+    <dgm:style>
+      <a:lnRef idx="0">
+        <a:scrgbClr r="0" g="0" b="0"/>
+      </a:lnRef>
+      <a:fillRef idx="1">
+        <a:scrgbClr r="0" g="0" b="0"/>
+      </a:fillRef>
+      <a:effectRef idx="0">
+        <a:scrgbClr r="0" g="0" b="0"/>
+      </a:effectRef>
+      <a:fontRef idx="minor">
+        <a:schemeClr val="lt1"/>
+      </a:fontRef>
+    </dgm:style>
+  </dgm:styleLbl>
+  <dgm:styleLbl name="node2">
+    <dgm:scene3d>
+      <a:camera prst="orthographicFront"/>
+      <a:lightRig rig="chilly" dir="t"/>
+    </dgm:scene3d>
+    <dgm:sp3d prstMaterial="translucentPowder">
+      <a:bevelT w="127000" h="25400" prst="softRound"/>
+    </dgm:sp3d>
+    <dgm:txPr/>
+    <dgm:style>
+      <a:lnRef idx="0">
+        <a:scrgbClr r="0" g="0" b="0"/>
+      </a:lnRef>
+      <a:fillRef idx="1">
+        <a:scrgbClr r="0" g="0" b="0"/>
+      </a:fillRef>
+      <a:effectRef idx="0">
+        <a:scrgbClr r="0" g="0" b="0"/>
+      </a:effectRef>
+      <a:fontRef idx="minor">
+        <a:schemeClr val="lt1"/>
+      </a:fontRef>
+    </dgm:style>
+  </dgm:styleLbl>
+  <dgm:styleLbl name="node3">
+    <dgm:scene3d>
+      <a:camera prst="orthographicFront"/>
+      <a:lightRig rig="chilly" dir="t"/>
+    </dgm:scene3d>
+    <dgm:sp3d prstMaterial="translucentPowder">
+      <a:bevelT w="127000" h="25400" prst="softRound"/>
+    </dgm:sp3d>
+    <dgm:txPr/>
+    <dgm:style>
+      <a:lnRef idx="0">
+        <a:scrgbClr r="0" g="0" b="0"/>
+      </a:lnRef>
+      <a:fillRef idx="1">
+        <a:scrgbClr r="0" g="0" b="0"/>
+      </a:fillRef>
+      <a:effectRef idx="0">
+        <a:scrgbClr r="0" g="0" b="0"/>
+      </a:effectRef>
+      <a:fontRef idx="minor">
+        <a:schemeClr val="lt1"/>
+      </a:fontRef>
+    </dgm:style>
+  </dgm:styleLbl>
+  <dgm:styleLbl name="node4">
+    <dgm:scene3d>
+      <a:camera prst="orthographicFront"/>
+      <a:lightRig rig="chilly" dir="t"/>
+    </dgm:scene3d>
+    <dgm:sp3d prstMaterial="translucentPowder">
+      <a:bevelT w="127000" h="25400" prst="softRound"/>
+    </dgm:sp3d>
+    <dgm:txPr/>
+    <dgm:style>
+      <a:lnRef idx="0">
+        <a:scrgbClr r="0" g="0" b="0"/>
+      </a:lnRef>
+      <a:fillRef idx="1">
+        <a:scrgbClr r="0" g="0" b="0"/>
+      </a:fillRef>
+      <a:effectRef idx="0">
+        <a:scrgbClr r="0" g="0" b="0"/>
+      </a:effectRef>
+      <a:fontRef idx="minor">
+        <a:schemeClr val="lt1"/>
+      </a:fontRef>
+    </dgm:style>
+  </dgm:styleLbl>
+  <dgm:styleLbl name="fgImgPlace1">
+    <dgm:scene3d>
+      <a:camera prst="orthographicFront"/>
+      <a:lightRig rig="chilly" dir="t"/>
+    </dgm:scene3d>
+    <dgm:sp3d z="12700" extrusionH="12700" prstMaterial="translucentPowder">
+      <a:bevelT w="25400" h="6350" prst="softRound"/>
+      <a:bevelB w="0" h="0" prst="convex"/>
+    </dgm:sp3d>
+    <dgm:txPr/>
+    <dgm:style>
+      <a:lnRef idx="0">
+        <a:scrgbClr r="0" g="0" b="0"/>
+      </a:lnRef>
+      <a:fillRef idx="1">
+        <a:scrgbClr r="0" g="0" b="0"/>
+      </a:fillRef>
+      <a:effectRef idx="0">
+        <a:scrgbClr r="0" g="0" b="0"/>
+      </a:effectRef>
+      <a:fontRef idx="minor"/>
+    </dgm:style>
+  </dgm:styleLbl>
+  <dgm:styleLbl name="alignImgPlace1">
+    <dgm:scene3d>
+      <a:camera prst="orthographicFront"/>
+      <a:lightRig rig="chilly" dir="t"/>
+    </dgm:scene3d>
+    <dgm:sp3d prstMaterial="translucentPowder">
+      <a:bevelT w="127000" h="25400" prst="softRound"/>
+    </dgm:sp3d>
+    <dgm:txPr/>
+    <dgm:style>
+      <a:lnRef idx="0">
+        <a:scrgbClr r="0" g="0" b="0"/>
+      </a:lnRef>
+      <a:fillRef idx="1">
+        <a:scrgbClr r="0" g="0" b="0"/>
+      </a:fillRef>
+      <a:effectRef idx="0">
+        <a:scrgbClr r="0" g="0" b="0"/>
+      </a:effectRef>
+      <a:fontRef idx="minor">
+        <a:schemeClr val="lt1"/>
+      </a:fontRef>
+    </dgm:style>
+  </dgm:styleLbl>
+  <dgm:styleLbl name="bgImgPlace1">
+    <dgm:scene3d>
+      <a:camera prst="orthographicFront"/>
+      <a:lightRig rig="chilly" dir="t"/>
+    </dgm:scene3d>
+    <dgm:sp3d z="-25700" extrusionH="63500" contourW="12700" prstMaterial="matte">
+      <a:contourClr>
+        <a:schemeClr val="lt1"/>
+      </a:contourClr>
+    </dgm:sp3d>
+    <dgm:txPr/>
+    <dgm:style>
+      <a:lnRef idx="0">
+        <a:scrgbClr r="0" g="0" b="0"/>
+      </a:lnRef>
+      <a:fillRef idx="1">
+        <a:scrgbClr r="0" g="0" b="0"/>
+      </a:fillRef>
+      <a:effectRef idx="0">
+        <a:scrgbClr r="0" g="0" b="0"/>
+      </a:effectRef>
+      <a:fontRef idx="minor"/>
+    </dgm:style>
+  </dgm:styleLbl>
+  <dgm:styleLbl name="sibTrans2D1">
+    <dgm:scene3d>
+      <a:camera prst="orthographicFront"/>
+      <a:lightRig rig="chilly" dir="t"/>
+    </dgm:scene3d>
+    <dgm:sp3d z="-70000" extrusionH="1700" prstMaterial="translucentPowder">
+      <a:bevelT w="25400" h="6350" prst="softRound"/>
+      <a:bevelB w="0" h="0" prst="convex"/>
+    </dgm:sp3d>
+    <dgm:txPr/>
+    <dgm:style>
+      <a:lnRef idx="0">
+        <a:scrgbClr r="0" g="0" b="0"/>
+      </a:lnRef>
+      <a:fillRef idx="1">
+        <a:scrgbClr r="0" g="0" b="0"/>
+      </a:fillRef>
+      <a:effectRef idx="0">
+        <a:scrgbClr r="0" g="0" b="0"/>
+      </a:effectRef>
+      <a:fontRef idx="minor">
+        <a:schemeClr val="lt1"/>
+      </a:fontRef>
+    </dgm:style>
+  </dgm:styleLbl>
+  <dgm:styleLbl name="fgSibTrans2D1">
+    <dgm:scene3d>
+      <a:camera prst="orthographicFront"/>
+      <a:lightRig rig="chilly" dir="t"/>
+    </dgm:scene3d>
+    <dgm:sp3d z="12700" extrusionH="1700" prstMaterial="translucentPowder">
+      <a:bevelT w="25400" h="6350" prst="softRound"/>
+      <a:bevelB w="0" h="0" prst="convex"/>
+    </dgm:sp3d>
+    <dgm:txPr/>
+    <dgm:style>
+      <a:lnRef idx="0">
+        <a:scrgbClr r="0" g="0" b="0"/>
+      </a:lnRef>
+      <a:fillRef idx="1">
+        <a:scrgbClr r="0" g="0" b="0"/>
+      </a:fillRef>
+      <a:effectRef idx="0">
+        <a:scrgbClr r="0" g="0" b="0"/>
+      </a:effectRef>
+      <a:fontRef idx="minor"/>
+    </dgm:style>
+  </dgm:styleLbl>
+  <dgm:styleLbl name="bgSibTrans2D1">
+    <dgm:scene3d>
+      <a:camera prst="orthographicFront"/>
+      <a:lightRig rig="chilly" dir="t"/>
+    </dgm:scene3d>
+    <dgm:sp3d z="-25700" extrusionH="1700" prstMaterial="translucentPowder">
+      <a:bevelT w="25400" h="6350" prst="softRound"/>
+      <a:bevelB w="0" h="0" prst="convex"/>
+    </dgm:sp3d>
+    <dgm:txPr/>
+    <dgm:style>
+      <a:lnRef idx="0">
+        <a:scrgbClr r="0" g="0" b="0"/>
+      </a:lnRef>
+      <a:fillRef idx="1">
+        <a:scrgbClr r="0" g="0" b="0"/>
+      </a:fillRef>
+      <a:effectRef idx="0">
+        <a:scrgbClr r="0" g="0" b="0"/>
+      </a:effectRef>
+      <a:fontRef idx="minor"/>
+    </dgm:style>
+  </dgm:styleLbl>
+  <dgm:styleLbl name="sibTrans1D1">
+    <dgm:scene3d>
+      <a:camera prst="orthographicFront"/>
+      <a:lightRig rig="chilly" dir="t"/>
+    </dgm:scene3d>
+    <dgm:sp3d z="-40000" prstMaterial="matte"/>
+    <dgm:txPr/>
+    <dgm:style>
+      <a:lnRef idx="1">
+        <a:scrgbClr r="0" g="0" b="0"/>
+      </a:lnRef>
+      <a:fillRef idx="0">
+        <a:scrgbClr r="0" g="0" b="0"/>
+      </a:fillRef>
+      <a:effectRef idx="0">
+        <a:scrgbClr r="0" g="0" b="0"/>
+      </a:effectRef>
+      <a:fontRef idx="minor"/>
+    </dgm:style>
+  </dgm:styleLbl>
+  <dgm:styleLbl name="callout">
+    <dgm:scene3d>
+      <a:camera prst="orthographicFront"/>
+      <a:lightRig rig="chilly" dir="t"/>
+    </dgm:scene3d>
+    <dgm:sp3d z="127000" prstMaterial="matte"/>
+    <dgm:txPr/>
+    <dgm:style>
+      <a:lnRef idx="2">
+        <a:scrgbClr r="0" g="0" b="0"/>
+      </a:lnRef>
+      <a:fillRef idx="1">
+        <a:scrgbClr r="0" g="0" b="0"/>
+      </a:fillRef>
+      <a:effectRef idx="0">
+        <a:scrgbClr r="0" g="0" b="0"/>
+      </a:effectRef>
+      <a:fontRef idx="minor"/>
+    </dgm:style>
+  </dgm:styleLbl>
+  <dgm:styleLbl name="asst0">
+    <dgm:scene3d>
+      <a:camera prst="orthographicFront"/>
+      <a:lightRig rig="chilly" dir="t"/>
+    </dgm:scene3d>
+    <dgm:sp3d prstMaterial="translucentPowder">
+      <a:bevelT w="127000" h="25400" prst="softRound"/>
+    </dgm:sp3d>
+    <dgm:txPr/>
+    <dgm:style>
+      <a:lnRef idx="0">
+        <a:scrgbClr r="0" g="0" b="0"/>
+      </a:lnRef>
+      <a:fillRef idx="1">
+        <a:scrgbClr r="0" g="0" b="0"/>
+      </a:fillRef>
+      <a:effectRef idx="0">
+        <a:scrgbClr r="0" g="0" b="0"/>
+      </a:effectRef>
+      <a:fontRef idx="minor">
+        <a:schemeClr val="lt1"/>
+      </a:fontRef>
+    </dgm:style>
+  </dgm:styleLbl>
+  <dgm:styleLbl name="asst1">
+    <dgm:scene3d>
+      <a:camera prst="orthographicFront"/>
+      <a:lightRig rig="chilly" dir="t"/>
+    </dgm:scene3d>
+    <dgm:sp3d prstMaterial="translucentPowder">
+      <a:bevelT w="127000" h="25400" prst="softRound"/>
+    </dgm:sp3d>
+    <dgm:txPr/>
+    <dgm:style>
+      <a:lnRef idx="0">
+        <a:scrgbClr r="0" g="0" b="0"/>
+      </a:lnRef>
+      <a:fillRef idx="1">
+        <a:scrgbClr r="0" g="0" b="0"/>
+      </a:fillRef>
+      <a:effectRef idx="0">
+        <a:scrgbClr r="0" g="0" b="0"/>
+      </a:effectRef>
+      <a:fontRef idx="minor">
+        <a:schemeClr val="lt1"/>
+      </a:fontRef>
+    </dgm:style>
+  </dgm:styleLbl>
+  <dgm:styleLbl name="asst2">
+    <dgm:scene3d>
+      <a:camera prst="orthographicFront"/>
+      <a:lightRig rig="chilly" dir="t"/>
+    </dgm:scene3d>
+    <dgm:sp3d prstMaterial="translucentPowder">
+      <a:bevelT w="127000" h="25400" prst="softRound"/>
+    </dgm:sp3d>
+    <dgm:txPr/>
+    <dgm:style>
+      <a:lnRef idx="0">
+        <a:scrgbClr r="0" g="0" b="0"/>
+      </a:lnRef>
+      <a:fillRef idx="1">
+        <a:scrgbClr r="0" g="0" b="0"/>
+      </a:fillRef>
+      <a:effectRef idx="0">
+        <a:scrgbClr r="0" g="0" b="0"/>
+      </a:effectRef>
+      <a:fontRef idx="minor">
+        <a:schemeClr val="lt1"/>
+      </a:fontRef>
+    </dgm:style>
+  </dgm:styleLbl>
+  <dgm:styleLbl name="asst3">
+    <dgm:scene3d>
+      <a:camera prst="orthographicFront"/>
+      <a:lightRig rig="chilly" dir="t"/>
+    </dgm:scene3d>
+    <dgm:sp3d prstMaterial="translucentPowder">
+      <a:bevelT w="127000" h="25400" prst="softRound"/>
+    </dgm:sp3d>
+    <dgm:txPr/>
+    <dgm:style>
+      <a:lnRef idx="0">
+        <a:scrgbClr r="0" g="0" b="0"/>
+      </a:lnRef>
+      <a:fillRef idx="1">
+        <a:scrgbClr r="0" g="0" b="0"/>
+      </a:fillRef>
+      <a:effectRef idx="0">
+        <a:scrgbClr r="0" g="0" b="0"/>
+      </a:effectRef>
+      <a:fontRef idx="minor">
+        <a:schemeClr val="lt1"/>
+      </a:fontRef>
+    </dgm:style>
+  </dgm:styleLbl>
+  <dgm:styleLbl name="parChTrans2D1">
+    <dgm:scene3d>
+      <a:camera prst="orthographicFront"/>
+      <a:lightRig rig="chilly" dir="t"/>
+    </dgm:scene3d>
+    <dgm:sp3d z="1700" extrusionH="1700" prstMaterial="translucentPowder">
+      <a:bevelT w="25400" h="6350" prst="softRound"/>
+      <a:bevelB w="0" h="0" prst="convex"/>
+    </dgm:sp3d>
+    <dgm:txPr/>
+    <dgm:style>
+      <a:lnRef idx="0">
+        <a:scrgbClr r="0" g="0" b="0"/>
+      </a:lnRef>
+      <a:fillRef idx="1">
+        <a:scrgbClr r="0" g="0" b="0"/>
+      </a:fillRef>
+      <a:effectRef idx="0">
+        <a:scrgbClr r="0" g="0" b="0"/>
+      </a:effectRef>
+      <a:fontRef idx="minor"/>
+    </dgm:style>
+  </dgm:styleLbl>
+  <dgm:styleLbl name="parChTrans2D2">
+    <dgm:scene3d>
+      <a:camera prst="orthographicFront"/>
+      <a:lightRig rig="chilly" dir="t"/>
+    </dgm:scene3d>
+    <dgm:sp3d z="1700" extrusionH="1700" prstMaterial="translucentPowder">
+      <a:bevelT w="25400" h="6350" prst="softRound"/>
+      <a:bevelB w="0" h="0" prst="convex"/>
+    </dgm:sp3d>
+    <dgm:txPr/>
+    <dgm:style>
+      <a:lnRef idx="0">
+        <a:scrgbClr r="0" g="0" b="0"/>
+      </a:lnRef>
+      <a:fillRef idx="1">
+        <a:scrgbClr r="0" g="0" b="0"/>
+      </a:fillRef>
+      <a:effectRef idx="0">
+        <a:scrgbClr r="0" g="0" b="0"/>
+      </a:effectRef>
+      <a:fontRef idx="minor"/>
+    </dgm:style>
+  </dgm:styleLbl>
+  <dgm:styleLbl name="parChTrans2D3">
+    <dgm:scene3d>
+      <a:camera prst="orthographicFront"/>
+      <a:lightRig rig="chilly" dir="t"/>
+    </dgm:scene3d>
+    <dgm:sp3d extrusionH="1700" prstMaterial="translucentPowder">
+      <a:bevelT w="25400" h="6350" prst="softRound"/>
+      <a:bevelB w="0" h="0" prst="convex"/>
+    </dgm:sp3d>
+    <dgm:txPr/>
+    <dgm:style>
+      <a:lnRef idx="0">
+        <a:scrgbClr r="0" g="0" b="0"/>
+      </a:lnRef>
+      <a:fillRef idx="1">
+        <a:scrgbClr r="0" g="0" b="0"/>
+      </a:fillRef>
+      <a:effectRef idx="0">
+        <a:scrgbClr r="0" g="0" b="0"/>
+      </a:effectRef>
+      <a:fontRef idx="minor"/>
+    </dgm:style>
+  </dgm:styleLbl>
+  <dgm:styleLbl name="parChTrans2D4">
+    <dgm:scene3d>
+      <a:camera prst="orthographicFront"/>
+      <a:lightRig rig="chilly" dir="t"/>
+    </dgm:scene3d>
+    <dgm:sp3d extrusionH="1700" prstMaterial="translucentPowder">
+      <a:bevelT w="25400" h="6350" prst="softRound"/>
+      <a:bevelB w="0" h="0" prst="convex"/>
+    </dgm:sp3d>
+    <dgm:txPr/>
+    <dgm:style>
+      <a:lnRef idx="0">
+        <a:scrgbClr r="0" g="0" b="0"/>
+      </a:lnRef>
+      <a:fillRef idx="1">
+        <a:scrgbClr r="0" g="0" b="0"/>
+      </a:fillRef>
+      <a:effectRef idx="0">
+        <a:scrgbClr r="0" g="0" b="0"/>
+      </a:effectRef>
+      <a:fontRef idx="minor"/>
+    </dgm:style>
+  </dgm:styleLbl>
+  <dgm:styleLbl name="parChTrans1D1">
+    <dgm:scene3d>
+      <a:camera prst="orthographicFront"/>
+      <a:lightRig rig="chilly" dir="t"/>
+    </dgm:scene3d>
+    <dgm:sp3d z="-40000" prstMaterial="matte"/>
+    <dgm:txPr/>
+    <dgm:style>
+      <a:lnRef idx="2">
+        <a:scrgbClr r="0" g="0" b="0"/>
+      </a:lnRef>
+      <a:fillRef idx="0">
+        <a:scrgbClr r="0" g="0" b="0"/>
+      </a:fillRef>
+      <a:effectRef idx="0">
+        <a:scrgbClr r="0" g="0" b="0"/>
+      </a:effectRef>
+      <a:fontRef idx="minor"/>
+    </dgm:style>
+  </dgm:styleLbl>
+  <dgm:styleLbl name="parChTrans1D2">
+    <dgm:scene3d>
+      <a:camera prst="orthographicFront"/>
+      <a:lightRig rig="threePt" dir="t"/>
+    </dgm:scene3d>
+    <dgm:sp3d z="-40000" prstMaterial="matte"/>
+    <dgm:txPr/>
+    <dgm:style>
+      <a:lnRef idx="2">
+        <a:scrgbClr r="0" g="0" b="0"/>
+      </a:lnRef>
+      <a:fillRef idx="0">
+        <a:scrgbClr r="0" g="0" b="0"/>
+      </a:fillRef>
+      <a:effectRef idx="0">
+        <a:scrgbClr r="0" g="0" b="0"/>
+      </a:effectRef>
+      <a:fontRef idx="minor"/>
+    </dgm:style>
+  </dgm:styleLbl>
+  <dgm:styleLbl name="parChTrans1D3">
+    <dgm:scene3d>
+      <a:camera prst="orthographicFront"/>
+      <a:lightRig rig="chilly" dir="t"/>
+    </dgm:scene3d>
+    <dgm:sp3d z="-40000" prstMaterial="matte"/>
+    <dgm:txPr/>
+    <dgm:style>
+      <a:lnRef idx="2">
+        <a:scrgbClr r="0" g="0" b="0"/>
+      </a:lnRef>
+      <a:fillRef idx="0">
+        <a:scrgbClr r="0" g="0" b="0"/>
+      </a:fillRef>
+      <a:effectRef idx="0">
+        <a:scrgbClr r="0" g="0" b="0"/>
+      </a:effectRef>
+      <a:fontRef idx="minor"/>
+    </dgm:style>
+  </dgm:styleLbl>
+  <dgm:styleLbl name="parChTrans1D4">
+    <dgm:scene3d>
+      <a:camera prst="orthographicFront"/>
+      <a:lightRig rig="chilly" dir="t"/>
+    </dgm:scene3d>
+    <dgm:sp3d z="-40000" prstMaterial="matte"/>
+    <dgm:txPr/>
+    <dgm:style>
+      <a:lnRef idx="2">
+        <a:scrgbClr r="0" g="0" b="0"/>
+      </a:lnRef>
+      <a:fillRef idx="0">
+        <a:scrgbClr r="0" g="0" b="0"/>
+      </a:fillRef>
+      <a:effectRef idx="0">
+        <a:scrgbClr r="0" g="0" b="0"/>
+      </a:effectRef>
+      <a:fontRef idx="minor"/>
+    </dgm:style>
+  </dgm:styleLbl>
+  <dgm:styleLbl name="fgAcc1">
+    <dgm:scene3d>
+      <a:camera prst="orthographicFront"/>
+      <a:lightRig rig="chilly" dir="t"/>
+    </dgm:scene3d>
+    <dgm:sp3d z="12700" extrusionH="1700" prstMaterial="dkEdge">
+      <a:bevelT w="25400" h="6350" prst="softRound"/>
+      <a:bevelB w="0" h="0" prst="convex"/>
+    </dgm:sp3d>
+    <dgm:txPr/>
+    <dgm:style>
+      <a:lnRef idx="1">
+        <a:scrgbClr r="0" g="0" b="0"/>
+      </a:lnRef>
+      <a:fillRef idx="1">
+        <a:scrgbClr r="0" g="0" b="0"/>
+      </a:fillRef>
+      <a:effectRef idx="0">
+        <a:scrgbClr r="0" g="0" b="0"/>
+      </a:effectRef>
+      <a:fontRef idx="minor"/>
+    </dgm:style>
+  </dgm:styleLbl>
+  <dgm:styleLbl name="conFgAcc1">
+    <dgm:scene3d>
+      <a:camera prst="orthographicFront"/>
+      <a:lightRig rig="chilly" dir="t"/>
+    </dgm:scene3d>
+    <dgm:sp3d z="12700" extrusionH="1700" prstMaterial="dkEdge">
+      <a:bevelT w="25400" h="6350" prst="softRound"/>
+      <a:bevelB w="0" h="0" prst="convex"/>
+    </dgm:sp3d>
+    <dgm:txPr/>
+    <dgm:style>
+      <a:lnRef idx="1">
+        <a:scrgbClr r="0" g="0" b="0"/>
+      </a:lnRef>
+      <a:fillRef idx="1">
+        <a:scrgbClr r="0" g="0" b="0"/>
+      </a:fillRef>
+      <a:effectRef idx="0">
+        <a:scrgbClr r="0" g="0" b="0"/>
+      </a:effectRef>
+      <a:fontRef idx="minor"/>
+    </dgm:style>
+  </dgm:styleLbl>
+  <dgm:styleLbl name="alignAcc1">
+    <dgm:scene3d>
+      <a:camera prst="orthographicFront"/>
+      <a:lightRig rig="chilly" dir="t"/>
+    </dgm:scene3d>
+    <dgm:sp3d prstMaterial="dkEdge">
+      <a:bevelT w="25400" h="6350" prst="softRound"/>
+      <a:bevelB w="0" h="0" prst="convex"/>
+    </dgm:sp3d>
+    <dgm:txPr/>
+    <dgm:style>
+      <a:lnRef idx="1">
+        <a:scrgbClr r="0" g="0" b="0"/>
+      </a:lnRef>
+      <a:fillRef idx="1">
+        <a:scrgbClr r="0" g="0" b="0"/>
+      </a:fillRef>
+      <a:effectRef idx="0">
+        <a:scrgbClr r="0" g="0" b="0"/>
+      </a:effectRef>
+      <a:fontRef idx="minor"/>
+    </dgm:style>
+  </dgm:styleLbl>
+  <dgm:styleLbl name="trAlignAcc1">
+    <dgm:scene3d>
+      <a:camera prst="orthographicFront"/>
+      <a:lightRig rig="chilly" dir="t"/>
+    </dgm:scene3d>
+    <dgm:sp3d prstMaterial="dkEdge">
+      <a:bevelT w="127000" h="25400"/>
+    </dgm:sp3d>
+    <dgm:txPr/>
+    <dgm:style>
+      <a:lnRef idx="1">
+        <a:scrgbClr r="0" g="0" b="0"/>
+      </a:lnRef>
+      <a:fillRef idx="1">
+        <a:scrgbClr r="0" g="0" b="0"/>
+      </a:fillRef>
+      <a:effectRef idx="0">
+        <a:scrgbClr r="0" g="0" b="0"/>
+      </a:effectRef>
+      <a:fontRef idx="minor">
+        <a:schemeClr val="lt1"/>
+      </a:fontRef>
+    </dgm:style>
+  </dgm:styleLbl>
+  <dgm:styleLbl name="bgAcc1">
+    <dgm:scene3d>
+      <a:camera prst="orthographicFront"/>
+      <a:lightRig rig="chilly" dir="t"/>
+    </dgm:scene3d>
+    <dgm:sp3d z="-12700" extrusionH="1700" prstMaterial="dkEdge">
+      <a:bevelT w="25400" h="6350" prst="softRound"/>
+      <a:bevelB w="0" h="0" prst="convex"/>
+    </dgm:sp3d>
+    <dgm:txPr/>
+    <dgm:style>
+      <a:lnRef idx="1">
+        <a:scrgbClr r="0" g="0" b="0"/>
+      </a:lnRef>
+      <a:fillRef idx="1">
+        <a:scrgbClr r="0" g="0" b="0"/>
+      </a:fillRef>
+      <a:effectRef idx="0">
+        <a:scrgbClr r="0" g="0" b="0"/>
+      </a:effectRef>
+      <a:fontRef idx="minor"/>
+    </dgm:style>
+  </dgm:styleLbl>
+  <dgm:styleLbl name="solidFgAcc1">
+    <dgm:scene3d>
+      <a:camera prst="orthographicFront"/>
+      <a:lightRig rig="chilly" dir="t"/>
+    </dgm:scene3d>
+    <dgm:sp3d z="12700" extrusionH="1700" prstMaterial="dkEdge">
+      <a:bevelT w="25400" h="6350" prst="softRound"/>
+      <a:bevelB w="0" h="0" prst="convex"/>
+    </dgm:sp3d>
+    <dgm:txPr/>
+    <dgm:style>
+      <a:lnRef idx="1">
+        <a:scrgbClr r="0" g="0" b="0"/>
+      </a:lnRef>
+      <a:fillRef idx="1">
+        <a:scrgbClr r="0" g="0" b="0"/>
+      </a:fillRef>
+      <a:effectRef idx="0">
+        <a:scrgbClr r="0" g="0" b="0"/>
+      </a:effectRef>
+      <a:fontRef idx="minor"/>
+    </dgm:style>
+  </dgm:styleLbl>
+  <dgm:styleLbl name="solidAlignAcc1">
+    <dgm:scene3d>
+      <a:camera prst="orthographicFront"/>
+      <a:lightRig rig="chilly" dir="t"/>
+    </dgm:scene3d>
+    <dgm:sp3d extrusionH="1700" prstMaterial="dkEdge">
+      <a:bevelT w="25400" h="6350" prst="softRound"/>
+      <a:bevelB w="0" h="0" prst="convex"/>
+    </dgm:sp3d>
+    <dgm:txPr/>
+    <dgm:style>
+      <a:lnRef idx="1">
+        <a:scrgbClr r="0" g="0" b="0"/>
+      </a:lnRef>
+      <a:fillRef idx="1">
+        <a:scrgbClr r="0" g="0" b="0"/>
+      </a:fillRef>
+      <a:effectRef idx="0">
+        <a:scrgbClr r="0" g="0" b="0"/>
+      </a:effectRef>
+      <a:fontRef idx="minor"/>
+    </dgm:style>
+  </dgm:styleLbl>
+  <dgm:styleLbl name="solidBgAcc1">
+    <dgm:scene3d>
+      <a:camera prst="orthographicFront"/>
+      <a:lightRig rig="chilly" dir="t"/>
+    </dgm:scene3d>
+    <dgm:sp3d z="-12700" extrusionH="1700" prstMaterial="dkEdge">
+      <a:bevelT w="25400" h="6350" prst="softRound"/>
+      <a:bevelB w="0" h="0" prst="convex"/>
+    </dgm:sp3d>
+    <dgm:txPr/>
+    <dgm:style>
+      <a:lnRef idx="1">
+        <a:scrgbClr r="0" g="0" b="0"/>
+      </a:lnRef>
+      <a:fillRef idx="1">
+        <a:scrgbClr r="0" g="0" b="0"/>
+      </a:fillRef>
+      <a:effectRef idx="0">
+        <a:scrgbClr r="0" g="0" b="0"/>
+      </a:effectRef>
+      <a:fontRef idx="minor"/>
+    </dgm:style>
+  </dgm:styleLbl>
+  <dgm:styleLbl name="fgAccFollowNode1">
+    <dgm:scene3d>
+      <a:camera prst="orthographicFront"/>
+      <a:lightRig rig="chilly" dir="t"/>
+    </dgm:scene3d>
+    <dgm:sp3d z="12700" extrusionH="1700" prstMaterial="dkEdge">
+      <a:bevelT w="25400" h="6350" prst="softRound"/>
+      <a:bevelB w="0" h="0" prst="convex"/>
+    </dgm:sp3d>
+    <dgm:txPr/>
+    <dgm:style>
+      <a:lnRef idx="1">
+        <a:scrgbClr r="0" g="0" b="0"/>
+      </a:lnRef>
+      <a:fillRef idx="1">
+        <a:scrgbClr r="0" g="0" b="0"/>
+      </a:fillRef>
+      <a:effectRef idx="0">
+        <a:scrgbClr r="0" g="0" b="0"/>
+      </a:effectRef>
+      <a:fontRef idx="minor"/>
+    </dgm:style>
+  </dgm:styleLbl>
+  <dgm:styleLbl name="alignAccFollowNode1">
+    <dgm:scene3d>
+      <a:camera prst="orthographicFront"/>
+      <a:lightRig rig="chilly" dir="t"/>
+    </dgm:scene3d>
+    <dgm:sp3d extrusionH="1700" prstMaterial="dkEdge">
+      <a:bevelT w="25400" h="6350" prst="softRound"/>
+      <a:bevelB w="0" h="0" prst="convex"/>
+    </dgm:sp3d>
+    <dgm:txPr/>
+    <dgm:style>
+      <a:lnRef idx="1">
+        <a:scrgbClr r="0" g="0" b="0"/>
+      </a:lnRef>
+      <a:fillRef idx="1">
+        <a:scrgbClr r="0" g="0" b="0"/>
+      </a:fillRef>
+      <a:effectRef idx="0">
+        <a:scrgbClr r="0" g="0" b="0"/>
+      </a:effectRef>
+      <a:fontRef idx="minor"/>
+    </dgm:style>
+  </dgm:styleLbl>
+  <dgm:styleLbl name="bgAccFollowNode1">
+    <dgm:scene3d>
+      <a:camera prst="orthographicFront"/>
+      <a:lightRig rig="chilly" dir="t"/>
+    </dgm:scene3d>
+    <dgm:sp3d z="-12700" extrusionH="1700" prstMaterial="dkEdge">
+      <a:bevelT w="25400" h="6350" prst="softRound"/>
+      <a:bevelB w="0" h="0" prst="convex"/>
+    </dgm:sp3d>
+    <dgm:txPr/>
+    <dgm:style>
+      <a:lnRef idx="1">
+        <a:scrgbClr r="0" g="0" b="0"/>
+      </a:lnRef>
+      <a:fillRef idx="1">
+        <a:scrgbClr r="0" g="0" b="0"/>
+      </a:fillRef>
+      <a:effectRef idx="0">
+        <a:scrgbClr r="0" g="0" b="0"/>
+      </a:effectRef>
+      <a:fontRef idx="minor"/>
+    </dgm:style>
+  </dgm:styleLbl>
+  <dgm:styleLbl name="fgAcc0">
+    <dgm:scene3d>
+      <a:camera prst="orthographicFront"/>
+      <a:lightRig rig="chilly" dir="t"/>
+    </dgm:scene3d>
+    <dgm:sp3d z="12700" extrusionH="1700" prstMaterial="dkEdge">
+      <a:bevelT w="25400" h="6350" prst="softRound"/>
+      <a:bevelB w="0" h="0" prst="convex"/>
+    </dgm:sp3d>
+    <dgm:txPr/>
+    <dgm:style>
+      <a:lnRef idx="1">
+        <a:scrgbClr r="0" g="0" b="0"/>
+      </a:lnRef>
+      <a:fillRef idx="1">
+        <a:scrgbClr r="0" g="0" b="0"/>
+      </a:fillRef>
+      <a:effectRef idx="0">
+        <a:scrgbClr r="0" g="0" b="0"/>
+      </a:effectRef>
+      <a:fontRef idx="minor"/>
+    </dgm:style>
+  </dgm:styleLbl>
+  <dgm:styleLbl name="fgAcc2">
+    <dgm:scene3d>
+      <a:camera prst="orthographicFront"/>
+      <a:lightRig rig="chilly" dir="t"/>
+    </dgm:scene3d>
+    <dgm:sp3d z="12700" extrusionH="1700" prstMaterial="dkEdge">
+      <a:bevelT w="25400" h="6350" prst="softRound"/>
+      <a:bevelB w="0" h="0" prst="convex"/>
+    </dgm:sp3d>
+    <dgm:txPr/>
+    <dgm:style>
+      <a:lnRef idx="1">
+        <a:scrgbClr r="0" g="0" b="0"/>
+      </a:lnRef>
+      <a:fillRef idx="1">
+        <a:scrgbClr r="0" g="0" b="0"/>
+      </a:fillRef>
+      <a:effectRef idx="0">
+        <a:scrgbClr r="0" g="0" b="0"/>
+      </a:effectRef>
+      <a:fontRef idx="minor"/>
+    </dgm:style>
+  </dgm:styleLbl>
+  <dgm:styleLbl name="fgAcc3">
+    <dgm:scene3d>
+      <a:camera prst="orthographicFront"/>
+      <a:lightRig rig="chilly" dir="t"/>
+    </dgm:scene3d>
+    <dgm:sp3d z="12700" extrusionH="1700" prstMaterial="dkEdge">
+      <a:bevelT w="25400" h="6350" prst="softRound"/>
+      <a:bevelB w="0" h="0" prst="convex"/>
+    </dgm:sp3d>
+    <dgm:txPr/>
+    <dgm:style>
+      <a:lnRef idx="1">
+        <a:scrgbClr r="0" g="0" b="0"/>
+      </a:lnRef>
+      <a:fillRef idx="1">
+        <a:scrgbClr r="0" g="0" b="0"/>
+      </a:fillRef>
+      <a:effectRef idx="0">
+        <a:scrgbClr r="0" g="0" b="0"/>
+      </a:effectRef>
+      <a:fontRef idx="minor"/>
+    </dgm:style>
+  </dgm:styleLbl>
+  <dgm:styleLbl name="fgAcc4">
+    <dgm:scene3d>
+      <a:camera prst="orthographicFront"/>
+      <a:lightRig rig="chilly" dir="t"/>
+    </dgm:scene3d>
+    <dgm:sp3d z="12700" extrusionH="1700" prstMaterial="dkEdge">
+      <a:bevelT w="25400" h="6350" prst="softRound"/>
+      <a:bevelB w="0" h="0" prst="convex"/>
+    </dgm:sp3d>
+    <dgm:txPr/>
+    <dgm:style>
+      <a:lnRef idx="1">
+        <a:scrgbClr r="0" g="0" b="0"/>
+      </a:lnRef>
+      <a:fillRef idx="1">
+        <a:scrgbClr r="0" g="0" b="0"/>
+      </a:fillRef>
+      <a:effectRef idx="0">
+        <a:scrgbClr r="0" g="0" b="0"/>
+      </a:effectRef>
+      <a:fontRef idx="minor"/>
+    </dgm:style>
+  </dgm:styleLbl>
+  <dgm:styleLbl name="bgShp">
+    <dgm:scene3d>
+      <a:camera prst="orthographicFront"/>
+      <a:lightRig rig="chilly" dir="t"/>
+    </dgm:scene3d>
+    <dgm:sp3d z="-12700" extrusionH="1700" prstMaterial="translucentPowder">
+      <a:bevelT w="25400" h="6350" prst="softRound"/>
+      <a:bevelB w="0" h="0" prst="convex"/>
+    </dgm:sp3d>
+    <dgm:txPr/>
+    <dgm:style>
+      <a:lnRef idx="0">
+        <a:scrgbClr r="0" g="0" b="0"/>
+      </a:lnRef>
+      <a:fillRef idx="1">
+        <a:scrgbClr r="0" g="0" b="0"/>
+      </a:fillRef>
+      <a:effectRef idx="0">
+        <a:scrgbClr r="0" g="0" b="0"/>
+      </a:effectRef>
+      <a:fontRef idx="minor"/>
+    </dgm:style>
+  </dgm:styleLbl>
+  <dgm:styleLbl name="dkBgShp">
+    <dgm:scene3d>
+      <a:camera prst="orthographicFront"/>
+      <a:lightRig rig="chilly" dir="t"/>
+    </dgm:scene3d>
+    <dgm:sp3d extrusionH="1700" prstMaterial="translucentPowder">
+      <a:bevelT w="25400" h="6350" prst="softRound"/>
+      <a:bevelB w="0" h="0" prst="convex"/>
+    </dgm:sp3d>
+    <dgm:txPr/>
+    <dgm:style>
+      <a:lnRef idx="0">
+        <a:scrgbClr r="0" g="0" b="0"/>
+      </a:lnRef>
+      <a:fillRef idx="1">
+        <a:scrgbClr r="0" g="0" b="0"/>
+      </a:fillRef>
+      <a:effectRef idx="0">
+        <a:scrgbClr r="0" g="0" b="0"/>
+      </a:effectRef>
+      <a:fontRef idx="minor"/>
+    </dgm:style>
+  </dgm:styleLbl>
+  <dgm:styleLbl name="trBgShp">
+    <dgm:scene3d>
+      <a:camera prst="orthographicFront"/>
+      <a:lightRig rig="chilly" dir="t"/>
+    </dgm:scene3d>
+    <dgm:sp3d z="-152400" prstMaterial="matte"/>
+    <dgm:txPr/>
+    <dgm:style>
+      <a:lnRef idx="0">
+        <a:scrgbClr r="0" g="0" b="0"/>
+      </a:lnRef>
+      <a:fillRef idx="1">
+        <a:scrgbClr r="0" g="0" b="0"/>
+      </a:fillRef>
+      <a:effectRef idx="0">
+        <a:scrgbClr r="0" g="0" b="0"/>
+      </a:effectRef>
+      <a:fontRef idx="minor"/>
+    </dgm:style>
+  </dgm:styleLbl>
+  <dgm:styleLbl name="fgShp">
+    <dgm:scene3d>
+      <a:camera prst="orthographicFront"/>
+      <a:lightRig rig="chilly" dir="t"/>
+    </dgm:scene3d>
+    <dgm:sp3d z="12700" extrusionH="1700" prstMaterial="translucentPowder">
+      <a:bevelT w="25400" h="6350" prst="softRound"/>
+      <a:bevelB w="0" h="0" prst="convex"/>
+    </dgm:sp3d>
+    <dgm:txPr/>
+    <dgm:style>
+      <a:lnRef idx="0">
         <a:scrgbClr r="0" g="0" b="0"/>
       </a:lnRef>
       <a:fillRef idx="1">
@@ -9191,7 +12751,7 @@
             <a:fld id="{1D8BD707-D9CF-40AE-B4C6-C98DA3205C09}" type="datetimeFigureOut">
               <a:rPr lang="en-US" smtClean="0"/>
               <a:pPr/>
-              <a:t>9/21/2016</a:t>
+              <a:t>9/22/2016</a:t>
             </a:fld>
             <a:endParaRPr lang="en-US"/>
           </a:p>
@@ -9358,7 +12918,7 @@
             <a:fld id="{1D8BD707-D9CF-40AE-B4C6-C98DA3205C09}" type="datetimeFigureOut">
               <a:rPr lang="en-US" smtClean="0"/>
               <a:pPr/>
-              <a:t>9/21/2016</a:t>
+              <a:t>9/22/2016</a:t>
             </a:fld>
             <a:endParaRPr lang="en-US"/>
           </a:p>
@@ -9535,7 +13095,7 @@
             <a:fld id="{1D8BD707-D9CF-40AE-B4C6-C98DA3205C09}" type="datetimeFigureOut">
               <a:rPr lang="en-US" smtClean="0"/>
               <a:pPr/>
-              <a:t>9/21/2016</a:t>
+              <a:t>9/22/2016</a:t>
             </a:fld>
             <a:endParaRPr lang="en-US"/>
           </a:p>
@@ -9702,7 +13262,7 @@
             <a:fld id="{1D8BD707-D9CF-40AE-B4C6-C98DA3205C09}" type="datetimeFigureOut">
               <a:rPr lang="en-US" smtClean="0"/>
               <a:pPr/>
-              <a:t>9/21/2016</a:t>
+              <a:t>9/22/2016</a:t>
             </a:fld>
             <a:endParaRPr lang="en-US"/>
           </a:p>
@@ -9945,7 +13505,7 @@
             <a:fld id="{1D8BD707-D9CF-40AE-B4C6-C98DA3205C09}" type="datetimeFigureOut">
               <a:rPr lang="en-US" smtClean="0"/>
               <a:pPr/>
-              <a:t>9/21/2016</a:t>
+              <a:t>9/22/2016</a:t>
             </a:fld>
             <a:endParaRPr lang="en-US"/>
           </a:p>
@@ -10230,7 +13790,7 @@
             <a:fld id="{1D8BD707-D9CF-40AE-B4C6-C98DA3205C09}" type="datetimeFigureOut">
               <a:rPr lang="en-US" smtClean="0"/>
               <a:pPr/>
-              <a:t>9/21/2016</a:t>
+              <a:t>9/22/2016</a:t>
             </a:fld>
             <a:endParaRPr lang="en-US"/>
           </a:p>
@@ -10649,7 +14209,7 @@
             <a:fld id="{1D8BD707-D9CF-40AE-B4C6-C98DA3205C09}" type="datetimeFigureOut">
               <a:rPr lang="en-US" smtClean="0"/>
               <a:pPr/>
-              <a:t>9/21/2016</a:t>
+              <a:t>9/22/2016</a:t>
             </a:fld>
             <a:endParaRPr lang="en-US"/>
           </a:p>
@@ -10764,7 +14324,7 @@
             <a:fld id="{1D8BD707-D9CF-40AE-B4C6-C98DA3205C09}" type="datetimeFigureOut">
               <a:rPr lang="en-US" smtClean="0"/>
               <a:pPr/>
-              <a:t>9/21/2016</a:t>
+              <a:t>9/22/2016</a:t>
             </a:fld>
             <a:endParaRPr lang="en-US"/>
           </a:p>
@@ -10856,7 +14416,7 @@
             <a:fld id="{1D8BD707-D9CF-40AE-B4C6-C98DA3205C09}" type="datetimeFigureOut">
               <a:rPr lang="en-US" smtClean="0"/>
               <a:pPr/>
-              <a:t>9/21/2016</a:t>
+              <a:t>9/22/2016</a:t>
             </a:fld>
             <a:endParaRPr lang="en-US"/>
           </a:p>
@@ -11130,7 +14690,7 @@
             <a:fld id="{1D8BD707-D9CF-40AE-B4C6-C98DA3205C09}" type="datetimeFigureOut">
               <a:rPr lang="en-US" smtClean="0"/>
               <a:pPr/>
-              <a:t>9/21/2016</a:t>
+              <a:t>9/22/2016</a:t>
             </a:fld>
             <a:endParaRPr lang="en-US"/>
           </a:p>
@@ -11380,7 +14940,7 @@
             <a:fld id="{1D8BD707-D9CF-40AE-B4C6-C98DA3205C09}" type="datetimeFigureOut">
               <a:rPr lang="en-US" smtClean="0"/>
               <a:pPr/>
-              <a:t>9/21/2016</a:t>
+              <a:t>9/22/2016</a:t>
             </a:fld>
             <a:endParaRPr lang="en-US"/>
           </a:p>
@@ -11590,7 +15150,7 @@
             <a:fld id="{1D8BD707-D9CF-40AE-B4C6-C98DA3205C09}" type="datetimeFigureOut">
               <a:rPr lang="en-US" smtClean="0"/>
               <a:pPr/>
-              <a:t>9/21/2016</a:t>
+              <a:t>9/22/2016</a:t>
             </a:fld>
             <a:endParaRPr lang="en-US"/>
           </a:p>
@@ -12167,6 +15727,674 @@
     <p:extLst>
       <p:ext uri="{BB962C8B-B14F-4D97-AF65-F5344CB8AC3E}">
         <p14:creationId xmlns:p14="http://schemas.microsoft.com/office/powerpoint/2010/main" val="1044658037"/>
+      </p:ext>
+    </p:extLst>
+  </p:cSld>
+  <p:clrMapOvr>
+    <a:masterClrMapping/>
+  </p:clrMapOvr>
+</p:sld>
+</file>
+
+<file path=ppt/slides/slide11.xml><?xml version="1.0" encoding="utf-8"?>
+<p:sld xmlns:a="http://schemas.openxmlformats.org/drawingml/2006/main" xmlns:r="http://schemas.openxmlformats.org/officeDocument/2006/relationships" xmlns:p="http://schemas.openxmlformats.org/presentationml/2006/main">
+  <p:cSld>
+    <p:spTree>
+      <p:nvGrpSpPr>
+        <p:cNvPr id="1" name=""/>
+        <p:cNvGrpSpPr/>
+        <p:nvPr/>
+      </p:nvGrpSpPr>
+      <p:grpSpPr>
+        <a:xfrm>
+          <a:off x="0" y="0"/>
+          <a:ext cx="0" cy="0"/>
+          <a:chOff x="0" y="0"/>
+          <a:chExt cx="0" cy="0"/>
+        </a:xfrm>
+      </p:grpSpPr>
+      <p:sp>
+        <p:nvSpPr>
+          <p:cNvPr id="2" name="Title 1"/>
+          <p:cNvSpPr>
+            <a:spLocks noGrp="1"/>
+          </p:cNvSpPr>
+          <p:nvPr>
+            <p:ph type="title"/>
+          </p:nvPr>
+        </p:nvSpPr>
+        <p:spPr/>
+        <p:txBody>
+          <a:bodyPr>
+            <a:normAutofit fontScale="90000"/>
+          </a:bodyPr>
+          <a:lstStyle/>
+          <a:p>
+            <a:r>
+              <a:rPr lang="en-US" dirty="0" smtClean="0"/>
+              <a:t/>
+            </a:r>
+            <a:br>
+              <a:rPr lang="en-US" dirty="0" smtClean="0"/>
+            </a:br>
+            <a:endParaRPr lang="en-US" dirty="0"/>
+          </a:p>
+        </p:txBody>
+      </p:sp>
+      <p:sp>
+        <p:nvSpPr>
+          <p:cNvPr id="3" name="Content Placeholder 2"/>
+          <p:cNvSpPr>
+            <a:spLocks noGrp="1"/>
+          </p:cNvSpPr>
+          <p:nvPr>
+            <p:ph idx="1"/>
+          </p:nvPr>
+        </p:nvSpPr>
+        <p:spPr/>
+        <p:txBody>
+          <a:bodyPr/>
+          <a:lstStyle/>
+          <a:p>
+            <a:endParaRPr lang="en-US" dirty="0" smtClean="0"/>
+          </a:p>
+          <a:p>
+            <a:endParaRPr lang="en-US" dirty="0" smtClean="0"/>
+          </a:p>
+          <a:p>
+            <a:endParaRPr lang="en-US" dirty="0"/>
+          </a:p>
+        </p:txBody>
+      </p:sp>
+      <p:graphicFrame>
+        <p:nvGraphicFramePr>
+          <p:cNvPr id="4" name="Diagram 3"/>
+          <p:cNvGraphicFramePr/>
+          <p:nvPr>
+            <p:extLst>
+              <p:ext uri="{D42A27DB-BD31-4B8C-83A1-F6EECF244321}">
+                <p14:modId xmlns:p14="http://schemas.microsoft.com/office/powerpoint/2010/main" val="3864352614"/>
+              </p:ext>
+            </p:extLst>
+          </p:nvPr>
+        </p:nvGraphicFramePr>
+        <p:xfrm>
+          <a:off x="1524000" y="1397000"/>
+          <a:ext cx="6096000" cy="4064000"/>
+        </p:xfrm>
+        <a:graphic>
+          <a:graphicData uri="http://schemas.openxmlformats.org/drawingml/2006/diagram">
+            <dgm:relIds xmlns:dgm="http://schemas.openxmlformats.org/drawingml/2006/diagram" xmlns:r="http://schemas.openxmlformats.org/officeDocument/2006/relationships" r:dm="rId2" r:lo="rId3" r:qs="rId4" r:cs="rId5"/>
+          </a:graphicData>
+        </a:graphic>
+      </p:graphicFrame>
+    </p:spTree>
+    <p:extLst>
+      <p:ext uri="{BB962C8B-B14F-4D97-AF65-F5344CB8AC3E}">
+        <p14:creationId xmlns:p14="http://schemas.microsoft.com/office/powerpoint/2010/main" val="2295323102"/>
+      </p:ext>
+    </p:extLst>
+  </p:cSld>
+  <p:clrMapOvr>
+    <a:masterClrMapping/>
+  </p:clrMapOvr>
+</p:sld>
+</file>
+
+<file path=ppt/slides/slide12.xml><?xml version="1.0" encoding="utf-8"?>
+<p:sld xmlns:a="http://schemas.openxmlformats.org/drawingml/2006/main" xmlns:r="http://schemas.openxmlformats.org/officeDocument/2006/relationships" xmlns:p="http://schemas.openxmlformats.org/presentationml/2006/main">
+  <p:cSld>
+    <p:spTree>
+      <p:nvGrpSpPr>
+        <p:cNvPr id="1" name=""/>
+        <p:cNvGrpSpPr/>
+        <p:nvPr/>
+      </p:nvGrpSpPr>
+      <p:grpSpPr>
+        <a:xfrm>
+          <a:off x="0" y="0"/>
+          <a:ext cx="0" cy="0"/>
+          <a:chOff x="0" y="0"/>
+          <a:chExt cx="0" cy="0"/>
+        </a:xfrm>
+      </p:grpSpPr>
+      <p:sp>
+        <p:nvSpPr>
+          <p:cNvPr id="2" name="Title 1"/>
+          <p:cNvSpPr>
+            <a:spLocks noGrp="1"/>
+          </p:cNvSpPr>
+          <p:nvPr>
+            <p:ph type="title"/>
+          </p:nvPr>
+        </p:nvSpPr>
+        <p:spPr/>
+        <p:txBody>
+          <a:bodyPr/>
+          <a:lstStyle/>
+          <a:p>
+            <a:endParaRPr lang="en-US"/>
+          </a:p>
+        </p:txBody>
+      </p:sp>
+      <p:pic>
+        <p:nvPicPr>
+          <p:cNvPr id="2050" name="Picture 2"/>
+          <p:cNvPicPr>
+            <a:picLocks noGrp="1" noChangeAspect="1" noChangeArrowheads="1"/>
+          </p:cNvPicPr>
+          <p:nvPr>
+            <p:ph idx="1"/>
+          </p:nvPr>
+        </p:nvPicPr>
+        <p:blipFill>
+          <a:blip r:embed="rId2">
+            <a:clrChange>
+              <a:clrFrom>
+                <a:srgbClr val="F7F7F7"/>
+              </a:clrFrom>
+              <a:clrTo>
+                <a:srgbClr val="F7F7F7">
+                  <a:alpha val="0"/>
+                </a:srgbClr>
+              </a:clrTo>
+            </a:clrChange>
+            <a:extLst>
+              <a:ext uri="{28A0092B-C50C-407E-A947-70E740481C1C}">
+                <a14:useLocalDpi xmlns:a14="http://schemas.microsoft.com/office/drawing/2010/main" val="0"/>
+              </a:ext>
+            </a:extLst>
+          </a:blip>
+          <a:srcRect/>
+          <a:stretch>
+            <a:fillRect/>
+          </a:stretch>
+        </p:blipFill>
+        <p:spPr bwMode="auto">
+          <a:xfrm>
+            <a:off x="1700212" y="2339181"/>
+            <a:ext cx="5743575" cy="3048000"/>
+          </a:xfrm>
+          <a:prstGeom prst="rect">
+            <a:avLst/>
+          </a:prstGeom>
+          <a:noFill/>
+          <a:ln>
+            <a:noFill/>
+          </a:ln>
+          <a:extLst>
+            <a:ext uri="{909E8E84-426E-40DD-AFC4-6F175D3DCCD1}">
+              <a14:hiddenFill xmlns:a14="http://schemas.microsoft.com/office/drawing/2010/main">
+                <a:solidFill>
+                  <a:schemeClr val="accent1"/>
+                </a:solidFill>
+              </a14:hiddenFill>
+            </a:ext>
+            <a:ext uri="{91240B29-F687-4F45-9708-019B960494DF}">
+              <a14:hiddenLine xmlns:a14="http://schemas.microsoft.com/office/drawing/2010/main" w="9525">
+                <a:solidFill>
+                  <a:schemeClr val="tx1"/>
+                </a:solidFill>
+                <a:miter lim="800000"/>
+                <a:headEnd/>
+                <a:tailEnd/>
+              </a14:hiddenLine>
+            </a:ext>
+          </a:extLst>
+        </p:spPr>
+      </p:pic>
+    </p:spTree>
+    <p:extLst>
+      <p:ext uri="{BB962C8B-B14F-4D97-AF65-F5344CB8AC3E}">
+        <p14:creationId xmlns:p14="http://schemas.microsoft.com/office/powerpoint/2010/main" val="2745742463"/>
+      </p:ext>
+    </p:extLst>
+  </p:cSld>
+  <p:clrMapOvr>
+    <a:masterClrMapping/>
+  </p:clrMapOvr>
+</p:sld>
+</file>
+
+<file path=ppt/slides/slide13.xml><?xml version="1.0" encoding="utf-8"?>
+<p:sld xmlns:a="http://schemas.openxmlformats.org/drawingml/2006/main" xmlns:r="http://schemas.openxmlformats.org/officeDocument/2006/relationships" xmlns:p="http://schemas.openxmlformats.org/presentationml/2006/main">
+  <p:cSld>
+    <p:spTree>
+      <p:nvGrpSpPr>
+        <p:cNvPr id="1" name=""/>
+        <p:cNvGrpSpPr/>
+        <p:nvPr/>
+      </p:nvGrpSpPr>
+      <p:grpSpPr>
+        <a:xfrm>
+          <a:off x="0" y="0"/>
+          <a:ext cx="0" cy="0"/>
+          <a:chOff x="0" y="0"/>
+          <a:chExt cx="0" cy="0"/>
+        </a:xfrm>
+      </p:grpSpPr>
+      <p:sp>
+        <p:nvSpPr>
+          <p:cNvPr id="2" name="Title 1"/>
+          <p:cNvSpPr>
+            <a:spLocks noGrp="1"/>
+          </p:cNvSpPr>
+          <p:nvPr>
+            <p:ph type="title"/>
+          </p:nvPr>
+        </p:nvSpPr>
+        <p:spPr/>
+        <p:txBody>
+          <a:bodyPr>
+            <a:normAutofit fontScale="90000"/>
+          </a:bodyPr>
+          <a:lstStyle/>
+          <a:p>
+            <a:r>
+              <a:rPr lang="en-US" dirty="0" smtClean="0"/>
+              <a:t/>
+            </a:r>
+            <a:br>
+              <a:rPr lang="en-US" dirty="0" smtClean="0"/>
+            </a:br>
+            <a:endParaRPr lang="en-US" dirty="0"/>
+          </a:p>
+        </p:txBody>
+      </p:sp>
+      <p:sp>
+        <p:nvSpPr>
+          <p:cNvPr id="3" name="Content Placeholder 2"/>
+          <p:cNvSpPr>
+            <a:spLocks noGrp="1"/>
+          </p:cNvSpPr>
+          <p:nvPr>
+            <p:ph idx="1"/>
+          </p:nvPr>
+        </p:nvSpPr>
+        <p:spPr/>
+        <p:txBody>
+          <a:bodyPr/>
+          <a:lstStyle/>
+          <a:p>
+            <a:endParaRPr lang="en-US" dirty="0" smtClean="0"/>
+          </a:p>
+          <a:p>
+            <a:pPr marL="0" indent="0">
+              <a:buNone/>
+            </a:pPr>
+            <a:endParaRPr lang="en-US" dirty="0"/>
+          </a:p>
+        </p:txBody>
+      </p:sp>
+      <p:pic>
+        <p:nvPicPr>
+          <p:cNvPr id="3074" name="Picture 2"/>
+          <p:cNvPicPr>
+            <a:picLocks noChangeAspect="1" noChangeArrowheads="1"/>
+          </p:cNvPicPr>
+          <p:nvPr/>
+        </p:nvPicPr>
+        <p:blipFill>
+          <a:blip r:embed="rId2">
+            <a:clrChange>
+              <a:clrFrom>
+                <a:srgbClr val="F7F7F7"/>
+              </a:clrFrom>
+              <a:clrTo>
+                <a:srgbClr val="F7F7F7">
+                  <a:alpha val="0"/>
+                </a:srgbClr>
+              </a:clrTo>
+            </a:clrChange>
+            <a:extLst>
+              <a:ext uri="{28A0092B-C50C-407E-A947-70E740481C1C}">
+                <a14:useLocalDpi xmlns:a14="http://schemas.microsoft.com/office/drawing/2010/main" val="0"/>
+              </a:ext>
+            </a:extLst>
+          </a:blip>
+          <a:srcRect/>
+          <a:stretch>
+            <a:fillRect/>
+          </a:stretch>
+        </p:blipFill>
+        <p:spPr bwMode="auto">
+          <a:xfrm>
+            <a:off x="2143125" y="857250"/>
+            <a:ext cx="4857750" cy="5143500"/>
+          </a:xfrm>
+          <a:prstGeom prst="rect">
+            <a:avLst/>
+          </a:prstGeom>
+          <a:noFill/>
+          <a:ln>
+            <a:noFill/>
+          </a:ln>
+          <a:extLst>
+            <a:ext uri="{909E8E84-426E-40DD-AFC4-6F175D3DCCD1}">
+              <a14:hiddenFill xmlns:a14="http://schemas.microsoft.com/office/drawing/2010/main">
+                <a:solidFill>
+                  <a:schemeClr val="accent1"/>
+                </a:solidFill>
+              </a14:hiddenFill>
+            </a:ext>
+            <a:ext uri="{91240B29-F687-4F45-9708-019B960494DF}">
+              <a14:hiddenLine xmlns:a14="http://schemas.microsoft.com/office/drawing/2010/main" w="9525">
+                <a:solidFill>
+                  <a:schemeClr val="tx1"/>
+                </a:solidFill>
+                <a:miter lim="800000"/>
+                <a:headEnd/>
+                <a:tailEnd/>
+              </a14:hiddenLine>
+            </a:ext>
+          </a:extLst>
+        </p:spPr>
+      </p:pic>
+    </p:spTree>
+    <p:extLst>
+      <p:ext uri="{BB962C8B-B14F-4D97-AF65-F5344CB8AC3E}">
+        <p14:creationId xmlns:p14="http://schemas.microsoft.com/office/powerpoint/2010/main" val="1306052275"/>
+      </p:ext>
+    </p:extLst>
+  </p:cSld>
+  <p:clrMapOvr>
+    <a:masterClrMapping/>
+  </p:clrMapOvr>
+</p:sld>
+</file>
+
+<file path=ppt/slides/slide14.xml><?xml version="1.0" encoding="utf-8"?>
+<p:sld xmlns:a="http://schemas.openxmlformats.org/drawingml/2006/main" xmlns:r="http://schemas.openxmlformats.org/officeDocument/2006/relationships" xmlns:p="http://schemas.openxmlformats.org/presentationml/2006/main">
+  <p:cSld>
+    <p:spTree>
+      <p:nvGrpSpPr>
+        <p:cNvPr id="1" name=""/>
+        <p:cNvGrpSpPr/>
+        <p:nvPr/>
+      </p:nvGrpSpPr>
+      <p:grpSpPr>
+        <a:xfrm>
+          <a:off x="0" y="0"/>
+          <a:ext cx="0" cy="0"/>
+          <a:chOff x="0" y="0"/>
+          <a:chExt cx="0" cy="0"/>
+        </a:xfrm>
+      </p:grpSpPr>
+      <p:sp>
+        <p:nvSpPr>
+          <p:cNvPr id="2" name="Title 1"/>
+          <p:cNvSpPr>
+            <a:spLocks noGrp="1"/>
+          </p:cNvSpPr>
+          <p:nvPr>
+            <p:ph type="title"/>
+          </p:nvPr>
+        </p:nvSpPr>
+        <p:spPr/>
+        <p:txBody>
+          <a:bodyPr>
+            <a:normAutofit fontScale="90000"/>
+          </a:bodyPr>
+          <a:lstStyle/>
+          <a:p>
+            <a:r>
+              <a:rPr lang="en-US" dirty="0" smtClean="0"/>
+              <a:t/>
+            </a:r>
+            <a:br>
+              <a:rPr lang="en-US" dirty="0" smtClean="0"/>
+            </a:br>
+            <a:endParaRPr lang="en-US" dirty="0"/>
+          </a:p>
+        </p:txBody>
+      </p:sp>
+      <p:sp>
+        <p:nvSpPr>
+          <p:cNvPr id="3" name="Content Placeholder 2"/>
+          <p:cNvSpPr>
+            <a:spLocks noGrp="1"/>
+          </p:cNvSpPr>
+          <p:nvPr>
+            <p:ph idx="1"/>
+          </p:nvPr>
+        </p:nvSpPr>
+        <p:spPr/>
+        <p:txBody>
+          <a:bodyPr/>
+          <a:lstStyle/>
+          <a:p>
+            <a:endParaRPr lang="en-US" dirty="0" smtClean="0"/>
+          </a:p>
+          <a:p>
+            <a:pPr marL="0" indent="0">
+              <a:buNone/>
+            </a:pPr>
+            <a:endParaRPr lang="en-US" dirty="0"/>
+          </a:p>
+        </p:txBody>
+      </p:sp>
+      <p:pic>
+        <p:nvPicPr>
+          <p:cNvPr id="4098" name="Picture 2"/>
+          <p:cNvPicPr>
+            <a:picLocks noChangeAspect="1" noChangeArrowheads="1"/>
+          </p:cNvPicPr>
+          <p:nvPr/>
+        </p:nvPicPr>
+        <p:blipFill>
+          <a:blip r:embed="rId2">
+            <a:clrChange>
+              <a:clrFrom>
+                <a:srgbClr val="F7F7F7"/>
+              </a:clrFrom>
+              <a:clrTo>
+                <a:srgbClr val="F7F7F7">
+                  <a:alpha val="0"/>
+                </a:srgbClr>
+              </a:clrTo>
+            </a:clrChange>
+            <a:extLst>
+              <a:ext uri="{28A0092B-C50C-407E-A947-70E740481C1C}">
+                <a14:useLocalDpi xmlns:a14="http://schemas.microsoft.com/office/drawing/2010/main" val="0"/>
+              </a:ext>
+            </a:extLst>
+          </a:blip>
+          <a:srcRect/>
+          <a:stretch>
+            <a:fillRect/>
+          </a:stretch>
+        </p:blipFill>
+        <p:spPr bwMode="auto">
+          <a:xfrm>
+            <a:off x="2095500" y="714375"/>
+            <a:ext cx="4953000" cy="5429250"/>
+          </a:xfrm>
+          <a:prstGeom prst="rect">
+            <a:avLst/>
+          </a:prstGeom>
+          <a:noFill/>
+          <a:ln>
+            <a:noFill/>
+          </a:ln>
+          <a:extLst>
+            <a:ext uri="{909E8E84-426E-40DD-AFC4-6F175D3DCCD1}">
+              <a14:hiddenFill xmlns:a14="http://schemas.microsoft.com/office/drawing/2010/main">
+                <a:solidFill>
+                  <a:schemeClr val="accent1"/>
+                </a:solidFill>
+              </a14:hiddenFill>
+            </a:ext>
+            <a:ext uri="{91240B29-F687-4F45-9708-019B960494DF}">
+              <a14:hiddenLine xmlns:a14="http://schemas.microsoft.com/office/drawing/2010/main" w="9525">
+                <a:solidFill>
+                  <a:schemeClr val="tx1"/>
+                </a:solidFill>
+                <a:miter lim="800000"/>
+                <a:headEnd/>
+                <a:tailEnd/>
+              </a14:hiddenLine>
+            </a:ext>
+          </a:extLst>
+        </p:spPr>
+      </p:pic>
+    </p:spTree>
+    <p:extLst>
+      <p:ext uri="{BB962C8B-B14F-4D97-AF65-F5344CB8AC3E}">
+        <p14:creationId xmlns:p14="http://schemas.microsoft.com/office/powerpoint/2010/main" val="3886907763"/>
+      </p:ext>
+    </p:extLst>
+  </p:cSld>
+  <p:clrMapOvr>
+    <a:masterClrMapping/>
+  </p:clrMapOvr>
+</p:sld>
+</file>
+
+<file path=ppt/slides/slide15.xml><?xml version="1.0" encoding="utf-8"?>
+<p:sld xmlns:a="http://schemas.openxmlformats.org/drawingml/2006/main" xmlns:r="http://schemas.openxmlformats.org/officeDocument/2006/relationships" xmlns:p="http://schemas.openxmlformats.org/presentationml/2006/main">
+  <p:cSld>
+    <p:spTree>
+      <p:nvGrpSpPr>
+        <p:cNvPr id="1" name=""/>
+        <p:cNvGrpSpPr/>
+        <p:nvPr/>
+      </p:nvGrpSpPr>
+      <p:grpSpPr>
+        <a:xfrm>
+          <a:off x="0" y="0"/>
+          <a:ext cx="0" cy="0"/>
+          <a:chOff x="0" y="0"/>
+          <a:chExt cx="0" cy="0"/>
+        </a:xfrm>
+      </p:grpSpPr>
+      <p:sp>
+        <p:nvSpPr>
+          <p:cNvPr id="2" name="Title 1"/>
+          <p:cNvSpPr>
+            <a:spLocks noGrp="1"/>
+          </p:cNvSpPr>
+          <p:nvPr>
+            <p:ph type="title"/>
+          </p:nvPr>
+        </p:nvSpPr>
+        <p:spPr/>
+        <p:txBody>
+          <a:bodyPr>
+            <a:normAutofit fontScale="90000"/>
+          </a:bodyPr>
+          <a:lstStyle/>
+          <a:p>
+            <a:r>
+              <a:rPr lang="en-US" dirty="0" smtClean="0"/>
+              <a:t/>
+            </a:r>
+            <a:br>
+              <a:rPr lang="en-US" dirty="0" smtClean="0"/>
+            </a:br>
+            <a:r>
+              <a:rPr lang="en-US" dirty="0"/>
+              <a:t/>
+            </a:r>
+            <a:br>
+              <a:rPr lang="en-US" dirty="0"/>
+            </a:br>
+            <a:endParaRPr lang="en-US" dirty="0"/>
+          </a:p>
+        </p:txBody>
+      </p:sp>
+      <p:sp>
+        <p:nvSpPr>
+          <p:cNvPr id="3" name="Content Placeholder 2"/>
+          <p:cNvSpPr>
+            <a:spLocks noGrp="1"/>
+          </p:cNvSpPr>
+          <p:nvPr>
+            <p:ph idx="1"/>
+          </p:nvPr>
+        </p:nvSpPr>
+        <p:spPr/>
+        <p:txBody>
+          <a:bodyPr/>
+          <a:lstStyle/>
+          <a:p>
+            <a:endParaRPr lang="en-US" dirty="0" smtClean="0"/>
+          </a:p>
+          <a:p>
+            <a:pPr marL="0" indent="0">
+              <a:buNone/>
+            </a:pPr>
+            <a:endParaRPr lang="en-US" dirty="0"/>
+          </a:p>
+        </p:txBody>
+      </p:sp>
+      <p:pic>
+        <p:nvPicPr>
+          <p:cNvPr id="5122" name="Picture 2"/>
+          <p:cNvPicPr>
+            <a:picLocks noChangeAspect="1" noChangeArrowheads="1"/>
+          </p:cNvPicPr>
+          <p:nvPr/>
+        </p:nvPicPr>
+        <p:blipFill>
+          <a:blip r:embed="rId2">
+            <a:clrChange>
+              <a:clrFrom>
+                <a:srgbClr val="F7F7F7"/>
+              </a:clrFrom>
+              <a:clrTo>
+                <a:srgbClr val="F7F7F7">
+                  <a:alpha val="0"/>
+                </a:srgbClr>
+              </a:clrTo>
+            </a:clrChange>
+            <a:extLst>
+              <a:ext uri="{28A0092B-C50C-407E-A947-70E740481C1C}">
+                <a14:useLocalDpi xmlns:a14="http://schemas.microsoft.com/office/drawing/2010/main" val="0"/>
+              </a:ext>
+            </a:extLst>
+          </a:blip>
+          <a:srcRect/>
+          <a:stretch>
+            <a:fillRect/>
+          </a:stretch>
+        </p:blipFill>
+        <p:spPr bwMode="auto">
+          <a:xfrm>
+            <a:off x="2224088" y="1004888"/>
+            <a:ext cx="4695825" cy="4848225"/>
+          </a:xfrm>
+          <a:prstGeom prst="rect">
+            <a:avLst/>
+          </a:prstGeom>
+          <a:noFill/>
+          <a:ln>
+            <a:noFill/>
+          </a:ln>
+          <a:extLst>
+            <a:ext uri="{909E8E84-426E-40DD-AFC4-6F175D3DCCD1}">
+              <a14:hiddenFill xmlns:a14="http://schemas.microsoft.com/office/drawing/2010/main">
+                <a:solidFill>
+                  <a:schemeClr val="accent1"/>
+                </a:solidFill>
+              </a14:hiddenFill>
+            </a:ext>
+            <a:ext uri="{91240B29-F687-4F45-9708-019B960494DF}">
+              <a14:hiddenLine xmlns:a14="http://schemas.microsoft.com/office/drawing/2010/main" w="9525">
+                <a:solidFill>
+                  <a:schemeClr val="tx1"/>
+                </a:solidFill>
+                <a:miter lim="800000"/>
+                <a:headEnd/>
+                <a:tailEnd/>
+              </a14:hiddenLine>
+            </a:ext>
+          </a:extLst>
+        </p:spPr>
+      </p:pic>
+    </p:spTree>
+    <p:extLst>
+      <p:ext uri="{BB962C8B-B14F-4D97-AF65-F5344CB8AC3E}">
+        <p14:creationId xmlns:p14="http://schemas.microsoft.com/office/powerpoint/2010/main" val="2586967119"/>
       </p:ext>
     </p:extLst>
   </p:cSld>
@@ -12997,7 +17225,7 @@
         <p:spPr bwMode="auto">
           <a:xfrm>
             <a:off x="609600" y="-381000"/>
-            <a:ext cx="9144000" cy="6858000"/>
+            <a:ext cx="8026400" cy="6019800"/>
           </a:xfrm>
           <a:prstGeom prst="rect">
             <a:avLst/>

--- a/pictures.pptx
+++ b/pictures.pptx
@@ -3301,10 +3301,10 @@
     <dgm:cxn modelId="{275DCCED-1CF8-47A7-B91F-8CAC53BF4272}" type="presOf" srcId="{5D21D8BC-666E-4114-80E6-FA46EFBB1481}" destId="{F879393D-987D-4A4F-9334-D42AB832B066}" srcOrd="0" destOrd="0" presId="urn:microsoft.com/office/officeart/2005/8/layout/chevron1"/>
     <dgm:cxn modelId="{44F816F0-8F9B-4FCC-BC66-8CEB73A0B259}" srcId="{5D21D8BC-666E-4114-80E6-FA46EFBB1481}" destId="{22E627A8-270D-449A-9889-7489D589131E}" srcOrd="1" destOrd="0" parTransId="{5F8071CA-105D-46D2-8F43-FD742F090B0D}" sibTransId="{4D18BCB8-F079-4C81-93C0-0D6AE7277CB1}"/>
     <dgm:cxn modelId="{F096248B-DBD5-44C4-9262-47B37A3486C9}" type="presOf" srcId="{B777BD26-EC81-4478-9E42-1BFF505858F2}" destId="{C62F374F-7C9B-4AD8-A4E0-355BE21DECAD}" srcOrd="0" destOrd="0" presId="urn:microsoft.com/office/officeart/2005/8/layout/chevron1"/>
-    <dgm:cxn modelId="{F33B0DB6-20CB-44F7-819B-E3108391589E}" type="presOf" srcId="{22E627A8-270D-449A-9889-7489D589131E}" destId="{5BAAEAA7-D021-43B8-879F-390B2EF9DB92}" srcOrd="0" destOrd="0" presId="urn:microsoft.com/office/officeart/2005/8/layout/chevron1"/>
+    <dgm:cxn modelId="{E7B56E9F-FBA9-47CC-A31A-3639C09881DD}" srcId="{5D21D8BC-666E-4114-80E6-FA46EFBB1481}" destId="{74A560BC-7102-44EB-877C-7E4ECCDE9746}" srcOrd="2" destOrd="0" parTransId="{2E880692-1496-4A21-B250-C67B174AF5EB}" sibTransId="{F3E5B471-7858-41A3-BE7B-1A274593F4CB}"/>
     <dgm:cxn modelId="{ACFE56FE-85BB-4734-9CEE-F820EA779125}" srcId="{5D21D8BC-666E-4114-80E6-FA46EFBB1481}" destId="{B777BD26-EC81-4478-9E42-1BFF505858F2}" srcOrd="0" destOrd="0" parTransId="{A174C541-9C03-422C-9349-36B0589ADCEC}" sibTransId="{2A43A43A-D58F-4F84-A074-0A4612A5D417}"/>
     <dgm:cxn modelId="{2C03FBD0-A5EE-4978-AD78-DF65A6DFCD23}" type="presOf" srcId="{74A560BC-7102-44EB-877C-7E4ECCDE9746}" destId="{68FBF925-E59F-4056-9E04-C1A849D3EDC9}" srcOrd="0" destOrd="0" presId="urn:microsoft.com/office/officeart/2005/8/layout/chevron1"/>
-    <dgm:cxn modelId="{E7B56E9F-FBA9-47CC-A31A-3639C09881DD}" srcId="{5D21D8BC-666E-4114-80E6-FA46EFBB1481}" destId="{74A560BC-7102-44EB-877C-7E4ECCDE9746}" srcOrd="2" destOrd="0" parTransId="{2E880692-1496-4A21-B250-C67B174AF5EB}" sibTransId="{F3E5B471-7858-41A3-BE7B-1A274593F4CB}"/>
+    <dgm:cxn modelId="{F33B0DB6-20CB-44F7-819B-E3108391589E}" type="presOf" srcId="{22E627A8-270D-449A-9889-7489D589131E}" destId="{5BAAEAA7-D021-43B8-879F-390B2EF9DB92}" srcOrd="0" destOrd="0" presId="urn:microsoft.com/office/officeart/2005/8/layout/chevron1"/>
     <dgm:cxn modelId="{D28DC277-4588-4CED-A3B9-C378A09561F5}" type="presParOf" srcId="{F879393D-987D-4A4F-9334-D42AB832B066}" destId="{C62F374F-7C9B-4AD8-A4E0-355BE21DECAD}" srcOrd="0" destOrd="0" presId="urn:microsoft.com/office/officeart/2005/8/layout/chevron1"/>
     <dgm:cxn modelId="{7AA790E6-6EB5-49C5-96E3-E55D9F51A029}" type="presParOf" srcId="{F879393D-987D-4A4F-9334-D42AB832B066}" destId="{D9D3CDE9-440A-4E0F-9713-36C6DCD423EE}" srcOrd="1" destOrd="0" presId="urn:microsoft.com/office/officeart/2005/8/layout/chevron1"/>
     <dgm:cxn modelId="{92256D3B-D8D0-45EC-AA96-D725095AB19A}" type="presParOf" srcId="{F879393D-987D-4A4F-9334-D42AB832B066}" destId="{5BAAEAA7-D021-43B8-879F-390B2EF9DB92}" srcOrd="2" destOrd="0" presId="urn:microsoft.com/office/officeart/2005/8/layout/chevron1"/>
@@ -3315,7 +3315,7 @@
   <dgm:whole/>
   <dgm:extLst>
     <a:ext uri="http://schemas.microsoft.com/office/drawing/2008/diagram">
-      <dsp:dataModelExt xmlns:dsp="http://schemas.microsoft.com/office/drawing/2008/diagram" relId="rId6" minVer="http://schemas.openxmlformats.org/drawingml/2006/diagram"/>
+      <dsp:dataModelExt xmlns:dsp="http://schemas.microsoft.com/office/drawing/2008/diagram" xmlns="" relId="rId6" minVer="http://schemas.openxmlformats.org/drawingml/2006/diagram"/>
     </a:ext>
   </dgm:extLst>
 </dgm:dataModel>
@@ -3798,21 +3798,21 @@
     </dgm:pt>
   </dgm:ptLst>
   <dgm:cxnLst>
+    <dgm:cxn modelId="{0634C07E-9B92-4862-AE73-669FB447C23A}" type="presOf" srcId="{B537E5C6-AC88-45DE-A692-878DAC35B119}" destId="{5535CA09-926A-457A-A4B7-21390F15F94F}" srcOrd="0" destOrd="0" presId="urn:microsoft.com/office/officeart/2005/8/layout/chevron1"/>
     <dgm:cxn modelId="{6189A4AA-D7EB-418F-9F2D-C66AC3C01A62}" srcId="{9450D4C9-C4B2-4911-A89A-514780CB9F15}" destId="{C97B20BC-3CBA-411F-AB14-F158490C5BCC}" srcOrd="6" destOrd="0" parTransId="{F7EE3B89-45E3-4220-BAF4-37722295D274}" sibTransId="{484765B2-A338-4F5A-B411-50FEAAE111D8}"/>
+    <dgm:cxn modelId="{3472B545-712D-4EE5-A0FD-FCCE69A3F421}" srcId="{9450D4C9-C4B2-4911-A89A-514780CB9F15}" destId="{8A145133-89F4-4E11-BED7-033969110BEF}" srcOrd="4" destOrd="0" parTransId="{06C89CBF-459F-4019-BA59-A67EB395C5B9}" sibTransId="{A211C329-5A6A-4787-B4B1-98439EF8D8DC}"/>
+    <dgm:cxn modelId="{C378ED72-E206-4B76-B23C-B3B4B3340B73}" srcId="{9450D4C9-C4B2-4911-A89A-514780CB9F15}" destId="{CF478C61-00AD-4194-8D4F-7DB2AE098B5C}" srcOrd="5" destOrd="0" parTransId="{2EC35964-DAF3-4C89-B364-499868C294A8}" sibTransId="{58567C9B-A274-4468-A0E3-EA814A581623}"/>
+    <dgm:cxn modelId="{B22E7FC3-8354-4071-9729-712A64B6BD46}" type="presOf" srcId="{9450D4C9-C4B2-4911-A89A-514780CB9F15}" destId="{460ED21A-C4DB-432F-A891-283E6D30FEEE}" srcOrd="0" destOrd="0" presId="urn:microsoft.com/office/officeart/2005/8/layout/chevron1"/>
+    <dgm:cxn modelId="{5F875D11-DB50-43F9-BDF2-78334F8D7E58}" srcId="{9450D4C9-C4B2-4911-A89A-514780CB9F15}" destId="{64331C73-F894-4973-9E15-1A620C348097}" srcOrd="0" destOrd="0" parTransId="{77CFB40D-6F23-4B24-A619-E0E618CEB0D8}" sibTransId="{FFC0C0DB-5B55-4194-A6BD-4ACC55D2B470}"/>
+    <dgm:cxn modelId="{482379BC-5645-4FD0-878F-8EC4CDA2EED3}" type="presOf" srcId="{CF478C61-00AD-4194-8D4F-7DB2AE098B5C}" destId="{1214DDDF-E3A3-4EB3-BFBD-CAE78864CA50}" srcOrd="0" destOrd="0" presId="urn:microsoft.com/office/officeart/2005/8/layout/chevron1"/>
+    <dgm:cxn modelId="{7000B5C2-4F63-48D2-B345-7AAD7E3D400A}" type="presOf" srcId="{C97B20BC-3CBA-411F-AB14-F158490C5BCC}" destId="{5D5D5C88-985A-485D-991E-57409E5BC77A}" srcOrd="0" destOrd="0" presId="urn:microsoft.com/office/officeart/2005/8/layout/chevron1"/>
+    <dgm:cxn modelId="{DCDA388B-27FF-47A0-B71D-9F49880F0540}" type="presOf" srcId="{64331C73-F894-4973-9E15-1A620C348097}" destId="{09A00682-3313-476D-9195-849AA0621560}" srcOrd="0" destOrd="0" presId="urn:microsoft.com/office/officeart/2005/8/layout/chevron1"/>
+    <dgm:cxn modelId="{863F3A18-B337-4D3B-86F0-8953E07EAC44}" srcId="{9450D4C9-C4B2-4911-A89A-514780CB9F15}" destId="{868111AE-E299-4D01-BF58-8129A9506C06}" srcOrd="1" destOrd="0" parTransId="{C75652AF-634A-420D-9D96-F9B77B193B68}" sibTransId="{44CBE08D-1567-41F1-8953-1BAC21412B7A}"/>
+    <dgm:cxn modelId="{09C829B3-9421-472C-992B-F9C6C7EA8079}" srcId="{9450D4C9-C4B2-4911-A89A-514780CB9F15}" destId="{962489C9-99E7-4179-9C22-D64CAB835C31}" srcOrd="3" destOrd="0" parTransId="{44042CD2-4D4B-4F8B-847E-88E42BCD2928}" sibTransId="{4A484662-FBA7-4F43-BE10-51AB84EA0D6F}"/>
     <dgm:cxn modelId="{C04C286E-F3CB-4F9C-A9D3-E1C714569928}" type="presOf" srcId="{962489C9-99E7-4179-9C22-D64CAB835C31}" destId="{9D68CD03-B1A7-4BEA-B058-FD22B6150897}" srcOrd="0" destOrd="0" presId="urn:microsoft.com/office/officeart/2005/8/layout/chevron1"/>
-    <dgm:cxn modelId="{3472B545-712D-4EE5-A0FD-FCCE69A3F421}" srcId="{9450D4C9-C4B2-4911-A89A-514780CB9F15}" destId="{8A145133-89F4-4E11-BED7-033969110BEF}" srcOrd="4" destOrd="0" parTransId="{06C89CBF-459F-4019-BA59-A67EB395C5B9}" sibTransId="{A211C329-5A6A-4787-B4B1-98439EF8D8DC}"/>
+    <dgm:cxn modelId="{57BA3C68-BC2F-4757-8247-D0ABECA113C8}" type="presOf" srcId="{8A145133-89F4-4E11-BED7-033969110BEF}" destId="{47EC26A5-DB58-47F3-B21F-7ECE3520D744}" srcOrd="0" destOrd="0" presId="urn:microsoft.com/office/officeart/2005/8/layout/chevron1"/>
     <dgm:cxn modelId="{9DF62359-97EF-4CF4-AE53-CD7F768719C7}" srcId="{9450D4C9-C4B2-4911-A89A-514780CB9F15}" destId="{B537E5C6-AC88-45DE-A692-878DAC35B119}" srcOrd="2" destOrd="0" parTransId="{21C1899A-364B-44E7-8777-92B33ED6457F}" sibTransId="{DE041BA8-1086-4C93-A56B-5A6A7F7943AB}"/>
-    <dgm:cxn modelId="{09C829B3-9421-472C-992B-F9C6C7EA8079}" srcId="{9450D4C9-C4B2-4911-A89A-514780CB9F15}" destId="{962489C9-99E7-4179-9C22-D64CAB835C31}" srcOrd="3" destOrd="0" parTransId="{44042CD2-4D4B-4F8B-847E-88E42BCD2928}" sibTransId="{4A484662-FBA7-4F43-BE10-51AB84EA0D6F}"/>
-    <dgm:cxn modelId="{7000B5C2-4F63-48D2-B345-7AAD7E3D400A}" type="presOf" srcId="{C97B20BC-3CBA-411F-AB14-F158490C5BCC}" destId="{5D5D5C88-985A-485D-991E-57409E5BC77A}" srcOrd="0" destOrd="0" presId="urn:microsoft.com/office/officeart/2005/8/layout/chevron1"/>
     <dgm:cxn modelId="{7301DC52-2307-4D26-BB4E-D7886F63C24A}" type="presOf" srcId="{868111AE-E299-4D01-BF58-8129A9506C06}" destId="{771B5359-AC59-491F-AE7E-C91287E4A360}" srcOrd="0" destOrd="0" presId="urn:microsoft.com/office/officeart/2005/8/layout/chevron1"/>
-    <dgm:cxn modelId="{C378ED72-E206-4B76-B23C-B3B4B3340B73}" srcId="{9450D4C9-C4B2-4911-A89A-514780CB9F15}" destId="{CF478C61-00AD-4194-8D4F-7DB2AE098B5C}" srcOrd="5" destOrd="0" parTransId="{2EC35964-DAF3-4C89-B364-499868C294A8}" sibTransId="{58567C9B-A274-4468-A0E3-EA814A581623}"/>
-    <dgm:cxn modelId="{482379BC-5645-4FD0-878F-8EC4CDA2EED3}" type="presOf" srcId="{CF478C61-00AD-4194-8D4F-7DB2AE098B5C}" destId="{1214DDDF-E3A3-4EB3-BFBD-CAE78864CA50}" srcOrd="0" destOrd="0" presId="urn:microsoft.com/office/officeart/2005/8/layout/chevron1"/>
-    <dgm:cxn modelId="{0634C07E-9B92-4862-AE73-669FB447C23A}" type="presOf" srcId="{B537E5C6-AC88-45DE-A692-878DAC35B119}" destId="{5535CA09-926A-457A-A4B7-21390F15F94F}" srcOrd="0" destOrd="0" presId="urn:microsoft.com/office/officeart/2005/8/layout/chevron1"/>
-    <dgm:cxn modelId="{57BA3C68-BC2F-4757-8247-D0ABECA113C8}" type="presOf" srcId="{8A145133-89F4-4E11-BED7-033969110BEF}" destId="{47EC26A5-DB58-47F3-B21F-7ECE3520D744}" srcOrd="0" destOrd="0" presId="urn:microsoft.com/office/officeart/2005/8/layout/chevron1"/>
-    <dgm:cxn modelId="{B22E7FC3-8354-4071-9729-712A64B6BD46}" type="presOf" srcId="{9450D4C9-C4B2-4911-A89A-514780CB9F15}" destId="{460ED21A-C4DB-432F-A891-283E6D30FEEE}" srcOrd="0" destOrd="0" presId="urn:microsoft.com/office/officeart/2005/8/layout/chevron1"/>
-    <dgm:cxn modelId="{863F3A18-B337-4D3B-86F0-8953E07EAC44}" srcId="{9450D4C9-C4B2-4911-A89A-514780CB9F15}" destId="{868111AE-E299-4D01-BF58-8129A9506C06}" srcOrd="1" destOrd="0" parTransId="{C75652AF-634A-420D-9D96-F9B77B193B68}" sibTransId="{44CBE08D-1567-41F1-8953-1BAC21412B7A}"/>
-    <dgm:cxn modelId="{5F875D11-DB50-43F9-BDF2-78334F8D7E58}" srcId="{9450D4C9-C4B2-4911-A89A-514780CB9F15}" destId="{64331C73-F894-4973-9E15-1A620C348097}" srcOrd="0" destOrd="0" parTransId="{77CFB40D-6F23-4B24-A619-E0E618CEB0D8}" sibTransId="{FFC0C0DB-5B55-4194-A6BD-4ACC55D2B470}"/>
-    <dgm:cxn modelId="{DCDA388B-27FF-47A0-B71D-9F49880F0540}" type="presOf" srcId="{64331C73-F894-4973-9E15-1A620C348097}" destId="{09A00682-3313-476D-9195-849AA0621560}" srcOrd="0" destOrd="0" presId="urn:microsoft.com/office/officeart/2005/8/layout/chevron1"/>
     <dgm:cxn modelId="{1F1AC9A6-1863-4DF6-8A35-A9EC6BD71052}" type="presParOf" srcId="{460ED21A-C4DB-432F-A891-283E6D30FEEE}" destId="{09A00682-3313-476D-9195-849AA0621560}" srcOrd="0" destOrd="0" presId="urn:microsoft.com/office/officeart/2005/8/layout/chevron1"/>
     <dgm:cxn modelId="{2F60A8DF-413C-41EB-8BDD-E90ED6C35836}" type="presParOf" srcId="{460ED21A-C4DB-432F-A891-283E6D30FEEE}" destId="{99E3799A-A836-4FE8-B104-89D1C921FE24}" srcOrd="1" destOrd="0" presId="urn:microsoft.com/office/officeart/2005/8/layout/chevron1"/>
     <dgm:cxn modelId="{118B86F9-54D1-46F1-92FC-BA458827B6E9}" type="presParOf" srcId="{460ED21A-C4DB-432F-A891-283E6D30FEEE}" destId="{771B5359-AC59-491F-AE7E-C91287E4A360}" srcOrd="2" destOrd="0" presId="urn:microsoft.com/office/officeart/2005/8/layout/chevron1"/>
@@ -3831,7 +3831,7 @@
   <dgm:whole/>
   <dgm:extLst>
     <a:ext uri="http://schemas.microsoft.com/office/drawing/2008/diagram">
-      <dsp:dataModelExt xmlns:dsp="http://schemas.microsoft.com/office/drawing/2008/diagram" relId="rId6" minVer="http://schemas.openxmlformats.org/drawingml/2006/diagram"/>
+      <dsp:dataModelExt xmlns:dsp="http://schemas.microsoft.com/office/drawing/2008/diagram" xmlns="" relId="rId6" minVer="http://schemas.openxmlformats.org/drawingml/2006/diagram"/>
     </a:ext>
   </dgm:extLst>
 </dgm:dataModel>
@@ -4314,21 +4314,21 @@
     </dgm:pt>
   </dgm:ptLst>
   <dgm:cxnLst>
+    <dgm:cxn modelId="{9DF62359-97EF-4CF4-AE53-CD7F768719C7}" srcId="{9450D4C9-C4B2-4911-A89A-514780CB9F15}" destId="{B537E5C6-AC88-45DE-A692-878DAC35B119}" srcOrd="2" destOrd="0" parTransId="{21C1899A-364B-44E7-8777-92B33ED6457F}" sibTransId="{DE041BA8-1086-4C93-A56B-5A6A7F7943AB}"/>
+    <dgm:cxn modelId="{5F875D11-DB50-43F9-BDF2-78334F8D7E58}" srcId="{9450D4C9-C4B2-4911-A89A-514780CB9F15}" destId="{64331C73-F894-4973-9E15-1A620C348097}" srcOrd="0" destOrd="0" parTransId="{77CFB40D-6F23-4B24-A619-E0E618CEB0D8}" sibTransId="{FFC0C0DB-5B55-4194-A6BD-4ACC55D2B470}"/>
+    <dgm:cxn modelId="{926CA9DC-DF6F-4A9D-9612-83D48BE5EA1C}" type="presOf" srcId="{64331C73-F894-4973-9E15-1A620C348097}" destId="{09A00682-3313-476D-9195-849AA0621560}" srcOrd="0" destOrd="0" presId="urn:microsoft.com/office/officeart/2005/8/layout/chevron1"/>
+    <dgm:cxn modelId="{3472B545-712D-4EE5-A0FD-FCCE69A3F421}" srcId="{9450D4C9-C4B2-4911-A89A-514780CB9F15}" destId="{8A145133-89F4-4E11-BED7-033969110BEF}" srcOrd="4" destOrd="0" parTransId="{06C89CBF-459F-4019-BA59-A67EB395C5B9}" sibTransId="{A211C329-5A6A-4787-B4B1-98439EF8D8DC}"/>
+    <dgm:cxn modelId="{6189A4AA-D7EB-418F-9F2D-C66AC3C01A62}" srcId="{9450D4C9-C4B2-4911-A89A-514780CB9F15}" destId="{C97B20BC-3CBA-411F-AB14-F158490C5BCC}" srcOrd="6" destOrd="0" parTransId="{F7EE3B89-45E3-4220-BAF4-37722295D274}" sibTransId="{484765B2-A338-4F5A-B411-50FEAAE111D8}"/>
+    <dgm:cxn modelId="{639D5D99-9E2A-4A71-BD4D-065403E54717}" type="presOf" srcId="{B537E5C6-AC88-45DE-A692-878DAC35B119}" destId="{5535CA09-926A-457A-A4B7-21390F15F94F}" srcOrd="0" destOrd="0" presId="urn:microsoft.com/office/officeart/2005/8/layout/chevron1"/>
+    <dgm:cxn modelId="{B3F5CCFA-FE39-4B4E-9CFC-BD7D8A83E842}" type="presOf" srcId="{CF478C61-00AD-4194-8D4F-7DB2AE098B5C}" destId="{1214DDDF-E3A3-4EB3-BFBD-CAE78864CA50}" srcOrd="0" destOrd="0" presId="urn:microsoft.com/office/officeart/2005/8/layout/chevron1"/>
+    <dgm:cxn modelId="{1C1DB8ED-0C78-4531-81AD-594F179D4A4A}" type="presOf" srcId="{8A145133-89F4-4E11-BED7-033969110BEF}" destId="{47EC26A5-DB58-47F3-B21F-7ECE3520D744}" srcOrd="0" destOrd="0" presId="urn:microsoft.com/office/officeart/2005/8/layout/chevron1"/>
+    <dgm:cxn modelId="{863F3A18-B337-4D3B-86F0-8953E07EAC44}" srcId="{9450D4C9-C4B2-4911-A89A-514780CB9F15}" destId="{868111AE-E299-4D01-BF58-8129A9506C06}" srcOrd="1" destOrd="0" parTransId="{C75652AF-634A-420D-9D96-F9B77B193B68}" sibTransId="{44CBE08D-1567-41F1-8953-1BAC21412B7A}"/>
     <dgm:cxn modelId="{A4A6F842-F938-4989-939A-E610F0BEDC3D}" type="presOf" srcId="{9450D4C9-C4B2-4911-A89A-514780CB9F15}" destId="{460ED21A-C4DB-432F-A891-283E6D30FEEE}" srcOrd="0" destOrd="0" presId="urn:microsoft.com/office/officeart/2005/8/layout/chevron1"/>
     <dgm:cxn modelId="{C378ED72-E206-4B76-B23C-B3B4B3340B73}" srcId="{9450D4C9-C4B2-4911-A89A-514780CB9F15}" destId="{CF478C61-00AD-4194-8D4F-7DB2AE098B5C}" srcOrd="5" destOrd="0" parTransId="{2EC35964-DAF3-4C89-B364-499868C294A8}" sibTransId="{58567C9B-A274-4468-A0E3-EA814A581623}"/>
-    <dgm:cxn modelId="{5F875D11-DB50-43F9-BDF2-78334F8D7E58}" srcId="{9450D4C9-C4B2-4911-A89A-514780CB9F15}" destId="{64331C73-F894-4973-9E15-1A620C348097}" srcOrd="0" destOrd="0" parTransId="{77CFB40D-6F23-4B24-A619-E0E618CEB0D8}" sibTransId="{FFC0C0DB-5B55-4194-A6BD-4ACC55D2B470}"/>
-    <dgm:cxn modelId="{9DF62359-97EF-4CF4-AE53-CD7F768719C7}" srcId="{9450D4C9-C4B2-4911-A89A-514780CB9F15}" destId="{B537E5C6-AC88-45DE-A692-878DAC35B119}" srcOrd="2" destOrd="0" parTransId="{21C1899A-364B-44E7-8777-92B33ED6457F}" sibTransId="{DE041BA8-1086-4C93-A56B-5A6A7F7943AB}"/>
     <dgm:cxn modelId="{7668A89A-29E8-4E15-83A2-61AF98F853AA}" type="presOf" srcId="{868111AE-E299-4D01-BF58-8129A9506C06}" destId="{771B5359-AC59-491F-AE7E-C91287E4A360}" srcOrd="0" destOrd="0" presId="urn:microsoft.com/office/officeart/2005/8/layout/chevron1"/>
+    <dgm:cxn modelId="{4F2130A0-1415-4348-8853-90D1F7780598}" type="presOf" srcId="{962489C9-99E7-4179-9C22-D64CAB835C31}" destId="{9D68CD03-B1A7-4BEA-B058-FD22B6150897}" srcOrd="0" destOrd="0" presId="urn:microsoft.com/office/officeart/2005/8/layout/chevron1"/>
     <dgm:cxn modelId="{09C829B3-9421-472C-992B-F9C6C7EA8079}" srcId="{9450D4C9-C4B2-4911-A89A-514780CB9F15}" destId="{962489C9-99E7-4179-9C22-D64CAB835C31}" srcOrd="3" destOrd="0" parTransId="{44042CD2-4D4B-4F8B-847E-88E42BCD2928}" sibTransId="{4A484662-FBA7-4F43-BE10-51AB84EA0D6F}"/>
-    <dgm:cxn modelId="{926CA9DC-DF6F-4A9D-9612-83D48BE5EA1C}" type="presOf" srcId="{64331C73-F894-4973-9E15-1A620C348097}" destId="{09A00682-3313-476D-9195-849AA0621560}" srcOrd="0" destOrd="0" presId="urn:microsoft.com/office/officeart/2005/8/layout/chevron1"/>
-    <dgm:cxn modelId="{639D5D99-9E2A-4A71-BD4D-065403E54717}" type="presOf" srcId="{B537E5C6-AC88-45DE-A692-878DAC35B119}" destId="{5535CA09-926A-457A-A4B7-21390F15F94F}" srcOrd="0" destOrd="0" presId="urn:microsoft.com/office/officeart/2005/8/layout/chevron1"/>
     <dgm:cxn modelId="{77A0D87E-0458-4AB3-8FE4-5731CF46972A}" type="presOf" srcId="{C97B20BC-3CBA-411F-AB14-F158490C5BCC}" destId="{5D5D5C88-985A-485D-991E-57409E5BC77A}" srcOrd="0" destOrd="0" presId="urn:microsoft.com/office/officeart/2005/8/layout/chevron1"/>
-    <dgm:cxn modelId="{1C1DB8ED-0C78-4531-81AD-594F179D4A4A}" type="presOf" srcId="{8A145133-89F4-4E11-BED7-033969110BEF}" destId="{47EC26A5-DB58-47F3-B21F-7ECE3520D744}" srcOrd="0" destOrd="0" presId="urn:microsoft.com/office/officeart/2005/8/layout/chevron1"/>
-    <dgm:cxn modelId="{B3F5CCFA-FE39-4B4E-9CFC-BD7D8A83E842}" type="presOf" srcId="{CF478C61-00AD-4194-8D4F-7DB2AE098B5C}" destId="{1214DDDF-E3A3-4EB3-BFBD-CAE78864CA50}" srcOrd="0" destOrd="0" presId="urn:microsoft.com/office/officeart/2005/8/layout/chevron1"/>
-    <dgm:cxn modelId="{6189A4AA-D7EB-418F-9F2D-C66AC3C01A62}" srcId="{9450D4C9-C4B2-4911-A89A-514780CB9F15}" destId="{C97B20BC-3CBA-411F-AB14-F158490C5BCC}" srcOrd="6" destOrd="0" parTransId="{F7EE3B89-45E3-4220-BAF4-37722295D274}" sibTransId="{484765B2-A338-4F5A-B411-50FEAAE111D8}"/>
-    <dgm:cxn modelId="{3472B545-712D-4EE5-A0FD-FCCE69A3F421}" srcId="{9450D4C9-C4B2-4911-A89A-514780CB9F15}" destId="{8A145133-89F4-4E11-BED7-033969110BEF}" srcOrd="4" destOrd="0" parTransId="{06C89CBF-459F-4019-BA59-A67EB395C5B9}" sibTransId="{A211C329-5A6A-4787-B4B1-98439EF8D8DC}"/>
-    <dgm:cxn modelId="{4F2130A0-1415-4348-8853-90D1F7780598}" type="presOf" srcId="{962489C9-99E7-4179-9C22-D64CAB835C31}" destId="{9D68CD03-B1A7-4BEA-B058-FD22B6150897}" srcOrd="0" destOrd="0" presId="urn:microsoft.com/office/officeart/2005/8/layout/chevron1"/>
-    <dgm:cxn modelId="{863F3A18-B337-4D3B-86F0-8953E07EAC44}" srcId="{9450D4C9-C4B2-4911-A89A-514780CB9F15}" destId="{868111AE-E299-4D01-BF58-8129A9506C06}" srcOrd="1" destOrd="0" parTransId="{C75652AF-634A-420D-9D96-F9B77B193B68}" sibTransId="{44CBE08D-1567-41F1-8953-1BAC21412B7A}"/>
     <dgm:cxn modelId="{98901DD5-2768-4888-AE47-AD4093D629AA}" type="presParOf" srcId="{460ED21A-C4DB-432F-A891-283E6D30FEEE}" destId="{09A00682-3313-476D-9195-849AA0621560}" srcOrd="0" destOrd="0" presId="urn:microsoft.com/office/officeart/2005/8/layout/chevron1"/>
     <dgm:cxn modelId="{793183C6-7351-48F1-81BD-406C0C7251A1}" type="presParOf" srcId="{460ED21A-C4DB-432F-A891-283E6D30FEEE}" destId="{99E3799A-A836-4FE8-B104-89D1C921FE24}" srcOrd="1" destOrd="0" presId="urn:microsoft.com/office/officeart/2005/8/layout/chevron1"/>
     <dgm:cxn modelId="{0B271C2D-988A-408B-94F8-D7ABC20F8653}" type="presParOf" srcId="{460ED21A-C4DB-432F-A891-283E6D30FEEE}" destId="{771B5359-AC59-491F-AE7E-C91287E4A360}" srcOrd="2" destOrd="0" presId="urn:microsoft.com/office/officeart/2005/8/layout/chevron1"/>
@@ -4347,7 +4347,7 @@
   <dgm:whole/>
   <dgm:extLst>
     <a:ext uri="http://schemas.microsoft.com/office/drawing/2008/diagram">
-      <dsp:dataModelExt xmlns:dsp="http://schemas.microsoft.com/office/drawing/2008/diagram" relId="rId6" minVer="http://schemas.openxmlformats.org/drawingml/2006/diagram"/>
+      <dsp:dataModelExt xmlns:dsp="http://schemas.microsoft.com/office/drawing/2008/diagram" xmlns="" relId="rId6" minVer="http://schemas.openxmlformats.org/drawingml/2006/diagram"/>
     </a:ext>
   </dgm:extLst>
 </dgm:dataModel>
@@ -4494,15 +4494,7 @@
           <a:pPr algn="ctr"/>
           <a:r>
             <a:rPr lang="en-US" sz="900" dirty="0" smtClean="0"/>
-            <a:t>-resources which can be shared </a:t>
-          </a:r>
-          <a:r>
-            <a:rPr lang="en-US" sz="900" dirty="0" smtClean="0"/>
-            <a:t>independent of their </a:t>
-          </a:r>
-          <a:r>
-            <a:rPr lang="en-US" sz="900" dirty="0" smtClean="0"/>
-            <a:t>physical location</a:t>
+            <a:t>-resources which can be shared independent of their physical location</a:t>
           </a:r>
         </a:p>
         <a:p>
@@ -4701,14 +4693,14 @@
     </dgm:pt>
   </dgm:ptLst>
   <dgm:cxnLst>
+    <dgm:cxn modelId="{DCEFC734-5258-4187-81E2-2DA3C3A0600D}" srcId="{EDE96FF5-1D6F-40D9-BAA4-5F216284EA68}" destId="{D3416637-C472-49E7-8A77-42EA7EE4FB2D}" srcOrd="0" destOrd="0" parTransId="{3FF84238-6296-41FA-AC31-BE8D99191283}" sibTransId="{C2F2F837-7292-499A-9363-26D4909D7F7A}"/>
     <dgm:cxn modelId="{D29B2DFD-6448-43ED-AD6F-A88D3997D5AD}" type="presOf" srcId="{EDE96FF5-1D6F-40D9-BAA4-5F216284EA68}" destId="{633A4F81-F993-47EB-820A-B68DB3A5390E}" srcOrd="0" destOrd="0" presId="urn:microsoft.com/office/officeart/2005/8/layout/hierarchy1"/>
     <dgm:cxn modelId="{25D7E370-8D92-4E2B-B024-D053047D8CE2}" srcId="{EDE96FF5-1D6F-40D9-BAA4-5F216284EA68}" destId="{B3EDA70C-121E-4511-8433-9E3CEA3A1041}" srcOrd="1" destOrd="0" parTransId="{3203F13A-12BF-4556-A522-A41B0A00850D}" sibTransId="{0EFF336F-BB38-4F04-9D43-D16852737E47}"/>
     <dgm:cxn modelId="{E470C9C2-04B1-4DBA-BDD8-DA9E788EC044}" type="presOf" srcId="{E599E731-E7DC-479C-8CF1-D6244889523C}" destId="{D95F9AD9-2B6E-4F59-B64C-5D4FC2E366CE}" srcOrd="0" destOrd="0" presId="urn:microsoft.com/office/officeart/2005/8/layout/hierarchy1"/>
-    <dgm:cxn modelId="{DCEFC734-5258-4187-81E2-2DA3C3A0600D}" srcId="{EDE96FF5-1D6F-40D9-BAA4-5F216284EA68}" destId="{D3416637-C472-49E7-8A77-42EA7EE4FB2D}" srcOrd="0" destOrd="0" parTransId="{3FF84238-6296-41FA-AC31-BE8D99191283}" sibTransId="{C2F2F837-7292-499A-9363-26D4909D7F7A}"/>
+    <dgm:cxn modelId="{FBEA6683-523A-4555-AC76-8EA8246433E8}" type="presOf" srcId="{B3EDA70C-121E-4511-8433-9E3CEA3A1041}" destId="{62F573A8-C98B-4300-903C-ACC41DE49811}" srcOrd="0" destOrd="0" presId="urn:microsoft.com/office/officeart/2005/8/layout/hierarchy1"/>
+    <dgm:cxn modelId="{B4B656B2-B9F5-4518-B1FC-D6049C1794CC}" type="presOf" srcId="{3203F13A-12BF-4556-A522-A41B0A00850D}" destId="{82B6CC98-E7D5-4D4E-ACD9-D9D53E7526DB}" srcOrd="0" destOrd="0" presId="urn:microsoft.com/office/officeart/2005/8/layout/hierarchy1"/>
     <dgm:cxn modelId="{AA02A161-9E71-4263-A901-09BFD558970D}" type="presOf" srcId="{D3416637-C472-49E7-8A77-42EA7EE4FB2D}" destId="{2CA332BF-C7D5-44C4-86AB-C5F8609888C3}" srcOrd="0" destOrd="0" presId="urn:microsoft.com/office/officeart/2005/8/layout/hierarchy1"/>
     <dgm:cxn modelId="{01FB11D6-684D-4E49-B5B0-EAFE14330F37}" srcId="{E599E731-E7DC-479C-8CF1-D6244889523C}" destId="{EDE96FF5-1D6F-40D9-BAA4-5F216284EA68}" srcOrd="0" destOrd="0" parTransId="{0321C310-AEF3-46E8-B8A4-6C11DB864603}" sibTransId="{D4600DEE-2AE6-474A-83CF-788E07829090}"/>
-    <dgm:cxn modelId="{FBEA6683-523A-4555-AC76-8EA8246433E8}" type="presOf" srcId="{B3EDA70C-121E-4511-8433-9E3CEA3A1041}" destId="{62F573A8-C98B-4300-903C-ACC41DE49811}" srcOrd="0" destOrd="0" presId="urn:microsoft.com/office/officeart/2005/8/layout/hierarchy1"/>
-    <dgm:cxn modelId="{B4B656B2-B9F5-4518-B1FC-D6049C1794CC}" type="presOf" srcId="{3203F13A-12BF-4556-A522-A41B0A00850D}" destId="{82B6CC98-E7D5-4D4E-ACD9-D9D53E7526DB}" srcOrd="0" destOrd="0" presId="urn:microsoft.com/office/officeart/2005/8/layout/hierarchy1"/>
     <dgm:cxn modelId="{61E18A5C-F5D9-4D94-9A8A-644F91246958}" type="presOf" srcId="{3FF84238-6296-41FA-AC31-BE8D99191283}" destId="{3B4976F8-1C91-4B4A-AF74-A6A32D597C6F}" srcOrd="0" destOrd="0" presId="urn:microsoft.com/office/officeart/2005/8/layout/hierarchy1"/>
     <dgm:cxn modelId="{0C7A26C2-1BBB-4A9B-BAED-D8019201ABB6}" type="presParOf" srcId="{D95F9AD9-2B6E-4F59-B64C-5D4FC2E366CE}" destId="{CF8D7650-8692-446B-80AA-1D837010E69E}" srcOrd="0" destOrd="0" presId="urn:microsoft.com/office/officeart/2005/8/layout/hierarchy1"/>
     <dgm:cxn modelId="{34B243D6-3D1A-4412-9071-43C8F5F42BCD}" type="presParOf" srcId="{CF8D7650-8692-446B-80AA-1D837010E69E}" destId="{5C537912-794E-42DA-8968-3ADE7773EE31}" srcOrd="0" destOrd="0" presId="urn:microsoft.com/office/officeart/2005/8/layout/hierarchy1"/>
@@ -4732,7 +4724,7 @@
   <dgm:whole/>
   <dgm:extLst>
     <a:ext uri="http://schemas.microsoft.com/office/drawing/2008/diagram">
-      <dsp:dataModelExt xmlns:dsp="http://schemas.microsoft.com/office/drawing/2008/diagram" relId="rId6" minVer="http://schemas.openxmlformats.org/drawingml/2006/diagram"/>
+      <dsp:dataModelExt xmlns:dsp="http://schemas.microsoft.com/office/drawing/2008/diagram" xmlns="" relId="rId6" minVer="http://schemas.openxmlformats.org/drawingml/2006/diagram"/>
     </a:ext>
   </dgm:extLst>
 </dgm:dataModel>
@@ -12751,7 +12743,7 @@
             <a:fld id="{1D8BD707-D9CF-40AE-B4C6-C98DA3205C09}" type="datetimeFigureOut">
               <a:rPr lang="en-US" smtClean="0"/>
               <a:pPr/>
-              <a:t>9/22/2016</a:t>
+              <a:t>9/24/2016</a:t>
             </a:fld>
             <a:endParaRPr lang="en-US"/>
           </a:p>
@@ -12918,7 +12910,7 @@
             <a:fld id="{1D8BD707-D9CF-40AE-B4C6-C98DA3205C09}" type="datetimeFigureOut">
               <a:rPr lang="en-US" smtClean="0"/>
               <a:pPr/>
-              <a:t>9/22/2016</a:t>
+              <a:t>9/24/2016</a:t>
             </a:fld>
             <a:endParaRPr lang="en-US"/>
           </a:p>
@@ -13095,7 +13087,7 @@
             <a:fld id="{1D8BD707-D9CF-40AE-B4C6-C98DA3205C09}" type="datetimeFigureOut">
               <a:rPr lang="en-US" smtClean="0"/>
               <a:pPr/>
-              <a:t>9/22/2016</a:t>
+              <a:t>9/24/2016</a:t>
             </a:fld>
             <a:endParaRPr lang="en-US"/>
           </a:p>
@@ -13262,7 +13254,7 @@
             <a:fld id="{1D8BD707-D9CF-40AE-B4C6-C98DA3205C09}" type="datetimeFigureOut">
               <a:rPr lang="en-US" smtClean="0"/>
               <a:pPr/>
-              <a:t>9/22/2016</a:t>
+              <a:t>9/24/2016</a:t>
             </a:fld>
             <a:endParaRPr lang="en-US"/>
           </a:p>
@@ -13505,7 +13497,7 @@
             <a:fld id="{1D8BD707-D9CF-40AE-B4C6-C98DA3205C09}" type="datetimeFigureOut">
               <a:rPr lang="en-US" smtClean="0"/>
               <a:pPr/>
-              <a:t>9/22/2016</a:t>
+              <a:t>9/24/2016</a:t>
             </a:fld>
             <a:endParaRPr lang="en-US"/>
           </a:p>
@@ -13790,7 +13782,7 @@
             <a:fld id="{1D8BD707-D9CF-40AE-B4C6-C98DA3205C09}" type="datetimeFigureOut">
               <a:rPr lang="en-US" smtClean="0"/>
               <a:pPr/>
-              <a:t>9/22/2016</a:t>
+              <a:t>9/24/2016</a:t>
             </a:fld>
             <a:endParaRPr lang="en-US"/>
           </a:p>
@@ -14209,7 +14201,7 @@
             <a:fld id="{1D8BD707-D9CF-40AE-B4C6-C98DA3205C09}" type="datetimeFigureOut">
               <a:rPr lang="en-US" smtClean="0"/>
               <a:pPr/>
-              <a:t>9/22/2016</a:t>
+              <a:t>9/24/2016</a:t>
             </a:fld>
             <a:endParaRPr lang="en-US"/>
           </a:p>
@@ -14324,7 +14316,7 @@
             <a:fld id="{1D8BD707-D9CF-40AE-B4C6-C98DA3205C09}" type="datetimeFigureOut">
               <a:rPr lang="en-US" smtClean="0"/>
               <a:pPr/>
-              <a:t>9/22/2016</a:t>
+              <a:t>9/24/2016</a:t>
             </a:fld>
             <a:endParaRPr lang="en-US"/>
           </a:p>
@@ -14416,7 +14408,7 @@
             <a:fld id="{1D8BD707-D9CF-40AE-B4C6-C98DA3205C09}" type="datetimeFigureOut">
               <a:rPr lang="en-US" smtClean="0"/>
               <a:pPr/>
-              <a:t>9/22/2016</a:t>
+              <a:t>9/24/2016</a:t>
             </a:fld>
             <a:endParaRPr lang="en-US"/>
           </a:p>
@@ -14690,7 +14682,7 @@
             <a:fld id="{1D8BD707-D9CF-40AE-B4C6-C98DA3205C09}" type="datetimeFigureOut">
               <a:rPr lang="en-US" smtClean="0"/>
               <a:pPr/>
-              <a:t>9/22/2016</a:t>
+              <a:t>9/24/2016</a:t>
             </a:fld>
             <a:endParaRPr lang="en-US"/>
           </a:p>
@@ -14940,7 +14932,7 @@
             <a:fld id="{1D8BD707-D9CF-40AE-B4C6-C98DA3205C09}" type="datetimeFigureOut">
               <a:rPr lang="en-US" smtClean="0"/>
               <a:pPr/>
-              <a:t>9/22/2016</a:t>
+              <a:t>9/24/2016</a:t>
             </a:fld>
             <a:endParaRPr lang="en-US"/>
           </a:p>
@@ -15150,7 +15142,7 @@
             <a:fld id="{1D8BD707-D9CF-40AE-B4C6-C98DA3205C09}" type="datetimeFigureOut">
               <a:rPr lang="en-US" smtClean="0"/>
               <a:pPr/>
-              <a:t>9/22/2016</a:t>
+              <a:t>9/24/2016</a:t>
             </a:fld>
             <a:endParaRPr lang="en-US"/>
           </a:p>
@@ -15576,7 +15568,7 @@
           <p:nvPr>
             <p:extLst>
               <p:ext uri="{D42A27DB-BD31-4B8C-83A1-F6EECF244321}">
-                <p14:modId xmlns:p14="http://schemas.microsoft.com/office/powerpoint/2010/main" val="1262172334"/>
+                <p14:modId xmlns:p14="http://schemas.microsoft.com/office/powerpoint/2010/main" xmlns="" val="1262172334"/>
               </p:ext>
             </p:extLst>
           </p:nvPr>
@@ -15624,7 +15616,7 @@
     </p:spTree>
     <p:extLst>
       <p:ext uri="{BB962C8B-B14F-4D97-AF65-F5344CB8AC3E}">
-        <p14:creationId xmlns:p14="http://schemas.microsoft.com/office/powerpoint/2010/main" val="3650172683"/>
+        <p14:creationId xmlns:p14="http://schemas.microsoft.com/office/powerpoint/2010/main" xmlns="" val="3650172683"/>
       </p:ext>
     </p:extLst>
   </p:cSld>
@@ -15708,7 +15700,7 @@
           <p:nvPr>
             <p:extLst>
               <p:ext uri="{D42A27DB-BD31-4B8C-83A1-F6EECF244321}">
-                <p14:modId xmlns:p14="http://schemas.microsoft.com/office/powerpoint/2010/main" val="4217214646"/>
+                <p14:modId xmlns:p14="http://schemas.microsoft.com/office/powerpoint/2010/main" xmlns="" val="4217214646"/>
               </p:ext>
             </p:extLst>
           </p:nvPr>
@@ -15726,7 +15718,7 @@
     </p:spTree>
     <p:extLst>
       <p:ext uri="{BB962C8B-B14F-4D97-AF65-F5344CB8AC3E}">
-        <p14:creationId xmlns:p14="http://schemas.microsoft.com/office/powerpoint/2010/main" val="1044658037"/>
+        <p14:creationId xmlns:p14="http://schemas.microsoft.com/office/powerpoint/2010/main" xmlns="" val="1044658037"/>
       </p:ext>
     </p:extLst>
   </p:cSld>
@@ -15813,7 +15805,7 @@
           <p:nvPr>
             <p:extLst>
               <p:ext uri="{D42A27DB-BD31-4B8C-83A1-F6EECF244321}">
-                <p14:modId xmlns:p14="http://schemas.microsoft.com/office/powerpoint/2010/main" val="3864352614"/>
+                <p14:modId xmlns:p14="http://schemas.microsoft.com/office/powerpoint/2010/main" xmlns="" val="3864352614"/>
               </p:ext>
             </p:extLst>
           </p:nvPr>
@@ -15831,7 +15823,7 @@
     </p:spTree>
     <p:extLst>
       <p:ext uri="{BB962C8B-B14F-4D97-AF65-F5344CB8AC3E}">
-        <p14:creationId xmlns:p14="http://schemas.microsoft.com/office/powerpoint/2010/main" val="2295323102"/>
+        <p14:creationId xmlns:p14="http://schemas.microsoft.com/office/powerpoint/2010/main" xmlns="" val="2295323102"/>
       </p:ext>
     </p:extLst>
   </p:cSld>
@@ -15901,7 +15893,7 @@
             </a:clrChange>
             <a:extLst>
               <a:ext uri="{28A0092B-C50C-407E-A947-70E740481C1C}">
-                <a14:useLocalDpi xmlns:a14="http://schemas.microsoft.com/office/drawing/2010/main" val="0"/>
+                <a14:useLocalDpi xmlns:a14="http://schemas.microsoft.com/office/drawing/2010/main" xmlns="" val="0"/>
               </a:ext>
             </a:extLst>
           </a:blip>
@@ -15924,14 +15916,14 @@
           </a:ln>
           <a:extLst>
             <a:ext uri="{909E8E84-426E-40DD-AFC4-6F175D3DCCD1}">
-              <a14:hiddenFill xmlns:a14="http://schemas.microsoft.com/office/drawing/2010/main">
+              <a14:hiddenFill xmlns:a14="http://schemas.microsoft.com/office/drawing/2010/main" xmlns="">
                 <a:solidFill>
                   <a:schemeClr val="accent1"/>
                 </a:solidFill>
               </a14:hiddenFill>
             </a:ext>
             <a:ext uri="{91240B29-F687-4F45-9708-019B960494DF}">
-              <a14:hiddenLine xmlns:a14="http://schemas.microsoft.com/office/drawing/2010/main" w="9525">
+              <a14:hiddenLine xmlns:a14="http://schemas.microsoft.com/office/drawing/2010/main" xmlns="" w="9525">
                 <a:solidFill>
                   <a:schemeClr val="tx1"/>
                 </a:solidFill>
@@ -15946,7 +15938,7 @@
     </p:spTree>
     <p:extLst>
       <p:ext uri="{BB962C8B-B14F-4D97-AF65-F5344CB8AC3E}">
-        <p14:creationId xmlns:p14="http://schemas.microsoft.com/office/powerpoint/2010/main" val="2745742463"/>
+        <p14:creationId xmlns:p14="http://schemas.microsoft.com/office/powerpoint/2010/main" xmlns="" val="2745742463"/>
       </p:ext>
     </p:extLst>
   </p:cSld>
@@ -16048,7 +16040,7 @@
             </a:clrChange>
             <a:extLst>
               <a:ext uri="{28A0092B-C50C-407E-A947-70E740481C1C}">
-                <a14:useLocalDpi xmlns:a14="http://schemas.microsoft.com/office/drawing/2010/main" val="0"/>
+                <a14:useLocalDpi xmlns:a14="http://schemas.microsoft.com/office/drawing/2010/main" xmlns="" val="0"/>
               </a:ext>
             </a:extLst>
           </a:blip>
@@ -16071,14 +16063,14 @@
           </a:ln>
           <a:extLst>
             <a:ext uri="{909E8E84-426E-40DD-AFC4-6F175D3DCCD1}">
-              <a14:hiddenFill xmlns:a14="http://schemas.microsoft.com/office/drawing/2010/main">
+              <a14:hiddenFill xmlns:a14="http://schemas.microsoft.com/office/drawing/2010/main" xmlns="">
                 <a:solidFill>
                   <a:schemeClr val="accent1"/>
                 </a:solidFill>
               </a14:hiddenFill>
             </a:ext>
             <a:ext uri="{91240B29-F687-4F45-9708-019B960494DF}">
-              <a14:hiddenLine xmlns:a14="http://schemas.microsoft.com/office/drawing/2010/main" w="9525">
+              <a14:hiddenLine xmlns:a14="http://schemas.microsoft.com/office/drawing/2010/main" xmlns="" w="9525">
                 <a:solidFill>
                   <a:schemeClr val="tx1"/>
                 </a:solidFill>
@@ -16093,7 +16085,7 @@
     </p:spTree>
     <p:extLst>
       <p:ext uri="{BB962C8B-B14F-4D97-AF65-F5344CB8AC3E}">
-        <p14:creationId xmlns:p14="http://schemas.microsoft.com/office/powerpoint/2010/main" val="1306052275"/>
+        <p14:creationId xmlns:p14="http://schemas.microsoft.com/office/powerpoint/2010/main" xmlns="" val="1306052275"/>
       </p:ext>
     </p:extLst>
   </p:cSld>
@@ -16195,7 +16187,7 @@
             </a:clrChange>
             <a:extLst>
               <a:ext uri="{28A0092B-C50C-407E-A947-70E740481C1C}">
-                <a14:useLocalDpi xmlns:a14="http://schemas.microsoft.com/office/drawing/2010/main" val="0"/>
+                <a14:useLocalDpi xmlns:a14="http://schemas.microsoft.com/office/drawing/2010/main" xmlns="" val="0"/>
               </a:ext>
             </a:extLst>
           </a:blip>
@@ -16218,14 +16210,14 @@
           </a:ln>
           <a:extLst>
             <a:ext uri="{909E8E84-426E-40DD-AFC4-6F175D3DCCD1}">
-              <a14:hiddenFill xmlns:a14="http://schemas.microsoft.com/office/drawing/2010/main">
+              <a14:hiddenFill xmlns:a14="http://schemas.microsoft.com/office/drawing/2010/main" xmlns="">
                 <a:solidFill>
                   <a:schemeClr val="accent1"/>
                 </a:solidFill>
               </a14:hiddenFill>
             </a:ext>
             <a:ext uri="{91240B29-F687-4F45-9708-019B960494DF}">
-              <a14:hiddenLine xmlns:a14="http://schemas.microsoft.com/office/drawing/2010/main" w="9525">
+              <a14:hiddenLine xmlns:a14="http://schemas.microsoft.com/office/drawing/2010/main" xmlns="" w="9525">
                 <a:solidFill>
                   <a:schemeClr val="tx1"/>
                 </a:solidFill>
@@ -16240,7 +16232,7 @@
     </p:spTree>
     <p:extLst>
       <p:ext uri="{BB962C8B-B14F-4D97-AF65-F5344CB8AC3E}">
-        <p14:creationId xmlns:p14="http://schemas.microsoft.com/office/powerpoint/2010/main" val="3886907763"/>
+        <p14:creationId xmlns:p14="http://schemas.microsoft.com/office/powerpoint/2010/main" xmlns="" val="3886907763"/>
       </p:ext>
     </p:extLst>
   </p:cSld>
@@ -16349,7 +16341,7 @@
             </a:clrChange>
             <a:extLst>
               <a:ext uri="{28A0092B-C50C-407E-A947-70E740481C1C}">
-                <a14:useLocalDpi xmlns:a14="http://schemas.microsoft.com/office/drawing/2010/main" val="0"/>
+                <a14:useLocalDpi xmlns:a14="http://schemas.microsoft.com/office/drawing/2010/main" xmlns="" val="0"/>
               </a:ext>
             </a:extLst>
           </a:blip>
@@ -16372,14 +16364,14 @@
           </a:ln>
           <a:extLst>
             <a:ext uri="{909E8E84-426E-40DD-AFC4-6F175D3DCCD1}">
-              <a14:hiddenFill xmlns:a14="http://schemas.microsoft.com/office/drawing/2010/main">
+              <a14:hiddenFill xmlns:a14="http://schemas.microsoft.com/office/drawing/2010/main" xmlns="">
                 <a:solidFill>
                   <a:schemeClr val="accent1"/>
                 </a:solidFill>
               </a14:hiddenFill>
             </a:ext>
             <a:ext uri="{91240B29-F687-4F45-9708-019B960494DF}">
-              <a14:hiddenLine xmlns:a14="http://schemas.microsoft.com/office/drawing/2010/main" w="9525">
+              <a14:hiddenLine xmlns:a14="http://schemas.microsoft.com/office/drawing/2010/main" xmlns="" w="9525">
                 <a:solidFill>
                   <a:schemeClr val="tx1"/>
                 </a:solidFill>
@@ -16394,7 +16386,7 @@
     </p:spTree>
     <p:extLst>
       <p:ext uri="{BB962C8B-B14F-4D97-AF65-F5344CB8AC3E}">
-        <p14:creationId xmlns:p14="http://schemas.microsoft.com/office/powerpoint/2010/main" val="2586967119"/>
+        <p14:creationId xmlns:p14="http://schemas.microsoft.com/office/powerpoint/2010/main" xmlns="" val="2586967119"/>
       </p:ext>
     </p:extLst>
   </p:cSld>
@@ -16981,7 +16973,7 @@
     </p:spTree>
     <p:extLst>
       <p:ext uri="{BB962C8B-B14F-4D97-AF65-F5344CB8AC3E}">
-        <p14:creationId xmlns:p14="http://schemas.microsoft.com/office/powerpoint/2010/main" val="3429256208"/>
+        <p14:creationId xmlns:p14="http://schemas.microsoft.com/office/powerpoint/2010/main" xmlns="" val="3429256208"/>
       </p:ext>
     </p:extLst>
   </p:cSld>
@@ -17080,7 +17072,7 @@
             </a:clrChange>
             <a:extLst>
               <a:ext uri="{BEBA8EAE-BF5A-486C-A8C5-ECC9F3942E4B}">
-                <a14:imgProps xmlns:a14="http://schemas.microsoft.com/office/drawing/2010/main">
+                <a14:imgProps xmlns:a14="http://schemas.microsoft.com/office/drawing/2010/main" xmlns="">
                   <a14:imgLayer r:embed="rId3">
                     <a14:imgEffect>
                       <a14:brightnessContrast contrast="20000"/>
@@ -17089,7 +17081,7 @@
                 </a14:imgProps>
               </a:ext>
               <a:ext uri="{28A0092B-C50C-407E-A947-70E740481C1C}">
-                <a14:useLocalDpi xmlns:a14="http://schemas.microsoft.com/office/drawing/2010/main" val="0"/>
+                <a14:useLocalDpi xmlns:a14="http://schemas.microsoft.com/office/drawing/2010/main" xmlns="" val="0"/>
               </a:ext>
             </a:extLst>
           </a:blip>
@@ -17109,7 +17101,7 @@
           <a:noFill/>
           <a:extLst>
             <a:ext uri="{909E8E84-426E-40DD-AFC4-6F175D3DCCD1}">
-              <a14:hiddenFill xmlns:a14="http://schemas.microsoft.com/office/drawing/2010/main">
+              <a14:hiddenFill xmlns:a14="http://schemas.microsoft.com/office/drawing/2010/main" xmlns="">
                 <a:solidFill>
                   <a:srgbClr val="FFFFFF"/>
                 </a:solidFill>
@@ -17121,7 +17113,7 @@
     </p:spTree>
     <p:extLst>
       <p:ext uri="{BB962C8B-B14F-4D97-AF65-F5344CB8AC3E}">
-        <p14:creationId xmlns:p14="http://schemas.microsoft.com/office/powerpoint/2010/main" val="3300642838"/>
+        <p14:creationId xmlns:p14="http://schemas.microsoft.com/office/powerpoint/2010/main" xmlns="" val="3300642838"/>
       </p:ext>
     </p:extLst>
   </p:cSld>
@@ -17213,7 +17205,7 @@
           <a:blip r:embed="rId2">
             <a:extLst>
               <a:ext uri="{28A0092B-C50C-407E-A947-70E740481C1C}">
-                <a14:useLocalDpi xmlns:a14="http://schemas.microsoft.com/office/drawing/2010/main" val="0"/>
+                <a14:useLocalDpi xmlns:a14="http://schemas.microsoft.com/office/drawing/2010/main" xmlns="" val="0"/>
               </a:ext>
             </a:extLst>
           </a:blip>
@@ -17233,7 +17225,7 @@
           <a:noFill/>
           <a:extLst>
             <a:ext uri="{909E8E84-426E-40DD-AFC4-6F175D3DCCD1}">
-              <a14:hiddenFill xmlns:a14="http://schemas.microsoft.com/office/drawing/2010/main">
+              <a14:hiddenFill xmlns:a14="http://schemas.microsoft.com/office/drawing/2010/main" xmlns="">
                 <a:solidFill>
                   <a:srgbClr val="FFFFFF"/>
                 </a:solidFill>
@@ -17245,7 +17237,7 @@
     </p:spTree>
     <p:extLst>
       <p:ext uri="{BB962C8B-B14F-4D97-AF65-F5344CB8AC3E}">
-        <p14:creationId xmlns:p14="http://schemas.microsoft.com/office/powerpoint/2010/main" val="101112921"/>
+        <p14:creationId xmlns:p14="http://schemas.microsoft.com/office/powerpoint/2010/main" xmlns="" val="101112921"/>
       </p:ext>
     </p:extLst>
   </p:cSld>
@@ -17305,7 +17297,7 @@
           <a:blip r:embed="rId2">
             <a:extLst>
               <a:ext uri="{28A0092B-C50C-407E-A947-70E740481C1C}">
-                <a14:useLocalDpi xmlns:a14="http://schemas.microsoft.com/office/drawing/2010/main" val="0"/>
+                <a14:useLocalDpi xmlns:a14="http://schemas.microsoft.com/office/drawing/2010/main" xmlns="" val="0"/>
               </a:ext>
             </a:extLst>
           </a:blip>
@@ -17325,7 +17317,7 @@
           <a:noFill/>
           <a:extLst>
             <a:ext uri="{909E8E84-426E-40DD-AFC4-6F175D3DCCD1}">
-              <a14:hiddenFill xmlns:a14="http://schemas.microsoft.com/office/drawing/2010/main">
+              <a14:hiddenFill xmlns:a14="http://schemas.microsoft.com/office/drawing/2010/main" xmlns="">
                 <a:solidFill>
                   <a:srgbClr val="FFFFFF"/>
                 </a:solidFill>
@@ -17337,7 +17329,7 @@
     </p:spTree>
     <p:extLst>
       <p:ext uri="{BB962C8B-B14F-4D97-AF65-F5344CB8AC3E}">
-        <p14:creationId xmlns:p14="http://schemas.microsoft.com/office/powerpoint/2010/main" val="1283153479"/>
+        <p14:creationId xmlns:p14="http://schemas.microsoft.com/office/powerpoint/2010/main" xmlns="" val="1283153479"/>
       </p:ext>
     </p:extLst>
   </p:cSld>
@@ -17407,7 +17399,7 @@
             </a:clrChange>
             <a:extLst>
               <a:ext uri="{28A0092B-C50C-407E-A947-70E740481C1C}">
-                <a14:useLocalDpi xmlns:a14="http://schemas.microsoft.com/office/drawing/2010/main" val="0"/>
+                <a14:useLocalDpi xmlns:a14="http://schemas.microsoft.com/office/drawing/2010/main" xmlns="" val="0"/>
               </a:ext>
             </a:extLst>
           </a:blip>
@@ -17430,14 +17422,14 @@
           </a:ln>
           <a:extLst>
             <a:ext uri="{909E8E84-426E-40DD-AFC4-6F175D3DCCD1}">
-              <a14:hiddenFill xmlns:a14="http://schemas.microsoft.com/office/drawing/2010/main">
+              <a14:hiddenFill xmlns:a14="http://schemas.microsoft.com/office/drawing/2010/main" xmlns="">
                 <a:solidFill>
                   <a:schemeClr val="accent1"/>
                 </a:solidFill>
               </a14:hiddenFill>
             </a:ext>
             <a:ext uri="{91240B29-F687-4F45-9708-019B960494DF}">
-              <a14:hiddenLine xmlns:a14="http://schemas.microsoft.com/office/drawing/2010/main" w="9525">
+              <a14:hiddenLine xmlns:a14="http://schemas.microsoft.com/office/drawing/2010/main" xmlns="" w="9525">
                 <a:solidFill>
                   <a:schemeClr val="tx1"/>
                 </a:solidFill>
@@ -17514,7 +17506,7 @@
               </a:clrChange>
               <a:extLst>
                 <a:ext uri="{28A0092B-C50C-407E-A947-70E740481C1C}">
-                  <a14:useLocalDpi xmlns:a14="http://schemas.microsoft.com/office/drawing/2010/main" val="0"/>
+                  <a14:useLocalDpi xmlns:a14="http://schemas.microsoft.com/office/drawing/2010/main" xmlns="" val="0"/>
                 </a:ext>
               </a:extLst>
             </a:blip>
@@ -17537,14 +17529,14 @@
             </a:ln>
             <a:extLst>
               <a:ext uri="{909E8E84-426E-40DD-AFC4-6F175D3DCCD1}">
-                <a14:hiddenFill xmlns:a14="http://schemas.microsoft.com/office/drawing/2010/main">
+                <a14:hiddenFill xmlns:a14="http://schemas.microsoft.com/office/drawing/2010/main" xmlns="">
                   <a:solidFill>
                     <a:schemeClr val="accent1"/>
                   </a:solidFill>
                 </a14:hiddenFill>
               </a:ext>
               <a:ext uri="{91240B29-F687-4F45-9708-019B960494DF}">
-                <a14:hiddenLine xmlns:a14="http://schemas.microsoft.com/office/drawing/2010/main" w="9525">
+                <a14:hiddenLine xmlns:a14="http://schemas.microsoft.com/office/drawing/2010/main" xmlns="" w="9525">
                   <a:solidFill>
                     <a:schemeClr val="tx1"/>
                   </a:solidFill>
@@ -17629,7 +17621,7 @@
               </a:clrChange>
               <a:extLst>
                 <a:ext uri="{28A0092B-C50C-407E-A947-70E740481C1C}">
-                  <a14:useLocalDpi xmlns:a14="http://schemas.microsoft.com/office/drawing/2010/main" val="0"/>
+                  <a14:useLocalDpi xmlns:a14="http://schemas.microsoft.com/office/drawing/2010/main" xmlns="" val="0"/>
                 </a:ext>
               </a:extLst>
             </a:blip>
@@ -17652,14 +17644,14 @@
             </a:ln>
             <a:extLst>
               <a:ext uri="{909E8E84-426E-40DD-AFC4-6F175D3DCCD1}">
-                <a14:hiddenFill xmlns:a14="http://schemas.microsoft.com/office/drawing/2010/main">
+                <a14:hiddenFill xmlns:a14="http://schemas.microsoft.com/office/drawing/2010/main" xmlns="">
                   <a:solidFill>
                     <a:schemeClr val="accent1"/>
                   </a:solidFill>
                 </a14:hiddenFill>
               </a:ext>
               <a:ext uri="{91240B29-F687-4F45-9708-019B960494DF}">
-                <a14:hiddenLine xmlns:a14="http://schemas.microsoft.com/office/drawing/2010/main" w="9525">
+                <a14:hiddenLine xmlns:a14="http://schemas.microsoft.com/office/drawing/2010/main" xmlns="" w="9525">
                   <a:solidFill>
                     <a:schemeClr val="tx1"/>
                   </a:solidFill>
@@ -17743,7 +17735,7 @@
               </a:clrChange>
               <a:extLst>
                 <a:ext uri="{28A0092B-C50C-407E-A947-70E740481C1C}">
-                  <a14:useLocalDpi xmlns:a14="http://schemas.microsoft.com/office/drawing/2010/main" val="0"/>
+                  <a14:useLocalDpi xmlns:a14="http://schemas.microsoft.com/office/drawing/2010/main" xmlns="" val="0"/>
                 </a:ext>
               </a:extLst>
             </a:blip>
@@ -17766,14 +17758,14 @@
             </a:ln>
             <a:extLst>
               <a:ext uri="{909E8E84-426E-40DD-AFC4-6F175D3DCCD1}">
-                <a14:hiddenFill xmlns:a14="http://schemas.microsoft.com/office/drawing/2010/main">
+                <a14:hiddenFill xmlns:a14="http://schemas.microsoft.com/office/drawing/2010/main" xmlns="">
                   <a:solidFill>
                     <a:schemeClr val="accent1"/>
                   </a:solidFill>
                 </a14:hiddenFill>
               </a:ext>
               <a:ext uri="{91240B29-F687-4F45-9708-019B960494DF}">
-                <a14:hiddenLine xmlns:a14="http://schemas.microsoft.com/office/drawing/2010/main" w="9525">
+                <a14:hiddenLine xmlns:a14="http://schemas.microsoft.com/office/drawing/2010/main" xmlns="" w="9525">
                   <a:solidFill>
                     <a:schemeClr val="tx1"/>
                   </a:solidFill>
@@ -17849,7 +17841,7 @@
             </a:clrChange>
             <a:extLst>
               <a:ext uri="{28A0092B-C50C-407E-A947-70E740481C1C}">
-                <a14:useLocalDpi xmlns:a14="http://schemas.microsoft.com/office/drawing/2010/main" val="0"/>
+                <a14:useLocalDpi xmlns:a14="http://schemas.microsoft.com/office/drawing/2010/main" xmlns="" val="0"/>
               </a:ext>
             </a:extLst>
           </a:blip>
@@ -17872,14 +17864,14 @@
           </a:ln>
           <a:extLst>
             <a:ext uri="{909E8E84-426E-40DD-AFC4-6F175D3DCCD1}">
-              <a14:hiddenFill xmlns:a14="http://schemas.microsoft.com/office/drawing/2010/main">
+              <a14:hiddenFill xmlns:a14="http://schemas.microsoft.com/office/drawing/2010/main" xmlns="">
                 <a:solidFill>
                   <a:schemeClr val="accent1"/>
                 </a:solidFill>
               </a14:hiddenFill>
             </a:ext>
             <a:ext uri="{91240B29-F687-4F45-9708-019B960494DF}">
-              <a14:hiddenLine xmlns:a14="http://schemas.microsoft.com/office/drawing/2010/main" w="9525">
+              <a14:hiddenLine xmlns:a14="http://schemas.microsoft.com/office/drawing/2010/main" xmlns="" w="9525">
                 <a:solidFill>
                   <a:schemeClr val="tx1"/>
                 </a:solidFill>
@@ -17924,7 +17916,7 @@
     </p:spTree>
     <p:extLst>
       <p:ext uri="{BB962C8B-B14F-4D97-AF65-F5344CB8AC3E}">
-        <p14:creationId xmlns:p14="http://schemas.microsoft.com/office/powerpoint/2010/main" val="1294588456"/>
+        <p14:creationId xmlns:p14="http://schemas.microsoft.com/office/powerpoint/2010/main" xmlns="" val="1294588456"/>
       </p:ext>
     </p:extLst>
   </p:cSld>
@@ -17973,7 +17965,7 @@
             </a:clrChange>
             <a:extLst>
               <a:ext uri="{28A0092B-C50C-407E-A947-70E740481C1C}">
-                <a14:useLocalDpi xmlns:a14="http://schemas.microsoft.com/office/drawing/2010/main" val="0"/>
+                <a14:useLocalDpi xmlns:a14="http://schemas.microsoft.com/office/drawing/2010/main" xmlns="" val="0"/>
               </a:ext>
             </a:extLst>
           </a:blip>
@@ -17996,14 +17988,14 @@
           </a:ln>
           <a:extLst>
             <a:ext uri="{909E8E84-426E-40DD-AFC4-6F175D3DCCD1}">
-              <a14:hiddenFill xmlns:a14="http://schemas.microsoft.com/office/drawing/2010/main">
+              <a14:hiddenFill xmlns:a14="http://schemas.microsoft.com/office/drawing/2010/main" xmlns="">
                 <a:solidFill>
                   <a:schemeClr val="accent1"/>
                 </a:solidFill>
               </a14:hiddenFill>
             </a:ext>
             <a:ext uri="{91240B29-F687-4F45-9708-019B960494DF}">
-              <a14:hiddenLine xmlns:a14="http://schemas.microsoft.com/office/drawing/2010/main" w="9525">
+              <a14:hiddenLine xmlns:a14="http://schemas.microsoft.com/office/drawing/2010/main" xmlns="" w="9525">
                 <a:solidFill>
                   <a:schemeClr val="tx1"/>
                 </a:solidFill>
@@ -18090,7 +18082,7 @@
             </a:clrChange>
             <a:extLst>
               <a:ext uri="{28A0092B-C50C-407E-A947-70E740481C1C}">
-                <a14:useLocalDpi xmlns:a14="http://schemas.microsoft.com/office/drawing/2010/main" val="0"/>
+                <a14:useLocalDpi xmlns:a14="http://schemas.microsoft.com/office/drawing/2010/main" xmlns="" val="0"/>
               </a:ext>
             </a:extLst>
           </a:blip>
@@ -18113,14 +18105,14 @@
           </a:ln>
           <a:extLst>
             <a:ext uri="{909E8E84-426E-40DD-AFC4-6F175D3DCCD1}">
-              <a14:hiddenFill xmlns:a14="http://schemas.microsoft.com/office/drawing/2010/main">
+              <a14:hiddenFill xmlns:a14="http://schemas.microsoft.com/office/drawing/2010/main" xmlns="">
                 <a:solidFill>
                   <a:schemeClr val="accent1"/>
                 </a:solidFill>
               </a14:hiddenFill>
             </a:ext>
             <a:ext uri="{91240B29-F687-4F45-9708-019B960494DF}">
-              <a14:hiddenLine xmlns:a14="http://schemas.microsoft.com/office/drawing/2010/main" w="9525">
+              <a14:hiddenLine xmlns:a14="http://schemas.microsoft.com/office/drawing/2010/main" xmlns="" w="9525">
                 <a:solidFill>
                   <a:schemeClr val="tx1"/>
                 </a:solidFill>
@@ -18197,7 +18189,7 @@
               </a:clrChange>
               <a:extLst>
                 <a:ext uri="{28A0092B-C50C-407E-A947-70E740481C1C}">
-                  <a14:useLocalDpi xmlns:a14="http://schemas.microsoft.com/office/drawing/2010/main" val="0"/>
+                  <a14:useLocalDpi xmlns:a14="http://schemas.microsoft.com/office/drawing/2010/main" xmlns="" val="0"/>
                 </a:ext>
               </a:extLst>
             </a:blip>
@@ -18220,14 +18212,14 @@
             </a:ln>
             <a:extLst>
               <a:ext uri="{909E8E84-426E-40DD-AFC4-6F175D3DCCD1}">
-                <a14:hiddenFill xmlns:a14="http://schemas.microsoft.com/office/drawing/2010/main">
+                <a14:hiddenFill xmlns:a14="http://schemas.microsoft.com/office/drawing/2010/main" xmlns="">
                   <a:solidFill>
                     <a:schemeClr val="accent1"/>
                   </a:solidFill>
                 </a14:hiddenFill>
               </a:ext>
               <a:ext uri="{91240B29-F687-4F45-9708-019B960494DF}">
-                <a14:hiddenLine xmlns:a14="http://schemas.microsoft.com/office/drawing/2010/main" w="9525">
+                <a14:hiddenLine xmlns:a14="http://schemas.microsoft.com/office/drawing/2010/main" xmlns="" w="9525">
                   <a:solidFill>
                     <a:schemeClr val="tx1"/>
                   </a:solidFill>
@@ -18347,7 +18339,7 @@
               </a:clrChange>
               <a:extLst>
                 <a:ext uri="{28A0092B-C50C-407E-A947-70E740481C1C}">
-                  <a14:useLocalDpi xmlns:a14="http://schemas.microsoft.com/office/drawing/2010/main" val="0"/>
+                  <a14:useLocalDpi xmlns:a14="http://schemas.microsoft.com/office/drawing/2010/main" xmlns="" val="0"/>
                 </a:ext>
               </a:extLst>
             </a:blip>
@@ -18370,14 +18362,14 @@
             </a:ln>
             <a:extLst>
               <a:ext uri="{909E8E84-426E-40DD-AFC4-6F175D3DCCD1}">
-                <a14:hiddenFill xmlns:a14="http://schemas.microsoft.com/office/drawing/2010/main">
+                <a14:hiddenFill xmlns:a14="http://schemas.microsoft.com/office/drawing/2010/main" xmlns="">
                   <a:solidFill>
                     <a:schemeClr val="accent1"/>
                   </a:solidFill>
                 </a14:hiddenFill>
               </a:ext>
               <a:ext uri="{91240B29-F687-4F45-9708-019B960494DF}">
-                <a14:hiddenLine xmlns:a14="http://schemas.microsoft.com/office/drawing/2010/main" w="9525">
+                <a14:hiddenLine xmlns:a14="http://schemas.microsoft.com/office/drawing/2010/main" xmlns="" w="9525">
                   <a:solidFill>
                     <a:schemeClr val="tx1"/>
                   </a:solidFill>
@@ -18503,7 +18495,7 @@
               </a:clrChange>
               <a:extLst>
                 <a:ext uri="{28A0092B-C50C-407E-A947-70E740481C1C}">
-                  <a14:useLocalDpi xmlns:a14="http://schemas.microsoft.com/office/drawing/2010/main" val="0"/>
+                  <a14:useLocalDpi xmlns:a14="http://schemas.microsoft.com/office/drawing/2010/main" xmlns="" val="0"/>
                 </a:ext>
               </a:extLst>
             </a:blip>
@@ -18526,14 +18518,14 @@
             </a:ln>
             <a:extLst>
               <a:ext uri="{909E8E84-426E-40DD-AFC4-6F175D3DCCD1}">
-                <a14:hiddenFill xmlns:a14="http://schemas.microsoft.com/office/drawing/2010/main">
+                <a14:hiddenFill xmlns:a14="http://schemas.microsoft.com/office/drawing/2010/main" xmlns="">
                   <a:solidFill>
                     <a:schemeClr val="accent1"/>
                   </a:solidFill>
                 </a14:hiddenFill>
               </a:ext>
               <a:ext uri="{91240B29-F687-4F45-9708-019B960494DF}">
-                <a14:hiddenLine xmlns:a14="http://schemas.microsoft.com/office/drawing/2010/main" w="9525">
+                <a14:hiddenLine xmlns:a14="http://schemas.microsoft.com/office/drawing/2010/main" xmlns="" w="9525">
                   <a:solidFill>
                     <a:schemeClr val="tx1"/>
                   </a:solidFill>
@@ -18615,7 +18607,7 @@
             </a:clrChange>
             <a:extLst>
               <a:ext uri="{28A0092B-C50C-407E-A947-70E740481C1C}">
-                <a14:useLocalDpi xmlns:a14="http://schemas.microsoft.com/office/drawing/2010/main" val="0"/>
+                <a14:useLocalDpi xmlns:a14="http://schemas.microsoft.com/office/drawing/2010/main" xmlns="" val="0"/>
               </a:ext>
             </a:extLst>
           </a:blip>
@@ -18638,14 +18630,14 @@
           </a:ln>
           <a:extLst>
             <a:ext uri="{909E8E84-426E-40DD-AFC4-6F175D3DCCD1}">
-              <a14:hiddenFill xmlns:a14="http://schemas.microsoft.com/office/drawing/2010/main">
+              <a14:hiddenFill xmlns:a14="http://schemas.microsoft.com/office/drawing/2010/main" xmlns="">
                 <a:solidFill>
                   <a:schemeClr val="accent1"/>
                 </a:solidFill>
               </a14:hiddenFill>
             </a:ext>
             <a:ext uri="{91240B29-F687-4F45-9708-019B960494DF}">
-              <a14:hiddenLine xmlns:a14="http://schemas.microsoft.com/office/drawing/2010/main" w="9525">
+              <a14:hiddenLine xmlns:a14="http://schemas.microsoft.com/office/drawing/2010/main" xmlns="" w="9525">
                 <a:solidFill>
                   <a:schemeClr val="tx1"/>
                 </a:solidFill>
@@ -18660,7 +18652,7 @@
     </p:spTree>
     <p:extLst>
       <p:ext uri="{BB962C8B-B14F-4D97-AF65-F5344CB8AC3E}">
-        <p14:creationId xmlns:p14="http://schemas.microsoft.com/office/powerpoint/2010/main" val="3928047803"/>
+        <p14:creationId xmlns:p14="http://schemas.microsoft.com/office/powerpoint/2010/main" xmlns="" val="3928047803"/>
       </p:ext>
     </p:extLst>
   </p:cSld>
@@ -18709,7 +18701,7 @@
             </a:clrChange>
             <a:extLst>
               <a:ext uri="{28A0092B-C50C-407E-A947-70E740481C1C}">
-                <a14:useLocalDpi xmlns:a14="http://schemas.microsoft.com/office/drawing/2010/main" val="0"/>
+                <a14:useLocalDpi xmlns:a14="http://schemas.microsoft.com/office/drawing/2010/main" xmlns="" val="0"/>
               </a:ext>
             </a:extLst>
           </a:blip>
@@ -18720,7 +18712,7 @@
         </p:blipFill>
         <p:spPr bwMode="auto">
           <a:xfrm>
-            <a:off x="2971800" y="2495904"/>
+            <a:off x="3124200" y="2514600"/>
             <a:ext cx="1399032" cy="1309006"/>
           </a:xfrm>
           <a:prstGeom prst="rect">
@@ -18732,14 +18724,14 @@
           </a:ln>
           <a:extLst>
             <a:ext uri="{909E8E84-426E-40DD-AFC4-6F175D3DCCD1}">
-              <a14:hiddenFill xmlns:a14="http://schemas.microsoft.com/office/drawing/2010/main">
+              <a14:hiddenFill xmlns:a14="http://schemas.microsoft.com/office/drawing/2010/main" xmlns="">
                 <a:solidFill>
                   <a:schemeClr val="accent1"/>
                 </a:solidFill>
               </a14:hiddenFill>
             </a:ext>
             <a:ext uri="{91240B29-F687-4F45-9708-019B960494DF}">
-              <a14:hiddenLine xmlns:a14="http://schemas.microsoft.com/office/drawing/2010/main" w="9525">
+              <a14:hiddenLine xmlns:a14="http://schemas.microsoft.com/office/drawing/2010/main" xmlns="" w="9525">
                 <a:solidFill>
                   <a:schemeClr val="tx1"/>
                 </a:solidFill>
@@ -18826,7 +18818,7 @@
             </a:clrChange>
             <a:extLst>
               <a:ext uri="{28A0092B-C50C-407E-A947-70E740481C1C}">
-                <a14:useLocalDpi xmlns:a14="http://schemas.microsoft.com/office/drawing/2010/main" val="0"/>
+                <a14:useLocalDpi xmlns:a14="http://schemas.microsoft.com/office/drawing/2010/main" xmlns="" val="0"/>
               </a:ext>
             </a:extLst>
           </a:blip>
@@ -18837,7 +18829,7 @@
         </p:blipFill>
         <p:spPr bwMode="auto">
           <a:xfrm>
-            <a:off x="76200" y="2495904"/>
+            <a:off x="152400" y="2514600"/>
             <a:ext cx="1371600" cy="1310829"/>
           </a:xfrm>
           <a:prstGeom prst="rect">
@@ -18849,14 +18841,14 @@
           </a:ln>
           <a:extLst>
             <a:ext uri="{909E8E84-426E-40DD-AFC4-6F175D3DCCD1}">
-              <a14:hiddenFill xmlns:a14="http://schemas.microsoft.com/office/drawing/2010/main">
+              <a14:hiddenFill xmlns:a14="http://schemas.microsoft.com/office/drawing/2010/main" xmlns="">
                 <a:solidFill>
                   <a:schemeClr val="accent1"/>
                 </a:solidFill>
               </a14:hiddenFill>
             </a:ext>
             <a:ext uri="{91240B29-F687-4F45-9708-019B960494DF}">
-              <a14:hiddenLine xmlns:a14="http://schemas.microsoft.com/office/drawing/2010/main" w="9525">
+              <a14:hiddenLine xmlns:a14="http://schemas.microsoft.com/office/drawing/2010/main" xmlns="" w="9525">
                 <a:solidFill>
                   <a:schemeClr val="tx1"/>
                 </a:solidFill>
@@ -18876,7 +18868,7 @@
         </p:nvSpPr>
         <p:spPr>
           <a:xfrm>
-            <a:off x="23004" y="3028480"/>
+            <a:off x="228600" y="2971800"/>
             <a:ext cx="1295400" cy="369332"/>
           </a:xfrm>
           <a:prstGeom prst="rect">
@@ -18905,9 +18897,9 @@
         </p:nvGrpSpPr>
         <p:grpSpPr>
           <a:xfrm>
-            <a:off x="1495572" y="2497727"/>
+            <a:off x="1600200" y="2514600"/>
             <a:ext cx="1399032" cy="1309006"/>
-            <a:chOff x="1639362" y="2511849"/>
+            <a:chOff x="1758177" y="2527862"/>
             <a:chExt cx="1588736" cy="1242282"/>
           </a:xfrm>
         </p:grpSpPr>
@@ -18933,7 +18925,7 @@
               </a:clrChange>
               <a:extLst>
                 <a:ext uri="{28A0092B-C50C-407E-A947-70E740481C1C}">
-                  <a14:useLocalDpi xmlns:a14="http://schemas.microsoft.com/office/drawing/2010/main" val="0"/>
+                  <a14:useLocalDpi xmlns:a14="http://schemas.microsoft.com/office/drawing/2010/main" xmlns="" val="0"/>
                 </a:ext>
               </a:extLst>
             </a:blip>
@@ -18944,7 +18936,7 @@
           </p:blipFill>
           <p:spPr bwMode="auto">
             <a:xfrm>
-              <a:off x="1639362" y="2511849"/>
+              <a:off x="1758177" y="2527862"/>
               <a:ext cx="1588736" cy="1242282"/>
             </a:xfrm>
             <a:prstGeom prst="rect">
@@ -18956,14 +18948,14 @@
             </a:ln>
             <a:extLst>
               <a:ext uri="{909E8E84-426E-40DD-AFC4-6F175D3DCCD1}">
-                <a14:hiddenFill xmlns:a14="http://schemas.microsoft.com/office/drawing/2010/main">
+                <a14:hiddenFill xmlns:a14="http://schemas.microsoft.com/office/drawing/2010/main" xmlns="">
                   <a:solidFill>
                     <a:schemeClr val="accent1"/>
                   </a:solidFill>
                 </a14:hiddenFill>
               </a:ext>
               <a:ext uri="{91240B29-F687-4F45-9708-019B960494DF}">
-                <a14:hiddenLine xmlns:a14="http://schemas.microsoft.com/office/drawing/2010/main" w="9525">
+                <a14:hiddenLine xmlns:a14="http://schemas.microsoft.com/office/drawing/2010/main" xmlns="" w="9525">
                   <a:solidFill>
                     <a:schemeClr val="tx1"/>
                   </a:solidFill>
@@ -18983,7 +18975,7 @@
           </p:nvSpPr>
           <p:spPr>
             <a:xfrm>
-              <a:off x="1678523" y="2848028"/>
+              <a:off x="1844710" y="2889441"/>
               <a:ext cx="1295400" cy="646331"/>
             </a:xfrm>
             <a:prstGeom prst="rect">
@@ -19020,7 +19012,7 @@
         </p:nvSpPr>
         <p:spPr>
           <a:xfrm>
-            <a:off x="2947358" y="2829064"/>
+            <a:off x="3124200" y="2819400"/>
             <a:ext cx="1423473" cy="646331"/>
           </a:xfrm>
           <a:prstGeom prst="rect">
@@ -19085,7 +19077,7 @@
         </p:nvGrpSpPr>
         <p:grpSpPr>
           <a:xfrm>
-            <a:off x="5329463" y="2503298"/>
+            <a:off x="5562600" y="2514600"/>
             <a:ext cx="1399032" cy="1307592"/>
             <a:chOff x="5977912" y="2536247"/>
             <a:chExt cx="1672259" cy="1307592"/>
@@ -19113,7 +19105,7 @@
               </a:clrChange>
               <a:extLst>
                 <a:ext uri="{28A0092B-C50C-407E-A947-70E740481C1C}">
-                  <a14:useLocalDpi xmlns:a14="http://schemas.microsoft.com/office/drawing/2010/main" val="0"/>
+                  <a14:useLocalDpi xmlns:a14="http://schemas.microsoft.com/office/drawing/2010/main" xmlns="" val="0"/>
                 </a:ext>
               </a:extLst>
             </a:blip>
@@ -19136,14 +19128,14 @@
             </a:ln>
             <a:extLst>
               <a:ext uri="{909E8E84-426E-40DD-AFC4-6F175D3DCCD1}">
-                <a14:hiddenFill xmlns:a14="http://schemas.microsoft.com/office/drawing/2010/main">
+                <a14:hiddenFill xmlns:a14="http://schemas.microsoft.com/office/drawing/2010/main" xmlns="">
                   <a:solidFill>
                     <a:schemeClr val="accent1"/>
                   </a:solidFill>
                 </a14:hiddenFill>
               </a:ext>
               <a:ext uri="{91240B29-F687-4F45-9708-019B960494DF}">
-                <a14:hiddenLine xmlns:a14="http://schemas.microsoft.com/office/drawing/2010/main" w="9525">
+                <a14:hiddenLine xmlns:a14="http://schemas.microsoft.com/office/drawing/2010/main" xmlns="" w="9525">
                   <a:solidFill>
                     <a:schemeClr val="tx1"/>
                   </a:solidFill>
@@ -19206,7 +19198,7 @@
     </p:spTree>
     <p:extLst>
       <p:ext uri="{BB962C8B-B14F-4D97-AF65-F5344CB8AC3E}">
-        <p14:creationId xmlns:p14="http://schemas.microsoft.com/office/powerpoint/2010/main" val="448705179"/>
+        <p14:creationId xmlns:p14="http://schemas.microsoft.com/office/powerpoint/2010/main" xmlns="" val="448705179"/>
       </p:ext>
     </p:extLst>
   </p:cSld>
@@ -19293,7 +19285,7 @@
           <p:nvPr>
             <p:extLst>
               <p:ext uri="{D42A27DB-BD31-4B8C-83A1-F6EECF244321}">
-                <p14:modId xmlns:p14="http://schemas.microsoft.com/office/powerpoint/2010/main" val="2970409429"/>
+                <p14:modId xmlns:p14="http://schemas.microsoft.com/office/powerpoint/2010/main" xmlns="" val="2970409429"/>
               </p:ext>
             </p:extLst>
           </p:nvPr>
@@ -19380,7 +19372,7 @@
     </p:spTree>
     <p:extLst>
       <p:ext uri="{BB962C8B-B14F-4D97-AF65-F5344CB8AC3E}">
-        <p14:creationId xmlns:p14="http://schemas.microsoft.com/office/powerpoint/2010/main" val="3522882765"/>
+        <p14:creationId xmlns:p14="http://schemas.microsoft.com/office/powerpoint/2010/main" xmlns="" val="3522882765"/>
       </p:ext>
     </p:extLst>
   </p:cSld>

--- a/pictures.pptx
+++ b/pictures.pptx
@@ -20,6 +20,7 @@
     <p:sldId id="268" r:id="rId14"/>
     <p:sldId id="269" r:id="rId15"/>
     <p:sldId id="270" r:id="rId16"/>
+    <p:sldId id="271" r:id="rId17"/>
   </p:sldIdLst>
   <p:sldSz cx="9144000" cy="6858000" type="screen4x3"/>
   <p:notesSz cx="6858000" cy="9144000"/>
@@ -16404,6 +16405,74 @@
 </p:sld>
 </file>
 
+<file path=ppt/slides/slide16.xml><?xml version="1.0" encoding="utf-8"?>
+<p:sld xmlns:a="http://schemas.openxmlformats.org/drawingml/2006/main" xmlns:r="http://schemas.openxmlformats.org/officeDocument/2006/relationships" xmlns:p="http://schemas.openxmlformats.org/presentationml/2006/main">
+  <p:cSld>
+    <p:spTree>
+      <p:nvGrpSpPr>
+        <p:cNvPr id="1" name=""/>
+        <p:cNvGrpSpPr/>
+        <p:nvPr/>
+      </p:nvGrpSpPr>
+      <p:grpSpPr>
+        <a:xfrm>
+          <a:off x="0" y="0"/>
+          <a:ext cx="0" cy="0"/>
+          <a:chOff x="0" y="0"/>
+          <a:chExt cx="0" cy="0"/>
+        </a:xfrm>
+      </p:grpSpPr>
+      <p:sp>
+        <p:nvSpPr>
+          <p:cNvPr id="2" name="Title 1"/>
+          <p:cNvSpPr>
+            <a:spLocks noGrp="1"/>
+          </p:cNvSpPr>
+          <p:nvPr>
+            <p:ph type="title"/>
+          </p:nvPr>
+        </p:nvSpPr>
+        <p:spPr/>
+        <p:txBody>
+          <a:bodyPr/>
+          <a:lstStyle/>
+          <a:p>
+            <a:endParaRPr lang="en-US"/>
+          </a:p>
+        </p:txBody>
+      </p:sp>
+      <p:sp>
+        <p:nvSpPr>
+          <p:cNvPr id="3" name="Content Placeholder 2"/>
+          <p:cNvSpPr>
+            <a:spLocks noGrp="1"/>
+          </p:cNvSpPr>
+          <p:nvPr>
+            <p:ph idx="1"/>
+          </p:nvPr>
+        </p:nvSpPr>
+        <p:spPr/>
+        <p:txBody>
+          <a:bodyPr/>
+          <a:lstStyle/>
+          <a:p>
+            <a:endParaRPr lang="en-US"/>
+          </a:p>
+        </p:txBody>
+      </p:sp>
+    </p:spTree>
+    <p:extLst>
+      <p:ext uri="{BB962C8B-B14F-4D97-AF65-F5344CB8AC3E}">
+        <p14:creationId xmlns:p14="http://schemas.microsoft.com/office/powerpoint/2010/main" val="2847007101"/>
+      </p:ext>
+    </p:extLst>
+  </p:cSld>
+  <p:clrMapOvr>
+    <a:masterClrMapping/>
+  </p:clrMapOvr>
+</p:sld>
+</file>
+
 <file path=ppt/slides/slide2.xml><?xml version="1.0" encoding="utf-8"?>
 <p:sld xmlns:a="http://schemas.openxmlformats.org/drawingml/2006/main" xmlns:r="http://schemas.openxmlformats.org/officeDocument/2006/relationships" xmlns:p="http://schemas.openxmlformats.org/presentationml/2006/main">
   <p:cSld>

--- a/pictures.pptx
+++ b/pictures.pptx
@@ -2364,6 +2364,753 @@
 </file>
 
 <file path=ppt/diagrams/colors4.xml><?xml version="1.0" encoding="utf-8"?>
+<dgm:colorsDef xmlns:dgm="http://schemas.openxmlformats.org/drawingml/2006/diagram" xmlns:a="http://schemas.openxmlformats.org/drawingml/2006/main" uniqueId="urn:microsoft.com/office/officeart/2005/8/colors/accent1_2">
+  <dgm:title val=""/>
+  <dgm:desc val=""/>
+  <dgm:catLst>
+    <dgm:cat type="accent1" pri="11200"/>
+  </dgm:catLst>
+  <dgm:styleLbl name="node0">
+    <dgm:fillClrLst meth="repeat">
+      <a:schemeClr val="accent1"/>
+    </dgm:fillClrLst>
+    <dgm:linClrLst meth="repeat">
+      <a:schemeClr val="lt1"/>
+    </dgm:linClrLst>
+    <dgm:effectClrLst/>
+    <dgm:txLinClrLst/>
+    <dgm:txFillClrLst/>
+    <dgm:txEffectClrLst/>
+  </dgm:styleLbl>
+  <dgm:styleLbl name="alignNode1">
+    <dgm:fillClrLst meth="repeat">
+      <a:schemeClr val="accent1"/>
+    </dgm:fillClrLst>
+    <dgm:linClrLst meth="repeat">
+      <a:schemeClr val="accent1"/>
+    </dgm:linClrLst>
+    <dgm:effectClrLst/>
+    <dgm:txLinClrLst/>
+    <dgm:txFillClrLst/>
+    <dgm:txEffectClrLst/>
+  </dgm:styleLbl>
+  <dgm:styleLbl name="node1">
+    <dgm:fillClrLst meth="repeat">
+      <a:schemeClr val="accent1"/>
+    </dgm:fillClrLst>
+    <dgm:linClrLst meth="repeat">
+      <a:schemeClr val="lt1"/>
+    </dgm:linClrLst>
+    <dgm:effectClrLst/>
+    <dgm:txLinClrLst/>
+    <dgm:txFillClrLst/>
+    <dgm:txEffectClrLst/>
+  </dgm:styleLbl>
+  <dgm:styleLbl name="lnNode1">
+    <dgm:fillClrLst meth="repeat">
+      <a:schemeClr val="accent1"/>
+    </dgm:fillClrLst>
+    <dgm:linClrLst meth="repeat">
+      <a:schemeClr val="lt1"/>
+    </dgm:linClrLst>
+    <dgm:effectClrLst/>
+    <dgm:txLinClrLst/>
+    <dgm:txFillClrLst/>
+    <dgm:txEffectClrLst/>
+  </dgm:styleLbl>
+  <dgm:styleLbl name="vennNode1">
+    <dgm:fillClrLst meth="repeat">
+      <a:schemeClr val="accent1">
+        <a:alpha val="50000"/>
+      </a:schemeClr>
+    </dgm:fillClrLst>
+    <dgm:linClrLst meth="repeat">
+      <a:schemeClr val="lt1"/>
+    </dgm:linClrLst>
+    <dgm:effectClrLst/>
+    <dgm:txLinClrLst/>
+    <dgm:txFillClrLst/>
+    <dgm:txEffectClrLst/>
+  </dgm:styleLbl>
+  <dgm:styleLbl name="node2">
+    <dgm:fillClrLst meth="repeat">
+      <a:schemeClr val="accent1"/>
+    </dgm:fillClrLst>
+    <dgm:linClrLst meth="repeat">
+      <a:schemeClr val="lt1"/>
+    </dgm:linClrLst>
+    <dgm:effectClrLst/>
+    <dgm:txLinClrLst/>
+    <dgm:txFillClrLst/>
+    <dgm:txEffectClrLst/>
+  </dgm:styleLbl>
+  <dgm:styleLbl name="node3">
+    <dgm:fillClrLst meth="repeat">
+      <a:schemeClr val="accent1"/>
+    </dgm:fillClrLst>
+    <dgm:linClrLst meth="repeat">
+      <a:schemeClr val="lt1"/>
+    </dgm:linClrLst>
+    <dgm:effectClrLst/>
+    <dgm:txLinClrLst/>
+    <dgm:txFillClrLst/>
+    <dgm:txEffectClrLst/>
+  </dgm:styleLbl>
+  <dgm:styleLbl name="node4">
+    <dgm:fillClrLst meth="repeat">
+      <a:schemeClr val="accent1"/>
+    </dgm:fillClrLst>
+    <dgm:linClrLst meth="repeat">
+      <a:schemeClr val="lt1"/>
+    </dgm:linClrLst>
+    <dgm:effectClrLst/>
+    <dgm:txLinClrLst/>
+    <dgm:txFillClrLst/>
+    <dgm:txEffectClrLst/>
+  </dgm:styleLbl>
+  <dgm:styleLbl name="fgImgPlace1">
+    <dgm:fillClrLst meth="repeat">
+      <a:schemeClr val="accent1">
+        <a:tint val="50000"/>
+      </a:schemeClr>
+    </dgm:fillClrLst>
+    <dgm:linClrLst meth="repeat">
+      <a:schemeClr val="lt1"/>
+    </dgm:linClrLst>
+    <dgm:effectClrLst/>
+    <dgm:txLinClrLst/>
+    <dgm:txFillClrLst meth="repeat">
+      <a:schemeClr val="lt1"/>
+    </dgm:txFillClrLst>
+    <dgm:txEffectClrLst/>
+  </dgm:styleLbl>
+  <dgm:styleLbl name="alignImgPlace1">
+    <dgm:fillClrLst meth="repeat">
+      <a:schemeClr val="accent1">
+        <a:tint val="50000"/>
+      </a:schemeClr>
+    </dgm:fillClrLst>
+    <dgm:linClrLst meth="repeat">
+      <a:schemeClr val="lt1"/>
+    </dgm:linClrLst>
+    <dgm:effectClrLst/>
+    <dgm:txLinClrLst/>
+    <dgm:txFillClrLst meth="repeat">
+      <a:schemeClr val="lt1"/>
+    </dgm:txFillClrLst>
+    <dgm:txEffectClrLst/>
+  </dgm:styleLbl>
+  <dgm:styleLbl name="bgImgPlace1">
+    <dgm:fillClrLst meth="repeat">
+      <a:schemeClr val="accent1">
+        <a:tint val="50000"/>
+      </a:schemeClr>
+    </dgm:fillClrLst>
+    <dgm:linClrLst meth="repeat">
+      <a:schemeClr val="lt1"/>
+    </dgm:linClrLst>
+    <dgm:effectClrLst/>
+    <dgm:txLinClrLst/>
+    <dgm:txFillClrLst meth="repeat">
+      <a:schemeClr val="lt1"/>
+    </dgm:txFillClrLst>
+    <dgm:txEffectClrLst/>
+  </dgm:styleLbl>
+  <dgm:styleLbl name="sibTrans2D1">
+    <dgm:fillClrLst meth="repeat">
+      <a:schemeClr val="accent1">
+        <a:tint val="60000"/>
+      </a:schemeClr>
+    </dgm:fillClrLst>
+    <dgm:linClrLst meth="repeat">
+      <a:schemeClr val="accent1">
+        <a:tint val="60000"/>
+      </a:schemeClr>
+    </dgm:linClrLst>
+    <dgm:effectClrLst/>
+    <dgm:txLinClrLst/>
+    <dgm:txFillClrLst/>
+    <dgm:txEffectClrLst/>
+  </dgm:styleLbl>
+  <dgm:styleLbl name="fgSibTrans2D1">
+    <dgm:fillClrLst meth="repeat">
+      <a:schemeClr val="accent1">
+        <a:tint val="60000"/>
+      </a:schemeClr>
+    </dgm:fillClrLst>
+    <dgm:linClrLst meth="repeat">
+      <a:schemeClr val="accent1">
+        <a:tint val="60000"/>
+      </a:schemeClr>
+    </dgm:linClrLst>
+    <dgm:effectClrLst/>
+    <dgm:txLinClrLst/>
+    <dgm:txFillClrLst/>
+    <dgm:txEffectClrLst/>
+  </dgm:styleLbl>
+  <dgm:styleLbl name="bgSibTrans2D1">
+    <dgm:fillClrLst meth="repeat">
+      <a:schemeClr val="accent1">
+        <a:tint val="60000"/>
+      </a:schemeClr>
+    </dgm:fillClrLst>
+    <dgm:linClrLst meth="repeat">
+      <a:schemeClr val="accent1">
+        <a:tint val="60000"/>
+      </a:schemeClr>
+    </dgm:linClrLst>
+    <dgm:effectClrLst/>
+    <dgm:txLinClrLst/>
+    <dgm:txFillClrLst/>
+    <dgm:txEffectClrLst/>
+  </dgm:styleLbl>
+  <dgm:styleLbl name="sibTrans1D1">
+    <dgm:fillClrLst meth="repeat">
+      <a:schemeClr val="accent1"/>
+    </dgm:fillClrLst>
+    <dgm:linClrLst meth="repeat">
+      <a:schemeClr val="accent1"/>
+    </dgm:linClrLst>
+    <dgm:effectClrLst/>
+    <dgm:txLinClrLst/>
+    <dgm:txFillClrLst meth="repeat">
+      <a:schemeClr val="tx1"/>
+    </dgm:txFillClrLst>
+    <dgm:txEffectClrLst/>
+  </dgm:styleLbl>
+  <dgm:styleLbl name="callout">
+    <dgm:fillClrLst meth="repeat">
+      <a:schemeClr val="accent1"/>
+    </dgm:fillClrLst>
+    <dgm:linClrLst meth="repeat">
+      <a:schemeClr val="accent1">
+        <a:tint val="50000"/>
+      </a:schemeClr>
+    </dgm:linClrLst>
+    <dgm:effectClrLst/>
+    <dgm:txLinClrLst/>
+    <dgm:txFillClrLst meth="repeat">
+      <a:schemeClr val="tx1"/>
+    </dgm:txFillClrLst>
+    <dgm:txEffectClrLst/>
+  </dgm:styleLbl>
+  <dgm:styleLbl name="asst0">
+    <dgm:fillClrLst meth="repeat">
+      <a:schemeClr val="accent1"/>
+    </dgm:fillClrLst>
+    <dgm:linClrLst meth="repeat">
+      <a:schemeClr val="lt1"/>
+    </dgm:linClrLst>
+    <dgm:effectClrLst/>
+    <dgm:txLinClrLst/>
+    <dgm:txFillClrLst/>
+    <dgm:txEffectClrLst/>
+  </dgm:styleLbl>
+  <dgm:styleLbl name="asst1">
+    <dgm:fillClrLst meth="repeat">
+      <a:schemeClr val="accent1"/>
+    </dgm:fillClrLst>
+    <dgm:linClrLst meth="repeat">
+      <a:schemeClr val="lt1"/>
+    </dgm:linClrLst>
+    <dgm:effectClrLst/>
+    <dgm:txLinClrLst/>
+    <dgm:txFillClrLst/>
+    <dgm:txEffectClrLst/>
+  </dgm:styleLbl>
+  <dgm:styleLbl name="asst2">
+    <dgm:fillClrLst meth="repeat">
+      <a:schemeClr val="accent1"/>
+    </dgm:fillClrLst>
+    <dgm:linClrLst meth="repeat">
+      <a:schemeClr val="lt1"/>
+    </dgm:linClrLst>
+    <dgm:effectClrLst/>
+    <dgm:txLinClrLst/>
+    <dgm:txFillClrLst/>
+    <dgm:txEffectClrLst/>
+  </dgm:styleLbl>
+  <dgm:styleLbl name="asst3">
+    <dgm:fillClrLst meth="repeat">
+      <a:schemeClr val="accent1"/>
+    </dgm:fillClrLst>
+    <dgm:linClrLst meth="repeat">
+      <a:schemeClr val="lt1"/>
+    </dgm:linClrLst>
+    <dgm:effectClrLst/>
+    <dgm:txLinClrLst/>
+    <dgm:txFillClrLst/>
+    <dgm:txEffectClrLst/>
+  </dgm:styleLbl>
+  <dgm:styleLbl name="asst4">
+    <dgm:fillClrLst meth="repeat">
+      <a:schemeClr val="accent1"/>
+    </dgm:fillClrLst>
+    <dgm:linClrLst meth="repeat">
+      <a:schemeClr val="lt1"/>
+    </dgm:linClrLst>
+    <dgm:effectClrLst/>
+    <dgm:txLinClrLst/>
+    <dgm:txFillClrLst/>
+    <dgm:txEffectClrLst/>
+  </dgm:styleLbl>
+  <dgm:styleLbl name="parChTrans2D1">
+    <dgm:fillClrLst meth="repeat">
+      <a:schemeClr val="accent1">
+        <a:tint val="60000"/>
+      </a:schemeClr>
+    </dgm:fillClrLst>
+    <dgm:linClrLst meth="repeat">
+      <a:schemeClr val="accent1">
+        <a:tint val="60000"/>
+      </a:schemeClr>
+    </dgm:linClrLst>
+    <dgm:effectClrLst/>
+    <dgm:txLinClrLst/>
+    <dgm:txFillClrLst meth="repeat">
+      <a:schemeClr val="lt1"/>
+    </dgm:txFillClrLst>
+    <dgm:txEffectClrLst/>
+  </dgm:styleLbl>
+  <dgm:styleLbl name="parChTrans2D2">
+    <dgm:fillClrLst meth="repeat">
+      <a:schemeClr val="accent1"/>
+    </dgm:fillClrLst>
+    <dgm:linClrLst meth="repeat">
+      <a:schemeClr val="accent1"/>
+    </dgm:linClrLst>
+    <dgm:effectClrLst/>
+    <dgm:txLinClrLst/>
+    <dgm:txFillClrLst meth="repeat">
+      <a:schemeClr val="lt1"/>
+    </dgm:txFillClrLst>
+    <dgm:txEffectClrLst/>
+  </dgm:styleLbl>
+  <dgm:styleLbl name="parChTrans2D3">
+    <dgm:fillClrLst meth="repeat">
+      <a:schemeClr val="accent1"/>
+    </dgm:fillClrLst>
+    <dgm:linClrLst meth="repeat">
+      <a:schemeClr val="accent1"/>
+    </dgm:linClrLst>
+    <dgm:effectClrLst/>
+    <dgm:txLinClrLst/>
+    <dgm:txFillClrLst meth="repeat">
+      <a:schemeClr val="lt1"/>
+    </dgm:txFillClrLst>
+    <dgm:txEffectClrLst/>
+  </dgm:styleLbl>
+  <dgm:styleLbl name="parChTrans2D4">
+    <dgm:fillClrLst meth="repeat">
+      <a:schemeClr val="accent1"/>
+    </dgm:fillClrLst>
+    <dgm:linClrLst meth="repeat">
+      <a:schemeClr val="accent1"/>
+    </dgm:linClrLst>
+    <dgm:effectClrLst/>
+    <dgm:txLinClrLst/>
+    <dgm:txFillClrLst meth="repeat">
+      <a:schemeClr val="lt1"/>
+    </dgm:txFillClrLst>
+    <dgm:txEffectClrLst/>
+  </dgm:styleLbl>
+  <dgm:styleLbl name="parChTrans1D1">
+    <dgm:fillClrLst meth="repeat">
+      <a:schemeClr val="accent1"/>
+    </dgm:fillClrLst>
+    <dgm:linClrLst meth="repeat">
+      <a:schemeClr val="accent1">
+        <a:shade val="60000"/>
+      </a:schemeClr>
+    </dgm:linClrLst>
+    <dgm:effectClrLst/>
+    <dgm:txLinClrLst/>
+    <dgm:txFillClrLst meth="repeat">
+      <a:schemeClr val="tx1"/>
+    </dgm:txFillClrLst>
+    <dgm:txEffectClrLst/>
+  </dgm:styleLbl>
+  <dgm:styleLbl name="parChTrans1D2">
+    <dgm:fillClrLst meth="repeat">
+      <a:schemeClr val="accent1"/>
+    </dgm:fillClrLst>
+    <dgm:linClrLst meth="repeat">
+      <a:schemeClr val="accent1">
+        <a:shade val="60000"/>
+      </a:schemeClr>
+    </dgm:linClrLst>
+    <dgm:effectClrLst/>
+    <dgm:txLinClrLst/>
+    <dgm:txFillClrLst meth="repeat">
+      <a:schemeClr val="tx1"/>
+    </dgm:txFillClrLst>
+    <dgm:txEffectClrLst/>
+  </dgm:styleLbl>
+  <dgm:styleLbl name="parChTrans1D3">
+    <dgm:fillClrLst meth="repeat">
+      <a:schemeClr val="accent1"/>
+    </dgm:fillClrLst>
+    <dgm:linClrLst meth="repeat">
+      <a:schemeClr val="accent1">
+        <a:shade val="80000"/>
+      </a:schemeClr>
+    </dgm:linClrLst>
+    <dgm:effectClrLst/>
+    <dgm:txLinClrLst/>
+    <dgm:txFillClrLst meth="repeat">
+      <a:schemeClr val="tx1"/>
+    </dgm:txFillClrLst>
+    <dgm:txEffectClrLst/>
+  </dgm:styleLbl>
+  <dgm:styleLbl name="parChTrans1D4">
+    <dgm:fillClrLst meth="repeat">
+      <a:schemeClr val="accent1"/>
+    </dgm:fillClrLst>
+    <dgm:linClrLst meth="repeat">
+      <a:schemeClr val="accent1">
+        <a:shade val="80000"/>
+      </a:schemeClr>
+    </dgm:linClrLst>
+    <dgm:effectClrLst/>
+    <dgm:txLinClrLst/>
+    <dgm:txFillClrLst meth="repeat">
+      <a:schemeClr val="tx1"/>
+    </dgm:txFillClrLst>
+    <dgm:txEffectClrLst/>
+  </dgm:styleLbl>
+  <dgm:styleLbl name="fgAcc1">
+    <dgm:fillClrLst meth="repeat">
+      <a:schemeClr val="lt1">
+        <a:alpha val="90000"/>
+      </a:schemeClr>
+    </dgm:fillClrLst>
+    <dgm:linClrLst meth="repeat">
+      <a:schemeClr val="accent1"/>
+    </dgm:linClrLst>
+    <dgm:effectClrLst/>
+    <dgm:txLinClrLst/>
+    <dgm:txFillClrLst meth="repeat">
+      <a:schemeClr val="dk1"/>
+    </dgm:txFillClrLst>
+    <dgm:txEffectClrLst/>
+  </dgm:styleLbl>
+  <dgm:styleLbl name="conFgAcc1">
+    <dgm:fillClrLst meth="repeat">
+      <a:schemeClr val="lt1">
+        <a:alpha val="90000"/>
+      </a:schemeClr>
+    </dgm:fillClrLst>
+    <dgm:linClrLst meth="repeat">
+      <a:schemeClr val="accent1"/>
+    </dgm:linClrLst>
+    <dgm:effectClrLst/>
+    <dgm:txLinClrLst/>
+    <dgm:txFillClrLst meth="repeat">
+      <a:schemeClr val="dk1"/>
+    </dgm:txFillClrLst>
+    <dgm:txEffectClrLst/>
+  </dgm:styleLbl>
+  <dgm:styleLbl name="alignAcc1">
+    <dgm:fillClrLst meth="repeat">
+      <a:schemeClr val="lt1">
+        <a:alpha val="90000"/>
+      </a:schemeClr>
+    </dgm:fillClrLst>
+    <dgm:linClrLst meth="repeat">
+      <a:schemeClr val="accent1"/>
+    </dgm:linClrLst>
+    <dgm:effectClrLst/>
+    <dgm:txLinClrLst/>
+    <dgm:txFillClrLst meth="repeat">
+      <a:schemeClr val="dk1"/>
+    </dgm:txFillClrLst>
+    <dgm:txEffectClrLst/>
+  </dgm:styleLbl>
+  <dgm:styleLbl name="trAlignAcc1">
+    <dgm:fillClrLst meth="repeat">
+      <a:schemeClr val="lt1">
+        <a:alpha val="40000"/>
+      </a:schemeClr>
+    </dgm:fillClrLst>
+    <dgm:linClrLst meth="repeat">
+      <a:schemeClr val="accent1"/>
+    </dgm:linClrLst>
+    <dgm:effectClrLst/>
+    <dgm:txLinClrLst/>
+    <dgm:txFillClrLst meth="repeat">
+      <a:schemeClr val="dk1"/>
+    </dgm:txFillClrLst>
+    <dgm:txEffectClrLst/>
+  </dgm:styleLbl>
+  <dgm:styleLbl name="bgAcc1">
+    <dgm:fillClrLst meth="repeat">
+      <a:schemeClr val="lt1">
+        <a:alpha val="90000"/>
+      </a:schemeClr>
+    </dgm:fillClrLst>
+    <dgm:linClrLst meth="repeat">
+      <a:schemeClr val="accent1"/>
+    </dgm:linClrLst>
+    <dgm:effectClrLst/>
+    <dgm:txLinClrLst/>
+    <dgm:txFillClrLst meth="repeat">
+      <a:schemeClr val="dk1"/>
+    </dgm:txFillClrLst>
+    <dgm:txEffectClrLst/>
+  </dgm:styleLbl>
+  <dgm:styleLbl name="solidFgAcc1">
+    <dgm:fillClrLst meth="repeat">
+      <a:schemeClr val="lt1"/>
+    </dgm:fillClrLst>
+    <dgm:linClrLst meth="repeat">
+      <a:schemeClr val="accent1"/>
+    </dgm:linClrLst>
+    <dgm:effectClrLst/>
+    <dgm:txLinClrLst/>
+    <dgm:txFillClrLst meth="repeat">
+      <a:schemeClr val="dk1"/>
+    </dgm:txFillClrLst>
+    <dgm:txEffectClrLst/>
+  </dgm:styleLbl>
+  <dgm:styleLbl name="solidAlignAcc1">
+    <dgm:fillClrLst meth="repeat">
+      <a:schemeClr val="lt1"/>
+    </dgm:fillClrLst>
+    <dgm:linClrLst meth="repeat">
+      <a:schemeClr val="accent1"/>
+    </dgm:linClrLst>
+    <dgm:effectClrLst/>
+    <dgm:txLinClrLst/>
+    <dgm:txFillClrLst meth="repeat">
+      <a:schemeClr val="dk1"/>
+    </dgm:txFillClrLst>
+    <dgm:txEffectClrLst/>
+  </dgm:styleLbl>
+  <dgm:styleLbl name="solidBgAcc1">
+    <dgm:fillClrLst meth="repeat">
+      <a:schemeClr val="lt1"/>
+    </dgm:fillClrLst>
+    <dgm:linClrLst meth="repeat">
+      <a:schemeClr val="accent1"/>
+    </dgm:linClrLst>
+    <dgm:effectClrLst/>
+    <dgm:txLinClrLst/>
+    <dgm:txFillClrLst meth="repeat">
+      <a:schemeClr val="dk1"/>
+    </dgm:txFillClrLst>
+    <dgm:txEffectClrLst/>
+  </dgm:styleLbl>
+  <dgm:styleLbl name="fgAccFollowNode1">
+    <dgm:fillClrLst meth="repeat">
+      <a:schemeClr val="accent1">
+        <a:alpha val="90000"/>
+        <a:tint val="40000"/>
+      </a:schemeClr>
+    </dgm:fillClrLst>
+    <dgm:linClrLst meth="repeat">
+      <a:schemeClr val="accent1">
+        <a:alpha val="90000"/>
+        <a:tint val="40000"/>
+      </a:schemeClr>
+    </dgm:linClrLst>
+    <dgm:effectClrLst/>
+    <dgm:txLinClrLst/>
+    <dgm:txFillClrLst meth="repeat">
+      <a:schemeClr val="dk1"/>
+    </dgm:txFillClrLst>
+    <dgm:txEffectClrLst/>
+  </dgm:styleLbl>
+  <dgm:styleLbl name="alignAccFollowNode1">
+    <dgm:fillClrLst meth="repeat">
+      <a:schemeClr val="accent1">
+        <a:alpha val="90000"/>
+        <a:tint val="40000"/>
+      </a:schemeClr>
+    </dgm:fillClrLst>
+    <dgm:linClrLst meth="repeat">
+      <a:schemeClr val="accent1">
+        <a:alpha val="90000"/>
+        <a:tint val="40000"/>
+      </a:schemeClr>
+    </dgm:linClrLst>
+    <dgm:effectClrLst/>
+    <dgm:txLinClrLst/>
+    <dgm:txFillClrLst meth="repeat">
+      <a:schemeClr val="dk1"/>
+    </dgm:txFillClrLst>
+    <dgm:txEffectClrLst/>
+  </dgm:styleLbl>
+  <dgm:styleLbl name="bgAccFollowNode1">
+    <dgm:fillClrLst meth="repeat">
+      <a:schemeClr val="accent1">
+        <a:alpha val="90000"/>
+        <a:tint val="40000"/>
+      </a:schemeClr>
+    </dgm:fillClrLst>
+    <dgm:linClrLst meth="repeat">
+      <a:schemeClr val="accent1">
+        <a:alpha val="90000"/>
+        <a:tint val="40000"/>
+      </a:schemeClr>
+    </dgm:linClrLst>
+    <dgm:effectClrLst/>
+    <dgm:txLinClrLst/>
+    <dgm:txFillClrLst meth="repeat">
+      <a:schemeClr val="dk1"/>
+    </dgm:txFillClrLst>
+    <dgm:txEffectClrLst/>
+  </dgm:styleLbl>
+  <dgm:styleLbl name="fgAcc0">
+    <dgm:fillClrLst meth="repeat">
+      <a:schemeClr val="lt1">
+        <a:alpha val="90000"/>
+      </a:schemeClr>
+    </dgm:fillClrLst>
+    <dgm:linClrLst meth="repeat">
+      <a:schemeClr val="accent1"/>
+    </dgm:linClrLst>
+    <dgm:effectClrLst/>
+    <dgm:txLinClrLst/>
+    <dgm:txFillClrLst meth="repeat">
+      <a:schemeClr val="dk1"/>
+    </dgm:txFillClrLst>
+    <dgm:txEffectClrLst/>
+  </dgm:styleLbl>
+  <dgm:styleLbl name="fgAcc2">
+    <dgm:fillClrLst meth="repeat">
+      <a:schemeClr val="lt1">
+        <a:alpha val="90000"/>
+      </a:schemeClr>
+    </dgm:fillClrLst>
+    <dgm:linClrLst meth="repeat">
+      <a:schemeClr val="accent1"/>
+    </dgm:linClrLst>
+    <dgm:effectClrLst/>
+    <dgm:txLinClrLst/>
+    <dgm:txFillClrLst meth="repeat">
+      <a:schemeClr val="dk1"/>
+    </dgm:txFillClrLst>
+    <dgm:txEffectClrLst/>
+  </dgm:styleLbl>
+  <dgm:styleLbl name="fgAcc3">
+    <dgm:fillClrLst meth="repeat">
+      <a:schemeClr val="lt1">
+        <a:alpha val="90000"/>
+      </a:schemeClr>
+    </dgm:fillClrLst>
+    <dgm:linClrLst meth="repeat">
+      <a:schemeClr val="accent1"/>
+    </dgm:linClrLst>
+    <dgm:effectClrLst/>
+    <dgm:txLinClrLst/>
+    <dgm:txFillClrLst meth="repeat">
+      <a:schemeClr val="dk1"/>
+    </dgm:txFillClrLst>
+    <dgm:txEffectClrLst/>
+  </dgm:styleLbl>
+  <dgm:styleLbl name="fgAcc4">
+    <dgm:fillClrLst meth="repeat">
+      <a:schemeClr val="lt1">
+        <a:alpha val="90000"/>
+      </a:schemeClr>
+    </dgm:fillClrLst>
+    <dgm:linClrLst meth="repeat">
+      <a:schemeClr val="accent1"/>
+    </dgm:linClrLst>
+    <dgm:effectClrLst/>
+    <dgm:txLinClrLst/>
+    <dgm:txFillClrLst meth="repeat">
+      <a:schemeClr val="dk1"/>
+    </dgm:txFillClrLst>
+    <dgm:txEffectClrLst/>
+  </dgm:styleLbl>
+  <dgm:styleLbl name="bgShp">
+    <dgm:fillClrLst meth="repeat">
+      <a:schemeClr val="accent1">
+        <a:tint val="40000"/>
+      </a:schemeClr>
+    </dgm:fillClrLst>
+    <dgm:linClrLst meth="repeat">
+      <a:schemeClr val="accent1"/>
+    </dgm:linClrLst>
+    <dgm:effectClrLst/>
+    <dgm:txLinClrLst/>
+    <dgm:txFillClrLst meth="repeat">
+      <a:schemeClr val="dk1"/>
+    </dgm:txFillClrLst>
+    <dgm:txEffectClrLst/>
+  </dgm:styleLbl>
+  <dgm:styleLbl name="dkBgShp">
+    <dgm:fillClrLst meth="repeat">
+      <a:schemeClr val="accent1">
+        <a:shade val="80000"/>
+      </a:schemeClr>
+    </dgm:fillClrLst>
+    <dgm:linClrLst meth="repeat">
+      <a:schemeClr val="accent1"/>
+    </dgm:linClrLst>
+    <dgm:effectClrLst/>
+    <dgm:txLinClrLst/>
+    <dgm:txFillClrLst meth="repeat">
+      <a:schemeClr val="lt1"/>
+    </dgm:txFillClrLst>
+    <dgm:txEffectClrLst/>
+  </dgm:styleLbl>
+  <dgm:styleLbl name="trBgShp">
+    <dgm:fillClrLst meth="repeat">
+      <a:schemeClr val="accent1">
+        <a:tint val="50000"/>
+        <a:alpha val="40000"/>
+      </a:schemeClr>
+    </dgm:fillClrLst>
+    <dgm:linClrLst meth="repeat">
+      <a:schemeClr val="accent1"/>
+    </dgm:linClrLst>
+    <dgm:effectClrLst/>
+    <dgm:txLinClrLst/>
+    <dgm:txFillClrLst meth="repeat">
+      <a:schemeClr val="lt1"/>
+    </dgm:txFillClrLst>
+    <dgm:txEffectClrLst/>
+  </dgm:styleLbl>
+  <dgm:styleLbl name="fgShp">
+    <dgm:fillClrLst meth="repeat">
+      <a:schemeClr val="accent1">
+        <a:tint val="60000"/>
+      </a:schemeClr>
+    </dgm:fillClrLst>
+    <dgm:linClrLst meth="repeat">
+      <a:schemeClr val="lt1"/>
+    </dgm:linClrLst>
+    <dgm:effectClrLst/>
+    <dgm:txLinClrLst/>
+    <dgm:txFillClrLst meth="repeat">
+      <a:schemeClr val="dk1"/>
+    </dgm:txFillClrLst>
+    <dgm:txEffectClrLst/>
+  </dgm:styleLbl>
+  <dgm:styleLbl name="revTx">
+    <dgm:fillClrLst meth="repeat">
+      <a:schemeClr val="lt1">
+        <a:alpha val="0"/>
+      </a:schemeClr>
+    </dgm:fillClrLst>
+    <dgm:linClrLst meth="repeat">
+      <a:schemeClr val="dk1">
+        <a:alpha val="0"/>
+      </a:schemeClr>
+    </dgm:linClrLst>
+    <dgm:effectClrLst/>
+    <dgm:txLinClrLst/>
+    <dgm:txFillClrLst meth="repeat">
+      <a:schemeClr val="tx1"/>
+    </dgm:txFillClrLst>
+    <dgm:txEffectClrLst/>
+  </dgm:styleLbl>
+</dgm:colorsDef>
+</file>
+
+<file path=ppt/diagrams/colors5.xml><?xml version="1.0" encoding="utf-8"?>
 <dgm:colorsDef xmlns:dgm="http://schemas.openxmlformats.org/drawingml/2006/diagram" xmlns:a="http://schemas.openxmlformats.org/drawingml/2006/main" uniqueId="urn:microsoft.com/office/officeart/2005/8/colors/accent1_2">
   <dgm:title val=""/>
   <dgm:desc val=""/>
@@ -4495,15 +5242,7 @@
           <a:pPr algn="ctr"/>
           <a:r>
             <a:rPr lang="en-US" sz="900" dirty="0" smtClean="0"/>
-            <a:t>-resources which can be shared </a:t>
-          </a:r>
-          <a:r>
-            <a:rPr lang="en-US" sz="900" dirty="0" smtClean="0"/>
-            <a:t>independent of their </a:t>
-          </a:r>
-          <a:r>
-            <a:rPr lang="en-US" sz="900" dirty="0" smtClean="0"/>
-            <a:t>physical location</a:t>
+            <a:t>-resources which can be shared independent of their physical location</a:t>
           </a:r>
         </a:p>
         <a:p>
@@ -4728,6 +5467,579 @@
     <dgm:cxn modelId="{964576EB-FC5E-455D-B431-6343D0870E06}" type="presParOf" srcId="{2B3A8281-D1C9-419D-93FE-4EE025A27E32}" destId="{54ED80A4-9519-416E-8692-A675E58D6A01}" srcOrd="0" destOrd="0" presId="urn:microsoft.com/office/officeart/2005/8/layout/hierarchy1"/>
     <dgm:cxn modelId="{EECFADF0-7901-47F2-B00E-5282F2840E37}" type="presParOf" srcId="{2B3A8281-D1C9-419D-93FE-4EE025A27E32}" destId="{62F573A8-C98B-4300-903C-ACC41DE49811}" srcOrd="1" destOrd="0" presId="urn:microsoft.com/office/officeart/2005/8/layout/hierarchy1"/>
     <dgm:cxn modelId="{15580954-D31A-4BE9-BF7A-C14D2BC348A9}" type="presParOf" srcId="{FD1E6DF3-1F96-46AD-8241-D014A12C880D}" destId="{B89752FF-95A7-474E-A154-DD269E4F5DE4}" srcOrd="1" destOrd="0" presId="urn:microsoft.com/office/officeart/2005/8/layout/hierarchy1"/>
+  </dgm:cxnLst>
+  <dgm:bg/>
+  <dgm:whole/>
+  <dgm:extLst>
+    <a:ext uri="http://schemas.microsoft.com/office/drawing/2008/diagram">
+      <dsp:dataModelExt xmlns:dsp="http://schemas.microsoft.com/office/drawing/2008/diagram" relId="rId6" minVer="http://schemas.openxmlformats.org/drawingml/2006/diagram"/>
+    </a:ext>
+  </dgm:extLst>
+</dgm:dataModel>
+</file>
+
+<file path=ppt/diagrams/data5.xml><?xml version="1.0" encoding="utf-8"?>
+<dgm:dataModel xmlns:dgm="http://schemas.openxmlformats.org/drawingml/2006/diagram" xmlns:a="http://schemas.openxmlformats.org/drawingml/2006/main">
+  <dgm:ptLst>
+    <dgm:pt modelId="{6621E396-22BB-4BAA-86D9-A1D5854857CA}" type="doc">
+      <dgm:prSet loTypeId="urn:microsoft.com/office/officeart/2005/8/layout/hierarchy1" loCatId="hierarchy" qsTypeId="urn:microsoft.com/office/officeart/2005/8/quickstyle/3d4" qsCatId="3D" csTypeId="urn:microsoft.com/office/officeart/2005/8/colors/accent1_2" csCatId="accent1" phldr="1"/>
+      <dgm:spPr/>
+      <dgm:t>
+        <a:bodyPr/>
+        <a:lstStyle/>
+        <a:p>
+          <a:endParaRPr lang="en-US"/>
+        </a:p>
+      </dgm:t>
+    </dgm:pt>
+    <dgm:pt modelId="{64341ED1-133E-4A5F-B2CA-B7839122E5E1}">
+      <dgm:prSet phldrT="[Text]"/>
+      <dgm:spPr/>
+      <dgm:t>
+        <a:bodyPr/>
+        <a:lstStyle/>
+        <a:p>
+          <a:r>
+            <a:rPr lang="en-US" dirty="0" smtClean="0"/>
+            <a:t>Distributed computing</a:t>
+          </a:r>
+          <a:endParaRPr lang="en-US" dirty="0"/>
+        </a:p>
+      </dgm:t>
+    </dgm:pt>
+    <dgm:pt modelId="{9D095FE8-8213-4B2B-8FC7-77FFB4BB1B88}" type="parTrans" cxnId="{FF4E295E-7BB3-4B76-B185-4F0106A708BA}">
+      <dgm:prSet/>
+      <dgm:spPr/>
+      <dgm:t>
+        <a:bodyPr/>
+        <a:lstStyle/>
+        <a:p>
+          <a:endParaRPr lang="en-US"/>
+        </a:p>
+      </dgm:t>
+    </dgm:pt>
+    <dgm:pt modelId="{6B23510D-A384-4590-9F26-464C17EB856C}" type="sibTrans" cxnId="{FF4E295E-7BB3-4B76-B185-4F0106A708BA}">
+      <dgm:prSet/>
+      <dgm:spPr/>
+      <dgm:t>
+        <a:bodyPr/>
+        <a:lstStyle/>
+        <a:p>
+          <a:endParaRPr lang="en-US"/>
+        </a:p>
+      </dgm:t>
+    </dgm:pt>
+    <dgm:pt modelId="{B426D3DF-981A-4ACA-BDCD-74F52BC54F36}">
+      <dgm:prSet phldrT="[Text]"/>
+      <dgm:spPr/>
+      <dgm:t>
+        <a:bodyPr/>
+        <a:lstStyle/>
+        <a:p>
+          <a:r>
+            <a:rPr lang="en-US" dirty="0" smtClean="0"/>
+            <a:t>Peer-to-Peer computing </a:t>
+          </a:r>
+          <a:endParaRPr lang="en-US" dirty="0"/>
+        </a:p>
+      </dgm:t>
+    </dgm:pt>
+    <dgm:pt modelId="{A92319EC-B566-4DF5-8DC2-9B499E48805C}" type="parTrans" cxnId="{1F2F3D80-A2AC-4DFD-9FDD-F19D7BC04570}">
+      <dgm:prSet/>
+      <dgm:spPr/>
+      <dgm:t>
+        <a:bodyPr/>
+        <a:lstStyle/>
+        <a:p>
+          <a:endParaRPr lang="en-US"/>
+        </a:p>
+      </dgm:t>
+    </dgm:pt>
+    <dgm:pt modelId="{7F8B996A-D72C-4828-95CF-F00D2E1FEFCD}" type="sibTrans" cxnId="{1F2F3D80-A2AC-4DFD-9FDD-F19D7BC04570}">
+      <dgm:prSet/>
+      <dgm:spPr/>
+      <dgm:t>
+        <a:bodyPr/>
+        <a:lstStyle/>
+        <a:p>
+          <a:endParaRPr lang="en-US"/>
+        </a:p>
+      </dgm:t>
+    </dgm:pt>
+    <dgm:pt modelId="{FD996A20-6A09-41F5-9196-06E15DA4ED74}">
+      <dgm:prSet phldrT="[Text]"/>
+      <dgm:spPr/>
+      <dgm:t>
+        <a:bodyPr/>
+        <a:lstStyle/>
+        <a:p>
+          <a:r>
+            <a:rPr lang="en-US" dirty="0" smtClean="0"/>
+            <a:t>Cluster computing </a:t>
+          </a:r>
+          <a:endParaRPr lang="en-US" dirty="0"/>
+        </a:p>
+      </dgm:t>
+    </dgm:pt>
+    <dgm:pt modelId="{BE3C59D4-0C3A-4CE8-8412-0142FC9112E5}" type="parTrans" cxnId="{7622F0F6-314F-4E6B-BFFE-FF0CED15058F}">
+      <dgm:prSet/>
+      <dgm:spPr/>
+      <dgm:t>
+        <a:bodyPr/>
+        <a:lstStyle/>
+        <a:p>
+          <a:endParaRPr lang="en-US"/>
+        </a:p>
+      </dgm:t>
+    </dgm:pt>
+    <dgm:pt modelId="{44B172B9-B2CB-4CB3-8660-38A30D50B387}" type="sibTrans" cxnId="{7622F0F6-314F-4E6B-BFFE-FF0CED15058F}">
+      <dgm:prSet/>
+      <dgm:spPr/>
+      <dgm:t>
+        <a:bodyPr/>
+        <a:lstStyle/>
+        <a:p>
+          <a:endParaRPr lang="en-US"/>
+        </a:p>
+      </dgm:t>
+    </dgm:pt>
+    <dgm:pt modelId="{E355DCEE-CFED-4B4E-95C1-C3ED3918F3D3}">
+      <dgm:prSet phldrT="[Text]"/>
+      <dgm:spPr/>
+      <dgm:t>
+        <a:bodyPr/>
+        <a:lstStyle/>
+        <a:p>
+          <a:r>
+            <a:rPr lang="en-US" dirty="0" smtClean="0"/>
+            <a:t>Utility computing</a:t>
+          </a:r>
+          <a:endParaRPr lang="en-US" dirty="0"/>
+        </a:p>
+      </dgm:t>
+    </dgm:pt>
+    <dgm:pt modelId="{7343F464-1509-45F9-836B-82E0B529AC39}" type="parTrans" cxnId="{A5E4A230-47AD-4CCE-B63D-290746125B89}">
+      <dgm:prSet/>
+      <dgm:spPr/>
+      <dgm:t>
+        <a:bodyPr/>
+        <a:lstStyle/>
+        <a:p>
+          <a:endParaRPr lang="en-US"/>
+        </a:p>
+      </dgm:t>
+    </dgm:pt>
+    <dgm:pt modelId="{078DB322-C08D-4312-8C12-D8384FE5D6EB}" type="sibTrans" cxnId="{A5E4A230-47AD-4CCE-B63D-290746125B89}">
+      <dgm:prSet/>
+      <dgm:spPr/>
+      <dgm:t>
+        <a:bodyPr/>
+        <a:lstStyle/>
+        <a:p>
+          <a:endParaRPr lang="en-US"/>
+        </a:p>
+      </dgm:t>
+    </dgm:pt>
+    <dgm:pt modelId="{091F882E-0915-4AFC-AFCD-B1181E37E14D}">
+      <dgm:prSet phldrT="[Text]"/>
+      <dgm:spPr/>
+      <dgm:t>
+        <a:bodyPr/>
+        <a:lstStyle/>
+        <a:p>
+          <a:r>
+            <a:rPr lang="en-US" dirty="0" smtClean="0"/>
+            <a:t>Jungle computing</a:t>
+          </a:r>
+          <a:endParaRPr lang="en-US" dirty="0"/>
+        </a:p>
+      </dgm:t>
+    </dgm:pt>
+    <dgm:pt modelId="{44337762-FFBD-474D-B88E-C618616EDE17}" type="parTrans" cxnId="{628A9C82-BA29-4E3F-B65F-F63F75B68E9D}">
+      <dgm:prSet/>
+      <dgm:spPr/>
+      <dgm:t>
+        <a:bodyPr/>
+        <a:lstStyle/>
+        <a:p>
+          <a:endParaRPr lang="en-US"/>
+        </a:p>
+      </dgm:t>
+    </dgm:pt>
+    <dgm:pt modelId="{15C21F9D-4E60-420E-B892-0287CAD226B2}" type="sibTrans" cxnId="{628A9C82-BA29-4E3F-B65F-F63F75B68E9D}">
+      <dgm:prSet/>
+      <dgm:spPr/>
+      <dgm:t>
+        <a:bodyPr/>
+        <a:lstStyle/>
+        <a:p>
+          <a:endParaRPr lang="en-US"/>
+        </a:p>
+      </dgm:t>
+    </dgm:pt>
+    <dgm:pt modelId="{9C1EE866-C214-4A82-9547-61A5AA867C03}">
+      <dgm:prSet/>
+      <dgm:spPr/>
+      <dgm:t>
+        <a:bodyPr/>
+        <a:lstStyle/>
+        <a:p>
+          <a:r>
+            <a:rPr lang="en-US" dirty="0" smtClean="0"/>
+            <a:t>Cloud computing</a:t>
+          </a:r>
+          <a:endParaRPr lang="en-US" dirty="0"/>
+        </a:p>
+      </dgm:t>
+    </dgm:pt>
+    <dgm:pt modelId="{535ADC1B-E987-4114-88E1-0020E71ACB45}" type="parTrans" cxnId="{2525302B-B5D2-4C25-98D9-D15418FED570}">
+      <dgm:prSet/>
+      <dgm:spPr/>
+      <dgm:t>
+        <a:bodyPr/>
+        <a:lstStyle/>
+        <a:p>
+          <a:endParaRPr lang="en-US"/>
+        </a:p>
+      </dgm:t>
+    </dgm:pt>
+    <dgm:pt modelId="{F593FCBC-3BDA-47E4-BC69-F0F6F7CF17CA}" type="sibTrans" cxnId="{2525302B-B5D2-4C25-98D9-D15418FED570}">
+      <dgm:prSet/>
+      <dgm:spPr/>
+      <dgm:t>
+        <a:bodyPr/>
+        <a:lstStyle/>
+        <a:p>
+          <a:endParaRPr lang="en-US"/>
+        </a:p>
+      </dgm:t>
+    </dgm:pt>
+    <dgm:pt modelId="{6509BC69-7715-4AE9-8545-833A23F1F7D0}">
+      <dgm:prSet/>
+      <dgm:spPr/>
+      <dgm:t>
+        <a:bodyPr/>
+        <a:lstStyle/>
+        <a:p>
+          <a:r>
+            <a:rPr lang="en-US" dirty="0" smtClean="0"/>
+            <a:t>Grid computing</a:t>
+          </a:r>
+          <a:endParaRPr lang="en-US" dirty="0"/>
+        </a:p>
+      </dgm:t>
+    </dgm:pt>
+    <dgm:pt modelId="{BD130280-A84B-4826-90BB-E35618FA7329}" type="parTrans" cxnId="{7952A79E-9A23-4A9A-BE2E-18CB79CFAA62}">
+      <dgm:prSet/>
+      <dgm:spPr/>
+      <dgm:t>
+        <a:bodyPr/>
+        <a:lstStyle/>
+        <a:p>
+          <a:endParaRPr lang="en-US"/>
+        </a:p>
+      </dgm:t>
+    </dgm:pt>
+    <dgm:pt modelId="{08030457-AA43-4093-AB35-36508039FC04}" type="sibTrans" cxnId="{7952A79E-9A23-4A9A-BE2E-18CB79CFAA62}">
+      <dgm:prSet/>
+      <dgm:spPr/>
+      <dgm:t>
+        <a:bodyPr/>
+        <a:lstStyle/>
+        <a:p>
+          <a:endParaRPr lang="en-US"/>
+        </a:p>
+      </dgm:t>
+    </dgm:pt>
+    <dgm:pt modelId="{7E592DA7-86CE-4FE6-B528-72BCA053EDAC}" type="pres">
+      <dgm:prSet presAssocID="{6621E396-22BB-4BAA-86D9-A1D5854857CA}" presName="hierChild1" presStyleCnt="0">
+        <dgm:presLayoutVars>
+          <dgm:chPref val="1"/>
+          <dgm:dir/>
+          <dgm:animOne val="branch"/>
+          <dgm:animLvl val="lvl"/>
+          <dgm:resizeHandles/>
+        </dgm:presLayoutVars>
+      </dgm:prSet>
+      <dgm:spPr/>
+    </dgm:pt>
+    <dgm:pt modelId="{EB47D686-E303-417E-9EF5-4CB31FF033BA}" type="pres">
+      <dgm:prSet presAssocID="{64341ED1-133E-4A5F-B2CA-B7839122E5E1}" presName="hierRoot1" presStyleCnt="0"/>
+      <dgm:spPr/>
+    </dgm:pt>
+    <dgm:pt modelId="{2D4E0BC2-F9F1-4407-8F38-F218C07A2C33}" type="pres">
+      <dgm:prSet presAssocID="{64341ED1-133E-4A5F-B2CA-B7839122E5E1}" presName="composite" presStyleCnt="0"/>
+      <dgm:spPr/>
+    </dgm:pt>
+    <dgm:pt modelId="{BEF97BD1-8EDB-42ED-B248-3EEE60E32564}" type="pres">
+      <dgm:prSet presAssocID="{64341ED1-133E-4A5F-B2CA-B7839122E5E1}" presName="background" presStyleLbl="node0" presStyleIdx="0" presStyleCnt="1"/>
+      <dgm:spPr/>
+    </dgm:pt>
+    <dgm:pt modelId="{5573FD94-740A-4861-83F1-29D0DAEBDC74}" type="pres">
+      <dgm:prSet presAssocID="{64341ED1-133E-4A5F-B2CA-B7839122E5E1}" presName="text" presStyleLbl="fgAcc0" presStyleIdx="0" presStyleCnt="1">
+        <dgm:presLayoutVars>
+          <dgm:chPref val="3"/>
+        </dgm:presLayoutVars>
+      </dgm:prSet>
+      <dgm:spPr/>
+    </dgm:pt>
+    <dgm:pt modelId="{E441CBCD-6BF8-4EB4-8B0A-C01D0D0A6A03}" type="pres">
+      <dgm:prSet presAssocID="{64341ED1-133E-4A5F-B2CA-B7839122E5E1}" presName="hierChild2" presStyleCnt="0"/>
+      <dgm:spPr/>
+    </dgm:pt>
+    <dgm:pt modelId="{2E78A703-B9DD-425D-8C61-5CF4A53FAFA3}" type="pres">
+      <dgm:prSet presAssocID="{A92319EC-B566-4DF5-8DC2-9B499E48805C}" presName="Name10" presStyleLbl="parChTrans1D2" presStyleIdx="0" presStyleCnt="4"/>
+      <dgm:spPr/>
+    </dgm:pt>
+    <dgm:pt modelId="{0233AA2A-A8F9-42FB-B65A-CD3A2E39AEFC}" type="pres">
+      <dgm:prSet presAssocID="{B426D3DF-981A-4ACA-BDCD-74F52BC54F36}" presName="hierRoot2" presStyleCnt="0"/>
+      <dgm:spPr/>
+    </dgm:pt>
+    <dgm:pt modelId="{C7341B5D-6051-45F9-B57B-7C4582C5D1DE}" type="pres">
+      <dgm:prSet presAssocID="{B426D3DF-981A-4ACA-BDCD-74F52BC54F36}" presName="composite2" presStyleCnt="0"/>
+      <dgm:spPr/>
+    </dgm:pt>
+    <dgm:pt modelId="{69A55FC9-07D5-493D-8766-75E430406216}" type="pres">
+      <dgm:prSet presAssocID="{B426D3DF-981A-4ACA-BDCD-74F52BC54F36}" presName="background2" presStyleLbl="node2" presStyleIdx="0" presStyleCnt="4"/>
+      <dgm:spPr/>
+    </dgm:pt>
+    <dgm:pt modelId="{B20123EC-DD70-4002-B34F-72383B5AD1D0}" type="pres">
+      <dgm:prSet presAssocID="{B426D3DF-981A-4ACA-BDCD-74F52BC54F36}" presName="text2" presStyleLbl="fgAcc2" presStyleIdx="0" presStyleCnt="4">
+        <dgm:presLayoutVars>
+          <dgm:chPref val="3"/>
+        </dgm:presLayoutVars>
+      </dgm:prSet>
+      <dgm:spPr/>
+    </dgm:pt>
+    <dgm:pt modelId="{9948315E-8E58-4D40-B5A4-6F11A14A5982}" type="pres">
+      <dgm:prSet presAssocID="{B426D3DF-981A-4ACA-BDCD-74F52BC54F36}" presName="hierChild3" presStyleCnt="0"/>
+      <dgm:spPr/>
+    </dgm:pt>
+    <dgm:pt modelId="{35FDEEF8-A771-4D6A-821D-5DD0765F4E3F}" type="pres">
+      <dgm:prSet presAssocID="{BE3C59D4-0C3A-4CE8-8412-0142FC9112E5}" presName="Name10" presStyleLbl="parChTrans1D2" presStyleIdx="1" presStyleCnt="4"/>
+      <dgm:spPr/>
+    </dgm:pt>
+    <dgm:pt modelId="{DDB92A0A-EA33-419D-9DA5-B51BC9A25EE3}" type="pres">
+      <dgm:prSet presAssocID="{FD996A20-6A09-41F5-9196-06E15DA4ED74}" presName="hierRoot2" presStyleCnt="0"/>
+      <dgm:spPr/>
+    </dgm:pt>
+    <dgm:pt modelId="{B68E246C-7578-4A58-A91D-3CC150BDF1EA}" type="pres">
+      <dgm:prSet presAssocID="{FD996A20-6A09-41F5-9196-06E15DA4ED74}" presName="composite2" presStyleCnt="0"/>
+      <dgm:spPr/>
+    </dgm:pt>
+    <dgm:pt modelId="{2DE0B614-F651-432D-93FC-82F30F1B3E94}" type="pres">
+      <dgm:prSet presAssocID="{FD996A20-6A09-41F5-9196-06E15DA4ED74}" presName="background2" presStyleLbl="node2" presStyleIdx="1" presStyleCnt="4"/>
+      <dgm:spPr/>
+    </dgm:pt>
+    <dgm:pt modelId="{E8E6B3F1-996D-4405-A520-CB4BB672E79C}" type="pres">
+      <dgm:prSet presAssocID="{FD996A20-6A09-41F5-9196-06E15DA4ED74}" presName="text2" presStyleLbl="fgAcc2" presStyleIdx="1" presStyleCnt="4">
+        <dgm:presLayoutVars>
+          <dgm:chPref val="3"/>
+        </dgm:presLayoutVars>
+      </dgm:prSet>
+      <dgm:spPr/>
+    </dgm:pt>
+    <dgm:pt modelId="{906FC2FE-D0A3-4A98-A7B3-911FBE4BAF03}" type="pres">
+      <dgm:prSet presAssocID="{FD996A20-6A09-41F5-9196-06E15DA4ED74}" presName="hierChild3" presStyleCnt="0"/>
+      <dgm:spPr/>
+    </dgm:pt>
+    <dgm:pt modelId="{ECDC51A7-6312-4B5B-9113-87639623B933}" type="pres">
+      <dgm:prSet presAssocID="{7343F464-1509-45F9-836B-82E0B529AC39}" presName="Name10" presStyleLbl="parChTrans1D2" presStyleIdx="2" presStyleCnt="4"/>
+      <dgm:spPr/>
+    </dgm:pt>
+    <dgm:pt modelId="{0EBE78CE-66BB-4E69-A3B5-097C6A29660A}" type="pres">
+      <dgm:prSet presAssocID="{E355DCEE-CFED-4B4E-95C1-C3ED3918F3D3}" presName="hierRoot2" presStyleCnt="0"/>
+      <dgm:spPr/>
+    </dgm:pt>
+    <dgm:pt modelId="{1D58EB01-BEB4-4ED3-B8D5-6AEA7FCD28DD}" type="pres">
+      <dgm:prSet presAssocID="{E355DCEE-CFED-4B4E-95C1-C3ED3918F3D3}" presName="composite2" presStyleCnt="0"/>
+      <dgm:spPr/>
+    </dgm:pt>
+    <dgm:pt modelId="{A484A1D8-D679-4EBD-9ABE-AB9C24280E21}" type="pres">
+      <dgm:prSet presAssocID="{E355DCEE-CFED-4B4E-95C1-C3ED3918F3D3}" presName="background2" presStyleLbl="node2" presStyleIdx="2" presStyleCnt="4"/>
+      <dgm:spPr/>
+      <dgm:t>
+        <a:bodyPr/>
+        <a:lstStyle/>
+        <a:p>
+          <a:endParaRPr lang="en-US"/>
+        </a:p>
+      </dgm:t>
+    </dgm:pt>
+    <dgm:pt modelId="{C62030B6-9838-4D35-81EF-6AE86E8FD0B7}" type="pres">
+      <dgm:prSet presAssocID="{E355DCEE-CFED-4B4E-95C1-C3ED3918F3D3}" presName="text2" presStyleLbl="fgAcc2" presStyleIdx="2" presStyleCnt="4">
+        <dgm:presLayoutVars>
+          <dgm:chPref val="3"/>
+        </dgm:presLayoutVars>
+      </dgm:prSet>
+      <dgm:spPr/>
+    </dgm:pt>
+    <dgm:pt modelId="{B7D1E14B-5C8E-4934-A4E0-27306DEF3DD0}" type="pres">
+      <dgm:prSet presAssocID="{E355DCEE-CFED-4B4E-95C1-C3ED3918F3D3}" presName="hierChild3" presStyleCnt="0"/>
+      <dgm:spPr/>
+    </dgm:pt>
+    <dgm:pt modelId="{1FDAFF91-CC20-4CEC-A22C-6CFA1AF43D26}" type="pres">
+      <dgm:prSet presAssocID="{BD130280-A84B-4826-90BB-E35618FA7329}" presName="Name17" presStyleLbl="parChTrans1D3" presStyleIdx="0" presStyleCnt="2"/>
+      <dgm:spPr/>
+    </dgm:pt>
+    <dgm:pt modelId="{73E345C9-92C5-4983-8DF3-051125F8AE0A}" type="pres">
+      <dgm:prSet presAssocID="{6509BC69-7715-4AE9-8545-833A23F1F7D0}" presName="hierRoot3" presStyleCnt="0"/>
+      <dgm:spPr/>
+    </dgm:pt>
+    <dgm:pt modelId="{601B44CD-6409-4344-87AA-937C3903C9BD}" type="pres">
+      <dgm:prSet presAssocID="{6509BC69-7715-4AE9-8545-833A23F1F7D0}" presName="composite3" presStyleCnt="0"/>
+      <dgm:spPr/>
+    </dgm:pt>
+    <dgm:pt modelId="{A464E424-42A2-42FE-8F6A-D586AC60FBD8}" type="pres">
+      <dgm:prSet presAssocID="{6509BC69-7715-4AE9-8545-833A23F1F7D0}" presName="background3" presStyleLbl="node3" presStyleIdx="0" presStyleCnt="2"/>
+      <dgm:spPr/>
+    </dgm:pt>
+    <dgm:pt modelId="{1DF10A25-C6B6-4B35-9C02-9BD8BC53F595}" type="pres">
+      <dgm:prSet presAssocID="{6509BC69-7715-4AE9-8545-833A23F1F7D0}" presName="text3" presStyleLbl="fgAcc3" presStyleIdx="0" presStyleCnt="2">
+        <dgm:presLayoutVars>
+          <dgm:chPref val="3"/>
+        </dgm:presLayoutVars>
+      </dgm:prSet>
+      <dgm:spPr/>
+      <dgm:t>
+        <a:bodyPr/>
+        <a:lstStyle/>
+        <a:p>
+          <a:endParaRPr lang="en-US"/>
+        </a:p>
+      </dgm:t>
+    </dgm:pt>
+    <dgm:pt modelId="{87A6A01E-C427-4F5F-9182-417B3C1A3934}" type="pres">
+      <dgm:prSet presAssocID="{6509BC69-7715-4AE9-8545-833A23F1F7D0}" presName="hierChild4" presStyleCnt="0"/>
+      <dgm:spPr/>
+    </dgm:pt>
+    <dgm:pt modelId="{85343B2D-6766-4596-A7C0-7ED78437CB26}" type="pres">
+      <dgm:prSet presAssocID="{535ADC1B-E987-4114-88E1-0020E71ACB45}" presName="Name17" presStyleLbl="parChTrans1D3" presStyleIdx="1" presStyleCnt="2"/>
+      <dgm:spPr/>
+    </dgm:pt>
+    <dgm:pt modelId="{C962C6CD-1365-4D06-AF37-3EFB02EB03E0}" type="pres">
+      <dgm:prSet presAssocID="{9C1EE866-C214-4A82-9547-61A5AA867C03}" presName="hierRoot3" presStyleCnt="0"/>
+      <dgm:spPr/>
+    </dgm:pt>
+    <dgm:pt modelId="{1761A1DD-3FA4-48CA-8E31-28F21162221B}" type="pres">
+      <dgm:prSet presAssocID="{9C1EE866-C214-4A82-9547-61A5AA867C03}" presName="composite3" presStyleCnt="0"/>
+      <dgm:spPr/>
+    </dgm:pt>
+    <dgm:pt modelId="{F3349138-DD3D-4D01-ABC7-3B5EEB6CD915}" type="pres">
+      <dgm:prSet presAssocID="{9C1EE866-C214-4A82-9547-61A5AA867C03}" presName="background3" presStyleLbl="node3" presStyleIdx="1" presStyleCnt="2"/>
+      <dgm:spPr/>
+    </dgm:pt>
+    <dgm:pt modelId="{35177D51-DA6B-4B74-8542-DDCB57DE5FAE}" type="pres">
+      <dgm:prSet presAssocID="{9C1EE866-C214-4A82-9547-61A5AA867C03}" presName="text3" presStyleLbl="fgAcc3" presStyleIdx="1" presStyleCnt="2">
+        <dgm:presLayoutVars>
+          <dgm:chPref val="3"/>
+        </dgm:presLayoutVars>
+      </dgm:prSet>
+      <dgm:spPr/>
+      <dgm:t>
+        <a:bodyPr/>
+        <a:lstStyle/>
+        <a:p>
+          <a:endParaRPr lang="en-US"/>
+        </a:p>
+      </dgm:t>
+    </dgm:pt>
+    <dgm:pt modelId="{10FDCEDD-B050-45BA-AB37-49FF012CF37F}" type="pres">
+      <dgm:prSet presAssocID="{9C1EE866-C214-4A82-9547-61A5AA867C03}" presName="hierChild4" presStyleCnt="0"/>
+      <dgm:spPr/>
+    </dgm:pt>
+    <dgm:pt modelId="{C15F7BDE-BE17-440A-AFDC-26911405FC39}" type="pres">
+      <dgm:prSet presAssocID="{44337762-FFBD-474D-B88E-C618616EDE17}" presName="Name10" presStyleLbl="parChTrans1D2" presStyleIdx="3" presStyleCnt="4"/>
+      <dgm:spPr/>
+    </dgm:pt>
+    <dgm:pt modelId="{A3E7CD7C-9AAF-4D27-8553-AB64B598B24F}" type="pres">
+      <dgm:prSet presAssocID="{091F882E-0915-4AFC-AFCD-B1181E37E14D}" presName="hierRoot2" presStyleCnt="0"/>
+      <dgm:spPr/>
+    </dgm:pt>
+    <dgm:pt modelId="{B50516B6-83C9-4E4B-8910-F09105054128}" type="pres">
+      <dgm:prSet presAssocID="{091F882E-0915-4AFC-AFCD-B1181E37E14D}" presName="composite2" presStyleCnt="0"/>
+      <dgm:spPr/>
+    </dgm:pt>
+    <dgm:pt modelId="{AABC5D3A-A05C-4BE5-8A31-2BFE359C1ABF}" type="pres">
+      <dgm:prSet presAssocID="{091F882E-0915-4AFC-AFCD-B1181E37E14D}" presName="background2" presStyleLbl="node2" presStyleIdx="3" presStyleCnt="4"/>
+      <dgm:spPr/>
+    </dgm:pt>
+    <dgm:pt modelId="{E753A8D8-B50F-42C4-B0CE-D216BE908656}" type="pres">
+      <dgm:prSet presAssocID="{091F882E-0915-4AFC-AFCD-B1181E37E14D}" presName="text2" presStyleLbl="fgAcc2" presStyleIdx="3" presStyleCnt="4">
+        <dgm:presLayoutVars>
+          <dgm:chPref val="3"/>
+        </dgm:presLayoutVars>
+      </dgm:prSet>
+      <dgm:spPr/>
+    </dgm:pt>
+    <dgm:pt modelId="{DF1FD2CB-B1CB-4D64-A7D5-D9DA29A6AE57}" type="pres">
+      <dgm:prSet presAssocID="{091F882E-0915-4AFC-AFCD-B1181E37E14D}" presName="hierChild3" presStyleCnt="0"/>
+      <dgm:spPr/>
+    </dgm:pt>
+  </dgm:ptLst>
+  <dgm:cxnLst>
+    <dgm:cxn modelId="{869C7012-692A-402E-BF92-F79C2A072C8A}" type="presOf" srcId="{B426D3DF-981A-4ACA-BDCD-74F52BC54F36}" destId="{B20123EC-DD70-4002-B34F-72383B5AD1D0}" srcOrd="0" destOrd="0" presId="urn:microsoft.com/office/officeart/2005/8/layout/hierarchy1"/>
+    <dgm:cxn modelId="{785E77C6-80DB-499B-A7BB-61E8D05FCBB3}" type="presOf" srcId="{535ADC1B-E987-4114-88E1-0020E71ACB45}" destId="{85343B2D-6766-4596-A7C0-7ED78437CB26}" srcOrd="0" destOrd="0" presId="urn:microsoft.com/office/officeart/2005/8/layout/hierarchy1"/>
+    <dgm:cxn modelId="{7622F0F6-314F-4E6B-BFFE-FF0CED15058F}" srcId="{64341ED1-133E-4A5F-B2CA-B7839122E5E1}" destId="{FD996A20-6A09-41F5-9196-06E15DA4ED74}" srcOrd="1" destOrd="0" parTransId="{BE3C59D4-0C3A-4CE8-8412-0142FC9112E5}" sibTransId="{44B172B9-B2CB-4CB3-8660-38A30D50B387}"/>
+    <dgm:cxn modelId="{AF143184-4851-4174-9641-5243E80A1E41}" type="presOf" srcId="{A92319EC-B566-4DF5-8DC2-9B499E48805C}" destId="{2E78A703-B9DD-425D-8C61-5CF4A53FAFA3}" srcOrd="0" destOrd="0" presId="urn:microsoft.com/office/officeart/2005/8/layout/hierarchy1"/>
+    <dgm:cxn modelId="{1481D2D9-EBDC-4E7C-ACB9-80B1F694C79C}" type="presOf" srcId="{E355DCEE-CFED-4B4E-95C1-C3ED3918F3D3}" destId="{C62030B6-9838-4D35-81EF-6AE86E8FD0B7}" srcOrd="0" destOrd="0" presId="urn:microsoft.com/office/officeart/2005/8/layout/hierarchy1"/>
+    <dgm:cxn modelId="{A5E4A230-47AD-4CCE-B63D-290746125B89}" srcId="{64341ED1-133E-4A5F-B2CA-B7839122E5E1}" destId="{E355DCEE-CFED-4B4E-95C1-C3ED3918F3D3}" srcOrd="2" destOrd="0" parTransId="{7343F464-1509-45F9-836B-82E0B529AC39}" sibTransId="{078DB322-C08D-4312-8C12-D8384FE5D6EB}"/>
+    <dgm:cxn modelId="{2525302B-B5D2-4C25-98D9-D15418FED570}" srcId="{E355DCEE-CFED-4B4E-95C1-C3ED3918F3D3}" destId="{9C1EE866-C214-4A82-9547-61A5AA867C03}" srcOrd="1" destOrd="0" parTransId="{535ADC1B-E987-4114-88E1-0020E71ACB45}" sibTransId="{F593FCBC-3BDA-47E4-BC69-F0F6F7CF17CA}"/>
+    <dgm:cxn modelId="{1F2F3D80-A2AC-4DFD-9FDD-F19D7BC04570}" srcId="{64341ED1-133E-4A5F-B2CA-B7839122E5E1}" destId="{B426D3DF-981A-4ACA-BDCD-74F52BC54F36}" srcOrd="0" destOrd="0" parTransId="{A92319EC-B566-4DF5-8DC2-9B499E48805C}" sibTransId="{7F8B996A-D72C-4828-95CF-F00D2E1FEFCD}"/>
+    <dgm:cxn modelId="{2ABE6B4F-D2AE-4111-892F-4E82F39FE582}" type="presOf" srcId="{BD130280-A84B-4826-90BB-E35618FA7329}" destId="{1FDAFF91-CC20-4CEC-A22C-6CFA1AF43D26}" srcOrd="0" destOrd="0" presId="urn:microsoft.com/office/officeart/2005/8/layout/hierarchy1"/>
+    <dgm:cxn modelId="{EAAC68D4-7227-400B-9B95-0206ABD7B679}" type="presOf" srcId="{7343F464-1509-45F9-836B-82E0B529AC39}" destId="{ECDC51A7-6312-4B5B-9113-87639623B933}" srcOrd="0" destOrd="0" presId="urn:microsoft.com/office/officeart/2005/8/layout/hierarchy1"/>
+    <dgm:cxn modelId="{FF4E295E-7BB3-4B76-B185-4F0106A708BA}" srcId="{6621E396-22BB-4BAA-86D9-A1D5854857CA}" destId="{64341ED1-133E-4A5F-B2CA-B7839122E5E1}" srcOrd="0" destOrd="0" parTransId="{9D095FE8-8213-4B2B-8FC7-77FFB4BB1B88}" sibTransId="{6B23510D-A384-4590-9F26-464C17EB856C}"/>
+    <dgm:cxn modelId="{1E232702-92AF-4E01-AF65-5B01B06BC5F9}" type="presOf" srcId="{BE3C59D4-0C3A-4CE8-8412-0142FC9112E5}" destId="{35FDEEF8-A771-4D6A-821D-5DD0765F4E3F}" srcOrd="0" destOrd="0" presId="urn:microsoft.com/office/officeart/2005/8/layout/hierarchy1"/>
+    <dgm:cxn modelId="{D7F088F7-70F2-4D80-B287-C9676E3ACC1D}" type="presOf" srcId="{FD996A20-6A09-41F5-9196-06E15DA4ED74}" destId="{E8E6B3F1-996D-4405-A520-CB4BB672E79C}" srcOrd="0" destOrd="0" presId="urn:microsoft.com/office/officeart/2005/8/layout/hierarchy1"/>
+    <dgm:cxn modelId="{239411CF-1F0E-4179-854E-288A6804E8C1}" type="presOf" srcId="{44337762-FFBD-474D-B88E-C618616EDE17}" destId="{C15F7BDE-BE17-440A-AFDC-26911405FC39}" srcOrd="0" destOrd="0" presId="urn:microsoft.com/office/officeart/2005/8/layout/hierarchy1"/>
+    <dgm:cxn modelId="{7952A79E-9A23-4A9A-BE2E-18CB79CFAA62}" srcId="{E355DCEE-CFED-4B4E-95C1-C3ED3918F3D3}" destId="{6509BC69-7715-4AE9-8545-833A23F1F7D0}" srcOrd="0" destOrd="0" parTransId="{BD130280-A84B-4826-90BB-E35618FA7329}" sibTransId="{08030457-AA43-4093-AB35-36508039FC04}"/>
+    <dgm:cxn modelId="{D7553362-3A4C-4B33-B7BF-53247DE2E997}" type="presOf" srcId="{64341ED1-133E-4A5F-B2CA-B7839122E5E1}" destId="{5573FD94-740A-4861-83F1-29D0DAEBDC74}" srcOrd="0" destOrd="0" presId="urn:microsoft.com/office/officeart/2005/8/layout/hierarchy1"/>
+    <dgm:cxn modelId="{29A742B8-1028-4B3A-86FA-1F7740909746}" type="presOf" srcId="{6621E396-22BB-4BAA-86D9-A1D5854857CA}" destId="{7E592DA7-86CE-4FE6-B528-72BCA053EDAC}" srcOrd="0" destOrd="0" presId="urn:microsoft.com/office/officeart/2005/8/layout/hierarchy1"/>
+    <dgm:cxn modelId="{628A9C82-BA29-4E3F-B65F-F63F75B68E9D}" srcId="{64341ED1-133E-4A5F-B2CA-B7839122E5E1}" destId="{091F882E-0915-4AFC-AFCD-B1181E37E14D}" srcOrd="3" destOrd="0" parTransId="{44337762-FFBD-474D-B88E-C618616EDE17}" sibTransId="{15C21F9D-4E60-420E-B892-0287CAD226B2}"/>
+    <dgm:cxn modelId="{06343924-9343-490C-8185-42B81C07BFD5}" type="presOf" srcId="{9C1EE866-C214-4A82-9547-61A5AA867C03}" destId="{35177D51-DA6B-4B74-8542-DDCB57DE5FAE}" srcOrd="0" destOrd="0" presId="urn:microsoft.com/office/officeart/2005/8/layout/hierarchy1"/>
+    <dgm:cxn modelId="{973EF651-2A9A-44E8-9B31-B34D541E13C6}" type="presOf" srcId="{6509BC69-7715-4AE9-8545-833A23F1F7D0}" destId="{1DF10A25-C6B6-4B35-9C02-9BD8BC53F595}" srcOrd="0" destOrd="0" presId="urn:microsoft.com/office/officeart/2005/8/layout/hierarchy1"/>
+    <dgm:cxn modelId="{9AA3F2B4-85D7-4E67-A53B-D83B94482039}" type="presOf" srcId="{091F882E-0915-4AFC-AFCD-B1181E37E14D}" destId="{E753A8D8-B50F-42C4-B0CE-D216BE908656}" srcOrd="0" destOrd="0" presId="urn:microsoft.com/office/officeart/2005/8/layout/hierarchy1"/>
+    <dgm:cxn modelId="{A37C1BA9-717B-4608-BD6A-5F5D1626B9F1}" type="presParOf" srcId="{7E592DA7-86CE-4FE6-B528-72BCA053EDAC}" destId="{EB47D686-E303-417E-9EF5-4CB31FF033BA}" srcOrd="0" destOrd="0" presId="urn:microsoft.com/office/officeart/2005/8/layout/hierarchy1"/>
+    <dgm:cxn modelId="{67D688D3-2880-4676-97BB-B1436622610C}" type="presParOf" srcId="{EB47D686-E303-417E-9EF5-4CB31FF033BA}" destId="{2D4E0BC2-F9F1-4407-8F38-F218C07A2C33}" srcOrd="0" destOrd="0" presId="urn:microsoft.com/office/officeart/2005/8/layout/hierarchy1"/>
+    <dgm:cxn modelId="{E273DEE2-EA34-4263-86DB-F8EFFB5821F6}" type="presParOf" srcId="{2D4E0BC2-F9F1-4407-8F38-F218C07A2C33}" destId="{BEF97BD1-8EDB-42ED-B248-3EEE60E32564}" srcOrd="0" destOrd="0" presId="urn:microsoft.com/office/officeart/2005/8/layout/hierarchy1"/>
+    <dgm:cxn modelId="{8EFFD2E6-D3FA-48A8-85A9-FA273F86C0FD}" type="presParOf" srcId="{2D4E0BC2-F9F1-4407-8F38-F218C07A2C33}" destId="{5573FD94-740A-4861-83F1-29D0DAEBDC74}" srcOrd="1" destOrd="0" presId="urn:microsoft.com/office/officeart/2005/8/layout/hierarchy1"/>
+    <dgm:cxn modelId="{939AF8F0-50BA-410D-9B54-EF529DD936B5}" type="presParOf" srcId="{EB47D686-E303-417E-9EF5-4CB31FF033BA}" destId="{E441CBCD-6BF8-4EB4-8B0A-C01D0D0A6A03}" srcOrd="1" destOrd="0" presId="urn:microsoft.com/office/officeart/2005/8/layout/hierarchy1"/>
+    <dgm:cxn modelId="{AD1A28D1-51FA-4D3E-B9FF-7DEEC1410B24}" type="presParOf" srcId="{E441CBCD-6BF8-4EB4-8B0A-C01D0D0A6A03}" destId="{2E78A703-B9DD-425D-8C61-5CF4A53FAFA3}" srcOrd="0" destOrd="0" presId="urn:microsoft.com/office/officeart/2005/8/layout/hierarchy1"/>
+    <dgm:cxn modelId="{28E7DED2-895D-40C5-BFA0-26D823182839}" type="presParOf" srcId="{E441CBCD-6BF8-4EB4-8B0A-C01D0D0A6A03}" destId="{0233AA2A-A8F9-42FB-B65A-CD3A2E39AEFC}" srcOrd="1" destOrd="0" presId="urn:microsoft.com/office/officeart/2005/8/layout/hierarchy1"/>
+    <dgm:cxn modelId="{CA2F64C8-F504-4231-80F3-298BA0E90FE8}" type="presParOf" srcId="{0233AA2A-A8F9-42FB-B65A-CD3A2E39AEFC}" destId="{C7341B5D-6051-45F9-B57B-7C4582C5D1DE}" srcOrd="0" destOrd="0" presId="urn:microsoft.com/office/officeart/2005/8/layout/hierarchy1"/>
+    <dgm:cxn modelId="{E567F2E8-6D61-4157-9848-70904144EB51}" type="presParOf" srcId="{C7341B5D-6051-45F9-B57B-7C4582C5D1DE}" destId="{69A55FC9-07D5-493D-8766-75E430406216}" srcOrd="0" destOrd="0" presId="urn:microsoft.com/office/officeart/2005/8/layout/hierarchy1"/>
+    <dgm:cxn modelId="{4B3BCCBC-4AD1-443B-B73A-31C3D3CC45D8}" type="presParOf" srcId="{C7341B5D-6051-45F9-B57B-7C4582C5D1DE}" destId="{B20123EC-DD70-4002-B34F-72383B5AD1D0}" srcOrd="1" destOrd="0" presId="urn:microsoft.com/office/officeart/2005/8/layout/hierarchy1"/>
+    <dgm:cxn modelId="{D5018312-EEA0-4595-B3D5-87482AC9320F}" type="presParOf" srcId="{0233AA2A-A8F9-42FB-B65A-CD3A2E39AEFC}" destId="{9948315E-8E58-4D40-B5A4-6F11A14A5982}" srcOrd="1" destOrd="0" presId="urn:microsoft.com/office/officeart/2005/8/layout/hierarchy1"/>
+    <dgm:cxn modelId="{D4487645-AAFD-449E-AC58-EF5E8D293E31}" type="presParOf" srcId="{E441CBCD-6BF8-4EB4-8B0A-C01D0D0A6A03}" destId="{35FDEEF8-A771-4D6A-821D-5DD0765F4E3F}" srcOrd="2" destOrd="0" presId="urn:microsoft.com/office/officeart/2005/8/layout/hierarchy1"/>
+    <dgm:cxn modelId="{742964FB-E70B-4F4C-A983-AB1B65D5CFB6}" type="presParOf" srcId="{E441CBCD-6BF8-4EB4-8B0A-C01D0D0A6A03}" destId="{DDB92A0A-EA33-419D-9DA5-B51BC9A25EE3}" srcOrd="3" destOrd="0" presId="urn:microsoft.com/office/officeart/2005/8/layout/hierarchy1"/>
+    <dgm:cxn modelId="{1E1884CC-503A-4C6E-9E5A-159E75685D4B}" type="presParOf" srcId="{DDB92A0A-EA33-419D-9DA5-B51BC9A25EE3}" destId="{B68E246C-7578-4A58-A91D-3CC150BDF1EA}" srcOrd="0" destOrd="0" presId="urn:microsoft.com/office/officeart/2005/8/layout/hierarchy1"/>
+    <dgm:cxn modelId="{683E805F-FDA7-4954-85D2-F9B46B95CE4F}" type="presParOf" srcId="{B68E246C-7578-4A58-A91D-3CC150BDF1EA}" destId="{2DE0B614-F651-432D-93FC-82F30F1B3E94}" srcOrd="0" destOrd="0" presId="urn:microsoft.com/office/officeart/2005/8/layout/hierarchy1"/>
+    <dgm:cxn modelId="{694DCDBD-41D1-44DA-ADC2-4CBDFC0E31C9}" type="presParOf" srcId="{B68E246C-7578-4A58-A91D-3CC150BDF1EA}" destId="{E8E6B3F1-996D-4405-A520-CB4BB672E79C}" srcOrd="1" destOrd="0" presId="urn:microsoft.com/office/officeart/2005/8/layout/hierarchy1"/>
+    <dgm:cxn modelId="{3380D352-88F0-4561-821C-11B16566A5B6}" type="presParOf" srcId="{DDB92A0A-EA33-419D-9DA5-B51BC9A25EE3}" destId="{906FC2FE-D0A3-4A98-A7B3-911FBE4BAF03}" srcOrd="1" destOrd="0" presId="urn:microsoft.com/office/officeart/2005/8/layout/hierarchy1"/>
+    <dgm:cxn modelId="{5E8F189F-12C8-4B2D-84AF-0F9687A731B5}" type="presParOf" srcId="{E441CBCD-6BF8-4EB4-8B0A-C01D0D0A6A03}" destId="{ECDC51A7-6312-4B5B-9113-87639623B933}" srcOrd="4" destOrd="0" presId="urn:microsoft.com/office/officeart/2005/8/layout/hierarchy1"/>
+    <dgm:cxn modelId="{73AEADC4-7F3A-4BFE-85B7-0320DE194049}" type="presParOf" srcId="{E441CBCD-6BF8-4EB4-8B0A-C01D0D0A6A03}" destId="{0EBE78CE-66BB-4E69-A3B5-097C6A29660A}" srcOrd="5" destOrd="0" presId="urn:microsoft.com/office/officeart/2005/8/layout/hierarchy1"/>
+    <dgm:cxn modelId="{920C4776-F06D-4D88-B0EB-C7B81BC70885}" type="presParOf" srcId="{0EBE78CE-66BB-4E69-A3B5-097C6A29660A}" destId="{1D58EB01-BEB4-4ED3-B8D5-6AEA7FCD28DD}" srcOrd="0" destOrd="0" presId="urn:microsoft.com/office/officeart/2005/8/layout/hierarchy1"/>
+    <dgm:cxn modelId="{161A330D-A551-4AC4-A26D-B82BD6936700}" type="presParOf" srcId="{1D58EB01-BEB4-4ED3-B8D5-6AEA7FCD28DD}" destId="{A484A1D8-D679-4EBD-9ABE-AB9C24280E21}" srcOrd="0" destOrd="0" presId="urn:microsoft.com/office/officeart/2005/8/layout/hierarchy1"/>
+    <dgm:cxn modelId="{B98E5BAB-139C-4660-99A1-3DBBE073030E}" type="presParOf" srcId="{1D58EB01-BEB4-4ED3-B8D5-6AEA7FCD28DD}" destId="{C62030B6-9838-4D35-81EF-6AE86E8FD0B7}" srcOrd="1" destOrd="0" presId="urn:microsoft.com/office/officeart/2005/8/layout/hierarchy1"/>
+    <dgm:cxn modelId="{A299838C-D326-4110-A142-3D328ECC52B9}" type="presParOf" srcId="{0EBE78CE-66BB-4E69-A3B5-097C6A29660A}" destId="{B7D1E14B-5C8E-4934-A4E0-27306DEF3DD0}" srcOrd="1" destOrd="0" presId="urn:microsoft.com/office/officeart/2005/8/layout/hierarchy1"/>
+    <dgm:cxn modelId="{695EC263-AA7E-4C28-BE03-5085F6224406}" type="presParOf" srcId="{B7D1E14B-5C8E-4934-A4E0-27306DEF3DD0}" destId="{1FDAFF91-CC20-4CEC-A22C-6CFA1AF43D26}" srcOrd="0" destOrd="0" presId="urn:microsoft.com/office/officeart/2005/8/layout/hierarchy1"/>
+    <dgm:cxn modelId="{50D99985-6E46-4825-8DB6-4ABC8C718ECE}" type="presParOf" srcId="{B7D1E14B-5C8E-4934-A4E0-27306DEF3DD0}" destId="{73E345C9-92C5-4983-8DF3-051125F8AE0A}" srcOrd="1" destOrd="0" presId="urn:microsoft.com/office/officeart/2005/8/layout/hierarchy1"/>
+    <dgm:cxn modelId="{D495C5EA-F961-47AA-B7F4-B8F74CEF3355}" type="presParOf" srcId="{73E345C9-92C5-4983-8DF3-051125F8AE0A}" destId="{601B44CD-6409-4344-87AA-937C3903C9BD}" srcOrd="0" destOrd="0" presId="urn:microsoft.com/office/officeart/2005/8/layout/hierarchy1"/>
+    <dgm:cxn modelId="{2BF03B6E-C67F-4CF0-9B9A-4513E669C393}" type="presParOf" srcId="{601B44CD-6409-4344-87AA-937C3903C9BD}" destId="{A464E424-42A2-42FE-8F6A-D586AC60FBD8}" srcOrd="0" destOrd="0" presId="urn:microsoft.com/office/officeart/2005/8/layout/hierarchy1"/>
+    <dgm:cxn modelId="{F38F4CE1-2066-424E-BFA4-DAA6B0550C19}" type="presParOf" srcId="{601B44CD-6409-4344-87AA-937C3903C9BD}" destId="{1DF10A25-C6B6-4B35-9C02-9BD8BC53F595}" srcOrd="1" destOrd="0" presId="urn:microsoft.com/office/officeart/2005/8/layout/hierarchy1"/>
+    <dgm:cxn modelId="{C759F78A-B03B-46BC-A350-3F2C0A35F45F}" type="presParOf" srcId="{73E345C9-92C5-4983-8DF3-051125F8AE0A}" destId="{87A6A01E-C427-4F5F-9182-417B3C1A3934}" srcOrd="1" destOrd="0" presId="urn:microsoft.com/office/officeart/2005/8/layout/hierarchy1"/>
+    <dgm:cxn modelId="{89CB153D-5FB5-4725-AA64-4D9AD6F9AC12}" type="presParOf" srcId="{B7D1E14B-5C8E-4934-A4E0-27306DEF3DD0}" destId="{85343B2D-6766-4596-A7C0-7ED78437CB26}" srcOrd="2" destOrd="0" presId="urn:microsoft.com/office/officeart/2005/8/layout/hierarchy1"/>
+    <dgm:cxn modelId="{F7532772-DE7E-4D2B-8D52-FAD257ED7C69}" type="presParOf" srcId="{B7D1E14B-5C8E-4934-A4E0-27306DEF3DD0}" destId="{C962C6CD-1365-4D06-AF37-3EFB02EB03E0}" srcOrd="3" destOrd="0" presId="urn:microsoft.com/office/officeart/2005/8/layout/hierarchy1"/>
+    <dgm:cxn modelId="{4B85B7B2-EA0C-46D6-AA0D-599718C456F9}" type="presParOf" srcId="{C962C6CD-1365-4D06-AF37-3EFB02EB03E0}" destId="{1761A1DD-3FA4-48CA-8E31-28F21162221B}" srcOrd="0" destOrd="0" presId="urn:microsoft.com/office/officeart/2005/8/layout/hierarchy1"/>
+    <dgm:cxn modelId="{B85F3C24-22A8-4D0C-8159-D27CDDAA009C}" type="presParOf" srcId="{1761A1DD-3FA4-48CA-8E31-28F21162221B}" destId="{F3349138-DD3D-4D01-ABC7-3B5EEB6CD915}" srcOrd="0" destOrd="0" presId="urn:microsoft.com/office/officeart/2005/8/layout/hierarchy1"/>
+    <dgm:cxn modelId="{9D1F1876-DDC0-4F41-8FD3-3AD7633F8FCB}" type="presParOf" srcId="{1761A1DD-3FA4-48CA-8E31-28F21162221B}" destId="{35177D51-DA6B-4B74-8542-DDCB57DE5FAE}" srcOrd="1" destOrd="0" presId="urn:microsoft.com/office/officeart/2005/8/layout/hierarchy1"/>
+    <dgm:cxn modelId="{8F709D17-B620-4A18-BC0C-D1DA22F57A8B}" type="presParOf" srcId="{C962C6CD-1365-4D06-AF37-3EFB02EB03E0}" destId="{10FDCEDD-B050-45BA-AB37-49FF012CF37F}" srcOrd="1" destOrd="0" presId="urn:microsoft.com/office/officeart/2005/8/layout/hierarchy1"/>
+    <dgm:cxn modelId="{31BD85E6-DC96-415F-B56A-B8556126A8AD}" type="presParOf" srcId="{E441CBCD-6BF8-4EB4-8B0A-C01D0D0A6A03}" destId="{C15F7BDE-BE17-440A-AFDC-26911405FC39}" srcOrd="6" destOrd="0" presId="urn:microsoft.com/office/officeart/2005/8/layout/hierarchy1"/>
+    <dgm:cxn modelId="{41A25E7A-85B1-499A-AD86-9A0ABDE31B4C}" type="presParOf" srcId="{E441CBCD-6BF8-4EB4-8B0A-C01D0D0A6A03}" destId="{A3E7CD7C-9AAF-4D27-8553-AB64B598B24F}" srcOrd="7" destOrd="0" presId="urn:microsoft.com/office/officeart/2005/8/layout/hierarchy1"/>
+    <dgm:cxn modelId="{B505688E-D89A-44C8-903F-2BDB41CBAB57}" type="presParOf" srcId="{A3E7CD7C-9AAF-4D27-8553-AB64B598B24F}" destId="{B50516B6-83C9-4E4B-8910-F09105054128}" srcOrd="0" destOrd="0" presId="urn:microsoft.com/office/officeart/2005/8/layout/hierarchy1"/>
+    <dgm:cxn modelId="{F0043489-B6AA-4E16-BBE3-2F77E21BAB63}" type="presParOf" srcId="{B50516B6-83C9-4E4B-8910-F09105054128}" destId="{AABC5D3A-A05C-4BE5-8A31-2BFE359C1ABF}" srcOrd="0" destOrd="0" presId="urn:microsoft.com/office/officeart/2005/8/layout/hierarchy1"/>
+    <dgm:cxn modelId="{55A86F93-1595-4304-B657-7346308498C0}" type="presParOf" srcId="{B50516B6-83C9-4E4B-8910-F09105054128}" destId="{E753A8D8-B50F-42C4-B0CE-D216BE908656}" srcOrd="1" destOrd="0" presId="urn:microsoft.com/office/officeart/2005/8/layout/hierarchy1"/>
+    <dgm:cxn modelId="{2EEF6816-1EBE-4F94-A699-BEAD584F93EB}" type="presParOf" srcId="{A3E7CD7C-9AAF-4D27-8553-AB64B598B24F}" destId="{DF1FD2CB-B1CB-4D64-A7D5-D9DA29A6AE57}" srcOrd="1" destOrd="0" presId="urn:microsoft.com/office/officeart/2005/8/layout/hierarchy1"/>
   </dgm:cxnLst>
   <dgm:bg/>
   <dgm:whole/>
@@ -6838,15 +8150,7 @@
           </a:pPr>
           <a:r>
             <a:rPr lang="en-US" sz="900" kern="1200" dirty="0" smtClean="0"/>
-            <a:t>-resources which can be shared </a:t>
-          </a:r>
-          <a:r>
-            <a:rPr lang="en-US" sz="900" kern="1200" dirty="0" smtClean="0"/>
-            <a:t>independent of their </a:t>
-          </a:r>
-          <a:r>
-            <a:rPr lang="en-US" sz="900" kern="1200" dirty="0" smtClean="0"/>
-            <a:t>physical location</a:t>
+            <a:t>-resources which can be shared independent of their physical location</a:t>
           </a:r>
         </a:p>
         <a:p>
@@ -6939,6 +8243,1350 @@
       <dsp:txXfrm>
         <a:off x="3532644" y="2203888"/>
         <a:ext cx="2514777" cy="1561421"/>
+      </dsp:txXfrm>
+    </dsp:sp>
+  </dsp:spTree>
+</dsp:drawing>
+</file>
+
+<file path=ppt/diagrams/drawing5.xml><?xml version="1.0" encoding="utf-8"?>
+<dsp:drawing xmlns:dgm="http://schemas.openxmlformats.org/drawingml/2006/diagram" xmlns:dsp="http://schemas.microsoft.com/office/drawing/2008/diagram" xmlns:a="http://schemas.openxmlformats.org/drawingml/2006/main">
+  <dsp:spTree>
+    <dsp:nvGrpSpPr>
+      <dsp:cNvPr id="0" name=""/>
+      <dsp:cNvGrpSpPr/>
+    </dsp:nvGrpSpPr>
+    <dsp:grpSpPr/>
+    <dsp:sp modelId="{C15F7BDE-BE17-440A-AFDC-26911405FC39}">
+      <dsp:nvSpPr>
+        <dsp:cNvPr id="0" name=""/>
+        <dsp:cNvSpPr/>
+      </dsp:nvSpPr>
+      <dsp:spPr>
+        <a:xfrm>
+          <a:off x="2977157" y="1188977"/>
+          <a:ext cx="2337792" cy="370858"/>
+        </a:xfrm>
+        <a:custGeom>
+          <a:avLst/>
+          <a:gdLst/>
+          <a:ahLst/>
+          <a:cxnLst/>
+          <a:rect l="0" t="0" r="0" b="0"/>
+          <a:pathLst>
+            <a:path>
+              <a:moveTo>
+                <a:pt x="0" y="0"/>
+              </a:moveTo>
+              <a:lnTo>
+                <a:pt x="0" y="252729"/>
+              </a:lnTo>
+              <a:lnTo>
+                <a:pt x="2337792" y="252729"/>
+              </a:lnTo>
+              <a:lnTo>
+                <a:pt x="2337792" y="370858"/>
+              </a:lnTo>
+            </a:path>
+          </a:pathLst>
+        </a:custGeom>
+        <a:noFill/>
+        <a:ln w="25400" cap="flat" cmpd="sng" algn="ctr">
+          <a:solidFill>
+            <a:schemeClr val="accent1">
+              <a:shade val="60000"/>
+              <a:hueOff val="0"/>
+              <a:satOff val="0"/>
+              <a:lumOff val="0"/>
+              <a:alphaOff val="0"/>
+            </a:schemeClr>
+          </a:solidFill>
+          <a:prstDash val="solid"/>
+        </a:ln>
+        <a:effectLst/>
+        <a:sp3d z="-40000" prstMaterial="matte"/>
+      </dsp:spPr>
+      <dsp:style>
+        <a:lnRef idx="2">
+          <a:scrgbClr r="0" g="0" b="0"/>
+        </a:lnRef>
+        <a:fillRef idx="0">
+          <a:scrgbClr r="0" g="0" b="0"/>
+        </a:fillRef>
+        <a:effectRef idx="0">
+          <a:scrgbClr r="0" g="0" b="0"/>
+        </a:effectRef>
+        <a:fontRef idx="minor"/>
+      </dsp:style>
+    </dsp:sp>
+    <dsp:sp modelId="{85343B2D-6766-4596-A7C0-7ED78437CB26}">
+      <dsp:nvSpPr>
+        <dsp:cNvPr id="0" name=""/>
+        <dsp:cNvSpPr/>
+      </dsp:nvSpPr>
+      <dsp:spPr>
+        <a:xfrm>
+          <a:off x="3756421" y="2369563"/>
+          <a:ext cx="779264" cy="370858"/>
+        </a:xfrm>
+        <a:custGeom>
+          <a:avLst/>
+          <a:gdLst/>
+          <a:ahLst/>
+          <a:cxnLst/>
+          <a:rect l="0" t="0" r="0" b="0"/>
+          <a:pathLst>
+            <a:path>
+              <a:moveTo>
+                <a:pt x="0" y="0"/>
+              </a:moveTo>
+              <a:lnTo>
+                <a:pt x="0" y="252729"/>
+              </a:lnTo>
+              <a:lnTo>
+                <a:pt x="779264" y="252729"/>
+              </a:lnTo>
+              <a:lnTo>
+                <a:pt x="779264" y="370858"/>
+              </a:lnTo>
+            </a:path>
+          </a:pathLst>
+        </a:custGeom>
+        <a:noFill/>
+        <a:ln w="25400" cap="flat" cmpd="sng" algn="ctr">
+          <a:solidFill>
+            <a:schemeClr val="accent1">
+              <a:shade val="80000"/>
+              <a:hueOff val="0"/>
+              <a:satOff val="0"/>
+              <a:lumOff val="0"/>
+              <a:alphaOff val="0"/>
+            </a:schemeClr>
+          </a:solidFill>
+          <a:prstDash val="solid"/>
+        </a:ln>
+        <a:effectLst/>
+        <a:scene3d>
+          <a:camera prst="orthographicFront"/>
+          <a:lightRig rig="chilly" dir="t"/>
+        </a:scene3d>
+        <a:sp3d z="-40000" prstMaterial="matte"/>
+      </dsp:spPr>
+      <dsp:style>
+        <a:lnRef idx="2">
+          <a:scrgbClr r="0" g="0" b="0"/>
+        </a:lnRef>
+        <a:fillRef idx="0">
+          <a:scrgbClr r="0" g="0" b="0"/>
+        </a:fillRef>
+        <a:effectRef idx="0">
+          <a:scrgbClr r="0" g="0" b="0"/>
+        </a:effectRef>
+        <a:fontRef idx="minor"/>
+      </dsp:style>
+    </dsp:sp>
+    <dsp:sp modelId="{1FDAFF91-CC20-4CEC-A22C-6CFA1AF43D26}">
+      <dsp:nvSpPr>
+        <dsp:cNvPr id="0" name=""/>
+        <dsp:cNvSpPr/>
+      </dsp:nvSpPr>
+      <dsp:spPr>
+        <a:xfrm>
+          <a:off x="2977157" y="2369563"/>
+          <a:ext cx="779264" cy="370858"/>
+        </a:xfrm>
+        <a:custGeom>
+          <a:avLst/>
+          <a:gdLst/>
+          <a:ahLst/>
+          <a:cxnLst/>
+          <a:rect l="0" t="0" r="0" b="0"/>
+          <a:pathLst>
+            <a:path>
+              <a:moveTo>
+                <a:pt x="779264" y="0"/>
+              </a:moveTo>
+              <a:lnTo>
+                <a:pt x="779264" y="252729"/>
+              </a:lnTo>
+              <a:lnTo>
+                <a:pt x="0" y="252729"/>
+              </a:lnTo>
+              <a:lnTo>
+                <a:pt x="0" y="370858"/>
+              </a:lnTo>
+            </a:path>
+          </a:pathLst>
+        </a:custGeom>
+        <a:noFill/>
+        <a:ln w="25400" cap="flat" cmpd="sng" algn="ctr">
+          <a:solidFill>
+            <a:schemeClr val="accent1">
+              <a:shade val="80000"/>
+              <a:hueOff val="0"/>
+              <a:satOff val="0"/>
+              <a:lumOff val="0"/>
+              <a:alphaOff val="0"/>
+            </a:schemeClr>
+          </a:solidFill>
+          <a:prstDash val="solid"/>
+        </a:ln>
+        <a:effectLst/>
+        <a:scene3d>
+          <a:camera prst="orthographicFront"/>
+          <a:lightRig rig="chilly" dir="t"/>
+        </a:scene3d>
+        <a:sp3d z="-40000" prstMaterial="matte"/>
+      </dsp:spPr>
+      <dsp:style>
+        <a:lnRef idx="2">
+          <a:scrgbClr r="0" g="0" b="0"/>
+        </a:lnRef>
+        <a:fillRef idx="0">
+          <a:scrgbClr r="0" g="0" b="0"/>
+        </a:fillRef>
+        <a:effectRef idx="0">
+          <a:scrgbClr r="0" g="0" b="0"/>
+        </a:effectRef>
+        <a:fontRef idx="minor"/>
+      </dsp:style>
+    </dsp:sp>
+    <dsp:sp modelId="{ECDC51A7-6312-4B5B-9113-87639623B933}">
+      <dsp:nvSpPr>
+        <dsp:cNvPr id="0" name=""/>
+        <dsp:cNvSpPr/>
+      </dsp:nvSpPr>
+      <dsp:spPr>
+        <a:xfrm>
+          <a:off x="2977157" y="1188977"/>
+          <a:ext cx="779264" cy="370858"/>
+        </a:xfrm>
+        <a:custGeom>
+          <a:avLst/>
+          <a:gdLst/>
+          <a:ahLst/>
+          <a:cxnLst/>
+          <a:rect l="0" t="0" r="0" b="0"/>
+          <a:pathLst>
+            <a:path>
+              <a:moveTo>
+                <a:pt x="0" y="0"/>
+              </a:moveTo>
+              <a:lnTo>
+                <a:pt x="0" y="252729"/>
+              </a:lnTo>
+              <a:lnTo>
+                <a:pt x="779264" y="252729"/>
+              </a:lnTo>
+              <a:lnTo>
+                <a:pt x="779264" y="370858"/>
+              </a:lnTo>
+            </a:path>
+          </a:pathLst>
+        </a:custGeom>
+        <a:noFill/>
+        <a:ln w="25400" cap="flat" cmpd="sng" algn="ctr">
+          <a:solidFill>
+            <a:schemeClr val="accent1">
+              <a:shade val="60000"/>
+              <a:hueOff val="0"/>
+              <a:satOff val="0"/>
+              <a:lumOff val="0"/>
+              <a:alphaOff val="0"/>
+            </a:schemeClr>
+          </a:solidFill>
+          <a:prstDash val="solid"/>
+        </a:ln>
+        <a:effectLst/>
+        <a:sp3d z="-40000" prstMaterial="matte"/>
+      </dsp:spPr>
+      <dsp:style>
+        <a:lnRef idx="2">
+          <a:scrgbClr r="0" g="0" b="0"/>
+        </a:lnRef>
+        <a:fillRef idx="0">
+          <a:scrgbClr r="0" g="0" b="0"/>
+        </a:fillRef>
+        <a:effectRef idx="0">
+          <a:scrgbClr r="0" g="0" b="0"/>
+        </a:effectRef>
+        <a:fontRef idx="minor"/>
+      </dsp:style>
+    </dsp:sp>
+    <dsp:sp modelId="{35FDEEF8-A771-4D6A-821D-5DD0765F4E3F}">
+      <dsp:nvSpPr>
+        <dsp:cNvPr id="0" name=""/>
+        <dsp:cNvSpPr/>
+      </dsp:nvSpPr>
+      <dsp:spPr>
+        <a:xfrm>
+          <a:off x="2197893" y="1188977"/>
+          <a:ext cx="779264" cy="370858"/>
+        </a:xfrm>
+        <a:custGeom>
+          <a:avLst/>
+          <a:gdLst/>
+          <a:ahLst/>
+          <a:cxnLst/>
+          <a:rect l="0" t="0" r="0" b="0"/>
+          <a:pathLst>
+            <a:path>
+              <a:moveTo>
+                <a:pt x="779264" y="0"/>
+              </a:moveTo>
+              <a:lnTo>
+                <a:pt x="779264" y="252729"/>
+              </a:lnTo>
+              <a:lnTo>
+                <a:pt x="0" y="252729"/>
+              </a:lnTo>
+              <a:lnTo>
+                <a:pt x="0" y="370858"/>
+              </a:lnTo>
+            </a:path>
+          </a:pathLst>
+        </a:custGeom>
+        <a:noFill/>
+        <a:ln w="25400" cap="flat" cmpd="sng" algn="ctr">
+          <a:solidFill>
+            <a:schemeClr val="accent1">
+              <a:shade val="60000"/>
+              <a:hueOff val="0"/>
+              <a:satOff val="0"/>
+              <a:lumOff val="0"/>
+              <a:alphaOff val="0"/>
+            </a:schemeClr>
+          </a:solidFill>
+          <a:prstDash val="solid"/>
+        </a:ln>
+        <a:effectLst/>
+        <a:sp3d z="-40000" prstMaterial="matte"/>
+      </dsp:spPr>
+      <dsp:style>
+        <a:lnRef idx="2">
+          <a:scrgbClr r="0" g="0" b="0"/>
+        </a:lnRef>
+        <a:fillRef idx="0">
+          <a:scrgbClr r="0" g="0" b="0"/>
+        </a:fillRef>
+        <a:effectRef idx="0">
+          <a:scrgbClr r="0" g="0" b="0"/>
+        </a:effectRef>
+        <a:fontRef idx="minor"/>
+      </dsp:style>
+    </dsp:sp>
+    <dsp:sp modelId="{2E78A703-B9DD-425D-8C61-5CF4A53FAFA3}">
+      <dsp:nvSpPr>
+        <dsp:cNvPr id="0" name=""/>
+        <dsp:cNvSpPr/>
+      </dsp:nvSpPr>
+      <dsp:spPr>
+        <a:xfrm>
+          <a:off x="639365" y="1188977"/>
+          <a:ext cx="2337792" cy="370858"/>
+        </a:xfrm>
+        <a:custGeom>
+          <a:avLst/>
+          <a:gdLst/>
+          <a:ahLst/>
+          <a:cxnLst/>
+          <a:rect l="0" t="0" r="0" b="0"/>
+          <a:pathLst>
+            <a:path>
+              <a:moveTo>
+                <a:pt x="2337792" y="0"/>
+              </a:moveTo>
+              <a:lnTo>
+                <a:pt x="2337792" y="252729"/>
+              </a:lnTo>
+              <a:lnTo>
+                <a:pt x="0" y="252729"/>
+              </a:lnTo>
+              <a:lnTo>
+                <a:pt x="0" y="370858"/>
+              </a:lnTo>
+            </a:path>
+          </a:pathLst>
+        </a:custGeom>
+        <a:noFill/>
+        <a:ln w="25400" cap="flat" cmpd="sng" algn="ctr">
+          <a:solidFill>
+            <a:schemeClr val="accent1">
+              <a:shade val="60000"/>
+              <a:hueOff val="0"/>
+              <a:satOff val="0"/>
+              <a:lumOff val="0"/>
+              <a:alphaOff val="0"/>
+            </a:schemeClr>
+          </a:solidFill>
+          <a:prstDash val="solid"/>
+        </a:ln>
+        <a:effectLst/>
+        <a:sp3d z="-40000" prstMaterial="matte"/>
+      </dsp:spPr>
+      <dsp:style>
+        <a:lnRef idx="2">
+          <a:scrgbClr r="0" g="0" b="0"/>
+        </a:lnRef>
+        <a:fillRef idx="0">
+          <a:scrgbClr r="0" g="0" b="0"/>
+        </a:fillRef>
+        <a:effectRef idx="0">
+          <a:scrgbClr r="0" g="0" b="0"/>
+        </a:effectRef>
+        <a:fontRef idx="minor"/>
+      </dsp:style>
+    </dsp:sp>
+    <dsp:sp modelId="{BEF97BD1-8EDB-42ED-B248-3EEE60E32564}">
+      <dsp:nvSpPr>
+        <dsp:cNvPr id="0" name=""/>
+        <dsp:cNvSpPr/>
+      </dsp:nvSpPr>
+      <dsp:spPr>
+        <a:xfrm>
+          <a:off x="2339578" y="379251"/>
+          <a:ext cx="1275159" cy="809726"/>
+        </a:xfrm>
+        <a:prstGeom prst="roundRect">
+          <a:avLst>
+            <a:gd name="adj" fmla="val 10000"/>
+          </a:avLst>
+        </a:prstGeom>
+        <a:solidFill>
+          <a:schemeClr val="accent1">
+            <a:hueOff val="0"/>
+            <a:satOff val="0"/>
+            <a:lumOff val="0"/>
+            <a:alphaOff val="0"/>
+          </a:schemeClr>
+        </a:solidFill>
+        <a:ln>
+          <a:noFill/>
+        </a:ln>
+        <a:effectLst/>
+        <a:scene3d>
+          <a:camera prst="orthographicFront"/>
+          <a:lightRig rig="chilly" dir="t"/>
+        </a:scene3d>
+        <a:sp3d prstMaterial="translucentPowder">
+          <a:bevelT w="127000" h="25400" prst="softRound"/>
+        </a:sp3d>
+      </dsp:spPr>
+      <dsp:style>
+        <a:lnRef idx="0">
+          <a:scrgbClr r="0" g="0" b="0"/>
+        </a:lnRef>
+        <a:fillRef idx="1">
+          <a:scrgbClr r="0" g="0" b="0"/>
+        </a:fillRef>
+        <a:effectRef idx="0">
+          <a:scrgbClr r="0" g="0" b="0"/>
+        </a:effectRef>
+        <a:fontRef idx="minor">
+          <a:schemeClr val="lt1"/>
+        </a:fontRef>
+      </dsp:style>
+    </dsp:sp>
+    <dsp:sp modelId="{5573FD94-740A-4861-83F1-29D0DAEBDC74}">
+      <dsp:nvSpPr>
+        <dsp:cNvPr id="0" name=""/>
+        <dsp:cNvSpPr/>
+      </dsp:nvSpPr>
+      <dsp:spPr>
+        <a:xfrm>
+          <a:off x="2481262" y="513851"/>
+          <a:ext cx="1275159" cy="809726"/>
+        </a:xfrm>
+        <a:prstGeom prst="roundRect">
+          <a:avLst>
+            <a:gd name="adj" fmla="val 10000"/>
+          </a:avLst>
+        </a:prstGeom>
+        <a:solidFill>
+          <a:schemeClr val="lt1">
+            <a:alpha val="90000"/>
+            <a:hueOff val="0"/>
+            <a:satOff val="0"/>
+            <a:lumOff val="0"/>
+            <a:alphaOff val="0"/>
+          </a:schemeClr>
+        </a:solidFill>
+        <a:ln w="9525" cap="flat" cmpd="sng" algn="ctr">
+          <a:solidFill>
+            <a:schemeClr val="accent1">
+              <a:hueOff val="0"/>
+              <a:satOff val="0"/>
+              <a:lumOff val="0"/>
+              <a:alphaOff val="0"/>
+            </a:schemeClr>
+          </a:solidFill>
+          <a:prstDash val="solid"/>
+        </a:ln>
+        <a:effectLst/>
+        <a:scene3d>
+          <a:camera prst="orthographicFront"/>
+          <a:lightRig rig="chilly" dir="t"/>
+        </a:scene3d>
+        <a:sp3d z="12700" extrusionH="1700" prstMaterial="dkEdge">
+          <a:bevelT w="25400" h="6350" prst="softRound"/>
+          <a:bevelB w="0" h="0" prst="convex"/>
+        </a:sp3d>
+      </dsp:spPr>
+      <dsp:style>
+        <a:lnRef idx="1">
+          <a:scrgbClr r="0" g="0" b="0"/>
+        </a:lnRef>
+        <a:fillRef idx="1">
+          <a:scrgbClr r="0" g="0" b="0"/>
+        </a:fillRef>
+        <a:effectRef idx="0">
+          <a:scrgbClr r="0" g="0" b="0"/>
+        </a:effectRef>
+        <a:fontRef idx="minor"/>
+      </dsp:style>
+      <dsp:txBody>
+        <a:bodyPr spcFirstLastPara="0" vert="horz" wrap="square" lIns="60960" tIns="60960" rIns="60960" bIns="60960" numCol="1" spcCol="1270" anchor="ctr" anchorCtr="0">
+          <a:noAutofit/>
+        </a:bodyPr>
+        <a:lstStyle/>
+        <a:p>
+          <a:pPr lvl="0" algn="ctr" defTabSz="711200">
+            <a:lnSpc>
+              <a:spcPct val="90000"/>
+            </a:lnSpc>
+            <a:spcBef>
+              <a:spcPct val="0"/>
+            </a:spcBef>
+            <a:spcAft>
+              <a:spcPct val="35000"/>
+            </a:spcAft>
+          </a:pPr>
+          <a:r>
+            <a:rPr lang="en-US" sz="1600" kern="1200" dirty="0" smtClean="0"/>
+            <a:t>Distributed computing</a:t>
+          </a:r>
+          <a:endParaRPr lang="en-US" sz="1600" kern="1200" dirty="0"/>
+        </a:p>
+      </dsp:txBody>
+      <dsp:txXfrm>
+        <a:off x="2504978" y="537567"/>
+        <a:ext cx="1227727" cy="762294"/>
+      </dsp:txXfrm>
+    </dsp:sp>
+    <dsp:sp modelId="{69A55FC9-07D5-493D-8766-75E430406216}">
+      <dsp:nvSpPr>
+        <dsp:cNvPr id="0" name=""/>
+        <dsp:cNvSpPr/>
+      </dsp:nvSpPr>
+      <dsp:spPr>
+        <a:xfrm>
+          <a:off x="1785" y="1559836"/>
+          <a:ext cx="1275159" cy="809726"/>
+        </a:xfrm>
+        <a:prstGeom prst="roundRect">
+          <a:avLst>
+            <a:gd name="adj" fmla="val 10000"/>
+          </a:avLst>
+        </a:prstGeom>
+        <a:solidFill>
+          <a:schemeClr val="accent1">
+            <a:hueOff val="0"/>
+            <a:satOff val="0"/>
+            <a:lumOff val="0"/>
+            <a:alphaOff val="0"/>
+          </a:schemeClr>
+        </a:solidFill>
+        <a:ln>
+          <a:noFill/>
+        </a:ln>
+        <a:effectLst/>
+        <a:scene3d>
+          <a:camera prst="orthographicFront"/>
+          <a:lightRig rig="chilly" dir="t"/>
+        </a:scene3d>
+        <a:sp3d prstMaterial="translucentPowder">
+          <a:bevelT w="127000" h="25400" prst="softRound"/>
+        </a:sp3d>
+      </dsp:spPr>
+      <dsp:style>
+        <a:lnRef idx="0">
+          <a:scrgbClr r="0" g="0" b="0"/>
+        </a:lnRef>
+        <a:fillRef idx="1">
+          <a:scrgbClr r="0" g="0" b="0"/>
+        </a:fillRef>
+        <a:effectRef idx="0">
+          <a:scrgbClr r="0" g="0" b="0"/>
+        </a:effectRef>
+        <a:fontRef idx="minor">
+          <a:schemeClr val="lt1"/>
+        </a:fontRef>
+      </dsp:style>
+    </dsp:sp>
+    <dsp:sp modelId="{B20123EC-DD70-4002-B34F-72383B5AD1D0}">
+      <dsp:nvSpPr>
+        <dsp:cNvPr id="0" name=""/>
+        <dsp:cNvSpPr/>
+      </dsp:nvSpPr>
+      <dsp:spPr>
+        <a:xfrm>
+          <a:off x="143470" y="1694436"/>
+          <a:ext cx="1275159" cy="809726"/>
+        </a:xfrm>
+        <a:prstGeom prst="roundRect">
+          <a:avLst>
+            <a:gd name="adj" fmla="val 10000"/>
+          </a:avLst>
+        </a:prstGeom>
+        <a:solidFill>
+          <a:schemeClr val="lt1">
+            <a:alpha val="90000"/>
+            <a:hueOff val="0"/>
+            <a:satOff val="0"/>
+            <a:lumOff val="0"/>
+            <a:alphaOff val="0"/>
+          </a:schemeClr>
+        </a:solidFill>
+        <a:ln w="9525" cap="flat" cmpd="sng" algn="ctr">
+          <a:solidFill>
+            <a:schemeClr val="accent1">
+              <a:hueOff val="0"/>
+              <a:satOff val="0"/>
+              <a:lumOff val="0"/>
+              <a:alphaOff val="0"/>
+            </a:schemeClr>
+          </a:solidFill>
+          <a:prstDash val="solid"/>
+        </a:ln>
+        <a:effectLst/>
+        <a:scene3d>
+          <a:camera prst="orthographicFront"/>
+          <a:lightRig rig="chilly" dir="t"/>
+        </a:scene3d>
+        <a:sp3d z="12700" extrusionH="1700" prstMaterial="dkEdge">
+          <a:bevelT w="25400" h="6350" prst="softRound"/>
+          <a:bevelB w="0" h="0" prst="convex"/>
+        </a:sp3d>
+      </dsp:spPr>
+      <dsp:style>
+        <a:lnRef idx="1">
+          <a:scrgbClr r="0" g="0" b="0"/>
+        </a:lnRef>
+        <a:fillRef idx="1">
+          <a:scrgbClr r="0" g="0" b="0"/>
+        </a:fillRef>
+        <a:effectRef idx="0">
+          <a:scrgbClr r="0" g="0" b="0"/>
+        </a:effectRef>
+        <a:fontRef idx="minor"/>
+      </dsp:style>
+      <dsp:txBody>
+        <a:bodyPr spcFirstLastPara="0" vert="horz" wrap="square" lIns="60960" tIns="60960" rIns="60960" bIns="60960" numCol="1" spcCol="1270" anchor="ctr" anchorCtr="0">
+          <a:noAutofit/>
+        </a:bodyPr>
+        <a:lstStyle/>
+        <a:p>
+          <a:pPr lvl="0" algn="ctr" defTabSz="711200">
+            <a:lnSpc>
+              <a:spcPct val="90000"/>
+            </a:lnSpc>
+            <a:spcBef>
+              <a:spcPct val="0"/>
+            </a:spcBef>
+            <a:spcAft>
+              <a:spcPct val="35000"/>
+            </a:spcAft>
+          </a:pPr>
+          <a:r>
+            <a:rPr lang="en-US" sz="1600" kern="1200" dirty="0" smtClean="0"/>
+            <a:t>Peer-to-Peer computing </a:t>
+          </a:r>
+          <a:endParaRPr lang="en-US" sz="1600" kern="1200" dirty="0"/>
+        </a:p>
+      </dsp:txBody>
+      <dsp:txXfrm>
+        <a:off x="167186" y="1718152"/>
+        <a:ext cx="1227727" cy="762294"/>
+      </dsp:txXfrm>
+    </dsp:sp>
+    <dsp:sp modelId="{2DE0B614-F651-432D-93FC-82F30F1B3E94}">
+      <dsp:nvSpPr>
+        <dsp:cNvPr id="0" name=""/>
+        <dsp:cNvSpPr/>
+      </dsp:nvSpPr>
+      <dsp:spPr>
+        <a:xfrm>
+          <a:off x="1560314" y="1559836"/>
+          <a:ext cx="1275159" cy="809726"/>
+        </a:xfrm>
+        <a:prstGeom prst="roundRect">
+          <a:avLst>
+            <a:gd name="adj" fmla="val 10000"/>
+          </a:avLst>
+        </a:prstGeom>
+        <a:solidFill>
+          <a:schemeClr val="accent1">
+            <a:hueOff val="0"/>
+            <a:satOff val="0"/>
+            <a:lumOff val="0"/>
+            <a:alphaOff val="0"/>
+          </a:schemeClr>
+        </a:solidFill>
+        <a:ln>
+          <a:noFill/>
+        </a:ln>
+        <a:effectLst/>
+        <a:scene3d>
+          <a:camera prst="orthographicFront"/>
+          <a:lightRig rig="chilly" dir="t"/>
+        </a:scene3d>
+        <a:sp3d prstMaterial="translucentPowder">
+          <a:bevelT w="127000" h="25400" prst="softRound"/>
+        </a:sp3d>
+      </dsp:spPr>
+      <dsp:style>
+        <a:lnRef idx="0">
+          <a:scrgbClr r="0" g="0" b="0"/>
+        </a:lnRef>
+        <a:fillRef idx="1">
+          <a:scrgbClr r="0" g="0" b="0"/>
+        </a:fillRef>
+        <a:effectRef idx="0">
+          <a:scrgbClr r="0" g="0" b="0"/>
+        </a:effectRef>
+        <a:fontRef idx="minor">
+          <a:schemeClr val="lt1"/>
+        </a:fontRef>
+      </dsp:style>
+    </dsp:sp>
+    <dsp:sp modelId="{E8E6B3F1-996D-4405-A520-CB4BB672E79C}">
+      <dsp:nvSpPr>
+        <dsp:cNvPr id="0" name=""/>
+        <dsp:cNvSpPr/>
+      </dsp:nvSpPr>
+      <dsp:spPr>
+        <a:xfrm>
+          <a:off x="1701998" y="1694436"/>
+          <a:ext cx="1275159" cy="809726"/>
+        </a:xfrm>
+        <a:prstGeom prst="roundRect">
+          <a:avLst>
+            <a:gd name="adj" fmla="val 10000"/>
+          </a:avLst>
+        </a:prstGeom>
+        <a:solidFill>
+          <a:schemeClr val="lt1">
+            <a:alpha val="90000"/>
+            <a:hueOff val="0"/>
+            <a:satOff val="0"/>
+            <a:lumOff val="0"/>
+            <a:alphaOff val="0"/>
+          </a:schemeClr>
+        </a:solidFill>
+        <a:ln w="9525" cap="flat" cmpd="sng" algn="ctr">
+          <a:solidFill>
+            <a:schemeClr val="accent1">
+              <a:hueOff val="0"/>
+              <a:satOff val="0"/>
+              <a:lumOff val="0"/>
+              <a:alphaOff val="0"/>
+            </a:schemeClr>
+          </a:solidFill>
+          <a:prstDash val="solid"/>
+        </a:ln>
+        <a:effectLst/>
+        <a:scene3d>
+          <a:camera prst="orthographicFront"/>
+          <a:lightRig rig="chilly" dir="t"/>
+        </a:scene3d>
+        <a:sp3d z="12700" extrusionH="1700" prstMaterial="dkEdge">
+          <a:bevelT w="25400" h="6350" prst="softRound"/>
+          <a:bevelB w="0" h="0" prst="convex"/>
+        </a:sp3d>
+      </dsp:spPr>
+      <dsp:style>
+        <a:lnRef idx="1">
+          <a:scrgbClr r="0" g="0" b="0"/>
+        </a:lnRef>
+        <a:fillRef idx="1">
+          <a:scrgbClr r="0" g="0" b="0"/>
+        </a:fillRef>
+        <a:effectRef idx="0">
+          <a:scrgbClr r="0" g="0" b="0"/>
+        </a:effectRef>
+        <a:fontRef idx="minor"/>
+      </dsp:style>
+      <dsp:txBody>
+        <a:bodyPr spcFirstLastPara="0" vert="horz" wrap="square" lIns="60960" tIns="60960" rIns="60960" bIns="60960" numCol="1" spcCol="1270" anchor="ctr" anchorCtr="0">
+          <a:noAutofit/>
+        </a:bodyPr>
+        <a:lstStyle/>
+        <a:p>
+          <a:pPr lvl="0" algn="ctr" defTabSz="711200">
+            <a:lnSpc>
+              <a:spcPct val="90000"/>
+            </a:lnSpc>
+            <a:spcBef>
+              <a:spcPct val="0"/>
+            </a:spcBef>
+            <a:spcAft>
+              <a:spcPct val="35000"/>
+            </a:spcAft>
+          </a:pPr>
+          <a:r>
+            <a:rPr lang="en-US" sz="1600" kern="1200" dirty="0" smtClean="0"/>
+            <a:t>Cluster computing </a:t>
+          </a:r>
+          <a:endParaRPr lang="en-US" sz="1600" kern="1200" dirty="0"/>
+        </a:p>
+      </dsp:txBody>
+      <dsp:txXfrm>
+        <a:off x="1725714" y="1718152"/>
+        <a:ext cx="1227727" cy="762294"/>
+      </dsp:txXfrm>
+    </dsp:sp>
+    <dsp:sp modelId="{A484A1D8-D679-4EBD-9ABE-AB9C24280E21}">
+      <dsp:nvSpPr>
+        <dsp:cNvPr id="0" name=""/>
+        <dsp:cNvSpPr/>
+      </dsp:nvSpPr>
+      <dsp:spPr>
+        <a:xfrm>
+          <a:off x="3118842" y="1559836"/>
+          <a:ext cx="1275159" cy="809726"/>
+        </a:xfrm>
+        <a:prstGeom prst="roundRect">
+          <a:avLst>
+            <a:gd name="adj" fmla="val 10000"/>
+          </a:avLst>
+        </a:prstGeom>
+        <a:solidFill>
+          <a:schemeClr val="accent1">
+            <a:hueOff val="0"/>
+            <a:satOff val="0"/>
+            <a:lumOff val="0"/>
+            <a:alphaOff val="0"/>
+          </a:schemeClr>
+        </a:solidFill>
+        <a:ln>
+          <a:noFill/>
+        </a:ln>
+        <a:effectLst/>
+        <a:scene3d>
+          <a:camera prst="orthographicFront"/>
+          <a:lightRig rig="chilly" dir="t"/>
+        </a:scene3d>
+        <a:sp3d prstMaterial="translucentPowder">
+          <a:bevelT w="127000" h="25400" prst="softRound"/>
+        </a:sp3d>
+      </dsp:spPr>
+      <dsp:style>
+        <a:lnRef idx="0">
+          <a:scrgbClr r="0" g="0" b="0"/>
+        </a:lnRef>
+        <a:fillRef idx="1">
+          <a:scrgbClr r="0" g="0" b="0"/>
+        </a:fillRef>
+        <a:effectRef idx="0">
+          <a:scrgbClr r="0" g="0" b="0"/>
+        </a:effectRef>
+        <a:fontRef idx="minor">
+          <a:schemeClr val="lt1"/>
+        </a:fontRef>
+      </dsp:style>
+    </dsp:sp>
+    <dsp:sp modelId="{C62030B6-9838-4D35-81EF-6AE86E8FD0B7}">
+      <dsp:nvSpPr>
+        <dsp:cNvPr id="0" name=""/>
+        <dsp:cNvSpPr/>
+      </dsp:nvSpPr>
+      <dsp:spPr>
+        <a:xfrm>
+          <a:off x="3260526" y="1694436"/>
+          <a:ext cx="1275159" cy="809726"/>
+        </a:xfrm>
+        <a:prstGeom prst="roundRect">
+          <a:avLst>
+            <a:gd name="adj" fmla="val 10000"/>
+          </a:avLst>
+        </a:prstGeom>
+        <a:solidFill>
+          <a:schemeClr val="lt1">
+            <a:alpha val="90000"/>
+            <a:hueOff val="0"/>
+            <a:satOff val="0"/>
+            <a:lumOff val="0"/>
+            <a:alphaOff val="0"/>
+          </a:schemeClr>
+        </a:solidFill>
+        <a:ln w="9525" cap="flat" cmpd="sng" algn="ctr">
+          <a:solidFill>
+            <a:schemeClr val="accent1">
+              <a:hueOff val="0"/>
+              <a:satOff val="0"/>
+              <a:lumOff val="0"/>
+              <a:alphaOff val="0"/>
+            </a:schemeClr>
+          </a:solidFill>
+          <a:prstDash val="solid"/>
+        </a:ln>
+        <a:effectLst/>
+        <a:scene3d>
+          <a:camera prst="orthographicFront"/>
+          <a:lightRig rig="chilly" dir="t"/>
+        </a:scene3d>
+        <a:sp3d z="12700" extrusionH="1700" prstMaterial="dkEdge">
+          <a:bevelT w="25400" h="6350" prst="softRound"/>
+          <a:bevelB w="0" h="0" prst="convex"/>
+        </a:sp3d>
+      </dsp:spPr>
+      <dsp:style>
+        <a:lnRef idx="1">
+          <a:scrgbClr r="0" g="0" b="0"/>
+        </a:lnRef>
+        <a:fillRef idx="1">
+          <a:scrgbClr r="0" g="0" b="0"/>
+        </a:fillRef>
+        <a:effectRef idx="0">
+          <a:scrgbClr r="0" g="0" b="0"/>
+        </a:effectRef>
+        <a:fontRef idx="minor"/>
+      </dsp:style>
+      <dsp:txBody>
+        <a:bodyPr spcFirstLastPara="0" vert="horz" wrap="square" lIns="60960" tIns="60960" rIns="60960" bIns="60960" numCol="1" spcCol="1270" anchor="ctr" anchorCtr="0">
+          <a:noAutofit/>
+        </a:bodyPr>
+        <a:lstStyle/>
+        <a:p>
+          <a:pPr lvl="0" algn="ctr" defTabSz="711200">
+            <a:lnSpc>
+              <a:spcPct val="90000"/>
+            </a:lnSpc>
+            <a:spcBef>
+              <a:spcPct val="0"/>
+            </a:spcBef>
+            <a:spcAft>
+              <a:spcPct val="35000"/>
+            </a:spcAft>
+          </a:pPr>
+          <a:r>
+            <a:rPr lang="en-US" sz="1600" kern="1200" dirty="0" smtClean="0"/>
+            <a:t>Utility computing</a:t>
+          </a:r>
+          <a:endParaRPr lang="en-US" sz="1600" kern="1200" dirty="0"/>
+        </a:p>
+      </dsp:txBody>
+      <dsp:txXfrm>
+        <a:off x="3284242" y="1718152"/>
+        <a:ext cx="1227727" cy="762294"/>
+      </dsp:txXfrm>
+    </dsp:sp>
+    <dsp:sp modelId="{A464E424-42A2-42FE-8F6A-D586AC60FBD8}">
+      <dsp:nvSpPr>
+        <dsp:cNvPr id="0" name=""/>
+        <dsp:cNvSpPr/>
+      </dsp:nvSpPr>
+      <dsp:spPr>
+        <a:xfrm>
+          <a:off x="2339578" y="2740421"/>
+          <a:ext cx="1275159" cy="809726"/>
+        </a:xfrm>
+        <a:prstGeom prst="roundRect">
+          <a:avLst>
+            <a:gd name="adj" fmla="val 10000"/>
+          </a:avLst>
+        </a:prstGeom>
+        <a:solidFill>
+          <a:schemeClr val="accent1">
+            <a:hueOff val="0"/>
+            <a:satOff val="0"/>
+            <a:lumOff val="0"/>
+            <a:alphaOff val="0"/>
+          </a:schemeClr>
+        </a:solidFill>
+        <a:ln>
+          <a:noFill/>
+        </a:ln>
+        <a:effectLst/>
+        <a:scene3d>
+          <a:camera prst="orthographicFront"/>
+          <a:lightRig rig="chilly" dir="t"/>
+        </a:scene3d>
+        <a:sp3d prstMaterial="translucentPowder">
+          <a:bevelT w="127000" h="25400" prst="softRound"/>
+        </a:sp3d>
+      </dsp:spPr>
+      <dsp:style>
+        <a:lnRef idx="0">
+          <a:scrgbClr r="0" g="0" b="0"/>
+        </a:lnRef>
+        <a:fillRef idx="1">
+          <a:scrgbClr r="0" g="0" b="0"/>
+        </a:fillRef>
+        <a:effectRef idx="0">
+          <a:scrgbClr r="0" g="0" b="0"/>
+        </a:effectRef>
+        <a:fontRef idx="minor">
+          <a:schemeClr val="lt1"/>
+        </a:fontRef>
+      </dsp:style>
+    </dsp:sp>
+    <dsp:sp modelId="{1DF10A25-C6B6-4B35-9C02-9BD8BC53F595}">
+      <dsp:nvSpPr>
+        <dsp:cNvPr id="0" name=""/>
+        <dsp:cNvSpPr/>
+      </dsp:nvSpPr>
+      <dsp:spPr>
+        <a:xfrm>
+          <a:off x="2481262" y="2875022"/>
+          <a:ext cx="1275159" cy="809726"/>
+        </a:xfrm>
+        <a:prstGeom prst="roundRect">
+          <a:avLst>
+            <a:gd name="adj" fmla="val 10000"/>
+          </a:avLst>
+        </a:prstGeom>
+        <a:solidFill>
+          <a:schemeClr val="lt1">
+            <a:alpha val="90000"/>
+            <a:hueOff val="0"/>
+            <a:satOff val="0"/>
+            <a:lumOff val="0"/>
+            <a:alphaOff val="0"/>
+          </a:schemeClr>
+        </a:solidFill>
+        <a:ln w="9525" cap="flat" cmpd="sng" algn="ctr">
+          <a:solidFill>
+            <a:schemeClr val="accent1">
+              <a:hueOff val="0"/>
+              <a:satOff val="0"/>
+              <a:lumOff val="0"/>
+              <a:alphaOff val="0"/>
+            </a:schemeClr>
+          </a:solidFill>
+          <a:prstDash val="solid"/>
+        </a:ln>
+        <a:effectLst/>
+        <a:scene3d>
+          <a:camera prst="orthographicFront"/>
+          <a:lightRig rig="chilly" dir="t"/>
+        </a:scene3d>
+        <a:sp3d z="12700" extrusionH="1700" prstMaterial="dkEdge">
+          <a:bevelT w="25400" h="6350" prst="softRound"/>
+          <a:bevelB w="0" h="0" prst="convex"/>
+        </a:sp3d>
+      </dsp:spPr>
+      <dsp:style>
+        <a:lnRef idx="1">
+          <a:scrgbClr r="0" g="0" b="0"/>
+        </a:lnRef>
+        <a:fillRef idx="1">
+          <a:scrgbClr r="0" g="0" b="0"/>
+        </a:fillRef>
+        <a:effectRef idx="0">
+          <a:scrgbClr r="0" g="0" b="0"/>
+        </a:effectRef>
+        <a:fontRef idx="minor"/>
+      </dsp:style>
+      <dsp:txBody>
+        <a:bodyPr spcFirstLastPara="0" vert="horz" wrap="square" lIns="60960" tIns="60960" rIns="60960" bIns="60960" numCol="1" spcCol="1270" anchor="ctr" anchorCtr="0">
+          <a:noAutofit/>
+        </a:bodyPr>
+        <a:lstStyle/>
+        <a:p>
+          <a:pPr lvl="0" algn="ctr" defTabSz="711200">
+            <a:lnSpc>
+              <a:spcPct val="90000"/>
+            </a:lnSpc>
+            <a:spcBef>
+              <a:spcPct val="0"/>
+            </a:spcBef>
+            <a:spcAft>
+              <a:spcPct val="35000"/>
+            </a:spcAft>
+          </a:pPr>
+          <a:r>
+            <a:rPr lang="en-US" sz="1600" kern="1200" dirty="0" smtClean="0"/>
+            <a:t>Grid computing</a:t>
+          </a:r>
+          <a:endParaRPr lang="en-US" sz="1600" kern="1200" dirty="0"/>
+        </a:p>
+      </dsp:txBody>
+      <dsp:txXfrm>
+        <a:off x="2504978" y="2898738"/>
+        <a:ext cx="1227727" cy="762294"/>
+      </dsp:txXfrm>
+    </dsp:sp>
+    <dsp:sp modelId="{F3349138-DD3D-4D01-ABC7-3B5EEB6CD915}">
+      <dsp:nvSpPr>
+        <dsp:cNvPr id="0" name=""/>
+        <dsp:cNvSpPr/>
+      </dsp:nvSpPr>
+      <dsp:spPr>
+        <a:xfrm>
+          <a:off x="3898106" y="2740421"/>
+          <a:ext cx="1275159" cy="809726"/>
+        </a:xfrm>
+        <a:prstGeom prst="roundRect">
+          <a:avLst>
+            <a:gd name="adj" fmla="val 10000"/>
+          </a:avLst>
+        </a:prstGeom>
+        <a:solidFill>
+          <a:schemeClr val="accent1">
+            <a:hueOff val="0"/>
+            <a:satOff val="0"/>
+            <a:lumOff val="0"/>
+            <a:alphaOff val="0"/>
+          </a:schemeClr>
+        </a:solidFill>
+        <a:ln>
+          <a:noFill/>
+        </a:ln>
+        <a:effectLst/>
+        <a:scene3d>
+          <a:camera prst="orthographicFront"/>
+          <a:lightRig rig="chilly" dir="t"/>
+        </a:scene3d>
+        <a:sp3d prstMaterial="translucentPowder">
+          <a:bevelT w="127000" h="25400" prst="softRound"/>
+        </a:sp3d>
+      </dsp:spPr>
+      <dsp:style>
+        <a:lnRef idx="0">
+          <a:scrgbClr r="0" g="0" b="0"/>
+        </a:lnRef>
+        <a:fillRef idx="1">
+          <a:scrgbClr r="0" g="0" b="0"/>
+        </a:fillRef>
+        <a:effectRef idx="0">
+          <a:scrgbClr r="0" g="0" b="0"/>
+        </a:effectRef>
+        <a:fontRef idx="minor">
+          <a:schemeClr val="lt1"/>
+        </a:fontRef>
+      </dsp:style>
+    </dsp:sp>
+    <dsp:sp modelId="{35177D51-DA6B-4B74-8542-DDCB57DE5FAE}">
+      <dsp:nvSpPr>
+        <dsp:cNvPr id="0" name=""/>
+        <dsp:cNvSpPr/>
+      </dsp:nvSpPr>
+      <dsp:spPr>
+        <a:xfrm>
+          <a:off x="4039790" y="2875022"/>
+          <a:ext cx="1275159" cy="809726"/>
+        </a:xfrm>
+        <a:prstGeom prst="roundRect">
+          <a:avLst>
+            <a:gd name="adj" fmla="val 10000"/>
+          </a:avLst>
+        </a:prstGeom>
+        <a:solidFill>
+          <a:schemeClr val="lt1">
+            <a:alpha val="90000"/>
+            <a:hueOff val="0"/>
+            <a:satOff val="0"/>
+            <a:lumOff val="0"/>
+            <a:alphaOff val="0"/>
+          </a:schemeClr>
+        </a:solidFill>
+        <a:ln w="9525" cap="flat" cmpd="sng" algn="ctr">
+          <a:solidFill>
+            <a:schemeClr val="accent1">
+              <a:hueOff val="0"/>
+              <a:satOff val="0"/>
+              <a:lumOff val="0"/>
+              <a:alphaOff val="0"/>
+            </a:schemeClr>
+          </a:solidFill>
+          <a:prstDash val="solid"/>
+        </a:ln>
+        <a:effectLst/>
+        <a:scene3d>
+          <a:camera prst="orthographicFront"/>
+          <a:lightRig rig="chilly" dir="t"/>
+        </a:scene3d>
+        <a:sp3d z="12700" extrusionH="1700" prstMaterial="dkEdge">
+          <a:bevelT w="25400" h="6350" prst="softRound"/>
+          <a:bevelB w="0" h="0" prst="convex"/>
+        </a:sp3d>
+      </dsp:spPr>
+      <dsp:style>
+        <a:lnRef idx="1">
+          <a:scrgbClr r="0" g="0" b="0"/>
+        </a:lnRef>
+        <a:fillRef idx="1">
+          <a:scrgbClr r="0" g="0" b="0"/>
+        </a:fillRef>
+        <a:effectRef idx="0">
+          <a:scrgbClr r="0" g="0" b="0"/>
+        </a:effectRef>
+        <a:fontRef idx="minor"/>
+      </dsp:style>
+      <dsp:txBody>
+        <a:bodyPr spcFirstLastPara="0" vert="horz" wrap="square" lIns="60960" tIns="60960" rIns="60960" bIns="60960" numCol="1" spcCol="1270" anchor="ctr" anchorCtr="0">
+          <a:noAutofit/>
+        </a:bodyPr>
+        <a:lstStyle/>
+        <a:p>
+          <a:pPr lvl="0" algn="ctr" defTabSz="711200">
+            <a:lnSpc>
+              <a:spcPct val="90000"/>
+            </a:lnSpc>
+            <a:spcBef>
+              <a:spcPct val="0"/>
+            </a:spcBef>
+            <a:spcAft>
+              <a:spcPct val="35000"/>
+            </a:spcAft>
+          </a:pPr>
+          <a:r>
+            <a:rPr lang="en-US" sz="1600" kern="1200" dirty="0" smtClean="0"/>
+            <a:t>Cloud computing</a:t>
+          </a:r>
+          <a:endParaRPr lang="en-US" sz="1600" kern="1200" dirty="0"/>
+        </a:p>
+      </dsp:txBody>
+      <dsp:txXfrm>
+        <a:off x="4063506" y="2898738"/>
+        <a:ext cx="1227727" cy="762294"/>
+      </dsp:txXfrm>
+    </dsp:sp>
+    <dsp:sp modelId="{AABC5D3A-A05C-4BE5-8A31-2BFE359C1ABF}">
+      <dsp:nvSpPr>
+        <dsp:cNvPr id="0" name=""/>
+        <dsp:cNvSpPr/>
+      </dsp:nvSpPr>
+      <dsp:spPr>
+        <a:xfrm>
+          <a:off x="4677370" y="1559836"/>
+          <a:ext cx="1275159" cy="809726"/>
+        </a:xfrm>
+        <a:prstGeom prst="roundRect">
+          <a:avLst>
+            <a:gd name="adj" fmla="val 10000"/>
+          </a:avLst>
+        </a:prstGeom>
+        <a:solidFill>
+          <a:schemeClr val="accent1">
+            <a:hueOff val="0"/>
+            <a:satOff val="0"/>
+            <a:lumOff val="0"/>
+            <a:alphaOff val="0"/>
+          </a:schemeClr>
+        </a:solidFill>
+        <a:ln>
+          <a:noFill/>
+        </a:ln>
+        <a:effectLst/>
+        <a:scene3d>
+          <a:camera prst="orthographicFront"/>
+          <a:lightRig rig="chilly" dir="t"/>
+        </a:scene3d>
+        <a:sp3d prstMaterial="translucentPowder">
+          <a:bevelT w="127000" h="25400" prst="softRound"/>
+        </a:sp3d>
+      </dsp:spPr>
+      <dsp:style>
+        <a:lnRef idx="0">
+          <a:scrgbClr r="0" g="0" b="0"/>
+        </a:lnRef>
+        <a:fillRef idx="1">
+          <a:scrgbClr r="0" g="0" b="0"/>
+        </a:fillRef>
+        <a:effectRef idx="0">
+          <a:scrgbClr r="0" g="0" b="0"/>
+        </a:effectRef>
+        <a:fontRef idx="minor">
+          <a:schemeClr val="lt1"/>
+        </a:fontRef>
+      </dsp:style>
+    </dsp:sp>
+    <dsp:sp modelId="{E753A8D8-B50F-42C4-B0CE-D216BE908656}">
+      <dsp:nvSpPr>
+        <dsp:cNvPr id="0" name=""/>
+        <dsp:cNvSpPr/>
+      </dsp:nvSpPr>
+      <dsp:spPr>
+        <a:xfrm>
+          <a:off x="4819054" y="1694436"/>
+          <a:ext cx="1275159" cy="809726"/>
+        </a:xfrm>
+        <a:prstGeom prst="roundRect">
+          <a:avLst>
+            <a:gd name="adj" fmla="val 10000"/>
+          </a:avLst>
+        </a:prstGeom>
+        <a:solidFill>
+          <a:schemeClr val="lt1">
+            <a:alpha val="90000"/>
+            <a:hueOff val="0"/>
+            <a:satOff val="0"/>
+            <a:lumOff val="0"/>
+            <a:alphaOff val="0"/>
+          </a:schemeClr>
+        </a:solidFill>
+        <a:ln w="9525" cap="flat" cmpd="sng" algn="ctr">
+          <a:solidFill>
+            <a:schemeClr val="accent1">
+              <a:hueOff val="0"/>
+              <a:satOff val="0"/>
+              <a:lumOff val="0"/>
+              <a:alphaOff val="0"/>
+            </a:schemeClr>
+          </a:solidFill>
+          <a:prstDash val="solid"/>
+        </a:ln>
+        <a:effectLst/>
+        <a:scene3d>
+          <a:camera prst="orthographicFront"/>
+          <a:lightRig rig="chilly" dir="t"/>
+        </a:scene3d>
+        <a:sp3d z="12700" extrusionH="1700" prstMaterial="dkEdge">
+          <a:bevelT w="25400" h="6350" prst="softRound"/>
+          <a:bevelB w="0" h="0" prst="convex"/>
+        </a:sp3d>
+      </dsp:spPr>
+      <dsp:style>
+        <a:lnRef idx="1">
+          <a:scrgbClr r="0" g="0" b="0"/>
+        </a:lnRef>
+        <a:fillRef idx="1">
+          <a:scrgbClr r="0" g="0" b="0"/>
+        </a:fillRef>
+        <a:effectRef idx="0">
+          <a:scrgbClr r="0" g="0" b="0"/>
+        </a:effectRef>
+        <a:fontRef idx="minor"/>
+      </dsp:style>
+      <dsp:txBody>
+        <a:bodyPr spcFirstLastPara="0" vert="horz" wrap="square" lIns="60960" tIns="60960" rIns="60960" bIns="60960" numCol="1" spcCol="1270" anchor="ctr" anchorCtr="0">
+          <a:noAutofit/>
+        </a:bodyPr>
+        <a:lstStyle/>
+        <a:p>
+          <a:pPr lvl="0" algn="ctr" defTabSz="711200">
+            <a:lnSpc>
+              <a:spcPct val="90000"/>
+            </a:lnSpc>
+            <a:spcBef>
+              <a:spcPct val="0"/>
+            </a:spcBef>
+            <a:spcAft>
+              <a:spcPct val="35000"/>
+            </a:spcAft>
+          </a:pPr>
+          <a:r>
+            <a:rPr lang="en-US" sz="1600" kern="1200" dirty="0" smtClean="0"/>
+            <a:t>Jungle computing</a:t>
+          </a:r>
+          <a:endParaRPr lang="en-US" sz="1600" kern="1200" dirty="0"/>
+        </a:p>
+      </dsp:txBody>
+      <dsp:txXfrm>
+        <a:off x="4842770" y="1718152"/>
+        <a:ext cx="1227727" cy="762294"/>
       </dsp:txXfrm>
     </dsp:sp>
   </dsp:spTree>
@@ -8357,6 +11005,569 @@
 </dgm:layoutDef>
 </file>
 
+<file path=ppt/diagrams/layout5.xml><?xml version="1.0" encoding="utf-8"?>
+<dgm:layoutDef xmlns:dgm="http://schemas.openxmlformats.org/drawingml/2006/diagram" xmlns:a="http://schemas.openxmlformats.org/drawingml/2006/main" uniqueId="urn:microsoft.com/office/officeart/2005/8/layout/hierarchy1">
+  <dgm:title val=""/>
+  <dgm:desc val=""/>
+  <dgm:catLst>
+    <dgm:cat type="hierarchy" pri="2000"/>
+  </dgm:catLst>
+  <dgm:sampData>
+    <dgm:dataModel>
+      <dgm:ptLst>
+        <dgm:pt modelId="0" type="doc"/>
+        <dgm:pt modelId="1">
+          <dgm:prSet phldr="1"/>
+        </dgm:pt>
+        <dgm:pt modelId="2">
+          <dgm:prSet phldr="1"/>
+        </dgm:pt>
+        <dgm:pt modelId="21">
+          <dgm:prSet phldr="1"/>
+        </dgm:pt>
+        <dgm:pt modelId="22">
+          <dgm:prSet phldr="1"/>
+        </dgm:pt>
+        <dgm:pt modelId="3">
+          <dgm:prSet phldr="1"/>
+        </dgm:pt>
+        <dgm:pt modelId="31">
+          <dgm:prSet phldr="1"/>
+        </dgm:pt>
+      </dgm:ptLst>
+      <dgm:cxnLst>
+        <dgm:cxn modelId="4" srcId="0" destId="1" srcOrd="0" destOrd="0"/>
+        <dgm:cxn modelId="5" srcId="1" destId="2" srcOrd="0" destOrd="0"/>
+        <dgm:cxn modelId="6" srcId="1" destId="3" srcOrd="1" destOrd="0"/>
+        <dgm:cxn modelId="23" srcId="2" destId="21" srcOrd="0" destOrd="0"/>
+        <dgm:cxn modelId="24" srcId="2" destId="22" srcOrd="1" destOrd="0"/>
+        <dgm:cxn modelId="33" srcId="3" destId="31" srcOrd="0" destOrd="0"/>
+      </dgm:cxnLst>
+      <dgm:bg/>
+      <dgm:whole/>
+    </dgm:dataModel>
+  </dgm:sampData>
+  <dgm:styleData>
+    <dgm:dataModel>
+      <dgm:ptLst>
+        <dgm:pt modelId="0" type="doc"/>
+        <dgm:pt modelId="1"/>
+        <dgm:pt modelId="11"/>
+        <dgm:pt modelId="12"/>
+      </dgm:ptLst>
+      <dgm:cxnLst>
+        <dgm:cxn modelId="2" srcId="0" destId="1" srcOrd="0" destOrd="0"/>
+        <dgm:cxn modelId="13" srcId="1" destId="11" srcOrd="0" destOrd="0"/>
+        <dgm:cxn modelId="14" srcId="1" destId="12" srcOrd="1" destOrd="0"/>
+      </dgm:cxnLst>
+      <dgm:bg/>
+      <dgm:whole/>
+    </dgm:dataModel>
+  </dgm:styleData>
+  <dgm:clrData>
+    <dgm:dataModel>
+      <dgm:ptLst>
+        <dgm:pt modelId="0" type="doc"/>
+        <dgm:pt modelId="1"/>
+        <dgm:pt modelId="2"/>
+        <dgm:pt modelId="21"/>
+        <dgm:pt modelId="211"/>
+        <dgm:pt modelId="3"/>
+        <dgm:pt modelId="31"/>
+        <dgm:pt modelId="311"/>
+      </dgm:ptLst>
+      <dgm:cxnLst>
+        <dgm:cxn modelId="4" srcId="0" destId="1" srcOrd="0" destOrd="0"/>
+        <dgm:cxn modelId="5" srcId="1" destId="2" srcOrd="0" destOrd="0"/>
+        <dgm:cxn modelId="6" srcId="1" destId="3" srcOrd="1" destOrd="0"/>
+        <dgm:cxn modelId="23" srcId="2" destId="21" srcOrd="0" destOrd="0"/>
+        <dgm:cxn modelId="24" srcId="21" destId="211" srcOrd="0" destOrd="0"/>
+        <dgm:cxn modelId="33" srcId="3" destId="31" srcOrd="0" destOrd="0"/>
+        <dgm:cxn modelId="34" srcId="31" destId="311" srcOrd="0" destOrd="0"/>
+      </dgm:cxnLst>
+      <dgm:bg/>
+      <dgm:whole/>
+    </dgm:dataModel>
+  </dgm:clrData>
+  <dgm:layoutNode name="hierChild1">
+    <dgm:varLst>
+      <dgm:chPref val="1"/>
+      <dgm:dir/>
+      <dgm:animOne val="branch"/>
+      <dgm:animLvl val="lvl"/>
+      <dgm:resizeHandles/>
+    </dgm:varLst>
+    <dgm:choose name="Name0">
+      <dgm:if name="Name1" func="var" arg="dir" op="equ" val="norm">
+        <dgm:alg type="hierChild">
+          <dgm:param type="linDir" val="fromL"/>
+        </dgm:alg>
+      </dgm:if>
+      <dgm:else name="Name2">
+        <dgm:alg type="hierChild">
+          <dgm:param type="linDir" val="fromR"/>
+        </dgm:alg>
+      </dgm:else>
+    </dgm:choose>
+    <dgm:shape xmlns:r="http://schemas.openxmlformats.org/officeDocument/2006/relationships" r:blip="">
+      <dgm:adjLst/>
+    </dgm:shape>
+    <dgm:presOf/>
+    <dgm:constrLst>
+      <dgm:constr type="primFontSz" for="des" ptType="node" op="equ" val="65"/>
+      <dgm:constr type="w" for="des" forName="composite" refType="w"/>
+      <dgm:constr type="h" for="des" forName="composite" refType="w" refFor="des" refForName="composite" fact="0.667"/>
+      <dgm:constr type="w" for="des" forName="composite2" refType="w" refFor="des" refForName="composite"/>
+      <dgm:constr type="h" for="des" forName="composite2" refType="h" refFor="des" refForName="composite"/>
+      <dgm:constr type="w" for="des" forName="composite3" refType="w" refFor="des" refForName="composite"/>
+      <dgm:constr type="h" for="des" forName="composite3" refType="h" refFor="des" refForName="composite"/>
+      <dgm:constr type="w" for="des" forName="composite4" refType="w" refFor="des" refForName="composite"/>
+      <dgm:constr type="h" for="des" forName="composite4" refType="h" refFor="des" refForName="composite"/>
+      <dgm:constr type="w" for="des" forName="composite5" refType="w" refFor="des" refForName="composite"/>
+      <dgm:constr type="h" for="des" forName="composite5" refType="h" refFor="des" refForName="composite"/>
+      <dgm:constr type="sibSp" refType="w" refFor="des" refForName="composite" fact="0.1"/>
+      <dgm:constr type="sibSp" for="des" forName="hierChild2" refType="sibSp"/>
+      <dgm:constr type="sibSp" for="des" forName="hierChild3" refType="sibSp"/>
+      <dgm:constr type="sibSp" for="des" forName="hierChild4" refType="sibSp"/>
+      <dgm:constr type="sibSp" for="des" forName="hierChild5" refType="sibSp"/>
+      <dgm:constr type="sibSp" for="des" forName="hierChild6" refType="sibSp"/>
+      <dgm:constr type="sp" for="des" forName="hierRoot1" refType="h" refFor="des" refForName="composite" fact="0.25"/>
+      <dgm:constr type="sp" for="des" forName="hierRoot2" refType="sp" refFor="des" refForName="hierRoot1"/>
+      <dgm:constr type="sp" for="des" forName="hierRoot3" refType="sp" refFor="des" refForName="hierRoot1"/>
+      <dgm:constr type="sp" for="des" forName="hierRoot4" refType="sp" refFor="des" refForName="hierRoot1"/>
+      <dgm:constr type="sp" for="des" forName="hierRoot5" refType="sp" refFor="des" refForName="hierRoot1"/>
+    </dgm:constrLst>
+    <dgm:ruleLst/>
+    <dgm:forEach name="Name3" axis="ch">
+      <dgm:forEach name="Name4" axis="self" ptType="node">
+        <dgm:layoutNode name="hierRoot1">
+          <dgm:alg type="hierRoot"/>
+          <dgm:shape xmlns:r="http://schemas.openxmlformats.org/officeDocument/2006/relationships" r:blip="">
+            <dgm:adjLst/>
+          </dgm:shape>
+          <dgm:presOf/>
+          <dgm:constrLst>
+            <dgm:constr type="bendDist" for="des" ptType="parTrans" refType="sp" fact="0.5"/>
+          </dgm:constrLst>
+          <dgm:ruleLst/>
+          <dgm:layoutNode name="composite">
+            <dgm:alg type="composite"/>
+            <dgm:shape xmlns:r="http://schemas.openxmlformats.org/officeDocument/2006/relationships" r:blip="">
+              <dgm:adjLst/>
+            </dgm:shape>
+            <dgm:presOf/>
+            <dgm:constrLst>
+              <dgm:constr type="w" for="ch" forName="background" refType="w" fact="0.9"/>
+              <dgm:constr type="h" for="ch" forName="background" refType="w" refFor="ch" refForName="background" fact="0.635"/>
+              <dgm:constr type="t" for="ch" forName="background"/>
+              <dgm:constr type="l" for="ch" forName="background"/>
+              <dgm:constr type="w" for="ch" forName="text" refType="w" fact="0.9"/>
+              <dgm:constr type="h" for="ch" forName="text" refType="w" refFor="ch" refForName="text" fact="0.635"/>
+              <dgm:constr type="t" for="ch" forName="text" refType="w" fact="0.095"/>
+              <dgm:constr type="l" for="ch" forName="text" refType="w" fact="0.1"/>
+            </dgm:constrLst>
+            <dgm:ruleLst/>
+            <dgm:layoutNode name="background" styleLbl="node0" moveWith="text">
+              <dgm:alg type="sp"/>
+              <dgm:shape xmlns:r="http://schemas.openxmlformats.org/officeDocument/2006/relationships" type="roundRect" r:blip="">
+                <dgm:adjLst>
+                  <dgm:adj idx="1" val="0.1"/>
+                </dgm:adjLst>
+              </dgm:shape>
+              <dgm:presOf/>
+              <dgm:constrLst/>
+              <dgm:ruleLst/>
+            </dgm:layoutNode>
+            <dgm:layoutNode name="text" styleLbl="fgAcc0">
+              <dgm:varLst>
+                <dgm:chPref val="3"/>
+              </dgm:varLst>
+              <dgm:alg type="tx"/>
+              <dgm:shape xmlns:r="http://schemas.openxmlformats.org/officeDocument/2006/relationships" type="roundRect" r:blip="">
+                <dgm:adjLst>
+                  <dgm:adj idx="1" val="0.1"/>
+                </dgm:adjLst>
+              </dgm:shape>
+              <dgm:presOf axis="self"/>
+              <dgm:constrLst>
+                <dgm:constr type="tMarg" refType="primFontSz" fact="0.3"/>
+                <dgm:constr type="bMarg" refType="primFontSz" fact="0.3"/>
+                <dgm:constr type="lMarg" refType="primFontSz" fact="0.3"/>
+                <dgm:constr type="rMarg" refType="primFontSz" fact="0.3"/>
+              </dgm:constrLst>
+              <dgm:ruleLst>
+                <dgm:rule type="primFontSz" val="5" fact="NaN" max="NaN"/>
+              </dgm:ruleLst>
+            </dgm:layoutNode>
+          </dgm:layoutNode>
+          <dgm:layoutNode name="hierChild2">
+            <dgm:choose name="Name5">
+              <dgm:if name="Name6" func="var" arg="dir" op="equ" val="norm">
+                <dgm:alg type="hierChild">
+                  <dgm:param type="linDir" val="fromL"/>
+                </dgm:alg>
+              </dgm:if>
+              <dgm:else name="Name7">
+                <dgm:alg type="hierChild">
+                  <dgm:param type="linDir" val="fromR"/>
+                </dgm:alg>
+              </dgm:else>
+            </dgm:choose>
+            <dgm:shape xmlns:r="http://schemas.openxmlformats.org/officeDocument/2006/relationships" r:blip="">
+              <dgm:adjLst/>
+            </dgm:shape>
+            <dgm:presOf/>
+            <dgm:constrLst/>
+            <dgm:ruleLst/>
+            <dgm:forEach name="Name8" axis="ch">
+              <dgm:forEach name="Name9" axis="self" ptType="parTrans" cnt="1">
+                <dgm:layoutNode name="Name10">
+                  <dgm:alg type="conn">
+                    <dgm:param type="dim" val="1D"/>
+                    <dgm:param type="endSty" val="noArr"/>
+                    <dgm:param type="connRout" val="bend"/>
+                    <dgm:param type="bendPt" val="end"/>
+                    <dgm:param type="begPts" val="bCtr"/>
+                    <dgm:param type="endPts" val="tCtr"/>
+                    <dgm:param type="srcNode" val="background"/>
+                    <dgm:param type="dstNode" val="background2"/>
+                  </dgm:alg>
+                  <dgm:shape xmlns:r="http://schemas.openxmlformats.org/officeDocument/2006/relationships" type="conn" r:blip="" zOrderOff="-999">
+                    <dgm:adjLst/>
+                  </dgm:shape>
+                  <dgm:presOf axis="self"/>
+                  <dgm:constrLst>
+                    <dgm:constr type="begPad"/>
+                    <dgm:constr type="endPad"/>
+                  </dgm:constrLst>
+                  <dgm:ruleLst/>
+                </dgm:layoutNode>
+              </dgm:forEach>
+              <dgm:forEach name="Name11" axis="self" ptType="node">
+                <dgm:layoutNode name="hierRoot2">
+                  <dgm:alg type="hierRoot"/>
+                  <dgm:shape xmlns:r="http://schemas.openxmlformats.org/officeDocument/2006/relationships" r:blip="">
+                    <dgm:adjLst/>
+                  </dgm:shape>
+                  <dgm:presOf/>
+                  <dgm:constrLst>
+                    <dgm:constr type="bendDist" for="des" ptType="parTrans" refType="sp" fact="0.5"/>
+                  </dgm:constrLst>
+                  <dgm:ruleLst/>
+                  <dgm:layoutNode name="composite2">
+                    <dgm:alg type="composite"/>
+                    <dgm:shape xmlns:r="http://schemas.openxmlformats.org/officeDocument/2006/relationships" r:blip="">
+                      <dgm:adjLst/>
+                    </dgm:shape>
+                    <dgm:presOf/>
+                    <dgm:constrLst>
+                      <dgm:constr type="w" for="ch" forName="background2" refType="w" fact="0.9"/>
+                      <dgm:constr type="h" for="ch" forName="background2" refType="w" refFor="ch" refForName="background2" fact="0.635"/>
+                      <dgm:constr type="t" for="ch" forName="background2"/>
+                      <dgm:constr type="l" for="ch" forName="background2"/>
+                      <dgm:constr type="w" for="ch" forName="text2" refType="w" fact="0.9"/>
+                      <dgm:constr type="h" for="ch" forName="text2" refType="w" refFor="ch" refForName="text2" fact="0.635"/>
+                      <dgm:constr type="t" for="ch" forName="text2" refType="w" fact="0.095"/>
+                      <dgm:constr type="l" for="ch" forName="text2" refType="w" fact="0.1"/>
+                    </dgm:constrLst>
+                    <dgm:ruleLst/>
+                    <dgm:layoutNode name="background2" moveWith="text2">
+                      <dgm:alg type="sp"/>
+                      <dgm:shape xmlns:r="http://schemas.openxmlformats.org/officeDocument/2006/relationships" type="roundRect" r:blip="">
+                        <dgm:adjLst>
+                          <dgm:adj idx="1" val="0.1"/>
+                        </dgm:adjLst>
+                      </dgm:shape>
+                      <dgm:presOf/>
+                      <dgm:constrLst/>
+                      <dgm:ruleLst/>
+                    </dgm:layoutNode>
+                    <dgm:layoutNode name="text2" styleLbl="fgAcc2">
+                      <dgm:varLst>
+                        <dgm:chPref val="3"/>
+                      </dgm:varLst>
+                      <dgm:alg type="tx"/>
+                      <dgm:shape xmlns:r="http://schemas.openxmlformats.org/officeDocument/2006/relationships" type="roundRect" r:blip="">
+                        <dgm:adjLst>
+                          <dgm:adj idx="1" val="0.1"/>
+                        </dgm:adjLst>
+                      </dgm:shape>
+                      <dgm:presOf axis="self"/>
+                      <dgm:constrLst>
+                        <dgm:constr type="tMarg" refType="primFontSz" fact="0.3"/>
+                        <dgm:constr type="bMarg" refType="primFontSz" fact="0.3"/>
+                        <dgm:constr type="lMarg" refType="primFontSz" fact="0.3"/>
+                        <dgm:constr type="rMarg" refType="primFontSz" fact="0.3"/>
+                      </dgm:constrLst>
+                      <dgm:ruleLst>
+                        <dgm:rule type="primFontSz" val="5" fact="NaN" max="NaN"/>
+                      </dgm:ruleLst>
+                    </dgm:layoutNode>
+                  </dgm:layoutNode>
+                  <dgm:layoutNode name="hierChild3">
+                    <dgm:choose name="Name12">
+                      <dgm:if name="Name13" func="var" arg="dir" op="equ" val="norm">
+                        <dgm:alg type="hierChild">
+                          <dgm:param type="linDir" val="fromL"/>
+                        </dgm:alg>
+                      </dgm:if>
+                      <dgm:else name="Name14">
+                        <dgm:alg type="hierChild">
+                          <dgm:param type="linDir" val="fromR"/>
+                        </dgm:alg>
+                      </dgm:else>
+                    </dgm:choose>
+                    <dgm:shape xmlns:r="http://schemas.openxmlformats.org/officeDocument/2006/relationships" r:blip="">
+                      <dgm:adjLst/>
+                    </dgm:shape>
+                    <dgm:presOf/>
+                    <dgm:constrLst/>
+                    <dgm:ruleLst/>
+                    <dgm:forEach name="Name15" axis="ch">
+                      <dgm:forEach name="Name16" axis="self" ptType="parTrans" cnt="1">
+                        <dgm:layoutNode name="Name17">
+                          <dgm:alg type="conn">
+                            <dgm:param type="dim" val="1D"/>
+                            <dgm:param type="endSty" val="noArr"/>
+                            <dgm:param type="connRout" val="bend"/>
+                            <dgm:param type="bendPt" val="end"/>
+                            <dgm:param type="begPts" val="bCtr"/>
+                            <dgm:param type="endPts" val="tCtr"/>
+                            <dgm:param type="srcNode" val="background2"/>
+                            <dgm:param type="dstNode" val="background3"/>
+                          </dgm:alg>
+                          <dgm:shape xmlns:r="http://schemas.openxmlformats.org/officeDocument/2006/relationships" type="conn" r:blip="" zOrderOff="-999">
+                            <dgm:adjLst/>
+                          </dgm:shape>
+                          <dgm:presOf axis="self"/>
+                          <dgm:constrLst>
+                            <dgm:constr type="begPad"/>
+                            <dgm:constr type="endPad"/>
+                          </dgm:constrLst>
+                          <dgm:ruleLst/>
+                        </dgm:layoutNode>
+                      </dgm:forEach>
+                      <dgm:forEach name="Name18" axis="self" ptType="node">
+                        <dgm:layoutNode name="hierRoot3">
+                          <dgm:alg type="hierRoot"/>
+                          <dgm:shape xmlns:r="http://schemas.openxmlformats.org/officeDocument/2006/relationships" r:blip="">
+                            <dgm:adjLst/>
+                          </dgm:shape>
+                          <dgm:presOf/>
+                          <dgm:constrLst>
+                            <dgm:constr type="bendDist" for="des" ptType="parTrans" refType="sp" fact="0.5"/>
+                          </dgm:constrLst>
+                          <dgm:ruleLst/>
+                          <dgm:layoutNode name="composite3">
+                            <dgm:alg type="composite"/>
+                            <dgm:shape xmlns:r="http://schemas.openxmlformats.org/officeDocument/2006/relationships" r:blip="">
+                              <dgm:adjLst/>
+                            </dgm:shape>
+                            <dgm:presOf/>
+                            <dgm:constrLst>
+                              <dgm:constr type="w" for="ch" forName="background3" refType="w" fact="0.9"/>
+                              <dgm:constr type="h" for="ch" forName="background3" refType="w" refFor="ch" refForName="background3" fact="0.635"/>
+                              <dgm:constr type="t" for="ch" forName="background3"/>
+                              <dgm:constr type="l" for="ch" forName="background3"/>
+                              <dgm:constr type="w" for="ch" forName="text3" refType="w" fact="0.9"/>
+                              <dgm:constr type="h" for="ch" forName="text3" refType="w" refFor="ch" refForName="text3" fact="0.635"/>
+                              <dgm:constr type="t" for="ch" forName="text3" refType="w" fact="0.095"/>
+                              <dgm:constr type="l" for="ch" forName="text3" refType="w" fact="0.1"/>
+                            </dgm:constrLst>
+                            <dgm:ruleLst/>
+                            <dgm:layoutNode name="background3" moveWith="text3">
+                              <dgm:alg type="sp"/>
+                              <dgm:shape xmlns:r="http://schemas.openxmlformats.org/officeDocument/2006/relationships" type="roundRect" r:blip="">
+                                <dgm:adjLst>
+                                  <dgm:adj idx="1" val="0.1"/>
+                                </dgm:adjLst>
+                              </dgm:shape>
+                              <dgm:presOf/>
+                              <dgm:constrLst/>
+                              <dgm:ruleLst/>
+                            </dgm:layoutNode>
+                            <dgm:layoutNode name="text3" styleLbl="fgAcc3">
+                              <dgm:varLst>
+                                <dgm:chPref val="3"/>
+                              </dgm:varLst>
+                              <dgm:alg type="tx"/>
+                              <dgm:shape xmlns:r="http://schemas.openxmlformats.org/officeDocument/2006/relationships" type="roundRect" r:blip="">
+                                <dgm:adjLst>
+                                  <dgm:adj idx="1" val="0.1"/>
+                                </dgm:adjLst>
+                              </dgm:shape>
+                              <dgm:presOf axis="self"/>
+                              <dgm:constrLst>
+                                <dgm:constr type="tMarg" refType="primFontSz" fact="0.3"/>
+                                <dgm:constr type="bMarg" refType="primFontSz" fact="0.3"/>
+                                <dgm:constr type="lMarg" refType="primFontSz" fact="0.3"/>
+                                <dgm:constr type="rMarg" refType="primFontSz" fact="0.3"/>
+                              </dgm:constrLst>
+                              <dgm:ruleLst>
+                                <dgm:rule type="primFontSz" val="5" fact="NaN" max="NaN"/>
+                              </dgm:ruleLst>
+                            </dgm:layoutNode>
+                          </dgm:layoutNode>
+                          <dgm:layoutNode name="hierChild4">
+                            <dgm:choose name="Name19">
+                              <dgm:if name="Name20" func="var" arg="dir" op="equ" val="norm">
+                                <dgm:alg type="hierChild">
+                                  <dgm:param type="linDir" val="fromL"/>
+                                </dgm:alg>
+                              </dgm:if>
+                              <dgm:else name="Name21">
+                                <dgm:alg type="hierChild">
+                                  <dgm:param type="linDir" val="fromR"/>
+                                </dgm:alg>
+                              </dgm:else>
+                            </dgm:choose>
+                            <dgm:shape xmlns:r="http://schemas.openxmlformats.org/officeDocument/2006/relationships" r:blip="">
+                              <dgm:adjLst/>
+                            </dgm:shape>
+                            <dgm:presOf/>
+                            <dgm:constrLst/>
+                            <dgm:ruleLst/>
+                            <dgm:forEach name="repeat" axis="ch">
+                              <dgm:forEach name="Name22" axis="self" ptType="parTrans" cnt="1">
+                                <dgm:layoutNode name="Name23">
+                                  <dgm:choose name="Name24">
+                                    <dgm:if name="Name25" axis="self" func="depth" op="lte" val="4">
+                                      <dgm:alg type="conn">
+                                        <dgm:param type="dim" val="1D"/>
+                                        <dgm:param type="endSty" val="noArr"/>
+                                        <dgm:param type="connRout" val="bend"/>
+                                        <dgm:param type="bendPt" val="end"/>
+                                        <dgm:param type="begPts" val="bCtr"/>
+                                        <dgm:param type="endPts" val="tCtr"/>
+                                        <dgm:param type="srcNode" val="background3"/>
+                                        <dgm:param type="dstNode" val="background4"/>
+                                      </dgm:alg>
+                                    </dgm:if>
+                                    <dgm:else name="Name26">
+                                      <dgm:alg type="conn">
+                                        <dgm:param type="dim" val="1D"/>
+                                        <dgm:param type="endSty" val="noArr"/>
+                                        <dgm:param type="connRout" val="bend"/>
+                                        <dgm:param type="bendPt" val="end"/>
+                                        <dgm:param type="begPts" val="bCtr"/>
+                                        <dgm:param type="endPts" val="tCtr"/>
+                                        <dgm:param type="srcNode" val="background4"/>
+                                        <dgm:param type="dstNode" val="background4"/>
+                                      </dgm:alg>
+                                    </dgm:else>
+                                  </dgm:choose>
+                                  <dgm:shape xmlns:r="http://schemas.openxmlformats.org/officeDocument/2006/relationships" type="conn" r:blip="" zOrderOff="-999">
+                                    <dgm:adjLst/>
+                                  </dgm:shape>
+                                  <dgm:presOf axis="self"/>
+                                  <dgm:constrLst>
+                                    <dgm:constr type="begPad"/>
+                                    <dgm:constr type="endPad"/>
+                                  </dgm:constrLst>
+                                  <dgm:ruleLst/>
+                                </dgm:layoutNode>
+                              </dgm:forEach>
+                              <dgm:forEach name="Name27" axis="self" ptType="node">
+                                <dgm:layoutNode name="hierRoot4">
+                                  <dgm:alg type="hierRoot"/>
+                                  <dgm:shape xmlns:r="http://schemas.openxmlformats.org/officeDocument/2006/relationships" r:blip="">
+                                    <dgm:adjLst/>
+                                  </dgm:shape>
+                                  <dgm:presOf/>
+                                  <dgm:constrLst>
+                                    <dgm:constr type="bendDist" for="des" ptType="parTrans" refType="sp" fact="0.5"/>
+                                  </dgm:constrLst>
+                                  <dgm:ruleLst/>
+                                  <dgm:layoutNode name="composite4">
+                                    <dgm:alg type="composite"/>
+                                    <dgm:shape xmlns:r="http://schemas.openxmlformats.org/officeDocument/2006/relationships" r:blip="">
+                                      <dgm:adjLst/>
+                                    </dgm:shape>
+                                    <dgm:presOf/>
+                                    <dgm:constrLst>
+                                      <dgm:constr type="w" for="ch" forName="background4" refType="w" fact="0.9"/>
+                                      <dgm:constr type="h" for="ch" forName="background4" refType="w" refFor="ch" refForName="background4" fact="0.635"/>
+                                      <dgm:constr type="t" for="ch" forName="background4"/>
+                                      <dgm:constr type="l" for="ch" forName="background4"/>
+                                      <dgm:constr type="w" for="ch" forName="text4" refType="w" fact="0.9"/>
+                                      <dgm:constr type="h" for="ch" forName="text4" refType="w" refFor="ch" refForName="text4" fact="0.635"/>
+                                      <dgm:constr type="t" for="ch" forName="text4" refType="w" fact="0.095"/>
+                                      <dgm:constr type="l" for="ch" forName="text4" refType="w" fact="0.1"/>
+                                    </dgm:constrLst>
+                                    <dgm:ruleLst/>
+                                    <dgm:layoutNode name="background4" moveWith="text4">
+                                      <dgm:alg type="sp"/>
+                                      <dgm:shape xmlns:r="http://schemas.openxmlformats.org/officeDocument/2006/relationships" type="roundRect" r:blip="">
+                                        <dgm:adjLst>
+                                          <dgm:adj idx="1" val="0.1"/>
+                                        </dgm:adjLst>
+                                      </dgm:shape>
+                                      <dgm:presOf/>
+                                      <dgm:constrLst/>
+                                      <dgm:ruleLst/>
+                                    </dgm:layoutNode>
+                                    <dgm:layoutNode name="text4" styleLbl="fgAcc4">
+                                      <dgm:varLst>
+                                        <dgm:chPref val="3"/>
+                                      </dgm:varLst>
+                                      <dgm:alg type="tx"/>
+                                      <dgm:shape xmlns:r="http://schemas.openxmlformats.org/officeDocument/2006/relationships" type="roundRect" r:blip="">
+                                        <dgm:adjLst>
+                                          <dgm:adj idx="1" val="0.1"/>
+                                        </dgm:adjLst>
+                                      </dgm:shape>
+                                      <dgm:presOf axis="self"/>
+                                      <dgm:constrLst>
+                                        <dgm:constr type="tMarg" refType="primFontSz" fact="0.3"/>
+                                        <dgm:constr type="bMarg" refType="primFontSz" fact="0.3"/>
+                                        <dgm:constr type="lMarg" refType="primFontSz" fact="0.3"/>
+                                        <dgm:constr type="rMarg" refType="primFontSz" fact="0.3"/>
+                                      </dgm:constrLst>
+                                      <dgm:ruleLst>
+                                        <dgm:rule type="primFontSz" val="5" fact="NaN" max="NaN"/>
+                                      </dgm:ruleLst>
+                                    </dgm:layoutNode>
+                                  </dgm:layoutNode>
+                                  <dgm:layoutNode name="hierChild5">
+                                    <dgm:choose name="Name28">
+                                      <dgm:if name="Name29" func="var" arg="dir" op="equ" val="norm">
+                                        <dgm:alg type="hierChild">
+                                          <dgm:param type="linDir" val="fromL"/>
+                                        </dgm:alg>
+                                      </dgm:if>
+                                      <dgm:else name="Name30">
+                                        <dgm:alg type="hierChild">
+                                          <dgm:param type="linDir" val="fromR"/>
+                                        </dgm:alg>
+                                      </dgm:else>
+                                    </dgm:choose>
+                                    <dgm:shape xmlns:r="http://schemas.openxmlformats.org/officeDocument/2006/relationships" r:blip="">
+                                      <dgm:adjLst/>
+                                    </dgm:shape>
+                                    <dgm:presOf/>
+                                    <dgm:constrLst/>
+                                    <dgm:ruleLst/>
+                                    <dgm:forEach name="Name31" ref="repeat"/>
+                                  </dgm:layoutNode>
+                                </dgm:layoutNode>
+                              </dgm:forEach>
+                            </dgm:forEach>
+                          </dgm:layoutNode>
+                        </dgm:layoutNode>
+                      </dgm:forEach>
+                    </dgm:forEach>
+                  </dgm:layoutNode>
+                </dgm:layoutNode>
+              </dgm:forEach>
+            </dgm:forEach>
+          </dgm:layoutNode>
+        </dgm:layoutNode>
+      </dgm:forEach>
+    </dgm:forEach>
+  </dgm:layoutNode>
+</dgm:layoutDef>
+</file>
+
 <file path=ppt/diagrams/quickStyle1.xml><?xml version="1.0" encoding="utf-8"?>
 <dgm:styleDef xmlns:dgm="http://schemas.openxmlformats.org/drawingml/2006/diagram" xmlns:a="http://schemas.openxmlformats.org/drawingml/2006/main" uniqueId="urn:microsoft.com/office/officeart/2005/8/quickstyle/simple1">
   <dgm:title val=""/>
@@ -11460,6 +14671,1117 @@
 </file>
 
 <file path=ppt/diagrams/quickStyle4.xml><?xml version="1.0" encoding="utf-8"?>
+<dgm:styleDef xmlns:dgm="http://schemas.openxmlformats.org/drawingml/2006/diagram" xmlns:a="http://schemas.openxmlformats.org/drawingml/2006/main" uniqueId="urn:microsoft.com/office/officeart/2005/8/quickstyle/3d4">
+  <dgm:title val=""/>
+  <dgm:desc val=""/>
+  <dgm:catLst>
+    <dgm:cat type="3D" pri="11400"/>
+  </dgm:catLst>
+  <dgm:scene3d>
+    <a:camera prst="orthographicFront"/>
+    <a:lightRig rig="threePt" dir="t"/>
+  </dgm:scene3d>
+  <dgm:styleLbl name="node0">
+    <dgm:scene3d>
+      <a:camera prst="orthographicFront"/>
+      <a:lightRig rig="chilly" dir="t"/>
+    </dgm:scene3d>
+    <dgm:sp3d prstMaterial="translucentPowder">
+      <a:bevelT w="127000" h="25400" prst="softRound"/>
+    </dgm:sp3d>
+    <dgm:txPr/>
+    <dgm:style>
+      <a:lnRef idx="0">
+        <a:scrgbClr r="0" g="0" b="0"/>
+      </a:lnRef>
+      <a:fillRef idx="1">
+        <a:scrgbClr r="0" g="0" b="0"/>
+      </a:fillRef>
+      <a:effectRef idx="0">
+        <a:scrgbClr r="0" g="0" b="0"/>
+      </a:effectRef>
+      <a:fontRef idx="minor">
+        <a:schemeClr val="lt1"/>
+      </a:fontRef>
+    </dgm:style>
+  </dgm:styleLbl>
+  <dgm:styleLbl name="lnNode1">
+    <dgm:scene3d>
+      <a:camera prst="orthographicFront"/>
+      <a:lightRig rig="chilly" dir="t"/>
+    </dgm:scene3d>
+    <dgm:sp3d prstMaterial="translucentPowder">
+      <a:bevelT w="127000" h="25400" prst="softRound"/>
+    </dgm:sp3d>
+    <dgm:txPr/>
+    <dgm:style>
+      <a:lnRef idx="0">
+        <a:scrgbClr r="0" g="0" b="0"/>
+      </a:lnRef>
+      <a:fillRef idx="1">
+        <a:scrgbClr r="0" g="0" b="0"/>
+      </a:fillRef>
+      <a:effectRef idx="0">
+        <a:scrgbClr r="0" g="0" b="0"/>
+      </a:effectRef>
+      <a:fontRef idx="minor">
+        <a:schemeClr val="lt1"/>
+      </a:fontRef>
+    </dgm:style>
+  </dgm:styleLbl>
+  <dgm:styleLbl name="vennNode1">
+    <dgm:scene3d>
+      <a:camera prst="orthographicFront"/>
+      <a:lightRig rig="chilly" dir="t"/>
+    </dgm:scene3d>
+    <dgm:sp3d prstMaterial="translucentPowder">
+      <a:bevelT w="127000" h="25400" prst="softRound"/>
+    </dgm:sp3d>
+    <dgm:txPr/>
+    <dgm:style>
+      <a:lnRef idx="0">
+        <a:scrgbClr r="0" g="0" b="0"/>
+      </a:lnRef>
+      <a:fillRef idx="1">
+        <a:scrgbClr r="0" g="0" b="0"/>
+      </a:fillRef>
+      <a:effectRef idx="0">
+        <a:scrgbClr r="0" g="0" b="0"/>
+      </a:effectRef>
+      <a:fontRef idx="minor">
+        <a:schemeClr val="tx1"/>
+      </a:fontRef>
+    </dgm:style>
+  </dgm:styleLbl>
+  <dgm:styleLbl name="alignNode1">
+    <dgm:scene3d>
+      <a:camera prst="orthographicFront"/>
+      <a:lightRig rig="chilly" dir="t"/>
+    </dgm:scene3d>
+    <dgm:sp3d prstMaterial="translucentPowder">
+      <a:bevelT w="127000" h="25400" prst="softRound"/>
+    </dgm:sp3d>
+    <dgm:txPr/>
+    <dgm:style>
+      <a:lnRef idx="1">
+        <a:scrgbClr r="0" g="0" b="0"/>
+      </a:lnRef>
+      <a:fillRef idx="1">
+        <a:scrgbClr r="0" g="0" b="0"/>
+      </a:fillRef>
+      <a:effectRef idx="0">
+        <a:scrgbClr r="0" g="0" b="0"/>
+      </a:effectRef>
+      <a:fontRef idx="minor">
+        <a:schemeClr val="lt1"/>
+      </a:fontRef>
+    </dgm:style>
+  </dgm:styleLbl>
+  <dgm:styleLbl name="node1">
+    <dgm:scene3d>
+      <a:camera prst="orthographicFront"/>
+      <a:lightRig rig="chilly" dir="t"/>
+    </dgm:scene3d>
+    <dgm:sp3d prstMaterial="translucentPowder">
+      <a:bevelT w="127000" h="25400" prst="softRound"/>
+    </dgm:sp3d>
+    <dgm:txPr/>
+    <dgm:style>
+      <a:lnRef idx="0">
+        <a:scrgbClr r="0" g="0" b="0"/>
+      </a:lnRef>
+      <a:fillRef idx="1">
+        <a:scrgbClr r="0" g="0" b="0"/>
+      </a:fillRef>
+      <a:effectRef idx="0">
+        <a:scrgbClr r="0" g="0" b="0"/>
+      </a:effectRef>
+      <a:fontRef idx="minor">
+        <a:schemeClr val="lt1"/>
+      </a:fontRef>
+    </dgm:style>
+  </dgm:styleLbl>
+  <dgm:styleLbl name="node2">
+    <dgm:scene3d>
+      <a:camera prst="orthographicFront"/>
+      <a:lightRig rig="chilly" dir="t"/>
+    </dgm:scene3d>
+    <dgm:sp3d prstMaterial="translucentPowder">
+      <a:bevelT w="127000" h="25400" prst="softRound"/>
+    </dgm:sp3d>
+    <dgm:txPr/>
+    <dgm:style>
+      <a:lnRef idx="0">
+        <a:scrgbClr r="0" g="0" b="0"/>
+      </a:lnRef>
+      <a:fillRef idx="1">
+        <a:scrgbClr r="0" g="0" b="0"/>
+      </a:fillRef>
+      <a:effectRef idx="0">
+        <a:scrgbClr r="0" g="0" b="0"/>
+      </a:effectRef>
+      <a:fontRef idx="minor">
+        <a:schemeClr val="lt1"/>
+      </a:fontRef>
+    </dgm:style>
+  </dgm:styleLbl>
+  <dgm:styleLbl name="node3">
+    <dgm:scene3d>
+      <a:camera prst="orthographicFront"/>
+      <a:lightRig rig="chilly" dir="t"/>
+    </dgm:scene3d>
+    <dgm:sp3d prstMaterial="translucentPowder">
+      <a:bevelT w="127000" h="25400" prst="softRound"/>
+    </dgm:sp3d>
+    <dgm:txPr/>
+    <dgm:style>
+      <a:lnRef idx="0">
+        <a:scrgbClr r="0" g="0" b="0"/>
+      </a:lnRef>
+      <a:fillRef idx="1">
+        <a:scrgbClr r="0" g="0" b="0"/>
+      </a:fillRef>
+      <a:effectRef idx="0">
+        <a:scrgbClr r="0" g="0" b="0"/>
+      </a:effectRef>
+      <a:fontRef idx="minor">
+        <a:schemeClr val="lt1"/>
+      </a:fontRef>
+    </dgm:style>
+  </dgm:styleLbl>
+  <dgm:styleLbl name="node4">
+    <dgm:scene3d>
+      <a:camera prst="orthographicFront"/>
+      <a:lightRig rig="chilly" dir="t"/>
+    </dgm:scene3d>
+    <dgm:sp3d prstMaterial="translucentPowder">
+      <a:bevelT w="127000" h="25400" prst="softRound"/>
+    </dgm:sp3d>
+    <dgm:txPr/>
+    <dgm:style>
+      <a:lnRef idx="0">
+        <a:scrgbClr r="0" g="0" b="0"/>
+      </a:lnRef>
+      <a:fillRef idx="1">
+        <a:scrgbClr r="0" g="0" b="0"/>
+      </a:fillRef>
+      <a:effectRef idx="0">
+        <a:scrgbClr r="0" g="0" b="0"/>
+      </a:effectRef>
+      <a:fontRef idx="minor">
+        <a:schemeClr val="lt1"/>
+      </a:fontRef>
+    </dgm:style>
+  </dgm:styleLbl>
+  <dgm:styleLbl name="fgImgPlace1">
+    <dgm:scene3d>
+      <a:camera prst="orthographicFront"/>
+      <a:lightRig rig="chilly" dir="t"/>
+    </dgm:scene3d>
+    <dgm:sp3d z="12700" extrusionH="12700" prstMaterial="translucentPowder">
+      <a:bevelT w="25400" h="6350" prst="softRound"/>
+      <a:bevelB w="0" h="0" prst="convex"/>
+    </dgm:sp3d>
+    <dgm:txPr/>
+    <dgm:style>
+      <a:lnRef idx="0">
+        <a:scrgbClr r="0" g="0" b="0"/>
+      </a:lnRef>
+      <a:fillRef idx="1">
+        <a:scrgbClr r="0" g="0" b="0"/>
+      </a:fillRef>
+      <a:effectRef idx="0">
+        <a:scrgbClr r="0" g="0" b="0"/>
+      </a:effectRef>
+      <a:fontRef idx="minor"/>
+    </dgm:style>
+  </dgm:styleLbl>
+  <dgm:styleLbl name="alignImgPlace1">
+    <dgm:scene3d>
+      <a:camera prst="orthographicFront"/>
+      <a:lightRig rig="chilly" dir="t"/>
+    </dgm:scene3d>
+    <dgm:sp3d prstMaterial="translucentPowder">
+      <a:bevelT w="127000" h="25400" prst="softRound"/>
+    </dgm:sp3d>
+    <dgm:txPr/>
+    <dgm:style>
+      <a:lnRef idx="0">
+        <a:scrgbClr r="0" g="0" b="0"/>
+      </a:lnRef>
+      <a:fillRef idx="1">
+        <a:scrgbClr r="0" g="0" b="0"/>
+      </a:fillRef>
+      <a:effectRef idx="0">
+        <a:scrgbClr r="0" g="0" b="0"/>
+      </a:effectRef>
+      <a:fontRef idx="minor">
+        <a:schemeClr val="lt1"/>
+      </a:fontRef>
+    </dgm:style>
+  </dgm:styleLbl>
+  <dgm:styleLbl name="bgImgPlace1">
+    <dgm:scene3d>
+      <a:camera prst="orthographicFront"/>
+      <a:lightRig rig="chilly" dir="t"/>
+    </dgm:scene3d>
+    <dgm:sp3d z="-25700" extrusionH="63500" contourW="12700" prstMaterial="matte">
+      <a:contourClr>
+        <a:schemeClr val="lt1"/>
+      </a:contourClr>
+    </dgm:sp3d>
+    <dgm:txPr/>
+    <dgm:style>
+      <a:lnRef idx="0">
+        <a:scrgbClr r="0" g="0" b="0"/>
+      </a:lnRef>
+      <a:fillRef idx="1">
+        <a:scrgbClr r="0" g="0" b="0"/>
+      </a:fillRef>
+      <a:effectRef idx="0">
+        <a:scrgbClr r="0" g="0" b="0"/>
+      </a:effectRef>
+      <a:fontRef idx="minor"/>
+    </dgm:style>
+  </dgm:styleLbl>
+  <dgm:styleLbl name="sibTrans2D1">
+    <dgm:scene3d>
+      <a:camera prst="orthographicFront"/>
+      <a:lightRig rig="chilly" dir="t"/>
+    </dgm:scene3d>
+    <dgm:sp3d z="-70000" extrusionH="1700" prstMaterial="translucentPowder">
+      <a:bevelT w="25400" h="6350" prst="softRound"/>
+      <a:bevelB w="0" h="0" prst="convex"/>
+    </dgm:sp3d>
+    <dgm:txPr/>
+    <dgm:style>
+      <a:lnRef idx="0">
+        <a:scrgbClr r="0" g="0" b="0"/>
+      </a:lnRef>
+      <a:fillRef idx="1">
+        <a:scrgbClr r="0" g="0" b="0"/>
+      </a:fillRef>
+      <a:effectRef idx="0">
+        <a:scrgbClr r="0" g="0" b="0"/>
+      </a:effectRef>
+      <a:fontRef idx="minor">
+        <a:schemeClr val="lt1"/>
+      </a:fontRef>
+    </dgm:style>
+  </dgm:styleLbl>
+  <dgm:styleLbl name="fgSibTrans2D1">
+    <dgm:scene3d>
+      <a:camera prst="orthographicFront"/>
+      <a:lightRig rig="chilly" dir="t"/>
+    </dgm:scene3d>
+    <dgm:sp3d z="12700" extrusionH="1700" prstMaterial="translucentPowder">
+      <a:bevelT w="25400" h="6350" prst="softRound"/>
+      <a:bevelB w="0" h="0" prst="convex"/>
+    </dgm:sp3d>
+    <dgm:txPr/>
+    <dgm:style>
+      <a:lnRef idx="0">
+        <a:scrgbClr r="0" g="0" b="0"/>
+      </a:lnRef>
+      <a:fillRef idx="1">
+        <a:scrgbClr r="0" g="0" b="0"/>
+      </a:fillRef>
+      <a:effectRef idx="0">
+        <a:scrgbClr r="0" g="0" b="0"/>
+      </a:effectRef>
+      <a:fontRef idx="minor"/>
+    </dgm:style>
+  </dgm:styleLbl>
+  <dgm:styleLbl name="bgSibTrans2D1">
+    <dgm:scene3d>
+      <a:camera prst="orthographicFront"/>
+      <a:lightRig rig="chilly" dir="t"/>
+    </dgm:scene3d>
+    <dgm:sp3d z="-25700" extrusionH="1700" prstMaterial="translucentPowder">
+      <a:bevelT w="25400" h="6350" prst="softRound"/>
+      <a:bevelB w="0" h="0" prst="convex"/>
+    </dgm:sp3d>
+    <dgm:txPr/>
+    <dgm:style>
+      <a:lnRef idx="0">
+        <a:scrgbClr r="0" g="0" b="0"/>
+      </a:lnRef>
+      <a:fillRef idx="1">
+        <a:scrgbClr r="0" g="0" b="0"/>
+      </a:fillRef>
+      <a:effectRef idx="0">
+        <a:scrgbClr r="0" g="0" b="0"/>
+      </a:effectRef>
+      <a:fontRef idx="minor"/>
+    </dgm:style>
+  </dgm:styleLbl>
+  <dgm:styleLbl name="sibTrans1D1">
+    <dgm:scene3d>
+      <a:camera prst="orthographicFront"/>
+      <a:lightRig rig="chilly" dir="t"/>
+    </dgm:scene3d>
+    <dgm:sp3d z="-40000" prstMaterial="matte"/>
+    <dgm:txPr/>
+    <dgm:style>
+      <a:lnRef idx="1">
+        <a:scrgbClr r="0" g="0" b="0"/>
+      </a:lnRef>
+      <a:fillRef idx="0">
+        <a:scrgbClr r="0" g="0" b="0"/>
+      </a:fillRef>
+      <a:effectRef idx="0">
+        <a:scrgbClr r="0" g="0" b="0"/>
+      </a:effectRef>
+      <a:fontRef idx="minor"/>
+    </dgm:style>
+  </dgm:styleLbl>
+  <dgm:styleLbl name="callout">
+    <dgm:scene3d>
+      <a:camera prst="orthographicFront"/>
+      <a:lightRig rig="chilly" dir="t"/>
+    </dgm:scene3d>
+    <dgm:sp3d z="127000" prstMaterial="matte"/>
+    <dgm:txPr/>
+    <dgm:style>
+      <a:lnRef idx="2">
+        <a:scrgbClr r="0" g="0" b="0"/>
+      </a:lnRef>
+      <a:fillRef idx="1">
+        <a:scrgbClr r="0" g="0" b="0"/>
+      </a:fillRef>
+      <a:effectRef idx="0">
+        <a:scrgbClr r="0" g="0" b="0"/>
+      </a:effectRef>
+      <a:fontRef idx="minor"/>
+    </dgm:style>
+  </dgm:styleLbl>
+  <dgm:styleLbl name="asst0">
+    <dgm:scene3d>
+      <a:camera prst="orthographicFront"/>
+      <a:lightRig rig="chilly" dir="t"/>
+    </dgm:scene3d>
+    <dgm:sp3d prstMaterial="translucentPowder">
+      <a:bevelT w="127000" h="25400" prst="softRound"/>
+    </dgm:sp3d>
+    <dgm:txPr/>
+    <dgm:style>
+      <a:lnRef idx="0">
+        <a:scrgbClr r="0" g="0" b="0"/>
+      </a:lnRef>
+      <a:fillRef idx="1">
+        <a:scrgbClr r="0" g="0" b="0"/>
+      </a:fillRef>
+      <a:effectRef idx="0">
+        <a:scrgbClr r="0" g="0" b="0"/>
+      </a:effectRef>
+      <a:fontRef idx="minor">
+        <a:schemeClr val="lt1"/>
+      </a:fontRef>
+    </dgm:style>
+  </dgm:styleLbl>
+  <dgm:styleLbl name="asst1">
+    <dgm:scene3d>
+      <a:camera prst="orthographicFront"/>
+      <a:lightRig rig="chilly" dir="t"/>
+    </dgm:scene3d>
+    <dgm:sp3d prstMaterial="translucentPowder">
+      <a:bevelT w="127000" h="25400" prst="softRound"/>
+    </dgm:sp3d>
+    <dgm:txPr/>
+    <dgm:style>
+      <a:lnRef idx="0">
+        <a:scrgbClr r="0" g="0" b="0"/>
+      </a:lnRef>
+      <a:fillRef idx="1">
+        <a:scrgbClr r="0" g="0" b="0"/>
+      </a:fillRef>
+      <a:effectRef idx="0">
+        <a:scrgbClr r="0" g="0" b="0"/>
+      </a:effectRef>
+      <a:fontRef idx="minor">
+        <a:schemeClr val="lt1"/>
+      </a:fontRef>
+    </dgm:style>
+  </dgm:styleLbl>
+  <dgm:styleLbl name="asst2">
+    <dgm:scene3d>
+      <a:camera prst="orthographicFront"/>
+      <a:lightRig rig="chilly" dir="t"/>
+    </dgm:scene3d>
+    <dgm:sp3d prstMaterial="translucentPowder">
+      <a:bevelT w="127000" h="25400" prst="softRound"/>
+    </dgm:sp3d>
+    <dgm:txPr/>
+    <dgm:style>
+      <a:lnRef idx="0">
+        <a:scrgbClr r="0" g="0" b="0"/>
+      </a:lnRef>
+      <a:fillRef idx="1">
+        <a:scrgbClr r="0" g="0" b="0"/>
+      </a:fillRef>
+      <a:effectRef idx="0">
+        <a:scrgbClr r="0" g="0" b="0"/>
+      </a:effectRef>
+      <a:fontRef idx="minor">
+        <a:schemeClr val="lt1"/>
+      </a:fontRef>
+    </dgm:style>
+  </dgm:styleLbl>
+  <dgm:styleLbl name="asst3">
+    <dgm:scene3d>
+      <a:camera prst="orthographicFront"/>
+      <a:lightRig rig="chilly" dir="t"/>
+    </dgm:scene3d>
+    <dgm:sp3d prstMaterial="translucentPowder">
+      <a:bevelT w="127000" h="25400" prst="softRound"/>
+    </dgm:sp3d>
+    <dgm:txPr/>
+    <dgm:style>
+      <a:lnRef idx="0">
+        <a:scrgbClr r="0" g="0" b="0"/>
+      </a:lnRef>
+      <a:fillRef idx="1">
+        <a:scrgbClr r="0" g="0" b="0"/>
+      </a:fillRef>
+      <a:effectRef idx="0">
+        <a:scrgbClr r="0" g="0" b="0"/>
+      </a:effectRef>
+      <a:fontRef idx="minor">
+        <a:schemeClr val="lt1"/>
+      </a:fontRef>
+    </dgm:style>
+  </dgm:styleLbl>
+  <dgm:styleLbl name="parChTrans2D1">
+    <dgm:scene3d>
+      <a:camera prst="orthographicFront"/>
+      <a:lightRig rig="chilly" dir="t"/>
+    </dgm:scene3d>
+    <dgm:sp3d z="1700" extrusionH="1700" prstMaterial="translucentPowder">
+      <a:bevelT w="25400" h="6350" prst="softRound"/>
+      <a:bevelB w="0" h="0" prst="convex"/>
+    </dgm:sp3d>
+    <dgm:txPr/>
+    <dgm:style>
+      <a:lnRef idx="0">
+        <a:scrgbClr r="0" g="0" b="0"/>
+      </a:lnRef>
+      <a:fillRef idx="1">
+        <a:scrgbClr r="0" g="0" b="0"/>
+      </a:fillRef>
+      <a:effectRef idx="0">
+        <a:scrgbClr r="0" g="0" b="0"/>
+      </a:effectRef>
+      <a:fontRef idx="minor"/>
+    </dgm:style>
+  </dgm:styleLbl>
+  <dgm:styleLbl name="parChTrans2D2">
+    <dgm:scene3d>
+      <a:camera prst="orthographicFront"/>
+      <a:lightRig rig="chilly" dir="t"/>
+    </dgm:scene3d>
+    <dgm:sp3d z="1700" extrusionH="1700" prstMaterial="translucentPowder">
+      <a:bevelT w="25400" h="6350" prst="softRound"/>
+      <a:bevelB w="0" h="0" prst="convex"/>
+    </dgm:sp3d>
+    <dgm:txPr/>
+    <dgm:style>
+      <a:lnRef idx="0">
+        <a:scrgbClr r="0" g="0" b="0"/>
+      </a:lnRef>
+      <a:fillRef idx="1">
+        <a:scrgbClr r="0" g="0" b="0"/>
+      </a:fillRef>
+      <a:effectRef idx="0">
+        <a:scrgbClr r="0" g="0" b="0"/>
+      </a:effectRef>
+      <a:fontRef idx="minor"/>
+    </dgm:style>
+  </dgm:styleLbl>
+  <dgm:styleLbl name="parChTrans2D3">
+    <dgm:scene3d>
+      <a:camera prst="orthographicFront"/>
+      <a:lightRig rig="chilly" dir="t"/>
+    </dgm:scene3d>
+    <dgm:sp3d extrusionH="1700" prstMaterial="translucentPowder">
+      <a:bevelT w="25400" h="6350" prst="softRound"/>
+      <a:bevelB w="0" h="0" prst="convex"/>
+    </dgm:sp3d>
+    <dgm:txPr/>
+    <dgm:style>
+      <a:lnRef idx="0">
+        <a:scrgbClr r="0" g="0" b="0"/>
+      </a:lnRef>
+      <a:fillRef idx="1">
+        <a:scrgbClr r="0" g="0" b="0"/>
+      </a:fillRef>
+      <a:effectRef idx="0">
+        <a:scrgbClr r="0" g="0" b="0"/>
+      </a:effectRef>
+      <a:fontRef idx="minor"/>
+    </dgm:style>
+  </dgm:styleLbl>
+  <dgm:styleLbl name="parChTrans2D4">
+    <dgm:scene3d>
+      <a:camera prst="orthographicFront"/>
+      <a:lightRig rig="chilly" dir="t"/>
+    </dgm:scene3d>
+    <dgm:sp3d extrusionH="1700" prstMaterial="translucentPowder">
+      <a:bevelT w="25400" h="6350" prst="softRound"/>
+      <a:bevelB w="0" h="0" prst="convex"/>
+    </dgm:sp3d>
+    <dgm:txPr/>
+    <dgm:style>
+      <a:lnRef idx="0">
+        <a:scrgbClr r="0" g="0" b="0"/>
+      </a:lnRef>
+      <a:fillRef idx="1">
+        <a:scrgbClr r="0" g="0" b="0"/>
+      </a:fillRef>
+      <a:effectRef idx="0">
+        <a:scrgbClr r="0" g="0" b="0"/>
+      </a:effectRef>
+      <a:fontRef idx="minor"/>
+    </dgm:style>
+  </dgm:styleLbl>
+  <dgm:styleLbl name="parChTrans1D1">
+    <dgm:scene3d>
+      <a:camera prst="orthographicFront"/>
+      <a:lightRig rig="chilly" dir="t"/>
+    </dgm:scene3d>
+    <dgm:sp3d z="-40000" prstMaterial="matte"/>
+    <dgm:txPr/>
+    <dgm:style>
+      <a:lnRef idx="2">
+        <a:scrgbClr r="0" g="0" b="0"/>
+      </a:lnRef>
+      <a:fillRef idx="0">
+        <a:scrgbClr r="0" g="0" b="0"/>
+      </a:fillRef>
+      <a:effectRef idx="0">
+        <a:scrgbClr r="0" g="0" b="0"/>
+      </a:effectRef>
+      <a:fontRef idx="minor"/>
+    </dgm:style>
+  </dgm:styleLbl>
+  <dgm:styleLbl name="parChTrans1D2">
+    <dgm:scene3d>
+      <a:camera prst="orthographicFront"/>
+      <a:lightRig rig="threePt" dir="t"/>
+    </dgm:scene3d>
+    <dgm:sp3d z="-40000" prstMaterial="matte"/>
+    <dgm:txPr/>
+    <dgm:style>
+      <a:lnRef idx="2">
+        <a:scrgbClr r="0" g="0" b="0"/>
+      </a:lnRef>
+      <a:fillRef idx="0">
+        <a:scrgbClr r="0" g="0" b="0"/>
+      </a:fillRef>
+      <a:effectRef idx="0">
+        <a:scrgbClr r="0" g="0" b="0"/>
+      </a:effectRef>
+      <a:fontRef idx="minor"/>
+    </dgm:style>
+  </dgm:styleLbl>
+  <dgm:styleLbl name="parChTrans1D3">
+    <dgm:scene3d>
+      <a:camera prst="orthographicFront"/>
+      <a:lightRig rig="chilly" dir="t"/>
+    </dgm:scene3d>
+    <dgm:sp3d z="-40000" prstMaterial="matte"/>
+    <dgm:txPr/>
+    <dgm:style>
+      <a:lnRef idx="2">
+        <a:scrgbClr r="0" g="0" b="0"/>
+      </a:lnRef>
+      <a:fillRef idx="0">
+        <a:scrgbClr r="0" g="0" b="0"/>
+      </a:fillRef>
+      <a:effectRef idx="0">
+        <a:scrgbClr r="0" g="0" b="0"/>
+      </a:effectRef>
+      <a:fontRef idx="minor"/>
+    </dgm:style>
+  </dgm:styleLbl>
+  <dgm:styleLbl name="parChTrans1D4">
+    <dgm:scene3d>
+      <a:camera prst="orthographicFront"/>
+      <a:lightRig rig="chilly" dir="t"/>
+    </dgm:scene3d>
+    <dgm:sp3d z="-40000" prstMaterial="matte"/>
+    <dgm:txPr/>
+    <dgm:style>
+      <a:lnRef idx="2">
+        <a:scrgbClr r="0" g="0" b="0"/>
+      </a:lnRef>
+      <a:fillRef idx="0">
+        <a:scrgbClr r="0" g="0" b="0"/>
+      </a:fillRef>
+      <a:effectRef idx="0">
+        <a:scrgbClr r="0" g="0" b="0"/>
+      </a:effectRef>
+      <a:fontRef idx="minor"/>
+    </dgm:style>
+  </dgm:styleLbl>
+  <dgm:styleLbl name="fgAcc1">
+    <dgm:scene3d>
+      <a:camera prst="orthographicFront"/>
+      <a:lightRig rig="chilly" dir="t"/>
+    </dgm:scene3d>
+    <dgm:sp3d z="12700" extrusionH="1700" prstMaterial="dkEdge">
+      <a:bevelT w="25400" h="6350" prst="softRound"/>
+      <a:bevelB w="0" h="0" prst="convex"/>
+    </dgm:sp3d>
+    <dgm:txPr/>
+    <dgm:style>
+      <a:lnRef idx="1">
+        <a:scrgbClr r="0" g="0" b="0"/>
+      </a:lnRef>
+      <a:fillRef idx="1">
+        <a:scrgbClr r="0" g="0" b="0"/>
+      </a:fillRef>
+      <a:effectRef idx="0">
+        <a:scrgbClr r="0" g="0" b="0"/>
+      </a:effectRef>
+      <a:fontRef idx="minor"/>
+    </dgm:style>
+  </dgm:styleLbl>
+  <dgm:styleLbl name="conFgAcc1">
+    <dgm:scene3d>
+      <a:camera prst="orthographicFront"/>
+      <a:lightRig rig="chilly" dir="t"/>
+    </dgm:scene3d>
+    <dgm:sp3d z="12700" extrusionH="1700" prstMaterial="dkEdge">
+      <a:bevelT w="25400" h="6350" prst="softRound"/>
+      <a:bevelB w="0" h="0" prst="convex"/>
+    </dgm:sp3d>
+    <dgm:txPr/>
+    <dgm:style>
+      <a:lnRef idx="1">
+        <a:scrgbClr r="0" g="0" b="0"/>
+      </a:lnRef>
+      <a:fillRef idx="1">
+        <a:scrgbClr r="0" g="0" b="0"/>
+      </a:fillRef>
+      <a:effectRef idx="0">
+        <a:scrgbClr r="0" g="0" b="0"/>
+      </a:effectRef>
+      <a:fontRef idx="minor"/>
+    </dgm:style>
+  </dgm:styleLbl>
+  <dgm:styleLbl name="alignAcc1">
+    <dgm:scene3d>
+      <a:camera prst="orthographicFront"/>
+      <a:lightRig rig="chilly" dir="t"/>
+    </dgm:scene3d>
+    <dgm:sp3d prstMaterial="dkEdge">
+      <a:bevelT w="25400" h="6350" prst="softRound"/>
+      <a:bevelB w="0" h="0" prst="convex"/>
+    </dgm:sp3d>
+    <dgm:txPr/>
+    <dgm:style>
+      <a:lnRef idx="1">
+        <a:scrgbClr r="0" g="0" b="0"/>
+      </a:lnRef>
+      <a:fillRef idx="1">
+        <a:scrgbClr r="0" g="0" b="0"/>
+      </a:fillRef>
+      <a:effectRef idx="0">
+        <a:scrgbClr r="0" g="0" b="0"/>
+      </a:effectRef>
+      <a:fontRef idx="minor"/>
+    </dgm:style>
+  </dgm:styleLbl>
+  <dgm:styleLbl name="trAlignAcc1">
+    <dgm:scene3d>
+      <a:camera prst="orthographicFront"/>
+      <a:lightRig rig="chilly" dir="t"/>
+    </dgm:scene3d>
+    <dgm:sp3d prstMaterial="dkEdge">
+      <a:bevelT w="127000" h="25400"/>
+    </dgm:sp3d>
+    <dgm:txPr/>
+    <dgm:style>
+      <a:lnRef idx="1">
+        <a:scrgbClr r="0" g="0" b="0"/>
+      </a:lnRef>
+      <a:fillRef idx="1">
+        <a:scrgbClr r="0" g="0" b="0"/>
+      </a:fillRef>
+      <a:effectRef idx="0">
+        <a:scrgbClr r="0" g="0" b="0"/>
+      </a:effectRef>
+      <a:fontRef idx="minor">
+        <a:schemeClr val="lt1"/>
+      </a:fontRef>
+    </dgm:style>
+  </dgm:styleLbl>
+  <dgm:styleLbl name="bgAcc1">
+    <dgm:scene3d>
+      <a:camera prst="orthographicFront"/>
+      <a:lightRig rig="chilly" dir="t"/>
+    </dgm:scene3d>
+    <dgm:sp3d z="-12700" extrusionH="1700" prstMaterial="dkEdge">
+      <a:bevelT w="25400" h="6350" prst="softRound"/>
+      <a:bevelB w="0" h="0" prst="convex"/>
+    </dgm:sp3d>
+    <dgm:txPr/>
+    <dgm:style>
+      <a:lnRef idx="1">
+        <a:scrgbClr r="0" g="0" b="0"/>
+      </a:lnRef>
+      <a:fillRef idx="1">
+        <a:scrgbClr r="0" g="0" b="0"/>
+      </a:fillRef>
+      <a:effectRef idx="0">
+        <a:scrgbClr r="0" g="0" b="0"/>
+      </a:effectRef>
+      <a:fontRef idx="minor"/>
+    </dgm:style>
+  </dgm:styleLbl>
+  <dgm:styleLbl name="solidFgAcc1">
+    <dgm:scene3d>
+      <a:camera prst="orthographicFront"/>
+      <a:lightRig rig="chilly" dir="t"/>
+    </dgm:scene3d>
+    <dgm:sp3d z="12700" extrusionH="1700" prstMaterial="dkEdge">
+      <a:bevelT w="25400" h="6350" prst="softRound"/>
+      <a:bevelB w="0" h="0" prst="convex"/>
+    </dgm:sp3d>
+    <dgm:txPr/>
+    <dgm:style>
+      <a:lnRef idx="1">
+        <a:scrgbClr r="0" g="0" b="0"/>
+      </a:lnRef>
+      <a:fillRef idx="1">
+        <a:scrgbClr r="0" g="0" b="0"/>
+      </a:fillRef>
+      <a:effectRef idx="0">
+        <a:scrgbClr r="0" g="0" b="0"/>
+      </a:effectRef>
+      <a:fontRef idx="minor"/>
+    </dgm:style>
+  </dgm:styleLbl>
+  <dgm:styleLbl name="solidAlignAcc1">
+    <dgm:scene3d>
+      <a:camera prst="orthographicFront"/>
+      <a:lightRig rig="chilly" dir="t"/>
+    </dgm:scene3d>
+    <dgm:sp3d extrusionH="1700" prstMaterial="dkEdge">
+      <a:bevelT w="25400" h="6350" prst="softRound"/>
+      <a:bevelB w="0" h="0" prst="convex"/>
+    </dgm:sp3d>
+    <dgm:txPr/>
+    <dgm:style>
+      <a:lnRef idx="1">
+        <a:scrgbClr r="0" g="0" b="0"/>
+      </a:lnRef>
+      <a:fillRef idx="1">
+        <a:scrgbClr r="0" g="0" b="0"/>
+      </a:fillRef>
+      <a:effectRef idx="0">
+        <a:scrgbClr r="0" g="0" b="0"/>
+      </a:effectRef>
+      <a:fontRef idx="minor"/>
+    </dgm:style>
+  </dgm:styleLbl>
+  <dgm:styleLbl name="solidBgAcc1">
+    <dgm:scene3d>
+      <a:camera prst="orthographicFront"/>
+      <a:lightRig rig="chilly" dir="t"/>
+    </dgm:scene3d>
+    <dgm:sp3d z="-12700" extrusionH="1700" prstMaterial="dkEdge">
+      <a:bevelT w="25400" h="6350" prst="softRound"/>
+      <a:bevelB w="0" h="0" prst="convex"/>
+    </dgm:sp3d>
+    <dgm:txPr/>
+    <dgm:style>
+      <a:lnRef idx="1">
+        <a:scrgbClr r="0" g="0" b="0"/>
+      </a:lnRef>
+      <a:fillRef idx="1">
+        <a:scrgbClr r="0" g="0" b="0"/>
+      </a:fillRef>
+      <a:effectRef idx="0">
+        <a:scrgbClr r="0" g="0" b="0"/>
+      </a:effectRef>
+      <a:fontRef idx="minor"/>
+    </dgm:style>
+  </dgm:styleLbl>
+  <dgm:styleLbl name="fgAccFollowNode1">
+    <dgm:scene3d>
+      <a:camera prst="orthographicFront"/>
+      <a:lightRig rig="chilly" dir="t"/>
+    </dgm:scene3d>
+    <dgm:sp3d z="12700" extrusionH="1700" prstMaterial="dkEdge">
+      <a:bevelT w="25400" h="6350" prst="softRound"/>
+      <a:bevelB w="0" h="0" prst="convex"/>
+    </dgm:sp3d>
+    <dgm:txPr/>
+    <dgm:style>
+      <a:lnRef idx="1">
+        <a:scrgbClr r="0" g="0" b="0"/>
+      </a:lnRef>
+      <a:fillRef idx="1">
+        <a:scrgbClr r="0" g="0" b="0"/>
+      </a:fillRef>
+      <a:effectRef idx="0">
+        <a:scrgbClr r="0" g="0" b="0"/>
+      </a:effectRef>
+      <a:fontRef idx="minor"/>
+    </dgm:style>
+  </dgm:styleLbl>
+  <dgm:styleLbl name="alignAccFollowNode1">
+    <dgm:scene3d>
+      <a:camera prst="orthographicFront"/>
+      <a:lightRig rig="chilly" dir="t"/>
+    </dgm:scene3d>
+    <dgm:sp3d extrusionH="1700" prstMaterial="dkEdge">
+      <a:bevelT w="25400" h="6350" prst="softRound"/>
+      <a:bevelB w="0" h="0" prst="convex"/>
+    </dgm:sp3d>
+    <dgm:txPr/>
+    <dgm:style>
+      <a:lnRef idx="1">
+        <a:scrgbClr r="0" g="0" b="0"/>
+      </a:lnRef>
+      <a:fillRef idx="1">
+        <a:scrgbClr r="0" g="0" b="0"/>
+      </a:fillRef>
+      <a:effectRef idx="0">
+        <a:scrgbClr r="0" g="0" b="0"/>
+      </a:effectRef>
+      <a:fontRef idx="minor"/>
+    </dgm:style>
+  </dgm:styleLbl>
+  <dgm:styleLbl name="bgAccFollowNode1">
+    <dgm:scene3d>
+      <a:camera prst="orthographicFront"/>
+      <a:lightRig rig="chilly" dir="t"/>
+    </dgm:scene3d>
+    <dgm:sp3d z="-12700" extrusionH="1700" prstMaterial="dkEdge">
+      <a:bevelT w="25400" h="6350" prst="softRound"/>
+      <a:bevelB w="0" h="0" prst="convex"/>
+    </dgm:sp3d>
+    <dgm:txPr/>
+    <dgm:style>
+      <a:lnRef idx="1">
+        <a:scrgbClr r="0" g="0" b="0"/>
+      </a:lnRef>
+      <a:fillRef idx="1">
+        <a:scrgbClr r="0" g="0" b="0"/>
+      </a:fillRef>
+      <a:effectRef idx="0">
+        <a:scrgbClr r="0" g="0" b="0"/>
+      </a:effectRef>
+      <a:fontRef idx="minor"/>
+    </dgm:style>
+  </dgm:styleLbl>
+  <dgm:styleLbl name="fgAcc0">
+    <dgm:scene3d>
+      <a:camera prst="orthographicFront"/>
+      <a:lightRig rig="chilly" dir="t"/>
+    </dgm:scene3d>
+    <dgm:sp3d z="12700" extrusionH="1700" prstMaterial="dkEdge">
+      <a:bevelT w="25400" h="6350" prst="softRound"/>
+      <a:bevelB w="0" h="0" prst="convex"/>
+    </dgm:sp3d>
+    <dgm:txPr/>
+    <dgm:style>
+      <a:lnRef idx="1">
+        <a:scrgbClr r="0" g="0" b="0"/>
+      </a:lnRef>
+      <a:fillRef idx="1">
+        <a:scrgbClr r="0" g="0" b="0"/>
+      </a:fillRef>
+      <a:effectRef idx="0">
+        <a:scrgbClr r="0" g="0" b="0"/>
+      </a:effectRef>
+      <a:fontRef idx="minor"/>
+    </dgm:style>
+  </dgm:styleLbl>
+  <dgm:styleLbl name="fgAcc2">
+    <dgm:scene3d>
+      <a:camera prst="orthographicFront"/>
+      <a:lightRig rig="chilly" dir="t"/>
+    </dgm:scene3d>
+    <dgm:sp3d z="12700" extrusionH="1700" prstMaterial="dkEdge">
+      <a:bevelT w="25400" h="6350" prst="softRound"/>
+      <a:bevelB w="0" h="0" prst="convex"/>
+    </dgm:sp3d>
+    <dgm:txPr/>
+    <dgm:style>
+      <a:lnRef idx="1">
+        <a:scrgbClr r="0" g="0" b="0"/>
+      </a:lnRef>
+      <a:fillRef idx="1">
+        <a:scrgbClr r="0" g="0" b="0"/>
+      </a:fillRef>
+      <a:effectRef idx="0">
+        <a:scrgbClr r="0" g="0" b="0"/>
+      </a:effectRef>
+      <a:fontRef idx="minor"/>
+    </dgm:style>
+  </dgm:styleLbl>
+  <dgm:styleLbl name="fgAcc3">
+    <dgm:scene3d>
+      <a:camera prst="orthographicFront"/>
+      <a:lightRig rig="chilly" dir="t"/>
+    </dgm:scene3d>
+    <dgm:sp3d z="12700" extrusionH="1700" prstMaterial="dkEdge">
+      <a:bevelT w="25400" h="6350" prst="softRound"/>
+      <a:bevelB w="0" h="0" prst="convex"/>
+    </dgm:sp3d>
+    <dgm:txPr/>
+    <dgm:style>
+      <a:lnRef idx="1">
+        <a:scrgbClr r="0" g="0" b="0"/>
+      </a:lnRef>
+      <a:fillRef idx="1">
+        <a:scrgbClr r="0" g="0" b="0"/>
+      </a:fillRef>
+      <a:effectRef idx="0">
+        <a:scrgbClr r="0" g="0" b="0"/>
+      </a:effectRef>
+      <a:fontRef idx="minor"/>
+    </dgm:style>
+  </dgm:styleLbl>
+  <dgm:styleLbl name="fgAcc4">
+    <dgm:scene3d>
+      <a:camera prst="orthographicFront"/>
+      <a:lightRig rig="chilly" dir="t"/>
+    </dgm:scene3d>
+    <dgm:sp3d z="12700" extrusionH="1700" prstMaterial="dkEdge">
+      <a:bevelT w="25400" h="6350" prst="softRound"/>
+      <a:bevelB w="0" h="0" prst="convex"/>
+    </dgm:sp3d>
+    <dgm:txPr/>
+    <dgm:style>
+      <a:lnRef idx="1">
+        <a:scrgbClr r="0" g="0" b="0"/>
+      </a:lnRef>
+      <a:fillRef idx="1">
+        <a:scrgbClr r="0" g="0" b="0"/>
+      </a:fillRef>
+      <a:effectRef idx="0">
+        <a:scrgbClr r="0" g="0" b="0"/>
+      </a:effectRef>
+      <a:fontRef idx="minor"/>
+    </dgm:style>
+  </dgm:styleLbl>
+  <dgm:styleLbl name="bgShp">
+    <dgm:scene3d>
+      <a:camera prst="orthographicFront"/>
+      <a:lightRig rig="chilly" dir="t"/>
+    </dgm:scene3d>
+    <dgm:sp3d z="-12700" extrusionH="1700" prstMaterial="translucentPowder">
+      <a:bevelT w="25400" h="6350" prst="softRound"/>
+      <a:bevelB w="0" h="0" prst="convex"/>
+    </dgm:sp3d>
+    <dgm:txPr/>
+    <dgm:style>
+      <a:lnRef idx="0">
+        <a:scrgbClr r="0" g="0" b="0"/>
+      </a:lnRef>
+      <a:fillRef idx="1">
+        <a:scrgbClr r="0" g="0" b="0"/>
+      </a:fillRef>
+      <a:effectRef idx="0">
+        <a:scrgbClr r="0" g="0" b="0"/>
+      </a:effectRef>
+      <a:fontRef idx="minor"/>
+    </dgm:style>
+  </dgm:styleLbl>
+  <dgm:styleLbl name="dkBgShp">
+    <dgm:scene3d>
+      <a:camera prst="orthographicFront"/>
+      <a:lightRig rig="chilly" dir="t"/>
+    </dgm:scene3d>
+    <dgm:sp3d extrusionH="1700" prstMaterial="translucentPowder">
+      <a:bevelT w="25400" h="6350" prst="softRound"/>
+      <a:bevelB w="0" h="0" prst="convex"/>
+    </dgm:sp3d>
+    <dgm:txPr/>
+    <dgm:style>
+      <a:lnRef idx="0">
+        <a:scrgbClr r="0" g="0" b="0"/>
+      </a:lnRef>
+      <a:fillRef idx="1">
+        <a:scrgbClr r="0" g="0" b="0"/>
+      </a:fillRef>
+      <a:effectRef idx="0">
+        <a:scrgbClr r="0" g="0" b="0"/>
+      </a:effectRef>
+      <a:fontRef idx="minor"/>
+    </dgm:style>
+  </dgm:styleLbl>
+  <dgm:styleLbl name="trBgShp">
+    <dgm:scene3d>
+      <a:camera prst="orthographicFront"/>
+      <a:lightRig rig="chilly" dir="t"/>
+    </dgm:scene3d>
+    <dgm:sp3d z="-152400" prstMaterial="matte"/>
+    <dgm:txPr/>
+    <dgm:style>
+      <a:lnRef idx="0">
+        <a:scrgbClr r="0" g="0" b="0"/>
+      </a:lnRef>
+      <a:fillRef idx="1">
+        <a:scrgbClr r="0" g="0" b="0"/>
+      </a:fillRef>
+      <a:effectRef idx="0">
+        <a:scrgbClr r="0" g="0" b="0"/>
+      </a:effectRef>
+      <a:fontRef idx="minor"/>
+    </dgm:style>
+  </dgm:styleLbl>
+  <dgm:styleLbl name="fgShp">
+    <dgm:scene3d>
+      <a:camera prst="orthographicFront"/>
+      <a:lightRig rig="chilly" dir="t"/>
+    </dgm:scene3d>
+    <dgm:sp3d z="12700" extrusionH="1700" prstMaterial="translucentPowder">
+      <a:bevelT w="25400" h="6350" prst="softRound"/>
+      <a:bevelB w="0" h="0" prst="convex"/>
+    </dgm:sp3d>
+    <dgm:txPr/>
+    <dgm:style>
+      <a:lnRef idx="0">
+        <a:scrgbClr r="0" g="0" b="0"/>
+      </a:lnRef>
+      <a:fillRef idx="1">
+        <a:scrgbClr r="0" g="0" b="0"/>
+      </a:fillRef>
+      <a:effectRef idx="0">
+        <a:scrgbClr r="0" g="0" b="0"/>
+      </a:effectRef>
+      <a:fontRef idx="minor"/>
+    </dgm:style>
+  </dgm:styleLbl>
+  <dgm:styleLbl name="revTx">
+    <dgm:scene3d>
+      <a:camera prst="orthographicFront"/>
+      <a:lightRig rig="threePt" dir="t"/>
+    </dgm:scene3d>
+    <dgm:sp3d/>
+    <dgm:txPr/>
+    <dgm:style>
+      <a:lnRef idx="0">
+        <a:scrgbClr r="0" g="0" b="0"/>
+      </a:lnRef>
+      <a:fillRef idx="0">
+        <a:scrgbClr r="0" g="0" b="0"/>
+      </a:fillRef>
+      <a:effectRef idx="0">
+        <a:scrgbClr r="0" g="0" b="0"/>
+      </a:effectRef>
+      <a:fontRef idx="minor"/>
+    </dgm:style>
+  </dgm:styleLbl>
+</dgm:styleDef>
+</file>
+
+<file path=ppt/diagrams/quickStyle5.xml><?xml version="1.0" encoding="utf-8"?>
 <dgm:styleDef xmlns:dgm="http://schemas.openxmlformats.org/drawingml/2006/diagram" xmlns:a="http://schemas.openxmlformats.org/drawingml/2006/main" uniqueId="urn:microsoft.com/office/officeart/2005/8/quickstyle/3d4">
   <dgm:title val=""/>
   <dgm:desc val=""/>
@@ -12752,7 +17074,7 @@
             <a:fld id="{1D8BD707-D9CF-40AE-B4C6-C98DA3205C09}" type="datetimeFigureOut">
               <a:rPr lang="en-US" smtClean="0"/>
               <a:pPr/>
-              <a:t>9/22/2016</a:t>
+              <a:t>9/29/2016</a:t>
             </a:fld>
             <a:endParaRPr lang="en-US"/>
           </a:p>
@@ -12919,7 +17241,7 @@
             <a:fld id="{1D8BD707-D9CF-40AE-B4C6-C98DA3205C09}" type="datetimeFigureOut">
               <a:rPr lang="en-US" smtClean="0"/>
               <a:pPr/>
-              <a:t>9/22/2016</a:t>
+              <a:t>9/29/2016</a:t>
             </a:fld>
             <a:endParaRPr lang="en-US"/>
           </a:p>
@@ -13096,7 +17418,7 @@
             <a:fld id="{1D8BD707-D9CF-40AE-B4C6-C98DA3205C09}" type="datetimeFigureOut">
               <a:rPr lang="en-US" smtClean="0"/>
               <a:pPr/>
-              <a:t>9/22/2016</a:t>
+              <a:t>9/29/2016</a:t>
             </a:fld>
             <a:endParaRPr lang="en-US"/>
           </a:p>
@@ -13263,7 +17585,7 @@
             <a:fld id="{1D8BD707-D9CF-40AE-B4C6-C98DA3205C09}" type="datetimeFigureOut">
               <a:rPr lang="en-US" smtClean="0"/>
               <a:pPr/>
-              <a:t>9/22/2016</a:t>
+              <a:t>9/29/2016</a:t>
             </a:fld>
             <a:endParaRPr lang="en-US"/>
           </a:p>
@@ -13506,7 +17828,7 @@
             <a:fld id="{1D8BD707-D9CF-40AE-B4C6-C98DA3205C09}" type="datetimeFigureOut">
               <a:rPr lang="en-US" smtClean="0"/>
               <a:pPr/>
-              <a:t>9/22/2016</a:t>
+              <a:t>9/29/2016</a:t>
             </a:fld>
             <a:endParaRPr lang="en-US"/>
           </a:p>
@@ -13791,7 +18113,7 @@
             <a:fld id="{1D8BD707-D9CF-40AE-B4C6-C98DA3205C09}" type="datetimeFigureOut">
               <a:rPr lang="en-US" smtClean="0"/>
               <a:pPr/>
-              <a:t>9/22/2016</a:t>
+              <a:t>9/29/2016</a:t>
             </a:fld>
             <a:endParaRPr lang="en-US"/>
           </a:p>
@@ -14210,7 +18532,7 @@
             <a:fld id="{1D8BD707-D9CF-40AE-B4C6-C98DA3205C09}" type="datetimeFigureOut">
               <a:rPr lang="en-US" smtClean="0"/>
               <a:pPr/>
-              <a:t>9/22/2016</a:t>
+              <a:t>9/29/2016</a:t>
             </a:fld>
             <a:endParaRPr lang="en-US"/>
           </a:p>
@@ -14325,7 +18647,7 @@
             <a:fld id="{1D8BD707-D9CF-40AE-B4C6-C98DA3205C09}" type="datetimeFigureOut">
               <a:rPr lang="en-US" smtClean="0"/>
               <a:pPr/>
-              <a:t>9/22/2016</a:t>
+              <a:t>9/29/2016</a:t>
             </a:fld>
             <a:endParaRPr lang="en-US"/>
           </a:p>
@@ -14417,7 +18739,7 @@
             <a:fld id="{1D8BD707-D9CF-40AE-B4C6-C98DA3205C09}" type="datetimeFigureOut">
               <a:rPr lang="en-US" smtClean="0"/>
               <a:pPr/>
-              <a:t>9/22/2016</a:t>
+              <a:t>9/29/2016</a:t>
             </a:fld>
             <a:endParaRPr lang="en-US"/>
           </a:p>
@@ -14691,7 +19013,7 @@
             <a:fld id="{1D8BD707-D9CF-40AE-B4C6-C98DA3205C09}" type="datetimeFigureOut">
               <a:rPr lang="en-US" smtClean="0"/>
               <a:pPr/>
-              <a:t>9/22/2016</a:t>
+              <a:t>9/29/2016</a:t>
             </a:fld>
             <a:endParaRPr lang="en-US"/>
           </a:p>
@@ -14941,7 +19263,7 @@
             <a:fld id="{1D8BD707-D9CF-40AE-B4C6-C98DA3205C09}" type="datetimeFigureOut">
               <a:rPr lang="en-US" smtClean="0"/>
               <a:pPr/>
-              <a:t>9/22/2016</a:t>
+              <a:t>9/29/2016</a:t>
             </a:fld>
             <a:endParaRPr lang="en-US"/>
           </a:p>
@@ -15151,7 +19473,7 @@
             <a:fld id="{1D8BD707-D9CF-40AE-B4C6-C98DA3205C09}" type="datetimeFigureOut">
               <a:rPr lang="en-US" smtClean="0"/>
               <a:pPr/>
-              <a:t>9/22/2016</a:t>
+              <a:t>9/29/2016</a:t>
             </a:fld>
             <a:endParaRPr lang="en-US"/>
           </a:p>
@@ -16434,10 +20756,19 @@
         </p:nvSpPr>
         <p:spPr/>
         <p:txBody>
-          <a:bodyPr/>
+          <a:bodyPr>
+            <a:normAutofit fontScale="90000"/>
+          </a:bodyPr>
           <a:lstStyle/>
           <a:p>
-            <a:endParaRPr lang="en-US"/>
+            <a:r>
+              <a:rPr lang="en-US" dirty="0" smtClean="0"/>
+              <a:t/>
+            </a:r>
+            <a:br>
+              <a:rPr lang="en-US" dirty="0" smtClean="0"/>
+            </a:br>
+            <a:endParaRPr lang="en-US" dirty="0"/>
           </a:p>
         </p:txBody>
       </p:sp>
@@ -16456,10 +20787,38 @@
           <a:bodyPr/>
           <a:lstStyle/>
           <a:p>
-            <a:endParaRPr lang="en-US"/>
+            <a:endParaRPr lang="en-US" dirty="0" smtClean="0"/>
+          </a:p>
+          <a:p>
+            <a:pPr marL="0" indent="0">
+              <a:buNone/>
+            </a:pPr>
+            <a:endParaRPr lang="en-US" dirty="0"/>
           </a:p>
         </p:txBody>
       </p:sp>
+      <p:graphicFrame>
+        <p:nvGraphicFramePr>
+          <p:cNvPr id="4" name="Diagram 3"/>
+          <p:cNvGraphicFramePr/>
+          <p:nvPr>
+            <p:extLst>
+              <p:ext uri="{D42A27DB-BD31-4B8C-83A1-F6EECF244321}">
+                <p14:modId xmlns:p14="http://schemas.microsoft.com/office/powerpoint/2010/main" val="2089266211"/>
+              </p:ext>
+            </p:extLst>
+          </p:nvPr>
+        </p:nvGraphicFramePr>
+        <p:xfrm>
+          <a:off x="1524000" y="1397000"/>
+          <a:ext cx="6096000" cy="4064000"/>
+        </p:xfrm>
+        <a:graphic>
+          <a:graphicData uri="http://schemas.openxmlformats.org/drawingml/2006/diagram">
+            <dgm:relIds xmlns:dgm="http://schemas.openxmlformats.org/drawingml/2006/diagram" xmlns:r="http://schemas.openxmlformats.org/officeDocument/2006/relationships" r:dm="rId2" r:lo="rId3" r:qs="rId4" r:cs="rId5"/>
+          </a:graphicData>
+        </a:graphic>
+      </p:graphicFrame>
     </p:spTree>
     <p:extLst>
       <p:ext uri="{BB962C8B-B14F-4D97-AF65-F5344CB8AC3E}">

--- a/pictures.pptx
+++ b/pictures.pptx
@@ -21,6 +21,7 @@
     <p:sldId id="269" r:id="rId15"/>
     <p:sldId id="270" r:id="rId16"/>
     <p:sldId id="271" r:id="rId17"/>
+    <p:sldId id="272" r:id="rId18"/>
   </p:sldIdLst>
   <p:sldSz cx="9144000" cy="6858000" type="screen4x3"/>
   <p:notesSz cx="6858000" cy="9144000"/>
@@ -5762,6 +5763,13 @@
         </dgm:presLayoutVars>
       </dgm:prSet>
       <dgm:spPr/>
+      <dgm:t>
+        <a:bodyPr/>
+        <a:lstStyle/>
+        <a:p>
+          <a:endParaRPr lang="en-US"/>
+        </a:p>
+      </dgm:t>
     </dgm:pt>
     <dgm:pt modelId="{EB47D686-E303-417E-9EF5-4CB31FF033BA}" type="pres">
       <dgm:prSet presAssocID="{64341ED1-133E-4A5F-B2CA-B7839122E5E1}" presName="hierRoot1" presStyleCnt="0"/>
@@ -5782,6 +5790,13 @@
         </dgm:presLayoutVars>
       </dgm:prSet>
       <dgm:spPr/>
+      <dgm:t>
+        <a:bodyPr/>
+        <a:lstStyle/>
+        <a:p>
+          <a:endParaRPr lang="en-US"/>
+        </a:p>
+      </dgm:t>
     </dgm:pt>
     <dgm:pt modelId="{E441CBCD-6BF8-4EB4-8B0A-C01D0D0A6A03}" type="pres">
       <dgm:prSet presAssocID="{64341ED1-133E-4A5F-B2CA-B7839122E5E1}" presName="hierChild2" presStyleCnt="0"/>
@@ -5790,6 +5805,13 @@
     <dgm:pt modelId="{2E78A703-B9DD-425D-8C61-5CF4A53FAFA3}" type="pres">
       <dgm:prSet presAssocID="{A92319EC-B566-4DF5-8DC2-9B499E48805C}" presName="Name10" presStyleLbl="parChTrans1D2" presStyleIdx="0" presStyleCnt="4"/>
       <dgm:spPr/>
+      <dgm:t>
+        <a:bodyPr/>
+        <a:lstStyle/>
+        <a:p>
+          <a:endParaRPr lang="en-US"/>
+        </a:p>
+      </dgm:t>
     </dgm:pt>
     <dgm:pt modelId="{0233AA2A-A8F9-42FB-B65A-CD3A2E39AEFC}" type="pres">
       <dgm:prSet presAssocID="{B426D3DF-981A-4ACA-BDCD-74F52BC54F36}" presName="hierRoot2" presStyleCnt="0"/>
@@ -5810,6 +5832,13 @@
         </dgm:presLayoutVars>
       </dgm:prSet>
       <dgm:spPr/>
+      <dgm:t>
+        <a:bodyPr/>
+        <a:lstStyle/>
+        <a:p>
+          <a:endParaRPr lang="en-US"/>
+        </a:p>
+      </dgm:t>
     </dgm:pt>
     <dgm:pt modelId="{9948315E-8E58-4D40-B5A4-6F11A14A5982}" type="pres">
       <dgm:prSet presAssocID="{B426D3DF-981A-4ACA-BDCD-74F52BC54F36}" presName="hierChild3" presStyleCnt="0"/>
@@ -5818,6 +5847,13 @@
     <dgm:pt modelId="{35FDEEF8-A771-4D6A-821D-5DD0765F4E3F}" type="pres">
       <dgm:prSet presAssocID="{BE3C59D4-0C3A-4CE8-8412-0142FC9112E5}" presName="Name10" presStyleLbl="parChTrans1D2" presStyleIdx="1" presStyleCnt="4"/>
       <dgm:spPr/>
+      <dgm:t>
+        <a:bodyPr/>
+        <a:lstStyle/>
+        <a:p>
+          <a:endParaRPr lang="en-US"/>
+        </a:p>
+      </dgm:t>
     </dgm:pt>
     <dgm:pt modelId="{DDB92A0A-EA33-419D-9DA5-B51BC9A25EE3}" type="pres">
       <dgm:prSet presAssocID="{FD996A20-6A09-41F5-9196-06E15DA4ED74}" presName="hierRoot2" presStyleCnt="0"/>
@@ -5838,6 +5874,13 @@
         </dgm:presLayoutVars>
       </dgm:prSet>
       <dgm:spPr/>
+      <dgm:t>
+        <a:bodyPr/>
+        <a:lstStyle/>
+        <a:p>
+          <a:endParaRPr lang="en-US"/>
+        </a:p>
+      </dgm:t>
     </dgm:pt>
     <dgm:pt modelId="{906FC2FE-D0A3-4A98-A7B3-911FBE4BAF03}" type="pres">
       <dgm:prSet presAssocID="{FD996A20-6A09-41F5-9196-06E15DA4ED74}" presName="hierChild3" presStyleCnt="0"/>
@@ -5846,6 +5889,13 @@
     <dgm:pt modelId="{ECDC51A7-6312-4B5B-9113-87639623B933}" type="pres">
       <dgm:prSet presAssocID="{7343F464-1509-45F9-836B-82E0B529AC39}" presName="Name10" presStyleLbl="parChTrans1D2" presStyleIdx="2" presStyleCnt="4"/>
       <dgm:spPr/>
+      <dgm:t>
+        <a:bodyPr/>
+        <a:lstStyle/>
+        <a:p>
+          <a:endParaRPr lang="en-US"/>
+        </a:p>
+      </dgm:t>
     </dgm:pt>
     <dgm:pt modelId="{0EBE78CE-66BB-4E69-A3B5-097C6A29660A}" type="pres">
       <dgm:prSet presAssocID="{E355DCEE-CFED-4B4E-95C1-C3ED3918F3D3}" presName="hierRoot2" presStyleCnt="0"/>
@@ -5873,6 +5923,13 @@
         </dgm:presLayoutVars>
       </dgm:prSet>
       <dgm:spPr/>
+      <dgm:t>
+        <a:bodyPr/>
+        <a:lstStyle/>
+        <a:p>
+          <a:endParaRPr lang="en-US"/>
+        </a:p>
+      </dgm:t>
     </dgm:pt>
     <dgm:pt modelId="{B7D1E14B-5C8E-4934-A4E0-27306DEF3DD0}" type="pres">
       <dgm:prSet presAssocID="{E355DCEE-CFED-4B4E-95C1-C3ED3918F3D3}" presName="hierChild3" presStyleCnt="0"/>
@@ -5881,6 +5938,13 @@
     <dgm:pt modelId="{1FDAFF91-CC20-4CEC-A22C-6CFA1AF43D26}" type="pres">
       <dgm:prSet presAssocID="{BD130280-A84B-4826-90BB-E35618FA7329}" presName="Name17" presStyleLbl="parChTrans1D3" presStyleIdx="0" presStyleCnt="2"/>
       <dgm:spPr/>
+      <dgm:t>
+        <a:bodyPr/>
+        <a:lstStyle/>
+        <a:p>
+          <a:endParaRPr lang="en-US"/>
+        </a:p>
+      </dgm:t>
     </dgm:pt>
     <dgm:pt modelId="{73E345C9-92C5-4983-8DF3-051125F8AE0A}" type="pres">
       <dgm:prSet presAssocID="{6509BC69-7715-4AE9-8545-833A23F1F7D0}" presName="hierRoot3" presStyleCnt="0"/>
@@ -5916,6 +5980,13 @@
     <dgm:pt modelId="{85343B2D-6766-4596-A7C0-7ED78437CB26}" type="pres">
       <dgm:prSet presAssocID="{535ADC1B-E987-4114-88E1-0020E71ACB45}" presName="Name17" presStyleLbl="parChTrans1D3" presStyleIdx="1" presStyleCnt="2"/>
       <dgm:spPr/>
+      <dgm:t>
+        <a:bodyPr/>
+        <a:lstStyle/>
+        <a:p>
+          <a:endParaRPr lang="en-US"/>
+        </a:p>
+      </dgm:t>
     </dgm:pt>
     <dgm:pt modelId="{C962C6CD-1365-4D06-AF37-3EFB02EB03E0}" type="pres">
       <dgm:prSet presAssocID="{9C1EE866-C214-4A82-9547-61A5AA867C03}" presName="hierRoot3" presStyleCnt="0"/>
@@ -5951,6 +6022,13 @@
     <dgm:pt modelId="{C15F7BDE-BE17-440A-AFDC-26911405FC39}" type="pres">
       <dgm:prSet presAssocID="{44337762-FFBD-474D-B88E-C618616EDE17}" presName="Name10" presStyleLbl="parChTrans1D2" presStyleIdx="3" presStyleCnt="4"/>
       <dgm:spPr/>
+      <dgm:t>
+        <a:bodyPr/>
+        <a:lstStyle/>
+        <a:p>
+          <a:endParaRPr lang="en-US"/>
+        </a:p>
+      </dgm:t>
     </dgm:pt>
     <dgm:pt modelId="{A3E7CD7C-9AAF-4D27-8553-AB64B598B24F}" type="pres">
       <dgm:prSet presAssocID="{091F882E-0915-4AFC-AFCD-B1181E37E14D}" presName="hierRoot2" presStyleCnt="0"/>
@@ -5971,6 +6049,13 @@
         </dgm:presLayoutVars>
       </dgm:prSet>
       <dgm:spPr/>
+      <dgm:t>
+        <a:bodyPr/>
+        <a:lstStyle/>
+        <a:p>
+          <a:endParaRPr lang="en-US"/>
+        </a:p>
+      </dgm:t>
     </dgm:pt>
     <dgm:pt modelId="{DF1FD2CB-B1CB-4D64-A7D5-D9DA29A6AE57}" type="pres">
       <dgm:prSet presAssocID="{091F882E-0915-4AFC-AFCD-B1181E37E14D}" presName="hierChild3" presStyleCnt="0"/>
@@ -5978,27 +6063,27 @@
     </dgm:pt>
   </dgm:ptLst>
   <dgm:cxnLst>
-    <dgm:cxn modelId="{869C7012-692A-402E-BF92-F79C2A072C8A}" type="presOf" srcId="{B426D3DF-981A-4ACA-BDCD-74F52BC54F36}" destId="{B20123EC-DD70-4002-B34F-72383B5AD1D0}" srcOrd="0" destOrd="0" presId="urn:microsoft.com/office/officeart/2005/8/layout/hierarchy1"/>
-    <dgm:cxn modelId="{785E77C6-80DB-499B-A7BB-61E8D05FCBB3}" type="presOf" srcId="{535ADC1B-E987-4114-88E1-0020E71ACB45}" destId="{85343B2D-6766-4596-A7C0-7ED78437CB26}" srcOrd="0" destOrd="0" presId="urn:microsoft.com/office/officeart/2005/8/layout/hierarchy1"/>
-    <dgm:cxn modelId="{7622F0F6-314F-4E6B-BFFE-FF0CED15058F}" srcId="{64341ED1-133E-4A5F-B2CA-B7839122E5E1}" destId="{FD996A20-6A09-41F5-9196-06E15DA4ED74}" srcOrd="1" destOrd="0" parTransId="{BE3C59D4-0C3A-4CE8-8412-0142FC9112E5}" sibTransId="{44B172B9-B2CB-4CB3-8660-38A30D50B387}"/>
-    <dgm:cxn modelId="{AF143184-4851-4174-9641-5243E80A1E41}" type="presOf" srcId="{A92319EC-B566-4DF5-8DC2-9B499E48805C}" destId="{2E78A703-B9DD-425D-8C61-5CF4A53FAFA3}" srcOrd="0" destOrd="0" presId="urn:microsoft.com/office/officeart/2005/8/layout/hierarchy1"/>
+    <dgm:cxn modelId="{1E232702-92AF-4E01-AF65-5B01B06BC5F9}" type="presOf" srcId="{BE3C59D4-0C3A-4CE8-8412-0142FC9112E5}" destId="{35FDEEF8-A771-4D6A-821D-5DD0765F4E3F}" srcOrd="0" destOrd="0" presId="urn:microsoft.com/office/officeart/2005/8/layout/hierarchy1"/>
+    <dgm:cxn modelId="{9AA3F2B4-85D7-4E67-A53B-D83B94482039}" type="presOf" srcId="{091F882E-0915-4AFC-AFCD-B1181E37E14D}" destId="{E753A8D8-B50F-42C4-B0CE-D216BE908656}" srcOrd="0" destOrd="0" presId="urn:microsoft.com/office/officeart/2005/8/layout/hierarchy1"/>
+    <dgm:cxn modelId="{29A742B8-1028-4B3A-86FA-1F7740909746}" type="presOf" srcId="{6621E396-22BB-4BAA-86D9-A1D5854857CA}" destId="{7E592DA7-86CE-4FE6-B528-72BCA053EDAC}" srcOrd="0" destOrd="0" presId="urn:microsoft.com/office/officeart/2005/8/layout/hierarchy1"/>
     <dgm:cxn modelId="{1481D2D9-EBDC-4E7C-ACB9-80B1F694C79C}" type="presOf" srcId="{E355DCEE-CFED-4B4E-95C1-C3ED3918F3D3}" destId="{C62030B6-9838-4D35-81EF-6AE86E8FD0B7}" srcOrd="0" destOrd="0" presId="urn:microsoft.com/office/officeart/2005/8/layout/hierarchy1"/>
     <dgm:cxn modelId="{A5E4A230-47AD-4CCE-B63D-290746125B89}" srcId="{64341ED1-133E-4A5F-B2CA-B7839122E5E1}" destId="{E355DCEE-CFED-4B4E-95C1-C3ED3918F3D3}" srcOrd="2" destOrd="0" parTransId="{7343F464-1509-45F9-836B-82E0B529AC39}" sibTransId="{078DB322-C08D-4312-8C12-D8384FE5D6EB}"/>
+    <dgm:cxn modelId="{EAAC68D4-7227-400B-9B95-0206ABD7B679}" type="presOf" srcId="{7343F464-1509-45F9-836B-82E0B529AC39}" destId="{ECDC51A7-6312-4B5B-9113-87639623B933}" srcOrd="0" destOrd="0" presId="urn:microsoft.com/office/officeart/2005/8/layout/hierarchy1"/>
+    <dgm:cxn modelId="{869C7012-692A-402E-BF92-F79C2A072C8A}" type="presOf" srcId="{B426D3DF-981A-4ACA-BDCD-74F52BC54F36}" destId="{B20123EC-DD70-4002-B34F-72383B5AD1D0}" srcOrd="0" destOrd="0" presId="urn:microsoft.com/office/officeart/2005/8/layout/hierarchy1"/>
+    <dgm:cxn modelId="{FF4E295E-7BB3-4B76-B185-4F0106A708BA}" srcId="{6621E396-22BB-4BAA-86D9-A1D5854857CA}" destId="{64341ED1-133E-4A5F-B2CA-B7839122E5E1}" srcOrd="0" destOrd="0" parTransId="{9D095FE8-8213-4B2B-8FC7-77FFB4BB1B88}" sibTransId="{6B23510D-A384-4590-9F26-464C17EB856C}"/>
+    <dgm:cxn modelId="{7622F0F6-314F-4E6B-BFFE-FF0CED15058F}" srcId="{64341ED1-133E-4A5F-B2CA-B7839122E5E1}" destId="{FD996A20-6A09-41F5-9196-06E15DA4ED74}" srcOrd="1" destOrd="0" parTransId="{BE3C59D4-0C3A-4CE8-8412-0142FC9112E5}" sibTransId="{44B172B9-B2CB-4CB3-8660-38A30D50B387}"/>
+    <dgm:cxn modelId="{785E77C6-80DB-499B-A7BB-61E8D05FCBB3}" type="presOf" srcId="{535ADC1B-E987-4114-88E1-0020E71ACB45}" destId="{85343B2D-6766-4596-A7C0-7ED78437CB26}" srcOrd="0" destOrd="0" presId="urn:microsoft.com/office/officeart/2005/8/layout/hierarchy1"/>
+    <dgm:cxn modelId="{628A9C82-BA29-4E3F-B65F-F63F75B68E9D}" srcId="{64341ED1-133E-4A5F-B2CA-B7839122E5E1}" destId="{091F882E-0915-4AFC-AFCD-B1181E37E14D}" srcOrd="3" destOrd="0" parTransId="{44337762-FFBD-474D-B88E-C618616EDE17}" sibTransId="{15C21F9D-4E60-420E-B892-0287CAD226B2}"/>
+    <dgm:cxn modelId="{7952A79E-9A23-4A9A-BE2E-18CB79CFAA62}" srcId="{E355DCEE-CFED-4B4E-95C1-C3ED3918F3D3}" destId="{6509BC69-7715-4AE9-8545-833A23F1F7D0}" srcOrd="0" destOrd="0" parTransId="{BD130280-A84B-4826-90BB-E35618FA7329}" sibTransId="{08030457-AA43-4093-AB35-36508039FC04}"/>
+    <dgm:cxn modelId="{D7F088F7-70F2-4D80-B287-C9676E3ACC1D}" type="presOf" srcId="{FD996A20-6A09-41F5-9196-06E15DA4ED74}" destId="{E8E6B3F1-996D-4405-A520-CB4BB672E79C}" srcOrd="0" destOrd="0" presId="urn:microsoft.com/office/officeart/2005/8/layout/hierarchy1"/>
+    <dgm:cxn modelId="{2ABE6B4F-D2AE-4111-892F-4E82F39FE582}" type="presOf" srcId="{BD130280-A84B-4826-90BB-E35618FA7329}" destId="{1FDAFF91-CC20-4CEC-A22C-6CFA1AF43D26}" srcOrd="0" destOrd="0" presId="urn:microsoft.com/office/officeart/2005/8/layout/hierarchy1"/>
+    <dgm:cxn modelId="{1F2F3D80-A2AC-4DFD-9FDD-F19D7BC04570}" srcId="{64341ED1-133E-4A5F-B2CA-B7839122E5E1}" destId="{B426D3DF-981A-4ACA-BDCD-74F52BC54F36}" srcOrd="0" destOrd="0" parTransId="{A92319EC-B566-4DF5-8DC2-9B499E48805C}" sibTransId="{7F8B996A-D72C-4828-95CF-F00D2E1FEFCD}"/>
     <dgm:cxn modelId="{2525302B-B5D2-4C25-98D9-D15418FED570}" srcId="{E355DCEE-CFED-4B4E-95C1-C3ED3918F3D3}" destId="{9C1EE866-C214-4A82-9547-61A5AA867C03}" srcOrd="1" destOrd="0" parTransId="{535ADC1B-E987-4114-88E1-0020E71ACB45}" sibTransId="{F593FCBC-3BDA-47E4-BC69-F0F6F7CF17CA}"/>
-    <dgm:cxn modelId="{1F2F3D80-A2AC-4DFD-9FDD-F19D7BC04570}" srcId="{64341ED1-133E-4A5F-B2CA-B7839122E5E1}" destId="{B426D3DF-981A-4ACA-BDCD-74F52BC54F36}" srcOrd="0" destOrd="0" parTransId="{A92319EC-B566-4DF5-8DC2-9B499E48805C}" sibTransId="{7F8B996A-D72C-4828-95CF-F00D2E1FEFCD}"/>
-    <dgm:cxn modelId="{2ABE6B4F-D2AE-4111-892F-4E82F39FE582}" type="presOf" srcId="{BD130280-A84B-4826-90BB-E35618FA7329}" destId="{1FDAFF91-CC20-4CEC-A22C-6CFA1AF43D26}" srcOrd="0" destOrd="0" presId="urn:microsoft.com/office/officeart/2005/8/layout/hierarchy1"/>
-    <dgm:cxn modelId="{EAAC68D4-7227-400B-9B95-0206ABD7B679}" type="presOf" srcId="{7343F464-1509-45F9-836B-82E0B529AC39}" destId="{ECDC51A7-6312-4B5B-9113-87639623B933}" srcOrd="0" destOrd="0" presId="urn:microsoft.com/office/officeart/2005/8/layout/hierarchy1"/>
-    <dgm:cxn modelId="{FF4E295E-7BB3-4B76-B185-4F0106A708BA}" srcId="{6621E396-22BB-4BAA-86D9-A1D5854857CA}" destId="{64341ED1-133E-4A5F-B2CA-B7839122E5E1}" srcOrd="0" destOrd="0" parTransId="{9D095FE8-8213-4B2B-8FC7-77FFB4BB1B88}" sibTransId="{6B23510D-A384-4590-9F26-464C17EB856C}"/>
-    <dgm:cxn modelId="{1E232702-92AF-4E01-AF65-5B01B06BC5F9}" type="presOf" srcId="{BE3C59D4-0C3A-4CE8-8412-0142FC9112E5}" destId="{35FDEEF8-A771-4D6A-821D-5DD0765F4E3F}" srcOrd="0" destOrd="0" presId="urn:microsoft.com/office/officeart/2005/8/layout/hierarchy1"/>
-    <dgm:cxn modelId="{D7F088F7-70F2-4D80-B287-C9676E3ACC1D}" type="presOf" srcId="{FD996A20-6A09-41F5-9196-06E15DA4ED74}" destId="{E8E6B3F1-996D-4405-A520-CB4BB672E79C}" srcOrd="0" destOrd="0" presId="urn:microsoft.com/office/officeart/2005/8/layout/hierarchy1"/>
-    <dgm:cxn modelId="{239411CF-1F0E-4179-854E-288A6804E8C1}" type="presOf" srcId="{44337762-FFBD-474D-B88E-C618616EDE17}" destId="{C15F7BDE-BE17-440A-AFDC-26911405FC39}" srcOrd="0" destOrd="0" presId="urn:microsoft.com/office/officeart/2005/8/layout/hierarchy1"/>
-    <dgm:cxn modelId="{7952A79E-9A23-4A9A-BE2E-18CB79CFAA62}" srcId="{E355DCEE-CFED-4B4E-95C1-C3ED3918F3D3}" destId="{6509BC69-7715-4AE9-8545-833A23F1F7D0}" srcOrd="0" destOrd="0" parTransId="{BD130280-A84B-4826-90BB-E35618FA7329}" sibTransId="{08030457-AA43-4093-AB35-36508039FC04}"/>
-    <dgm:cxn modelId="{D7553362-3A4C-4B33-B7BF-53247DE2E997}" type="presOf" srcId="{64341ED1-133E-4A5F-B2CA-B7839122E5E1}" destId="{5573FD94-740A-4861-83F1-29D0DAEBDC74}" srcOrd="0" destOrd="0" presId="urn:microsoft.com/office/officeart/2005/8/layout/hierarchy1"/>
-    <dgm:cxn modelId="{29A742B8-1028-4B3A-86FA-1F7740909746}" type="presOf" srcId="{6621E396-22BB-4BAA-86D9-A1D5854857CA}" destId="{7E592DA7-86CE-4FE6-B528-72BCA053EDAC}" srcOrd="0" destOrd="0" presId="urn:microsoft.com/office/officeart/2005/8/layout/hierarchy1"/>
-    <dgm:cxn modelId="{628A9C82-BA29-4E3F-B65F-F63F75B68E9D}" srcId="{64341ED1-133E-4A5F-B2CA-B7839122E5E1}" destId="{091F882E-0915-4AFC-AFCD-B1181E37E14D}" srcOrd="3" destOrd="0" parTransId="{44337762-FFBD-474D-B88E-C618616EDE17}" sibTransId="{15C21F9D-4E60-420E-B892-0287CAD226B2}"/>
     <dgm:cxn modelId="{06343924-9343-490C-8185-42B81C07BFD5}" type="presOf" srcId="{9C1EE866-C214-4A82-9547-61A5AA867C03}" destId="{35177D51-DA6B-4B74-8542-DDCB57DE5FAE}" srcOrd="0" destOrd="0" presId="urn:microsoft.com/office/officeart/2005/8/layout/hierarchy1"/>
     <dgm:cxn modelId="{973EF651-2A9A-44E8-9B31-B34D541E13C6}" type="presOf" srcId="{6509BC69-7715-4AE9-8545-833A23F1F7D0}" destId="{1DF10A25-C6B6-4B35-9C02-9BD8BC53F595}" srcOrd="0" destOrd="0" presId="urn:microsoft.com/office/officeart/2005/8/layout/hierarchy1"/>
-    <dgm:cxn modelId="{9AA3F2B4-85D7-4E67-A53B-D83B94482039}" type="presOf" srcId="{091F882E-0915-4AFC-AFCD-B1181E37E14D}" destId="{E753A8D8-B50F-42C4-B0CE-D216BE908656}" srcOrd="0" destOrd="0" presId="urn:microsoft.com/office/officeart/2005/8/layout/hierarchy1"/>
+    <dgm:cxn modelId="{239411CF-1F0E-4179-854E-288A6804E8C1}" type="presOf" srcId="{44337762-FFBD-474D-B88E-C618616EDE17}" destId="{C15F7BDE-BE17-440A-AFDC-26911405FC39}" srcOrd="0" destOrd="0" presId="urn:microsoft.com/office/officeart/2005/8/layout/hierarchy1"/>
+    <dgm:cxn modelId="{D7553362-3A4C-4B33-B7BF-53247DE2E997}" type="presOf" srcId="{64341ED1-133E-4A5F-B2CA-B7839122E5E1}" destId="{5573FD94-740A-4861-83F1-29D0DAEBDC74}" srcOrd="0" destOrd="0" presId="urn:microsoft.com/office/officeart/2005/8/layout/hierarchy1"/>
+    <dgm:cxn modelId="{AF143184-4851-4174-9641-5243E80A1E41}" type="presOf" srcId="{A92319EC-B566-4DF5-8DC2-9B499E48805C}" destId="{2E78A703-B9DD-425D-8C61-5CF4A53FAFA3}" srcOrd="0" destOrd="0" presId="urn:microsoft.com/office/officeart/2005/8/layout/hierarchy1"/>
     <dgm:cxn modelId="{A37C1BA9-717B-4608-BD6A-5F5D1626B9F1}" type="presParOf" srcId="{7E592DA7-86CE-4FE6-B528-72BCA053EDAC}" destId="{EB47D686-E303-417E-9EF5-4CB31FF033BA}" srcOrd="0" destOrd="0" presId="urn:microsoft.com/office/officeart/2005/8/layout/hierarchy1"/>
     <dgm:cxn modelId="{67D688D3-2880-4676-97BB-B1436622610C}" type="presParOf" srcId="{EB47D686-E303-417E-9EF5-4CB31FF033BA}" destId="{2D4E0BC2-F9F1-4407-8F38-F218C07A2C33}" srcOrd="0" destOrd="0" presId="urn:microsoft.com/office/officeart/2005/8/layout/hierarchy1"/>
     <dgm:cxn modelId="{E273DEE2-EA34-4263-86DB-F8EFFB5821F6}" type="presParOf" srcId="{2D4E0BC2-F9F1-4407-8F38-F218C07A2C33}" destId="{BEF97BD1-8EDB-42ED-B248-3EEE60E32564}" srcOrd="0" destOrd="0" presId="urn:microsoft.com/office/officeart/2005/8/layout/hierarchy1"/>
@@ -17074,7 +17159,7 @@
             <a:fld id="{1D8BD707-D9CF-40AE-B4C6-C98DA3205C09}" type="datetimeFigureOut">
               <a:rPr lang="en-US" smtClean="0"/>
               <a:pPr/>
-              <a:t>9/29/2016</a:t>
+              <a:t>10/4/2016</a:t>
             </a:fld>
             <a:endParaRPr lang="en-US"/>
           </a:p>
@@ -17241,7 +17326,7 @@
             <a:fld id="{1D8BD707-D9CF-40AE-B4C6-C98DA3205C09}" type="datetimeFigureOut">
               <a:rPr lang="en-US" smtClean="0"/>
               <a:pPr/>
-              <a:t>9/29/2016</a:t>
+              <a:t>10/4/2016</a:t>
             </a:fld>
             <a:endParaRPr lang="en-US"/>
           </a:p>
@@ -17418,7 +17503,7 @@
             <a:fld id="{1D8BD707-D9CF-40AE-B4C6-C98DA3205C09}" type="datetimeFigureOut">
               <a:rPr lang="en-US" smtClean="0"/>
               <a:pPr/>
-              <a:t>9/29/2016</a:t>
+              <a:t>10/4/2016</a:t>
             </a:fld>
             <a:endParaRPr lang="en-US"/>
           </a:p>
@@ -17585,7 +17670,7 @@
             <a:fld id="{1D8BD707-D9CF-40AE-B4C6-C98DA3205C09}" type="datetimeFigureOut">
               <a:rPr lang="en-US" smtClean="0"/>
               <a:pPr/>
-              <a:t>9/29/2016</a:t>
+              <a:t>10/4/2016</a:t>
             </a:fld>
             <a:endParaRPr lang="en-US"/>
           </a:p>
@@ -17828,7 +17913,7 @@
             <a:fld id="{1D8BD707-D9CF-40AE-B4C6-C98DA3205C09}" type="datetimeFigureOut">
               <a:rPr lang="en-US" smtClean="0"/>
               <a:pPr/>
-              <a:t>9/29/2016</a:t>
+              <a:t>10/4/2016</a:t>
             </a:fld>
             <a:endParaRPr lang="en-US"/>
           </a:p>
@@ -18113,7 +18198,7 @@
             <a:fld id="{1D8BD707-D9CF-40AE-B4C6-C98DA3205C09}" type="datetimeFigureOut">
               <a:rPr lang="en-US" smtClean="0"/>
               <a:pPr/>
-              <a:t>9/29/2016</a:t>
+              <a:t>10/4/2016</a:t>
             </a:fld>
             <a:endParaRPr lang="en-US"/>
           </a:p>
@@ -18532,7 +18617,7 @@
             <a:fld id="{1D8BD707-D9CF-40AE-B4C6-C98DA3205C09}" type="datetimeFigureOut">
               <a:rPr lang="en-US" smtClean="0"/>
               <a:pPr/>
-              <a:t>9/29/2016</a:t>
+              <a:t>10/4/2016</a:t>
             </a:fld>
             <a:endParaRPr lang="en-US"/>
           </a:p>
@@ -18647,7 +18732,7 @@
             <a:fld id="{1D8BD707-D9CF-40AE-B4C6-C98DA3205C09}" type="datetimeFigureOut">
               <a:rPr lang="en-US" smtClean="0"/>
               <a:pPr/>
-              <a:t>9/29/2016</a:t>
+              <a:t>10/4/2016</a:t>
             </a:fld>
             <a:endParaRPr lang="en-US"/>
           </a:p>
@@ -18739,7 +18824,7 @@
             <a:fld id="{1D8BD707-D9CF-40AE-B4C6-C98DA3205C09}" type="datetimeFigureOut">
               <a:rPr lang="en-US" smtClean="0"/>
               <a:pPr/>
-              <a:t>9/29/2016</a:t>
+              <a:t>10/4/2016</a:t>
             </a:fld>
             <a:endParaRPr lang="en-US"/>
           </a:p>
@@ -19013,7 +19098,7 @@
             <a:fld id="{1D8BD707-D9CF-40AE-B4C6-C98DA3205C09}" type="datetimeFigureOut">
               <a:rPr lang="en-US" smtClean="0"/>
               <a:pPr/>
-              <a:t>9/29/2016</a:t>
+              <a:t>10/4/2016</a:t>
             </a:fld>
             <a:endParaRPr lang="en-US"/>
           </a:p>
@@ -19263,7 +19348,7 @@
             <a:fld id="{1D8BD707-D9CF-40AE-B4C6-C98DA3205C09}" type="datetimeFigureOut">
               <a:rPr lang="en-US" smtClean="0"/>
               <a:pPr/>
-              <a:t>9/29/2016</a:t>
+              <a:t>10/4/2016</a:t>
             </a:fld>
             <a:endParaRPr lang="en-US"/>
           </a:p>
@@ -19473,7 +19558,7 @@
             <a:fld id="{1D8BD707-D9CF-40AE-B4C6-C98DA3205C09}" type="datetimeFigureOut">
               <a:rPr lang="en-US" smtClean="0"/>
               <a:pPr/>
-              <a:t>9/29/2016</a:t>
+              <a:t>10/4/2016</a:t>
             </a:fld>
             <a:endParaRPr lang="en-US"/>
           </a:p>
@@ -20823,6 +20908,111 @@
     <p:extLst>
       <p:ext uri="{BB962C8B-B14F-4D97-AF65-F5344CB8AC3E}">
         <p14:creationId xmlns:p14="http://schemas.microsoft.com/office/powerpoint/2010/main" val="2847007101"/>
+      </p:ext>
+    </p:extLst>
+  </p:cSld>
+  <p:clrMapOvr>
+    <a:masterClrMapping/>
+  </p:clrMapOvr>
+</p:sld>
+</file>
+
+<file path=ppt/slides/slide17.xml><?xml version="1.0" encoding="utf-8"?>
+<p:sld xmlns:a="http://schemas.openxmlformats.org/drawingml/2006/main" xmlns:r="http://schemas.openxmlformats.org/officeDocument/2006/relationships" xmlns:p="http://schemas.openxmlformats.org/presentationml/2006/main">
+  <p:cSld>
+    <p:spTree>
+      <p:nvGrpSpPr>
+        <p:cNvPr id="1" name=""/>
+        <p:cNvGrpSpPr/>
+        <p:nvPr/>
+      </p:nvGrpSpPr>
+      <p:grpSpPr>
+        <a:xfrm>
+          <a:off x="0" y="0"/>
+          <a:ext cx="0" cy="0"/>
+          <a:chOff x="0" y="0"/>
+          <a:chExt cx="0" cy="0"/>
+        </a:xfrm>
+      </p:grpSpPr>
+      <p:sp>
+        <p:nvSpPr>
+          <p:cNvPr id="2" name="Title 1"/>
+          <p:cNvSpPr>
+            <a:spLocks noGrp="1"/>
+          </p:cNvSpPr>
+          <p:nvPr>
+            <p:ph type="title"/>
+          </p:nvPr>
+        </p:nvSpPr>
+        <p:spPr/>
+        <p:txBody>
+          <a:bodyPr/>
+          <a:lstStyle/>
+          <a:p>
+            <a:endParaRPr lang="en-US"/>
+          </a:p>
+        </p:txBody>
+      </p:sp>
+      <p:pic>
+        <p:nvPicPr>
+          <p:cNvPr id="1026" name="Picture 2"/>
+          <p:cNvPicPr>
+            <a:picLocks noGrp="1" noChangeAspect="1" noChangeArrowheads="1"/>
+          </p:cNvPicPr>
+          <p:nvPr>
+            <p:ph idx="1"/>
+          </p:nvPr>
+        </p:nvPicPr>
+        <p:blipFill>
+          <a:blip r:embed="rId2">
+            <a:extLst>
+              <a:ext uri="{28A0092B-C50C-407E-A947-70E740481C1C}">
+                <a14:useLocalDpi xmlns:a14="http://schemas.microsoft.com/office/drawing/2010/main" val="0"/>
+              </a:ext>
+            </a:extLst>
+          </a:blip>
+          <a:srcRect/>
+          <a:stretch>
+            <a:fillRect/>
+          </a:stretch>
+        </p:blipFill>
+        <p:spPr bwMode="auto">
+          <a:xfrm>
+            <a:off x="457200" y="1948204"/>
+            <a:ext cx="8229600" cy="3829955"/>
+          </a:xfrm>
+          <a:prstGeom prst="rect">
+            <a:avLst/>
+          </a:prstGeom>
+          <a:noFill/>
+          <a:ln>
+            <a:noFill/>
+          </a:ln>
+          <a:extLst>
+            <a:ext uri="{909E8E84-426E-40DD-AFC4-6F175D3DCCD1}">
+              <a14:hiddenFill xmlns:a14="http://schemas.microsoft.com/office/drawing/2010/main">
+                <a:solidFill>
+                  <a:schemeClr val="accent1"/>
+                </a:solidFill>
+              </a14:hiddenFill>
+            </a:ext>
+            <a:ext uri="{91240B29-F687-4F45-9708-019B960494DF}">
+              <a14:hiddenLine xmlns:a14="http://schemas.microsoft.com/office/drawing/2010/main" w="9525">
+                <a:solidFill>
+                  <a:schemeClr val="tx1"/>
+                </a:solidFill>
+                <a:miter lim="800000"/>
+                <a:headEnd/>
+                <a:tailEnd/>
+              </a14:hiddenLine>
+            </a:ext>
+          </a:extLst>
+        </p:spPr>
+      </p:pic>
+    </p:spTree>
+    <p:extLst>
+      <p:ext uri="{BB962C8B-B14F-4D97-AF65-F5344CB8AC3E}">
+        <p14:creationId xmlns:p14="http://schemas.microsoft.com/office/powerpoint/2010/main" val="3820374464"/>
       </p:ext>
     </p:extLst>
   </p:cSld>

--- a/pictures.pptx
+++ b/pictures.pptx
@@ -22,6 +22,8 @@
     <p:sldId id="270" r:id="rId16"/>
     <p:sldId id="271" r:id="rId17"/>
     <p:sldId id="272" r:id="rId18"/>
+    <p:sldId id="273" r:id="rId19"/>
+    <p:sldId id="274" r:id="rId20"/>
   </p:sldIdLst>
   <p:sldSz cx="9144000" cy="6858000" type="screen4x3"/>
   <p:notesSz cx="6858000" cy="9144000"/>
@@ -6387,601 +6389,6 @@
       <dsp:cNvGrpSpPr/>
     </dsp:nvGrpSpPr>
     <dsp:grpSpPr/>
-    <dsp:sp modelId="{09A00682-3313-476D-9195-849AA0621560}">
-      <dsp:nvSpPr>
-        <dsp:cNvPr id="0" name=""/>
-        <dsp:cNvSpPr/>
-      </dsp:nvSpPr>
-      <dsp:spPr>
-        <a:xfrm>
-          <a:off x="0" y="1397793"/>
-          <a:ext cx="1393031" cy="557212"/>
-        </a:xfrm>
-        <a:prstGeom prst="chevron">
-          <a:avLst/>
-        </a:prstGeom>
-        <a:solidFill>
-          <a:schemeClr val="accent1">
-            <a:hueOff val="0"/>
-            <a:satOff val="0"/>
-            <a:lumOff val="0"/>
-            <a:alphaOff val="0"/>
-          </a:schemeClr>
-        </a:solidFill>
-        <a:ln w="25400" cap="flat" cmpd="sng" algn="ctr">
-          <a:solidFill>
-            <a:schemeClr val="lt1">
-              <a:hueOff val="0"/>
-              <a:satOff val="0"/>
-              <a:lumOff val="0"/>
-              <a:alphaOff val="0"/>
-            </a:schemeClr>
-          </a:solidFill>
-          <a:prstDash val="solid"/>
-        </a:ln>
-        <a:effectLst/>
-      </dsp:spPr>
-      <dsp:style>
-        <a:lnRef idx="2">
-          <a:scrgbClr r="0" g="0" b="0"/>
-        </a:lnRef>
-        <a:fillRef idx="1">
-          <a:scrgbClr r="0" g="0" b="0"/>
-        </a:fillRef>
-        <a:effectRef idx="0">
-          <a:scrgbClr r="0" g="0" b="0"/>
-        </a:effectRef>
-        <a:fontRef idx="minor">
-          <a:schemeClr val="lt1"/>
-        </a:fontRef>
-      </dsp:style>
-      <dsp:txBody>
-        <a:bodyPr spcFirstLastPara="0" vert="horz" wrap="square" lIns="40005" tIns="13335" rIns="13335" bIns="13335" numCol="1" spcCol="1270" anchor="ctr" anchorCtr="0">
-          <a:noAutofit/>
-        </a:bodyPr>
-        <a:lstStyle/>
-        <a:p>
-          <a:pPr lvl="0" algn="ctr" defTabSz="444500">
-            <a:lnSpc>
-              <a:spcPct val="90000"/>
-            </a:lnSpc>
-            <a:spcBef>
-              <a:spcPct val="0"/>
-            </a:spcBef>
-            <a:spcAft>
-              <a:spcPct val="35000"/>
-            </a:spcAft>
-          </a:pPr>
-          <a:r>
-            <a:rPr lang="en-US" sz="1000" kern="1200" dirty="0" smtClean="0">
-              <a:solidFill>
-                <a:schemeClr val="tx1"/>
-              </a:solidFill>
-            </a:rPr>
-            <a:t>Input Parsing</a:t>
-          </a:r>
-          <a:endParaRPr lang="en-US" sz="1000" kern="1200" dirty="0">
-            <a:solidFill>
-              <a:schemeClr val="tx1"/>
-            </a:solidFill>
-          </a:endParaRPr>
-        </a:p>
-      </dsp:txBody>
-      <dsp:txXfrm>
-        <a:off x="278606" y="1397793"/>
-        <a:ext cx="835819" cy="557212"/>
-      </dsp:txXfrm>
-    </dsp:sp>
-    <dsp:sp modelId="{771B5359-AC59-491F-AE7E-C91287E4A360}">
-      <dsp:nvSpPr>
-        <dsp:cNvPr id="0" name=""/>
-        <dsp:cNvSpPr/>
-      </dsp:nvSpPr>
-      <dsp:spPr>
-        <a:xfrm>
-          <a:off x="1253728" y="1397793"/>
-          <a:ext cx="1393031" cy="557212"/>
-        </a:xfrm>
-        <a:prstGeom prst="chevron">
-          <a:avLst/>
-        </a:prstGeom>
-        <a:solidFill>
-          <a:schemeClr val="accent1">
-            <a:hueOff val="0"/>
-            <a:satOff val="0"/>
-            <a:lumOff val="0"/>
-            <a:alphaOff val="0"/>
-          </a:schemeClr>
-        </a:solidFill>
-        <a:ln w="25400" cap="flat" cmpd="sng" algn="ctr">
-          <a:solidFill>
-            <a:schemeClr val="lt1">
-              <a:hueOff val="0"/>
-              <a:satOff val="0"/>
-              <a:lumOff val="0"/>
-              <a:alphaOff val="0"/>
-            </a:schemeClr>
-          </a:solidFill>
-          <a:prstDash val="solid"/>
-        </a:ln>
-        <a:effectLst/>
-      </dsp:spPr>
-      <dsp:style>
-        <a:lnRef idx="2">
-          <a:scrgbClr r="0" g="0" b="0"/>
-        </a:lnRef>
-        <a:fillRef idx="1">
-          <a:scrgbClr r="0" g="0" b="0"/>
-        </a:fillRef>
-        <a:effectRef idx="0">
-          <a:scrgbClr r="0" g="0" b="0"/>
-        </a:effectRef>
-        <a:fontRef idx="minor">
-          <a:schemeClr val="lt1"/>
-        </a:fontRef>
-      </dsp:style>
-      <dsp:txBody>
-        <a:bodyPr spcFirstLastPara="0" vert="horz" wrap="square" lIns="40005" tIns="13335" rIns="13335" bIns="13335" numCol="1" spcCol="1270" anchor="ctr" anchorCtr="0">
-          <a:noAutofit/>
-        </a:bodyPr>
-        <a:lstStyle/>
-        <a:p>
-          <a:pPr lvl="0" algn="ctr" defTabSz="444500">
-            <a:lnSpc>
-              <a:spcPct val="90000"/>
-            </a:lnSpc>
-            <a:spcBef>
-              <a:spcPct val="0"/>
-            </a:spcBef>
-            <a:spcAft>
-              <a:spcPct val="35000"/>
-            </a:spcAft>
-          </a:pPr>
-          <a:r>
-            <a:rPr lang="en-US" sz="1000" kern="1200" dirty="0" smtClean="0">
-              <a:solidFill>
-                <a:schemeClr val="tx1"/>
-              </a:solidFill>
-            </a:rPr>
-            <a:t>Print object arrangement</a:t>
-          </a:r>
-          <a:endParaRPr lang="en-US" sz="1000" kern="1200" dirty="0">
-            <a:solidFill>
-              <a:schemeClr val="tx1"/>
-            </a:solidFill>
-          </a:endParaRPr>
-        </a:p>
-      </dsp:txBody>
-      <dsp:txXfrm>
-        <a:off x="1532334" y="1397793"/>
-        <a:ext cx="835819" cy="557212"/>
-      </dsp:txXfrm>
-    </dsp:sp>
-    <dsp:sp modelId="{5535CA09-926A-457A-A4B7-21390F15F94F}">
-      <dsp:nvSpPr>
-        <dsp:cNvPr id="0" name=""/>
-        <dsp:cNvSpPr/>
-      </dsp:nvSpPr>
-      <dsp:spPr>
-        <a:xfrm>
-          <a:off x="2507456" y="1397793"/>
-          <a:ext cx="1393031" cy="557212"/>
-        </a:xfrm>
-        <a:prstGeom prst="chevron">
-          <a:avLst/>
-        </a:prstGeom>
-        <a:solidFill>
-          <a:schemeClr val="accent1">
-            <a:hueOff val="0"/>
-            <a:satOff val="0"/>
-            <a:lumOff val="0"/>
-            <a:alphaOff val="0"/>
-          </a:schemeClr>
-        </a:solidFill>
-        <a:ln w="25400" cap="flat" cmpd="sng" algn="ctr">
-          <a:solidFill>
-            <a:schemeClr val="lt1">
-              <a:hueOff val="0"/>
-              <a:satOff val="0"/>
-              <a:lumOff val="0"/>
-              <a:alphaOff val="0"/>
-            </a:schemeClr>
-          </a:solidFill>
-          <a:prstDash val="solid"/>
-        </a:ln>
-        <a:effectLst/>
-      </dsp:spPr>
-      <dsp:style>
-        <a:lnRef idx="2">
-          <a:scrgbClr r="0" g="0" b="0"/>
-        </a:lnRef>
-        <a:fillRef idx="1">
-          <a:scrgbClr r="0" g="0" b="0"/>
-        </a:fillRef>
-        <a:effectRef idx="0">
-          <a:scrgbClr r="0" g="0" b="0"/>
-        </a:effectRef>
-        <a:fontRef idx="minor">
-          <a:schemeClr val="lt1"/>
-        </a:fontRef>
-      </dsp:style>
-      <dsp:txBody>
-        <a:bodyPr spcFirstLastPara="0" vert="horz" wrap="square" lIns="40005" tIns="13335" rIns="13335" bIns="13335" numCol="1" spcCol="1270" anchor="ctr" anchorCtr="0">
-          <a:noAutofit/>
-        </a:bodyPr>
-        <a:lstStyle/>
-        <a:p>
-          <a:pPr lvl="0" algn="ctr" defTabSz="444500">
-            <a:lnSpc>
-              <a:spcPct val="90000"/>
-            </a:lnSpc>
-            <a:spcBef>
-              <a:spcPct val="0"/>
-            </a:spcBef>
-            <a:spcAft>
-              <a:spcPct val="35000"/>
-            </a:spcAft>
-          </a:pPr>
-          <a:r>
-            <a:rPr lang="en-US" sz="1000" kern="1200" dirty="0" smtClean="0">
-              <a:solidFill>
-                <a:schemeClr val="tx1"/>
-              </a:solidFill>
-            </a:rPr>
-            <a:t>Rasterization &amp; Voxelization</a:t>
-          </a:r>
-          <a:endParaRPr lang="en-US" sz="1000" kern="1200" dirty="0">
-            <a:solidFill>
-              <a:schemeClr val="tx1"/>
-            </a:solidFill>
-          </a:endParaRPr>
-        </a:p>
-      </dsp:txBody>
-      <dsp:txXfrm>
-        <a:off x="2786062" y="1397793"/>
-        <a:ext cx="835819" cy="557212"/>
-      </dsp:txXfrm>
-    </dsp:sp>
-    <dsp:sp modelId="{9D68CD03-B1A7-4BEA-B058-FD22B6150897}">
-      <dsp:nvSpPr>
-        <dsp:cNvPr id="0" name=""/>
-        <dsp:cNvSpPr/>
-      </dsp:nvSpPr>
-      <dsp:spPr>
-        <a:xfrm>
-          <a:off x="3761184" y="1397793"/>
-          <a:ext cx="1393031" cy="557212"/>
-        </a:xfrm>
-        <a:prstGeom prst="chevron">
-          <a:avLst/>
-        </a:prstGeom>
-        <a:solidFill>
-          <a:schemeClr val="accent1">
-            <a:hueOff val="0"/>
-            <a:satOff val="0"/>
-            <a:lumOff val="0"/>
-            <a:alphaOff val="0"/>
-          </a:schemeClr>
-        </a:solidFill>
-        <a:ln w="25400" cap="flat" cmpd="sng" algn="ctr">
-          <a:solidFill>
-            <a:schemeClr val="lt1">
-              <a:hueOff val="0"/>
-              <a:satOff val="0"/>
-              <a:lumOff val="0"/>
-              <a:alphaOff val="0"/>
-            </a:schemeClr>
-          </a:solidFill>
-          <a:prstDash val="solid"/>
-        </a:ln>
-        <a:effectLst/>
-      </dsp:spPr>
-      <dsp:style>
-        <a:lnRef idx="2">
-          <a:scrgbClr r="0" g="0" b="0"/>
-        </a:lnRef>
-        <a:fillRef idx="1">
-          <a:scrgbClr r="0" g="0" b="0"/>
-        </a:fillRef>
-        <a:effectRef idx="0">
-          <a:scrgbClr r="0" g="0" b="0"/>
-        </a:effectRef>
-        <a:fontRef idx="minor">
-          <a:schemeClr val="lt1"/>
-        </a:fontRef>
-      </dsp:style>
-      <dsp:txBody>
-        <a:bodyPr spcFirstLastPara="0" vert="horz" wrap="square" lIns="40005" tIns="13335" rIns="13335" bIns="13335" numCol="1" spcCol="1270" anchor="ctr" anchorCtr="0">
-          <a:noAutofit/>
-        </a:bodyPr>
-        <a:lstStyle/>
-        <a:p>
-          <a:pPr lvl="0" algn="ctr" defTabSz="444500">
-            <a:lnSpc>
-              <a:spcPct val="90000"/>
-            </a:lnSpc>
-            <a:spcBef>
-              <a:spcPct val="0"/>
-            </a:spcBef>
-            <a:spcAft>
-              <a:spcPct val="35000"/>
-            </a:spcAft>
-          </a:pPr>
-          <a:r>
-            <a:rPr lang="en-US" sz="1000" kern="1200" dirty="0" smtClean="0">
-              <a:solidFill>
-                <a:schemeClr val="tx1"/>
-              </a:solidFill>
-            </a:rPr>
-            <a:t>Tonal Value Calculation</a:t>
-          </a:r>
-          <a:endParaRPr lang="en-US" sz="1000" kern="1200" dirty="0">
-            <a:solidFill>
-              <a:schemeClr val="tx1"/>
-            </a:solidFill>
-          </a:endParaRPr>
-        </a:p>
-      </dsp:txBody>
-      <dsp:txXfrm>
-        <a:off x="4039790" y="1397793"/>
-        <a:ext cx="835819" cy="557212"/>
-      </dsp:txXfrm>
-    </dsp:sp>
-    <dsp:sp modelId="{47EC26A5-DB58-47F3-B21F-7ECE3520D744}">
-      <dsp:nvSpPr>
-        <dsp:cNvPr id="0" name=""/>
-        <dsp:cNvSpPr/>
-      </dsp:nvSpPr>
-      <dsp:spPr>
-        <a:xfrm>
-          <a:off x="5014912" y="1397793"/>
-          <a:ext cx="1393031" cy="557212"/>
-        </a:xfrm>
-        <a:prstGeom prst="chevron">
-          <a:avLst/>
-        </a:prstGeom>
-        <a:solidFill>
-          <a:schemeClr val="accent1">
-            <a:hueOff val="0"/>
-            <a:satOff val="0"/>
-            <a:lumOff val="0"/>
-            <a:alphaOff val="0"/>
-          </a:schemeClr>
-        </a:solidFill>
-        <a:ln w="25400" cap="flat" cmpd="sng" algn="ctr">
-          <a:solidFill>
-            <a:schemeClr val="lt1">
-              <a:hueOff val="0"/>
-              <a:satOff val="0"/>
-              <a:lumOff val="0"/>
-              <a:alphaOff val="0"/>
-            </a:schemeClr>
-          </a:solidFill>
-          <a:prstDash val="solid"/>
-        </a:ln>
-        <a:effectLst/>
-      </dsp:spPr>
-      <dsp:style>
-        <a:lnRef idx="2">
-          <a:scrgbClr r="0" g="0" b="0"/>
-        </a:lnRef>
-        <a:fillRef idx="1">
-          <a:scrgbClr r="0" g="0" b="0"/>
-        </a:fillRef>
-        <a:effectRef idx="0">
-          <a:scrgbClr r="0" g="0" b="0"/>
-        </a:effectRef>
-        <a:fontRef idx="minor">
-          <a:schemeClr val="lt1"/>
-        </a:fontRef>
-      </dsp:style>
-      <dsp:txBody>
-        <a:bodyPr spcFirstLastPara="0" vert="horz" wrap="square" lIns="40005" tIns="13335" rIns="13335" bIns="13335" numCol="1" spcCol="1270" anchor="ctr" anchorCtr="0">
-          <a:noAutofit/>
-        </a:bodyPr>
-        <a:lstStyle/>
-        <a:p>
-          <a:pPr lvl="0" algn="ctr" defTabSz="444500">
-            <a:lnSpc>
-              <a:spcPct val="90000"/>
-            </a:lnSpc>
-            <a:spcBef>
-              <a:spcPct val="0"/>
-            </a:spcBef>
-            <a:spcAft>
-              <a:spcPct val="35000"/>
-            </a:spcAft>
-          </a:pPr>
-          <a:r>
-            <a:rPr lang="en-US" sz="1000" kern="1200" dirty="0" smtClean="0">
-              <a:solidFill>
-                <a:schemeClr val="tx1"/>
-              </a:solidFill>
-            </a:rPr>
-            <a:t>Layer Extraction and Half-toning</a:t>
-          </a:r>
-          <a:endParaRPr lang="en-US" sz="1000" kern="1200" dirty="0">
-            <a:solidFill>
-              <a:schemeClr val="tx1"/>
-            </a:solidFill>
-          </a:endParaRPr>
-        </a:p>
-      </dsp:txBody>
-      <dsp:txXfrm>
-        <a:off x="5293518" y="1397793"/>
-        <a:ext cx="835819" cy="557212"/>
-      </dsp:txXfrm>
-    </dsp:sp>
-    <dsp:sp modelId="{1214DDDF-E3A3-4EB3-BFBD-CAE78864CA50}">
-      <dsp:nvSpPr>
-        <dsp:cNvPr id="0" name=""/>
-        <dsp:cNvSpPr/>
-      </dsp:nvSpPr>
-      <dsp:spPr>
-        <a:xfrm>
-          <a:off x="6268640" y="1397793"/>
-          <a:ext cx="1393031" cy="557212"/>
-        </a:xfrm>
-        <a:prstGeom prst="chevron">
-          <a:avLst/>
-        </a:prstGeom>
-        <a:solidFill>
-          <a:schemeClr val="accent1">
-            <a:hueOff val="0"/>
-            <a:satOff val="0"/>
-            <a:lumOff val="0"/>
-            <a:alphaOff val="0"/>
-          </a:schemeClr>
-        </a:solidFill>
-        <a:ln w="25400" cap="flat" cmpd="sng" algn="ctr">
-          <a:solidFill>
-            <a:schemeClr val="lt1">
-              <a:hueOff val="0"/>
-              <a:satOff val="0"/>
-              <a:lumOff val="0"/>
-              <a:alphaOff val="0"/>
-            </a:schemeClr>
-          </a:solidFill>
-          <a:prstDash val="solid"/>
-        </a:ln>
-        <a:effectLst/>
-      </dsp:spPr>
-      <dsp:style>
-        <a:lnRef idx="2">
-          <a:scrgbClr r="0" g="0" b="0"/>
-        </a:lnRef>
-        <a:fillRef idx="1">
-          <a:scrgbClr r="0" g="0" b="0"/>
-        </a:fillRef>
-        <a:effectRef idx="0">
-          <a:scrgbClr r="0" g="0" b="0"/>
-        </a:effectRef>
-        <a:fontRef idx="minor">
-          <a:schemeClr val="lt1"/>
-        </a:fontRef>
-      </dsp:style>
-      <dsp:txBody>
-        <a:bodyPr spcFirstLastPara="0" vert="horz" wrap="square" lIns="40005" tIns="13335" rIns="13335" bIns="13335" numCol="1" spcCol="1270" anchor="ctr" anchorCtr="0">
-          <a:noAutofit/>
-        </a:bodyPr>
-        <a:lstStyle/>
-        <a:p>
-          <a:pPr lvl="0" algn="ctr" defTabSz="444500">
-            <a:lnSpc>
-              <a:spcPct val="90000"/>
-            </a:lnSpc>
-            <a:spcBef>
-              <a:spcPct val="0"/>
-            </a:spcBef>
-            <a:spcAft>
-              <a:spcPct val="35000"/>
-            </a:spcAft>
-          </a:pPr>
-          <a:r>
-            <a:rPr lang="en-US" sz="1000" kern="1200" dirty="0" smtClean="0">
-              <a:solidFill>
-                <a:schemeClr val="tx1"/>
-              </a:solidFill>
-            </a:rPr>
-            <a:t>Surface Distance Evaluation</a:t>
-          </a:r>
-          <a:endParaRPr lang="en-US" sz="1000" kern="1200" dirty="0">
-            <a:solidFill>
-              <a:schemeClr val="tx1"/>
-            </a:solidFill>
-          </a:endParaRPr>
-        </a:p>
-      </dsp:txBody>
-      <dsp:txXfrm>
-        <a:off x="6547246" y="1397793"/>
-        <a:ext cx="835819" cy="557212"/>
-      </dsp:txXfrm>
-    </dsp:sp>
-    <dsp:sp modelId="{5D5D5C88-985A-485D-991E-57409E5BC77A}">
-      <dsp:nvSpPr>
-        <dsp:cNvPr id="0" name=""/>
-        <dsp:cNvSpPr/>
-      </dsp:nvSpPr>
-      <dsp:spPr>
-        <a:xfrm>
-          <a:off x="7522368" y="1397793"/>
-          <a:ext cx="1393031" cy="557212"/>
-        </a:xfrm>
-        <a:prstGeom prst="chevron">
-          <a:avLst/>
-        </a:prstGeom>
-        <a:solidFill>
-          <a:schemeClr val="accent1">
-            <a:hueOff val="0"/>
-            <a:satOff val="0"/>
-            <a:lumOff val="0"/>
-            <a:alphaOff val="0"/>
-          </a:schemeClr>
-        </a:solidFill>
-        <a:ln w="25400" cap="flat" cmpd="sng" algn="ctr">
-          <a:solidFill>
-            <a:schemeClr val="lt1">
-              <a:hueOff val="0"/>
-              <a:satOff val="0"/>
-              <a:lumOff val="0"/>
-              <a:alphaOff val="0"/>
-            </a:schemeClr>
-          </a:solidFill>
-          <a:prstDash val="solid"/>
-        </a:ln>
-        <a:effectLst/>
-      </dsp:spPr>
-      <dsp:style>
-        <a:lnRef idx="2">
-          <a:scrgbClr r="0" g="0" b="0"/>
-        </a:lnRef>
-        <a:fillRef idx="1">
-          <a:scrgbClr r="0" g="0" b="0"/>
-        </a:fillRef>
-        <a:effectRef idx="0">
-          <a:scrgbClr r="0" g="0" b="0"/>
-        </a:effectRef>
-        <a:fontRef idx="minor">
-          <a:schemeClr val="lt1"/>
-        </a:fontRef>
-      </dsp:style>
-      <dsp:txBody>
-        <a:bodyPr spcFirstLastPara="0" vert="horz" wrap="square" lIns="40005" tIns="13335" rIns="13335" bIns="13335" numCol="1" spcCol="1270" anchor="ctr" anchorCtr="0">
-          <a:noAutofit/>
-        </a:bodyPr>
-        <a:lstStyle/>
-        <a:p>
-          <a:pPr lvl="0" algn="ctr" defTabSz="444500">
-            <a:lnSpc>
-              <a:spcPct val="90000"/>
-            </a:lnSpc>
-            <a:spcBef>
-              <a:spcPct val="0"/>
-            </a:spcBef>
-            <a:spcAft>
-              <a:spcPct val="35000"/>
-            </a:spcAft>
-          </a:pPr>
-          <a:r>
-            <a:rPr lang="en-US" sz="1000" kern="1200" dirty="0" smtClean="0">
-              <a:solidFill>
-                <a:schemeClr val="tx1"/>
-              </a:solidFill>
-            </a:rPr>
-            <a:t>Output Generation</a:t>
-          </a:r>
-          <a:endParaRPr lang="en-US" sz="1000" kern="1200" dirty="0">
-            <a:solidFill>
-              <a:schemeClr val="tx1"/>
-            </a:solidFill>
-          </a:endParaRPr>
-        </a:p>
-      </dsp:txBody>
-      <dsp:txXfrm>
-        <a:off x="7800974" y="1397793"/>
-        <a:ext cx="835819" cy="557212"/>
-      </dsp:txXfrm>
-    </dsp:sp>
   </dsp:spTree>
 </dsp:drawing>
 </file>
@@ -6994,601 +6401,6 @@
       <dsp:cNvGrpSpPr/>
     </dsp:nvGrpSpPr>
     <dsp:grpSpPr/>
-    <dsp:sp modelId="{09A00682-3313-476D-9195-849AA0621560}">
-      <dsp:nvSpPr>
-        <dsp:cNvPr id="0" name=""/>
-        <dsp:cNvSpPr/>
-      </dsp:nvSpPr>
-      <dsp:spPr>
-        <a:xfrm>
-          <a:off x="0" y="1397793"/>
-          <a:ext cx="1393031" cy="557212"/>
-        </a:xfrm>
-        <a:prstGeom prst="chevron">
-          <a:avLst/>
-        </a:prstGeom>
-        <a:solidFill>
-          <a:schemeClr val="accent1">
-            <a:hueOff val="0"/>
-            <a:satOff val="0"/>
-            <a:lumOff val="0"/>
-            <a:alphaOff val="0"/>
-          </a:schemeClr>
-        </a:solidFill>
-        <a:ln w="25400" cap="flat" cmpd="sng" algn="ctr">
-          <a:solidFill>
-            <a:schemeClr val="lt1">
-              <a:hueOff val="0"/>
-              <a:satOff val="0"/>
-              <a:lumOff val="0"/>
-              <a:alphaOff val="0"/>
-            </a:schemeClr>
-          </a:solidFill>
-          <a:prstDash val="solid"/>
-        </a:ln>
-        <a:effectLst/>
-      </dsp:spPr>
-      <dsp:style>
-        <a:lnRef idx="2">
-          <a:scrgbClr r="0" g="0" b="0"/>
-        </a:lnRef>
-        <a:fillRef idx="1">
-          <a:scrgbClr r="0" g="0" b="0"/>
-        </a:fillRef>
-        <a:effectRef idx="0">
-          <a:scrgbClr r="0" g="0" b="0"/>
-        </a:effectRef>
-        <a:fontRef idx="minor">
-          <a:schemeClr val="lt1"/>
-        </a:fontRef>
-      </dsp:style>
-      <dsp:txBody>
-        <a:bodyPr spcFirstLastPara="0" vert="horz" wrap="square" lIns="40005" tIns="13335" rIns="13335" bIns="13335" numCol="1" spcCol="1270" anchor="ctr" anchorCtr="0">
-          <a:noAutofit/>
-        </a:bodyPr>
-        <a:lstStyle/>
-        <a:p>
-          <a:pPr lvl="0" algn="ctr" defTabSz="444500">
-            <a:lnSpc>
-              <a:spcPct val="90000"/>
-            </a:lnSpc>
-            <a:spcBef>
-              <a:spcPct val="0"/>
-            </a:spcBef>
-            <a:spcAft>
-              <a:spcPct val="35000"/>
-            </a:spcAft>
-          </a:pPr>
-          <a:r>
-            <a:rPr lang="en-US" sz="1000" kern="1200" dirty="0" smtClean="0">
-              <a:solidFill>
-                <a:schemeClr val="tx1"/>
-              </a:solidFill>
-            </a:rPr>
-            <a:t>Input Parsing</a:t>
-          </a:r>
-          <a:endParaRPr lang="en-US" sz="1000" kern="1200" dirty="0">
-            <a:solidFill>
-              <a:schemeClr val="tx1"/>
-            </a:solidFill>
-          </a:endParaRPr>
-        </a:p>
-      </dsp:txBody>
-      <dsp:txXfrm>
-        <a:off x="278606" y="1397793"/>
-        <a:ext cx="835819" cy="557212"/>
-      </dsp:txXfrm>
-    </dsp:sp>
-    <dsp:sp modelId="{771B5359-AC59-491F-AE7E-C91287E4A360}">
-      <dsp:nvSpPr>
-        <dsp:cNvPr id="0" name=""/>
-        <dsp:cNvSpPr/>
-      </dsp:nvSpPr>
-      <dsp:spPr>
-        <a:xfrm>
-          <a:off x="1253728" y="1397793"/>
-          <a:ext cx="1393031" cy="557212"/>
-        </a:xfrm>
-        <a:prstGeom prst="chevron">
-          <a:avLst/>
-        </a:prstGeom>
-        <a:solidFill>
-          <a:schemeClr val="accent1">
-            <a:hueOff val="0"/>
-            <a:satOff val="0"/>
-            <a:lumOff val="0"/>
-            <a:alphaOff val="0"/>
-          </a:schemeClr>
-        </a:solidFill>
-        <a:ln w="25400" cap="flat" cmpd="sng" algn="ctr">
-          <a:solidFill>
-            <a:schemeClr val="lt1">
-              <a:hueOff val="0"/>
-              <a:satOff val="0"/>
-              <a:lumOff val="0"/>
-              <a:alphaOff val="0"/>
-            </a:schemeClr>
-          </a:solidFill>
-          <a:prstDash val="solid"/>
-        </a:ln>
-        <a:effectLst/>
-      </dsp:spPr>
-      <dsp:style>
-        <a:lnRef idx="2">
-          <a:scrgbClr r="0" g="0" b="0"/>
-        </a:lnRef>
-        <a:fillRef idx="1">
-          <a:scrgbClr r="0" g="0" b="0"/>
-        </a:fillRef>
-        <a:effectRef idx="0">
-          <a:scrgbClr r="0" g="0" b="0"/>
-        </a:effectRef>
-        <a:fontRef idx="minor">
-          <a:schemeClr val="lt1"/>
-        </a:fontRef>
-      </dsp:style>
-      <dsp:txBody>
-        <a:bodyPr spcFirstLastPara="0" vert="horz" wrap="square" lIns="40005" tIns="13335" rIns="13335" bIns="13335" numCol="1" spcCol="1270" anchor="ctr" anchorCtr="0">
-          <a:noAutofit/>
-        </a:bodyPr>
-        <a:lstStyle/>
-        <a:p>
-          <a:pPr lvl="0" algn="ctr" defTabSz="444500">
-            <a:lnSpc>
-              <a:spcPct val="90000"/>
-            </a:lnSpc>
-            <a:spcBef>
-              <a:spcPct val="0"/>
-            </a:spcBef>
-            <a:spcAft>
-              <a:spcPct val="35000"/>
-            </a:spcAft>
-          </a:pPr>
-          <a:r>
-            <a:rPr lang="en-US" sz="1000" kern="1200" dirty="0" smtClean="0">
-              <a:solidFill>
-                <a:schemeClr val="tx1"/>
-              </a:solidFill>
-            </a:rPr>
-            <a:t>Print object arrangement</a:t>
-          </a:r>
-          <a:endParaRPr lang="en-US" sz="1000" kern="1200" dirty="0">
-            <a:solidFill>
-              <a:schemeClr val="tx1"/>
-            </a:solidFill>
-          </a:endParaRPr>
-        </a:p>
-      </dsp:txBody>
-      <dsp:txXfrm>
-        <a:off x="1532334" y="1397793"/>
-        <a:ext cx="835819" cy="557212"/>
-      </dsp:txXfrm>
-    </dsp:sp>
-    <dsp:sp modelId="{5535CA09-926A-457A-A4B7-21390F15F94F}">
-      <dsp:nvSpPr>
-        <dsp:cNvPr id="0" name=""/>
-        <dsp:cNvSpPr/>
-      </dsp:nvSpPr>
-      <dsp:spPr>
-        <a:xfrm>
-          <a:off x="2507456" y="1397793"/>
-          <a:ext cx="1393031" cy="557212"/>
-        </a:xfrm>
-        <a:prstGeom prst="chevron">
-          <a:avLst/>
-        </a:prstGeom>
-        <a:solidFill>
-          <a:schemeClr val="accent1">
-            <a:hueOff val="0"/>
-            <a:satOff val="0"/>
-            <a:lumOff val="0"/>
-            <a:alphaOff val="0"/>
-          </a:schemeClr>
-        </a:solidFill>
-        <a:ln w="25400" cap="flat" cmpd="sng" algn="ctr">
-          <a:solidFill>
-            <a:schemeClr val="lt1">
-              <a:hueOff val="0"/>
-              <a:satOff val="0"/>
-              <a:lumOff val="0"/>
-              <a:alphaOff val="0"/>
-            </a:schemeClr>
-          </a:solidFill>
-          <a:prstDash val="solid"/>
-        </a:ln>
-        <a:effectLst/>
-      </dsp:spPr>
-      <dsp:style>
-        <a:lnRef idx="2">
-          <a:scrgbClr r="0" g="0" b="0"/>
-        </a:lnRef>
-        <a:fillRef idx="1">
-          <a:scrgbClr r="0" g="0" b="0"/>
-        </a:fillRef>
-        <a:effectRef idx="0">
-          <a:scrgbClr r="0" g="0" b="0"/>
-        </a:effectRef>
-        <a:fontRef idx="minor">
-          <a:schemeClr val="lt1"/>
-        </a:fontRef>
-      </dsp:style>
-      <dsp:txBody>
-        <a:bodyPr spcFirstLastPara="0" vert="horz" wrap="square" lIns="40005" tIns="13335" rIns="13335" bIns="13335" numCol="1" spcCol="1270" anchor="ctr" anchorCtr="0">
-          <a:noAutofit/>
-        </a:bodyPr>
-        <a:lstStyle/>
-        <a:p>
-          <a:pPr lvl="0" algn="ctr" defTabSz="444500">
-            <a:lnSpc>
-              <a:spcPct val="90000"/>
-            </a:lnSpc>
-            <a:spcBef>
-              <a:spcPct val="0"/>
-            </a:spcBef>
-            <a:spcAft>
-              <a:spcPct val="35000"/>
-            </a:spcAft>
-          </a:pPr>
-          <a:r>
-            <a:rPr lang="en-US" sz="1000" kern="1200" dirty="0" smtClean="0">
-              <a:solidFill>
-                <a:schemeClr val="tx1"/>
-              </a:solidFill>
-            </a:rPr>
-            <a:t>Rasterization &amp; Voxelization</a:t>
-          </a:r>
-          <a:endParaRPr lang="en-US" sz="1000" kern="1200" dirty="0">
-            <a:solidFill>
-              <a:schemeClr val="tx1"/>
-            </a:solidFill>
-          </a:endParaRPr>
-        </a:p>
-      </dsp:txBody>
-      <dsp:txXfrm>
-        <a:off x="2786062" y="1397793"/>
-        <a:ext cx="835819" cy="557212"/>
-      </dsp:txXfrm>
-    </dsp:sp>
-    <dsp:sp modelId="{9D68CD03-B1A7-4BEA-B058-FD22B6150897}">
-      <dsp:nvSpPr>
-        <dsp:cNvPr id="0" name=""/>
-        <dsp:cNvSpPr/>
-      </dsp:nvSpPr>
-      <dsp:spPr>
-        <a:xfrm>
-          <a:off x="3761184" y="1397793"/>
-          <a:ext cx="1393031" cy="557212"/>
-        </a:xfrm>
-        <a:prstGeom prst="chevron">
-          <a:avLst/>
-        </a:prstGeom>
-        <a:solidFill>
-          <a:schemeClr val="accent1">
-            <a:hueOff val="0"/>
-            <a:satOff val="0"/>
-            <a:lumOff val="0"/>
-            <a:alphaOff val="0"/>
-          </a:schemeClr>
-        </a:solidFill>
-        <a:ln w="25400" cap="flat" cmpd="sng" algn="ctr">
-          <a:solidFill>
-            <a:schemeClr val="lt1">
-              <a:hueOff val="0"/>
-              <a:satOff val="0"/>
-              <a:lumOff val="0"/>
-              <a:alphaOff val="0"/>
-            </a:schemeClr>
-          </a:solidFill>
-          <a:prstDash val="solid"/>
-        </a:ln>
-        <a:effectLst/>
-      </dsp:spPr>
-      <dsp:style>
-        <a:lnRef idx="2">
-          <a:scrgbClr r="0" g="0" b="0"/>
-        </a:lnRef>
-        <a:fillRef idx="1">
-          <a:scrgbClr r="0" g="0" b="0"/>
-        </a:fillRef>
-        <a:effectRef idx="0">
-          <a:scrgbClr r="0" g="0" b="0"/>
-        </a:effectRef>
-        <a:fontRef idx="minor">
-          <a:schemeClr val="lt1"/>
-        </a:fontRef>
-      </dsp:style>
-      <dsp:txBody>
-        <a:bodyPr spcFirstLastPara="0" vert="horz" wrap="square" lIns="40005" tIns="13335" rIns="13335" bIns="13335" numCol="1" spcCol="1270" anchor="ctr" anchorCtr="0">
-          <a:noAutofit/>
-        </a:bodyPr>
-        <a:lstStyle/>
-        <a:p>
-          <a:pPr lvl="0" algn="ctr" defTabSz="444500">
-            <a:lnSpc>
-              <a:spcPct val="90000"/>
-            </a:lnSpc>
-            <a:spcBef>
-              <a:spcPct val="0"/>
-            </a:spcBef>
-            <a:spcAft>
-              <a:spcPct val="35000"/>
-            </a:spcAft>
-          </a:pPr>
-          <a:r>
-            <a:rPr lang="en-US" sz="1000" kern="1200" dirty="0" smtClean="0">
-              <a:solidFill>
-                <a:schemeClr val="tx1"/>
-              </a:solidFill>
-            </a:rPr>
-            <a:t>Tonal Value Calculation</a:t>
-          </a:r>
-          <a:endParaRPr lang="en-US" sz="1000" kern="1200" dirty="0">
-            <a:solidFill>
-              <a:schemeClr val="tx1"/>
-            </a:solidFill>
-          </a:endParaRPr>
-        </a:p>
-      </dsp:txBody>
-      <dsp:txXfrm>
-        <a:off x="4039790" y="1397793"/>
-        <a:ext cx="835819" cy="557212"/>
-      </dsp:txXfrm>
-    </dsp:sp>
-    <dsp:sp modelId="{47EC26A5-DB58-47F3-B21F-7ECE3520D744}">
-      <dsp:nvSpPr>
-        <dsp:cNvPr id="0" name=""/>
-        <dsp:cNvSpPr/>
-      </dsp:nvSpPr>
-      <dsp:spPr>
-        <a:xfrm>
-          <a:off x="5014912" y="1397793"/>
-          <a:ext cx="1393031" cy="557212"/>
-        </a:xfrm>
-        <a:prstGeom prst="chevron">
-          <a:avLst/>
-        </a:prstGeom>
-        <a:solidFill>
-          <a:schemeClr val="accent1">
-            <a:hueOff val="0"/>
-            <a:satOff val="0"/>
-            <a:lumOff val="0"/>
-            <a:alphaOff val="0"/>
-          </a:schemeClr>
-        </a:solidFill>
-        <a:ln w="25400" cap="flat" cmpd="sng" algn="ctr">
-          <a:solidFill>
-            <a:schemeClr val="lt1">
-              <a:hueOff val="0"/>
-              <a:satOff val="0"/>
-              <a:lumOff val="0"/>
-              <a:alphaOff val="0"/>
-            </a:schemeClr>
-          </a:solidFill>
-          <a:prstDash val="solid"/>
-        </a:ln>
-        <a:effectLst/>
-      </dsp:spPr>
-      <dsp:style>
-        <a:lnRef idx="2">
-          <a:scrgbClr r="0" g="0" b="0"/>
-        </a:lnRef>
-        <a:fillRef idx="1">
-          <a:scrgbClr r="0" g="0" b="0"/>
-        </a:fillRef>
-        <a:effectRef idx="0">
-          <a:scrgbClr r="0" g="0" b="0"/>
-        </a:effectRef>
-        <a:fontRef idx="minor">
-          <a:schemeClr val="lt1"/>
-        </a:fontRef>
-      </dsp:style>
-      <dsp:txBody>
-        <a:bodyPr spcFirstLastPara="0" vert="horz" wrap="square" lIns="40005" tIns="13335" rIns="13335" bIns="13335" numCol="1" spcCol="1270" anchor="ctr" anchorCtr="0">
-          <a:noAutofit/>
-        </a:bodyPr>
-        <a:lstStyle/>
-        <a:p>
-          <a:pPr lvl="0" algn="ctr" defTabSz="444500">
-            <a:lnSpc>
-              <a:spcPct val="90000"/>
-            </a:lnSpc>
-            <a:spcBef>
-              <a:spcPct val="0"/>
-            </a:spcBef>
-            <a:spcAft>
-              <a:spcPct val="35000"/>
-            </a:spcAft>
-          </a:pPr>
-          <a:r>
-            <a:rPr lang="en-US" sz="1000" kern="1200" dirty="0" smtClean="0">
-              <a:solidFill>
-                <a:schemeClr val="tx1"/>
-              </a:solidFill>
-            </a:rPr>
-            <a:t>Layer Extraction and Half-toning</a:t>
-          </a:r>
-          <a:endParaRPr lang="en-US" sz="1000" kern="1200" dirty="0">
-            <a:solidFill>
-              <a:schemeClr val="tx1"/>
-            </a:solidFill>
-          </a:endParaRPr>
-        </a:p>
-      </dsp:txBody>
-      <dsp:txXfrm>
-        <a:off x="5293518" y="1397793"/>
-        <a:ext cx="835819" cy="557212"/>
-      </dsp:txXfrm>
-    </dsp:sp>
-    <dsp:sp modelId="{1214DDDF-E3A3-4EB3-BFBD-CAE78864CA50}">
-      <dsp:nvSpPr>
-        <dsp:cNvPr id="0" name=""/>
-        <dsp:cNvSpPr/>
-      </dsp:nvSpPr>
-      <dsp:spPr>
-        <a:xfrm>
-          <a:off x="6268640" y="1397793"/>
-          <a:ext cx="1393031" cy="557212"/>
-        </a:xfrm>
-        <a:prstGeom prst="chevron">
-          <a:avLst/>
-        </a:prstGeom>
-        <a:solidFill>
-          <a:schemeClr val="accent1">
-            <a:hueOff val="0"/>
-            <a:satOff val="0"/>
-            <a:lumOff val="0"/>
-            <a:alphaOff val="0"/>
-          </a:schemeClr>
-        </a:solidFill>
-        <a:ln w="25400" cap="flat" cmpd="sng" algn="ctr">
-          <a:solidFill>
-            <a:schemeClr val="lt1">
-              <a:hueOff val="0"/>
-              <a:satOff val="0"/>
-              <a:lumOff val="0"/>
-              <a:alphaOff val="0"/>
-            </a:schemeClr>
-          </a:solidFill>
-          <a:prstDash val="solid"/>
-        </a:ln>
-        <a:effectLst/>
-      </dsp:spPr>
-      <dsp:style>
-        <a:lnRef idx="2">
-          <a:scrgbClr r="0" g="0" b="0"/>
-        </a:lnRef>
-        <a:fillRef idx="1">
-          <a:scrgbClr r="0" g="0" b="0"/>
-        </a:fillRef>
-        <a:effectRef idx="0">
-          <a:scrgbClr r="0" g="0" b="0"/>
-        </a:effectRef>
-        <a:fontRef idx="minor">
-          <a:schemeClr val="lt1"/>
-        </a:fontRef>
-      </dsp:style>
-      <dsp:txBody>
-        <a:bodyPr spcFirstLastPara="0" vert="horz" wrap="square" lIns="40005" tIns="13335" rIns="13335" bIns="13335" numCol="1" spcCol="1270" anchor="ctr" anchorCtr="0">
-          <a:noAutofit/>
-        </a:bodyPr>
-        <a:lstStyle/>
-        <a:p>
-          <a:pPr lvl="0" algn="ctr" defTabSz="444500">
-            <a:lnSpc>
-              <a:spcPct val="90000"/>
-            </a:lnSpc>
-            <a:spcBef>
-              <a:spcPct val="0"/>
-            </a:spcBef>
-            <a:spcAft>
-              <a:spcPct val="35000"/>
-            </a:spcAft>
-          </a:pPr>
-          <a:r>
-            <a:rPr lang="en-US" sz="1000" kern="1200" dirty="0" smtClean="0">
-              <a:solidFill>
-                <a:schemeClr val="tx1"/>
-              </a:solidFill>
-            </a:rPr>
-            <a:t>Surface Distance Evaluation</a:t>
-          </a:r>
-          <a:endParaRPr lang="en-US" sz="1000" kern="1200" dirty="0">
-            <a:solidFill>
-              <a:schemeClr val="tx1"/>
-            </a:solidFill>
-          </a:endParaRPr>
-        </a:p>
-      </dsp:txBody>
-      <dsp:txXfrm>
-        <a:off x="6547246" y="1397793"/>
-        <a:ext cx="835819" cy="557212"/>
-      </dsp:txXfrm>
-    </dsp:sp>
-    <dsp:sp modelId="{5D5D5C88-985A-485D-991E-57409E5BC77A}">
-      <dsp:nvSpPr>
-        <dsp:cNvPr id="0" name=""/>
-        <dsp:cNvSpPr/>
-      </dsp:nvSpPr>
-      <dsp:spPr>
-        <a:xfrm>
-          <a:off x="7522368" y="1397793"/>
-          <a:ext cx="1393031" cy="557212"/>
-        </a:xfrm>
-        <a:prstGeom prst="chevron">
-          <a:avLst/>
-        </a:prstGeom>
-        <a:solidFill>
-          <a:schemeClr val="accent1">
-            <a:hueOff val="0"/>
-            <a:satOff val="0"/>
-            <a:lumOff val="0"/>
-            <a:alphaOff val="0"/>
-          </a:schemeClr>
-        </a:solidFill>
-        <a:ln w="25400" cap="flat" cmpd="sng" algn="ctr">
-          <a:solidFill>
-            <a:schemeClr val="lt1">
-              <a:hueOff val="0"/>
-              <a:satOff val="0"/>
-              <a:lumOff val="0"/>
-              <a:alphaOff val="0"/>
-            </a:schemeClr>
-          </a:solidFill>
-          <a:prstDash val="solid"/>
-        </a:ln>
-        <a:effectLst/>
-      </dsp:spPr>
-      <dsp:style>
-        <a:lnRef idx="2">
-          <a:scrgbClr r="0" g="0" b="0"/>
-        </a:lnRef>
-        <a:fillRef idx="1">
-          <a:scrgbClr r="0" g="0" b="0"/>
-        </a:fillRef>
-        <a:effectRef idx="0">
-          <a:scrgbClr r="0" g="0" b="0"/>
-        </a:effectRef>
-        <a:fontRef idx="minor">
-          <a:schemeClr val="lt1"/>
-        </a:fontRef>
-      </dsp:style>
-      <dsp:txBody>
-        <a:bodyPr spcFirstLastPara="0" vert="horz" wrap="square" lIns="40005" tIns="13335" rIns="13335" bIns="13335" numCol="1" spcCol="1270" anchor="ctr" anchorCtr="0">
-          <a:noAutofit/>
-        </a:bodyPr>
-        <a:lstStyle/>
-        <a:p>
-          <a:pPr lvl="0" algn="ctr" defTabSz="444500">
-            <a:lnSpc>
-              <a:spcPct val="90000"/>
-            </a:lnSpc>
-            <a:spcBef>
-              <a:spcPct val="0"/>
-            </a:spcBef>
-            <a:spcAft>
-              <a:spcPct val="35000"/>
-            </a:spcAft>
-          </a:pPr>
-          <a:r>
-            <a:rPr lang="en-US" sz="1000" kern="1200" dirty="0" smtClean="0">
-              <a:solidFill>
-                <a:schemeClr val="tx1"/>
-              </a:solidFill>
-            </a:rPr>
-            <a:t>Output Generation</a:t>
-          </a:r>
-          <a:endParaRPr lang="en-US" sz="1000" kern="1200" dirty="0">
-            <a:solidFill>
-              <a:schemeClr val="tx1"/>
-            </a:solidFill>
-          </a:endParaRPr>
-        </a:p>
-      </dsp:txBody>
-      <dsp:txXfrm>
-        <a:off x="7800974" y="1397793"/>
-        <a:ext cx="835819" cy="557212"/>
-      </dsp:txXfrm>
-    </dsp:sp>
   </dsp:spTree>
 </dsp:drawing>
 </file>
@@ -7601,735 +6413,6 @@
       <dsp:cNvGrpSpPr/>
     </dsp:nvGrpSpPr>
     <dsp:grpSpPr/>
-    <dsp:sp modelId="{82B6CC98-E7D5-4D4E-ACD9-D9D53E7526DB}">
-      <dsp:nvSpPr>
-        <dsp:cNvPr id="0" name=""/>
-        <dsp:cNvSpPr/>
-      </dsp:nvSpPr>
-      <dsp:spPr>
-        <a:xfrm>
-          <a:off x="2841277" y="1079400"/>
-          <a:ext cx="1658541" cy="800206"/>
-        </a:xfrm>
-        <a:custGeom>
-          <a:avLst/>
-          <a:gdLst/>
-          <a:ahLst/>
-          <a:cxnLst/>
-          <a:rect l="0" t="0" r="0" b="0"/>
-          <a:pathLst>
-            <a:path>
-              <a:moveTo>
-                <a:pt x="0" y="0"/>
-              </a:moveTo>
-              <a:lnTo>
-                <a:pt x="0" y="558239"/>
-              </a:lnTo>
-              <a:lnTo>
-                <a:pt x="1658541" y="558239"/>
-              </a:lnTo>
-              <a:lnTo>
-                <a:pt x="1658541" y="800206"/>
-              </a:lnTo>
-            </a:path>
-          </a:pathLst>
-        </a:custGeom>
-        <a:noFill/>
-        <a:ln w="25400" cap="flat" cmpd="sng" algn="ctr">
-          <a:solidFill>
-            <a:schemeClr val="accent1">
-              <a:shade val="60000"/>
-              <a:hueOff val="0"/>
-              <a:satOff val="0"/>
-              <a:lumOff val="0"/>
-              <a:alphaOff val="0"/>
-            </a:schemeClr>
-          </a:solidFill>
-          <a:prstDash val="solid"/>
-        </a:ln>
-        <a:effectLst/>
-        <a:sp3d z="-40000" prstMaterial="matte"/>
-      </dsp:spPr>
-      <dsp:style>
-        <a:lnRef idx="2">
-          <a:scrgbClr r="0" g="0" b="0"/>
-        </a:lnRef>
-        <a:fillRef idx="0">
-          <a:scrgbClr r="0" g="0" b="0"/>
-        </a:fillRef>
-        <a:effectRef idx="0">
-          <a:scrgbClr r="0" g="0" b="0"/>
-        </a:effectRef>
-        <a:fontRef idx="minor"/>
-      </dsp:style>
-    </dsp:sp>
-    <dsp:sp modelId="{3B4976F8-1C91-4B4A-AF74-A6A32D597C6F}">
-      <dsp:nvSpPr>
-        <dsp:cNvPr id="0" name=""/>
-        <dsp:cNvSpPr/>
-      </dsp:nvSpPr>
-      <dsp:spPr>
-        <a:xfrm>
-          <a:off x="1305979" y="1079400"/>
-          <a:ext cx="1535297" cy="800206"/>
-        </a:xfrm>
-        <a:custGeom>
-          <a:avLst/>
-          <a:gdLst/>
-          <a:ahLst/>
-          <a:cxnLst/>
-          <a:rect l="0" t="0" r="0" b="0"/>
-          <a:pathLst>
-            <a:path>
-              <a:moveTo>
-                <a:pt x="1535297" y="0"/>
-              </a:moveTo>
-              <a:lnTo>
-                <a:pt x="1535297" y="558239"/>
-              </a:lnTo>
-              <a:lnTo>
-                <a:pt x="0" y="558239"/>
-              </a:lnTo>
-              <a:lnTo>
-                <a:pt x="0" y="800206"/>
-              </a:lnTo>
-            </a:path>
-          </a:pathLst>
-        </a:custGeom>
-        <a:noFill/>
-        <a:ln w="25400" cap="flat" cmpd="sng" algn="ctr">
-          <a:solidFill>
-            <a:schemeClr val="accent1">
-              <a:shade val="60000"/>
-              <a:hueOff val="0"/>
-              <a:satOff val="0"/>
-              <a:lumOff val="0"/>
-              <a:alphaOff val="0"/>
-            </a:schemeClr>
-          </a:solidFill>
-          <a:prstDash val="solid"/>
-        </a:ln>
-        <a:effectLst/>
-        <a:sp3d z="-40000" prstMaterial="matte"/>
-      </dsp:spPr>
-      <dsp:style>
-        <a:lnRef idx="2">
-          <a:scrgbClr r="0" g="0" b="0"/>
-        </a:lnRef>
-        <a:fillRef idx="0">
-          <a:scrgbClr r="0" g="0" b="0"/>
-        </a:fillRef>
-        <a:effectRef idx="0">
-          <a:scrgbClr r="0" g="0" b="0"/>
-        </a:effectRef>
-        <a:fontRef idx="minor"/>
-      </dsp:style>
-    </dsp:sp>
-    <dsp:sp modelId="{53C24587-0A2B-4FE3-9D3F-3944C820D5B6}">
-      <dsp:nvSpPr>
-        <dsp:cNvPr id="0" name=""/>
-        <dsp:cNvSpPr/>
-      </dsp:nvSpPr>
-      <dsp:spPr>
-        <a:xfrm>
-          <a:off x="1919577" y="308493"/>
-          <a:ext cx="1843398" cy="770906"/>
-        </a:xfrm>
-        <a:prstGeom prst="roundRect">
-          <a:avLst>
-            <a:gd name="adj" fmla="val 10000"/>
-          </a:avLst>
-        </a:prstGeom>
-        <a:solidFill>
-          <a:schemeClr val="accent1">
-            <a:hueOff val="0"/>
-            <a:satOff val="0"/>
-            <a:lumOff val="0"/>
-            <a:alphaOff val="0"/>
-          </a:schemeClr>
-        </a:solidFill>
-        <a:ln>
-          <a:noFill/>
-        </a:ln>
-        <a:effectLst/>
-        <a:scene3d>
-          <a:camera prst="orthographicFront"/>
-          <a:lightRig rig="chilly" dir="t"/>
-        </a:scene3d>
-        <a:sp3d prstMaterial="translucentPowder">
-          <a:bevelT w="127000" h="25400" prst="softRound"/>
-        </a:sp3d>
-      </dsp:spPr>
-      <dsp:style>
-        <a:lnRef idx="0">
-          <a:scrgbClr r="0" g="0" b="0"/>
-        </a:lnRef>
-        <a:fillRef idx="1">
-          <a:scrgbClr r="0" g="0" b="0"/>
-        </a:fillRef>
-        <a:effectRef idx="0">
-          <a:scrgbClr r="0" g="0" b="0"/>
-        </a:effectRef>
-        <a:fontRef idx="minor">
-          <a:schemeClr val="lt1"/>
-        </a:fontRef>
-      </dsp:style>
-    </dsp:sp>
-    <dsp:sp modelId="{633A4F81-F993-47EB-820A-B68DB3A5390E}">
-      <dsp:nvSpPr>
-        <dsp:cNvPr id="0" name=""/>
-        <dsp:cNvSpPr/>
-      </dsp:nvSpPr>
-      <dsp:spPr>
-        <a:xfrm>
-          <a:off x="2209792" y="584197"/>
-          <a:ext cx="1843398" cy="770906"/>
-        </a:xfrm>
-        <a:prstGeom prst="roundRect">
-          <a:avLst>
-            <a:gd name="adj" fmla="val 10000"/>
-          </a:avLst>
-        </a:prstGeom>
-        <a:solidFill>
-          <a:schemeClr val="lt1">
-            <a:alpha val="90000"/>
-            <a:hueOff val="0"/>
-            <a:satOff val="0"/>
-            <a:lumOff val="0"/>
-            <a:alphaOff val="0"/>
-          </a:schemeClr>
-        </a:solidFill>
-        <a:ln w="9525" cap="flat" cmpd="sng" algn="ctr">
-          <a:solidFill>
-            <a:schemeClr val="accent1">
-              <a:hueOff val="0"/>
-              <a:satOff val="0"/>
-              <a:lumOff val="0"/>
-              <a:alphaOff val="0"/>
-            </a:schemeClr>
-          </a:solidFill>
-          <a:prstDash val="solid"/>
-        </a:ln>
-        <a:effectLst/>
-        <a:scene3d>
-          <a:camera prst="orthographicFront"/>
-          <a:lightRig rig="chilly" dir="t"/>
-        </a:scene3d>
-        <a:sp3d z="12700" extrusionH="1700" prstMaterial="dkEdge">
-          <a:bevelT w="25400" h="6350" prst="softRound"/>
-          <a:bevelB w="0" h="0" prst="convex"/>
-        </a:sp3d>
-      </dsp:spPr>
-      <dsp:style>
-        <a:lnRef idx="1">
-          <a:scrgbClr r="0" g="0" b="0"/>
-        </a:lnRef>
-        <a:fillRef idx="1">
-          <a:scrgbClr r="0" g="0" b="0"/>
-        </a:fillRef>
-        <a:effectRef idx="0">
-          <a:scrgbClr r="0" g="0" b="0"/>
-        </a:effectRef>
-        <a:fontRef idx="minor"/>
-      </dsp:style>
-      <dsp:txBody>
-        <a:bodyPr spcFirstLastPara="0" vert="horz" wrap="square" lIns="60960" tIns="60960" rIns="60960" bIns="60960" numCol="1" spcCol="1270" anchor="ctr" anchorCtr="0">
-          <a:noAutofit/>
-        </a:bodyPr>
-        <a:lstStyle/>
-        <a:p>
-          <a:pPr lvl="0" algn="ctr" defTabSz="711200">
-            <a:lnSpc>
-              <a:spcPct val="90000"/>
-            </a:lnSpc>
-            <a:spcBef>
-              <a:spcPct val="0"/>
-            </a:spcBef>
-            <a:spcAft>
-              <a:spcPct val="35000"/>
-            </a:spcAft>
-          </a:pPr>
-          <a:r>
-            <a:rPr lang="en-US" sz="1600" b="1" kern="1200" dirty="0" smtClean="0"/>
-            <a:t>Shared resources</a:t>
-          </a:r>
-          <a:endParaRPr lang="en-US" sz="1600" b="1" kern="1200" dirty="0"/>
-        </a:p>
-      </dsp:txBody>
-      <dsp:txXfrm>
-        <a:off x="2232371" y="606776"/>
-        <a:ext cx="1798240" cy="725748"/>
-      </dsp:txXfrm>
-    </dsp:sp>
-    <dsp:sp modelId="{6BAED831-1434-4AE7-8DB7-037BBAC56C31}">
-      <dsp:nvSpPr>
-        <dsp:cNvPr id="0" name=""/>
-        <dsp:cNvSpPr/>
-      </dsp:nvSpPr>
-      <dsp:spPr>
-        <a:xfrm>
-          <a:off x="12" y="1879606"/>
-          <a:ext cx="2611933" cy="1658577"/>
-        </a:xfrm>
-        <a:prstGeom prst="roundRect">
-          <a:avLst>
-            <a:gd name="adj" fmla="val 10000"/>
-          </a:avLst>
-        </a:prstGeom>
-        <a:solidFill>
-          <a:schemeClr val="accent1">
-            <a:hueOff val="0"/>
-            <a:satOff val="0"/>
-            <a:lumOff val="0"/>
-            <a:alphaOff val="0"/>
-          </a:schemeClr>
-        </a:solidFill>
-        <a:ln>
-          <a:noFill/>
-        </a:ln>
-        <a:effectLst/>
-        <a:scene3d>
-          <a:camera prst="orthographicFront"/>
-          <a:lightRig rig="chilly" dir="t"/>
-        </a:scene3d>
-        <a:sp3d prstMaterial="translucentPowder">
-          <a:bevelT w="127000" h="25400" prst="softRound"/>
-        </a:sp3d>
-      </dsp:spPr>
-      <dsp:style>
-        <a:lnRef idx="0">
-          <a:scrgbClr r="0" g="0" b="0"/>
-        </a:lnRef>
-        <a:fillRef idx="1">
-          <a:scrgbClr r="0" g="0" b="0"/>
-        </a:fillRef>
-        <a:effectRef idx="0">
-          <a:scrgbClr r="0" g="0" b="0"/>
-        </a:effectRef>
-        <a:fontRef idx="minor">
-          <a:schemeClr val="lt1"/>
-        </a:fontRef>
-      </dsp:style>
-    </dsp:sp>
-    <dsp:sp modelId="{2CA332BF-C7D5-44C4-86AB-C5F8609888C3}">
-      <dsp:nvSpPr>
-        <dsp:cNvPr id="0" name=""/>
-        <dsp:cNvSpPr/>
-      </dsp:nvSpPr>
-      <dsp:spPr>
-        <a:xfrm>
-          <a:off x="290227" y="2155310"/>
-          <a:ext cx="2611933" cy="1658577"/>
-        </a:xfrm>
-        <a:prstGeom prst="roundRect">
-          <a:avLst>
-            <a:gd name="adj" fmla="val 10000"/>
-          </a:avLst>
-        </a:prstGeom>
-        <a:solidFill>
-          <a:schemeClr val="lt1">
-            <a:alpha val="90000"/>
-            <a:hueOff val="0"/>
-            <a:satOff val="0"/>
-            <a:lumOff val="0"/>
-            <a:alphaOff val="0"/>
-          </a:schemeClr>
-        </a:solidFill>
-        <a:ln w="9525" cap="flat" cmpd="sng" algn="ctr">
-          <a:solidFill>
-            <a:schemeClr val="accent1">
-              <a:hueOff val="0"/>
-              <a:satOff val="0"/>
-              <a:lumOff val="0"/>
-              <a:alphaOff val="0"/>
-            </a:schemeClr>
-          </a:solidFill>
-          <a:prstDash val="solid"/>
-        </a:ln>
-        <a:effectLst/>
-        <a:scene3d>
-          <a:camera prst="orthographicFront"/>
-          <a:lightRig rig="chilly" dir="t"/>
-        </a:scene3d>
-        <a:sp3d z="12700" extrusionH="1700" prstMaterial="dkEdge">
-          <a:bevelT w="25400" h="6350" prst="softRound"/>
-          <a:bevelB w="0" h="0" prst="convex"/>
-        </a:sp3d>
-      </dsp:spPr>
-      <dsp:style>
-        <a:lnRef idx="1">
-          <a:scrgbClr r="0" g="0" b="0"/>
-        </a:lnRef>
-        <a:fillRef idx="1">
-          <a:scrgbClr r="0" g="0" b="0"/>
-        </a:fillRef>
-        <a:effectRef idx="0">
-          <a:scrgbClr r="0" g="0" b="0"/>
-        </a:effectRef>
-        <a:fontRef idx="minor"/>
-      </dsp:style>
-      <dsp:txBody>
-        <a:bodyPr spcFirstLastPara="0" vert="horz" wrap="square" lIns="60960" tIns="60960" rIns="60960" bIns="60960" numCol="1" spcCol="1270" anchor="ctr" anchorCtr="0">
-          <a:noAutofit/>
-        </a:bodyPr>
-        <a:lstStyle/>
-        <a:p>
-          <a:pPr lvl="0" algn="ctr" defTabSz="711200">
-            <a:lnSpc>
-              <a:spcPct val="90000"/>
-            </a:lnSpc>
-            <a:spcBef>
-              <a:spcPct val="0"/>
-            </a:spcBef>
-            <a:spcAft>
-              <a:spcPct val="35000"/>
-            </a:spcAft>
-          </a:pPr>
-          <a:r>
-            <a:rPr lang="en-US" sz="1600" b="1" kern="1200" dirty="0" smtClean="0"/>
-            <a:t>Physical Resources</a:t>
-          </a:r>
-        </a:p>
-        <a:p>
-          <a:pPr lvl="0" algn="ctr" defTabSz="711200">
-            <a:lnSpc>
-              <a:spcPct val="90000"/>
-            </a:lnSpc>
-            <a:spcBef>
-              <a:spcPct val="0"/>
-            </a:spcBef>
-            <a:spcAft>
-              <a:spcPct val="35000"/>
-            </a:spcAft>
-          </a:pPr>
-          <a:r>
-            <a:rPr lang="en-US" sz="900" kern="1200" dirty="0" smtClean="0"/>
-            <a:t>- resources which can be shared with some dependence on their location </a:t>
-          </a:r>
-        </a:p>
-        <a:p>
-          <a:pPr lvl="0" algn="l" defTabSz="711200">
-            <a:lnSpc>
-              <a:spcPct val="90000"/>
-            </a:lnSpc>
-            <a:spcBef>
-              <a:spcPct val="0"/>
-            </a:spcBef>
-            <a:spcAft>
-              <a:spcPct val="35000"/>
-            </a:spcAft>
-          </a:pPr>
-          <a:endParaRPr lang="en-US" sz="900" kern="1200" dirty="0" smtClean="0"/>
-        </a:p>
-        <a:p>
-          <a:pPr lvl="0" algn="l" defTabSz="711200">
-            <a:lnSpc>
-              <a:spcPct val="90000"/>
-            </a:lnSpc>
-            <a:spcBef>
-              <a:spcPct val="0"/>
-            </a:spcBef>
-            <a:spcAft>
-              <a:spcPct val="35000"/>
-            </a:spcAft>
-          </a:pPr>
-          <a:r>
-            <a:rPr lang="en-US" sz="900" kern="1200" dirty="0" smtClean="0"/>
-            <a:t>Computation power</a:t>
-          </a:r>
-        </a:p>
-        <a:p>
-          <a:pPr lvl="0" algn="l" defTabSz="711200">
-            <a:lnSpc>
-              <a:spcPct val="90000"/>
-            </a:lnSpc>
-            <a:spcBef>
-              <a:spcPct val="0"/>
-            </a:spcBef>
-            <a:spcAft>
-              <a:spcPct val="35000"/>
-            </a:spcAft>
-          </a:pPr>
-          <a:r>
-            <a:rPr lang="en-US" sz="900" kern="1200" dirty="0" smtClean="0"/>
-            <a:t>Storage devices</a:t>
-          </a:r>
-        </a:p>
-        <a:p>
-          <a:pPr lvl="0" algn="l" defTabSz="711200">
-            <a:lnSpc>
-              <a:spcPct val="90000"/>
-            </a:lnSpc>
-            <a:spcBef>
-              <a:spcPct val="0"/>
-            </a:spcBef>
-            <a:spcAft>
-              <a:spcPct val="35000"/>
-            </a:spcAft>
-          </a:pPr>
-          <a:r>
-            <a:rPr lang="en-US" sz="900" kern="1200" dirty="0" smtClean="0"/>
-            <a:t>Communication capacity</a:t>
-          </a:r>
-        </a:p>
-        <a:p>
-          <a:pPr lvl="0" algn="ctr" defTabSz="711200">
-            <a:lnSpc>
-              <a:spcPct val="90000"/>
-            </a:lnSpc>
-            <a:spcBef>
-              <a:spcPct val="0"/>
-            </a:spcBef>
-            <a:spcAft>
-              <a:spcPct val="35000"/>
-            </a:spcAft>
-          </a:pPr>
-          <a:endParaRPr lang="en-US" sz="900" kern="1200" dirty="0"/>
-        </a:p>
-      </dsp:txBody>
-      <dsp:txXfrm>
-        <a:off x="338805" y="2203888"/>
-        <a:ext cx="2514777" cy="1561421"/>
-      </dsp:txXfrm>
-    </dsp:sp>
-    <dsp:sp modelId="{54ED80A4-9519-416E-8692-A675E58D6A01}">
-      <dsp:nvSpPr>
-        <dsp:cNvPr id="0" name=""/>
-        <dsp:cNvSpPr/>
-      </dsp:nvSpPr>
-      <dsp:spPr>
-        <a:xfrm>
-          <a:off x="3193851" y="1879606"/>
-          <a:ext cx="2611933" cy="1658577"/>
-        </a:xfrm>
-        <a:prstGeom prst="roundRect">
-          <a:avLst>
-            <a:gd name="adj" fmla="val 10000"/>
-          </a:avLst>
-        </a:prstGeom>
-        <a:solidFill>
-          <a:schemeClr val="accent1">
-            <a:hueOff val="0"/>
-            <a:satOff val="0"/>
-            <a:lumOff val="0"/>
-            <a:alphaOff val="0"/>
-          </a:schemeClr>
-        </a:solidFill>
-        <a:ln>
-          <a:noFill/>
-        </a:ln>
-        <a:effectLst/>
-        <a:scene3d>
-          <a:camera prst="orthographicFront"/>
-          <a:lightRig rig="chilly" dir="t"/>
-        </a:scene3d>
-        <a:sp3d prstMaterial="translucentPowder">
-          <a:bevelT w="127000" h="25400" prst="softRound"/>
-        </a:sp3d>
-      </dsp:spPr>
-      <dsp:style>
-        <a:lnRef idx="0">
-          <a:scrgbClr r="0" g="0" b="0"/>
-        </a:lnRef>
-        <a:fillRef idx="1">
-          <a:scrgbClr r="0" g="0" b="0"/>
-        </a:fillRef>
-        <a:effectRef idx="0">
-          <a:scrgbClr r="0" g="0" b="0"/>
-        </a:effectRef>
-        <a:fontRef idx="minor">
-          <a:schemeClr val="lt1"/>
-        </a:fontRef>
-      </dsp:style>
-    </dsp:sp>
-    <dsp:sp modelId="{62F573A8-C98B-4300-903C-ACC41DE49811}">
-      <dsp:nvSpPr>
-        <dsp:cNvPr id="0" name=""/>
-        <dsp:cNvSpPr/>
-      </dsp:nvSpPr>
-      <dsp:spPr>
-        <a:xfrm>
-          <a:off x="3484066" y="2155310"/>
-          <a:ext cx="2611933" cy="1658577"/>
-        </a:xfrm>
-        <a:prstGeom prst="roundRect">
-          <a:avLst>
-            <a:gd name="adj" fmla="val 10000"/>
-          </a:avLst>
-        </a:prstGeom>
-        <a:solidFill>
-          <a:schemeClr val="lt1">
-            <a:alpha val="90000"/>
-            <a:hueOff val="0"/>
-            <a:satOff val="0"/>
-            <a:lumOff val="0"/>
-            <a:alphaOff val="0"/>
-          </a:schemeClr>
-        </a:solidFill>
-        <a:ln w="9525" cap="flat" cmpd="sng" algn="ctr">
-          <a:solidFill>
-            <a:schemeClr val="accent1">
-              <a:hueOff val="0"/>
-              <a:satOff val="0"/>
-              <a:lumOff val="0"/>
-              <a:alphaOff val="0"/>
-            </a:schemeClr>
-          </a:solidFill>
-          <a:prstDash val="solid"/>
-        </a:ln>
-        <a:effectLst/>
-        <a:scene3d>
-          <a:camera prst="orthographicFront"/>
-          <a:lightRig rig="chilly" dir="t"/>
-        </a:scene3d>
-        <a:sp3d z="12700" extrusionH="1700" prstMaterial="dkEdge">
-          <a:bevelT w="25400" h="6350" prst="softRound"/>
-          <a:bevelB w="0" h="0" prst="convex"/>
-        </a:sp3d>
-      </dsp:spPr>
-      <dsp:style>
-        <a:lnRef idx="1">
-          <a:scrgbClr r="0" g="0" b="0"/>
-        </a:lnRef>
-        <a:fillRef idx="1">
-          <a:scrgbClr r="0" g="0" b="0"/>
-        </a:fillRef>
-        <a:effectRef idx="0">
-          <a:scrgbClr r="0" g="0" b="0"/>
-        </a:effectRef>
-        <a:fontRef idx="minor"/>
-      </dsp:style>
-      <dsp:txBody>
-        <a:bodyPr spcFirstLastPara="0" vert="horz" wrap="square" lIns="60960" tIns="60960" rIns="60960" bIns="60960" numCol="1" spcCol="1270" anchor="ctr" anchorCtr="0">
-          <a:noAutofit/>
-        </a:bodyPr>
-        <a:lstStyle/>
-        <a:p>
-          <a:pPr lvl="0" algn="ctr" defTabSz="711200">
-            <a:lnSpc>
-              <a:spcPct val="90000"/>
-            </a:lnSpc>
-            <a:spcBef>
-              <a:spcPct val="0"/>
-            </a:spcBef>
-            <a:spcAft>
-              <a:spcPct val="35000"/>
-            </a:spcAft>
-          </a:pPr>
-          <a:r>
-            <a:rPr lang="en-US" sz="1600" b="1" kern="1200" dirty="0" smtClean="0"/>
-            <a:t>Virtual Resources</a:t>
-          </a:r>
-        </a:p>
-        <a:p>
-          <a:pPr lvl="0" algn="ctr" defTabSz="711200">
-            <a:lnSpc>
-              <a:spcPct val="90000"/>
-            </a:lnSpc>
-            <a:spcBef>
-              <a:spcPct val="0"/>
-            </a:spcBef>
-            <a:spcAft>
-              <a:spcPct val="35000"/>
-            </a:spcAft>
-          </a:pPr>
-          <a:r>
-            <a:rPr lang="en-US" sz="900" kern="1200" dirty="0" smtClean="0"/>
-            <a:t>-resources which can be shared independent of their physical location</a:t>
-          </a:r>
-        </a:p>
-        <a:p>
-          <a:pPr lvl="0" algn="ctr" defTabSz="711200">
-            <a:lnSpc>
-              <a:spcPct val="90000"/>
-            </a:lnSpc>
-            <a:spcBef>
-              <a:spcPct val="0"/>
-            </a:spcBef>
-            <a:spcAft>
-              <a:spcPct val="35000"/>
-            </a:spcAft>
-          </a:pPr>
-          <a:r>
-            <a:rPr lang="en-US" sz="900" kern="1200" dirty="0" smtClean="0"/>
-            <a:t> </a:t>
-          </a:r>
-        </a:p>
-        <a:p>
-          <a:pPr lvl="0" algn="l" defTabSz="711200">
-            <a:lnSpc>
-              <a:spcPct val="90000"/>
-            </a:lnSpc>
-            <a:spcBef>
-              <a:spcPct val="0"/>
-            </a:spcBef>
-            <a:spcAft>
-              <a:spcPct val="35000"/>
-            </a:spcAft>
-          </a:pPr>
-          <a:r>
-            <a:rPr lang="en-US" sz="900" kern="1200" dirty="0" smtClean="0"/>
-            <a:t>Operating systems</a:t>
-          </a:r>
-        </a:p>
-        <a:p>
-          <a:pPr lvl="0" algn="l" defTabSz="711200">
-            <a:lnSpc>
-              <a:spcPct val="90000"/>
-            </a:lnSpc>
-            <a:spcBef>
-              <a:spcPct val="0"/>
-            </a:spcBef>
-            <a:spcAft>
-              <a:spcPct val="35000"/>
-            </a:spcAft>
-          </a:pPr>
-          <a:r>
-            <a:rPr lang="en-US" sz="900" kern="1200" dirty="0" smtClean="0"/>
-            <a:t>Software and licenses</a:t>
-          </a:r>
-        </a:p>
-        <a:p>
-          <a:pPr lvl="0" algn="l" defTabSz="711200">
-            <a:lnSpc>
-              <a:spcPct val="90000"/>
-            </a:lnSpc>
-            <a:spcBef>
-              <a:spcPct val="0"/>
-            </a:spcBef>
-            <a:spcAft>
-              <a:spcPct val="35000"/>
-            </a:spcAft>
-          </a:pPr>
-          <a:r>
-            <a:rPr lang="en-US" sz="900" kern="1200" dirty="0" smtClean="0"/>
-            <a:t>Tasks and applications </a:t>
-          </a:r>
-        </a:p>
-        <a:p>
-          <a:pPr lvl="0" algn="l" defTabSz="711200">
-            <a:lnSpc>
-              <a:spcPct val="90000"/>
-            </a:lnSpc>
-            <a:spcBef>
-              <a:spcPct val="0"/>
-            </a:spcBef>
-            <a:spcAft>
-              <a:spcPct val="35000"/>
-            </a:spcAft>
-          </a:pPr>
-          <a:r>
-            <a:rPr lang="en-US" sz="900" kern="1200" dirty="0" smtClean="0"/>
-            <a:t>Services</a:t>
-          </a:r>
-          <a:endParaRPr lang="en-US" sz="900" kern="1200" dirty="0"/>
-        </a:p>
-      </dsp:txBody>
-      <dsp:txXfrm>
-        <a:off x="3532644" y="2203888"/>
-        <a:ext cx="2514777" cy="1561421"/>
-      </dsp:txXfrm>
-    </dsp:sp>
   </dsp:spTree>
 </dsp:drawing>
 </file>
@@ -17159,7 +15242,7 @@
             <a:fld id="{1D8BD707-D9CF-40AE-B4C6-C98DA3205C09}" type="datetimeFigureOut">
               <a:rPr lang="en-US" smtClean="0"/>
               <a:pPr/>
-              <a:t>10/4/2016</a:t>
+              <a:t>10/15/2016</a:t>
             </a:fld>
             <a:endParaRPr lang="en-US"/>
           </a:p>
@@ -17326,7 +15409,7 @@
             <a:fld id="{1D8BD707-D9CF-40AE-B4C6-C98DA3205C09}" type="datetimeFigureOut">
               <a:rPr lang="en-US" smtClean="0"/>
               <a:pPr/>
-              <a:t>10/4/2016</a:t>
+              <a:t>10/15/2016</a:t>
             </a:fld>
             <a:endParaRPr lang="en-US"/>
           </a:p>
@@ -17503,7 +15586,7 @@
             <a:fld id="{1D8BD707-D9CF-40AE-B4C6-C98DA3205C09}" type="datetimeFigureOut">
               <a:rPr lang="en-US" smtClean="0"/>
               <a:pPr/>
-              <a:t>10/4/2016</a:t>
+              <a:t>10/15/2016</a:t>
             </a:fld>
             <a:endParaRPr lang="en-US"/>
           </a:p>
@@ -17670,7 +15753,7 @@
             <a:fld id="{1D8BD707-D9CF-40AE-B4C6-C98DA3205C09}" type="datetimeFigureOut">
               <a:rPr lang="en-US" smtClean="0"/>
               <a:pPr/>
-              <a:t>10/4/2016</a:t>
+              <a:t>10/15/2016</a:t>
             </a:fld>
             <a:endParaRPr lang="en-US"/>
           </a:p>
@@ -17913,7 +15996,7 @@
             <a:fld id="{1D8BD707-D9CF-40AE-B4C6-C98DA3205C09}" type="datetimeFigureOut">
               <a:rPr lang="en-US" smtClean="0"/>
               <a:pPr/>
-              <a:t>10/4/2016</a:t>
+              <a:t>10/15/2016</a:t>
             </a:fld>
             <a:endParaRPr lang="en-US"/>
           </a:p>
@@ -18198,7 +16281,7 @@
             <a:fld id="{1D8BD707-D9CF-40AE-B4C6-C98DA3205C09}" type="datetimeFigureOut">
               <a:rPr lang="en-US" smtClean="0"/>
               <a:pPr/>
-              <a:t>10/4/2016</a:t>
+              <a:t>10/15/2016</a:t>
             </a:fld>
             <a:endParaRPr lang="en-US"/>
           </a:p>
@@ -18617,7 +16700,7 @@
             <a:fld id="{1D8BD707-D9CF-40AE-B4C6-C98DA3205C09}" type="datetimeFigureOut">
               <a:rPr lang="en-US" smtClean="0"/>
               <a:pPr/>
-              <a:t>10/4/2016</a:t>
+              <a:t>10/15/2016</a:t>
             </a:fld>
             <a:endParaRPr lang="en-US"/>
           </a:p>
@@ -18732,7 +16815,7 @@
             <a:fld id="{1D8BD707-D9CF-40AE-B4C6-C98DA3205C09}" type="datetimeFigureOut">
               <a:rPr lang="en-US" smtClean="0"/>
               <a:pPr/>
-              <a:t>10/4/2016</a:t>
+              <a:t>10/15/2016</a:t>
             </a:fld>
             <a:endParaRPr lang="en-US"/>
           </a:p>
@@ -18824,7 +16907,7 @@
             <a:fld id="{1D8BD707-D9CF-40AE-B4C6-C98DA3205C09}" type="datetimeFigureOut">
               <a:rPr lang="en-US" smtClean="0"/>
               <a:pPr/>
-              <a:t>10/4/2016</a:t>
+              <a:t>10/15/2016</a:t>
             </a:fld>
             <a:endParaRPr lang="en-US"/>
           </a:p>
@@ -19098,7 +17181,7 @@
             <a:fld id="{1D8BD707-D9CF-40AE-B4C6-C98DA3205C09}" type="datetimeFigureOut">
               <a:rPr lang="en-US" smtClean="0"/>
               <a:pPr/>
-              <a:t>10/4/2016</a:t>
+              <a:t>10/15/2016</a:t>
             </a:fld>
             <a:endParaRPr lang="en-US"/>
           </a:p>
@@ -19348,7 +17431,7 @@
             <a:fld id="{1D8BD707-D9CF-40AE-B4C6-C98DA3205C09}" type="datetimeFigureOut">
               <a:rPr lang="en-US" smtClean="0"/>
               <a:pPr/>
-              <a:t>10/4/2016</a:t>
+              <a:t>10/15/2016</a:t>
             </a:fld>
             <a:endParaRPr lang="en-US"/>
           </a:p>
@@ -19558,7 +17641,7 @@
             <a:fld id="{1D8BD707-D9CF-40AE-B4C6-C98DA3205C09}" type="datetimeFigureOut">
               <a:rPr lang="en-US" smtClean="0"/>
               <a:pPr/>
-              <a:t>10/4/2016</a:t>
+              <a:t>10/15/2016</a:t>
             </a:fld>
             <a:endParaRPr lang="en-US"/>
           </a:p>
@@ -21013,6 +19096,265 @@
     <p:extLst>
       <p:ext uri="{BB962C8B-B14F-4D97-AF65-F5344CB8AC3E}">
         <p14:creationId xmlns:p14="http://schemas.microsoft.com/office/powerpoint/2010/main" val="3820374464"/>
+      </p:ext>
+    </p:extLst>
+  </p:cSld>
+  <p:clrMapOvr>
+    <a:masterClrMapping/>
+  </p:clrMapOvr>
+</p:sld>
+</file>
+
+<file path=ppt/slides/slide18.xml><?xml version="1.0" encoding="utf-8"?>
+<p:sld xmlns:a="http://schemas.openxmlformats.org/drawingml/2006/main" xmlns:r="http://schemas.openxmlformats.org/officeDocument/2006/relationships" xmlns:p="http://schemas.openxmlformats.org/presentationml/2006/main">
+  <p:cSld>
+    <p:spTree>
+      <p:nvGrpSpPr>
+        <p:cNvPr id="1" name=""/>
+        <p:cNvGrpSpPr/>
+        <p:nvPr/>
+      </p:nvGrpSpPr>
+      <p:grpSpPr>
+        <a:xfrm>
+          <a:off x="0" y="0"/>
+          <a:ext cx="0" cy="0"/>
+          <a:chOff x="0" y="0"/>
+          <a:chExt cx="0" cy="0"/>
+        </a:xfrm>
+      </p:grpSpPr>
+      <p:sp>
+        <p:nvSpPr>
+          <p:cNvPr id="2" name="Title 1"/>
+          <p:cNvSpPr>
+            <a:spLocks noGrp="1"/>
+          </p:cNvSpPr>
+          <p:nvPr>
+            <p:ph type="title"/>
+          </p:nvPr>
+        </p:nvSpPr>
+        <p:spPr/>
+        <p:txBody>
+          <a:bodyPr/>
+          <a:lstStyle/>
+          <a:p>
+            <a:endParaRPr lang="en-US"/>
+          </a:p>
+        </p:txBody>
+      </p:sp>
+      <p:sp>
+        <p:nvSpPr>
+          <p:cNvPr id="3" name="Content Placeholder 2"/>
+          <p:cNvSpPr>
+            <a:spLocks noGrp="1"/>
+          </p:cNvSpPr>
+          <p:nvPr>
+            <p:ph idx="1"/>
+          </p:nvPr>
+        </p:nvSpPr>
+        <p:spPr/>
+        <p:txBody>
+          <a:bodyPr/>
+          <a:lstStyle/>
+          <a:p>
+            <a:endParaRPr lang="en-US" dirty="0" smtClean="0"/>
+          </a:p>
+          <a:p>
+            <a:pPr marL="0" indent="0">
+              <a:buNone/>
+            </a:pPr>
+            <a:endParaRPr lang="en-US" dirty="0"/>
+          </a:p>
+        </p:txBody>
+      </p:sp>
+      <p:pic>
+        <p:nvPicPr>
+          <p:cNvPr id="1026" name="Picture 2"/>
+          <p:cNvPicPr>
+            <a:picLocks noChangeAspect="1" noChangeArrowheads="1"/>
+          </p:cNvPicPr>
+          <p:nvPr/>
+        </p:nvPicPr>
+        <p:blipFill>
+          <a:blip r:embed="rId2">
+            <a:extLst>
+              <a:ext uri="{28A0092B-C50C-407E-A947-70E740481C1C}">
+                <a14:useLocalDpi xmlns:a14="http://schemas.microsoft.com/office/drawing/2010/main" val="0"/>
+              </a:ext>
+            </a:extLst>
+          </a:blip>
+          <a:srcRect/>
+          <a:stretch>
+            <a:fillRect/>
+          </a:stretch>
+        </p:blipFill>
+        <p:spPr bwMode="auto">
+          <a:xfrm>
+            <a:off x="376238" y="157163"/>
+            <a:ext cx="8391525" cy="6543675"/>
+          </a:xfrm>
+          <a:prstGeom prst="rect">
+            <a:avLst/>
+          </a:prstGeom>
+          <a:noFill/>
+          <a:ln>
+            <a:noFill/>
+          </a:ln>
+          <a:extLst>
+            <a:ext uri="{909E8E84-426E-40DD-AFC4-6F175D3DCCD1}">
+              <a14:hiddenFill xmlns:a14="http://schemas.microsoft.com/office/drawing/2010/main">
+                <a:solidFill>
+                  <a:schemeClr val="accent1"/>
+                </a:solidFill>
+              </a14:hiddenFill>
+            </a:ext>
+            <a:ext uri="{91240B29-F687-4F45-9708-019B960494DF}">
+              <a14:hiddenLine xmlns:a14="http://schemas.microsoft.com/office/drawing/2010/main" w="9525">
+                <a:solidFill>
+                  <a:schemeClr val="tx1"/>
+                </a:solidFill>
+                <a:miter lim="800000"/>
+                <a:headEnd/>
+                <a:tailEnd/>
+              </a14:hiddenLine>
+            </a:ext>
+          </a:extLst>
+        </p:spPr>
+      </p:pic>
+    </p:spTree>
+    <p:extLst>
+      <p:ext uri="{BB962C8B-B14F-4D97-AF65-F5344CB8AC3E}">
+        <p14:creationId xmlns:p14="http://schemas.microsoft.com/office/powerpoint/2010/main" val="796640976"/>
+      </p:ext>
+    </p:extLst>
+  </p:cSld>
+  <p:clrMapOvr>
+    <a:masterClrMapping/>
+  </p:clrMapOvr>
+</p:sld>
+</file>
+
+<file path=ppt/slides/slide19.xml><?xml version="1.0" encoding="utf-8"?>
+<p:sld xmlns:a="http://schemas.openxmlformats.org/drawingml/2006/main" xmlns:r="http://schemas.openxmlformats.org/officeDocument/2006/relationships" xmlns:p="http://schemas.openxmlformats.org/presentationml/2006/main">
+  <p:cSld>
+    <p:spTree>
+      <p:nvGrpSpPr>
+        <p:cNvPr id="1" name=""/>
+        <p:cNvGrpSpPr/>
+        <p:nvPr/>
+      </p:nvGrpSpPr>
+      <p:grpSpPr>
+        <a:xfrm>
+          <a:off x="0" y="0"/>
+          <a:ext cx="0" cy="0"/>
+          <a:chOff x="0" y="0"/>
+          <a:chExt cx="0" cy="0"/>
+        </a:xfrm>
+      </p:grpSpPr>
+      <p:sp>
+        <p:nvSpPr>
+          <p:cNvPr id="2" name="Title 1"/>
+          <p:cNvSpPr>
+            <a:spLocks noGrp="1"/>
+          </p:cNvSpPr>
+          <p:nvPr>
+            <p:ph type="title"/>
+          </p:nvPr>
+        </p:nvSpPr>
+        <p:spPr/>
+        <p:txBody>
+          <a:bodyPr>
+            <a:normAutofit fontScale="90000"/>
+          </a:bodyPr>
+          <a:lstStyle/>
+          <a:p>
+            <a:r>
+              <a:rPr lang="en-US" dirty="0" smtClean="0"/>
+              <a:t/>
+            </a:r>
+            <a:br>
+              <a:rPr lang="en-US" dirty="0" smtClean="0"/>
+            </a:br>
+            <a:endParaRPr lang="en-US" dirty="0"/>
+          </a:p>
+        </p:txBody>
+      </p:sp>
+      <p:sp>
+        <p:nvSpPr>
+          <p:cNvPr id="3" name="Content Placeholder 2"/>
+          <p:cNvSpPr>
+            <a:spLocks noGrp="1"/>
+          </p:cNvSpPr>
+          <p:nvPr>
+            <p:ph idx="1"/>
+          </p:nvPr>
+        </p:nvSpPr>
+        <p:spPr/>
+        <p:txBody>
+          <a:bodyPr/>
+          <a:lstStyle/>
+          <a:p>
+            <a:endParaRPr lang="en-US"/>
+          </a:p>
+        </p:txBody>
+      </p:sp>
+      <p:pic>
+        <p:nvPicPr>
+          <p:cNvPr id="2050" name="Picture 2"/>
+          <p:cNvPicPr>
+            <a:picLocks noChangeAspect="1" noChangeArrowheads="1"/>
+          </p:cNvPicPr>
+          <p:nvPr/>
+        </p:nvPicPr>
+        <p:blipFill>
+          <a:blip r:embed="rId2">
+            <a:extLst>
+              <a:ext uri="{28A0092B-C50C-407E-A947-70E740481C1C}">
+                <a14:useLocalDpi xmlns:a14="http://schemas.microsoft.com/office/drawing/2010/main" val="0"/>
+              </a:ext>
+            </a:extLst>
+          </a:blip>
+          <a:srcRect/>
+          <a:stretch>
+            <a:fillRect/>
+          </a:stretch>
+        </p:blipFill>
+        <p:spPr bwMode="auto">
+          <a:xfrm>
+            <a:off x="247650" y="700088"/>
+            <a:ext cx="8648700" cy="5457825"/>
+          </a:xfrm>
+          <a:prstGeom prst="rect">
+            <a:avLst/>
+          </a:prstGeom>
+          <a:noFill/>
+          <a:ln>
+            <a:noFill/>
+          </a:ln>
+          <a:extLst>
+            <a:ext uri="{909E8E84-426E-40DD-AFC4-6F175D3DCCD1}">
+              <a14:hiddenFill xmlns:a14="http://schemas.microsoft.com/office/drawing/2010/main">
+                <a:solidFill>
+                  <a:schemeClr val="accent1"/>
+                </a:solidFill>
+              </a14:hiddenFill>
+            </a:ext>
+            <a:ext uri="{91240B29-F687-4F45-9708-019B960494DF}">
+              <a14:hiddenLine xmlns:a14="http://schemas.microsoft.com/office/drawing/2010/main" w="9525">
+                <a:solidFill>
+                  <a:schemeClr val="tx1"/>
+                </a:solidFill>
+                <a:miter lim="800000"/>
+                <a:headEnd/>
+                <a:tailEnd/>
+              </a14:hiddenLine>
+            </a:ext>
+          </a:extLst>
+        </p:spPr>
+      </p:pic>
+    </p:spTree>
+    <p:extLst>
+      <p:ext uri="{BB962C8B-B14F-4D97-AF65-F5344CB8AC3E}">
+        <p14:creationId xmlns:p14="http://schemas.microsoft.com/office/powerpoint/2010/main" val="326179920"/>
       </p:ext>
     </p:extLst>
   </p:cSld>

--- a/pictures.pptx
+++ b/pictures.pptx
@@ -24,6 +24,7 @@
     <p:sldId id="272" r:id="rId18"/>
     <p:sldId id="273" r:id="rId19"/>
     <p:sldId id="274" r:id="rId20"/>
+    <p:sldId id="275" r:id="rId21"/>
   </p:sldIdLst>
   <p:sldSz cx="9144000" cy="6858000" type="screen4x3"/>
   <p:notesSz cx="6858000" cy="9144000"/>
@@ -6389,6 +6390,601 @@
       <dsp:cNvGrpSpPr/>
     </dsp:nvGrpSpPr>
     <dsp:grpSpPr/>
+    <dsp:sp modelId="{09A00682-3313-476D-9195-849AA0621560}">
+      <dsp:nvSpPr>
+        <dsp:cNvPr id="0" name=""/>
+        <dsp:cNvSpPr/>
+      </dsp:nvSpPr>
+      <dsp:spPr>
+        <a:xfrm>
+          <a:off x="0" y="1397793"/>
+          <a:ext cx="1393031" cy="557212"/>
+        </a:xfrm>
+        <a:prstGeom prst="chevron">
+          <a:avLst/>
+        </a:prstGeom>
+        <a:solidFill>
+          <a:schemeClr val="accent1">
+            <a:hueOff val="0"/>
+            <a:satOff val="0"/>
+            <a:lumOff val="0"/>
+            <a:alphaOff val="0"/>
+          </a:schemeClr>
+        </a:solidFill>
+        <a:ln w="25400" cap="flat" cmpd="sng" algn="ctr">
+          <a:solidFill>
+            <a:schemeClr val="lt1">
+              <a:hueOff val="0"/>
+              <a:satOff val="0"/>
+              <a:lumOff val="0"/>
+              <a:alphaOff val="0"/>
+            </a:schemeClr>
+          </a:solidFill>
+          <a:prstDash val="solid"/>
+        </a:ln>
+        <a:effectLst/>
+      </dsp:spPr>
+      <dsp:style>
+        <a:lnRef idx="2">
+          <a:scrgbClr r="0" g="0" b="0"/>
+        </a:lnRef>
+        <a:fillRef idx="1">
+          <a:scrgbClr r="0" g="0" b="0"/>
+        </a:fillRef>
+        <a:effectRef idx="0">
+          <a:scrgbClr r="0" g="0" b="0"/>
+        </a:effectRef>
+        <a:fontRef idx="minor">
+          <a:schemeClr val="lt1"/>
+        </a:fontRef>
+      </dsp:style>
+      <dsp:txBody>
+        <a:bodyPr spcFirstLastPara="0" vert="horz" wrap="square" lIns="40005" tIns="13335" rIns="13335" bIns="13335" numCol="1" spcCol="1270" anchor="ctr" anchorCtr="0">
+          <a:noAutofit/>
+        </a:bodyPr>
+        <a:lstStyle/>
+        <a:p>
+          <a:pPr lvl="0" algn="ctr" defTabSz="444500">
+            <a:lnSpc>
+              <a:spcPct val="90000"/>
+            </a:lnSpc>
+            <a:spcBef>
+              <a:spcPct val="0"/>
+            </a:spcBef>
+            <a:spcAft>
+              <a:spcPct val="35000"/>
+            </a:spcAft>
+          </a:pPr>
+          <a:r>
+            <a:rPr lang="en-US" sz="1000" kern="1200" dirty="0" smtClean="0">
+              <a:solidFill>
+                <a:schemeClr val="tx1"/>
+              </a:solidFill>
+            </a:rPr>
+            <a:t>Input Parsing</a:t>
+          </a:r>
+          <a:endParaRPr lang="en-US" sz="1000" kern="1200" dirty="0">
+            <a:solidFill>
+              <a:schemeClr val="tx1"/>
+            </a:solidFill>
+          </a:endParaRPr>
+        </a:p>
+      </dsp:txBody>
+      <dsp:txXfrm>
+        <a:off x="278606" y="1397793"/>
+        <a:ext cx="835819" cy="557212"/>
+      </dsp:txXfrm>
+    </dsp:sp>
+    <dsp:sp modelId="{771B5359-AC59-491F-AE7E-C91287E4A360}">
+      <dsp:nvSpPr>
+        <dsp:cNvPr id="0" name=""/>
+        <dsp:cNvSpPr/>
+      </dsp:nvSpPr>
+      <dsp:spPr>
+        <a:xfrm>
+          <a:off x="1253728" y="1397793"/>
+          <a:ext cx="1393031" cy="557212"/>
+        </a:xfrm>
+        <a:prstGeom prst="chevron">
+          <a:avLst/>
+        </a:prstGeom>
+        <a:solidFill>
+          <a:schemeClr val="accent1">
+            <a:hueOff val="0"/>
+            <a:satOff val="0"/>
+            <a:lumOff val="0"/>
+            <a:alphaOff val="0"/>
+          </a:schemeClr>
+        </a:solidFill>
+        <a:ln w="25400" cap="flat" cmpd="sng" algn="ctr">
+          <a:solidFill>
+            <a:schemeClr val="lt1">
+              <a:hueOff val="0"/>
+              <a:satOff val="0"/>
+              <a:lumOff val="0"/>
+              <a:alphaOff val="0"/>
+            </a:schemeClr>
+          </a:solidFill>
+          <a:prstDash val="solid"/>
+        </a:ln>
+        <a:effectLst/>
+      </dsp:spPr>
+      <dsp:style>
+        <a:lnRef idx="2">
+          <a:scrgbClr r="0" g="0" b="0"/>
+        </a:lnRef>
+        <a:fillRef idx="1">
+          <a:scrgbClr r="0" g="0" b="0"/>
+        </a:fillRef>
+        <a:effectRef idx="0">
+          <a:scrgbClr r="0" g="0" b="0"/>
+        </a:effectRef>
+        <a:fontRef idx="minor">
+          <a:schemeClr val="lt1"/>
+        </a:fontRef>
+      </dsp:style>
+      <dsp:txBody>
+        <a:bodyPr spcFirstLastPara="0" vert="horz" wrap="square" lIns="40005" tIns="13335" rIns="13335" bIns="13335" numCol="1" spcCol="1270" anchor="ctr" anchorCtr="0">
+          <a:noAutofit/>
+        </a:bodyPr>
+        <a:lstStyle/>
+        <a:p>
+          <a:pPr lvl="0" algn="ctr" defTabSz="444500">
+            <a:lnSpc>
+              <a:spcPct val="90000"/>
+            </a:lnSpc>
+            <a:spcBef>
+              <a:spcPct val="0"/>
+            </a:spcBef>
+            <a:spcAft>
+              <a:spcPct val="35000"/>
+            </a:spcAft>
+          </a:pPr>
+          <a:r>
+            <a:rPr lang="en-US" sz="1000" kern="1200" dirty="0" smtClean="0">
+              <a:solidFill>
+                <a:schemeClr val="tx1"/>
+              </a:solidFill>
+            </a:rPr>
+            <a:t>Print object arrangement</a:t>
+          </a:r>
+          <a:endParaRPr lang="en-US" sz="1000" kern="1200" dirty="0">
+            <a:solidFill>
+              <a:schemeClr val="tx1"/>
+            </a:solidFill>
+          </a:endParaRPr>
+        </a:p>
+      </dsp:txBody>
+      <dsp:txXfrm>
+        <a:off x="1532334" y="1397793"/>
+        <a:ext cx="835819" cy="557212"/>
+      </dsp:txXfrm>
+    </dsp:sp>
+    <dsp:sp modelId="{5535CA09-926A-457A-A4B7-21390F15F94F}">
+      <dsp:nvSpPr>
+        <dsp:cNvPr id="0" name=""/>
+        <dsp:cNvSpPr/>
+      </dsp:nvSpPr>
+      <dsp:spPr>
+        <a:xfrm>
+          <a:off x="2507456" y="1397793"/>
+          <a:ext cx="1393031" cy="557212"/>
+        </a:xfrm>
+        <a:prstGeom prst="chevron">
+          <a:avLst/>
+        </a:prstGeom>
+        <a:solidFill>
+          <a:schemeClr val="accent1">
+            <a:hueOff val="0"/>
+            <a:satOff val="0"/>
+            <a:lumOff val="0"/>
+            <a:alphaOff val="0"/>
+          </a:schemeClr>
+        </a:solidFill>
+        <a:ln w="25400" cap="flat" cmpd="sng" algn="ctr">
+          <a:solidFill>
+            <a:schemeClr val="lt1">
+              <a:hueOff val="0"/>
+              <a:satOff val="0"/>
+              <a:lumOff val="0"/>
+              <a:alphaOff val="0"/>
+            </a:schemeClr>
+          </a:solidFill>
+          <a:prstDash val="solid"/>
+        </a:ln>
+        <a:effectLst/>
+      </dsp:spPr>
+      <dsp:style>
+        <a:lnRef idx="2">
+          <a:scrgbClr r="0" g="0" b="0"/>
+        </a:lnRef>
+        <a:fillRef idx="1">
+          <a:scrgbClr r="0" g="0" b="0"/>
+        </a:fillRef>
+        <a:effectRef idx="0">
+          <a:scrgbClr r="0" g="0" b="0"/>
+        </a:effectRef>
+        <a:fontRef idx="minor">
+          <a:schemeClr val="lt1"/>
+        </a:fontRef>
+      </dsp:style>
+      <dsp:txBody>
+        <a:bodyPr spcFirstLastPara="0" vert="horz" wrap="square" lIns="40005" tIns="13335" rIns="13335" bIns="13335" numCol="1" spcCol="1270" anchor="ctr" anchorCtr="0">
+          <a:noAutofit/>
+        </a:bodyPr>
+        <a:lstStyle/>
+        <a:p>
+          <a:pPr lvl="0" algn="ctr" defTabSz="444500">
+            <a:lnSpc>
+              <a:spcPct val="90000"/>
+            </a:lnSpc>
+            <a:spcBef>
+              <a:spcPct val="0"/>
+            </a:spcBef>
+            <a:spcAft>
+              <a:spcPct val="35000"/>
+            </a:spcAft>
+          </a:pPr>
+          <a:r>
+            <a:rPr lang="en-US" sz="1000" kern="1200" dirty="0" smtClean="0">
+              <a:solidFill>
+                <a:schemeClr val="tx1"/>
+              </a:solidFill>
+            </a:rPr>
+            <a:t>Rasterization &amp; Voxelization</a:t>
+          </a:r>
+          <a:endParaRPr lang="en-US" sz="1000" kern="1200" dirty="0">
+            <a:solidFill>
+              <a:schemeClr val="tx1"/>
+            </a:solidFill>
+          </a:endParaRPr>
+        </a:p>
+      </dsp:txBody>
+      <dsp:txXfrm>
+        <a:off x="2786062" y="1397793"/>
+        <a:ext cx="835819" cy="557212"/>
+      </dsp:txXfrm>
+    </dsp:sp>
+    <dsp:sp modelId="{9D68CD03-B1A7-4BEA-B058-FD22B6150897}">
+      <dsp:nvSpPr>
+        <dsp:cNvPr id="0" name=""/>
+        <dsp:cNvSpPr/>
+      </dsp:nvSpPr>
+      <dsp:spPr>
+        <a:xfrm>
+          <a:off x="3761184" y="1397793"/>
+          <a:ext cx="1393031" cy="557212"/>
+        </a:xfrm>
+        <a:prstGeom prst="chevron">
+          <a:avLst/>
+        </a:prstGeom>
+        <a:solidFill>
+          <a:schemeClr val="accent1">
+            <a:hueOff val="0"/>
+            <a:satOff val="0"/>
+            <a:lumOff val="0"/>
+            <a:alphaOff val="0"/>
+          </a:schemeClr>
+        </a:solidFill>
+        <a:ln w="25400" cap="flat" cmpd="sng" algn="ctr">
+          <a:solidFill>
+            <a:schemeClr val="lt1">
+              <a:hueOff val="0"/>
+              <a:satOff val="0"/>
+              <a:lumOff val="0"/>
+              <a:alphaOff val="0"/>
+            </a:schemeClr>
+          </a:solidFill>
+          <a:prstDash val="solid"/>
+        </a:ln>
+        <a:effectLst/>
+      </dsp:spPr>
+      <dsp:style>
+        <a:lnRef idx="2">
+          <a:scrgbClr r="0" g="0" b="0"/>
+        </a:lnRef>
+        <a:fillRef idx="1">
+          <a:scrgbClr r="0" g="0" b="0"/>
+        </a:fillRef>
+        <a:effectRef idx="0">
+          <a:scrgbClr r="0" g="0" b="0"/>
+        </a:effectRef>
+        <a:fontRef idx="minor">
+          <a:schemeClr val="lt1"/>
+        </a:fontRef>
+      </dsp:style>
+      <dsp:txBody>
+        <a:bodyPr spcFirstLastPara="0" vert="horz" wrap="square" lIns="40005" tIns="13335" rIns="13335" bIns="13335" numCol="1" spcCol="1270" anchor="ctr" anchorCtr="0">
+          <a:noAutofit/>
+        </a:bodyPr>
+        <a:lstStyle/>
+        <a:p>
+          <a:pPr lvl="0" algn="ctr" defTabSz="444500">
+            <a:lnSpc>
+              <a:spcPct val="90000"/>
+            </a:lnSpc>
+            <a:spcBef>
+              <a:spcPct val="0"/>
+            </a:spcBef>
+            <a:spcAft>
+              <a:spcPct val="35000"/>
+            </a:spcAft>
+          </a:pPr>
+          <a:r>
+            <a:rPr lang="en-US" sz="1000" kern="1200" dirty="0" smtClean="0">
+              <a:solidFill>
+                <a:schemeClr val="tx1"/>
+              </a:solidFill>
+            </a:rPr>
+            <a:t>Tonal Value Calculation</a:t>
+          </a:r>
+          <a:endParaRPr lang="en-US" sz="1000" kern="1200" dirty="0">
+            <a:solidFill>
+              <a:schemeClr val="tx1"/>
+            </a:solidFill>
+          </a:endParaRPr>
+        </a:p>
+      </dsp:txBody>
+      <dsp:txXfrm>
+        <a:off x="4039790" y="1397793"/>
+        <a:ext cx="835819" cy="557212"/>
+      </dsp:txXfrm>
+    </dsp:sp>
+    <dsp:sp modelId="{47EC26A5-DB58-47F3-B21F-7ECE3520D744}">
+      <dsp:nvSpPr>
+        <dsp:cNvPr id="0" name=""/>
+        <dsp:cNvSpPr/>
+      </dsp:nvSpPr>
+      <dsp:spPr>
+        <a:xfrm>
+          <a:off x="5014912" y="1397793"/>
+          <a:ext cx="1393031" cy="557212"/>
+        </a:xfrm>
+        <a:prstGeom prst="chevron">
+          <a:avLst/>
+        </a:prstGeom>
+        <a:solidFill>
+          <a:schemeClr val="accent1">
+            <a:hueOff val="0"/>
+            <a:satOff val="0"/>
+            <a:lumOff val="0"/>
+            <a:alphaOff val="0"/>
+          </a:schemeClr>
+        </a:solidFill>
+        <a:ln w="25400" cap="flat" cmpd="sng" algn="ctr">
+          <a:solidFill>
+            <a:schemeClr val="lt1">
+              <a:hueOff val="0"/>
+              <a:satOff val="0"/>
+              <a:lumOff val="0"/>
+              <a:alphaOff val="0"/>
+            </a:schemeClr>
+          </a:solidFill>
+          <a:prstDash val="solid"/>
+        </a:ln>
+        <a:effectLst/>
+      </dsp:spPr>
+      <dsp:style>
+        <a:lnRef idx="2">
+          <a:scrgbClr r="0" g="0" b="0"/>
+        </a:lnRef>
+        <a:fillRef idx="1">
+          <a:scrgbClr r="0" g="0" b="0"/>
+        </a:fillRef>
+        <a:effectRef idx="0">
+          <a:scrgbClr r="0" g="0" b="0"/>
+        </a:effectRef>
+        <a:fontRef idx="minor">
+          <a:schemeClr val="lt1"/>
+        </a:fontRef>
+      </dsp:style>
+      <dsp:txBody>
+        <a:bodyPr spcFirstLastPara="0" vert="horz" wrap="square" lIns="40005" tIns="13335" rIns="13335" bIns="13335" numCol="1" spcCol="1270" anchor="ctr" anchorCtr="0">
+          <a:noAutofit/>
+        </a:bodyPr>
+        <a:lstStyle/>
+        <a:p>
+          <a:pPr lvl="0" algn="ctr" defTabSz="444500">
+            <a:lnSpc>
+              <a:spcPct val="90000"/>
+            </a:lnSpc>
+            <a:spcBef>
+              <a:spcPct val="0"/>
+            </a:spcBef>
+            <a:spcAft>
+              <a:spcPct val="35000"/>
+            </a:spcAft>
+          </a:pPr>
+          <a:r>
+            <a:rPr lang="en-US" sz="1000" kern="1200" dirty="0" smtClean="0">
+              <a:solidFill>
+                <a:schemeClr val="tx1"/>
+              </a:solidFill>
+            </a:rPr>
+            <a:t>Layer Extraction and Half-toning</a:t>
+          </a:r>
+          <a:endParaRPr lang="en-US" sz="1000" kern="1200" dirty="0">
+            <a:solidFill>
+              <a:schemeClr val="tx1"/>
+            </a:solidFill>
+          </a:endParaRPr>
+        </a:p>
+      </dsp:txBody>
+      <dsp:txXfrm>
+        <a:off x="5293518" y="1397793"/>
+        <a:ext cx="835819" cy="557212"/>
+      </dsp:txXfrm>
+    </dsp:sp>
+    <dsp:sp modelId="{1214DDDF-E3A3-4EB3-BFBD-CAE78864CA50}">
+      <dsp:nvSpPr>
+        <dsp:cNvPr id="0" name=""/>
+        <dsp:cNvSpPr/>
+      </dsp:nvSpPr>
+      <dsp:spPr>
+        <a:xfrm>
+          <a:off x="6268640" y="1397793"/>
+          <a:ext cx="1393031" cy="557212"/>
+        </a:xfrm>
+        <a:prstGeom prst="chevron">
+          <a:avLst/>
+        </a:prstGeom>
+        <a:solidFill>
+          <a:schemeClr val="accent1">
+            <a:hueOff val="0"/>
+            <a:satOff val="0"/>
+            <a:lumOff val="0"/>
+            <a:alphaOff val="0"/>
+          </a:schemeClr>
+        </a:solidFill>
+        <a:ln w="25400" cap="flat" cmpd="sng" algn="ctr">
+          <a:solidFill>
+            <a:schemeClr val="lt1">
+              <a:hueOff val="0"/>
+              <a:satOff val="0"/>
+              <a:lumOff val="0"/>
+              <a:alphaOff val="0"/>
+            </a:schemeClr>
+          </a:solidFill>
+          <a:prstDash val="solid"/>
+        </a:ln>
+        <a:effectLst/>
+      </dsp:spPr>
+      <dsp:style>
+        <a:lnRef idx="2">
+          <a:scrgbClr r="0" g="0" b="0"/>
+        </a:lnRef>
+        <a:fillRef idx="1">
+          <a:scrgbClr r="0" g="0" b="0"/>
+        </a:fillRef>
+        <a:effectRef idx="0">
+          <a:scrgbClr r="0" g="0" b="0"/>
+        </a:effectRef>
+        <a:fontRef idx="minor">
+          <a:schemeClr val="lt1"/>
+        </a:fontRef>
+      </dsp:style>
+      <dsp:txBody>
+        <a:bodyPr spcFirstLastPara="0" vert="horz" wrap="square" lIns="40005" tIns="13335" rIns="13335" bIns="13335" numCol="1" spcCol="1270" anchor="ctr" anchorCtr="0">
+          <a:noAutofit/>
+        </a:bodyPr>
+        <a:lstStyle/>
+        <a:p>
+          <a:pPr lvl="0" algn="ctr" defTabSz="444500">
+            <a:lnSpc>
+              <a:spcPct val="90000"/>
+            </a:lnSpc>
+            <a:spcBef>
+              <a:spcPct val="0"/>
+            </a:spcBef>
+            <a:spcAft>
+              <a:spcPct val="35000"/>
+            </a:spcAft>
+          </a:pPr>
+          <a:r>
+            <a:rPr lang="en-US" sz="1000" kern="1200" dirty="0" smtClean="0">
+              <a:solidFill>
+                <a:schemeClr val="tx1"/>
+              </a:solidFill>
+            </a:rPr>
+            <a:t>Surface Distance Evaluation</a:t>
+          </a:r>
+          <a:endParaRPr lang="en-US" sz="1000" kern="1200" dirty="0">
+            <a:solidFill>
+              <a:schemeClr val="tx1"/>
+            </a:solidFill>
+          </a:endParaRPr>
+        </a:p>
+      </dsp:txBody>
+      <dsp:txXfrm>
+        <a:off x="6547246" y="1397793"/>
+        <a:ext cx="835819" cy="557212"/>
+      </dsp:txXfrm>
+    </dsp:sp>
+    <dsp:sp modelId="{5D5D5C88-985A-485D-991E-57409E5BC77A}">
+      <dsp:nvSpPr>
+        <dsp:cNvPr id="0" name=""/>
+        <dsp:cNvSpPr/>
+      </dsp:nvSpPr>
+      <dsp:spPr>
+        <a:xfrm>
+          <a:off x="7522368" y="1397793"/>
+          <a:ext cx="1393031" cy="557212"/>
+        </a:xfrm>
+        <a:prstGeom prst="chevron">
+          <a:avLst/>
+        </a:prstGeom>
+        <a:solidFill>
+          <a:schemeClr val="accent1">
+            <a:hueOff val="0"/>
+            <a:satOff val="0"/>
+            <a:lumOff val="0"/>
+            <a:alphaOff val="0"/>
+          </a:schemeClr>
+        </a:solidFill>
+        <a:ln w="25400" cap="flat" cmpd="sng" algn="ctr">
+          <a:solidFill>
+            <a:schemeClr val="lt1">
+              <a:hueOff val="0"/>
+              <a:satOff val="0"/>
+              <a:lumOff val="0"/>
+              <a:alphaOff val="0"/>
+            </a:schemeClr>
+          </a:solidFill>
+          <a:prstDash val="solid"/>
+        </a:ln>
+        <a:effectLst/>
+      </dsp:spPr>
+      <dsp:style>
+        <a:lnRef idx="2">
+          <a:scrgbClr r="0" g="0" b="0"/>
+        </a:lnRef>
+        <a:fillRef idx="1">
+          <a:scrgbClr r="0" g="0" b="0"/>
+        </a:fillRef>
+        <a:effectRef idx="0">
+          <a:scrgbClr r="0" g="0" b="0"/>
+        </a:effectRef>
+        <a:fontRef idx="minor">
+          <a:schemeClr val="lt1"/>
+        </a:fontRef>
+      </dsp:style>
+      <dsp:txBody>
+        <a:bodyPr spcFirstLastPara="0" vert="horz" wrap="square" lIns="40005" tIns="13335" rIns="13335" bIns="13335" numCol="1" spcCol="1270" anchor="ctr" anchorCtr="0">
+          <a:noAutofit/>
+        </a:bodyPr>
+        <a:lstStyle/>
+        <a:p>
+          <a:pPr lvl="0" algn="ctr" defTabSz="444500">
+            <a:lnSpc>
+              <a:spcPct val="90000"/>
+            </a:lnSpc>
+            <a:spcBef>
+              <a:spcPct val="0"/>
+            </a:spcBef>
+            <a:spcAft>
+              <a:spcPct val="35000"/>
+            </a:spcAft>
+          </a:pPr>
+          <a:r>
+            <a:rPr lang="en-US" sz="1000" kern="1200" dirty="0" smtClean="0">
+              <a:solidFill>
+                <a:schemeClr val="tx1"/>
+              </a:solidFill>
+            </a:rPr>
+            <a:t>Output Generation</a:t>
+          </a:r>
+          <a:endParaRPr lang="en-US" sz="1000" kern="1200" dirty="0">
+            <a:solidFill>
+              <a:schemeClr val="tx1"/>
+            </a:solidFill>
+          </a:endParaRPr>
+        </a:p>
+      </dsp:txBody>
+      <dsp:txXfrm>
+        <a:off x="7800974" y="1397793"/>
+        <a:ext cx="835819" cy="557212"/>
+      </dsp:txXfrm>
+    </dsp:sp>
   </dsp:spTree>
 </dsp:drawing>
 </file>
@@ -6401,6 +6997,601 @@
       <dsp:cNvGrpSpPr/>
     </dsp:nvGrpSpPr>
     <dsp:grpSpPr/>
+    <dsp:sp modelId="{09A00682-3313-476D-9195-849AA0621560}">
+      <dsp:nvSpPr>
+        <dsp:cNvPr id="0" name=""/>
+        <dsp:cNvSpPr/>
+      </dsp:nvSpPr>
+      <dsp:spPr>
+        <a:xfrm>
+          <a:off x="0" y="1397793"/>
+          <a:ext cx="1393031" cy="557212"/>
+        </a:xfrm>
+        <a:prstGeom prst="chevron">
+          <a:avLst/>
+        </a:prstGeom>
+        <a:solidFill>
+          <a:schemeClr val="accent1">
+            <a:hueOff val="0"/>
+            <a:satOff val="0"/>
+            <a:lumOff val="0"/>
+            <a:alphaOff val="0"/>
+          </a:schemeClr>
+        </a:solidFill>
+        <a:ln w="25400" cap="flat" cmpd="sng" algn="ctr">
+          <a:solidFill>
+            <a:schemeClr val="lt1">
+              <a:hueOff val="0"/>
+              <a:satOff val="0"/>
+              <a:lumOff val="0"/>
+              <a:alphaOff val="0"/>
+            </a:schemeClr>
+          </a:solidFill>
+          <a:prstDash val="solid"/>
+        </a:ln>
+        <a:effectLst/>
+      </dsp:spPr>
+      <dsp:style>
+        <a:lnRef idx="2">
+          <a:scrgbClr r="0" g="0" b="0"/>
+        </a:lnRef>
+        <a:fillRef idx="1">
+          <a:scrgbClr r="0" g="0" b="0"/>
+        </a:fillRef>
+        <a:effectRef idx="0">
+          <a:scrgbClr r="0" g="0" b="0"/>
+        </a:effectRef>
+        <a:fontRef idx="minor">
+          <a:schemeClr val="lt1"/>
+        </a:fontRef>
+      </dsp:style>
+      <dsp:txBody>
+        <a:bodyPr spcFirstLastPara="0" vert="horz" wrap="square" lIns="40005" tIns="13335" rIns="13335" bIns="13335" numCol="1" spcCol="1270" anchor="ctr" anchorCtr="0">
+          <a:noAutofit/>
+        </a:bodyPr>
+        <a:lstStyle/>
+        <a:p>
+          <a:pPr lvl="0" algn="ctr" defTabSz="444500">
+            <a:lnSpc>
+              <a:spcPct val="90000"/>
+            </a:lnSpc>
+            <a:spcBef>
+              <a:spcPct val="0"/>
+            </a:spcBef>
+            <a:spcAft>
+              <a:spcPct val="35000"/>
+            </a:spcAft>
+          </a:pPr>
+          <a:r>
+            <a:rPr lang="en-US" sz="1000" kern="1200" dirty="0" smtClean="0">
+              <a:solidFill>
+                <a:schemeClr val="tx1"/>
+              </a:solidFill>
+            </a:rPr>
+            <a:t>Input Parsing</a:t>
+          </a:r>
+          <a:endParaRPr lang="en-US" sz="1000" kern="1200" dirty="0">
+            <a:solidFill>
+              <a:schemeClr val="tx1"/>
+            </a:solidFill>
+          </a:endParaRPr>
+        </a:p>
+      </dsp:txBody>
+      <dsp:txXfrm>
+        <a:off x="278606" y="1397793"/>
+        <a:ext cx="835819" cy="557212"/>
+      </dsp:txXfrm>
+    </dsp:sp>
+    <dsp:sp modelId="{771B5359-AC59-491F-AE7E-C91287E4A360}">
+      <dsp:nvSpPr>
+        <dsp:cNvPr id="0" name=""/>
+        <dsp:cNvSpPr/>
+      </dsp:nvSpPr>
+      <dsp:spPr>
+        <a:xfrm>
+          <a:off x="1253728" y="1397793"/>
+          <a:ext cx="1393031" cy="557212"/>
+        </a:xfrm>
+        <a:prstGeom prst="chevron">
+          <a:avLst/>
+        </a:prstGeom>
+        <a:solidFill>
+          <a:schemeClr val="accent1">
+            <a:hueOff val="0"/>
+            <a:satOff val="0"/>
+            <a:lumOff val="0"/>
+            <a:alphaOff val="0"/>
+          </a:schemeClr>
+        </a:solidFill>
+        <a:ln w="25400" cap="flat" cmpd="sng" algn="ctr">
+          <a:solidFill>
+            <a:schemeClr val="lt1">
+              <a:hueOff val="0"/>
+              <a:satOff val="0"/>
+              <a:lumOff val="0"/>
+              <a:alphaOff val="0"/>
+            </a:schemeClr>
+          </a:solidFill>
+          <a:prstDash val="solid"/>
+        </a:ln>
+        <a:effectLst/>
+      </dsp:spPr>
+      <dsp:style>
+        <a:lnRef idx="2">
+          <a:scrgbClr r="0" g="0" b="0"/>
+        </a:lnRef>
+        <a:fillRef idx="1">
+          <a:scrgbClr r="0" g="0" b="0"/>
+        </a:fillRef>
+        <a:effectRef idx="0">
+          <a:scrgbClr r="0" g="0" b="0"/>
+        </a:effectRef>
+        <a:fontRef idx="minor">
+          <a:schemeClr val="lt1"/>
+        </a:fontRef>
+      </dsp:style>
+      <dsp:txBody>
+        <a:bodyPr spcFirstLastPara="0" vert="horz" wrap="square" lIns="40005" tIns="13335" rIns="13335" bIns="13335" numCol="1" spcCol="1270" anchor="ctr" anchorCtr="0">
+          <a:noAutofit/>
+        </a:bodyPr>
+        <a:lstStyle/>
+        <a:p>
+          <a:pPr lvl="0" algn="ctr" defTabSz="444500">
+            <a:lnSpc>
+              <a:spcPct val="90000"/>
+            </a:lnSpc>
+            <a:spcBef>
+              <a:spcPct val="0"/>
+            </a:spcBef>
+            <a:spcAft>
+              <a:spcPct val="35000"/>
+            </a:spcAft>
+          </a:pPr>
+          <a:r>
+            <a:rPr lang="en-US" sz="1000" kern="1200" dirty="0" smtClean="0">
+              <a:solidFill>
+                <a:schemeClr val="tx1"/>
+              </a:solidFill>
+            </a:rPr>
+            <a:t>Print object arrangement</a:t>
+          </a:r>
+          <a:endParaRPr lang="en-US" sz="1000" kern="1200" dirty="0">
+            <a:solidFill>
+              <a:schemeClr val="tx1"/>
+            </a:solidFill>
+          </a:endParaRPr>
+        </a:p>
+      </dsp:txBody>
+      <dsp:txXfrm>
+        <a:off x="1532334" y="1397793"/>
+        <a:ext cx="835819" cy="557212"/>
+      </dsp:txXfrm>
+    </dsp:sp>
+    <dsp:sp modelId="{5535CA09-926A-457A-A4B7-21390F15F94F}">
+      <dsp:nvSpPr>
+        <dsp:cNvPr id="0" name=""/>
+        <dsp:cNvSpPr/>
+      </dsp:nvSpPr>
+      <dsp:spPr>
+        <a:xfrm>
+          <a:off x="2507456" y="1397793"/>
+          <a:ext cx="1393031" cy="557212"/>
+        </a:xfrm>
+        <a:prstGeom prst="chevron">
+          <a:avLst/>
+        </a:prstGeom>
+        <a:solidFill>
+          <a:schemeClr val="accent1">
+            <a:hueOff val="0"/>
+            <a:satOff val="0"/>
+            <a:lumOff val="0"/>
+            <a:alphaOff val="0"/>
+          </a:schemeClr>
+        </a:solidFill>
+        <a:ln w="25400" cap="flat" cmpd="sng" algn="ctr">
+          <a:solidFill>
+            <a:schemeClr val="lt1">
+              <a:hueOff val="0"/>
+              <a:satOff val="0"/>
+              <a:lumOff val="0"/>
+              <a:alphaOff val="0"/>
+            </a:schemeClr>
+          </a:solidFill>
+          <a:prstDash val="solid"/>
+        </a:ln>
+        <a:effectLst/>
+      </dsp:spPr>
+      <dsp:style>
+        <a:lnRef idx="2">
+          <a:scrgbClr r="0" g="0" b="0"/>
+        </a:lnRef>
+        <a:fillRef idx="1">
+          <a:scrgbClr r="0" g="0" b="0"/>
+        </a:fillRef>
+        <a:effectRef idx="0">
+          <a:scrgbClr r="0" g="0" b="0"/>
+        </a:effectRef>
+        <a:fontRef idx="minor">
+          <a:schemeClr val="lt1"/>
+        </a:fontRef>
+      </dsp:style>
+      <dsp:txBody>
+        <a:bodyPr spcFirstLastPara="0" vert="horz" wrap="square" lIns="40005" tIns="13335" rIns="13335" bIns="13335" numCol="1" spcCol="1270" anchor="ctr" anchorCtr="0">
+          <a:noAutofit/>
+        </a:bodyPr>
+        <a:lstStyle/>
+        <a:p>
+          <a:pPr lvl="0" algn="ctr" defTabSz="444500">
+            <a:lnSpc>
+              <a:spcPct val="90000"/>
+            </a:lnSpc>
+            <a:spcBef>
+              <a:spcPct val="0"/>
+            </a:spcBef>
+            <a:spcAft>
+              <a:spcPct val="35000"/>
+            </a:spcAft>
+          </a:pPr>
+          <a:r>
+            <a:rPr lang="en-US" sz="1000" kern="1200" dirty="0" smtClean="0">
+              <a:solidFill>
+                <a:schemeClr val="tx1"/>
+              </a:solidFill>
+            </a:rPr>
+            <a:t>Rasterization &amp; Voxelization</a:t>
+          </a:r>
+          <a:endParaRPr lang="en-US" sz="1000" kern="1200" dirty="0">
+            <a:solidFill>
+              <a:schemeClr val="tx1"/>
+            </a:solidFill>
+          </a:endParaRPr>
+        </a:p>
+      </dsp:txBody>
+      <dsp:txXfrm>
+        <a:off x="2786062" y="1397793"/>
+        <a:ext cx="835819" cy="557212"/>
+      </dsp:txXfrm>
+    </dsp:sp>
+    <dsp:sp modelId="{9D68CD03-B1A7-4BEA-B058-FD22B6150897}">
+      <dsp:nvSpPr>
+        <dsp:cNvPr id="0" name=""/>
+        <dsp:cNvSpPr/>
+      </dsp:nvSpPr>
+      <dsp:spPr>
+        <a:xfrm>
+          <a:off x="3761184" y="1397793"/>
+          <a:ext cx="1393031" cy="557212"/>
+        </a:xfrm>
+        <a:prstGeom prst="chevron">
+          <a:avLst/>
+        </a:prstGeom>
+        <a:solidFill>
+          <a:schemeClr val="accent1">
+            <a:hueOff val="0"/>
+            <a:satOff val="0"/>
+            <a:lumOff val="0"/>
+            <a:alphaOff val="0"/>
+          </a:schemeClr>
+        </a:solidFill>
+        <a:ln w="25400" cap="flat" cmpd="sng" algn="ctr">
+          <a:solidFill>
+            <a:schemeClr val="lt1">
+              <a:hueOff val="0"/>
+              <a:satOff val="0"/>
+              <a:lumOff val="0"/>
+              <a:alphaOff val="0"/>
+            </a:schemeClr>
+          </a:solidFill>
+          <a:prstDash val="solid"/>
+        </a:ln>
+        <a:effectLst/>
+      </dsp:spPr>
+      <dsp:style>
+        <a:lnRef idx="2">
+          <a:scrgbClr r="0" g="0" b="0"/>
+        </a:lnRef>
+        <a:fillRef idx="1">
+          <a:scrgbClr r="0" g="0" b="0"/>
+        </a:fillRef>
+        <a:effectRef idx="0">
+          <a:scrgbClr r="0" g="0" b="0"/>
+        </a:effectRef>
+        <a:fontRef idx="minor">
+          <a:schemeClr val="lt1"/>
+        </a:fontRef>
+      </dsp:style>
+      <dsp:txBody>
+        <a:bodyPr spcFirstLastPara="0" vert="horz" wrap="square" lIns="40005" tIns="13335" rIns="13335" bIns="13335" numCol="1" spcCol="1270" anchor="ctr" anchorCtr="0">
+          <a:noAutofit/>
+        </a:bodyPr>
+        <a:lstStyle/>
+        <a:p>
+          <a:pPr lvl="0" algn="ctr" defTabSz="444500">
+            <a:lnSpc>
+              <a:spcPct val="90000"/>
+            </a:lnSpc>
+            <a:spcBef>
+              <a:spcPct val="0"/>
+            </a:spcBef>
+            <a:spcAft>
+              <a:spcPct val="35000"/>
+            </a:spcAft>
+          </a:pPr>
+          <a:r>
+            <a:rPr lang="en-US" sz="1000" kern="1200" dirty="0" smtClean="0">
+              <a:solidFill>
+                <a:schemeClr val="tx1"/>
+              </a:solidFill>
+            </a:rPr>
+            <a:t>Tonal Value Calculation</a:t>
+          </a:r>
+          <a:endParaRPr lang="en-US" sz="1000" kern="1200" dirty="0">
+            <a:solidFill>
+              <a:schemeClr val="tx1"/>
+            </a:solidFill>
+          </a:endParaRPr>
+        </a:p>
+      </dsp:txBody>
+      <dsp:txXfrm>
+        <a:off x="4039790" y="1397793"/>
+        <a:ext cx="835819" cy="557212"/>
+      </dsp:txXfrm>
+    </dsp:sp>
+    <dsp:sp modelId="{47EC26A5-DB58-47F3-B21F-7ECE3520D744}">
+      <dsp:nvSpPr>
+        <dsp:cNvPr id="0" name=""/>
+        <dsp:cNvSpPr/>
+      </dsp:nvSpPr>
+      <dsp:spPr>
+        <a:xfrm>
+          <a:off x="5014912" y="1397793"/>
+          <a:ext cx="1393031" cy="557212"/>
+        </a:xfrm>
+        <a:prstGeom prst="chevron">
+          <a:avLst/>
+        </a:prstGeom>
+        <a:solidFill>
+          <a:schemeClr val="accent1">
+            <a:hueOff val="0"/>
+            <a:satOff val="0"/>
+            <a:lumOff val="0"/>
+            <a:alphaOff val="0"/>
+          </a:schemeClr>
+        </a:solidFill>
+        <a:ln w="25400" cap="flat" cmpd="sng" algn="ctr">
+          <a:solidFill>
+            <a:schemeClr val="lt1">
+              <a:hueOff val="0"/>
+              <a:satOff val="0"/>
+              <a:lumOff val="0"/>
+              <a:alphaOff val="0"/>
+            </a:schemeClr>
+          </a:solidFill>
+          <a:prstDash val="solid"/>
+        </a:ln>
+        <a:effectLst/>
+      </dsp:spPr>
+      <dsp:style>
+        <a:lnRef idx="2">
+          <a:scrgbClr r="0" g="0" b="0"/>
+        </a:lnRef>
+        <a:fillRef idx="1">
+          <a:scrgbClr r="0" g="0" b="0"/>
+        </a:fillRef>
+        <a:effectRef idx="0">
+          <a:scrgbClr r="0" g="0" b="0"/>
+        </a:effectRef>
+        <a:fontRef idx="minor">
+          <a:schemeClr val="lt1"/>
+        </a:fontRef>
+      </dsp:style>
+      <dsp:txBody>
+        <a:bodyPr spcFirstLastPara="0" vert="horz" wrap="square" lIns="40005" tIns="13335" rIns="13335" bIns="13335" numCol="1" spcCol="1270" anchor="ctr" anchorCtr="0">
+          <a:noAutofit/>
+        </a:bodyPr>
+        <a:lstStyle/>
+        <a:p>
+          <a:pPr lvl="0" algn="ctr" defTabSz="444500">
+            <a:lnSpc>
+              <a:spcPct val="90000"/>
+            </a:lnSpc>
+            <a:spcBef>
+              <a:spcPct val="0"/>
+            </a:spcBef>
+            <a:spcAft>
+              <a:spcPct val="35000"/>
+            </a:spcAft>
+          </a:pPr>
+          <a:r>
+            <a:rPr lang="en-US" sz="1000" kern="1200" dirty="0" smtClean="0">
+              <a:solidFill>
+                <a:schemeClr val="tx1"/>
+              </a:solidFill>
+            </a:rPr>
+            <a:t>Layer Extraction and Half-toning</a:t>
+          </a:r>
+          <a:endParaRPr lang="en-US" sz="1000" kern="1200" dirty="0">
+            <a:solidFill>
+              <a:schemeClr val="tx1"/>
+            </a:solidFill>
+          </a:endParaRPr>
+        </a:p>
+      </dsp:txBody>
+      <dsp:txXfrm>
+        <a:off x="5293518" y="1397793"/>
+        <a:ext cx="835819" cy="557212"/>
+      </dsp:txXfrm>
+    </dsp:sp>
+    <dsp:sp modelId="{1214DDDF-E3A3-4EB3-BFBD-CAE78864CA50}">
+      <dsp:nvSpPr>
+        <dsp:cNvPr id="0" name=""/>
+        <dsp:cNvSpPr/>
+      </dsp:nvSpPr>
+      <dsp:spPr>
+        <a:xfrm>
+          <a:off x="6268640" y="1397793"/>
+          <a:ext cx="1393031" cy="557212"/>
+        </a:xfrm>
+        <a:prstGeom prst="chevron">
+          <a:avLst/>
+        </a:prstGeom>
+        <a:solidFill>
+          <a:schemeClr val="accent1">
+            <a:hueOff val="0"/>
+            <a:satOff val="0"/>
+            <a:lumOff val="0"/>
+            <a:alphaOff val="0"/>
+          </a:schemeClr>
+        </a:solidFill>
+        <a:ln w="25400" cap="flat" cmpd="sng" algn="ctr">
+          <a:solidFill>
+            <a:schemeClr val="lt1">
+              <a:hueOff val="0"/>
+              <a:satOff val="0"/>
+              <a:lumOff val="0"/>
+              <a:alphaOff val="0"/>
+            </a:schemeClr>
+          </a:solidFill>
+          <a:prstDash val="solid"/>
+        </a:ln>
+        <a:effectLst/>
+      </dsp:spPr>
+      <dsp:style>
+        <a:lnRef idx="2">
+          <a:scrgbClr r="0" g="0" b="0"/>
+        </a:lnRef>
+        <a:fillRef idx="1">
+          <a:scrgbClr r="0" g="0" b="0"/>
+        </a:fillRef>
+        <a:effectRef idx="0">
+          <a:scrgbClr r="0" g="0" b="0"/>
+        </a:effectRef>
+        <a:fontRef idx="minor">
+          <a:schemeClr val="lt1"/>
+        </a:fontRef>
+      </dsp:style>
+      <dsp:txBody>
+        <a:bodyPr spcFirstLastPara="0" vert="horz" wrap="square" lIns="40005" tIns="13335" rIns="13335" bIns="13335" numCol="1" spcCol="1270" anchor="ctr" anchorCtr="0">
+          <a:noAutofit/>
+        </a:bodyPr>
+        <a:lstStyle/>
+        <a:p>
+          <a:pPr lvl="0" algn="ctr" defTabSz="444500">
+            <a:lnSpc>
+              <a:spcPct val="90000"/>
+            </a:lnSpc>
+            <a:spcBef>
+              <a:spcPct val="0"/>
+            </a:spcBef>
+            <a:spcAft>
+              <a:spcPct val="35000"/>
+            </a:spcAft>
+          </a:pPr>
+          <a:r>
+            <a:rPr lang="en-US" sz="1000" kern="1200" dirty="0" smtClean="0">
+              <a:solidFill>
+                <a:schemeClr val="tx1"/>
+              </a:solidFill>
+            </a:rPr>
+            <a:t>Surface Distance Evaluation</a:t>
+          </a:r>
+          <a:endParaRPr lang="en-US" sz="1000" kern="1200" dirty="0">
+            <a:solidFill>
+              <a:schemeClr val="tx1"/>
+            </a:solidFill>
+          </a:endParaRPr>
+        </a:p>
+      </dsp:txBody>
+      <dsp:txXfrm>
+        <a:off x="6547246" y="1397793"/>
+        <a:ext cx="835819" cy="557212"/>
+      </dsp:txXfrm>
+    </dsp:sp>
+    <dsp:sp modelId="{5D5D5C88-985A-485D-991E-57409E5BC77A}">
+      <dsp:nvSpPr>
+        <dsp:cNvPr id="0" name=""/>
+        <dsp:cNvSpPr/>
+      </dsp:nvSpPr>
+      <dsp:spPr>
+        <a:xfrm>
+          <a:off x="7522368" y="1397793"/>
+          <a:ext cx="1393031" cy="557212"/>
+        </a:xfrm>
+        <a:prstGeom prst="chevron">
+          <a:avLst/>
+        </a:prstGeom>
+        <a:solidFill>
+          <a:schemeClr val="accent1">
+            <a:hueOff val="0"/>
+            <a:satOff val="0"/>
+            <a:lumOff val="0"/>
+            <a:alphaOff val="0"/>
+          </a:schemeClr>
+        </a:solidFill>
+        <a:ln w="25400" cap="flat" cmpd="sng" algn="ctr">
+          <a:solidFill>
+            <a:schemeClr val="lt1">
+              <a:hueOff val="0"/>
+              <a:satOff val="0"/>
+              <a:lumOff val="0"/>
+              <a:alphaOff val="0"/>
+            </a:schemeClr>
+          </a:solidFill>
+          <a:prstDash val="solid"/>
+        </a:ln>
+        <a:effectLst/>
+      </dsp:spPr>
+      <dsp:style>
+        <a:lnRef idx="2">
+          <a:scrgbClr r="0" g="0" b="0"/>
+        </a:lnRef>
+        <a:fillRef idx="1">
+          <a:scrgbClr r="0" g="0" b="0"/>
+        </a:fillRef>
+        <a:effectRef idx="0">
+          <a:scrgbClr r="0" g="0" b="0"/>
+        </a:effectRef>
+        <a:fontRef idx="minor">
+          <a:schemeClr val="lt1"/>
+        </a:fontRef>
+      </dsp:style>
+      <dsp:txBody>
+        <a:bodyPr spcFirstLastPara="0" vert="horz" wrap="square" lIns="40005" tIns="13335" rIns="13335" bIns="13335" numCol="1" spcCol="1270" anchor="ctr" anchorCtr="0">
+          <a:noAutofit/>
+        </a:bodyPr>
+        <a:lstStyle/>
+        <a:p>
+          <a:pPr lvl="0" algn="ctr" defTabSz="444500">
+            <a:lnSpc>
+              <a:spcPct val="90000"/>
+            </a:lnSpc>
+            <a:spcBef>
+              <a:spcPct val="0"/>
+            </a:spcBef>
+            <a:spcAft>
+              <a:spcPct val="35000"/>
+            </a:spcAft>
+          </a:pPr>
+          <a:r>
+            <a:rPr lang="en-US" sz="1000" kern="1200" dirty="0" smtClean="0">
+              <a:solidFill>
+                <a:schemeClr val="tx1"/>
+              </a:solidFill>
+            </a:rPr>
+            <a:t>Output Generation</a:t>
+          </a:r>
+          <a:endParaRPr lang="en-US" sz="1000" kern="1200" dirty="0">
+            <a:solidFill>
+              <a:schemeClr val="tx1"/>
+            </a:solidFill>
+          </a:endParaRPr>
+        </a:p>
+      </dsp:txBody>
+      <dsp:txXfrm>
+        <a:off x="7800974" y="1397793"/>
+        <a:ext cx="835819" cy="557212"/>
+      </dsp:txXfrm>
+    </dsp:sp>
   </dsp:spTree>
 </dsp:drawing>
 </file>
@@ -6413,6 +7604,735 @@
       <dsp:cNvGrpSpPr/>
     </dsp:nvGrpSpPr>
     <dsp:grpSpPr/>
+    <dsp:sp modelId="{82B6CC98-E7D5-4D4E-ACD9-D9D53E7526DB}">
+      <dsp:nvSpPr>
+        <dsp:cNvPr id="0" name=""/>
+        <dsp:cNvSpPr/>
+      </dsp:nvSpPr>
+      <dsp:spPr>
+        <a:xfrm>
+          <a:off x="2841277" y="1079400"/>
+          <a:ext cx="1658541" cy="800206"/>
+        </a:xfrm>
+        <a:custGeom>
+          <a:avLst/>
+          <a:gdLst/>
+          <a:ahLst/>
+          <a:cxnLst/>
+          <a:rect l="0" t="0" r="0" b="0"/>
+          <a:pathLst>
+            <a:path>
+              <a:moveTo>
+                <a:pt x="0" y="0"/>
+              </a:moveTo>
+              <a:lnTo>
+                <a:pt x="0" y="558239"/>
+              </a:lnTo>
+              <a:lnTo>
+                <a:pt x="1658541" y="558239"/>
+              </a:lnTo>
+              <a:lnTo>
+                <a:pt x="1658541" y="800206"/>
+              </a:lnTo>
+            </a:path>
+          </a:pathLst>
+        </a:custGeom>
+        <a:noFill/>
+        <a:ln w="25400" cap="flat" cmpd="sng" algn="ctr">
+          <a:solidFill>
+            <a:schemeClr val="accent1">
+              <a:shade val="60000"/>
+              <a:hueOff val="0"/>
+              <a:satOff val="0"/>
+              <a:lumOff val="0"/>
+              <a:alphaOff val="0"/>
+            </a:schemeClr>
+          </a:solidFill>
+          <a:prstDash val="solid"/>
+        </a:ln>
+        <a:effectLst/>
+        <a:sp3d z="-40000" prstMaterial="matte"/>
+      </dsp:spPr>
+      <dsp:style>
+        <a:lnRef idx="2">
+          <a:scrgbClr r="0" g="0" b="0"/>
+        </a:lnRef>
+        <a:fillRef idx="0">
+          <a:scrgbClr r="0" g="0" b="0"/>
+        </a:fillRef>
+        <a:effectRef idx="0">
+          <a:scrgbClr r="0" g="0" b="0"/>
+        </a:effectRef>
+        <a:fontRef idx="minor"/>
+      </dsp:style>
+    </dsp:sp>
+    <dsp:sp modelId="{3B4976F8-1C91-4B4A-AF74-A6A32D597C6F}">
+      <dsp:nvSpPr>
+        <dsp:cNvPr id="0" name=""/>
+        <dsp:cNvSpPr/>
+      </dsp:nvSpPr>
+      <dsp:spPr>
+        <a:xfrm>
+          <a:off x="1305979" y="1079400"/>
+          <a:ext cx="1535297" cy="800206"/>
+        </a:xfrm>
+        <a:custGeom>
+          <a:avLst/>
+          <a:gdLst/>
+          <a:ahLst/>
+          <a:cxnLst/>
+          <a:rect l="0" t="0" r="0" b="0"/>
+          <a:pathLst>
+            <a:path>
+              <a:moveTo>
+                <a:pt x="1535297" y="0"/>
+              </a:moveTo>
+              <a:lnTo>
+                <a:pt x="1535297" y="558239"/>
+              </a:lnTo>
+              <a:lnTo>
+                <a:pt x="0" y="558239"/>
+              </a:lnTo>
+              <a:lnTo>
+                <a:pt x="0" y="800206"/>
+              </a:lnTo>
+            </a:path>
+          </a:pathLst>
+        </a:custGeom>
+        <a:noFill/>
+        <a:ln w="25400" cap="flat" cmpd="sng" algn="ctr">
+          <a:solidFill>
+            <a:schemeClr val="accent1">
+              <a:shade val="60000"/>
+              <a:hueOff val="0"/>
+              <a:satOff val="0"/>
+              <a:lumOff val="0"/>
+              <a:alphaOff val="0"/>
+            </a:schemeClr>
+          </a:solidFill>
+          <a:prstDash val="solid"/>
+        </a:ln>
+        <a:effectLst/>
+        <a:sp3d z="-40000" prstMaterial="matte"/>
+      </dsp:spPr>
+      <dsp:style>
+        <a:lnRef idx="2">
+          <a:scrgbClr r="0" g="0" b="0"/>
+        </a:lnRef>
+        <a:fillRef idx="0">
+          <a:scrgbClr r="0" g="0" b="0"/>
+        </a:fillRef>
+        <a:effectRef idx="0">
+          <a:scrgbClr r="0" g="0" b="0"/>
+        </a:effectRef>
+        <a:fontRef idx="minor"/>
+      </dsp:style>
+    </dsp:sp>
+    <dsp:sp modelId="{53C24587-0A2B-4FE3-9D3F-3944C820D5B6}">
+      <dsp:nvSpPr>
+        <dsp:cNvPr id="0" name=""/>
+        <dsp:cNvSpPr/>
+      </dsp:nvSpPr>
+      <dsp:spPr>
+        <a:xfrm>
+          <a:off x="1919577" y="308493"/>
+          <a:ext cx="1843398" cy="770906"/>
+        </a:xfrm>
+        <a:prstGeom prst="roundRect">
+          <a:avLst>
+            <a:gd name="adj" fmla="val 10000"/>
+          </a:avLst>
+        </a:prstGeom>
+        <a:solidFill>
+          <a:schemeClr val="accent1">
+            <a:hueOff val="0"/>
+            <a:satOff val="0"/>
+            <a:lumOff val="0"/>
+            <a:alphaOff val="0"/>
+          </a:schemeClr>
+        </a:solidFill>
+        <a:ln>
+          <a:noFill/>
+        </a:ln>
+        <a:effectLst/>
+        <a:scene3d>
+          <a:camera prst="orthographicFront"/>
+          <a:lightRig rig="chilly" dir="t"/>
+        </a:scene3d>
+        <a:sp3d prstMaterial="translucentPowder">
+          <a:bevelT w="127000" h="25400" prst="softRound"/>
+        </a:sp3d>
+      </dsp:spPr>
+      <dsp:style>
+        <a:lnRef idx="0">
+          <a:scrgbClr r="0" g="0" b="0"/>
+        </a:lnRef>
+        <a:fillRef idx="1">
+          <a:scrgbClr r="0" g="0" b="0"/>
+        </a:fillRef>
+        <a:effectRef idx="0">
+          <a:scrgbClr r="0" g="0" b="0"/>
+        </a:effectRef>
+        <a:fontRef idx="minor">
+          <a:schemeClr val="lt1"/>
+        </a:fontRef>
+      </dsp:style>
+    </dsp:sp>
+    <dsp:sp modelId="{633A4F81-F993-47EB-820A-B68DB3A5390E}">
+      <dsp:nvSpPr>
+        <dsp:cNvPr id="0" name=""/>
+        <dsp:cNvSpPr/>
+      </dsp:nvSpPr>
+      <dsp:spPr>
+        <a:xfrm>
+          <a:off x="2209792" y="584197"/>
+          <a:ext cx="1843398" cy="770906"/>
+        </a:xfrm>
+        <a:prstGeom prst="roundRect">
+          <a:avLst>
+            <a:gd name="adj" fmla="val 10000"/>
+          </a:avLst>
+        </a:prstGeom>
+        <a:solidFill>
+          <a:schemeClr val="lt1">
+            <a:alpha val="90000"/>
+            <a:hueOff val="0"/>
+            <a:satOff val="0"/>
+            <a:lumOff val="0"/>
+            <a:alphaOff val="0"/>
+          </a:schemeClr>
+        </a:solidFill>
+        <a:ln w="9525" cap="flat" cmpd="sng" algn="ctr">
+          <a:solidFill>
+            <a:schemeClr val="accent1">
+              <a:hueOff val="0"/>
+              <a:satOff val="0"/>
+              <a:lumOff val="0"/>
+              <a:alphaOff val="0"/>
+            </a:schemeClr>
+          </a:solidFill>
+          <a:prstDash val="solid"/>
+        </a:ln>
+        <a:effectLst/>
+        <a:scene3d>
+          <a:camera prst="orthographicFront"/>
+          <a:lightRig rig="chilly" dir="t"/>
+        </a:scene3d>
+        <a:sp3d z="12700" extrusionH="1700" prstMaterial="dkEdge">
+          <a:bevelT w="25400" h="6350" prst="softRound"/>
+          <a:bevelB w="0" h="0" prst="convex"/>
+        </a:sp3d>
+      </dsp:spPr>
+      <dsp:style>
+        <a:lnRef idx="1">
+          <a:scrgbClr r="0" g="0" b="0"/>
+        </a:lnRef>
+        <a:fillRef idx="1">
+          <a:scrgbClr r="0" g="0" b="0"/>
+        </a:fillRef>
+        <a:effectRef idx="0">
+          <a:scrgbClr r="0" g="0" b="0"/>
+        </a:effectRef>
+        <a:fontRef idx="minor"/>
+      </dsp:style>
+      <dsp:txBody>
+        <a:bodyPr spcFirstLastPara="0" vert="horz" wrap="square" lIns="60960" tIns="60960" rIns="60960" bIns="60960" numCol="1" spcCol="1270" anchor="ctr" anchorCtr="0">
+          <a:noAutofit/>
+        </a:bodyPr>
+        <a:lstStyle/>
+        <a:p>
+          <a:pPr lvl="0" algn="ctr" defTabSz="711200">
+            <a:lnSpc>
+              <a:spcPct val="90000"/>
+            </a:lnSpc>
+            <a:spcBef>
+              <a:spcPct val="0"/>
+            </a:spcBef>
+            <a:spcAft>
+              <a:spcPct val="35000"/>
+            </a:spcAft>
+          </a:pPr>
+          <a:r>
+            <a:rPr lang="en-US" sz="1600" b="1" kern="1200" dirty="0" smtClean="0"/>
+            <a:t>Shared resources</a:t>
+          </a:r>
+          <a:endParaRPr lang="en-US" sz="1600" b="1" kern="1200" dirty="0"/>
+        </a:p>
+      </dsp:txBody>
+      <dsp:txXfrm>
+        <a:off x="2232371" y="606776"/>
+        <a:ext cx="1798240" cy="725748"/>
+      </dsp:txXfrm>
+    </dsp:sp>
+    <dsp:sp modelId="{6BAED831-1434-4AE7-8DB7-037BBAC56C31}">
+      <dsp:nvSpPr>
+        <dsp:cNvPr id="0" name=""/>
+        <dsp:cNvSpPr/>
+      </dsp:nvSpPr>
+      <dsp:spPr>
+        <a:xfrm>
+          <a:off x="12" y="1879606"/>
+          <a:ext cx="2611933" cy="1658577"/>
+        </a:xfrm>
+        <a:prstGeom prst="roundRect">
+          <a:avLst>
+            <a:gd name="adj" fmla="val 10000"/>
+          </a:avLst>
+        </a:prstGeom>
+        <a:solidFill>
+          <a:schemeClr val="accent1">
+            <a:hueOff val="0"/>
+            <a:satOff val="0"/>
+            <a:lumOff val="0"/>
+            <a:alphaOff val="0"/>
+          </a:schemeClr>
+        </a:solidFill>
+        <a:ln>
+          <a:noFill/>
+        </a:ln>
+        <a:effectLst/>
+        <a:scene3d>
+          <a:camera prst="orthographicFront"/>
+          <a:lightRig rig="chilly" dir="t"/>
+        </a:scene3d>
+        <a:sp3d prstMaterial="translucentPowder">
+          <a:bevelT w="127000" h="25400" prst="softRound"/>
+        </a:sp3d>
+      </dsp:spPr>
+      <dsp:style>
+        <a:lnRef idx="0">
+          <a:scrgbClr r="0" g="0" b="0"/>
+        </a:lnRef>
+        <a:fillRef idx="1">
+          <a:scrgbClr r="0" g="0" b="0"/>
+        </a:fillRef>
+        <a:effectRef idx="0">
+          <a:scrgbClr r="0" g="0" b="0"/>
+        </a:effectRef>
+        <a:fontRef idx="minor">
+          <a:schemeClr val="lt1"/>
+        </a:fontRef>
+      </dsp:style>
+    </dsp:sp>
+    <dsp:sp modelId="{2CA332BF-C7D5-44C4-86AB-C5F8609888C3}">
+      <dsp:nvSpPr>
+        <dsp:cNvPr id="0" name=""/>
+        <dsp:cNvSpPr/>
+      </dsp:nvSpPr>
+      <dsp:spPr>
+        <a:xfrm>
+          <a:off x="290227" y="2155310"/>
+          <a:ext cx="2611933" cy="1658577"/>
+        </a:xfrm>
+        <a:prstGeom prst="roundRect">
+          <a:avLst>
+            <a:gd name="adj" fmla="val 10000"/>
+          </a:avLst>
+        </a:prstGeom>
+        <a:solidFill>
+          <a:schemeClr val="lt1">
+            <a:alpha val="90000"/>
+            <a:hueOff val="0"/>
+            <a:satOff val="0"/>
+            <a:lumOff val="0"/>
+            <a:alphaOff val="0"/>
+          </a:schemeClr>
+        </a:solidFill>
+        <a:ln w="9525" cap="flat" cmpd="sng" algn="ctr">
+          <a:solidFill>
+            <a:schemeClr val="accent1">
+              <a:hueOff val="0"/>
+              <a:satOff val="0"/>
+              <a:lumOff val="0"/>
+              <a:alphaOff val="0"/>
+            </a:schemeClr>
+          </a:solidFill>
+          <a:prstDash val="solid"/>
+        </a:ln>
+        <a:effectLst/>
+        <a:scene3d>
+          <a:camera prst="orthographicFront"/>
+          <a:lightRig rig="chilly" dir="t"/>
+        </a:scene3d>
+        <a:sp3d z="12700" extrusionH="1700" prstMaterial="dkEdge">
+          <a:bevelT w="25400" h="6350" prst="softRound"/>
+          <a:bevelB w="0" h="0" prst="convex"/>
+        </a:sp3d>
+      </dsp:spPr>
+      <dsp:style>
+        <a:lnRef idx="1">
+          <a:scrgbClr r="0" g="0" b="0"/>
+        </a:lnRef>
+        <a:fillRef idx="1">
+          <a:scrgbClr r="0" g="0" b="0"/>
+        </a:fillRef>
+        <a:effectRef idx="0">
+          <a:scrgbClr r="0" g="0" b="0"/>
+        </a:effectRef>
+        <a:fontRef idx="minor"/>
+      </dsp:style>
+      <dsp:txBody>
+        <a:bodyPr spcFirstLastPara="0" vert="horz" wrap="square" lIns="60960" tIns="60960" rIns="60960" bIns="60960" numCol="1" spcCol="1270" anchor="ctr" anchorCtr="0">
+          <a:noAutofit/>
+        </a:bodyPr>
+        <a:lstStyle/>
+        <a:p>
+          <a:pPr lvl="0" algn="ctr" defTabSz="711200">
+            <a:lnSpc>
+              <a:spcPct val="90000"/>
+            </a:lnSpc>
+            <a:spcBef>
+              <a:spcPct val="0"/>
+            </a:spcBef>
+            <a:spcAft>
+              <a:spcPct val="35000"/>
+            </a:spcAft>
+          </a:pPr>
+          <a:r>
+            <a:rPr lang="en-US" sz="1600" b="1" kern="1200" dirty="0" smtClean="0"/>
+            <a:t>Physical Resources</a:t>
+          </a:r>
+        </a:p>
+        <a:p>
+          <a:pPr lvl="0" algn="ctr" defTabSz="711200">
+            <a:lnSpc>
+              <a:spcPct val="90000"/>
+            </a:lnSpc>
+            <a:spcBef>
+              <a:spcPct val="0"/>
+            </a:spcBef>
+            <a:spcAft>
+              <a:spcPct val="35000"/>
+            </a:spcAft>
+          </a:pPr>
+          <a:r>
+            <a:rPr lang="en-US" sz="900" kern="1200" dirty="0" smtClean="0"/>
+            <a:t>- resources which can be shared with some dependence on their location </a:t>
+          </a:r>
+        </a:p>
+        <a:p>
+          <a:pPr lvl="0" algn="l" defTabSz="711200">
+            <a:lnSpc>
+              <a:spcPct val="90000"/>
+            </a:lnSpc>
+            <a:spcBef>
+              <a:spcPct val="0"/>
+            </a:spcBef>
+            <a:spcAft>
+              <a:spcPct val="35000"/>
+            </a:spcAft>
+          </a:pPr>
+          <a:endParaRPr lang="en-US" sz="900" kern="1200" dirty="0" smtClean="0"/>
+        </a:p>
+        <a:p>
+          <a:pPr lvl="0" algn="l" defTabSz="711200">
+            <a:lnSpc>
+              <a:spcPct val="90000"/>
+            </a:lnSpc>
+            <a:spcBef>
+              <a:spcPct val="0"/>
+            </a:spcBef>
+            <a:spcAft>
+              <a:spcPct val="35000"/>
+            </a:spcAft>
+          </a:pPr>
+          <a:r>
+            <a:rPr lang="en-US" sz="900" kern="1200" dirty="0" smtClean="0"/>
+            <a:t>Computation power</a:t>
+          </a:r>
+        </a:p>
+        <a:p>
+          <a:pPr lvl="0" algn="l" defTabSz="711200">
+            <a:lnSpc>
+              <a:spcPct val="90000"/>
+            </a:lnSpc>
+            <a:spcBef>
+              <a:spcPct val="0"/>
+            </a:spcBef>
+            <a:spcAft>
+              <a:spcPct val="35000"/>
+            </a:spcAft>
+          </a:pPr>
+          <a:r>
+            <a:rPr lang="en-US" sz="900" kern="1200" dirty="0" smtClean="0"/>
+            <a:t>Storage devices</a:t>
+          </a:r>
+        </a:p>
+        <a:p>
+          <a:pPr lvl="0" algn="l" defTabSz="711200">
+            <a:lnSpc>
+              <a:spcPct val="90000"/>
+            </a:lnSpc>
+            <a:spcBef>
+              <a:spcPct val="0"/>
+            </a:spcBef>
+            <a:spcAft>
+              <a:spcPct val="35000"/>
+            </a:spcAft>
+          </a:pPr>
+          <a:r>
+            <a:rPr lang="en-US" sz="900" kern="1200" dirty="0" smtClean="0"/>
+            <a:t>Communication capacity</a:t>
+          </a:r>
+        </a:p>
+        <a:p>
+          <a:pPr lvl="0" algn="ctr" defTabSz="711200">
+            <a:lnSpc>
+              <a:spcPct val="90000"/>
+            </a:lnSpc>
+            <a:spcBef>
+              <a:spcPct val="0"/>
+            </a:spcBef>
+            <a:spcAft>
+              <a:spcPct val="35000"/>
+            </a:spcAft>
+          </a:pPr>
+          <a:endParaRPr lang="en-US" sz="900" kern="1200" dirty="0"/>
+        </a:p>
+      </dsp:txBody>
+      <dsp:txXfrm>
+        <a:off x="338805" y="2203888"/>
+        <a:ext cx="2514777" cy="1561421"/>
+      </dsp:txXfrm>
+    </dsp:sp>
+    <dsp:sp modelId="{54ED80A4-9519-416E-8692-A675E58D6A01}">
+      <dsp:nvSpPr>
+        <dsp:cNvPr id="0" name=""/>
+        <dsp:cNvSpPr/>
+      </dsp:nvSpPr>
+      <dsp:spPr>
+        <a:xfrm>
+          <a:off x="3193851" y="1879606"/>
+          <a:ext cx="2611933" cy="1658577"/>
+        </a:xfrm>
+        <a:prstGeom prst="roundRect">
+          <a:avLst>
+            <a:gd name="adj" fmla="val 10000"/>
+          </a:avLst>
+        </a:prstGeom>
+        <a:solidFill>
+          <a:schemeClr val="accent1">
+            <a:hueOff val="0"/>
+            <a:satOff val="0"/>
+            <a:lumOff val="0"/>
+            <a:alphaOff val="0"/>
+          </a:schemeClr>
+        </a:solidFill>
+        <a:ln>
+          <a:noFill/>
+        </a:ln>
+        <a:effectLst/>
+        <a:scene3d>
+          <a:camera prst="orthographicFront"/>
+          <a:lightRig rig="chilly" dir="t"/>
+        </a:scene3d>
+        <a:sp3d prstMaterial="translucentPowder">
+          <a:bevelT w="127000" h="25400" prst="softRound"/>
+        </a:sp3d>
+      </dsp:spPr>
+      <dsp:style>
+        <a:lnRef idx="0">
+          <a:scrgbClr r="0" g="0" b="0"/>
+        </a:lnRef>
+        <a:fillRef idx="1">
+          <a:scrgbClr r="0" g="0" b="0"/>
+        </a:fillRef>
+        <a:effectRef idx="0">
+          <a:scrgbClr r="0" g="0" b="0"/>
+        </a:effectRef>
+        <a:fontRef idx="minor">
+          <a:schemeClr val="lt1"/>
+        </a:fontRef>
+      </dsp:style>
+    </dsp:sp>
+    <dsp:sp modelId="{62F573A8-C98B-4300-903C-ACC41DE49811}">
+      <dsp:nvSpPr>
+        <dsp:cNvPr id="0" name=""/>
+        <dsp:cNvSpPr/>
+      </dsp:nvSpPr>
+      <dsp:spPr>
+        <a:xfrm>
+          <a:off x="3484066" y="2155310"/>
+          <a:ext cx="2611933" cy="1658577"/>
+        </a:xfrm>
+        <a:prstGeom prst="roundRect">
+          <a:avLst>
+            <a:gd name="adj" fmla="val 10000"/>
+          </a:avLst>
+        </a:prstGeom>
+        <a:solidFill>
+          <a:schemeClr val="lt1">
+            <a:alpha val="90000"/>
+            <a:hueOff val="0"/>
+            <a:satOff val="0"/>
+            <a:lumOff val="0"/>
+            <a:alphaOff val="0"/>
+          </a:schemeClr>
+        </a:solidFill>
+        <a:ln w="9525" cap="flat" cmpd="sng" algn="ctr">
+          <a:solidFill>
+            <a:schemeClr val="accent1">
+              <a:hueOff val="0"/>
+              <a:satOff val="0"/>
+              <a:lumOff val="0"/>
+              <a:alphaOff val="0"/>
+            </a:schemeClr>
+          </a:solidFill>
+          <a:prstDash val="solid"/>
+        </a:ln>
+        <a:effectLst/>
+        <a:scene3d>
+          <a:camera prst="orthographicFront"/>
+          <a:lightRig rig="chilly" dir="t"/>
+        </a:scene3d>
+        <a:sp3d z="12700" extrusionH="1700" prstMaterial="dkEdge">
+          <a:bevelT w="25400" h="6350" prst="softRound"/>
+          <a:bevelB w="0" h="0" prst="convex"/>
+        </a:sp3d>
+      </dsp:spPr>
+      <dsp:style>
+        <a:lnRef idx="1">
+          <a:scrgbClr r="0" g="0" b="0"/>
+        </a:lnRef>
+        <a:fillRef idx="1">
+          <a:scrgbClr r="0" g="0" b="0"/>
+        </a:fillRef>
+        <a:effectRef idx="0">
+          <a:scrgbClr r="0" g="0" b="0"/>
+        </a:effectRef>
+        <a:fontRef idx="minor"/>
+      </dsp:style>
+      <dsp:txBody>
+        <a:bodyPr spcFirstLastPara="0" vert="horz" wrap="square" lIns="60960" tIns="60960" rIns="60960" bIns="60960" numCol="1" spcCol="1270" anchor="ctr" anchorCtr="0">
+          <a:noAutofit/>
+        </a:bodyPr>
+        <a:lstStyle/>
+        <a:p>
+          <a:pPr lvl="0" algn="ctr" defTabSz="711200">
+            <a:lnSpc>
+              <a:spcPct val="90000"/>
+            </a:lnSpc>
+            <a:spcBef>
+              <a:spcPct val="0"/>
+            </a:spcBef>
+            <a:spcAft>
+              <a:spcPct val="35000"/>
+            </a:spcAft>
+          </a:pPr>
+          <a:r>
+            <a:rPr lang="en-US" sz="1600" b="1" kern="1200" dirty="0" smtClean="0"/>
+            <a:t>Virtual Resources</a:t>
+          </a:r>
+        </a:p>
+        <a:p>
+          <a:pPr lvl="0" algn="ctr" defTabSz="711200">
+            <a:lnSpc>
+              <a:spcPct val="90000"/>
+            </a:lnSpc>
+            <a:spcBef>
+              <a:spcPct val="0"/>
+            </a:spcBef>
+            <a:spcAft>
+              <a:spcPct val="35000"/>
+            </a:spcAft>
+          </a:pPr>
+          <a:r>
+            <a:rPr lang="en-US" sz="900" kern="1200" dirty="0" smtClean="0"/>
+            <a:t>-resources which can be shared independent of their physical location</a:t>
+          </a:r>
+        </a:p>
+        <a:p>
+          <a:pPr lvl="0" algn="ctr" defTabSz="711200">
+            <a:lnSpc>
+              <a:spcPct val="90000"/>
+            </a:lnSpc>
+            <a:spcBef>
+              <a:spcPct val="0"/>
+            </a:spcBef>
+            <a:spcAft>
+              <a:spcPct val="35000"/>
+            </a:spcAft>
+          </a:pPr>
+          <a:r>
+            <a:rPr lang="en-US" sz="900" kern="1200" dirty="0" smtClean="0"/>
+            <a:t> </a:t>
+          </a:r>
+        </a:p>
+        <a:p>
+          <a:pPr lvl="0" algn="l" defTabSz="711200">
+            <a:lnSpc>
+              <a:spcPct val="90000"/>
+            </a:lnSpc>
+            <a:spcBef>
+              <a:spcPct val="0"/>
+            </a:spcBef>
+            <a:spcAft>
+              <a:spcPct val="35000"/>
+            </a:spcAft>
+          </a:pPr>
+          <a:r>
+            <a:rPr lang="en-US" sz="900" kern="1200" dirty="0" smtClean="0"/>
+            <a:t>Operating systems</a:t>
+          </a:r>
+        </a:p>
+        <a:p>
+          <a:pPr lvl="0" algn="l" defTabSz="711200">
+            <a:lnSpc>
+              <a:spcPct val="90000"/>
+            </a:lnSpc>
+            <a:spcBef>
+              <a:spcPct val="0"/>
+            </a:spcBef>
+            <a:spcAft>
+              <a:spcPct val="35000"/>
+            </a:spcAft>
+          </a:pPr>
+          <a:r>
+            <a:rPr lang="en-US" sz="900" kern="1200" dirty="0" smtClean="0"/>
+            <a:t>Software and licenses</a:t>
+          </a:r>
+        </a:p>
+        <a:p>
+          <a:pPr lvl="0" algn="l" defTabSz="711200">
+            <a:lnSpc>
+              <a:spcPct val="90000"/>
+            </a:lnSpc>
+            <a:spcBef>
+              <a:spcPct val="0"/>
+            </a:spcBef>
+            <a:spcAft>
+              <a:spcPct val="35000"/>
+            </a:spcAft>
+          </a:pPr>
+          <a:r>
+            <a:rPr lang="en-US" sz="900" kern="1200" dirty="0" smtClean="0"/>
+            <a:t>Tasks and applications </a:t>
+          </a:r>
+        </a:p>
+        <a:p>
+          <a:pPr lvl="0" algn="l" defTabSz="711200">
+            <a:lnSpc>
+              <a:spcPct val="90000"/>
+            </a:lnSpc>
+            <a:spcBef>
+              <a:spcPct val="0"/>
+            </a:spcBef>
+            <a:spcAft>
+              <a:spcPct val="35000"/>
+            </a:spcAft>
+          </a:pPr>
+          <a:r>
+            <a:rPr lang="en-US" sz="900" kern="1200" dirty="0" smtClean="0"/>
+            <a:t>Services</a:t>
+          </a:r>
+          <a:endParaRPr lang="en-US" sz="900" kern="1200" dirty="0"/>
+        </a:p>
+      </dsp:txBody>
+      <dsp:txXfrm>
+        <a:off x="3532644" y="2203888"/>
+        <a:ext cx="2514777" cy="1561421"/>
+      </dsp:txXfrm>
+    </dsp:sp>
   </dsp:spTree>
 </dsp:drawing>
 </file>
@@ -15242,7 +17162,7 @@
             <a:fld id="{1D8BD707-D9CF-40AE-B4C6-C98DA3205C09}" type="datetimeFigureOut">
               <a:rPr lang="en-US" smtClean="0"/>
               <a:pPr/>
-              <a:t>10/15/2016</a:t>
+              <a:t>10/17/2016</a:t>
             </a:fld>
             <a:endParaRPr lang="en-US"/>
           </a:p>
@@ -15409,7 +17329,7 @@
             <a:fld id="{1D8BD707-D9CF-40AE-B4C6-C98DA3205C09}" type="datetimeFigureOut">
               <a:rPr lang="en-US" smtClean="0"/>
               <a:pPr/>
-              <a:t>10/15/2016</a:t>
+              <a:t>10/17/2016</a:t>
             </a:fld>
             <a:endParaRPr lang="en-US"/>
           </a:p>
@@ -15586,7 +17506,7 @@
             <a:fld id="{1D8BD707-D9CF-40AE-B4C6-C98DA3205C09}" type="datetimeFigureOut">
               <a:rPr lang="en-US" smtClean="0"/>
               <a:pPr/>
-              <a:t>10/15/2016</a:t>
+              <a:t>10/17/2016</a:t>
             </a:fld>
             <a:endParaRPr lang="en-US"/>
           </a:p>
@@ -15753,7 +17673,7 @@
             <a:fld id="{1D8BD707-D9CF-40AE-B4C6-C98DA3205C09}" type="datetimeFigureOut">
               <a:rPr lang="en-US" smtClean="0"/>
               <a:pPr/>
-              <a:t>10/15/2016</a:t>
+              <a:t>10/17/2016</a:t>
             </a:fld>
             <a:endParaRPr lang="en-US"/>
           </a:p>
@@ -15996,7 +17916,7 @@
             <a:fld id="{1D8BD707-D9CF-40AE-B4C6-C98DA3205C09}" type="datetimeFigureOut">
               <a:rPr lang="en-US" smtClean="0"/>
               <a:pPr/>
-              <a:t>10/15/2016</a:t>
+              <a:t>10/17/2016</a:t>
             </a:fld>
             <a:endParaRPr lang="en-US"/>
           </a:p>
@@ -16281,7 +18201,7 @@
             <a:fld id="{1D8BD707-D9CF-40AE-B4C6-C98DA3205C09}" type="datetimeFigureOut">
               <a:rPr lang="en-US" smtClean="0"/>
               <a:pPr/>
-              <a:t>10/15/2016</a:t>
+              <a:t>10/17/2016</a:t>
             </a:fld>
             <a:endParaRPr lang="en-US"/>
           </a:p>
@@ -16700,7 +18620,7 @@
             <a:fld id="{1D8BD707-D9CF-40AE-B4C6-C98DA3205C09}" type="datetimeFigureOut">
               <a:rPr lang="en-US" smtClean="0"/>
               <a:pPr/>
-              <a:t>10/15/2016</a:t>
+              <a:t>10/17/2016</a:t>
             </a:fld>
             <a:endParaRPr lang="en-US"/>
           </a:p>
@@ -16815,7 +18735,7 @@
             <a:fld id="{1D8BD707-D9CF-40AE-B4C6-C98DA3205C09}" type="datetimeFigureOut">
               <a:rPr lang="en-US" smtClean="0"/>
               <a:pPr/>
-              <a:t>10/15/2016</a:t>
+              <a:t>10/17/2016</a:t>
             </a:fld>
             <a:endParaRPr lang="en-US"/>
           </a:p>
@@ -16907,7 +18827,7 @@
             <a:fld id="{1D8BD707-D9CF-40AE-B4C6-C98DA3205C09}" type="datetimeFigureOut">
               <a:rPr lang="en-US" smtClean="0"/>
               <a:pPr/>
-              <a:t>10/15/2016</a:t>
+              <a:t>10/17/2016</a:t>
             </a:fld>
             <a:endParaRPr lang="en-US"/>
           </a:p>
@@ -17181,7 +19101,7 @@
             <a:fld id="{1D8BD707-D9CF-40AE-B4C6-C98DA3205C09}" type="datetimeFigureOut">
               <a:rPr lang="en-US" smtClean="0"/>
               <a:pPr/>
-              <a:t>10/15/2016</a:t>
+              <a:t>10/17/2016</a:t>
             </a:fld>
             <a:endParaRPr lang="en-US"/>
           </a:p>
@@ -17431,7 +19351,7 @@
             <a:fld id="{1D8BD707-D9CF-40AE-B4C6-C98DA3205C09}" type="datetimeFigureOut">
               <a:rPr lang="en-US" smtClean="0"/>
               <a:pPr/>
-              <a:t>10/15/2016</a:t>
+              <a:t>10/17/2016</a:t>
             </a:fld>
             <a:endParaRPr lang="en-US"/>
           </a:p>
@@ -17641,7 +19561,7 @@
             <a:fld id="{1D8BD707-D9CF-40AE-B4C6-C98DA3205C09}" type="datetimeFigureOut">
               <a:rPr lang="en-US" smtClean="0"/>
               <a:pPr/>
-              <a:t>10/15/2016</a:t>
+              <a:t>10/17/2016</a:t>
             </a:fld>
             <a:endParaRPr lang="en-US"/>
           </a:p>
@@ -19942,6 +21862,986 @@
     <p:extLst>
       <p:ext uri="{BB962C8B-B14F-4D97-AF65-F5344CB8AC3E}">
         <p14:creationId xmlns:p14="http://schemas.microsoft.com/office/powerpoint/2010/main" val="3429256208"/>
+      </p:ext>
+    </p:extLst>
+  </p:cSld>
+  <p:clrMapOvr>
+    <a:masterClrMapping/>
+  </p:clrMapOvr>
+</p:sld>
+</file>
+
+<file path=ppt/slides/slide20.xml><?xml version="1.0" encoding="utf-8"?>
+<p:sld xmlns:a="http://schemas.openxmlformats.org/drawingml/2006/main" xmlns:r="http://schemas.openxmlformats.org/officeDocument/2006/relationships" xmlns:p="http://schemas.openxmlformats.org/presentationml/2006/main">
+  <p:cSld>
+    <p:spTree>
+      <p:nvGrpSpPr>
+        <p:cNvPr id="1" name=""/>
+        <p:cNvGrpSpPr/>
+        <p:nvPr/>
+      </p:nvGrpSpPr>
+      <p:grpSpPr>
+        <a:xfrm>
+          <a:off x="0" y="0"/>
+          <a:ext cx="0" cy="0"/>
+          <a:chOff x="0" y="0"/>
+          <a:chExt cx="0" cy="0"/>
+        </a:xfrm>
+      </p:grpSpPr>
+      <p:sp>
+        <p:nvSpPr>
+          <p:cNvPr id="2" name="Title 1"/>
+          <p:cNvSpPr>
+            <a:spLocks noGrp="1"/>
+          </p:cNvSpPr>
+          <p:nvPr>
+            <p:ph type="title"/>
+          </p:nvPr>
+        </p:nvSpPr>
+        <p:spPr/>
+        <p:txBody>
+          <a:bodyPr>
+            <a:normAutofit fontScale="90000"/>
+          </a:bodyPr>
+          <a:lstStyle/>
+          <a:p>
+            <a:r>
+              <a:rPr lang="en-US" dirty="0" smtClean="0"/>
+              <a:t/>
+            </a:r>
+            <a:br>
+              <a:rPr lang="en-US" dirty="0" smtClean="0"/>
+            </a:br>
+            <a:endParaRPr lang="en-US" dirty="0"/>
+          </a:p>
+        </p:txBody>
+      </p:sp>
+      <p:sp>
+        <p:nvSpPr>
+          <p:cNvPr id="3" name="Content Placeholder 2"/>
+          <p:cNvSpPr>
+            <a:spLocks noGrp="1"/>
+          </p:cNvSpPr>
+          <p:nvPr>
+            <p:ph idx="1"/>
+          </p:nvPr>
+        </p:nvSpPr>
+        <p:spPr/>
+        <p:txBody>
+          <a:bodyPr/>
+          <a:lstStyle/>
+          <a:p>
+            <a:pPr marL="0" indent="0">
+              <a:buNone/>
+            </a:pPr>
+            <a:endParaRPr lang="en-US" dirty="0" smtClean="0"/>
+          </a:p>
+          <a:p>
+            <a:pPr marL="0" indent="0">
+              <a:buNone/>
+            </a:pPr>
+            <a:endParaRPr lang="en-US" dirty="0"/>
+          </a:p>
+        </p:txBody>
+      </p:sp>
+      <p:sp>
+        <p:nvSpPr>
+          <p:cNvPr id="4" name="Oval 3"/>
+          <p:cNvSpPr/>
+          <p:nvPr/>
+        </p:nvSpPr>
+        <p:spPr>
+          <a:xfrm>
+            <a:off x="1444924" y="1619401"/>
+            <a:ext cx="1656941" cy="1180720"/>
+          </a:xfrm>
+          <a:prstGeom prst="ellipse">
+            <a:avLst/>
+          </a:prstGeom>
+        </p:spPr>
+        <p:style>
+          <a:lnRef idx="2">
+            <a:schemeClr val="accent1"/>
+          </a:lnRef>
+          <a:fillRef idx="1">
+            <a:schemeClr val="lt1"/>
+          </a:fillRef>
+          <a:effectRef idx="0">
+            <a:schemeClr val="accent1"/>
+          </a:effectRef>
+          <a:fontRef idx="minor">
+            <a:schemeClr val="dk1"/>
+          </a:fontRef>
+        </p:style>
+        <p:txBody>
+          <a:bodyPr rtlCol="0" anchor="ctr"/>
+          <a:lstStyle/>
+          <a:p>
+            <a:pPr algn="ctr"/>
+            <a:r>
+              <a:rPr lang="en-US" dirty="0" smtClean="0"/>
+              <a:t>Main Thread-Producer</a:t>
+            </a:r>
+            <a:endParaRPr lang="en-US" dirty="0"/>
+          </a:p>
+        </p:txBody>
+      </p:sp>
+      <p:grpSp>
+        <p:nvGrpSpPr>
+          <p:cNvPr id="56" name="Group 55"/>
+          <p:cNvGrpSpPr/>
+          <p:nvPr/>
+        </p:nvGrpSpPr>
+        <p:grpSpPr>
+          <a:xfrm>
+            <a:off x="2370826" y="3499163"/>
+            <a:ext cx="4132053" cy="685800"/>
+            <a:chOff x="2370826" y="3499163"/>
+            <a:chExt cx="4132053" cy="685800"/>
+          </a:xfrm>
+        </p:grpSpPr>
+        <p:sp>
+          <p:nvSpPr>
+            <p:cNvPr id="5" name="Rectangle 4"/>
+            <p:cNvSpPr/>
+            <p:nvPr/>
+          </p:nvSpPr>
+          <p:spPr>
+            <a:xfrm>
+              <a:off x="2370826" y="3499163"/>
+              <a:ext cx="457200" cy="685800"/>
+            </a:xfrm>
+            <a:prstGeom prst="rect">
+              <a:avLst/>
+            </a:prstGeom>
+            <a:solidFill>
+              <a:schemeClr val="accent2">
+                <a:lumMod val="40000"/>
+                <a:lumOff val="60000"/>
+              </a:schemeClr>
+            </a:solidFill>
+          </p:spPr>
+          <p:style>
+            <a:lnRef idx="2">
+              <a:schemeClr val="accent1">
+                <a:shade val="50000"/>
+              </a:schemeClr>
+            </a:lnRef>
+            <a:fillRef idx="1">
+              <a:schemeClr val="accent1"/>
+            </a:fillRef>
+            <a:effectRef idx="0">
+              <a:schemeClr val="accent1"/>
+            </a:effectRef>
+            <a:fontRef idx="minor">
+              <a:schemeClr val="lt1"/>
+            </a:fontRef>
+          </p:style>
+          <p:txBody>
+            <a:bodyPr rtlCol="0" anchor="ctr"/>
+            <a:lstStyle/>
+            <a:p>
+              <a:pPr algn="ctr"/>
+              <a:endParaRPr lang="en-US"/>
+            </a:p>
+          </p:txBody>
+        </p:sp>
+        <p:sp>
+          <p:nvSpPr>
+            <p:cNvPr id="8" name="Rectangle 7"/>
+            <p:cNvSpPr/>
+            <p:nvPr/>
+          </p:nvSpPr>
+          <p:spPr>
+            <a:xfrm>
+              <a:off x="2828026" y="3499163"/>
+              <a:ext cx="457200" cy="685800"/>
+            </a:xfrm>
+            <a:prstGeom prst="rect">
+              <a:avLst/>
+            </a:prstGeom>
+            <a:solidFill>
+              <a:schemeClr val="accent2">
+                <a:lumMod val="40000"/>
+                <a:lumOff val="60000"/>
+              </a:schemeClr>
+            </a:solidFill>
+          </p:spPr>
+          <p:style>
+            <a:lnRef idx="2">
+              <a:schemeClr val="accent1">
+                <a:shade val="50000"/>
+              </a:schemeClr>
+            </a:lnRef>
+            <a:fillRef idx="1">
+              <a:schemeClr val="accent1"/>
+            </a:fillRef>
+            <a:effectRef idx="0">
+              <a:schemeClr val="accent1"/>
+            </a:effectRef>
+            <a:fontRef idx="minor">
+              <a:schemeClr val="lt1"/>
+            </a:fontRef>
+          </p:style>
+          <p:txBody>
+            <a:bodyPr rtlCol="0" anchor="ctr"/>
+            <a:lstStyle/>
+            <a:p>
+              <a:pPr algn="ctr"/>
+              <a:endParaRPr lang="en-US"/>
+            </a:p>
+          </p:txBody>
+        </p:sp>
+        <p:sp>
+          <p:nvSpPr>
+            <p:cNvPr id="9" name="Rectangle 8"/>
+            <p:cNvSpPr/>
+            <p:nvPr/>
+          </p:nvSpPr>
+          <p:spPr>
+            <a:xfrm>
+              <a:off x="3759679" y="3499163"/>
+              <a:ext cx="457200" cy="685800"/>
+            </a:xfrm>
+            <a:prstGeom prst="rect">
+              <a:avLst/>
+            </a:prstGeom>
+            <a:solidFill>
+              <a:schemeClr val="bg1"/>
+            </a:solidFill>
+          </p:spPr>
+          <p:style>
+            <a:lnRef idx="2">
+              <a:schemeClr val="accent1">
+                <a:shade val="50000"/>
+              </a:schemeClr>
+            </a:lnRef>
+            <a:fillRef idx="1">
+              <a:schemeClr val="accent1"/>
+            </a:fillRef>
+            <a:effectRef idx="0">
+              <a:schemeClr val="accent1"/>
+            </a:effectRef>
+            <a:fontRef idx="minor">
+              <a:schemeClr val="lt1"/>
+            </a:fontRef>
+          </p:style>
+          <p:txBody>
+            <a:bodyPr rtlCol="0" anchor="ctr"/>
+            <a:lstStyle/>
+            <a:p>
+              <a:pPr algn="ctr"/>
+              <a:endParaRPr lang="en-US"/>
+            </a:p>
+          </p:txBody>
+        </p:sp>
+        <p:sp>
+          <p:nvSpPr>
+            <p:cNvPr id="11" name="Rectangle 10"/>
+            <p:cNvSpPr/>
+            <p:nvPr/>
+          </p:nvSpPr>
+          <p:spPr>
+            <a:xfrm>
+              <a:off x="3305354" y="3499163"/>
+              <a:ext cx="457200" cy="685800"/>
+            </a:xfrm>
+            <a:prstGeom prst="rect">
+              <a:avLst/>
+            </a:prstGeom>
+            <a:solidFill>
+              <a:schemeClr val="accent2">
+                <a:lumMod val="40000"/>
+                <a:lumOff val="60000"/>
+              </a:schemeClr>
+            </a:solidFill>
+          </p:spPr>
+          <p:style>
+            <a:lnRef idx="2">
+              <a:schemeClr val="accent1">
+                <a:shade val="50000"/>
+              </a:schemeClr>
+            </a:lnRef>
+            <a:fillRef idx="1">
+              <a:schemeClr val="accent1"/>
+            </a:fillRef>
+            <a:effectRef idx="0">
+              <a:schemeClr val="accent1"/>
+            </a:effectRef>
+            <a:fontRef idx="minor">
+              <a:schemeClr val="lt1"/>
+            </a:fontRef>
+          </p:style>
+          <p:txBody>
+            <a:bodyPr rtlCol="0" anchor="ctr"/>
+            <a:lstStyle/>
+            <a:p>
+              <a:pPr algn="ctr"/>
+              <a:endParaRPr lang="en-US"/>
+            </a:p>
+          </p:txBody>
+        </p:sp>
+        <p:sp>
+          <p:nvSpPr>
+            <p:cNvPr id="12" name="Rectangle 11"/>
+            <p:cNvSpPr/>
+            <p:nvPr/>
+          </p:nvSpPr>
+          <p:spPr>
+            <a:xfrm>
+              <a:off x="4216879" y="3499163"/>
+              <a:ext cx="457200" cy="685800"/>
+            </a:xfrm>
+            <a:prstGeom prst="rect">
+              <a:avLst/>
+            </a:prstGeom>
+            <a:solidFill>
+              <a:schemeClr val="bg1"/>
+            </a:solidFill>
+          </p:spPr>
+          <p:style>
+            <a:lnRef idx="2">
+              <a:schemeClr val="accent1">
+                <a:shade val="50000"/>
+              </a:schemeClr>
+            </a:lnRef>
+            <a:fillRef idx="1">
+              <a:schemeClr val="accent1"/>
+            </a:fillRef>
+            <a:effectRef idx="0">
+              <a:schemeClr val="accent1"/>
+            </a:effectRef>
+            <a:fontRef idx="minor">
+              <a:schemeClr val="lt1"/>
+            </a:fontRef>
+          </p:style>
+          <p:txBody>
+            <a:bodyPr rtlCol="0" anchor="ctr"/>
+            <a:lstStyle/>
+            <a:p>
+              <a:pPr algn="ctr"/>
+              <a:endParaRPr lang="en-US"/>
+            </a:p>
+          </p:txBody>
+        </p:sp>
+        <p:sp>
+          <p:nvSpPr>
+            <p:cNvPr id="13" name="Rectangle 12"/>
+            <p:cNvSpPr/>
+            <p:nvPr/>
+          </p:nvSpPr>
+          <p:spPr>
+            <a:xfrm>
+              <a:off x="4674079" y="3499163"/>
+              <a:ext cx="457200" cy="685800"/>
+            </a:xfrm>
+            <a:prstGeom prst="rect">
+              <a:avLst/>
+            </a:prstGeom>
+            <a:solidFill>
+              <a:schemeClr val="bg1"/>
+            </a:solidFill>
+          </p:spPr>
+          <p:style>
+            <a:lnRef idx="2">
+              <a:schemeClr val="accent1">
+                <a:shade val="50000"/>
+              </a:schemeClr>
+            </a:lnRef>
+            <a:fillRef idx="1">
+              <a:schemeClr val="accent1"/>
+            </a:fillRef>
+            <a:effectRef idx="0">
+              <a:schemeClr val="accent1"/>
+            </a:effectRef>
+            <a:fontRef idx="minor">
+              <a:schemeClr val="lt1"/>
+            </a:fontRef>
+          </p:style>
+          <p:txBody>
+            <a:bodyPr rtlCol="0" anchor="ctr"/>
+            <a:lstStyle/>
+            <a:p>
+              <a:pPr algn="ctr"/>
+              <a:endParaRPr lang="en-US"/>
+            </a:p>
+          </p:txBody>
+        </p:sp>
+        <p:sp>
+          <p:nvSpPr>
+            <p:cNvPr id="14" name="Rectangle 13"/>
+            <p:cNvSpPr/>
+            <p:nvPr/>
+          </p:nvSpPr>
+          <p:spPr>
+            <a:xfrm>
+              <a:off x="5131279" y="3499163"/>
+              <a:ext cx="457200" cy="685800"/>
+            </a:xfrm>
+            <a:prstGeom prst="rect">
+              <a:avLst/>
+            </a:prstGeom>
+            <a:solidFill>
+              <a:schemeClr val="bg1"/>
+            </a:solidFill>
+          </p:spPr>
+          <p:style>
+            <a:lnRef idx="2">
+              <a:schemeClr val="accent1">
+                <a:shade val="50000"/>
+              </a:schemeClr>
+            </a:lnRef>
+            <a:fillRef idx="1">
+              <a:schemeClr val="accent1"/>
+            </a:fillRef>
+            <a:effectRef idx="0">
+              <a:schemeClr val="accent1"/>
+            </a:effectRef>
+            <a:fontRef idx="minor">
+              <a:schemeClr val="lt1"/>
+            </a:fontRef>
+          </p:style>
+          <p:txBody>
+            <a:bodyPr rtlCol="0" anchor="ctr"/>
+            <a:lstStyle/>
+            <a:p>
+              <a:pPr algn="ctr"/>
+              <a:endParaRPr lang="en-US"/>
+            </a:p>
+          </p:txBody>
+        </p:sp>
+        <p:sp>
+          <p:nvSpPr>
+            <p:cNvPr id="15" name="Rectangle 14"/>
+            <p:cNvSpPr/>
+            <p:nvPr/>
+          </p:nvSpPr>
+          <p:spPr>
+            <a:xfrm>
+              <a:off x="5588479" y="3499163"/>
+              <a:ext cx="457200" cy="685800"/>
+            </a:xfrm>
+            <a:prstGeom prst="rect">
+              <a:avLst/>
+            </a:prstGeom>
+            <a:solidFill>
+              <a:schemeClr val="bg1"/>
+            </a:solidFill>
+          </p:spPr>
+          <p:style>
+            <a:lnRef idx="2">
+              <a:schemeClr val="accent1">
+                <a:shade val="50000"/>
+              </a:schemeClr>
+            </a:lnRef>
+            <a:fillRef idx="1">
+              <a:schemeClr val="accent1"/>
+            </a:fillRef>
+            <a:effectRef idx="0">
+              <a:schemeClr val="accent1"/>
+            </a:effectRef>
+            <a:fontRef idx="minor">
+              <a:schemeClr val="lt1"/>
+            </a:fontRef>
+          </p:style>
+          <p:txBody>
+            <a:bodyPr rtlCol="0" anchor="ctr"/>
+            <a:lstStyle/>
+            <a:p>
+              <a:pPr algn="ctr"/>
+              <a:endParaRPr lang="en-US"/>
+            </a:p>
+          </p:txBody>
+        </p:sp>
+        <p:sp>
+          <p:nvSpPr>
+            <p:cNvPr id="16" name="Rectangle 15"/>
+            <p:cNvSpPr/>
+            <p:nvPr/>
+          </p:nvSpPr>
+          <p:spPr>
+            <a:xfrm>
+              <a:off x="6045679" y="3499163"/>
+              <a:ext cx="457200" cy="685800"/>
+            </a:xfrm>
+            <a:prstGeom prst="rect">
+              <a:avLst/>
+            </a:prstGeom>
+            <a:solidFill>
+              <a:schemeClr val="bg1"/>
+            </a:solidFill>
+          </p:spPr>
+          <p:style>
+            <a:lnRef idx="2">
+              <a:schemeClr val="accent1">
+                <a:shade val="50000"/>
+              </a:schemeClr>
+            </a:lnRef>
+            <a:fillRef idx="1">
+              <a:schemeClr val="accent1"/>
+            </a:fillRef>
+            <a:effectRef idx="0">
+              <a:schemeClr val="accent1"/>
+            </a:effectRef>
+            <a:fontRef idx="minor">
+              <a:schemeClr val="lt1"/>
+            </a:fontRef>
+          </p:style>
+          <p:txBody>
+            <a:bodyPr rtlCol="0" anchor="ctr"/>
+            <a:lstStyle/>
+            <a:p>
+              <a:pPr algn="ctr"/>
+              <a:endParaRPr lang="en-US"/>
+            </a:p>
+          </p:txBody>
+        </p:sp>
+      </p:grpSp>
+      <p:sp>
+        <p:nvSpPr>
+          <p:cNvPr id="18" name="Oval 17"/>
+          <p:cNvSpPr/>
+          <p:nvPr/>
+        </p:nvSpPr>
+        <p:spPr>
+          <a:xfrm>
+            <a:off x="2997679" y="5029200"/>
+            <a:ext cx="1676400" cy="1143000"/>
+          </a:xfrm>
+          <a:prstGeom prst="ellipse">
+            <a:avLst/>
+          </a:prstGeom>
+        </p:spPr>
+        <p:style>
+          <a:lnRef idx="2">
+            <a:schemeClr val="accent1"/>
+          </a:lnRef>
+          <a:fillRef idx="1">
+            <a:schemeClr val="lt1"/>
+          </a:fillRef>
+          <a:effectRef idx="0">
+            <a:schemeClr val="accent1"/>
+          </a:effectRef>
+          <a:fontRef idx="minor">
+            <a:schemeClr val="dk1"/>
+          </a:fontRef>
+        </p:style>
+        <p:txBody>
+          <a:bodyPr rtlCol="0" anchor="ctr"/>
+          <a:lstStyle/>
+          <a:p>
+            <a:pPr algn="ctr"/>
+            <a:r>
+              <a:rPr lang="en-US" dirty="0" smtClean="0"/>
+              <a:t>Worker Thread - Consumer</a:t>
+            </a:r>
+            <a:endParaRPr lang="en-US" dirty="0"/>
+          </a:p>
+        </p:txBody>
+      </p:sp>
+      <p:sp>
+        <p:nvSpPr>
+          <p:cNvPr id="25" name="Right Arrow 24"/>
+          <p:cNvSpPr/>
+          <p:nvPr/>
+        </p:nvSpPr>
+        <p:spPr>
+          <a:xfrm rot="2736094">
+            <a:off x="2818054" y="2878323"/>
+            <a:ext cx="1385350" cy="206474"/>
+          </a:xfrm>
+          <a:prstGeom prst="rightArrow">
+            <a:avLst/>
+          </a:prstGeom>
+        </p:spPr>
+        <p:style>
+          <a:lnRef idx="2">
+            <a:schemeClr val="accent1"/>
+          </a:lnRef>
+          <a:fillRef idx="1">
+            <a:schemeClr val="lt1"/>
+          </a:fillRef>
+          <a:effectRef idx="0">
+            <a:schemeClr val="accent1"/>
+          </a:effectRef>
+          <a:fontRef idx="minor">
+            <a:schemeClr val="dk1"/>
+          </a:fontRef>
+        </p:style>
+        <p:txBody>
+          <a:bodyPr rtlCol="0" anchor="ctr"/>
+          <a:lstStyle/>
+          <a:p>
+            <a:pPr algn="ctr"/>
+            <a:endParaRPr lang="en-US"/>
+          </a:p>
+        </p:txBody>
+      </p:sp>
+      <p:sp>
+        <p:nvSpPr>
+          <p:cNvPr id="26" name="Right Arrow 25"/>
+          <p:cNvSpPr/>
+          <p:nvPr/>
+        </p:nvSpPr>
+        <p:spPr>
+          <a:xfrm rot="2736094">
+            <a:off x="2450450" y="4489143"/>
+            <a:ext cx="1183242" cy="322058"/>
+          </a:xfrm>
+          <a:prstGeom prst="rightArrow">
+            <a:avLst>
+              <a:gd name="adj1" fmla="val 27638"/>
+              <a:gd name="adj2" fmla="val 50000"/>
+            </a:avLst>
+          </a:prstGeom>
+        </p:spPr>
+        <p:style>
+          <a:lnRef idx="2">
+            <a:schemeClr val="accent1"/>
+          </a:lnRef>
+          <a:fillRef idx="1">
+            <a:schemeClr val="lt1"/>
+          </a:fillRef>
+          <a:effectRef idx="0">
+            <a:schemeClr val="accent1"/>
+          </a:effectRef>
+          <a:fontRef idx="minor">
+            <a:schemeClr val="dk1"/>
+          </a:fontRef>
+        </p:style>
+        <p:txBody>
+          <a:bodyPr rtlCol="0" anchor="ctr"/>
+          <a:lstStyle/>
+          <a:p>
+            <a:pPr algn="ctr"/>
+            <a:endParaRPr lang="en-US"/>
+          </a:p>
+        </p:txBody>
+      </p:sp>
+      <p:sp>
+        <p:nvSpPr>
+          <p:cNvPr id="27" name="TextBox 26"/>
+          <p:cNvSpPr txBox="1"/>
+          <p:nvPr/>
+        </p:nvSpPr>
+        <p:spPr>
+          <a:xfrm>
+            <a:off x="3378679" y="2374212"/>
+            <a:ext cx="2283125" cy="369332"/>
+          </a:xfrm>
+          <a:prstGeom prst="rect">
+            <a:avLst/>
+          </a:prstGeom>
+          <a:noFill/>
+        </p:spPr>
+        <p:txBody>
+          <a:bodyPr wrap="square" rtlCol="0">
+            <a:spAutoFit/>
+          </a:bodyPr>
+          <a:lstStyle/>
+          <a:p>
+            <a:r>
+              <a:rPr lang="en-US" dirty="0" smtClean="0"/>
+              <a:t>Insert work-item</a:t>
+            </a:r>
+          </a:p>
+        </p:txBody>
+      </p:sp>
+      <p:sp>
+        <p:nvSpPr>
+          <p:cNvPr id="28" name="TextBox 27"/>
+          <p:cNvSpPr txBox="1"/>
+          <p:nvPr/>
+        </p:nvSpPr>
+        <p:spPr>
+          <a:xfrm>
+            <a:off x="1066800" y="4712240"/>
+            <a:ext cx="2283125" cy="369332"/>
+          </a:xfrm>
+          <a:prstGeom prst="rect">
+            <a:avLst/>
+          </a:prstGeom>
+          <a:noFill/>
+        </p:spPr>
+        <p:txBody>
+          <a:bodyPr wrap="square" rtlCol="0">
+            <a:spAutoFit/>
+          </a:bodyPr>
+          <a:lstStyle/>
+          <a:p>
+            <a:r>
+              <a:rPr lang="en-US" dirty="0" smtClean="0"/>
+              <a:t>Consume work-item</a:t>
+            </a:r>
+          </a:p>
+        </p:txBody>
+      </p:sp>
+      <p:sp>
+        <p:nvSpPr>
+          <p:cNvPr id="29" name="TextBox 28"/>
+          <p:cNvSpPr txBox="1"/>
+          <p:nvPr/>
+        </p:nvSpPr>
+        <p:spPr>
+          <a:xfrm>
+            <a:off x="6629400" y="3657397"/>
+            <a:ext cx="1904999" cy="369332"/>
+          </a:xfrm>
+          <a:prstGeom prst="rect">
+            <a:avLst/>
+          </a:prstGeom>
+          <a:noFill/>
+        </p:spPr>
+        <p:txBody>
+          <a:bodyPr wrap="square" rtlCol="0">
+            <a:spAutoFit/>
+          </a:bodyPr>
+          <a:lstStyle/>
+          <a:p>
+            <a:r>
+              <a:rPr lang="en-US" dirty="0" smtClean="0"/>
+              <a:t>Bounded Buffer</a:t>
+            </a:r>
+          </a:p>
+        </p:txBody>
+      </p:sp>
+      <p:cxnSp>
+        <p:nvCxnSpPr>
+          <p:cNvPr id="31" name="Straight Arrow Connector 30"/>
+          <p:cNvCxnSpPr/>
+          <p:nvPr/>
+        </p:nvCxnSpPr>
+        <p:spPr>
+          <a:xfrm>
+            <a:off x="4426788" y="4211743"/>
+            <a:ext cx="1161691" cy="817457"/>
+          </a:xfrm>
+          <a:prstGeom prst="straightConnector1">
+            <a:avLst/>
+          </a:prstGeom>
+          <a:ln>
+            <a:tailEnd type="arrow"/>
+          </a:ln>
+        </p:spPr>
+        <p:style>
+          <a:lnRef idx="1">
+            <a:schemeClr val="accent1"/>
+          </a:lnRef>
+          <a:fillRef idx="0">
+            <a:schemeClr val="accent1"/>
+          </a:fillRef>
+          <a:effectRef idx="0">
+            <a:schemeClr val="accent1"/>
+          </a:effectRef>
+          <a:fontRef idx="minor">
+            <a:schemeClr val="tx1"/>
+          </a:fontRef>
+        </p:style>
+      </p:cxnSp>
+      <p:cxnSp>
+        <p:nvCxnSpPr>
+          <p:cNvPr id="32" name="Straight Arrow Connector 31"/>
+          <p:cNvCxnSpPr/>
+          <p:nvPr/>
+        </p:nvCxnSpPr>
+        <p:spPr>
+          <a:xfrm>
+            <a:off x="3998638" y="4211743"/>
+            <a:ext cx="1487762" cy="869829"/>
+          </a:xfrm>
+          <a:prstGeom prst="straightConnector1">
+            <a:avLst/>
+          </a:prstGeom>
+          <a:ln>
+            <a:tailEnd type="arrow"/>
+          </a:ln>
+        </p:spPr>
+        <p:style>
+          <a:lnRef idx="1">
+            <a:schemeClr val="accent1"/>
+          </a:lnRef>
+          <a:fillRef idx="0">
+            <a:schemeClr val="accent1"/>
+          </a:fillRef>
+          <a:effectRef idx="0">
+            <a:schemeClr val="accent1"/>
+          </a:effectRef>
+          <a:fontRef idx="minor">
+            <a:schemeClr val="tx1"/>
+          </a:fontRef>
+        </p:style>
+      </p:cxnSp>
+      <p:cxnSp>
+        <p:nvCxnSpPr>
+          <p:cNvPr id="37" name="Straight Arrow Connector 36"/>
+          <p:cNvCxnSpPr>
+            <a:stCxn id="13" idx="2"/>
+          </p:cNvCxnSpPr>
+          <p:nvPr/>
+        </p:nvCxnSpPr>
+        <p:spPr>
+          <a:xfrm>
+            <a:off x="4902679" y="4184963"/>
+            <a:ext cx="914400" cy="844237"/>
+          </a:xfrm>
+          <a:prstGeom prst="straightConnector1">
+            <a:avLst/>
+          </a:prstGeom>
+          <a:ln>
+            <a:tailEnd type="arrow"/>
+          </a:ln>
+        </p:spPr>
+        <p:style>
+          <a:lnRef idx="1">
+            <a:schemeClr val="accent1"/>
+          </a:lnRef>
+          <a:fillRef idx="0">
+            <a:schemeClr val="accent1"/>
+          </a:fillRef>
+          <a:effectRef idx="0">
+            <a:schemeClr val="accent1"/>
+          </a:effectRef>
+          <a:fontRef idx="minor">
+            <a:schemeClr val="tx1"/>
+          </a:fontRef>
+        </p:style>
+      </p:cxnSp>
+      <p:cxnSp>
+        <p:nvCxnSpPr>
+          <p:cNvPr id="40" name="Straight Arrow Connector 39"/>
+          <p:cNvCxnSpPr/>
+          <p:nvPr/>
+        </p:nvCxnSpPr>
+        <p:spPr>
+          <a:xfrm>
+            <a:off x="5359879" y="4181982"/>
+            <a:ext cx="595223" cy="847218"/>
+          </a:xfrm>
+          <a:prstGeom prst="straightConnector1">
+            <a:avLst/>
+          </a:prstGeom>
+          <a:ln>
+            <a:tailEnd type="arrow"/>
+          </a:ln>
+        </p:spPr>
+        <p:style>
+          <a:lnRef idx="1">
+            <a:schemeClr val="accent1"/>
+          </a:lnRef>
+          <a:fillRef idx="0">
+            <a:schemeClr val="accent1"/>
+          </a:fillRef>
+          <a:effectRef idx="0">
+            <a:schemeClr val="accent1"/>
+          </a:effectRef>
+          <a:fontRef idx="minor">
+            <a:schemeClr val="tx1"/>
+          </a:fontRef>
+        </p:style>
+      </p:cxnSp>
+      <p:cxnSp>
+        <p:nvCxnSpPr>
+          <p:cNvPr id="41" name="Straight Arrow Connector 40"/>
+          <p:cNvCxnSpPr>
+            <a:stCxn id="15" idx="2"/>
+          </p:cNvCxnSpPr>
+          <p:nvPr/>
+        </p:nvCxnSpPr>
+        <p:spPr>
+          <a:xfrm>
+            <a:off x="5817079" y="4184963"/>
+            <a:ext cx="278921" cy="844237"/>
+          </a:xfrm>
+          <a:prstGeom prst="straightConnector1">
+            <a:avLst/>
+          </a:prstGeom>
+          <a:ln>
+            <a:tailEnd type="arrow"/>
+          </a:ln>
+        </p:spPr>
+        <p:style>
+          <a:lnRef idx="1">
+            <a:schemeClr val="accent1"/>
+          </a:lnRef>
+          <a:fillRef idx="0">
+            <a:schemeClr val="accent1"/>
+          </a:fillRef>
+          <a:effectRef idx="0">
+            <a:schemeClr val="accent1"/>
+          </a:effectRef>
+          <a:fontRef idx="minor">
+            <a:schemeClr val="tx1"/>
+          </a:fontRef>
+        </p:style>
+      </p:cxnSp>
+      <p:cxnSp>
+        <p:nvCxnSpPr>
+          <p:cNvPr id="42" name="Straight Arrow Connector 41"/>
+          <p:cNvCxnSpPr>
+            <a:stCxn id="16" idx="2"/>
+          </p:cNvCxnSpPr>
+          <p:nvPr/>
+        </p:nvCxnSpPr>
+        <p:spPr>
+          <a:xfrm flipH="1">
+            <a:off x="6172200" y="4184963"/>
+            <a:ext cx="102079" cy="844237"/>
+          </a:xfrm>
+          <a:prstGeom prst="straightConnector1">
+            <a:avLst/>
+          </a:prstGeom>
+          <a:ln>
+            <a:tailEnd type="arrow"/>
+          </a:ln>
+        </p:spPr>
+        <p:style>
+          <a:lnRef idx="1">
+            <a:schemeClr val="accent1"/>
+          </a:lnRef>
+          <a:fillRef idx="0">
+            <a:schemeClr val="accent1"/>
+          </a:fillRef>
+          <a:effectRef idx="0">
+            <a:schemeClr val="accent1"/>
+          </a:effectRef>
+          <a:fontRef idx="minor">
+            <a:schemeClr val="tx1"/>
+          </a:fontRef>
+        </p:style>
+      </p:cxnSp>
+      <p:sp>
+        <p:nvSpPr>
+          <p:cNvPr id="43" name="TextBox 42"/>
+          <p:cNvSpPr txBox="1"/>
+          <p:nvPr/>
+        </p:nvSpPr>
+        <p:spPr>
+          <a:xfrm>
+            <a:off x="5528453" y="5079675"/>
+            <a:ext cx="1287494" cy="369332"/>
+          </a:xfrm>
+          <a:prstGeom prst="rect">
+            <a:avLst/>
+          </a:prstGeom>
+          <a:noFill/>
+        </p:spPr>
+        <p:txBody>
+          <a:bodyPr wrap="square" rtlCol="0">
+            <a:spAutoFit/>
+          </a:bodyPr>
+          <a:lstStyle/>
+          <a:p>
+            <a:r>
+              <a:rPr lang="en-US" dirty="0" smtClean="0"/>
+              <a:t>Empty slots</a:t>
+            </a:r>
+          </a:p>
+        </p:txBody>
+      </p:sp>
+    </p:spTree>
+    <p:extLst>
+      <p:ext uri="{BB962C8B-B14F-4D97-AF65-F5344CB8AC3E}">
+        <p14:creationId xmlns:p14="http://schemas.microsoft.com/office/powerpoint/2010/main" val="2476189663"/>
       </p:ext>
     </p:extLst>
   </p:cSld>

--- a/pictures.pptx
+++ b/pictures.pptx
@@ -25,6 +25,7 @@
     <p:sldId id="273" r:id="rId19"/>
     <p:sldId id="274" r:id="rId20"/>
     <p:sldId id="275" r:id="rId21"/>
+    <p:sldId id="276" r:id="rId22"/>
   </p:sldIdLst>
   <p:sldSz cx="9144000" cy="6858000" type="screen4x3"/>
   <p:notesSz cx="6858000" cy="9144000"/>
@@ -17162,7 +17163,7 @@
             <a:fld id="{1D8BD707-D9CF-40AE-B4C6-C98DA3205C09}" type="datetimeFigureOut">
               <a:rPr lang="en-US" smtClean="0"/>
               <a:pPr/>
-              <a:t>10/17/2016</a:t>
+              <a:t>12/2/2016</a:t>
             </a:fld>
             <a:endParaRPr lang="en-US"/>
           </a:p>
@@ -17329,7 +17330,7 @@
             <a:fld id="{1D8BD707-D9CF-40AE-B4C6-C98DA3205C09}" type="datetimeFigureOut">
               <a:rPr lang="en-US" smtClean="0"/>
               <a:pPr/>
-              <a:t>10/17/2016</a:t>
+              <a:t>12/2/2016</a:t>
             </a:fld>
             <a:endParaRPr lang="en-US"/>
           </a:p>
@@ -17506,7 +17507,7 @@
             <a:fld id="{1D8BD707-D9CF-40AE-B4C6-C98DA3205C09}" type="datetimeFigureOut">
               <a:rPr lang="en-US" smtClean="0"/>
               <a:pPr/>
-              <a:t>10/17/2016</a:t>
+              <a:t>12/2/2016</a:t>
             </a:fld>
             <a:endParaRPr lang="en-US"/>
           </a:p>
@@ -17673,7 +17674,7 @@
             <a:fld id="{1D8BD707-D9CF-40AE-B4C6-C98DA3205C09}" type="datetimeFigureOut">
               <a:rPr lang="en-US" smtClean="0"/>
               <a:pPr/>
-              <a:t>10/17/2016</a:t>
+              <a:t>12/2/2016</a:t>
             </a:fld>
             <a:endParaRPr lang="en-US"/>
           </a:p>
@@ -17916,7 +17917,7 @@
             <a:fld id="{1D8BD707-D9CF-40AE-B4C6-C98DA3205C09}" type="datetimeFigureOut">
               <a:rPr lang="en-US" smtClean="0"/>
               <a:pPr/>
-              <a:t>10/17/2016</a:t>
+              <a:t>12/2/2016</a:t>
             </a:fld>
             <a:endParaRPr lang="en-US"/>
           </a:p>
@@ -18201,7 +18202,7 @@
             <a:fld id="{1D8BD707-D9CF-40AE-B4C6-C98DA3205C09}" type="datetimeFigureOut">
               <a:rPr lang="en-US" smtClean="0"/>
               <a:pPr/>
-              <a:t>10/17/2016</a:t>
+              <a:t>12/2/2016</a:t>
             </a:fld>
             <a:endParaRPr lang="en-US"/>
           </a:p>
@@ -18620,7 +18621,7 @@
             <a:fld id="{1D8BD707-D9CF-40AE-B4C6-C98DA3205C09}" type="datetimeFigureOut">
               <a:rPr lang="en-US" smtClean="0"/>
               <a:pPr/>
-              <a:t>10/17/2016</a:t>
+              <a:t>12/2/2016</a:t>
             </a:fld>
             <a:endParaRPr lang="en-US"/>
           </a:p>
@@ -18735,7 +18736,7 @@
             <a:fld id="{1D8BD707-D9CF-40AE-B4C6-C98DA3205C09}" type="datetimeFigureOut">
               <a:rPr lang="en-US" smtClean="0"/>
               <a:pPr/>
-              <a:t>10/17/2016</a:t>
+              <a:t>12/2/2016</a:t>
             </a:fld>
             <a:endParaRPr lang="en-US"/>
           </a:p>
@@ -18827,7 +18828,7 @@
             <a:fld id="{1D8BD707-D9CF-40AE-B4C6-C98DA3205C09}" type="datetimeFigureOut">
               <a:rPr lang="en-US" smtClean="0"/>
               <a:pPr/>
-              <a:t>10/17/2016</a:t>
+              <a:t>12/2/2016</a:t>
             </a:fld>
             <a:endParaRPr lang="en-US"/>
           </a:p>
@@ -19101,7 +19102,7 @@
             <a:fld id="{1D8BD707-D9CF-40AE-B4C6-C98DA3205C09}" type="datetimeFigureOut">
               <a:rPr lang="en-US" smtClean="0"/>
               <a:pPr/>
-              <a:t>10/17/2016</a:t>
+              <a:t>12/2/2016</a:t>
             </a:fld>
             <a:endParaRPr lang="en-US"/>
           </a:p>
@@ -19351,7 +19352,7 @@
             <a:fld id="{1D8BD707-D9CF-40AE-B4C6-C98DA3205C09}" type="datetimeFigureOut">
               <a:rPr lang="en-US" smtClean="0"/>
               <a:pPr/>
-              <a:t>10/17/2016</a:t>
+              <a:t>12/2/2016</a:t>
             </a:fld>
             <a:endParaRPr lang="en-US"/>
           </a:p>
@@ -19561,7 +19562,7 @@
             <a:fld id="{1D8BD707-D9CF-40AE-B4C6-C98DA3205C09}" type="datetimeFigureOut">
               <a:rPr lang="en-US" smtClean="0"/>
               <a:pPr/>
-              <a:t>10/17/2016</a:t>
+              <a:t>12/2/2016</a:t>
             </a:fld>
             <a:endParaRPr lang="en-US"/>
           </a:p>
@@ -22851,6 +22852,1037 @@
 </p:sld>
 </file>
 
+<file path=ppt/slides/slide21.xml><?xml version="1.0" encoding="utf-8"?>
+<p:sld xmlns:a="http://schemas.openxmlformats.org/drawingml/2006/main" xmlns:r="http://schemas.openxmlformats.org/officeDocument/2006/relationships" xmlns:p="http://schemas.openxmlformats.org/presentationml/2006/main">
+  <p:cSld>
+    <p:spTree>
+      <p:nvGrpSpPr>
+        <p:cNvPr id="1" name=""/>
+        <p:cNvGrpSpPr/>
+        <p:nvPr/>
+      </p:nvGrpSpPr>
+      <p:grpSpPr>
+        <a:xfrm>
+          <a:off x="0" y="0"/>
+          <a:ext cx="0" cy="0"/>
+          <a:chOff x="0" y="0"/>
+          <a:chExt cx="0" cy="0"/>
+        </a:xfrm>
+      </p:grpSpPr>
+      <p:sp>
+        <p:nvSpPr>
+          <p:cNvPr id="2" name="Title 1"/>
+          <p:cNvSpPr>
+            <a:spLocks noGrp="1"/>
+          </p:cNvSpPr>
+          <p:nvPr>
+            <p:ph type="title"/>
+          </p:nvPr>
+        </p:nvSpPr>
+        <p:spPr/>
+        <p:txBody>
+          <a:bodyPr>
+            <a:normAutofit fontScale="90000"/>
+          </a:bodyPr>
+          <a:lstStyle/>
+          <a:p>
+            <a:r>
+              <a:rPr lang="en-US" dirty="0" smtClean="0"/>
+              <a:t/>
+            </a:r>
+            <a:br>
+              <a:rPr lang="en-US" dirty="0" smtClean="0"/>
+            </a:br>
+            <a:endParaRPr lang="en-US" dirty="0"/>
+          </a:p>
+        </p:txBody>
+      </p:sp>
+      <p:sp>
+        <p:nvSpPr>
+          <p:cNvPr id="3" name="Content Placeholder 2"/>
+          <p:cNvSpPr>
+            <a:spLocks noGrp="1"/>
+          </p:cNvSpPr>
+          <p:nvPr>
+            <p:ph idx="1"/>
+          </p:nvPr>
+        </p:nvSpPr>
+        <p:spPr/>
+        <p:txBody>
+          <a:bodyPr/>
+          <a:lstStyle/>
+          <a:p>
+            <a:pPr marL="0" indent="0">
+              <a:buNone/>
+            </a:pPr>
+            <a:endParaRPr lang="en-US" dirty="0" smtClean="0"/>
+          </a:p>
+          <a:p>
+            <a:pPr marL="0" indent="0">
+              <a:buNone/>
+            </a:pPr>
+            <a:endParaRPr lang="en-US" dirty="0" smtClean="0"/>
+          </a:p>
+        </p:txBody>
+      </p:sp>
+      <p:sp>
+        <p:nvSpPr>
+          <p:cNvPr id="5" name="Rectangle 4"/>
+          <p:cNvSpPr/>
+          <p:nvPr/>
+        </p:nvSpPr>
+        <p:spPr>
+          <a:xfrm>
+            <a:off x="152400" y="1423359"/>
+            <a:ext cx="2819400" cy="2310441"/>
+          </a:xfrm>
+          <a:prstGeom prst="rect">
+            <a:avLst/>
+          </a:prstGeom>
+          <a:solidFill>
+            <a:schemeClr val="accent1">
+              <a:lumMod val="20000"/>
+              <a:lumOff val="80000"/>
+            </a:schemeClr>
+          </a:solidFill>
+        </p:spPr>
+        <p:style>
+          <a:lnRef idx="2">
+            <a:schemeClr val="accent1">
+              <a:shade val="50000"/>
+            </a:schemeClr>
+          </a:lnRef>
+          <a:fillRef idx="1">
+            <a:schemeClr val="accent1"/>
+          </a:fillRef>
+          <a:effectRef idx="0">
+            <a:schemeClr val="accent1"/>
+          </a:effectRef>
+          <a:fontRef idx="minor">
+            <a:schemeClr val="lt1"/>
+          </a:fontRef>
+        </p:style>
+        <p:txBody>
+          <a:bodyPr rtlCol="0" anchor="ctr"/>
+          <a:lstStyle/>
+          <a:p>
+            <a:pPr algn="ctr"/>
+            <a:endParaRPr lang="en-US"/>
+          </a:p>
+        </p:txBody>
+      </p:sp>
+      <p:sp>
+        <p:nvSpPr>
+          <p:cNvPr id="6" name="Rectangle 5"/>
+          <p:cNvSpPr/>
+          <p:nvPr/>
+        </p:nvSpPr>
+        <p:spPr>
+          <a:xfrm>
+            <a:off x="6097438" y="1406106"/>
+            <a:ext cx="2895600" cy="2327694"/>
+          </a:xfrm>
+          <a:prstGeom prst="rect">
+            <a:avLst/>
+          </a:prstGeom>
+          <a:solidFill>
+            <a:schemeClr val="accent1">
+              <a:lumMod val="20000"/>
+              <a:lumOff val="80000"/>
+            </a:schemeClr>
+          </a:solidFill>
+        </p:spPr>
+        <p:style>
+          <a:lnRef idx="2">
+            <a:schemeClr val="accent1">
+              <a:shade val="50000"/>
+            </a:schemeClr>
+          </a:lnRef>
+          <a:fillRef idx="1">
+            <a:schemeClr val="accent1"/>
+          </a:fillRef>
+          <a:effectRef idx="0">
+            <a:schemeClr val="accent1"/>
+          </a:effectRef>
+          <a:fontRef idx="minor">
+            <a:schemeClr val="lt1"/>
+          </a:fontRef>
+        </p:style>
+        <p:txBody>
+          <a:bodyPr rtlCol="0" anchor="ctr"/>
+          <a:lstStyle/>
+          <a:p>
+            <a:pPr algn="ctr"/>
+            <a:endParaRPr lang="en-US"/>
+          </a:p>
+        </p:txBody>
+      </p:sp>
+      <p:pic>
+        <p:nvPicPr>
+          <p:cNvPr id="1026" name="Picture 2" descr="https://lh4.googleusercontent.com/rsiEutQMpDQ8JPa0Z57viaW6-nPgInssM-m9afFbGOiQeKpzWm0C1Nv4oGPTfDt59vzDH8dL2zo2Ywz7so_fS_Pu534mVc9q_fXe1TlpqYbvTTecT07qxf0f-FWtIarlEJw3u7-JNI9t"/>
+          <p:cNvPicPr>
+            <a:picLocks noChangeAspect="1" noChangeArrowheads="1"/>
+          </p:cNvPicPr>
+          <p:nvPr/>
+        </p:nvPicPr>
+        <p:blipFill>
+          <a:blip r:embed="rId2">
+            <a:extLst>
+              <a:ext uri="{28A0092B-C50C-407E-A947-70E740481C1C}">
+                <a14:useLocalDpi xmlns:a14="http://schemas.microsoft.com/office/drawing/2010/main" val="0"/>
+              </a:ext>
+            </a:extLst>
+          </a:blip>
+          <a:srcRect/>
+          <a:stretch>
+            <a:fillRect/>
+          </a:stretch>
+        </p:blipFill>
+        <p:spPr bwMode="auto">
+          <a:xfrm>
+            <a:off x="1066800" y="1726361"/>
+            <a:ext cx="990600" cy="990601"/>
+          </a:xfrm>
+          <a:prstGeom prst="rect">
+            <a:avLst/>
+          </a:prstGeom>
+          <a:noFill/>
+          <a:extLst>
+            <a:ext uri="{909E8E84-426E-40DD-AFC4-6F175D3DCCD1}">
+              <a14:hiddenFill xmlns:a14="http://schemas.microsoft.com/office/drawing/2010/main">
+                <a:solidFill>
+                  <a:srgbClr val="FFFFFF"/>
+                </a:solidFill>
+              </a14:hiddenFill>
+            </a:ext>
+          </a:extLst>
+        </p:spPr>
+      </p:pic>
+      <p:pic>
+        <p:nvPicPr>
+          <p:cNvPr id="1028" name="Picture 4" descr="https://lh6.googleusercontent.com/awuHlYg8VnbUKKTbw6BzhL0p3a_QE1h9Zx_5SlKXOWPBfH9k0rEyCmYbPwIYNU2L3Eidk3PZGC3_CkONcmwn1xGNY0l6MB4zi7uj9olYReGI5iRSBoUM_pvcIYwZgMZmBZQeCtJnj3V5"/>
+          <p:cNvPicPr>
+            <a:picLocks noChangeAspect="1" noChangeArrowheads="1"/>
+          </p:cNvPicPr>
+          <p:nvPr/>
+        </p:nvPicPr>
+        <p:blipFill>
+          <a:blip r:embed="rId3">
+            <a:extLst>
+              <a:ext uri="{BEBA8EAE-BF5A-486C-A8C5-ECC9F3942E4B}">
+                <a14:imgProps xmlns:a14="http://schemas.microsoft.com/office/drawing/2010/main">
+                  <a14:imgLayer r:embed="rId4">
+                    <a14:imgEffect>
+                      <a14:backgroundRemoval t="10000" b="90000" l="10000" r="90000"/>
+                    </a14:imgEffect>
+                  </a14:imgLayer>
+                </a14:imgProps>
+              </a:ext>
+              <a:ext uri="{28A0092B-C50C-407E-A947-70E740481C1C}">
+                <a14:useLocalDpi xmlns:a14="http://schemas.microsoft.com/office/drawing/2010/main" val="0"/>
+              </a:ext>
+            </a:extLst>
+          </a:blip>
+          <a:srcRect/>
+          <a:stretch>
+            <a:fillRect/>
+          </a:stretch>
+        </p:blipFill>
+        <p:spPr bwMode="auto">
+          <a:xfrm>
+            <a:off x="7248345" y="1573961"/>
+            <a:ext cx="838200" cy="1143001"/>
+          </a:xfrm>
+          <a:prstGeom prst="rect">
+            <a:avLst/>
+          </a:prstGeom>
+          <a:noFill/>
+          <a:extLst>
+            <a:ext uri="{909E8E84-426E-40DD-AFC4-6F175D3DCCD1}">
+              <a14:hiddenFill xmlns:a14="http://schemas.microsoft.com/office/drawing/2010/main">
+                <a:solidFill>
+                  <a:srgbClr val="FFFFFF"/>
+                </a:solidFill>
+              </a14:hiddenFill>
+            </a:ext>
+          </a:extLst>
+        </p:spPr>
+      </p:pic>
+      <p:sp>
+        <p:nvSpPr>
+          <p:cNvPr id="8" name="Rectangle 7"/>
+          <p:cNvSpPr/>
+          <p:nvPr/>
+        </p:nvSpPr>
+        <p:spPr>
+          <a:xfrm>
+            <a:off x="228600" y="2716962"/>
+            <a:ext cx="838200" cy="559638"/>
+          </a:xfrm>
+          <a:prstGeom prst="rect">
+            <a:avLst/>
+          </a:prstGeom>
+          <a:solidFill>
+            <a:schemeClr val="tx2">
+              <a:lumMod val="40000"/>
+              <a:lumOff val="60000"/>
+            </a:schemeClr>
+          </a:solidFill>
+        </p:spPr>
+        <p:style>
+          <a:lnRef idx="2">
+            <a:schemeClr val="accent1">
+              <a:shade val="50000"/>
+            </a:schemeClr>
+          </a:lnRef>
+          <a:fillRef idx="1">
+            <a:schemeClr val="accent1"/>
+          </a:fillRef>
+          <a:effectRef idx="0">
+            <a:schemeClr val="accent1"/>
+          </a:effectRef>
+          <a:fontRef idx="minor">
+            <a:schemeClr val="lt1"/>
+          </a:fontRef>
+        </p:style>
+        <p:txBody>
+          <a:bodyPr rtlCol="0" anchor="ctr"/>
+          <a:lstStyle/>
+          <a:p>
+            <a:pPr algn="ctr"/>
+            <a:r>
+              <a:rPr lang="en-US" dirty="0" smtClean="0"/>
+              <a:t>Object</a:t>
+            </a:r>
+            <a:endParaRPr lang="en-US" dirty="0"/>
+          </a:p>
+        </p:txBody>
+      </p:sp>
+      <p:sp>
+        <p:nvSpPr>
+          <p:cNvPr id="11" name="Rectangle 10"/>
+          <p:cNvSpPr/>
+          <p:nvPr/>
+        </p:nvSpPr>
+        <p:spPr>
+          <a:xfrm>
+            <a:off x="1562100" y="2716962"/>
+            <a:ext cx="1333500" cy="559638"/>
+          </a:xfrm>
+          <a:prstGeom prst="rect">
+            <a:avLst/>
+          </a:prstGeom>
+          <a:solidFill>
+            <a:schemeClr val="tx2">
+              <a:lumMod val="40000"/>
+              <a:lumOff val="60000"/>
+            </a:schemeClr>
+          </a:solidFill>
+        </p:spPr>
+        <p:style>
+          <a:lnRef idx="2">
+            <a:schemeClr val="accent1">
+              <a:shade val="50000"/>
+            </a:schemeClr>
+          </a:lnRef>
+          <a:fillRef idx="1">
+            <a:schemeClr val="accent1"/>
+          </a:fillRef>
+          <a:effectRef idx="0">
+            <a:schemeClr val="accent1"/>
+          </a:effectRef>
+          <a:fontRef idx="minor">
+            <a:schemeClr val="lt1"/>
+          </a:fontRef>
+        </p:style>
+        <p:txBody>
+          <a:bodyPr rtlCol="0" anchor="ctr"/>
+          <a:lstStyle/>
+          <a:p>
+            <a:pPr algn="ctr"/>
+            <a:r>
+              <a:rPr lang="en-US" dirty="0" smtClean="0"/>
+              <a:t>Stream of bytes</a:t>
+            </a:r>
+            <a:endParaRPr lang="en-US" dirty="0"/>
+          </a:p>
+        </p:txBody>
+      </p:sp>
+      <p:sp>
+        <p:nvSpPr>
+          <p:cNvPr id="24" name="Right Arrow 23"/>
+          <p:cNvSpPr/>
+          <p:nvPr/>
+        </p:nvSpPr>
+        <p:spPr>
+          <a:xfrm>
+            <a:off x="1066800" y="2951852"/>
+            <a:ext cx="495300" cy="158869"/>
+          </a:xfrm>
+          <a:prstGeom prst="rightArrow">
+            <a:avLst/>
+          </a:prstGeom>
+          <a:solidFill>
+            <a:schemeClr val="tx2">
+              <a:lumMod val="40000"/>
+              <a:lumOff val="60000"/>
+            </a:schemeClr>
+          </a:solidFill>
+        </p:spPr>
+        <p:style>
+          <a:lnRef idx="2">
+            <a:schemeClr val="accent1">
+              <a:shade val="50000"/>
+            </a:schemeClr>
+          </a:lnRef>
+          <a:fillRef idx="1">
+            <a:schemeClr val="accent1"/>
+          </a:fillRef>
+          <a:effectRef idx="0">
+            <a:schemeClr val="accent1"/>
+          </a:effectRef>
+          <a:fontRef idx="minor">
+            <a:schemeClr val="lt1"/>
+          </a:fontRef>
+        </p:style>
+        <p:txBody>
+          <a:bodyPr rtlCol="0" anchor="ctr"/>
+          <a:lstStyle/>
+          <a:p>
+            <a:pPr algn="ctr"/>
+            <a:endParaRPr lang="en-US"/>
+          </a:p>
+        </p:txBody>
+      </p:sp>
+      <p:sp>
+        <p:nvSpPr>
+          <p:cNvPr id="25" name="TextBox 24"/>
+          <p:cNvSpPr txBox="1"/>
+          <p:nvPr/>
+        </p:nvSpPr>
+        <p:spPr>
+          <a:xfrm>
+            <a:off x="808726" y="3364468"/>
+            <a:ext cx="1371600" cy="369332"/>
+          </a:xfrm>
+          <a:prstGeom prst="rect">
+            <a:avLst/>
+          </a:prstGeom>
+          <a:noFill/>
+        </p:spPr>
+        <p:txBody>
+          <a:bodyPr wrap="square" rtlCol="0">
+            <a:spAutoFit/>
+          </a:bodyPr>
+          <a:lstStyle/>
+          <a:p>
+            <a:r>
+              <a:rPr lang="en-US" dirty="0" smtClean="0"/>
+              <a:t>Serialization</a:t>
+            </a:r>
+            <a:endParaRPr lang="en-US" dirty="0"/>
+          </a:p>
+        </p:txBody>
+      </p:sp>
+      <p:sp>
+        <p:nvSpPr>
+          <p:cNvPr id="28" name="Rectangle 27"/>
+          <p:cNvSpPr/>
+          <p:nvPr/>
+        </p:nvSpPr>
+        <p:spPr>
+          <a:xfrm>
+            <a:off x="6172200" y="2716962"/>
+            <a:ext cx="1244360" cy="559638"/>
+          </a:xfrm>
+          <a:prstGeom prst="rect">
+            <a:avLst/>
+          </a:prstGeom>
+          <a:solidFill>
+            <a:schemeClr val="tx2">
+              <a:lumMod val="40000"/>
+              <a:lumOff val="60000"/>
+            </a:schemeClr>
+          </a:solidFill>
+        </p:spPr>
+        <p:style>
+          <a:lnRef idx="2">
+            <a:schemeClr val="accent1">
+              <a:shade val="50000"/>
+            </a:schemeClr>
+          </a:lnRef>
+          <a:fillRef idx="1">
+            <a:schemeClr val="accent1"/>
+          </a:fillRef>
+          <a:effectRef idx="0">
+            <a:schemeClr val="accent1"/>
+          </a:effectRef>
+          <a:fontRef idx="minor">
+            <a:schemeClr val="lt1"/>
+          </a:fontRef>
+        </p:style>
+        <p:txBody>
+          <a:bodyPr rtlCol="0" anchor="ctr"/>
+          <a:lstStyle/>
+          <a:p>
+            <a:pPr algn="ctr"/>
+            <a:r>
+              <a:rPr lang="en-US" dirty="0" smtClean="0"/>
+              <a:t>Stream of bytes</a:t>
+            </a:r>
+            <a:endParaRPr lang="en-US" dirty="0"/>
+          </a:p>
+        </p:txBody>
+      </p:sp>
+      <p:sp>
+        <p:nvSpPr>
+          <p:cNvPr id="29" name="Rectangle 28"/>
+          <p:cNvSpPr/>
+          <p:nvPr/>
+        </p:nvSpPr>
+        <p:spPr>
+          <a:xfrm>
+            <a:off x="8093734" y="2733676"/>
+            <a:ext cx="838200" cy="559638"/>
+          </a:xfrm>
+          <a:prstGeom prst="rect">
+            <a:avLst/>
+          </a:prstGeom>
+          <a:solidFill>
+            <a:schemeClr val="tx2">
+              <a:lumMod val="40000"/>
+              <a:lumOff val="60000"/>
+            </a:schemeClr>
+          </a:solidFill>
+        </p:spPr>
+        <p:style>
+          <a:lnRef idx="2">
+            <a:schemeClr val="accent1">
+              <a:shade val="50000"/>
+            </a:schemeClr>
+          </a:lnRef>
+          <a:fillRef idx="1">
+            <a:schemeClr val="accent1"/>
+          </a:fillRef>
+          <a:effectRef idx="0">
+            <a:schemeClr val="accent1"/>
+          </a:effectRef>
+          <a:fontRef idx="minor">
+            <a:schemeClr val="lt1"/>
+          </a:fontRef>
+        </p:style>
+        <p:txBody>
+          <a:bodyPr rtlCol="0" anchor="ctr"/>
+          <a:lstStyle/>
+          <a:p>
+            <a:pPr algn="ctr"/>
+            <a:r>
+              <a:rPr lang="en-US" dirty="0" smtClean="0"/>
+              <a:t>Object</a:t>
+            </a:r>
+            <a:endParaRPr lang="en-US" dirty="0"/>
+          </a:p>
+        </p:txBody>
+      </p:sp>
+      <p:sp>
+        <p:nvSpPr>
+          <p:cNvPr id="30" name="Right Arrow 29"/>
+          <p:cNvSpPr/>
+          <p:nvPr/>
+        </p:nvSpPr>
+        <p:spPr>
+          <a:xfrm>
+            <a:off x="7416560" y="2877271"/>
+            <a:ext cx="669985" cy="136224"/>
+          </a:xfrm>
+          <a:prstGeom prst="rightArrow">
+            <a:avLst/>
+          </a:prstGeom>
+          <a:solidFill>
+            <a:schemeClr val="tx2">
+              <a:lumMod val="40000"/>
+              <a:lumOff val="60000"/>
+            </a:schemeClr>
+          </a:solidFill>
+        </p:spPr>
+        <p:style>
+          <a:lnRef idx="2">
+            <a:schemeClr val="accent1">
+              <a:shade val="50000"/>
+            </a:schemeClr>
+          </a:lnRef>
+          <a:fillRef idx="1">
+            <a:schemeClr val="accent1"/>
+          </a:fillRef>
+          <a:effectRef idx="0">
+            <a:schemeClr val="accent1"/>
+          </a:effectRef>
+          <a:fontRef idx="minor">
+            <a:schemeClr val="lt1"/>
+          </a:fontRef>
+        </p:style>
+        <p:txBody>
+          <a:bodyPr rtlCol="0" anchor="ctr"/>
+          <a:lstStyle/>
+          <a:p>
+            <a:pPr algn="ctr"/>
+            <a:endParaRPr lang="en-US"/>
+          </a:p>
+        </p:txBody>
+      </p:sp>
+      <p:sp>
+        <p:nvSpPr>
+          <p:cNvPr id="31" name="TextBox 30"/>
+          <p:cNvSpPr txBox="1"/>
+          <p:nvPr/>
+        </p:nvSpPr>
+        <p:spPr>
+          <a:xfrm>
+            <a:off x="6972300" y="3364468"/>
+            <a:ext cx="1600200" cy="369332"/>
+          </a:xfrm>
+          <a:prstGeom prst="rect">
+            <a:avLst/>
+          </a:prstGeom>
+          <a:noFill/>
+        </p:spPr>
+        <p:txBody>
+          <a:bodyPr wrap="square" rtlCol="0">
+            <a:spAutoFit/>
+          </a:bodyPr>
+          <a:lstStyle/>
+          <a:p>
+            <a:r>
+              <a:rPr lang="en-US" dirty="0" smtClean="0"/>
+              <a:t>Deserialization</a:t>
+            </a:r>
+            <a:endParaRPr lang="en-US" dirty="0"/>
+          </a:p>
+        </p:txBody>
+      </p:sp>
+      <p:sp>
+        <p:nvSpPr>
+          <p:cNvPr id="32" name="TextBox 31"/>
+          <p:cNvSpPr txBox="1"/>
+          <p:nvPr/>
+        </p:nvSpPr>
+        <p:spPr>
+          <a:xfrm>
+            <a:off x="647700" y="1427037"/>
+            <a:ext cx="1532626" cy="369332"/>
+          </a:xfrm>
+          <a:prstGeom prst="rect">
+            <a:avLst/>
+          </a:prstGeom>
+          <a:noFill/>
+        </p:spPr>
+        <p:txBody>
+          <a:bodyPr wrap="square" rtlCol="0">
+            <a:spAutoFit/>
+          </a:bodyPr>
+          <a:lstStyle/>
+          <a:p>
+            <a:r>
+              <a:rPr lang="en-US" dirty="0" smtClean="0"/>
+              <a:t>Master Node</a:t>
+            </a:r>
+            <a:endParaRPr lang="en-US" dirty="0"/>
+          </a:p>
+        </p:txBody>
+      </p:sp>
+      <p:sp>
+        <p:nvSpPr>
+          <p:cNvPr id="33" name="TextBox 32"/>
+          <p:cNvSpPr txBox="1"/>
+          <p:nvPr/>
+        </p:nvSpPr>
+        <p:spPr>
+          <a:xfrm>
+            <a:off x="7027652" y="1427037"/>
+            <a:ext cx="1532626" cy="369332"/>
+          </a:xfrm>
+          <a:prstGeom prst="rect">
+            <a:avLst/>
+          </a:prstGeom>
+          <a:noFill/>
+        </p:spPr>
+        <p:txBody>
+          <a:bodyPr wrap="square" rtlCol="0">
+            <a:spAutoFit/>
+          </a:bodyPr>
+          <a:lstStyle/>
+          <a:p>
+            <a:r>
+              <a:rPr lang="en-US" dirty="0" smtClean="0"/>
+              <a:t>Slave Node</a:t>
+            </a:r>
+            <a:endParaRPr lang="en-US" dirty="0"/>
+          </a:p>
+        </p:txBody>
+      </p:sp>
+      <p:sp>
+        <p:nvSpPr>
+          <p:cNvPr id="37" name="Oval 36"/>
+          <p:cNvSpPr/>
+          <p:nvPr/>
+        </p:nvSpPr>
+        <p:spPr>
+          <a:xfrm>
+            <a:off x="5550235" y="2661039"/>
+            <a:ext cx="182880" cy="182880"/>
+          </a:xfrm>
+          <a:prstGeom prst="ellipse">
+            <a:avLst/>
+          </a:prstGeom>
+        </p:spPr>
+        <p:style>
+          <a:lnRef idx="2">
+            <a:schemeClr val="accent1">
+              <a:shade val="50000"/>
+            </a:schemeClr>
+          </a:lnRef>
+          <a:fillRef idx="1">
+            <a:schemeClr val="accent1"/>
+          </a:fillRef>
+          <a:effectRef idx="0">
+            <a:schemeClr val="accent1"/>
+          </a:effectRef>
+          <a:fontRef idx="minor">
+            <a:schemeClr val="lt1"/>
+          </a:fontRef>
+        </p:style>
+        <p:txBody>
+          <a:bodyPr rtlCol="0" anchor="ctr"/>
+          <a:lstStyle/>
+          <a:p>
+            <a:pPr algn="ctr"/>
+            <a:endParaRPr lang="en-US"/>
+          </a:p>
+        </p:txBody>
+      </p:sp>
+      <p:sp>
+        <p:nvSpPr>
+          <p:cNvPr id="38" name="Oval 37"/>
+          <p:cNvSpPr/>
+          <p:nvPr/>
+        </p:nvSpPr>
+        <p:spPr>
+          <a:xfrm>
+            <a:off x="5865962" y="2661692"/>
+            <a:ext cx="182880" cy="182880"/>
+          </a:xfrm>
+          <a:prstGeom prst="ellipse">
+            <a:avLst/>
+          </a:prstGeom>
+        </p:spPr>
+        <p:style>
+          <a:lnRef idx="2">
+            <a:schemeClr val="accent1">
+              <a:shade val="50000"/>
+            </a:schemeClr>
+          </a:lnRef>
+          <a:fillRef idx="1">
+            <a:schemeClr val="accent1"/>
+          </a:fillRef>
+          <a:effectRef idx="0">
+            <a:schemeClr val="accent1"/>
+          </a:effectRef>
+          <a:fontRef idx="minor">
+            <a:schemeClr val="lt1"/>
+          </a:fontRef>
+        </p:style>
+        <p:txBody>
+          <a:bodyPr rtlCol="0" anchor="ctr"/>
+          <a:lstStyle/>
+          <a:p>
+            <a:pPr algn="ctr"/>
+            <a:endParaRPr lang="en-US"/>
+          </a:p>
+        </p:txBody>
+      </p:sp>
+      <p:sp>
+        <p:nvSpPr>
+          <p:cNvPr id="26" name="TextBox 25"/>
+          <p:cNvSpPr txBox="1"/>
+          <p:nvPr/>
+        </p:nvSpPr>
+        <p:spPr>
+          <a:xfrm>
+            <a:off x="3337560" y="2285202"/>
+            <a:ext cx="2306990" cy="369332"/>
+          </a:xfrm>
+          <a:prstGeom prst="rect">
+            <a:avLst/>
+          </a:prstGeom>
+          <a:noFill/>
+        </p:spPr>
+        <p:txBody>
+          <a:bodyPr wrap="square" rtlCol="0">
+            <a:spAutoFit/>
+          </a:bodyPr>
+          <a:lstStyle/>
+          <a:p>
+            <a:r>
+              <a:rPr lang="en-US" dirty="0" smtClean="0"/>
+              <a:t>Sent over the network</a:t>
+            </a:r>
+            <a:endParaRPr lang="en-US" dirty="0"/>
+          </a:p>
+        </p:txBody>
+      </p:sp>
+      <p:sp>
+        <p:nvSpPr>
+          <p:cNvPr id="49" name="Oval 48"/>
+          <p:cNvSpPr/>
+          <p:nvPr/>
+        </p:nvSpPr>
+        <p:spPr>
+          <a:xfrm>
+            <a:off x="5254925" y="2661039"/>
+            <a:ext cx="182880" cy="182880"/>
+          </a:xfrm>
+          <a:prstGeom prst="ellipse">
+            <a:avLst/>
+          </a:prstGeom>
+        </p:spPr>
+        <p:style>
+          <a:lnRef idx="2">
+            <a:schemeClr val="accent1">
+              <a:shade val="50000"/>
+            </a:schemeClr>
+          </a:lnRef>
+          <a:fillRef idx="1">
+            <a:schemeClr val="accent1"/>
+          </a:fillRef>
+          <a:effectRef idx="0">
+            <a:schemeClr val="accent1"/>
+          </a:effectRef>
+          <a:fontRef idx="minor">
+            <a:schemeClr val="lt1"/>
+          </a:fontRef>
+        </p:style>
+        <p:txBody>
+          <a:bodyPr rtlCol="0" anchor="ctr"/>
+          <a:lstStyle/>
+          <a:p>
+            <a:pPr algn="ctr"/>
+            <a:endParaRPr lang="en-US"/>
+          </a:p>
+        </p:txBody>
+      </p:sp>
+      <p:sp>
+        <p:nvSpPr>
+          <p:cNvPr id="50" name="Oval 49"/>
+          <p:cNvSpPr/>
+          <p:nvPr/>
+        </p:nvSpPr>
+        <p:spPr>
+          <a:xfrm>
+            <a:off x="3123340" y="2678793"/>
+            <a:ext cx="182880" cy="182880"/>
+          </a:xfrm>
+          <a:prstGeom prst="ellipse">
+            <a:avLst/>
+          </a:prstGeom>
+        </p:spPr>
+        <p:style>
+          <a:lnRef idx="2">
+            <a:schemeClr val="accent1">
+              <a:shade val="50000"/>
+            </a:schemeClr>
+          </a:lnRef>
+          <a:fillRef idx="1">
+            <a:schemeClr val="accent1"/>
+          </a:fillRef>
+          <a:effectRef idx="0">
+            <a:schemeClr val="accent1"/>
+          </a:effectRef>
+          <a:fontRef idx="minor">
+            <a:schemeClr val="lt1"/>
+          </a:fontRef>
+        </p:style>
+        <p:txBody>
+          <a:bodyPr rtlCol="0" anchor="ctr"/>
+          <a:lstStyle/>
+          <a:p>
+            <a:pPr algn="ctr"/>
+            <a:endParaRPr lang="en-US"/>
+          </a:p>
+        </p:txBody>
+      </p:sp>
+      <p:sp>
+        <p:nvSpPr>
+          <p:cNvPr id="51" name="Oval 50"/>
+          <p:cNvSpPr/>
+          <p:nvPr/>
+        </p:nvSpPr>
+        <p:spPr>
+          <a:xfrm>
+            <a:off x="3426125" y="2678793"/>
+            <a:ext cx="182880" cy="182880"/>
+          </a:xfrm>
+          <a:prstGeom prst="ellipse">
+            <a:avLst/>
+          </a:prstGeom>
+        </p:spPr>
+        <p:style>
+          <a:lnRef idx="2">
+            <a:schemeClr val="accent1">
+              <a:shade val="50000"/>
+            </a:schemeClr>
+          </a:lnRef>
+          <a:fillRef idx="1">
+            <a:schemeClr val="accent1"/>
+          </a:fillRef>
+          <a:effectRef idx="0">
+            <a:schemeClr val="accent1"/>
+          </a:effectRef>
+          <a:fontRef idx="minor">
+            <a:schemeClr val="lt1"/>
+          </a:fontRef>
+        </p:style>
+        <p:txBody>
+          <a:bodyPr rtlCol="0" anchor="ctr"/>
+          <a:lstStyle/>
+          <a:p>
+            <a:pPr algn="ctr"/>
+            <a:endParaRPr lang="en-US"/>
+          </a:p>
+        </p:txBody>
+      </p:sp>
+      <p:sp>
+        <p:nvSpPr>
+          <p:cNvPr id="52" name="Oval 51"/>
+          <p:cNvSpPr/>
+          <p:nvPr/>
+        </p:nvSpPr>
+        <p:spPr>
+          <a:xfrm>
+            <a:off x="3715685" y="2678793"/>
+            <a:ext cx="182880" cy="182880"/>
+          </a:xfrm>
+          <a:prstGeom prst="ellipse">
+            <a:avLst/>
+          </a:prstGeom>
+        </p:spPr>
+        <p:style>
+          <a:lnRef idx="2">
+            <a:schemeClr val="accent1">
+              <a:shade val="50000"/>
+            </a:schemeClr>
+          </a:lnRef>
+          <a:fillRef idx="1">
+            <a:schemeClr val="accent1"/>
+          </a:fillRef>
+          <a:effectRef idx="0">
+            <a:schemeClr val="accent1"/>
+          </a:effectRef>
+          <a:fontRef idx="minor">
+            <a:schemeClr val="lt1"/>
+          </a:fontRef>
+        </p:style>
+        <p:txBody>
+          <a:bodyPr rtlCol="0" anchor="ctr"/>
+          <a:lstStyle/>
+          <a:p>
+            <a:pPr algn="ctr"/>
+            <a:endParaRPr lang="en-US"/>
+          </a:p>
+        </p:txBody>
+      </p:sp>
+      <p:sp>
+        <p:nvSpPr>
+          <p:cNvPr id="53" name="Oval 52"/>
+          <p:cNvSpPr/>
+          <p:nvPr/>
+        </p:nvSpPr>
+        <p:spPr>
+          <a:xfrm>
+            <a:off x="4038600" y="2678292"/>
+            <a:ext cx="182880" cy="182880"/>
+          </a:xfrm>
+          <a:prstGeom prst="ellipse">
+            <a:avLst/>
+          </a:prstGeom>
+        </p:spPr>
+        <p:style>
+          <a:lnRef idx="2">
+            <a:schemeClr val="accent1">
+              <a:shade val="50000"/>
+            </a:schemeClr>
+          </a:lnRef>
+          <a:fillRef idx="1">
+            <a:schemeClr val="accent1"/>
+          </a:fillRef>
+          <a:effectRef idx="0">
+            <a:schemeClr val="accent1"/>
+          </a:effectRef>
+          <a:fontRef idx="minor">
+            <a:schemeClr val="lt1"/>
+          </a:fontRef>
+        </p:style>
+        <p:txBody>
+          <a:bodyPr rtlCol="0" anchor="ctr"/>
+          <a:lstStyle/>
+          <a:p>
+            <a:pPr algn="ctr"/>
+            <a:endParaRPr lang="en-US"/>
+          </a:p>
+        </p:txBody>
+      </p:sp>
+      <p:sp>
+        <p:nvSpPr>
+          <p:cNvPr id="54" name="Oval 53"/>
+          <p:cNvSpPr/>
+          <p:nvPr/>
+        </p:nvSpPr>
+        <p:spPr>
+          <a:xfrm>
+            <a:off x="4967090" y="2661692"/>
+            <a:ext cx="182880" cy="182880"/>
+          </a:xfrm>
+          <a:prstGeom prst="ellipse">
+            <a:avLst/>
+          </a:prstGeom>
+        </p:spPr>
+        <p:style>
+          <a:lnRef idx="2">
+            <a:schemeClr val="accent1">
+              <a:shade val="50000"/>
+            </a:schemeClr>
+          </a:lnRef>
+          <a:fillRef idx="1">
+            <a:schemeClr val="accent1"/>
+          </a:fillRef>
+          <a:effectRef idx="0">
+            <a:schemeClr val="accent1"/>
+          </a:effectRef>
+          <a:fontRef idx="minor">
+            <a:schemeClr val="lt1"/>
+          </a:fontRef>
+        </p:style>
+        <p:txBody>
+          <a:bodyPr rtlCol="0" anchor="ctr"/>
+          <a:lstStyle/>
+          <a:p>
+            <a:pPr algn="ctr"/>
+            <a:endParaRPr lang="en-US"/>
+          </a:p>
+        </p:txBody>
+      </p:sp>
+    </p:spTree>
+    <p:extLst>
+      <p:ext uri="{BB962C8B-B14F-4D97-AF65-F5344CB8AC3E}">
+        <p14:creationId xmlns:p14="http://schemas.microsoft.com/office/powerpoint/2010/main" val="860012903"/>
+      </p:ext>
+    </p:extLst>
+  </p:cSld>
+  <p:clrMapOvr>
+    <a:masterClrMapping/>
+  </p:clrMapOvr>
+</p:sld>
+</file>
+
 <file path=ppt/slides/slide3.xml><?xml version="1.0" encoding="utf-8"?>
 <p:sld xmlns:a="http://schemas.openxmlformats.org/drawingml/2006/main" xmlns:r="http://schemas.openxmlformats.org/officeDocument/2006/relationships" xmlns:p="http://schemas.openxmlformats.org/presentationml/2006/main">
   <p:cSld>

--- a/pictures.pptx
+++ b/pictures.pptx
@@ -26,6 +26,7 @@
     <p:sldId id="274" r:id="rId20"/>
     <p:sldId id="275" r:id="rId21"/>
     <p:sldId id="276" r:id="rId22"/>
+    <p:sldId id="277" r:id="rId23"/>
   </p:sldIdLst>
   <p:sldSz cx="9144000" cy="6858000" type="screen4x3"/>
   <p:notesSz cx="6858000" cy="9144000"/>
@@ -17163,7 +17164,7 @@
             <a:fld id="{1D8BD707-D9CF-40AE-B4C6-C98DA3205C09}" type="datetimeFigureOut">
               <a:rPr lang="en-US" smtClean="0"/>
               <a:pPr/>
-              <a:t>12/2/2016</a:t>
+              <a:t>12/5/2016</a:t>
             </a:fld>
             <a:endParaRPr lang="en-US"/>
           </a:p>
@@ -17330,7 +17331,7 @@
             <a:fld id="{1D8BD707-D9CF-40AE-B4C6-C98DA3205C09}" type="datetimeFigureOut">
               <a:rPr lang="en-US" smtClean="0"/>
               <a:pPr/>
-              <a:t>12/2/2016</a:t>
+              <a:t>12/5/2016</a:t>
             </a:fld>
             <a:endParaRPr lang="en-US"/>
           </a:p>
@@ -17507,7 +17508,7 @@
             <a:fld id="{1D8BD707-D9CF-40AE-B4C6-C98DA3205C09}" type="datetimeFigureOut">
               <a:rPr lang="en-US" smtClean="0"/>
               <a:pPr/>
-              <a:t>12/2/2016</a:t>
+              <a:t>12/5/2016</a:t>
             </a:fld>
             <a:endParaRPr lang="en-US"/>
           </a:p>
@@ -17674,7 +17675,7 @@
             <a:fld id="{1D8BD707-D9CF-40AE-B4C6-C98DA3205C09}" type="datetimeFigureOut">
               <a:rPr lang="en-US" smtClean="0"/>
               <a:pPr/>
-              <a:t>12/2/2016</a:t>
+              <a:t>12/5/2016</a:t>
             </a:fld>
             <a:endParaRPr lang="en-US"/>
           </a:p>
@@ -17917,7 +17918,7 @@
             <a:fld id="{1D8BD707-D9CF-40AE-B4C6-C98DA3205C09}" type="datetimeFigureOut">
               <a:rPr lang="en-US" smtClean="0"/>
               <a:pPr/>
-              <a:t>12/2/2016</a:t>
+              <a:t>12/5/2016</a:t>
             </a:fld>
             <a:endParaRPr lang="en-US"/>
           </a:p>
@@ -18202,7 +18203,7 @@
             <a:fld id="{1D8BD707-D9CF-40AE-B4C6-C98DA3205C09}" type="datetimeFigureOut">
               <a:rPr lang="en-US" smtClean="0"/>
               <a:pPr/>
-              <a:t>12/2/2016</a:t>
+              <a:t>12/5/2016</a:t>
             </a:fld>
             <a:endParaRPr lang="en-US"/>
           </a:p>
@@ -18621,7 +18622,7 @@
             <a:fld id="{1D8BD707-D9CF-40AE-B4C6-C98DA3205C09}" type="datetimeFigureOut">
               <a:rPr lang="en-US" smtClean="0"/>
               <a:pPr/>
-              <a:t>12/2/2016</a:t>
+              <a:t>12/5/2016</a:t>
             </a:fld>
             <a:endParaRPr lang="en-US"/>
           </a:p>
@@ -18736,7 +18737,7 @@
             <a:fld id="{1D8BD707-D9CF-40AE-B4C6-C98DA3205C09}" type="datetimeFigureOut">
               <a:rPr lang="en-US" smtClean="0"/>
               <a:pPr/>
-              <a:t>12/2/2016</a:t>
+              <a:t>12/5/2016</a:t>
             </a:fld>
             <a:endParaRPr lang="en-US"/>
           </a:p>
@@ -18828,7 +18829,7 @@
             <a:fld id="{1D8BD707-D9CF-40AE-B4C6-C98DA3205C09}" type="datetimeFigureOut">
               <a:rPr lang="en-US" smtClean="0"/>
               <a:pPr/>
-              <a:t>12/2/2016</a:t>
+              <a:t>12/5/2016</a:t>
             </a:fld>
             <a:endParaRPr lang="en-US"/>
           </a:p>
@@ -19102,7 +19103,7 @@
             <a:fld id="{1D8BD707-D9CF-40AE-B4C6-C98DA3205C09}" type="datetimeFigureOut">
               <a:rPr lang="en-US" smtClean="0"/>
               <a:pPr/>
-              <a:t>12/2/2016</a:t>
+              <a:t>12/5/2016</a:t>
             </a:fld>
             <a:endParaRPr lang="en-US"/>
           </a:p>
@@ -19352,7 +19353,7 @@
             <a:fld id="{1D8BD707-D9CF-40AE-B4C6-C98DA3205C09}" type="datetimeFigureOut">
               <a:rPr lang="en-US" smtClean="0"/>
               <a:pPr/>
-              <a:t>12/2/2016</a:t>
+              <a:t>12/5/2016</a:t>
             </a:fld>
             <a:endParaRPr lang="en-US"/>
           </a:p>
@@ -19562,7 +19563,7 @@
             <a:fld id="{1D8BD707-D9CF-40AE-B4C6-C98DA3205C09}" type="datetimeFigureOut">
               <a:rPr lang="en-US" smtClean="0"/>
               <a:pPr/>
-              <a:t>12/2/2016</a:t>
+              <a:t>12/5/2016</a:t>
             </a:fld>
             <a:endParaRPr lang="en-US"/>
           </a:p>
@@ -23883,6 +23884,934 @@
 </p:sld>
 </file>
 
+<file path=ppt/slides/slide22.xml><?xml version="1.0" encoding="utf-8"?>
+<p:sld xmlns:a="http://schemas.openxmlformats.org/drawingml/2006/main" xmlns:r="http://schemas.openxmlformats.org/officeDocument/2006/relationships" xmlns:p="http://schemas.openxmlformats.org/presentationml/2006/main">
+  <p:cSld>
+    <p:spTree>
+      <p:nvGrpSpPr>
+        <p:cNvPr id="1" name=""/>
+        <p:cNvGrpSpPr/>
+        <p:nvPr/>
+      </p:nvGrpSpPr>
+      <p:grpSpPr>
+        <a:xfrm>
+          <a:off x="0" y="0"/>
+          <a:ext cx="0" cy="0"/>
+          <a:chOff x="0" y="0"/>
+          <a:chExt cx="0" cy="0"/>
+        </a:xfrm>
+      </p:grpSpPr>
+      <p:sp>
+        <p:nvSpPr>
+          <p:cNvPr id="2" name="Title 1"/>
+          <p:cNvSpPr>
+            <a:spLocks noGrp="1"/>
+          </p:cNvSpPr>
+          <p:nvPr>
+            <p:ph type="title"/>
+          </p:nvPr>
+        </p:nvSpPr>
+        <p:spPr>
+          <a:xfrm>
+            <a:off x="457200" y="274638"/>
+            <a:ext cx="731520" cy="228600"/>
+          </a:xfrm>
+        </p:spPr>
+        <p:txBody>
+          <a:bodyPr>
+            <a:normAutofit fontScale="90000"/>
+          </a:bodyPr>
+          <a:lstStyle/>
+          <a:p>
+            <a:r>
+              <a:rPr lang="en-US" dirty="0" smtClean="0"/>
+              <a:t/>
+            </a:r>
+            <a:br>
+              <a:rPr lang="en-US" dirty="0" smtClean="0"/>
+            </a:br>
+            <a:endParaRPr lang="en-US" dirty="0"/>
+          </a:p>
+        </p:txBody>
+      </p:sp>
+      <p:sp>
+        <p:nvSpPr>
+          <p:cNvPr id="3" name="Content Placeholder 2"/>
+          <p:cNvSpPr>
+            <a:spLocks noGrp="1"/>
+          </p:cNvSpPr>
+          <p:nvPr>
+            <p:ph idx="1"/>
+          </p:nvPr>
+        </p:nvSpPr>
+        <p:spPr>
+          <a:xfrm>
+            <a:off x="457200" y="228600"/>
+            <a:ext cx="8229600" cy="5897563"/>
+          </a:xfrm>
+        </p:spPr>
+        <p:txBody>
+          <a:bodyPr/>
+          <a:lstStyle/>
+          <a:p>
+            <a:endParaRPr lang="en-US" dirty="0" smtClean="0"/>
+          </a:p>
+          <a:p>
+            <a:pPr marL="0" indent="0">
+              <a:buNone/>
+            </a:pPr>
+            <a:endParaRPr lang="en-US" dirty="0"/>
+          </a:p>
+          <a:p>
+            <a:pPr marL="0" indent="0">
+              <a:buNone/>
+            </a:pPr>
+            <a:endParaRPr lang="en-US" dirty="0" smtClean="0"/>
+          </a:p>
+        </p:txBody>
+      </p:sp>
+      <p:pic>
+        <p:nvPicPr>
+          <p:cNvPr id="1026" name="Picture 2"/>
+          <p:cNvPicPr>
+            <a:picLocks noChangeAspect="1" noChangeArrowheads="1"/>
+          </p:cNvPicPr>
+          <p:nvPr/>
+        </p:nvPicPr>
+        <p:blipFill>
+          <a:blip r:embed="rId2">
+            <a:extLst>
+              <a:ext uri="{28A0092B-C50C-407E-A947-70E740481C1C}">
+                <a14:useLocalDpi xmlns:a14="http://schemas.microsoft.com/office/drawing/2010/main" val="0"/>
+              </a:ext>
+            </a:extLst>
+          </a:blip>
+          <a:srcRect/>
+          <a:stretch>
+            <a:fillRect/>
+          </a:stretch>
+        </p:blipFill>
+        <p:spPr bwMode="auto">
+          <a:xfrm>
+            <a:off x="55854" y="1355829"/>
+            <a:ext cx="858841" cy="1006371"/>
+          </a:xfrm>
+          <a:prstGeom prst="rect">
+            <a:avLst/>
+          </a:prstGeom>
+          <a:noFill/>
+          <a:ln>
+            <a:noFill/>
+          </a:ln>
+          <a:extLst>
+            <a:ext uri="{909E8E84-426E-40DD-AFC4-6F175D3DCCD1}">
+              <a14:hiddenFill xmlns:a14="http://schemas.microsoft.com/office/drawing/2010/main">
+                <a:solidFill>
+                  <a:schemeClr val="accent1"/>
+                </a:solidFill>
+              </a14:hiddenFill>
+            </a:ext>
+            <a:ext uri="{91240B29-F687-4F45-9708-019B960494DF}">
+              <a14:hiddenLine xmlns:a14="http://schemas.microsoft.com/office/drawing/2010/main" w="9525">
+                <a:solidFill>
+                  <a:schemeClr val="tx1"/>
+                </a:solidFill>
+                <a:miter lim="800000"/>
+                <a:headEnd/>
+                <a:tailEnd/>
+              </a14:hiddenLine>
+            </a:ext>
+          </a:extLst>
+        </p:spPr>
+      </p:pic>
+      <p:sp>
+        <p:nvSpPr>
+          <p:cNvPr id="4" name="Right Arrow 3"/>
+          <p:cNvSpPr/>
+          <p:nvPr/>
+        </p:nvSpPr>
+        <p:spPr>
+          <a:xfrm>
+            <a:off x="965439" y="1744714"/>
+            <a:ext cx="731520" cy="228600"/>
+          </a:xfrm>
+          <a:prstGeom prst="rightArrow">
+            <a:avLst/>
+          </a:prstGeom>
+          <a:solidFill>
+            <a:schemeClr val="accent1">
+              <a:lumMod val="40000"/>
+              <a:lumOff val="60000"/>
+            </a:schemeClr>
+          </a:solidFill>
+        </p:spPr>
+        <p:style>
+          <a:lnRef idx="2">
+            <a:schemeClr val="accent1">
+              <a:shade val="50000"/>
+            </a:schemeClr>
+          </a:lnRef>
+          <a:fillRef idx="1">
+            <a:schemeClr val="accent1"/>
+          </a:fillRef>
+          <a:effectRef idx="0">
+            <a:schemeClr val="accent1"/>
+          </a:effectRef>
+          <a:fontRef idx="minor">
+            <a:schemeClr val="lt1"/>
+          </a:fontRef>
+        </p:style>
+        <p:txBody>
+          <a:bodyPr rtlCol="0" anchor="ctr"/>
+          <a:lstStyle/>
+          <a:p>
+            <a:pPr algn="ctr"/>
+            <a:endParaRPr lang="en-US"/>
+          </a:p>
+        </p:txBody>
+      </p:sp>
+      <p:pic>
+        <p:nvPicPr>
+          <p:cNvPr id="6" name="Picture 2" descr="https://lh4.googleusercontent.com/rsiEutQMpDQ8JPa0Z57viaW6-nPgInssM-m9afFbGOiQeKpzWm0C1Nv4oGPTfDt59vzDH8dL2zo2Ywz7so_fS_Pu534mVc9q_fXe1TlpqYbvTTecT07qxf0f-FWtIarlEJw3u7-JNI9t"/>
+          <p:cNvPicPr>
+            <a:picLocks noChangeAspect="1" noChangeArrowheads="1"/>
+          </p:cNvPicPr>
+          <p:nvPr/>
+        </p:nvPicPr>
+        <p:blipFill>
+          <a:blip r:embed="rId3">
+            <a:extLst>
+              <a:ext uri="{28A0092B-C50C-407E-A947-70E740481C1C}">
+                <a14:useLocalDpi xmlns:a14="http://schemas.microsoft.com/office/drawing/2010/main" val="0"/>
+              </a:ext>
+            </a:extLst>
+          </a:blip>
+          <a:srcRect/>
+          <a:stretch>
+            <a:fillRect/>
+          </a:stretch>
+        </p:blipFill>
+        <p:spPr bwMode="auto">
+          <a:xfrm>
+            <a:off x="1828800" y="1282851"/>
+            <a:ext cx="1279585" cy="1279586"/>
+          </a:xfrm>
+          <a:prstGeom prst="rect">
+            <a:avLst/>
+          </a:prstGeom>
+          <a:noFill/>
+          <a:extLst>
+            <a:ext uri="{909E8E84-426E-40DD-AFC4-6F175D3DCCD1}">
+              <a14:hiddenFill xmlns:a14="http://schemas.microsoft.com/office/drawing/2010/main">
+                <a:solidFill>
+                  <a:srgbClr val="FFFFFF"/>
+                </a:solidFill>
+              </a14:hiddenFill>
+            </a:ext>
+          </a:extLst>
+        </p:spPr>
+      </p:pic>
+      <p:sp>
+        <p:nvSpPr>
+          <p:cNvPr id="5" name="AutoShape 4" descr="Image result for JSON file icon"/>
+          <p:cNvSpPr>
+            <a:spLocks noChangeAspect="1" noChangeArrowheads="1"/>
+          </p:cNvSpPr>
+          <p:nvPr/>
+        </p:nvSpPr>
+        <p:spPr bwMode="auto">
+          <a:xfrm>
+            <a:off x="155575" y="-144463"/>
+            <a:ext cx="304800" cy="304801"/>
+          </a:xfrm>
+          <a:prstGeom prst="rect">
+            <a:avLst/>
+          </a:prstGeom>
+          <a:noFill/>
+          <a:extLst>
+            <a:ext uri="{909E8E84-426E-40DD-AFC4-6F175D3DCCD1}">
+              <a14:hiddenFill xmlns:a14="http://schemas.microsoft.com/office/drawing/2010/main">
+                <a:solidFill>
+                  <a:srgbClr val="FFFFFF"/>
+                </a:solidFill>
+              </a14:hiddenFill>
+            </a:ext>
+          </a:extLst>
+        </p:spPr>
+        <p:txBody>
+          <a:bodyPr vert="horz" wrap="square" lIns="91440" tIns="45720" rIns="91440" bIns="45720" numCol="1" anchor="t" anchorCtr="0" compatLnSpc="1">
+            <a:prstTxWarp prst="textNoShape">
+              <a:avLst/>
+            </a:prstTxWarp>
+          </a:bodyPr>
+          <a:lstStyle/>
+          <a:p>
+            <a:endParaRPr lang="en-US"/>
+          </a:p>
+        </p:txBody>
+      </p:sp>
+      <p:sp>
+        <p:nvSpPr>
+          <p:cNvPr id="7" name="AutoShape 6" descr="Image result for JSON file icon"/>
+          <p:cNvSpPr>
+            <a:spLocks noChangeAspect="1" noChangeArrowheads="1"/>
+          </p:cNvSpPr>
+          <p:nvPr/>
+        </p:nvSpPr>
+        <p:spPr bwMode="auto">
+          <a:xfrm>
+            <a:off x="307975" y="7937"/>
+            <a:ext cx="304800" cy="304801"/>
+          </a:xfrm>
+          <a:prstGeom prst="rect">
+            <a:avLst/>
+          </a:prstGeom>
+          <a:noFill/>
+          <a:extLst>
+            <a:ext uri="{909E8E84-426E-40DD-AFC4-6F175D3DCCD1}">
+              <a14:hiddenFill xmlns:a14="http://schemas.microsoft.com/office/drawing/2010/main">
+                <a:solidFill>
+                  <a:srgbClr val="FFFFFF"/>
+                </a:solidFill>
+              </a14:hiddenFill>
+            </a:ext>
+          </a:extLst>
+        </p:spPr>
+        <p:txBody>
+          <a:bodyPr vert="horz" wrap="square" lIns="91440" tIns="45720" rIns="91440" bIns="45720" numCol="1" anchor="t" anchorCtr="0" compatLnSpc="1">
+            <a:prstTxWarp prst="textNoShape">
+              <a:avLst/>
+            </a:prstTxWarp>
+          </a:bodyPr>
+          <a:lstStyle/>
+          <a:p>
+            <a:endParaRPr lang="en-US"/>
+          </a:p>
+        </p:txBody>
+      </p:sp>
+      <p:pic>
+        <p:nvPicPr>
+          <p:cNvPr id="1031" name="Picture 7"/>
+          <p:cNvPicPr>
+            <a:picLocks noChangeAspect="1" noChangeArrowheads="1"/>
+          </p:cNvPicPr>
+          <p:nvPr/>
+        </p:nvPicPr>
+        <p:blipFill>
+          <a:blip r:embed="rId4" cstate="print">
+            <a:extLst>
+              <a:ext uri="{28A0092B-C50C-407E-A947-70E740481C1C}">
+                <a14:useLocalDpi xmlns:a14="http://schemas.microsoft.com/office/drawing/2010/main" val="0"/>
+              </a:ext>
+            </a:extLst>
+          </a:blip>
+          <a:srcRect/>
+          <a:stretch>
+            <a:fillRect/>
+          </a:stretch>
+        </p:blipFill>
+        <p:spPr bwMode="auto">
+          <a:xfrm>
+            <a:off x="1004977" y="2033472"/>
+            <a:ext cx="536635" cy="595476"/>
+          </a:xfrm>
+          <a:prstGeom prst="rect">
+            <a:avLst/>
+          </a:prstGeom>
+          <a:noFill/>
+          <a:ln>
+            <a:noFill/>
+          </a:ln>
+          <a:extLst>
+            <a:ext uri="{909E8E84-426E-40DD-AFC4-6F175D3DCCD1}">
+              <a14:hiddenFill xmlns:a14="http://schemas.microsoft.com/office/drawing/2010/main">
+                <a:solidFill>
+                  <a:schemeClr val="accent1"/>
+                </a:solidFill>
+              </a14:hiddenFill>
+            </a:ext>
+            <a:ext uri="{91240B29-F687-4F45-9708-019B960494DF}">
+              <a14:hiddenLine xmlns:a14="http://schemas.microsoft.com/office/drawing/2010/main" w="9525">
+                <a:solidFill>
+                  <a:schemeClr val="tx1"/>
+                </a:solidFill>
+                <a:miter lim="800000"/>
+                <a:headEnd/>
+                <a:tailEnd/>
+              </a14:hiddenLine>
+            </a:ext>
+          </a:extLst>
+        </p:spPr>
+      </p:pic>
+      <p:sp>
+        <p:nvSpPr>
+          <p:cNvPr id="8" name="TextBox 7"/>
+          <p:cNvSpPr txBox="1"/>
+          <p:nvPr/>
+        </p:nvSpPr>
+        <p:spPr>
+          <a:xfrm>
+            <a:off x="155575" y="2536558"/>
+            <a:ext cx="795307" cy="369332"/>
+          </a:xfrm>
+          <a:prstGeom prst="rect">
+            <a:avLst/>
+          </a:prstGeom>
+          <a:noFill/>
+        </p:spPr>
+        <p:txBody>
+          <a:bodyPr wrap="square" rtlCol="0">
+            <a:spAutoFit/>
+          </a:bodyPr>
+          <a:lstStyle/>
+          <a:p>
+            <a:r>
+              <a:rPr lang="en-US" dirty="0" smtClean="0"/>
+              <a:t>User</a:t>
+            </a:r>
+            <a:endParaRPr lang="en-US" dirty="0"/>
+          </a:p>
+        </p:txBody>
+      </p:sp>
+      <p:sp>
+        <p:nvSpPr>
+          <p:cNvPr id="9" name="TextBox 8"/>
+          <p:cNvSpPr txBox="1"/>
+          <p:nvPr/>
+        </p:nvSpPr>
+        <p:spPr>
+          <a:xfrm>
+            <a:off x="1905000" y="2562437"/>
+            <a:ext cx="762000" cy="369332"/>
+          </a:xfrm>
+          <a:prstGeom prst="rect">
+            <a:avLst/>
+          </a:prstGeom>
+          <a:noFill/>
+        </p:spPr>
+        <p:txBody>
+          <a:bodyPr wrap="square" rtlCol="0">
+            <a:spAutoFit/>
+          </a:bodyPr>
+          <a:lstStyle/>
+          <a:p>
+            <a:r>
+              <a:rPr lang="en-US" dirty="0" smtClean="0"/>
+              <a:t>Node</a:t>
+            </a:r>
+            <a:endParaRPr lang="en-US" dirty="0"/>
+          </a:p>
+        </p:txBody>
+      </p:sp>
+      <p:sp>
+        <p:nvSpPr>
+          <p:cNvPr id="13" name="Right Arrow 12"/>
+          <p:cNvSpPr/>
+          <p:nvPr/>
+        </p:nvSpPr>
+        <p:spPr>
+          <a:xfrm>
+            <a:off x="3131388" y="1793884"/>
+            <a:ext cx="602412" cy="228600"/>
+          </a:xfrm>
+          <a:prstGeom prst="rightArrow">
+            <a:avLst/>
+          </a:prstGeom>
+          <a:solidFill>
+            <a:schemeClr val="accent1">
+              <a:lumMod val="40000"/>
+              <a:lumOff val="60000"/>
+            </a:schemeClr>
+          </a:solidFill>
+        </p:spPr>
+        <p:style>
+          <a:lnRef idx="2">
+            <a:schemeClr val="accent1">
+              <a:shade val="50000"/>
+            </a:schemeClr>
+          </a:lnRef>
+          <a:fillRef idx="1">
+            <a:schemeClr val="accent1"/>
+          </a:fillRef>
+          <a:effectRef idx="0">
+            <a:schemeClr val="accent1"/>
+          </a:effectRef>
+          <a:fontRef idx="minor">
+            <a:schemeClr val="lt1"/>
+          </a:fontRef>
+        </p:style>
+        <p:txBody>
+          <a:bodyPr rtlCol="0" anchor="ctr"/>
+          <a:lstStyle/>
+          <a:p>
+            <a:pPr algn="ctr"/>
+            <a:endParaRPr lang="en-US"/>
+          </a:p>
+        </p:txBody>
+      </p:sp>
+      <p:sp>
+        <p:nvSpPr>
+          <p:cNvPr id="11" name="Rectangle 10"/>
+          <p:cNvSpPr/>
+          <p:nvPr/>
+        </p:nvSpPr>
+        <p:spPr>
+          <a:xfrm>
+            <a:off x="3810000" y="1447800"/>
+            <a:ext cx="2667000" cy="1299303"/>
+          </a:xfrm>
+          <a:prstGeom prst="rect">
+            <a:avLst/>
+          </a:prstGeom>
+          <a:solidFill>
+            <a:schemeClr val="accent1">
+              <a:lumMod val="60000"/>
+              <a:lumOff val="40000"/>
+            </a:schemeClr>
+          </a:solidFill>
+        </p:spPr>
+        <p:style>
+          <a:lnRef idx="2">
+            <a:schemeClr val="accent1">
+              <a:shade val="50000"/>
+            </a:schemeClr>
+          </a:lnRef>
+          <a:fillRef idx="1">
+            <a:schemeClr val="accent1"/>
+          </a:fillRef>
+          <a:effectRef idx="0">
+            <a:schemeClr val="accent1"/>
+          </a:effectRef>
+          <a:fontRef idx="minor">
+            <a:schemeClr val="lt1"/>
+          </a:fontRef>
+        </p:style>
+        <p:txBody>
+          <a:bodyPr rtlCol="0" anchor="ctr"/>
+          <a:lstStyle/>
+          <a:p>
+            <a:pPr algn="ctr"/>
+            <a:endParaRPr lang="en-US"/>
+          </a:p>
+        </p:txBody>
+      </p:sp>
+      <p:sp>
+        <p:nvSpPr>
+          <p:cNvPr id="12" name="TextBox 11"/>
+          <p:cNvSpPr txBox="1"/>
+          <p:nvPr/>
+        </p:nvSpPr>
+        <p:spPr>
+          <a:xfrm>
+            <a:off x="3810000" y="1522346"/>
+            <a:ext cx="2667000" cy="1200329"/>
+          </a:xfrm>
+          <a:prstGeom prst="rect">
+            <a:avLst/>
+          </a:prstGeom>
+          <a:noFill/>
+        </p:spPr>
+        <p:txBody>
+          <a:bodyPr wrap="square" rtlCol="0">
+            <a:spAutoFit/>
+          </a:bodyPr>
+          <a:lstStyle/>
+          <a:p>
+            <a:r>
+              <a:rPr lang="en-US" dirty="0" smtClean="0"/>
+              <a:t>Parse the JSON file and get communicator which uses chosen protocol by querying the interface</a:t>
+            </a:r>
+            <a:endParaRPr lang="en-US" dirty="0"/>
+          </a:p>
+        </p:txBody>
+      </p:sp>
+      <p:sp>
+        <p:nvSpPr>
+          <p:cNvPr id="16" name="Right Arrow 15"/>
+          <p:cNvSpPr/>
+          <p:nvPr/>
+        </p:nvSpPr>
+        <p:spPr>
+          <a:xfrm>
+            <a:off x="6565329" y="1841391"/>
+            <a:ext cx="573478" cy="228600"/>
+          </a:xfrm>
+          <a:prstGeom prst="rightArrow">
+            <a:avLst/>
+          </a:prstGeom>
+          <a:solidFill>
+            <a:schemeClr val="accent1">
+              <a:lumMod val="40000"/>
+              <a:lumOff val="60000"/>
+            </a:schemeClr>
+          </a:solidFill>
+        </p:spPr>
+        <p:style>
+          <a:lnRef idx="2">
+            <a:schemeClr val="accent1">
+              <a:shade val="50000"/>
+            </a:schemeClr>
+          </a:lnRef>
+          <a:fillRef idx="1">
+            <a:schemeClr val="accent1"/>
+          </a:fillRef>
+          <a:effectRef idx="0">
+            <a:schemeClr val="accent1"/>
+          </a:effectRef>
+          <a:fontRef idx="minor">
+            <a:schemeClr val="lt1"/>
+          </a:fontRef>
+        </p:style>
+        <p:txBody>
+          <a:bodyPr rtlCol="0" anchor="ctr"/>
+          <a:lstStyle/>
+          <a:p>
+            <a:pPr algn="ctr"/>
+            <a:endParaRPr lang="en-US"/>
+          </a:p>
+        </p:txBody>
+      </p:sp>
+      <p:sp>
+        <p:nvSpPr>
+          <p:cNvPr id="18" name="Rectangle 17"/>
+          <p:cNvSpPr/>
+          <p:nvPr/>
+        </p:nvSpPr>
+        <p:spPr>
+          <a:xfrm>
+            <a:off x="7170437" y="1428904"/>
+            <a:ext cx="1821163" cy="1299303"/>
+          </a:xfrm>
+          <a:prstGeom prst="rect">
+            <a:avLst/>
+          </a:prstGeom>
+          <a:solidFill>
+            <a:schemeClr val="accent1">
+              <a:lumMod val="60000"/>
+              <a:lumOff val="40000"/>
+            </a:schemeClr>
+          </a:solidFill>
+        </p:spPr>
+        <p:style>
+          <a:lnRef idx="2">
+            <a:schemeClr val="accent1">
+              <a:shade val="50000"/>
+            </a:schemeClr>
+          </a:lnRef>
+          <a:fillRef idx="1">
+            <a:schemeClr val="accent1"/>
+          </a:fillRef>
+          <a:effectRef idx="0">
+            <a:schemeClr val="accent1"/>
+          </a:effectRef>
+          <a:fontRef idx="minor">
+            <a:schemeClr val="lt1"/>
+          </a:fontRef>
+        </p:style>
+        <p:txBody>
+          <a:bodyPr rtlCol="0" anchor="ctr"/>
+          <a:lstStyle/>
+          <a:p>
+            <a:pPr algn="ctr"/>
+            <a:endParaRPr lang="en-US"/>
+          </a:p>
+        </p:txBody>
+      </p:sp>
+      <p:sp>
+        <p:nvSpPr>
+          <p:cNvPr id="19" name="TextBox 18"/>
+          <p:cNvSpPr txBox="1"/>
+          <p:nvPr/>
+        </p:nvSpPr>
+        <p:spPr>
+          <a:xfrm>
+            <a:off x="7315200" y="1478390"/>
+            <a:ext cx="1600200" cy="1200329"/>
+          </a:xfrm>
+          <a:prstGeom prst="rect">
+            <a:avLst/>
+          </a:prstGeom>
+          <a:noFill/>
+        </p:spPr>
+        <p:txBody>
+          <a:bodyPr wrap="square" rtlCol="0">
+            <a:spAutoFit/>
+          </a:bodyPr>
+          <a:lstStyle/>
+          <a:p>
+            <a:r>
+              <a:rPr lang="en-US" dirty="0" smtClean="0"/>
+              <a:t>Call send and receive using the communicator</a:t>
+            </a:r>
+            <a:endParaRPr lang="en-US" dirty="0"/>
+          </a:p>
+        </p:txBody>
+      </p:sp>
+      <p:pic>
+        <p:nvPicPr>
+          <p:cNvPr id="1033" name="Picture 9" descr="Image result for communicator"/>
+          <p:cNvPicPr>
+            <a:picLocks noChangeAspect="1" noChangeArrowheads="1"/>
+          </p:cNvPicPr>
+          <p:nvPr/>
+        </p:nvPicPr>
+        <p:blipFill>
+          <a:blip r:embed="rId5" cstate="print">
+            <a:extLst>
+              <a:ext uri="{28A0092B-C50C-407E-A947-70E740481C1C}">
+                <a14:useLocalDpi xmlns:a14="http://schemas.microsoft.com/office/drawing/2010/main" val="0"/>
+              </a:ext>
+            </a:extLst>
+          </a:blip>
+          <a:srcRect/>
+          <a:stretch>
+            <a:fillRect/>
+          </a:stretch>
+        </p:blipFill>
+        <p:spPr bwMode="auto">
+          <a:xfrm>
+            <a:off x="6180676" y="3242906"/>
+            <a:ext cx="769305" cy="797193"/>
+          </a:xfrm>
+          <a:prstGeom prst="rect">
+            <a:avLst/>
+          </a:prstGeom>
+          <a:noFill/>
+          <a:extLst>
+            <a:ext uri="{909E8E84-426E-40DD-AFC4-6F175D3DCCD1}">
+              <a14:hiddenFill xmlns:a14="http://schemas.microsoft.com/office/drawing/2010/main">
+                <a:solidFill>
+                  <a:srgbClr val="FFFFFF"/>
+                </a:solidFill>
+              </a14:hiddenFill>
+            </a:ext>
+          </a:extLst>
+        </p:spPr>
+      </p:pic>
+      <p:sp>
+        <p:nvSpPr>
+          <p:cNvPr id="15" name="Cloud 14"/>
+          <p:cNvSpPr/>
+          <p:nvPr/>
+        </p:nvSpPr>
+        <p:spPr>
+          <a:xfrm>
+            <a:off x="5791200" y="2905890"/>
+            <a:ext cx="2895600" cy="2199510"/>
+          </a:xfrm>
+          <a:prstGeom prst="cloud">
+            <a:avLst/>
+          </a:prstGeom>
+          <a:noFill/>
+        </p:spPr>
+        <p:style>
+          <a:lnRef idx="2">
+            <a:schemeClr val="accent1">
+              <a:shade val="50000"/>
+            </a:schemeClr>
+          </a:lnRef>
+          <a:fillRef idx="1">
+            <a:schemeClr val="accent1"/>
+          </a:fillRef>
+          <a:effectRef idx="0">
+            <a:schemeClr val="accent1"/>
+          </a:effectRef>
+          <a:fontRef idx="minor">
+            <a:schemeClr val="lt1"/>
+          </a:fontRef>
+        </p:style>
+        <p:txBody>
+          <a:bodyPr rtlCol="0" anchor="ctr"/>
+          <a:lstStyle/>
+          <a:p>
+            <a:pPr algn="ctr"/>
+            <a:endParaRPr lang="en-US"/>
+          </a:p>
+        </p:txBody>
+      </p:sp>
+      <p:sp>
+        <p:nvSpPr>
+          <p:cNvPr id="20" name="TextBox 19"/>
+          <p:cNvSpPr txBox="1"/>
+          <p:nvPr/>
+        </p:nvSpPr>
+        <p:spPr>
+          <a:xfrm>
+            <a:off x="7822719" y="3352800"/>
+            <a:ext cx="820228" cy="369332"/>
+          </a:xfrm>
+          <a:prstGeom prst="rect">
+            <a:avLst/>
+          </a:prstGeom>
+          <a:noFill/>
+        </p:spPr>
+        <p:txBody>
+          <a:bodyPr wrap="square" rtlCol="0">
+            <a:spAutoFit/>
+          </a:bodyPr>
+          <a:lstStyle/>
+          <a:p>
+            <a:r>
+              <a:rPr lang="en-US" dirty="0" smtClean="0"/>
+              <a:t>MPI</a:t>
+            </a:r>
+            <a:endParaRPr lang="en-US" dirty="0"/>
+          </a:p>
+        </p:txBody>
+      </p:sp>
+      <p:sp>
+        <p:nvSpPr>
+          <p:cNvPr id="25" name="TextBox 24"/>
+          <p:cNvSpPr txBox="1"/>
+          <p:nvPr/>
+        </p:nvSpPr>
+        <p:spPr>
+          <a:xfrm>
+            <a:off x="6210300" y="4105355"/>
+            <a:ext cx="1600199" cy="646331"/>
+          </a:xfrm>
+          <a:prstGeom prst="rect">
+            <a:avLst/>
+          </a:prstGeom>
+          <a:noFill/>
+        </p:spPr>
+        <p:txBody>
+          <a:bodyPr wrap="square" rtlCol="0">
+            <a:spAutoFit/>
+          </a:bodyPr>
+          <a:lstStyle/>
+          <a:p>
+            <a:r>
+              <a:rPr lang="en-US" dirty="0" smtClean="0"/>
+              <a:t>TCP/UDP sockets</a:t>
+            </a:r>
+            <a:endParaRPr lang="en-US" dirty="0"/>
+          </a:p>
+        </p:txBody>
+      </p:sp>
+      <p:sp>
+        <p:nvSpPr>
+          <p:cNvPr id="26" name="TextBox 25"/>
+          <p:cNvSpPr txBox="1"/>
+          <p:nvPr/>
+        </p:nvSpPr>
+        <p:spPr>
+          <a:xfrm>
+            <a:off x="7138807" y="3670767"/>
+            <a:ext cx="820228" cy="369332"/>
+          </a:xfrm>
+          <a:prstGeom prst="rect">
+            <a:avLst/>
+          </a:prstGeom>
+          <a:noFill/>
+        </p:spPr>
+        <p:txBody>
+          <a:bodyPr wrap="square" rtlCol="0">
+            <a:spAutoFit/>
+          </a:bodyPr>
+          <a:lstStyle/>
+          <a:p>
+            <a:r>
+              <a:rPr lang="en-US" dirty="0" smtClean="0"/>
+              <a:t>REST</a:t>
+            </a:r>
+            <a:endParaRPr lang="en-US" dirty="0"/>
+          </a:p>
+        </p:txBody>
+      </p:sp>
+      <p:sp>
+        <p:nvSpPr>
+          <p:cNvPr id="27" name="TextBox 26"/>
+          <p:cNvSpPr txBox="1"/>
+          <p:nvPr/>
+        </p:nvSpPr>
+        <p:spPr>
+          <a:xfrm>
+            <a:off x="7295072" y="4243854"/>
+            <a:ext cx="820228" cy="369332"/>
+          </a:xfrm>
+          <a:prstGeom prst="rect">
+            <a:avLst/>
+          </a:prstGeom>
+          <a:noFill/>
+        </p:spPr>
+        <p:txBody>
+          <a:bodyPr wrap="square" rtlCol="0">
+            <a:spAutoFit/>
+          </a:bodyPr>
+          <a:lstStyle/>
+          <a:p>
+            <a:r>
+              <a:rPr lang="en-US" dirty="0" smtClean="0"/>
+              <a:t>HTTP</a:t>
+            </a:r>
+            <a:endParaRPr lang="en-US" dirty="0"/>
+          </a:p>
+        </p:txBody>
+      </p:sp>
+      <p:sp>
+        <p:nvSpPr>
+          <p:cNvPr id="22" name="Curved Up Arrow 21"/>
+          <p:cNvSpPr/>
+          <p:nvPr/>
+        </p:nvSpPr>
+        <p:spPr>
+          <a:xfrm rot="2626550">
+            <a:off x="4864165" y="3100444"/>
+            <a:ext cx="1200943" cy="435178"/>
+          </a:xfrm>
+          <a:prstGeom prst="curvedUpArrow">
+            <a:avLst/>
+          </a:prstGeom>
+          <a:solidFill>
+            <a:schemeClr val="accent1">
+              <a:lumMod val="60000"/>
+              <a:lumOff val="40000"/>
+            </a:schemeClr>
+          </a:solidFill>
+        </p:spPr>
+        <p:style>
+          <a:lnRef idx="2">
+            <a:schemeClr val="accent1">
+              <a:shade val="50000"/>
+            </a:schemeClr>
+          </a:lnRef>
+          <a:fillRef idx="1">
+            <a:schemeClr val="accent1"/>
+          </a:fillRef>
+          <a:effectRef idx="0">
+            <a:schemeClr val="accent1"/>
+          </a:effectRef>
+          <a:fontRef idx="minor">
+            <a:schemeClr val="lt1"/>
+          </a:fontRef>
+        </p:style>
+        <p:txBody>
+          <a:bodyPr rtlCol="0" anchor="ctr"/>
+          <a:lstStyle/>
+          <a:p>
+            <a:pPr algn="ctr"/>
+            <a:endParaRPr lang="en-US">
+              <a:solidFill>
+                <a:schemeClr val="tx1"/>
+              </a:solidFill>
+            </a:endParaRPr>
+          </a:p>
+        </p:txBody>
+      </p:sp>
+    </p:spTree>
+    <p:extLst>
+      <p:ext uri="{BB962C8B-B14F-4D97-AF65-F5344CB8AC3E}">
+        <p14:creationId xmlns:p14="http://schemas.microsoft.com/office/powerpoint/2010/main" val="2956477278"/>
+      </p:ext>
+    </p:extLst>
+  </p:cSld>
+  <p:clrMapOvr>
+    <a:masterClrMapping/>
+  </p:clrMapOvr>
+</p:sld>
+</file>
+
 <file path=ppt/slides/slide3.xml><?xml version="1.0" encoding="utf-8"?>
 <p:sld xmlns:a="http://schemas.openxmlformats.org/drawingml/2006/main" xmlns:r="http://schemas.openxmlformats.org/officeDocument/2006/relationships" xmlns:p="http://schemas.openxmlformats.org/presentationml/2006/main">
   <p:cSld>

--- a/pictures.pptx
+++ b/pictures.pptx
@@ -23485,7 +23485,7 @@
           <a:p>
             <a:r>
               <a:rPr lang="en-US" dirty="0" smtClean="0"/>
-              <a:t>Master Node</a:t>
+              <a:t>Sender Node</a:t>
             </a:r>
             <a:endParaRPr lang="en-US" dirty="0"/>
           </a:p>
@@ -23514,8 +23514,8 @@
           <a:lstStyle/>
           <a:p>
             <a:r>
-              <a:rPr lang="en-US" dirty="0" smtClean="0"/>
-              <a:t>Slave Node</a:t>
+              <a:rPr lang="en-US" smtClean="0"/>
+              <a:t>Receiver Node</a:t>
             </a:r>
             <a:endParaRPr lang="en-US" dirty="0"/>
           </a:p>
@@ -24419,7 +24419,23 @@
           <a:p>
             <a:r>
               <a:rPr lang="en-US" dirty="0" smtClean="0"/>
-              <a:t>Parse the JSON file and get communicator which uses chosen protocol by querying the interface</a:t>
+              <a:t>Parse the JSON file and get communicator </a:t>
+            </a:r>
+            <a:r>
+              <a:rPr lang="en-US" dirty="0" smtClean="0"/>
+              <a:t>(which </a:t>
+            </a:r>
+            <a:r>
+              <a:rPr lang="en-US" dirty="0" smtClean="0"/>
+              <a:t>uses chosen </a:t>
+            </a:r>
+            <a:r>
+              <a:rPr lang="en-US" dirty="0" smtClean="0"/>
+              <a:t>protocol) </a:t>
+            </a:r>
+            <a:r>
+              <a:rPr lang="en-US" dirty="0" smtClean="0"/>
+              <a:t>by querying the interface</a:t>
             </a:r>
             <a:endParaRPr lang="en-US" dirty="0"/>
           </a:p>

--- a/pictures.pptx
+++ b/pictures.pptx
@@ -27,6 +27,7 @@
     <p:sldId id="275" r:id="rId21"/>
     <p:sldId id="276" r:id="rId22"/>
     <p:sldId id="277" r:id="rId23"/>
+    <p:sldId id="278" r:id="rId24"/>
   </p:sldIdLst>
   <p:sldSz cx="9144000" cy="6858000" type="screen4x3"/>
   <p:notesSz cx="6858000" cy="9144000"/>
@@ -4055,10 +4056,10 @@
     <dgm:cxn modelId="{275DCCED-1CF8-47A7-B91F-8CAC53BF4272}" type="presOf" srcId="{5D21D8BC-666E-4114-80E6-FA46EFBB1481}" destId="{F879393D-987D-4A4F-9334-D42AB832B066}" srcOrd="0" destOrd="0" presId="urn:microsoft.com/office/officeart/2005/8/layout/chevron1"/>
     <dgm:cxn modelId="{44F816F0-8F9B-4FCC-BC66-8CEB73A0B259}" srcId="{5D21D8BC-666E-4114-80E6-FA46EFBB1481}" destId="{22E627A8-270D-449A-9889-7489D589131E}" srcOrd="1" destOrd="0" parTransId="{5F8071CA-105D-46D2-8F43-FD742F090B0D}" sibTransId="{4D18BCB8-F079-4C81-93C0-0D6AE7277CB1}"/>
     <dgm:cxn modelId="{F096248B-DBD5-44C4-9262-47B37A3486C9}" type="presOf" srcId="{B777BD26-EC81-4478-9E42-1BFF505858F2}" destId="{C62F374F-7C9B-4AD8-A4E0-355BE21DECAD}" srcOrd="0" destOrd="0" presId="urn:microsoft.com/office/officeart/2005/8/layout/chevron1"/>
-    <dgm:cxn modelId="{F33B0DB6-20CB-44F7-819B-E3108391589E}" type="presOf" srcId="{22E627A8-270D-449A-9889-7489D589131E}" destId="{5BAAEAA7-D021-43B8-879F-390B2EF9DB92}" srcOrd="0" destOrd="0" presId="urn:microsoft.com/office/officeart/2005/8/layout/chevron1"/>
+    <dgm:cxn modelId="{E7B56E9F-FBA9-47CC-A31A-3639C09881DD}" srcId="{5D21D8BC-666E-4114-80E6-FA46EFBB1481}" destId="{74A560BC-7102-44EB-877C-7E4ECCDE9746}" srcOrd="2" destOrd="0" parTransId="{2E880692-1496-4A21-B250-C67B174AF5EB}" sibTransId="{F3E5B471-7858-41A3-BE7B-1A274593F4CB}"/>
     <dgm:cxn modelId="{ACFE56FE-85BB-4734-9CEE-F820EA779125}" srcId="{5D21D8BC-666E-4114-80E6-FA46EFBB1481}" destId="{B777BD26-EC81-4478-9E42-1BFF505858F2}" srcOrd="0" destOrd="0" parTransId="{A174C541-9C03-422C-9349-36B0589ADCEC}" sibTransId="{2A43A43A-D58F-4F84-A074-0A4612A5D417}"/>
     <dgm:cxn modelId="{2C03FBD0-A5EE-4978-AD78-DF65A6DFCD23}" type="presOf" srcId="{74A560BC-7102-44EB-877C-7E4ECCDE9746}" destId="{68FBF925-E59F-4056-9E04-C1A849D3EDC9}" srcOrd="0" destOrd="0" presId="urn:microsoft.com/office/officeart/2005/8/layout/chevron1"/>
-    <dgm:cxn modelId="{E7B56E9F-FBA9-47CC-A31A-3639C09881DD}" srcId="{5D21D8BC-666E-4114-80E6-FA46EFBB1481}" destId="{74A560BC-7102-44EB-877C-7E4ECCDE9746}" srcOrd="2" destOrd="0" parTransId="{2E880692-1496-4A21-B250-C67B174AF5EB}" sibTransId="{F3E5B471-7858-41A3-BE7B-1A274593F4CB}"/>
+    <dgm:cxn modelId="{F33B0DB6-20CB-44F7-819B-E3108391589E}" type="presOf" srcId="{22E627A8-270D-449A-9889-7489D589131E}" destId="{5BAAEAA7-D021-43B8-879F-390B2EF9DB92}" srcOrd="0" destOrd="0" presId="urn:microsoft.com/office/officeart/2005/8/layout/chevron1"/>
     <dgm:cxn modelId="{D28DC277-4588-4CED-A3B9-C378A09561F5}" type="presParOf" srcId="{F879393D-987D-4A4F-9334-D42AB832B066}" destId="{C62F374F-7C9B-4AD8-A4E0-355BE21DECAD}" srcOrd="0" destOrd="0" presId="urn:microsoft.com/office/officeart/2005/8/layout/chevron1"/>
     <dgm:cxn modelId="{7AA790E6-6EB5-49C5-96E3-E55D9F51A029}" type="presParOf" srcId="{F879393D-987D-4A4F-9334-D42AB832B066}" destId="{D9D3CDE9-440A-4E0F-9713-36C6DCD423EE}" srcOrd="1" destOrd="0" presId="urn:microsoft.com/office/officeart/2005/8/layout/chevron1"/>
     <dgm:cxn modelId="{92256D3B-D8D0-45EC-AA96-D725095AB19A}" type="presParOf" srcId="{F879393D-987D-4A4F-9334-D42AB832B066}" destId="{5BAAEAA7-D021-43B8-879F-390B2EF9DB92}" srcOrd="2" destOrd="0" presId="urn:microsoft.com/office/officeart/2005/8/layout/chevron1"/>
@@ -4069,7 +4070,7 @@
   <dgm:whole/>
   <dgm:extLst>
     <a:ext uri="http://schemas.microsoft.com/office/drawing/2008/diagram">
-      <dsp:dataModelExt xmlns:dsp="http://schemas.microsoft.com/office/drawing/2008/diagram" relId="rId6" minVer="http://schemas.openxmlformats.org/drawingml/2006/diagram"/>
+      <dsp:dataModelExt xmlns:dsp="http://schemas.microsoft.com/office/drawing/2008/diagram" xmlns="" relId="rId6" minVer="http://schemas.openxmlformats.org/drawingml/2006/diagram"/>
     </a:ext>
   </dgm:extLst>
 </dgm:dataModel>
@@ -4552,21 +4553,21 @@
     </dgm:pt>
   </dgm:ptLst>
   <dgm:cxnLst>
+    <dgm:cxn modelId="{0634C07E-9B92-4862-AE73-669FB447C23A}" type="presOf" srcId="{B537E5C6-AC88-45DE-A692-878DAC35B119}" destId="{5535CA09-926A-457A-A4B7-21390F15F94F}" srcOrd="0" destOrd="0" presId="urn:microsoft.com/office/officeart/2005/8/layout/chevron1"/>
     <dgm:cxn modelId="{6189A4AA-D7EB-418F-9F2D-C66AC3C01A62}" srcId="{9450D4C9-C4B2-4911-A89A-514780CB9F15}" destId="{C97B20BC-3CBA-411F-AB14-F158490C5BCC}" srcOrd="6" destOrd="0" parTransId="{F7EE3B89-45E3-4220-BAF4-37722295D274}" sibTransId="{484765B2-A338-4F5A-B411-50FEAAE111D8}"/>
+    <dgm:cxn modelId="{3472B545-712D-4EE5-A0FD-FCCE69A3F421}" srcId="{9450D4C9-C4B2-4911-A89A-514780CB9F15}" destId="{8A145133-89F4-4E11-BED7-033969110BEF}" srcOrd="4" destOrd="0" parTransId="{06C89CBF-459F-4019-BA59-A67EB395C5B9}" sibTransId="{A211C329-5A6A-4787-B4B1-98439EF8D8DC}"/>
+    <dgm:cxn modelId="{C378ED72-E206-4B76-B23C-B3B4B3340B73}" srcId="{9450D4C9-C4B2-4911-A89A-514780CB9F15}" destId="{CF478C61-00AD-4194-8D4F-7DB2AE098B5C}" srcOrd="5" destOrd="0" parTransId="{2EC35964-DAF3-4C89-B364-499868C294A8}" sibTransId="{58567C9B-A274-4468-A0E3-EA814A581623}"/>
+    <dgm:cxn modelId="{B22E7FC3-8354-4071-9729-712A64B6BD46}" type="presOf" srcId="{9450D4C9-C4B2-4911-A89A-514780CB9F15}" destId="{460ED21A-C4DB-432F-A891-283E6D30FEEE}" srcOrd="0" destOrd="0" presId="urn:microsoft.com/office/officeart/2005/8/layout/chevron1"/>
+    <dgm:cxn modelId="{5F875D11-DB50-43F9-BDF2-78334F8D7E58}" srcId="{9450D4C9-C4B2-4911-A89A-514780CB9F15}" destId="{64331C73-F894-4973-9E15-1A620C348097}" srcOrd="0" destOrd="0" parTransId="{77CFB40D-6F23-4B24-A619-E0E618CEB0D8}" sibTransId="{FFC0C0DB-5B55-4194-A6BD-4ACC55D2B470}"/>
+    <dgm:cxn modelId="{482379BC-5645-4FD0-878F-8EC4CDA2EED3}" type="presOf" srcId="{CF478C61-00AD-4194-8D4F-7DB2AE098B5C}" destId="{1214DDDF-E3A3-4EB3-BFBD-CAE78864CA50}" srcOrd="0" destOrd="0" presId="urn:microsoft.com/office/officeart/2005/8/layout/chevron1"/>
+    <dgm:cxn modelId="{7000B5C2-4F63-48D2-B345-7AAD7E3D400A}" type="presOf" srcId="{C97B20BC-3CBA-411F-AB14-F158490C5BCC}" destId="{5D5D5C88-985A-485D-991E-57409E5BC77A}" srcOrd="0" destOrd="0" presId="urn:microsoft.com/office/officeart/2005/8/layout/chevron1"/>
+    <dgm:cxn modelId="{DCDA388B-27FF-47A0-B71D-9F49880F0540}" type="presOf" srcId="{64331C73-F894-4973-9E15-1A620C348097}" destId="{09A00682-3313-476D-9195-849AA0621560}" srcOrd="0" destOrd="0" presId="urn:microsoft.com/office/officeart/2005/8/layout/chevron1"/>
+    <dgm:cxn modelId="{863F3A18-B337-4D3B-86F0-8953E07EAC44}" srcId="{9450D4C9-C4B2-4911-A89A-514780CB9F15}" destId="{868111AE-E299-4D01-BF58-8129A9506C06}" srcOrd="1" destOrd="0" parTransId="{C75652AF-634A-420D-9D96-F9B77B193B68}" sibTransId="{44CBE08D-1567-41F1-8953-1BAC21412B7A}"/>
+    <dgm:cxn modelId="{09C829B3-9421-472C-992B-F9C6C7EA8079}" srcId="{9450D4C9-C4B2-4911-A89A-514780CB9F15}" destId="{962489C9-99E7-4179-9C22-D64CAB835C31}" srcOrd="3" destOrd="0" parTransId="{44042CD2-4D4B-4F8B-847E-88E42BCD2928}" sibTransId="{4A484662-FBA7-4F43-BE10-51AB84EA0D6F}"/>
     <dgm:cxn modelId="{C04C286E-F3CB-4F9C-A9D3-E1C714569928}" type="presOf" srcId="{962489C9-99E7-4179-9C22-D64CAB835C31}" destId="{9D68CD03-B1A7-4BEA-B058-FD22B6150897}" srcOrd="0" destOrd="0" presId="urn:microsoft.com/office/officeart/2005/8/layout/chevron1"/>
-    <dgm:cxn modelId="{3472B545-712D-4EE5-A0FD-FCCE69A3F421}" srcId="{9450D4C9-C4B2-4911-A89A-514780CB9F15}" destId="{8A145133-89F4-4E11-BED7-033969110BEF}" srcOrd="4" destOrd="0" parTransId="{06C89CBF-459F-4019-BA59-A67EB395C5B9}" sibTransId="{A211C329-5A6A-4787-B4B1-98439EF8D8DC}"/>
+    <dgm:cxn modelId="{57BA3C68-BC2F-4757-8247-D0ABECA113C8}" type="presOf" srcId="{8A145133-89F4-4E11-BED7-033969110BEF}" destId="{47EC26A5-DB58-47F3-B21F-7ECE3520D744}" srcOrd="0" destOrd="0" presId="urn:microsoft.com/office/officeart/2005/8/layout/chevron1"/>
     <dgm:cxn modelId="{9DF62359-97EF-4CF4-AE53-CD7F768719C7}" srcId="{9450D4C9-C4B2-4911-A89A-514780CB9F15}" destId="{B537E5C6-AC88-45DE-A692-878DAC35B119}" srcOrd="2" destOrd="0" parTransId="{21C1899A-364B-44E7-8777-92B33ED6457F}" sibTransId="{DE041BA8-1086-4C93-A56B-5A6A7F7943AB}"/>
-    <dgm:cxn modelId="{09C829B3-9421-472C-992B-F9C6C7EA8079}" srcId="{9450D4C9-C4B2-4911-A89A-514780CB9F15}" destId="{962489C9-99E7-4179-9C22-D64CAB835C31}" srcOrd="3" destOrd="0" parTransId="{44042CD2-4D4B-4F8B-847E-88E42BCD2928}" sibTransId="{4A484662-FBA7-4F43-BE10-51AB84EA0D6F}"/>
-    <dgm:cxn modelId="{7000B5C2-4F63-48D2-B345-7AAD7E3D400A}" type="presOf" srcId="{C97B20BC-3CBA-411F-AB14-F158490C5BCC}" destId="{5D5D5C88-985A-485D-991E-57409E5BC77A}" srcOrd="0" destOrd="0" presId="urn:microsoft.com/office/officeart/2005/8/layout/chevron1"/>
     <dgm:cxn modelId="{7301DC52-2307-4D26-BB4E-D7886F63C24A}" type="presOf" srcId="{868111AE-E299-4D01-BF58-8129A9506C06}" destId="{771B5359-AC59-491F-AE7E-C91287E4A360}" srcOrd="0" destOrd="0" presId="urn:microsoft.com/office/officeart/2005/8/layout/chevron1"/>
-    <dgm:cxn modelId="{C378ED72-E206-4B76-B23C-B3B4B3340B73}" srcId="{9450D4C9-C4B2-4911-A89A-514780CB9F15}" destId="{CF478C61-00AD-4194-8D4F-7DB2AE098B5C}" srcOrd="5" destOrd="0" parTransId="{2EC35964-DAF3-4C89-B364-499868C294A8}" sibTransId="{58567C9B-A274-4468-A0E3-EA814A581623}"/>
-    <dgm:cxn modelId="{482379BC-5645-4FD0-878F-8EC4CDA2EED3}" type="presOf" srcId="{CF478C61-00AD-4194-8D4F-7DB2AE098B5C}" destId="{1214DDDF-E3A3-4EB3-BFBD-CAE78864CA50}" srcOrd="0" destOrd="0" presId="urn:microsoft.com/office/officeart/2005/8/layout/chevron1"/>
-    <dgm:cxn modelId="{0634C07E-9B92-4862-AE73-669FB447C23A}" type="presOf" srcId="{B537E5C6-AC88-45DE-A692-878DAC35B119}" destId="{5535CA09-926A-457A-A4B7-21390F15F94F}" srcOrd="0" destOrd="0" presId="urn:microsoft.com/office/officeart/2005/8/layout/chevron1"/>
-    <dgm:cxn modelId="{57BA3C68-BC2F-4757-8247-D0ABECA113C8}" type="presOf" srcId="{8A145133-89F4-4E11-BED7-033969110BEF}" destId="{47EC26A5-DB58-47F3-B21F-7ECE3520D744}" srcOrd="0" destOrd="0" presId="urn:microsoft.com/office/officeart/2005/8/layout/chevron1"/>
-    <dgm:cxn modelId="{B22E7FC3-8354-4071-9729-712A64B6BD46}" type="presOf" srcId="{9450D4C9-C4B2-4911-A89A-514780CB9F15}" destId="{460ED21A-C4DB-432F-A891-283E6D30FEEE}" srcOrd="0" destOrd="0" presId="urn:microsoft.com/office/officeart/2005/8/layout/chevron1"/>
-    <dgm:cxn modelId="{863F3A18-B337-4D3B-86F0-8953E07EAC44}" srcId="{9450D4C9-C4B2-4911-A89A-514780CB9F15}" destId="{868111AE-E299-4D01-BF58-8129A9506C06}" srcOrd="1" destOrd="0" parTransId="{C75652AF-634A-420D-9D96-F9B77B193B68}" sibTransId="{44CBE08D-1567-41F1-8953-1BAC21412B7A}"/>
-    <dgm:cxn modelId="{5F875D11-DB50-43F9-BDF2-78334F8D7E58}" srcId="{9450D4C9-C4B2-4911-A89A-514780CB9F15}" destId="{64331C73-F894-4973-9E15-1A620C348097}" srcOrd="0" destOrd="0" parTransId="{77CFB40D-6F23-4B24-A619-E0E618CEB0D8}" sibTransId="{FFC0C0DB-5B55-4194-A6BD-4ACC55D2B470}"/>
-    <dgm:cxn modelId="{DCDA388B-27FF-47A0-B71D-9F49880F0540}" type="presOf" srcId="{64331C73-F894-4973-9E15-1A620C348097}" destId="{09A00682-3313-476D-9195-849AA0621560}" srcOrd="0" destOrd="0" presId="urn:microsoft.com/office/officeart/2005/8/layout/chevron1"/>
     <dgm:cxn modelId="{1F1AC9A6-1863-4DF6-8A35-A9EC6BD71052}" type="presParOf" srcId="{460ED21A-C4DB-432F-A891-283E6D30FEEE}" destId="{09A00682-3313-476D-9195-849AA0621560}" srcOrd="0" destOrd="0" presId="urn:microsoft.com/office/officeart/2005/8/layout/chevron1"/>
     <dgm:cxn modelId="{2F60A8DF-413C-41EB-8BDD-E90ED6C35836}" type="presParOf" srcId="{460ED21A-C4DB-432F-A891-283E6D30FEEE}" destId="{99E3799A-A836-4FE8-B104-89D1C921FE24}" srcOrd="1" destOrd="0" presId="urn:microsoft.com/office/officeart/2005/8/layout/chevron1"/>
     <dgm:cxn modelId="{118B86F9-54D1-46F1-92FC-BA458827B6E9}" type="presParOf" srcId="{460ED21A-C4DB-432F-A891-283E6D30FEEE}" destId="{771B5359-AC59-491F-AE7E-C91287E4A360}" srcOrd="2" destOrd="0" presId="urn:microsoft.com/office/officeart/2005/8/layout/chevron1"/>
@@ -4585,7 +4586,7 @@
   <dgm:whole/>
   <dgm:extLst>
     <a:ext uri="http://schemas.microsoft.com/office/drawing/2008/diagram">
-      <dsp:dataModelExt xmlns:dsp="http://schemas.microsoft.com/office/drawing/2008/diagram" relId="rId6" minVer="http://schemas.openxmlformats.org/drawingml/2006/diagram"/>
+      <dsp:dataModelExt xmlns:dsp="http://schemas.microsoft.com/office/drawing/2008/diagram" xmlns="" relId="rId6" minVer="http://schemas.openxmlformats.org/drawingml/2006/diagram"/>
     </a:ext>
   </dgm:extLst>
 </dgm:dataModel>
@@ -5068,21 +5069,21 @@
     </dgm:pt>
   </dgm:ptLst>
   <dgm:cxnLst>
+    <dgm:cxn modelId="{9DF62359-97EF-4CF4-AE53-CD7F768719C7}" srcId="{9450D4C9-C4B2-4911-A89A-514780CB9F15}" destId="{B537E5C6-AC88-45DE-A692-878DAC35B119}" srcOrd="2" destOrd="0" parTransId="{21C1899A-364B-44E7-8777-92B33ED6457F}" sibTransId="{DE041BA8-1086-4C93-A56B-5A6A7F7943AB}"/>
+    <dgm:cxn modelId="{5F875D11-DB50-43F9-BDF2-78334F8D7E58}" srcId="{9450D4C9-C4B2-4911-A89A-514780CB9F15}" destId="{64331C73-F894-4973-9E15-1A620C348097}" srcOrd="0" destOrd="0" parTransId="{77CFB40D-6F23-4B24-A619-E0E618CEB0D8}" sibTransId="{FFC0C0DB-5B55-4194-A6BD-4ACC55D2B470}"/>
+    <dgm:cxn modelId="{926CA9DC-DF6F-4A9D-9612-83D48BE5EA1C}" type="presOf" srcId="{64331C73-F894-4973-9E15-1A620C348097}" destId="{09A00682-3313-476D-9195-849AA0621560}" srcOrd="0" destOrd="0" presId="urn:microsoft.com/office/officeart/2005/8/layout/chevron1"/>
+    <dgm:cxn modelId="{3472B545-712D-4EE5-A0FD-FCCE69A3F421}" srcId="{9450D4C9-C4B2-4911-A89A-514780CB9F15}" destId="{8A145133-89F4-4E11-BED7-033969110BEF}" srcOrd="4" destOrd="0" parTransId="{06C89CBF-459F-4019-BA59-A67EB395C5B9}" sibTransId="{A211C329-5A6A-4787-B4B1-98439EF8D8DC}"/>
+    <dgm:cxn modelId="{6189A4AA-D7EB-418F-9F2D-C66AC3C01A62}" srcId="{9450D4C9-C4B2-4911-A89A-514780CB9F15}" destId="{C97B20BC-3CBA-411F-AB14-F158490C5BCC}" srcOrd="6" destOrd="0" parTransId="{F7EE3B89-45E3-4220-BAF4-37722295D274}" sibTransId="{484765B2-A338-4F5A-B411-50FEAAE111D8}"/>
+    <dgm:cxn modelId="{639D5D99-9E2A-4A71-BD4D-065403E54717}" type="presOf" srcId="{B537E5C6-AC88-45DE-A692-878DAC35B119}" destId="{5535CA09-926A-457A-A4B7-21390F15F94F}" srcOrd="0" destOrd="0" presId="urn:microsoft.com/office/officeart/2005/8/layout/chevron1"/>
+    <dgm:cxn modelId="{B3F5CCFA-FE39-4B4E-9CFC-BD7D8A83E842}" type="presOf" srcId="{CF478C61-00AD-4194-8D4F-7DB2AE098B5C}" destId="{1214DDDF-E3A3-4EB3-BFBD-CAE78864CA50}" srcOrd="0" destOrd="0" presId="urn:microsoft.com/office/officeart/2005/8/layout/chevron1"/>
+    <dgm:cxn modelId="{1C1DB8ED-0C78-4531-81AD-594F179D4A4A}" type="presOf" srcId="{8A145133-89F4-4E11-BED7-033969110BEF}" destId="{47EC26A5-DB58-47F3-B21F-7ECE3520D744}" srcOrd="0" destOrd="0" presId="urn:microsoft.com/office/officeart/2005/8/layout/chevron1"/>
+    <dgm:cxn modelId="{863F3A18-B337-4D3B-86F0-8953E07EAC44}" srcId="{9450D4C9-C4B2-4911-A89A-514780CB9F15}" destId="{868111AE-E299-4D01-BF58-8129A9506C06}" srcOrd="1" destOrd="0" parTransId="{C75652AF-634A-420D-9D96-F9B77B193B68}" sibTransId="{44CBE08D-1567-41F1-8953-1BAC21412B7A}"/>
     <dgm:cxn modelId="{A4A6F842-F938-4989-939A-E610F0BEDC3D}" type="presOf" srcId="{9450D4C9-C4B2-4911-A89A-514780CB9F15}" destId="{460ED21A-C4DB-432F-A891-283E6D30FEEE}" srcOrd="0" destOrd="0" presId="urn:microsoft.com/office/officeart/2005/8/layout/chevron1"/>
     <dgm:cxn modelId="{C378ED72-E206-4B76-B23C-B3B4B3340B73}" srcId="{9450D4C9-C4B2-4911-A89A-514780CB9F15}" destId="{CF478C61-00AD-4194-8D4F-7DB2AE098B5C}" srcOrd="5" destOrd="0" parTransId="{2EC35964-DAF3-4C89-B364-499868C294A8}" sibTransId="{58567C9B-A274-4468-A0E3-EA814A581623}"/>
-    <dgm:cxn modelId="{5F875D11-DB50-43F9-BDF2-78334F8D7E58}" srcId="{9450D4C9-C4B2-4911-A89A-514780CB9F15}" destId="{64331C73-F894-4973-9E15-1A620C348097}" srcOrd="0" destOrd="0" parTransId="{77CFB40D-6F23-4B24-A619-E0E618CEB0D8}" sibTransId="{FFC0C0DB-5B55-4194-A6BD-4ACC55D2B470}"/>
-    <dgm:cxn modelId="{9DF62359-97EF-4CF4-AE53-CD7F768719C7}" srcId="{9450D4C9-C4B2-4911-A89A-514780CB9F15}" destId="{B537E5C6-AC88-45DE-A692-878DAC35B119}" srcOrd="2" destOrd="0" parTransId="{21C1899A-364B-44E7-8777-92B33ED6457F}" sibTransId="{DE041BA8-1086-4C93-A56B-5A6A7F7943AB}"/>
     <dgm:cxn modelId="{7668A89A-29E8-4E15-83A2-61AF98F853AA}" type="presOf" srcId="{868111AE-E299-4D01-BF58-8129A9506C06}" destId="{771B5359-AC59-491F-AE7E-C91287E4A360}" srcOrd="0" destOrd="0" presId="urn:microsoft.com/office/officeart/2005/8/layout/chevron1"/>
+    <dgm:cxn modelId="{4F2130A0-1415-4348-8853-90D1F7780598}" type="presOf" srcId="{962489C9-99E7-4179-9C22-D64CAB835C31}" destId="{9D68CD03-B1A7-4BEA-B058-FD22B6150897}" srcOrd="0" destOrd="0" presId="urn:microsoft.com/office/officeart/2005/8/layout/chevron1"/>
     <dgm:cxn modelId="{09C829B3-9421-472C-992B-F9C6C7EA8079}" srcId="{9450D4C9-C4B2-4911-A89A-514780CB9F15}" destId="{962489C9-99E7-4179-9C22-D64CAB835C31}" srcOrd="3" destOrd="0" parTransId="{44042CD2-4D4B-4F8B-847E-88E42BCD2928}" sibTransId="{4A484662-FBA7-4F43-BE10-51AB84EA0D6F}"/>
-    <dgm:cxn modelId="{926CA9DC-DF6F-4A9D-9612-83D48BE5EA1C}" type="presOf" srcId="{64331C73-F894-4973-9E15-1A620C348097}" destId="{09A00682-3313-476D-9195-849AA0621560}" srcOrd="0" destOrd="0" presId="urn:microsoft.com/office/officeart/2005/8/layout/chevron1"/>
-    <dgm:cxn modelId="{639D5D99-9E2A-4A71-BD4D-065403E54717}" type="presOf" srcId="{B537E5C6-AC88-45DE-A692-878DAC35B119}" destId="{5535CA09-926A-457A-A4B7-21390F15F94F}" srcOrd="0" destOrd="0" presId="urn:microsoft.com/office/officeart/2005/8/layout/chevron1"/>
     <dgm:cxn modelId="{77A0D87E-0458-4AB3-8FE4-5731CF46972A}" type="presOf" srcId="{C97B20BC-3CBA-411F-AB14-F158490C5BCC}" destId="{5D5D5C88-985A-485D-991E-57409E5BC77A}" srcOrd="0" destOrd="0" presId="urn:microsoft.com/office/officeart/2005/8/layout/chevron1"/>
-    <dgm:cxn modelId="{1C1DB8ED-0C78-4531-81AD-594F179D4A4A}" type="presOf" srcId="{8A145133-89F4-4E11-BED7-033969110BEF}" destId="{47EC26A5-DB58-47F3-B21F-7ECE3520D744}" srcOrd="0" destOrd="0" presId="urn:microsoft.com/office/officeart/2005/8/layout/chevron1"/>
-    <dgm:cxn modelId="{B3F5CCFA-FE39-4B4E-9CFC-BD7D8A83E842}" type="presOf" srcId="{CF478C61-00AD-4194-8D4F-7DB2AE098B5C}" destId="{1214DDDF-E3A3-4EB3-BFBD-CAE78864CA50}" srcOrd="0" destOrd="0" presId="urn:microsoft.com/office/officeart/2005/8/layout/chevron1"/>
-    <dgm:cxn modelId="{6189A4AA-D7EB-418F-9F2D-C66AC3C01A62}" srcId="{9450D4C9-C4B2-4911-A89A-514780CB9F15}" destId="{C97B20BC-3CBA-411F-AB14-F158490C5BCC}" srcOrd="6" destOrd="0" parTransId="{F7EE3B89-45E3-4220-BAF4-37722295D274}" sibTransId="{484765B2-A338-4F5A-B411-50FEAAE111D8}"/>
-    <dgm:cxn modelId="{3472B545-712D-4EE5-A0FD-FCCE69A3F421}" srcId="{9450D4C9-C4B2-4911-A89A-514780CB9F15}" destId="{8A145133-89F4-4E11-BED7-033969110BEF}" srcOrd="4" destOrd="0" parTransId="{06C89CBF-459F-4019-BA59-A67EB395C5B9}" sibTransId="{A211C329-5A6A-4787-B4B1-98439EF8D8DC}"/>
-    <dgm:cxn modelId="{4F2130A0-1415-4348-8853-90D1F7780598}" type="presOf" srcId="{962489C9-99E7-4179-9C22-D64CAB835C31}" destId="{9D68CD03-B1A7-4BEA-B058-FD22B6150897}" srcOrd="0" destOrd="0" presId="urn:microsoft.com/office/officeart/2005/8/layout/chevron1"/>
-    <dgm:cxn modelId="{863F3A18-B337-4D3B-86F0-8953E07EAC44}" srcId="{9450D4C9-C4B2-4911-A89A-514780CB9F15}" destId="{868111AE-E299-4D01-BF58-8129A9506C06}" srcOrd="1" destOrd="0" parTransId="{C75652AF-634A-420D-9D96-F9B77B193B68}" sibTransId="{44CBE08D-1567-41F1-8953-1BAC21412B7A}"/>
     <dgm:cxn modelId="{98901DD5-2768-4888-AE47-AD4093D629AA}" type="presParOf" srcId="{460ED21A-C4DB-432F-A891-283E6D30FEEE}" destId="{09A00682-3313-476D-9195-849AA0621560}" srcOrd="0" destOrd="0" presId="urn:microsoft.com/office/officeart/2005/8/layout/chevron1"/>
     <dgm:cxn modelId="{793183C6-7351-48F1-81BD-406C0C7251A1}" type="presParOf" srcId="{460ED21A-C4DB-432F-A891-283E6D30FEEE}" destId="{99E3799A-A836-4FE8-B104-89D1C921FE24}" srcOrd="1" destOrd="0" presId="urn:microsoft.com/office/officeart/2005/8/layout/chevron1"/>
     <dgm:cxn modelId="{0B271C2D-988A-408B-94F8-D7ABC20F8653}" type="presParOf" srcId="{460ED21A-C4DB-432F-A891-283E6D30FEEE}" destId="{771B5359-AC59-491F-AE7E-C91287E4A360}" srcOrd="2" destOrd="0" presId="urn:microsoft.com/office/officeart/2005/8/layout/chevron1"/>
@@ -5101,7 +5102,7 @@
   <dgm:whole/>
   <dgm:extLst>
     <a:ext uri="http://schemas.microsoft.com/office/drawing/2008/diagram">
-      <dsp:dataModelExt xmlns:dsp="http://schemas.microsoft.com/office/drawing/2008/diagram" relId="rId6" minVer="http://schemas.openxmlformats.org/drawingml/2006/diagram"/>
+      <dsp:dataModelExt xmlns:dsp="http://schemas.microsoft.com/office/drawing/2008/diagram" xmlns="" relId="rId6" minVer="http://schemas.openxmlformats.org/drawingml/2006/diagram"/>
     </a:ext>
   </dgm:extLst>
 </dgm:dataModel>
@@ -5447,14 +5448,14 @@
     </dgm:pt>
   </dgm:ptLst>
   <dgm:cxnLst>
+    <dgm:cxn modelId="{DCEFC734-5258-4187-81E2-2DA3C3A0600D}" srcId="{EDE96FF5-1D6F-40D9-BAA4-5F216284EA68}" destId="{D3416637-C472-49E7-8A77-42EA7EE4FB2D}" srcOrd="0" destOrd="0" parTransId="{3FF84238-6296-41FA-AC31-BE8D99191283}" sibTransId="{C2F2F837-7292-499A-9363-26D4909D7F7A}"/>
     <dgm:cxn modelId="{D29B2DFD-6448-43ED-AD6F-A88D3997D5AD}" type="presOf" srcId="{EDE96FF5-1D6F-40D9-BAA4-5F216284EA68}" destId="{633A4F81-F993-47EB-820A-B68DB3A5390E}" srcOrd="0" destOrd="0" presId="urn:microsoft.com/office/officeart/2005/8/layout/hierarchy1"/>
     <dgm:cxn modelId="{25D7E370-8D92-4E2B-B024-D053047D8CE2}" srcId="{EDE96FF5-1D6F-40D9-BAA4-5F216284EA68}" destId="{B3EDA70C-121E-4511-8433-9E3CEA3A1041}" srcOrd="1" destOrd="0" parTransId="{3203F13A-12BF-4556-A522-A41B0A00850D}" sibTransId="{0EFF336F-BB38-4F04-9D43-D16852737E47}"/>
     <dgm:cxn modelId="{E470C9C2-04B1-4DBA-BDD8-DA9E788EC044}" type="presOf" srcId="{E599E731-E7DC-479C-8CF1-D6244889523C}" destId="{D95F9AD9-2B6E-4F59-B64C-5D4FC2E366CE}" srcOrd="0" destOrd="0" presId="urn:microsoft.com/office/officeart/2005/8/layout/hierarchy1"/>
-    <dgm:cxn modelId="{DCEFC734-5258-4187-81E2-2DA3C3A0600D}" srcId="{EDE96FF5-1D6F-40D9-BAA4-5F216284EA68}" destId="{D3416637-C472-49E7-8A77-42EA7EE4FB2D}" srcOrd="0" destOrd="0" parTransId="{3FF84238-6296-41FA-AC31-BE8D99191283}" sibTransId="{C2F2F837-7292-499A-9363-26D4909D7F7A}"/>
+    <dgm:cxn modelId="{FBEA6683-523A-4555-AC76-8EA8246433E8}" type="presOf" srcId="{B3EDA70C-121E-4511-8433-9E3CEA3A1041}" destId="{62F573A8-C98B-4300-903C-ACC41DE49811}" srcOrd="0" destOrd="0" presId="urn:microsoft.com/office/officeart/2005/8/layout/hierarchy1"/>
+    <dgm:cxn modelId="{B4B656B2-B9F5-4518-B1FC-D6049C1794CC}" type="presOf" srcId="{3203F13A-12BF-4556-A522-A41B0A00850D}" destId="{82B6CC98-E7D5-4D4E-ACD9-D9D53E7526DB}" srcOrd="0" destOrd="0" presId="urn:microsoft.com/office/officeart/2005/8/layout/hierarchy1"/>
     <dgm:cxn modelId="{AA02A161-9E71-4263-A901-09BFD558970D}" type="presOf" srcId="{D3416637-C472-49E7-8A77-42EA7EE4FB2D}" destId="{2CA332BF-C7D5-44C4-86AB-C5F8609888C3}" srcOrd="0" destOrd="0" presId="urn:microsoft.com/office/officeart/2005/8/layout/hierarchy1"/>
     <dgm:cxn modelId="{01FB11D6-684D-4E49-B5B0-EAFE14330F37}" srcId="{E599E731-E7DC-479C-8CF1-D6244889523C}" destId="{EDE96FF5-1D6F-40D9-BAA4-5F216284EA68}" srcOrd="0" destOrd="0" parTransId="{0321C310-AEF3-46E8-B8A4-6C11DB864603}" sibTransId="{D4600DEE-2AE6-474A-83CF-788E07829090}"/>
-    <dgm:cxn modelId="{FBEA6683-523A-4555-AC76-8EA8246433E8}" type="presOf" srcId="{B3EDA70C-121E-4511-8433-9E3CEA3A1041}" destId="{62F573A8-C98B-4300-903C-ACC41DE49811}" srcOrd="0" destOrd="0" presId="urn:microsoft.com/office/officeart/2005/8/layout/hierarchy1"/>
-    <dgm:cxn modelId="{B4B656B2-B9F5-4518-B1FC-D6049C1794CC}" type="presOf" srcId="{3203F13A-12BF-4556-A522-A41B0A00850D}" destId="{82B6CC98-E7D5-4D4E-ACD9-D9D53E7526DB}" srcOrd="0" destOrd="0" presId="urn:microsoft.com/office/officeart/2005/8/layout/hierarchy1"/>
     <dgm:cxn modelId="{61E18A5C-F5D9-4D94-9A8A-644F91246958}" type="presOf" srcId="{3FF84238-6296-41FA-AC31-BE8D99191283}" destId="{3B4976F8-1C91-4B4A-AF74-A6A32D597C6F}" srcOrd="0" destOrd="0" presId="urn:microsoft.com/office/officeart/2005/8/layout/hierarchy1"/>
     <dgm:cxn modelId="{0C7A26C2-1BBB-4A9B-BAED-D8019201ABB6}" type="presParOf" srcId="{D95F9AD9-2B6E-4F59-B64C-5D4FC2E366CE}" destId="{CF8D7650-8692-446B-80AA-1D837010E69E}" srcOrd="0" destOrd="0" presId="urn:microsoft.com/office/officeart/2005/8/layout/hierarchy1"/>
     <dgm:cxn modelId="{34B243D6-3D1A-4412-9071-43C8F5F42BCD}" type="presParOf" srcId="{CF8D7650-8692-446B-80AA-1D837010E69E}" destId="{5C537912-794E-42DA-8968-3ADE7773EE31}" srcOrd="0" destOrd="0" presId="urn:microsoft.com/office/officeart/2005/8/layout/hierarchy1"/>
@@ -5478,7 +5479,7 @@
   <dgm:whole/>
   <dgm:extLst>
     <a:ext uri="http://schemas.microsoft.com/office/drawing/2008/diagram">
-      <dsp:dataModelExt xmlns:dsp="http://schemas.microsoft.com/office/drawing/2008/diagram" relId="rId6" minVer="http://schemas.openxmlformats.org/drawingml/2006/diagram"/>
+      <dsp:dataModelExt xmlns:dsp="http://schemas.microsoft.com/office/drawing/2008/diagram" xmlns="" relId="rId6" minVer="http://schemas.openxmlformats.org/drawingml/2006/diagram"/>
     </a:ext>
   </dgm:extLst>
 </dgm:dataModel>
@@ -6068,27 +6069,27 @@
     </dgm:pt>
   </dgm:ptLst>
   <dgm:cxnLst>
-    <dgm:cxn modelId="{1E232702-92AF-4E01-AF65-5B01B06BC5F9}" type="presOf" srcId="{BE3C59D4-0C3A-4CE8-8412-0142FC9112E5}" destId="{35FDEEF8-A771-4D6A-821D-5DD0765F4E3F}" srcOrd="0" destOrd="0" presId="urn:microsoft.com/office/officeart/2005/8/layout/hierarchy1"/>
-    <dgm:cxn modelId="{9AA3F2B4-85D7-4E67-A53B-D83B94482039}" type="presOf" srcId="{091F882E-0915-4AFC-AFCD-B1181E37E14D}" destId="{E753A8D8-B50F-42C4-B0CE-D216BE908656}" srcOrd="0" destOrd="0" presId="urn:microsoft.com/office/officeart/2005/8/layout/hierarchy1"/>
+    <dgm:cxn modelId="{7952A79E-9A23-4A9A-BE2E-18CB79CFAA62}" srcId="{E355DCEE-CFED-4B4E-95C1-C3ED3918F3D3}" destId="{6509BC69-7715-4AE9-8545-833A23F1F7D0}" srcOrd="0" destOrd="0" parTransId="{BD130280-A84B-4826-90BB-E35618FA7329}" sibTransId="{08030457-AA43-4093-AB35-36508039FC04}"/>
     <dgm:cxn modelId="{29A742B8-1028-4B3A-86FA-1F7740909746}" type="presOf" srcId="{6621E396-22BB-4BAA-86D9-A1D5854857CA}" destId="{7E592DA7-86CE-4FE6-B528-72BCA053EDAC}" srcOrd="0" destOrd="0" presId="urn:microsoft.com/office/officeart/2005/8/layout/hierarchy1"/>
-    <dgm:cxn modelId="{1481D2D9-EBDC-4E7C-ACB9-80B1F694C79C}" type="presOf" srcId="{E355DCEE-CFED-4B4E-95C1-C3ED3918F3D3}" destId="{C62030B6-9838-4D35-81EF-6AE86E8FD0B7}" srcOrd="0" destOrd="0" presId="urn:microsoft.com/office/officeart/2005/8/layout/hierarchy1"/>
-    <dgm:cxn modelId="{A5E4A230-47AD-4CCE-B63D-290746125B89}" srcId="{64341ED1-133E-4A5F-B2CA-B7839122E5E1}" destId="{E355DCEE-CFED-4B4E-95C1-C3ED3918F3D3}" srcOrd="2" destOrd="0" parTransId="{7343F464-1509-45F9-836B-82E0B529AC39}" sibTransId="{078DB322-C08D-4312-8C12-D8384FE5D6EB}"/>
-    <dgm:cxn modelId="{EAAC68D4-7227-400B-9B95-0206ABD7B679}" type="presOf" srcId="{7343F464-1509-45F9-836B-82E0B529AC39}" destId="{ECDC51A7-6312-4B5B-9113-87639623B933}" srcOrd="0" destOrd="0" presId="urn:microsoft.com/office/officeart/2005/8/layout/hierarchy1"/>
-    <dgm:cxn modelId="{869C7012-692A-402E-BF92-F79C2A072C8A}" type="presOf" srcId="{B426D3DF-981A-4ACA-BDCD-74F52BC54F36}" destId="{B20123EC-DD70-4002-B34F-72383B5AD1D0}" srcOrd="0" destOrd="0" presId="urn:microsoft.com/office/officeart/2005/8/layout/hierarchy1"/>
-    <dgm:cxn modelId="{FF4E295E-7BB3-4B76-B185-4F0106A708BA}" srcId="{6621E396-22BB-4BAA-86D9-A1D5854857CA}" destId="{64341ED1-133E-4A5F-B2CA-B7839122E5E1}" srcOrd="0" destOrd="0" parTransId="{9D095FE8-8213-4B2B-8FC7-77FFB4BB1B88}" sibTransId="{6B23510D-A384-4590-9F26-464C17EB856C}"/>
+    <dgm:cxn modelId="{06343924-9343-490C-8185-42B81C07BFD5}" type="presOf" srcId="{9C1EE866-C214-4A82-9547-61A5AA867C03}" destId="{35177D51-DA6B-4B74-8542-DDCB57DE5FAE}" srcOrd="0" destOrd="0" presId="urn:microsoft.com/office/officeart/2005/8/layout/hierarchy1"/>
     <dgm:cxn modelId="{7622F0F6-314F-4E6B-BFFE-FF0CED15058F}" srcId="{64341ED1-133E-4A5F-B2CA-B7839122E5E1}" destId="{FD996A20-6A09-41F5-9196-06E15DA4ED74}" srcOrd="1" destOrd="0" parTransId="{BE3C59D4-0C3A-4CE8-8412-0142FC9112E5}" sibTransId="{44B172B9-B2CB-4CB3-8660-38A30D50B387}"/>
     <dgm:cxn modelId="{785E77C6-80DB-499B-A7BB-61E8D05FCBB3}" type="presOf" srcId="{535ADC1B-E987-4114-88E1-0020E71ACB45}" destId="{85343B2D-6766-4596-A7C0-7ED78437CB26}" srcOrd="0" destOrd="0" presId="urn:microsoft.com/office/officeart/2005/8/layout/hierarchy1"/>
+    <dgm:cxn modelId="{AF143184-4851-4174-9641-5243E80A1E41}" type="presOf" srcId="{A92319EC-B566-4DF5-8DC2-9B499E48805C}" destId="{2E78A703-B9DD-425D-8C61-5CF4A53FAFA3}" srcOrd="0" destOrd="0" presId="urn:microsoft.com/office/officeart/2005/8/layout/hierarchy1"/>
+    <dgm:cxn modelId="{1481D2D9-EBDC-4E7C-ACB9-80B1F694C79C}" type="presOf" srcId="{E355DCEE-CFED-4B4E-95C1-C3ED3918F3D3}" destId="{C62030B6-9838-4D35-81EF-6AE86E8FD0B7}" srcOrd="0" destOrd="0" presId="urn:microsoft.com/office/officeart/2005/8/layout/hierarchy1"/>
+    <dgm:cxn modelId="{1E232702-92AF-4E01-AF65-5B01B06BC5F9}" type="presOf" srcId="{BE3C59D4-0C3A-4CE8-8412-0142FC9112E5}" destId="{35FDEEF8-A771-4D6A-821D-5DD0765F4E3F}" srcOrd="0" destOrd="0" presId="urn:microsoft.com/office/officeart/2005/8/layout/hierarchy1"/>
+    <dgm:cxn modelId="{A5E4A230-47AD-4CCE-B63D-290746125B89}" srcId="{64341ED1-133E-4A5F-B2CA-B7839122E5E1}" destId="{E355DCEE-CFED-4B4E-95C1-C3ED3918F3D3}" srcOrd="2" destOrd="0" parTransId="{7343F464-1509-45F9-836B-82E0B529AC39}" sibTransId="{078DB322-C08D-4312-8C12-D8384FE5D6EB}"/>
+    <dgm:cxn modelId="{869C7012-692A-402E-BF92-F79C2A072C8A}" type="presOf" srcId="{B426D3DF-981A-4ACA-BDCD-74F52BC54F36}" destId="{B20123EC-DD70-4002-B34F-72383B5AD1D0}" srcOrd="0" destOrd="0" presId="urn:microsoft.com/office/officeart/2005/8/layout/hierarchy1"/>
+    <dgm:cxn modelId="{239411CF-1F0E-4179-854E-288A6804E8C1}" type="presOf" srcId="{44337762-FFBD-474D-B88E-C618616EDE17}" destId="{C15F7BDE-BE17-440A-AFDC-26911405FC39}" srcOrd="0" destOrd="0" presId="urn:microsoft.com/office/officeart/2005/8/layout/hierarchy1"/>
+    <dgm:cxn modelId="{9AA3F2B4-85D7-4E67-A53B-D83B94482039}" type="presOf" srcId="{091F882E-0915-4AFC-AFCD-B1181E37E14D}" destId="{E753A8D8-B50F-42C4-B0CE-D216BE908656}" srcOrd="0" destOrd="0" presId="urn:microsoft.com/office/officeart/2005/8/layout/hierarchy1"/>
+    <dgm:cxn modelId="{FF4E295E-7BB3-4B76-B185-4F0106A708BA}" srcId="{6621E396-22BB-4BAA-86D9-A1D5854857CA}" destId="{64341ED1-133E-4A5F-B2CA-B7839122E5E1}" srcOrd="0" destOrd="0" parTransId="{9D095FE8-8213-4B2B-8FC7-77FFB4BB1B88}" sibTransId="{6B23510D-A384-4590-9F26-464C17EB856C}"/>
+    <dgm:cxn modelId="{2ABE6B4F-D2AE-4111-892F-4E82F39FE582}" type="presOf" srcId="{BD130280-A84B-4826-90BB-E35618FA7329}" destId="{1FDAFF91-CC20-4CEC-A22C-6CFA1AF43D26}" srcOrd="0" destOrd="0" presId="urn:microsoft.com/office/officeart/2005/8/layout/hierarchy1"/>
+    <dgm:cxn modelId="{973EF651-2A9A-44E8-9B31-B34D541E13C6}" type="presOf" srcId="{6509BC69-7715-4AE9-8545-833A23F1F7D0}" destId="{1DF10A25-C6B6-4B35-9C02-9BD8BC53F595}" srcOrd="0" destOrd="0" presId="urn:microsoft.com/office/officeart/2005/8/layout/hierarchy1"/>
+    <dgm:cxn modelId="{D7553362-3A4C-4B33-B7BF-53247DE2E997}" type="presOf" srcId="{64341ED1-133E-4A5F-B2CA-B7839122E5E1}" destId="{5573FD94-740A-4861-83F1-29D0DAEBDC74}" srcOrd="0" destOrd="0" presId="urn:microsoft.com/office/officeart/2005/8/layout/hierarchy1"/>
+    <dgm:cxn modelId="{EAAC68D4-7227-400B-9B95-0206ABD7B679}" type="presOf" srcId="{7343F464-1509-45F9-836B-82E0B529AC39}" destId="{ECDC51A7-6312-4B5B-9113-87639623B933}" srcOrd="0" destOrd="0" presId="urn:microsoft.com/office/officeart/2005/8/layout/hierarchy1"/>
+    <dgm:cxn modelId="{2525302B-B5D2-4C25-98D9-D15418FED570}" srcId="{E355DCEE-CFED-4B4E-95C1-C3ED3918F3D3}" destId="{9C1EE866-C214-4A82-9547-61A5AA867C03}" srcOrd="1" destOrd="0" parTransId="{535ADC1B-E987-4114-88E1-0020E71ACB45}" sibTransId="{F593FCBC-3BDA-47E4-BC69-F0F6F7CF17CA}"/>
     <dgm:cxn modelId="{628A9C82-BA29-4E3F-B65F-F63F75B68E9D}" srcId="{64341ED1-133E-4A5F-B2CA-B7839122E5E1}" destId="{091F882E-0915-4AFC-AFCD-B1181E37E14D}" srcOrd="3" destOrd="0" parTransId="{44337762-FFBD-474D-B88E-C618616EDE17}" sibTransId="{15C21F9D-4E60-420E-B892-0287CAD226B2}"/>
-    <dgm:cxn modelId="{7952A79E-9A23-4A9A-BE2E-18CB79CFAA62}" srcId="{E355DCEE-CFED-4B4E-95C1-C3ED3918F3D3}" destId="{6509BC69-7715-4AE9-8545-833A23F1F7D0}" srcOrd="0" destOrd="0" parTransId="{BD130280-A84B-4826-90BB-E35618FA7329}" sibTransId="{08030457-AA43-4093-AB35-36508039FC04}"/>
+    <dgm:cxn modelId="{1F2F3D80-A2AC-4DFD-9FDD-F19D7BC04570}" srcId="{64341ED1-133E-4A5F-B2CA-B7839122E5E1}" destId="{B426D3DF-981A-4ACA-BDCD-74F52BC54F36}" srcOrd="0" destOrd="0" parTransId="{A92319EC-B566-4DF5-8DC2-9B499E48805C}" sibTransId="{7F8B996A-D72C-4828-95CF-F00D2E1FEFCD}"/>
     <dgm:cxn modelId="{D7F088F7-70F2-4D80-B287-C9676E3ACC1D}" type="presOf" srcId="{FD996A20-6A09-41F5-9196-06E15DA4ED74}" destId="{E8E6B3F1-996D-4405-A520-CB4BB672E79C}" srcOrd="0" destOrd="0" presId="urn:microsoft.com/office/officeart/2005/8/layout/hierarchy1"/>
-    <dgm:cxn modelId="{2ABE6B4F-D2AE-4111-892F-4E82F39FE582}" type="presOf" srcId="{BD130280-A84B-4826-90BB-E35618FA7329}" destId="{1FDAFF91-CC20-4CEC-A22C-6CFA1AF43D26}" srcOrd="0" destOrd="0" presId="urn:microsoft.com/office/officeart/2005/8/layout/hierarchy1"/>
-    <dgm:cxn modelId="{1F2F3D80-A2AC-4DFD-9FDD-F19D7BC04570}" srcId="{64341ED1-133E-4A5F-B2CA-B7839122E5E1}" destId="{B426D3DF-981A-4ACA-BDCD-74F52BC54F36}" srcOrd="0" destOrd="0" parTransId="{A92319EC-B566-4DF5-8DC2-9B499E48805C}" sibTransId="{7F8B996A-D72C-4828-95CF-F00D2E1FEFCD}"/>
-    <dgm:cxn modelId="{2525302B-B5D2-4C25-98D9-D15418FED570}" srcId="{E355DCEE-CFED-4B4E-95C1-C3ED3918F3D3}" destId="{9C1EE866-C214-4A82-9547-61A5AA867C03}" srcOrd="1" destOrd="0" parTransId="{535ADC1B-E987-4114-88E1-0020E71ACB45}" sibTransId="{F593FCBC-3BDA-47E4-BC69-F0F6F7CF17CA}"/>
-    <dgm:cxn modelId="{06343924-9343-490C-8185-42B81C07BFD5}" type="presOf" srcId="{9C1EE866-C214-4A82-9547-61A5AA867C03}" destId="{35177D51-DA6B-4B74-8542-DDCB57DE5FAE}" srcOrd="0" destOrd="0" presId="urn:microsoft.com/office/officeart/2005/8/layout/hierarchy1"/>
-    <dgm:cxn modelId="{973EF651-2A9A-44E8-9B31-B34D541E13C6}" type="presOf" srcId="{6509BC69-7715-4AE9-8545-833A23F1F7D0}" destId="{1DF10A25-C6B6-4B35-9C02-9BD8BC53F595}" srcOrd="0" destOrd="0" presId="urn:microsoft.com/office/officeart/2005/8/layout/hierarchy1"/>
-    <dgm:cxn modelId="{239411CF-1F0E-4179-854E-288A6804E8C1}" type="presOf" srcId="{44337762-FFBD-474D-B88E-C618616EDE17}" destId="{C15F7BDE-BE17-440A-AFDC-26911405FC39}" srcOrd="0" destOrd="0" presId="urn:microsoft.com/office/officeart/2005/8/layout/hierarchy1"/>
-    <dgm:cxn modelId="{D7553362-3A4C-4B33-B7BF-53247DE2E997}" type="presOf" srcId="{64341ED1-133E-4A5F-B2CA-B7839122E5E1}" destId="{5573FD94-740A-4861-83F1-29D0DAEBDC74}" srcOrd="0" destOrd="0" presId="urn:microsoft.com/office/officeart/2005/8/layout/hierarchy1"/>
-    <dgm:cxn modelId="{AF143184-4851-4174-9641-5243E80A1E41}" type="presOf" srcId="{A92319EC-B566-4DF5-8DC2-9B499E48805C}" destId="{2E78A703-B9DD-425D-8C61-5CF4A53FAFA3}" srcOrd="0" destOrd="0" presId="urn:microsoft.com/office/officeart/2005/8/layout/hierarchy1"/>
     <dgm:cxn modelId="{A37C1BA9-717B-4608-BD6A-5F5D1626B9F1}" type="presParOf" srcId="{7E592DA7-86CE-4FE6-B528-72BCA053EDAC}" destId="{EB47D686-E303-417E-9EF5-4CB31FF033BA}" srcOrd="0" destOrd="0" presId="urn:microsoft.com/office/officeart/2005/8/layout/hierarchy1"/>
     <dgm:cxn modelId="{67D688D3-2880-4676-97BB-B1436622610C}" type="presParOf" srcId="{EB47D686-E303-417E-9EF5-4CB31FF033BA}" destId="{2D4E0BC2-F9F1-4407-8F38-F218C07A2C33}" srcOrd="0" destOrd="0" presId="urn:microsoft.com/office/officeart/2005/8/layout/hierarchy1"/>
     <dgm:cxn modelId="{E273DEE2-EA34-4263-86DB-F8EFFB5821F6}" type="presParOf" srcId="{2D4E0BC2-F9F1-4407-8F38-F218C07A2C33}" destId="{BEF97BD1-8EDB-42ED-B248-3EEE60E32564}" srcOrd="0" destOrd="0" presId="urn:microsoft.com/office/officeart/2005/8/layout/hierarchy1"/>
@@ -6135,7 +6136,7 @@
   <dgm:whole/>
   <dgm:extLst>
     <a:ext uri="http://schemas.microsoft.com/office/drawing/2008/diagram">
-      <dsp:dataModelExt xmlns:dsp="http://schemas.microsoft.com/office/drawing/2008/diagram" relId="rId6" minVer="http://schemas.openxmlformats.org/drawingml/2006/diagram"/>
+      <dsp:dataModelExt xmlns:dsp="http://schemas.microsoft.com/office/drawing/2008/diagram" xmlns="" relId="rId6" minVer="http://schemas.openxmlformats.org/drawingml/2006/diagram"/>
     </a:ext>
   </dgm:extLst>
 </dgm:dataModel>
@@ -17164,7 +17165,7 @@
             <a:fld id="{1D8BD707-D9CF-40AE-B4C6-C98DA3205C09}" type="datetimeFigureOut">
               <a:rPr lang="en-US" smtClean="0"/>
               <a:pPr/>
-              <a:t>12/5/2016</a:t>
+              <a:t>12/28/2016</a:t>
             </a:fld>
             <a:endParaRPr lang="en-US"/>
           </a:p>
@@ -17331,7 +17332,7 @@
             <a:fld id="{1D8BD707-D9CF-40AE-B4C6-C98DA3205C09}" type="datetimeFigureOut">
               <a:rPr lang="en-US" smtClean="0"/>
               <a:pPr/>
-              <a:t>12/5/2016</a:t>
+              <a:t>12/28/2016</a:t>
             </a:fld>
             <a:endParaRPr lang="en-US"/>
           </a:p>
@@ -17508,7 +17509,7 @@
             <a:fld id="{1D8BD707-D9CF-40AE-B4C6-C98DA3205C09}" type="datetimeFigureOut">
               <a:rPr lang="en-US" smtClean="0"/>
               <a:pPr/>
-              <a:t>12/5/2016</a:t>
+              <a:t>12/28/2016</a:t>
             </a:fld>
             <a:endParaRPr lang="en-US"/>
           </a:p>
@@ -17675,7 +17676,7 @@
             <a:fld id="{1D8BD707-D9CF-40AE-B4C6-C98DA3205C09}" type="datetimeFigureOut">
               <a:rPr lang="en-US" smtClean="0"/>
               <a:pPr/>
-              <a:t>12/5/2016</a:t>
+              <a:t>12/28/2016</a:t>
             </a:fld>
             <a:endParaRPr lang="en-US"/>
           </a:p>
@@ -17918,7 +17919,7 @@
             <a:fld id="{1D8BD707-D9CF-40AE-B4C6-C98DA3205C09}" type="datetimeFigureOut">
               <a:rPr lang="en-US" smtClean="0"/>
               <a:pPr/>
-              <a:t>12/5/2016</a:t>
+              <a:t>12/28/2016</a:t>
             </a:fld>
             <a:endParaRPr lang="en-US"/>
           </a:p>
@@ -18203,7 +18204,7 @@
             <a:fld id="{1D8BD707-D9CF-40AE-B4C6-C98DA3205C09}" type="datetimeFigureOut">
               <a:rPr lang="en-US" smtClean="0"/>
               <a:pPr/>
-              <a:t>12/5/2016</a:t>
+              <a:t>12/28/2016</a:t>
             </a:fld>
             <a:endParaRPr lang="en-US"/>
           </a:p>
@@ -18622,7 +18623,7 @@
             <a:fld id="{1D8BD707-D9CF-40AE-B4C6-C98DA3205C09}" type="datetimeFigureOut">
               <a:rPr lang="en-US" smtClean="0"/>
               <a:pPr/>
-              <a:t>12/5/2016</a:t>
+              <a:t>12/28/2016</a:t>
             </a:fld>
             <a:endParaRPr lang="en-US"/>
           </a:p>
@@ -18737,7 +18738,7 @@
             <a:fld id="{1D8BD707-D9CF-40AE-B4C6-C98DA3205C09}" type="datetimeFigureOut">
               <a:rPr lang="en-US" smtClean="0"/>
               <a:pPr/>
-              <a:t>12/5/2016</a:t>
+              <a:t>12/28/2016</a:t>
             </a:fld>
             <a:endParaRPr lang="en-US"/>
           </a:p>
@@ -18829,7 +18830,7 @@
             <a:fld id="{1D8BD707-D9CF-40AE-B4C6-C98DA3205C09}" type="datetimeFigureOut">
               <a:rPr lang="en-US" smtClean="0"/>
               <a:pPr/>
-              <a:t>12/5/2016</a:t>
+              <a:t>12/28/2016</a:t>
             </a:fld>
             <a:endParaRPr lang="en-US"/>
           </a:p>
@@ -19103,7 +19104,7 @@
             <a:fld id="{1D8BD707-D9CF-40AE-B4C6-C98DA3205C09}" type="datetimeFigureOut">
               <a:rPr lang="en-US" smtClean="0"/>
               <a:pPr/>
-              <a:t>12/5/2016</a:t>
+              <a:t>12/28/2016</a:t>
             </a:fld>
             <a:endParaRPr lang="en-US"/>
           </a:p>
@@ -19353,7 +19354,7 @@
             <a:fld id="{1D8BD707-D9CF-40AE-B4C6-C98DA3205C09}" type="datetimeFigureOut">
               <a:rPr lang="en-US" smtClean="0"/>
               <a:pPr/>
-              <a:t>12/5/2016</a:t>
+              <a:t>12/28/2016</a:t>
             </a:fld>
             <a:endParaRPr lang="en-US"/>
           </a:p>
@@ -19563,7 +19564,7 @@
             <a:fld id="{1D8BD707-D9CF-40AE-B4C6-C98DA3205C09}" type="datetimeFigureOut">
               <a:rPr lang="en-US" smtClean="0"/>
               <a:pPr/>
-              <a:t>12/5/2016</a:t>
+              <a:t>12/28/2016</a:t>
             </a:fld>
             <a:endParaRPr lang="en-US"/>
           </a:p>
@@ -19989,7 +19990,7 @@
           <p:nvPr>
             <p:extLst>
               <p:ext uri="{D42A27DB-BD31-4B8C-83A1-F6EECF244321}">
-                <p14:modId xmlns:p14="http://schemas.microsoft.com/office/powerpoint/2010/main" val="1262172334"/>
+                <p14:modId xmlns:p14="http://schemas.microsoft.com/office/powerpoint/2010/main" xmlns="" val="1262172334"/>
               </p:ext>
             </p:extLst>
           </p:nvPr>
@@ -20037,7 +20038,7 @@
     </p:spTree>
     <p:extLst>
       <p:ext uri="{BB962C8B-B14F-4D97-AF65-F5344CB8AC3E}">
-        <p14:creationId xmlns:p14="http://schemas.microsoft.com/office/powerpoint/2010/main" val="3650172683"/>
+        <p14:creationId xmlns:p14="http://schemas.microsoft.com/office/powerpoint/2010/main" xmlns="" val="3650172683"/>
       </p:ext>
     </p:extLst>
   </p:cSld>
@@ -20121,7 +20122,7 @@
           <p:nvPr>
             <p:extLst>
               <p:ext uri="{D42A27DB-BD31-4B8C-83A1-F6EECF244321}">
-                <p14:modId xmlns:p14="http://schemas.microsoft.com/office/powerpoint/2010/main" val="4217214646"/>
+                <p14:modId xmlns:p14="http://schemas.microsoft.com/office/powerpoint/2010/main" xmlns="" val="4217214646"/>
               </p:ext>
             </p:extLst>
           </p:nvPr>
@@ -20139,7 +20140,7 @@
     </p:spTree>
     <p:extLst>
       <p:ext uri="{BB962C8B-B14F-4D97-AF65-F5344CB8AC3E}">
-        <p14:creationId xmlns:p14="http://schemas.microsoft.com/office/powerpoint/2010/main" val="1044658037"/>
+        <p14:creationId xmlns:p14="http://schemas.microsoft.com/office/powerpoint/2010/main" xmlns="" val="1044658037"/>
       </p:ext>
     </p:extLst>
   </p:cSld>
@@ -20226,7 +20227,7 @@
           <p:nvPr>
             <p:extLst>
               <p:ext uri="{D42A27DB-BD31-4B8C-83A1-F6EECF244321}">
-                <p14:modId xmlns:p14="http://schemas.microsoft.com/office/powerpoint/2010/main" val="3864352614"/>
+                <p14:modId xmlns:p14="http://schemas.microsoft.com/office/powerpoint/2010/main" xmlns="" val="3864352614"/>
               </p:ext>
             </p:extLst>
           </p:nvPr>
@@ -20244,7 +20245,7 @@
     </p:spTree>
     <p:extLst>
       <p:ext uri="{BB962C8B-B14F-4D97-AF65-F5344CB8AC3E}">
-        <p14:creationId xmlns:p14="http://schemas.microsoft.com/office/powerpoint/2010/main" val="2295323102"/>
+        <p14:creationId xmlns:p14="http://schemas.microsoft.com/office/powerpoint/2010/main" xmlns="" val="2295323102"/>
       </p:ext>
     </p:extLst>
   </p:cSld>
@@ -20314,7 +20315,7 @@
             </a:clrChange>
             <a:extLst>
               <a:ext uri="{28A0092B-C50C-407E-A947-70E740481C1C}">
-                <a14:useLocalDpi xmlns:a14="http://schemas.microsoft.com/office/drawing/2010/main" val="0"/>
+                <a14:useLocalDpi xmlns:a14="http://schemas.microsoft.com/office/drawing/2010/main" xmlns="" val="0"/>
               </a:ext>
             </a:extLst>
           </a:blip>
@@ -20337,14 +20338,14 @@
           </a:ln>
           <a:extLst>
             <a:ext uri="{909E8E84-426E-40DD-AFC4-6F175D3DCCD1}">
-              <a14:hiddenFill xmlns:a14="http://schemas.microsoft.com/office/drawing/2010/main">
+              <a14:hiddenFill xmlns:a14="http://schemas.microsoft.com/office/drawing/2010/main" xmlns="">
                 <a:solidFill>
                   <a:schemeClr val="accent1"/>
                 </a:solidFill>
               </a14:hiddenFill>
             </a:ext>
             <a:ext uri="{91240B29-F687-4F45-9708-019B960494DF}">
-              <a14:hiddenLine xmlns:a14="http://schemas.microsoft.com/office/drawing/2010/main" w="9525">
+              <a14:hiddenLine xmlns:a14="http://schemas.microsoft.com/office/drawing/2010/main" xmlns="" w="9525">
                 <a:solidFill>
                   <a:schemeClr val="tx1"/>
                 </a:solidFill>
@@ -20359,7 +20360,7 @@
     </p:spTree>
     <p:extLst>
       <p:ext uri="{BB962C8B-B14F-4D97-AF65-F5344CB8AC3E}">
-        <p14:creationId xmlns:p14="http://schemas.microsoft.com/office/powerpoint/2010/main" val="2745742463"/>
+        <p14:creationId xmlns:p14="http://schemas.microsoft.com/office/powerpoint/2010/main" xmlns="" val="2745742463"/>
       </p:ext>
     </p:extLst>
   </p:cSld>
@@ -20461,7 +20462,7 @@
             </a:clrChange>
             <a:extLst>
               <a:ext uri="{28A0092B-C50C-407E-A947-70E740481C1C}">
-                <a14:useLocalDpi xmlns:a14="http://schemas.microsoft.com/office/drawing/2010/main" val="0"/>
+                <a14:useLocalDpi xmlns:a14="http://schemas.microsoft.com/office/drawing/2010/main" xmlns="" val="0"/>
               </a:ext>
             </a:extLst>
           </a:blip>
@@ -20484,14 +20485,14 @@
           </a:ln>
           <a:extLst>
             <a:ext uri="{909E8E84-426E-40DD-AFC4-6F175D3DCCD1}">
-              <a14:hiddenFill xmlns:a14="http://schemas.microsoft.com/office/drawing/2010/main">
+              <a14:hiddenFill xmlns:a14="http://schemas.microsoft.com/office/drawing/2010/main" xmlns="">
                 <a:solidFill>
                   <a:schemeClr val="accent1"/>
                 </a:solidFill>
               </a14:hiddenFill>
             </a:ext>
             <a:ext uri="{91240B29-F687-4F45-9708-019B960494DF}">
-              <a14:hiddenLine xmlns:a14="http://schemas.microsoft.com/office/drawing/2010/main" w="9525">
+              <a14:hiddenLine xmlns:a14="http://schemas.microsoft.com/office/drawing/2010/main" xmlns="" w="9525">
                 <a:solidFill>
                   <a:schemeClr val="tx1"/>
                 </a:solidFill>
@@ -20506,7 +20507,7 @@
     </p:spTree>
     <p:extLst>
       <p:ext uri="{BB962C8B-B14F-4D97-AF65-F5344CB8AC3E}">
-        <p14:creationId xmlns:p14="http://schemas.microsoft.com/office/powerpoint/2010/main" val="1306052275"/>
+        <p14:creationId xmlns:p14="http://schemas.microsoft.com/office/powerpoint/2010/main" xmlns="" val="1306052275"/>
       </p:ext>
     </p:extLst>
   </p:cSld>
@@ -20608,7 +20609,7 @@
             </a:clrChange>
             <a:extLst>
               <a:ext uri="{28A0092B-C50C-407E-A947-70E740481C1C}">
-                <a14:useLocalDpi xmlns:a14="http://schemas.microsoft.com/office/drawing/2010/main" val="0"/>
+                <a14:useLocalDpi xmlns:a14="http://schemas.microsoft.com/office/drawing/2010/main" xmlns="" val="0"/>
               </a:ext>
             </a:extLst>
           </a:blip>
@@ -20631,14 +20632,14 @@
           </a:ln>
           <a:extLst>
             <a:ext uri="{909E8E84-426E-40DD-AFC4-6F175D3DCCD1}">
-              <a14:hiddenFill xmlns:a14="http://schemas.microsoft.com/office/drawing/2010/main">
+              <a14:hiddenFill xmlns:a14="http://schemas.microsoft.com/office/drawing/2010/main" xmlns="">
                 <a:solidFill>
                   <a:schemeClr val="accent1"/>
                 </a:solidFill>
               </a14:hiddenFill>
             </a:ext>
             <a:ext uri="{91240B29-F687-4F45-9708-019B960494DF}">
-              <a14:hiddenLine xmlns:a14="http://schemas.microsoft.com/office/drawing/2010/main" w="9525">
+              <a14:hiddenLine xmlns:a14="http://schemas.microsoft.com/office/drawing/2010/main" xmlns="" w="9525">
                 <a:solidFill>
                   <a:schemeClr val="tx1"/>
                 </a:solidFill>
@@ -20653,7 +20654,7 @@
     </p:spTree>
     <p:extLst>
       <p:ext uri="{BB962C8B-B14F-4D97-AF65-F5344CB8AC3E}">
-        <p14:creationId xmlns:p14="http://schemas.microsoft.com/office/powerpoint/2010/main" val="3886907763"/>
+        <p14:creationId xmlns:p14="http://schemas.microsoft.com/office/powerpoint/2010/main" xmlns="" val="3886907763"/>
       </p:ext>
     </p:extLst>
   </p:cSld>
@@ -20762,7 +20763,7 @@
             </a:clrChange>
             <a:extLst>
               <a:ext uri="{28A0092B-C50C-407E-A947-70E740481C1C}">
-                <a14:useLocalDpi xmlns:a14="http://schemas.microsoft.com/office/drawing/2010/main" val="0"/>
+                <a14:useLocalDpi xmlns:a14="http://schemas.microsoft.com/office/drawing/2010/main" xmlns="" val="0"/>
               </a:ext>
             </a:extLst>
           </a:blip>
@@ -20785,14 +20786,14 @@
           </a:ln>
           <a:extLst>
             <a:ext uri="{909E8E84-426E-40DD-AFC4-6F175D3DCCD1}">
-              <a14:hiddenFill xmlns:a14="http://schemas.microsoft.com/office/drawing/2010/main">
+              <a14:hiddenFill xmlns:a14="http://schemas.microsoft.com/office/drawing/2010/main" xmlns="">
                 <a:solidFill>
                   <a:schemeClr val="accent1"/>
                 </a:solidFill>
               </a14:hiddenFill>
             </a:ext>
             <a:ext uri="{91240B29-F687-4F45-9708-019B960494DF}">
-              <a14:hiddenLine xmlns:a14="http://schemas.microsoft.com/office/drawing/2010/main" w="9525">
+              <a14:hiddenLine xmlns:a14="http://schemas.microsoft.com/office/drawing/2010/main" xmlns="" w="9525">
                 <a:solidFill>
                   <a:schemeClr val="tx1"/>
                 </a:solidFill>
@@ -20807,7 +20808,7 @@
     </p:spTree>
     <p:extLst>
       <p:ext uri="{BB962C8B-B14F-4D97-AF65-F5344CB8AC3E}">
-        <p14:creationId xmlns:p14="http://schemas.microsoft.com/office/powerpoint/2010/main" val="2586967119"/>
+        <p14:creationId xmlns:p14="http://schemas.microsoft.com/office/powerpoint/2010/main" xmlns="" val="2586967119"/>
       </p:ext>
     </p:extLst>
   </p:cSld>
@@ -20894,7 +20895,7 @@
           <p:nvPr>
             <p:extLst>
               <p:ext uri="{D42A27DB-BD31-4B8C-83A1-F6EECF244321}">
-                <p14:modId xmlns:p14="http://schemas.microsoft.com/office/powerpoint/2010/main" val="2089266211"/>
+                <p14:modId xmlns:p14="http://schemas.microsoft.com/office/powerpoint/2010/main" xmlns="" val="2089266211"/>
               </p:ext>
             </p:extLst>
           </p:nvPr>
@@ -20912,7 +20913,7 @@
     </p:spTree>
     <p:extLst>
       <p:ext uri="{BB962C8B-B14F-4D97-AF65-F5344CB8AC3E}">
-        <p14:creationId xmlns:p14="http://schemas.microsoft.com/office/powerpoint/2010/main" val="2847007101"/>
+        <p14:creationId xmlns:p14="http://schemas.microsoft.com/office/powerpoint/2010/main" xmlns="" val="2847007101"/>
       </p:ext>
     </p:extLst>
   </p:cSld>
@@ -20972,7 +20973,7 @@
           <a:blip r:embed="rId2">
             <a:extLst>
               <a:ext uri="{28A0092B-C50C-407E-A947-70E740481C1C}">
-                <a14:useLocalDpi xmlns:a14="http://schemas.microsoft.com/office/drawing/2010/main" val="0"/>
+                <a14:useLocalDpi xmlns:a14="http://schemas.microsoft.com/office/drawing/2010/main" xmlns="" val="0"/>
               </a:ext>
             </a:extLst>
           </a:blip>
@@ -20995,14 +20996,14 @@
           </a:ln>
           <a:extLst>
             <a:ext uri="{909E8E84-426E-40DD-AFC4-6F175D3DCCD1}">
-              <a14:hiddenFill xmlns:a14="http://schemas.microsoft.com/office/drawing/2010/main">
+              <a14:hiddenFill xmlns:a14="http://schemas.microsoft.com/office/drawing/2010/main" xmlns="">
                 <a:solidFill>
                   <a:schemeClr val="accent1"/>
                 </a:solidFill>
               </a14:hiddenFill>
             </a:ext>
             <a:ext uri="{91240B29-F687-4F45-9708-019B960494DF}">
-              <a14:hiddenLine xmlns:a14="http://schemas.microsoft.com/office/drawing/2010/main" w="9525">
+              <a14:hiddenLine xmlns:a14="http://schemas.microsoft.com/office/drawing/2010/main" xmlns="" w="9525">
                 <a:solidFill>
                   <a:schemeClr val="tx1"/>
                 </a:solidFill>
@@ -21017,7 +21018,7 @@
     </p:spTree>
     <p:extLst>
       <p:ext uri="{BB962C8B-B14F-4D97-AF65-F5344CB8AC3E}">
-        <p14:creationId xmlns:p14="http://schemas.microsoft.com/office/powerpoint/2010/main" val="3820374464"/>
+        <p14:creationId xmlns:p14="http://schemas.microsoft.com/office/powerpoint/2010/main" xmlns="" val="3820374464"/>
       </p:ext>
     </p:extLst>
   </p:cSld>
@@ -21100,7 +21101,7 @@
           <a:blip r:embed="rId2">
             <a:extLst>
               <a:ext uri="{28A0092B-C50C-407E-A947-70E740481C1C}">
-                <a14:useLocalDpi xmlns:a14="http://schemas.microsoft.com/office/drawing/2010/main" val="0"/>
+                <a14:useLocalDpi xmlns:a14="http://schemas.microsoft.com/office/drawing/2010/main" xmlns="" val="0"/>
               </a:ext>
             </a:extLst>
           </a:blip>
@@ -21123,14 +21124,14 @@
           </a:ln>
           <a:extLst>
             <a:ext uri="{909E8E84-426E-40DD-AFC4-6F175D3DCCD1}">
-              <a14:hiddenFill xmlns:a14="http://schemas.microsoft.com/office/drawing/2010/main">
+              <a14:hiddenFill xmlns:a14="http://schemas.microsoft.com/office/drawing/2010/main" xmlns="">
                 <a:solidFill>
                   <a:schemeClr val="accent1"/>
                 </a:solidFill>
               </a14:hiddenFill>
             </a:ext>
             <a:ext uri="{91240B29-F687-4F45-9708-019B960494DF}">
-              <a14:hiddenLine xmlns:a14="http://schemas.microsoft.com/office/drawing/2010/main" w="9525">
+              <a14:hiddenLine xmlns:a14="http://schemas.microsoft.com/office/drawing/2010/main" xmlns="" w="9525">
                 <a:solidFill>
                   <a:schemeClr val="tx1"/>
                 </a:solidFill>
@@ -21145,7 +21146,7 @@
     </p:spTree>
     <p:extLst>
       <p:ext uri="{BB962C8B-B14F-4D97-AF65-F5344CB8AC3E}">
-        <p14:creationId xmlns:p14="http://schemas.microsoft.com/office/powerpoint/2010/main" val="796640976"/>
+        <p14:creationId xmlns:p14="http://schemas.microsoft.com/office/powerpoint/2010/main" xmlns="" val="796640976"/>
       </p:ext>
     </p:extLst>
   </p:cSld>
@@ -21231,7 +21232,7 @@
           <a:blip r:embed="rId2">
             <a:extLst>
               <a:ext uri="{28A0092B-C50C-407E-A947-70E740481C1C}">
-                <a14:useLocalDpi xmlns:a14="http://schemas.microsoft.com/office/drawing/2010/main" val="0"/>
+                <a14:useLocalDpi xmlns:a14="http://schemas.microsoft.com/office/drawing/2010/main" xmlns="" val="0"/>
               </a:ext>
             </a:extLst>
           </a:blip>
@@ -21254,14 +21255,14 @@
           </a:ln>
           <a:extLst>
             <a:ext uri="{909E8E84-426E-40DD-AFC4-6F175D3DCCD1}">
-              <a14:hiddenFill xmlns:a14="http://schemas.microsoft.com/office/drawing/2010/main">
+              <a14:hiddenFill xmlns:a14="http://schemas.microsoft.com/office/drawing/2010/main" xmlns="">
                 <a:solidFill>
                   <a:schemeClr val="accent1"/>
                 </a:solidFill>
               </a14:hiddenFill>
             </a:ext>
             <a:ext uri="{91240B29-F687-4F45-9708-019B960494DF}">
-              <a14:hiddenLine xmlns:a14="http://schemas.microsoft.com/office/drawing/2010/main" w="9525">
+              <a14:hiddenLine xmlns:a14="http://schemas.microsoft.com/office/drawing/2010/main" xmlns="" w="9525">
                 <a:solidFill>
                   <a:schemeClr val="tx1"/>
                 </a:solidFill>
@@ -21276,7 +21277,7 @@
     </p:spTree>
     <p:extLst>
       <p:ext uri="{BB962C8B-B14F-4D97-AF65-F5344CB8AC3E}">
-        <p14:creationId xmlns:p14="http://schemas.microsoft.com/office/powerpoint/2010/main" val="326179920"/>
+        <p14:creationId xmlns:p14="http://schemas.microsoft.com/office/powerpoint/2010/main" xmlns="" val="326179920"/>
       </p:ext>
     </p:extLst>
   </p:cSld>
@@ -21863,7 +21864,7 @@
     </p:spTree>
     <p:extLst>
       <p:ext uri="{BB962C8B-B14F-4D97-AF65-F5344CB8AC3E}">
-        <p14:creationId xmlns:p14="http://schemas.microsoft.com/office/powerpoint/2010/main" val="3429256208"/>
+        <p14:creationId xmlns:p14="http://schemas.microsoft.com/office/powerpoint/2010/main" xmlns="" val="3429256208"/>
       </p:ext>
     </p:extLst>
   </p:cSld>
@@ -22843,7 +22844,7 @@
     </p:spTree>
     <p:extLst>
       <p:ext uri="{BB962C8B-B14F-4D97-AF65-F5344CB8AC3E}">
-        <p14:creationId xmlns:p14="http://schemas.microsoft.com/office/powerpoint/2010/main" val="2476189663"/>
+        <p14:creationId xmlns:p14="http://schemas.microsoft.com/office/powerpoint/2010/main" xmlns="" val="2476189663"/>
       </p:ext>
     </p:extLst>
   </p:cSld>
@@ -23030,7 +23031,7 @@
           <a:blip r:embed="rId2">
             <a:extLst>
               <a:ext uri="{28A0092B-C50C-407E-A947-70E740481C1C}">
-                <a14:useLocalDpi xmlns:a14="http://schemas.microsoft.com/office/drawing/2010/main" val="0"/>
+                <a14:useLocalDpi xmlns:a14="http://schemas.microsoft.com/office/drawing/2010/main" xmlns="" val="0"/>
               </a:ext>
             </a:extLst>
           </a:blip>
@@ -23050,7 +23051,7 @@
           <a:noFill/>
           <a:extLst>
             <a:ext uri="{909E8E84-426E-40DD-AFC4-6F175D3DCCD1}">
-              <a14:hiddenFill xmlns:a14="http://schemas.microsoft.com/office/drawing/2010/main">
+              <a14:hiddenFill xmlns:a14="http://schemas.microsoft.com/office/drawing/2010/main" xmlns="">
                 <a:solidFill>
                   <a:srgbClr val="FFFFFF"/>
                 </a:solidFill>
@@ -23071,7 +23072,7 @@
           <a:blip r:embed="rId3">
             <a:extLst>
               <a:ext uri="{BEBA8EAE-BF5A-486C-A8C5-ECC9F3942E4B}">
-                <a14:imgProps xmlns:a14="http://schemas.microsoft.com/office/drawing/2010/main">
+                <a14:imgProps xmlns:a14="http://schemas.microsoft.com/office/drawing/2010/main" xmlns="">
                   <a14:imgLayer r:embed="rId4">
                     <a14:imgEffect>
                       <a14:backgroundRemoval t="10000" b="90000" l="10000" r="90000"/>
@@ -23080,7 +23081,7 @@
                 </a14:imgProps>
               </a:ext>
               <a:ext uri="{28A0092B-C50C-407E-A947-70E740481C1C}">
-                <a14:useLocalDpi xmlns:a14="http://schemas.microsoft.com/office/drawing/2010/main" val="0"/>
+                <a14:useLocalDpi xmlns:a14="http://schemas.microsoft.com/office/drawing/2010/main" xmlns="" val="0"/>
               </a:ext>
             </a:extLst>
           </a:blip>
@@ -23100,7 +23101,7 @@
           <a:noFill/>
           <a:extLst>
             <a:ext uri="{909E8E84-426E-40DD-AFC4-6F175D3DCCD1}">
-              <a14:hiddenFill xmlns:a14="http://schemas.microsoft.com/office/drawing/2010/main">
+              <a14:hiddenFill xmlns:a14="http://schemas.microsoft.com/office/drawing/2010/main" xmlns="">
                 <a:solidFill>
                   <a:srgbClr val="FFFFFF"/>
                 </a:solidFill>
@@ -23874,7 +23875,7 @@
     </p:spTree>
     <p:extLst>
       <p:ext uri="{BB962C8B-B14F-4D97-AF65-F5344CB8AC3E}">
-        <p14:creationId xmlns:p14="http://schemas.microsoft.com/office/powerpoint/2010/main" val="860012903"/>
+        <p14:creationId xmlns:p14="http://schemas.microsoft.com/office/powerpoint/2010/main" xmlns="" val="860012903"/>
       </p:ext>
     </p:extLst>
   </p:cSld>
@@ -23982,7 +23983,7 @@
           <a:blip r:embed="rId2">
             <a:extLst>
               <a:ext uri="{28A0092B-C50C-407E-A947-70E740481C1C}">
-                <a14:useLocalDpi xmlns:a14="http://schemas.microsoft.com/office/drawing/2010/main" val="0"/>
+                <a14:useLocalDpi xmlns:a14="http://schemas.microsoft.com/office/drawing/2010/main" xmlns="" val="0"/>
               </a:ext>
             </a:extLst>
           </a:blip>
@@ -24005,14 +24006,14 @@
           </a:ln>
           <a:extLst>
             <a:ext uri="{909E8E84-426E-40DD-AFC4-6F175D3DCCD1}">
-              <a14:hiddenFill xmlns:a14="http://schemas.microsoft.com/office/drawing/2010/main">
+              <a14:hiddenFill xmlns:a14="http://schemas.microsoft.com/office/drawing/2010/main" xmlns="">
                 <a:solidFill>
                   <a:schemeClr val="accent1"/>
                 </a:solidFill>
               </a14:hiddenFill>
             </a:ext>
             <a:ext uri="{91240B29-F687-4F45-9708-019B960494DF}">
-              <a14:hiddenLine xmlns:a14="http://schemas.microsoft.com/office/drawing/2010/main" w="9525">
+              <a14:hiddenLine xmlns:a14="http://schemas.microsoft.com/office/drawing/2010/main" xmlns="" w="9525">
                 <a:solidFill>
                   <a:schemeClr val="tx1"/>
                 </a:solidFill>
@@ -24082,7 +24083,7 @@
           <a:blip r:embed="rId3">
             <a:extLst>
               <a:ext uri="{28A0092B-C50C-407E-A947-70E740481C1C}">
-                <a14:useLocalDpi xmlns:a14="http://schemas.microsoft.com/office/drawing/2010/main" val="0"/>
+                <a14:useLocalDpi xmlns:a14="http://schemas.microsoft.com/office/drawing/2010/main" xmlns="" val="0"/>
               </a:ext>
             </a:extLst>
           </a:blip>
@@ -24102,7 +24103,7 @@
           <a:noFill/>
           <a:extLst>
             <a:ext uri="{909E8E84-426E-40DD-AFC4-6F175D3DCCD1}">
-              <a14:hiddenFill xmlns:a14="http://schemas.microsoft.com/office/drawing/2010/main">
+              <a14:hiddenFill xmlns:a14="http://schemas.microsoft.com/office/drawing/2010/main" xmlns="">
                 <a:solidFill>
                   <a:srgbClr val="FFFFFF"/>
                 </a:solidFill>
@@ -24130,7 +24131,7 @@
           <a:noFill/>
           <a:extLst>
             <a:ext uri="{909E8E84-426E-40DD-AFC4-6F175D3DCCD1}">
-              <a14:hiddenFill xmlns:a14="http://schemas.microsoft.com/office/drawing/2010/main">
+              <a14:hiddenFill xmlns:a14="http://schemas.microsoft.com/office/drawing/2010/main" xmlns="">
                 <a:solidFill>
                   <a:srgbClr val="FFFFFF"/>
                 </a:solidFill>
@@ -24169,7 +24170,7 @@
           <a:noFill/>
           <a:extLst>
             <a:ext uri="{909E8E84-426E-40DD-AFC4-6F175D3DCCD1}">
-              <a14:hiddenFill xmlns:a14="http://schemas.microsoft.com/office/drawing/2010/main">
+              <a14:hiddenFill xmlns:a14="http://schemas.microsoft.com/office/drawing/2010/main" xmlns="">
                 <a:solidFill>
                   <a:srgbClr val="FFFFFF"/>
                 </a:solidFill>
@@ -24201,7 +24202,7 @@
           <a:blip r:embed="rId4" cstate="print">
             <a:extLst>
               <a:ext uri="{28A0092B-C50C-407E-A947-70E740481C1C}">
-                <a14:useLocalDpi xmlns:a14="http://schemas.microsoft.com/office/drawing/2010/main" val="0"/>
+                <a14:useLocalDpi xmlns:a14="http://schemas.microsoft.com/office/drawing/2010/main" xmlns="" val="0"/>
               </a:ext>
             </a:extLst>
           </a:blip>
@@ -24224,14 +24225,14 @@
           </a:ln>
           <a:extLst>
             <a:ext uri="{909E8E84-426E-40DD-AFC4-6F175D3DCCD1}">
-              <a14:hiddenFill xmlns:a14="http://schemas.microsoft.com/office/drawing/2010/main">
+              <a14:hiddenFill xmlns:a14="http://schemas.microsoft.com/office/drawing/2010/main" xmlns="">
                 <a:solidFill>
                   <a:schemeClr val="accent1"/>
                 </a:solidFill>
               </a14:hiddenFill>
             </a:ext>
             <a:ext uri="{91240B29-F687-4F45-9708-019B960494DF}">
-              <a14:hiddenLine xmlns:a14="http://schemas.microsoft.com/office/drawing/2010/main" w="9525">
+              <a14:hiddenLine xmlns:a14="http://schemas.microsoft.com/office/drawing/2010/main" xmlns="" w="9525">
                 <a:solidFill>
                   <a:schemeClr val="tx1"/>
                 </a:solidFill>
@@ -24419,23 +24420,7 @@
           <a:p>
             <a:r>
               <a:rPr lang="en-US" dirty="0" smtClean="0"/>
-              <a:t>Parse the JSON file and get communicator </a:t>
-            </a:r>
-            <a:r>
-              <a:rPr lang="en-US" dirty="0" smtClean="0"/>
-              <a:t>(which </a:t>
-            </a:r>
-            <a:r>
-              <a:rPr lang="en-US" dirty="0" smtClean="0"/>
-              <a:t>uses chosen </a:t>
-            </a:r>
-            <a:r>
-              <a:rPr lang="en-US" dirty="0" smtClean="0"/>
-              <a:t>protocol) </a:t>
-            </a:r>
-            <a:r>
-              <a:rPr lang="en-US" dirty="0" smtClean="0"/>
-              <a:t>by querying the interface</a:t>
+              <a:t>Parse the JSON file and get communicator (which uses chosen protocol) by querying the interface</a:t>
             </a:r>
             <a:endParaRPr lang="en-US" dirty="0"/>
           </a:p>
@@ -24575,7 +24560,7 @@
           <a:blip r:embed="rId5" cstate="print">
             <a:extLst>
               <a:ext uri="{28A0092B-C50C-407E-A947-70E740481C1C}">
-                <a14:useLocalDpi xmlns:a14="http://schemas.microsoft.com/office/drawing/2010/main" val="0"/>
+                <a14:useLocalDpi xmlns:a14="http://schemas.microsoft.com/office/drawing/2010/main" xmlns="" val="0"/>
               </a:ext>
             </a:extLst>
           </a:blip>
@@ -24595,7 +24580,7 @@
           <a:noFill/>
           <a:extLst>
             <a:ext uri="{909E8E84-426E-40DD-AFC4-6F175D3DCCD1}">
-              <a14:hiddenFill xmlns:a14="http://schemas.microsoft.com/office/drawing/2010/main">
+              <a14:hiddenFill xmlns:a14="http://schemas.microsoft.com/office/drawing/2010/main" xmlns="">
                 <a:solidFill>
                   <a:srgbClr val="FFFFFF"/>
                 </a:solidFill>
@@ -24818,9 +24803,99 @@
     </p:spTree>
     <p:extLst>
       <p:ext uri="{BB962C8B-B14F-4D97-AF65-F5344CB8AC3E}">
-        <p14:creationId xmlns:p14="http://schemas.microsoft.com/office/powerpoint/2010/main" val="2956477278"/>
+        <p14:creationId xmlns:p14="http://schemas.microsoft.com/office/powerpoint/2010/main" xmlns="" val="2956477278"/>
       </p:ext>
     </p:extLst>
+  </p:cSld>
+  <p:clrMapOvr>
+    <a:masterClrMapping/>
+  </p:clrMapOvr>
+</p:sld>
+</file>
+
+<file path=ppt/slides/slide23.xml><?xml version="1.0" encoding="utf-8"?>
+<p:sld xmlns:a="http://schemas.openxmlformats.org/drawingml/2006/main" xmlns:r="http://schemas.openxmlformats.org/officeDocument/2006/relationships" xmlns:p="http://schemas.openxmlformats.org/presentationml/2006/main">
+  <p:cSld>
+    <p:spTree>
+      <p:nvGrpSpPr>
+        <p:cNvPr id="1" name=""/>
+        <p:cNvGrpSpPr/>
+        <p:nvPr/>
+      </p:nvGrpSpPr>
+      <p:grpSpPr>
+        <a:xfrm>
+          <a:off x="0" y="0"/>
+          <a:ext cx="0" cy="0"/>
+          <a:chOff x="0" y="0"/>
+          <a:chExt cx="0" cy="0"/>
+        </a:xfrm>
+      </p:grpSpPr>
+      <p:sp>
+        <p:nvSpPr>
+          <p:cNvPr id="2" name="Title 1"/>
+          <p:cNvSpPr>
+            <a:spLocks noGrp="1"/>
+          </p:cNvSpPr>
+          <p:nvPr>
+            <p:ph type="title"/>
+          </p:nvPr>
+        </p:nvSpPr>
+        <p:spPr/>
+        <p:txBody>
+          <a:bodyPr/>
+          <a:lstStyle/>
+          <a:p>
+            <a:endParaRPr lang="en-US"/>
+          </a:p>
+        </p:txBody>
+      </p:sp>
+      <p:pic>
+        <p:nvPicPr>
+          <p:cNvPr id="1026" name="Picture 2"/>
+          <p:cNvPicPr>
+            <a:picLocks noGrp="1" noChangeAspect="1" noChangeArrowheads="1"/>
+          </p:cNvPicPr>
+          <p:nvPr>
+            <p:ph idx="1"/>
+          </p:nvPr>
+        </p:nvPicPr>
+        <p:blipFill>
+          <a:blip r:embed="rId2">
+            <a:clrChange>
+              <a:clrFrom>
+                <a:srgbClr val="FFFFFF"/>
+              </a:clrFrom>
+              <a:clrTo>
+                <a:srgbClr val="FFFFFF">
+                  <a:alpha val="0"/>
+                </a:srgbClr>
+              </a:clrTo>
+            </a:clrChange>
+          </a:blip>
+          <a:srcRect/>
+          <a:stretch>
+            <a:fillRect/>
+          </a:stretch>
+        </p:blipFill>
+        <p:spPr bwMode="auto">
+          <a:xfrm>
+            <a:off x="609600" y="2286000"/>
+            <a:ext cx="7863016" cy="3505200"/>
+          </a:xfrm>
+          <a:prstGeom prst="rect">
+            <a:avLst/>
+          </a:prstGeom>
+          <a:noFill/>
+          <a:ln w="9525">
+            <a:noFill/>
+            <a:miter lim="800000"/>
+            <a:headEnd/>
+            <a:tailEnd/>
+          </a:ln>
+          <a:effectLst/>
+        </p:spPr>
+      </p:pic>
+    </p:spTree>
   </p:cSld>
   <p:clrMapOvr>
     <a:masterClrMapping/>
@@ -24917,7 +24992,7 @@
             </a:clrChange>
             <a:extLst>
               <a:ext uri="{BEBA8EAE-BF5A-486C-A8C5-ECC9F3942E4B}">
-                <a14:imgProps xmlns:a14="http://schemas.microsoft.com/office/drawing/2010/main">
+                <a14:imgProps xmlns:a14="http://schemas.microsoft.com/office/drawing/2010/main" xmlns="">
                   <a14:imgLayer r:embed="rId3">
                     <a14:imgEffect>
                       <a14:brightnessContrast contrast="20000"/>
@@ -24926,7 +25001,7 @@
                 </a14:imgProps>
               </a:ext>
               <a:ext uri="{28A0092B-C50C-407E-A947-70E740481C1C}">
-                <a14:useLocalDpi xmlns:a14="http://schemas.microsoft.com/office/drawing/2010/main" val="0"/>
+                <a14:useLocalDpi xmlns:a14="http://schemas.microsoft.com/office/drawing/2010/main" xmlns="" val="0"/>
               </a:ext>
             </a:extLst>
           </a:blip>
@@ -24946,7 +25021,7 @@
           <a:noFill/>
           <a:extLst>
             <a:ext uri="{909E8E84-426E-40DD-AFC4-6F175D3DCCD1}">
-              <a14:hiddenFill xmlns:a14="http://schemas.microsoft.com/office/drawing/2010/main">
+              <a14:hiddenFill xmlns:a14="http://schemas.microsoft.com/office/drawing/2010/main" xmlns="">
                 <a:solidFill>
                   <a:srgbClr val="FFFFFF"/>
                 </a:solidFill>
@@ -24958,7 +25033,7 @@
     </p:spTree>
     <p:extLst>
       <p:ext uri="{BB962C8B-B14F-4D97-AF65-F5344CB8AC3E}">
-        <p14:creationId xmlns:p14="http://schemas.microsoft.com/office/powerpoint/2010/main" val="3300642838"/>
+        <p14:creationId xmlns:p14="http://schemas.microsoft.com/office/powerpoint/2010/main" xmlns="" val="3300642838"/>
       </p:ext>
     </p:extLst>
   </p:cSld>
@@ -25050,7 +25125,7 @@
           <a:blip r:embed="rId2">
             <a:extLst>
               <a:ext uri="{28A0092B-C50C-407E-A947-70E740481C1C}">
-                <a14:useLocalDpi xmlns:a14="http://schemas.microsoft.com/office/drawing/2010/main" val="0"/>
+                <a14:useLocalDpi xmlns:a14="http://schemas.microsoft.com/office/drawing/2010/main" xmlns="" val="0"/>
               </a:ext>
             </a:extLst>
           </a:blip>
@@ -25070,7 +25145,7 @@
           <a:noFill/>
           <a:extLst>
             <a:ext uri="{909E8E84-426E-40DD-AFC4-6F175D3DCCD1}">
-              <a14:hiddenFill xmlns:a14="http://schemas.microsoft.com/office/drawing/2010/main">
+              <a14:hiddenFill xmlns:a14="http://schemas.microsoft.com/office/drawing/2010/main" xmlns="">
                 <a:solidFill>
                   <a:srgbClr val="FFFFFF"/>
                 </a:solidFill>
@@ -25082,7 +25157,7 @@
     </p:spTree>
     <p:extLst>
       <p:ext uri="{BB962C8B-B14F-4D97-AF65-F5344CB8AC3E}">
-        <p14:creationId xmlns:p14="http://schemas.microsoft.com/office/powerpoint/2010/main" val="101112921"/>
+        <p14:creationId xmlns:p14="http://schemas.microsoft.com/office/powerpoint/2010/main" xmlns="" val="101112921"/>
       </p:ext>
     </p:extLst>
   </p:cSld>
@@ -25142,7 +25217,7 @@
           <a:blip r:embed="rId2">
             <a:extLst>
               <a:ext uri="{28A0092B-C50C-407E-A947-70E740481C1C}">
-                <a14:useLocalDpi xmlns:a14="http://schemas.microsoft.com/office/drawing/2010/main" val="0"/>
+                <a14:useLocalDpi xmlns:a14="http://schemas.microsoft.com/office/drawing/2010/main" xmlns="" val="0"/>
               </a:ext>
             </a:extLst>
           </a:blip>
@@ -25162,7 +25237,7 @@
           <a:noFill/>
           <a:extLst>
             <a:ext uri="{909E8E84-426E-40DD-AFC4-6F175D3DCCD1}">
-              <a14:hiddenFill xmlns:a14="http://schemas.microsoft.com/office/drawing/2010/main">
+              <a14:hiddenFill xmlns:a14="http://schemas.microsoft.com/office/drawing/2010/main" xmlns="">
                 <a:solidFill>
                   <a:srgbClr val="FFFFFF"/>
                 </a:solidFill>
@@ -25174,7 +25249,7 @@
     </p:spTree>
     <p:extLst>
       <p:ext uri="{BB962C8B-B14F-4D97-AF65-F5344CB8AC3E}">
-        <p14:creationId xmlns:p14="http://schemas.microsoft.com/office/powerpoint/2010/main" val="1283153479"/>
+        <p14:creationId xmlns:p14="http://schemas.microsoft.com/office/powerpoint/2010/main" xmlns="" val="1283153479"/>
       </p:ext>
     </p:extLst>
   </p:cSld>
@@ -25244,7 +25319,7 @@
             </a:clrChange>
             <a:extLst>
               <a:ext uri="{28A0092B-C50C-407E-A947-70E740481C1C}">
-                <a14:useLocalDpi xmlns:a14="http://schemas.microsoft.com/office/drawing/2010/main" val="0"/>
+                <a14:useLocalDpi xmlns:a14="http://schemas.microsoft.com/office/drawing/2010/main" xmlns="" val="0"/>
               </a:ext>
             </a:extLst>
           </a:blip>
@@ -25267,14 +25342,14 @@
           </a:ln>
           <a:extLst>
             <a:ext uri="{909E8E84-426E-40DD-AFC4-6F175D3DCCD1}">
-              <a14:hiddenFill xmlns:a14="http://schemas.microsoft.com/office/drawing/2010/main">
+              <a14:hiddenFill xmlns:a14="http://schemas.microsoft.com/office/drawing/2010/main" xmlns="">
                 <a:solidFill>
                   <a:schemeClr val="accent1"/>
                 </a:solidFill>
               </a14:hiddenFill>
             </a:ext>
             <a:ext uri="{91240B29-F687-4F45-9708-019B960494DF}">
-              <a14:hiddenLine xmlns:a14="http://schemas.microsoft.com/office/drawing/2010/main" w="9525">
+              <a14:hiddenLine xmlns:a14="http://schemas.microsoft.com/office/drawing/2010/main" xmlns="" w="9525">
                 <a:solidFill>
                   <a:schemeClr val="tx1"/>
                 </a:solidFill>
@@ -25351,7 +25426,7 @@
               </a:clrChange>
               <a:extLst>
                 <a:ext uri="{28A0092B-C50C-407E-A947-70E740481C1C}">
-                  <a14:useLocalDpi xmlns:a14="http://schemas.microsoft.com/office/drawing/2010/main" val="0"/>
+                  <a14:useLocalDpi xmlns:a14="http://schemas.microsoft.com/office/drawing/2010/main" xmlns="" val="0"/>
                 </a:ext>
               </a:extLst>
             </a:blip>
@@ -25374,14 +25449,14 @@
             </a:ln>
             <a:extLst>
               <a:ext uri="{909E8E84-426E-40DD-AFC4-6F175D3DCCD1}">
-                <a14:hiddenFill xmlns:a14="http://schemas.microsoft.com/office/drawing/2010/main">
+                <a14:hiddenFill xmlns:a14="http://schemas.microsoft.com/office/drawing/2010/main" xmlns="">
                   <a:solidFill>
                     <a:schemeClr val="accent1"/>
                   </a:solidFill>
                 </a14:hiddenFill>
               </a:ext>
               <a:ext uri="{91240B29-F687-4F45-9708-019B960494DF}">
-                <a14:hiddenLine xmlns:a14="http://schemas.microsoft.com/office/drawing/2010/main" w="9525">
+                <a14:hiddenLine xmlns:a14="http://schemas.microsoft.com/office/drawing/2010/main" xmlns="" w="9525">
                   <a:solidFill>
                     <a:schemeClr val="tx1"/>
                   </a:solidFill>
@@ -25466,7 +25541,7 @@
               </a:clrChange>
               <a:extLst>
                 <a:ext uri="{28A0092B-C50C-407E-A947-70E740481C1C}">
-                  <a14:useLocalDpi xmlns:a14="http://schemas.microsoft.com/office/drawing/2010/main" val="0"/>
+                  <a14:useLocalDpi xmlns:a14="http://schemas.microsoft.com/office/drawing/2010/main" xmlns="" val="0"/>
                 </a:ext>
               </a:extLst>
             </a:blip>
@@ -25489,14 +25564,14 @@
             </a:ln>
             <a:extLst>
               <a:ext uri="{909E8E84-426E-40DD-AFC4-6F175D3DCCD1}">
-                <a14:hiddenFill xmlns:a14="http://schemas.microsoft.com/office/drawing/2010/main">
+                <a14:hiddenFill xmlns:a14="http://schemas.microsoft.com/office/drawing/2010/main" xmlns="">
                   <a:solidFill>
                     <a:schemeClr val="accent1"/>
                   </a:solidFill>
                 </a14:hiddenFill>
               </a:ext>
               <a:ext uri="{91240B29-F687-4F45-9708-019B960494DF}">
-                <a14:hiddenLine xmlns:a14="http://schemas.microsoft.com/office/drawing/2010/main" w="9525">
+                <a14:hiddenLine xmlns:a14="http://schemas.microsoft.com/office/drawing/2010/main" xmlns="" w="9525">
                   <a:solidFill>
                     <a:schemeClr val="tx1"/>
                   </a:solidFill>
@@ -25580,7 +25655,7 @@
               </a:clrChange>
               <a:extLst>
                 <a:ext uri="{28A0092B-C50C-407E-A947-70E740481C1C}">
-                  <a14:useLocalDpi xmlns:a14="http://schemas.microsoft.com/office/drawing/2010/main" val="0"/>
+                  <a14:useLocalDpi xmlns:a14="http://schemas.microsoft.com/office/drawing/2010/main" xmlns="" val="0"/>
                 </a:ext>
               </a:extLst>
             </a:blip>
@@ -25603,14 +25678,14 @@
             </a:ln>
             <a:extLst>
               <a:ext uri="{909E8E84-426E-40DD-AFC4-6F175D3DCCD1}">
-                <a14:hiddenFill xmlns:a14="http://schemas.microsoft.com/office/drawing/2010/main">
+                <a14:hiddenFill xmlns:a14="http://schemas.microsoft.com/office/drawing/2010/main" xmlns="">
                   <a:solidFill>
                     <a:schemeClr val="accent1"/>
                   </a:solidFill>
                 </a14:hiddenFill>
               </a:ext>
               <a:ext uri="{91240B29-F687-4F45-9708-019B960494DF}">
-                <a14:hiddenLine xmlns:a14="http://schemas.microsoft.com/office/drawing/2010/main" w="9525">
+                <a14:hiddenLine xmlns:a14="http://schemas.microsoft.com/office/drawing/2010/main" xmlns="" w="9525">
                   <a:solidFill>
                     <a:schemeClr val="tx1"/>
                   </a:solidFill>
@@ -25686,7 +25761,7 @@
             </a:clrChange>
             <a:extLst>
               <a:ext uri="{28A0092B-C50C-407E-A947-70E740481C1C}">
-                <a14:useLocalDpi xmlns:a14="http://schemas.microsoft.com/office/drawing/2010/main" val="0"/>
+                <a14:useLocalDpi xmlns:a14="http://schemas.microsoft.com/office/drawing/2010/main" xmlns="" val="0"/>
               </a:ext>
             </a:extLst>
           </a:blip>
@@ -25709,14 +25784,14 @@
           </a:ln>
           <a:extLst>
             <a:ext uri="{909E8E84-426E-40DD-AFC4-6F175D3DCCD1}">
-              <a14:hiddenFill xmlns:a14="http://schemas.microsoft.com/office/drawing/2010/main">
+              <a14:hiddenFill xmlns:a14="http://schemas.microsoft.com/office/drawing/2010/main" xmlns="">
                 <a:solidFill>
                   <a:schemeClr val="accent1"/>
                 </a:solidFill>
               </a14:hiddenFill>
             </a:ext>
             <a:ext uri="{91240B29-F687-4F45-9708-019B960494DF}">
-              <a14:hiddenLine xmlns:a14="http://schemas.microsoft.com/office/drawing/2010/main" w="9525">
+              <a14:hiddenLine xmlns:a14="http://schemas.microsoft.com/office/drawing/2010/main" xmlns="" w="9525">
                 <a:solidFill>
                   <a:schemeClr val="tx1"/>
                 </a:solidFill>
@@ -25761,7 +25836,7 @@
     </p:spTree>
     <p:extLst>
       <p:ext uri="{BB962C8B-B14F-4D97-AF65-F5344CB8AC3E}">
-        <p14:creationId xmlns:p14="http://schemas.microsoft.com/office/powerpoint/2010/main" val="1294588456"/>
+        <p14:creationId xmlns:p14="http://schemas.microsoft.com/office/powerpoint/2010/main" xmlns="" val="1294588456"/>
       </p:ext>
     </p:extLst>
   </p:cSld>
@@ -25810,7 +25885,7 @@
             </a:clrChange>
             <a:extLst>
               <a:ext uri="{28A0092B-C50C-407E-A947-70E740481C1C}">
-                <a14:useLocalDpi xmlns:a14="http://schemas.microsoft.com/office/drawing/2010/main" val="0"/>
+                <a14:useLocalDpi xmlns:a14="http://schemas.microsoft.com/office/drawing/2010/main" xmlns="" val="0"/>
               </a:ext>
             </a:extLst>
           </a:blip>
@@ -25833,14 +25908,14 @@
           </a:ln>
           <a:extLst>
             <a:ext uri="{909E8E84-426E-40DD-AFC4-6F175D3DCCD1}">
-              <a14:hiddenFill xmlns:a14="http://schemas.microsoft.com/office/drawing/2010/main">
+              <a14:hiddenFill xmlns:a14="http://schemas.microsoft.com/office/drawing/2010/main" xmlns="">
                 <a:solidFill>
                   <a:schemeClr val="accent1"/>
                 </a:solidFill>
               </a14:hiddenFill>
             </a:ext>
             <a:ext uri="{91240B29-F687-4F45-9708-019B960494DF}">
-              <a14:hiddenLine xmlns:a14="http://schemas.microsoft.com/office/drawing/2010/main" w="9525">
+              <a14:hiddenLine xmlns:a14="http://schemas.microsoft.com/office/drawing/2010/main" xmlns="" w="9525">
                 <a:solidFill>
                   <a:schemeClr val="tx1"/>
                 </a:solidFill>
@@ -25927,7 +26002,7 @@
             </a:clrChange>
             <a:extLst>
               <a:ext uri="{28A0092B-C50C-407E-A947-70E740481C1C}">
-                <a14:useLocalDpi xmlns:a14="http://schemas.microsoft.com/office/drawing/2010/main" val="0"/>
+                <a14:useLocalDpi xmlns:a14="http://schemas.microsoft.com/office/drawing/2010/main" xmlns="" val="0"/>
               </a:ext>
             </a:extLst>
           </a:blip>
@@ -25950,14 +26025,14 @@
           </a:ln>
           <a:extLst>
             <a:ext uri="{909E8E84-426E-40DD-AFC4-6F175D3DCCD1}">
-              <a14:hiddenFill xmlns:a14="http://schemas.microsoft.com/office/drawing/2010/main">
+              <a14:hiddenFill xmlns:a14="http://schemas.microsoft.com/office/drawing/2010/main" xmlns="">
                 <a:solidFill>
                   <a:schemeClr val="accent1"/>
                 </a:solidFill>
               </a14:hiddenFill>
             </a:ext>
             <a:ext uri="{91240B29-F687-4F45-9708-019B960494DF}">
-              <a14:hiddenLine xmlns:a14="http://schemas.microsoft.com/office/drawing/2010/main" w="9525">
+              <a14:hiddenLine xmlns:a14="http://schemas.microsoft.com/office/drawing/2010/main" xmlns="" w="9525">
                 <a:solidFill>
                   <a:schemeClr val="tx1"/>
                 </a:solidFill>
@@ -26034,7 +26109,7 @@
               </a:clrChange>
               <a:extLst>
                 <a:ext uri="{28A0092B-C50C-407E-A947-70E740481C1C}">
-                  <a14:useLocalDpi xmlns:a14="http://schemas.microsoft.com/office/drawing/2010/main" val="0"/>
+                  <a14:useLocalDpi xmlns:a14="http://schemas.microsoft.com/office/drawing/2010/main" xmlns="" val="0"/>
                 </a:ext>
               </a:extLst>
             </a:blip>
@@ -26057,14 +26132,14 @@
             </a:ln>
             <a:extLst>
               <a:ext uri="{909E8E84-426E-40DD-AFC4-6F175D3DCCD1}">
-                <a14:hiddenFill xmlns:a14="http://schemas.microsoft.com/office/drawing/2010/main">
+                <a14:hiddenFill xmlns:a14="http://schemas.microsoft.com/office/drawing/2010/main" xmlns="">
                   <a:solidFill>
                     <a:schemeClr val="accent1"/>
                   </a:solidFill>
                 </a14:hiddenFill>
               </a:ext>
               <a:ext uri="{91240B29-F687-4F45-9708-019B960494DF}">
-                <a14:hiddenLine xmlns:a14="http://schemas.microsoft.com/office/drawing/2010/main" w="9525">
+                <a14:hiddenLine xmlns:a14="http://schemas.microsoft.com/office/drawing/2010/main" xmlns="" w="9525">
                   <a:solidFill>
                     <a:schemeClr val="tx1"/>
                   </a:solidFill>
@@ -26184,7 +26259,7 @@
               </a:clrChange>
               <a:extLst>
                 <a:ext uri="{28A0092B-C50C-407E-A947-70E740481C1C}">
-                  <a14:useLocalDpi xmlns:a14="http://schemas.microsoft.com/office/drawing/2010/main" val="0"/>
+                  <a14:useLocalDpi xmlns:a14="http://schemas.microsoft.com/office/drawing/2010/main" xmlns="" val="0"/>
                 </a:ext>
               </a:extLst>
             </a:blip>
@@ -26207,14 +26282,14 @@
             </a:ln>
             <a:extLst>
               <a:ext uri="{909E8E84-426E-40DD-AFC4-6F175D3DCCD1}">
-                <a14:hiddenFill xmlns:a14="http://schemas.microsoft.com/office/drawing/2010/main">
+                <a14:hiddenFill xmlns:a14="http://schemas.microsoft.com/office/drawing/2010/main" xmlns="">
                   <a:solidFill>
                     <a:schemeClr val="accent1"/>
                   </a:solidFill>
                 </a14:hiddenFill>
               </a:ext>
               <a:ext uri="{91240B29-F687-4F45-9708-019B960494DF}">
-                <a14:hiddenLine xmlns:a14="http://schemas.microsoft.com/office/drawing/2010/main" w="9525">
+                <a14:hiddenLine xmlns:a14="http://schemas.microsoft.com/office/drawing/2010/main" xmlns="" w="9525">
                   <a:solidFill>
                     <a:schemeClr val="tx1"/>
                   </a:solidFill>
@@ -26340,7 +26415,7 @@
               </a:clrChange>
               <a:extLst>
                 <a:ext uri="{28A0092B-C50C-407E-A947-70E740481C1C}">
-                  <a14:useLocalDpi xmlns:a14="http://schemas.microsoft.com/office/drawing/2010/main" val="0"/>
+                  <a14:useLocalDpi xmlns:a14="http://schemas.microsoft.com/office/drawing/2010/main" xmlns="" val="0"/>
                 </a:ext>
               </a:extLst>
             </a:blip>
@@ -26363,14 +26438,14 @@
             </a:ln>
             <a:extLst>
               <a:ext uri="{909E8E84-426E-40DD-AFC4-6F175D3DCCD1}">
-                <a14:hiddenFill xmlns:a14="http://schemas.microsoft.com/office/drawing/2010/main">
+                <a14:hiddenFill xmlns:a14="http://schemas.microsoft.com/office/drawing/2010/main" xmlns="">
                   <a:solidFill>
                     <a:schemeClr val="accent1"/>
                   </a:solidFill>
                 </a14:hiddenFill>
               </a:ext>
               <a:ext uri="{91240B29-F687-4F45-9708-019B960494DF}">
-                <a14:hiddenLine xmlns:a14="http://schemas.microsoft.com/office/drawing/2010/main" w="9525">
+                <a14:hiddenLine xmlns:a14="http://schemas.microsoft.com/office/drawing/2010/main" xmlns="" w="9525">
                   <a:solidFill>
                     <a:schemeClr val="tx1"/>
                   </a:solidFill>
@@ -26452,7 +26527,7 @@
             </a:clrChange>
             <a:extLst>
               <a:ext uri="{28A0092B-C50C-407E-A947-70E740481C1C}">
-                <a14:useLocalDpi xmlns:a14="http://schemas.microsoft.com/office/drawing/2010/main" val="0"/>
+                <a14:useLocalDpi xmlns:a14="http://schemas.microsoft.com/office/drawing/2010/main" xmlns="" val="0"/>
               </a:ext>
             </a:extLst>
           </a:blip>
@@ -26475,14 +26550,14 @@
           </a:ln>
           <a:extLst>
             <a:ext uri="{909E8E84-426E-40DD-AFC4-6F175D3DCCD1}">
-              <a14:hiddenFill xmlns:a14="http://schemas.microsoft.com/office/drawing/2010/main">
+              <a14:hiddenFill xmlns:a14="http://schemas.microsoft.com/office/drawing/2010/main" xmlns="">
                 <a:solidFill>
                   <a:schemeClr val="accent1"/>
                 </a:solidFill>
               </a14:hiddenFill>
             </a:ext>
             <a:ext uri="{91240B29-F687-4F45-9708-019B960494DF}">
-              <a14:hiddenLine xmlns:a14="http://schemas.microsoft.com/office/drawing/2010/main" w="9525">
+              <a14:hiddenLine xmlns:a14="http://schemas.microsoft.com/office/drawing/2010/main" xmlns="" w="9525">
                 <a:solidFill>
                   <a:schemeClr val="tx1"/>
                 </a:solidFill>
@@ -26497,7 +26572,7 @@
     </p:spTree>
     <p:extLst>
       <p:ext uri="{BB962C8B-B14F-4D97-AF65-F5344CB8AC3E}">
-        <p14:creationId xmlns:p14="http://schemas.microsoft.com/office/powerpoint/2010/main" val="3928047803"/>
+        <p14:creationId xmlns:p14="http://schemas.microsoft.com/office/powerpoint/2010/main" xmlns="" val="3928047803"/>
       </p:ext>
     </p:extLst>
   </p:cSld>
@@ -26546,7 +26621,7 @@
             </a:clrChange>
             <a:extLst>
               <a:ext uri="{28A0092B-C50C-407E-A947-70E740481C1C}">
-                <a14:useLocalDpi xmlns:a14="http://schemas.microsoft.com/office/drawing/2010/main" val="0"/>
+                <a14:useLocalDpi xmlns:a14="http://schemas.microsoft.com/office/drawing/2010/main" xmlns="" val="0"/>
               </a:ext>
             </a:extLst>
           </a:blip>
@@ -26569,14 +26644,14 @@
           </a:ln>
           <a:extLst>
             <a:ext uri="{909E8E84-426E-40DD-AFC4-6F175D3DCCD1}">
-              <a14:hiddenFill xmlns:a14="http://schemas.microsoft.com/office/drawing/2010/main">
+              <a14:hiddenFill xmlns:a14="http://schemas.microsoft.com/office/drawing/2010/main" xmlns="">
                 <a:solidFill>
                   <a:schemeClr val="accent1"/>
                 </a:solidFill>
               </a14:hiddenFill>
             </a:ext>
             <a:ext uri="{91240B29-F687-4F45-9708-019B960494DF}">
-              <a14:hiddenLine xmlns:a14="http://schemas.microsoft.com/office/drawing/2010/main" w="9525">
+              <a14:hiddenLine xmlns:a14="http://schemas.microsoft.com/office/drawing/2010/main" xmlns="" w="9525">
                 <a:solidFill>
                   <a:schemeClr val="tx1"/>
                 </a:solidFill>
@@ -26663,7 +26738,7 @@
             </a:clrChange>
             <a:extLst>
               <a:ext uri="{28A0092B-C50C-407E-A947-70E740481C1C}">
-                <a14:useLocalDpi xmlns:a14="http://schemas.microsoft.com/office/drawing/2010/main" val="0"/>
+                <a14:useLocalDpi xmlns:a14="http://schemas.microsoft.com/office/drawing/2010/main" xmlns="" val="0"/>
               </a:ext>
             </a:extLst>
           </a:blip>
@@ -26686,14 +26761,14 @@
           </a:ln>
           <a:extLst>
             <a:ext uri="{909E8E84-426E-40DD-AFC4-6F175D3DCCD1}">
-              <a14:hiddenFill xmlns:a14="http://schemas.microsoft.com/office/drawing/2010/main">
+              <a14:hiddenFill xmlns:a14="http://schemas.microsoft.com/office/drawing/2010/main" xmlns="">
                 <a:solidFill>
                   <a:schemeClr val="accent1"/>
                 </a:solidFill>
               </a14:hiddenFill>
             </a:ext>
             <a:ext uri="{91240B29-F687-4F45-9708-019B960494DF}">
-              <a14:hiddenLine xmlns:a14="http://schemas.microsoft.com/office/drawing/2010/main" w="9525">
+              <a14:hiddenLine xmlns:a14="http://schemas.microsoft.com/office/drawing/2010/main" xmlns="" w="9525">
                 <a:solidFill>
                   <a:schemeClr val="tx1"/>
                 </a:solidFill>
@@ -26770,7 +26845,7 @@
               </a:clrChange>
               <a:extLst>
                 <a:ext uri="{28A0092B-C50C-407E-A947-70E740481C1C}">
-                  <a14:useLocalDpi xmlns:a14="http://schemas.microsoft.com/office/drawing/2010/main" val="0"/>
+                  <a14:useLocalDpi xmlns:a14="http://schemas.microsoft.com/office/drawing/2010/main" xmlns="" val="0"/>
                 </a:ext>
               </a:extLst>
             </a:blip>
@@ -26793,14 +26868,14 @@
             </a:ln>
             <a:extLst>
               <a:ext uri="{909E8E84-426E-40DD-AFC4-6F175D3DCCD1}">
-                <a14:hiddenFill xmlns:a14="http://schemas.microsoft.com/office/drawing/2010/main">
+                <a14:hiddenFill xmlns:a14="http://schemas.microsoft.com/office/drawing/2010/main" xmlns="">
                   <a:solidFill>
                     <a:schemeClr val="accent1"/>
                   </a:solidFill>
                 </a14:hiddenFill>
               </a:ext>
               <a:ext uri="{91240B29-F687-4F45-9708-019B960494DF}">
-                <a14:hiddenLine xmlns:a14="http://schemas.microsoft.com/office/drawing/2010/main" w="9525">
+                <a14:hiddenLine xmlns:a14="http://schemas.microsoft.com/office/drawing/2010/main" xmlns="" w="9525">
                   <a:solidFill>
                     <a:schemeClr val="tx1"/>
                   </a:solidFill>
@@ -26950,7 +27025,7 @@
               </a:clrChange>
               <a:extLst>
                 <a:ext uri="{28A0092B-C50C-407E-A947-70E740481C1C}">
-                  <a14:useLocalDpi xmlns:a14="http://schemas.microsoft.com/office/drawing/2010/main" val="0"/>
+                  <a14:useLocalDpi xmlns:a14="http://schemas.microsoft.com/office/drawing/2010/main" xmlns="" val="0"/>
                 </a:ext>
               </a:extLst>
             </a:blip>
@@ -26973,14 +27048,14 @@
             </a:ln>
             <a:extLst>
               <a:ext uri="{909E8E84-426E-40DD-AFC4-6F175D3DCCD1}">
-                <a14:hiddenFill xmlns:a14="http://schemas.microsoft.com/office/drawing/2010/main">
+                <a14:hiddenFill xmlns:a14="http://schemas.microsoft.com/office/drawing/2010/main" xmlns="">
                   <a:solidFill>
                     <a:schemeClr val="accent1"/>
                   </a:solidFill>
                 </a14:hiddenFill>
               </a:ext>
               <a:ext uri="{91240B29-F687-4F45-9708-019B960494DF}">
-                <a14:hiddenLine xmlns:a14="http://schemas.microsoft.com/office/drawing/2010/main" w="9525">
+                <a14:hiddenLine xmlns:a14="http://schemas.microsoft.com/office/drawing/2010/main" xmlns="" w="9525">
                   <a:solidFill>
                     <a:schemeClr val="tx1"/>
                   </a:solidFill>
@@ -27043,7 +27118,7 @@
     </p:spTree>
     <p:extLst>
       <p:ext uri="{BB962C8B-B14F-4D97-AF65-F5344CB8AC3E}">
-        <p14:creationId xmlns:p14="http://schemas.microsoft.com/office/powerpoint/2010/main" val="448705179"/>
+        <p14:creationId xmlns:p14="http://schemas.microsoft.com/office/powerpoint/2010/main" xmlns="" val="448705179"/>
       </p:ext>
     </p:extLst>
   </p:cSld>
@@ -27130,7 +27205,7 @@
           <p:nvPr>
             <p:extLst>
               <p:ext uri="{D42A27DB-BD31-4B8C-83A1-F6EECF244321}">
-                <p14:modId xmlns:p14="http://schemas.microsoft.com/office/powerpoint/2010/main" val="2970409429"/>
+                <p14:modId xmlns:p14="http://schemas.microsoft.com/office/powerpoint/2010/main" xmlns="" val="2970409429"/>
               </p:ext>
             </p:extLst>
           </p:nvPr>
@@ -27217,7 +27292,7 @@
     </p:spTree>
     <p:extLst>
       <p:ext uri="{BB962C8B-B14F-4D97-AF65-F5344CB8AC3E}">
-        <p14:creationId xmlns:p14="http://schemas.microsoft.com/office/powerpoint/2010/main" val="3522882765"/>
+        <p14:creationId xmlns:p14="http://schemas.microsoft.com/office/powerpoint/2010/main" xmlns="" val="3522882765"/>
       </p:ext>
     </p:extLst>
   </p:cSld>

--- a/pictures.pptx
+++ b/pictures.pptx
@@ -28,6 +28,7 @@
     <p:sldId id="276" r:id="rId22"/>
     <p:sldId id="277" r:id="rId23"/>
     <p:sldId id="278" r:id="rId24"/>
+    <p:sldId id="279" r:id="rId25"/>
   </p:sldIdLst>
   <p:sldSz cx="9144000" cy="6858000" type="screen4x3"/>
   <p:notesSz cx="6858000" cy="9144000"/>
@@ -4056,10 +4057,10 @@
     <dgm:cxn modelId="{275DCCED-1CF8-47A7-B91F-8CAC53BF4272}" type="presOf" srcId="{5D21D8BC-666E-4114-80E6-FA46EFBB1481}" destId="{F879393D-987D-4A4F-9334-D42AB832B066}" srcOrd="0" destOrd="0" presId="urn:microsoft.com/office/officeart/2005/8/layout/chevron1"/>
     <dgm:cxn modelId="{44F816F0-8F9B-4FCC-BC66-8CEB73A0B259}" srcId="{5D21D8BC-666E-4114-80E6-FA46EFBB1481}" destId="{22E627A8-270D-449A-9889-7489D589131E}" srcOrd="1" destOrd="0" parTransId="{5F8071CA-105D-46D2-8F43-FD742F090B0D}" sibTransId="{4D18BCB8-F079-4C81-93C0-0D6AE7277CB1}"/>
     <dgm:cxn modelId="{F096248B-DBD5-44C4-9262-47B37A3486C9}" type="presOf" srcId="{B777BD26-EC81-4478-9E42-1BFF505858F2}" destId="{C62F374F-7C9B-4AD8-A4E0-355BE21DECAD}" srcOrd="0" destOrd="0" presId="urn:microsoft.com/office/officeart/2005/8/layout/chevron1"/>
-    <dgm:cxn modelId="{E7B56E9F-FBA9-47CC-A31A-3639C09881DD}" srcId="{5D21D8BC-666E-4114-80E6-FA46EFBB1481}" destId="{74A560BC-7102-44EB-877C-7E4ECCDE9746}" srcOrd="2" destOrd="0" parTransId="{2E880692-1496-4A21-B250-C67B174AF5EB}" sibTransId="{F3E5B471-7858-41A3-BE7B-1A274593F4CB}"/>
+    <dgm:cxn modelId="{F33B0DB6-20CB-44F7-819B-E3108391589E}" type="presOf" srcId="{22E627A8-270D-449A-9889-7489D589131E}" destId="{5BAAEAA7-D021-43B8-879F-390B2EF9DB92}" srcOrd="0" destOrd="0" presId="urn:microsoft.com/office/officeart/2005/8/layout/chevron1"/>
     <dgm:cxn modelId="{ACFE56FE-85BB-4734-9CEE-F820EA779125}" srcId="{5D21D8BC-666E-4114-80E6-FA46EFBB1481}" destId="{B777BD26-EC81-4478-9E42-1BFF505858F2}" srcOrd="0" destOrd="0" parTransId="{A174C541-9C03-422C-9349-36B0589ADCEC}" sibTransId="{2A43A43A-D58F-4F84-A074-0A4612A5D417}"/>
     <dgm:cxn modelId="{2C03FBD0-A5EE-4978-AD78-DF65A6DFCD23}" type="presOf" srcId="{74A560BC-7102-44EB-877C-7E4ECCDE9746}" destId="{68FBF925-E59F-4056-9E04-C1A849D3EDC9}" srcOrd="0" destOrd="0" presId="urn:microsoft.com/office/officeart/2005/8/layout/chevron1"/>
-    <dgm:cxn modelId="{F33B0DB6-20CB-44F7-819B-E3108391589E}" type="presOf" srcId="{22E627A8-270D-449A-9889-7489D589131E}" destId="{5BAAEAA7-D021-43B8-879F-390B2EF9DB92}" srcOrd="0" destOrd="0" presId="urn:microsoft.com/office/officeart/2005/8/layout/chevron1"/>
+    <dgm:cxn modelId="{E7B56E9F-FBA9-47CC-A31A-3639C09881DD}" srcId="{5D21D8BC-666E-4114-80E6-FA46EFBB1481}" destId="{74A560BC-7102-44EB-877C-7E4ECCDE9746}" srcOrd="2" destOrd="0" parTransId="{2E880692-1496-4A21-B250-C67B174AF5EB}" sibTransId="{F3E5B471-7858-41A3-BE7B-1A274593F4CB}"/>
     <dgm:cxn modelId="{D28DC277-4588-4CED-A3B9-C378A09561F5}" type="presParOf" srcId="{F879393D-987D-4A4F-9334-D42AB832B066}" destId="{C62F374F-7C9B-4AD8-A4E0-355BE21DECAD}" srcOrd="0" destOrd="0" presId="urn:microsoft.com/office/officeart/2005/8/layout/chevron1"/>
     <dgm:cxn modelId="{7AA790E6-6EB5-49C5-96E3-E55D9F51A029}" type="presParOf" srcId="{F879393D-987D-4A4F-9334-D42AB832B066}" destId="{D9D3CDE9-440A-4E0F-9713-36C6DCD423EE}" srcOrd="1" destOrd="0" presId="urn:microsoft.com/office/officeart/2005/8/layout/chevron1"/>
     <dgm:cxn modelId="{92256D3B-D8D0-45EC-AA96-D725095AB19A}" type="presParOf" srcId="{F879393D-987D-4A4F-9334-D42AB832B066}" destId="{5BAAEAA7-D021-43B8-879F-390B2EF9DB92}" srcOrd="2" destOrd="0" presId="urn:microsoft.com/office/officeart/2005/8/layout/chevron1"/>
@@ -4070,7 +4071,7 @@
   <dgm:whole/>
   <dgm:extLst>
     <a:ext uri="http://schemas.microsoft.com/office/drawing/2008/diagram">
-      <dsp:dataModelExt xmlns:dsp="http://schemas.microsoft.com/office/drawing/2008/diagram" xmlns="" relId="rId6" minVer="http://schemas.openxmlformats.org/drawingml/2006/diagram"/>
+      <dsp:dataModelExt xmlns:dsp="http://schemas.microsoft.com/office/drawing/2008/diagram" relId="rId6" minVer="http://schemas.openxmlformats.org/drawingml/2006/diagram"/>
     </a:ext>
   </dgm:extLst>
 </dgm:dataModel>
@@ -4553,21 +4554,21 @@
     </dgm:pt>
   </dgm:ptLst>
   <dgm:cxnLst>
+    <dgm:cxn modelId="{6189A4AA-D7EB-418F-9F2D-C66AC3C01A62}" srcId="{9450D4C9-C4B2-4911-A89A-514780CB9F15}" destId="{C97B20BC-3CBA-411F-AB14-F158490C5BCC}" srcOrd="6" destOrd="0" parTransId="{F7EE3B89-45E3-4220-BAF4-37722295D274}" sibTransId="{484765B2-A338-4F5A-B411-50FEAAE111D8}"/>
+    <dgm:cxn modelId="{C04C286E-F3CB-4F9C-A9D3-E1C714569928}" type="presOf" srcId="{962489C9-99E7-4179-9C22-D64CAB835C31}" destId="{9D68CD03-B1A7-4BEA-B058-FD22B6150897}" srcOrd="0" destOrd="0" presId="urn:microsoft.com/office/officeart/2005/8/layout/chevron1"/>
+    <dgm:cxn modelId="{3472B545-712D-4EE5-A0FD-FCCE69A3F421}" srcId="{9450D4C9-C4B2-4911-A89A-514780CB9F15}" destId="{8A145133-89F4-4E11-BED7-033969110BEF}" srcOrd="4" destOrd="0" parTransId="{06C89CBF-459F-4019-BA59-A67EB395C5B9}" sibTransId="{A211C329-5A6A-4787-B4B1-98439EF8D8DC}"/>
+    <dgm:cxn modelId="{9DF62359-97EF-4CF4-AE53-CD7F768719C7}" srcId="{9450D4C9-C4B2-4911-A89A-514780CB9F15}" destId="{B537E5C6-AC88-45DE-A692-878DAC35B119}" srcOrd="2" destOrd="0" parTransId="{21C1899A-364B-44E7-8777-92B33ED6457F}" sibTransId="{DE041BA8-1086-4C93-A56B-5A6A7F7943AB}"/>
+    <dgm:cxn modelId="{09C829B3-9421-472C-992B-F9C6C7EA8079}" srcId="{9450D4C9-C4B2-4911-A89A-514780CB9F15}" destId="{962489C9-99E7-4179-9C22-D64CAB835C31}" srcOrd="3" destOrd="0" parTransId="{44042CD2-4D4B-4F8B-847E-88E42BCD2928}" sibTransId="{4A484662-FBA7-4F43-BE10-51AB84EA0D6F}"/>
+    <dgm:cxn modelId="{7000B5C2-4F63-48D2-B345-7AAD7E3D400A}" type="presOf" srcId="{C97B20BC-3CBA-411F-AB14-F158490C5BCC}" destId="{5D5D5C88-985A-485D-991E-57409E5BC77A}" srcOrd="0" destOrd="0" presId="urn:microsoft.com/office/officeart/2005/8/layout/chevron1"/>
+    <dgm:cxn modelId="{7301DC52-2307-4D26-BB4E-D7886F63C24A}" type="presOf" srcId="{868111AE-E299-4D01-BF58-8129A9506C06}" destId="{771B5359-AC59-491F-AE7E-C91287E4A360}" srcOrd="0" destOrd="0" presId="urn:microsoft.com/office/officeart/2005/8/layout/chevron1"/>
+    <dgm:cxn modelId="{C378ED72-E206-4B76-B23C-B3B4B3340B73}" srcId="{9450D4C9-C4B2-4911-A89A-514780CB9F15}" destId="{CF478C61-00AD-4194-8D4F-7DB2AE098B5C}" srcOrd="5" destOrd="0" parTransId="{2EC35964-DAF3-4C89-B364-499868C294A8}" sibTransId="{58567C9B-A274-4468-A0E3-EA814A581623}"/>
+    <dgm:cxn modelId="{482379BC-5645-4FD0-878F-8EC4CDA2EED3}" type="presOf" srcId="{CF478C61-00AD-4194-8D4F-7DB2AE098B5C}" destId="{1214DDDF-E3A3-4EB3-BFBD-CAE78864CA50}" srcOrd="0" destOrd="0" presId="urn:microsoft.com/office/officeart/2005/8/layout/chevron1"/>
     <dgm:cxn modelId="{0634C07E-9B92-4862-AE73-669FB447C23A}" type="presOf" srcId="{B537E5C6-AC88-45DE-A692-878DAC35B119}" destId="{5535CA09-926A-457A-A4B7-21390F15F94F}" srcOrd="0" destOrd="0" presId="urn:microsoft.com/office/officeart/2005/8/layout/chevron1"/>
-    <dgm:cxn modelId="{6189A4AA-D7EB-418F-9F2D-C66AC3C01A62}" srcId="{9450D4C9-C4B2-4911-A89A-514780CB9F15}" destId="{C97B20BC-3CBA-411F-AB14-F158490C5BCC}" srcOrd="6" destOrd="0" parTransId="{F7EE3B89-45E3-4220-BAF4-37722295D274}" sibTransId="{484765B2-A338-4F5A-B411-50FEAAE111D8}"/>
-    <dgm:cxn modelId="{3472B545-712D-4EE5-A0FD-FCCE69A3F421}" srcId="{9450D4C9-C4B2-4911-A89A-514780CB9F15}" destId="{8A145133-89F4-4E11-BED7-033969110BEF}" srcOrd="4" destOrd="0" parTransId="{06C89CBF-459F-4019-BA59-A67EB395C5B9}" sibTransId="{A211C329-5A6A-4787-B4B1-98439EF8D8DC}"/>
-    <dgm:cxn modelId="{C378ED72-E206-4B76-B23C-B3B4B3340B73}" srcId="{9450D4C9-C4B2-4911-A89A-514780CB9F15}" destId="{CF478C61-00AD-4194-8D4F-7DB2AE098B5C}" srcOrd="5" destOrd="0" parTransId="{2EC35964-DAF3-4C89-B364-499868C294A8}" sibTransId="{58567C9B-A274-4468-A0E3-EA814A581623}"/>
+    <dgm:cxn modelId="{57BA3C68-BC2F-4757-8247-D0ABECA113C8}" type="presOf" srcId="{8A145133-89F4-4E11-BED7-033969110BEF}" destId="{47EC26A5-DB58-47F3-B21F-7ECE3520D744}" srcOrd="0" destOrd="0" presId="urn:microsoft.com/office/officeart/2005/8/layout/chevron1"/>
     <dgm:cxn modelId="{B22E7FC3-8354-4071-9729-712A64B6BD46}" type="presOf" srcId="{9450D4C9-C4B2-4911-A89A-514780CB9F15}" destId="{460ED21A-C4DB-432F-A891-283E6D30FEEE}" srcOrd="0" destOrd="0" presId="urn:microsoft.com/office/officeart/2005/8/layout/chevron1"/>
+    <dgm:cxn modelId="{863F3A18-B337-4D3B-86F0-8953E07EAC44}" srcId="{9450D4C9-C4B2-4911-A89A-514780CB9F15}" destId="{868111AE-E299-4D01-BF58-8129A9506C06}" srcOrd="1" destOrd="0" parTransId="{C75652AF-634A-420D-9D96-F9B77B193B68}" sibTransId="{44CBE08D-1567-41F1-8953-1BAC21412B7A}"/>
     <dgm:cxn modelId="{5F875D11-DB50-43F9-BDF2-78334F8D7E58}" srcId="{9450D4C9-C4B2-4911-A89A-514780CB9F15}" destId="{64331C73-F894-4973-9E15-1A620C348097}" srcOrd="0" destOrd="0" parTransId="{77CFB40D-6F23-4B24-A619-E0E618CEB0D8}" sibTransId="{FFC0C0DB-5B55-4194-A6BD-4ACC55D2B470}"/>
-    <dgm:cxn modelId="{482379BC-5645-4FD0-878F-8EC4CDA2EED3}" type="presOf" srcId="{CF478C61-00AD-4194-8D4F-7DB2AE098B5C}" destId="{1214DDDF-E3A3-4EB3-BFBD-CAE78864CA50}" srcOrd="0" destOrd="0" presId="urn:microsoft.com/office/officeart/2005/8/layout/chevron1"/>
-    <dgm:cxn modelId="{7000B5C2-4F63-48D2-B345-7AAD7E3D400A}" type="presOf" srcId="{C97B20BC-3CBA-411F-AB14-F158490C5BCC}" destId="{5D5D5C88-985A-485D-991E-57409E5BC77A}" srcOrd="0" destOrd="0" presId="urn:microsoft.com/office/officeart/2005/8/layout/chevron1"/>
     <dgm:cxn modelId="{DCDA388B-27FF-47A0-B71D-9F49880F0540}" type="presOf" srcId="{64331C73-F894-4973-9E15-1A620C348097}" destId="{09A00682-3313-476D-9195-849AA0621560}" srcOrd="0" destOrd="0" presId="urn:microsoft.com/office/officeart/2005/8/layout/chevron1"/>
-    <dgm:cxn modelId="{863F3A18-B337-4D3B-86F0-8953E07EAC44}" srcId="{9450D4C9-C4B2-4911-A89A-514780CB9F15}" destId="{868111AE-E299-4D01-BF58-8129A9506C06}" srcOrd="1" destOrd="0" parTransId="{C75652AF-634A-420D-9D96-F9B77B193B68}" sibTransId="{44CBE08D-1567-41F1-8953-1BAC21412B7A}"/>
-    <dgm:cxn modelId="{09C829B3-9421-472C-992B-F9C6C7EA8079}" srcId="{9450D4C9-C4B2-4911-A89A-514780CB9F15}" destId="{962489C9-99E7-4179-9C22-D64CAB835C31}" srcOrd="3" destOrd="0" parTransId="{44042CD2-4D4B-4F8B-847E-88E42BCD2928}" sibTransId="{4A484662-FBA7-4F43-BE10-51AB84EA0D6F}"/>
-    <dgm:cxn modelId="{C04C286E-F3CB-4F9C-A9D3-E1C714569928}" type="presOf" srcId="{962489C9-99E7-4179-9C22-D64CAB835C31}" destId="{9D68CD03-B1A7-4BEA-B058-FD22B6150897}" srcOrd="0" destOrd="0" presId="urn:microsoft.com/office/officeart/2005/8/layout/chevron1"/>
-    <dgm:cxn modelId="{57BA3C68-BC2F-4757-8247-D0ABECA113C8}" type="presOf" srcId="{8A145133-89F4-4E11-BED7-033969110BEF}" destId="{47EC26A5-DB58-47F3-B21F-7ECE3520D744}" srcOrd="0" destOrd="0" presId="urn:microsoft.com/office/officeart/2005/8/layout/chevron1"/>
-    <dgm:cxn modelId="{9DF62359-97EF-4CF4-AE53-CD7F768719C7}" srcId="{9450D4C9-C4B2-4911-A89A-514780CB9F15}" destId="{B537E5C6-AC88-45DE-A692-878DAC35B119}" srcOrd="2" destOrd="0" parTransId="{21C1899A-364B-44E7-8777-92B33ED6457F}" sibTransId="{DE041BA8-1086-4C93-A56B-5A6A7F7943AB}"/>
-    <dgm:cxn modelId="{7301DC52-2307-4D26-BB4E-D7886F63C24A}" type="presOf" srcId="{868111AE-E299-4D01-BF58-8129A9506C06}" destId="{771B5359-AC59-491F-AE7E-C91287E4A360}" srcOrd="0" destOrd="0" presId="urn:microsoft.com/office/officeart/2005/8/layout/chevron1"/>
     <dgm:cxn modelId="{1F1AC9A6-1863-4DF6-8A35-A9EC6BD71052}" type="presParOf" srcId="{460ED21A-C4DB-432F-A891-283E6D30FEEE}" destId="{09A00682-3313-476D-9195-849AA0621560}" srcOrd="0" destOrd="0" presId="urn:microsoft.com/office/officeart/2005/8/layout/chevron1"/>
     <dgm:cxn modelId="{2F60A8DF-413C-41EB-8BDD-E90ED6C35836}" type="presParOf" srcId="{460ED21A-C4DB-432F-A891-283E6D30FEEE}" destId="{99E3799A-A836-4FE8-B104-89D1C921FE24}" srcOrd="1" destOrd="0" presId="urn:microsoft.com/office/officeart/2005/8/layout/chevron1"/>
     <dgm:cxn modelId="{118B86F9-54D1-46F1-92FC-BA458827B6E9}" type="presParOf" srcId="{460ED21A-C4DB-432F-A891-283E6D30FEEE}" destId="{771B5359-AC59-491F-AE7E-C91287E4A360}" srcOrd="2" destOrd="0" presId="urn:microsoft.com/office/officeart/2005/8/layout/chevron1"/>
@@ -4586,7 +4587,7 @@
   <dgm:whole/>
   <dgm:extLst>
     <a:ext uri="http://schemas.microsoft.com/office/drawing/2008/diagram">
-      <dsp:dataModelExt xmlns:dsp="http://schemas.microsoft.com/office/drawing/2008/diagram" xmlns="" relId="rId6" minVer="http://schemas.openxmlformats.org/drawingml/2006/diagram"/>
+      <dsp:dataModelExt xmlns:dsp="http://schemas.microsoft.com/office/drawing/2008/diagram" relId="rId6" minVer="http://schemas.openxmlformats.org/drawingml/2006/diagram"/>
     </a:ext>
   </dgm:extLst>
 </dgm:dataModel>
@@ -5069,21 +5070,21 @@
     </dgm:pt>
   </dgm:ptLst>
   <dgm:cxnLst>
+    <dgm:cxn modelId="{6189A4AA-D7EB-418F-9F2D-C66AC3C01A62}" srcId="{9450D4C9-C4B2-4911-A89A-514780CB9F15}" destId="{C97B20BC-3CBA-411F-AB14-F158490C5BCC}" srcOrd="6" destOrd="0" parTransId="{F7EE3B89-45E3-4220-BAF4-37722295D274}" sibTransId="{484765B2-A338-4F5A-B411-50FEAAE111D8}"/>
+    <dgm:cxn modelId="{3472B545-712D-4EE5-A0FD-FCCE69A3F421}" srcId="{9450D4C9-C4B2-4911-A89A-514780CB9F15}" destId="{8A145133-89F4-4E11-BED7-033969110BEF}" srcOrd="4" destOrd="0" parTransId="{06C89CBF-459F-4019-BA59-A67EB395C5B9}" sibTransId="{A211C329-5A6A-4787-B4B1-98439EF8D8DC}"/>
     <dgm:cxn modelId="{9DF62359-97EF-4CF4-AE53-CD7F768719C7}" srcId="{9450D4C9-C4B2-4911-A89A-514780CB9F15}" destId="{B537E5C6-AC88-45DE-A692-878DAC35B119}" srcOrd="2" destOrd="0" parTransId="{21C1899A-364B-44E7-8777-92B33ED6457F}" sibTransId="{DE041BA8-1086-4C93-A56B-5A6A7F7943AB}"/>
+    <dgm:cxn modelId="{926CA9DC-DF6F-4A9D-9612-83D48BE5EA1C}" type="presOf" srcId="{64331C73-F894-4973-9E15-1A620C348097}" destId="{09A00682-3313-476D-9195-849AA0621560}" srcOrd="0" destOrd="0" presId="urn:microsoft.com/office/officeart/2005/8/layout/chevron1"/>
+    <dgm:cxn modelId="{09C829B3-9421-472C-992B-F9C6C7EA8079}" srcId="{9450D4C9-C4B2-4911-A89A-514780CB9F15}" destId="{962489C9-99E7-4179-9C22-D64CAB835C31}" srcOrd="3" destOrd="0" parTransId="{44042CD2-4D4B-4F8B-847E-88E42BCD2928}" sibTransId="{4A484662-FBA7-4F43-BE10-51AB84EA0D6F}"/>
+    <dgm:cxn modelId="{639D5D99-9E2A-4A71-BD4D-065403E54717}" type="presOf" srcId="{B537E5C6-AC88-45DE-A692-878DAC35B119}" destId="{5535CA09-926A-457A-A4B7-21390F15F94F}" srcOrd="0" destOrd="0" presId="urn:microsoft.com/office/officeart/2005/8/layout/chevron1"/>
+    <dgm:cxn modelId="{1C1DB8ED-0C78-4531-81AD-594F179D4A4A}" type="presOf" srcId="{8A145133-89F4-4E11-BED7-033969110BEF}" destId="{47EC26A5-DB58-47F3-B21F-7ECE3520D744}" srcOrd="0" destOrd="0" presId="urn:microsoft.com/office/officeart/2005/8/layout/chevron1"/>
+    <dgm:cxn modelId="{7668A89A-29E8-4E15-83A2-61AF98F853AA}" type="presOf" srcId="{868111AE-E299-4D01-BF58-8129A9506C06}" destId="{771B5359-AC59-491F-AE7E-C91287E4A360}" srcOrd="0" destOrd="0" presId="urn:microsoft.com/office/officeart/2005/8/layout/chevron1"/>
+    <dgm:cxn modelId="{C378ED72-E206-4B76-B23C-B3B4B3340B73}" srcId="{9450D4C9-C4B2-4911-A89A-514780CB9F15}" destId="{CF478C61-00AD-4194-8D4F-7DB2AE098B5C}" srcOrd="5" destOrd="0" parTransId="{2EC35964-DAF3-4C89-B364-499868C294A8}" sibTransId="{58567C9B-A274-4468-A0E3-EA814A581623}"/>
+    <dgm:cxn modelId="{77A0D87E-0458-4AB3-8FE4-5731CF46972A}" type="presOf" srcId="{C97B20BC-3CBA-411F-AB14-F158490C5BCC}" destId="{5D5D5C88-985A-485D-991E-57409E5BC77A}" srcOrd="0" destOrd="0" presId="urn:microsoft.com/office/officeart/2005/8/layout/chevron1"/>
+    <dgm:cxn modelId="{863F3A18-B337-4D3B-86F0-8953E07EAC44}" srcId="{9450D4C9-C4B2-4911-A89A-514780CB9F15}" destId="{868111AE-E299-4D01-BF58-8129A9506C06}" srcOrd="1" destOrd="0" parTransId="{C75652AF-634A-420D-9D96-F9B77B193B68}" sibTransId="{44CBE08D-1567-41F1-8953-1BAC21412B7A}"/>
+    <dgm:cxn modelId="{B3F5CCFA-FE39-4B4E-9CFC-BD7D8A83E842}" type="presOf" srcId="{CF478C61-00AD-4194-8D4F-7DB2AE098B5C}" destId="{1214DDDF-E3A3-4EB3-BFBD-CAE78864CA50}" srcOrd="0" destOrd="0" presId="urn:microsoft.com/office/officeart/2005/8/layout/chevron1"/>
+    <dgm:cxn modelId="{4F2130A0-1415-4348-8853-90D1F7780598}" type="presOf" srcId="{962489C9-99E7-4179-9C22-D64CAB835C31}" destId="{9D68CD03-B1A7-4BEA-B058-FD22B6150897}" srcOrd="0" destOrd="0" presId="urn:microsoft.com/office/officeart/2005/8/layout/chevron1"/>
+    <dgm:cxn modelId="{A4A6F842-F938-4989-939A-E610F0BEDC3D}" type="presOf" srcId="{9450D4C9-C4B2-4911-A89A-514780CB9F15}" destId="{460ED21A-C4DB-432F-A891-283E6D30FEEE}" srcOrd="0" destOrd="0" presId="urn:microsoft.com/office/officeart/2005/8/layout/chevron1"/>
     <dgm:cxn modelId="{5F875D11-DB50-43F9-BDF2-78334F8D7E58}" srcId="{9450D4C9-C4B2-4911-A89A-514780CB9F15}" destId="{64331C73-F894-4973-9E15-1A620C348097}" srcOrd="0" destOrd="0" parTransId="{77CFB40D-6F23-4B24-A619-E0E618CEB0D8}" sibTransId="{FFC0C0DB-5B55-4194-A6BD-4ACC55D2B470}"/>
-    <dgm:cxn modelId="{926CA9DC-DF6F-4A9D-9612-83D48BE5EA1C}" type="presOf" srcId="{64331C73-F894-4973-9E15-1A620C348097}" destId="{09A00682-3313-476D-9195-849AA0621560}" srcOrd="0" destOrd="0" presId="urn:microsoft.com/office/officeart/2005/8/layout/chevron1"/>
-    <dgm:cxn modelId="{3472B545-712D-4EE5-A0FD-FCCE69A3F421}" srcId="{9450D4C9-C4B2-4911-A89A-514780CB9F15}" destId="{8A145133-89F4-4E11-BED7-033969110BEF}" srcOrd="4" destOrd="0" parTransId="{06C89CBF-459F-4019-BA59-A67EB395C5B9}" sibTransId="{A211C329-5A6A-4787-B4B1-98439EF8D8DC}"/>
-    <dgm:cxn modelId="{6189A4AA-D7EB-418F-9F2D-C66AC3C01A62}" srcId="{9450D4C9-C4B2-4911-A89A-514780CB9F15}" destId="{C97B20BC-3CBA-411F-AB14-F158490C5BCC}" srcOrd="6" destOrd="0" parTransId="{F7EE3B89-45E3-4220-BAF4-37722295D274}" sibTransId="{484765B2-A338-4F5A-B411-50FEAAE111D8}"/>
-    <dgm:cxn modelId="{639D5D99-9E2A-4A71-BD4D-065403E54717}" type="presOf" srcId="{B537E5C6-AC88-45DE-A692-878DAC35B119}" destId="{5535CA09-926A-457A-A4B7-21390F15F94F}" srcOrd="0" destOrd="0" presId="urn:microsoft.com/office/officeart/2005/8/layout/chevron1"/>
-    <dgm:cxn modelId="{B3F5CCFA-FE39-4B4E-9CFC-BD7D8A83E842}" type="presOf" srcId="{CF478C61-00AD-4194-8D4F-7DB2AE098B5C}" destId="{1214DDDF-E3A3-4EB3-BFBD-CAE78864CA50}" srcOrd="0" destOrd="0" presId="urn:microsoft.com/office/officeart/2005/8/layout/chevron1"/>
-    <dgm:cxn modelId="{1C1DB8ED-0C78-4531-81AD-594F179D4A4A}" type="presOf" srcId="{8A145133-89F4-4E11-BED7-033969110BEF}" destId="{47EC26A5-DB58-47F3-B21F-7ECE3520D744}" srcOrd="0" destOrd="0" presId="urn:microsoft.com/office/officeart/2005/8/layout/chevron1"/>
-    <dgm:cxn modelId="{863F3A18-B337-4D3B-86F0-8953E07EAC44}" srcId="{9450D4C9-C4B2-4911-A89A-514780CB9F15}" destId="{868111AE-E299-4D01-BF58-8129A9506C06}" srcOrd="1" destOrd="0" parTransId="{C75652AF-634A-420D-9D96-F9B77B193B68}" sibTransId="{44CBE08D-1567-41F1-8953-1BAC21412B7A}"/>
-    <dgm:cxn modelId="{A4A6F842-F938-4989-939A-E610F0BEDC3D}" type="presOf" srcId="{9450D4C9-C4B2-4911-A89A-514780CB9F15}" destId="{460ED21A-C4DB-432F-A891-283E6D30FEEE}" srcOrd="0" destOrd="0" presId="urn:microsoft.com/office/officeart/2005/8/layout/chevron1"/>
-    <dgm:cxn modelId="{C378ED72-E206-4B76-B23C-B3B4B3340B73}" srcId="{9450D4C9-C4B2-4911-A89A-514780CB9F15}" destId="{CF478C61-00AD-4194-8D4F-7DB2AE098B5C}" srcOrd="5" destOrd="0" parTransId="{2EC35964-DAF3-4C89-B364-499868C294A8}" sibTransId="{58567C9B-A274-4468-A0E3-EA814A581623}"/>
-    <dgm:cxn modelId="{7668A89A-29E8-4E15-83A2-61AF98F853AA}" type="presOf" srcId="{868111AE-E299-4D01-BF58-8129A9506C06}" destId="{771B5359-AC59-491F-AE7E-C91287E4A360}" srcOrd="0" destOrd="0" presId="urn:microsoft.com/office/officeart/2005/8/layout/chevron1"/>
-    <dgm:cxn modelId="{4F2130A0-1415-4348-8853-90D1F7780598}" type="presOf" srcId="{962489C9-99E7-4179-9C22-D64CAB835C31}" destId="{9D68CD03-B1A7-4BEA-B058-FD22B6150897}" srcOrd="0" destOrd="0" presId="urn:microsoft.com/office/officeart/2005/8/layout/chevron1"/>
-    <dgm:cxn modelId="{09C829B3-9421-472C-992B-F9C6C7EA8079}" srcId="{9450D4C9-C4B2-4911-A89A-514780CB9F15}" destId="{962489C9-99E7-4179-9C22-D64CAB835C31}" srcOrd="3" destOrd="0" parTransId="{44042CD2-4D4B-4F8B-847E-88E42BCD2928}" sibTransId="{4A484662-FBA7-4F43-BE10-51AB84EA0D6F}"/>
-    <dgm:cxn modelId="{77A0D87E-0458-4AB3-8FE4-5731CF46972A}" type="presOf" srcId="{C97B20BC-3CBA-411F-AB14-F158490C5BCC}" destId="{5D5D5C88-985A-485D-991E-57409E5BC77A}" srcOrd="0" destOrd="0" presId="urn:microsoft.com/office/officeart/2005/8/layout/chevron1"/>
     <dgm:cxn modelId="{98901DD5-2768-4888-AE47-AD4093D629AA}" type="presParOf" srcId="{460ED21A-C4DB-432F-A891-283E6D30FEEE}" destId="{09A00682-3313-476D-9195-849AA0621560}" srcOrd="0" destOrd="0" presId="urn:microsoft.com/office/officeart/2005/8/layout/chevron1"/>
     <dgm:cxn modelId="{793183C6-7351-48F1-81BD-406C0C7251A1}" type="presParOf" srcId="{460ED21A-C4DB-432F-A891-283E6D30FEEE}" destId="{99E3799A-A836-4FE8-B104-89D1C921FE24}" srcOrd="1" destOrd="0" presId="urn:microsoft.com/office/officeart/2005/8/layout/chevron1"/>
     <dgm:cxn modelId="{0B271C2D-988A-408B-94F8-D7ABC20F8653}" type="presParOf" srcId="{460ED21A-C4DB-432F-A891-283E6D30FEEE}" destId="{771B5359-AC59-491F-AE7E-C91287E4A360}" srcOrd="2" destOrd="0" presId="urn:microsoft.com/office/officeart/2005/8/layout/chevron1"/>
@@ -5102,7 +5103,7 @@
   <dgm:whole/>
   <dgm:extLst>
     <a:ext uri="http://schemas.microsoft.com/office/drawing/2008/diagram">
-      <dsp:dataModelExt xmlns:dsp="http://schemas.microsoft.com/office/drawing/2008/diagram" xmlns="" relId="rId6" minVer="http://schemas.openxmlformats.org/drawingml/2006/diagram"/>
+      <dsp:dataModelExt xmlns:dsp="http://schemas.microsoft.com/office/drawing/2008/diagram" relId="rId6" minVer="http://schemas.openxmlformats.org/drawingml/2006/diagram"/>
     </a:ext>
   </dgm:extLst>
 </dgm:dataModel>
@@ -5448,14 +5449,14 @@
     </dgm:pt>
   </dgm:ptLst>
   <dgm:cxnLst>
-    <dgm:cxn modelId="{DCEFC734-5258-4187-81E2-2DA3C3A0600D}" srcId="{EDE96FF5-1D6F-40D9-BAA4-5F216284EA68}" destId="{D3416637-C472-49E7-8A77-42EA7EE4FB2D}" srcOrd="0" destOrd="0" parTransId="{3FF84238-6296-41FA-AC31-BE8D99191283}" sibTransId="{C2F2F837-7292-499A-9363-26D4909D7F7A}"/>
     <dgm:cxn modelId="{D29B2DFD-6448-43ED-AD6F-A88D3997D5AD}" type="presOf" srcId="{EDE96FF5-1D6F-40D9-BAA4-5F216284EA68}" destId="{633A4F81-F993-47EB-820A-B68DB3A5390E}" srcOrd="0" destOrd="0" presId="urn:microsoft.com/office/officeart/2005/8/layout/hierarchy1"/>
     <dgm:cxn modelId="{25D7E370-8D92-4E2B-B024-D053047D8CE2}" srcId="{EDE96FF5-1D6F-40D9-BAA4-5F216284EA68}" destId="{B3EDA70C-121E-4511-8433-9E3CEA3A1041}" srcOrd="1" destOrd="0" parTransId="{3203F13A-12BF-4556-A522-A41B0A00850D}" sibTransId="{0EFF336F-BB38-4F04-9D43-D16852737E47}"/>
     <dgm:cxn modelId="{E470C9C2-04B1-4DBA-BDD8-DA9E788EC044}" type="presOf" srcId="{E599E731-E7DC-479C-8CF1-D6244889523C}" destId="{D95F9AD9-2B6E-4F59-B64C-5D4FC2E366CE}" srcOrd="0" destOrd="0" presId="urn:microsoft.com/office/officeart/2005/8/layout/hierarchy1"/>
+    <dgm:cxn modelId="{DCEFC734-5258-4187-81E2-2DA3C3A0600D}" srcId="{EDE96FF5-1D6F-40D9-BAA4-5F216284EA68}" destId="{D3416637-C472-49E7-8A77-42EA7EE4FB2D}" srcOrd="0" destOrd="0" parTransId="{3FF84238-6296-41FA-AC31-BE8D99191283}" sibTransId="{C2F2F837-7292-499A-9363-26D4909D7F7A}"/>
+    <dgm:cxn modelId="{AA02A161-9E71-4263-A901-09BFD558970D}" type="presOf" srcId="{D3416637-C472-49E7-8A77-42EA7EE4FB2D}" destId="{2CA332BF-C7D5-44C4-86AB-C5F8609888C3}" srcOrd="0" destOrd="0" presId="urn:microsoft.com/office/officeart/2005/8/layout/hierarchy1"/>
+    <dgm:cxn modelId="{01FB11D6-684D-4E49-B5B0-EAFE14330F37}" srcId="{E599E731-E7DC-479C-8CF1-D6244889523C}" destId="{EDE96FF5-1D6F-40D9-BAA4-5F216284EA68}" srcOrd="0" destOrd="0" parTransId="{0321C310-AEF3-46E8-B8A4-6C11DB864603}" sibTransId="{D4600DEE-2AE6-474A-83CF-788E07829090}"/>
     <dgm:cxn modelId="{FBEA6683-523A-4555-AC76-8EA8246433E8}" type="presOf" srcId="{B3EDA70C-121E-4511-8433-9E3CEA3A1041}" destId="{62F573A8-C98B-4300-903C-ACC41DE49811}" srcOrd="0" destOrd="0" presId="urn:microsoft.com/office/officeart/2005/8/layout/hierarchy1"/>
     <dgm:cxn modelId="{B4B656B2-B9F5-4518-B1FC-D6049C1794CC}" type="presOf" srcId="{3203F13A-12BF-4556-A522-A41B0A00850D}" destId="{82B6CC98-E7D5-4D4E-ACD9-D9D53E7526DB}" srcOrd="0" destOrd="0" presId="urn:microsoft.com/office/officeart/2005/8/layout/hierarchy1"/>
-    <dgm:cxn modelId="{AA02A161-9E71-4263-A901-09BFD558970D}" type="presOf" srcId="{D3416637-C472-49E7-8A77-42EA7EE4FB2D}" destId="{2CA332BF-C7D5-44C4-86AB-C5F8609888C3}" srcOrd="0" destOrd="0" presId="urn:microsoft.com/office/officeart/2005/8/layout/hierarchy1"/>
-    <dgm:cxn modelId="{01FB11D6-684D-4E49-B5B0-EAFE14330F37}" srcId="{E599E731-E7DC-479C-8CF1-D6244889523C}" destId="{EDE96FF5-1D6F-40D9-BAA4-5F216284EA68}" srcOrd="0" destOrd="0" parTransId="{0321C310-AEF3-46E8-B8A4-6C11DB864603}" sibTransId="{D4600DEE-2AE6-474A-83CF-788E07829090}"/>
     <dgm:cxn modelId="{61E18A5C-F5D9-4D94-9A8A-644F91246958}" type="presOf" srcId="{3FF84238-6296-41FA-AC31-BE8D99191283}" destId="{3B4976F8-1C91-4B4A-AF74-A6A32D597C6F}" srcOrd="0" destOrd="0" presId="urn:microsoft.com/office/officeart/2005/8/layout/hierarchy1"/>
     <dgm:cxn modelId="{0C7A26C2-1BBB-4A9B-BAED-D8019201ABB6}" type="presParOf" srcId="{D95F9AD9-2B6E-4F59-B64C-5D4FC2E366CE}" destId="{CF8D7650-8692-446B-80AA-1D837010E69E}" srcOrd="0" destOrd="0" presId="urn:microsoft.com/office/officeart/2005/8/layout/hierarchy1"/>
     <dgm:cxn modelId="{34B243D6-3D1A-4412-9071-43C8F5F42BCD}" type="presParOf" srcId="{CF8D7650-8692-446B-80AA-1D837010E69E}" destId="{5C537912-794E-42DA-8968-3ADE7773EE31}" srcOrd="0" destOrd="0" presId="urn:microsoft.com/office/officeart/2005/8/layout/hierarchy1"/>
@@ -5479,7 +5480,7 @@
   <dgm:whole/>
   <dgm:extLst>
     <a:ext uri="http://schemas.microsoft.com/office/drawing/2008/diagram">
-      <dsp:dataModelExt xmlns:dsp="http://schemas.microsoft.com/office/drawing/2008/diagram" xmlns="" relId="rId6" minVer="http://schemas.openxmlformats.org/drawingml/2006/diagram"/>
+      <dsp:dataModelExt xmlns:dsp="http://schemas.microsoft.com/office/drawing/2008/diagram" relId="rId6" minVer="http://schemas.openxmlformats.org/drawingml/2006/diagram"/>
     </a:ext>
   </dgm:extLst>
 </dgm:dataModel>
@@ -6069,27 +6070,27 @@
     </dgm:pt>
   </dgm:ptLst>
   <dgm:cxnLst>
-    <dgm:cxn modelId="{7952A79E-9A23-4A9A-BE2E-18CB79CFAA62}" srcId="{E355DCEE-CFED-4B4E-95C1-C3ED3918F3D3}" destId="{6509BC69-7715-4AE9-8545-833A23F1F7D0}" srcOrd="0" destOrd="0" parTransId="{BD130280-A84B-4826-90BB-E35618FA7329}" sibTransId="{08030457-AA43-4093-AB35-36508039FC04}"/>
+    <dgm:cxn modelId="{1E232702-92AF-4E01-AF65-5B01B06BC5F9}" type="presOf" srcId="{BE3C59D4-0C3A-4CE8-8412-0142FC9112E5}" destId="{35FDEEF8-A771-4D6A-821D-5DD0765F4E3F}" srcOrd="0" destOrd="0" presId="urn:microsoft.com/office/officeart/2005/8/layout/hierarchy1"/>
+    <dgm:cxn modelId="{9AA3F2B4-85D7-4E67-A53B-D83B94482039}" type="presOf" srcId="{091F882E-0915-4AFC-AFCD-B1181E37E14D}" destId="{E753A8D8-B50F-42C4-B0CE-D216BE908656}" srcOrd="0" destOrd="0" presId="urn:microsoft.com/office/officeart/2005/8/layout/hierarchy1"/>
     <dgm:cxn modelId="{29A742B8-1028-4B3A-86FA-1F7740909746}" type="presOf" srcId="{6621E396-22BB-4BAA-86D9-A1D5854857CA}" destId="{7E592DA7-86CE-4FE6-B528-72BCA053EDAC}" srcOrd="0" destOrd="0" presId="urn:microsoft.com/office/officeart/2005/8/layout/hierarchy1"/>
-    <dgm:cxn modelId="{06343924-9343-490C-8185-42B81C07BFD5}" type="presOf" srcId="{9C1EE866-C214-4A82-9547-61A5AA867C03}" destId="{35177D51-DA6B-4B74-8542-DDCB57DE5FAE}" srcOrd="0" destOrd="0" presId="urn:microsoft.com/office/officeart/2005/8/layout/hierarchy1"/>
+    <dgm:cxn modelId="{1481D2D9-EBDC-4E7C-ACB9-80B1F694C79C}" type="presOf" srcId="{E355DCEE-CFED-4B4E-95C1-C3ED3918F3D3}" destId="{C62030B6-9838-4D35-81EF-6AE86E8FD0B7}" srcOrd="0" destOrd="0" presId="urn:microsoft.com/office/officeart/2005/8/layout/hierarchy1"/>
+    <dgm:cxn modelId="{A5E4A230-47AD-4CCE-B63D-290746125B89}" srcId="{64341ED1-133E-4A5F-B2CA-B7839122E5E1}" destId="{E355DCEE-CFED-4B4E-95C1-C3ED3918F3D3}" srcOrd="2" destOrd="0" parTransId="{7343F464-1509-45F9-836B-82E0B529AC39}" sibTransId="{078DB322-C08D-4312-8C12-D8384FE5D6EB}"/>
+    <dgm:cxn modelId="{EAAC68D4-7227-400B-9B95-0206ABD7B679}" type="presOf" srcId="{7343F464-1509-45F9-836B-82E0B529AC39}" destId="{ECDC51A7-6312-4B5B-9113-87639623B933}" srcOrd="0" destOrd="0" presId="urn:microsoft.com/office/officeart/2005/8/layout/hierarchy1"/>
+    <dgm:cxn modelId="{869C7012-692A-402E-BF92-F79C2A072C8A}" type="presOf" srcId="{B426D3DF-981A-4ACA-BDCD-74F52BC54F36}" destId="{B20123EC-DD70-4002-B34F-72383B5AD1D0}" srcOrd="0" destOrd="0" presId="urn:microsoft.com/office/officeart/2005/8/layout/hierarchy1"/>
+    <dgm:cxn modelId="{FF4E295E-7BB3-4B76-B185-4F0106A708BA}" srcId="{6621E396-22BB-4BAA-86D9-A1D5854857CA}" destId="{64341ED1-133E-4A5F-B2CA-B7839122E5E1}" srcOrd="0" destOrd="0" parTransId="{9D095FE8-8213-4B2B-8FC7-77FFB4BB1B88}" sibTransId="{6B23510D-A384-4590-9F26-464C17EB856C}"/>
     <dgm:cxn modelId="{7622F0F6-314F-4E6B-BFFE-FF0CED15058F}" srcId="{64341ED1-133E-4A5F-B2CA-B7839122E5E1}" destId="{FD996A20-6A09-41F5-9196-06E15DA4ED74}" srcOrd="1" destOrd="0" parTransId="{BE3C59D4-0C3A-4CE8-8412-0142FC9112E5}" sibTransId="{44B172B9-B2CB-4CB3-8660-38A30D50B387}"/>
     <dgm:cxn modelId="{785E77C6-80DB-499B-A7BB-61E8D05FCBB3}" type="presOf" srcId="{535ADC1B-E987-4114-88E1-0020E71ACB45}" destId="{85343B2D-6766-4596-A7C0-7ED78437CB26}" srcOrd="0" destOrd="0" presId="urn:microsoft.com/office/officeart/2005/8/layout/hierarchy1"/>
+    <dgm:cxn modelId="{628A9C82-BA29-4E3F-B65F-F63F75B68E9D}" srcId="{64341ED1-133E-4A5F-B2CA-B7839122E5E1}" destId="{091F882E-0915-4AFC-AFCD-B1181E37E14D}" srcOrd="3" destOrd="0" parTransId="{44337762-FFBD-474D-B88E-C618616EDE17}" sibTransId="{15C21F9D-4E60-420E-B892-0287CAD226B2}"/>
+    <dgm:cxn modelId="{7952A79E-9A23-4A9A-BE2E-18CB79CFAA62}" srcId="{E355DCEE-CFED-4B4E-95C1-C3ED3918F3D3}" destId="{6509BC69-7715-4AE9-8545-833A23F1F7D0}" srcOrd="0" destOrd="0" parTransId="{BD130280-A84B-4826-90BB-E35618FA7329}" sibTransId="{08030457-AA43-4093-AB35-36508039FC04}"/>
+    <dgm:cxn modelId="{D7F088F7-70F2-4D80-B287-C9676E3ACC1D}" type="presOf" srcId="{FD996A20-6A09-41F5-9196-06E15DA4ED74}" destId="{E8E6B3F1-996D-4405-A520-CB4BB672E79C}" srcOrd="0" destOrd="0" presId="urn:microsoft.com/office/officeart/2005/8/layout/hierarchy1"/>
+    <dgm:cxn modelId="{2ABE6B4F-D2AE-4111-892F-4E82F39FE582}" type="presOf" srcId="{BD130280-A84B-4826-90BB-E35618FA7329}" destId="{1FDAFF91-CC20-4CEC-A22C-6CFA1AF43D26}" srcOrd="0" destOrd="0" presId="urn:microsoft.com/office/officeart/2005/8/layout/hierarchy1"/>
+    <dgm:cxn modelId="{1F2F3D80-A2AC-4DFD-9FDD-F19D7BC04570}" srcId="{64341ED1-133E-4A5F-B2CA-B7839122E5E1}" destId="{B426D3DF-981A-4ACA-BDCD-74F52BC54F36}" srcOrd="0" destOrd="0" parTransId="{A92319EC-B566-4DF5-8DC2-9B499E48805C}" sibTransId="{7F8B996A-D72C-4828-95CF-F00D2E1FEFCD}"/>
+    <dgm:cxn modelId="{2525302B-B5D2-4C25-98D9-D15418FED570}" srcId="{E355DCEE-CFED-4B4E-95C1-C3ED3918F3D3}" destId="{9C1EE866-C214-4A82-9547-61A5AA867C03}" srcOrd="1" destOrd="0" parTransId="{535ADC1B-E987-4114-88E1-0020E71ACB45}" sibTransId="{F593FCBC-3BDA-47E4-BC69-F0F6F7CF17CA}"/>
+    <dgm:cxn modelId="{06343924-9343-490C-8185-42B81C07BFD5}" type="presOf" srcId="{9C1EE866-C214-4A82-9547-61A5AA867C03}" destId="{35177D51-DA6B-4B74-8542-DDCB57DE5FAE}" srcOrd="0" destOrd="0" presId="urn:microsoft.com/office/officeart/2005/8/layout/hierarchy1"/>
+    <dgm:cxn modelId="{973EF651-2A9A-44E8-9B31-B34D541E13C6}" type="presOf" srcId="{6509BC69-7715-4AE9-8545-833A23F1F7D0}" destId="{1DF10A25-C6B6-4B35-9C02-9BD8BC53F595}" srcOrd="0" destOrd="0" presId="urn:microsoft.com/office/officeart/2005/8/layout/hierarchy1"/>
+    <dgm:cxn modelId="{239411CF-1F0E-4179-854E-288A6804E8C1}" type="presOf" srcId="{44337762-FFBD-474D-B88E-C618616EDE17}" destId="{C15F7BDE-BE17-440A-AFDC-26911405FC39}" srcOrd="0" destOrd="0" presId="urn:microsoft.com/office/officeart/2005/8/layout/hierarchy1"/>
+    <dgm:cxn modelId="{D7553362-3A4C-4B33-B7BF-53247DE2E997}" type="presOf" srcId="{64341ED1-133E-4A5F-B2CA-B7839122E5E1}" destId="{5573FD94-740A-4861-83F1-29D0DAEBDC74}" srcOrd="0" destOrd="0" presId="urn:microsoft.com/office/officeart/2005/8/layout/hierarchy1"/>
     <dgm:cxn modelId="{AF143184-4851-4174-9641-5243E80A1E41}" type="presOf" srcId="{A92319EC-B566-4DF5-8DC2-9B499E48805C}" destId="{2E78A703-B9DD-425D-8C61-5CF4A53FAFA3}" srcOrd="0" destOrd="0" presId="urn:microsoft.com/office/officeart/2005/8/layout/hierarchy1"/>
-    <dgm:cxn modelId="{1481D2D9-EBDC-4E7C-ACB9-80B1F694C79C}" type="presOf" srcId="{E355DCEE-CFED-4B4E-95C1-C3ED3918F3D3}" destId="{C62030B6-9838-4D35-81EF-6AE86E8FD0B7}" srcOrd="0" destOrd="0" presId="urn:microsoft.com/office/officeart/2005/8/layout/hierarchy1"/>
-    <dgm:cxn modelId="{1E232702-92AF-4E01-AF65-5B01B06BC5F9}" type="presOf" srcId="{BE3C59D4-0C3A-4CE8-8412-0142FC9112E5}" destId="{35FDEEF8-A771-4D6A-821D-5DD0765F4E3F}" srcOrd="0" destOrd="0" presId="urn:microsoft.com/office/officeart/2005/8/layout/hierarchy1"/>
-    <dgm:cxn modelId="{A5E4A230-47AD-4CCE-B63D-290746125B89}" srcId="{64341ED1-133E-4A5F-B2CA-B7839122E5E1}" destId="{E355DCEE-CFED-4B4E-95C1-C3ED3918F3D3}" srcOrd="2" destOrd="0" parTransId="{7343F464-1509-45F9-836B-82E0B529AC39}" sibTransId="{078DB322-C08D-4312-8C12-D8384FE5D6EB}"/>
-    <dgm:cxn modelId="{869C7012-692A-402E-BF92-F79C2A072C8A}" type="presOf" srcId="{B426D3DF-981A-4ACA-BDCD-74F52BC54F36}" destId="{B20123EC-DD70-4002-B34F-72383B5AD1D0}" srcOrd="0" destOrd="0" presId="urn:microsoft.com/office/officeart/2005/8/layout/hierarchy1"/>
-    <dgm:cxn modelId="{239411CF-1F0E-4179-854E-288A6804E8C1}" type="presOf" srcId="{44337762-FFBD-474D-B88E-C618616EDE17}" destId="{C15F7BDE-BE17-440A-AFDC-26911405FC39}" srcOrd="0" destOrd="0" presId="urn:microsoft.com/office/officeart/2005/8/layout/hierarchy1"/>
-    <dgm:cxn modelId="{9AA3F2B4-85D7-4E67-A53B-D83B94482039}" type="presOf" srcId="{091F882E-0915-4AFC-AFCD-B1181E37E14D}" destId="{E753A8D8-B50F-42C4-B0CE-D216BE908656}" srcOrd="0" destOrd="0" presId="urn:microsoft.com/office/officeart/2005/8/layout/hierarchy1"/>
-    <dgm:cxn modelId="{FF4E295E-7BB3-4B76-B185-4F0106A708BA}" srcId="{6621E396-22BB-4BAA-86D9-A1D5854857CA}" destId="{64341ED1-133E-4A5F-B2CA-B7839122E5E1}" srcOrd="0" destOrd="0" parTransId="{9D095FE8-8213-4B2B-8FC7-77FFB4BB1B88}" sibTransId="{6B23510D-A384-4590-9F26-464C17EB856C}"/>
-    <dgm:cxn modelId="{2ABE6B4F-D2AE-4111-892F-4E82F39FE582}" type="presOf" srcId="{BD130280-A84B-4826-90BB-E35618FA7329}" destId="{1FDAFF91-CC20-4CEC-A22C-6CFA1AF43D26}" srcOrd="0" destOrd="0" presId="urn:microsoft.com/office/officeart/2005/8/layout/hierarchy1"/>
-    <dgm:cxn modelId="{973EF651-2A9A-44E8-9B31-B34D541E13C6}" type="presOf" srcId="{6509BC69-7715-4AE9-8545-833A23F1F7D0}" destId="{1DF10A25-C6B6-4B35-9C02-9BD8BC53F595}" srcOrd="0" destOrd="0" presId="urn:microsoft.com/office/officeart/2005/8/layout/hierarchy1"/>
-    <dgm:cxn modelId="{D7553362-3A4C-4B33-B7BF-53247DE2E997}" type="presOf" srcId="{64341ED1-133E-4A5F-B2CA-B7839122E5E1}" destId="{5573FD94-740A-4861-83F1-29D0DAEBDC74}" srcOrd="0" destOrd="0" presId="urn:microsoft.com/office/officeart/2005/8/layout/hierarchy1"/>
-    <dgm:cxn modelId="{EAAC68D4-7227-400B-9B95-0206ABD7B679}" type="presOf" srcId="{7343F464-1509-45F9-836B-82E0B529AC39}" destId="{ECDC51A7-6312-4B5B-9113-87639623B933}" srcOrd="0" destOrd="0" presId="urn:microsoft.com/office/officeart/2005/8/layout/hierarchy1"/>
-    <dgm:cxn modelId="{2525302B-B5D2-4C25-98D9-D15418FED570}" srcId="{E355DCEE-CFED-4B4E-95C1-C3ED3918F3D3}" destId="{9C1EE866-C214-4A82-9547-61A5AA867C03}" srcOrd="1" destOrd="0" parTransId="{535ADC1B-E987-4114-88E1-0020E71ACB45}" sibTransId="{F593FCBC-3BDA-47E4-BC69-F0F6F7CF17CA}"/>
-    <dgm:cxn modelId="{628A9C82-BA29-4E3F-B65F-F63F75B68E9D}" srcId="{64341ED1-133E-4A5F-B2CA-B7839122E5E1}" destId="{091F882E-0915-4AFC-AFCD-B1181E37E14D}" srcOrd="3" destOrd="0" parTransId="{44337762-FFBD-474D-B88E-C618616EDE17}" sibTransId="{15C21F9D-4E60-420E-B892-0287CAD226B2}"/>
-    <dgm:cxn modelId="{1F2F3D80-A2AC-4DFD-9FDD-F19D7BC04570}" srcId="{64341ED1-133E-4A5F-B2CA-B7839122E5E1}" destId="{B426D3DF-981A-4ACA-BDCD-74F52BC54F36}" srcOrd="0" destOrd="0" parTransId="{A92319EC-B566-4DF5-8DC2-9B499E48805C}" sibTransId="{7F8B996A-D72C-4828-95CF-F00D2E1FEFCD}"/>
-    <dgm:cxn modelId="{D7F088F7-70F2-4D80-B287-C9676E3ACC1D}" type="presOf" srcId="{FD996A20-6A09-41F5-9196-06E15DA4ED74}" destId="{E8E6B3F1-996D-4405-A520-CB4BB672E79C}" srcOrd="0" destOrd="0" presId="urn:microsoft.com/office/officeart/2005/8/layout/hierarchy1"/>
     <dgm:cxn modelId="{A37C1BA9-717B-4608-BD6A-5F5D1626B9F1}" type="presParOf" srcId="{7E592DA7-86CE-4FE6-B528-72BCA053EDAC}" destId="{EB47D686-E303-417E-9EF5-4CB31FF033BA}" srcOrd="0" destOrd="0" presId="urn:microsoft.com/office/officeart/2005/8/layout/hierarchy1"/>
     <dgm:cxn modelId="{67D688D3-2880-4676-97BB-B1436622610C}" type="presParOf" srcId="{EB47D686-E303-417E-9EF5-4CB31FF033BA}" destId="{2D4E0BC2-F9F1-4407-8F38-F218C07A2C33}" srcOrd="0" destOrd="0" presId="urn:microsoft.com/office/officeart/2005/8/layout/hierarchy1"/>
     <dgm:cxn modelId="{E273DEE2-EA34-4263-86DB-F8EFFB5821F6}" type="presParOf" srcId="{2D4E0BC2-F9F1-4407-8F38-F218C07A2C33}" destId="{BEF97BD1-8EDB-42ED-B248-3EEE60E32564}" srcOrd="0" destOrd="0" presId="urn:microsoft.com/office/officeart/2005/8/layout/hierarchy1"/>
@@ -6136,7 +6137,7 @@
   <dgm:whole/>
   <dgm:extLst>
     <a:ext uri="http://schemas.microsoft.com/office/drawing/2008/diagram">
-      <dsp:dataModelExt xmlns:dsp="http://schemas.microsoft.com/office/drawing/2008/diagram" xmlns="" relId="rId6" minVer="http://schemas.openxmlformats.org/drawingml/2006/diagram"/>
+      <dsp:dataModelExt xmlns:dsp="http://schemas.microsoft.com/office/drawing/2008/diagram" relId="rId6" minVer="http://schemas.openxmlformats.org/drawingml/2006/diagram"/>
     </a:ext>
   </dgm:extLst>
 </dgm:dataModel>
@@ -6393,601 +6394,6 @@
       <dsp:cNvGrpSpPr/>
     </dsp:nvGrpSpPr>
     <dsp:grpSpPr/>
-    <dsp:sp modelId="{09A00682-3313-476D-9195-849AA0621560}">
-      <dsp:nvSpPr>
-        <dsp:cNvPr id="0" name=""/>
-        <dsp:cNvSpPr/>
-      </dsp:nvSpPr>
-      <dsp:spPr>
-        <a:xfrm>
-          <a:off x="0" y="1397793"/>
-          <a:ext cx="1393031" cy="557212"/>
-        </a:xfrm>
-        <a:prstGeom prst="chevron">
-          <a:avLst/>
-        </a:prstGeom>
-        <a:solidFill>
-          <a:schemeClr val="accent1">
-            <a:hueOff val="0"/>
-            <a:satOff val="0"/>
-            <a:lumOff val="0"/>
-            <a:alphaOff val="0"/>
-          </a:schemeClr>
-        </a:solidFill>
-        <a:ln w="25400" cap="flat" cmpd="sng" algn="ctr">
-          <a:solidFill>
-            <a:schemeClr val="lt1">
-              <a:hueOff val="0"/>
-              <a:satOff val="0"/>
-              <a:lumOff val="0"/>
-              <a:alphaOff val="0"/>
-            </a:schemeClr>
-          </a:solidFill>
-          <a:prstDash val="solid"/>
-        </a:ln>
-        <a:effectLst/>
-      </dsp:spPr>
-      <dsp:style>
-        <a:lnRef idx="2">
-          <a:scrgbClr r="0" g="0" b="0"/>
-        </a:lnRef>
-        <a:fillRef idx="1">
-          <a:scrgbClr r="0" g="0" b="0"/>
-        </a:fillRef>
-        <a:effectRef idx="0">
-          <a:scrgbClr r="0" g="0" b="0"/>
-        </a:effectRef>
-        <a:fontRef idx="minor">
-          <a:schemeClr val="lt1"/>
-        </a:fontRef>
-      </dsp:style>
-      <dsp:txBody>
-        <a:bodyPr spcFirstLastPara="0" vert="horz" wrap="square" lIns="40005" tIns="13335" rIns="13335" bIns="13335" numCol="1" spcCol="1270" anchor="ctr" anchorCtr="0">
-          <a:noAutofit/>
-        </a:bodyPr>
-        <a:lstStyle/>
-        <a:p>
-          <a:pPr lvl="0" algn="ctr" defTabSz="444500">
-            <a:lnSpc>
-              <a:spcPct val="90000"/>
-            </a:lnSpc>
-            <a:spcBef>
-              <a:spcPct val="0"/>
-            </a:spcBef>
-            <a:spcAft>
-              <a:spcPct val="35000"/>
-            </a:spcAft>
-          </a:pPr>
-          <a:r>
-            <a:rPr lang="en-US" sz="1000" kern="1200" dirty="0" smtClean="0">
-              <a:solidFill>
-                <a:schemeClr val="tx1"/>
-              </a:solidFill>
-            </a:rPr>
-            <a:t>Input Parsing</a:t>
-          </a:r>
-          <a:endParaRPr lang="en-US" sz="1000" kern="1200" dirty="0">
-            <a:solidFill>
-              <a:schemeClr val="tx1"/>
-            </a:solidFill>
-          </a:endParaRPr>
-        </a:p>
-      </dsp:txBody>
-      <dsp:txXfrm>
-        <a:off x="278606" y="1397793"/>
-        <a:ext cx="835819" cy="557212"/>
-      </dsp:txXfrm>
-    </dsp:sp>
-    <dsp:sp modelId="{771B5359-AC59-491F-AE7E-C91287E4A360}">
-      <dsp:nvSpPr>
-        <dsp:cNvPr id="0" name=""/>
-        <dsp:cNvSpPr/>
-      </dsp:nvSpPr>
-      <dsp:spPr>
-        <a:xfrm>
-          <a:off x="1253728" y="1397793"/>
-          <a:ext cx="1393031" cy="557212"/>
-        </a:xfrm>
-        <a:prstGeom prst="chevron">
-          <a:avLst/>
-        </a:prstGeom>
-        <a:solidFill>
-          <a:schemeClr val="accent1">
-            <a:hueOff val="0"/>
-            <a:satOff val="0"/>
-            <a:lumOff val="0"/>
-            <a:alphaOff val="0"/>
-          </a:schemeClr>
-        </a:solidFill>
-        <a:ln w="25400" cap="flat" cmpd="sng" algn="ctr">
-          <a:solidFill>
-            <a:schemeClr val="lt1">
-              <a:hueOff val="0"/>
-              <a:satOff val="0"/>
-              <a:lumOff val="0"/>
-              <a:alphaOff val="0"/>
-            </a:schemeClr>
-          </a:solidFill>
-          <a:prstDash val="solid"/>
-        </a:ln>
-        <a:effectLst/>
-      </dsp:spPr>
-      <dsp:style>
-        <a:lnRef idx="2">
-          <a:scrgbClr r="0" g="0" b="0"/>
-        </a:lnRef>
-        <a:fillRef idx="1">
-          <a:scrgbClr r="0" g="0" b="0"/>
-        </a:fillRef>
-        <a:effectRef idx="0">
-          <a:scrgbClr r="0" g="0" b="0"/>
-        </a:effectRef>
-        <a:fontRef idx="minor">
-          <a:schemeClr val="lt1"/>
-        </a:fontRef>
-      </dsp:style>
-      <dsp:txBody>
-        <a:bodyPr spcFirstLastPara="0" vert="horz" wrap="square" lIns="40005" tIns="13335" rIns="13335" bIns="13335" numCol="1" spcCol="1270" anchor="ctr" anchorCtr="0">
-          <a:noAutofit/>
-        </a:bodyPr>
-        <a:lstStyle/>
-        <a:p>
-          <a:pPr lvl="0" algn="ctr" defTabSz="444500">
-            <a:lnSpc>
-              <a:spcPct val="90000"/>
-            </a:lnSpc>
-            <a:spcBef>
-              <a:spcPct val="0"/>
-            </a:spcBef>
-            <a:spcAft>
-              <a:spcPct val="35000"/>
-            </a:spcAft>
-          </a:pPr>
-          <a:r>
-            <a:rPr lang="en-US" sz="1000" kern="1200" dirty="0" smtClean="0">
-              <a:solidFill>
-                <a:schemeClr val="tx1"/>
-              </a:solidFill>
-            </a:rPr>
-            <a:t>Print object arrangement</a:t>
-          </a:r>
-          <a:endParaRPr lang="en-US" sz="1000" kern="1200" dirty="0">
-            <a:solidFill>
-              <a:schemeClr val="tx1"/>
-            </a:solidFill>
-          </a:endParaRPr>
-        </a:p>
-      </dsp:txBody>
-      <dsp:txXfrm>
-        <a:off x="1532334" y="1397793"/>
-        <a:ext cx="835819" cy="557212"/>
-      </dsp:txXfrm>
-    </dsp:sp>
-    <dsp:sp modelId="{5535CA09-926A-457A-A4B7-21390F15F94F}">
-      <dsp:nvSpPr>
-        <dsp:cNvPr id="0" name=""/>
-        <dsp:cNvSpPr/>
-      </dsp:nvSpPr>
-      <dsp:spPr>
-        <a:xfrm>
-          <a:off x="2507456" y="1397793"/>
-          <a:ext cx="1393031" cy="557212"/>
-        </a:xfrm>
-        <a:prstGeom prst="chevron">
-          <a:avLst/>
-        </a:prstGeom>
-        <a:solidFill>
-          <a:schemeClr val="accent1">
-            <a:hueOff val="0"/>
-            <a:satOff val="0"/>
-            <a:lumOff val="0"/>
-            <a:alphaOff val="0"/>
-          </a:schemeClr>
-        </a:solidFill>
-        <a:ln w="25400" cap="flat" cmpd="sng" algn="ctr">
-          <a:solidFill>
-            <a:schemeClr val="lt1">
-              <a:hueOff val="0"/>
-              <a:satOff val="0"/>
-              <a:lumOff val="0"/>
-              <a:alphaOff val="0"/>
-            </a:schemeClr>
-          </a:solidFill>
-          <a:prstDash val="solid"/>
-        </a:ln>
-        <a:effectLst/>
-      </dsp:spPr>
-      <dsp:style>
-        <a:lnRef idx="2">
-          <a:scrgbClr r="0" g="0" b="0"/>
-        </a:lnRef>
-        <a:fillRef idx="1">
-          <a:scrgbClr r="0" g="0" b="0"/>
-        </a:fillRef>
-        <a:effectRef idx="0">
-          <a:scrgbClr r="0" g="0" b="0"/>
-        </a:effectRef>
-        <a:fontRef idx="minor">
-          <a:schemeClr val="lt1"/>
-        </a:fontRef>
-      </dsp:style>
-      <dsp:txBody>
-        <a:bodyPr spcFirstLastPara="0" vert="horz" wrap="square" lIns="40005" tIns="13335" rIns="13335" bIns="13335" numCol="1" spcCol="1270" anchor="ctr" anchorCtr="0">
-          <a:noAutofit/>
-        </a:bodyPr>
-        <a:lstStyle/>
-        <a:p>
-          <a:pPr lvl="0" algn="ctr" defTabSz="444500">
-            <a:lnSpc>
-              <a:spcPct val="90000"/>
-            </a:lnSpc>
-            <a:spcBef>
-              <a:spcPct val="0"/>
-            </a:spcBef>
-            <a:spcAft>
-              <a:spcPct val="35000"/>
-            </a:spcAft>
-          </a:pPr>
-          <a:r>
-            <a:rPr lang="en-US" sz="1000" kern="1200" dirty="0" smtClean="0">
-              <a:solidFill>
-                <a:schemeClr val="tx1"/>
-              </a:solidFill>
-            </a:rPr>
-            <a:t>Rasterization &amp; Voxelization</a:t>
-          </a:r>
-          <a:endParaRPr lang="en-US" sz="1000" kern="1200" dirty="0">
-            <a:solidFill>
-              <a:schemeClr val="tx1"/>
-            </a:solidFill>
-          </a:endParaRPr>
-        </a:p>
-      </dsp:txBody>
-      <dsp:txXfrm>
-        <a:off x="2786062" y="1397793"/>
-        <a:ext cx="835819" cy="557212"/>
-      </dsp:txXfrm>
-    </dsp:sp>
-    <dsp:sp modelId="{9D68CD03-B1A7-4BEA-B058-FD22B6150897}">
-      <dsp:nvSpPr>
-        <dsp:cNvPr id="0" name=""/>
-        <dsp:cNvSpPr/>
-      </dsp:nvSpPr>
-      <dsp:spPr>
-        <a:xfrm>
-          <a:off x="3761184" y="1397793"/>
-          <a:ext cx="1393031" cy="557212"/>
-        </a:xfrm>
-        <a:prstGeom prst="chevron">
-          <a:avLst/>
-        </a:prstGeom>
-        <a:solidFill>
-          <a:schemeClr val="accent1">
-            <a:hueOff val="0"/>
-            <a:satOff val="0"/>
-            <a:lumOff val="0"/>
-            <a:alphaOff val="0"/>
-          </a:schemeClr>
-        </a:solidFill>
-        <a:ln w="25400" cap="flat" cmpd="sng" algn="ctr">
-          <a:solidFill>
-            <a:schemeClr val="lt1">
-              <a:hueOff val="0"/>
-              <a:satOff val="0"/>
-              <a:lumOff val="0"/>
-              <a:alphaOff val="0"/>
-            </a:schemeClr>
-          </a:solidFill>
-          <a:prstDash val="solid"/>
-        </a:ln>
-        <a:effectLst/>
-      </dsp:spPr>
-      <dsp:style>
-        <a:lnRef idx="2">
-          <a:scrgbClr r="0" g="0" b="0"/>
-        </a:lnRef>
-        <a:fillRef idx="1">
-          <a:scrgbClr r="0" g="0" b="0"/>
-        </a:fillRef>
-        <a:effectRef idx="0">
-          <a:scrgbClr r="0" g="0" b="0"/>
-        </a:effectRef>
-        <a:fontRef idx="minor">
-          <a:schemeClr val="lt1"/>
-        </a:fontRef>
-      </dsp:style>
-      <dsp:txBody>
-        <a:bodyPr spcFirstLastPara="0" vert="horz" wrap="square" lIns="40005" tIns="13335" rIns="13335" bIns="13335" numCol="1" spcCol="1270" anchor="ctr" anchorCtr="0">
-          <a:noAutofit/>
-        </a:bodyPr>
-        <a:lstStyle/>
-        <a:p>
-          <a:pPr lvl="0" algn="ctr" defTabSz="444500">
-            <a:lnSpc>
-              <a:spcPct val="90000"/>
-            </a:lnSpc>
-            <a:spcBef>
-              <a:spcPct val="0"/>
-            </a:spcBef>
-            <a:spcAft>
-              <a:spcPct val="35000"/>
-            </a:spcAft>
-          </a:pPr>
-          <a:r>
-            <a:rPr lang="en-US" sz="1000" kern="1200" dirty="0" smtClean="0">
-              <a:solidFill>
-                <a:schemeClr val="tx1"/>
-              </a:solidFill>
-            </a:rPr>
-            <a:t>Tonal Value Calculation</a:t>
-          </a:r>
-          <a:endParaRPr lang="en-US" sz="1000" kern="1200" dirty="0">
-            <a:solidFill>
-              <a:schemeClr val="tx1"/>
-            </a:solidFill>
-          </a:endParaRPr>
-        </a:p>
-      </dsp:txBody>
-      <dsp:txXfrm>
-        <a:off x="4039790" y="1397793"/>
-        <a:ext cx="835819" cy="557212"/>
-      </dsp:txXfrm>
-    </dsp:sp>
-    <dsp:sp modelId="{47EC26A5-DB58-47F3-B21F-7ECE3520D744}">
-      <dsp:nvSpPr>
-        <dsp:cNvPr id="0" name=""/>
-        <dsp:cNvSpPr/>
-      </dsp:nvSpPr>
-      <dsp:spPr>
-        <a:xfrm>
-          <a:off x="5014912" y="1397793"/>
-          <a:ext cx="1393031" cy="557212"/>
-        </a:xfrm>
-        <a:prstGeom prst="chevron">
-          <a:avLst/>
-        </a:prstGeom>
-        <a:solidFill>
-          <a:schemeClr val="accent1">
-            <a:hueOff val="0"/>
-            <a:satOff val="0"/>
-            <a:lumOff val="0"/>
-            <a:alphaOff val="0"/>
-          </a:schemeClr>
-        </a:solidFill>
-        <a:ln w="25400" cap="flat" cmpd="sng" algn="ctr">
-          <a:solidFill>
-            <a:schemeClr val="lt1">
-              <a:hueOff val="0"/>
-              <a:satOff val="0"/>
-              <a:lumOff val="0"/>
-              <a:alphaOff val="0"/>
-            </a:schemeClr>
-          </a:solidFill>
-          <a:prstDash val="solid"/>
-        </a:ln>
-        <a:effectLst/>
-      </dsp:spPr>
-      <dsp:style>
-        <a:lnRef idx="2">
-          <a:scrgbClr r="0" g="0" b="0"/>
-        </a:lnRef>
-        <a:fillRef idx="1">
-          <a:scrgbClr r="0" g="0" b="0"/>
-        </a:fillRef>
-        <a:effectRef idx="0">
-          <a:scrgbClr r="0" g="0" b="0"/>
-        </a:effectRef>
-        <a:fontRef idx="minor">
-          <a:schemeClr val="lt1"/>
-        </a:fontRef>
-      </dsp:style>
-      <dsp:txBody>
-        <a:bodyPr spcFirstLastPara="0" vert="horz" wrap="square" lIns="40005" tIns="13335" rIns="13335" bIns="13335" numCol="1" spcCol="1270" anchor="ctr" anchorCtr="0">
-          <a:noAutofit/>
-        </a:bodyPr>
-        <a:lstStyle/>
-        <a:p>
-          <a:pPr lvl="0" algn="ctr" defTabSz="444500">
-            <a:lnSpc>
-              <a:spcPct val="90000"/>
-            </a:lnSpc>
-            <a:spcBef>
-              <a:spcPct val="0"/>
-            </a:spcBef>
-            <a:spcAft>
-              <a:spcPct val="35000"/>
-            </a:spcAft>
-          </a:pPr>
-          <a:r>
-            <a:rPr lang="en-US" sz="1000" kern="1200" dirty="0" smtClean="0">
-              <a:solidFill>
-                <a:schemeClr val="tx1"/>
-              </a:solidFill>
-            </a:rPr>
-            <a:t>Layer Extraction and Half-toning</a:t>
-          </a:r>
-          <a:endParaRPr lang="en-US" sz="1000" kern="1200" dirty="0">
-            <a:solidFill>
-              <a:schemeClr val="tx1"/>
-            </a:solidFill>
-          </a:endParaRPr>
-        </a:p>
-      </dsp:txBody>
-      <dsp:txXfrm>
-        <a:off x="5293518" y="1397793"/>
-        <a:ext cx="835819" cy="557212"/>
-      </dsp:txXfrm>
-    </dsp:sp>
-    <dsp:sp modelId="{1214DDDF-E3A3-4EB3-BFBD-CAE78864CA50}">
-      <dsp:nvSpPr>
-        <dsp:cNvPr id="0" name=""/>
-        <dsp:cNvSpPr/>
-      </dsp:nvSpPr>
-      <dsp:spPr>
-        <a:xfrm>
-          <a:off x="6268640" y="1397793"/>
-          <a:ext cx="1393031" cy="557212"/>
-        </a:xfrm>
-        <a:prstGeom prst="chevron">
-          <a:avLst/>
-        </a:prstGeom>
-        <a:solidFill>
-          <a:schemeClr val="accent1">
-            <a:hueOff val="0"/>
-            <a:satOff val="0"/>
-            <a:lumOff val="0"/>
-            <a:alphaOff val="0"/>
-          </a:schemeClr>
-        </a:solidFill>
-        <a:ln w="25400" cap="flat" cmpd="sng" algn="ctr">
-          <a:solidFill>
-            <a:schemeClr val="lt1">
-              <a:hueOff val="0"/>
-              <a:satOff val="0"/>
-              <a:lumOff val="0"/>
-              <a:alphaOff val="0"/>
-            </a:schemeClr>
-          </a:solidFill>
-          <a:prstDash val="solid"/>
-        </a:ln>
-        <a:effectLst/>
-      </dsp:spPr>
-      <dsp:style>
-        <a:lnRef idx="2">
-          <a:scrgbClr r="0" g="0" b="0"/>
-        </a:lnRef>
-        <a:fillRef idx="1">
-          <a:scrgbClr r="0" g="0" b="0"/>
-        </a:fillRef>
-        <a:effectRef idx="0">
-          <a:scrgbClr r="0" g="0" b="0"/>
-        </a:effectRef>
-        <a:fontRef idx="minor">
-          <a:schemeClr val="lt1"/>
-        </a:fontRef>
-      </dsp:style>
-      <dsp:txBody>
-        <a:bodyPr spcFirstLastPara="0" vert="horz" wrap="square" lIns="40005" tIns="13335" rIns="13335" bIns="13335" numCol="1" spcCol="1270" anchor="ctr" anchorCtr="0">
-          <a:noAutofit/>
-        </a:bodyPr>
-        <a:lstStyle/>
-        <a:p>
-          <a:pPr lvl="0" algn="ctr" defTabSz="444500">
-            <a:lnSpc>
-              <a:spcPct val="90000"/>
-            </a:lnSpc>
-            <a:spcBef>
-              <a:spcPct val="0"/>
-            </a:spcBef>
-            <a:spcAft>
-              <a:spcPct val="35000"/>
-            </a:spcAft>
-          </a:pPr>
-          <a:r>
-            <a:rPr lang="en-US" sz="1000" kern="1200" dirty="0" smtClean="0">
-              <a:solidFill>
-                <a:schemeClr val="tx1"/>
-              </a:solidFill>
-            </a:rPr>
-            <a:t>Surface Distance Evaluation</a:t>
-          </a:r>
-          <a:endParaRPr lang="en-US" sz="1000" kern="1200" dirty="0">
-            <a:solidFill>
-              <a:schemeClr val="tx1"/>
-            </a:solidFill>
-          </a:endParaRPr>
-        </a:p>
-      </dsp:txBody>
-      <dsp:txXfrm>
-        <a:off x="6547246" y="1397793"/>
-        <a:ext cx="835819" cy="557212"/>
-      </dsp:txXfrm>
-    </dsp:sp>
-    <dsp:sp modelId="{5D5D5C88-985A-485D-991E-57409E5BC77A}">
-      <dsp:nvSpPr>
-        <dsp:cNvPr id="0" name=""/>
-        <dsp:cNvSpPr/>
-      </dsp:nvSpPr>
-      <dsp:spPr>
-        <a:xfrm>
-          <a:off x="7522368" y="1397793"/>
-          <a:ext cx="1393031" cy="557212"/>
-        </a:xfrm>
-        <a:prstGeom prst="chevron">
-          <a:avLst/>
-        </a:prstGeom>
-        <a:solidFill>
-          <a:schemeClr val="accent1">
-            <a:hueOff val="0"/>
-            <a:satOff val="0"/>
-            <a:lumOff val="0"/>
-            <a:alphaOff val="0"/>
-          </a:schemeClr>
-        </a:solidFill>
-        <a:ln w="25400" cap="flat" cmpd="sng" algn="ctr">
-          <a:solidFill>
-            <a:schemeClr val="lt1">
-              <a:hueOff val="0"/>
-              <a:satOff val="0"/>
-              <a:lumOff val="0"/>
-              <a:alphaOff val="0"/>
-            </a:schemeClr>
-          </a:solidFill>
-          <a:prstDash val="solid"/>
-        </a:ln>
-        <a:effectLst/>
-      </dsp:spPr>
-      <dsp:style>
-        <a:lnRef idx="2">
-          <a:scrgbClr r="0" g="0" b="0"/>
-        </a:lnRef>
-        <a:fillRef idx="1">
-          <a:scrgbClr r="0" g="0" b="0"/>
-        </a:fillRef>
-        <a:effectRef idx="0">
-          <a:scrgbClr r="0" g="0" b="0"/>
-        </a:effectRef>
-        <a:fontRef idx="minor">
-          <a:schemeClr val="lt1"/>
-        </a:fontRef>
-      </dsp:style>
-      <dsp:txBody>
-        <a:bodyPr spcFirstLastPara="0" vert="horz" wrap="square" lIns="40005" tIns="13335" rIns="13335" bIns="13335" numCol="1" spcCol="1270" anchor="ctr" anchorCtr="0">
-          <a:noAutofit/>
-        </a:bodyPr>
-        <a:lstStyle/>
-        <a:p>
-          <a:pPr lvl="0" algn="ctr" defTabSz="444500">
-            <a:lnSpc>
-              <a:spcPct val="90000"/>
-            </a:lnSpc>
-            <a:spcBef>
-              <a:spcPct val="0"/>
-            </a:spcBef>
-            <a:spcAft>
-              <a:spcPct val="35000"/>
-            </a:spcAft>
-          </a:pPr>
-          <a:r>
-            <a:rPr lang="en-US" sz="1000" kern="1200" dirty="0" smtClean="0">
-              <a:solidFill>
-                <a:schemeClr val="tx1"/>
-              </a:solidFill>
-            </a:rPr>
-            <a:t>Output Generation</a:t>
-          </a:r>
-          <a:endParaRPr lang="en-US" sz="1000" kern="1200" dirty="0">
-            <a:solidFill>
-              <a:schemeClr val="tx1"/>
-            </a:solidFill>
-          </a:endParaRPr>
-        </a:p>
-      </dsp:txBody>
-      <dsp:txXfrm>
-        <a:off x="7800974" y="1397793"/>
-        <a:ext cx="835819" cy="557212"/>
-      </dsp:txXfrm>
-    </dsp:sp>
   </dsp:spTree>
 </dsp:drawing>
 </file>
@@ -7000,601 +6406,6 @@
       <dsp:cNvGrpSpPr/>
     </dsp:nvGrpSpPr>
     <dsp:grpSpPr/>
-    <dsp:sp modelId="{09A00682-3313-476D-9195-849AA0621560}">
-      <dsp:nvSpPr>
-        <dsp:cNvPr id="0" name=""/>
-        <dsp:cNvSpPr/>
-      </dsp:nvSpPr>
-      <dsp:spPr>
-        <a:xfrm>
-          <a:off x="0" y="1397793"/>
-          <a:ext cx="1393031" cy="557212"/>
-        </a:xfrm>
-        <a:prstGeom prst="chevron">
-          <a:avLst/>
-        </a:prstGeom>
-        <a:solidFill>
-          <a:schemeClr val="accent1">
-            <a:hueOff val="0"/>
-            <a:satOff val="0"/>
-            <a:lumOff val="0"/>
-            <a:alphaOff val="0"/>
-          </a:schemeClr>
-        </a:solidFill>
-        <a:ln w="25400" cap="flat" cmpd="sng" algn="ctr">
-          <a:solidFill>
-            <a:schemeClr val="lt1">
-              <a:hueOff val="0"/>
-              <a:satOff val="0"/>
-              <a:lumOff val="0"/>
-              <a:alphaOff val="0"/>
-            </a:schemeClr>
-          </a:solidFill>
-          <a:prstDash val="solid"/>
-        </a:ln>
-        <a:effectLst/>
-      </dsp:spPr>
-      <dsp:style>
-        <a:lnRef idx="2">
-          <a:scrgbClr r="0" g="0" b="0"/>
-        </a:lnRef>
-        <a:fillRef idx="1">
-          <a:scrgbClr r="0" g="0" b="0"/>
-        </a:fillRef>
-        <a:effectRef idx="0">
-          <a:scrgbClr r="0" g="0" b="0"/>
-        </a:effectRef>
-        <a:fontRef idx="minor">
-          <a:schemeClr val="lt1"/>
-        </a:fontRef>
-      </dsp:style>
-      <dsp:txBody>
-        <a:bodyPr spcFirstLastPara="0" vert="horz" wrap="square" lIns="40005" tIns="13335" rIns="13335" bIns="13335" numCol="1" spcCol="1270" anchor="ctr" anchorCtr="0">
-          <a:noAutofit/>
-        </a:bodyPr>
-        <a:lstStyle/>
-        <a:p>
-          <a:pPr lvl="0" algn="ctr" defTabSz="444500">
-            <a:lnSpc>
-              <a:spcPct val="90000"/>
-            </a:lnSpc>
-            <a:spcBef>
-              <a:spcPct val="0"/>
-            </a:spcBef>
-            <a:spcAft>
-              <a:spcPct val="35000"/>
-            </a:spcAft>
-          </a:pPr>
-          <a:r>
-            <a:rPr lang="en-US" sz="1000" kern="1200" dirty="0" smtClean="0">
-              <a:solidFill>
-                <a:schemeClr val="tx1"/>
-              </a:solidFill>
-            </a:rPr>
-            <a:t>Input Parsing</a:t>
-          </a:r>
-          <a:endParaRPr lang="en-US" sz="1000" kern="1200" dirty="0">
-            <a:solidFill>
-              <a:schemeClr val="tx1"/>
-            </a:solidFill>
-          </a:endParaRPr>
-        </a:p>
-      </dsp:txBody>
-      <dsp:txXfrm>
-        <a:off x="278606" y="1397793"/>
-        <a:ext cx="835819" cy="557212"/>
-      </dsp:txXfrm>
-    </dsp:sp>
-    <dsp:sp modelId="{771B5359-AC59-491F-AE7E-C91287E4A360}">
-      <dsp:nvSpPr>
-        <dsp:cNvPr id="0" name=""/>
-        <dsp:cNvSpPr/>
-      </dsp:nvSpPr>
-      <dsp:spPr>
-        <a:xfrm>
-          <a:off x="1253728" y="1397793"/>
-          <a:ext cx="1393031" cy="557212"/>
-        </a:xfrm>
-        <a:prstGeom prst="chevron">
-          <a:avLst/>
-        </a:prstGeom>
-        <a:solidFill>
-          <a:schemeClr val="accent1">
-            <a:hueOff val="0"/>
-            <a:satOff val="0"/>
-            <a:lumOff val="0"/>
-            <a:alphaOff val="0"/>
-          </a:schemeClr>
-        </a:solidFill>
-        <a:ln w="25400" cap="flat" cmpd="sng" algn="ctr">
-          <a:solidFill>
-            <a:schemeClr val="lt1">
-              <a:hueOff val="0"/>
-              <a:satOff val="0"/>
-              <a:lumOff val="0"/>
-              <a:alphaOff val="0"/>
-            </a:schemeClr>
-          </a:solidFill>
-          <a:prstDash val="solid"/>
-        </a:ln>
-        <a:effectLst/>
-      </dsp:spPr>
-      <dsp:style>
-        <a:lnRef idx="2">
-          <a:scrgbClr r="0" g="0" b="0"/>
-        </a:lnRef>
-        <a:fillRef idx="1">
-          <a:scrgbClr r="0" g="0" b="0"/>
-        </a:fillRef>
-        <a:effectRef idx="0">
-          <a:scrgbClr r="0" g="0" b="0"/>
-        </a:effectRef>
-        <a:fontRef idx="minor">
-          <a:schemeClr val="lt1"/>
-        </a:fontRef>
-      </dsp:style>
-      <dsp:txBody>
-        <a:bodyPr spcFirstLastPara="0" vert="horz" wrap="square" lIns="40005" tIns="13335" rIns="13335" bIns="13335" numCol="1" spcCol="1270" anchor="ctr" anchorCtr="0">
-          <a:noAutofit/>
-        </a:bodyPr>
-        <a:lstStyle/>
-        <a:p>
-          <a:pPr lvl="0" algn="ctr" defTabSz="444500">
-            <a:lnSpc>
-              <a:spcPct val="90000"/>
-            </a:lnSpc>
-            <a:spcBef>
-              <a:spcPct val="0"/>
-            </a:spcBef>
-            <a:spcAft>
-              <a:spcPct val="35000"/>
-            </a:spcAft>
-          </a:pPr>
-          <a:r>
-            <a:rPr lang="en-US" sz="1000" kern="1200" dirty="0" smtClean="0">
-              <a:solidFill>
-                <a:schemeClr val="tx1"/>
-              </a:solidFill>
-            </a:rPr>
-            <a:t>Print object arrangement</a:t>
-          </a:r>
-          <a:endParaRPr lang="en-US" sz="1000" kern="1200" dirty="0">
-            <a:solidFill>
-              <a:schemeClr val="tx1"/>
-            </a:solidFill>
-          </a:endParaRPr>
-        </a:p>
-      </dsp:txBody>
-      <dsp:txXfrm>
-        <a:off x="1532334" y="1397793"/>
-        <a:ext cx="835819" cy="557212"/>
-      </dsp:txXfrm>
-    </dsp:sp>
-    <dsp:sp modelId="{5535CA09-926A-457A-A4B7-21390F15F94F}">
-      <dsp:nvSpPr>
-        <dsp:cNvPr id="0" name=""/>
-        <dsp:cNvSpPr/>
-      </dsp:nvSpPr>
-      <dsp:spPr>
-        <a:xfrm>
-          <a:off x="2507456" y="1397793"/>
-          <a:ext cx="1393031" cy="557212"/>
-        </a:xfrm>
-        <a:prstGeom prst="chevron">
-          <a:avLst/>
-        </a:prstGeom>
-        <a:solidFill>
-          <a:schemeClr val="accent1">
-            <a:hueOff val="0"/>
-            <a:satOff val="0"/>
-            <a:lumOff val="0"/>
-            <a:alphaOff val="0"/>
-          </a:schemeClr>
-        </a:solidFill>
-        <a:ln w="25400" cap="flat" cmpd="sng" algn="ctr">
-          <a:solidFill>
-            <a:schemeClr val="lt1">
-              <a:hueOff val="0"/>
-              <a:satOff val="0"/>
-              <a:lumOff val="0"/>
-              <a:alphaOff val="0"/>
-            </a:schemeClr>
-          </a:solidFill>
-          <a:prstDash val="solid"/>
-        </a:ln>
-        <a:effectLst/>
-      </dsp:spPr>
-      <dsp:style>
-        <a:lnRef idx="2">
-          <a:scrgbClr r="0" g="0" b="0"/>
-        </a:lnRef>
-        <a:fillRef idx="1">
-          <a:scrgbClr r="0" g="0" b="0"/>
-        </a:fillRef>
-        <a:effectRef idx="0">
-          <a:scrgbClr r="0" g="0" b="0"/>
-        </a:effectRef>
-        <a:fontRef idx="minor">
-          <a:schemeClr val="lt1"/>
-        </a:fontRef>
-      </dsp:style>
-      <dsp:txBody>
-        <a:bodyPr spcFirstLastPara="0" vert="horz" wrap="square" lIns="40005" tIns="13335" rIns="13335" bIns="13335" numCol="1" spcCol="1270" anchor="ctr" anchorCtr="0">
-          <a:noAutofit/>
-        </a:bodyPr>
-        <a:lstStyle/>
-        <a:p>
-          <a:pPr lvl="0" algn="ctr" defTabSz="444500">
-            <a:lnSpc>
-              <a:spcPct val="90000"/>
-            </a:lnSpc>
-            <a:spcBef>
-              <a:spcPct val="0"/>
-            </a:spcBef>
-            <a:spcAft>
-              <a:spcPct val="35000"/>
-            </a:spcAft>
-          </a:pPr>
-          <a:r>
-            <a:rPr lang="en-US" sz="1000" kern="1200" dirty="0" smtClean="0">
-              <a:solidFill>
-                <a:schemeClr val="tx1"/>
-              </a:solidFill>
-            </a:rPr>
-            <a:t>Rasterization &amp; Voxelization</a:t>
-          </a:r>
-          <a:endParaRPr lang="en-US" sz="1000" kern="1200" dirty="0">
-            <a:solidFill>
-              <a:schemeClr val="tx1"/>
-            </a:solidFill>
-          </a:endParaRPr>
-        </a:p>
-      </dsp:txBody>
-      <dsp:txXfrm>
-        <a:off x="2786062" y="1397793"/>
-        <a:ext cx="835819" cy="557212"/>
-      </dsp:txXfrm>
-    </dsp:sp>
-    <dsp:sp modelId="{9D68CD03-B1A7-4BEA-B058-FD22B6150897}">
-      <dsp:nvSpPr>
-        <dsp:cNvPr id="0" name=""/>
-        <dsp:cNvSpPr/>
-      </dsp:nvSpPr>
-      <dsp:spPr>
-        <a:xfrm>
-          <a:off x="3761184" y="1397793"/>
-          <a:ext cx="1393031" cy="557212"/>
-        </a:xfrm>
-        <a:prstGeom prst="chevron">
-          <a:avLst/>
-        </a:prstGeom>
-        <a:solidFill>
-          <a:schemeClr val="accent1">
-            <a:hueOff val="0"/>
-            <a:satOff val="0"/>
-            <a:lumOff val="0"/>
-            <a:alphaOff val="0"/>
-          </a:schemeClr>
-        </a:solidFill>
-        <a:ln w="25400" cap="flat" cmpd="sng" algn="ctr">
-          <a:solidFill>
-            <a:schemeClr val="lt1">
-              <a:hueOff val="0"/>
-              <a:satOff val="0"/>
-              <a:lumOff val="0"/>
-              <a:alphaOff val="0"/>
-            </a:schemeClr>
-          </a:solidFill>
-          <a:prstDash val="solid"/>
-        </a:ln>
-        <a:effectLst/>
-      </dsp:spPr>
-      <dsp:style>
-        <a:lnRef idx="2">
-          <a:scrgbClr r="0" g="0" b="0"/>
-        </a:lnRef>
-        <a:fillRef idx="1">
-          <a:scrgbClr r="0" g="0" b="0"/>
-        </a:fillRef>
-        <a:effectRef idx="0">
-          <a:scrgbClr r="0" g="0" b="0"/>
-        </a:effectRef>
-        <a:fontRef idx="minor">
-          <a:schemeClr val="lt1"/>
-        </a:fontRef>
-      </dsp:style>
-      <dsp:txBody>
-        <a:bodyPr spcFirstLastPara="0" vert="horz" wrap="square" lIns="40005" tIns="13335" rIns="13335" bIns="13335" numCol="1" spcCol="1270" anchor="ctr" anchorCtr="0">
-          <a:noAutofit/>
-        </a:bodyPr>
-        <a:lstStyle/>
-        <a:p>
-          <a:pPr lvl="0" algn="ctr" defTabSz="444500">
-            <a:lnSpc>
-              <a:spcPct val="90000"/>
-            </a:lnSpc>
-            <a:spcBef>
-              <a:spcPct val="0"/>
-            </a:spcBef>
-            <a:spcAft>
-              <a:spcPct val="35000"/>
-            </a:spcAft>
-          </a:pPr>
-          <a:r>
-            <a:rPr lang="en-US" sz="1000" kern="1200" dirty="0" smtClean="0">
-              <a:solidFill>
-                <a:schemeClr val="tx1"/>
-              </a:solidFill>
-            </a:rPr>
-            <a:t>Tonal Value Calculation</a:t>
-          </a:r>
-          <a:endParaRPr lang="en-US" sz="1000" kern="1200" dirty="0">
-            <a:solidFill>
-              <a:schemeClr val="tx1"/>
-            </a:solidFill>
-          </a:endParaRPr>
-        </a:p>
-      </dsp:txBody>
-      <dsp:txXfrm>
-        <a:off x="4039790" y="1397793"/>
-        <a:ext cx="835819" cy="557212"/>
-      </dsp:txXfrm>
-    </dsp:sp>
-    <dsp:sp modelId="{47EC26A5-DB58-47F3-B21F-7ECE3520D744}">
-      <dsp:nvSpPr>
-        <dsp:cNvPr id="0" name=""/>
-        <dsp:cNvSpPr/>
-      </dsp:nvSpPr>
-      <dsp:spPr>
-        <a:xfrm>
-          <a:off x="5014912" y="1397793"/>
-          <a:ext cx="1393031" cy="557212"/>
-        </a:xfrm>
-        <a:prstGeom prst="chevron">
-          <a:avLst/>
-        </a:prstGeom>
-        <a:solidFill>
-          <a:schemeClr val="accent1">
-            <a:hueOff val="0"/>
-            <a:satOff val="0"/>
-            <a:lumOff val="0"/>
-            <a:alphaOff val="0"/>
-          </a:schemeClr>
-        </a:solidFill>
-        <a:ln w="25400" cap="flat" cmpd="sng" algn="ctr">
-          <a:solidFill>
-            <a:schemeClr val="lt1">
-              <a:hueOff val="0"/>
-              <a:satOff val="0"/>
-              <a:lumOff val="0"/>
-              <a:alphaOff val="0"/>
-            </a:schemeClr>
-          </a:solidFill>
-          <a:prstDash val="solid"/>
-        </a:ln>
-        <a:effectLst/>
-      </dsp:spPr>
-      <dsp:style>
-        <a:lnRef idx="2">
-          <a:scrgbClr r="0" g="0" b="0"/>
-        </a:lnRef>
-        <a:fillRef idx="1">
-          <a:scrgbClr r="0" g="0" b="0"/>
-        </a:fillRef>
-        <a:effectRef idx="0">
-          <a:scrgbClr r="0" g="0" b="0"/>
-        </a:effectRef>
-        <a:fontRef idx="minor">
-          <a:schemeClr val="lt1"/>
-        </a:fontRef>
-      </dsp:style>
-      <dsp:txBody>
-        <a:bodyPr spcFirstLastPara="0" vert="horz" wrap="square" lIns="40005" tIns="13335" rIns="13335" bIns="13335" numCol="1" spcCol="1270" anchor="ctr" anchorCtr="0">
-          <a:noAutofit/>
-        </a:bodyPr>
-        <a:lstStyle/>
-        <a:p>
-          <a:pPr lvl="0" algn="ctr" defTabSz="444500">
-            <a:lnSpc>
-              <a:spcPct val="90000"/>
-            </a:lnSpc>
-            <a:spcBef>
-              <a:spcPct val="0"/>
-            </a:spcBef>
-            <a:spcAft>
-              <a:spcPct val="35000"/>
-            </a:spcAft>
-          </a:pPr>
-          <a:r>
-            <a:rPr lang="en-US" sz="1000" kern="1200" dirty="0" smtClean="0">
-              <a:solidFill>
-                <a:schemeClr val="tx1"/>
-              </a:solidFill>
-            </a:rPr>
-            <a:t>Layer Extraction and Half-toning</a:t>
-          </a:r>
-          <a:endParaRPr lang="en-US" sz="1000" kern="1200" dirty="0">
-            <a:solidFill>
-              <a:schemeClr val="tx1"/>
-            </a:solidFill>
-          </a:endParaRPr>
-        </a:p>
-      </dsp:txBody>
-      <dsp:txXfrm>
-        <a:off x="5293518" y="1397793"/>
-        <a:ext cx="835819" cy="557212"/>
-      </dsp:txXfrm>
-    </dsp:sp>
-    <dsp:sp modelId="{1214DDDF-E3A3-4EB3-BFBD-CAE78864CA50}">
-      <dsp:nvSpPr>
-        <dsp:cNvPr id="0" name=""/>
-        <dsp:cNvSpPr/>
-      </dsp:nvSpPr>
-      <dsp:spPr>
-        <a:xfrm>
-          <a:off x="6268640" y="1397793"/>
-          <a:ext cx="1393031" cy="557212"/>
-        </a:xfrm>
-        <a:prstGeom prst="chevron">
-          <a:avLst/>
-        </a:prstGeom>
-        <a:solidFill>
-          <a:schemeClr val="accent1">
-            <a:hueOff val="0"/>
-            <a:satOff val="0"/>
-            <a:lumOff val="0"/>
-            <a:alphaOff val="0"/>
-          </a:schemeClr>
-        </a:solidFill>
-        <a:ln w="25400" cap="flat" cmpd="sng" algn="ctr">
-          <a:solidFill>
-            <a:schemeClr val="lt1">
-              <a:hueOff val="0"/>
-              <a:satOff val="0"/>
-              <a:lumOff val="0"/>
-              <a:alphaOff val="0"/>
-            </a:schemeClr>
-          </a:solidFill>
-          <a:prstDash val="solid"/>
-        </a:ln>
-        <a:effectLst/>
-      </dsp:spPr>
-      <dsp:style>
-        <a:lnRef idx="2">
-          <a:scrgbClr r="0" g="0" b="0"/>
-        </a:lnRef>
-        <a:fillRef idx="1">
-          <a:scrgbClr r="0" g="0" b="0"/>
-        </a:fillRef>
-        <a:effectRef idx="0">
-          <a:scrgbClr r="0" g="0" b="0"/>
-        </a:effectRef>
-        <a:fontRef idx="minor">
-          <a:schemeClr val="lt1"/>
-        </a:fontRef>
-      </dsp:style>
-      <dsp:txBody>
-        <a:bodyPr spcFirstLastPara="0" vert="horz" wrap="square" lIns="40005" tIns="13335" rIns="13335" bIns="13335" numCol="1" spcCol="1270" anchor="ctr" anchorCtr="0">
-          <a:noAutofit/>
-        </a:bodyPr>
-        <a:lstStyle/>
-        <a:p>
-          <a:pPr lvl="0" algn="ctr" defTabSz="444500">
-            <a:lnSpc>
-              <a:spcPct val="90000"/>
-            </a:lnSpc>
-            <a:spcBef>
-              <a:spcPct val="0"/>
-            </a:spcBef>
-            <a:spcAft>
-              <a:spcPct val="35000"/>
-            </a:spcAft>
-          </a:pPr>
-          <a:r>
-            <a:rPr lang="en-US" sz="1000" kern="1200" dirty="0" smtClean="0">
-              <a:solidFill>
-                <a:schemeClr val="tx1"/>
-              </a:solidFill>
-            </a:rPr>
-            <a:t>Surface Distance Evaluation</a:t>
-          </a:r>
-          <a:endParaRPr lang="en-US" sz="1000" kern="1200" dirty="0">
-            <a:solidFill>
-              <a:schemeClr val="tx1"/>
-            </a:solidFill>
-          </a:endParaRPr>
-        </a:p>
-      </dsp:txBody>
-      <dsp:txXfrm>
-        <a:off x="6547246" y="1397793"/>
-        <a:ext cx="835819" cy="557212"/>
-      </dsp:txXfrm>
-    </dsp:sp>
-    <dsp:sp modelId="{5D5D5C88-985A-485D-991E-57409E5BC77A}">
-      <dsp:nvSpPr>
-        <dsp:cNvPr id="0" name=""/>
-        <dsp:cNvSpPr/>
-      </dsp:nvSpPr>
-      <dsp:spPr>
-        <a:xfrm>
-          <a:off x="7522368" y="1397793"/>
-          <a:ext cx="1393031" cy="557212"/>
-        </a:xfrm>
-        <a:prstGeom prst="chevron">
-          <a:avLst/>
-        </a:prstGeom>
-        <a:solidFill>
-          <a:schemeClr val="accent1">
-            <a:hueOff val="0"/>
-            <a:satOff val="0"/>
-            <a:lumOff val="0"/>
-            <a:alphaOff val="0"/>
-          </a:schemeClr>
-        </a:solidFill>
-        <a:ln w="25400" cap="flat" cmpd="sng" algn="ctr">
-          <a:solidFill>
-            <a:schemeClr val="lt1">
-              <a:hueOff val="0"/>
-              <a:satOff val="0"/>
-              <a:lumOff val="0"/>
-              <a:alphaOff val="0"/>
-            </a:schemeClr>
-          </a:solidFill>
-          <a:prstDash val="solid"/>
-        </a:ln>
-        <a:effectLst/>
-      </dsp:spPr>
-      <dsp:style>
-        <a:lnRef idx="2">
-          <a:scrgbClr r="0" g="0" b="0"/>
-        </a:lnRef>
-        <a:fillRef idx="1">
-          <a:scrgbClr r="0" g="0" b="0"/>
-        </a:fillRef>
-        <a:effectRef idx="0">
-          <a:scrgbClr r="0" g="0" b="0"/>
-        </a:effectRef>
-        <a:fontRef idx="minor">
-          <a:schemeClr val="lt1"/>
-        </a:fontRef>
-      </dsp:style>
-      <dsp:txBody>
-        <a:bodyPr spcFirstLastPara="0" vert="horz" wrap="square" lIns="40005" tIns="13335" rIns="13335" bIns="13335" numCol="1" spcCol="1270" anchor="ctr" anchorCtr="0">
-          <a:noAutofit/>
-        </a:bodyPr>
-        <a:lstStyle/>
-        <a:p>
-          <a:pPr lvl="0" algn="ctr" defTabSz="444500">
-            <a:lnSpc>
-              <a:spcPct val="90000"/>
-            </a:lnSpc>
-            <a:spcBef>
-              <a:spcPct val="0"/>
-            </a:spcBef>
-            <a:spcAft>
-              <a:spcPct val="35000"/>
-            </a:spcAft>
-          </a:pPr>
-          <a:r>
-            <a:rPr lang="en-US" sz="1000" kern="1200" dirty="0" smtClean="0">
-              <a:solidFill>
-                <a:schemeClr val="tx1"/>
-              </a:solidFill>
-            </a:rPr>
-            <a:t>Output Generation</a:t>
-          </a:r>
-          <a:endParaRPr lang="en-US" sz="1000" kern="1200" dirty="0">
-            <a:solidFill>
-              <a:schemeClr val="tx1"/>
-            </a:solidFill>
-          </a:endParaRPr>
-        </a:p>
-      </dsp:txBody>
-      <dsp:txXfrm>
-        <a:off x="7800974" y="1397793"/>
-        <a:ext cx="835819" cy="557212"/>
-      </dsp:txXfrm>
-    </dsp:sp>
   </dsp:spTree>
 </dsp:drawing>
 </file>
@@ -7607,735 +6418,6 @@
       <dsp:cNvGrpSpPr/>
     </dsp:nvGrpSpPr>
     <dsp:grpSpPr/>
-    <dsp:sp modelId="{82B6CC98-E7D5-4D4E-ACD9-D9D53E7526DB}">
-      <dsp:nvSpPr>
-        <dsp:cNvPr id="0" name=""/>
-        <dsp:cNvSpPr/>
-      </dsp:nvSpPr>
-      <dsp:spPr>
-        <a:xfrm>
-          <a:off x="2841277" y="1079400"/>
-          <a:ext cx="1658541" cy="800206"/>
-        </a:xfrm>
-        <a:custGeom>
-          <a:avLst/>
-          <a:gdLst/>
-          <a:ahLst/>
-          <a:cxnLst/>
-          <a:rect l="0" t="0" r="0" b="0"/>
-          <a:pathLst>
-            <a:path>
-              <a:moveTo>
-                <a:pt x="0" y="0"/>
-              </a:moveTo>
-              <a:lnTo>
-                <a:pt x="0" y="558239"/>
-              </a:lnTo>
-              <a:lnTo>
-                <a:pt x="1658541" y="558239"/>
-              </a:lnTo>
-              <a:lnTo>
-                <a:pt x="1658541" y="800206"/>
-              </a:lnTo>
-            </a:path>
-          </a:pathLst>
-        </a:custGeom>
-        <a:noFill/>
-        <a:ln w="25400" cap="flat" cmpd="sng" algn="ctr">
-          <a:solidFill>
-            <a:schemeClr val="accent1">
-              <a:shade val="60000"/>
-              <a:hueOff val="0"/>
-              <a:satOff val="0"/>
-              <a:lumOff val="0"/>
-              <a:alphaOff val="0"/>
-            </a:schemeClr>
-          </a:solidFill>
-          <a:prstDash val="solid"/>
-        </a:ln>
-        <a:effectLst/>
-        <a:sp3d z="-40000" prstMaterial="matte"/>
-      </dsp:spPr>
-      <dsp:style>
-        <a:lnRef idx="2">
-          <a:scrgbClr r="0" g="0" b="0"/>
-        </a:lnRef>
-        <a:fillRef idx="0">
-          <a:scrgbClr r="0" g="0" b="0"/>
-        </a:fillRef>
-        <a:effectRef idx="0">
-          <a:scrgbClr r="0" g="0" b="0"/>
-        </a:effectRef>
-        <a:fontRef idx="minor"/>
-      </dsp:style>
-    </dsp:sp>
-    <dsp:sp modelId="{3B4976F8-1C91-4B4A-AF74-A6A32D597C6F}">
-      <dsp:nvSpPr>
-        <dsp:cNvPr id="0" name=""/>
-        <dsp:cNvSpPr/>
-      </dsp:nvSpPr>
-      <dsp:spPr>
-        <a:xfrm>
-          <a:off x="1305979" y="1079400"/>
-          <a:ext cx="1535297" cy="800206"/>
-        </a:xfrm>
-        <a:custGeom>
-          <a:avLst/>
-          <a:gdLst/>
-          <a:ahLst/>
-          <a:cxnLst/>
-          <a:rect l="0" t="0" r="0" b="0"/>
-          <a:pathLst>
-            <a:path>
-              <a:moveTo>
-                <a:pt x="1535297" y="0"/>
-              </a:moveTo>
-              <a:lnTo>
-                <a:pt x="1535297" y="558239"/>
-              </a:lnTo>
-              <a:lnTo>
-                <a:pt x="0" y="558239"/>
-              </a:lnTo>
-              <a:lnTo>
-                <a:pt x="0" y="800206"/>
-              </a:lnTo>
-            </a:path>
-          </a:pathLst>
-        </a:custGeom>
-        <a:noFill/>
-        <a:ln w="25400" cap="flat" cmpd="sng" algn="ctr">
-          <a:solidFill>
-            <a:schemeClr val="accent1">
-              <a:shade val="60000"/>
-              <a:hueOff val="0"/>
-              <a:satOff val="0"/>
-              <a:lumOff val="0"/>
-              <a:alphaOff val="0"/>
-            </a:schemeClr>
-          </a:solidFill>
-          <a:prstDash val="solid"/>
-        </a:ln>
-        <a:effectLst/>
-        <a:sp3d z="-40000" prstMaterial="matte"/>
-      </dsp:spPr>
-      <dsp:style>
-        <a:lnRef idx="2">
-          <a:scrgbClr r="0" g="0" b="0"/>
-        </a:lnRef>
-        <a:fillRef idx="0">
-          <a:scrgbClr r="0" g="0" b="0"/>
-        </a:fillRef>
-        <a:effectRef idx="0">
-          <a:scrgbClr r="0" g="0" b="0"/>
-        </a:effectRef>
-        <a:fontRef idx="minor"/>
-      </dsp:style>
-    </dsp:sp>
-    <dsp:sp modelId="{53C24587-0A2B-4FE3-9D3F-3944C820D5B6}">
-      <dsp:nvSpPr>
-        <dsp:cNvPr id="0" name=""/>
-        <dsp:cNvSpPr/>
-      </dsp:nvSpPr>
-      <dsp:spPr>
-        <a:xfrm>
-          <a:off x="1919577" y="308493"/>
-          <a:ext cx="1843398" cy="770906"/>
-        </a:xfrm>
-        <a:prstGeom prst="roundRect">
-          <a:avLst>
-            <a:gd name="adj" fmla="val 10000"/>
-          </a:avLst>
-        </a:prstGeom>
-        <a:solidFill>
-          <a:schemeClr val="accent1">
-            <a:hueOff val="0"/>
-            <a:satOff val="0"/>
-            <a:lumOff val="0"/>
-            <a:alphaOff val="0"/>
-          </a:schemeClr>
-        </a:solidFill>
-        <a:ln>
-          <a:noFill/>
-        </a:ln>
-        <a:effectLst/>
-        <a:scene3d>
-          <a:camera prst="orthographicFront"/>
-          <a:lightRig rig="chilly" dir="t"/>
-        </a:scene3d>
-        <a:sp3d prstMaterial="translucentPowder">
-          <a:bevelT w="127000" h="25400" prst="softRound"/>
-        </a:sp3d>
-      </dsp:spPr>
-      <dsp:style>
-        <a:lnRef idx="0">
-          <a:scrgbClr r="0" g="0" b="0"/>
-        </a:lnRef>
-        <a:fillRef idx="1">
-          <a:scrgbClr r="0" g="0" b="0"/>
-        </a:fillRef>
-        <a:effectRef idx="0">
-          <a:scrgbClr r="0" g="0" b="0"/>
-        </a:effectRef>
-        <a:fontRef idx="minor">
-          <a:schemeClr val="lt1"/>
-        </a:fontRef>
-      </dsp:style>
-    </dsp:sp>
-    <dsp:sp modelId="{633A4F81-F993-47EB-820A-B68DB3A5390E}">
-      <dsp:nvSpPr>
-        <dsp:cNvPr id="0" name=""/>
-        <dsp:cNvSpPr/>
-      </dsp:nvSpPr>
-      <dsp:spPr>
-        <a:xfrm>
-          <a:off x="2209792" y="584197"/>
-          <a:ext cx="1843398" cy="770906"/>
-        </a:xfrm>
-        <a:prstGeom prst="roundRect">
-          <a:avLst>
-            <a:gd name="adj" fmla="val 10000"/>
-          </a:avLst>
-        </a:prstGeom>
-        <a:solidFill>
-          <a:schemeClr val="lt1">
-            <a:alpha val="90000"/>
-            <a:hueOff val="0"/>
-            <a:satOff val="0"/>
-            <a:lumOff val="0"/>
-            <a:alphaOff val="0"/>
-          </a:schemeClr>
-        </a:solidFill>
-        <a:ln w="9525" cap="flat" cmpd="sng" algn="ctr">
-          <a:solidFill>
-            <a:schemeClr val="accent1">
-              <a:hueOff val="0"/>
-              <a:satOff val="0"/>
-              <a:lumOff val="0"/>
-              <a:alphaOff val="0"/>
-            </a:schemeClr>
-          </a:solidFill>
-          <a:prstDash val="solid"/>
-        </a:ln>
-        <a:effectLst/>
-        <a:scene3d>
-          <a:camera prst="orthographicFront"/>
-          <a:lightRig rig="chilly" dir="t"/>
-        </a:scene3d>
-        <a:sp3d z="12700" extrusionH="1700" prstMaterial="dkEdge">
-          <a:bevelT w="25400" h="6350" prst="softRound"/>
-          <a:bevelB w="0" h="0" prst="convex"/>
-        </a:sp3d>
-      </dsp:spPr>
-      <dsp:style>
-        <a:lnRef idx="1">
-          <a:scrgbClr r="0" g="0" b="0"/>
-        </a:lnRef>
-        <a:fillRef idx="1">
-          <a:scrgbClr r="0" g="0" b="0"/>
-        </a:fillRef>
-        <a:effectRef idx="0">
-          <a:scrgbClr r="0" g="0" b="0"/>
-        </a:effectRef>
-        <a:fontRef idx="minor"/>
-      </dsp:style>
-      <dsp:txBody>
-        <a:bodyPr spcFirstLastPara="0" vert="horz" wrap="square" lIns="60960" tIns="60960" rIns="60960" bIns="60960" numCol="1" spcCol="1270" anchor="ctr" anchorCtr="0">
-          <a:noAutofit/>
-        </a:bodyPr>
-        <a:lstStyle/>
-        <a:p>
-          <a:pPr lvl="0" algn="ctr" defTabSz="711200">
-            <a:lnSpc>
-              <a:spcPct val="90000"/>
-            </a:lnSpc>
-            <a:spcBef>
-              <a:spcPct val="0"/>
-            </a:spcBef>
-            <a:spcAft>
-              <a:spcPct val="35000"/>
-            </a:spcAft>
-          </a:pPr>
-          <a:r>
-            <a:rPr lang="en-US" sz="1600" b="1" kern="1200" dirty="0" smtClean="0"/>
-            <a:t>Shared resources</a:t>
-          </a:r>
-          <a:endParaRPr lang="en-US" sz="1600" b="1" kern="1200" dirty="0"/>
-        </a:p>
-      </dsp:txBody>
-      <dsp:txXfrm>
-        <a:off x="2232371" y="606776"/>
-        <a:ext cx="1798240" cy="725748"/>
-      </dsp:txXfrm>
-    </dsp:sp>
-    <dsp:sp modelId="{6BAED831-1434-4AE7-8DB7-037BBAC56C31}">
-      <dsp:nvSpPr>
-        <dsp:cNvPr id="0" name=""/>
-        <dsp:cNvSpPr/>
-      </dsp:nvSpPr>
-      <dsp:spPr>
-        <a:xfrm>
-          <a:off x="12" y="1879606"/>
-          <a:ext cx="2611933" cy="1658577"/>
-        </a:xfrm>
-        <a:prstGeom prst="roundRect">
-          <a:avLst>
-            <a:gd name="adj" fmla="val 10000"/>
-          </a:avLst>
-        </a:prstGeom>
-        <a:solidFill>
-          <a:schemeClr val="accent1">
-            <a:hueOff val="0"/>
-            <a:satOff val="0"/>
-            <a:lumOff val="0"/>
-            <a:alphaOff val="0"/>
-          </a:schemeClr>
-        </a:solidFill>
-        <a:ln>
-          <a:noFill/>
-        </a:ln>
-        <a:effectLst/>
-        <a:scene3d>
-          <a:camera prst="orthographicFront"/>
-          <a:lightRig rig="chilly" dir="t"/>
-        </a:scene3d>
-        <a:sp3d prstMaterial="translucentPowder">
-          <a:bevelT w="127000" h="25400" prst="softRound"/>
-        </a:sp3d>
-      </dsp:spPr>
-      <dsp:style>
-        <a:lnRef idx="0">
-          <a:scrgbClr r="0" g="0" b="0"/>
-        </a:lnRef>
-        <a:fillRef idx="1">
-          <a:scrgbClr r="0" g="0" b="0"/>
-        </a:fillRef>
-        <a:effectRef idx="0">
-          <a:scrgbClr r="0" g="0" b="0"/>
-        </a:effectRef>
-        <a:fontRef idx="minor">
-          <a:schemeClr val="lt1"/>
-        </a:fontRef>
-      </dsp:style>
-    </dsp:sp>
-    <dsp:sp modelId="{2CA332BF-C7D5-44C4-86AB-C5F8609888C3}">
-      <dsp:nvSpPr>
-        <dsp:cNvPr id="0" name=""/>
-        <dsp:cNvSpPr/>
-      </dsp:nvSpPr>
-      <dsp:spPr>
-        <a:xfrm>
-          <a:off x="290227" y="2155310"/>
-          <a:ext cx="2611933" cy="1658577"/>
-        </a:xfrm>
-        <a:prstGeom prst="roundRect">
-          <a:avLst>
-            <a:gd name="adj" fmla="val 10000"/>
-          </a:avLst>
-        </a:prstGeom>
-        <a:solidFill>
-          <a:schemeClr val="lt1">
-            <a:alpha val="90000"/>
-            <a:hueOff val="0"/>
-            <a:satOff val="0"/>
-            <a:lumOff val="0"/>
-            <a:alphaOff val="0"/>
-          </a:schemeClr>
-        </a:solidFill>
-        <a:ln w="9525" cap="flat" cmpd="sng" algn="ctr">
-          <a:solidFill>
-            <a:schemeClr val="accent1">
-              <a:hueOff val="0"/>
-              <a:satOff val="0"/>
-              <a:lumOff val="0"/>
-              <a:alphaOff val="0"/>
-            </a:schemeClr>
-          </a:solidFill>
-          <a:prstDash val="solid"/>
-        </a:ln>
-        <a:effectLst/>
-        <a:scene3d>
-          <a:camera prst="orthographicFront"/>
-          <a:lightRig rig="chilly" dir="t"/>
-        </a:scene3d>
-        <a:sp3d z="12700" extrusionH="1700" prstMaterial="dkEdge">
-          <a:bevelT w="25400" h="6350" prst="softRound"/>
-          <a:bevelB w="0" h="0" prst="convex"/>
-        </a:sp3d>
-      </dsp:spPr>
-      <dsp:style>
-        <a:lnRef idx="1">
-          <a:scrgbClr r="0" g="0" b="0"/>
-        </a:lnRef>
-        <a:fillRef idx="1">
-          <a:scrgbClr r="0" g="0" b="0"/>
-        </a:fillRef>
-        <a:effectRef idx="0">
-          <a:scrgbClr r="0" g="0" b="0"/>
-        </a:effectRef>
-        <a:fontRef idx="minor"/>
-      </dsp:style>
-      <dsp:txBody>
-        <a:bodyPr spcFirstLastPara="0" vert="horz" wrap="square" lIns="60960" tIns="60960" rIns="60960" bIns="60960" numCol="1" spcCol="1270" anchor="ctr" anchorCtr="0">
-          <a:noAutofit/>
-        </a:bodyPr>
-        <a:lstStyle/>
-        <a:p>
-          <a:pPr lvl="0" algn="ctr" defTabSz="711200">
-            <a:lnSpc>
-              <a:spcPct val="90000"/>
-            </a:lnSpc>
-            <a:spcBef>
-              <a:spcPct val="0"/>
-            </a:spcBef>
-            <a:spcAft>
-              <a:spcPct val="35000"/>
-            </a:spcAft>
-          </a:pPr>
-          <a:r>
-            <a:rPr lang="en-US" sz="1600" b="1" kern="1200" dirty="0" smtClean="0"/>
-            <a:t>Physical Resources</a:t>
-          </a:r>
-        </a:p>
-        <a:p>
-          <a:pPr lvl="0" algn="ctr" defTabSz="711200">
-            <a:lnSpc>
-              <a:spcPct val="90000"/>
-            </a:lnSpc>
-            <a:spcBef>
-              <a:spcPct val="0"/>
-            </a:spcBef>
-            <a:spcAft>
-              <a:spcPct val="35000"/>
-            </a:spcAft>
-          </a:pPr>
-          <a:r>
-            <a:rPr lang="en-US" sz="900" kern="1200" dirty="0" smtClean="0"/>
-            <a:t>- resources which can be shared with some dependence on their location </a:t>
-          </a:r>
-        </a:p>
-        <a:p>
-          <a:pPr lvl="0" algn="l" defTabSz="711200">
-            <a:lnSpc>
-              <a:spcPct val="90000"/>
-            </a:lnSpc>
-            <a:spcBef>
-              <a:spcPct val="0"/>
-            </a:spcBef>
-            <a:spcAft>
-              <a:spcPct val="35000"/>
-            </a:spcAft>
-          </a:pPr>
-          <a:endParaRPr lang="en-US" sz="900" kern="1200" dirty="0" smtClean="0"/>
-        </a:p>
-        <a:p>
-          <a:pPr lvl="0" algn="l" defTabSz="711200">
-            <a:lnSpc>
-              <a:spcPct val="90000"/>
-            </a:lnSpc>
-            <a:spcBef>
-              <a:spcPct val="0"/>
-            </a:spcBef>
-            <a:spcAft>
-              <a:spcPct val="35000"/>
-            </a:spcAft>
-          </a:pPr>
-          <a:r>
-            <a:rPr lang="en-US" sz="900" kern="1200" dirty="0" smtClean="0"/>
-            <a:t>Computation power</a:t>
-          </a:r>
-        </a:p>
-        <a:p>
-          <a:pPr lvl="0" algn="l" defTabSz="711200">
-            <a:lnSpc>
-              <a:spcPct val="90000"/>
-            </a:lnSpc>
-            <a:spcBef>
-              <a:spcPct val="0"/>
-            </a:spcBef>
-            <a:spcAft>
-              <a:spcPct val="35000"/>
-            </a:spcAft>
-          </a:pPr>
-          <a:r>
-            <a:rPr lang="en-US" sz="900" kern="1200" dirty="0" smtClean="0"/>
-            <a:t>Storage devices</a:t>
-          </a:r>
-        </a:p>
-        <a:p>
-          <a:pPr lvl="0" algn="l" defTabSz="711200">
-            <a:lnSpc>
-              <a:spcPct val="90000"/>
-            </a:lnSpc>
-            <a:spcBef>
-              <a:spcPct val="0"/>
-            </a:spcBef>
-            <a:spcAft>
-              <a:spcPct val="35000"/>
-            </a:spcAft>
-          </a:pPr>
-          <a:r>
-            <a:rPr lang="en-US" sz="900" kern="1200" dirty="0" smtClean="0"/>
-            <a:t>Communication capacity</a:t>
-          </a:r>
-        </a:p>
-        <a:p>
-          <a:pPr lvl="0" algn="ctr" defTabSz="711200">
-            <a:lnSpc>
-              <a:spcPct val="90000"/>
-            </a:lnSpc>
-            <a:spcBef>
-              <a:spcPct val="0"/>
-            </a:spcBef>
-            <a:spcAft>
-              <a:spcPct val="35000"/>
-            </a:spcAft>
-          </a:pPr>
-          <a:endParaRPr lang="en-US" sz="900" kern="1200" dirty="0"/>
-        </a:p>
-      </dsp:txBody>
-      <dsp:txXfrm>
-        <a:off x="338805" y="2203888"/>
-        <a:ext cx="2514777" cy="1561421"/>
-      </dsp:txXfrm>
-    </dsp:sp>
-    <dsp:sp modelId="{54ED80A4-9519-416E-8692-A675E58D6A01}">
-      <dsp:nvSpPr>
-        <dsp:cNvPr id="0" name=""/>
-        <dsp:cNvSpPr/>
-      </dsp:nvSpPr>
-      <dsp:spPr>
-        <a:xfrm>
-          <a:off x="3193851" y="1879606"/>
-          <a:ext cx="2611933" cy="1658577"/>
-        </a:xfrm>
-        <a:prstGeom prst="roundRect">
-          <a:avLst>
-            <a:gd name="adj" fmla="val 10000"/>
-          </a:avLst>
-        </a:prstGeom>
-        <a:solidFill>
-          <a:schemeClr val="accent1">
-            <a:hueOff val="0"/>
-            <a:satOff val="0"/>
-            <a:lumOff val="0"/>
-            <a:alphaOff val="0"/>
-          </a:schemeClr>
-        </a:solidFill>
-        <a:ln>
-          <a:noFill/>
-        </a:ln>
-        <a:effectLst/>
-        <a:scene3d>
-          <a:camera prst="orthographicFront"/>
-          <a:lightRig rig="chilly" dir="t"/>
-        </a:scene3d>
-        <a:sp3d prstMaterial="translucentPowder">
-          <a:bevelT w="127000" h="25400" prst="softRound"/>
-        </a:sp3d>
-      </dsp:spPr>
-      <dsp:style>
-        <a:lnRef idx="0">
-          <a:scrgbClr r="0" g="0" b="0"/>
-        </a:lnRef>
-        <a:fillRef idx="1">
-          <a:scrgbClr r="0" g="0" b="0"/>
-        </a:fillRef>
-        <a:effectRef idx="0">
-          <a:scrgbClr r="0" g="0" b="0"/>
-        </a:effectRef>
-        <a:fontRef idx="minor">
-          <a:schemeClr val="lt1"/>
-        </a:fontRef>
-      </dsp:style>
-    </dsp:sp>
-    <dsp:sp modelId="{62F573A8-C98B-4300-903C-ACC41DE49811}">
-      <dsp:nvSpPr>
-        <dsp:cNvPr id="0" name=""/>
-        <dsp:cNvSpPr/>
-      </dsp:nvSpPr>
-      <dsp:spPr>
-        <a:xfrm>
-          <a:off x="3484066" y="2155310"/>
-          <a:ext cx="2611933" cy="1658577"/>
-        </a:xfrm>
-        <a:prstGeom prst="roundRect">
-          <a:avLst>
-            <a:gd name="adj" fmla="val 10000"/>
-          </a:avLst>
-        </a:prstGeom>
-        <a:solidFill>
-          <a:schemeClr val="lt1">
-            <a:alpha val="90000"/>
-            <a:hueOff val="0"/>
-            <a:satOff val="0"/>
-            <a:lumOff val="0"/>
-            <a:alphaOff val="0"/>
-          </a:schemeClr>
-        </a:solidFill>
-        <a:ln w="9525" cap="flat" cmpd="sng" algn="ctr">
-          <a:solidFill>
-            <a:schemeClr val="accent1">
-              <a:hueOff val="0"/>
-              <a:satOff val="0"/>
-              <a:lumOff val="0"/>
-              <a:alphaOff val="0"/>
-            </a:schemeClr>
-          </a:solidFill>
-          <a:prstDash val="solid"/>
-        </a:ln>
-        <a:effectLst/>
-        <a:scene3d>
-          <a:camera prst="orthographicFront"/>
-          <a:lightRig rig="chilly" dir="t"/>
-        </a:scene3d>
-        <a:sp3d z="12700" extrusionH="1700" prstMaterial="dkEdge">
-          <a:bevelT w="25400" h="6350" prst="softRound"/>
-          <a:bevelB w="0" h="0" prst="convex"/>
-        </a:sp3d>
-      </dsp:spPr>
-      <dsp:style>
-        <a:lnRef idx="1">
-          <a:scrgbClr r="0" g="0" b="0"/>
-        </a:lnRef>
-        <a:fillRef idx="1">
-          <a:scrgbClr r="0" g="0" b="0"/>
-        </a:fillRef>
-        <a:effectRef idx="0">
-          <a:scrgbClr r="0" g="0" b="0"/>
-        </a:effectRef>
-        <a:fontRef idx="minor"/>
-      </dsp:style>
-      <dsp:txBody>
-        <a:bodyPr spcFirstLastPara="0" vert="horz" wrap="square" lIns="60960" tIns="60960" rIns="60960" bIns="60960" numCol="1" spcCol="1270" anchor="ctr" anchorCtr="0">
-          <a:noAutofit/>
-        </a:bodyPr>
-        <a:lstStyle/>
-        <a:p>
-          <a:pPr lvl="0" algn="ctr" defTabSz="711200">
-            <a:lnSpc>
-              <a:spcPct val="90000"/>
-            </a:lnSpc>
-            <a:spcBef>
-              <a:spcPct val="0"/>
-            </a:spcBef>
-            <a:spcAft>
-              <a:spcPct val="35000"/>
-            </a:spcAft>
-          </a:pPr>
-          <a:r>
-            <a:rPr lang="en-US" sz="1600" b="1" kern="1200" dirty="0" smtClean="0"/>
-            <a:t>Virtual Resources</a:t>
-          </a:r>
-        </a:p>
-        <a:p>
-          <a:pPr lvl="0" algn="ctr" defTabSz="711200">
-            <a:lnSpc>
-              <a:spcPct val="90000"/>
-            </a:lnSpc>
-            <a:spcBef>
-              <a:spcPct val="0"/>
-            </a:spcBef>
-            <a:spcAft>
-              <a:spcPct val="35000"/>
-            </a:spcAft>
-          </a:pPr>
-          <a:r>
-            <a:rPr lang="en-US" sz="900" kern="1200" dirty="0" smtClean="0"/>
-            <a:t>-resources which can be shared independent of their physical location</a:t>
-          </a:r>
-        </a:p>
-        <a:p>
-          <a:pPr lvl="0" algn="ctr" defTabSz="711200">
-            <a:lnSpc>
-              <a:spcPct val="90000"/>
-            </a:lnSpc>
-            <a:spcBef>
-              <a:spcPct val="0"/>
-            </a:spcBef>
-            <a:spcAft>
-              <a:spcPct val="35000"/>
-            </a:spcAft>
-          </a:pPr>
-          <a:r>
-            <a:rPr lang="en-US" sz="900" kern="1200" dirty="0" smtClean="0"/>
-            <a:t> </a:t>
-          </a:r>
-        </a:p>
-        <a:p>
-          <a:pPr lvl="0" algn="l" defTabSz="711200">
-            <a:lnSpc>
-              <a:spcPct val="90000"/>
-            </a:lnSpc>
-            <a:spcBef>
-              <a:spcPct val="0"/>
-            </a:spcBef>
-            <a:spcAft>
-              <a:spcPct val="35000"/>
-            </a:spcAft>
-          </a:pPr>
-          <a:r>
-            <a:rPr lang="en-US" sz="900" kern="1200" dirty="0" smtClean="0"/>
-            <a:t>Operating systems</a:t>
-          </a:r>
-        </a:p>
-        <a:p>
-          <a:pPr lvl="0" algn="l" defTabSz="711200">
-            <a:lnSpc>
-              <a:spcPct val="90000"/>
-            </a:lnSpc>
-            <a:spcBef>
-              <a:spcPct val="0"/>
-            </a:spcBef>
-            <a:spcAft>
-              <a:spcPct val="35000"/>
-            </a:spcAft>
-          </a:pPr>
-          <a:r>
-            <a:rPr lang="en-US" sz="900" kern="1200" dirty="0" smtClean="0"/>
-            <a:t>Software and licenses</a:t>
-          </a:r>
-        </a:p>
-        <a:p>
-          <a:pPr lvl="0" algn="l" defTabSz="711200">
-            <a:lnSpc>
-              <a:spcPct val="90000"/>
-            </a:lnSpc>
-            <a:spcBef>
-              <a:spcPct val="0"/>
-            </a:spcBef>
-            <a:spcAft>
-              <a:spcPct val="35000"/>
-            </a:spcAft>
-          </a:pPr>
-          <a:r>
-            <a:rPr lang="en-US" sz="900" kern="1200" dirty="0" smtClean="0"/>
-            <a:t>Tasks and applications </a:t>
-          </a:r>
-        </a:p>
-        <a:p>
-          <a:pPr lvl="0" algn="l" defTabSz="711200">
-            <a:lnSpc>
-              <a:spcPct val="90000"/>
-            </a:lnSpc>
-            <a:spcBef>
-              <a:spcPct val="0"/>
-            </a:spcBef>
-            <a:spcAft>
-              <a:spcPct val="35000"/>
-            </a:spcAft>
-          </a:pPr>
-          <a:r>
-            <a:rPr lang="en-US" sz="900" kern="1200" dirty="0" smtClean="0"/>
-            <a:t>Services</a:t>
-          </a:r>
-          <a:endParaRPr lang="en-US" sz="900" kern="1200" dirty="0"/>
-        </a:p>
-      </dsp:txBody>
-      <dsp:txXfrm>
-        <a:off x="3532644" y="2203888"/>
-        <a:ext cx="2514777" cy="1561421"/>
-      </dsp:txXfrm>
-    </dsp:sp>
   </dsp:spTree>
 </dsp:drawing>
 </file>
@@ -8348,1338 +6430,6 @@
       <dsp:cNvGrpSpPr/>
     </dsp:nvGrpSpPr>
     <dsp:grpSpPr/>
-    <dsp:sp modelId="{C15F7BDE-BE17-440A-AFDC-26911405FC39}">
-      <dsp:nvSpPr>
-        <dsp:cNvPr id="0" name=""/>
-        <dsp:cNvSpPr/>
-      </dsp:nvSpPr>
-      <dsp:spPr>
-        <a:xfrm>
-          <a:off x="2977157" y="1188977"/>
-          <a:ext cx="2337792" cy="370858"/>
-        </a:xfrm>
-        <a:custGeom>
-          <a:avLst/>
-          <a:gdLst/>
-          <a:ahLst/>
-          <a:cxnLst/>
-          <a:rect l="0" t="0" r="0" b="0"/>
-          <a:pathLst>
-            <a:path>
-              <a:moveTo>
-                <a:pt x="0" y="0"/>
-              </a:moveTo>
-              <a:lnTo>
-                <a:pt x="0" y="252729"/>
-              </a:lnTo>
-              <a:lnTo>
-                <a:pt x="2337792" y="252729"/>
-              </a:lnTo>
-              <a:lnTo>
-                <a:pt x="2337792" y="370858"/>
-              </a:lnTo>
-            </a:path>
-          </a:pathLst>
-        </a:custGeom>
-        <a:noFill/>
-        <a:ln w="25400" cap="flat" cmpd="sng" algn="ctr">
-          <a:solidFill>
-            <a:schemeClr val="accent1">
-              <a:shade val="60000"/>
-              <a:hueOff val="0"/>
-              <a:satOff val="0"/>
-              <a:lumOff val="0"/>
-              <a:alphaOff val="0"/>
-            </a:schemeClr>
-          </a:solidFill>
-          <a:prstDash val="solid"/>
-        </a:ln>
-        <a:effectLst/>
-        <a:sp3d z="-40000" prstMaterial="matte"/>
-      </dsp:spPr>
-      <dsp:style>
-        <a:lnRef idx="2">
-          <a:scrgbClr r="0" g="0" b="0"/>
-        </a:lnRef>
-        <a:fillRef idx="0">
-          <a:scrgbClr r="0" g="0" b="0"/>
-        </a:fillRef>
-        <a:effectRef idx="0">
-          <a:scrgbClr r="0" g="0" b="0"/>
-        </a:effectRef>
-        <a:fontRef idx="minor"/>
-      </dsp:style>
-    </dsp:sp>
-    <dsp:sp modelId="{85343B2D-6766-4596-A7C0-7ED78437CB26}">
-      <dsp:nvSpPr>
-        <dsp:cNvPr id="0" name=""/>
-        <dsp:cNvSpPr/>
-      </dsp:nvSpPr>
-      <dsp:spPr>
-        <a:xfrm>
-          <a:off x="3756421" y="2369563"/>
-          <a:ext cx="779264" cy="370858"/>
-        </a:xfrm>
-        <a:custGeom>
-          <a:avLst/>
-          <a:gdLst/>
-          <a:ahLst/>
-          <a:cxnLst/>
-          <a:rect l="0" t="0" r="0" b="0"/>
-          <a:pathLst>
-            <a:path>
-              <a:moveTo>
-                <a:pt x="0" y="0"/>
-              </a:moveTo>
-              <a:lnTo>
-                <a:pt x="0" y="252729"/>
-              </a:lnTo>
-              <a:lnTo>
-                <a:pt x="779264" y="252729"/>
-              </a:lnTo>
-              <a:lnTo>
-                <a:pt x="779264" y="370858"/>
-              </a:lnTo>
-            </a:path>
-          </a:pathLst>
-        </a:custGeom>
-        <a:noFill/>
-        <a:ln w="25400" cap="flat" cmpd="sng" algn="ctr">
-          <a:solidFill>
-            <a:schemeClr val="accent1">
-              <a:shade val="80000"/>
-              <a:hueOff val="0"/>
-              <a:satOff val="0"/>
-              <a:lumOff val="0"/>
-              <a:alphaOff val="0"/>
-            </a:schemeClr>
-          </a:solidFill>
-          <a:prstDash val="solid"/>
-        </a:ln>
-        <a:effectLst/>
-        <a:scene3d>
-          <a:camera prst="orthographicFront"/>
-          <a:lightRig rig="chilly" dir="t"/>
-        </a:scene3d>
-        <a:sp3d z="-40000" prstMaterial="matte"/>
-      </dsp:spPr>
-      <dsp:style>
-        <a:lnRef idx="2">
-          <a:scrgbClr r="0" g="0" b="0"/>
-        </a:lnRef>
-        <a:fillRef idx="0">
-          <a:scrgbClr r="0" g="0" b="0"/>
-        </a:fillRef>
-        <a:effectRef idx="0">
-          <a:scrgbClr r="0" g="0" b="0"/>
-        </a:effectRef>
-        <a:fontRef idx="minor"/>
-      </dsp:style>
-    </dsp:sp>
-    <dsp:sp modelId="{1FDAFF91-CC20-4CEC-A22C-6CFA1AF43D26}">
-      <dsp:nvSpPr>
-        <dsp:cNvPr id="0" name=""/>
-        <dsp:cNvSpPr/>
-      </dsp:nvSpPr>
-      <dsp:spPr>
-        <a:xfrm>
-          <a:off x="2977157" y="2369563"/>
-          <a:ext cx="779264" cy="370858"/>
-        </a:xfrm>
-        <a:custGeom>
-          <a:avLst/>
-          <a:gdLst/>
-          <a:ahLst/>
-          <a:cxnLst/>
-          <a:rect l="0" t="0" r="0" b="0"/>
-          <a:pathLst>
-            <a:path>
-              <a:moveTo>
-                <a:pt x="779264" y="0"/>
-              </a:moveTo>
-              <a:lnTo>
-                <a:pt x="779264" y="252729"/>
-              </a:lnTo>
-              <a:lnTo>
-                <a:pt x="0" y="252729"/>
-              </a:lnTo>
-              <a:lnTo>
-                <a:pt x="0" y="370858"/>
-              </a:lnTo>
-            </a:path>
-          </a:pathLst>
-        </a:custGeom>
-        <a:noFill/>
-        <a:ln w="25400" cap="flat" cmpd="sng" algn="ctr">
-          <a:solidFill>
-            <a:schemeClr val="accent1">
-              <a:shade val="80000"/>
-              <a:hueOff val="0"/>
-              <a:satOff val="0"/>
-              <a:lumOff val="0"/>
-              <a:alphaOff val="0"/>
-            </a:schemeClr>
-          </a:solidFill>
-          <a:prstDash val="solid"/>
-        </a:ln>
-        <a:effectLst/>
-        <a:scene3d>
-          <a:camera prst="orthographicFront"/>
-          <a:lightRig rig="chilly" dir="t"/>
-        </a:scene3d>
-        <a:sp3d z="-40000" prstMaterial="matte"/>
-      </dsp:spPr>
-      <dsp:style>
-        <a:lnRef idx="2">
-          <a:scrgbClr r="0" g="0" b="0"/>
-        </a:lnRef>
-        <a:fillRef idx="0">
-          <a:scrgbClr r="0" g="0" b="0"/>
-        </a:fillRef>
-        <a:effectRef idx="0">
-          <a:scrgbClr r="0" g="0" b="0"/>
-        </a:effectRef>
-        <a:fontRef idx="minor"/>
-      </dsp:style>
-    </dsp:sp>
-    <dsp:sp modelId="{ECDC51A7-6312-4B5B-9113-87639623B933}">
-      <dsp:nvSpPr>
-        <dsp:cNvPr id="0" name=""/>
-        <dsp:cNvSpPr/>
-      </dsp:nvSpPr>
-      <dsp:spPr>
-        <a:xfrm>
-          <a:off x="2977157" y="1188977"/>
-          <a:ext cx="779264" cy="370858"/>
-        </a:xfrm>
-        <a:custGeom>
-          <a:avLst/>
-          <a:gdLst/>
-          <a:ahLst/>
-          <a:cxnLst/>
-          <a:rect l="0" t="0" r="0" b="0"/>
-          <a:pathLst>
-            <a:path>
-              <a:moveTo>
-                <a:pt x="0" y="0"/>
-              </a:moveTo>
-              <a:lnTo>
-                <a:pt x="0" y="252729"/>
-              </a:lnTo>
-              <a:lnTo>
-                <a:pt x="779264" y="252729"/>
-              </a:lnTo>
-              <a:lnTo>
-                <a:pt x="779264" y="370858"/>
-              </a:lnTo>
-            </a:path>
-          </a:pathLst>
-        </a:custGeom>
-        <a:noFill/>
-        <a:ln w="25400" cap="flat" cmpd="sng" algn="ctr">
-          <a:solidFill>
-            <a:schemeClr val="accent1">
-              <a:shade val="60000"/>
-              <a:hueOff val="0"/>
-              <a:satOff val="0"/>
-              <a:lumOff val="0"/>
-              <a:alphaOff val="0"/>
-            </a:schemeClr>
-          </a:solidFill>
-          <a:prstDash val="solid"/>
-        </a:ln>
-        <a:effectLst/>
-        <a:sp3d z="-40000" prstMaterial="matte"/>
-      </dsp:spPr>
-      <dsp:style>
-        <a:lnRef idx="2">
-          <a:scrgbClr r="0" g="0" b="0"/>
-        </a:lnRef>
-        <a:fillRef idx="0">
-          <a:scrgbClr r="0" g="0" b="0"/>
-        </a:fillRef>
-        <a:effectRef idx="0">
-          <a:scrgbClr r="0" g="0" b="0"/>
-        </a:effectRef>
-        <a:fontRef idx="minor"/>
-      </dsp:style>
-    </dsp:sp>
-    <dsp:sp modelId="{35FDEEF8-A771-4D6A-821D-5DD0765F4E3F}">
-      <dsp:nvSpPr>
-        <dsp:cNvPr id="0" name=""/>
-        <dsp:cNvSpPr/>
-      </dsp:nvSpPr>
-      <dsp:spPr>
-        <a:xfrm>
-          <a:off x="2197893" y="1188977"/>
-          <a:ext cx="779264" cy="370858"/>
-        </a:xfrm>
-        <a:custGeom>
-          <a:avLst/>
-          <a:gdLst/>
-          <a:ahLst/>
-          <a:cxnLst/>
-          <a:rect l="0" t="0" r="0" b="0"/>
-          <a:pathLst>
-            <a:path>
-              <a:moveTo>
-                <a:pt x="779264" y="0"/>
-              </a:moveTo>
-              <a:lnTo>
-                <a:pt x="779264" y="252729"/>
-              </a:lnTo>
-              <a:lnTo>
-                <a:pt x="0" y="252729"/>
-              </a:lnTo>
-              <a:lnTo>
-                <a:pt x="0" y="370858"/>
-              </a:lnTo>
-            </a:path>
-          </a:pathLst>
-        </a:custGeom>
-        <a:noFill/>
-        <a:ln w="25400" cap="flat" cmpd="sng" algn="ctr">
-          <a:solidFill>
-            <a:schemeClr val="accent1">
-              <a:shade val="60000"/>
-              <a:hueOff val="0"/>
-              <a:satOff val="0"/>
-              <a:lumOff val="0"/>
-              <a:alphaOff val="0"/>
-            </a:schemeClr>
-          </a:solidFill>
-          <a:prstDash val="solid"/>
-        </a:ln>
-        <a:effectLst/>
-        <a:sp3d z="-40000" prstMaterial="matte"/>
-      </dsp:spPr>
-      <dsp:style>
-        <a:lnRef idx="2">
-          <a:scrgbClr r="0" g="0" b="0"/>
-        </a:lnRef>
-        <a:fillRef idx="0">
-          <a:scrgbClr r="0" g="0" b="0"/>
-        </a:fillRef>
-        <a:effectRef idx="0">
-          <a:scrgbClr r="0" g="0" b="0"/>
-        </a:effectRef>
-        <a:fontRef idx="minor"/>
-      </dsp:style>
-    </dsp:sp>
-    <dsp:sp modelId="{2E78A703-B9DD-425D-8C61-5CF4A53FAFA3}">
-      <dsp:nvSpPr>
-        <dsp:cNvPr id="0" name=""/>
-        <dsp:cNvSpPr/>
-      </dsp:nvSpPr>
-      <dsp:spPr>
-        <a:xfrm>
-          <a:off x="639365" y="1188977"/>
-          <a:ext cx="2337792" cy="370858"/>
-        </a:xfrm>
-        <a:custGeom>
-          <a:avLst/>
-          <a:gdLst/>
-          <a:ahLst/>
-          <a:cxnLst/>
-          <a:rect l="0" t="0" r="0" b="0"/>
-          <a:pathLst>
-            <a:path>
-              <a:moveTo>
-                <a:pt x="2337792" y="0"/>
-              </a:moveTo>
-              <a:lnTo>
-                <a:pt x="2337792" y="252729"/>
-              </a:lnTo>
-              <a:lnTo>
-                <a:pt x="0" y="252729"/>
-              </a:lnTo>
-              <a:lnTo>
-                <a:pt x="0" y="370858"/>
-              </a:lnTo>
-            </a:path>
-          </a:pathLst>
-        </a:custGeom>
-        <a:noFill/>
-        <a:ln w="25400" cap="flat" cmpd="sng" algn="ctr">
-          <a:solidFill>
-            <a:schemeClr val="accent1">
-              <a:shade val="60000"/>
-              <a:hueOff val="0"/>
-              <a:satOff val="0"/>
-              <a:lumOff val="0"/>
-              <a:alphaOff val="0"/>
-            </a:schemeClr>
-          </a:solidFill>
-          <a:prstDash val="solid"/>
-        </a:ln>
-        <a:effectLst/>
-        <a:sp3d z="-40000" prstMaterial="matte"/>
-      </dsp:spPr>
-      <dsp:style>
-        <a:lnRef idx="2">
-          <a:scrgbClr r="0" g="0" b="0"/>
-        </a:lnRef>
-        <a:fillRef idx="0">
-          <a:scrgbClr r="0" g="0" b="0"/>
-        </a:fillRef>
-        <a:effectRef idx="0">
-          <a:scrgbClr r="0" g="0" b="0"/>
-        </a:effectRef>
-        <a:fontRef idx="minor"/>
-      </dsp:style>
-    </dsp:sp>
-    <dsp:sp modelId="{BEF97BD1-8EDB-42ED-B248-3EEE60E32564}">
-      <dsp:nvSpPr>
-        <dsp:cNvPr id="0" name=""/>
-        <dsp:cNvSpPr/>
-      </dsp:nvSpPr>
-      <dsp:spPr>
-        <a:xfrm>
-          <a:off x="2339578" y="379251"/>
-          <a:ext cx="1275159" cy="809726"/>
-        </a:xfrm>
-        <a:prstGeom prst="roundRect">
-          <a:avLst>
-            <a:gd name="adj" fmla="val 10000"/>
-          </a:avLst>
-        </a:prstGeom>
-        <a:solidFill>
-          <a:schemeClr val="accent1">
-            <a:hueOff val="0"/>
-            <a:satOff val="0"/>
-            <a:lumOff val="0"/>
-            <a:alphaOff val="0"/>
-          </a:schemeClr>
-        </a:solidFill>
-        <a:ln>
-          <a:noFill/>
-        </a:ln>
-        <a:effectLst/>
-        <a:scene3d>
-          <a:camera prst="orthographicFront"/>
-          <a:lightRig rig="chilly" dir="t"/>
-        </a:scene3d>
-        <a:sp3d prstMaterial="translucentPowder">
-          <a:bevelT w="127000" h="25400" prst="softRound"/>
-        </a:sp3d>
-      </dsp:spPr>
-      <dsp:style>
-        <a:lnRef idx="0">
-          <a:scrgbClr r="0" g="0" b="0"/>
-        </a:lnRef>
-        <a:fillRef idx="1">
-          <a:scrgbClr r="0" g="0" b="0"/>
-        </a:fillRef>
-        <a:effectRef idx="0">
-          <a:scrgbClr r="0" g="0" b="0"/>
-        </a:effectRef>
-        <a:fontRef idx="minor">
-          <a:schemeClr val="lt1"/>
-        </a:fontRef>
-      </dsp:style>
-    </dsp:sp>
-    <dsp:sp modelId="{5573FD94-740A-4861-83F1-29D0DAEBDC74}">
-      <dsp:nvSpPr>
-        <dsp:cNvPr id="0" name=""/>
-        <dsp:cNvSpPr/>
-      </dsp:nvSpPr>
-      <dsp:spPr>
-        <a:xfrm>
-          <a:off x="2481262" y="513851"/>
-          <a:ext cx="1275159" cy="809726"/>
-        </a:xfrm>
-        <a:prstGeom prst="roundRect">
-          <a:avLst>
-            <a:gd name="adj" fmla="val 10000"/>
-          </a:avLst>
-        </a:prstGeom>
-        <a:solidFill>
-          <a:schemeClr val="lt1">
-            <a:alpha val="90000"/>
-            <a:hueOff val="0"/>
-            <a:satOff val="0"/>
-            <a:lumOff val="0"/>
-            <a:alphaOff val="0"/>
-          </a:schemeClr>
-        </a:solidFill>
-        <a:ln w="9525" cap="flat" cmpd="sng" algn="ctr">
-          <a:solidFill>
-            <a:schemeClr val="accent1">
-              <a:hueOff val="0"/>
-              <a:satOff val="0"/>
-              <a:lumOff val="0"/>
-              <a:alphaOff val="0"/>
-            </a:schemeClr>
-          </a:solidFill>
-          <a:prstDash val="solid"/>
-        </a:ln>
-        <a:effectLst/>
-        <a:scene3d>
-          <a:camera prst="orthographicFront"/>
-          <a:lightRig rig="chilly" dir="t"/>
-        </a:scene3d>
-        <a:sp3d z="12700" extrusionH="1700" prstMaterial="dkEdge">
-          <a:bevelT w="25400" h="6350" prst="softRound"/>
-          <a:bevelB w="0" h="0" prst="convex"/>
-        </a:sp3d>
-      </dsp:spPr>
-      <dsp:style>
-        <a:lnRef idx="1">
-          <a:scrgbClr r="0" g="0" b="0"/>
-        </a:lnRef>
-        <a:fillRef idx="1">
-          <a:scrgbClr r="0" g="0" b="0"/>
-        </a:fillRef>
-        <a:effectRef idx="0">
-          <a:scrgbClr r="0" g="0" b="0"/>
-        </a:effectRef>
-        <a:fontRef idx="minor"/>
-      </dsp:style>
-      <dsp:txBody>
-        <a:bodyPr spcFirstLastPara="0" vert="horz" wrap="square" lIns="60960" tIns="60960" rIns="60960" bIns="60960" numCol="1" spcCol="1270" anchor="ctr" anchorCtr="0">
-          <a:noAutofit/>
-        </a:bodyPr>
-        <a:lstStyle/>
-        <a:p>
-          <a:pPr lvl="0" algn="ctr" defTabSz="711200">
-            <a:lnSpc>
-              <a:spcPct val="90000"/>
-            </a:lnSpc>
-            <a:spcBef>
-              <a:spcPct val="0"/>
-            </a:spcBef>
-            <a:spcAft>
-              <a:spcPct val="35000"/>
-            </a:spcAft>
-          </a:pPr>
-          <a:r>
-            <a:rPr lang="en-US" sz="1600" kern="1200" dirty="0" smtClean="0"/>
-            <a:t>Distributed computing</a:t>
-          </a:r>
-          <a:endParaRPr lang="en-US" sz="1600" kern="1200" dirty="0"/>
-        </a:p>
-      </dsp:txBody>
-      <dsp:txXfrm>
-        <a:off x="2504978" y="537567"/>
-        <a:ext cx="1227727" cy="762294"/>
-      </dsp:txXfrm>
-    </dsp:sp>
-    <dsp:sp modelId="{69A55FC9-07D5-493D-8766-75E430406216}">
-      <dsp:nvSpPr>
-        <dsp:cNvPr id="0" name=""/>
-        <dsp:cNvSpPr/>
-      </dsp:nvSpPr>
-      <dsp:spPr>
-        <a:xfrm>
-          <a:off x="1785" y="1559836"/>
-          <a:ext cx="1275159" cy="809726"/>
-        </a:xfrm>
-        <a:prstGeom prst="roundRect">
-          <a:avLst>
-            <a:gd name="adj" fmla="val 10000"/>
-          </a:avLst>
-        </a:prstGeom>
-        <a:solidFill>
-          <a:schemeClr val="accent1">
-            <a:hueOff val="0"/>
-            <a:satOff val="0"/>
-            <a:lumOff val="0"/>
-            <a:alphaOff val="0"/>
-          </a:schemeClr>
-        </a:solidFill>
-        <a:ln>
-          <a:noFill/>
-        </a:ln>
-        <a:effectLst/>
-        <a:scene3d>
-          <a:camera prst="orthographicFront"/>
-          <a:lightRig rig="chilly" dir="t"/>
-        </a:scene3d>
-        <a:sp3d prstMaterial="translucentPowder">
-          <a:bevelT w="127000" h="25400" prst="softRound"/>
-        </a:sp3d>
-      </dsp:spPr>
-      <dsp:style>
-        <a:lnRef idx="0">
-          <a:scrgbClr r="0" g="0" b="0"/>
-        </a:lnRef>
-        <a:fillRef idx="1">
-          <a:scrgbClr r="0" g="0" b="0"/>
-        </a:fillRef>
-        <a:effectRef idx="0">
-          <a:scrgbClr r="0" g="0" b="0"/>
-        </a:effectRef>
-        <a:fontRef idx="minor">
-          <a:schemeClr val="lt1"/>
-        </a:fontRef>
-      </dsp:style>
-    </dsp:sp>
-    <dsp:sp modelId="{B20123EC-DD70-4002-B34F-72383B5AD1D0}">
-      <dsp:nvSpPr>
-        <dsp:cNvPr id="0" name=""/>
-        <dsp:cNvSpPr/>
-      </dsp:nvSpPr>
-      <dsp:spPr>
-        <a:xfrm>
-          <a:off x="143470" y="1694436"/>
-          <a:ext cx="1275159" cy="809726"/>
-        </a:xfrm>
-        <a:prstGeom prst="roundRect">
-          <a:avLst>
-            <a:gd name="adj" fmla="val 10000"/>
-          </a:avLst>
-        </a:prstGeom>
-        <a:solidFill>
-          <a:schemeClr val="lt1">
-            <a:alpha val="90000"/>
-            <a:hueOff val="0"/>
-            <a:satOff val="0"/>
-            <a:lumOff val="0"/>
-            <a:alphaOff val="0"/>
-          </a:schemeClr>
-        </a:solidFill>
-        <a:ln w="9525" cap="flat" cmpd="sng" algn="ctr">
-          <a:solidFill>
-            <a:schemeClr val="accent1">
-              <a:hueOff val="0"/>
-              <a:satOff val="0"/>
-              <a:lumOff val="0"/>
-              <a:alphaOff val="0"/>
-            </a:schemeClr>
-          </a:solidFill>
-          <a:prstDash val="solid"/>
-        </a:ln>
-        <a:effectLst/>
-        <a:scene3d>
-          <a:camera prst="orthographicFront"/>
-          <a:lightRig rig="chilly" dir="t"/>
-        </a:scene3d>
-        <a:sp3d z="12700" extrusionH="1700" prstMaterial="dkEdge">
-          <a:bevelT w="25400" h="6350" prst="softRound"/>
-          <a:bevelB w="0" h="0" prst="convex"/>
-        </a:sp3d>
-      </dsp:spPr>
-      <dsp:style>
-        <a:lnRef idx="1">
-          <a:scrgbClr r="0" g="0" b="0"/>
-        </a:lnRef>
-        <a:fillRef idx="1">
-          <a:scrgbClr r="0" g="0" b="0"/>
-        </a:fillRef>
-        <a:effectRef idx="0">
-          <a:scrgbClr r="0" g="0" b="0"/>
-        </a:effectRef>
-        <a:fontRef idx="minor"/>
-      </dsp:style>
-      <dsp:txBody>
-        <a:bodyPr spcFirstLastPara="0" vert="horz" wrap="square" lIns="60960" tIns="60960" rIns="60960" bIns="60960" numCol="1" spcCol="1270" anchor="ctr" anchorCtr="0">
-          <a:noAutofit/>
-        </a:bodyPr>
-        <a:lstStyle/>
-        <a:p>
-          <a:pPr lvl="0" algn="ctr" defTabSz="711200">
-            <a:lnSpc>
-              <a:spcPct val="90000"/>
-            </a:lnSpc>
-            <a:spcBef>
-              <a:spcPct val="0"/>
-            </a:spcBef>
-            <a:spcAft>
-              <a:spcPct val="35000"/>
-            </a:spcAft>
-          </a:pPr>
-          <a:r>
-            <a:rPr lang="en-US" sz="1600" kern="1200" dirty="0" smtClean="0"/>
-            <a:t>Peer-to-Peer computing </a:t>
-          </a:r>
-          <a:endParaRPr lang="en-US" sz="1600" kern="1200" dirty="0"/>
-        </a:p>
-      </dsp:txBody>
-      <dsp:txXfrm>
-        <a:off x="167186" y="1718152"/>
-        <a:ext cx="1227727" cy="762294"/>
-      </dsp:txXfrm>
-    </dsp:sp>
-    <dsp:sp modelId="{2DE0B614-F651-432D-93FC-82F30F1B3E94}">
-      <dsp:nvSpPr>
-        <dsp:cNvPr id="0" name=""/>
-        <dsp:cNvSpPr/>
-      </dsp:nvSpPr>
-      <dsp:spPr>
-        <a:xfrm>
-          <a:off x="1560314" y="1559836"/>
-          <a:ext cx="1275159" cy="809726"/>
-        </a:xfrm>
-        <a:prstGeom prst="roundRect">
-          <a:avLst>
-            <a:gd name="adj" fmla="val 10000"/>
-          </a:avLst>
-        </a:prstGeom>
-        <a:solidFill>
-          <a:schemeClr val="accent1">
-            <a:hueOff val="0"/>
-            <a:satOff val="0"/>
-            <a:lumOff val="0"/>
-            <a:alphaOff val="0"/>
-          </a:schemeClr>
-        </a:solidFill>
-        <a:ln>
-          <a:noFill/>
-        </a:ln>
-        <a:effectLst/>
-        <a:scene3d>
-          <a:camera prst="orthographicFront"/>
-          <a:lightRig rig="chilly" dir="t"/>
-        </a:scene3d>
-        <a:sp3d prstMaterial="translucentPowder">
-          <a:bevelT w="127000" h="25400" prst="softRound"/>
-        </a:sp3d>
-      </dsp:spPr>
-      <dsp:style>
-        <a:lnRef idx="0">
-          <a:scrgbClr r="0" g="0" b="0"/>
-        </a:lnRef>
-        <a:fillRef idx="1">
-          <a:scrgbClr r="0" g="0" b="0"/>
-        </a:fillRef>
-        <a:effectRef idx="0">
-          <a:scrgbClr r="0" g="0" b="0"/>
-        </a:effectRef>
-        <a:fontRef idx="minor">
-          <a:schemeClr val="lt1"/>
-        </a:fontRef>
-      </dsp:style>
-    </dsp:sp>
-    <dsp:sp modelId="{E8E6B3F1-996D-4405-A520-CB4BB672E79C}">
-      <dsp:nvSpPr>
-        <dsp:cNvPr id="0" name=""/>
-        <dsp:cNvSpPr/>
-      </dsp:nvSpPr>
-      <dsp:spPr>
-        <a:xfrm>
-          <a:off x="1701998" y="1694436"/>
-          <a:ext cx="1275159" cy="809726"/>
-        </a:xfrm>
-        <a:prstGeom prst="roundRect">
-          <a:avLst>
-            <a:gd name="adj" fmla="val 10000"/>
-          </a:avLst>
-        </a:prstGeom>
-        <a:solidFill>
-          <a:schemeClr val="lt1">
-            <a:alpha val="90000"/>
-            <a:hueOff val="0"/>
-            <a:satOff val="0"/>
-            <a:lumOff val="0"/>
-            <a:alphaOff val="0"/>
-          </a:schemeClr>
-        </a:solidFill>
-        <a:ln w="9525" cap="flat" cmpd="sng" algn="ctr">
-          <a:solidFill>
-            <a:schemeClr val="accent1">
-              <a:hueOff val="0"/>
-              <a:satOff val="0"/>
-              <a:lumOff val="0"/>
-              <a:alphaOff val="0"/>
-            </a:schemeClr>
-          </a:solidFill>
-          <a:prstDash val="solid"/>
-        </a:ln>
-        <a:effectLst/>
-        <a:scene3d>
-          <a:camera prst="orthographicFront"/>
-          <a:lightRig rig="chilly" dir="t"/>
-        </a:scene3d>
-        <a:sp3d z="12700" extrusionH="1700" prstMaterial="dkEdge">
-          <a:bevelT w="25400" h="6350" prst="softRound"/>
-          <a:bevelB w="0" h="0" prst="convex"/>
-        </a:sp3d>
-      </dsp:spPr>
-      <dsp:style>
-        <a:lnRef idx="1">
-          <a:scrgbClr r="0" g="0" b="0"/>
-        </a:lnRef>
-        <a:fillRef idx="1">
-          <a:scrgbClr r="0" g="0" b="0"/>
-        </a:fillRef>
-        <a:effectRef idx="0">
-          <a:scrgbClr r="0" g="0" b="0"/>
-        </a:effectRef>
-        <a:fontRef idx="minor"/>
-      </dsp:style>
-      <dsp:txBody>
-        <a:bodyPr spcFirstLastPara="0" vert="horz" wrap="square" lIns="60960" tIns="60960" rIns="60960" bIns="60960" numCol="1" spcCol="1270" anchor="ctr" anchorCtr="0">
-          <a:noAutofit/>
-        </a:bodyPr>
-        <a:lstStyle/>
-        <a:p>
-          <a:pPr lvl="0" algn="ctr" defTabSz="711200">
-            <a:lnSpc>
-              <a:spcPct val="90000"/>
-            </a:lnSpc>
-            <a:spcBef>
-              <a:spcPct val="0"/>
-            </a:spcBef>
-            <a:spcAft>
-              <a:spcPct val="35000"/>
-            </a:spcAft>
-          </a:pPr>
-          <a:r>
-            <a:rPr lang="en-US" sz="1600" kern="1200" dirty="0" smtClean="0"/>
-            <a:t>Cluster computing </a:t>
-          </a:r>
-          <a:endParaRPr lang="en-US" sz="1600" kern="1200" dirty="0"/>
-        </a:p>
-      </dsp:txBody>
-      <dsp:txXfrm>
-        <a:off x="1725714" y="1718152"/>
-        <a:ext cx="1227727" cy="762294"/>
-      </dsp:txXfrm>
-    </dsp:sp>
-    <dsp:sp modelId="{A484A1D8-D679-4EBD-9ABE-AB9C24280E21}">
-      <dsp:nvSpPr>
-        <dsp:cNvPr id="0" name=""/>
-        <dsp:cNvSpPr/>
-      </dsp:nvSpPr>
-      <dsp:spPr>
-        <a:xfrm>
-          <a:off x="3118842" y="1559836"/>
-          <a:ext cx="1275159" cy="809726"/>
-        </a:xfrm>
-        <a:prstGeom prst="roundRect">
-          <a:avLst>
-            <a:gd name="adj" fmla="val 10000"/>
-          </a:avLst>
-        </a:prstGeom>
-        <a:solidFill>
-          <a:schemeClr val="accent1">
-            <a:hueOff val="0"/>
-            <a:satOff val="0"/>
-            <a:lumOff val="0"/>
-            <a:alphaOff val="0"/>
-          </a:schemeClr>
-        </a:solidFill>
-        <a:ln>
-          <a:noFill/>
-        </a:ln>
-        <a:effectLst/>
-        <a:scene3d>
-          <a:camera prst="orthographicFront"/>
-          <a:lightRig rig="chilly" dir="t"/>
-        </a:scene3d>
-        <a:sp3d prstMaterial="translucentPowder">
-          <a:bevelT w="127000" h="25400" prst="softRound"/>
-        </a:sp3d>
-      </dsp:spPr>
-      <dsp:style>
-        <a:lnRef idx="0">
-          <a:scrgbClr r="0" g="0" b="0"/>
-        </a:lnRef>
-        <a:fillRef idx="1">
-          <a:scrgbClr r="0" g="0" b="0"/>
-        </a:fillRef>
-        <a:effectRef idx="0">
-          <a:scrgbClr r="0" g="0" b="0"/>
-        </a:effectRef>
-        <a:fontRef idx="minor">
-          <a:schemeClr val="lt1"/>
-        </a:fontRef>
-      </dsp:style>
-    </dsp:sp>
-    <dsp:sp modelId="{C62030B6-9838-4D35-81EF-6AE86E8FD0B7}">
-      <dsp:nvSpPr>
-        <dsp:cNvPr id="0" name=""/>
-        <dsp:cNvSpPr/>
-      </dsp:nvSpPr>
-      <dsp:spPr>
-        <a:xfrm>
-          <a:off x="3260526" y="1694436"/>
-          <a:ext cx="1275159" cy="809726"/>
-        </a:xfrm>
-        <a:prstGeom prst="roundRect">
-          <a:avLst>
-            <a:gd name="adj" fmla="val 10000"/>
-          </a:avLst>
-        </a:prstGeom>
-        <a:solidFill>
-          <a:schemeClr val="lt1">
-            <a:alpha val="90000"/>
-            <a:hueOff val="0"/>
-            <a:satOff val="0"/>
-            <a:lumOff val="0"/>
-            <a:alphaOff val="0"/>
-          </a:schemeClr>
-        </a:solidFill>
-        <a:ln w="9525" cap="flat" cmpd="sng" algn="ctr">
-          <a:solidFill>
-            <a:schemeClr val="accent1">
-              <a:hueOff val="0"/>
-              <a:satOff val="0"/>
-              <a:lumOff val="0"/>
-              <a:alphaOff val="0"/>
-            </a:schemeClr>
-          </a:solidFill>
-          <a:prstDash val="solid"/>
-        </a:ln>
-        <a:effectLst/>
-        <a:scene3d>
-          <a:camera prst="orthographicFront"/>
-          <a:lightRig rig="chilly" dir="t"/>
-        </a:scene3d>
-        <a:sp3d z="12700" extrusionH="1700" prstMaterial="dkEdge">
-          <a:bevelT w="25400" h="6350" prst="softRound"/>
-          <a:bevelB w="0" h="0" prst="convex"/>
-        </a:sp3d>
-      </dsp:spPr>
-      <dsp:style>
-        <a:lnRef idx="1">
-          <a:scrgbClr r="0" g="0" b="0"/>
-        </a:lnRef>
-        <a:fillRef idx="1">
-          <a:scrgbClr r="0" g="0" b="0"/>
-        </a:fillRef>
-        <a:effectRef idx="0">
-          <a:scrgbClr r="0" g="0" b="0"/>
-        </a:effectRef>
-        <a:fontRef idx="minor"/>
-      </dsp:style>
-      <dsp:txBody>
-        <a:bodyPr spcFirstLastPara="0" vert="horz" wrap="square" lIns="60960" tIns="60960" rIns="60960" bIns="60960" numCol="1" spcCol="1270" anchor="ctr" anchorCtr="0">
-          <a:noAutofit/>
-        </a:bodyPr>
-        <a:lstStyle/>
-        <a:p>
-          <a:pPr lvl="0" algn="ctr" defTabSz="711200">
-            <a:lnSpc>
-              <a:spcPct val="90000"/>
-            </a:lnSpc>
-            <a:spcBef>
-              <a:spcPct val="0"/>
-            </a:spcBef>
-            <a:spcAft>
-              <a:spcPct val="35000"/>
-            </a:spcAft>
-          </a:pPr>
-          <a:r>
-            <a:rPr lang="en-US" sz="1600" kern="1200" dirty="0" smtClean="0"/>
-            <a:t>Utility computing</a:t>
-          </a:r>
-          <a:endParaRPr lang="en-US" sz="1600" kern="1200" dirty="0"/>
-        </a:p>
-      </dsp:txBody>
-      <dsp:txXfrm>
-        <a:off x="3284242" y="1718152"/>
-        <a:ext cx="1227727" cy="762294"/>
-      </dsp:txXfrm>
-    </dsp:sp>
-    <dsp:sp modelId="{A464E424-42A2-42FE-8F6A-D586AC60FBD8}">
-      <dsp:nvSpPr>
-        <dsp:cNvPr id="0" name=""/>
-        <dsp:cNvSpPr/>
-      </dsp:nvSpPr>
-      <dsp:spPr>
-        <a:xfrm>
-          <a:off x="2339578" y="2740421"/>
-          <a:ext cx="1275159" cy="809726"/>
-        </a:xfrm>
-        <a:prstGeom prst="roundRect">
-          <a:avLst>
-            <a:gd name="adj" fmla="val 10000"/>
-          </a:avLst>
-        </a:prstGeom>
-        <a:solidFill>
-          <a:schemeClr val="accent1">
-            <a:hueOff val="0"/>
-            <a:satOff val="0"/>
-            <a:lumOff val="0"/>
-            <a:alphaOff val="0"/>
-          </a:schemeClr>
-        </a:solidFill>
-        <a:ln>
-          <a:noFill/>
-        </a:ln>
-        <a:effectLst/>
-        <a:scene3d>
-          <a:camera prst="orthographicFront"/>
-          <a:lightRig rig="chilly" dir="t"/>
-        </a:scene3d>
-        <a:sp3d prstMaterial="translucentPowder">
-          <a:bevelT w="127000" h="25400" prst="softRound"/>
-        </a:sp3d>
-      </dsp:spPr>
-      <dsp:style>
-        <a:lnRef idx="0">
-          <a:scrgbClr r="0" g="0" b="0"/>
-        </a:lnRef>
-        <a:fillRef idx="1">
-          <a:scrgbClr r="0" g="0" b="0"/>
-        </a:fillRef>
-        <a:effectRef idx="0">
-          <a:scrgbClr r="0" g="0" b="0"/>
-        </a:effectRef>
-        <a:fontRef idx="minor">
-          <a:schemeClr val="lt1"/>
-        </a:fontRef>
-      </dsp:style>
-    </dsp:sp>
-    <dsp:sp modelId="{1DF10A25-C6B6-4B35-9C02-9BD8BC53F595}">
-      <dsp:nvSpPr>
-        <dsp:cNvPr id="0" name=""/>
-        <dsp:cNvSpPr/>
-      </dsp:nvSpPr>
-      <dsp:spPr>
-        <a:xfrm>
-          <a:off x="2481262" y="2875022"/>
-          <a:ext cx="1275159" cy="809726"/>
-        </a:xfrm>
-        <a:prstGeom prst="roundRect">
-          <a:avLst>
-            <a:gd name="adj" fmla="val 10000"/>
-          </a:avLst>
-        </a:prstGeom>
-        <a:solidFill>
-          <a:schemeClr val="lt1">
-            <a:alpha val="90000"/>
-            <a:hueOff val="0"/>
-            <a:satOff val="0"/>
-            <a:lumOff val="0"/>
-            <a:alphaOff val="0"/>
-          </a:schemeClr>
-        </a:solidFill>
-        <a:ln w="9525" cap="flat" cmpd="sng" algn="ctr">
-          <a:solidFill>
-            <a:schemeClr val="accent1">
-              <a:hueOff val="0"/>
-              <a:satOff val="0"/>
-              <a:lumOff val="0"/>
-              <a:alphaOff val="0"/>
-            </a:schemeClr>
-          </a:solidFill>
-          <a:prstDash val="solid"/>
-        </a:ln>
-        <a:effectLst/>
-        <a:scene3d>
-          <a:camera prst="orthographicFront"/>
-          <a:lightRig rig="chilly" dir="t"/>
-        </a:scene3d>
-        <a:sp3d z="12700" extrusionH="1700" prstMaterial="dkEdge">
-          <a:bevelT w="25400" h="6350" prst="softRound"/>
-          <a:bevelB w="0" h="0" prst="convex"/>
-        </a:sp3d>
-      </dsp:spPr>
-      <dsp:style>
-        <a:lnRef idx="1">
-          <a:scrgbClr r="0" g="0" b="0"/>
-        </a:lnRef>
-        <a:fillRef idx="1">
-          <a:scrgbClr r="0" g="0" b="0"/>
-        </a:fillRef>
-        <a:effectRef idx="0">
-          <a:scrgbClr r="0" g="0" b="0"/>
-        </a:effectRef>
-        <a:fontRef idx="minor"/>
-      </dsp:style>
-      <dsp:txBody>
-        <a:bodyPr spcFirstLastPara="0" vert="horz" wrap="square" lIns="60960" tIns="60960" rIns="60960" bIns="60960" numCol="1" spcCol="1270" anchor="ctr" anchorCtr="0">
-          <a:noAutofit/>
-        </a:bodyPr>
-        <a:lstStyle/>
-        <a:p>
-          <a:pPr lvl="0" algn="ctr" defTabSz="711200">
-            <a:lnSpc>
-              <a:spcPct val="90000"/>
-            </a:lnSpc>
-            <a:spcBef>
-              <a:spcPct val="0"/>
-            </a:spcBef>
-            <a:spcAft>
-              <a:spcPct val="35000"/>
-            </a:spcAft>
-          </a:pPr>
-          <a:r>
-            <a:rPr lang="en-US" sz="1600" kern="1200" dirty="0" smtClean="0"/>
-            <a:t>Grid computing</a:t>
-          </a:r>
-          <a:endParaRPr lang="en-US" sz="1600" kern="1200" dirty="0"/>
-        </a:p>
-      </dsp:txBody>
-      <dsp:txXfrm>
-        <a:off x="2504978" y="2898738"/>
-        <a:ext cx="1227727" cy="762294"/>
-      </dsp:txXfrm>
-    </dsp:sp>
-    <dsp:sp modelId="{F3349138-DD3D-4D01-ABC7-3B5EEB6CD915}">
-      <dsp:nvSpPr>
-        <dsp:cNvPr id="0" name=""/>
-        <dsp:cNvSpPr/>
-      </dsp:nvSpPr>
-      <dsp:spPr>
-        <a:xfrm>
-          <a:off x="3898106" y="2740421"/>
-          <a:ext cx="1275159" cy="809726"/>
-        </a:xfrm>
-        <a:prstGeom prst="roundRect">
-          <a:avLst>
-            <a:gd name="adj" fmla="val 10000"/>
-          </a:avLst>
-        </a:prstGeom>
-        <a:solidFill>
-          <a:schemeClr val="accent1">
-            <a:hueOff val="0"/>
-            <a:satOff val="0"/>
-            <a:lumOff val="0"/>
-            <a:alphaOff val="0"/>
-          </a:schemeClr>
-        </a:solidFill>
-        <a:ln>
-          <a:noFill/>
-        </a:ln>
-        <a:effectLst/>
-        <a:scene3d>
-          <a:camera prst="orthographicFront"/>
-          <a:lightRig rig="chilly" dir="t"/>
-        </a:scene3d>
-        <a:sp3d prstMaterial="translucentPowder">
-          <a:bevelT w="127000" h="25400" prst="softRound"/>
-        </a:sp3d>
-      </dsp:spPr>
-      <dsp:style>
-        <a:lnRef idx="0">
-          <a:scrgbClr r="0" g="0" b="0"/>
-        </a:lnRef>
-        <a:fillRef idx="1">
-          <a:scrgbClr r="0" g="0" b="0"/>
-        </a:fillRef>
-        <a:effectRef idx="0">
-          <a:scrgbClr r="0" g="0" b="0"/>
-        </a:effectRef>
-        <a:fontRef idx="minor">
-          <a:schemeClr val="lt1"/>
-        </a:fontRef>
-      </dsp:style>
-    </dsp:sp>
-    <dsp:sp modelId="{35177D51-DA6B-4B74-8542-DDCB57DE5FAE}">
-      <dsp:nvSpPr>
-        <dsp:cNvPr id="0" name=""/>
-        <dsp:cNvSpPr/>
-      </dsp:nvSpPr>
-      <dsp:spPr>
-        <a:xfrm>
-          <a:off x="4039790" y="2875022"/>
-          <a:ext cx="1275159" cy="809726"/>
-        </a:xfrm>
-        <a:prstGeom prst="roundRect">
-          <a:avLst>
-            <a:gd name="adj" fmla="val 10000"/>
-          </a:avLst>
-        </a:prstGeom>
-        <a:solidFill>
-          <a:schemeClr val="lt1">
-            <a:alpha val="90000"/>
-            <a:hueOff val="0"/>
-            <a:satOff val="0"/>
-            <a:lumOff val="0"/>
-            <a:alphaOff val="0"/>
-          </a:schemeClr>
-        </a:solidFill>
-        <a:ln w="9525" cap="flat" cmpd="sng" algn="ctr">
-          <a:solidFill>
-            <a:schemeClr val="accent1">
-              <a:hueOff val="0"/>
-              <a:satOff val="0"/>
-              <a:lumOff val="0"/>
-              <a:alphaOff val="0"/>
-            </a:schemeClr>
-          </a:solidFill>
-          <a:prstDash val="solid"/>
-        </a:ln>
-        <a:effectLst/>
-        <a:scene3d>
-          <a:camera prst="orthographicFront"/>
-          <a:lightRig rig="chilly" dir="t"/>
-        </a:scene3d>
-        <a:sp3d z="12700" extrusionH="1700" prstMaterial="dkEdge">
-          <a:bevelT w="25400" h="6350" prst="softRound"/>
-          <a:bevelB w="0" h="0" prst="convex"/>
-        </a:sp3d>
-      </dsp:spPr>
-      <dsp:style>
-        <a:lnRef idx="1">
-          <a:scrgbClr r="0" g="0" b="0"/>
-        </a:lnRef>
-        <a:fillRef idx="1">
-          <a:scrgbClr r="0" g="0" b="0"/>
-        </a:fillRef>
-        <a:effectRef idx="0">
-          <a:scrgbClr r="0" g="0" b="0"/>
-        </a:effectRef>
-        <a:fontRef idx="minor"/>
-      </dsp:style>
-      <dsp:txBody>
-        <a:bodyPr spcFirstLastPara="0" vert="horz" wrap="square" lIns="60960" tIns="60960" rIns="60960" bIns="60960" numCol="1" spcCol="1270" anchor="ctr" anchorCtr="0">
-          <a:noAutofit/>
-        </a:bodyPr>
-        <a:lstStyle/>
-        <a:p>
-          <a:pPr lvl="0" algn="ctr" defTabSz="711200">
-            <a:lnSpc>
-              <a:spcPct val="90000"/>
-            </a:lnSpc>
-            <a:spcBef>
-              <a:spcPct val="0"/>
-            </a:spcBef>
-            <a:spcAft>
-              <a:spcPct val="35000"/>
-            </a:spcAft>
-          </a:pPr>
-          <a:r>
-            <a:rPr lang="en-US" sz="1600" kern="1200" dirty="0" smtClean="0"/>
-            <a:t>Cloud computing</a:t>
-          </a:r>
-          <a:endParaRPr lang="en-US" sz="1600" kern="1200" dirty="0"/>
-        </a:p>
-      </dsp:txBody>
-      <dsp:txXfrm>
-        <a:off x="4063506" y="2898738"/>
-        <a:ext cx="1227727" cy="762294"/>
-      </dsp:txXfrm>
-    </dsp:sp>
-    <dsp:sp modelId="{AABC5D3A-A05C-4BE5-8A31-2BFE359C1ABF}">
-      <dsp:nvSpPr>
-        <dsp:cNvPr id="0" name=""/>
-        <dsp:cNvSpPr/>
-      </dsp:nvSpPr>
-      <dsp:spPr>
-        <a:xfrm>
-          <a:off x="4677370" y="1559836"/>
-          <a:ext cx="1275159" cy="809726"/>
-        </a:xfrm>
-        <a:prstGeom prst="roundRect">
-          <a:avLst>
-            <a:gd name="adj" fmla="val 10000"/>
-          </a:avLst>
-        </a:prstGeom>
-        <a:solidFill>
-          <a:schemeClr val="accent1">
-            <a:hueOff val="0"/>
-            <a:satOff val="0"/>
-            <a:lumOff val="0"/>
-            <a:alphaOff val="0"/>
-          </a:schemeClr>
-        </a:solidFill>
-        <a:ln>
-          <a:noFill/>
-        </a:ln>
-        <a:effectLst/>
-        <a:scene3d>
-          <a:camera prst="orthographicFront"/>
-          <a:lightRig rig="chilly" dir="t"/>
-        </a:scene3d>
-        <a:sp3d prstMaterial="translucentPowder">
-          <a:bevelT w="127000" h="25400" prst="softRound"/>
-        </a:sp3d>
-      </dsp:spPr>
-      <dsp:style>
-        <a:lnRef idx="0">
-          <a:scrgbClr r="0" g="0" b="0"/>
-        </a:lnRef>
-        <a:fillRef idx="1">
-          <a:scrgbClr r="0" g="0" b="0"/>
-        </a:fillRef>
-        <a:effectRef idx="0">
-          <a:scrgbClr r="0" g="0" b="0"/>
-        </a:effectRef>
-        <a:fontRef idx="minor">
-          <a:schemeClr val="lt1"/>
-        </a:fontRef>
-      </dsp:style>
-    </dsp:sp>
-    <dsp:sp modelId="{E753A8D8-B50F-42C4-B0CE-D216BE908656}">
-      <dsp:nvSpPr>
-        <dsp:cNvPr id="0" name=""/>
-        <dsp:cNvSpPr/>
-      </dsp:nvSpPr>
-      <dsp:spPr>
-        <a:xfrm>
-          <a:off x="4819054" y="1694436"/>
-          <a:ext cx="1275159" cy="809726"/>
-        </a:xfrm>
-        <a:prstGeom prst="roundRect">
-          <a:avLst>
-            <a:gd name="adj" fmla="val 10000"/>
-          </a:avLst>
-        </a:prstGeom>
-        <a:solidFill>
-          <a:schemeClr val="lt1">
-            <a:alpha val="90000"/>
-            <a:hueOff val="0"/>
-            <a:satOff val="0"/>
-            <a:lumOff val="0"/>
-            <a:alphaOff val="0"/>
-          </a:schemeClr>
-        </a:solidFill>
-        <a:ln w="9525" cap="flat" cmpd="sng" algn="ctr">
-          <a:solidFill>
-            <a:schemeClr val="accent1">
-              <a:hueOff val="0"/>
-              <a:satOff val="0"/>
-              <a:lumOff val="0"/>
-              <a:alphaOff val="0"/>
-            </a:schemeClr>
-          </a:solidFill>
-          <a:prstDash val="solid"/>
-        </a:ln>
-        <a:effectLst/>
-        <a:scene3d>
-          <a:camera prst="orthographicFront"/>
-          <a:lightRig rig="chilly" dir="t"/>
-        </a:scene3d>
-        <a:sp3d z="12700" extrusionH="1700" prstMaterial="dkEdge">
-          <a:bevelT w="25400" h="6350" prst="softRound"/>
-          <a:bevelB w="0" h="0" prst="convex"/>
-        </a:sp3d>
-      </dsp:spPr>
-      <dsp:style>
-        <a:lnRef idx="1">
-          <a:scrgbClr r="0" g="0" b="0"/>
-        </a:lnRef>
-        <a:fillRef idx="1">
-          <a:scrgbClr r="0" g="0" b="0"/>
-        </a:fillRef>
-        <a:effectRef idx="0">
-          <a:scrgbClr r="0" g="0" b="0"/>
-        </a:effectRef>
-        <a:fontRef idx="minor"/>
-      </dsp:style>
-      <dsp:txBody>
-        <a:bodyPr spcFirstLastPara="0" vert="horz" wrap="square" lIns="60960" tIns="60960" rIns="60960" bIns="60960" numCol="1" spcCol="1270" anchor="ctr" anchorCtr="0">
-          <a:noAutofit/>
-        </a:bodyPr>
-        <a:lstStyle/>
-        <a:p>
-          <a:pPr lvl="0" algn="ctr" defTabSz="711200">
-            <a:lnSpc>
-              <a:spcPct val="90000"/>
-            </a:lnSpc>
-            <a:spcBef>
-              <a:spcPct val="0"/>
-            </a:spcBef>
-            <a:spcAft>
-              <a:spcPct val="35000"/>
-            </a:spcAft>
-          </a:pPr>
-          <a:r>
-            <a:rPr lang="en-US" sz="1600" kern="1200" dirty="0" smtClean="0"/>
-            <a:t>Jungle computing</a:t>
-          </a:r>
-          <a:endParaRPr lang="en-US" sz="1600" kern="1200" dirty="0"/>
-        </a:p>
-      </dsp:txBody>
-      <dsp:txXfrm>
-        <a:off x="4842770" y="1718152"/>
-        <a:ext cx="1227727" cy="762294"/>
-      </dsp:txXfrm>
-    </dsp:sp>
   </dsp:spTree>
 </dsp:drawing>
 </file>
@@ -17165,7 +13915,7 @@
             <a:fld id="{1D8BD707-D9CF-40AE-B4C6-C98DA3205C09}" type="datetimeFigureOut">
               <a:rPr lang="en-US" smtClean="0"/>
               <a:pPr/>
-              <a:t>12/28/2016</a:t>
+              <a:t>1/27/2017</a:t>
             </a:fld>
             <a:endParaRPr lang="en-US"/>
           </a:p>
@@ -17332,7 +14082,7 @@
             <a:fld id="{1D8BD707-D9CF-40AE-B4C6-C98DA3205C09}" type="datetimeFigureOut">
               <a:rPr lang="en-US" smtClean="0"/>
               <a:pPr/>
-              <a:t>12/28/2016</a:t>
+              <a:t>1/27/2017</a:t>
             </a:fld>
             <a:endParaRPr lang="en-US"/>
           </a:p>
@@ -17509,7 +14259,7 @@
             <a:fld id="{1D8BD707-D9CF-40AE-B4C6-C98DA3205C09}" type="datetimeFigureOut">
               <a:rPr lang="en-US" smtClean="0"/>
               <a:pPr/>
-              <a:t>12/28/2016</a:t>
+              <a:t>1/27/2017</a:t>
             </a:fld>
             <a:endParaRPr lang="en-US"/>
           </a:p>
@@ -17676,7 +14426,7 @@
             <a:fld id="{1D8BD707-D9CF-40AE-B4C6-C98DA3205C09}" type="datetimeFigureOut">
               <a:rPr lang="en-US" smtClean="0"/>
               <a:pPr/>
-              <a:t>12/28/2016</a:t>
+              <a:t>1/27/2017</a:t>
             </a:fld>
             <a:endParaRPr lang="en-US"/>
           </a:p>
@@ -17919,7 +14669,7 @@
             <a:fld id="{1D8BD707-D9CF-40AE-B4C6-C98DA3205C09}" type="datetimeFigureOut">
               <a:rPr lang="en-US" smtClean="0"/>
               <a:pPr/>
-              <a:t>12/28/2016</a:t>
+              <a:t>1/27/2017</a:t>
             </a:fld>
             <a:endParaRPr lang="en-US"/>
           </a:p>
@@ -18204,7 +14954,7 @@
             <a:fld id="{1D8BD707-D9CF-40AE-B4C6-C98DA3205C09}" type="datetimeFigureOut">
               <a:rPr lang="en-US" smtClean="0"/>
               <a:pPr/>
-              <a:t>12/28/2016</a:t>
+              <a:t>1/27/2017</a:t>
             </a:fld>
             <a:endParaRPr lang="en-US"/>
           </a:p>
@@ -18623,7 +15373,7 @@
             <a:fld id="{1D8BD707-D9CF-40AE-B4C6-C98DA3205C09}" type="datetimeFigureOut">
               <a:rPr lang="en-US" smtClean="0"/>
               <a:pPr/>
-              <a:t>12/28/2016</a:t>
+              <a:t>1/27/2017</a:t>
             </a:fld>
             <a:endParaRPr lang="en-US"/>
           </a:p>
@@ -18738,7 +15488,7 @@
             <a:fld id="{1D8BD707-D9CF-40AE-B4C6-C98DA3205C09}" type="datetimeFigureOut">
               <a:rPr lang="en-US" smtClean="0"/>
               <a:pPr/>
-              <a:t>12/28/2016</a:t>
+              <a:t>1/27/2017</a:t>
             </a:fld>
             <a:endParaRPr lang="en-US"/>
           </a:p>
@@ -18830,7 +15580,7 @@
             <a:fld id="{1D8BD707-D9CF-40AE-B4C6-C98DA3205C09}" type="datetimeFigureOut">
               <a:rPr lang="en-US" smtClean="0"/>
               <a:pPr/>
-              <a:t>12/28/2016</a:t>
+              <a:t>1/27/2017</a:t>
             </a:fld>
             <a:endParaRPr lang="en-US"/>
           </a:p>
@@ -19104,7 +15854,7 @@
             <a:fld id="{1D8BD707-D9CF-40AE-B4C6-C98DA3205C09}" type="datetimeFigureOut">
               <a:rPr lang="en-US" smtClean="0"/>
               <a:pPr/>
-              <a:t>12/28/2016</a:t>
+              <a:t>1/27/2017</a:t>
             </a:fld>
             <a:endParaRPr lang="en-US"/>
           </a:p>
@@ -19354,7 +16104,7 @@
             <a:fld id="{1D8BD707-D9CF-40AE-B4C6-C98DA3205C09}" type="datetimeFigureOut">
               <a:rPr lang="en-US" smtClean="0"/>
               <a:pPr/>
-              <a:t>12/28/2016</a:t>
+              <a:t>1/27/2017</a:t>
             </a:fld>
             <a:endParaRPr lang="en-US"/>
           </a:p>
@@ -19564,7 +16314,7 @@
             <a:fld id="{1D8BD707-D9CF-40AE-B4C6-C98DA3205C09}" type="datetimeFigureOut">
               <a:rPr lang="en-US" smtClean="0"/>
               <a:pPr/>
-              <a:t>12/28/2016</a:t>
+              <a:t>1/27/2017</a:t>
             </a:fld>
             <a:endParaRPr lang="en-US"/>
           </a:p>
@@ -19990,7 +16740,7 @@
           <p:nvPr>
             <p:extLst>
               <p:ext uri="{D42A27DB-BD31-4B8C-83A1-F6EECF244321}">
-                <p14:modId xmlns:p14="http://schemas.microsoft.com/office/powerpoint/2010/main" xmlns="" val="1262172334"/>
+                <p14:modId xmlns:p14="http://schemas.microsoft.com/office/powerpoint/2010/main" val="1262172334"/>
               </p:ext>
             </p:extLst>
           </p:nvPr>
@@ -20038,7 +16788,7 @@
     </p:spTree>
     <p:extLst>
       <p:ext uri="{BB962C8B-B14F-4D97-AF65-F5344CB8AC3E}">
-        <p14:creationId xmlns:p14="http://schemas.microsoft.com/office/powerpoint/2010/main" xmlns="" val="3650172683"/>
+        <p14:creationId xmlns:p14="http://schemas.microsoft.com/office/powerpoint/2010/main" val="3650172683"/>
       </p:ext>
     </p:extLst>
   </p:cSld>
@@ -20122,7 +16872,7 @@
           <p:nvPr>
             <p:extLst>
               <p:ext uri="{D42A27DB-BD31-4B8C-83A1-F6EECF244321}">
-                <p14:modId xmlns:p14="http://schemas.microsoft.com/office/powerpoint/2010/main" xmlns="" val="4217214646"/>
+                <p14:modId xmlns:p14="http://schemas.microsoft.com/office/powerpoint/2010/main" val="4217214646"/>
               </p:ext>
             </p:extLst>
           </p:nvPr>
@@ -20140,7 +16890,7 @@
     </p:spTree>
     <p:extLst>
       <p:ext uri="{BB962C8B-B14F-4D97-AF65-F5344CB8AC3E}">
-        <p14:creationId xmlns:p14="http://schemas.microsoft.com/office/powerpoint/2010/main" xmlns="" val="1044658037"/>
+        <p14:creationId xmlns:p14="http://schemas.microsoft.com/office/powerpoint/2010/main" val="1044658037"/>
       </p:ext>
     </p:extLst>
   </p:cSld>
@@ -20227,7 +16977,7 @@
           <p:nvPr>
             <p:extLst>
               <p:ext uri="{D42A27DB-BD31-4B8C-83A1-F6EECF244321}">
-                <p14:modId xmlns:p14="http://schemas.microsoft.com/office/powerpoint/2010/main" xmlns="" val="3864352614"/>
+                <p14:modId xmlns:p14="http://schemas.microsoft.com/office/powerpoint/2010/main" val="3864352614"/>
               </p:ext>
             </p:extLst>
           </p:nvPr>
@@ -20245,7 +16995,7 @@
     </p:spTree>
     <p:extLst>
       <p:ext uri="{BB962C8B-B14F-4D97-AF65-F5344CB8AC3E}">
-        <p14:creationId xmlns:p14="http://schemas.microsoft.com/office/powerpoint/2010/main" xmlns="" val="2295323102"/>
+        <p14:creationId xmlns:p14="http://schemas.microsoft.com/office/powerpoint/2010/main" val="2295323102"/>
       </p:ext>
     </p:extLst>
   </p:cSld>
@@ -20315,7 +17065,7 @@
             </a:clrChange>
             <a:extLst>
               <a:ext uri="{28A0092B-C50C-407E-A947-70E740481C1C}">
-                <a14:useLocalDpi xmlns:a14="http://schemas.microsoft.com/office/drawing/2010/main" xmlns="" val="0"/>
+                <a14:useLocalDpi xmlns:a14="http://schemas.microsoft.com/office/drawing/2010/main" val="0"/>
               </a:ext>
             </a:extLst>
           </a:blip>
@@ -20338,14 +17088,14 @@
           </a:ln>
           <a:extLst>
             <a:ext uri="{909E8E84-426E-40DD-AFC4-6F175D3DCCD1}">
-              <a14:hiddenFill xmlns:a14="http://schemas.microsoft.com/office/drawing/2010/main" xmlns="">
+              <a14:hiddenFill xmlns:a14="http://schemas.microsoft.com/office/drawing/2010/main">
                 <a:solidFill>
                   <a:schemeClr val="accent1"/>
                 </a:solidFill>
               </a14:hiddenFill>
             </a:ext>
             <a:ext uri="{91240B29-F687-4F45-9708-019B960494DF}">
-              <a14:hiddenLine xmlns:a14="http://schemas.microsoft.com/office/drawing/2010/main" xmlns="" w="9525">
+              <a14:hiddenLine xmlns:a14="http://schemas.microsoft.com/office/drawing/2010/main" w="9525">
                 <a:solidFill>
                   <a:schemeClr val="tx1"/>
                 </a:solidFill>
@@ -20360,7 +17110,7 @@
     </p:spTree>
     <p:extLst>
       <p:ext uri="{BB962C8B-B14F-4D97-AF65-F5344CB8AC3E}">
-        <p14:creationId xmlns:p14="http://schemas.microsoft.com/office/powerpoint/2010/main" xmlns="" val="2745742463"/>
+        <p14:creationId xmlns:p14="http://schemas.microsoft.com/office/powerpoint/2010/main" val="2745742463"/>
       </p:ext>
     </p:extLst>
   </p:cSld>
@@ -20462,7 +17212,7 @@
             </a:clrChange>
             <a:extLst>
               <a:ext uri="{28A0092B-C50C-407E-A947-70E740481C1C}">
-                <a14:useLocalDpi xmlns:a14="http://schemas.microsoft.com/office/drawing/2010/main" xmlns="" val="0"/>
+                <a14:useLocalDpi xmlns:a14="http://schemas.microsoft.com/office/drawing/2010/main" val="0"/>
               </a:ext>
             </a:extLst>
           </a:blip>
@@ -20485,14 +17235,14 @@
           </a:ln>
           <a:extLst>
             <a:ext uri="{909E8E84-426E-40DD-AFC4-6F175D3DCCD1}">
-              <a14:hiddenFill xmlns:a14="http://schemas.microsoft.com/office/drawing/2010/main" xmlns="">
+              <a14:hiddenFill xmlns:a14="http://schemas.microsoft.com/office/drawing/2010/main">
                 <a:solidFill>
                   <a:schemeClr val="accent1"/>
                 </a:solidFill>
               </a14:hiddenFill>
             </a:ext>
             <a:ext uri="{91240B29-F687-4F45-9708-019B960494DF}">
-              <a14:hiddenLine xmlns:a14="http://schemas.microsoft.com/office/drawing/2010/main" xmlns="" w="9525">
+              <a14:hiddenLine xmlns:a14="http://schemas.microsoft.com/office/drawing/2010/main" w="9525">
                 <a:solidFill>
                   <a:schemeClr val="tx1"/>
                 </a:solidFill>
@@ -20507,7 +17257,7 @@
     </p:spTree>
     <p:extLst>
       <p:ext uri="{BB962C8B-B14F-4D97-AF65-F5344CB8AC3E}">
-        <p14:creationId xmlns:p14="http://schemas.microsoft.com/office/powerpoint/2010/main" xmlns="" val="1306052275"/>
+        <p14:creationId xmlns:p14="http://schemas.microsoft.com/office/powerpoint/2010/main" val="1306052275"/>
       </p:ext>
     </p:extLst>
   </p:cSld>
@@ -20609,7 +17359,7 @@
             </a:clrChange>
             <a:extLst>
               <a:ext uri="{28A0092B-C50C-407E-A947-70E740481C1C}">
-                <a14:useLocalDpi xmlns:a14="http://schemas.microsoft.com/office/drawing/2010/main" xmlns="" val="0"/>
+                <a14:useLocalDpi xmlns:a14="http://schemas.microsoft.com/office/drawing/2010/main" val="0"/>
               </a:ext>
             </a:extLst>
           </a:blip>
@@ -20632,14 +17382,14 @@
           </a:ln>
           <a:extLst>
             <a:ext uri="{909E8E84-426E-40DD-AFC4-6F175D3DCCD1}">
-              <a14:hiddenFill xmlns:a14="http://schemas.microsoft.com/office/drawing/2010/main" xmlns="">
+              <a14:hiddenFill xmlns:a14="http://schemas.microsoft.com/office/drawing/2010/main">
                 <a:solidFill>
                   <a:schemeClr val="accent1"/>
                 </a:solidFill>
               </a14:hiddenFill>
             </a:ext>
             <a:ext uri="{91240B29-F687-4F45-9708-019B960494DF}">
-              <a14:hiddenLine xmlns:a14="http://schemas.microsoft.com/office/drawing/2010/main" xmlns="" w="9525">
+              <a14:hiddenLine xmlns:a14="http://schemas.microsoft.com/office/drawing/2010/main" w="9525">
                 <a:solidFill>
                   <a:schemeClr val="tx1"/>
                 </a:solidFill>
@@ -20654,7 +17404,7 @@
     </p:spTree>
     <p:extLst>
       <p:ext uri="{BB962C8B-B14F-4D97-AF65-F5344CB8AC3E}">
-        <p14:creationId xmlns:p14="http://schemas.microsoft.com/office/powerpoint/2010/main" xmlns="" val="3886907763"/>
+        <p14:creationId xmlns:p14="http://schemas.microsoft.com/office/powerpoint/2010/main" val="3886907763"/>
       </p:ext>
     </p:extLst>
   </p:cSld>
@@ -20763,7 +17513,7 @@
             </a:clrChange>
             <a:extLst>
               <a:ext uri="{28A0092B-C50C-407E-A947-70E740481C1C}">
-                <a14:useLocalDpi xmlns:a14="http://schemas.microsoft.com/office/drawing/2010/main" xmlns="" val="0"/>
+                <a14:useLocalDpi xmlns:a14="http://schemas.microsoft.com/office/drawing/2010/main" val="0"/>
               </a:ext>
             </a:extLst>
           </a:blip>
@@ -20786,14 +17536,14 @@
           </a:ln>
           <a:extLst>
             <a:ext uri="{909E8E84-426E-40DD-AFC4-6F175D3DCCD1}">
-              <a14:hiddenFill xmlns:a14="http://schemas.microsoft.com/office/drawing/2010/main" xmlns="">
+              <a14:hiddenFill xmlns:a14="http://schemas.microsoft.com/office/drawing/2010/main">
                 <a:solidFill>
                   <a:schemeClr val="accent1"/>
                 </a:solidFill>
               </a14:hiddenFill>
             </a:ext>
             <a:ext uri="{91240B29-F687-4F45-9708-019B960494DF}">
-              <a14:hiddenLine xmlns:a14="http://schemas.microsoft.com/office/drawing/2010/main" xmlns="" w="9525">
+              <a14:hiddenLine xmlns:a14="http://schemas.microsoft.com/office/drawing/2010/main" w="9525">
                 <a:solidFill>
                   <a:schemeClr val="tx1"/>
                 </a:solidFill>
@@ -20808,7 +17558,7 @@
     </p:spTree>
     <p:extLst>
       <p:ext uri="{BB962C8B-B14F-4D97-AF65-F5344CB8AC3E}">
-        <p14:creationId xmlns:p14="http://schemas.microsoft.com/office/powerpoint/2010/main" xmlns="" val="2586967119"/>
+        <p14:creationId xmlns:p14="http://schemas.microsoft.com/office/powerpoint/2010/main" val="2586967119"/>
       </p:ext>
     </p:extLst>
   </p:cSld>
@@ -20895,7 +17645,7 @@
           <p:nvPr>
             <p:extLst>
               <p:ext uri="{D42A27DB-BD31-4B8C-83A1-F6EECF244321}">
-                <p14:modId xmlns:p14="http://schemas.microsoft.com/office/powerpoint/2010/main" xmlns="" val="2089266211"/>
+                <p14:modId xmlns:p14="http://schemas.microsoft.com/office/powerpoint/2010/main" val="2089266211"/>
               </p:ext>
             </p:extLst>
           </p:nvPr>
@@ -20913,7 +17663,7 @@
     </p:spTree>
     <p:extLst>
       <p:ext uri="{BB962C8B-B14F-4D97-AF65-F5344CB8AC3E}">
-        <p14:creationId xmlns:p14="http://schemas.microsoft.com/office/powerpoint/2010/main" xmlns="" val="2847007101"/>
+        <p14:creationId xmlns:p14="http://schemas.microsoft.com/office/powerpoint/2010/main" val="2847007101"/>
       </p:ext>
     </p:extLst>
   </p:cSld>
@@ -20973,7 +17723,7 @@
           <a:blip r:embed="rId2">
             <a:extLst>
               <a:ext uri="{28A0092B-C50C-407E-A947-70E740481C1C}">
-                <a14:useLocalDpi xmlns:a14="http://schemas.microsoft.com/office/drawing/2010/main" xmlns="" val="0"/>
+                <a14:useLocalDpi xmlns:a14="http://schemas.microsoft.com/office/drawing/2010/main" val="0"/>
               </a:ext>
             </a:extLst>
           </a:blip>
@@ -20996,14 +17746,14 @@
           </a:ln>
           <a:extLst>
             <a:ext uri="{909E8E84-426E-40DD-AFC4-6F175D3DCCD1}">
-              <a14:hiddenFill xmlns:a14="http://schemas.microsoft.com/office/drawing/2010/main" xmlns="">
+              <a14:hiddenFill xmlns:a14="http://schemas.microsoft.com/office/drawing/2010/main">
                 <a:solidFill>
                   <a:schemeClr val="accent1"/>
                 </a:solidFill>
               </a14:hiddenFill>
             </a:ext>
             <a:ext uri="{91240B29-F687-4F45-9708-019B960494DF}">
-              <a14:hiddenLine xmlns:a14="http://schemas.microsoft.com/office/drawing/2010/main" xmlns="" w="9525">
+              <a14:hiddenLine xmlns:a14="http://schemas.microsoft.com/office/drawing/2010/main" w="9525">
                 <a:solidFill>
                   <a:schemeClr val="tx1"/>
                 </a:solidFill>
@@ -21018,7 +17768,7 @@
     </p:spTree>
     <p:extLst>
       <p:ext uri="{BB962C8B-B14F-4D97-AF65-F5344CB8AC3E}">
-        <p14:creationId xmlns:p14="http://schemas.microsoft.com/office/powerpoint/2010/main" xmlns="" val="3820374464"/>
+        <p14:creationId xmlns:p14="http://schemas.microsoft.com/office/powerpoint/2010/main" val="3820374464"/>
       </p:ext>
     </p:extLst>
   </p:cSld>
@@ -21101,7 +17851,7 @@
           <a:blip r:embed="rId2">
             <a:extLst>
               <a:ext uri="{28A0092B-C50C-407E-A947-70E740481C1C}">
-                <a14:useLocalDpi xmlns:a14="http://schemas.microsoft.com/office/drawing/2010/main" xmlns="" val="0"/>
+                <a14:useLocalDpi xmlns:a14="http://schemas.microsoft.com/office/drawing/2010/main" val="0"/>
               </a:ext>
             </a:extLst>
           </a:blip>
@@ -21124,14 +17874,14 @@
           </a:ln>
           <a:extLst>
             <a:ext uri="{909E8E84-426E-40DD-AFC4-6F175D3DCCD1}">
-              <a14:hiddenFill xmlns:a14="http://schemas.microsoft.com/office/drawing/2010/main" xmlns="">
+              <a14:hiddenFill xmlns:a14="http://schemas.microsoft.com/office/drawing/2010/main">
                 <a:solidFill>
                   <a:schemeClr val="accent1"/>
                 </a:solidFill>
               </a14:hiddenFill>
             </a:ext>
             <a:ext uri="{91240B29-F687-4F45-9708-019B960494DF}">
-              <a14:hiddenLine xmlns:a14="http://schemas.microsoft.com/office/drawing/2010/main" xmlns="" w="9525">
+              <a14:hiddenLine xmlns:a14="http://schemas.microsoft.com/office/drawing/2010/main" w="9525">
                 <a:solidFill>
                   <a:schemeClr val="tx1"/>
                 </a:solidFill>
@@ -21146,7 +17896,7 @@
     </p:spTree>
     <p:extLst>
       <p:ext uri="{BB962C8B-B14F-4D97-AF65-F5344CB8AC3E}">
-        <p14:creationId xmlns:p14="http://schemas.microsoft.com/office/powerpoint/2010/main" xmlns="" val="796640976"/>
+        <p14:creationId xmlns:p14="http://schemas.microsoft.com/office/powerpoint/2010/main" val="796640976"/>
       </p:ext>
     </p:extLst>
   </p:cSld>
@@ -21232,7 +17982,7 @@
           <a:blip r:embed="rId2">
             <a:extLst>
               <a:ext uri="{28A0092B-C50C-407E-A947-70E740481C1C}">
-                <a14:useLocalDpi xmlns:a14="http://schemas.microsoft.com/office/drawing/2010/main" xmlns="" val="0"/>
+                <a14:useLocalDpi xmlns:a14="http://schemas.microsoft.com/office/drawing/2010/main" val="0"/>
               </a:ext>
             </a:extLst>
           </a:blip>
@@ -21255,14 +18005,14 @@
           </a:ln>
           <a:extLst>
             <a:ext uri="{909E8E84-426E-40DD-AFC4-6F175D3DCCD1}">
-              <a14:hiddenFill xmlns:a14="http://schemas.microsoft.com/office/drawing/2010/main" xmlns="">
+              <a14:hiddenFill xmlns:a14="http://schemas.microsoft.com/office/drawing/2010/main">
                 <a:solidFill>
                   <a:schemeClr val="accent1"/>
                 </a:solidFill>
               </a14:hiddenFill>
             </a:ext>
             <a:ext uri="{91240B29-F687-4F45-9708-019B960494DF}">
-              <a14:hiddenLine xmlns:a14="http://schemas.microsoft.com/office/drawing/2010/main" xmlns="" w="9525">
+              <a14:hiddenLine xmlns:a14="http://schemas.microsoft.com/office/drawing/2010/main" w="9525">
                 <a:solidFill>
                   <a:schemeClr val="tx1"/>
                 </a:solidFill>
@@ -21277,7 +18027,7 @@
     </p:spTree>
     <p:extLst>
       <p:ext uri="{BB962C8B-B14F-4D97-AF65-F5344CB8AC3E}">
-        <p14:creationId xmlns:p14="http://schemas.microsoft.com/office/powerpoint/2010/main" xmlns="" val="326179920"/>
+        <p14:creationId xmlns:p14="http://schemas.microsoft.com/office/powerpoint/2010/main" val="326179920"/>
       </p:ext>
     </p:extLst>
   </p:cSld>
@@ -21864,7 +18614,7 @@
     </p:spTree>
     <p:extLst>
       <p:ext uri="{BB962C8B-B14F-4D97-AF65-F5344CB8AC3E}">
-        <p14:creationId xmlns:p14="http://schemas.microsoft.com/office/powerpoint/2010/main" xmlns="" val="3429256208"/>
+        <p14:creationId xmlns:p14="http://schemas.microsoft.com/office/powerpoint/2010/main" val="3429256208"/>
       </p:ext>
     </p:extLst>
   </p:cSld>
@@ -22844,7 +19594,7 @@
     </p:spTree>
     <p:extLst>
       <p:ext uri="{BB962C8B-B14F-4D97-AF65-F5344CB8AC3E}">
-        <p14:creationId xmlns:p14="http://schemas.microsoft.com/office/powerpoint/2010/main" xmlns="" val="2476189663"/>
+        <p14:creationId xmlns:p14="http://schemas.microsoft.com/office/powerpoint/2010/main" val="2476189663"/>
       </p:ext>
     </p:extLst>
   </p:cSld>
@@ -23031,7 +19781,7 @@
           <a:blip r:embed="rId2">
             <a:extLst>
               <a:ext uri="{28A0092B-C50C-407E-A947-70E740481C1C}">
-                <a14:useLocalDpi xmlns:a14="http://schemas.microsoft.com/office/drawing/2010/main" xmlns="" val="0"/>
+                <a14:useLocalDpi xmlns:a14="http://schemas.microsoft.com/office/drawing/2010/main" val="0"/>
               </a:ext>
             </a:extLst>
           </a:blip>
@@ -23051,7 +19801,7 @@
           <a:noFill/>
           <a:extLst>
             <a:ext uri="{909E8E84-426E-40DD-AFC4-6F175D3DCCD1}">
-              <a14:hiddenFill xmlns:a14="http://schemas.microsoft.com/office/drawing/2010/main" xmlns="">
+              <a14:hiddenFill xmlns:a14="http://schemas.microsoft.com/office/drawing/2010/main">
                 <a:solidFill>
                   <a:srgbClr val="FFFFFF"/>
                 </a:solidFill>
@@ -23072,7 +19822,7 @@
           <a:blip r:embed="rId3">
             <a:extLst>
               <a:ext uri="{BEBA8EAE-BF5A-486C-A8C5-ECC9F3942E4B}">
-                <a14:imgProps xmlns:a14="http://schemas.microsoft.com/office/drawing/2010/main" xmlns="">
+                <a14:imgProps xmlns:a14="http://schemas.microsoft.com/office/drawing/2010/main">
                   <a14:imgLayer r:embed="rId4">
                     <a14:imgEffect>
                       <a14:backgroundRemoval t="10000" b="90000" l="10000" r="90000"/>
@@ -23081,7 +19831,7 @@
                 </a14:imgProps>
               </a:ext>
               <a:ext uri="{28A0092B-C50C-407E-A947-70E740481C1C}">
-                <a14:useLocalDpi xmlns:a14="http://schemas.microsoft.com/office/drawing/2010/main" xmlns="" val="0"/>
+                <a14:useLocalDpi xmlns:a14="http://schemas.microsoft.com/office/drawing/2010/main" val="0"/>
               </a:ext>
             </a:extLst>
           </a:blip>
@@ -23101,7 +19851,7 @@
           <a:noFill/>
           <a:extLst>
             <a:ext uri="{909E8E84-426E-40DD-AFC4-6F175D3DCCD1}">
-              <a14:hiddenFill xmlns:a14="http://schemas.microsoft.com/office/drawing/2010/main" xmlns="">
+              <a14:hiddenFill xmlns:a14="http://schemas.microsoft.com/office/drawing/2010/main">
                 <a:solidFill>
                   <a:srgbClr val="FFFFFF"/>
                 </a:solidFill>
@@ -23875,7 +20625,7 @@
     </p:spTree>
     <p:extLst>
       <p:ext uri="{BB962C8B-B14F-4D97-AF65-F5344CB8AC3E}">
-        <p14:creationId xmlns:p14="http://schemas.microsoft.com/office/powerpoint/2010/main" xmlns="" val="860012903"/>
+        <p14:creationId xmlns:p14="http://schemas.microsoft.com/office/powerpoint/2010/main" val="860012903"/>
       </p:ext>
     </p:extLst>
   </p:cSld>
@@ -23983,7 +20733,7 @@
           <a:blip r:embed="rId2">
             <a:extLst>
               <a:ext uri="{28A0092B-C50C-407E-A947-70E740481C1C}">
-                <a14:useLocalDpi xmlns:a14="http://schemas.microsoft.com/office/drawing/2010/main" xmlns="" val="0"/>
+                <a14:useLocalDpi xmlns:a14="http://schemas.microsoft.com/office/drawing/2010/main" val="0"/>
               </a:ext>
             </a:extLst>
           </a:blip>
@@ -24006,14 +20756,14 @@
           </a:ln>
           <a:extLst>
             <a:ext uri="{909E8E84-426E-40DD-AFC4-6F175D3DCCD1}">
-              <a14:hiddenFill xmlns:a14="http://schemas.microsoft.com/office/drawing/2010/main" xmlns="">
+              <a14:hiddenFill xmlns:a14="http://schemas.microsoft.com/office/drawing/2010/main">
                 <a:solidFill>
                   <a:schemeClr val="accent1"/>
                 </a:solidFill>
               </a14:hiddenFill>
             </a:ext>
             <a:ext uri="{91240B29-F687-4F45-9708-019B960494DF}">
-              <a14:hiddenLine xmlns:a14="http://schemas.microsoft.com/office/drawing/2010/main" xmlns="" w="9525">
+              <a14:hiddenLine xmlns:a14="http://schemas.microsoft.com/office/drawing/2010/main" w="9525">
                 <a:solidFill>
                   <a:schemeClr val="tx1"/>
                 </a:solidFill>
@@ -24083,7 +20833,7 @@
           <a:blip r:embed="rId3">
             <a:extLst>
               <a:ext uri="{28A0092B-C50C-407E-A947-70E740481C1C}">
-                <a14:useLocalDpi xmlns:a14="http://schemas.microsoft.com/office/drawing/2010/main" xmlns="" val="0"/>
+                <a14:useLocalDpi xmlns:a14="http://schemas.microsoft.com/office/drawing/2010/main" val="0"/>
               </a:ext>
             </a:extLst>
           </a:blip>
@@ -24103,7 +20853,7 @@
           <a:noFill/>
           <a:extLst>
             <a:ext uri="{909E8E84-426E-40DD-AFC4-6F175D3DCCD1}">
-              <a14:hiddenFill xmlns:a14="http://schemas.microsoft.com/office/drawing/2010/main" xmlns="">
+              <a14:hiddenFill xmlns:a14="http://schemas.microsoft.com/office/drawing/2010/main">
                 <a:solidFill>
                   <a:srgbClr val="FFFFFF"/>
                 </a:solidFill>
@@ -24131,7 +20881,7 @@
           <a:noFill/>
           <a:extLst>
             <a:ext uri="{909E8E84-426E-40DD-AFC4-6F175D3DCCD1}">
-              <a14:hiddenFill xmlns:a14="http://schemas.microsoft.com/office/drawing/2010/main" xmlns="">
+              <a14:hiddenFill xmlns:a14="http://schemas.microsoft.com/office/drawing/2010/main">
                 <a:solidFill>
                   <a:srgbClr val="FFFFFF"/>
                 </a:solidFill>
@@ -24170,7 +20920,7 @@
           <a:noFill/>
           <a:extLst>
             <a:ext uri="{909E8E84-426E-40DD-AFC4-6F175D3DCCD1}">
-              <a14:hiddenFill xmlns:a14="http://schemas.microsoft.com/office/drawing/2010/main" xmlns="">
+              <a14:hiddenFill xmlns:a14="http://schemas.microsoft.com/office/drawing/2010/main">
                 <a:solidFill>
                   <a:srgbClr val="FFFFFF"/>
                 </a:solidFill>
@@ -24202,7 +20952,7 @@
           <a:blip r:embed="rId4" cstate="print">
             <a:extLst>
               <a:ext uri="{28A0092B-C50C-407E-A947-70E740481C1C}">
-                <a14:useLocalDpi xmlns:a14="http://schemas.microsoft.com/office/drawing/2010/main" xmlns="" val="0"/>
+                <a14:useLocalDpi xmlns:a14="http://schemas.microsoft.com/office/drawing/2010/main" val="0"/>
               </a:ext>
             </a:extLst>
           </a:blip>
@@ -24225,14 +20975,14 @@
           </a:ln>
           <a:extLst>
             <a:ext uri="{909E8E84-426E-40DD-AFC4-6F175D3DCCD1}">
-              <a14:hiddenFill xmlns:a14="http://schemas.microsoft.com/office/drawing/2010/main" xmlns="">
+              <a14:hiddenFill xmlns:a14="http://schemas.microsoft.com/office/drawing/2010/main">
                 <a:solidFill>
                   <a:schemeClr val="accent1"/>
                 </a:solidFill>
               </a14:hiddenFill>
             </a:ext>
             <a:ext uri="{91240B29-F687-4F45-9708-019B960494DF}">
-              <a14:hiddenLine xmlns:a14="http://schemas.microsoft.com/office/drawing/2010/main" xmlns="" w="9525">
+              <a14:hiddenLine xmlns:a14="http://schemas.microsoft.com/office/drawing/2010/main" w="9525">
                 <a:solidFill>
                   <a:schemeClr val="tx1"/>
                 </a:solidFill>
@@ -24560,7 +21310,7 @@
           <a:blip r:embed="rId5" cstate="print">
             <a:extLst>
               <a:ext uri="{28A0092B-C50C-407E-A947-70E740481C1C}">
-                <a14:useLocalDpi xmlns:a14="http://schemas.microsoft.com/office/drawing/2010/main" xmlns="" val="0"/>
+                <a14:useLocalDpi xmlns:a14="http://schemas.microsoft.com/office/drawing/2010/main" val="0"/>
               </a:ext>
             </a:extLst>
           </a:blip>
@@ -24580,7 +21330,7 @@
           <a:noFill/>
           <a:extLst>
             <a:ext uri="{909E8E84-426E-40DD-AFC4-6F175D3DCCD1}">
-              <a14:hiddenFill xmlns:a14="http://schemas.microsoft.com/office/drawing/2010/main" xmlns="">
+              <a14:hiddenFill xmlns:a14="http://schemas.microsoft.com/office/drawing/2010/main">
                 <a:solidFill>
                   <a:srgbClr val="FFFFFF"/>
                 </a:solidFill>
@@ -24803,7 +21553,7 @@
     </p:spTree>
     <p:extLst>
       <p:ext uri="{BB962C8B-B14F-4D97-AF65-F5344CB8AC3E}">
-        <p14:creationId xmlns:p14="http://schemas.microsoft.com/office/powerpoint/2010/main" xmlns="" val="2956477278"/>
+        <p14:creationId xmlns:p14="http://schemas.microsoft.com/office/powerpoint/2010/main" val="2956477278"/>
       </p:ext>
     </p:extLst>
   </p:cSld>
@@ -24903,6 +21653,652 @@
 </p:sld>
 </file>
 
+<file path=ppt/slides/slide24.xml><?xml version="1.0" encoding="utf-8"?>
+<p:sld xmlns:a="http://schemas.openxmlformats.org/drawingml/2006/main" xmlns:r="http://schemas.openxmlformats.org/officeDocument/2006/relationships" xmlns:p="http://schemas.openxmlformats.org/presentationml/2006/main">
+  <p:cSld>
+    <p:spTree>
+      <p:nvGrpSpPr>
+        <p:cNvPr id="1" name=""/>
+        <p:cNvGrpSpPr/>
+        <p:nvPr/>
+      </p:nvGrpSpPr>
+      <p:grpSpPr>
+        <a:xfrm>
+          <a:off x="0" y="0"/>
+          <a:ext cx="0" cy="0"/>
+          <a:chOff x="0" y="0"/>
+          <a:chExt cx="0" cy="0"/>
+        </a:xfrm>
+      </p:grpSpPr>
+      <p:sp>
+        <p:nvSpPr>
+          <p:cNvPr id="2" name="Title 1"/>
+          <p:cNvSpPr>
+            <a:spLocks noGrp="1"/>
+          </p:cNvSpPr>
+          <p:nvPr>
+            <p:ph type="title"/>
+          </p:nvPr>
+        </p:nvSpPr>
+        <p:spPr/>
+        <p:txBody>
+          <a:bodyPr>
+            <a:normAutofit fontScale="90000"/>
+          </a:bodyPr>
+          <a:lstStyle/>
+          <a:p>
+            <a:r>
+              <a:rPr lang="en-US" dirty="0" smtClean="0"/>
+              <a:t/>
+            </a:r>
+            <a:br>
+              <a:rPr lang="en-US" dirty="0" smtClean="0"/>
+            </a:br>
+            <a:endParaRPr lang="en-US" dirty="0"/>
+          </a:p>
+        </p:txBody>
+      </p:sp>
+      <p:sp>
+        <p:nvSpPr>
+          <p:cNvPr id="3" name="Content Placeholder 2"/>
+          <p:cNvSpPr>
+            <a:spLocks noGrp="1"/>
+          </p:cNvSpPr>
+          <p:nvPr>
+            <p:ph idx="1"/>
+          </p:nvPr>
+        </p:nvSpPr>
+        <p:spPr/>
+        <p:txBody>
+          <a:bodyPr/>
+          <a:lstStyle/>
+          <a:p>
+            <a:pPr marL="0" indent="0">
+              <a:buNone/>
+            </a:pPr>
+            <a:endParaRPr lang="en-US" dirty="0" smtClean="0"/>
+          </a:p>
+          <a:p>
+            <a:pPr marL="0" indent="0">
+              <a:buNone/>
+            </a:pPr>
+            <a:endParaRPr lang="en-US" dirty="0"/>
+          </a:p>
+        </p:txBody>
+      </p:sp>
+      <p:cxnSp>
+        <p:nvCxnSpPr>
+          <p:cNvPr id="5" name="Straight Arrow Connector 4"/>
+          <p:cNvCxnSpPr/>
+          <p:nvPr/>
+        </p:nvCxnSpPr>
+        <p:spPr>
+          <a:xfrm flipV="1">
+            <a:off x="1905000" y="2057400"/>
+            <a:ext cx="0" cy="3276600"/>
+          </a:xfrm>
+          <a:prstGeom prst="straightConnector1">
+            <a:avLst/>
+          </a:prstGeom>
+          <a:ln w="28575">
+            <a:tailEnd type="arrow"/>
+          </a:ln>
+        </p:spPr>
+        <p:style>
+          <a:lnRef idx="1">
+            <a:schemeClr val="accent1"/>
+          </a:lnRef>
+          <a:fillRef idx="0">
+            <a:schemeClr val="accent1"/>
+          </a:fillRef>
+          <a:effectRef idx="0">
+            <a:schemeClr val="accent1"/>
+          </a:effectRef>
+          <a:fontRef idx="minor">
+            <a:schemeClr val="tx1"/>
+          </a:fontRef>
+        </p:style>
+      </p:cxnSp>
+      <p:cxnSp>
+        <p:nvCxnSpPr>
+          <p:cNvPr id="6" name="Straight Arrow Connector 5"/>
+          <p:cNvCxnSpPr/>
+          <p:nvPr/>
+        </p:nvCxnSpPr>
+        <p:spPr>
+          <a:xfrm flipV="1">
+            <a:off x="1905000" y="5295900"/>
+            <a:ext cx="3505200" cy="38100"/>
+          </a:xfrm>
+          <a:prstGeom prst="straightConnector1">
+            <a:avLst/>
+          </a:prstGeom>
+          <a:ln w="28575">
+            <a:tailEnd type="arrow"/>
+          </a:ln>
+        </p:spPr>
+        <p:style>
+          <a:lnRef idx="1">
+            <a:schemeClr val="accent1"/>
+          </a:lnRef>
+          <a:fillRef idx="0">
+            <a:schemeClr val="accent1"/>
+          </a:fillRef>
+          <a:effectRef idx="0">
+            <a:schemeClr val="accent1"/>
+          </a:effectRef>
+          <a:fontRef idx="minor">
+            <a:schemeClr val="tx1"/>
+          </a:fontRef>
+        </p:style>
+      </p:cxnSp>
+      <p:cxnSp>
+        <p:nvCxnSpPr>
+          <p:cNvPr id="13" name="Straight Connector 12"/>
+          <p:cNvCxnSpPr/>
+          <p:nvPr/>
+        </p:nvCxnSpPr>
+        <p:spPr>
+          <a:xfrm flipV="1">
+            <a:off x="1905000" y="2971800"/>
+            <a:ext cx="2819400" cy="2343150"/>
+          </a:xfrm>
+          <a:prstGeom prst="line">
+            <a:avLst/>
+          </a:prstGeom>
+          <a:ln w="28575">
+            <a:solidFill>
+              <a:schemeClr val="tx1"/>
+            </a:solidFill>
+          </a:ln>
+        </p:spPr>
+        <p:style>
+          <a:lnRef idx="1">
+            <a:schemeClr val="accent1"/>
+          </a:lnRef>
+          <a:fillRef idx="0">
+            <a:schemeClr val="accent1"/>
+          </a:fillRef>
+          <a:effectRef idx="0">
+            <a:schemeClr val="accent1"/>
+          </a:effectRef>
+          <a:fontRef idx="minor">
+            <a:schemeClr val="tx1"/>
+          </a:fontRef>
+        </p:style>
+      </p:cxnSp>
+      <p:sp>
+        <p:nvSpPr>
+          <p:cNvPr id="28" name="Freeform 27"/>
+          <p:cNvSpPr/>
+          <p:nvPr/>
+        </p:nvSpPr>
+        <p:spPr>
+          <a:xfrm rot="18576160">
+            <a:off x="1348562" y="3820723"/>
+            <a:ext cx="3735649" cy="313370"/>
+          </a:xfrm>
+          <a:custGeom>
+            <a:avLst/>
+            <a:gdLst>
+              <a:gd name="connsiteX0" fmla="*/ 0 w 5029200"/>
+              <a:gd name="connsiteY0" fmla="*/ 0 h 4777228"/>
+              <a:gd name="connsiteX1" fmla="*/ 2976113 w 5029200"/>
+              <a:gd name="connsiteY1" fmla="*/ 4761781 h 4777228"/>
+              <a:gd name="connsiteX2" fmla="*/ 5029200 w 5029200"/>
+              <a:gd name="connsiteY2" fmla="*/ 1630393 h 4777228"/>
+              <a:gd name="connsiteX3" fmla="*/ 5029200 w 5029200"/>
+              <a:gd name="connsiteY3" fmla="*/ 1630393 h 4777228"/>
+            </a:gdLst>
+            <a:ahLst/>
+            <a:cxnLst>
+              <a:cxn ang="0">
+                <a:pos x="connsiteX0" y="connsiteY0"/>
+              </a:cxn>
+              <a:cxn ang="0">
+                <a:pos x="connsiteX1" y="connsiteY1"/>
+              </a:cxn>
+              <a:cxn ang="0">
+                <a:pos x="connsiteX2" y="connsiteY2"/>
+              </a:cxn>
+              <a:cxn ang="0">
+                <a:pos x="connsiteX3" y="connsiteY3"/>
+              </a:cxn>
+            </a:cxnLst>
+            <a:rect l="l" t="t" r="r" b="b"/>
+            <a:pathLst>
+              <a:path w="5029200" h="4777228">
+                <a:moveTo>
+                  <a:pt x="0" y="0"/>
+                </a:moveTo>
+                <a:cubicBezTo>
+                  <a:pt x="1068956" y="2245024"/>
+                  <a:pt x="2137913" y="4490049"/>
+                  <a:pt x="2976113" y="4761781"/>
+                </a:cubicBezTo>
+                <a:cubicBezTo>
+                  <a:pt x="3814313" y="5033513"/>
+                  <a:pt x="5029200" y="1630393"/>
+                  <a:pt x="5029200" y="1630393"/>
+                </a:cubicBezTo>
+                <a:lnTo>
+                  <a:pt x="5029200" y="1630393"/>
+                </a:lnTo>
+              </a:path>
+            </a:pathLst>
+          </a:custGeom>
+          <a:noFill/>
+          <a:ln>
+            <a:solidFill>
+              <a:srgbClr val="00B050"/>
+            </a:solidFill>
+          </a:ln>
+        </p:spPr>
+        <p:style>
+          <a:lnRef idx="2">
+            <a:schemeClr val="accent1">
+              <a:shade val="50000"/>
+            </a:schemeClr>
+          </a:lnRef>
+          <a:fillRef idx="1">
+            <a:schemeClr val="accent1"/>
+          </a:fillRef>
+          <a:effectRef idx="0">
+            <a:schemeClr val="accent1"/>
+          </a:effectRef>
+          <a:fontRef idx="minor">
+            <a:schemeClr val="lt1"/>
+          </a:fontRef>
+        </p:style>
+        <p:txBody>
+          <a:bodyPr rtlCol="0" anchor="ctr"/>
+          <a:lstStyle/>
+          <a:p>
+            <a:pPr algn="ctr"/>
+            <a:endParaRPr lang="en-US" dirty="0"/>
+          </a:p>
+        </p:txBody>
+      </p:sp>
+      <p:sp>
+        <p:nvSpPr>
+          <p:cNvPr id="29" name="Freeform 28"/>
+          <p:cNvSpPr/>
+          <p:nvPr/>
+        </p:nvSpPr>
+        <p:spPr>
+          <a:xfrm rot="9285517">
+            <a:off x="1702837" y="4307680"/>
+            <a:ext cx="4100081" cy="238884"/>
+          </a:xfrm>
+          <a:custGeom>
+            <a:avLst/>
+            <a:gdLst>
+              <a:gd name="connsiteX0" fmla="*/ 0 w 5029200"/>
+              <a:gd name="connsiteY0" fmla="*/ 0 h 4777228"/>
+              <a:gd name="connsiteX1" fmla="*/ 2976113 w 5029200"/>
+              <a:gd name="connsiteY1" fmla="*/ 4761781 h 4777228"/>
+              <a:gd name="connsiteX2" fmla="*/ 5029200 w 5029200"/>
+              <a:gd name="connsiteY2" fmla="*/ 1630393 h 4777228"/>
+              <a:gd name="connsiteX3" fmla="*/ 5029200 w 5029200"/>
+              <a:gd name="connsiteY3" fmla="*/ 1630393 h 4777228"/>
+            </a:gdLst>
+            <a:ahLst/>
+            <a:cxnLst>
+              <a:cxn ang="0">
+                <a:pos x="connsiteX0" y="connsiteY0"/>
+              </a:cxn>
+              <a:cxn ang="0">
+                <a:pos x="connsiteX1" y="connsiteY1"/>
+              </a:cxn>
+              <a:cxn ang="0">
+                <a:pos x="connsiteX2" y="connsiteY2"/>
+              </a:cxn>
+              <a:cxn ang="0">
+                <a:pos x="connsiteX3" y="connsiteY3"/>
+              </a:cxn>
+            </a:cxnLst>
+            <a:rect l="l" t="t" r="r" b="b"/>
+            <a:pathLst>
+              <a:path w="5029200" h="4777228">
+                <a:moveTo>
+                  <a:pt x="0" y="0"/>
+                </a:moveTo>
+                <a:cubicBezTo>
+                  <a:pt x="1068956" y="2245024"/>
+                  <a:pt x="2137913" y="4490049"/>
+                  <a:pt x="2976113" y="4761781"/>
+                </a:cubicBezTo>
+                <a:cubicBezTo>
+                  <a:pt x="3814313" y="5033513"/>
+                  <a:pt x="5029200" y="1630393"/>
+                  <a:pt x="5029200" y="1630393"/>
+                </a:cubicBezTo>
+                <a:lnTo>
+                  <a:pt x="5029200" y="1630393"/>
+                </a:lnTo>
+              </a:path>
+            </a:pathLst>
+          </a:custGeom>
+          <a:noFill/>
+          <a:ln>
+            <a:solidFill>
+              <a:srgbClr val="FF0000"/>
+            </a:solidFill>
+          </a:ln>
+        </p:spPr>
+        <p:style>
+          <a:lnRef idx="2">
+            <a:schemeClr val="accent1">
+              <a:shade val="50000"/>
+            </a:schemeClr>
+          </a:lnRef>
+          <a:fillRef idx="1">
+            <a:schemeClr val="accent1"/>
+          </a:fillRef>
+          <a:effectRef idx="0">
+            <a:schemeClr val="accent1"/>
+          </a:effectRef>
+          <a:fontRef idx="minor">
+            <a:schemeClr val="lt1"/>
+          </a:fontRef>
+        </p:style>
+        <p:txBody>
+          <a:bodyPr rtlCol="0" anchor="ctr"/>
+          <a:lstStyle/>
+          <a:p>
+            <a:pPr algn="ctr"/>
+            <a:endParaRPr lang="en-US"/>
+          </a:p>
+        </p:txBody>
+      </p:sp>
+      <p:sp>
+        <p:nvSpPr>
+          <p:cNvPr id="30" name="TextBox 29"/>
+          <p:cNvSpPr txBox="1"/>
+          <p:nvPr/>
+        </p:nvSpPr>
+        <p:spPr>
+          <a:xfrm>
+            <a:off x="2962288" y="2359794"/>
+            <a:ext cx="1390623" cy="646331"/>
+          </a:xfrm>
+          <a:prstGeom prst="rect">
+            <a:avLst/>
+          </a:prstGeom>
+          <a:noFill/>
+        </p:spPr>
+        <p:txBody>
+          <a:bodyPr wrap="square" rtlCol="0">
+            <a:spAutoFit/>
+          </a:bodyPr>
+          <a:lstStyle/>
+          <a:p>
+            <a:r>
+              <a:rPr lang="en-US" dirty="0">
+                <a:solidFill>
+                  <a:srgbClr val="00B050"/>
+                </a:solidFill>
+              </a:rPr>
+              <a:t>super-linear </a:t>
+            </a:r>
+            <a:endParaRPr lang="en-US" dirty="0" smtClean="0">
+              <a:solidFill>
+                <a:srgbClr val="00B050"/>
+              </a:solidFill>
+            </a:endParaRPr>
+          </a:p>
+          <a:p>
+            <a:r>
+              <a:rPr lang="en-US" dirty="0" smtClean="0">
+                <a:solidFill>
+                  <a:srgbClr val="00B050"/>
+                </a:solidFill>
+              </a:rPr>
+              <a:t>speedup</a:t>
+            </a:r>
+            <a:endParaRPr lang="en-US" dirty="0">
+              <a:solidFill>
+                <a:srgbClr val="00B050"/>
+              </a:solidFill>
+            </a:endParaRPr>
+          </a:p>
+        </p:txBody>
+      </p:sp>
+      <p:sp>
+        <p:nvSpPr>
+          <p:cNvPr id="31" name="TextBox 30"/>
+          <p:cNvSpPr txBox="1"/>
+          <p:nvPr/>
+        </p:nvSpPr>
+        <p:spPr>
+          <a:xfrm>
+            <a:off x="4507645" y="3182576"/>
+            <a:ext cx="2209800" cy="369332"/>
+          </a:xfrm>
+          <a:prstGeom prst="rect">
+            <a:avLst/>
+          </a:prstGeom>
+          <a:noFill/>
+        </p:spPr>
+        <p:txBody>
+          <a:bodyPr wrap="square" rtlCol="0">
+            <a:spAutoFit/>
+          </a:bodyPr>
+          <a:lstStyle/>
+          <a:p>
+            <a:r>
+              <a:rPr lang="en-US" dirty="0" smtClean="0"/>
+              <a:t>linear </a:t>
+            </a:r>
+            <a:r>
+              <a:rPr lang="en-US" dirty="0"/>
+              <a:t>speedup</a:t>
+            </a:r>
+          </a:p>
+        </p:txBody>
+      </p:sp>
+      <p:sp>
+        <p:nvSpPr>
+          <p:cNvPr id="32" name="TextBox 31"/>
+          <p:cNvSpPr txBox="1"/>
+          <p:nvPr/>
+        </p:nvSpPr>
+        <p:spPr>
+          <a:xfrm>
+            <a:off x="4191000" y="4242456"/>
+            <a:ext cx="2209800" cy="369332"/>
+          </a:xfrm>
+          <a:prstGeom prst="rect">
+            <a:avLst/>
+          </a:prstGeom>
+          <a:noFill/>
+        </p:spPr>
+        <p:txBody>
+          <a:bodyPr wrap="square" rtlCol="0">
+            <a:spAutoFit/>
+          </a:bodyPr>
+          <a:lstStyle/>
+          <a:p>
+            <a:r>
+              <a:rPr lang="en-US" dirty="0" smtClean="0">
+                <a:solidFill>
+                  <a:srgbClr val="FF0000"/>
+                </a:solidFill>
+              </a:rPr>
+              <a:t>sub-linear </a:t>
+            </a:r>
+            <a:r>
+              <a:rPr lang="en-US" dirty="0">
+                <a:solidFill>
+                  <a:srgbClr val="FF0000"/>
+                </a:solidFill>
+              </a:rPr>
+              <a:t>speedup</a:t>
+            </a:r>
+          </a:p>
+        </p:txBody>
+      </p:sp>
+      <p:sp>
+        <p:nvSpPr>
+          <p:cNvPr id="33" name="TextBox 32"/>
+          <p:cNvSpPr txBox="1"/>
+          <p:nvPr/>
+        </p:nvSpPr>
+        <p:spPr>
+          <a:xfrm>
+            <a:off x="2819400" y="5365848"/>
+            <a:ext cx="1734252" cy="369332"/>
+          </a:xfrm>
+          <a:prstGeom prst="rect">
+            <a:avLst/>
+          </a:prstGeom>
+          <a:noFill/>
+        </p:spPr>
+        <p:txBody>
+          <a:bodyPr wrap="square" rtlCol="0">
+            <a:spAutoFit/>
+          </a:bodyPr>
+          <a:lstStyle/>
+          <a:p>
+            <a:r>
+              <a:rPr lang="en-US" dirty="0" smtClean="0">
+                <a:solidFill>
+                  <a:schemeClr val="tx2"/>
+                </a:solidFill>
+              </a:rPr>
+              <a:t># of processors</a:t>
+            </a:r>
+            <a:endParaRPr lang="en-US" dirty="0">
+              <a:solidFill>
+                <a:schemeClr val="tx2"/>
+              </a:solidFill>
+            </a:endParaRPr>
+          </a:p>
+        </p:txBody>
+      </p:sp>
+      <p:sp>
+        <p:nvSpPr>
+          <p:cNvPr id="34" name="TextBox 33"/>
+          <p:cNvSpPr txBox="1"/>
+          <p:nvPr/>
+        </p:nvSpPr>
+        <p:spPr>
+          <a:xfrm>
+            <a:off x="1440610" y="2743200"/>
+            <a:ext cx="407032" cy="369332"/>
+          </a:xfrm>
+          <a:prstGeom prst="rect">
+            <a:avLst/>
+          </a:prstGeom>
+          <a:noFill/>
+        </p:spPr>
+        <p:txBody>
+          <a:bodyPr wrap="square" rtlCol="0">
+            <a:spAutoFit/>
+          </a:bodyPr>
+          <a:lstStyle/>
+          <a:p>
+            <a:r>
+              <a:rPr lang="en-US" dirty="0" smtClean="0"/>
+              <a:t>S</a:t>
+            </a:r>
+            <a:r>
+              <a:rPr lang="en-US" cap="small" baseline="-25000" dirty="0" smtClean="0"/>
+              <a:t>p</a:t>
+            </a:r>
+            <a:endParaRPr lang="en-US" cap="small" baseline="-25000" dirty="0"/>
+          </a:p>
+        </p:txBody>
+      </p:sp>
+      <p:sp>
+        <p:nvSpPr>
+          <p:cNvPr id="35" name="TextBox 34"/>
+          <p:cNvSpPr txBox="1"/>
+          <p:nvPr/>
+        </p:nvSpPr>
+        <p:spPr>
+          <a:xfrm>
+            <a:off x="5105400" y="5365848"/>
+            <a:ext cx="609600" cy="369332"/>
+          </a:xfrm>
+          <a:prstGeom prst="rect">
+            <a:avLst/>
+          </a:prstGeom>
+          <a:noFill/>
+        </p:spPr>
+        <p:txBody>
+          <a:bodyPr wrap="square" rtlCol="0">
+            <a:spAutoFit/>
+          </a:bodyPr>
+          <a:lstStyle/>
+          <a:p>
+            <a:r>
+              <a:rPr lang="en-US" dirty="0" smtClean="0">
+                <a:solidFill>
+                  <a:schemeClr val="tx2"/>
+                </a:solidFill>
+              </a:rPr>
+              <a:t>x</a:t>
+            </a:r>
+            <a:endParaRPr lang="en-US" dirty="0">
+              <a:solidFill>
+                <a:schemeClr val="tx2"/>
+              </a:solidFill>
+            </a:endParaRPr>
+          </a:p>
+        </p:txBody>
+      </p:sp>
+      <p:sp>
+        <p:nvSpPr>
+          <p:cNvPr id="36" name="TextBox 35"/>
+          <p:cNvSpPr txBox="1"/>
+          <p:nvPr/>
+        </p:nvSpPr>
+        <p:spPr>
+          <a:xfrm>
+            <a:off x="1542842" y="1978325"/>
+            <a:ext cx="304800" cy="369332"/>
+          </a:xfrm>
+          <a:prstGeom prst="rect">
+            <a:avLst/>
+          </a:prstGeom>
+          <a:noFill/>
+        </p:spPr>
+        <p:txBody>
+          <a:bodyPr wrap="square" rtlCol="0">
+            <a:spAutoFit/>
+          </a:bodyPr>
+          <a:lstStyle/>
+          <a:p>
+            <a:r>
+              <a:rPr lang="en-US" dirty="0" smtClean="0">
+                <a:solidFill>
+                  <a:schemeClr val="tx2"/>
+                </a:solidFill>
+              </a:rPr>
+              <a:t>y</a:t>
+            </a:r>
+            <a:endParaRPr lang="en-US" dirty="0">
+              <a:solidFill>
+                <a:schemeClr val="tx2"/>
+              </a:solidFill>
+            </a:endParaRPr>
+          </a:p>
+        </p:txBody>
+      </p:sp>
+    </p:spTree>
+    <p:extLst>
+      <p:ext uri="{BB962C8B-B14F-4D97-AF65-F5344CB8AC3E}">
+        <p14:creationId xmlns:p14="http://schemas.microsoft.com/office/powerpoint/2010/main" val="1037245758"/>
+      </p:ext>
+    </p:extLst>
+  </p:cSld>
+  <p:clrMapOvr>
+    <a:masterClrMapping/>
+  </p:clrMapOvr>
+</p:sld>
+</file>
+
 <file path=ppt/slides/slide3.xml><?xml version="1.0" encoding="utf-8"?>
 <p:sld xmlns:a="http://schemas.openxmlformats.org/drawingml/2006/main" xmlns:r="http://schemas.openxmlformats.org/officeDocument/2006/relationships" xmlns:p="http://schemas.openxmlformats.org/presentationml/2006/main">
   <p:cSld>
@@ -24992,7 +22388,7 @@
             </a:clrChange>
             <a:extLst>
               <a:ext uri="{BEBA8EAE-BF5A-486C-A8C5-ECC9F3942E4B}">
-                <a14:imgProps xmlns:a14="http://schemas.microsoft.com/office/drawing/2010/main" xmlns="">
+                <a14:imgProps xmlns:a14="http://schemas.microsoft.com/office/drawing/2010/main">
                   <a14:imgLayer r:embed="rId3">
                     <a14:imgEffect>
                       <a14:brightnessContrast contrast="20000"/>
@@ -25001,7 +22397,7 @@
                 </a14:imgProps>
               </a:ext>
               <a:ext uri="{28A0092B-C50C-407E-A947-70E740481C1C}">
-                <a14:useLocalDpi xmlns:a14="http://schemas.microsoft.com/office/drawing/2010/main" xmlns="" val="0"/>
+                <a14:useLocalDpi xmlns:a14="http://schemas.microsoft.com/office/drawing/2010/main" val="0"/>
               </a:ext>
             </a:extLst>
           </a:blip>
@@ -25021,7 +22417,7 @@
           <a:noFill/>
           <a:extLst>
             <a:ext uri="{909E8E84-426E-40DD-AFC4-6F175D3DCCD1}">
-              <a14:hiddenFill xmlns:a14="http://schemas.microsoft.com/office/drawing/2010/main" xmlns="">
+              <a14:hiddenFill xmlns:a14="http://schemas.microsoft.com/office/drawing/2010/main">
                 <a:solidFill>
                   <a:srgbClr val="FFFFFF"/>
                 </a:solidFill>
@@ -25033,7 +22429,7 @@
     </p:spTree>
     <p:extLst>
       <p:ext uri="{BB962C8B-B14F-4D97-AF65-F5344CB8AC3E}">
-        <p14:creationId xmlns:p14="http://schemas.microsoft.com/office/powerpoint/2010/main" xmlns="" val="3300642838"/>
+        <p14:creationId xmlns:p14="http://schemas.microsoft.com/office/powerpoint/2010/main" val="3300642838"/>
       </p:ext>
     </p:extLst>
   </p:cSld>
@@ -25125,7 +22521,7 @@
           <a:blip r:embed="rId2">
             <a:extLst>
               <a:ext uri="{28A0092B-C50C-407E-A947-70E740481C1C}">
-                <a14:useLocalDpi xmlns:a14="http://schemas.microsoft.com/office/drawing/2010/main" xmlns="" val="0"/>
+                <a14:useLocalDpi xmlns:a14="http://schemas.microsoft.com/office/drawing/2010/main" val="0"/>
               </a:ext>
             </a:extLst>
           </a:blip>
@@ -25145,7 +22541,7 @@
           <a:noFill/>
           <a:extLst>
             <a:ext uri="{909E8E84-426E-40DD-AFC4-6F175D3DCCD1}">
-              <a14:hiddenFill xmlns:a14="http://schemas.microsoft.com/office/drawing/2010/main" xmlns="">
+              <a14:hiddenFill xmlns:a14="http://schemas.microsoft.com/office/drawing/2010/main">
                 <a:solidFill>
                   <a:srgbClr val="FFFFFF"/>
                 </a:solidFill>
@@ -25157,7 +22553,7 @@
     </p:spTree>
     <p:extLst>
       <p:ext uri="{BB962C8B-B14F-4D97-AF65-F5344CB8AC3E}">
-        <p14:creationId xmlns:p14="http://schemas.microsoft.com/office/powerpoint/2010/main" xmlns="" val="101112921"/>
+        <p14:creationId xmlns:p14="http://schemas.microsoft.com/office/powerpoint/2010/main" val="101112921"/>
       </p:ext>
     </p:extLst>
   </p:cSld>
@@ -25217,7 +22613,7 @@
           <a:blip r:embed="rId2">
             <a:extLst>
               <a:ext uri="{28A0092B-C50C-407E-A947-70E740481C1C}">
-                <a14:useLocalDpi xmlns:a14="http://schemas.microsoft.com/office/drawing/2010/main" xmlns="" val="0"/>
+                <a14:useLocalDpi xmlns:a14="http://schemas.microsoft.com/office/drawing/2010/main" val="0"/>
               </a:ext>
             </a:extLst>
           </a:blip>
@@ -25237,7 +22633,7 @@
           <a:noFill/>
           <a:extLst>
             <a:ext uri="{909E8E84-426E-40DD-AFC4-6F175D3DCCD1}">
-              <a14:hiddenFill xmlns:a14="http://schemas.microsoft.com/office/drawing/2010/main" xmlns="">
+              <a14:hiddenFill xmlns:a14="http://schemas.microsoft.com/office/drawing/2010/main">
                 <a:solidFill>
                   <a:srgbClr val="FFFFFF"/>
                 </a:solidFill>
@@ -25249,7 +22645,7 @@
     </p:spTree>
     <p:extLst>
       <p:ext uri="{BB962C8B-B14F-4D97-AF65-F5344CB8AC3E}">
-        <p14:creationId xmlns:p14="http://schemas.microsoft.com/office/powerpoint/2010/main" xmlns="" val="1283153479"/>
+        <p14:creationId xmlns:p14="http://schemas.microsoft.com/office/powerpoint/2010/main" val="1283153479"/>
       </p:ext>
     </p:extLst>
   </p:cSld>
@@ -25319,7 +22715,7 @@
             </a:clrChange>
             <a:extLst>
               <a:ext uri="{28A0092B-C50C-407E-A947-70E740481C1C}">
-                <a14:useLocalDpi xmlns:a14="http://schemas.microsoft.com/office/drawing/2010/main" xmlns="" val="0"/>
+                <a14:useLocalDpi xmlns:a14="http://schemas.microsoft.com/office/drawing/2010/main" val="0"/>
               </a:ext>
             </a:extLst>
           </a:blip>
@@ -25342,14 +22738,14 @@
           </a:ln>
           <a:extLst>
             <a:ext uri="{909E8E84-426E-40DD-AFC4-6F175D3DCCD1}">
-              <a14:hiddenFill xmlns:a14="http://schemas.microsoft.com/office/drawing/2010/main" xmlns="">
+              <a14:hiddenFill xmlns:a14="http://schemas.microsoft.com/office/drawing/2010/main">
                 <a:solidFill>
                   <a:schemeClr val="accent1"/>
                 </a:solidFill>
               </a14:hiddenFill>
             </a:ext>
             <a:ext uri="{91240B29-F687-4F45-9708-019B960494DF}">
-              <a14:hiddenLine xmlns:a14="http://schemas.microsoft.com/office/drawing/2010/main" xmlns="" w="9525">
+              <a14:hiddenLine xmlns:a14="http://schemas.microsoft.com/office/drawing/2010/main" w="9525">
                 <a:solidFill>
                   <a:schemeClr val="tx1"/>
                 </a:solidFill>
@@ -25426,7 +22822,7 @@
               </a:clrChange>
               <a:extLst>
                 <a:ext uri="{28A0092B-C50C-407E-A947-70E740481C1C}">
-                  <a14:useLocalDpi xmlns:a14="http://schemas.microsoft.com/office/drawing/2010/main" xmlns="" val="0"/>
+                  <a14:useLocalDpi xmlns:a14="http://schemas.microsoft.com/office/drawing/2010/main" val="0"/>
                 </a:ext>
               </a:extLst>
             </a:blip>
@@ -25449,14 +22845,14 @@
             </a:ln>
             <a:extLst>
               <a:ext uri="{909E8E84-426E-40DD-AFC4-6F175D3DCCD1}">
-                <a14:hiddenFill xmlns:a14="http://schemas.microsoft.com/office/drawing/2010/main" xmlns="">
+                <a14:hiddenFill xmlns:a14="http://schemas.microsoft.com/office/drawing/2010/main">
                   <a:solidFill>
                     <a:schemeClr val="accent1"/>
                   </a:solidFill>
                 </a14:hiddenFill>
               </a:ext>
               <a:ext uri="{91240B29-F687-4F45-9708-019B960494DF}">
-                <a14:hiddenLine xmlns:a14="http://schemas.microsoft.com/office/drawing/2010/main" xmlns="" w="9525">
+                <a14:hiddenLine xmlns:a14="http://schemas.microsoft.com/office/drawing/2010/main" w="9525">
                   <a:solidFill>
                     <a:schemeClr val="tx1"/>
                   </a:solidFill>
@@ -25541,7 +22937,7 @@
               </a:clrChange>
               <a:extLst>
                 <a:ext uri="{28A0092B-C50C-407E-A947-70E740481C1C}">
-                  <a14:useLocalDpi xmlns:a14="http://schemas.microsoft.com/office/drawing/2010/main" xmlns="" val="0"/>
+                  <a14:useLocalDpi xmlns:a14="http://schemas.microsoft.com/office/drawing/2010/main" val="0"/>
                 </a:ext>
               </a:extLst>
             </a:blip>
@@ -25564,14 +22960,14 @@
             </a:ln>
             <a:extLst>
               <a:ext uri="{909E8E84-426E-40DD-AFC4-6F175D3DCCD1}">
-                <a14:hiddenFill xmlns:a14="http://schemas.microsoft.com/office/drawing/2010/main" xmlns="">
+                <a14:hiddenFill xmlns:a14="http://schemas.microsoft.com/office/drawing/2010/main">
                   <a:solidFill>
                     <a:schemeClr val="accent1"/>
                   </a:solidFill>
                 </a14:hiddenFill>
               </a:ext>
               <a:ext uri="{91240B29-F687-4F45-9708-019B960494DF}">
-                <a14:hiddenLine xmlns:a14="http://schemas.microsoft.com/office/drawing/2010/main" xmlns="" w="9525">
+                <a14:hiddenLine xmlns:a14="http://schemas.microsoft.com/office/drawing/2010/main" w="9525">
                   <a:solidFill>
                     <a:schemeClr val="tx1"/>
                   </a:solidFill>
@@ -25655,7 +23051,7 @@
               </a:clrChange>
               <a:extLst>
                 <a:ext uri="{28A0092B-C50C-407E-A947-70E740481C1C}">
-                  <a14:useLocalDpi xmlns:a14="http://schemas.microsoft.com/office/drawing/2010/main" xmlns="" val="0"/>
+                  <a14:useLocalDpi xmlns:a14="http://schemas.microsoft.com/office/drawing/2010/main" val="0"/>
                 </a:ext>
               </a:extLst>
             </a:blip>
@@ -25678,14 +23074,14 @@
             </a:ln>
             <a:extLst>
               <a:ext uri="{909E8E84-426E-40DD-AFC4-6F175D3DCCD1}">
-                <a14:hiddenFill xmlns:a14="http://schemas.microsoft.com/office/drawing/2010/main" xmlns="">
+                <a14:hiddenFill xmlns:a14="http://schemas.microsoft.com/office/drawing/2010/main">
                   <a:solidFill>
                     <a:schemeClr val="accent1"/>
                   </a:solidFill>
                 </a14:hiddenFill>
               </a:ext>
               <a:ext uri="{91240B29-F687-4F45-9708-019B960494DF}">
-                <a14:hiddenLine xmlns:a14="http://schemas.microsoft.com/office/drawing/2010/main" xmlns="" w="9525">
+                <a14:hiddenLine xmlns:a14="http://schemas.microsoft.com/office/drawing/2010/main" w="9525">
                   <a:solidFill>
                     <a:schemeClr val="tx1"/>
                   </a:solidFill>
@@ -25761,7 +23157,7 @@
             </a:clrChange>
             <a:extLst>
               <a:ext uri="{28A0092B-C50C-407E-A947-70E740481C1C}">
-                <a14:useLocalDpi xmlns:a14="http://schemas.microsoft.com/office/drawing/2010/main" xmlns="" val="0"/>
+                <a14:useLocalDpi xmlns:a14="http://schemas.microsoft.com/office/drawing/2010/main" val="0"/>
               </a:ext>
             </a:extLst>
           </a:blip>
@@ -25784,14 +23180,14 @@
           </a:ln>
           <a:extLst>
             <a:ext uri="{909E8E84-426E-40DD-AFC4-6F175D3DCCD1}">
-              <a14:hiddenFill xmlns:a14="http://schemas.microsoft.com/office/drawing/2010/main" xmlns="">
+              <a14:hiddenFill xmlns:a14="http://schemas.microsoft.com/office/drawing/2010/main">
                 <a:solidFill>
                   <a:schemeClr val="accent1"/>
                 </a:solidFill>
               </a14:hiddenFill>
             </a:ext>
             <a:ext uri="{91240B29-F687-4F45-9708-019B960494DF}">
-              <a14:hiddenLine xmlns:a14="http://schemas.microsoft.com/office/drawing/2010/main" xmlns="" w="9525">
+              <a14:hiddenLine xmlns:a14="http://schemas.microsoft.com/office/drawing/2010/main" w="9525">
                 <a:solidFill>
                   <a:schemeClr val="tx1"/>
                 </a:solidFill>
@@ -25836,7 +23232,7 @@
     </p:spTree>
     <p:extLst>
       <p:ext uri="{BB962C8B-B14F-4D97-AF65-F5344CB8AC3E}">
-        <p14:creationId xmlns:p14="http://schemas.microsoft.com/office/powerpoint/2010/main" xmlns="" val="1294588456"/>
+        <p14:creationId xmlns:p14="http://schemas.microsoft.com/office/powerpoint/2010/main" val="1294588456"/>
       </p:ext>
     </p:extLst>
   </p:cSld>
@@ -25885,7 +23281,7 @@
             </a:clrChange>
             <a:extLst>
               <a:ext uri="{28A0092B-C50C-407E-A947-70E740481C1C}">
-                <a14:useLocalDpi xmlns:a14="http://schemas.microsoft.com/office/drawing/2010/main" xmlns="" val="0"/>
+                <a14:useLocalDpi xmlns:a14="http://schemas.microsoft.com/office/drawing/2010/main" val="0"/>
               </a:ext>
             </a:extLst>
           </a:blip>
@@ -25908,14 +23304,14 @@
           </a:ln>
           <a:extLst>
             <a:ext uri="{909E8E84-426E-40DD-AFC4-6F175D3DCCD1}">
-              <a14:hiddenFill xmlns:a14="http://schemas.microsoft.com/office/drawing/2010/main" xmlns="">
+              <a14:hiddenFill xmlns:a14="http://schemas.microsoft.com/office/drawing/2010/main">
                 <a:solidFill>
                   <a:schemeClr val="accent1"/>
                 </a:solidFill>
               </a14:hiddenFill>
             </a:ext>
             <a:ext uri="{91240B29-F687-4F45-9708-019B960494DF}">
-              <a14:hiddenLine xmlns:a14="http://schemas.microsoft.com/office/drawing/2010/main" xmlns="" w="9525">
+              <a14:hiddenLine xmlns:a14="http://schemas.microsoft.com/office/drawing/2010/main" w="9525">
                 <a:solidFill>
                   <a:schemeClr val="tx1"/>
                 </a:solidFill>
@@ -26002,7 +23398,7 @@
             </a:clrChange>
             <a:extLst>
               <a:ext uri="{28A0092B-C50C-407E-A947-70E740481C1C}">
-                <a14:useLocalDpi xmlns:a14="http://schemas.microsoft.com/office/drawing/2010/main" xmlns="" val="0"/>
+                <a14:useLocalDpi xmlns:a14="http://schemas.microsoft.com/office/drawing/2010/main" val="0"/>
               </a:ext>
             </a:extLst>
           </a:blip>
@@ -26025,14 +23421,14 @@
           </a:ln>
           <a:extLst>
             <a:ext uri="{909E8E84-426E-40DD-AFC4-6F175D3DCCD1}">
-              <a14:hiddenFill xmlns:a14="http://schemas.microsoft.com/office/drawing/2010/main" xmlns="">
+              <a14:hiddenFill xmlns:a14="http://schemas.microsoft.com/office/drawing/2010/main">
                 <a:solidFill>
                   <a:schemeClr val="accent1"/>
                 </a:solidFill>
               </a14:hiddenFill>
             </a:ext>
             <a:ext uri="{91240B29-F687-4F45-9708-019B960494DF}">
-              <a14:hiddenLine xmlns:a14="http://schemas.microsoft.com/office/drawing/2010/main" xmlns="" w="9525">
+              <a14:hiddenLine xmlns:a14="http://schemas.microsoft.com/office/drawing/2010/main" w="9525">
                 <a:solidFill>
                   <a:schemeClr val="tx1"/>
                 </a:solidFill>
@@ -26109,7 +23505,7 @@
               </a:clrChange>
               <a:extLst>
                 <a:ext uri="{28A0092B-C50C-407E-A947-70E740481C1C}">
-                  <a14:useLocalDpi xmlns:a14="http://schemas.microsoft.com/office/drawing/2010/main" xmlns="" val="0"/>
+                  <a14:useLocalDpi xmlns:a14="http://schemas.microsoft.com/office/drawing/2010/main" val="0"/>
                 </a:ext>
               </a:extLst>
             </a:blip>
@@ -26132,14 +23528,14 @@
             </a:ln>
             <a:extLst>
               <a:ext uri="{909E8E84-426E-40DD-AFC4-6F175D3DCCD1}">
-                <a14:hiddenFill xmlns:a14="http://schemas.microsoft.com/office/drawing/2010/main" xmlns="">
+                <a14:hiddenFill xmlns:a14="http://schemas.microsoft.com/office/drawing/2010/main">
                   <a:solidFill>
                     <a:schemeClr val="accent1"/>
                   </a:solidFill>
                 </a14:hiddenFill>
               </a:ext>
               <a:ext uri="{91240B29-F687-4F45-9708-019B960494DF}">
-                <a14:hiddenLine xmlns:a14="http://schemas.microsoft.com/office/drawing/2010/main" xmlns="" w="9525">
+                <a14:hiddenLine xmlns:a14="http://schemas.microsoft.com/office/drawing/2010/main" w="9525">
                   <a:solidFill>
                     <a:schemeClr val="tx1"/>
                   </a:solidFill>
@@ -26259,7 +23655,7 @@
               </a:clrChange>
               <a:extLst>
                 <a:ext uri="{28A0092B-C50C-407E-A947-70E740481C1C}">
-                  <a14:useLocalDpi xmlns:a14="http://schemas.microsoft.com/office/drawing/2010/main" xmlns="" val="0"/>
+                  <a14:useLocalDpi xmlns:a14="http://schemas.microsoft.com/office/drawing/2010/main" val="0"/>
                 </a:ext>
               </a:extLst>
             </a:blip>
@@ -26282,14 +23678,14 @@
             </a:ln>
             <a:extLst>
               <a:ext uri="{909E8E84-426E-40DD-AFC4-6F175D3DCCD1}">
-                <a14:hiddenFill xmlns:a14="http://schemas.microsoft.com/office/drawing/2010/main" xmlns="">
+                <a14:hiddenFill xmlns:a14="http://schemas.microsoft.com/office/drawing/2010/main">
                   <a:solidFill>
                     <a:schemeClr val="accent1"/>
                   </a:solidFill>
                 </a14:hiddenFill>
               </a:ext>
               <a:ext uri="{91240B29-F687-4F45-9708-019B960494DF}">
-                <a14:hiddenLine xmlns:a14="http://schemas.microsoft.com/office/drawing/2010/main" xmlns="" w="9525">
+                <a14:hiddenLine xmlns:a14="http://schemas.microsoft.com/office/drawing/2010/main" w="9525">
                   <a:solidFill>
                     <a:schemeClr val="tx1"/>
                   </a:solidFill>
@@ -26415,7 +23811,7 @@
               </a:clrChange>
               <a:extLst>
                 <a:ext uri="{28A0092B-C50C-407E-A947-70E740481C1C}">
-                  <a14:useLocalDpi xmlns:a14="http://schemas.microsoft.com/office/drawing/2010/main" xmlns="" val="0"/>
+                  <a14:useLocalDpi xmlns:a14="http://schemas.microsoft.com/office/drawing/2010/main" val="0"/>
                 </a:ext>
               </a:extLst>
             </a:blip>
@@ -26438,14 +23834,14 @@
             </a:ln>
             <a:extLst>
               <a:ext uri="{909E8E84-426E-40DD-AFC4-6F175D3DCCD1}">
-                <a14:hiddenFill xmlns:a14="http://schemas.microsoft.com/office/drawing/2010/main" xmlns="">
+                <a14:hiddenFill xmlns:a14="http://schemas.microsoft.com/office/drawing/2010/main">
                   <a:solidFill>
                     <a:schemeClr val="accent1"/>
                   </a:solidFill>
                 </a14:hiddenFill>
               </a:ext>
               <a:ext uri="{91240B29-F687-4F45-9708-019B960494DF}">
-                <a14:hiddenLine xmlns:a14="http://schemas.microsoft.com/office/drawing/2010/main" xmlns="" w="9525">
+                <a14:hiddenLine xmlns:a14="http://schemas.microsoft.com/office/drawing/2010/main" w="9525">
                   <a:solidFill>
                     <a:schemeClr val="tx1"/>
                   </a:solidFill>
@@ -26527,7 +23923,7 @@
             </a:clrChange>
             <a:extLst>
               <a:ext uri="{28A0092B-C50C-407E-A947-70E740481C1C}">
-                <a14:useLocalDpi xmlns:a14="http://schemas.microsoft.com/office/drawing/2010/main" xmlns="" val="0"/>
+                <a14:useLocalDpi xmlns:a14="http://schemas.microsoft.com/office/drawing/2010/main" val="0"/>
               </a:ext>
             </a:extLst>
           </a:blip>
@@ -26550,14 +23946,14 @@
           </a:ln>
           <a:extLst>
             <a:ext uri="{909E8E84-426E-40DD-AFC4-6F175D3DCCD1}">
-              <a14:hiddenFill xmlns:a14="http://schemas.microsoft.com/office/drawing/2010/main" xmlns="">
+              <a14:hiddenFill xmlns:a14="http://schemas.microsoft.com/office/drawing/2010/main">
                 <a:solidFill>
                   <a:schemeClr val="accent1"/>
                 </a:solidFill>
               </a14:hiddenFill>
             </a:ext>
             <a:ext uri="{91240B29-F687-4F45-9708-019B960494DF}">
-              <a14:hiddenLine xmlns:a14="http://schemas.microsoft.com/office/drawing/2010/main" xmlns="" w="9525">
+              <a14:hiddenLine xmlns:a14="http://schemas.microsoft.com/office/drawing/2010/main" w="9525">
                 <a:solidFill>
                   <a:schemeClr val="tx1"/>
                 </a:solidFill>
@@ -26572,7 +23968,7 @@
     </p:spTree>
     <p:extLst>
       <p:ext uri="{BB962C8B-B14F-4D97-AF65-F5344CB8AC3E}">
-        <p14:creationId xmlns:p14="http://schemas.microsoft.com/office/powerpoint/2010/main" xmlns="" val="3928047803"/>
+        <p14:creationId xmlns:p14="http://schemas.microsoft.com/office/powerpoint/2010/main" val="3928047803"/>
       </p:ext>
     </p:extLst>
   </p:cSld>
@@ -26621,7 +24017,7 @@
             </a:clrChange>
             <a:extLst>
               <a:ext uri="{28A0092B-C50C-407E-A947-70E740481C1C}">
-                <a14:useLocalDpi xmlns:a14="http://schemas.microsoft.com/office/drawing/2010/main" xmlns="" val="0"/>
+                <a14:useLocalDpi xmlns:a14="http://schemas.microsoft.com/office/drawing/2010/main" val="0"/>
               </a:ext>
             </a:extLst>
           </a:blip>
@@ -26644,14 +24040,14 @@
           </a:ln>
           <a:extLst>
             <a:ext uri="{909E8E84-426E-40DD-AFC4-6F175D3DCCD1}">
-              <a14:hiddenFill xmlns:a14="http://schemas.microsoft.com/office/drawing/2010/main" xmlns="">
+              <a14:hiddenFill xmlns:a14="http://schemas.microsoft.com/office/drawing/2010/main">
                 <a:solidFill>
                   <a:schemeClr val="accent1"/>
                 </a:solidFill>
               </a14:hiddenFill>
             </a:ext>
             <a:ext uri="{91240B29-F687-4F45-9708-019B960494DF}">
-              <a14:hiddenLine xmlns:a14="http://schemas.microsoft.com/office/drawing/2010/main" xmlns="" w="9525">
+              <a14:hiddenLine xmlns:a14="http://schemas.microsoft.com/office/drawing/2010/main" w="9525">
                 <a:solidFill>
                   <a:schemeClr val="tx1"/>
                 </a:solidFill>
@@ -26738,7 +24134,7 @@
             </a:clrChange>
             <a:extLst>
               <a:ext uri="{28A0092B-C50C-407E-A947-70E740481C1C}">
-                <a14:useLocalDpi xmlns:a14="http://schemas.microsoft.com/office/drawing/2010/main" xmlns="" val="0"/>
+                <a14:useLocalDpi xmlns:a14="http://schemas.microsoft.com/office/drawing/2010/main" val="0"/>
               </a:ext>
             </a:extLst>
           </a:blip>
@@ -26761,14 +24157,14 @@
           </a:ln>
           <a:extLst>
             <a:ext uri="{909E8E84-426E-40DD-AFC4-6F175D3DCCD1}">
-              <a14:hiddenFill xmlns:a14="http://schemas.microsoft.com/office/drawing/2010/main" xmlns="">
+              <a14:hiddenFill xmlns:a14="http://schemas.microsoft.com/office/drawing/2010/main">
                 <a:solidFill>
                   <a:schemeClr val="accent1"/>
                 </a:solidFill>
               </a14:hiddenFill>
             </a:ext>
             <a:ext uri="{91240B29-F687-4F45-9708-019B960494DF}">
-              <a14:hiddenLine xmlns:a14="http://schemas.microsoft.com/office/drawing/2010/main" xmlns="" w="9525">
+              <a14:hiddenLine xmlns:a14="http://schemas.microsoft.com/office/drawing/2010/main" w="9525">
                 <a:solidFill>
                   <a:schemeClr val="tx1"/>
                 </a:solidFill>
@@ -26845,7 +24241,7 @@
               </a:clrChange>
               <a:extLst>
                 <a:ext uri="{28A0092B-C50C-407E-A947-70E740481C1C}">
-                  <a14:useLocalDpi xmlns:a14="http://schemas.microsoft.com/office/drawing/2010/main" xmlns="" val="0"/>
+                  <a14:useLocalDpi xmlns:a14="http://schemas.microsoft.com/office/drawing/2010/main" val="0"/>
                 </a:ext>
               </a:extLst>
             </a:blip>
@@ -26868,14 +24264,14 @@
             </a:ln>
             <a:extLst>
               <a:ext uri="{909E8E84-426E-40DD-AFC4-6F175D3DCCD1}">
-                <a14:hiddenFill xmlns:a14="http://schemas.microsoft.com/office/drawing/2010/main" xmlns="">
+                <a14:hiddenFill xmlns:a14="http://schemas.microsoft.com/office/drawing/2010/main">
                   <a:solidFill>
                     <a:schemeClr val="accent1"/>
                   </a:solidFill>
                 </a14:hiddenFill>
               </a:ext>
               <a:ext uri="{91240B29-F687-4F45-9708-019B960494DF}">
-                <a14:hiddenLine xmlns:a14="http://schemas.microsoft.com/office/drawing/2010/main" xmlns="" w="9525">
+                <a14:hiddenLine xmlns:a14="http://schemas.microsoft.com/office/drawing/2010/main" w="9525">
                   <a:solidFill>
                     <a:schemeClr val="tx1"/>
                   </a:solidFill>
@@ -27025,7 +24421,7 @@
               </a:clrChange>
               <a:extLst>
                 <a:ext uri="{28A0092B-C50C-407E-A947-70E740481C1C}">
-                  <a14:useLocalDpi xmlns:a14="http://schemas.microsoft.com/office/drawing/2010/main" xmlns="" val="0"/>
+                  <a14:useLocalDpi xmlns:a14="http://schemas.microsoft.com/office/drawing/2010/main" val="0"/>
                 </a:ext>
               </a:extLst>
             </a:blip>
@@ -27048,14 +24444,14 @@
             </a:ln>
             <a:extLst>
               <a:ext uri="{909E8E84-426E-40DD-AFC4-6F175D3DCCD1}">
-                <a14:hiddenFill xmlns:a14="http://schemas.microsoft.com/office/drawing/2010/main" xmlns="">
+                <a14:hiddenFill xmlns:a14="http://schemas.microsoft.com/office/drawing/2010/main">
                   <a:solidFill>
                     <a:schemeClr val="accent1"/>
                   </a:solidFill>
                 </a14:hiddenFill>
               </a:ext>
               <a:ext uri="{91240B29-F687-4F45-9708-019B960494DF}">
-                <a14:hiddenLine xmlns:a14="http://schemas.microsoft.com/office/drawing/2010/main" xmlns="" w="9525">
+                <a14:hiddenLine xmlns:a14="http://schemas.microsoft.com/office/drawing/2010/main" w="9525">
                   <a:solidFill>
                     <a:schemeClr val="tx1"/>
                   </a:solidFill>
@@ -27118,7 +24514,7 @@
     </p:spTree>
     <p:extLst>
       <p:ext uri="{BB962C8B-B14F-4D97-AF65-F5344CB8AC3E}">
-        <p14:creationId xmlns:p14="http://schemas.microsoft.com/office/powerpoint/2010/main" xmlns="" val="448705179"/>
+        <p14:creationId xmlns:p14="http://schemas.microsoft.com/office/powerpoint/2010/main" val="448705179"/>
       </p:ext>
     </p:extLst>
   </p:cSld>
@@ -27205,7 +24601,7 @@
           <p:nvPr>
             <p:extLst>
               <p:ext uri="{D42A27DB-BD31-4B8C-83A1-F6EECF244321}">
-                <p14:modId xmlns:p14="http://schemas.microsoft.com/office/powerpoint/2010/main" xmlns="" val="2970409429"/>
+                <p14:modId xmlns:p14="http://schemas.microsoft.com/office/powerpoint/2010/main" val="2970409429"/>
               </p:ext>
             </p:extLst>
           </p:nvPr>
@@ -27292,7 +24688,7 @@
     </p:spTree>
     <p:extLst>
       <p:ext uri="{BB962C8B-B14F-4D97-AF65-F5344CB8AC3E}">
-        <p14:creationId xmlns:p14="http://schemas.microsoft.com/office/powerpoint/2010/main" xmlns="" val="3522882765"/>
+        <p14:creationId xmlns:p14="http://schemas.microsoft.com/office/powerpoint/2010/main" val="3522882765"/>
       </p:ext>
     </p:extLst>
   </p:cSld>

--- a/pictures.pptx
+++ b/pictures.pptx
@@ -12,23 +12,25 @@
     <p:sldId id="260" r:id="rId6"/>
     <p:sldId id="261" r:id="rId7"/>
     <p:sldId id="262" r:id="rId8"/>
-    <p:sldId id="263" r:id="rId9"/>
-    <p:sldId id="264" r:id="rId10"/>
-    <p:sldId id="265" r:id="rId11"/>
-    <p:sldId id="266" r:id="rId12"/>
-    <p:sldId id="267" r:id="rId13"/>
-    <p:sldId id="268" r:id="rId14"/>
-    <p:sldId id="269" r:id="rId15"/>
-    <p:sldId id="270" r:id="rId16"/>
-    <p:sldId id="271" r:id="rId17"/>
-    <p:sldId id="272" r:id="rId18"/>
-    <p:sldId id="273" r:id="rId19"/>
-    <p:sldId id="274" r:id="rId20"/>
-    <p:sldId id="275" r:id="rId21"/>
-    <p:sldId id="276" r:id="rId22"/>
-    <p:sldId id="277" r:id="rId23"/>
-    <p:sldId id="278" r:id="rId24"/>
-    <p:sldId id="279" r:id="rId25"/>
+    <p:sldId id="281" r:id="rId9"/>
+    <p:sldId id="263" r:id="rId10"/>
+    <p:sldId id="280" r:id="rId11"/>
+    <p:sldId id="264" r:id="rId12"/>
+    <p:sldId id="265" r:id="rId13"/>
+    <p:sldId id="266" r:id="rId14"/>
+    <p:sldId id="267" r:id="rId15"/>
+    <p:sldId id="268" r:id="rId16"/>
+    <p:sldId id="269" r:id="rId17"/>
+    <p:sldId id="270" r:id="rId18"/>
+    <p:sldId id="271" r:id="rId19"/>
+    <p:sldId id="272" r:id="rId20"/>
+    <p:sldId id="273" r:id="rId21"/>
+    <p:sldId id="274" r:id="rId22"/>
+    <p:sldId id="275" r:id="rId23"/>
+    <p:sldId id="276" r:id="rId24"/>
+    <p:sldId id="277" r:id="rId25"/>
+    <p:sldId id="278" r:id="rId26"/>
+    <p:sldId id="279" r:id="rId27"/>
   </p:sldIdLst>
   <p:sldSz cx="9144000" cy="6858000" type="screen4x3"/>
   <p:notesSz cx="6858000" cy="9144000"/>
@@ -6394,6 +6396,601 @@
       <dsp:cNvGrpSpPr/>
     </dsp:nvGrpSpPr>
     <dsp:grpSpPr/>
+    <dsp:sp modelId="{09A00682-3313-476D-9195-849AA0621560}">
+      <dsp:nvSpPr>
+        <dsp:cNvPr id="0" name=""/>
+        <dsp:cNvSpPr/>
+      </dsp:nvSpPr>
+      <dsp:spPr>
+        <a:xfrm>
+          <a:off x="0" y="1397793"/>
+          <a:ext cx="1393031" cy="557212"/>
+        </a:xfrm>
+        <a:prstGeom prst="chevron">
+          <a:avLst/>
+        </a:prstGeom>
+        <a:solidFill>
+          <a:schemeClr val="accent1">
+            <a:hueOff val="0"/>
+            <a:satOff val="0"/>
+            <a:lumOff val="0"/>
+            <a:alphaOff val="0"/>
+          </a:schemeClr>
+        </a:solidFill>
+        <a:ln w="25400" cap="flat" cmpd="sng" algn="ctr">
+          <a:solidFill>
+            <a:schemeClr val="lt1">
+              <a:hueOff val="0"/>
+              <a:satOff val="0"/>
+              <a:lumOff val="0"/>
+              <a:alphaOff val="0"/>
+            </a:schemeClr>
+          </a:solidFill>
+          <a:prstDash val="solid"/>
+        </a:ln>
+        <a:effectLst/>
+      </dsp:spPr>
+      <dsp:style>
+        <a:lnRef idx="2">
+          <a:scrgbClr r="0" g="0" b="0"/>
+        </a:lnRef>
+        <a:fillRef idx="1">
+          <a:scrgbClr r="0" g="0" b="0"/>
+        </a:fillRef>
+        <a:effectRef idx="0">
+          <a:scrgbClr r="0" g="0" b="0"/>
+        </a:effectRef>
+        <a:fontRef idx="minor">
+          <a:schemeClr val="lt1"/>
+        </a:fontRef>
+      </dsp:style>
+      <dsp:txBody>
+        <a:bodyPr spcFirstLastPara="0" vert="horz" wrap="square" lIns="40005" tIns="13335" rIns="13335" bIns="13335" numCol="1" spcCol="1270" anchor="ctr" anchorCtr="0">
+          <a:noAutofit/>
+        </a:bodyPr>
+        <a:lstStyle/>
+        <a:p>
+          <a:pPr lvl="0" algn="ctr" defTabSz="444500">
+            <a:lnSpc>
+              <a:spcPct val="90000"/>
+            </a:lnSpc>
+            <a:spcBef>
+              <a:spcPct val="0"/>
+            </a:spcBef>
+            <a:spcAft>
+              <a:spcPct val="35000"/>
+            </a:spcAft>
+          </a:pPr>
+          <a:r>
+            <a:rPr lang="en-US" sz="1000" kern="1200" dirty="0" smtClean="0">
+              <a:solidFill>
+                <a:schemeClr val="tx1"/>
+              </a:solidFill>
+            </a:rPr>
+            <a:t>Input Parsing</a:t>
+          </a:r>
+          <a:endParaRPr lang="en-US" sz="1000" kern="1200" dirty="0">
+            <a:solidFill>
+              <a:schemeClr val="tx1"/>
+            </a:solidFill>
+          </a:endParaRPr>
+        </a:p>
+      </dsp:txBody>
+      <dsp:txXfrm>
+        <a:off x="278606" y="1397793"/>
+        <a:ext cx="835819" cy="557212"/>
+      </dsp:txXfrm>
+    </dsp:sp>
+    <dsp:sp modelId="{771B5359-AC59-491F-AE7E-C91287E4A360}">
+      <dsp:nvSpPr>
+        <dsp:cNvPr id="0" name=""/>
+        <dsp:cNvSpPr/>
+      </dsp:nvSpPr>
+      <dsp:spPr>
+        <a:xfrm>
+          <a:off x="1253728" y="1397793"/>
+          <a:ext cx="1393031" cy="557212"/>
+        </a:xfrm>
+        <a:prstGeom prst="chevron">
+          <a:avLst/>
+        </a:prstGeom>
+        <a:solidFill>
+          <a:schemeClr val="accent1">
+            <a:hueOff val="0"/>
+            <a:satOff val="0"/>
+            <a:lumOff val="0"/>
+            <a:alphaOff val="0"/>
+          </a:schemeClr>
+        </a:solidFill>
+        <a:ln w="25400" cap="flat" cmpd="sng" algn="ctr">
+          <a:solidFill>
+            <a:schemeClr val="lt1">
+              <a:hueOff val="0"/>
+              <a:satOff val="0"/>
+              <a:lumOff val="0"/>
+              <a:alphaOff val="0"/>
+            </a:schemeClr>
+          </a:solidFill>
+          <a:prstDash val="solid"/>
+        </a:ln>
+        <a:effectLst/>
+      </dsp:spPr>
+      <dsp:style>
+        <a:lnRef idx="2">
+          <a:scrgbClr r="0" g="0" b="0"/>
+        </a:lnRef>
+        <a:fillRef idx="1">
+          <a:scrgbClr r="0" g="0" b="0"/>
+        </a:fillRef>
+        <a:effectRef idx="0">
+          <a:scrgbClr r="0" g="0" b="0"/>
+        </a:effectRef>
+        <a:fontRef idx="minor">
+          <a:schemeClr val="lt1"/>
+        </a:fontRef>
+      </dsp:style>
+      <dsp:txBody>
+        <a:bodyPr spcFirstLastPara="0" vert="horz" wrap="square" lIns="40005" tIns="13335" rIns="13335" bIns="13335" numCol="1" spcCol="1270" anchor="ctr" anchorCtr="0">
+          <a:noAutofit/>
+        </a:bodyPr>
+        <a:lstStyle/>
+        <a:p>
+          <a:pPr lvl="0" algn="ctr" defTabSz="444500">
+            <a:lnSpc>
+              <a:spcPct val="90000"/>
+            </a:lnSpc>
+            <a:spcBef>
+              <a:spcPct val="0"/>
+            </a:spcBef>
+            <a:spcAft>
+              <a:spcPct val="35000"/>
+            </a:spcAft>
+          </a:pPr>
+          <a:r>
+            <a:rPr lang="en-US" sz="1000" kern="1200" dirty="0" smtClean="0">
+              <a:solidFill>
+                <a:schemeClr val="tx1"/>
+              </a:solidFill>
+            </a:rPr>
+            <a:t>Print object arrangement</a:t>
+          </a:r>
+          <a:endParaRPr lang="en-US" sz="1000" kern="1200" dirty="0">
+            <a:solidFill>
+              <a:schemeClr val="tx1"/>
+            </a:solidFill>
+          </a:endParaRPr>
+        </a:p>
+      </dsp:txBody>
+      <dsp:txXfrm>
+        <a:off x="1532334" y="1397793"/>
+        <a:ext cx="835819" cy="557212"/>
+      </dsp:txXfrm>
+    </dsp:sp>
+    <dsp:sp modelId="{5535CA09-926A-457A-A4B7-21390F15F94F}">
+      <dsp:nvSpPr>
+        <dsp:cNvPr id="0" name=""/>
+        <dsp:cNvSpPr/>
+      </dsp:nvSpPr>
+      <dsp:spPr>
+        <a:xfrm>
+          <a:off x="2507456" y="1397793"/>
+          <a:ext cx="1393031" cy="557212"/>
+        </a:xfrm>
+        <a:prstGeom prst="chevron">
+          <a:avLst/>
+        </a:prstGeom>
+        <a:solidFill>
+          <a:schemeClr val="accent1">
+            <a:hueOff val="0"/>
+            <a:satOff val="0"/>
+            <a:lumOff val="0"/>
+            <a:alphaOff val="0"/>
+          </a:schemeClr>
+        </a:solidFill>
+        <a:ln w="25400" cap="flat" cmpd="sng" algn="ctr">
+          <a:solidFill>
+            <a:schemeClr val="lt1">
+              <a:hueOff val="0"/>
+              <a:satOff val="0"/>
+              <a:lumOff val="0"/>
+              <a:alphaOff val="0"/>
+            </a:schemeClr>
+          </a:solidFill>
+          <a:prstDash val="solid"/>
+        </a:ln>
+        <a:effectLst/>
+      </dsp:spPr>
+      <dsp:style>
+        <a:lnRef idx="2">
+          <a:scrgbClr r="0" g="0" b="0"/>
+        </a:lnRef>
+        <a:fillRef idx="1">
+          <a:scrgbClr r="0" g="0" b="0"/>
+        </a:fillRef>
+        <a:effectRef idx="0">
+          <a:scrgbClr r="0" g="0" b="0"/>
+        </a:effectRef>
+        <a:fontRef idx="minor">
+          <a:schemeClr val="lt1"/>
+        </a:fontRef>
+      </dsp:style>
+      <dsp:txBody>
+        <a:bodyPr spcFirstLastPara="0" vert="horz" wrap="square" lIns="40005" tIns="13335" rIns="13335" bIns="13335" numCol="1" spcCol="1270" anchor="ctr" anchorCtr="0">
+          <a:noAutofit/>
+        </a:bodyPr>
+        <a:lstStyle/>
+        <a:p>
+          <a:pPr lvl="0" algn="ctr" defTabSz="444500">
+            <a:lnSpc>
+              <a:spcPct val="90000"/>
+            </a:lnSpc>
+            <a:spcBef>
+              <a:spcPct val="0"/>
+            </a:spcBef>
+            <a:spcAft>
+              <a:spcPct val="35000"/>
+            </a:spcAft>
+          </a:pPr>
+          <a:r>
+            <a:rPr lang="en-US" sz="1000" kern="1200" dirty="0" smtClean="0">
+              <a:solidFill>
+                <a:schemeClr val="tx1"/>
+              </a:solidFill>
+            </a:rPr>
+            <a:t>Rasterization &amp; Voxelization</a:t>
+          </a:r>
+          <a:endParaRPr lang="en-US" sz="1000" kern="1200" dirty="0">
+            <a:solidFill>
+              <a:schemeClr val="tx1"/>
+            </a:solidFill>
+          </a:endParaRPr>
+        </a:p>
+      </dsp:txBody>
+      <dsp:txXfrm>
+        <a:off x="2786062" y="1397793"/>
+        <a:ext cx="835819" cy="557212"/>
+      </dsp:txXfrm>
+    </dsp:sp>
+    <dsp:sp modelId="{9D68CD03-B1A7-4BEA-B058-FD22B6150897}">
+      <dsp:nvSpPr>
+        <dsp:cNvPr id="0" name=""/>
+        <dsp:cNvSpPr/>
+      </dsp:nvSpPr>
+      <dsp:spPr>
+        <a:xfrm>
+          <a:off x="3761184" y="1397793"/>
+          <a:ext cx="1393031" cy="557212"/>
+        </a:xfrm>
+        <a:prstGeom prst="chevron">
+          <a:avLst/>
+        </a:prstGeom>
+        <a:solidFill>
+          <a:schemeClr val="accent1">
+            <a:hueOff val="0"/>
+            <a:satOff val="0"/>
+            <a:lumOff val="0"/>
+            <a:alphaOff val="0"/>
+          </a:schemeClr>
+        </a:solidFill>
+        <a:ln w="25400" cap="flat" cmpd="sng" algn="ctr">
+          <a:solidFill>
+            <a:schemeClr val="lt1">
+              <a:hueOff val="0"/>
+              <a:satOff val="0"/>
+              <a:lumOff val="0"/>
+              <a:alphaOff val="0"/>
+            </a:schemeClr>
+          </a:solidFill>
+          <a:prstDash val="solid"/>
+        </a:ln>
+        <a:effectLst/>
+      </dsp:spPr>
+      <dsp:style>
+        <a:lnRef idx="2">
+          <a:scrgbClr r="0" g="0" b="0"/>
+        </a:lnRef>
+        <a:fillRef idx="1">
+          <a:scrgbClr r="0" g="0" b="0"/>
+        </a:fillRef>
+        <a:effectRef idx="0">
+          <a:scrgbClr r="0" g="0" b="0"/>
+        </a:effectRef>
+        <a:fontRef idx="minor">
+          <a:schemeClr val="lt1"/>
+        </a:fontRef>
+      </dsp:style>
+      <dsp:txBody>
+        <a:bodyPr spcFirstLastPara="0" vert="horz" wrap="square" lIns="40005" tIns="13335" rIns="13335" bIns="13335" numCol="1" spcCol="1270" anchor="ctr" anchorCtr="0">
+          <a:noAutofit/>
+        </a:bodyPr>
+        <a:lstStyle/>
+        <a:p>
+          <a:pPr lvl="0" algn="ctr" defTabSz="444500">
+            <a:lnSpc>
+              <a:spcPct val="90000"/>
+            </a:lnSpc>
+            <a:spcBef>
+              <a:spcPct val="0"/>
+            </a:spcBef>
+            <a:spcAft>
+              <a:spcPct val="35000"/>
+            </a:spcAft>
+          </a:pPr>
+          <a:r>
+            <a:rPr lang="en-US" sz="1000" kern="1200" dirty="0" smtClean="0">
+              <a:solidFill>
+                <a:schemeClr val="tx1"/>
+              </a:solidFill>
+            </a:rPr>
+            <a:t>Tonal Value Calculation</a:t>
+          </a:r>
+          <a:endParaRPr lang="en-US" sz="1000" kern="1200" dirty="0">
+            <a:solidFill>
+              <a:schemeClr val="tx1"/>
+            </a:solidFill>
+          </a:endParaRPr>
+        </a:p>
+      </dsp:txBody>
+      <dsp:txXfrm>
+        <a:off x="4039790" y="1397793"/>
+        <a:ext cx="835819" cy="557212"/>
+      </dsp:txXfrm>
+    </dsp:sp>
+    <dsp:sp modelId="{47EC26A5-DB58-47F3-B21F-7ECE3520D744}">
+      <dsp:nvSpPr>
+        <dsp:cNvPr id="0" name=""/>
+        <dsp:cNvSpPr/>
+      </dsp:nvSpPr>
+      <dsp:spPr>
+        <a:xfrm>
+          <a:off x="5014912" y="1397793"/>
+          <a:ext cx="1393031" cy="557212"/>
+        </a:xfrm>
+        <a:prstGeom prst="chevron">
+          <a:avLst/>
+        </a:prstGeom>
+        <a:solidFill>
+          <a:schemeClr val="accent1">
+            <a:hueOff val="0"/>
+            <a:satOff val="0"/>
+            <a:lumOff val="0"/>
+            <a:alphaOff val="0"/>
+          </a:schemeClr>
+        </a:solidFill>
+        <a:ln w="25400" cap="flat" cmpd="sng" algn="ctr">
+          <a:solidFill>
+            <a:schemeClr val="lt1">
+              <a:hueOff val="0"/>
+              <a:satOff val="0"/>
+              <a:lumOff val="0"/>
+              <a:alphaOff val="0"/>
+            </a:schemeClr>
+          </a:solidFill>
+          <a:prstDash val="solid"/>
+        </a:ln>
+        <a:effectLst/>
+      </dsp:spPr>
+      <dsp:style>
+        <a:lnRef idx="2">
+          <a:scrgbClr r="0" g="0" b="0"/>
+        </a:lnRef>
+        <a:fillRef idx="1">
+          <a:scrgbClr r="0" g="0" b="0"/>
+        </a:fillRef>
+        <a:effectRef idx="0">
+          <a:scrgbClr r="0" g="0" b="0"/>
+        </a:effectRef>
+        <a:fontRef idx="minor">
+          <a:schemeClr val="lt1"/>
+        </a:fontRef>
+      </dsp:style>
+      <dsp:txBody>
+        <a:bodyPr spcFirstLastPara="0" vert="horz" wrap="square" lIns="40005" tIns="13335" rIns="13335" bIns="13335" numCol="1" spcCol="1270" anchor="ctr" anchorCtr="0">
+          <a:noAutofit/>
+        </a:bodyPr>
+        <a:lstStyle/>
+        <a:p>
+          <a:pPr lvl="0" algn="ctr" defTabSz="444500">
+            <a:lnSpc>
+              <a:spcPct val="90000"/>
+            </a:lnSpc>
+            <a:spcBef>
+              <a:spcPct val="0"/>
+            </a:spcBef>
+            <a:spcAft>
+              <a:spcPct val="35000"/>
+            </a:spcAft>
+          </a:pPr>
+          <a:r>
+            <a:rPr lang="en-US" sz="1000" kern="1200" dirty="0" smtClean="0">
+              <a:solidFill>
+                <a:schemeClr val="tx1"/>
+              </a:solidFill>
+            </a:rPr>
+            <a:t>Layer Extraction and Half-toning</a:t>
+          </a:r>
+          <a:endParaRPr lang="en-US" sz="1000" kern="1200" dirty="0">
+            <a:solidFill>
+              <a:schemeClr val="tx1"/>
+            </a:solidFill>
+          </a:endParaRPr>
+        </a:p>
+      </dsp:txBody>
+      <dsp:txXfrm>
+        <a:off x="5293518" y="1397793"/>
+        <a:ext cx="835819" cy="557212"/>
+      </dsp:txXfrm>
+    </dsp:sp>
+    <dsp:sp modelId="{1214DDDF-E3A3-4EB3-BFBD-CAE78864CA50}">
+      <dsp:nvSpPr>
+        <dsp:cNvPr id="0" name=""/>
+        <dsp:cNvSpPr/>
+      </dsp:nvSpPr>
+      <dsp:spPr>
+        <a:xfrm>
+          <a:off x="6268640" y="1397793"/>
+          <a:ext cx="1393031" cy="557212"/>
+        </a:xfrm>
+        <a:prstGeom prst="chevron">
+          <a:avLst/>
+        </a:prstGeom>
+        <a:solidFill>
+          <a:schemeClr val="accent1">
+            <a:hueOff val="0"/>
+            <a:satOff val="0"/>
+            <a:lumOff val="0"/>
+            <a:alphaOff val="0"/>
+          </a:schemeClr>
+        </a:solidFill>
+        <a:ln w="25400" cap="flat" cmpd="sng" algn="ctr">
+          <a:solidFill>
+            <a:schemeClr val="lt1">
+              <a:hueOff val="0"/>
+              <a:satOff val="0"/>
+              <a:lumOff val="0"/>
+              <a:alphaOff val="0"/>
+            </a:schemeClr>
+          </a:solidFill>
+          <a:prstDash val="solid"/>
+        </a:ln>
+        <a:effectLst/>
+      </dsp:spPr>
+      <dsp:style>
+        <a:lnRef idx="2">
+          <a:scrgbClr r="0" g="0" b="0"/>
+        </a:lnRef>
+        <a:fillRef idx="1">
+          <a:scrgbClr r="0" g="0" b="0"/>
+        </a:fillRef>
+        <a:effectRef idx="0">
+          <a:scrgbClr r="0" g="0" b="0"/>
+        </a:effectRef>
+        <a:fontRef idx="minor">
+          <a:schemeClr val="lt1"/>
+        </a:fontRef>
+      </dsp:style>
+      <dsp:txBody>
+        <a:bodyPr spcFirstLastPara="0" vert="horz" wrap="square" lIns="40005" tIns="13335" rIns="13335" bIns="13335" numCol="1" spcCol="1270" anchor="ctr" anchorCtr="0">
+          <a:noAutofit/>
+        </a:bodyPr>
+        <a:lstStyle/>
+        <a:p>
+          <a:pPr lvl="0" algn="ctr" defTabSz="444500">
+            <a:lnSpc>
+              <a:spcPct val="90000"/>
+            </a:lnSpc>
+            <a:spcBef>
+              <a:spcPct val="0"/>
+            </a:spcBef>
+            <a:spcAft>
+              <a:spcPct val="35000"/>
+            </a:spcAft>
+          </a:pPr>
+          <a:r>
+            <a:rPr lang="en-US" sz="1000" kern="1200" dirty="0" smtClean="0">
+              <a:solidFill>
+                <a:schemeClr val="tx1"/>
+              </a:solidFill>
+            </a:rPr>
+            <a:t>Surface Distance Evaluation</a:t>
+          </a:r>
+          <a:endParaRPr lang="en-US" sz="1000" kern="1200" dirty="0">
+            <a:solidFill>
+              <a:schemeClr val="tx1"/>
+            </a:solidFill>
+          </a:endParaRPr>
+        </a:p>
+      </dsp:txBody>
+      <dsp:txXfrm>
+        <a:off x="6547246" y="1397793"/>
+        <a:ext cx="835819" cy="557212"/>
+      </dsp:txXfrm>
+    </dsp:sp>
+    <dsp:sp modelId="{5D5D5C88-985A-485D-991E-57409E5BC77A}">
+      <dsp:nvSpPr>
+        <dsp:cNvPr id="0" name=""/>
+        <dsp:cNvSpPr/>
+      </dsp:nvSpPr>
+      <dsp:spPr>
+        <a:xfrm>
+          <a:off x="7522368" y="1397793"/>
+          <a:ext cx="1393031" cy="557212"/>
+        </a:xfrm>
+        <a:prstGeom prst="chevron">
+          <a:avLst/>
+        </a:prstGeom>
+        <a:solidFill>
+          <a:schemeClr val="accent1">
+            <a:hueOff val="0"/>
+            <a:satOff val="0"/>
+            <a:lumOff val="0"/>
+            <a:alphaOff val="0"/>
+          </a:schemeClr>
+        </a:solidFill>
+        <a:ln w="25400" cap="flat" cmpd="sng" algn="ctr">
+          <a:solidFill>
+            <a:schemeClr val="lt1">
+              <a:hueOff val="0"/>
+              <a:satOff val="0"/>
+              <a:lumOff val="0"/>
+              <a:alphaOff val="0"/>
+            </a:schemeClr>
+          </a:solidFill>
+          <a:prstDash val="solid"/>
+        </a:ln>
+        <a:effectLst/>
+      </dsp:spPr>
+      <dsp:style>
+        <a:lnRef idx="2">
+          <a:scrgbClr r="0" g="0" b="0"/>
+        </a:lnRef>
+        <a:fillRef idx="1">
+          <a:scrgbClr r="0" g="0" b="0"/>
+        </a:fillRef>
+        <a:effectRef idx="0">
+          <a:scrgbClr r="0" g="0" b="0"/>
+        </a:effectRef>
+        <a:fontRef idx="minor">
+          <a:schemeClr val="lt1"/>
+        </a:fontRef>
+      </dsp:style>
+      <dsp:txBody>
+        <a:bodyPr spcFirstLastPara="0" vert="horz" wrap="square" lIns="40005" tIns="13335" rIns="13335" bIns="13335" numCol="1" spcCol="1270" anchor="ctr" anchorCtr="0">
+          <a:noAutofit/>
+        </a:bodyPr>
+        <a:lstStyle/>
+        <a:p>
+          <a:pPr lvl="0" algn="ctr" defTabSz="444500">
+            <a:lnSpc>
+              <a:spcPct val="90000"/>
+            </a:lnSpc>
+            <a:spcBef>
+              <a:spcPct val="0"/>
+            </a:spcBef>
+            <a:spcAft>
+              <a:spcPct val="35000"/>
+            </a:spcAft>
+          </a:pPr>
+          <a:r>
+            <a:rPr lang="en-US" sz="1000" kern="1200" dirty="0" smtClean="0">
+              <a:solidFill>
+                <a:schemeClr val="tx1"/>
+              </a:solidFill>
+            </a:rPr>
+            <a:t>Output Generation</a:t>
+          </a:r>
+          <a:endParaRPr lang="en-US" sz="1000" kern="1200" dirty="0">
+            <a:solidFill>
+              <a:schemeClr val="tx1"/>
+            </a:solidFill>
+          </a:endParaRPr>
+        </a:p>
+      </dsp:txBody>
+      <dsp:txXfrm>
+        <a:off x="7800974" y="1397793"/>
+        <a:ext cx="835819" cy="557212"/>
+      </dsp:txXfrm>
+    </dsp:sp>
   </dsp:spTree>
 </dsp:drawing>
 </file>
@@ -6406,6 +7003,601 @@
       <dsp:cNvGrpSpPr/>
     </dsp:nvGrpSpPr>
     <dsp:grpSpPr/>
+    <dsp:sp modelId="{09A00682-3313-476D-9195-849AA0621560}">
+      <dsp:nvSpPr>
+        <dsp:cNvPr id="0" name=""/>
+        <dsp:cNvSpPr/>
+      </dsp:nvSpPr>
+      <dsp:spPr>
+        <a:xfrm>
+          <a:off x="0" y="1397793"/>
+          <a:ext cx="1393031" cy="557212"/>
+        </a:xfrm>
+        <a:prstGeom prst="chevron">
+          <a:avLst/>
+        </a:prstGeom>
+        <a:solidFill>
+          <a:schemeClr val="accent1">
+            <a:hueOff val="0"/>
+            <a:satOff val="0"/>
+            <a:lumOff val="0"/>
+            <a:alphaOff val="0"/>
+          </a:schemeClr>
+        </a:solidFill>
+        <a:ln w="25400" cap="flat" cmpd="sng" algn="ctr">
+          <a:solidFill>
+            <a:schemeClr val="lt1">
+              <a:hueOff val="0"/>
+              <a:satOff val="0"/>
+              <a:lumOff val="0"/>
+              <a:alphaOff val="0"/>
+            </a:schemeClr>
+          </a:solidFill>
+          <a:prstDash val="solid"/>
+        </a:ln>
+        <a:effectLst/>
+      </dsp:spPr>
+      <dsp:style>
+        <a:lnRef idx="2">
+          <a:scrgbClr r="0" g="0" b="0"/>
+        </a:lnRef>
+        <a:fillRef idx="1">
+          <a:scrgbClr r="0" g="0" b="0"/>
+        </a:fillRef>
+        <a:effectRef idx="0">
+          <a:scrgbClr r="0" g="0" b="0"/>
+        </a:effectRef>
+        <a:fontRef idx="minor">
+          <a:schemeClr val="lt1"/>
+        </a:fontRef>
+      </dsp:style>
+      <dsp:txBody>
+        <a:bodyPr spcFirstLastPara="0" vert="horz" wrap="square" lIns="40005" tIns="13335" rIns="13335" bIns="13335" numCol="1" spcCol="1270" anchor="ctr" anchorCtr="0">
+          <a:noAutofit/>
+        </a:bodyPr>
+        <a:lstStyle/>
+        <a:p>
+          <a:pPr lvl="0" algn="ctr" defTabSz="444500">
+            <a:lnSpc>
+              <a:spcPct val="90000"/>
+            </a:lnSpc>
+            <a:spcBef>
+              <a:spcPct val="0"/>
+            </a:spcBef>
+            <a:spcAft>
+              <a:spcPct val="35000"/>
+            </a:spcAft>
+          </a:pPr>
+          <a:r>
+            <a:rPr lang="en-US" sz="1000" kern="1200" dirty="0" smtClean="0">
+              <a:solidFill>
+                <a:schemeClr val="tx1"/>
+              </a:solidFill>
+            </a:rPr>
+            <a:t>Input Parsing</a:t>
+          </a:r>
+          <a:endParaRPr lang="en-US" sz="1000" kern="1200" dirty="0">
+            <a:solidFill>
+              <a:schemeClr val="tx1"/>
+            </a:solidFill>
+          </a:endParaRPr>
+        </a:p>
+      </dsp:txBody>
+      <dsp:txXfrm>
+        <a:off x="278606" y="1397793"/>
+        <a:ext cx="835819" cy="557212"/>
+      </dsp:txXfrm>
+    </dsp:sp>
+    <dsp:sp modelId="{771B5359-AC59-491F-AE7E-C91287E4A360}">
+      <dsp:nvSpPr>
+        <dsp:cNvPr id="0" name=""/>
+        <dsp:cNvSpPr/>
+      </dsp:nvSpPr>
+      <dsp:spPr>
+        <a:xfrm>
+          <a:off x="1253728" y="1397793"/>
+          <a:ext cx="1393031" cy="557212"/>
+        </a:xfrm>
+        <a:prstGeom prst="chevron">
+          <a:avLst/>
+        </a:prstGeom>
+        <a:solidFill>
+          <a:schemeClr val="accent1">
+            <a:hueOff val="0"/>
+            <a:satOff val="0"/>
+            <a:lumOff val="0"/>
+            <a:alphaOff val="0"/>
+          </a:schemeClr>
+        </a:solidFill>
+        <a:ln w="25400" cap="flat" cmpd="sng" algn="ctr">
+          <a:solidFill>
+            <a:schemeClr val="lt1">
+              <a:hueOff val="0"/>
+              <a:satOff val="0"/>
+              <a:lumOff val="0"/>
+              <a:alphaOff val="0"/>
+            </a:schemeClr>
+          </a:solidFill>
+          <a:prstDash val="solid"/>
+        </a:ln>
+        <a:effectLst/>
+      </dsp:spPr>
+      <dsp:style>
+        <a:lnRef idx="2">
+          <a:scrgbClr r="0" g="0" b="0"/>
+        </a:lnRef>
+        <a:fillRef idx="1">
+          <a:scrgbClr r="0" g="0" b="0"/>
+        </a:fillRef>
+        <a:effectRef idx="0">
+          <a:scrgbClr r="0" g="0" b="0"/>
+        </a:effectRef>
+        <a:fontRef idx="minor">
+          <a:schemeClr val="lt1"/>
+        </a:fontRef>
+      </dsp:style>
+      <dsp:txBody>
+        <a:bodyPr spcFirstLastPara="0" vert="horz" wrap="square" lIns="40005" tIns="13335" rIns="13335" bIns="13335" numCol="1" spcCol="1270" anchor="ctr" anchorCtr="0">
+          <a:noAutofit/>
+        </a:bodyPr>
+        <a:lstStyle/>
+        <a:p>
+          <a:pPr lvl="0" algn="ctr" defTabSz="444500">
+            <a:lnSpc>
+              <a:spcPct val="90000"/>
+            </a:lnSpc>
+            <a:spcBef>
+              <a:spcPct val="0"/>
+            </a:spcBef>
+            <a:spcAft>
+              <a:spcPct val="35000"/>
+            </a:spcAft>
+          </a:pPr>
+          <a:r>
+            <a:rPr lang="en-US" sz="1000" kern="1200" dirty="0" smtClean="0">
+              <a:solidFill>
+                <a:schemeClr val="tx1"/>
+              </a:solidFill>
+            </a:rPr>
+            <a:t>Print object arrangement</a:t>
+          </a:r>
+          <a:endParaRPr lang="en-US" sz="1000" kern="1200" dirty="0">
+            <a:solidFill>
+              <a:schemeClr val="tx1"/>
+            </a:solidFill>
+          </a:endParaRPr>
+        </a:p>
+      </dsp:txBody>
+      <dsp:txXfrm>
+        <a:off x="1532334" y="1397793"/>
+        <a:ext cx="835819" cy="557212"/>
+      </dsp:txXfrm>
+    </dsp:sp>
+    <dsp:sp modelId="{5535CA09-926A-457A-A4B7-21390F15F94F}">
+      <dsp:nvSpPr>
+        <dsp:cNvPr id="0" name=""/>
+        <dsp:cNvSpPr/>
+      </dsp:nvSpPr>
+      <dsp:spPr>
+        <a:xfrm>
+          <a:off x="2507456" y="1397793"/>
+          <a:ext cx="1393031" cy="557212"/>
+        </a:xfrm>
+        <a:prstGeom prst="chevron">
+          <a:avLst/>
+        </a:prstGeom>
+        <a:solidFill>
+          <a:schemeClr val="accent1">
+            <a:hueOff val="0"/>
+            <a:satOff val="0"/>
+            <a:lumOff val="0"/>
+            <a:alphaOff val="0"/>
+          </a:schemeClr>
+        </a:solidFill>
+        <a:ln w="25400" cap="flat" cmpd="sng" algn="ctr">
+          <a:solidFill>
+            <a:schemeClr val="lt1">
+              <a:hueOff val="0"/>
+              <a:satOff val="0"/>
+              <a:lumOff val="0"/>
+              <a:alphaOff val="0"/>
+            </a:schemeClr>
+          </a:solidFill>
+          <a:prstDash val="solid"/>
+        </a:ln>
+        <a:effectLst/>
+      </dsp:spPr>
+      <dsp:style>
+        <a:lnRef idx="2">
+          <a:scrgbClr r="0" g="0" b="0"/>
+        </a:lnRef>
+        <a:fillRef idx="1">
+          <a:scrgbClr r="0" g="0" b="0"/>
+        </a:fillRef>
+        <a:effectRef idx="0">
+          <a:scrgbClr r="0" g="0" b="0"/>
+        </a:effectRef>
+        <a:fontRef idx="minor">
+          <a:schemeClr val="lt1"/>
+        </a:fontRef>
+      </dsp:style>
+      <dsp:txBody>
+        <a:bodyPr spcFirstLastPara="0" vert="horz" wrap="square" lIns="40005" tIns="13335" rIns="13335" bIns="13335" numCol="1" spcCol="1270" anchor="ctr" anchorCtr="0">
+          <a:noAutofit/>
+        </a:bodyPr>
+        <a:lstStyle/>
+        <a:p>
+          <a:pPr lvl="0" algn="ctr" defTabSz="444500">
+            <a:lnSpc>
+              <a:spcPct val="90000"/>
+            </a:lnSpc>
+            <a:spcBef>
+              <a:spcPct val="0"/>
+            </a:spcBef>
+            <a:spcAft>
+              <a:spcPct val="35000"/>
+            </a:spcAft>
+          </a:pPr>
+          <a:r>
+            <a:rPr lang="en-US" sz="1000" kern="1200" dirty="0" smtClean="0">
+              <a:solidFill>
+                <a:schemeClr val="tx1"/>
+              </a:solidFill>
+            </a:rPr>
+            <a:t>Rasterization &amp; Voxelization</a:t>
+          </a:r>
+          <a:endParaRPr lang="en-US" sz="1000" kern="1200" dirty="0">
+            <a:solidFill>
+              <a:schemeClr val="tx1"/>
+            </a:solidFill>
+          </a:endParaRPr>
+        </a:p>
+      </dsp:txBody>
+      <dsp:txXfrm>
+        <a:off x="2786062" y="1397793"/>
+        <a:ext cx="835819" cy="557212"/>
+      </dsp:txXfrm>
+    </dsp:sp>
+    <dsp:sp modelId="{9D68CD03-B1A7-4BEA-B058-FD22B6150897}">
+      <dsp:nvSpPr>
+        <dsp:cNvPr id="0" name=""/>
+        <dsp:cNvSpPr/>
+      </dsp:nvSpPr>
+      <dsp:spPr>
+        <a:xfrm>
+          <a:off x="3761184" y="1397793"/>
+          <a:ext cx="1393031" cy="557212"/>
+        </a:xfrm>
+        <a:prstGeom prst="chevron">
+          <a:avLst/>
+        </a:prstGeom>
+        <a:solidFill>
+          <a:schemeClr val="accent1">
+            <a:hueOff val="0"/>
+            <a:satOff val="0"/>
+            <a:lumOff val="0"/>
+            <a:alphaOff val="0"/>
+          </a:schemeClr>
+        </a:solidFill>
+        <a:ln w="25400" cap="flat" cmpd="sng" algn="ctr">
+          <a:solidFill>
+            <a:schemeClr val="lt1">
+              <a:hueOff val="0"/>
+              <a:satOff val="0"/>
+              <a:lumOff val="0"/>
+              <a:alphaOff val="0"/>
+            </a:schemeClr>
+          </a:solidFill>
+          <a:prstDash val="solid"/>
+        </a:ln>
+        <a:effectLst/>
+      </dsp:spPr>
+      <dsp:style>
+        <a:lnRef idx="2">
+          <a:scrgbClr r="0" g="0" b="0"/>
+        </a:lnRef>
+        <a:fillRef idx="1">
+          <a:scrgbClr r="0" g="0" b="0"/>
+        </a:fillRef>
+        <a:effectRef idx="0">
+          <a:scrgbClr r="0" g="0" b="0"/>
+        </a:effectRef>
+        <a:fontRef idx="minor">
+          <a:schemeClr val="lt1"/>
+        </a:fontRef>
+      </dsp:style>
+      <dsp:txBody>
+        <a:bodyPr spcFirstLastPara="0" vert="horz" wrap="square" lIns="40005" tIns="13335" rIns="13335" bIns="13335" numCol="1" spcCol="1270" anchor="ctr" anchorCtr="0">
+          <a:noAutofit/>
+        </a:bodyPr>
+        <a:lstStyle/>
+        <a:p>
+          <a:pPr lvl="0" algn="ctr" defTabSz="444500">
+            <a:lnSpc>
+              <a:spcPct val="90000"/>
+            </a:lnSpc>
+            <a:spcBef>
+              <a:spcPct val="0"/>
+            </a:spcBef>
+            <a:spcAft>
+              <a:spcPct val="35000"/>
+            </a:spcAft>
+          </a:pPr>
+          <a:r>
+            <a:rPr lang="en-US" sz="1000" kern="1200" dirty="0" smtClean="0">
+              <a:solidFill>
+                <a:schemeClr val="tx1"/>
+              </a:solidFill>
+            </a:rPr>
+            <a:t>Tonal Value Calculation</a:t>
+          </a:r>
+          <a:endParaRPr lang="en-US" sz="1000" kern="1200" dirty="0">
+            <a:solidFill>
+              <a:schemeClr val="tx1"/>
+            </a:solidFill>
+          </a:endParaRPr>
+        </a:p>
+      </dsp:txBody>
+      <dsp:txXfrm>
+        <a:off x="4039790" y="1397793"/>
+        <a:ext cx="835819" cy="557212"/>
+      </dsp:txXfrm>
+    </dsp:sp>
+    <dsp:sp modelId="{47EC26A5-DB58-47F3-B21F-7ECE3520D744}">
+      <dsp:nvSpPr>
+        <dsp:cNvPr id="0" name=""/>
+        <dsp:cNvSpPr/>
+      </dsp:nvSpPr>
+      <dsp:spPr>
+        <a:xfrm>
+          <a:off x="5014912" y="1397793"/>
+          <a:ext cx="1393031" cy="557212"/>
+        </a:xfrm>
+        <a:prstGeom prst="chevron">
+          <a:avLst/>
+        </a:prstGeom>
+        <a:solidFill>
+          <a:schemeClr val="accent1">
+            <a:hueOff val="0"/>
+            <a:satOff val="0"/>
+            <a:lumOff val="0"/>
+            <a:alphaOff val="0"/>
+          </a:schemeClr>
+        </a:solidFill>
+        <a:ln w="25400" cap="flat" cmpd="sng" algn="ctr">
+          <a:solidFill>
+            <a:schemeClr val="lt1">
+              <a:hueOff val="0"/>
+              <a:satOff val="0"/>
+              <a:lumOff val="0"/>
+              <a:alphaOff val="0"/>
+            </a:schemeClr>
+          </a:solidFill>
+          <a:prstDash val="solid"/>
+        </a:ln>
+        <a:effectLst/>
+      </dsp:spPr>
+      <dsp:style>
+        <a:lnRef idx="2">
+          <a:scrgbClr r="0" g="0" b="0"/>
+        </a:lnRef>
+        <a:fillRef idx="1">
+          <a:scrgbClr r="0" g="0" b="0"/>
+        </a:fillRef>
+        <a:effectRef idx="0">
+          <a:scrgbClr r="0" g="0" b="0"/>
+        </a:effectRef>
+        <a:fontRef idx="minor">
+          <a:schemeClr val="lt1"/>
+        </a:fontRef>
+      </dsp:style>
+      <dsp:txBody>
+        <a:bodyPr spcFirstLastPara="0" vert="horz" wrap="square" lIns="40005" tIns="13335" rIns="13335" bIns="13335" numCol="1" spcCol="1270" anchor="ctr" anchorCtr="0">
+          <a:noAutofit/>
+        </a:bodyPr>
+        <a:lstStyle/>
+        <a:p>
+          <a:pPr lvl="0" algn="ctr" defTabSz="444500">
+            <a:lnSpc>
+              <a:spcPct val="90000"/>
+            </a:lnSpc>
+            <a:spcBef>
+              <a:spcPct val="0"/>
+            </a:spcBef>
+            <a:spcAft>
+              <a:spcPct val="35000"/>
+            </a:spcAft>
+          </a:pPr>
+          <a:r>
+            <a:rPr lang="en-US" sz="1000" kern="1200" dirty="0" smtClean="0">
+              <a:solidFill>
+                <a:schemeClr val="tx1"/>
+              </a:solidFill>
+            </a:rPr>
+            <a:t>Layer Extraction and Half-toning</a:t>
+          </a:r>
+          <a:endParaRPr lang="en-US" sz="1000" kern="1200" dirty="0">
+            <a:solidFill>
+              <a:schemeClr val="tx1"/>
+            </a:solidFill>
+          </a:endParaRPr>
+        </a:p>
+      </dsp:txBody>
+      <dsp:txXfrm>
+        <a:off x="5293518" y="1397793"/>
+        <a:ext cx="835819" cy="557212"/>
+      </dsp:txXfrm>
+    </dsp:sp>
+    <dsp:sp modelId="{1214DDDF-E3A3-4EB3-BFBD-CAE78864CA50}">
+      <dsp:nvSpPr>
+        <dsp:cNvPr id="0" name=""/>
+        <dsp:cNvSpPr/>
+      </dsp:nvSpPr>
+      <dsp:spPr>
+        <a:xfrm>
+          <a:off x="6268640" y="1397793"/>
+          <a:ext cx="1393031" cy="557212"/>
+        </a:xfrm>
+        <a:prstGeom prst="chevron">
+          <a:avLst/>
+        </a:prstGeom>
+        <a:solidFill>
+          <a:schemeClr val="accent1">
+            <a:hueOff val="0"/>
+            <a:satOff val="0"/>
+            <a:lumOff val="0"/>
+            <a:alphaOff val="0"/>
+          </a:schemeClr>
+        </a:solidFill>
+        <a:ln w="25400" cap="flat" cmpd="sng" algn="ctr">
+          <a:solidFill>
+            <a:schemeClr val="lt1">
+              <a:hueOff val="0"/>
+              <a:satOff val="0"/>
+              <a:lumOff val="0"/>
+              <a:alphaOff val="0"/>
+            </a:schemeClr>
+          </a:solidFill>
+          <a:prstDash val="solid"/>
+        </a:ln>
+        <a:effectLst/>
+      </dsp:spPr>
+      <dsp:style>
+        <a:lnRef idx="2">
+          <a:scrgbClr r="0" g="0" b="0"/>
+        </a:lnRef>
+        <a:fillRef idx="1">
+          <a:scrgbClr r="0" g="0" b="0"/>
+        </a:fillRef>
+        <a:effectRef idx="0">
+          <a:scrgbClr r="0" g="0" b="0"/>
+        </a:effectRef>
+        <a:fontRef idx="minor">
+          <a:schemeClr val="lt1"/>
+        </a:fontRef>
+      </dsp:style>
+      <dsp:txBody>
+        <a:bodyPr spcFirstLastPara="0" vert="horz" wrap="square" lIns="40005" tIns="13335" rIns="13335" bIns="13335" numCol="1" spcCol="1270" anchor="ctr" anchorCtr="0">
+          <a:noAutofit/>
+        </a:bodyPr>
+        <a:lstStyle/>
+        <a:p>
+          <a:pPr lvl="0" algn="ctr" defTabSz="444500">
+            <a:lnSpc>
+              <a:spcPct val="90000"/>
+            </a:lnSpc>
+            <a:spcBef>
+              <a:spcPct val="0"/>
+            </a:spcBef>
+            <a:spcAft>
+              <a:spcPct val="35000"/>
+            </a:spcAft>
+          </a:pPr>
+          <a:r>
+            <a:rPr lang="en-US" sz="1000" kern="1200" dirty="0" smtClean="0">
+              <a:solidFill>
+                <a:schemeClr val="tx1"/>
+              </a:solidFill>
+            </a:rPr>
+            <a:t>Surface Distance Evaluation</a:t>
+          </a:r>
+          <a:endParaRPr lang="en-US" sz="1000" kern="1200" dirty="0">
+            <a:solidFill>
+              <a:schemeClr val="tx1"/>
+            </a:solidFill>
+          </a:endParaRPr>
+        </a:p>
+      </dsp:txBody>
+      <dsp:txXfrm>
+        <a:off x="6547246" y="1397793"/>
+        <a:ext cx="835819" cy="557212"/>
+      </dsp:txXfrm>
+    </dsp:sp>
+    <dsp:sp modelId="{5D5D5C88-985A-485D-991E-57409E5BC77A}">
+      <dsp:nvSpPr>
+        <dsp:cNvPr id="0" name=""/>
+        <dsp:cNvSpPr/>
+      </dsp:nvSpPr>
+      <dsp:spPr>
+        <a:xfrm>
+          <a:off x="7522368" y="1397793"/>
+          <a:ext cx="1393031" cy="557212"/>
+        </a:xfrm>
+        <a:prstGeom prst="chevron">
+          <a:avLst/>
+        </a:prstGeom>
+        <a:solidFill>
+          <a:schemeClr val="accent1">
+            <a:hueOff val="0"/>
+            <a:satOff val="0"/>
+            <a:lumOff val="0"/>
+            <a:alphaOff val="0"/>
+          </a:schemeClr>
+        </a:solidFill>
+        <a:ln w="25400" cap="flat" cmpd="sng" algn="ctr">
+          <a:solidFill>
+            <a:schemeClr val="lt1">
+              <a:hueOff val="0"/>
+              <a:satOff val="0"/>
+              <a:lumOff val="0"/>
+              <a:alphaOff val="0"/>
+            </a:schemeClr>
+          </a:solidFill>
+          <a:prstDash val="solid"/>
+        </a:ln>
+        <a:effectLst/>
+      </dsp:spPr>
+      <dsp:style>
+        <a:lnRef idx="2">
+          <a:scrgbClr r="0" g="0" b="0"/>
+        </a:lnRef>
+        <a:fillRef idx="1">
+          <a:scrgbClr r="0" g="0" b="0"/>
+        </a:fillRef>
+        <a:effectRef idx="0">
+          <a:scrgbClr r="0" g="0" b="0"/>
+        </a:effectRef>
+        <a:fontRef idx="minor">
+          <a:schemeClr val="lt1"/>
+        </a:fontRef>
+      </dsp:style>
+      <dsp:txBody>
+        <a:bodyPr spcFirstLastPara="0" vert="horz" wrap="square" lIns="40005" tIns="13335" rIns="13335" bIns="13335" numCol="1" spcCol="1270" anchor="ctr" anchorCtr="0">
+          <a:noAutofit/>
+        </a:bodyPr>
+        <a:lstStyle/>
+        <a:p>
+          <a:pPr lvl="0" algn="ctr" defTabSz="444500">
+            <a:lnSpc>
+              <a:spcPct val="90000"/>
+            </a:lnSpc>
+            <a:spcBef>
+              <a:spcPct val="0"/>
+            </a:spcBef>
+            <a:spcAft>
+              <a:spcPct val="35000"/>
+            </a:spcAft>
+          </a:pPr>
+          <a:r>
+            <a:rPr lang="en-US" sz="1000" kern="1200" dirty="0" smtClean="0">
+              <a:solidFill>
+                <a:schemeClr val="tx1"/>
+              </a:solidFill>
+            </a:rPr>
+            <a:t>Output Generation</a:t>
+          </a:r>
+          <a:endParaRPr lang="en-US" sz="1000" kern="1200" dirty="0">
+            <a:solidFill>
+              <a:schemeClr val="tx1"/>
+            </a:solidFill>
+          </a:endParaRPr>
+        </a:p>
+      </dsp:txBody>
+      <dsp:txXfrm>
+        <a:off x="7800974" y="1397793"/>
+        <a:ext cx="835819" cy="557212"/>
+      </dsp:txXfrm>
+    </dsp:sp>
   </dsp:spTree>
 </dsp:drawing>
 </file>
@@ -6418,6 +7610,735 @@
       <dsp:cNvGrpSpPr/>
     </dsp:nvGrpSpPr>
     <dsp:grpSpPr/>
+    <dsp:sp modelId="{82B6CC98-E7D5-4D4E-ACD9-D9D53E7526DB}">
+      <dsp:nvSpPr>
+        <dsp:cNvPr id="0" name=""/>
+        <dsp:cNvSpPr/>
+      </dsp:nvSpPr>
+      <dsp:spPr>
+        <a:xfrm>
+          <a:off x="2841277" y="1079400"/>
+          <a:ext cx="1658541" cy="800206"/>
+        </a:xfrm>
+        <a:custGeom>
+          <a:avLst/>
+          <a:gdLst/>
+          <a:ahLst/>
+          <a:cxnLst/>
+          <a:rect l="0" t="0" r="0" b="0"/>
+          <a:pathLst>
+            <a:path>
+              <a:moveTo>
+                <a:pt x="0" y="0"/>
+              </a:moveTo>
+              <a:lnTo>
+                <a:pt x="0" y="558239"/>
+              </a:lnTo>
+              <a:lnTo>
+                <a:pt x="1658541" y="558239"/>
+              </a:lnTo>
+              <a:lnTo>
+                <a:pt x="1658541" y="800206"/>
+              </a:lnTo>
+            </a:path>
+          </a:pathLst>
+        </a:custGeom>
+        <a:noFill/>
+        <a:ln w="25400" cap="flat" cmpd="sng" algn="ctr">
+          <a:solidFill>
+            <a:schemeClr val="accent1">
+              <a:shade val="60000"/>
+              <a:hueOff val="0"/>
+              <a:satOff val="0"/>
+              <a:lumOff val="0"/>
+              <a:alphaOff val="0"/>
+            </a:schemeClr>
+          </a:solidFill>
+          <a:prstDash val="solid"/>
+        </a:ln>
+        <a:effectLst/>
+        <a:sp3d z="-40000" prstMaterial="matte"/>
+      </dsp:spPr>
+      <dsp:style>
+        <a:lnRef idx="2">
+          <a:scrgbClr r="0" g="0" b="0"/>
+        </a:lnRef>
+        <a:fillRef idx="0">
+          <a:scrgbClr r="0" g="0" b="0"/>
+        </a:fillRef>
+        <a:effectRef idx="0">
+          <a:scrgbClr r="0" g="0" b="0"/>
+        </a:effectRef>
+        <a:fontRef idx="minor"/>
+      </dsp:style>
+    </dsp:sp>
+    <dsp:sp modelId="{3B4976F8-1C91-4B4A-AF74-A6A32D597C6F}">
+      <dsp:nvSpPr>
+        <dsp:cNvPr id="0" name=""/>
+        <dsp:cNvSpPr/>
+      </dsp:nvSpPr>
+      <dsp:spPr>
+        <a:xfrm>
+          <a:off x="1305979" y="1079400"/>
+          <a:ext cx="1535297" cy="800206"/>
+        </a:xfrm>
+        <a:custGeom>
+          <a:avLst/>
+          <a:gdLst/>
+          <a:ahLst/>
+          <a:cxnLst/>
+          <a:rect l="0" t="0" r="0" b="0"/>
+          <a:pathLst>
+            <a:path>
+              <a:moveTo>
+                <a:pt x="1535297" y="0"/>
+              </a:moveTo>
+              <a:lnTo>
+                <a:pt x="1535297" y="558239"/>
+              </a:lnTo>
+              <a:lnTo>
+                <a:pt x="0" y="558239"/>
+              </a:lnTo>
+              <a:lnTo>
+                <a:pt x="0" y="800206"/>
+              </a:lnTo>
+            </a:path>
+          </a:pathLst>
+        </a:custGeom>
+        <a:noFill/>
+        <a:ln w="25400" cap="flat" cmpd="sng" algn="ctr">
+          <a:solidFill>
+            <a:schemeClr val="accent1">
+              <a:shade val="60000"/>
+              <a:hueOff val="0"/>
+              <a:satOff val="0"/>
+              <a:lumOff val="0"/>
+              <a:alphaOff val="0"/>
+            </a:schemeClr>
+          </a:solidFill>
+          <a:prstDash val="solid"/>
+        </a:ln>
+        <a:effectLst/>
+        <a:sp3d z="-40000" prstMaterial="matte"/>
+      </dsp:spPr>
+      <dsp:style>
+        <a:lnRef idx="2">
+          <a:scrgbClr r="0" g="0" b="0"/>
+        </a:lnRef>
+        <a:fillRef idx="0">
+          <a:scrgbClr r="0" g="0" b="0"/>
+        </a:fillRef>
+        <a:effectRef idx="0">
+          <a:scrgbClr r="0" g="0" b="0"/>
+        </a:effectRef>
+        <a:fontRef idx="minor"/>
+      </dsp:style>
+    </dsp:sp>
+    <dsp:sp modelId="{53C24587-0A2B-4FE3-9D3F-3944C820D5B6}">
+      <dsp:nvSpPr>
+        <dsp:cNvPr id="0" name=""/>
+        <dsp:cNvSpPr/>
+      </dsp:nvSpPr>
+      <dsp:spPr>
+        <a:xfrm>
+          <a:off x="1919577" y="308493"/>
+          <a:ext cx="1843398" cy="770906"/>
+        </a:xfrm>
+        <a:prstGeom prst="roundRect">
+          <a:avLst>
+            <a:gd name="adj" fmla="val 10000"/>
+          </a:avLst>
+        </a:prstGeom>
+        <a:solidFill>
+          <a:schemeClr val="accent1">
+            <a:hueOff val="0"/>
+            <a:satOff val="0"/>
+            <a:lumOff val="0"/>
+            <a:alphaOff val="0"/>
+          </a:schemeClr>
+        </a:solidFill>
+        <a:ln>
+          <a:noFill/>
+        </a:ln>
+        <a:effectLst/>
+        <a:scene3d>
+          <a:camera prst="orthographicFront"/>
+          <a:lightRig rig="chilly" dir="t"/>
+        </a:scene3d>
+        <a:sp3d prstMaterial="translucentPowder">
+          <a:bevelT w="127000" h="25400" prst="softRound"/>
+        </a:sp3d>
+      </dsp:spPr>
+      <dsp:style>
+        <a:lnRef idx="0">
+          <a:scrgbClr r="0" g="0" b="0"/>
+        </a:lnRef>
+        <a:fillRef idx="1">
+          <a:scrgbClr r="0" g="0" b="0"/>
+        </a:fillRef>
+        <a:effectRef idx="0">
+          <a:scrgbClr r="0" g="0" b="0"/>
+        </a:effectRef>
+        <a:fontRef idx="minor">
+          <a:schemeClr val="lt1"/>
+        </a:fontRef>
+      </dsp:style>
+    </dsp:sp>
+    <dsp:sp modelId="{633A4F81-F993-47EB-820A-B68DB3A5390E}">
+      <dsp:nvSpPr>
+        <dsp:cNvPr id="0" name=""/>
+        <dsp:cNvSpPr/>
+      </dsp:nvSpPr>
+      <dsp:spPr>
+        <a:xfrm>
+          <a:off x="2209792" y="584197"/>
+          <a:ext cx="1843398" cy="770906"/>
+        </a:xfrm>
+        <a:prstGeom prst="roundRect">
+          <a:avLst>
+            <a:gd name="adj" fmla="val 10000"/>
+          </a:avLst>
+        </a:prstGeom>
+        <a:solidFill>
+          <a:schemeClr val="lt1">
+            <a:alpha val="90000"/>
+            <a:hueOff val="0"/>
+            <a:satOff val="0"/>
+            <a:lumOff val="0"/>
+            <a:alphaOff val="0"/>
+          </a:schemeClr>
+        </a:solidFill>
+        <a:ln w="9525" cap="flat" cmpd="sng" algn="ctr">
+          <a:solidFill>
+            <a:schemeClr val="accent1">
+              <a:hueOff val="0"/>
+              <a:satOff val="0"/>
+              <a:lumOff val="0"/>
+              <a:alphaOff val="0"/>
+            </a:schemeClr>
+          </a:solidFill>
+          <a:prstDash val="solid"/>
+        </a:ln>
+        <a:effectLst/>
+        <a:scene3d>
+          <a:camera prst="orthographicFront"/>
+          <a:lightRig rig="chilly" dir="t"/>
+        </a:scene3d>
+        <a:sp3d z="12700" extrusionH="1700" prstMaterial="dkEdge">
+          <a:bevelT w="25400" h="6350" prst="softRound"/>
+          <a:bevelB w="0" h="0" prst="convex"/>
+        </a:sp3d>
+      </dsp:spPr>
+      <dsp:style>
+        <a:lnRef idx="1">
+          <a:scrgbClr r="0" g="0" b="0"/>
+        </a:lnRef>
+        <a:fillRef idx="1">
+          <a:scrgbClr r="0" g="0" b="0"/>
+        </a:fillRef>
+        <a:effectRef idx="0">
+          <a:scrgbClr r="0" g="0" b="0"/>
+        </a:effectRef>
+        <a:fontRef idx="minor"/>
+      </dsp:style>
+      <dsp:txBody>
+        <a:bodyPr spcFirstLastPara="0" vert="horz" wrap="square" lIns="60960" tIns="60960" rIns="60960" bIns="60960" numCol="1" spcCol="1270" anchor="ctr" anchorCtr="0">
+          <a:noAutofit/>
+        </a:bodyPr>
+        <a:lstStyle/>
+        <a:p>
+          <a:pPr lvl="0" algn="ctr" defTabSz="711200">
+            <a:lnSpc>
+              <a:spcPct val="90000"/>
+            </a:lnSpc>
+            <a:spcBef>
+              <a:spcPct val="0"/>
+            </a:spcBef>
+            <a:spcAft>
+              <a:spcPct val="35000"/>
+            </a:spcAft>
+          </a:pPr>
+          <a:r>
+            <a:rPr lang="en-US" sz="1600" b="1" kern="1200" dirty="0" smtClean="0"/>
+            <a:t>Shared resources</a:t>
+          </a:r>
+          <a:endParaRPr lang="en-US" sz="1600" b="1" kern="1200" dirty="0"/>
+        </a:p>
+      </dsp:txBody>
+      <dsp:txXfrm>
+        <a:off x="2232371" y="606776"/>
+        <a:ext cx="1798240" cy="725748"/>
+      </dsp:txXfrm>
+    </dsp:sp>
+    <dsp:sp modelId="{6BAED831-1434-4AE7-8DB7-037BBAC56C31}">
+      <dsp:nvSpPr>
+        <dsp:cNvPr id="0" name=""/>
+        <dsp:cNvSpPr/>
+      </dsp:nvSpPr>
+      <dsp:spPr>
+        <a:xfrm>
+          <a:off x="12" y="1879606"/>
+          <a:ext cx="2611933" cy="1658577"/>
+        </a:xfrm>
+        <a:prstGeom prst="roundRect">
+          <a:avLst>
+            <a:gd name="adj" fmla="val 10000"/>
+          </a:avLst>
+        </a:prstGeom>
+        <a:solidFill>
+          <a:schemeClr val="accent1">
+            <a:hueOff val="0"/>
+            <a:satOff val="0"/>
+            <a:lumOff val="0"/>
+            <a:alphaOff val="0"/>
+          </a:schemeClr>
+        </a:solidFill>
+        <a:ln>
+          <a:noFill/>
+        </a:ln>
+        <a:effectLst/>
+        <a:scene3d>
+          <a:camera prst="orthographicFront"/>
+          <a:lightRig rig="chilly" dir="t"/>
+        </a:scene3d>
+        <a:sp3d prstMaterial="translucentPowder">
+          <a:bevelT w="127000" h="25400" prst="softRound"/>
+        </a:sp3d>
+      </dsp:spPr>
+      <dsp:style>
+        <a:lnRef idx="0">
+          <a:scrgbClr r="0" g="0" b="0"/>
+        </a:lnRef>
+        <a:fillRef idx="1">
+          <a:scrgbClr r="0" g="0" b="0"/>
+        </a:fillRef>
+        <a:effectRef idx="0">
+          <a:scrgbClr r="0" g="0" b="0"/>
+        </a:effectRef>
+        <a:fontRef idx="minor">
+          <a:schemeClr val="lt1"/>
+        </a:fontRef>
+      </dsp:style>
+    </dsp:sp>
+    <dsp:sp modelId="{2CA332BF-C7D5-44C4-86AB-C5F8609888C3}">
+      <dsp:nvSpPr>
+        <dsp:cNvPr id="0" name=""/>
+        <dsp:cNvSpPr/>
+      </dsp:nvSpPr>
+      <dsp:spPr>
+        <a:xfrm>
+          <a:off x="290227" y="2155310"/>
+          <a:ext cx="2611933" cy="1658577"/>
+        </a:xfrm>
+        <a:prstGeom prst="roundRect">
+          <a:avLst>
+            <a:gd name="adj" fmla="val 10000"/>
+          </a:avLst>
+        </a:prstGeom>
+        <a:solidFill>
+          <a:schemeClr val="lt1">
+            <a:alpha val="90000"/>
+            <a:hueOff val="0"/>
+            <a:satOff val="0"/>
+            <a:lumOff val="0"/>
+            <a:alphaOff val="0"/>
+          </a:schemeClr>
+        </a:solidFill>
+        <a:ln w="9525" cap="flat" cmpd="sng" algn="ctr">
+          <a:solidFill>
+            <a:schemeClr val="accent1">
+              <a:hueOff val="0"/>
+              <a:satOff val="0"/>
+              <a:lumOff val="0"/>
+              <a:alphaOff val="0"/>
+            </a:schemeClr>
+          </a:solidFill>
+          <a:prstDash val="solid"/>
+        </a:ln>
+        <a:effectLst/>
+        <a:scene3d>
+          <a:camera prst="orthographicFront"/>
+          <a:lightRig rig="chilly" dir="t"/>
+        </a:scene3d>
+        <a:sp3d z="12700" extrusionH="1700" prstMaterial="dkEdge">
+          <a:bevelT w="25400" h="6350" prst="softRound"/>
+          <a:bevelB w="0" h="0" prst="convex"/>
+        </a:sp3d>
+      </dsp:spPr>
+      <dsp:style>
+        <a:lnRef idx="1">
+          <a:scrgbClr r="0" g="0" b="0"/>
+        </a:lnRef>
+        <a:fillRef idx="1">
+          <a:scrgbClr r="0" g="0" b="0"/>
+        </a:fillRef>
+        <a:effectRef idx="0">
+          <a:scrgbClr r="0" g="0" b="0"/>
+        </a:effectRef>
+        <a:fontRef idx="minor"/>
+      </dsp:style>
+      <dsp:txBody>
+        <a:bodyPr spcFirstLastPara="0" vert="horz" wrap="square" lIns="60960" tIns="60960" rIns="60960" bIns="60960" numCol="1" spcCol="1270" anchor="ctr" anchorCtr="0">
+          <a:noAutofit/>
+        </a:bodyPr>
+        <a:lstStyle/>
+        <a:p>
+          <a:pPr lvl="0" algn="ctr" defTabSz="711200">
+            <a:lnSpc>
+              <a:spcPct val="90000"/>
+            </a:lnSpc>
+            <a:spcBef>
+              <a:spcPct val="0"/>
+            </a:spcBef>
+            <a:spcAft>
+              <a:spcPct val="35000"/>
+            </a:spcAft>
+          </a:pPr>
+          <a:r>
+            <a:rPr lang="en-US" sz="1600" b="1" kern="1200" dirty="0" smtClean="0"/>
+            <a:t>Physical Resources</a:t>
+          </a:r>
+        </a:p>
+        <a:p>
+          <a:pPr lvl="0" algn="ctr" defTabSz="711200">
+            <a:lnSpc>
+              <a:spcPct val="90000"/>
+            </a:lnSpc>
+            <a:spcBef>
+              <a:spcPct val="0"/>
+            </a:spcBef>
+            <a:spcAft>
+              <a:spcPct val="35000"/>
+            </a:spcAft>
+          </a:pPr>
+          <a:r>
+            <a:rPr lang="en-US" sz="900" kern="1200" dirty="0" smtClean="0"/>
+            <a:t>- resources which can be shared with some dependence on their location </a:t>
+          </a:r>
+        </a:p>
+        <a:p>
+          <a:pPr lvl="0" algn="l" defTabSz="711200">
+            <a:lnSpc>
+              <a:spcPct val="90000"/>
+            </a:lnSpc>
+            <a:spcBef>
+              <a:spcPct val="0"/>
+            </a:spcBef>
+            <a:spcAft>
+              <a:spcPct val="35000"/>
+            </a:spcAft>
+          </a:pPr>
+          <a:endParaRPr lang="en-US" sz="900" kern="1200" dirty="0" smtClean="0"/>
+        </a:p>
+        <a:p>
+          <a:pPr lvl="0" algn="l" defTabSz="711200">
+            <a:lnSpc>
+              <a:spcPct val="90000"/>
+            </a:lnSpc>
+            <a:spcBef>
+              <a:spcPct val="0"/>
+            </a:spcBef>
+            <a:spcAft>
+              <a:spcPct val="35000"/>
+            </a:spcAft>
+          </a:pPr>
+          <a:r>
+            <a:rPr lang="en-US" sz="900" kern="1200" dirty="0" smtClean="0"/>
+            <a:t>Computation power</a:t>
+          </a:r>
+        </a:p>
+        <a:p>
+          <a:pPr lvl="0" algn="l" defTabSz="711200">
+            <a:lnSpc>
+              <a:spcPct val="90000"/>
+            </a:lnSpc>
+            <a:spcBef>
+              <a:spcPct val="0"/>
+            </a:spcBef>
+            <a:spcAft>
+              <a:spcPct val="35000"/>
+            </a:spcAft>
+          </a:pPr>
+          <a:r>
+            <a:rPr lang="en-US" sz="900" kern="1200" dirty="0" smtClean="0"/>
+            <a:t>Storage devices</a:t>
+          </a:r>
+        </a:p>
+        <a:p>
+          <a:pPr lvl="0" algn="l" defTabSz="711200">
+            <a:lnSpc>
+              <a:spcPct val="90000"/>
+            </a:lnSpc>
+            <a:spcBef>
+              <a:spcPct val="0"/>
+            </a:spcBef>
+            <a:spcAft>
+              <a:spcPct val="35000"/>
+            </a:spcAft>
+          </a:pPr>
+          <a:r>
+            <a:rPr lang="en-US" sz="900" kern="1200" dirty="0" smtClean="0"/>
+            <a:t>Communication capacity</a:t>
+          </a:r>
+        </a:p>
+        <a:p>
+          <a:pPr lvl="0" algn="ctr" defTabSz="711200">
+            <a:lnSpc>
+              <a:spcPct val="90000"/>
+            </a:lnSpc>
+            <a:spcBef>
+              <a:spcPct val="0"/>
+            </a:spcBef>
+            <a:spcAft>
+              <a:spcPct val="35000"/>
+            </a:spcAft>
+          </a:pPr>
+          <a:endParaRPr lang="en-US" sz="900" kern="1200" dirty="0"/>
+        </a:p>
+      </dsp:txBody>
+      <dsp:txXfrm>
+        <a:off x="338805" y="2203888"/>
+        <a:ext cx="2514777" cy="1561421"/>
+      </dsp:txXfrm>
+    </dsp:sp>
+    <dsp:sp modelId="{54ED80A4-9519-416E-8692-A675E58D6A01}">
+      <dsp:nvSpPr>
+        <dsp:cNvPr id="0" name=""/>
+        <dsp:cNvSpPr/>
+      </dsp:nvSpPr>
+      <dsp:spPr>
+        <a:xfrm>
+          <a:off x="3193851" y="1879606"/>
+          <a:ext cx="2611933" cy="1658577"/>
+        </a:xfrm>
+        <a:prstGeom prst="roundRect">
+          <a:avLst>
+            <a:gd name="adj" fmla="val 10000"/>
+          </a:avLst>
+        </a:prstGeom>
+        <a:solidFill>
+          <a:schemeClr val="accent1">
+            <a:hueOff val="0"/>
+            <a:satOff val="0"/>
+            <a:lumOff val="0"/>
+            <a:alphaOff val="0"/>
+          </a:schemeClr>
+        </a:solidFill>
+        <a:ln>
+          <a:noFill/>
+        </a:ln>
+        <a:effectLst/>
+        <a:scene3d>
+          <a:camera prst="orthographicFront"/>
+          <a:lightRig rig="chilly" dir="t"/>
+        </a:scene3d>
+        <a:sp3d prstMaterial="translucentPowder">
+          <a:bevelT w="127000" h="25400" prst="softRound"/>
+        </a:sp3d>
+      </dsp:spPr>
+      <dsp:style>
+        <a:lnRef idx="0">
+          <a:scrgbClr r="0" g="0" b="0"/>
+        </a:lnRef>
+        <a:fillRef idx="1">
+          <a:scrgbClr r="0" g="0" b="0"/>
+        </a:fillRef>
+        <a:effectRef idx="0">
+          <a:scrgbClr r="0" g="0" b="0"/>
+        </a:effectRef>
+        <a:fontRef idx="minor">
+          <a:schemeClr val="lt1"/>
+        </a:fontRef>
+      </dsp:style>
+    </dsp:sp>
+    <dsp:sp modelId="{62F573A8-C98B-4300-903C-ACC41DE49811}">
+      <dsp:nvSpPr>
+        <dsp:cNvPr id="0" name=""/>
+        <dsp:cNvSpPr/>
+      </dsp:nvSpPr>
+      <dsp:spPr>
+        <a:xfrm>
+          <a:off x="3484066" y="2155310"/>
+          <a:ext cx="2611933" cy="1658577"/>
+        </a:xfrm>
+        <a:prstGeom prst="roundRect">
+          <a:avLst>
+            <a:gd name="adj" fmla="val 10000"/>
+          </a:avLst>
+        </a:prstGeom>
+        <a:solidFill>
+          <a:schemeClr val="lt1">
+            <a:alpha val="90000"/>
+            <a:hueOff val="0"/>
+            <a:satOff val="0"/>
+            <a:lumOff val="0"/>
+            <a:alphaOff val="0"/>
+          </a:schemeClr>
+        </a:solidFill>
+        <a:ln w="9525" cap="flat" cmpd="sng" algn="ctr">
+          <a:solidFill>
+            <a:schemeClr val="accent1">
+              <a:hueOff val="0"/>
+              <a:satOff val="0"/>
+              <a:lumOff val="0"/>
+              <a:alphaOff val="0"/>
+            </a:schemeClr>
+          </a:solidFill>
+          <a:prstDash val="solid"/>
+        </a:ln>
+        <a:effectLst/>
+        <a:scene3d>
+          <a:camera prst="orthographicFront"/>
+          <a:lightRig rig="chilly" dir="t"/>
+        </a:scene3d>
+        <a:sp3d z="12700" extrusionH="1700" prstMaterial="dkEdge">
+          <a:bevelT w="25400" h="6350" prst="softRound"/>
+          <a:bevelB w="0" h="0" prst="convex"/>
+        </a:sp3d>
+      </dsp:spPr>
+      <dsp:style>
+        <a:lnRef idx="1">
+          <a:scrgbClr r="0" g="0" b="0"/>
+        </a:lnRef>
+        <a:fillRef idx="1">
+          <a:scrgbClr r="0" g="0" b="0"/>
+        </a:fillRef>
+        <a:effectRef idx="0">
+          <a:scrgbClr r="0" g="0" b="0"/>
+        </a:effectRef>
+        <a:fontRef idx="minor"/>
+      </dsp:style>
+      <dsp:txBody>
+        <a:bodyPr spcFirstLastPara="0" vert="horz" wrap="square" lIns="60960" tIns="60960" rIns="60960" bIns="60960" numCol="1" spcCol="1270" anchor="ctr" anchorCtr="0">
+          <a:noAutofit/>
+        </a:bodyPr>
+        <a:lstStyle/>
+        <a:p>
+          <a:pPr lvl="0" algn="ctr" defTabSz="711200">
+            <a:lnSpc>
+              <a:spcPct val="90000"/>
+            </a:lnSpc>
+            <a:spcBef>
+              <a:spcPct val="0"/>
+            </a:spcBef>
+            <a:spcAft>
+              <a:spcPct val="35000"/>
+            </a:spcAft>
+          </a:pPr>
+          <a:r>
+            <a:rPr lang="en-US" sz="1600" b="1" kern="1200" dirty="0" smtClean="0"/>
+            <a:t>Virtual Resources</a:t>
+          </a:r>
+        </a:p>
+        <a:p>
+          <a:pPr lvl="0" algn="ctr" defTabSz="711200">
+            <a:lnSpc>
+              <a:spcPct val="90000"/>
+            </a:lnSpc>
+            <a:spcBef>
+              <a:spcPct val="0"/>
+            </a:spcBef>
+            <a:spcAft>
+              <a:spcPct val="35000"/>
+            </a:spcAft>
+          </a:pPr>
+          <a:r>
+            <a:rPr lang="en-US" sz="900" kern="1200" dirty="0" smtClean="0"/>
+            <a:t>-resources which can be shared independent of their physical location</a:t>
+          </a:r>
+        </a:p>
+        <a:p>
+          <a:pPr lvl="0" algn="ctr" defTabSz="711200">
+            <a:lnSpc>
+              <a:spcPct val="90000"/>
+            </a:lnSpc>
+            <a:spcBef>
+              <a:spcPct val="0"/>
+            </a:spcBef>
+            <a:spcAft>
+              <a:spcPct val="35000"/>
+            </a:spcAft>
+          </a:pPr>
+          <a:r>
+            <a:rPr lang="en-US" sz="900" kern="1200" dirty="0" smtClean="0"/>
+            <a:t> </a:t>
+          </a:r>
+        </a:p>
+        <a:p>
+          <a:pPr lvl="0" algn="l" defTabSz="711200">
+            <a:lnSpc>
+              <a:spcPct val="90000"/>
+            </a:lnSpc>
+            <a:spcBef>
+              <a:spcPct val="0"/>
+            </a:spcBef>
+            <a:spcAft>
+              <a:spcPct val="35000"/>
+            </a:spcAft>
+          </a:pPr>
+          <a:r>
+            <a:rPr lang="en-US" sz="900" kern="1200" dirty="0" smtClean="0"/>
+            <a:t>Operating systems</a:t>
+          </a:r>
+        </a:p>
+        <a:p>
+          <a:pPr lvl="0" algn="l" defTabSz="711200">
+            <a:lnSpc>
+              <a:spcPct val="90000"/>
+            </a:lnSpc>
+            <a:spcBef>
+              <a:spcPct val="0"/>
+            </a:spcBef>
+            <a:spcAft>
+              <a:spcPct val="35000"/>
+            </a:spcAft>
+          </a:pPr>
+          <a:r>
+            <a:rPr lang="en-US" sz="900" kern="1200" dirty="0" smtClean="0"/>
+            <a:t>Software and licenses</a:t>
+          </a:r>
+        </a:p>
+        <a:p>
+          <a:pPr lvl="0" algn="l" defTabSz="711200">
+            <a:lnSpc>
+              <a:spcPct val="90000"/>
+            </a:lnSpc>
+            <a:spcBef>
+              <a:spcPct val="0"/>
+            </a:spcBef>
+            <a:spcAft>
+              <a:spcPct val="35000"/>
+            </a:spcAft>
+          </a:pPr>
+          <a:r>
+            <a:rPr lang="en-US" sz="900" kern="1200" dirty="0" smtClean="0"/>
+            <a:t>Tasks and applications </a:t>
+          </a:r>
+        </a:p>
+        <a:p>
+          <a:pPr lvl="0" algn="l" defTabSz="711200">
+            <a:lnSpc>
+              <a:spcPct val="90000"/>
+            </a:lnSpc>
+            <a:spcBef>
+              <a:spcPct val="0"/>
+            </a:spcBef>
+            <a:spcAft>
+              <a:spcPct val="35000"/>
+            </a:spcAft>
+          </a:pPr>
+          <a:r>
+            <a:rPr lang="en-US" sz="900" kern="1200" dirty="0" smtClean="0"/>
+            <a:t>Services</a:t>
+          </a:r>
+          <a:endParaRPr lang="en-US" sz="900" kern="1200" dirty="0"/>
+        </a:p>
+      </dsp:txBody>
+      <dsp:txXfrm>
+        <a:off x="3532644" y="2203888"/>
+        <a:ext cx="2514777" cy="1561421"/>
+      </dsp:txXfrm>
+    </dsp:sp>
   </dsp:spTree>
 </dsp:drawing>
 </file>
@@ -13915,7 +15836,7 @@
             <a:fld id="{1D8BD707-D9CF-40AE-B4C6-C98DA3205C09}" type="datetimeFigureOut">
               <a:rPr lang="en-US" smtClean="0"/>
               <a:pPr/>
-              <a:t>1/27/2017</a:t>
+              <a:t>2/10/2017</a:t>
             </a:fld>
             <a:endParaRPr lang="en-US"/>
           </a:p>
@@ -14082,7 +16003,7 @@
             <a:fld id="{1D8BD707-D9CF-40AE-B4C6-C98DA3205C09}" type="datetimeFigureOut">
               <a:rPr lang="en-US" smtClean="0"/>
               <a:pPr/>
-              <a:t>1/27/2017</a:t>
+              <a:t>2/10/2017</a:t>
             </a:fld>
             <a:endParaRPr lang="en-US"/>
           </a:p>
@@ -14259,7 +16180,7 @@
             <a:fld id="{1D8BD707-D9CF-40AE-B4C6-C98DA3205C09}" type="datetimeFigureOut">
               <a:rPr lang="en-US" smtClean="0"/>
               <a:pPr/>
-              <a:t>1/27/2017</a:t>
+              <a:t>2/10/2017</a:t>
             </a:fld>
             <a:endParaRPr lang="en-US"/>
           </a:p>
@@ -14426,7 +16347,7 @@
             <a:fld id="{1D8BD707-D9CF-40AE-B4C6-C98DA3205C09}" type="datetimeFigureOut">
               <a:rPr lang="en-US" smtClean="0"/>
               <a:pPr/>
-              <a:t>1/27/2017</a:t>
+              <a:t>2/10/2017</a:t>
             </a:fld>
             <a:endParaRPr lang="en-US"/>
           </a:p>
@@ -14669,7 +16590,7 @@
             <a:fld id="{1D8BD707-D9CF-40AE-B4C6-C98DA3205C09}" type="datetimeFigureOut">
               <a:rPr lang="en-US" smtClean="0"/>
               <a:pPr/>
-              <a:t>1/27/2017</a:t>
+              <a:t>2/10/2017</a:t>
             </a:fld>
             <a:endParaRPr lang="en-US"/>
           </a:p>
@@ -14954,7 +16875,7 @@
             <a:fld id="{1D8BD707-D9CF-40AE-B4C6-C98DA3205C09}" type="datetimeFigureOut">
               <a:rPr lang="en-US" smtClean="0"/>
               <a:pPr/>
-              <a:t>1/27/2017</a:t>
+              <a:t>2/10/2017</a:t>
             </a:fld>
             <a:endParaRPr lang="en-US"/>
           </a:p>
@@ -15373,7 +17294,7 @@
             <a:fld id="{1D8BD707-D9CF-40AE-B4C6-C98DA3205C09}" type="datetimeFigureOut">
               <a:rPr lang="en-US" smtClean="0"/>
               <a:pPr/>
-              <a:t>1/27/2017</a:t>
+              <a:t>2/10/2017</a:t>
             </a:fld>
             <a:endParaRPr lang="en-US"/>
           </a:p>
@@ -15488,7 +17409,7 @@
             <a:fld id="{1D8BD707-D9CF-40AE-B4C6-C98DA3205C09}" type="datetimeFigureOut">
               <a:rPr lang="en-US" smtClean="0"/>
               <a:pPr/>
-              <a:t>1/27/2017</a:t>
+              <a:t>2/10/2017</a:t>
             </a:fld>
             <a:endParaRPr lang="en-US"/>
           </a:p>
@@ -15580,7 +17501,7 @@
             <a:fld id="{1D8BD707-D9CF-40AE-B4C6-C98DA3205C09}" type="datetimeFigureOut">
               <a:rPr lang="en-US" smtClean="0"/>
               <a:pPr/>
-              <a:t>1/27/2017</a:t>
+              <a:t>2/10/2017</a:t>
             </a:fld>
             <a:endParaRPr lang="en-US"/>
           </a:p>
@@ -15854,7 +17775,7 @@
             <a:fld id="{1D8BD707-D9CF-40AE-B4C6-C98DA3205C09}" type="datetimeFigureOut">
               <a:rPr lang="en-US" smtClean="0"/>
               <a:pPr/>
-              <a:t>1/27/2017</a:t>
+              <a:t>2/10/2017</a:t>
             </a:fld>
             <a:endParaRPr lang="en-US"/>
           </a:p>
@@ -16104,7 +18025,7 @@
             <a:fld id="{1D8BD707-D9CF-40AE-B4C6-C98DA3205C09}" type="datetimeFigureOut">
               <a:rPr lang="en-US" smtClean="0"/>
               <a:pPr/>
-              <a:t>1/27/2017</a:t>
+              <a:t>2/10/2017</a:t>
             </a:fld>
             <a:endParaRPr lang="en-US"/>
           </a:p>
@@ -16314,7 +18235,7 @@
             <a:fld id="{1D8BD707-D9CF-40AE-B4C6-C98DA3205C09}" type="datetimeFigureOut">
               <a:rPr lang="en-US" smtClean="0"/>
               <a:pPr/>
-              <a:t>1/27/2017</a:t>
+              <a:t>2/10/2017</a:t>
             </a:fld>
             <a:endParaRPr lang="en-US"/>
           </a:p>
@@ -16861,6 +18782,652 @@
             <a:endParaRPr lang="en-US" dirty="0" smtClean="0"/>
           </a:p>
           <a:p>
+            <a:pPr marL="0" indent="0">
+              <a:buNone/>
+            </a:pPr>
+            <a:endParaRPr lang="en-US" dirty="0"/>
+          </a:p>
+        </p:txBody>
+      </p:sp>
+      <p:grpSp>
+        <p:nvGrpSpPr>
+          <p:cNvPr id="6" name="Group 5"/>
+          <p:cNvGrpSpPr/>
+          <p:nvPr/>
+        </p:nvGrpSpPr>
+        <p:grpSpPr>
+          <a:xfrm>
+            <a:off x="3049333" y="2504936"/>
+            <a:ext cx="1399032" cy="1309006"/>
+            <a:chOff x="1639362" y="2511849"/>
+            <a:chExt cx="1588736" cy="1242282"/>
+          </a:xfrm>
+        </p:grpSpPr>
+        <p:pic>
+          <p:nvPicPr>
+            <p:cNvPr id="7" name="Picture 2"/>
+            <p:cNvPicPr>
+              <a:picLocks noChangeAspect="1" noChangeArrowheads="1"/>
+            </p:cNvPicPr>
+            <p:nvPr/>
+          </p:nvPicPr>
+          <p:blipFill>
+            <a:blip r:embed="rId2">
+              <a:clrChange>
+                <a:clrFrom>
+                  <a:srgbClr val="000000"/>
+                </a:clrFrom>
+                <a:clrTo>
+                  <a:srgbClr val="000000">
+                    <a:alpha val="0"/>
+                  </a:srgbClr>
+                </a:clrTo>
+              </a:clrChange>
+              <a:extLst>
+                <a:ext uri="{28A0092B-C50C-407E-A947-70E740481C1C}">
+                  <a14:useLocalDpi xmlns:a14="http://schemas.microsoft.com/office/drawing/2010/main" val="0"/>
+                </a:ext>
+              </a:extLst>
+            </a:blip>
+            <a:srcRect/>
+            <a:stretch>
+              <a:fillRect/>
+            </a:stretch>
+          </p:blipFill>
+          <p:spPr bwMode="auto">
+            <a:xfrm>
+              <a:off x="1639362" y="2511849"/>
+              <a:ext cx="1588736" cy="1242282"/>
+            </a:xfrm>
+            <a:prstGeom prst="rect">
+              <a:avLst/>
+            </a:prstGeom>
+            <a:noFill/>
+            <a:ln>
+              <a:noFill/>
+            </a:ln>
+            <a:extLst>
+              <a:ext uri="{909E8E84-426E-40DD-AFC4-6F175D3DCCD1}">
+                <a14:hiddenFill xmlns:a14="http://schemas.microsoft.com/office/drawing/2010/main">
+                  <a:solidFill>
+                    <a:schemeClr val="accent1"/>
+                  </a:solidFill>
+                </a14:hiddenFill>
+              </a:ext>
+              <a:ext uri="{91240B29-F687-4F45-9708-019B960494DF}">
+                <a14:hiddenLine xmlns:a14="http://schemas.microsoft.com/office/drawing/2010/main" w="9525">
+                  <a:solidFill>
+                    <a:schemeClr val="tx1"/>
+                  </a:solidFill>
+                  <a:miter lim="800000"/>
+                  <a:headEnd/>
+                  <a:tailEnd/>
+                </a14:hiddenLine>
+              </a:ext>
+            </a:extLst>
+          </p:spPr>
+        </p:pic>
+        <p:sp>
+          <p:nvSpPr>
+            <p:cNvPr id="8" name="TextBox 7"/>
+            <p:cNvSpPr txBox="1"/>
+            <p:nvPr/>
+          </p:nvSpPr>
+          <p:spPr>
+            <a:xfrm>
+              <a:off x="1678523" y="2848028"/>
+              <a:ext cx="1295400" cy="646331"/>
+            </a:xfrm>
+            <a:prstGeom prst="rect">
+              <a:avLst/>
+            </a:prstGeom>
+            <a:noFill/>
+          </p:spPr>
+          <p:txBody>
+            <a:bodyPr wrap="square" rtlCol="0">
+              <a:spAutoFit/>
+            </a:bodyPr>
+            <a:lstStyle/>
+            <a:p>
+              <a:r>
+                <a:rPr lang="en-US" dirty="0" smtClean="0"/>
+                <a:t>PrintJob</a:t>
+              </a:r>
+            </a:p>
+            <a:p>
+              <a:r>
+                <a:rPr lang="en-US" dirty="0" smtClean="0"/>
+                <a:t>Organizer</a:t>
+              </a:r>
+              <a:endParaRPr lang="en-US" dirty="0"/>
+            </a:p>
+          </p:txBody>
+        </p:sp>
+      </p:grpSp>
+      <p:sp>
+        <p:nvSpPr>
+          <p:cNvPr id="15" name="TextBox 14"/>
+          <p:cNvSpPr txBox="1"/>
+          <p:nvPr/>
+        </p:nvSpPr>
+        <p:spPr>
+          <a:xfrm>
+            <a:off x="4495800" y="2851962"/>
+            <a:ext cx="833663" cy="523220"/>
+          </a:xfrm>
+          <a:prstGeom prst="rect">
+            <a:avLst/>
+          </a:prstGeom>
+          <a:noFill/>
+        </p:spPr>
+        <p:txBody>
+          <a:bodyPr wrap="square" rtlCol="0">
+            <a:spAutoFit/>
+          </a:bodyPr>
+          <a:lstStyle/>
+          <a:p>
+            <a:r>
+              <a:rPr lang="en-US" sz="2800" dirty="0" smtClean="0"/>
+              <a:t>. . . .</a:t>
+            </a:r>
+            <a:endParaRPr lang="en-US" sz="2800" dirty="0"/>
+          </a:p>
+        </p:txBody>
+      </p:sp>
+      <p:grpSp>
+        <p:nvGrpSpPr>
+          <p:cNvPr id="20" name="Group 19"/>
+          <p:cNvGrpSpPr/>
+          <p:nvPr/>
+        </p:nvGrpSpPr>
+        <p:grpSpPr>
+          <a:xfrm>
+            <a:off x="5329463" y="2503298"/>
+            <a:ext cx="1399032" cy="1307592"/>
+            <a:chOff x="5977912" y="2536247"/>
+            <a:chExt cx="1672259" cy="1307592"/>
+          </a:xfrm>
+        </p:grpSpPr>
+        <p:pic>
+          <p:nvPicPr>
+            <p:cNvPr id="21" name="Picture 2"/>
+            <p:cNvPicPr>
+              <a:picLocks noChangeAspect="1" noChangeArrowheads="1"/>
+            </p:cNvPicPr>
+            <p:nvPr/>
+          </p:nvPicPr>
+          <p:blipFill>
+            <a:blip r:embed="rId2">
+              <a:clrChange>
+                <a:clrFrom>
+                  <a:srgbClr val="000000"/>
+                </a:clrFrom>
+                <a:clrTo>
+                  <a:srgbClr val="000000">
+                    <a:alpha val="0"/>
+                  </a:srgbClr>
+                </a:clrTo>
+              </a:clrChange>
+              <a:extLst>
+                <a:ext uri="{28A0092B-C50C-407E-A947-70E740481C1C}">
+                  <a14:useLocalDpi xmlns:a14="http://schemas.microsoft.com/office/drawing/2010/main" val="0"/>
+                </a:ext>
+              </a:extLst>
+            </a:blip>
+            <a:srcRect/>
+            <a:stretch>
+              <a:fillRect/>
+            </a:stretch>
+          </p:blipFill>
+          <p:spPr bwMode="auto">
+            <a:xfrm>
+              <a:off x="5977912" y="2536247"/>
+              <a:ext cx="1672259" cy="1307592"/>
+            </a:xfrm>
+            <a:prstGeom prst="rect">
+              <a:avLst/>
+            </a:prstGeom>
+            <a:noFill/>
+            <a:ln>
+              <a:noFill/>
+            </a:ln>
+            <a:extLst>
+              <a:ext uri="{909E8E84-426E-40DD-AFC4-6F175D3DCCD1}">
+                <a14:hiddenFill xmlns:a14="http://schemas.microsoft.com/office/drawing/2010/main">
+                  <a:solidFill>
+                    <a:schemeClr val="accent1"/>
+                  </a:solidFill>
+                </a14:hiddenFill>
+              </a:ext>
+              <a:ext uri="{91240B29-F687-4F45-9708-019B960494DF}">
+                <a14:hiddenLine xmlns:a14="http://schemas.microsoft.com/office/drawing/2010/main" w="9525">
+                  <a:solidFill>
+                    <a:schemeClr val="tx1"/>
+                  </a:solidFill>
+                  <a:miter lim="800000"/>
+                  <a:headEnd/>
+                  <a:tailEnd/>
+                </a14:hiddenLine>
+              </a:ext>
+            </a:extLst>
+          </p:spPr>
+        </p:pic>
+        <p:sp>
+          <p:nvSpPr>
+            <p:cNvPr id="22" name="Rectangle 21"/>
+            <p:cNvSpPr/>
+            <p:nvPr/>
+          </p:nvSpPr>
+          <p:spPr>
+            <a:xfrm>
+              <a:off x="6012418" y="2868521"/>
+              <a:ext cx="1422800" cy="646331"/>
+            </a:xfrm>
+            <a:prstGeom prst="rect">
+              <a:avLst/>
+            </a:prstGeom>
+          </p:spPr>
+          <p:txBody>
+            <a:bodyPr wrap="square">
+              <a:spAutoFit/>
+            </a:bodyPr>
+            <a:lstStyle/>
+            <a:p>
+              <a:r>
+                <a:rPr lang="en-US" dirty="0" smtClean="0">
+                  <a:solidFill>
+                    <a:srgbClr val="FF0000"/>
+                  </a:solidFill>
+                </a:rPr>
+                <a:t>Slave</a:t>
+              </a:r>
+            </a:p>
+            <a:p>
+              <a:r>
+                <a:rPr lang="en-US" dirty="0" smtClean="0">
+                  <a:solidFill>
+                    <a:srgbClr val="FF0000"/>
+                  </a:solidFill>
+                </a:rPr>
+                <a:t>Reporter</a:t>
+              </a:r>
+              <a:endParaRPr lang="en-US" dirty="0">
+                <a:solidFill>
+                  <a:srgbClr val="FF0000"/>
+                </a:solidFill>
+              </a:endParaRPr>
+            </a:p>
+          </p:txBody>
+        </p:sp>
+      </p:grpSp>
+      <p:grpSp>
+        <p:nvGrpSpPr>
+          <p:cNvPr id="16" name="Group 15"/>
+          <p:cNvGrpSpPr/>
+          <p:nvPr/>
+        </p:nvGrpSpPr>
+        <p:grpSpPr>
+          <a:xfrm>
+            <a:off x="1524000" y="2501884"/>
+            <a:ext cx="1399032" cy="1309006"/>
+            <a:chOff x="1639362" y="2511849"/>
+            <a:chExt cx="1588736" cy="1242282"/>
+          </a:xfrm>
+        </p:grpSpPr>
+        <p:pic>
+          <p:nvPicPr>
+            <p:cNvPr id="17" name="Picture 2"/>
+            <p:cNvPicPr>
+              <a:picLocks noChangeAspect="1" noChangeArrowheads="1"/>
+            </p:cNvPicPr>
+            <p:nvPr/>
+          </p:nvPicPr>
+          <p:blipFill>
+            <a:blip r:embed="rId2">
+              <a:clrChange>
+                <a:clrFrom>
+                  <a:srgbClr val="000000"/>
+                </a:clrFrom>
+                <a:clrTo>
+                  <a:srgbClr val="000000">
+                    <a:alpha val="0"/>
+                  </a:srgbClr>
+                </a:clrTo>
+              </a:clrChange>
+              <a:extLst>
+                <a:ext uri="{28A0092B-C50C-407E-A947-70E740481C1C}">
+                  <a14:useLocalDpi xmlns:a14="http://schemas.microsoft.com/office/drawing/2010/main" val="0"/>
+                </a:ext>
+              </a:extLst>
+            </a:blip>
+            <a:srcRect/>
+            <a:stretch>
+              <a:fillRect/>
+            </a:stretch>
+          </p:blipFill>
+          <p:spPr bwMode="auto">
+            <a:xfrm>
+              <a:off x="1639362" y="2511849"/>
+              <a:ext cx="1588736" cy="1242282"/>
+            </a:xfrm>
+            <a:prstGeom prst="rect">
+              <a:avLst/>
+            </a:prstGeom>
+            <a:noFill/>
+            <a:ln>
+              <a:noFill/>
+            </a:ln>
+            <a:extLst>
+              <a:ext uri="{909E8E84-426E-40DD-AFC4-6F175D3DCCD1}">
+                <a14:hiddenFill xmlns:a14="http://schemas.microsoft.com/office/drawing/2010/main">
+                  <a:solidFill>
+                    <a:schemeClr val="accent1"/>
+                  </a:solidFill>
+                </a14:hiddenFill>
+              </a:ext>
+              <a:ext uri="{91240B29-F687-4F45-9708-019B960494DF}">
+                <a14:hiddenLine xmlns:a14="http://schemas.microsoft.com/office/drawing/2010/main" w="9525">
+                  <a:solidFill>
+                    <a:schemeClr val="tx1"/>
+                  </a:solidFill>
+                  <a:miter lim="800000"/>
+                  <a:headEnd/>
+                  <a:tailEnd/>
+                </a14:hiddenLine>
+              </a:ext>
+            </a:extLst>
+          </p:spPr>
+        </p:pic>
+        <p:sp>
+          <p:nvSpPr>
+            <p:cNvPr id="18" name="TextBox 17"/>
+            <p:cNvSpPr txBox="1"/>
+            <p:nvPr/>
+          </p:nvSpPr>
+          <p:spPr>
+            <a:xfrm>
+              <a:off x="1678523" y="2848028"/>
+              <a:ext cx="1295400" cy="876265"/>
+            </a:xfrm>
+            <a:prstGeom prst="rect">
+              <a:avLst/>
+            </a:prstGeom>
+            <a:noFill/>
+          </p:spPr>
+          <p:txBody>
+            <a:bodyPr wrap="square" rtlCol="0">
+              <a:spAutoFit/>
+            </a:bodyPr>
+            <a:lstStyle/>
+            <a:p>
+              <a:r>
+                <a:rPr lang="en-US" dirty="0" smtClean="0"/>
+                <a:t>SlavePJ</a:t>
+              </a:r>
+            </a:p>
+            <a:p>
+              <a:r>
+                <a:rPr lang="en-US" dirty="0" smtClean="0"/>
+                <a:t>Collector</a:t>
+              </a:r>
+              <a:endParaRPr lang="en-US" dirty="0" smtClean="0"/>
+            </a:p>
+            <a:p>
+              <a:endParaRPr lang="en-US" dirty="0"/>
+            </a:p>
+          </p:txBody>
+        </p:sp>
+      </p:grpSp>
+    </p:spTree>
+    <p:extLst>
+      <p:ext uri="{BB962C8B-B14F-4D97-AF65-F5344CB8AC3E}">
+        <p14:creationId xmlns:p14="http://schemas.microsoft.com/office/powerpoint/2010/main" val="3628031107"/>
+      </p:ext>
+    </p:extLst>
+  </p:cSld>
+  <p:clrMapOvr>
+    <a:masterClrMapping/>
+  </p:clrMapOvr>
+</p:sld>
+</file>
+
+<file path=ppt/slides/slide11.xml><?xml version="1.0" encoding="utf-8"?>
+<p:sld xmlns:a="http://schemas.openxmlformats.org/drawingml/2006/main" xmlns:r="http://schemas.openxmlformats.org/officeDocument/2006/relationships" xmlns:p="http://schemas.openxmlformats.org/presentationml/2006/main">
+  <p:cSld>
+    <p:spTree>
+      <p:nvGrpSpPr>
+        <p:cNvPr id="1" name=""/>
+        <p:cNvGrpSpPr/>
+        <p:nvPr/>
+      </p:nvGrpSpPr>
+      <p:grpSpPr>
+        <a:xfrm>
+          <a:off x="0" y="0"/>
+          <a:ext cx="0" cy="0"/>
+          <a:chOff x="0" y="0"/>
+          <a:chExt cx="0" cy="0"/>
+        </a:xfrm>
+      </p:grpSpPr>
+      <p:sp>
+        <p:nvSpPr>
+          <p:cNvPr id="2" name="Title 1"/>
+          <p:cNvSpPr>
+            <a:spLocks noGrp="1"/>
+          </p:cNvSpPr>
+          <p:nvPr>
+            <p:ph type="title"/>
+          </p:nvPr>
+        </p:nvSpPr>
+        <p:spPr/>
+        <p:txBody>
+          <a:bodyPr>
+            <a:normAutofit fontScale="90000"/>
+          </a:bodyPr>
+          <a:lstStyle/>
+          <a:p>
+            <a:r>
+              <a:rPr lang="en-US" dirty="0" smtClean="0"/>
+              <a:t/>
+            </a:r>
+            <a:br>
+              <a:rPr lang="en-US" dirty="0" smtClean="0"/>
+            </a:br>
+            <a:endParaRPr lang="en-US" dirty="0"/>
+          </a:p>
+        </p:txBody>
+      </p:sp>
+      <p:sp>
+        <p:nvSpPr>
+          <p:cNvPr id="3" name="Content Placeholder 2"/>
+          <p:cNvSpPr>
+            <a:spLocks noGrp="1"/>
+          </p:cNvSpPr>
+          <p:nvPr>
+            <p:ph idx="1"/>
+          </p:nvPr>
+        </p:nvSpPr>
+        <p:spPr/>
+        <p:txBody>
+          <a:bodyPr/>
+          <a:lstStyle/>
+          <a:p>
+            <a:endParaRPr lang="en-US" dirty="0" smtClean="0"/>
+          </a:p>
+          <a:p>
+            <a:pPr marL="0" indent="0">
+              <a:buNone/>
+            </a:pPr>
+            <a:endParaRPr lang="en-US" dirty="0"/>
+          </a:p>
+        </p:txBody>
+      </p:sp>
+      <p:graphicFrame>
+        <p:nvGraphicFramePr>
+          <p:cNvPr id="5" name="Diagram 4"/>
+          <p:cNvGraphicFramePr/>
+          <p:nvPr>
+            <p:extLst>
+              <p:ext uri="{D42A27DB-BD31-4B8C-83A1-F6EECF244321}">
+                <p14:modId xmlns:p14="http://schemas.microsoft.com/office/powerpoint/2010/main" val="2970409429"/>
+              </p:ext>
+            </p:extLst>
+          </p:nvPr>
+        </p:nvGraphicFramePr>
+        <p:xfrm>
+          <a:off x="152400" y="1524000"/>
+          <a:ext cx="8915400" cy="3352800"/>
+        </p:xfrm>
+        <a:graphic>
+          <a:graphicData uri="http://schemas.openxmlformats.org/drawingml/2006/diagram">
+            <dgm:relIds xmlns:dgm="http://schemas.openxmlformats.org/drawingml/2006/diagram" xmlns:r="http://schemas.openxmlformats.org/officeDocument/2006/relationships" r:dm="rId2" r:lo="rId3" r:qs="rId4" r:cs="rId5"/>
+          </a:graphicData>
+        </a:graphic>
+      </p:graphicFrame>
+      <p:cxnSp>
+        <p:nvCxnSpPr>
+          <p:cNvPr id="11" name="Curved Connector 10"/>
+          <p:cNvCxnSpPr/>
+          <p:nvPr/>
+        </p:nvCxnSpPr>
+        <p:spPr>
+          <a:xfrm>
+            <a:off x="4495800" y="3581400"/>
+            <a:ext cx="3810000" cy="12700"/>
+          </a:xfrm>
+          <a:prstGeom prst="curvedConnector3">
+            <a:avLst>
+              <a:gd name="adj1" fmla="val 52491"/>
+            </a:avLst>
+          </a:prstGeom>
+          <a:ln>
+            <a:headEnd type="arrow"/>
+            <a:tailEnd type="arrow"/>
+          </a:ln>
+        </p:spPr>
+        <p:style>
+          <a:lnRef idx="1">
+            <a:schemeClr val="accent1"/>
+          </a:lnRef>
+          <a:fillRef idx="0">
+            <a:schemeClr val="accent1"/>
+          </a:fillRef>
+          <a:effectRef idx="0">
+            <a:schemeClr val="accent1"/>
+          </a:effectRef>
+          <a:fontRef idx="minor">
+            <a:schemeClr val="tx1"/>
+          </a:fontRef>
+        </p:style>
+      </p:cxnSp>
+      <p:sp>
+        <p:nvSpPr>
+          <p:cNvPr id="16" name="TextBox 15"/>
+          <p:cNvSpPr txBox="1"/>
+          <p:nvPr/>
+        </p:nvSpPr>
+        <p:spPr>
+          <a:xfrm>
+            <a:off x="5676900" y="3594100"/>
+            <a:ext cx="1447800" cy="246221"/>
+          </a:xfrm>
+          <a:prstGeom prst="rect">
+            <a:avLst/>
+          </a:prstGeom>
+          <a:noFill/>
+        </p:spPr>
+        <p:txBody>
+          <a:bodyPr wrap="square" rtlCol="0">
+            <a:spAutoFit/>
+          </a:bodyPr>
+          <a:lstStyle/>
+          <a:p>
+            <a:r>
+              <a:rPr lang="en-US" sz="1000" dirty="0" smtClean="0"/>
+              <a:t>repeated </a:t>
+            </a:r>
+            <a:r>
+              <a:rPr lang="en-US" sz="1000" dirty="0"/>
+              <a:t>chunk-wise</a:t>
+            </a:r>
+          </a:p>
+        </p:txBody>
+      </p:sp>
+    </p:spTree>
+    <p:extLst>
+      <p:ext uri="{BB962C8B-B14F-4D97-AF65-F5344CB8AC3E}">
+        <p14:creationId xmlns:p14="http://schemas.microsoft.com/office/powerpoint/2010/main" val="3522882765"/>
+      </p:ext>
+    </p:extLst>
+  </p:cSld>
+  <p:clrMapOvr>
+    <a:masterClrMapping/>
+  </p:clrMapOvr>
+</p:sld>
+</file>
+
+<file path=ppt/slides/slide12.xml><?xml version="1.0" encoding="utf-8"?>
+<p:sld xmlns:a="http://schemas.openxmlformats.org/drawingml/2006/main" xmlns:r="http://schemas.openxmlformats.org/officeDocument/2006/relationships" xmlns:p="http://schemas.openxmlformats.org/presentationml/2006/main">
+  <p:cSld>
+    <p:spTree>
+      <p:nvGrpSpPr>
+        <p:cNvPr id="1" name=""/>
+        <p:cNvGrpSpPr/>
+        <p:nvPr/>
+      </p:nvGrpSpPr>
+      <p:grpSpPr>
+        <a:xfrm>
+          <a:off x="0" y="0"/>
+          <a:ext cx="0" cy="0"/>
+          <a:chOff x="0" y="0"/>
+          <a:chExt cx="0" cy="0"/>
+        </a:xfrm>
+      </p:grpSpPr>
+      <p:sp>
+        <p:nvSpPr>
+          <p:cNvPr id="2" name="Title 1"/>
+          <p:cNvSpPr>
+            <a:spLocks noGrp="1"/>
+          </p:cNvSpPr>
+          <p:nvPr>
+            <p:ph type="title"/>
+          </p:nvPr>
+        </p:nvSpPr>
+        <p:spPr/>
+        <p:txBody>
+          <a:bodyPr>
+            <a:normAutofit fontScale="90000"/>
+          </a:bodyPr>
+          <a:lstStyle/>
+          <a:p>
+            <a:r>
+              <a:rPr lang="en-US" dirty="0" smtClean="0"/>
+              <a:t/>
+            </a:r>
+            <a:br>
+              <a:rPr lang="en-US" dirty="0" smtClean="0"/>
+            </a:br>
+            <a:endParaRPr lang="en-US" dirty="0"/>
+          </a:p>
+        </p:txBody>
+      </p:sp>
+      <p:sp>
+        <p:nvSpPr>
+          <p:cNvPr id="3" name="Content Placeholder 2"/>
+          <p:cNvSpPr>
+            <a:spLocks noGrp="1"/>
+          </p:cNvSpPr>
+          <p:nvPr>
+            <p:ph idx="1"/>
+          </p:nvPr>
+        </p:nvSpPr>
+        <p:spPr/>
+        <p:txBody>
+          <a:bodyPr/>
+          <a:lstStyle/>
+          <a:p>
+            <a:endParaRPr lang="en-US" dirty="0" smtClean="0"/>
+          </a:p>
+          <a:p>
             <a:endParaRPr lang="en-US" dirty="0"/>
           </a:p>
         </p:txBody>
@@ -16900,7 +19467,7 @@
 </p:sld>
 </file>
 
-<file path=ppt/slides/slide11.xml><?xml version="1.0" encoding="utf-8"?>
+<file path=ppt/slides/slide13.xml><?xml version="1.0" encoding="utf-8"?>
 <p:sld xmlns:a="http://schemas.openxmlformats.org/drawingml/2006/main" xmlns:r="http://schemas.openxmlformats.org/officeDocument/2006/relationships" xmlns:p="http://schemas.openxmlformats.org/presentationml/2006/main">
   <p:cSld>
     <p:spTree>
@@ -17005,7 +19572,7 @@
 </p:sld>
 </file>
 
-<file path=ppt/slides/slide12.xml><?xml version="1.0" encoding="utf-8"?>
+<file path=ppt/slides/slide14.xml><?xml version="1.0" encoding="utf-8"?>
 <p:sld xmlns:a="http://schemas.openxmlformats.org/drawingml/2006/main" xmlns:r="http://schemas.openxmlformats.org/officeDocument/2006/relationships" xmlns:p="http://schemas.openxmlformats.org/presentationml/2006/main">
   <p:cSld>
     <p:spTree>
@@ -17120,7 +19687,7 @@
 </p:sld>
 </file>
 
-<file path=ppt/slides/slide13.xml><?xml version="1.0" encoding="utf-8"?>
+<file path=ppt/slides/slide15.xml><?xml version="1.0" encoding="utf-8"?>
 <p:sld xmlns:a="http://schemas.openxmlformats.org/drawingml/2006/main" xmlns:r="http://schemas.openxmlformats.org/officeDocument/2006/relationships" xmlns:p="http://schemas.openxmlformats.org/presentationml/2006/main">
   <p:cSld>
     <p:spTree>
@@ -17267,7 +19834,7 @@
 </p:sld>
 </file>
 
-<file path=ppt/slides/slide14.xml><?xml version="1.0" encoding="utf-8"?>
+<file path=ppt/slides/slide16.xml><?xml version="1.0" encoding="utf-8"?>
 <p:sld xmlns:a="http://schemas.openxmlformats.org/drawingml/2006/main" xmlns:r="http://schemas.openxmlformats.org/officeDocument/2006/relationships" xmlns:p="http://schemas.openxmlformats.org/presentationml/2006/main">
   <p:cSld>
     <p:spTree>
@@ -17414,7 +19981,7 @@
 </p:sld>
 </file>
 
-<file path=ppt/slides/slide15.xml><?xml version="1.0" encoding="utf-8"?>
+<file path=ppt/slides/slide17.xml><?xml version="1.0" encoding="utf-8"?>
 <p:sld xmlns:a="http://schemas.openxmlformats.org/drawingml/2006/main" xmlns:r="http://schemas.openxmlformats.org/officeDocument/2006/relationships" xmlns:p="http://schemas.openxmlformats.org/presentationml/2006/main">
   <p:cSld>
     <p:spTree>
@@ -17568,7 +20135,7 @@
 </p:sld>
 </file>
 
-<file path=ppt/slides/slide16.xml><?xml version="1.0" encoding="utf-8"?>
+<file path=ppt/slides/slide18.xml><?xml version="1.0" encoding="utf-8"?>
 <p:sld xmlns:a="http://schemas.openxmlformats.org/drawingml/2006/main" xmlns:r="http://schemas.openxmlformats.org/officeDocument/2006/relationships" xmlns:p="http://schemas.openxmlformats.org/presentationml/2006/main">
   <p:cSld>
     <p:spTree>
@@ -17673,7 +20240,7 @@
 </p:sld>
 </file>
 
-<file path=ppt/slides/slide17.xml><?xml version="1.0" encoding="utf-8"?>
+<file path=ppt/slides/slide19.xml><?xml version="1.0" encoding="utf-8"?>
 <p:sld xmlns:a="http://schemas.openxmlformats.org/drawingml/2006/main" xmlns:r="http://schemas.openxmlformats.org/officeDocument/2006/relationships" xmlns:p="http://schemas.openxmlformats.org/presentationml/2006/main">
   <p:cSld>
     <p:spTree>
@@ -17769,265 +20336,6 @@
     <p:extLst>
       <p:ext uri="{BB962C8B-B14F-4D97-AF65-F5344CB8AC3E}">
         <p14:creationId xmlns:p14="http://schemas.microsoft.com/office/powerpoint/2010/main" val="3820374464"/>
-      </p:ext>
-    </p:extLst>
-  </p:cSld>
-  <p:clrMapOvr>
-    <a:masterClrMapping/>
-  </p:clrMapOvr>
-</p:sld>
-</file>
-
-<file path=ppt/slides/slide18.xml><?xml version="1.0" encoding="utf-8"?>
-<p:sld xmlns:a="http://schemas.openxmlformats.org/drawingml/2006/main" xmlns:r="http://schemas.openxmlformats.org/officeDocument/2006/relationships" xmlns:p="http://schemas.openxmlformats.org/presentationml/2006/main">
-  <p:cSld>
-    <p:spTree>
-      <p:nvGrpSpPr>
-        <p:cNvPr id="1" name=""/>
-        <p:cNvGrpSpPr/>
-        <p:nvPr/>
-      </p:nvGrpSpPr>
-      <p:grpSpPr>
-        <a:xfrm>
-          <a:off x="0" y="0"/>
-          <a:ext cx="0" cy="0"/>
-          <a:chOff x="0" y="0"/>
-          <a:chExt cx="0" cy="0"/>
-        </a:xfrm>
-      </p:grpSpPr>
-      <p:sp>
-        <p:nvSpPr>
-          <p:cNvPr id="2" name="Title 1"/>
-          <p:cNvSpPr>
-            <a:spLocks noGrp="1"/>
-          </p:cNvSpPr>
-          <p:nvPr>
-            <p:ph type="title"/>
-          </p:nvPr>
-        </p:nvSpPr>
-        <p:spPr/>
-        <p:txBody>
-          <a:bodyPr/>
-          <a:lstStyle/>
-          <a:p>
-            <a:endParaRPr lang="en-US"/>
-          </a:p>
-        </p:txBody>
-      </p:sp>
-      <p:sp>
-        <p:nvSpPr>
-          <p:cNvPr id="3" name="Content Placeholder 2"/>
-          <p:cNvSpPr>
-            <a:spLocks noGrp="1"/>
-          </p:cNvSpPr>
-          <p:nvPr>
-            <p:ph idx="1"/>
-          </p:nvPr>
-        </p:nvSpPr>
-        <p:spPr/>
-        <p:txBody>
-          <a:bodyPr/>
-          <a:lstStyle/>
-          <a:p>
-            <a:endParaRPr lang="en-US" dirty="0" smtClean="0"/>
-          </a:p>
-          <a:p>
-            <a:pPr marL="0" indent="0">
-              <a:buNone/>
-            </a:pPr>
-            <a:endParaRPr lang="en-US" dirty="0"/>
-          </a:p>
-        </p:txBody>
-      </p:sp>
-      <p:pic>
-        <p:nvPicPr>
-          <p:cNvPr id="1026" name="Picture 2"/>
-          <p:cNvPicPr>
-            <a:picLocks noChangeAspect="1" noChangeArrowheads="1"/>
-          </p:cNvPicPr>
-          <p:nvPr/>
-        </p:nvPicPr>
-        <p:blipFill>
-          <a:blip r:embed="rId2">
-            <a:extLst>
-              <a:ext uri="{28A0092B-C50C-407E-A947-70E740481C1C}">
-                <a14:useLocalDpi xmlns:a14="http://schemas.microsoft.com/office/drawing/2010/main" val="0"/>
-              </a:ext>
-            </a:extLst>
-          </a:blip>
-          <a:srcRect/>
-          <a:stretch>
-            <a:fillRect/>
-          </a:stretch>
-        </p:blipFill>
-        <p:spPr bwMode="auto">
-          <a:xfrm>
-            <a:off x="376238" y="157163"/>
-            <a:ext cx="8391525" cy="6543675"/>
-          </a:xfrm>
-          <a:prstGeom prst="rect">
-            <a:avLst/>
-          </a:prstGeom>
-          <a:noFill/>
-          <a:ln>
-            <a:noFill/>
-          </a:ln>
-          <a:extLst>
-            <a:ext uri="{909E8E84-426E-40DD-AFC4-6F175D3DCCD1}">
-              <a14:hiddenFill xmlns:a14="http://schemas.microsoft.com/office/drawing/2010/main">
-                <a:solidFill>
-                  <a:schemeClr val="accent1"/>
-                </a:solidFill>
-              </a14:hiddenFill>
-            </a:ext>
-            <a:ext uri="{91240B29-F687-4F45-9708-019B960494DF}">
-              <a14:hiddenLine xmlns:a14="http://schemas.microsoft.com/office/drawing/2010/main" w="9525">
-                <a:solidFill>
-                  <a:schemeClr val="tx1"/>
-                </a:solidFill>
-                <a:miter lim="800000"/>
-                <a:headEnd/>
-                <a:tailEnd/>
-              </a14:hiddenLine>
-            </a:ext>
-          </a:extLst>
-        </p:spPr>
-      </p:pic>
-    </p:spTree>
-    <p:extLst>
-      <p:ext uri="{BB962C8B-B14F-4D97-AF65-F5344CB8AC3E}">
-        <p14:creationId xmlns:p14="http://schemas.microsoft.com/office/powerpoint/2010/main" val="796640976"/>
-      </p:ext>
-    </p:extLst>
-  </p:cSld>
-  <p:clrMapOvr>
-    <a:masterClrMapping/>
-  </p:clrMapOvr>
-</p:sld>
-</file>
-
-<file path=ppt/slides/slide19.xml><?xml version="1.0" encoding="utf-8"?>
-<p:sld xmlns:a="http://schemas.openxmlformats.org/drawingml/2006/main" xmlns:r="http://schemas.openxmlformats.org/officeDocument/2006/relationships" xmlns:p="http://schemas.openxmlformats.org/presentationml/2006/main">
-  <p:cSld>
-    <p:spTree>
-      <p:nvGrpSpPr>
-        <p:cNvPr id="1" name=""/>
-        <p:cNvGrpSpPr/>
-        <p:nvPr/>
-      </p:nvGrpSpPr>
-      <p:grpSpPr>
-        <a:xfrm>
-          <a:off x="0" y="0"/>
-          <a:ext cx="0" cy="0"/>
-          <a:chOff x="0" y="0"/>
-          <a:chExt cx="0" cy="0"/>
-        </a:xfrm>
-      </p:grpSpPr>
-      <p:sp>
-        <p:nvSpPr>
-          <p:cNvPr id="2" name="Title 1"/>
-          <p:cNvSpPr>
-            <a:spLocks noGrp="1"/>
-          </p:cNvSpPr>
-          <p:nvPr>
-            <p:ph type="title"/>
-          </p:nvPr>
-        </p:nvSpPr>
-        <p:spPr/>
-        <p:txBody>
-          <a:bodyPr>
-            <a:normAutofit fontScale="90000"/>
-          </a:bodyPr>
-          <a:lstStyle/>
-          <a:p>
-            <a:r>
-              <a:rPr lang="en-US" dirty="0" smtClean="0"/>
-              <a:t/>
-            </a:r>
-            <a:br>
-              <a:rPr lang="en-US" dirty="0" smtClean="0"/>
-            </a:br>
-            <a:endParaRPr lang="en-US" dirty="0"/>
-          </a:p>
-        </p:txBody>
-      </p:sp>
-      <p:sp>
-        <p:nvSpPr>
-          <p:cNvPr id="3" name="Content Placeholder 2"/>
-          <p:cNvSpPr>
-            <a:spLocks noGrp="1"/>
-          </p:cNvSpPr>
-          <p:nvPr>
-            <p:ph idx="1"/>
-          </p:nvPr>
-        </p:nvSpPr>
-        <p:spPr/>
-        <p:txBody>
-          <a:bodyPr/>
-          <a:lstStyle/>
-          <a:p>
-            <a:endParaRPr lang="en-US"/>
-          </a:p>
-        </p:txBody>
-      </p:sp>
-      <p:pic>
-        <p:nvPicPr>
-          <p:cNvPr id="2050" name="Picture 2"/>
-          <p:cNvPicPr>
-            <a:picLocks noChangeAspect="1" noChangeArrowheads="1"/>
-          </p:cNvPicPr>
-          <p:nvPr/>
-        </p:nvPicPr>
-        <p:blipFill>
-          <a:blip r:embed="rId2">
-            <a:extLst>
-              <a:ext uri="{28A0092B-C50C-407E-A947-70E740481C1C}">
-                <a14:useLocalDpi xmlns:a14="http://schemas.microsoft.com/office/drawing/2010/main" val="0"/>
-              </a:ext>
-            </a:extLst>
-          </a:blip>
-          <a:srcRect/>
-          <a:stretch>
-            <a:fillRect/>
-          </a:stretch>
-        </p:blipFill>
-        <p:spPr bwMode="auto">
-          <a:xfrm>
-            <a:off x="247650" y="700088"/>
-            <a:ext cx="8648700" cy="5457825"/>
-          </a:xfrm>
-          <a:prstGeom prst="rect">
-            <a:avLst/>
-          </a:prstGeom>
-          <a:noFill/>
-          <a:ln>
-            <a:noFill/>
-          </a:ln>
-          <a:extLst>
-            <a:ext uri="{909E8E84-426E-40DD-AFC4-6F175D3DCCD1}">
-              <a14:hiddenFill xmlns:a14="http://schemas.microsoft.com/office/drawing/2010/main">
-                <a:solidFill>
-                  <a:schemeClr val="accent1"/>
-                </a:solidFill>
-              </a14:hiddenFill>
-            </a:ext>
-            <a:ext uri="{91240B29-F687-4F45-9708-019B960494DF}">
-              <a14:hiddenLine xmlns:a14="http://schemas.microsoft.com/office/drawing/2010/main" w="9525">
-                <a:solidFill>
-                  <a:schemeClr val="tx1"/>
-                </a:solidFill>
-                <a:miter lim="800000"/>
-                <a:headEnd/>
-                <a:tailEnd/>
-              </a14:hiddenLine>
-            </a:ext>
-          </a:extLst>
-        </p:spPr>
-      </p:pic>
-    </p:spTree>
-    <p:extLst>
-      <p:ext uri="{BB962C8B-B14F-4D97-AF65-F5344CB8AC3E}">
-        <p14:creationId xmlns:p14="http://schemas.microsoft.com/office/powerpoint/2010/main" val="326179920"/>
       </p:ext>
     </p:extLst>
   </p:cSld>
@@ -18625,6 +20933,265 @@
 </file>
 
 <file path=ppt/slides/slide20.xml><?xml version="1.0" encoding="utf-8"?>
+<p:sld xmlns:a="http://schemas.openxmlformats.org/drawingml/2006/main" xmlns:r="http://schemas.openxmlformats.org/officeDocument/2006/relationships" xmlns:p="http://schemas.openxmlformats.org/presentationml/2006/main">
+  <p:cSld>
+    <p:spTree>
+      <p:nvGrpSpPr>
+        <p:cNvPr id="1" name=""/>
+        <p:cNvGrpSpPr/>
+        <p:nvPr/>
+      </p:nvGrpSpPr>
+      <p:grpSpPr>
+        <a:xfrm>
+          <a:off x="0" y="0"/>
+          <a:ext cx="0" cy="0"/>
+          <a:chOff x="0" y="0"/>
+          <a:chExt cx="0" cy="0"/>
+        </a:xfrm>
+      </p:grpSpPr>
+      <p:sp>
+        <p:nvSpPr>
+          <p:cNvPr id="2" name="Title 1"/>
+          <p:cNvSpPr>
+            <a:spLocks noGrp="1"/>
+          </p:cNvSpPr>
+          <p:nvPr>
+            <p:ph type="title"/>
+          </p:nvPr>
+        </p:nvSpPr>
+        <p:spPr/>
+        <p:txBody>
+          <a:bodyPr/>
+          <a:lstStyle/>
+          <a:p>
+            <a:endParaRPr lang="en-US"/>
+          </a:p>
+        </p:txBody>
+      </p:sp>
+      <p:sp>
+        <p:nvSpPr>
+          <p:cNvPr id="3" name="Content Placeholder 2"/>
+          <p:cNvSpPr>
+            <a:spLocks noGrp="1"/>
+          </p:cNvSpPr>
+          <p:nvPr>
+            <p:ph idx="1"/>
+          </p:nvPr>
+        </p:nvSpPr>
+        <p:spPr/>
+        <p:txBody>
+          <a:bodyPr/>
+          <a:lstStyle/>
+          <a:p>
+            <a:endParaRPr lang="en-US" dirty="0" smtClean="0"/>
+          </a:p>
+          <a:p>
+            <a:pPr marL="0" indent="0">
+              <a:buNone/>
+            </a:pPr>
+            <a:endParaRPr lang="en-US" dirty="0"/>
+          </a:p>
+        </p:txBody>
+      </p:sp>
+      <p:pic>
+        <p:nvPicPr>
+          <p:cNvPr id="1026" name="Picture 2"/>
+          <p:cNvPicPr>
+            <a:picLocks noChangeAspect="1" noChangeArrowheads="1"/>
+          </p:cNvPicPr>
+          <p:nvPr/>
+        </p:nvPicPr>
+        <p:blipFill>
+          <a:blip r:embed="rId2">
+            <a:extLst>
+              <a:ext uri="{28A0092B-C50C-407E-A947-70E740481C1C}">
+                <a14:useLocalDpi xmlns:a14="http://schemas.microsoft.com/office/drawing/2010/main" val="0"/>
+              </a:ext>
+            </a:extLst>
+          </a:blip>
+          <a:srcRect/>
+          <a:stretch>
+            <a:fillRect/>
+          </a:stretch>
+        </p:blipFill>
+        <p:spPr bwMode="auto">
+          <a:xfrm>
+            <a:off x="376238" y="157163"/>
+            <a:ext cx="8391525" cy="6543675"/>
+          </a:xfrm>
+          <a:prstGeom prst="rect">
+            <a:avLst/>
+          </a:prstGeom>
+          <a:noFill/>
+          <a:ln>
+            <a:noFill/>
+          </a:ln>
+          <a:extLst>
+            <a:ext uri="{909E8E84-426E-40DD-AFC4-6F175D3DCCD1}">
+              <a14:hiddenFill xmlns:a14="http://schemas.microsoft.com/office/drawing/2010/main">
+                <a:solidFill>
+                  <a:schemeClr val="accent1"/>
+                </a:solidFill>
+              </a14:hiddenFill>
+            </a:ext>
+            <a:ext uri="{91240B29-F687-4F45-9708-019B960494DF}">
+              <a14:hiddenLine xmlns:a14="http://schemas.microsoft.com/office/drawing/2010/main" w="9525">
+                <a:solidFill>
+                  <a:schemeClr val="tx1"/>
+                </a:solidFill>
+                <a:miter lim="800000"/>
+                <a:headEnd/>
+                <a:tailEnd/>
+              </a14:hiddenLine>
+            </a:ext>
+          </a:extLst>
+        </p:spPr>
+      </p:pic>
+    </p:spTree>
+    <p:extLst>
+      <p:ext uri="{BB962C8B-B14F-4D97-AF65-F5344CB8AC3E}">
+        <p14:creationId xmlns:p14="http://schemas.microsoft.com/office/powerpoint/2010/main" val="796640976"/>
+      </p:ext>
+    </p:extLst>
+  </p:cSld>
+  <p:clrMapOvr>
+    <a:masterClrMapping/>
+  </p:clrMapOvr>
+</p:sld>
+</file>
+
+<file path=ppt/slides/slide21.xml><?xml version="1.0" encoding="utf-8"?>
+<p:sld xmlns:a="http://schemas.openxmlformats.org/drawingml/2006/main" xmlns:r="http://schemas.openxmlformats.org/officeDocument/2006/relationships" xmlns:p="http://schemas.openxmlformats.org/presentationml/2006/main">
+  <p:cSld>
+    <p:spTree>
+      <p:nvGrpSpPr>
+        <p:cNvPr id="1" name=""/>
+        <p:cNvGrpSpPr/>
+        <p:nvPr/>
+      </p:nvGrpSpPr>
+      <p:grpSpPr>
+        <a:xfrm>
+          <a:off x="0" y="0"/>
+          <a:ext cx="0" cy="0"/>
+          <a:chOff x="0" y="0"/>
+          <a:chExt cx="0" cy="0"/>
+        </a:xfrm>
+      </p:grpSpPr>
+      <p:sp>
+        <p:nvSpPr>
+          <p:cNvPr id="2" name="Title 1"/>
+          <p:cNvSpPr>
+            <a:spLocks noGrp="1"/>
+          </p:cNvSpPr>
+          <p:nvPr>
+            <p:ph type="title"/>
+          </p:nvPr>
+        </p:nvSpPr>
+        <p:spPr/>
+        <p:txBody>
+          <a:bodyPr>
+            <a:normAutofit fontScale="90000"/>
+          </a:bodyPr>
+          <a:lstStyle/>
+          <a:p>
+            <a:r>
+              <a:rPr lang="en-US" dirty="0" smtClean="0"/>
+              <a:t/>
+            </a:r>
+            <a:br>
+              <a:rPr lang="en-US" dirty="0" smtClean="0"/>
+            </a:br>
+            <a:endParaRPr lang="en-US" dirty="0"/>
+          </a:p>
+        </p:txBody>
+      </p:sp>
+      <p:sp>
+        <p:nvSpPr>
+          <p:cNvPr id="3" name="Content Placeholder 2"/>
+          <p:cNvSpPr>
+            <a:spLocks noGrp="1"/>
+          </p:cNvSpPr>
+          <p:nvPr>
+            <p:ph idx="1"/>
+          </p:nvPr>
+        </p:nvSpPr>
+        <p:spPr/>
+        <p:txBody>
+          <a:bodyPr/>
+          <a:lstStyle/>
+          <a:p>
+            <a:endParaRPr lang="en-US"/>
+          </a:p>
+        </p:txBody>
+      </p:sp>
+      <p:pic>
+        <p:nvPicPr>
+          <p:cNvPr id="2050" name="Picture 2"/>
+          <p:cNvPicPr>
+            <a:picLocks noChangeAspect="1" noChangeArrowheads="1"/>
+          </p:cNvPicPr>
+          <p:nvPr/>
+        </p:nvPicPr>
+        <p:blipFill>
+          <a:blip r:embed="rId2">
+            <a:extLst>
+              <a:ext uri="{28A0092B-C50C-407E-A947-70E740481C1C}">
+                <a14:useLocalDpi xmlns:a14="http://schemas.microsoft.com/office/drawing/2010/main" val="0"/>
+              </a:ext>
+            </a:extLst>
+          </a:blip>
+          <a:srcRect/>
+          <a:stretch>
+            <a:fillRect/>
+          </a:stretch>
+        </p:blipFill>
+        <p:spPr bwMode="auto">
+          <a:xfrm>
+            <a:off x="247650" y="700088"/>
+            <a:ext cx="8648700" cy="5457825"/>
+          </a:xfrm>
+          <a:prstGeom prst="rect">
+            <a:avLst/>
+          </a:prstGeom>
+          <a:noFill/>
+          <a:ln>
+            <a:noFill/>
+          </a:ln>
+          <a:extLst>
+            <a:ext uri="{909E8E84-426E-40DD-AFC4-6F175D3DCCD1}">
+              <a14:hiddenFill xmlns:a14="http://schemas.microsoft.com/office/drawing/2010/main">
+                <a:solidFill>
+                  <a:schemeClr val="accent1"/>
+                </a:solidFill>
+              </a14:hiddenFill>
+            </a:ext>
+            <a:ext uri="{91240B29-F687-4F45-9708-019B960494DF}">
+              <a14:hiddenLine xmlns:a14="http://schemas.microsoft.com/office/drawing/2010/main" w="9525">
+                <a:solidFill>
+                  <a:schemeClr val="tx1"/>
+                </a:solidFill>
+                <a:miter lim="800000"/>
+                <a:headEnd/>
+                <a:tailEnd/>
+              </a14:hiddenLine>
+            </a:ext>
+          </a:extLst>
+        </p:spPr>
+      </p:pic>
+    </p:spTree>
+    <p:extLst>
+      <p:ext uri="{BB962C8B-B14F-4D97-AF65-F5344CB8AC3E}">
+        <p14:creationId xmlns:p14="http://schemas.microsoft.com/office/powerpoint/2010/main" val="326179920"/>
+      </p:ext>
+    </p:extLst>
+  </p:cSld>
+  <p:clrMapOvr>
+    <a:masterClrMapping/>
+  </p:clrMapOvr>
+</p:sld>
+</file>
+
+<file path=ppt/slides/slide22.xml><?xml version="1.0" encoding="utf-8"?>
 <p:sld xmlns:a="http://schemas.openxmlformats.org/drawingml/2006/main" xmlns:r="http://schemas.openxmlformats.org/officeDocument/2006/relationships" xmlns:p="http://schemas.openxmlformats.org/presentationml/2006/main">
   <p:cSld>
     <p:spTree>
@@ -19604,7 +22171,7 @@
 </p:sld>
 </file>
 
-<file path=ppt/slides/slide21.xml><?xml version="1.0" encoding="utf-8"?>
+<file path=ppt/slides/slide23.xml><?xml version="1.0" encoding="utf-8"?>
 <p:sld xmlns:a="http://schemas.openxmlformats.org/drawingml/2006/main" xmlns:r="http://schemas.openxmlformats.org/officeDocument/2006/relationships" xmlns:p="http://schemas.openxmlformats.org/presentationml/2006/main">
   <p:cSld>
     <p:spTree>
@@ -20635,7 +23202,7 @@
 </p:sld>
 </file>
 
-<file path=ppt/slides/slide22.xml><?xml version="1.0" encoding="utf-8"?>
+<file path=ppt/slides/slide24.xml><?xml version="1.0" encoding="utf-8"?>
 <p:sld xmlns:a="http://schemas.openxmlformats.org/drawingml/2006/main" xmlns:r="http://schemas.openxmlformats.org/officeDocument/2006/relationships" xmlns:p="http://schemas.openxmlformats.org/presentationml/2006/main">
   <p:cSld>
     <p:spTree>
@@ -21563,7 +24130,7 @@
 </p:sld>
 </file>
 
-<file path=ppt/slides/slide23.xml><?xml version="1.0" encoding="utf-8"?>
+<file path=ppt/slides/slide25.xml><?xml version="1.0" encoding="utf-8"?>
 <p:sld xmlns:a="http://schemas.openxmlformats.org/drawingml/2006/main" xmlns:r="http://schemas.openxmlformats.org/officeDocument/2006/relationships" xmlns:p="http://schemas.openxmlformats.org/presentationml/2006/main">
   <p:cSld>
     <p:spTree>
@@ -21653,7 +24220,7 @@
 </p:sld>
 </file>
 
-<file path=ppt/slides/slide24.xml><?xml version="1.0" encoding="utf-8"?>
+<file path=ppt/slides/slide26.xml><?xml version="1.0" encoding="utf-8"?>
 <p:sld xmlns:a="http://schemas.openxmlformats.org/drawingml/2006/main" xmlns:r="http://schemas.openxmlformats.org/officeDocument/2006/relationships" xmlns:p="http://schemas.openxmlformats.org/presentationml/2006/main">
   <p:cSld>
     <p:spTree>
@@ -24355,6 +26922,747 @@
           </a:p>
         </p:txBody>
       </p:sp>
+      <p:grpSp>
+        <p:nvGrpSpPr>
+          <p:cNvPr id="12" name="Group 11"/>
+          <p:cNvGrpSpPr/>
+          <p:nvPr/>
+        </p:nvGrpSpPr>
+        <p:grpSpPr>
+          <a:xfrm>
+            <a:off x="4419600" y="2501655"/>
+            <a:ext cx="1399032" cy="1307592"/>
+            <a:chOff x="5977912" y="2536247"/>
+            <a:chExt cx="1672259" cy="1307592"/>
+          </a:xfrm>
+        </p:grpSpPr>
+        <p:pic>
+          <p:nvPicPr>
+            <p:cNvPr id="13" name="Picture 2"/>
+            <p:cNvPicPr>
+              <a:picLocks noChangeAspect="1" noChangeArrowheads="1"/>
+            </p:cNvPicPr>
+            <p:nvPr/>
+          </p:nvPicPr>
+          <p:blipFill>
+            <a:blip r:embed="rId2">
+              <a:clrChange>
+                <a:clrFrom>
+                  <a:srgbClr val="000000"/>
+                </a:clrFrom>
+                <a:clrTo>
+                  <a:srgbClr val="000000">
+                    <a:alpha val="0"/>
+                  </a:srgbClr>
+                </a:clrTo>
+              </a:clrChange>
+              <a:extLst>
+                <a:ext uri="{28A0092B-C50C-407E-A947-70E740481C1C}">
+                  <a14:useLocalDpi xmlns:a14="http://schemas.microsoft.com/office/drawing/2010/main" val="0"/>
+                </a:ext>
+              </a:extLst>
+            </a:blip>
+            <a:srcRect/>
+            <a:stretch>
+              <a:fillRect/>
+            </a:stretch>
+          </p:blipFill>
+          <p:spPr bwMode="auto">
+            <a:xfrm>
+              <a:off x="5977912" y="2536247"/>
+              <a:ext cx="1672259" cy="1307592"/>
+            </a:xfrm>
+            <a:prstGeom prst="rect">
+              <a:avLst/>
+            </a:prstGeom>
+            <a:noFill/>
+            <a:ln>
+              <a:noFill/>
+            </a:ln>
+            <a:extLst>
+              <a:ext uri="{909E8E84-426E-40DD-AFC4-6F175D3DCCD1}">
+                <a14:hiddenFill xmlns:a14="http://schemas.microsoft.com/office/drawing/2010/main">
+                  <a:solidFill>
+                    <a:schemeClr val="accent1"/>
+                  </a:solidFill>
+                </a14:hiddenFill>
+              </a:ext>
+              <a:ext uri="{91240B29-F687-4F45-9708-019B960494DF}">
+                <a14:hiddenLine xmlns:a14="http://schemas.microsoft.com/office/drawing/2010/main" w="9525">
+                  <a:solidFill>
+                    <a:schemeClr val="tx1"/>
+                  </a:solidFill>
+                  <a:miter lim="800000"/>
+                  <a:headEnd/>
+                  <a:tailEnd/>
+                </a14:hiddenLine>
+              </a:ext>
+            </a:extLst>
+          </p:spPr>
+        </p:pic>
+        <p:sp>
+          <p:nvSpPr>
+            <p:cNvPr id="14" name="Rectangle 13"/>
+            <p:cNvSpPr/>
+            <p:nvPr/>
+          </p:nvSpPr>
+          <p:spPr>
+            <a:xfrm>
+              <a:off x="6012418" y="2868521"/>
+              <a:ext cx="1422800" cy="646331"/>
+            </a:xfrm>
+            <a:prstGeom prst="rect">
+              <a:avLst/>
+            </a:prstGeom>
+          </p:spPr>
+          <p:txBody>
+            <a:bodyPr wrap="square">
+              <a:spAutoFit/>
+            </a:bodyPr>
+            <a:lstStyle/>
+            <a:p>
+              <a:r>
+                <a:rPr lang="en-US" dirty="0" smtClean="0">
+                  <a:solidFill>
+                    <a:srgbClr val="FF0000"/>
+                  </a:solidFill>
+                </a:rPr>
+                <a:t>MasterPJ</a:t>
+              </a:r>
+              <a:endParaRPr lang="en-US" dirty="0" smtClean="0">
+                <a:solidFill>
+                  <a:srgbClr val="FF0000"/>
+                </a:solidFill>
+              </a:endParaRPr>
+            </a:p>
+            <a:p>
+              <a:r>
+                <a:rPr lang="en-US" dirty="0" smtClean="0">
+                  <a:solidFill>
+                    <a:srgbClr val="FF0000"/>
+                  </a:solidFill>
+                </a:rPr>
+                <a:t>Distributor</a:t>
+              </a:r>
+              <a:endParaRPr lang="en-US" dirty="0">
+                <a:solidFill>
+                  <a:srgbClr val="FF0000"/>
+                </a:solidFill>
+              </a:endParaRPr>
+            </a:p>
+          </p:txBody>
+        </p:sp>
+      </p:grpSp>
+      <p:sp>
+        <p:nvSpPr>
+          <p:cNvPr id="15" name="TextBox 14"/>
+          <p:cNvSpPr txBox="1"/>
+          <p:nvPr/>
+        </p:nvSpPr>
+        <p:spPr>
+          <a:xfrm>
+            <a:off x="5791314" y="2824925"/>
+            <a:ext cx="833663" cy="523220"/>
+          </a:xfrm>
+          <a:prstGeom prst="rect">
+            <a:avLst/>
+          </a:prstGeom>
+          <a:noFill/>
+        </p:spPr>
+        <p:txBody>
+          <a:bodyPr wrap="square" rtlCol="0">
+            <a:spAutoFit/>
+          </a:bodyPr>
+          <a:lstStyle/>
+          <a:p>
+            <a:r>
+              <a:rPr lang="en-US" sz="2800" dirty="0" smtClean="0"/>
+              <a:t>. . . .</a:t>
+            </a:r>
+            <a:endParaRPr lang="en-US" sz="2800" dirty="0"/>
+          </a:p>
+        </p:txBody>
+      </p:sp>
+      <p:grpSp>
+        <p:nvGrpSpPr>
+          <p:cNvPr id="20" name="Group 19"/>
+          <p:cNvGrpSpPr/>
+          <p:nvPr/>
+        </p:nvGrpSpPr>
+        <p:grpSpPr>
+          <a:xfrm>
+            <a:off x="6478436" y="2503298"/>
+            <a:ext cx="1399032" cy="1307592"/>
+            <a:chOff x="5977912" y="2536247"/>
+            <a:chExt cx="1672259" cy="1307592"/>
+          </a:xfrm>
+        </p:grpSpPr>
+        <p:pic>
+          <p:nvPicPr>
+            <p:cNvPr id="21" name="Picture 2"/>
+            <p:cNvPicPr>
+              <a:picLocks noChangeAspect="1" noChangeArrowheads="1"/>
+            </p:cNvPicPr>
+            <p:nvPr/>
+          </p:nvPicPr>
+          <p:blipFill>
+            <a:blip r:embed="rId2">
+              <a:clrChange>
+                <a:clrFrom>
+                  <a:srgbClr val="000000"/>
+                </a:clrFrom>
+                <a:clrTo>
+                  <a:srgbClr val="000000">
+                    <a:alpha val="0"/>
+                  </a:srgbClr>
+                </a:clrTo>
+              </a:clrChange>
+              <a:extLst>
+                <a:ext uri="{28A0092B-C50C-407E-A947-70E740481C1C}">
+                  <a14:useLocalDpi xmlns:a14="http://schemas.microsoft.com/office/drawing/2010/main" val="0"/>
+                </a:ext>
+              </a:extLst>
+            </a:blip>
+            <a:srcRect/>
+            <a:stretch>
+              <a:fillRect/>
+            </a:stretch>
+          </p:blipFill>
+          <p:spPr bwMode="auto">
+            <a:xfrm>
+              <a:off x="5977912" y="2536247"/>
+              <a:ext cx="1672259" cy="1307592"/>
+            </a:xfrm>
+            <a:prstGeom prst="rect">
+              <a:avLst/>
+            </a:prstGeom>
+            <a:noFill/>
+            <a:ln>
+              <a:noFill/>
+            </a:ln>
+            <a:extLst>
+              <a:ext uri="{909E8E84-426E-40DD-AFC4-6F175D3DCCD1}">
+                <a14:hiddenFill xmlns:a14="http://schemas.microsoft.com/office/drawing/2010/main">
+                  <a:solidFill>
+                    <a:schemeClr val="accent1"/>
+                  </a:solidFill>
+                </a14:hiddenFill>
+              </a:ext>
+              <a:ext uri="{91240B29-F687-4F45-9708-019B960494DF}">
+                <a14:hiddenLine xmlns:a14="http://schemas.microsoft.com/office/drawing/2010/main" w="9525">
+                  <a:solidFill>
+                    <a:schemeClr val="tx1"/>
+                  </a:solidFill>
+                  <a:miter lim="800000"/>
+                  <a:headEnd/>
+                  <a:tailEnd/>
+                </a14:hiddenLine>
+              </a:ext>
+            </a:extLst>
+          </p:spPr>
+        </p:pic>
+        <p:sp>
+          <p:nvSpPr>
+            <p:cNvPr id="22" name="Rectangle 21"/>
+            <p:cNvSpPr/>
+            <p:nvPr/>
+          </p:nvSpPr>
+          <p:spPr>
+            <a:xfrm>
+              <a:off x="6012418" y="2868521"/>
+              <a:ext cx="1422800" cy="646331"/>
+            </a:xfrm>
+            <a:prstGeom prst="rect">
+              <a:avLst/>
+            </a:prstGeom>
+          </p:spPr>
+          <p:txBody>
+            <a:bodyPr wrap="square">
+              <a:spAutoFit/>
+            </a:bodyPr>
+            <a:lstStyle/>
+            <a:p>
+              <a:r>
+                <a:rPr lang="en-US" dirty="0" smtClean="0">
+                  <a:solidFill>
+                    <a:srgbClr val="FF0000"/>
+                  </a:solidFill>
+                </a:rPr>
+                <a:t>Master</a:t>
+              </a:r>
+            </a:p>
+            <a:p>
+              <a:r>
+                <a:rPr lang="en-US" dirty="0" smtClean="0">
+                  <a:solidFill>
+                    <a:srgbClr val="FF0000"/>
+                  </a:solidFill>
+                </a:rPr>
+                <a:t>Merger</a:t>
+              </a:r>
+              <a:endParaRPr lang="en-US" dirty="0">
+                <a:solidFill>
+                  <a:srgbClr val="FF0000"/>
+                </a:solidFill>
+              </a:endParaRPr>
+            </a:p>
+          </p:txBody>
+        </p:sp>
+      </p:grpSp>
+      <p:pic>
+        <p:nvPicPr>
+          <p:cNvPr id="23" name="Picture 3"/>
+          <p:cNvPicPr>
+            <a:picLocks noChangeAspect="1" noChangeArrowheads="1"/>
+          </p:cNvPicPr>
+          <p:nvPr/>
+        </p:nvPicPr>
+        <p:blipFill>
+          <a:blip r:embed="rId3">
+            <a:clrChange>
+              <a:clrFrom>
+                <a:srgbClr val="F9FBFA"/>
+              </a:clrFrom>
+              <a:clrTo>
+                <a:srgbClr val="F9FBFA">
+                  <a:alpha val="0"/>
+                </a:srgbClr>
+              </a:clrTo>
+            </a:clrChange>
+            <a:extLst>
+              <a:ext uri="{28A0092B-C50C-407E-A947-70E740481C1C}">
+                <a14:useLocalDpi xmlns:a14="http://schemas.microsoft.com/office/drawing/2010/main" val="0"/>
+              </a:ext>
+            </a:extLst>
+          </a:blip>
+          <a:srcRect/>
+          <a:stretch>
+            <a:fillRect/>
+          </a:stretch>
+        </p:blipFill>
+        <p:spPr bwMode="auto">
+          <a:xfrm>
+            <a:off x="7909098" y="2578109"/>
+            <a:ext cx="1169049" cy="1113027"/>
+          </a:xfrm>
+          <a:prstGeom prst="rect">
+            <a:avLst/>
+          </a:prstGeom>
+          <a:noFill/>
+          <a:ln>
+            <a:noFill/>
+          </a:ln>
+          <a:extLst>
+            <a:ext uri="{909E8E84-426E-40DD-AFC4-6F175D3DCCD1}">
+              <a14:hiddenFill xmlns:a14="http://schemas.microsoft.com/office/drawing/2010/main">
+                <a:solidFill>
+                  <a:schemeClr val="accent1"/>
+                </a:solidFill>
+              </a14:hiddenFill>
+            </a:ext>
+            <a:ext uri="{91240B29-F687-4F45-9708-019B960494DF}">
+              <a14:hiddenLine xmlns:a14="http://schemas.microsoft.com/office/drawing/2010/main" w="9525">
+                <a:solidFill>
+                  <a:schemeClr val="tx1"/>
+                </a:solidFill>
+                <a:miter lim="800000"/>
+                <a:headEnd/>
+                <a:tailEnd/>
+              </a14:hiddenLine>
+            </a:ext>
+          </a:extLst>
+        </p:spPr>
+      </p:pic>
+    </p:spTree>
+    <p:extLst>
+      <p:ext uri="{BB962C8B-B14F-4D97-AF65-F5344CB8AC3E}">
+        <p14:creationId xmlns:p14="http://schemas.microsoft.com/office/powerpoint/2010/main" val="3573362776"/>
+      </p:ext>
+    </p:extLst>
+  </p:cSld>
+  <p:clrMapOvr>
+    <a:masterClrMapping/>
+  </p:clrMapOvr>
+</p:sld>
+</file>
+
+<file path=ppt/slides/slide9.xml><?xml version="1.0" encoding="utf-8"?>
+<p:sld xmlns:a="http://schemas.openxmlformats.org/drawingml/2006/main" xmlns:r="http://schemas.openxmlformats.org/officeDocument/2006/relationships" xmlns:p="http://schemas.openxmlformats.org/presentationml/2006/main">
+  <p:cSld>
+    <p:spTree>
+      <p:nvGrpSpPr>
+        <p:cNvPr id="1" name=""/>
+        <p:cNvGrpSpPr/>
+        <p:nvPr/>
+      </p:nvGrpSpPr>
+      <p:grpSpPr>
+        <a:xfrm>
+          <a:off x="0" y="0"/>
+          <a:ext cx="0" cy="0"/>
+          <a:chOff x="0" y="0"/>
+          <a:chExt cx="0" cy="0"/>
+        </a:xfrm>
+      </p:grpSpPr>
+      <p:pic>
+        <p:nvPicPr>
+          <p:cNvPr id="19" name="Picture 2"/>
+          <p:cNvPicPr>
+            <a:picLocks noChangeAspect="1" noChangeArrowheads="1"/>
+          </p:cNvPicPr>
+          <p:nvPr/>
+        </p:nvPicPr>
+        <p:blipFill>
+          <a:blip r:embed="rId2">
+            <a:clrChange>
+              <a:clrFrom>
+                <a:srgbClr val="000000"/>
+              </a:clrFrom>
+              <a:clrTo>
+                <a:srgbClr val="000000">
+                  <a:alpha val="0"/>
+                </a:srgbClr>
+              </a:clrTo>
+            </a:clrChange>
+            <a:extLst>
+              <a:ext uri="{28A0092B-C50C-407E-A947-70E740481C1C}">
+                <a14:useLocalDpi xmlns:a14="http://schemas.microsoft.com/office/drawing/2010/main" val="0"/>
+              </a:ext>
+            </a:extLst>
+          </a:blip>
+          <a:srcRect/>
+          <a:stretch>
+            <a:fillRect/>
+          </a:stretch>
+        </p:blipFill>
+        <p:spPr bwMode="auto">
+          <a:xfrm>
+            <a:off x="2971800" y="2495904"/>
+            <a:ext cx="1399032" cy="1309006"/>
+          </a:xfrm>
+          <a:prstGeom prst="rect">
+            <a:avLst/>
+          </a:prstGeom>
+          <a:noFill/>
+          <a:ln>
+            <a:noFill/>
+          </a:ln>
+          <a:extLst>
+            <a:ext uri="{909E8E84-426E-40DD-AFC4-6F175D3DCCD1}">
+              <a14:hiddenFill xmlns:a14="http://schemas.microsoft.com/office/drawing/2010/main">
+                <a:solidFill>
+                  <a:schemeClr val="accent1"/>
+                </a:solidFill>
+              </a14:hiddenFill>
+            </a:ext>
+            <a:ext uri="{91240B29-F687-4F45-9708-019B960494DF}">
+              <a14:hiddenLine xmlns:a14="http://schemas.microsoft.com/office/drawing/2010/main" w="9525">
+                <a:solidFill>
+                  <a:schemeClr val="tx1"/>
+                </a:solidFill>
+                <a:miter lim="800000"/>
+                <a:headEnd/>
+                <a:tailEnd/>
+              </a14:hiddenLine>
+            </a:ext>
+          </a:extLst>
+        </p:spPr>
+      </p:pic>
+      <p:sp>
+        <p:nvSpPr>
+          <p:cNvPr id="2" name="Title 1"/>
+          <p:cNvSpPr>
+            <a:spLocks noGrp="1"/>
+          </p:cNvSpPr>
+          <p:nvPr>
+            <p:ph type="title"/>
+          </p:nvPr>
+        </p:nvSpPr>
+        <p:spPr/>
+        <p:txBody>
+          <a:bodyPr>
+            <a:normAutofit fontScale="90000"/>
+          </a:bodyPr>
+          <a:lstStyle/>
+          <a:p>
+            <a:r>
+              <a:rPr lang="en-US" dirty="0" smtClean="0"/>
+              <a:t/>
+            </a:r>
+            <a:br>
+              <a:rPr lang="en-US" dirty="0" smtClean="0"/>
+            </a:br>
+            <a:endParaRPr lang="en-US" dirty="0"/>
+          </a:p>
+        </p:txBody>
+      </p:sp>
+      <p:sp>
+        <p:nvSpPr>
+          <p:cNvPr id="3" name="Content Placeholder 2"/>
+          <p:cNvSpPr>
+            <a:spLocks noGrp="1"/>
+          </p:cNvSpPr>
+          <p:nvPr>
+            <p:ph idx="1"/>
+          </p:nvPr>
+        </p:nvSpPr>
+        <p:spPr/>
+        <p:txBody>
+          <a:bodyPr/>
+          <a:lstStyle/>
+          <a:p>
+            <a:endParaRPr lang="en-US" dirty="0" smtClean="0"/>
+          </a:p>
+          <a:p>
+            <a:pPr marL="0" indent="0">
+              <a:buNone/>
+            </a:pPr>
+            <a:endParaRPr lang="en-US" dirty="0"/>
+          </a:p>
+        </p:txBody>
+      </p:sp>
+      <p:pic>
+        <p:nvPicPr>
+          <p:cNvPr id="4" name="Picture 2"/>
+          <p:cNvPicPr>
+            <a:picLocks noChangeAspect="1" noChangeArrowheads="1"/>
+          </p:cNvPicPr>
+          <p:nvPr/>
+        </p:nvPicPr>
+        <p:blipFill>
+          <a:blip r:embed="rId2">
+            <a:clrChange>
+              <a:clrFrom>
+                <a:srgbClr val="000000"/>
+              </a:clrFrom>
+              <a:clrTo>
+                <a:srgbClr val="000000">
+                  <a:alpha val="0"/>
+                </a:srgbClr>
+              </a:clrTo>
+            </a:clrChange>
+            <a:extLst>
+              <a:ext uri="{28A0092B-C50C-407E-A947-70E740481C1C}">
+                <a14:useLocalDpi xmlns:a14="http://schemas.microsoft.com/office/drawing/2010/main" val="0"/>
+              </a:ext>
+            </a:extLst>
+          </a:blip>
+          <a:srcRect/>
+          <a:stretch>
+            <a:fillRect/>
+          </a:stretch>
+        </p:blipFill>
+        <p:spPr bwMode="auto">
+          <a:xfrm>
+            <a:off x="76200" y="2495904"/>
+            <a:ext cx="1371600" cy="1310829"/>
+          </a:xfrm>
+          <a:prstGeom prst="rect">
+            <a:avLst/>
+          </a:prstGeom>
+          <a:noFill/>
+          <a:ln>
+            <a:noFill/>
+          </a:ln>
+          <a:extLst>
+            <a:ext uri="{909E8E84-426E-40DD-AFC4-6F175D3DCCD1}">
+              <a14:hiddenFill xmlns:a14="http://schemas.microsoft.com/office/drawing/2010/main">
+                <a:solidFill>
+                  <a:schemeClr val="accent1"/>
+                </a:solidFill>
+              </a14:hiddenFill>
+            </a:ext>
+            <a:ext uri="{91240B29-F687-4F45-9708-019B960494DF}">
+              <a14:hiddenLine xmlns:a14="http://schemas.microsoft.com/office/drawing/2010/main" w="9525">
+                <a:solidFill>
+                  <a:schemeClr val="tx1"/>
+                </a:solidFill>
+                <a:miter lim="800000"/>
+                <a:headEnd/>
+                <a:tailEnd/>
+              </a14:hiddenLine>
+            </a:ext>
+          </a:extLst>
+        </p:spPr>
+      </p:pic>
+      <p:sp>
+        <p:nvSpPr>
+          <p:cNvPr id="5" name="TextBox 4"/>
+          <p:cNvSpPr txBox="1"/>
+          <p:nvPr/>
+        </p:nvSpPr>
+        <p:spPr>
+          <a:xfrm>
+            <a:off x="23004" y="3028480"/>
+            <a:ext cx="1295400" cy="369332"/>
+          </a:xfrm>
+          <a:prstGeom prst="rect">
+            <a:avLst/>
+          </a:prstGeom>
+          <a:noFill/>
+        </p:spPr>
+        <p:txBody>
+          <a:bodyPr wrap="square" rtlCol="0">
+            <a:spAutoFit/>
+          </a:bodyPr>
+          <a:lstStyle/>
+          <a:p>
+            <a:r>
+              <a:rPr lang="en-US" dirty="0"/>
+              <a:t>FileParserPJ</a:t>
+            </a:r>
+          </a:p>
+        </p:txBody>
+      </p:sp>
+      <p:grpSp>
+        <p:nvGrpSpPr>
+          <p:cNvPr id="6" name="Group 5"/>
+          <p:cNvGrpSpPr/>
+          <p:nvPr/>
+        </p:nvGrpSpPr>
+        <p:grpSpPr>
+          <a:xfrm>
+            <a:off x="1495572" y="2497727"/>
+            <a:ext cx="1399032" cy="1309006"/>
+            <a:chOff x="1639362" y="2511849"/>
+            <a:chExt cx="1588736" cy="1242282"/>
+          </a:xfrm>
+        </p:grpSpPr>
+        <p:pic>
+          <p:nvPicPr>
+            <p:cNvPr id="7" name="Picture 2"/>
+            <p:cNvPicPr>
+              <a:picLocks noChangeAspect="1" noChangeArrowheads="1"/>
+            </p:cNvPicPr>
+            <p:nvPr/>
+          </p:nvPicPr>
+          <p:blipFill>
+            <a:blip r:embed="rId2">
+              <a:clrChange>
+                <a:clrFrom>
+                  <a:srgbClr val="000000"/>
+                </a:clrFrom>
+                <a:clrTo>
+                  <a:srgbClr val="000000">
+                    <a:alpha val="0"/>
+                  </a:srgbClr>
+                </a:clrTo>
+              </a:clrChange>
+              <a:extLst>
+                <a:ext uri="{28A0092B-C50C-407E-A947-70E740481C1C}">
+                  <a14:useLocalDpi xmlns:a14="http://schemas.microsoft.com/office/drawing/2010/main" val="0"/>
+                </a:ext>
+              </a:extLst>
+            </a:blip>
+            <a:srcRect/>
+            <a:stretch>
+              <a:fillRect/>
+            </a:stretch>
+          </p:blipFill>
+          <p:spPr bwMode="auto">
+            <a:xfrm>
+              <a:off x="1639362" y="2511849"/>
+              <a:ext cx="1588736" cy="1242282"/>
+            </a:xfrm>
+            <a:prstGeom prst="rect">
+              <a:avLst/>
+            </a:prstGeom>
+            <a:noFill/>
+            <a:ln>
+              <a:noFill/>
+            </a:ln>
+            <a:extLst>
+              <a:ext uri="{909E8E84-426E-40DD-AFC4-6F175D3DCCD1}">
+                <a14:hiddenFill xmlns:a14="http://schemas.microsoft.com/office/drawing/2010/main">
+                  <a:solidFill>
+                    <a:schemeClr val="accent1"/>
+                  </a:solidFill>
+                </a14:hiddenFill>
+              </a:ext>
+              <a:ext uri="{91240B29-F687-4F45-9708-019B960494DF}">
+                <a14:hiddenLine xmlns:a14="http://schemas.microsoft.com/office/drawing/2010/main" w="9525">
+                  <a:solidFill>
+                    <a:schemeClr val="tx1"/>
+                  </a:solidFill>
+                  <a:miter lim="800000"/>
+                  <a:headEnd/>
+                  <a:tailEnd/>
+                </a14:hiddenLine>
+              </a:ext>
+            </a:extLst>
+          </p:spPr>
+        </p:pic>
+        <p:sp>
+          <p:nvSpPr>
+            <p:cNvPr id="8" name="TextBox 7"/>
+            <p:cNvSpPr txBox="1"/>
+            <p:nvPr/>
+          </p:nvSpPr>
+          <p:spPr>
+            <a:xfrm>
+              <a:off x="1678523" y="2848028"/>
+              <a:ext cx="1295400" cy="646331"/>
+            </a:xfrm>
+            <a:prstGeom prst="rect">
+              <a:avLst/>
+            </a:prstGeom>
+            <a:noFill/>
+          </p:spPr>
+          <p:txBody>
+            <a:bodyPr wrap="square" rtlCol="0">
+              <a:spAutoFit/>
+            </a:bodyPr>
+            <a:lstStyle/>
+            <a:p>
+              <a:r>
+                <a:rPr lang="en-US" dirty="0" smtClean="0"/>
+                <a:t>PrintJob</a:t>
+              </a:r>
+            </a:p>
+            <a:p>
+              <a:r>
+                <a:rPr lang="en-US" dirty="0" smtClean="0"/>
+                <a:t>Organizer</a:t>
+              </a:r>
+              <a:endParaRPr lang="en-US" dirty="0"/>
+            </a:p>
+          </p:txBody>
+        </p:sp>
+      </p:grpSp>
+      <p:sp>
+        <p:nvSpPr>
+          <p:cNvPr id="11" name="Rectangle 10"/>
+          <p:cNvSpPr/>
+          <p:nvPr/>
+        </p:nvSpPr>
+        <p:spPr>
+          <a:xfrm>
+            <a:off x="2947358" y="2829064"/>
+            <a:ext cx="1423473" cy="646331"/>
+          </a:xfrm>
+          <a:prstGeom prst="rect">
+            <a:avLst/>
+          </a:prstGeom>
+        </p:spPr>
+        <p:txBody>
+          <a:bodyPr wrap="square">
+            <a:spAutoFit/>
+          </a:bodyPr>
+          <a:lstStyle/>
+          <a:p>
+            <a:r>
+              <a:rPr lang="en-US" dirty="0" smtClean="0"/>
+              <a:t>PrintJob</a:t>
+            </a:r>
+          </a:p>
+          <a:p>
+            <a:r>
+              <a:rPr lang="en-US" dirty="0" smtClean="0"/>
+              <a:t>Preprocessor</a:t>
+            </a:r>
+            <a:endParaRPr lang="en-US" dirty="0"/>
+          </a:p>
+        </p:txBody>
+      </p:sp>
       <p:sp>
         <p:nvSpPr>
           <p:cNvPr id="15" name="TextBox 14"/>
@@ -24515,180 +27823,6 @@
     <p:extLst>
       <p:ext uri="{BB962C8B-B14F-4D97-AF65-F5344CB8AC3E}">
         <p14:creationId xmlns:p14="http://schemas.microsoft.com/office/powerpoint/2010/main" val="448705179"/>
-      </p:ext>
-    </p:extLst>
-  </p:cSld>
-  <p:clrMapOvr>
-    <a:masterClrMapping/>
-  </p:clrMapOvr>
-</p:sld>
-</file>
-
-<file path=ppt/slides/slide9.xml><?xml version="1.0" encoding="utf-8"?>
-<p:sld xmlns:a="http://schemas.openxmlformats.org/drawingml/2006/main" xmlns:r="http://schemas.openxmlformats.org/officeDocument/2006/relationships" xmlns:p="http://schemas.openxmlformats.org/presentationml/2006/main">
-  <p:cSld>
-    <p:spTree>
-      <p:nvGrpSpPr>
-        <p:cNvPr id="1" name=""/>
-        <p:cNvGrpSpPr/>
-        <p:nvPr/>
-      </p:nvGrpSpPr>
-      <p:grpSpPr>
-        <a:xfrm>
-          <a:off x="0" y="0"/>
-          <a:ext cx="0" cy="0"/>
-          <a:chOff x="0" y="0"/>
-          <a:chExt cx="0" cy="0"/>
-        </a:xfrm>
-      </p:grpSpPr>
-      <p:sp>
-        <p:nvSpPr>
-          <p:cNvPr id="2" name="Title 1"/>
-          <p:cNvSpPr>
-            <a:spLocks noGrp="1"/>
-          </p:cNvSpPr>
-          <p:nvPr>
-            <p:ph type="title"/>
-          </p:nvPr>
-        </p:nvSpPr>
-        <p:spPr/>
-        <p:txBody>
-          <a:bodyPr>
-            <a:normAutofit fontScale="90000"/>
-          </a:bodyPr>
-          <a:lstStyle/>
-          <a:p>
-            <a:r>
-              <a:rPr lang="en-US" dirty="0" smtClean="0"/>
-              <a:t/>
-            </a:r>
-            <a:br>
-              <a:rPr lang="en-US" dirty="0" smtClean="0"/>
-            </a:br>
-            <a:endParaRPr lang="en-US" dirty="0"/>
-          </a:p>
-        </p:txBody>
-      </p:sp>
-      <p:sp>
-        <p:nvSpPr>
-          <p:cNvPr id="3" name="Content Placeholder 2"/>
-          <p:cNvSpPr>
-            <a:spLocks noGrp="1"/>
-          </p:cNvSpPr>
-          <p:nvPr>
-            <p:ph idx="1"/>
-          </p:nvPr>
-        </p:nvSpPr>
-        <p:spPr/>
-        <p:txBody>
-          <a:bodyPr/>
-          <a:lstStyle/>
-          <a:p>
-            <a:endParaRPr lang="en-US" dirty="0" smtClean="0"/>
-          </a:p>
-          <a:p>
-            <a:pPr marL="0" indent="0">
-              <a:buNone/>
-            </a:pPr>
-            <a:endParaRPr lang="en-US" dirty="0"/>
-          </a:p>
-        </p:txBody>
-      </p:sp>
-      <p:graphicFrame>
-        <p:nvGraphicFramePr>
-          <p:cNvPr id="5" name="Diagram 4"/>
-          <p:cNvGraphicFramePr/>
-          <p:nvPr>
-            <p:extLst>
-              <p:ext uri="{D42A27DB-BD31-4B8C-83A1-F6EECF244321}">
-                <p14:modId xmlns:p14="http://schemas.microsoft.com/office/powerpoint/2010/main" val="2970409429"/>
-              </p:ext>
-            </p:extLst>
-          </p:nvPr>
-        </p:nvGraphicFramePr>
-        <p:xfrm>
-          <a:off x="152400" y="1524000"/>
-          <a:ext cx="8915400" cy="3352800"/>
-        </p:xfrm>
-        <a:graphic>
-          <a:graphicData uri="http://schemas.openxmlformats.org/drawingml/2006/diagram">
-            <dgm:relIds xmlns:dgm="http://schemas.openxmlformats.org/drawingml/2006/diagram" xmlns:r="http://schemas.openxmlformats.org/officeDocument/2006/relationships" r:dm="rId2" r:lo="rId3" r:qs="rId4" r:cs="rId5"/>
-          </a:graphicData>
-        </a:graphic>
-      </p:graphicFrame>
-      <p:cxnSp>
-        <p:nvCxnSpPr>
-          <p:cNvPr id="11" name="Curved Connector 10"/>
-          <p:cNvCxnSpPr/>
-          <p:nvPr/>
-        </p:nvCxnSpPr>
-        <p:spPr>
-          <a:xfrm>
-            <a:off x="4495800" y="3581400"/>
-            <a:ext cx="3810000" cy="12700"/>
-          </a:xfrm>
-          <a:prstGeom prst="curvedConnector3">
-            <a:avLst>
-              <a:gd name="adj1" fmla="val 52491"/>
-            </a:avLst>
-          </a:prstGeom>
-          <a:ln>
-            <a:headEnd type="arrow"/>
-            <a:tailEnd type="arrow"/>
-          </a:ln>
-        </p:spPr>
-        <p:style>
-          <a:lnRef idx="1">
-            <a:schemeClr val="accent1"/>
-          </a:lnRef>
-          <a:fillRef idx="0">
-            <a:schemeClr val="accent1"/>
-          </a:fillRef>
-          <a:effectRef idx="0">
-            <a:schemeClr val="accent1"/>
-          </a:effectRef>
-          <a:fontRef idx="minor">
-            <a:schemeClr val="tx1"/>
-          </a:fontRef>
-        </p:style>
-      </p:cxnSp>
-      <p:sp>
-        <p:nvSpPr>
-          <p:cNvPr id="16" name="TextBox 15"/>
-          <p:cNvSpPr txBox="1"/>
-          <p:nvPr/>
-        </p:nvSpPr>
-        <p:spPr>
-          <a:xfrm>
-            <a:off x="5676900" y="3594100"/>
-            <a:ext cx="1447800" cy="246221"/>
-          </a:xfrm>
-          <a:prstGeom prst="rect">
-            <a:avLst/>
-          </a:prstGeom>
-          <a:noFill/>
-        </p:spPr>
-        <p:txBody>
-          <a:bodyPr wrap="square" rtlCol="0">
-            <a:spAutoFit/>
-          </a:bodyPr>
-          <a:lstStyle/>
-          <a:p>
-            <a:r>
-              <a:rPr lang="en-US" sz="1000" dirty="0" smtClean="0"/>
-              <a:t>repeated </a:t>
-            </a:r>
-            <a:r>
-              <a:rPr lang="en-US" sz="1000" dirty="0"/>
-              <a:t>chunk-wise</a:t>
-            </a:r>
-          </a:p>
-        </p:txBody>
-      </p:sp>
-    </p:spTree>
-    <p:extLst>
-      <p:ext uri="{BB962C8B-B14F-4D97-AF65-F5344CB8AC3E}">
-        <p14:creationId xmlns:p14="http://schemas.microsoft.com/office/powerpoint/2010/main" val="3522882765"/>
       </p:ext>
     </p:extLst>
   </p:cSld>

--- a/pictures.pptx
+++ b/pictures.pptx
@@ -28,9 +28,11 @@
     <p:sldId id="274" r:id="rId22"/>
     <p:sldId id="275" r:id="rId23"/>
     <p:sldId id="276" r:id="rId24"/>
-    <p:sldId id="277" r:id="rId25"/>
-    <p:sldId id="278" r:id="rId26"/>
-    <p:sldId id="279" r:id="rId27"/>
+    <p:sldId id="283" r:id="rId25"/>
+    <p:sldId id="277" r:id="rId26"/>
+    <p:sldId id="278" r:id="rId27"/>
+    <p:sldId id="279" r:id="rId28"/>
+    <p:sldId id="282" r:id="rId29"/>
   </p:sldIdLst>
   <p:sldSz cx="9144000" cy="6858000" type="screen4x3"/>
   <p:notesSz cx="6858000" cy="9144000"/>
@@ -3121,6 +3123,753 @@
 </file>
 
 <file path=ppt/diagrams/colors5.xml><?xml version="1.0" encoding="utf-8"?>
+<dgm:colorsDef xmlns:dgm="http://schemas.openxmlformats.org/drawingml/2006/diagram" xmlns:a="http://schemas.openxmlformats.org/drawingml/2006/main" uniqueId="urn:microsoft.com/office/officeart/2005/8/colors/accent1_2">
+  <dgm:title val=""/>
+  <dgm:desc val=""/>
+  <dgm:catLst>
+    <dgm:cat type="accent1" pri="11200"/>
+  </dgm:catLst>
+  <dgm:styleLbl name="node0">
+    <dgm:fillClrLst meth="repeat">
+      <a:schemeClr val="accent1"/>
+    </dgm:fillClrLst>
+    <dgm:linClrLst meth="repeat">
+      <a:schemeClr val="lt1"/>
+    </dgm:linClrLst>
+    <dgm:effectClrLst/>
+    <dgm:txLinClrLst/>
+    <dgm:txFillClrLst/>
+    <dgm:txEffectClrLst/>
+  </dgm:styleLbl>
+  <dgm:styleLbl name="alignNode1">
+    <dgm:fillClrLst meth="repeat">
+      <a:schemeClr val="accent1"/>
+    </dgm:fillClrLst>
+    <dgm:linClrLst meth="repeat">
+      <a:schemeClr val="accent1"/>
+    </dgm:linClrLst>
+    <dgm:effectClrLst/>
+    <dgm:txLinClrLst/>
+    <dgm:txFillClrLst/>
+    <dgm:txEffectClrLst/>
+  </dgm:styleLbl>
+  <dgm:styleLbl name="node1">
+    <dgm:fillClrLst meth="repeat">
+      <a:schemeClr val="accent1"/>
+    </dgm:fillClrLst>
+    <dgm:linClrLst meth="repeat">
+      <a:schemeClr val="lt1"/>
+    </dgm:linClrLst>
+    <dgm:effectClrLst/>
+    <dgm:txLinClrLst/>
+    <dgm:txFillClrLst/>
+    <dgm:txEffectClrLst/>
+  </dgm:styleLbl>
+  <dgm:styleLbl name="lnNode1">
+    <dgm:fillClrLst meth="repeat">
+      <a:schemeClr val="accent1"/>
+    </dgm:fillClrLst>
+    <dgm:linClrLst meth="repeat">
+      <a:schemeClr val="lt1"/>
+    </dgm:linClrLst>
+    <dgm:effectClrLst/>
+    <dgm:txLinClrLst/>
+    <dgm:txFillClrLst/>
+    <dgm:txEffectClrLst/>
+  </dgm:styleLbl>
+  <dgm:styleLbl name="vennNode1">
+    <dgm:fillClrLst meth="repeat">
+      <a:schemeClr val="accent1">
+        <a:alpha val="50000"/>
+      </a:schemeClr>
+    </dgm:fillClrLst>
+    <dgm:linClrLst meth="repeat">
+      <a:schemeClr val="lt1"/>
+    </dgm:linClrLst>
+    <dgm:effectClrLst/>
+    <dgm:txLinClrLst/>
+    <dgm:txFillClrLst/>
+    <dgm:txEffectClrLst/>
+  </dgm:styleLbl>
+  <dgm:styleLbl name="node2">
+    <dgm:fillClrLst meth="repeat">
+      <a:schemeClr val="accent1"/>
+    </dgm:fillClrLst>
+    <dgm:linClrLst meth="repeat">
+      <a:schemeClr val="lt1"/>
+    </dgm:linClrLst>
+    <dgm:effectClrLst/>
+    <dgm:txLinClrLst/>
+    <dgm:txFillClrLst/>
+    <dgm:txEffectClrLst/>
+  </dgm:styleLbl>
+  <dgm:styleLbl name="node3">
+    <dgm:fillClrLst meth="repeat">
+      <a:schemeClr val="accent1"/>
+    </dgm:fillClrLst>
+    <dgm:linClrLst meth="repeat">
+      <a:schemeClr val="lt1"/>
+    </dgm:linClrLst>
+    <dgm:effectClrLst/>
+    <dgm:txLinClrLst/>
+    <dgm:txFillClrLst/>
+    <dgm:txEffectClrLst/>
+  </dgm:styleLbl>
+  <dgm:styleLbl name="node4">
+    <dgm:fillClrLst meth="repeat">
+      <a:schemeClr val="accent1"/>
+    </dgm:fillClrLst>
+    <dgm:linClrLst meth="repeat">
+      <a:schemeClr val="lt1"/>
+    </dgm:linClrLst>
+    <dgm:effectClrLst/>
+    <dgm:txLinClrLst/>
+    <dgm:txFillClrLst/>
+    <dgm:txEffectClrLst/>
+  </dgm:styleLbl>
+  <dgm:styleLbl name="fgImgPlace1">
+    <dgm:fillClrLst meth="repeat">
+      <a:schemeClr val="accent1">
+        <a:tint val="50000"/>
+      </a:schemeClr>
+    </dgm:fillClrLst>
+    <dgm:linClrLst meth="repeat">
+      <a:schemeClr val="lt1"/>
+    </dgm:linClrLst>
+    <dgm:effectClrLst/>
+    <dgm:txLinClrLst/>
+    <dgm:txFillClrLst meth="repeat">
+      <a:schemeClr val="lt1"/>
+    </dgm:txFillClrLst>
+    <dgm:txEffectClrLst/>
+  </dgm:styleLbl>
+  <dgm:styleLbl name="alignImgPlace1">
+    <dgm:fillClrLst meth="repeat">
+      <a:schemeClr val="accent1">
+        <a:tint val="50000"/>
+      </a:schemeClr>
+    </dgm:fillClrLst>
+    <dgm:linClrLst meth="repeat">
+      <a:schemeClr val="lt1"/>
+    </dgm:linClrLst>
+    <dgm:effectClrLst/>
+    <dgm:txLinClrLst/>
+    <dgm:txFillClrLst meth="repeat">
+      <a:schemeClr val="lt1"/>
+    </dgm:txFillClrLst>
+    <dgm:txEffectClrLst/>
+  </dgm:styleLbl>
+  <dgm:styleLbl name="bgImgPlace1">
+    <dgm:fillClrLst meth="repeat">
+      <a:schemeClr val="accent1">
+        <a:tint val="50000"/>
+      </a:schemeClr>
+    </dgm:fillClrLst>
+    <dgm:linClrLst meth="repeat">
+      <a:schemeClr val="lt1"/>
+    </dgm:linClrLst>
+    <dgm:effectClrLst/>
+    <dgm:txLinClrLst/>
+    <dgm:txFillClrLst meth="repeat">
+      <a:schemeClr val="lt1"/>
+    </dgm:txFillClrLst>
+    <dgm:txEffectClrLst/>
+  </dgm:styleLbl>
+  <dgm:styleLbl name="sibTrans2D1">
+    <dgm:fillClrLst meth="repeat">
+      <a:schemeClr val="accent1">
+        <a:tint val="60000"/>
+      </a:schemeClr>
+    </dgm:fillClrLst>
+    <dgm:linClrLst meth="repeat">
+      <a:schemeClr val="accent1">
+        <a:tint val="60000"/>
+      </a:schemeClr>
+    </dgm:linClrLst>
+    <dgm:effectClrLst/>
+    <dgm:txLinClrLst/>
+    <dgm:txFillClrLst/>
+    <dgm:txEffectClrLst/>
+  </dgm:styleLbl>
+  <dgm:styleLbl name="fgSibTrans2D1">
+    <dgm:fillClrLst meth="repeat">
+      <a:schemeClr val="accent1">
+        <a:tint val="60000"/>
+      </a:schemeClr>
+    </dgm:fillClrLst>
+    <dgm:linClrLst meth="repeat">
+      <a:schemeClr val="accent1">
+        <a:tint val="60000"/>
+      </a:schemeClr>
+    </dgm:linClrLst>
+    <dgm:effectClrLst/>
+    <dgm:txLinClrLst/>
+    <dgm:txFillClrLst/>
+    <dgm:txEffectClrLst/>
+  </dgm:styleLbl>
+  <dgm:styleLbl name="bgSibTrans2D1">
+    <dgm:fillClrLst meth="repeat">
+      <a:schemeClr val="accent1">
+        <a:tint val="60000"/>
+      </a:schemeClr>
+    </dgm:fillClrLst>
+    <dgm:linClrLst meth="repeat">
+      <a:schemeClr val="accent1">
+        <a:tint val="60000"/>
+      </a:schemeClr>
+    </dgm:linClrLst>
+    <dgm:effectClrLst/>
+    <dgm:txLinClrLst/>
+    <dgm:txFillClrLst/>
+    <dgm:txEffectClrLst/>
+  </dgm:styleLbl>
+  <dgm:styleLbl name="sibTrans1D1">
+    <dgm:fillClrLst meth="repeat">
+      <a:schemeClr val="accent1"/>
+    </dgm:fillClrLst>
+    <dgm:linClrLst meth="repeat">
+      <a:schemeClr val="accent1"/>
+    </dgm:linClrLst>
+    <dgm:effectClrLst/>
+    <dgm:txLinClrLst/>
+    <dgm:txFillClrLst meth="repeat">
+      <a:schemeClr val="tx1"/>
+    </dgm:txFillClrLst>
+    <dgm:txEffectClrLst/>
+  </dgm:styleLbl>
+  <dgm:styleLbl name="callout">
+    <dgm:fillClrLst meth="repeat">
+      <a:schemeClr val="accent1"/>
+    </dgm:fillClrLst>
+    <dgm:linClrLst meth="repeat">
+      <a:schemeClr val="accent1">
+        <a:tint val="50000"/>
+      </a:schemeClr>
+    </dgm:linClrLst>
+    <dgm:effectClrLst/>
+    <dgm:txLinClrLst/>
+    <dgm:txFillClrLst meth="repeat">
+      <a:schemeClr val="tx1"/>
+    </dgm:txFillClrLst>
+    <dgm:txEffectClrLst/>
+  </dgm:styleLbl>
+  <dgm:styleLbl name="asst0">
+    <dgm:fillClrLst meth="repeat">
+      <a:schemeClr val="accent1"/>
+    </dgm:fillClrLst>
+    <dgm:linClrLst meth="repeat">
+      <a:schemeClr val="lt1"/>
+    </dgm:linClrLst>
+    <dgm:effectClrLst/>
+    <dgm:txLinClrLst/>
+    <dgm:txFillClrLst/>
+    <dgm:txEffectClrLst/>
+  </dgm:styleLbl>
+  <dgm:styleLbl name="asst1">
+    <dgm:fillClrLst meth="repeat">
+      <a:schemeClr val="accent1"/>
+    </dgm:fillClrLst>
+    <dgm:linClrLst meth="repeat">
+      <a:schemeClr val="lt1"/>
+    </dgm:linClrLst>
+    <dgm:effectClrLst/>
+    <dgm:txLinClrLst/>
+    <dgm:txFillClrLst/>
+    <dgm:txEffectClrLst/>
+  </dgm:styleLbl>
+  <dgm:styleLbl name="asst2">
+    <dgm:fillClrLst meth="repeat">
+      <a:schemeClr val="accent1"/>
+    </dgm:fillClrLst>
+    <dgm:linClrLst meth="repeat">
+      <a:schemeClr val="lt1"/>
+    </dgm:linClrLst>
+    <dgm:effectClrLst/>
+    <dgm:txLinClrLst/>
+    <dgm:txFillClrLst/>
+    <dgm:txEffectClrLst/>
+  </dgm:styleLbl>
+  <dgm:styleLbl name="asst3">
+    <dgm:fillClrLst meth="repeat">
+      <a:schemeClr val="accent1"/>
+    </dgm:fillClrLst>
+    <dgm:linClrLst meth="repeat">
+      <a:schemeClr val="lt1"/>
+    </dgm:linClrLst>
+    <dgm:effectClrLst/>
+    <dgm:txLinClrLst/>
+    <dgm:txFillClrLst/>
+    <dgm:txEffectClrLst/>
+  </dgm:styleLbl>
+  <dgm:styleLbl name="asst4">
+    <dgm:fillClrLst meth="repeat">
+      <a:schemeClr val="accent1"/>
+    </dgm:fillClrLst>
+    <dgm:linClrLst meth="repeat">
+      <a:schemeClr val="lt1"/>
+    </dgm:linClrLst>
+    <dgm:effectClrLst/>
+    <dgm:txLinClrLst/>
+    <dgm:txFillClrLst/>
+    <dgm:txEffectClrLst/>
+  </dgm:styleLbl>
+  <dgm:styleLbl name="parChTrans2D1">
+    <dgm:fillClrLst meth="repeat">
+      <a:schemeClr val="accent1">
+        <a:tint val="60000"/>
+      </a:schemeClr>
+    </dgm:fillClrLst>
+    <dgm:linClrLst meth="repeat">
+      <a:schemeClr val="accent1">
+        <a:tint val="60000"/>
+      </a:schemeClr>
+    </dgm:linClrLst>
+    <dgm:effectClrLst/>
+    <dgm:txLinClrLst/>
+    <dgm:txFillClrLst meth="repeat">
+      <a:schemeClr val="lt1"/>
+    </dgm:txFillClrLst>
+    <dgm:txEffectClrLst/>
+  </dgm:styleLbl>
+  <dgm:styleLbl name="parChTrans2D2">
+    <dgm:fillClrLst meth="repeat">
+      <a:schemeClr val="accent1"/>
+    </dgm:fillClrLst>
+    <dgm:linClrLst meth="repeat">
+      <a:schemeClr val="accent1"/>
+    </dgm:linClrLst>
+    <dgm:effectClrLst/>
+    <dgm:txLinClrLst/>
+    <dgm:txFillClrLst meth="repeat">
+      <a:schemeClr val="lt1"/>
+    </dgm:txFillClrLst>
+    <dgm:txEffectClrLst/>
+  </dgm:styleLbl>
+  <dgm:styleLbl name="parChTrans2D3">
+    <dgm:fillClrLst meth="repeat">
+      <a:schemeClr val="accent1"/>
+    </dgm:fillClrLst>
+    <dgm:linClrLst meth="repeat">
+      <a:schemeClr val="accent1"/>
+    </dgm:linClrLst>
+    <dgm:effectClrLst/>
+    <dgm:txLinClrLst/>
+    <dgm:txFillClrLst meth="repeat">
+      <a:schemeClr val="lt1"/>
+    </dgm:txFillClrLst>
+    <dgm:txEffectClrLst/>
+  </dgm:styleLbl>
+  <dgm:styleLbl name="parChTrans2D4">
+    <dgm:fillClrLst meth="repeat">
+      <a:schemeClr val="accent1"/>
+    </dgm:fillClrLst>
+    <dgm:linClrLst meth="repeat">
+      <a:schemeClr val="accent1"/>
+    </dgm:linClrLst>
+    <dgm:effectClrLst/>
+    <dgm:txLinClrLst/>
+    <dgm:txFillClrLst meth="repeat">
+      <a:schemeClr val="lt1"/>
+    </dgm:txFillClrLst>
+    <dgm:txEffectClrLst/>
+  </dgm:styleLbl>
+  <dgm:styleLbl name="parChTrans1D1">
+    <dgm:fillClrLst meth="repeat">
+      <a:schemeClr val="accent1"/>
+    </dgm:fillClrLst>
+    <dgm:linClrLst meth="repeat">
+      <a:schemeClr val="accent1">
+        <a:shade val="60000"/>
+      </a:schemeClr>
+    </dgm:linClrLst>
+    <dgm:effectClrLst/>
+    <dgm:txLinClrLst/>
+    <dgm:txFillClrLst meth="repeat">
+      <a:schemeClr val="tx1"/>
+    </dgm:txFillClrLst>
+    <dgm:txEffectClrLst/>
+  </dgm:styleLbl>
+  <dgm:styleLbl name="parChTrans1D2">
+    <dgm:fillClrLst meth="repeat">
+      <a:schemeClr val="accent1"/>
+    </dgm:fillClrLst>
+    <dgm:linClrLst meth="repeat">
+      <a:schemeClr val="accent1">
+        <a:shade val="60000"/>
+      </a:schemeClr>
+    </dgm:linClrLst>
+    <dgm:effectClrLst/>
+    <dgm:txLinClrLst/>
+    <dgm:txFillClrLst meth="repeat">
+      <a:schemeClr val="tx1"/>
+    </dgm:txFillClrLst>
+    <dgm:txEffectClrLst/>
+  </dgm:styleLbl>
+  <dgm:styleLbl name="parChTrans1D3">
+    <dgm:fillClrLst meth="repeat">
+      <a:schemeClr val="accent1"/>
+    </dgm:fillClrLst>
+    <dgm:linClrLst meth="repeat">
+      <a:schemeClr val="accent1">
+        <a:shade val="80000"/>
+      </a:schemeClr>
+    </dgm:linClrLst>
+    <dgm:effectClrLst/>
+    <dgm:txLinClrLst/>
+    <dgm:txFillClrLst meth="repeat">
+      <a:schemeClr val="tx1"/>
+    </dgm:txFillClrLst>
+    <dgm:txEffectClrLst/>
+  </dgm:styleLbl>
+  <dgm:styleLbl name="parChTrans1D4">
+    <dgm:fillClrLst meth="repeat">
+      <a:schemeClr val="accent1"/>
+    </dgm:fillClrLst>
+    <dgm:linClrLst meth="repeat">
+      <a:schemeClr val="accent1">
+        <a:shade val="80000"/>
+      </a:schemeClr>
+    </dgm:linClrLst>
+    <dgm:effectClrLst/>
+    <dgm:txLinClrLst/>
+    <dgm:txFillClrLst meth="repeat">
+      <a:schemeClr val="tx1"/>
+    </dgm:txFillClrLst>
+    <dgm:txEffectClrLst/>
+  </dgm:styleLbl>
+  <dgm:styleLbl name="fgAcc1">
+    <dgm:fillClrLst meth="repeat">
+      <a:schemeClr val="lt1">
+        <a:alpha val="90000"/>
+      </a:schemeClr>
+    </dgm:fillClrLst>
+    <dgm:linClrLst meth="repeat">
+      <a:schemeClr val="accent1"/>
+    </dgm:linClrLst>
+    <dgm:effectClrLst/>
+    <dgm:txLinClrLst/>
+    <dgm:txFillClrLst meth="repeat">
+      <a:schemeClr val="dk1"/>
+    </dgm:txFillClrLst>
+    <dgm:txEffectClrLst/>
+  </dgm:styleLbl>
+  <dgm:styleLbl name="conFgAcc1">
+    <dgm:fillClrLst meth="repeat">
+      <a:schemeClr val="lt1">
+        <a:alpha val="90000"/>
+      </a:schemeClr>
+    </dgm:fillClrLst>
+    <dgm:linClrLst meth="repeat">
+      <a:schemeClr val="accent1"/>
+    </dgm:linClrLst>
+    <dgm:effectClrLst/>
+    <dgm:txLinClrLst/>
+    <dgm:txFillClrLst meth="repeat">
+      <a:schemeClr val="dk1"/>
+    </dgm:txFillClrLst>
+    <dgm:txEffectClrLst/>
+  </dgm:styleLbl>
+  <dgm:styleLbl name="alignAcc1">
+    <dgm:fillClrLst meth="repeat">
+      <a:schemeClr val="lt1">
+        <a:alpha val="90000"/>
+      </a:schemeClr>
+    </dgm:fillClrLst>
+    <dgm:linClrLst meth="repeat">
+      <a:schemeClr val="accent1"/>
+    </dgm:linClrLst>
+    <dgm:effectClrLst/>
+    <dgm:txLinClrLst/>
+    <dgm:txFillClrLst meth="repeat">
+      <a:schemeClr val="dk1"/>
+    </dgm:txFillClrLst>
+    <dgm:txEffectClrLst/>
+  </dgm:styleLbl>
+  <dgm:styleLbl name="trAlignAcc1">
+    <dgm:fillClrLst meth="repeat">
+      <a:schemeClr val="lt1">
+        <a:alpha val="40000"/>
+      </a:schemeClr>
+    </dgm:fillClrLst>
+    <dgm:linClrLst meth="repeat">
+      <a:schemeClr val="accent1"/>
+    </dgm:linClrLst>
+    <dgm:effectClrLst/>
+    <dgm:txLinClrLst/>
+    <dgm:txFillClrLst meth="repeat">
+      <a:schemeClr val="dk1"/>
+    </dgm:txFillClrLst>
+    <dgm:txEffectClrLst/>
+  </dgm:styleLbl>
+  <dgm:styleLbl name="bgAcc1">
+    <dgm:fillClrLst meth="repeat">
+      <a:schemeClr val="lt1">
+        <a:alpha val="90000"/>
+      </a:schemeClr>
+    </dgm:fillClrLst>
+    <dgm:linClrLst meth="repeat">
+      <a:schemeClr val="accent1"/>
+    </dgm:linClrLst>
+    <dgm:effectClrLst/>
+    <dgm:txLinClrLst/>
+    <dgm:txFillClrLst meth="repeat">
+      <a:schemeClr val="dk1"/>
+    </dgm:txFillClrLst>
+    <dgm:txEffectClrLst/>
+  </dgm:styleLbl>
+  <dgm:styleLbl name="solidFgAcc1">
+    <dgm:fillClrLst meth="repeat">
+      <a:schemeClr val="lt1"/>
+    </dgm:fillClrLst>
+    <dgm:linClrLst meth="repeat">
+      <a:schemeClr val="accent1"/>
+    </dgm:linClrLst>
+    <dgm:effectClrLst/>
+    <dgm:txLinClrLst/>
+    <dgm:txFillClrLst meth="repeat">
+      <a:schemeClr val="dk1"/>
+    </dgm:txFillClrLst>
+    <dgm:txEffectClrLst/>
+  </dgm:styleLbl>
+  <dgm:styleLbl name="solidAlignAcc1">
+    <dgm:fillClrLst meth="repeat">
+      <a:schemeClr val="lt1"/>
+    </dgm:fillClrLst>
+    <dgm:linClrLst meth="repeat">
+      <a:schemeClr val="accent1"/>
+    </dgm:linClrLst>
+    <dgm:effectClrLst/>
+    <dgm:txLinClrLst/>
+    <dgm:txFillClrLst meth="repeat">
+      <a:schemeClr val="dk1"/>
+    </dgm:txFillClrLst>
+    <dgm:txEffectClrLst/>
+  </dgm:styleLbl>
+  <dgm:styleLbl name="solidBgAcc1">
+    <dgm:fillClrLst meth="repeat">
+      <a:schemeClr val="lt1"/>
+    </dgm:fillClrLst>
+    <dgm:linClrLst meth="repeat">
+      <a:schemeClr val="accent1"/>
+    </dgm:linClrLst>
+    <dgm:effectClrLst/>
+    <dgm:txLinClrLst/>
+    <dgm:txFillClrLst meth="repeat">
+      <a:schemeClr val="dk1"/>
+    </dgm:txFillClrLst>
+    <dgm:txEffectClrLst/>
+  </dgm:styleLbl>
+  <dgm:styleLbl name="fgAccFollowNode1">
+    <dgm:fillClrLst meth="repeat">
+      <a:schemeClr val="accent1">
+        <a:alpha val="90000"/>
+        <a:tint val="40000"/>
+      </a:schemeClr>
+    </dgm:fillClrLst>
+    <dgm:linClrLst meth="repeat">
+      <a:schemeClr val="accent1">
+        <a:alpha val="90000"/>
+        <a:tint val="40000"/>
+      </a:schemeClr>
+    </dgm:linClrLst>
+    <dgm:effectClrLst/>
+    <dgm:txLinClrLst/>
+    <dgm:txFillClrLst meth="repeat">
+      <a:schemeClr val="dk1"/>
+    </dgm:txFillClrLst>
+    <dgm:txEffectClrLst/>
+  </dgm:styleLbl>
+  <dgm:styleLbl name="alignAccFollowNode1">
+    <dgm:fillClrLst meth="repeat">
+      <a:schemeClr val="accent1">
+        <a:alpha val="90000"/>
+        <a:tint val="40000"/>
+      </a:schemeClr>
+    </dgm:fillClrLst>
+    <dgm:linClrLst meth="repeat">
+      <a:schemeClr val="accent1">
+        <a:alpha val="90000"/>
+        <a:tint val="40000"/>
+      </a:schemeClr>
+    </dgm:linClrLst>
+    <dgm:effectClrLst/>
+    <dgm:txLinClrLst/>
+    <dgm:txFillClrLst meth="repeat">
+      <a:schemeClr val="dk1"/>
+    </dgm:txFillClrLst>
+    <dgm:txEffectClrLst/>
+  </dgm:styleLbl>
+  <dgm:styleLbl name="bgAccFollowNode1">
+    <dgm:fillClrLst meth="repeat">
+      <a:schemeClr val="accent1">
+        <a:alpha val="90000"/>
+        <a:tint val="40000"/>
+      </a:schemeClr>
+    </dgm:fillClrLst>
+    <dgm:linClrLst meth="repeat">
+      <a:schemeClr val="accent1">
+        <a:alpha val="90000"/>
+        <a:tint val="40000"/>
+      </a:schemeClr>
+    </dgm:linClrLst>
+    <dgm:effectClrLst/>
+    <dgm:txLinClrLst/>
+    <dgm:txFillClrLst meth="repeat">
+      <a:schemeClr val="dk1"/>
+    </dgm:txFillClrLst>
+    <dgm:txEffectClrLst/>
+  </dgm:styleLbl>
+  <dgm:styleLbl name="fgAcc0">
+    <dgm:fillClrLst meth="repeat">
+      <a:schemeClr val="lt1">
+        <a:alpha val="90000"/>
+      </a:schemeClr>
+    </dgm:fillClrLst>
+    <dgm:linClrLst meth="repeat">
+      <a:schemeClr val="accent1"/>
+    </dgm:linClrLst>
+    <dgm:effectClrLst/>
+    <dgm:txLinClrLst/>
+    <dgm:txFillClrLst meth="repeat">
+      <a:schemeClr val="dk1"/>
+    </dgm:txFillClrLst>
+    <dgm:txEffectClrLst/>
+  </dgm:styleLbl>
+  <dgm:styleLbl name="fgAcc2">
+    <dgm:fillClrLst meth="repeat">
+      <a:schemeClr val="lt1">
+        <a:alpha val="90000"/>
+      </a:schemeClr>
+    </dgm:fillClrLst>
+    <dgm:linClrLst meth="repeat">
+      <a:schemeClr val="accent1"/>
+    </dgm:linClrLst>
+    <dgm:effectClrLst/>
+    <dgm:txLinClrLst/>
+    <dgm:txFillClrLst meth="repeat">
+      <a:schemeClr val="dk1"/>
+    </dgm:txFillClrLst>
+    <dgm:txEffectClrLst/>
+  </dgm:styleLbl>
+  <dgm:styleLbl name="fgAcc3">
+    <dgm:fillClrLst meth="repeat">
+      <a:schemeClr val="lt1">
+        <a:alpha val="90000"/>
+      </a:schemeClr>
+    </dgm:fillClrLst>
+    <dgm:linClrLst meth="repeat">
+      <a:schemeClr val="accent1"/>
+    </dgm:linClrLst>
+    <dgm:effectClrLst/>
+    <dgm:txLinClrLst/>
+    <dgm:txFillClrLst meth="repeat">
+      <a:schemeClr val="dk1"/>
+    </dgm:txFillClrLst>
+    <dgm:txEffectClrLst/>
+  </dgm:styleLbl>
+  <dgm:styleLbl name="fgAcc4">
+    <dgm:fillClrLst meth="repeat">
+      <a:schemeClr val="lt1">
+        <a:alpha val="90000"/>
+      </a:schemeClr>
+    </dgm:fillClrLst>
+    <dgm:linClrLst meth="repeat">
+      <a:schemeClr val="accent1"/>
+    </dgm:linClrLst>
+    <dgm:effectClrLst/>
+    <dgm:txLinClrLst/>
+    <dgm:txFillClrLst meth="repeat">
+      <a:schemeClr val="dk1"/>
+    </dgm:txFillClrLst>
+    <dgm:txEffectClrLst/>
+  </dgm:styleLbl>
+  <dgm:styleLbl name="bgShp">
+    <dgm:fillClrLst meth="repeat">
+      <a:schemeClr val="accent1">
+        <a:tint val="40000"/>
+      </a:schemeClr>
+    </dgm:fillClrLst>
+    <dgm:linClrLst meth="repeat">
+      <a:schemeClr val="accent1"/>
+    </dgm:linClrLst>
+    <dgm:effectClrLst/>
+    <dgm:txLinClrLst/>
+    <dgm:txFillClrLst meth="repeat">
+      <a:schemeClr val="dk1"/>
+    </dgm:txFillClrLst>
+    <dgm:txEffectClrLst/>
+  </dgm:styleLbl>
+  <dgm:styleLbl name="dkBgShp">
+    <dgm:fillClrLst meth="repeat">
+      <a:schemeClr val="accent1">
+        <a:shade val="80000"/>
+      </a:schemeClr>
+    </dgm:fillClrLst>
+    <dgm:linClrLst meth="repeat">
+      <a:schemeClr val="accent1"/>
+    </dgm:linClrLst>
+    <dgm:effectClrLst/>
+    <dgm:txLinClrLst/>
+    <dgm:txFillClrLst meth="repeat">
+      <a:schemeClr val="lt1"/>
+    </dgm:txFillClrLst>
+    <dgm:txEffectClrLst/>
+  </dgm:styleLbl>
+  <dgm:styleLbl name="trBgShp">
+    <dgm:fillClrLst meth="repeat">
+      <a:schemeClr val="accent1">
+        <a:tint val="50000"/>
+        <a:alpha val="40000"/>
+      </a:schemeClr>
+    </dgm:fillClrLst>
+    <dgm:linClrLst meth="repeat">
+      <a:schemeClr val="accent1"/>
+    </dgm:linClrLst>
+    <dgm:effectClrLst/>
+    <dgm:txLinClrLst/>
+    <dgm:txFillClrLst meth="repeat">
+      <a:schemeClr val="lt1"/>
+    </dgm:txFillClrLst>
+    <dgm:txEffectClrLst/>
+  </dgm:styleLbl>
+  <dgm:styleLbl name="fgShp">
+    <dgm:fillClrLst meth="repeat">
+      <a:schemeClr val="accent1">
+        <a:tint val="60000"/>
+      </a:schemeClr>
+    </dgm:fillClrLst>
+    <dgm:linClrLst meth="repeat">
+      <a:schemeClr val="lt1"/>
+    </dgm:linClrLst>
+    <dgm:effectClrLst/>
+    <dgm:txLinClrLst/>
+    <dgm:txFillClrLst meth="repeat">
+      <a:schemeClr val="dk1"/>
+    </dgm:txFillClrLst>
+    <dgm:txEffectClrLst/>
+  </dgm:styleLbl>
+  <dgm:styleLbl name="revTx">
+    <dgm:fillClrLst meth="repeat">
+      <a:schemeClr val="lt1">
+        <a:alpha val="0"/>
+      </a:schemeClr>
+    </dgm:fillClrLst>
+    <dgm:linClrLst meth="repeat">
+      <a:schemeClr val="dk1">
+        <a:alpha val="0"/>
+      </a:schemeClr>
+    </dgm:linClrLst>
+    <dgm:effectClrLst/>
+    <dgm:txLinClrLst/>
+    <dgm:txFillClrLst meth="repeat">
+      <a:schemeClr val="tx1"/>
+    </dgm:txFillClrLst>
+    <dgm:txEffectClrLst/>
+  </dgm:styleLbl>
+</dgm:colorsDef>
+</file>
+
+<file path=ppt/diagrams/colors6.xml><?xml version="1.0" encoding="utf-8"?>
 <dgm:colorsDef xmlns:dgm="http://schemas.openxmlformats.org/drawingml/2006/diagram" xmlns:a="http://schemas.openxmlformats.org/drawingml/2006/main" uniqueId="urn:microsoft.com/office/officeart/2005/8/colors/accent1_2">
   <dgm:title val=""/>
   <dgm:desc val=""/>
@@ -6145,6 +6894,461 @@
 </dgm:dataModel>
 </file>
 
+<file path=ppt/diagrams/data6.xml><?xml version="1.0" encoding="utf-8"?>
+<dgm:dataModel xmlns:dgm="http://schemas.openxmlformats.org/drawingml/2006/diagram" xmlns:a="http://schemas.openxmlformats.org/drawingml/2006/main">
+  <dgm:ptLst>
+    <dgm:pt modelId="{6029898F-4230-4C04-89B4-BBC52548CEAF}" type="doc">
+      <dgm:prSet loTypeId="urn:microsoft.com/office/officeart/2008/layout/NameandTitleOrganizationalChart" loCatId="hierarchy" qsTypeId="urn:microsoft.com/office/officeart/2005/8/quickstyle/simple1" qsCatId="simple" csTypeId="urn:microsoft.com/office/officeart/2005/8/colors/accent1_2" csCatId="accent1" phldr="1"/>
+      <dgm:spPr/>
+      <dgm:t>
+        <a:bodyPr/>
+        <a:lstStyle/>
+        <a:p>
+          <a:endParaRPr lang="en-US"/>
+        </a:p>
+      </dgm:t>
+    </dgm:pt>
+    <dgm:pt modelId="{DFEB0F43-0CB4-4469-ACC9-B6FED27CD188}">
+      <dgm:prSet phldrT="[Text]"/>
+      <dgm:spPr/>
+      <dgm:t>
+        <a:bodyPr/>
+        <a:lstStyle/>
+        <a:p>
+          <a:r>
+            <a:rPr lang="en-US" dirty="0" smtClean="0"/>
+            <a:t>Distributed Cuttlefish</a:t>
+          </a:r>
+          <a:endParaRPr lang="en-US" dirty="0"/>
+        </a:p>
+      </dgm:t>
+    </dgm:pt>
+    <dgm:pt modelId="{CE9222E0-CC56-46B9-B8AA-EED518A6ED93}" type="parTrans" cxnId="{D9CFD831-1ADD-4C3B-823C-681A0C1BB791}">
+      <dgm:prSet/>
+      <dgm:spPr/>
+      <dgm:t>
+        <a:bodyPr/>
+        <a:lstStyle/>
+        <a:p>
+          <a:endParaRPr lang="en-US"/>
+        </a:p>
+      </dgm:t>
+    </dgm:pt>
+    <dgm:pt modelId="{8ADAE65D-532D-4924-92D2-A5756AC57904}" type="sibTrans" cxnId="{D9CFD831-1ADD-4C3B-823C-681A0C1BB791}">
+      <dgm:prSet/>
+      <dgm:spPr/>
+      <dgm:t>
+        <a:bodyPr/>
+        <a:lstStyle/>
+        <a:p>
+          <a:r>
+            <a:rPr lang="en-US" dirty="0" smtClean="0"/>
+            <a:t>Prototypes</a:t>
+          </a:r>
+          <a:endParaRPr lang="en-US" dirty="0"/>
+        </a:p>
+      </dgm:t>
+    </dgm:pt>
+    <dgm:pt modelId="{3C7E4A7E-4E3A-459B-9042-6D724EC57350}" type="asst">
+      <dgm:prSet phldrT="[Text]"/>
+      <dgm:spPr/>
+      <dgm:t>
+        <a:bodyPr/>
+        <a:lstStyle/>
+        <a:p>
+          <a:r>
+            <a:rPr lang="en-US" dirty="0" smtClean="0"/>
+            <a:t>Criteria</a:t>
+          </a:r>
+          <a:endParaRPr lang="en-US" dirty="0"/>
+        </a:p>
+      </dgm:t>
+    </dgm:pt>
+    <dgm:pt modelId="{6A82078C-C562-4F24-AE33-750E1AD7C515}" type="parTrans" cxnId="{8240FF2F-70A4-4D73-A32E-2EB404218086}">
+      <dgm:prSet/>
+      <dgm:spPr/>
+      <dgm:t>
+        <a:bodyPr/>
+        <a:lstStyle/>
+        <a:p>
+          <a:endParaRPr lang="en-US"/>
+        </a:p>
+      </dgm:t>
+    </dgm:pt>
+    <dgm:pt modelId="{6B38C209-BF40-4679-A22D-14617B58B09F}" type="sibTrans" cxnId="{8240FF2F-70A4-4D73-A32E-2EB404218086}">
+      <dgm:prSet/>
+      <dgm:spPr/>
+      <dgm:t>
+        <a:bodyPr/>
+        <a:lstStyle/>
+        <a:p>
+          <a:r>
+            <a:rPr lang="en-US" dirty="0" smtClean="0"/>
+            <a:t>I/O Communication</a:t>
+          </a:r>
+          <a:endParaRPr lang="en-US" dirty="0"/>
+        </a:p>
+      </dgm:t>
+    </dgm:pt>
+    <dgm:pt modelId="{DA5F2B4F-9775-4662-BAEF-040B8A64702E}">
+      <dgm:prSet phldrT="[Text]"/>
+      <dgm:spPr/>
+      <dgm:t>
+        <a:bodyPr/>
+        <a:lstStyle/>
+        <a:p>
+          <a:r>
+            <a:rPr lang="en-US" dirty="0" smtClean="0"/>
+            <a:t>Prototype I</a:t>
+          </a:r>
+          <a:endParaRPr lang="en-US" dirty="0"/>
+        </a:p>
+      </dgm:t>
+    </dgm:pt>
+    <dgm:pt modelId="{6A0DD540-FD72-4453-B218-80B26E0A3A7D}" type="parTrans" cxnId="{F30C5C85-A9D5-4382-B422-FAE1388DB0A5}">
+      <dgm:prSet/>
+      <dgm:spPr/>
+      <dgm:t>
+        <a:bodyPr/>
+        <a:lstStyle/>
+        <a:p>
+          <a:endParaRPr lang="en-US"/>
+        </a:p>
+      </dgm:t>
+    </dgm:pt>
+    <dgm:pt modelId="{E4D7C7AB-F8C4-4B54-8ED7-63B8CCEBC7D7}" type="sibTrans" cxnId="{F30C5C85-A9D5-4382-B422-FAE1388DB0A5}">
+      <dgm:prSet/>
+      <dgm:spPr/>
+      <dgm:t>
+        <a:bodyPr/>
+        <a:lstStyle/>
+        <a:p>
+          <a:r>
+            <a:rPr lang="en-US" dirty="0" smtClean="0"/>
+            <a:t>I/O  through disk read /writes</a:t>
+          </a:r>
+          <a:endParaRPr lang="en-US" dirty="0"/>
+        </a:p>
+      </dgm:t>
+    </dgm:pt>
+    <dgm:pt modelId="{426AE966-DFB5-42BC-AF21-BC07BAFA0F9C}">
+      <dgm:prSet phldrT="[Text]"/>
+      <dgm:spPr/>
+      <dgm:t>
+        <a:bodyPr/>
+        <a:lstStyle/>
+        <a:p>
+          <a:r>
+            <a:rPr lang="en-US" dirty="0" smtClean="0"/>
+            <a:t>Prototype II</a:t>
+          </a:r>
+          <a:endParaRPr lang="en-US" dirty="0"/>
+        </a:p>
+      </dgm:t>
+    </dgm:pt>
+    <dgm:pt modelId="{DE3FFC15-37D6-4B8F-B84F-435BBCD74A14}" type="parTrans" cxnId="{30C9F76A-46A4-4DE4-8EC1-6B6B78AB9F79}">
+      <dgm:prSet/>
+      <dgm:spPr/>
+      <dgm:t>
+        <a:bodyPr/>
+        <a:lstStyle/>
+        <a:p>
+          <a:endParaRPr lang="en-US"/>
+        </a:p>
+      </dgm:t>
+    </dgm:pt>
+    <dgm:pt modelId="{35CF3C9B-6525-4879-A358-2AB8163DA34A}" type="sibTrans" cxnId="{30C9F76A-46A4-4DE4-8EC1-6B6B78AB9F79}">
+      <dgm:prSet/>
+      <dgm:spPr/>
+      <dgm:t>
+        <a:bodyPr/>
+        <a:lstStyle/>
+        <a:p>
+          <a:r>
+            <a:rPr lang="en-US" dirty="0" smtClean="0"/>
+            <a:t>I/O by sending data as stream of bytes</a:t>
+          </a:r>
+          <a:endParaRPr lang="en-US" dirty="0"/>
+        </a:p>
+      </dgm:t>
+    </dgm:pt>
+    <dgm:pt modelId="{E6B80AA5-6CAE-4DE6-990D-556F3EFB2763}" type="pres">
+      <dgm:prSet presAssocID="{6029898F-4230-4C04-89B4-BBC52548CEAF}" presName="hierChild1" presStyleCnt="0">
+        <dgm:presLayoutVars>
+          <dgm:orgChart val="1"/>
+          <dgm:chPref val="1"/>
+          <dgm:dir/>
+          <dgm:animOne val="branch"/>
+          <dgm:animLvl val="lvl"/>
+          <dgm:resizeHandles/>
+        </dgm:presLayoutVars>
+      </dgm:prSet>
+      <dgm:spPr/>
+    </dgm:pt>
+    <dgm:pt modelId="{01209B3D-8719-4FD2-968A-CE1DB3600320}" type="pres">
+      <dgm:prSet presAssocID="{DFEB0F43-0CB4-4469-ACC9-B6FED27CD188}" presName="hierRoot1" presStyleCnt="0">
+        <dgm:presLayoutVars>
+          <dgm:hierBranch val="init"/>
+        </dgm:presLayoutVars>
+      </dgm:prSet>
+      <dgm:spPr/>
+    </dgm:pt>
+    <dgm:pt modelId="{73637B51-142A-427F-8C93-E625DD3DA50D}" type="pres">
+      <dgm:prSet presAssocID="{DFEB0F43-0CB4-4469-ACC9-B6FED27CD188}" presName="rootComposite1" presStyleCnt="0"/>
+      <dgm:spPr/>
+    </dgm:pt>
+    <dgm:pt modelId="{50770E18-91D7-4E79-8868-6B6F1ABB0A5F}" type="pres">
+      <dgm:prSet presAssocID="{DFEB0F43-0CB4-4469-ACC9-B6FED27CD188}" presName="rootText1" presStyleLbl="node0" presStyleIdx="0" presStyleCnt="1" custScaleX="87065" custScaleY="71600">
+        <dgm:presLayoutVars>
+          <dgm:chMax/>
+          <dgm:chPref val="3"/>
+        </dgm:presLayoutVars>
+      </dgm:prSet>
+      <dgm:spPr/>
+      <dgm:t>
+        <a:bodyPr/>
+        <a:lstStyle/>
+        <a:p>
+          <a:endParaRPr lang="en-US"/>
+        </a:p>
+      </dgm:t>
+    </dgm:pt>
+    <dgm:pt modelId="{F5861941-A33A-4C6F-A01B-6F1E36E77ED0}" type="pres">
+      <dgm:prSet presAssocID="{DFEB0F43-0CB4-4469-ACC9-B6FED27CD188}" presName="titleText1" presStyleLbl="fgAcc0" presStyleIdx="0" presStyleCnt="1" custScaleX="61279" custScaleY="81781">
+        <dgm:presLayoutVars>
+          <dgm:chMax val="0"/>
+          <dgm:chPref val="0"/>
+        </dgm:presLayoutVars>
+      </dgm:prSet>
+      <dgm:spPr/>
+    </dgm:pt>
+    <dgm:pt modelId="{DD6CF781-3E53-443A-9ADC-3C2B3F798BAC}" type="pres">
+      <dgm:prSet presAssocID="{DFEB0F43-0CB4-4469-ACC9-B6FED27CD188}" presName="rootConnector1" presStyleLbl="node1" presStyleIdx="0" presStyleCnt="2"/>
+      <dgm:spPr/>
+    </dgm:pt>
+    <dgm:pt modelId="{61F265D8-49EA-47A8-A5F5-BB6B720B46D6}" type="pres">
+      <dgm:prSet presAssocID="{DFEB0F43-0CB4-4469-ACC9-B6FED27CD188}" presName="hierChild2" presStyleCnt="0"/>
+      <dgm:spPr/>
+    </dgm:pt>
+    <dgm:pt modelId="{96F1D845-DC2D-48F9-8EAB-4FA1016274EF}" type="pres">
+      <dgm:prSet presAssocID="{6A0DD540-FD72-4453-B218-80B26E0A3A7D}" presName="Name37" presStyleLbl="parChTrans1D2" presStyleIdx="0" presStyleCnt="3"/>
+      <dgm:spPr/>
+    </dgm:pt>
+    <dgm:pt modelId="{0FC80993-DE48-4B30-AAEF-B80521B912B2}" type="pres">
+      <dgm:prSet presAssocID="{DA5F2B4F-9775-4662-BAEF-040B8A64702E}" presName="hierRoot2" presStyleCnt="0">
+        <dgm:presLayoutVars>
+          <dgm:hierBranch val="init"/>
+        </dgm:presLayoutVars>
+      </dgm:prSet>
+      <dgm:spPr/>
+    </dgm:pt>
+    <dgm:pt modelId="{A6E974E9-72BC-4B17-9C27-73BF114569DC}" type="pres">
+      <dgm:prSet presAssocID="{DA5F2B4F-9775-4662-BAEF-040B8A64702E}" presName="rootComposite" presStyleCnt="0"/>
+      <dgm:spPr/>
+    </dgm:pt>
+    <dgm:pt modelId="{1ADA7FED-6F70-4CE5-A3B0-F51B3922FFFE}" type="pres">
+      <dgm:prSet presAssocID="{DA5F2B4F-9775-4662-BAEF-040B8A64702E}" presName="rootText" presStyleLbl="node1" presStyleIdx="0" presStyleCnt="2" custScaleX="83582" custScaleY="48457" custLinFactNeighborX="-36568" custLinFactNeighborY="-55830">
+        <dgm:presLayoutVars>
+          <dgm:chMax/>
+          <dgm:chPref val="3"/>
+        </dgm:presLayoutVars>
+      </dgm:prSet>
+      <dgm:spPr/>
+    </dgm:pt>
+    <dgm:pt modelId="{C6DA1240-E4B1-484D-B02D-4F2DE5D54422}" type="pres">
+      <dgm:prSet presAssocID="{DA5F2B4F-9775-4662-BAEF-040B8A64702E}" presName="titleText2" presStyleLbl="fgAcc1" presStyleIdx="0" presStyleCnt="2" custScaleX="104195" custLinFactY="-100000" custLinFactNeighborX="-48991" custLinFactNeighborY="-112166">
+        <dgm:presLayoutVars>
+          <dgm:chMax val="0"/>
+          <dgm:chPref val="0"/>
+        </dgm:presLayoutVars>
+      </dgm:prSet>
+      <dgm:spPr/>
+      <dgm:t>
+        <a:bodyPr/>
+        <a:lstStyle/>
+        <a:p>
+          <a:endParaRPr lang="en-US"/>
+        </a:p>
+      </dgm:t>
+    </dgm:pt>
+    <dgm:pt modelId="{70EC031C-7EB2-410A-B239-FE8AF44258A0}" type="pres">
+      <dgm:prSet presAssocID="{DA5F2B4F-9775-4662-BAEF-040B8A64702E}" presName="rootConnector" presStyleLbl="node2" presStyleIdx="0" presStyleCnt="0"/>
+      <dgm:spPr/>
+    </dgm:pt>
+    <dgm:pt modelId="{62C1140C-1119-490C-9B09-16F116C36AEC}" type="pres">
+      <dgm:prSet presAssocID="{DA5F2B4F-9775-4662-BAEF-040B8A64702E}" presName="hierChild4" presStyleCnt="0"/>
+      <dgm:spPr/>
+    </dgm:pt>
+    <dgm:pt modelId="{C5BA19D9-4CFA-457F-8914-08EC822C4CD7}" type="pres">
+      <dgm:prSet presAssocID="{DA5F2B4F-9775-4662-BAEF-040B8A64702E}" presName="hierChild5" presStyleCnt="0"/>
+      <dgm:spPr/>
+    </dgm:pt>
+    <dgm:pt modelId="{CB1C7E6B-7295-402A-ADBE-54C0E1D388BE}" type="pres">
+      <dgm:prSet presAssocID="{DE3FFC15-37D6-4B8F-B84F-435BBCD74A14}" presName="Name37" presStyleLbl="parChTrans1D2" presStyleIdx="1" presStyleCnt="3"/>
+      <dgm:spPr/>
+    </dgm:pt>
+    <dgm:pt modelId="{49EB97C7-DC8A-4047-B728-77696187AFAF}" type="pres">
+      <dgm:prSet presAssocID="{426AE966-DFB5-42BC-AF21-BC07BAFA0F9C}" presName="hierRoot2" presStyleCnt="0">
+        <dgm:presLayoutVars>
+          <dgm:hierBranch val="init"/>
+        </dgm:presLayoutVars>
+      </dgm:prSet>
+      <dgm:spPr/>
+    </dgm:pt>
+    <dgm:pt modelId="{ED18467E-5624-4748-8B33-158EA0324409}" type="pres">
+      <dgm:prSet presAssocID="{426AE966-DFB5-42BC-AF21-BC07BAFA0F9C}" presName="rootComposite" presStyleCnt="0"/>
+      <dgm:spPr/>
+    </dgm:pt>
+    <dgm:pt modelId="{75A99C37-7CA4-4942-8AF4-242A6FA923A4}" type="pres">
+      <dgm:prSet presAssocID="{426AE966-DFB5-42BC-AF21-BC07BAFA0F9C}" presName="rootText" presStyleLbl="node1" presStyleIdx="1" presStyleCnt="2" custScaleX="89075" custScaleY="48457" custLinFactNeighborX="35556" custLinFactNeighborY="-55830">
+        <dgm:presLayoutVars>
+          <dgm:chMax/>
+          <dgm:chPref val="3"/>
+        </dgm:presLayoutVars>
+      </dgm:prSet>
+      <dgm:spPr/>
+      <dgm:t>
+        <a:bodyPr/>
+        <a:lstStyle/>
+        <a:p>
+          <a:endParaRPr lang="en-US"/>
+        </a:p>
+      </dgm:t>
+    </dgm:pt>
+    <dgm:pt modelId="{DE393D22-92CA-4137-8D76-2FBC31BDD6E9}" type="pres">
+      <dgm:prSet presAssocID="{426AE966-DFB5-42BC-AF21-BC07BAFA0F9C}" presName="titleText2" presStyleLbl="fgAcc1" presStyleIdx="1" presStyleCnt="2" custScaleX="99875" custLinFactY="-100000" custLinFactNeighborX="27551" custLinFactNeighborY="-113629">
+        <dgm:presLayoutVars>
+          <dgm:chMax val="0"/>
+          <dgm:chPref val="0"/>
+        </dgm:presLayoutVars>
+      </dgm:prSet>
+      <dgm:spPr/>
+    </dgm:pt>
+    <dgm:pt modelId="{5DD52173-2ACA-4403-A787-62C3A4A5F89C}" type="pres">
+      <dgm:prSet presAssocID="{426AE966-DFB5-42BC-AF21-BC07BAFA0F9C}" presName="rootConnector" presStyleLbl="node2" presStyleIdx="0" presStyleCnt="0"/>
+      <dgm:spPr/>
+    </dgm:pt>
+    <dgm:pt modelId="{FCBD5E44-2FA7-46F3-A9C9-CAE8345A958D}" type="pres">
+      <dgm:prSet presAssocID="{426AE966-DFB5-42BC-AF21-BC07BAFA0F9C}" presName="hierChild4" presStyleCnt="0"/>
+      <dgm:spPr/>
+    </dgm:pt>
+    <dgm:pt modelId="{5E06F62F-1718-4417-A986-04486A679195}" type="pres">
+      <dgm:prSet presAssocID="{426AE966-DFB5-42BC-AF21-BC07BAFA0F9C}" presName="hierChild5" presStyleCnt="0"/>
+      <dgm:spPr/>
+    </dgm:pt>
+    <dgm:pt modelId="{BCDC1482-7255-4FE8-9257-7630A6312BD0}" type="pres">
+      <dgm:prSet presAssocID="{DFEB0F43-0CB4-4469-ACC9-B6FED27CD188}" presName="hierChild3" presStyleCnt="0"/>
+      <dgm:spPr/>
+    </dgm:pt>
+    <dgm:pt modelId="{B9DBE853-1220-4835-8021-A3F1FA6A5A9F}" type="pres">
+      <dgm:prSet presAssocID="{6A82078C-C562-4F24-AE33-750E1AD7C515}" presName="Name96" presStyleLbl="parChTrans1D2" presStyleIdx="2" presStyleCnt="3"/>
+      <dgm:spPr/>
+    </dgm:pt>
+    <dgm:pt modelId="{BF286FA2-5DD9-4B98-858D-92458EDFE24C}" type="pres">
+      <dgm:prSet presAssocID="{3C7E4A7E-4E3A-459B-9042-6D724EC57350}" presName="hierRoot3" presStyleCnt="0">
+        <dgm:presLayoutVars>
+          <dgm:hierBranch val="init"/>
+        </dgm:presLayoutVars>
+      </dgm:prSet>
+      <dgm:spPr/>
+    </dgm:pt>
+    <dgm:pt modelId="{702BD456-F637-46EF-ACB8-928C8FEDB430}" type="pres">
+      <dgm:prSet presAssocID="{3C7E4A7E-4E3A-459B-9042-6D724EC57350}" presName="rootComposite3" presStyleCnt="0"/>
+      <dgm:spPr/>
+    </dgm:pt>
+    <dgm:pt modelId="{AD02FB11-B753-4760-ADB6-F9FAD9A5836D}" type="pres">
+      <dgm:prSet presAssocID="{3C7E4A7E-4E3A-459B-9042-6D724EC57350}" presName="rootText3" presStyleLbl="asst1" presStyleIdx="0" presStyleCnt="1" custScaleY="42040" custLinFactNeighborX="6212" custLinFactNeighborY="-56931">
+        <dgm:presLayoutVars>
+          <dgm:chPref val="3"/>
+        </dgm:presLayoutVars>
+      </dgm:prSet>
+      <dgm:spPr/>
+    </dgm:pt>
+    <dgm:pt modelId="{2E9CF532-F6CD-4A64-A778-D54AA026FE2F}" type="pres">
+      <dgm:prSet presAssocID="{3C7E4A7E-4E3A-459B-9042-6D724EC57350}" presName="titleText3" presStyleLbl="fgAcc2" presStyleIdx="0" presStyleCnt="1" custLinFactY="-100000" custLinFactNeighborX="-8203" custLinFactNeighborY="-124401">
+        <dgm:presLayoutVars>
+          <dgm:chMax val="0"/>
+          <dgm:chPref val="0"/>
+        </dgm:presLayoutVars>
+      </dgm:prSet>
+      <dgm:spPr/>
+    </dgm:pt>
+    <dgm:pt modelId="{D0A48193-0B53-4678-8686-17C8EF245215}" type="pres">
+      <dgm:prSet presAssocID="{3C7E4A7E-4E3A-459B-9042-6D724EC57350}" presName="rootConnector3" presStyleLbl="asst1" presStyleIdx="0" presStyleCnt="1"/>
+      <dgm:spPr/>
+    </dgm:pt>
+    <dgm:pt modelId="{4C17B156-046E-425A-A39C-B9180E7FC045}" type="pres">
+      <dgm:prSet presAssocID="{3C7E4A7E-4E3A-459B-9042-6D724EC57350}" presName="hierChild6" presStyleCnt="0"/>
+      <dgm:spPr/>
+    </dgm:pt>
+    <dgm:pt modelId="{FA5B5AEE-FBC1-4504-87C5-6D922C2B4D16}" type="pres">
+      <dgm:prSet presAssocID="{3C7E4A7E-4E3A-459B-9042-6D724EC57350}" presName="hierChild7" presStyleCnt="0"/>
+      <dgm:spPr/>
+    </dgm:pt>
+  </dgm:ptLst>
+  <dgm:cxnLst>
+    <dgm:cxn modelId="{D9CFD831-1ADD-4C3B-823C-681A0C1BB791}" srcId="{6029898F-4230-4C04-89B4-BBC52548CEAF}" destId="{DFEB0F43-0CB4-4469-ACC9-B6FED27CD188}" srcOrd="0" destOrd="0" parTransId="{CE9222E0-CC56-46B9-B8AA-EED518A6ED93}" sibTransId="{8ADAE65D-532D-4924-92D2-A5756AC57904}"/>
+    <dgm:cxn modelId="{57B6AE12-CDC3-40EF-8046-7A04AD3DDA73}" type="presOf" srcId="{6A0DD540-FD72-4453-B218-80B26E0A3A7D}" destId="{96F1D845-DC2D-48F9-8EAB-4FA1016274EF}" srcOrd="0" destOrd="0" presId="urn:microsoft.com/office/officeart/2008/layout/NameandTitleOrganizationalChart"/>
+    <dgm:cxn modelId="{30C9F76A-46A4-4DE4-8EC1-6B6B78AB9F79}" srcId="{DFEB0F43-0CB4-4469-ACC9-B6FED27CD188}" destId="{426AE966-DFB5-42BC-AF21-BC07BAFA0F9C}" srcOrd="2" destOrd="0" parTransId="{DE3FFC15-37D6-4B8F-B84F-435BBCD74A14}" sibTransId="{35CF3C9B-6525-4879-A358-2AB8163DA34A}"/>
+    <dgm:cxn modelId="{D63AA18C-8D6C-48FE-B1CB-8A67573FA4B3}" type="presOf" srcId="{DE3FFC15-37D6-4B8F-B84F-435BBCD74A14}" destId="{CB1C7E6B-7295-402A-ADBE-54C0E1D388BE}" srcOrd="0" destOrd="0" presId="urn:microsoft.com/office/officeart/2008/layout/NameandTitleOrganizationalChart"/>
+    <dgm:cxn modelId="{37F61D48-C1B2-4937-984E-B1911F2ABC69}" type="presOf" srcId="{DFEB0F43-0CB4-4469-ACC9-B6FED27CD188}" destId="{50770E18-91D7-4E79-8868-6B6F1ABB0A5F}" srcOrd="0" destOrd="0" presId="urn:microsoft.com/office/officeart/2008/layout/NameandTitleOrganizationalChart"/>
+    <dgm:cxn modelId="{05B3D4F6-95AA-491D-8620-01C919590945}" type="presOf" srcId="{426AE966-DFB5-42BC-AF21-BC07BAFA0F9C}" destId="{5DD52173-2ACA-4403-A787-62C3A4A5F89C}" srcOrd="1" destOrd="0" presId="urn:microsoft.com/office/officeart/2008/layout/NameandTitleOrganizationalChart"/>
+    <dgm:cxn modelId="{78DC5DC7-5CA9-4057-A870-17AC9F1F915D}" type="presOf" srcId="{426AE966-DFB5-42BC-AF21-BC07BAFA0F9C}" destId="{75A99C37-7CA4-4942-8AF4-242A6FA923A4}" srcOrd="0" destOrd="0" presId="urn:microsoft.com/office/officeart/2008/layout/NameandTitleOrganizationalChart"/>
+    <dgm:cxn modelId="{8F904056-B8F2-4BD4-BE2C-778E5B520C27}" type="presOf" srcId="{E4D7C7AB-F8C4-4B54-8ED7-63B8CCEBC7D7}" destId="{C6DA1240-E4B1-484D-B02D-4F2DE5D54422}" srcOrd="0" destOrd="0" presId="urn:microsoft.com/office/officeart/2008/layout/NameandTitleOrganizationalChart"/>
+    <dgm:cxn modelId="{A24172F5-A61F-435D-BAD8-CE16C4DC21B2}" type="presOf" srcId="{35CF3C9B-6525-4879-A358-2AB8163DA34A}" destId="{DE393D22-92CA-4137-8D76-2FBC31BDD6E9}" srcOrd="0" destOrd="0" presId="urn:microsoft.com/office/officeart/2008/layout/NameandTitleOrganizationalChart"/>
+    <dgm:cxn modelId="{F30C5C85-A9D5-4382-B422-FAE1388DB0A5}" srcId="{DFEB0F43-0CB4-4469-ACC9-B6FED27CD188}" destId="{DA5F2B4F-9775-4662-BAEF-040B8A64702E}" srcOrd="1" destOrd="0" parTransId="{6A0DD540-FD72-4453-B218-80B26E0A3A7D}" sibTransId="{E4D7C7AB-F8C4-4B54-8ED7-63B8CCEBC7D7}"/>
+    <dgm:cxn modelId="{1B99A95D-BEE7-4487-9AFC-BF0CFB5EB0E4}" type="presOf" srcId="{DFEB0F43-0CB4-4469-ACC9-B6FED27CD188}" destId="{DD6CF781-3E53-443A-9ADC-3C2B3F798BAC}" srcOrd="1" destOrd="0" presId="urn:microsoft.com/office/officeart/2008/layout/NameandTitleOrganizationalChart"/>
+    <dgm:cxn modelId="{8062FCE3-C5DA-40BA-A09F-D7DFB1A6EB0E}" type="presOf" srcId="{6B38C209-BF40-4679-A22D-14617B58B09F}" destId="{2E9CF532-F6CD-4A64-A778-D54AA026FE2F}" srcOrd="0" destOrd="0" presId="urn:microsoft.com/office/officeart/2008/layout/NameandTitleOrganizationalChart"/>
+    <dgm:cxn modelId="{F50E74F1-095F-46D4-8233-7606B08C5DC9}" type="presOf" srcId="{3C7E4A7E-4E3A-459B-9042-6D724EC57350}" destId="{D0A48193-0B53-4678-8686-17C8EF245215}" srcOrd="1" destOrd="0" presId="urn:microsoft.com/office/officeart/2008/layout/NameandTitleOrganizationalChart"/>
+    <dgm:cxn modelId="{B6A90F77-A5E3-40AD-831F-9E333CF8AA0E}" type="presOf" srcId="{6A82078C-C562-4F24-AE33-750E1AD7C515}" destId="{B9DBE853-1220-4835-8021-A3F1FA6A5A9F}" srcOrd="0" destOrd="0" presId="urn:microsoft.com/office/officeart/2008/layout/NameandTitleOrganizationalChart"/>
+    <dgm:cxn modelId="{55258BF4-5535-4E6D-84BB-312B3F224392}" type="presOf" srcId="{8ADAE65D-532D-4924-92D2-A5756AC57904}" destId="{F5861941-A33A-4C6F-A01B-6F1E36E77ED0}" srcOrd="0" destOrd="0" presId="urn:microsoft.com/office/officeart/2008/layout/NameandTitleOrganizationalChart"/>
+    <dgm:cxn modelId="{FC836C39-F536-49E8-87C1-4A4ECD15EC0C}" type="presOf" srcId="{DA5F2B4F-9775-4662-BAEF-040B8A64702E}" destId="{70EC031C-7EB2-410A-B239-FE8AF44258A0}" srcOrd="1" destOrd="0" presId="urn:microsoft.com/office/officeart/2008/layout/NameandTitleOrganizationalChart"/>
+    <dgm:cxn modelId="{3C6D4F3B-B982-4F91-B94E-EB07831469EF}" type="presOf" srcId="{6029898F-4230-4C04-89B4-BBC52548CEAF}" destId="{E6B80AA5-6CAE-4DE6-990D-556F3EFB2763}" srcOrd="0" destOrd="0" presId="urn:microsoft.com/office/officeart/2008/layout/NameandTitleOrganizationalChart"/>
+    <dgm:cxn modelId="{8240FF2F-70A4-4D73-A32E-2EB404218086}" srcId="{DFEB0F43-0CB4-4469-ACC9-B6FED27CD188}" destId="{3C7E4A7E-4E3A-459B-9042-6D724EC57350}" srcOrd="0" destOrd="0" parTransId="{6A82078C-C562-4F24-AE33-750E1AD7C515}" sibTransId="{6B38C209-BF40-4679-A22D-14617B58B09F}"/>
+    <dgm:cxn modelId="{D2DA3590-4932-4490-92EE-A59E50718737}" type="presOf" srcId="{DA5F2B4F-9775-4662-BAEF-040B8A64702E}" destId="{1ADA7FED-6F70-4CE5-A3B0-F51B3922FFFE}" srcOrd="0" destOrd="0" presId="urn:microsoft.com/office/officeart/2008/layout/NameandTitleOrganizationalChart"/>
+    <dgm:cxn modelId="{2ABCDA28-6CE4-4E35-9EFE-FE31B97B6DF3}" type="presOf" srcId="{3C7E4A7E-4E3A-459B-9042-6D724EC57350}" destId="{AD02FB11-B753-4760-ADB6-F9FAD9A5836D}" srcOrd="0" destOrd="0" presId="urn:microsoft.com/office/officeart/2008/layout/NameandTitleOrganizationalChart"/>
+    <dgm:cxn modelId="{9D7E5CC2-BDB7-42D4-B0A8-526FBC00AF30}" type="presParOf" srcId="{E6B80AA5-6CAE-4DE6-990D-556F3EFB2763}" destId="{01209B3D-8719-4FD2-968A-CE1DB3600320}" srcOrd="0" destOrd="0" presId="urn:microsoft.com/office/officeart/2008/layout/NameandTitleOrganizationalChart"/>
+    <dgm:cxn modelId="{BDD78946-BECF-4CA5-B899-C5665CD72B4D}" type="presParOf" srcId="{01209B3D-8719-4FD2-968A-CE1DB3600320}" destId="{73637B51-142A-427F-8C93-E625DD3DA50D}" srcOrd="0" destOrd="0" presId="urn:microsoft.com/office/officeart/2008/layout/NameandTitleOrganizationalChart"/>
+    <dgm:cxn modelId="{D0E6FDFA-583A-4490-A4C6-623DF48925C7}" type="presParOf" srcId="{73637B51-142A-427F-8C93-E625DD3DA50D}" destId="{50770E18-91D7-4E79-8868-6B6F1ABB0A5F}" srcOrd="0" destOrd="0" presId="urn:microsoft.com/office/officeart/2008/layout/NameandTitleOrganizationalChart"/>
+    <dgm:cxn modelId="{F4B92B71-FDF8-4519-889C-2BBCE64819E2}" type="presParOf" srcId="{73637B51-142A-427F-8C93-E625DD3DA50D}" destId="{F5861941-A33A-4C6F-A01B-6F1E36E77ED0}" srcOrd="1" destOrd="0" presId="urn:microsoft.com/office/officeart/2008/layout/NameandTitleOrganizationalChart"/>
+    <dgm:cxn modelId="{211EE6F0-E215-46F2-B3DC-BE75ED30565A}" type="presParOf" srcId="{73637B51-142A-427F-8C93-E625DD3DA50D}" destId="{DD6CF781-3E53-443A-9ADC-3C2B3F798BAC}" srcOrd="2" destOrd="0" presId="urn:microsoft.com/office/officeart/2008/layout/NameandTitleOrganizationalChart"/>
+    <dgm:cxn modelId="{C9201DA2-FF92-486D-B2DA-935A7ED53085}" type="presParOf" srcId="{01209B3D-8719-4FD2-968A-CE1DB3600320}" destId="{61F265D8-49EA-47A8-A5F5-BB6B720B46D6}" srcOrd="1" destOrd="0" presId="urn:microsoft.com/office/officeart/2008/layout/NameandTitleOrganizationalChart"/>
+    <dgm:cxn modelId="{D51726CF-B3D2-440E-9F5C-36ACC5EE8CEC}" type="presParOf" srcId="{61F265D8-49EA-47A8-A5F5-BB6B720B46D6}" destId="{96F1D845-DC2D-48F9-8EAB-4FA1016274EF}" srcOrd="0" destOrd="0" presId="urn:microsoft.com/office/officeart/2008/layout/NameandTitleOrganizationalChart"/>
+    <dgm:cxn modelId="{92EC01E1-81F9-48D6-9BBE-546A9DAFDE4D}" type="presParOf" srcId="{61F265D8-49EA-47A8-A5F5-BB6B720B46D6}" destId="{0FC80993-DE48-4B30-AAEF-B80521B912B2}" srcOrd="1" destOrd="0" presId="urn:microsoft.com/office/officeart/2008/layout/NameandTitleOrganizationalChart"/>
+    <dgm:cxn modelId="{9BD76469-716D-429F-AA99-418CF017C87C}" type="presParOf" srcId="{0FC80993-DE48-4B30-AAEF-B80521B912B2}" destId="{A6E974E9-72BC-4B17-9C27-73BF114569DC}" srcOrd="0" destOrd="0" presId="urn:microsoft.com/office/officeart/2008/layout/NameandTitleOrganizationalChart"/>
+    <dgm:cxn modelId="{BFBA6B6F-1F5B-4960-ACCF-25AD9E98743D}" type="presParOf" srcId="{A6E974E9-72BC-4B17-9C27-73BF114569DC}" destId="{1ADA7FED-6F70-4CE5-A3B0-F51B3922FFFE}" srcOrd="0" destOrd="0" presId="urn:microsoft.com/office/officeart/2008/layout/NameandTitleOrganizationalChart"/>
+    <dgm:cxn modelId="{48E344C3-17D5-4FC9-8C94-F40AFE0BF98A}" type="presParOf" srcId="{A6E974E9-72BC-4B17-9C27-73BF114569DC}" destId="{C6DA1240-E4B1-484D-B02D-4F2DE5D54422}" srcOrd="1" destOrd="0" presId="urn:microsoft.com/office/officeart/2008/layout/NameandTitleOrganizationalChart"/>
+    <dgm:cxn modelId="{94E5D8B0-235D-4759-90E5-2C10109F74D7}" type="presParOf" srcId="{A6E974E9-72BC-4B17-9C27-73BF114569DC}" destId="{70EC031C-7EB2-410A-B239-FE8AF44258A0}" srcOrd="2" destOrd="0" presId="urn:microsoft.com/office/officeart/2008/layout/NameandTitleOrganizationalChart"/>
+    <dgm:cxn modelId="{703927EE-3CBB-4E59-90CF-C2A24D9235FD}" type="presParOf" srcId="{0FC80993-DE48-4B30-AAEF-B80521B912B2}" destId="{62C1140C-1119-490C-9B09-16F116C36AEC}" srcOrd="1" destOrd="0" presId="urn:microsoft.com/office/officeart/2008/layout/NameandTitleOrganizationalChart"/>
+    <dgm:cxn modelId="{8767D15F-B407-4CC1-8291-B7FCDD965DC8}" type="presParOf" srcId="{0FC80993-DE48-4B30-AAEF-B80521B912B2}" destId="{C5BA19D9-4CFA-457F-8914-08EC822C4CD7}" srcOrd="2" destOrd="0" presId="urn:microsoft.com/office/officeart/2008/layout/NameandTitleOrganizationalChart"/>
+    <dgm:cxn modelId="{3ADAD5C4-FAC5-4F26-8197-B30497880C08}" type="presParOf" srcId="{61F265D8-49EA-47A8-A5F5-BB6B720B46D6}" destId="{CB1C7E6B-7295-402A-ADBE-54C0E1D388BE}" srcOrd="2" destOrd="0" presId="urn:microsoft.com/office/officeart/2008/layout/NameandTitleOrganizationalChart"/>
+    <dgm:cxn modelId="{CFF4287C-1D91-45E2-9C55-16825039E9FF}" type="presParOf" srcId="{61F265D8-49EA-47A8-A5F5-BB6B720B46D6}" destId="{49EB97C7-DC8A-4047-B728-77696187AFAF}" srcOrd="3" destOrd="0" presId="urn:microsoft.com/office/officeart/2008/layout/NameandTitleOrganizationalChart"/>
+    <dgm:cxn modelId="{7E961FB5-218E-4112-AA19-E17430CEB725}" type="presParOf" srcId="{49EB97C7-DC8A-4047-B728-77696187AFAF}" destId="{ED18467E-5624-4748-8B33-158EA0324409}" srcOrd="0" destOrd="0" presId="urn:microsoft.com/office/officeart/2008/layout/NameandTitleOrganizationalChart"/>
+    <dgm:cxn modelId="{7496A205-1EAD-44E7-9CD8-9AE1E5A93A3E}" type="presParOf" srcId="{ED18467E-5624-4748-8B33-158EA0324409}" destId="{75A99C37-7CA4-4942-8AF4-242A6FA923A4}" srcOrd="0" destOrd="0" presId="urn:microsoft.com/office/officeart/2008/layout/NameandTitleOrganizationalChart"/>
+    <dgm:cxn modelId="{525CD177-4E62-4DDA-89C3-BD2FB5496976}" type="presParOf" srcId="{ED18467E-5624-4748-8B33-158EA0324409}" destId="{DE393D22-92CA-4137-8D76-2FBC31BDD6E9}" srcOrd="1" destOrd="0" presId="urn:microsoft.com/office/officeart/2008/layout/NameandTitleOrganizationalChart"/>
+    <dgm:cxn modelId="{2722BF4C-8C6E-45EE-8955-8F74B7CA1583}" type="presParOf" srcId="{ED18467E-5624-4748-8B33-158EA0324409}" destId="{5DD52173-2ACA-4403-A787-62C3A4A5F89C}" srcOrd="2" destOrd="0" presId="urn:microsoft.com/office/officeart/2008/layout/NameandTitleOrganizationalChart"/>
+    <dgm:cxn modelId="{666AFAD0-FEDC-4442-9E40-FD623DBB8AD0}" type="presParOf" srcId="{49EB97C7-DC8A-4047-B728-77696187AFAF}" destId="{FCBD5E44-2FA7-46F3-A9C9-CAE8345A958D}" srcOrd="1" destOrd="0" presId="urn:microsoft.com/office/officeart/2008/layout/NameandTitleOrganizationalChart"/>
+    <dgm:cxn modelId="{5CB11DBE-22B7-4227-A6EC-05F892A64297}" type="presParOf" srcId="{49EB97C7-DC8A-4047-B728-77696187AFAF}" destId="{5E06F62F-1718-4417-A986-04486A679195}" srcOrd="2" destOrd="0" presId="urn:microsoft.com/office/officeart/2008/layout/NameandTitleOrganizationalChart"/>
+    <dgm:cxn modelId="{73EA4C88-1BA5-49AE-A8D4-48F1A7317C6B}" type="presParOf" srcId="{01209B3D-8719-4FD2-968A-CE1DB3600320}" destId="{BCDC1482-7255-4FE8-9257-7630A6312BD0}" srcOrd="2" destOrd="0" presId="urn:microsoft.com/office/officeart/2008/layout/NameandTitleOrganizationalChart"/>
+    <dgm:cxn modelId="{4802DC3F-D4B2-4520-B164-67A25420101D}" type="presParOf" srcId="{BCDC1482-7255-4FE8-9257-7630A6312BD0}" destId="{B9DBE853-1220-4835-8021-A3F1FA6A5A9F}" srcOrd="0" destOrd="0" presId="urn:microsoft.com/office/officeart/2008/layout/NameandTitleOrganizationalChart"/>
+    <dgm:cxn modelId="{8159D691-024D-4640-B4EC-7A8D5476EBEE}" type="presParOf" srcId="{BCDC1482-7255-4FE8-9257-7630A6312BD0}" destId="{BF286FA2-5DD9-4B98-858D-92458EDFE24C}" srcOrd="1" destOrd="0" presId="urn:microsoft.com/office/officeart/2008/layout/NameandTitleOrganizationalChart"/>
+    <dgm:cxn modelId="{7329ADFC-5E04-4533-A415-2477F6EC9FD8}" type="presParOf" srcId="{BF286FA2-5DD9-4B98-858D-92458EDFE24C}" destId="{702BD456-F637-46EF-ACB8-928C8FEDB430}" srcOrd="0" destOrd="0" presId="urn:microsoft.com/office/officeart/2008/layout/NameandTitleOrganizationalChart"/>
+    <dgm:cxn modelId="{377CE443-0C2F-46CA-8781-B5BC55F44601}" type="presParOf" srcId="{702BD456-F637-46EF-ACB8-928C8FEDB430}" destId="{AD02FB11-B753-4760-ADB6-F9FAD9A5836D}" srcOrd="0" destOrd="0" presId="urn:microsoft.com/office/officeart/2008/layout/NameandTitleOrganizationalChart"/>
+    <dgm:cxn modelId="{3CEFCA06-1DFC-4D0A-B0F1-B984F9F30B59}" type="presParOf" srcId="{702BD456-F637-46EF-ACB8-928C8FEDB430}" destId="{2E9CF532-F6CD-4A64-A778-D54AA026FE2F}" srcOrd="1" destOrd="0" presId="urn:microsoft.com/office/officeart/2008/layout/NameandTitleOrganizationalChart"/>
+    <dgm:cxn modelId="{D34BFB06-BF5F-4026-BB31-301DDC10362D}" type="presParOf" srcId="{702BD456-F637-46EF-ACB8-928C8FEDB430}" destId="{D0A48193-0B53-4678-8686-17C8EF245215}" srcOrd="2" destOrd="0" presId="urn:microsoft.com/office/officeart/2008/layout/NameandTitleOrganizationalChart"/>
+    <dgm:cxn modelId="{CF850C2E-6E85-4427-9960-40D3576C1D18}" type="presParOf" srcId="{BF286FA2-5DD9-4B98-858D-92458EDFE24C}" destId="{4C17B156-046E-425A-A39C-B9180E7FC045}" srcOrd="1" destOrd="0" presId="urn:microsoft.com/office/officeart/2008/layout/NameandTitleOrganizationalChart"/>
+    <dgm:cxn modelId="{9A127AD9-425A-4AE0-8FF4-1D21D8E499B7}" type="presParOf" srcId="{BF286FA2-5DD9-4B98-858D-92458EDFE24C}" destId="{FA5B5AEE-FBC1-4504-87C5-6D922C2B4D16}" srcOrd="2" destOrd="0" presId="urn:microsoft.com/office/officeart/2008/layout/NameandTitleOrganizationalChart"/>
+  </dgm:cxnLst>
+  <dgm:bg/>
+  <dgm:whole/>
+  <dgm:extLst>
+    <a:ext uri="http://schemas.microsoft.com/office/drawing/2008/diagram">
+      <dsp:dataModelExt xmlns:dsp="http://schemas.microsoft.com/office/drawing/2008/diagram" relId="rId6" minVer="http://schemas.openxmlformats.org/drawingml/2006/diagram"/>
+    </a:ext>
+  </dgm:extLst>
+</dgm:dataModel>
+</file>
+
 <file path=ppt/diagrams/drawing1.xml><?xml version="1.0" encoding="utf-8"?>
 <dsp:drawing xmlns:dgm="http://schemas.openxmlformats.org/drawingml/2006/diagram" xmlns:dsp="http://schemas.microsoft.com/office/drawing/2008/diagram" xmlns:a="http://schemas.openxmlformats.org/drawingml/2006/main">
   <dsp:spTree>
@@ -8351,6 +9555,2142 @@
       <dsp:cNvGrpSpPr/>
     </dsp:nvGrpSpPr>
     <dsp:grpSpPr/>
+    <dsp:sp modelId="{C15F7BDE-BE17-440A-AFDC-26911405FC39}">
+      <dsp:nvSpPr>
+        <dsp:cNvPr id="0" name=""/>
+        <dsp:cNvSpPr/>
+      </dsp:nvSpPr>
+      <dsp:spPr>
+        <a:xfrm>
+          <a:off x="2977157" y="1188977"/>
+          <a:ext cx="2337792" cy="370858"/>
+        </a:xfrm>
+        <a:custGeom>
+          <a:avLst/>
+          <a:gdLst/>
+          <a:ahLst/>
+          <a:cxnLst/>
+          <a:rect l="0" t="0" r="0" b="0"/>
+          <a:pathLst>
+            <a:path>
+              <a:moveTo>
+                <a:pt x="0" y="0"/>
+              </a:moveTo>
+              <a:lnTo>
+                <a:pt x="0" y="252729"/>
+              </a:lnTo>
+              <a:lnTo>
+                <a:pt x="2337792" y="252729"/>
+              </a:lnTo>
+              <a:lnTo>
+                <a:pt x="2337792" y="370858"/>
+              </a:lnTo>
+            </a:path>
+          </a:pathLst>
+        </a:custGeom>
+        <a:noFill/>
+        <a:ln w="25400" cap="flat" cmpd="sng" algn="ctr">
+          <a:solidFill>
+            <a:schemeClr val="accent1">
+              <a:shade val="60000"/>
+              <a:hueOff val="0"/>
+              <a:satOff val="0"/>
+              <a:lumOff val="0"/>
+              <a:alphaOff val="0"/>
+            </a:schemeClr>
+          </a:solidFill>
+          <a:prstDash val="solid"/>
+        </a:ln>
+        <a:effectLst/>
+        <a:sp3d z="-40000" prstMaterial="matte"/>
+      </dsp:spPr>
+      <dsp:style>
+        <a:lnRef idx="2">
+          <a:scrgbClr r="0" g="0" b="0"/>
+        </a:lnRef>
+        <a:fillRef idx="0">
+          <a:scrgbClr r="0" g="0" b="0"/>
+        </a:fillRef>
+        <a:effectRef idx="0">
+          <a:scrgbClr r="0" g="0" b="0"/>
+        </a:effectRef>
+        <a:fontRef idx="minor"/>
+      </dsp:style>
+    </dsp:sp>
+    <dsp:sp modelId="{85343B2D-6766-4596-A7C0-7ED78437CB26}">
+      <dsp:nvSpPr>
+        <dsp:cNvPr id="0" name=""/>
+        <dsp:cNvSpPr/>
+      </dsp:nvSpPr>
+      <dsp:spPr>
+        <a:xfrm>
+          <a:off x="3756421" y="2369563"/>
+          <a:ext cx="779264" cy="370858"/>
+        </a:xfrm>
+        <a:custGeom>
+          <a:avLst/>
+          <a:gdLst/>
+          <a:ahLst/>
+          <a:cxnLst/>
+          <a:rect l="0" t="0" r="0" b="0"/>
+          <a:pathLst>
+            <a:path>
+              <a:moveTo>
+                <a:pt x="0" y="0"/>
+              </a:moveTo>
+              <a:lnTo>
+                <a:pt x="0" y="252729"/>
+              </a:lnTo>
+              <a:lnTo>
+                <a:pt x="779264" y="252729"/>
+              </a:lnTo>
+              <a:lnTo>
+                <a:pt x="779264" y="370858"/>
+              </a:lnTo>
+            </a:path>
+          </a:pathLst>
+        </a:custGeom>
+        <a:noFill/>
+        <a:ln w="25400" cap="flat" cmpd="sng" algn="ctr">
+          <a:solidFill>
+            <a:schemeClr val="accent1">
+              <a:shade val="80000"/>
+              <a:hueOff val="0"/>
+              <a:satOff val="0"/>
+              <a:lumOff val="0"/>
+              <a:alphaOff val="0"/>
+            </a:schemeClr>
+          </a:solidFill>
+          <a:prstDash val="solid"/>
+        </a:ln>
+        <a:effectLst/>
+        <a:scene3d>
+          <a:camera prst="orthographicFront"/>
+          <a:lightRig rig="chilly" dir="t"/>
+        </a:scene3d>
+        <a:sp3d z="-40000" prstMaterial="matte"/>
+      </dsp:spPr>
+      <dsp:style>
+        <a:lnRef idx="2">
+          <a:scrgbClr r="0" g="0" b="0"/>
+        </a:lnRef>
+        <a:fillRef idx="0">
+          <a:scrgbClr r="0" g="0" b="0"/>
+        </a:fillRef>
+        <a:effectRef idx="0">
+          <a:scrgbClr r="0" g="0" b="0"/>
+        </a:effectRef>
+        <a:fontRef idx="minor"/>
+      </dsp:style>
+    </dsp:sp>
+    <dsp:sp modelId="{1FDAFF91-CC20-4CEC-A22C-6CFA1AF43D26}">
+      <dsp:nvSpPr>
+        <dsp:cNvPr id="0" name=""/>
+        <dsp:cNvSpPr/>
+      </dsp:nvSpPr>
+      <dsp:spPr>
+        <a:xfrm>
+          <a:off x="2977157" y="2369563"/>
+          <a:ext cx="779264" cy="370858"/>
+        </a:xfrm>
+        <a:custGeom>
+          <a:avLst/>
+          <a:gdLst/>
+          <a:ahLst/>
+          <a:cxnLst/>
+          <a:rect l="0" t="0" r="0" b="0"/>
+          <a:pathLst>
+            <a:path>
+              <a:moveTo>
+                <a:pt x="779264" y="0"/>
+              </a:moveTo>
+              <a:lnTo>
+                <a:pt x="779264" y="252729"/>
+              </a:lnTo>
+              <a:lnTo>
+                <a:pt x="0" y="252729"/>
+              </a:lnTo>
+              <a:lnTo>
+                <a:pt x="0" y="370858"/>
+              </a:lnTo>
+            </a:path>
+          </a:pathLst>
+        </a:custGeom>
+        <a:noFill/>
+        <a:ln w="25400" cap="flat" cmpd="sng" algn="ctr">
+          <a:solidFill>
+            <a:schemeClr val="accent1">
+              <a:shade val="80000"/>
+              <a:hueOff val="0"/>
+              <a:satOff val="0"/>
+              <a:lumOff val="0"/>
+              <a:alphaOff val="0"/>
+            </a:schemeClr>
+          </a:solidFill>
+          <a:prstDash val="solid"/>
+        </a:ln>
+        <a:effectLst/>
+        <a:scene3d>
+          <a:camera prst="orthographicFront"/>
+          <a:lightRig rig="chilly" dir="t"/>
+        </a:scene3d>
+        <a:sp3d z="-40000" prstMaterial="matte"/>
+      </dsp:spPr>
+      <dsp:style>
+        <a:lnRef idx="2">
+          <a:scrgbClr r="0" g="0" b="0"/>
+        </a:lnRef>
+        <a:fillRef idx="0">
+          <a:scrgbClr r="0" g="0" b="0"/>
+        </a:fillRef>
+        <a:effectRef idx="0">
+          <a:scrgbClr r="0" g="0" b="0"/>
+        </a:effectRef>
+        <a:fontRef idx="minor"/>
+      </dsp:style>
+    </dsp:sp>
+    <dsp:sp modelId="{ECDC51A7-6312-4B5B-9113-87639623B933}">
+      <dsp:nvSpPr>
+        <dsp:cNvPr id="0" name=""/>
+        <dsp:cNvSpPr/>
+      </dsp:nvSpPr>
+      <dsp:spPr>
+        <a:xfrm>
+          <a:off x="2977157" y="1188977"/>
+          <a:ext cx="779264" cy="370858"/>
+        </a:xfrm>
+        <a:custGeom>
+          <a:avLst/>
+          <a:gdLst/>
+          <a:ahLst/>
+          <a:cxnLst/>
+          <a:rect l="0" t="0" r="0" b="0"/>
+          <a:pathLst>
+            <a:path>
+              <a:moveTo>
+                <a:pt x="0" y="0"/>
+              </a:moveTo>
+              <a:lnTo>
+                <a:pt x="0" y="252729"/>
+              </a:lnTo>
+              <a:lnTo>
+                <a:pt x="779264" y="252729"/>
+              </a:lnTo>
+              <a:lnTo>
+                <a:pt x="779264" y="370858"/>
+              </a:lnTo>
+            </a:path>
+          </a:pathLst>
+        </a:custGeom>
+        <a:noFill/>
+        <a:ln w="25400" cap="flat" cmpd="sng" algn="ctr">
+          <a:solidFill>
+            <a:schemeClr val="accent1">
+              <a:shade val="60000"/>
+              <a:hueOff val="0"/>
+              <a:satOff val="0"/>
+              <a:lumOff val="0"/>
+              <a:alphaOff val="0"/>
+            </a:schemeClr>
+          </a:solidFill>
+          <a:prstDash val="solid"/>
+        </a:ln>
+        <a:effectLst/>
+        <a:sp3d z="-40000" prstMaterial="matte"/>
+      </dsp:spPr>
+      <dsp:style>
+        <a:lnRef idx="2">
+          <a:scrgbClr r="0" g="0" b="0"/>
+        </a:lnRef>
+        <a:fillRef idx="0">
+          <a:scrgbClr r="0" g="0" b="0"/>
+        </a:fillRef>
+        <a:effectRef idx="0">
+          <a:scrgbClr r="0" g="0" b="0"/>
+        </a:effectRef>
+        <a:fontRef idx="minor"/>
+      </dsp:style>
+    </dsp:sp>
+    <dsp:sp modelId="{35FDEEF8-A771-4D6A-821D-5DD0765F4E3F}">
+      <dsp:nvSpPr>
+        <dsp:cNvPr id="0" name=""/>
+        <dsp:cNvSpPr/>
+      </dsp:nvSpPr>
+      <dsp:spPr>
+        <a:xfrm>
+          <a:off x="2197893" y="1188977"/>
+          <a:ext cx="779264" cy="370858"/>
+        </a:xfrm>
+        <a:custGeom>
+          <a:avLst/>
+          <a:gdLst/>
+          <a:ahLst/>
+          <a:cxnLst/>
+          <a:rect l="0" t="0" r="0" b="0"/>
+          <a:pathLst>
+            <a:path>
+              <a:moveTo>
+                <a:pt x="779264" y="0"/>
+              </a:moveTo>
+              <a:lnTo>
+                <a:pt x="779264" y="252729"/>
+              </a:lnTo>
+              <a:lnTo>
+                <a:pt x="0" y="252729"/>
+              </a:lnTo>
+              <a:lnTo>
+                <a:pt x="0" y="370858"/>
+              </a:lnTo>
+            </a:path>
+          </a:pathLst>
+        </a:custGeom>
+        <a:noFill/>
+        <a:ln w="25400" cap="flat" cmpd="sng" algn="ctr">
+          <a:solidFill>
+            <a:schemeClr val="accent1">
+              <a:shade val="60000"/>
+              <a:hueOff val="0"/>
+              <a:satOff val="0"/>
+              <a:lumOff val="0"/>
+              <a:alphaOff val="0"/>
+            </a:schemeClr>
+          </a:solidFill>
+          <a:prstDash val="solid"/>
+        </a:ln>
+        <a:effectLst/>
+        <a:sp3d z="-40000" prstMaterial="matte"/>
+      </dsp:spPr>
+      <dsp:style>
+        <a:lnRef idx="2">
+          <a:scrgbClr r="0" g="0" b="0"/>
+        </a:lnRef>
+        <a:fillRef idx="0">
+          <a:scrgbClr r="0" g="0" b="0"/>
+        </a:fillRef>
+        <a:effectRef idx="0">
+          <a:scrgbClr r="0" g="0" b="0"/>
+        </a:effectRef>
+        <a:fontRef idx="minor"/>
+      </dsp:style>
+    </dsp:sp>
+    <dsp:sp modelId="{2E78A703-B9DD-425D-8C61-5CF4A53FAFA3}">
+      <dsp:nvSpPr>
+        <dsp:cNvPr id="0" name=""/>
+        <dsp:cNvSpPr/>
+      </dsp:nvSpPr>
+      <dsp:spPr>
+        <a:xfrm>
+          <a:off x="639365" y="1188977"/>
+          <a:ext cx="2337792" cy="370858"/>
+        </a:xfrm>
+        <a:custGeom>
+          <a:avLst/>
+          <a:gdLst/>
+          <a:ahLst/>
+          <a:cxnLst/>
+          <a:rect l="0" t="0" r="0" b="0"/>
+          <a:pathLst>
+            <a:path>
+              <a:moveTo>
+                <a:pt x="2337792" y="0"/>
+              </a:moveTo>
+              <a:lnTo>
+                <a:pt x="2337792" y="252729"/>
+              </a:lnTo>
+              <a:lnTo>
+                <a:pt x="0" y="252729"/>
+              </a:lnTo>
+              <a:lnTo>
+                <a:pt x="0" y="370858"/>
+              </a:lnTo>
+            </a:path>
+          </a:pathLst>
+        </a:custGeom>
+        <a:noFill/>
+        <a:ln w="25400" cap="flat" cmpd="sng" algn="ctr">
+          <a:solidFill>
+            <a:schemeClr val="accent1">
+              <a:shade val="60000"/>
+              <a:hueOff val="0"/>
+              <a:satOff val="0"/>
+              <a:lumOff val="0"/>
+              <a:alphaOff val="0"/>
+            </a:schemeClr>
+          </a:solidFill>
+          <a:prstDash val="solid"/>
+        </a:ln>
+        <a:effectLst/>
+        <a:sp3d z="-40000" prstMaterial="matte"/>
+      </dsp:spPr>
+      <dsp:style>
+        <a:lnRef idx="2">
+          <a:scrgbClr r="0" g="0" b="0"/>
+        </a:lnRef>
+        <a:fillRef idx="0">
+          <a:scrgbClr r="0" g="0" b="0"/>
+        </a:fillRef>
+        <a:effectRef idx="0">
+          <a:scrgbClr r="0" g="0" b="0"/>
+        </a:effectRef>
+        <a:fontRef idx="minor"/>
+      </dsp:style>
+    </dsp:sp>
+    <dsp:sp modelId="{BEF97BD1-8EDB-42ED-B248-3EEE60E32564}">
+      <dsp:nvSpPr>
+        <dsp:cNvPr id="0" name=""/>
+        <dsp:cNvSpPr/>
+      </dsp:nvSpPr>
+      <dsp:spPr>
+        <a:xfrm>
+          <a:off x="2339578" y="379251"/>
+          <a:ext cx="1275159" cy="809726"/>
+        </a:xfrm>
+        <a:prstGeom prst="roundRect">
+          <a:avLst>
+            <a:gd name="adj" fmla="val 10000"/>
+          </a:avLst>
+        </a:prstGeom>
+        <a:solidFill>
+          <a:schemeClr val="accent1">
+            <a:hueOff val="0"/>
+            <a:satOff val="0"/>
+            <a:lumOff val="0"/>
+            <a:alphaOff val="0"/>
+          </a:schemeClr>
+        </a:solidFill>
+        <a:ln>
+          <a:noFill/>
+        </a:ln>
+        <a:effectLst/>
+        <a:scene3d>
+          <a:camera prst="orthographicFront"/>
+          <a:lightRig rig="chilly" dir="t"/>
+        </a:scene3d>
+        <a:sp3d prstMaterial="translucentPowder">
+          <a:bevelT w="127000" h="25400" prst="softRound"/>
+        </a:sp3d>
+      </dsp:spPr>
+      <dsp:style>
+        <a:lnRef idx="0">
+          <a:scrgbClr r="0" g="0" b="0"/>
+        </a:lnRef>
+        <a:fillRef idx="1">
+          <a:scrgbClr r="0" g="0" b="0"/>
+        </a:fillRef>
+        <a:effectRef idx="0">
+          <a:scrgbClr r="0" g="0" b="0"/>
+        </a:effectRef>
+        <a:fontRef idx="minor">
+          <a:schemeClr val="lt1"/>
+        </a:fontRef>
+      </dsp:style>
+    </dsp:sp>
+    <dsp:sp modelId="{5573FD94-740A-4861-83F1-29D0DAEBDC74}">
+      <dsp:nvSpPr>
+        <dsp:cNvPr id="0" name=""/>
+        <dsp:cNvSpPr/>
+      </dsp:nvSpPr>
+      <dsp:spPr>
+        <a:xfrm>
+          <a:off x="2481262" y="513851"/>
+          <a:ext cx="1275159" cy="809726"/>
+        </a:xfrm>
+        <a:prstGeom prst="roundRect">
+          <a:avLst>
+            <a:gd name="adj" fmla="val 10000"/>
+          </a:avLst>
+        </a:prstGeom>
+        <a:solidFill>
+          <a:schemeClr val="lt1">
+            <a:alpha val="90000"/>
+            <a:hueOff val="0"/>
+            <a:satOff val="0"/>
+            <a:lumOff val="0"/>
+            <a:alphaOff val="0"/>
+          </a:schemeClr>
+        </a:solidFill>
+        <a:ln w="9525" cap="flat" cmpd="sng" algn="ctr">
+          <a:solidFill>
+            <a:schemeClr val="accent1">
+              <a:hueOff val="0"/>
+              <a:satOff val="0"/>
+              <a:lumOff val="0"/>
+              <a:alphaOff val="0"/>
+            </a:schemeClr>
+          </a:solidFill>
+          <a:prstDash val="solid"/>
+        </a:ln>
+        <a:effectLst/>
+        <a:scene3d>
+          <a:camera prst="orthographicFront"/>
+          <a:lightRig rig="chilly" dir="t"/>
+        </a:scene3d>
+        <a:sp3d z="12700" extrusionH="1700" prstMaterial="dkEdge">
+          <a:bevelT w="25400" h="6350" prst="softRound"/>
+          <a:bevelB w="0" h="0" prst="convex"/>
+        </a:sp3d>
+      </dsp:spPr>
+      <dsp:style>
+        <a:lnRef idx="1">
+          <a:scrgbClr r="0" g="0" b="0"/>
+        </a:lnRef>
+        <a:fillRef idx="1">
+          <a:scrgbClr r="0" g="0" b="0"/>
+        </a:fillRef>
+        <a:effectRef idx="0">
+          <a:scrgbClr r="0" g="0" b="0"/>
+        </a:effectRef>
+        <a:fontRef idx="minor"/>
+      </dsp:style>
+      <dsp:txBody>
+        <a:bodyPr spcFirstLastPara="0" vert="horz" wrap="square" lIns="60960" tIns="60960" rIns="60960" bIns="60960" numCol="1" spcCol="1270" anchor="ctr" anchorCtr="0">
+          <a:noAutofit/>
+        </a:bodyPr>
+        <a:lstStyle/>
+        <a:p>
+          <a:pPr lvl="0" algn="ctr" defTabSz="711200">
+            <a:lnSpc>
+              <a:spcPct val="90000"/>
+            </a:lnSpc>
+            <a:spcBef>
+              <a:spcPct val="0"/>
+            </a:spcBef>
+            <a:spcAft>
+              <a:spcPct val="35000"/>
+            </a:spcAft>
+          </a:pPr>
+          <a:r>
+            <a:rPr lang="en-US" sz="1600" kern="1200" dirty="0" smtClean="0"/>
+            <a:t>Distributed computing</a:t>
+          </a:r>
+          <a:endParaRPr lang="en-US" sz="1600" kern="1200" dirty="0"/>
+        </a:p>
+      </dsp:txBody>
+      <dsp:txXfrm>
+        <a:off x="2504978" y="537567"/>
+        <a:ext cx="1227727" cy="762294"/>
+      </dsp:txXfrm>
+    </dsp:sp>
+    <dsp:sp modelId="{69A55FC9-07D5-493D-8766-75E430406216}">
+      <dsp:nvSpPr>
+        <dsp:cNvPr id="0" name=""/>
+        <dsp:cNvSpPr/>
+      </dsp:nvSpPr>
+      <dsp:spPr>
+        <a:xfrm>
+          <a:off x="1785" y="1559836"/>
+          <a:ext cx="1275159" cy="809726"/>
+        </a:xfrm>
+        <a:prstGeom prst="roundRect">
+          <a:avLst>
+            <a:gd name="adj" fmla="val 10000"/>
+          </a:avLst>
+        </a:prstGeom>
+        <a:solidFill>
+          <a:schemeClr val="accent1">
+            <a:hueOff val="0"/>
+            <a:satOff val="0"/>
+            <a:lumOff val="0"/>
+            <a:alphaOff val="0"/>
+          </a:schemeClr>
+        </a:solidFill>
+        <a:ln>
+          <a:noFill/>
+        </a:ln>
+        <a:effectLst/>
+        <a:scene3d>
+          <a:camera prst="orthographicFront"/>
+          <a:lightRig rig="chilly" dir="t"/>
+        </a:scene3d>
+        <a:sp3d prstMaterial="translucentPowder">
+          <a:bevelT w="127000" h="25400" prst="softRound"/>
+        </a:sp3d>
+      </dsp:spPr>
+      <dsp:style>
+        <a:lnRef idx="0">
+          <a:scrgbClr r="0" g="0" b="0"/>
+        </a:lnRef>
+        <a:fillRef idx="1">
+          <a:scrgbClr r="0" g="0" b="0"/>
+        </a:fillRef>
+        <a:effectRef idx="0">
+          <a:scrgbClr r="0" g="0" b="0"/>
+        </a:effectRef>
+        <a:fontRef idx="minor">
+          <a:schemeClr val="lt1"/>
+        </a:fontRef>
+      </dsp:style>
+    </dsp:sp>
+    <dsp:sp modelId="{B20123EC-DD70-4002-B34F-72383B5AD1D0}">
+      <dsp:nvSpPr>
+        <dsp:cNvPr id="0" name=""/>
+        <dsp:cNvSpPr/>
+      </dsp:nvSpPr>
+      <dsp:spPr>
+        <a:xfrm>
+          <a:off x="143470" y="1694436"/>
+          <a:ext cx="1275159" cy="809726"/>
+        </a:xfrm>
+        <a:prstGeom prst="roundRect">
+          <a:avLst>
+            <a:gd name="adj" fmla="val 10000"/>
+          </a:avLst>
+        </a:prstGeom>
+        <a:solidFill>
+          <a:schemeClr val="lt1">
+            <a:alpha val="90000"/>
+            <a:hueOff val="0"/>
+            <a:satOff val="0"/>
+            <a:lumOff val="0"/>
+            <a:alphaOff val="0"/>
+          </a:schemeClr>
+        </a:solidFill>
+        <a:ln w="9525" cap="flat" cmpd="sng" algn="ctr">
+          <a:solidFill>
+            <a:schemeClr val="accent1">
+              <a:hueOff val="0"/>
+              <a:satOff val="0"/>
+              <a:lumOff val="0"/>
+              <a:alphaOff val="0"/>
+            </a:schemeClr>
+          </a:solidFill>
+          <a:prstDash val="solid"/>
+        </a:ln>
+        <a:effectLst/>
+        <a:scene3d>
+          <a:camera prst="orthographicFront"/>
+          <a:lightRig rig="chilly" dir="t"/>
+        </a:scene3d>
+        <a:sp3d z="12700" extrusionH="1700" prstMaterial="dkEdge">
+          <a:bevelT w="25400" h="6350" prst="softRound"/>
+          <a:bevelB w="0" h="0" prst="convex"/>
+        </a:sp3d>
+      </dsp:spPr>
+      <dsp:style>
+        <a:lnRef idx="1">
+          <a:scrgbClr r="0" g="0" b="0"/>
+        </a:lnRef>
+        <a:fillRef idx="1">
+          <a:scrgbClr r="0" g="0" b="0"/>
+        </a:fillRef>
+        <a:effectRef idx="0">
+          <a:scrgbClr r="0" g="0" b="0"/>
+        </a:effectRef>
+        <a:fontRef idx="minor"/>
+      </dsp:style>
+      <dsp:txBody>
+        <a:bodyPr spcFirstLastPara="0" vert="horz" wrap="square" lIns="60960" tIns="60960" rIns="60960" bIns="60960" numCol="1" spcCol="1270" anchor="ctr" anchorCtr="0">
+          <a:noAutofit/>
+        </a:bodyPr>
+        <a:lstStyle/>
+        <a:p>
+          <a:pPr lvl="0" algn="ctr" defTabSz="711200">
+            <a:lnSpc>
+              <a:spcPct val="90000"/>
+            </a:lnSpc>
+            <a:spcBef>
+              <a:spcPct val="0"/>
+            </a:spcBef>
+            <a:spcAft>
+              <a:spcPct val="35000"/>
+            </a:spcAft>
+          </a:pPr>
+          <a:r>
+            <a:rPr lang="en-US" sz="1600" kern="1200" dirty="0" smtClean="0"/>
+            <a:t>Peer-to-Peer computing </a:t>
+          </a:r>
+          <a:endParaRPr lang="en-US" sz="1600" kern="1200" dirty="0"/>
+        </a:p>
+      </dsp:txBody>
+      <dsp:txXfrm>
+        <a:off x="167186" y="1718152"/>
+        <a:ext cx="1227727" cy="762294"/>
+      </dsp:txXfrm>
+    </dsp:sp>
+    <dsp:sp modelId="{2DE0B614-F651-432D-93FC-82F30F1B3E94}">
+      <dsp:nvSpPr>
+        <dsp:cNvPr id="0" name=""/>
+        <dsp:cNvSpPr/>
+      </dsp:nvSpPr>
+      <dsp:spPr>
+        <a:xfrm>
+          <a:off x="1560314" y="1559836"/>
+          <a:ext cx="1275159" cy="809726"/>
+        </a:xfrm>
+        <a:prstGeom prst="roundRect">
+          <a:avLst>
+            <a:gd name="adj" fmla="val 10000"/>
+          </a:avLst>
+        </a:prstGeom>
+        <a:solidFill>
+          <a:schemeClr val="accent1">
+            <a:hueOff val="0"/>
+            <a:satOff val="0"/>
+            <a:lumOff val="0"/>
+            <a:alphaOff val="0"/>
+          </a:schemeClr>
+        </a:solidFill>
+        <a:ln>
+          <a:noFill/>
+        </a:ln>
+        <a:effectLst/>
+        <a:scene3d>
+          <a:camera prst="orthographicFront"/>
+          <a:lightRig rig="chilly" dir="t"/>
+        </a:scene3d>
+        <a:sp3d prstMaterial="translucentPowder">
+          <a:bevelT w="127000" h="25400" prst="softRound"/>
+        </a:sp3d>
+      </dsp:spPr>
+      <dsp:style>
+        <a:lnRef idx="0">
+          <a:scrgbClr r="0" g="0" b="0"/>
+        </a:lnRef>
+        <a:fillRef idx="1">
+          <a:scrgbClr r="0" g="0" b="0"/>
+        </a:fillRef>
+        <a:effectRef idx="0">
+          <a:scrgbClr r="0" g="0" b="0"/>
+        </a:effectRef>
+        <a:fontRef idx="minor">
+          <a:schemeClr val="lt1"/>
+        </a:fontRef>
+      </dsp:style>
+    </dsp:sp>
+    <dsp:sp modelId="{E8E6B3F1-996D-4405-A520-CB4BB672E79C}">
+      <dsp:nvSpPr>
+        <dsp:cNvPr id="0" name=""/>
+        <dsp:cNvSpPr/>
+      </dsp:nvSpPr>
+      <dsp:spPr>
+        <a:xfrm>
+          <a:off x="1701998" y="1694436"/>
+          <a:ext cx="1275159" cy="809726"/>
+        </a:xfrm>
+        <a:prstGeom prst="roundRect">
+          <a:avLst>
+            <a:gd name="adj" fmla="val 10000"/>
+          </a:avLst>
+        </a:prstGeom>
+        <a:solidFill>
+          <a:schemeClr val="lt1">
+            <a:alpha val="90000"/>
+            <a:hueOff val="0"/>
+            <a:satOff val="0"/>
+            <a:lumOff val="0"/>
+            <a:alphaOff val="0"/>
+          </a:schemeClr>
+        </a:solidFill>
+        <a:ln w="9525" cap="flat" cmpd="sng" algn="ctr">
+          <a:solidFill>
+            <a:schemeClr val="accent1">
+              <a:hueOff val="0"/>
+              <a:satOff val="0"/>
+              <a:lumOff val="0"/>
+              <a:alphaOff val="0"/>
+            </a:schemeClr>
+          </a:solidFill>
+          <a:prstDash val="solid"/>
+        </a:ln>
+        <a:effectLst/>
+        <a:scene3d>
+          <a:camera prst="orthographicFront"/>
+          <a:lightRig rig="chilly" dir="t"/>
+        </a:scene3d>
+        <a:sp3d z="12700" extrusionH="1700" prstMaterial="dkEdge">
+          <a:bevelT w="25400" h="6350" prst="softRound"/>
+          <a:bevelB w="0" h="0" prst="convex"/>
+        </a:sp3d>
+      </dsp:spPr>
+      <dsp:style>
+        <a:lnRef idx="1">
+          <a:scrgbClr r="0" g="0" b="0"/>
+        </a:lnRef>
+        <a:fillRef idx="1">
+          <a:scrgbClr r="0" g="0" b="0"/>
+        </a:fillRef>
+        <a:effectRef idx="0">
+          <a:scrgbClr r="0" g="0" b="0"/>
+        </a:effectRef>
+        <a:fontRef idx="minor"/>
+      </dsp:style>
+      <dsp:txBody>
+        <a:bodyPr spcFirstLastPara="0" vert="horz" wrap="square" lIns="60960" tIns="60960" rIns="60960" bIns="60960" numCol="1" spcCol="1270" anchor="ctr" anchorCtr="0">
+          <a:noAutofit/>
+        </a:bodyPr>
+        <a:lstStyle/>
+        <a:p>
+          <a:pPr lvl="0" algn="ctr" defTabSz="711200">
+            <a:lnSpc>
+              <a:spcPct val="90000"/>
+            </a:lnSpc>
+            <a:spcBef>
+              <a:spcPct val="0"/>
+            </a:spcBef>
+            <a:spcAft>
+              <a:spcPct val="35000"/>
+            </a:spcAft>
+          </a:pPr>
+          <a:r>
+            <a:rPr lang="en-US" sz="1600" kern="1200" dirty="0" smtClean="0"/>
+            <a:t>Cluster computing </a:t>
+          </a:r>
+          <a:endParaRPr lang="en-US" sz="1600" kern="1200" dirty="0"/>
+        </a:p>
+      </dsp:txBody>
+      <dsp:txXfrm>
+        <a:off x="1725714" y="1718152"/>
+        <a:ext cx="1227727" cy="762294"/>
+      </dsp:txXfrm>
+    </dsp:sp>
+    <dsp:sp modelId="{A484A1D8-D679-4EBD-9ABE-AB9C24280E21}">
+      <dsp:nvSpPr>
+        <dsp:cNvPr id="0" name=""/>
+        <dsp:cNvSpPr/>
+      </dsp:nvSpPr>
+      <dsp:spPr>
+        <a:xfrm>
+          <a:off x="3118842" y="1559836"/>
+          <a:ext cx="1275159" cy="809726"/>
+        </a:xfrm>
+        <a:prstGeom prst="roundRect">
+          <a:avLst>
+            <a:gd name="adj" fmla="val 10000"/>
+          </a:avLst>
+        </a:prstGeom>
+        <a:solidFill>
+          <a:schemeClr val="accent1">
+            <a:hueOff val="0"/>
+            <a:satOff val="0"/>
+            <a:lumOff val="0"/>
+            <a:alphaOff val="0"/>
+          </a:schemeClr>
+        </a:solidFill>
+        <a:ln>
+          <a:noFill/>
+        </a:ln>
+        <a:effectLst/>
+        <a:scene3d>
+          <a:camera prst="orthographicFront"/>
+          <a:lightRig rig="chilly" dir="t"/>
+        </a:scene3d>
+        <a:sp3d prstMaterial="translucentPowder">
+          <a:bevelT w="127000" h="25400" prst="softRound"/>
+        </a:sp3d>
+      </dsp:spPr>
+      <dsp:style>
+        <a:lnRef idx="0">
+          <a:scrgbClr r="0" g="0" b="0"/>
+        </a:lnRef>
+        <a:fillRef idx="1">
+          <a:scrgbClr r="0" g="0" b="0"/>
+        </a:fillRef>
+        <a:effectRef idx="0">
+          <a:scrgbClr r="0" g="0" b="0"/>
+        </a:effectRef>
+        <a:fontRef idx="minor">
+          <a:schemeClr val="lt1"/>
+        </a:fontRef>
+      </dsp:style>
+    </dsp:sp>
+    <dsp:sp modelId="{C62030B6-9838-4D35-81EF-6AE86E8FD0B7}">
+      <dsp:nvSpPr>
+        <dsp:cNvPr id="0" name=""/>
+        <dsp:cNvSpPr/>
+      </dsp:nvSpPr>
+      <dsp:spPr>
+        <a:xfrm>
+          <a:off x="3260526" y="1694436"/>
+          <a:ext cx="1275159" cy="809726"/>
+        </a:xfrm>
+        <a:prstGeom prst="roundRect">
+          <a:avLst>
+            <a:gd name="adj" fmla="val 10000"/>
+          </a:avLst>
+        </a:prstGeom>
+        <a:solidFill>
+          <a:schemeClr val="lt1">
+            <a:alpha val="90000"/>
+            <a:hueOff val="0"/>
+            <a:satOff val="0"/>
+            <a:lumOff val="0"/>
+            <a:alphaOff val="0"/>
+          </a:schemeClr>
+        </a:solidFill>
+        <a:ln w="9525" cap="flat" cmpd="sng" algn="ctr">
+          <a:solidFill>
+            <a:schemeClr val="accent1">
+              <a:hueOff val="0"/>
+              <a:satOff val="0"/>
+              <a:lumOff val="0"/>
+              <a:alphaOff val="0"/>
+            </a:schemeClr>
+          </a:solidFill>
+          <a:prstDash val="solid"/>
+        </a:ln>
+        <a:effectLst/>
+        <a:scene3d>
+          <a:camera prst="orthographicFront"/>
+          <a:lightRig rig="chilly" dir="t"/>
+        </a:scene3d>
+        <a:sp3d z="12700" extrusionH="1700" prstMaterial="dkEdge">
+          <a:bevelT w="25400" h="6350" prst="softRound"/>
+          <a:bevelB w="0" h="0" prst="convex"/>
+        </a:sp3d>
+      </dsp:spPr>
+      <dsp:style>
+        <a:lnRef idx="1">
+          <a:scrgbClr r="0" g="0" b="0"/>
+        </a:lnRef>
+        <a:fillRef idx="1">
+          <a:scrgbClr r="0" g="0" b="0"/>
+        </a:fillRef>
+        <a:effectRef idx="0">
+          <a:scrgbClr r="0" g="0" b="0"/>
+        </a:effectRef>
+        <a:fontRef idx="minor"/>
+      </dsp:style>
+      <dsp:txBody>
+        <a:bodyPr spcFirstLastPara="0" vert="horz" wrap="square" lIns="60960" tIns="60960" rIns="60960" bIns="60960" numCol="1" spcCol="1270" anchor="ctr" anchorCtr="0">
+          <a:noAutofit/>
+        </a:bodyPr>
+        <a:lstStyle/>
+        <a:p>
+          <a:pPr lvl="0" algn="ctr" defTabSz="711200">
+            <a:lnSpc>
+              <a:spcPct val="90000"/>
+            </a:lnSpc>
+            <a:spcBef>
+              <a:spcPct val="0"/>
+            </a:spcBef>
+            <a:spcAft>
+              <a:spcPct val="35000"/>
+            </a:spcAft>
+          </a:pPr>
+          <a:r>
+            <a:rPr lang="en-US" sz="1600" kern="1200" dirty="0" smtClean="0"/>
+            <a:t>Utility computing</a:t>
+          </a:r>
+          <a:endParaRPr lang="en-US" sz="1600" kern="1200" dirty="0"/>
+        </a:p>
+      </dsp:txBody>
+      <dsp:txXfrm>
+        <a:off x="3284242" y="1718152"/>
+        <a:ext cx="1227727" cy="762294"/>
+      </dsp:txXfrm>
+    </dsp:sp>
+    <dsp:sp modelId="{A464E424-42A2-42FE-8F6A-D586AC60FBD8}">
+      <dsp:nvSpPr>
+        <dsp:cNvPr id="0" name=""/>
+        <dsp:cNvSpPr/>
+      </dsp:nvSpPr>
+      <dsp:spPr>
+        <a:xfrm>
+          <a:off x="2339578" y="2740421"/>
+          <a:ext cx="1275159" cy="809726"/>
+        </a:xfrm>
+        <a:prstGeom prst="roundRect">
+          <a:avLst>
+            <a:gd name="adj" fmla="val 10000"/>
+          </a:avLst>
+        </a:prstGeom>
+        <a:solidFill>
+          <a:schemeClr val="accent1">
+            <a:hueOff val="0"/>
+            <a:satOff val="0"/>
+            <a:lumOff val="0"/>
+            <a:alphaOff val="0"/>
+          </a:schemeClr>
+        </a:solidFill>
+        <a:ln>
+          <a:noFill/>
+        </a:ln>
+        <a:effectLst/>
+        <a:scene3d>
+          <a:camera prst="orthographicFront"/>
+          <a:lightRig rig="chilly" dir="t"/>
+        </a:scene3d>
+        <a:sp3d prstMaterial="translucentPowder">
+          <a:bevelT w="127000" h="25400" prst="softRound"/>
+        </a:sp3d>
+      </dsp:spPr>
+      <dsp:style>
+        <a:lnRef idx="0">
+          <a:scrgbClr r="0" g="0" b="0"/>
+        </a:lnRef>
+        <a:fillRef idx="1">
+          <a:scrgbClr r="0" g="0" b="0"/>
+        </a:fillRef>
+        <a:effectRef idx="0">
+          <a:scrgbClr r="0" g="0" b="0"/>
+        </a:effectRef>
+        <a:fontRef idx="minor">
+          <a:schemeClr val="lt1"/>
+        </a:fontRef>
+      </dsp:style>
+    </dsp:sp>
+    <dsp:sp modelId="{1DF10A25-C6B6-4B35-9C02-9BD8BC53F595}">
+      <dsp:nvSpPr>
+        <dsp:cNvPr id="0" name=""/>
+        <dsp:cNvSpPr/>
+      </dsp:nvSpPr>
+      <dsp:spPr>
+        <a:xfrm>
+          <a:off x="2481262" y="2875022"/>
+          <a:ext cx="1275159" cy="809726"/>
+        </a:xfrm>
+        <a:prstGeom prst="roundRect">
+          <a:avLst>
+            <a:gd name="adj" fmla="val 10000"/>
+          </a:avLst>
+        </a:prstGeom>
+        <a:solidFill>
+          <a:schemeClr val="lt1">
+            <a:alpha val="90000"/>
+            <a:hueOff val="0"/>
+            <a:satOff val="0"/>
+            <a:lumOff val="0"/>
+            <a:alphaOff val="0"/>
+          </a:schemeClr>
+        </a:solidFill>
+        <a:ln w="9525" cap="flat" cmpd="sng" algn="ctr">
+          <a:solidFill>
+            <a:schemeClr val="accent1">
+              <a:hueOff val="0"/>
+              <a:satOff val="0"/>
+              <a:lumOff val="0"/>
+              <a:alphaOff val="0"/>
+            </a:schemeClr>
+          </a:solidFill>
+          <a:prstDash val="solid"/>
+        </a:ln>
+        <a:effectLst/>
+        <a:scene3d>
+          <a:camera prst="orthographicFront"/>
+          <a:lightRig rig="chilly" dir="t"/>
+        </a:scene3d>
+        <a:sp3d z="12700" extrusionH="1700" prstMaterial="dkEdge">
+          <a:bevelT w="25400" h="6350" prst="softRound"/>
+          <a:bevelB w="0" h="0" prst="convex"/>
+        </a:sp3d>
+      </dsp:spPr>
+      <dsp:style>
+        <a:lnRef idx="1">
+          <a:scrgbClr r="0" g="0" b="0"/>
+        </a:lnRef>
+        <a:fillRef idx="1">
+          <a:scrgbClr r="0" g="0" b="0"/>
+        </a:fillRef>
+        <a:effectRef idx="0">
+          <a:scrgbClr r="0" g="0" b="0"/>
+        </a:effectRef>
+        <a:fontRef idx="minor"/>
+      </dsp:style>
+      <dsp:txBody>
+        <a:bodyPr spcFirstLastPara="0" vert="horz" wrap="square" lIns="60960" tIns="60960" rIns="60960" bIns="60960" numCol="1" spcCol="1270" anchor="ctr" anchorCtr="0">
+          <a:noAutofit/>
+        </a:bodyPr>
+        <a:lstStyle/>
+        <a:p>
+          <a:pPr lvl="0" algn="ctr" defTabSz="711200">
+            <a:lnSpc>
+              <a:spcPct val="90000"/>
+            </a:lnSpc>
+            <a:spcBef>
+              <a:spcPct val="0"/>
+            </a:spcBef>
+            <a:spcAft>
+              <a:spcPct val="35000"/>
+            </a:spcAft>
+          </a:pPr>
+          <a:r>
+            <a:rPr lang="en-US" sz="1600" kern="1200" dirty="0" smtClean="0"/>
+            <a:t>Grid computing</a:t>
+          </a:r>
+          <a:endParaRPr lang="en-US" sz="1600" kern="1200" dirty="0"/>
+        </a:p>
+      </dsp:txBody>
+      <dsp:txXfrm>
+        <a:off x="2504978" y="2898738"/>
+        <a:ext cx="1227727" cy="762294"/>
+      </dsp:txXfrm>
+    </dsp:sp>
+    <dsp:sp modelId="{F3349138-DD3D-4D01-ABC7-3B5EEB6CD915}">
+      <dsp:nvSpPr>
+        <dsp:cNvPr id="0" name=""/>
+        <dsp:cNvSpPr/>
+      </dsp:nvSpPr>
+      <dsp:spPr>
+        <a:xfrm>
+          <a:off x="3898106" y="2740421"/>
+          <a:ext cx="1275159" cy="809726"/>
+        </a:xfrm>
+        <a:prstGeom prst="roundRect">
+          <a:avLst>
+            <a:gd name="adj" fmla="val 10000"/>
+          </a:avLst>
+        </a:prstGeom>
+        <a:solidFill>
+          <a:schemeClr val="accent1">
+            <a:hueOff val="0"/>
+            <a:satOff val="0"/>
+            <a:lumOff val="0"/>
+            <a:alphaOff val="0"/>
+          </a:schemeClr>
+        </a:solidFill>
+        <a:ln>
+          <a:noFill/>
+        </a:ln>
+        <a:effectLst/>
+        <a:scene3d>
+          <a:camera prst="orthographicFront"/>
+          <a:lightRig rig="chilly" dir="t"/>
+        </a:scene3d>
+        <a:sp3d prstMaterial="translucentPowder">
+          <a:bevelT w="127000" h="25400" prst="softRound"/>
+        </a:sp3d>
+      </dsp:spPr>
+      <dsp:style>
+        <a:lnRef idx="0">
+          <a:scrgbClr r="0" g="0" b="0"/>
+        </a:lnRef>
+        <a:fillRef idx="1">
+          <a:scrgbClr r="0" g="0" b="0"/>
+        </a:fillRef>
+        <a:effectRef idx="0">
+          <a:scrgbClr r="0" g="0" b="0"/>
+        </a:effectRef>
+        <a:fontRef idx="minor">
+          <a:schemeClr val="lt1"/>
+        </a:fontRef>
+      </dsp:style>
+    </dsp:sp>
+    <dsp:sp modelId="{35177D51-DA6B-4B74-8542-DDCB57DE5FAE}">
+      <dsp:nvSpPr>
+        <dsp:cNvPr id="0" name=""/>
+        <dsp:cNvSpPr/>
+      </dsp:nvSpPr>
+      <dsp:spPr>
+        <a:xfrm>
+          <a:off x="4039790" y="2875022"/>
+          <a:ext cx="1275159" cy="809726"/>
+        </a:xfrm>
+        <a:prstGeom prst="roundRect">
+          <a:avLst>
+            <a:gd name="adj" fmla="val 10000"/>
+          </a:avLst>
+        </a:prstGeom>
+        <a:solidFill>
+          <a:schemeClr val="lt1">
+            <a:alpha val="90000"/>
+            <a:hueOff val="0"/>
+            <a:satOff val="0"/>
+            <a:lumOff val="0"/>
+            <a:alphaOff val="0"/>
+          </a:schemeClr>
+        </a:solidFill>
+        <a:ln w="9525" cap="flat" cmpd="sng" algn="ctr">
+          <a:solidFill>
+            <a:schemeClr val="accent1">
+              <a:hueOff val="0"/>
+              <a:satOff val="0"/>
+              <a:lumOff val="0"/>
+              <a:alphaOff val="0"/>
+            </a:schemeClr>
+          </a:solidFill>
+          <a:prstDash val="solid"/>
+        </a:ln>
+        <a:effectLst/>
+        <a:scene3d>
+          <a:camera prst="orthographicFront"/>
+          <a:lightRig rig="chilly" dir="t"/>
+        </a:scene3d>
+        <a:sp3d z="12700" extrusionH="1700" prstMaterial="dkEdge">
+          <a:bevelT w="25400" h="6350" prst="softRound"/>
+          <a:bevelB w="0" h="0" prst="convex"/>
+        </a:sp3d>
+      </dsp:spPr>
+      <dsp:style>
+        <a:lnRef idx="1">
+          <a:scrgbClr r="0" g="0" b="0"/>
+        </a:lnRef>
+        <a:fillRef idx="1">
+          <a:scrgbClr r="0" g="0" b="0"/>
+        </a:fillRef>
+        <a:effectRef idx="0">
+          <a:scrgbClr r="0" g="0" b="0"/>
+        </a:effectRef>
+        <a:fontRef idx="minor"/>
+      </dsp:style>
+      <dsp:txBody>
+        <a:bodyPr spcFirstLastPara="0" vert="horz" wrap="square" lIns="60960" tIns="60960" rIns="60960" bIns="60960" numCol="1" spcCol="1270" anchor="ctr" anchorCtr="0">
+          <a:noAutofit/>
+        </a:bodyPr>
+        <a:lstStyle/>
+        <a:p>
+          <a:pPr lvl="0" algn="ctr" defTabSz="711200">
+            <a:lnSpc>
+              <a:spcPct val="90000"/>
+            </a:lnSpc>
+            <a:spcBef>
+              <a:spcPct val="0"/>
+            </a:spcBef>
+            <a:spcAft>
+              <a:spcPct val="35000"/>
+            </a:spcAft>
+          </a:pPr>
+          <a:r>
+            <a:rPr lang="en-US" sz="1600" kern="1200" dirty="0" smtClean="0"/>
+            <a:t>Cloud computing</a:t>
+          </a:r>
+          <a:endParaRPr lang="en-US" sz="1600" kern="1200" dirty="0"/>
+        </a:p>
+      </dsp:txBody>
+      <dsp:txXfrm>
+        <a:off x="4063506" y="2898738"/>
+        <a:ext cx="1227727" cy="762294"/>
+      </dsp:txXfrm>
+    </dsp:sp>
+    <dsp:sp modelId="{AABC5D3A-A05C-4BE5-8A31-2BFE359C1ABF}">
+      <dsp:nvSpPr>
+        <dsp:cNvPr id="0" name=""/>
+        <dsp:cNvSpPr/>
+      </dsp:nvSpPr>
+      <dsp:spPr>
+        <a:xfrm>
+          <a:off x="4677370" y="1559836"/>
+          <a:ext cx="1275159" cy="809726"/>
+        </a:xfrm>
+        <a:prstGeom prst="roundRect">
+          <a:avLst>
+            <a:gd name="adj" fmla="val 10000"/>
+          </a:avLst>
+        </a:prstGeom>
+        <a:solidFill>
+          <a:schemeClr val="accent1">
+            <a:hueOff val="0"/>
+            <a:satOff val="0"/>
+            <a:lumOff val="0"/>
+            <a:alphaOff val="0"/>
+          </a:schemeClr>
+        </a:solidFill>
+        <a:ln>
+          <a:noFill/>
+        </a:ln>
+        <a:effectLst/>
+        <a:scene3d>
+          <a:camera prst="orthographicFront"/>
+          <a:lightRig rig="chilly" dir="t"/>
+        </a:scene3d>
+        <a:sp3d prstMaterial="translucentPowder">
+          <a:bevelT w="127000" h="25400" prst="softRound"/>
+        </a:sp3d>
+      </dsp:spPr>
+      <dsp:style>
+        <a:lnRef idx="0">
+          <a:scrgbClr r="0" g="0" b="0"/>
+        </a:lnRef>
+        <a:fillRef idx="1">
+          <a:scrgbClr r="0" g="0" b="0"/>
+        </a:fillRef>
+        <a:effectRef idx="0">
+          <a:scrgbClr r="0" g="0" b="0"/>
+        </a:effectRef>
+        <a:fontRef idx="minor">
+          <a:schemeClr val="lt1"/>
+        </a:fontRef>
+      </dsp:style>
+    </dsp:sp>
+    <dsp:sp modelId="{E753A8D8-B50F-42C4-B0CE-D216BE908656}">
+      <dsp:nvSpPr>
+        <dsp:cNvPr id="0" name=""/>
+        <dsp:cNvSpPr/>
+      </dsp:nvSpPr>
+      <dsp:spPr>
+        <a:xfrm>
+          <a:off x="4819054" y="1694436"/>
+          <a:ext cx="1275159" cy="809726"/>
+        </a:xfrm>
+        <a:prstGeom prst="roundRect">
+          <a:avLst>
+            <a:gd name="adj" fmla="val 10000"/>
+          </a:avLst>
+        </a:prstGeom>
+        <a:solidFill>
+          <a:schemeClr val="lt1">
+            <a:alpha val="90000"/>
+            <a:hueOff val="0"/>
+            <a:satOff val="0"/>
+            <a:lumOff val="0"/>
+            <a:alphaOff val="0"/>
+          </a:schemeClr>
+        </a:solidFill>
+        <a:ln w="9525" cap="flat" cmpd="sng" algn="ctr">
+          <a:solidFill>
+            <a:schemeClr val="accent1">
+              <a:hueOff val="0"/>
+              <a:satOff val="0"/>
+              <a:lumOff val="0"/>
+              <a:alphaOff val="0"/>
+            </a:schemeClr>
+          </a:solidFill>
+          <a:prstDash val="solid"/>
+        </a:ln>
+        <a:effectLst/>
+        <a:scene3d>
+          <a:camera prst="orthographicFront"/>
+          <a:lightRig rig="chilly" dir="t"/>
+        </a:scene3d>
+        <a:sp3d z="12700" extrusionH="1700" prstMaterial="dkEdge">
+          <a:bevelT w="25400" h="6350" prst="softRound"/>
+          <a:bevelB w="0" h="0" prst="convex"/>
+        </a:sp3d>
+      </dsp:spPr>
+      <dsp:style>
+        <a:lnRef idx="1">
+          <a:scrgbClr r="0" g="0" b="0"/>
+        </a:lnRef>
+        <a:fillRef idx="1">
+          <a:scrgbClr r="0" g="0" b="0"/>
+        </a:fillRef>
+        <a:effectRef idx="0">
+          <a:scrgbClr r="0" g="0" b="0"/>
+        </a:effectRef>
+        <a:fontRef idx="minor"/>
+      </dsp:style>
+      <dsp:txBody>
+        <a:bodyPr spcFirstLastPara="0" vert="horz" wrap="square" lIns="60960" tIns="60960" rIns="60960" bIns="60960" numCol="1" spcCol="1270" anchor="ctr" anchorCtr="0">
+          <a:noAutofit/>
+        </a:bodyPr>
+        <a:lstStyle/>
+        <a:p>
+          <a:pPr lvl="0" algn="ctr" defTabSz="711200">
+            <a:lnSpc>
+              <a:spcPct val="90000"/>
+            </a:lnSpc>
+            <a:spcBef>
+              <a:spcPct val="0"/>
+            </a:spcBef>
+            <a:spcAft>
+              <a:spcPct val="35000"/>
+            </a:spcAft>
+          </a:pPr>
+          <a:r>
+            <a:rPr lang="en-US" sz="1600" kern="1200" dirty="0" smtClean="0"/>
+            <a:t>Jungle computing</a:t>
+          </a:r>
+          <a:endParaRPr lang="en-US" sz="1600" kern="1200" dirty="0"/>
+        </a:p>
+      </dsp:txBody>
+      <dsp:txXfrm>
+        <a:off x="4842770" y="1718152"/>
+        <a:ext cx="1227727" cy="762294"/>
+      </dsp:txXfrm>
+    </dsp:sp>
+  </dsp:spTree>
+</dsp:drawing>
+</file>
+
+<file path=ppt/diagrams/drawing6.xml><?xml version="1.0" encoding="utf-8"?>
+<dsp:drawing xmlns:dgm="http://schemas.openxmlformats.org/drawingml/2006/diagram" xmlns:dsp="http://schemas.microsoft.com/office/drawing/2008/diagram" xmlns:a="http://schemas.openxmlformats.org/drawingml/2006/main">
+  <dsp:spTree>
+    <dsp:nvGrpSpPr>
+      <dsp:cNvPr id="0" name=""/>
+      <dsp:cNvGrpSpPr/>
+    </dsp:nvGrpSpPr>
+    <dsp:grpSpPr/>
+    <dsp:sp modelId="{B9DBE853-1220-4835-8021-A3F1FA6A5A9F}">
+      <dsp:nvSpPr>
+        <dsp:cNvPr id="0" name=""/>
+        <dsp:cNvSpPr/>
+      </dsp:nvSpPr>
+      <dsp:spPr>
+        <a:xfrm>
+          <a:off x="3869806" y="982048"/>
+          <a:ext cx="419824" cy="849390"/>
+        </a:xfrm>
+        <a:custGeom>
+          <a:avLst/>
+          <a:gdLst/>
+          <a:ahLst/>
+          <a:cxnLst/>
+          <a:rect l="0" t="0" r="0" b="0"/>
+          <a:pathLst>
+            <a:path>
+              <a:moveTo>
+                <a:pt x="419824" y="0"/>
+              </a:moveTo>
+              <a:lnTo>
+                <a:pt x="419824" y="849390"/>
+              </a:lnTo>
+              <a:lnTo>
+                <a:pt x="0" y="849390"/>
+              </a:lnTo>
+            </a:path>
+          </a:pathLst>
+        </a:custGeom>
+        <a:noFill/>
+        <a:ln w="25400" cap="flat" cmpd="sng" algn="ctr">
+          <a:solidFill>
+            <a:schemeClr val="accent1">
+              <a:shade val="60000"/>
+              <a:hueOff val="0"/>
+              <a:satOff val="0"/>
+              <a:lumOff val="0"/>
+              <a:alphaOff val="0"/>
+            </a:schemeClr>
+          </a:solidFill>
+          <a:prstDash val="solid"/>
+        </a:ln>
+        <a:effectLst/>
+      </dsp:spPr>
+      <dsp:style>
+        <a:lnRef idx="2">
+          <a:scrgbClr r="0" g="0" b="0"/>
+        </a:lnRef>
+        <a:fillRef idx="0">
+          <a:scrgbClr r="0" g="0" b="0"/>
+        </a:fillRef>
+        <a:effectRef idx="0">
+          <a:scrgbClr r="0" g="0" b="0"/>
+        </a:effectRef>
+        <a:fontRef idx="minor"/>
+      </dsp:style>
+    </dsp:sp>
+    <dsp:sp modelId="{CB1C7E6B-7295-402A-ADBE-54C0E1D388BE}">
+      <dsp:nvSpPr>
+        <dsp:cNvPr id="0" name=""/>
+        <dsp:cNvSpPr/>
+      </dsp:nvSpPr>
+      <dsp:spPr>
+        <a:xfrm>
+          <a:off x="4289630" y="982048"/>
+          <a:ext cx="2234879" cy="2340766"/>
+        </a:xfrm>
+        <a:custGeom>
+          <a:avLst/>
+          <a:gdLst/>
+          <a:ahLst/>
+          <a:cxnLst/>
+          <a:rect l="0" t="0" r="0" b="0"/>
+          <a:pathLst>
+            <a:path>
+              <a:moveTo>
+                <a:pt x="0" y="0"/>
+              </a:moveTo>
+              <a:lnTo>
+                <a:pt x="0" y="2021156"/>
+              </a:lnTo>
+              <a:lnTo>
+                <a:pt x="2234879" y="2021156"/>
+              </a:lnTo>
+              <a:lnTo>
+                <a:pt x="2234879" y="2340766"/>
+              </a:lnTo>
+            </a:path>
+          </a:pathLst>
+        </a:custGeom>
+        <a:noFill/>
+        <a:ln w="25400" cap="flat" cmpd="sng" algn="ctr">
+          <a:solidFill>
+            <a:schemeClr val="accent1">
+              <a:shade val="60000"/>
+              <a:hueOff val="0"/>
+              <a:satOff val="0"/>
+              <a:lumOff val="0"/>
+              <a:alphaOff val="0"/>
+            </a:schemeClr>
+          </a:solidFill>
+          <a:prstDash val="solid"/>
+        </a:ln>
+        <a:effectLst/>
+      </dsp:spPr>
+      <dsp:style>
+        <a:lnRef idx="2">
+          <a:scrgbClr r="0" g="0" b="0"/>
+        </a:lnRef>
+        <a:fillRef idx="0">
+          <a:scrgbClr r="0" g="0" b="0"/>
+        </a:fillRef>
+        <a:effectRef idx="0">
+          <a:scrgbClr r="0" g="0" b="0"/>
+        </a:effectRef>
+        <a:fontRef idx="minor"/>
+      </dsp:style>
+    </dsp:sp>
+    <dsp:sp modelId="{96F1D845-DC2D-48F9-8EAB-4FA1016274EF}">
+      <dsp:nvSpPr>
+        <dsp:cNvPr id="0" name=""/>
+        <dsp:cNvSpPr/>
+      </dsp:nvSpPr>
+      <dsp:spPr>
+        <a:xfrm>
+          <a:off x="1547734" y="982048"/>
+          <a:ext cx="2741896" cy="2340766"/>
+        </a:xfrm>
+        <a:custGeom>
+          <a:avLst/>
+          <a:gdLst/>
+          <a:ahLst/>
+          <a:cxnLst/>
+          <a:rect l="0" t="0" r="0" b="0"/>
+          <a:pathLst>
+            <a:path>
+              <a:moveTo>
+                <a:pt x="2741896" y="0"/>
+              </a:moveTo>
+              <a:lnTo>
+                <a:pt x="2741896" y="2021156"/>
+              </a:lnTo>
+              <a:lnTo>
+                <a:pt x="0" y="2021156"/>
+              </a:lnTo>
+              <a:lnTo>
+                <a:pt x="0" y="2340766"/>
+              </a:lnTo>
+            </a:path>
+          </a:pathLst>
+        </a:custGeom>
+        <a:noFill/>
+        <a:ln w="25400" cap="flat" cmpd="sng" algn="ctr">
+          <a:solidFill>
+            <a:schemeClr val="accent1">
+              <a:shade val="60000"/>
+              <a:hueOff val="0"/>
+              <a:satOff val="0"/>
+              <a:lumOff val="0"/>
+              <a:alphaOff val="0"/>
+            </a:schemeClr>
+          </a:solidFill>
+          <a:prstDash val="solid"/>
+        </a:ln>
+        <a:effectLst/>
+      </dsp:spPr>
+      <dsp:style>
+        <a:lnRef idx="2">
+          <a:scrgbClr r="0" g="0" b="0"/>
+        </a:lnRef>
+        <a:fillRef idx="0">
+          <a:scrgbClr r="0" g="0" b="0"/>
+        </a:fillRef>
+        <a:effectRef idx="0">
+          <a:scrgbClr r="0" g="0" b="0"/>
+        </a:effectRef>
+        <a:fontRef idx="minor"/>
+      </dsp:style>
+    </dsp:sp>
+    <dsp:sp modelId="{50770E18-91D7-4E79-8868-6B6F1ABB0A5F}">
+      <dsp:nvSpPr>
+        <dsp:cNvPr id="0" name=""/>
+        <dsp:cNvSpPr/>
+      </dsp:nvSpPr>
+      <dsp:spPr>
+        <a:xfrm>
+          <a:off x="3137948" y="1301"/>
+          <a:ext cx="2303364" cy="980746"/>
+        </a:xfrm>
+        <a:prstGeom prst="rect">
+          <a:avLst/>
+        </a:prstGeom>
+        <a:solidFill>
+          <a:schemeClr val="accent1">
+            <a:hueOff val="0"/>
+            <a:satOff val="0"/>
+            <a:lumOff val="0"/>
+            <a:alphaOff val="0"/>
+          </a:schemeClr>
+        </a:solidFill>
+        <a:ln w="25400" cap="flat" cmpd="sng" algn="ctr">
+          <a:solidFill>
+            <a:schemeClr val="lt1">
+              <a:hueOff val="0"/>
+              <a:satOff val="0"/>
+              <a:lumOff val="0"/>
+              <a:alphaOff val="0"/>
+            </a:schemeClr>
+          </a:solidFill>
+          <a:prstDash val="solid"/>
+        </a:ln>
+        <a:effectLst/>
+      </dsp:spPr>
+      <dsp:style>
+        <a:lnRef idx="2">
+          <a:scrgbClr r="0" g="0" b="0"/>
+        </a:lnRef>
+        <a:fillRef idx="1">
+          <a:scrgbClr r="0" g="0" b="0"/>
+        </a:fillRef>
+        <a:effectRef idx="0">
+          <a:scrgbClr r="0" g="0" b="0"/>
+        </a:effectRef>
+        <a:fontRef idx="minor">
+          <a:schemeClr val="lt1"/>
+        </a:fontRef>
+      </dsp:style>
+      <dsp:txBody>
+        <a:bodyPr spcFirstLastPara="0" vert="horz" wrap="square" lIns="16510" tIns="16510" rIns="16510" bIns="193288" numCol="1" spcCol="1270" anchor="ctr" anchorCtr="0">
+          <a:noAutofit/>
+        </a:bodyPr>
+        <a:lstStyle/>
+        <a:p>
+          <a:pPr lvl="0" algn="ctr" defTabSz="1155700">
+            <a:lnSpc>
+              <a:spcPct val="90000"/>
+            </a:lnSpc>
+            <a:spcBef>
+              <a:spcPct val="0"/>
+            </a:spcBef>
+            <a:spcAft>
+              <a:spcPct val="35000"/>
+            </a:spcAft>
+          </a:pPr>
+          <a:r>
+            <a:rPr lang="en-US" sz="2600" kern="1200" dirty="0" smtClean="0"/>
+            <a:t>Distributed Cuttlefish</a:t>
+          </a:r>
+          <a:endParaRPr lang="en-US" sz="2600" kern="1200" dirty="0"/>
+        </a:p>
+      </dsp:txBody>
+      <dsp:txXfrm>
+        <a:off x="3137948" y="1301"/>
+        <a:ext cx="2303364" cy="980746"/>
+      </dsp:txXfrm>
+    </dsp:sp>
+    <dsp:sp modelId="{F5861941-A33A-4C6F-A01B-6F1E36E77ED0}">
+      <dsp:nvSpPr>
+        <dsp:cNvPr id="0" name=""/>
+        <dsp:cNvSpPr/>
+      </dsp:nvSpPr>
+      <dsp:spPr>
+        <a:xfrm>
+          <a:off x="3956935" y="913756"/>
+          <a:ext cx="1459060" cy="373400"/>
+        </a:xfrm>
+        <a:prstGeom prst="rect">
+          <a:avLst/>
+        </a:prstGeom>
+        <a:solidFill>
+          <a:schemeClr val="lt1">
+            <a:alpha val="90000"/>
+            <a:hueOff val="0"/>
+            <a:satOff val="0"/>
+            <a:lumOff val="0"/>
+            <a:alphaOff val="0"/>
+          </a:schemeClr>
+        </a:solidFill>
+        <a:ln w="25400" cap="flat" cmpd="sng" algn="ctr">
+          <a:solidFill>
+            <a:schemeClr val="accent1">
+              <a:hueOff val="0"/>
+              <a:satOff val="0"/>
+              <a:lumOff val="0"/>
+              <a:alphaOff val="0"/>
+            </a:schemeClr>
+          </a:solidFill>
+          <a:prstDash val="solid"/>
+        </a:ln>
+        <a:effectLst/>
+      </dsp:spPr>
+      <dsp:style>
+        <a:lnRef idx="2">
+          <a:scrgbClr r="0" g="0" b="0"/>
+        </a:lnRef>
+        <a:fillRef idx="1">
+          <a:scrgbClr r="0" g="0" b="0"/>
+        </a:fillRef>
+        <a:effectRef idx="0">
+          <a:scrgbClr r="0" g="0" b="0"/>
+        </a:effectRef>
+        <a:fontRef idx="minor"/>
+      </dsp:style>
+      <dsp:txBody>
+        <a:bodyPr spcFirstLastPara="0" vert="horz" wrap="square" lIns="58420" tIns="14605" rIns="58420" bIns="14605" numCol="1" spcCol="1270" anchor="ctr" anchorCtr="0">
+          <a:noAutofit/>
+        </a:bodyPr>
+        <a:lstStyle/>
+        <a:p>
+          <a:pPr lvl="0" algn="r" defTabSz="1022350">
+            <a:lnSpc>
+              <a:spcPct val="90000"/>
+            </a:lnSpc>
+            <a:spcBef>
+              <a:spcPct val="0"/>
+            </a:spcBef>
+            <a:spcAft>
+              <a:spcPct val="35000"/>
+            </a:spcAft>
+          </a:pPr>
+          <a:r>
+            <a:rPr lang="en-US" sz="2300" kern="1200" dirty="0" smtClean="0"/>
+            <a:t>Prototypes</a:t>
+          </a:r>
+          <a:endParaRPr lang="en-US" sz="2300" kern="1200" dirty="0"/>
+        </a:p>
+      </dsp:txBody>
+      <dsp:txXfrm>
+        <a:off x="3956935" y="913756"/>
+        <a:ext cx="1459060" cy="373400"/>
+      </dsp:txXfrm>
+    </dsp:sp>
+    <dsp:sp modelId="{1ADA7FED-6F70-4CE5-A3B0-F51B3922FFFE}">
+      <dsp:nvSpPr>
+        <dsp:cNvPr id="0" name=""/>
+        <dsp:cNvSpPr/>
+      </dsp:nvSpPr>
+      <dsp:spPr>
+        <a:xfrm>
+          <a:off x="442124" y="3322815"/>
+          <a:ext cx="2211219" cy="663743"/>
+        </a:xfrm>
+        <a:prstGeom prst="rect">
+          <a:avLst/>
+        </a:prstGeom>
+        <a:solidFill>
+          <a:schemeClr val="accent1">
+            <a:hueOff val="0"/>
+            <a:satOff val="0"/>
+            <a:lumOff val="0"/>
+            <a:alphaOff val="0"/>
+          </a:schemeClr>
+        </a:solidFill>
+        <a:ln w="25400" cap="flat" cmpd="sng" algn="ctr">
+          <a:solidFill>
+            <a:schemeClr val="lt1">
+              <a:hueOff val="0"/>
+              <a:satOff val="0"/>
+              <a:lumOff val="0"/>
+              <a:alphaOff val="0"/>
+            </a:schemeClr>
+          </a:solidFill>
+          <a:prstDash val="solid"/>
+        </a:ln>
+        <a:effectLst/>
+      </dsp:spPr>
+      <dsp:style>
+        <a:lnRef idx="2">
+          <a:scrgbClr r="0" g="0" b="0"/>
+        </a:lnRef>
+        <a:fillRef idx="1">
+          <a:scrgbClr r="0" g="0" b="0"/>
+        </a:fillRef>
+        <a:effectRef idx="0">
+          <a:scrgbClr r="0" g="0" b="0"/>
+        </a:effectRef>
+        <a:fontRef idx="minor">
+          <a:schemeClr val="lt1"/>
+        </a:fontRef>
+      </dsp:style>
+      <dsp:txBody>
+        <a:bodyPr spcFirstLastPara="0" vert="horz" wrap="square" lIns="16510" tIns="16510" rIns="16510" bIns="193288" numCol="1" spcCol="1270" anchor="ctr" anchorCtr="0">
+          <a:noAutofit/>
+        </a:bodyPr>
+        <a:lstStyle/>
+        <a:p>
+          <a:pPr lvl="0" algn="ctr" defTabSz="1155700">
+            <a:lnSpc>
+              <a:spcPct val="90000"/>
+            </a:lnSpc>
+            <a:spcBef>
+              <a:spcPct val="0"/>
+            </a:spcBef>
+            <a:spcAft>
+              <a:spcPct val="35000"/>
+            </a:spcAft>
+          </a:pPr>
+          <a:r>
+            <a:rPr lang="en-US" sz="2600" kern="1200" dirty="0" smtClean="0"/>
+            <a:t>Prototype I</a:t>
+          </a:r>
+          <a:endParaRPr lang="en-US" sz="2600" kern="1200" dirty="0"/>
+        </a:p>
+      </dsp:txBody>
+      <dsp:txXfrm>
+        <a:off x="442124" y="3322815"/>
+        <a:ext cx="2211219" cy="663743"/>
+      </dsp:txXfrm>
+    </dsp:sp>
+    <dsp:sp modelId="{C6DA1240-E4B1-484D-B02D-4F2DE5D54422}">
+      <dsp:nvSpPr>
+        <dsp:cNvPr id="0" name=""/>
+        <dsp:cNvSpPr/>
+      </dsp:nvSpPr>
+      <dsp:spPr>
+        <a:xfrm>
+          <a:off x="505072" y="3831191"/>
+          <a:ext cx="2480895" cy="456586"/>
+        </a:xfrm>
+        <a:prstGeom prst="rect">
+          <a:avLst/>
+        </a:prstGeom>
+        <a:solidFill>
+          <a:schemeClr val="lt1">
+            <a:alpha val="90000"/>
+            <a:hueOff val="0"/>
+            <a:satOff val="0"/>
+            <a:lumOff val="0"/>
+            <a:alphaOff val="0"/>
+          </a:schemeClr>
+        </a:solidFill>
+        <a:ln w="25400" cap="flat" cmpd="sng" algn="ctr">
+          <a:solidFill>
+            <a:schemeClr val="accent1">
+              <a:hueOff val="0"/>
+              <a:satOff val="0"/>
+              <a:lumOff val="0"/>
+              <a:alphaOff val="0"/>
+            </a:schemeClr>
+          </a:solidFill>
+          <a:prstDash val="solid"/>
+        </a:ln>
+        <a:effectLst/>
+      </dsp:spPr>
+      <dsp:style>
+        <a:lnRef idx="2">
+          <a:scrgbClr r="0" g="0" b="0"/>
+        </a:lnRef>
+        <a:fillRef idx="1">
+          <a:scrgbClr r="0" g="0" b="0"/>
+        </a:fillRef>
+        <a:effectRef idx="0">
+          <a:scrgbClr r="0" g="0" b="0"/>
+        </a:effectRef>
+        <a:fontRef idx="minor"/>
+      </dsp:style>
+      <dsp:txBody>
+        <a:bodyPr spcFirstLastPara="0" vert="horz" wrap="square" lIns="38100" tIns="9525" rIns="38100" bIns="9525" numCol="1" spcCol="1270" anchor="ctr" anchorCtr="0">
+          <a:noAutofit/>
+        </a:bodyPr>
+        <a:lstStyle/>
+        <a:p>
+          <a:pPr lvl="0" algn="r" defTabSz="666750">
+            <a:lnSpc>
+              <a:spcPct val="90000"/>
+            </a:lnSpc>
+            <a:spcBef>
+              <a:spcPct val="0"/>
+            </a:spcBef>
+            <a:spcAft>
+              <a:spcPct val="35000"/>
+            </a:spcAft>
+          </a:pPr>
+          <a:r>
+            <a:rPr lang="en-US" sz="1500" kern="1200" dirty="0" smtClean="0"/>
+            <a:t>I/O  through disk read /writes</a:t>
+          </a:r>
+          <a:endParaRPr lang="en-US" sz="1500" kern="1200" dirty="0"/>
+        </a:p>
+      </dsp:txBody>
+      <dsp:txXfrm>
+        <a:off x="505072" y="3831191"/>
+        <a:ext cx="2480895" cy="456586"/>
+      </dsp:txXfrm>
+    </dsp:sp>
+    <dsp:sp modelId="{75A99C37-7CA4-4942-8AF4-242A6FA923A4}">
+      <dsp:nvSpPr>
+        <dsp:cNvPr id="0" name=""/>
+        <dsp:cNvSpPr/>
+      </dsp:nvSpPr>
+      <dsp:spPr>
+        <a:xfrm>
+          <a:off x="5346240" y="3322815"/>
+          <a:ext cx="2356540" cy="663743"/>
+        </a:xfrm>
+        <a:prstGeom prst="rect">
+          <a:avLst/>
+        </a:prstGeom>
+        <a:solidFill>
+          <a:schemeClr val="accent1">
+            <a:hueOff val="0"/>
+            <a:satOff val="0"/>
+            <a:lumOff val="0"/>
+            <a:alphaOff val="0"/>
+          </a:schemeClr>
+        </a:solidFill>
+        <a:ln w="25400" cap="flat" cmpd="sng" algn="ctr">
+          <a:solidFill>
+            <a:schemeClr val="lt1">
+              <a:hueOff val="0"/>
+              <a:satOff val="0"/>
+              <a:lumOff val="0"/>
+              <a:alphaOff val="0"/>
+            </a:schemeClr>
+          </a:solidFill>
+          <a:prstDash val="solid"/>
+        </a:ln>
+        <a:effectLst/>
+      </dsp:spPr>
+      <dsp:style>
+        <a:lnRef idx="2">
+          <a:scrgbClr r="0" g="0" b="0"/>
+        </a:lnRef>
+        <a:fillRef idx="1">
+          <a:scrgbClr r="0" g="0" b="0"/>
+        </a:fillRef>
+        <a:effectRef idx="0">
+          <a:scrgbClr r="0" g="0" b="0"/>
+        </a:effectRef>
+        <a:fontRef idx="minor">
+          <a:schemeClr val="lt1"/>
+        </a:fontRef>
+      </dsp:style>
+      <dsp:txBody>
+        <a:bodyPr spcFirstLastPara="0" vert="horz" wrap="square" lIns="16510" tIns="16510" rIns="16510" bIns="193288" numCol="1" spcCol="1270" anchor="ctr" anchorCtr="0">
+          <a:noAutofit/>
+        </a:bodyPr>
+        <a:lstStyle/>
+        <a:p>
+          <a:pPr lvl="0" algn="ctr" defTabSz="1155700">
+            <a:lnSpc>
+              <a:spcPct val="90000"/>
+            </a:lnSpc>
+            <a:spcBef>
+              <a:spcPct val="0"/>
+            </a:spcBef>
+            <a:spcAft>
+              <a:spcPct val="35000"/>
+            </a:spcAft>
+          </a:pPr>
+          <a:r>
+            <a:rPr lang="en-US" sz="2600" kern="1200" dirty="0" smtClean="0"/>
+            <a:t>Prototype II</a:t>
+          </a:r>
+          <a:endParaRPr lang="en-US" sz="2600" kern="1200" dirty="0"/>
+        </a:p>
+      </dsp:txBody>
+      <dsp:txXfrm>
+        <a:off x="5346240" y="3322815"/>
+        <a:ext cx="2356540" cy="663743"/>
+      </dsp:txXfrm>
+    </dsp:sp>
+    <dsp:sp modelId="{DE393D22-92CA-4137-8D76-2FBC31BDD6E9}">
+      <dsp:nvSpPr>
+        <dsp:cNvPr id="0" name=""/>
+        <dsp:cNvSpPr/>
+      </dsp:nvSpPr>
+      <dsp:spPr>
+        <a:xfrm>
+          <a:off x="5447662" y="3824511"/>
+          <a:ext cx="2378035" cy="456586"/>
+        </a:xfrm>
+        <a:prstGeom prst="rect">
+          <a:avLst/>
+        </a:prstGeom>
+        <a:solidFill>
+          <a:schemeClr val="lt1">
+            <a:alpha val="90000"/>
+            <a:hueOff val="0"/>
+            <a:satOff val="0"/>
+            <a:lumOff val="0"/>
+            <a:alphaOff val="0"/>
+          </a:schemeClr>
+        </a:solidFill>
+        <a:ln w="25400" cap="flat" cmpd="sng" algn="ctr">
+          <a:solidFill>
+            <a:schemeClr val="accent1">
+              <a:hueOff val="0"/>
+              <a:satOff val="0"/>
+              <a:lumOff val="0"/>
+              <a:alphaOff val="0"/>
+            </a:schemeClr>
+          </a:solidFill>
+          <a:prstDash val="solid"/>
+        </a:ln>
+        <a:effectLst/>
+      </dsp:spPr>
+      <dsp:style>
+        <a:lnRef idx="2">
+          <a:scrgbClr r="0" g="0" b="0"/>
+        </a:lnRef>
+        <a:fillRef idx="1">
+          <a:scrgbClr r="0" g="0" b="0"/>
+        </a:fillRef>
+        <a:effectRef idx="0">
+          <a:scrgbClr r="0" g="0" b="0"/>
+        </a:effectRef>
+        <a:fontRef idx="minor"/>
+      </dsp:style>
+      <dsp:txBody>
+        <a:bodyPr spcFirstLastPara="0" vert="horz" wrap="square" lIns="38100" tIns="9525" rIns="38100" bIns="9525" numCol="1" spcCol="1270" anchor="ctr" anchorCtr="0">
+          <a:noAutofit/>
+        </a:bodyPr>
+        <a:lstStyle/>
+        <a:p>
+          <a:pPr lvl="0" algn="r" defTabSz="666750">
+            <a:lnSpc>
+              <a:spcPct val="90000"/>
+            </a:lnSpc>
+            <a:spcBef>
+              <a:spcPct val="0"/>
+            </a:spcBef>
+            <a:spcAft>
+              <a:spcPct val="35000"/>
+            </a:spcAft>
+          </a:pPr>
+          <a:r>
+            <a:rPr lang="en-US" sz="1500" kern="1200" dirty="0" smtClean="0"/>
+            <a:t>I/O by sending data as stream of bytes</a:t>
+          </a:r>
+          <a:endParaRPr lang="en-US" sz="1500" kern="1200" dirty="0"/>
+        </a:p>
+      </dsp:txBody>
+      <dsp:txXfrm>
+        <a:off x="5447662" y="3824511"/>
+        <a:ext cx="2378035" cy="456586"/>
+      </dsp:txXfrm>
+    </dsp:sp>
+    <dsp:sp modelId="{AD02FB11-B753-4760-ADB6-F9FAD9A5836D}">
+      <dsp:nvSpPr>
+        <dsp:cNvPr id="0" name=""/>
+        <dsp:cNvSpPr/>
+      </dsp:nvSpPr>
+      <dsp:spPr>
+        <a:xfrm>
+          <a:off x="1224237" y="1543516"/>
+          <a:ext cx="2645568" cy="575846"/>
+        </a:xfrm>
+        <a:prstGeom prst="rect">
+          <a:avLst/>
+        </a:prstGeom>
+        <a:solidFill>
+          <a:schemeClr val="accent1">
+            <a:hueOff val="0"/>
+            <a:satOff val="0"/>
+            <a:lumOff val="0"/>
+            <a:alphaOff val="0"/>
+          </a:schemeClr>
+        </a:solidFill>
+        <a:ln w="25400" cap="flat" cmpd="sng" algn="ctr">
+          <a:solidFill>
+            <a:schemeClr val="lt1">
+              <a:hueOff val="0"/>
+              <a:satOff val="0"/>
+              <a:lumOff val="0"/>
+              <a:alphaOff val="0"/>
+            </a:schemeClr>
+          </a:solidFill>
+          <a:prstDash val="solid"/>
+        </a:ln>
+        <a:effectLst/>
+      </dsp:spPr>
+      <dsp:style>
+        <a:lnRef idx="2">
+          <a:scrgbClr r="0" g="0" b="0"/>
+        </a:lnRef>
+        <a:fillRef idx="1">
+          <a:scrgbClr r="0" g="0" b="0"/>
+        </a:fillRef>
+        <a:effectRef idx="0">
+          <a:scrgbClr r="0" g="0" b="0"/>
+        </a:effectRef>
+        <a:fontRef idx="minor">
+          <a:schemeClr val="lt1"/>
+        </a:fontRef>
+      </dsp:style>
+      <dsp:txBody>
+        <a:bodyPr spcFirstLastPara="0" vert="horz" wrap="square" lIns="16510" tIns="16510" rIns="16510" bIns="193288" numCol="1" spcCol="1270" anchor="ctr" anchorCtr="0">
+          <a:noAutofit/>
+        </a:bodyPr>
+        <a:lstStyle/>
+        <a:p>
+          <a:pPr lvl="0" algn="ctr" defTabSz="1155700">
+            <a:lnSpc>
+              <a:spcPct val="90000"/>
+            </a:lnSpc>
+            <a:spcBef>
+              <a:spcPct val="0"/>
+            </a:spcBef>
+            <a:spcAft>
+              <a:spcPct val="35000"/>
+            </a:spcAft>
+          </a:pPr>
+          <a:r>
+            <a:rPr lang="en-US" sz="2600" kern="1200" dirty="0" smtClean="0"/>
+            <a:t>Criteria</a:t>
+          </a:r>
+          <a:endParaRPr lang="en-US" sz="2600" kern="1200" dirty="0"/>
+        </a:p>
+      </dsp:txBody>
+      <dsp:txXfrm>
+        <a:off x="1224237" y="1543516"/>
+        <a:ext cx="2645568" cy="575846"/>
+      </dsp:txXfrm>
+    </dsp:sp>
+    <dsp:sp modelId="{2E9CF532-F6CD-4A64-A778-D54AA026FE2F}">
+      <dsp:nvSpPr>
+        <dsp:cNvPr id="0" name=""/>
+        <dsp:cNvSpPr/>
+      </dsp:nvSpPr>
+      <dsp:spPr>
+        <a:xfrm>
+          <a:off x="1393694" y="1967161"/>
+          <a:ext cx="2381011" cy="456586"/>
+        </a:xfrm>
+        <a:prstGeom prst="rect">
+          <a:avLst/>
+        </a:prstGeom>
+        <a:solidFill>
+          <a:schemeClr val="lt1">
+            <a:alpha val="90000"/>
+            <a:hueOff val="0"/>
+            <a:satOff val="0"/>
+            <a:lumOff val="0"/>
+            <a:alphaOff val="0"/>
+          </a:schemeClr>
+        </a:solidFill>
+        <a:ln w="25400" cap="flat" cmpd="sng" algn="ctr">
+          <a:solidFill>
+            <a:schemeClr val="accent1">
+              <a:hueOff val="0"/>
+              <a:satOff val="0"/>
+              <a:lumOff val="0"/>
+              <a:alphaOff val="0"/>
+            </a:schemeClr>
+          </a:solidFill>
+          <a:prstDash val="solid"/>
+        </a:ln>
+        <a:effectLst/>
+      </dsp:spPr>
+      <dsp:style>
+        <a:lnRef idx="2">
+          <a:scrgbClr r="0" g="0" b="0"/>
+        </a:lnRef>
+        <a:fillRef idx="1">
+          <a:scrgbClr r="0" g="0" b="0"/>
+        </a:fillRef>
+        <a:effectRef idx="0">
+          <a:scrgbClr r="0" g="0" b="0"/>
+        </a:effectRef>
+        <a:fontRef idx="minor"/>
+      </dsp:style>
+      <dsp:txBody>
+        <a:bodyPr spcFirstLastPara="0" vert="horz" wrap="square" lIns="55880" tIns="13970" rIns="55880" bIns="13970" numCol="1" spcCol="1270" anchor="ctr" anchorCtr="0">
+          <a:noAutofit/>
+        </a:bodyPr>
+        <a:lstStyle/>
+        <a:p>
+          <a:pPr lvl="0" algn="r" defTabSz="977900">
+            <a:lnSpc>
+              <a:spcPct val="90000"/>
+            </a:lnSpc>
+            <a:spcBef>
+              <a:spcPct val="0"/>
+            </a:spcBef>
+            <a:spcAft>
+              <a:spcPct val="35000"/>
+            </a:spcAft>
+          </a:pPr>
+          <a:r>
+            <a:rPr lang="en-US" sz="2200" kern="1200" dirty="0" smtClean="0"/>
+            <a:t>I/O Communication</a:t>
+          </a:r>
+          <a:endParaRPr lang="en-US" sz="2200" kern="1200" dirty="0"/>
+        </a:p>
+      </dsp:txBody>
+      <dsp:txXfrm>
+        <a:off x="1393694" y="1967161"/>
+        <a:ext cx="2381011" cy="456586"/>
+      </dsp:txXfrm>
+    </dsp:sp>
   </dsp:spTree>
 </dsp:drawing>
 </file>
@@ -10330,6 +13670,1187 @@
 </dgm:layoutDef>
 </file>
 
+<file path=ppt/diagrams/layout6.xml><?xml version="1.0" encoding="utf-8"?>
+<dgm:layoutDef xmlns:dgm="http://schemas.openxmlformats.org/drawingml/2006/diagram" xmlns:a="http://schemas.openxmlformats.org/drawingml/2006/main" uniqueId="urn:microsoft.com/office/officeart/2008/layout/NameandTitleOrganizationalChart">
+  <dgm:title val=""/>
+  <dgm:desc val=""/>
+  <dgm:catLst>
+    <dgm:cat type="hierarchy" pri="1250"/>
+  </dgm:catLst>
+  <dgm:sampData>
+    <dgm:dataModel>
+      <dgm:ptLst>
+        <dgm:pt modelId="0" type="doc"/>
+        <dgm:pt modelId="1">
+          <dgm:prSet phldr="1"/>
+        </dgm:pt>
+        <dgm:pt modelId="2" type="asst">
+          <dgm:prSet phldr="1"/>
+        </dgm:pt>
+        <dgm:pt modelId="3">
+          <dgm:prSet phldr="1"/>
+        </dgm:pt>
+        <dgm:pt modelId="4">
+          <dgm:prSet phldr="1"/>
+        </dgm:pt>
+        <dgm:pt modelId="5">
+          <dgm:prSet phldr="1"/>
+        </dgm:pt>
+      </dgm:ptLst>
+      <dgm:cxnLst>
+        <dgm:cxn modelId="5" srcId="0" destId="1" srcOrd="0" destOrd="0"/>
+        <dgm:cxn modelId="6" srcId="1" destId="2" srcOrd="0" destOrd="0"/>
+        <dgm:cxn modelId="7" srcId="1" destId="3" srcOrd="1" destOrd="0"/>
+        <dgm:cxn modelId="8" srcId="1" destId="4" srcOrd="2" destOrd="0"/>
+        <dgm:cxn modelId="9" srcId="1" destId="5" srcOrd="3" destOrd="0"/>
+      </dgm:cxnLst>
+      <dgm:bg/>
+      <dgm:whole/>
+    </dgm:dataModel>
+  </dgm:sampData>
+  <dgm:styleData>
+    <dgm:dataModel>
+      <dgm:ptLst>
+        <dgm:pt modelId="0" type="doc"/>
+        <dgm:pt modelId="1"/>
+        <dgm:pt modelId="12"/>
+        <dgm:pt modelId="13"/>
+      </dgm:ptLst>
+      <dgm:cxnLst>
+        <dgm:cxn modelId="2" srcId="0" destId="1" srcOrd="0" destOrd="0"/>
+        <dgm:cxn modelId="16" srcId="1" destId="12" srcOrd="1" destOrd="0"/>
+        <dgm:cxn modelId="17" srcId="1" destId="13" srcOrd="2" destOrd="0"/>
+      </dgm:cxnLst>
+      <dgm:bg/>
+      <dgm:whole/>
+    </dgm:dataModel>
+  </dgm:styleData>
+  <dgm:clrData>
+    <dgm:dataModel>
+      <dgm:ptLst>
+        <dgm:pt modelId="0" type="doc"/>
+        <dgm:pt modelId="1"/>
+        <dgm:pt modelId="11" type="asst"/>
+        <dgm:pt modelId="12"/>
+        <dgm:pt modelId="13"/>
+        <dgm:pt modelId="14"/>
+      </dgm:ptLst>
+      <dgm:cxnLst>
+        <dgm:cxn modelId="2" srcId="0" destId="1" srcOrd="0" destOrd="0"/>
+        <dgm:cxn modelId="15" srcId="1" destId="11" srcOrd="0" destOrd="0"/>
+        <dgm:cxn modelId="16" srcId="1" destId="12" srcOrd="1" destOrd="0"/>
+        <dgm:cxn modelId="17" srcId="1" destId="13" srcOrd="2" destOrd="0"/>
+        <dgm:cxn modelId="18" srcId="1" destId="14" srcOrd="2" destOrd="0"/>
+      </dgm:cxnLst>
+      <dgm:bg/>
+      <dgm:whole/>
+    </dgm:dataModel>
+  </dgm:clrData>
+  <dgm:layoutNode name="hierChild1">
+    <dgm:varLst>
+      <dgm:orgChart val="1"/>
+      <dgm:chPref val="1"/>
+      <dgm:dir/>
+      <dgm:animOne val="branch"/>
+      <dgm:animLvl val="lvl"/>
+      <dgm:resizeHandles/>
+    </dgm:varLst>
+    <dgm:choose name="Name0">
+      <dgm:if name="Name1" func="var" arg="dir" op="equ" val="norm">
+        <dgm:alg type="hierChild">
+          <dgm:param type="linDir" val="fromL"/>
+        </dgm:alg>
+      </dgm:if>
+      <dgm:else name="Name2">
+        <dgm:alg type="hierChild">
+          <dgm:param type="linDir" val="fromR"/>
+        </dgm:alg>
+      </dgm:else>
+    </dgm:choose>
+    <dgm:shape xmlns:r="http://schemas.openxmlformats.org/officeDocument/2006/relationships" r:blip="">
+      <dgm:adjLst/>
+    </dgm:shape>
+    <dgm:presOf/>
+    <dgm:constrLst>
+      <dgm:constr type="w" for="des" forName="rootComposite1" refType="w" fact="10"/>
+      <dgm:constr type="h" for="des" forName="rootComposite1" refType="w" refFor="des" refForName="rootComposite1" fact="0.5"/>
+      <dgm:constr type="w" for="des" forName="rootComposite" refType="w" fact="10"/>
+      <dgm:constr type="h" for="des" forName="rootComposite" refType="w" refFor="des" refForName="rootComposite1" fact="0.5"/>
+      <dgm:constr type="w" for="des" forName="rootComposite3" refType="w" fact="10"/>
+      <dgm:constr type="h" for="des" forName="rootComposite3" refType="w" refFor="des" refForName="rootComposite1" fact="0.5"/>
+      <dgm:constr type="primFontSz" for="des" ptType="node" op="equ"/>
+      <dgm:constr type="sp" for="des" op="equ"/>
+      <dgm:constr type="sp" for="des" forName="hierRoot1" refType="w" refFor="des" refForName="rootComposite1" fact="0.21"/>
+      <dgm:constr type="sp" for="des" forName="hierRoot2" refType="sp" refFor="des" refForName="hierRoot1"/>
+      <dgm:constr type="sp" for="des" forName="hierRoot3" refType="sp" refFor="des" refForName="hierRoot1"/>
+      <dgm:constr type="sibSp" refType="w" refFor="des" refForName="rootComposite1" fact="0.21"/>
+      <dgm:constr type="sibSp" for="des" forName="hierChild2" refType="sibSp"/>
+      <dgm:constr type="sibSp" for="des" forName="hierChild3" refType="sibSp"/>
+      <dgm:constr type="sibSp" for="des" forName="hierChild4" refType="sibSp"/>
+      <dgm:constr type="sibSp" for="des" forName="hierChild5" refType="sibSp"/>
+      <dgm:constr type="sibSp" for="des" forName="hierChild6" refType="sibSp"/>
+      <dgm:constr type="sibSp" for="des" forName="hierChild7" refType="sibSp"/>
+      <dgm:constr type="secSibSp" refType="w" refFor="des" refForName="rootComposite1" fact="0.21"/>
+      <dgm:constr type="secSibSp" for="des" forName="hierChild2" refType="secSibSp"/>
+      <dgm:constr type="secSibSp" for="des" forName="hierChild3" refType="secSibSp"/>
+      <dgm:constr type="secSibSp" for="des" forName="hierChild4" refType="secSibSp"/>
+      <dgm:constr type="secSibSp" for="des" forName="hierChild5" refType="secSibSp"/>
+      <dgm:constr type="secSibSp" for="des" forName="hierChild6" refType="secSibSp"/>
+      <dgm:constr type="secSibSp" for="des" forName="hierChild7" refType="secSibSp"/>
+    </dgm:constrLst>
+    <dgm:ruleLst/>
+    <dgm:forEach name="Name3" axis="ch">
+      <dgm:forEach name="Name4" axis="self" ptType="node">
+        <dgm:layoutNode name="hierRoot1">
+          <dgm:varLst>
+            <dgm:hierBranch val="init"/>
+          </dgm:varLst>
+          <dgm:choose name="Name5">
+            <dgm:if name="Name6" func="var" arg="hierBranch" op="equ" val="l">
+              <dgm:choose name="Name7">
+                <dgm:if name="Name8" axis="ch" ptType="asst" func="cnt" op="gte" val="1">
+                  <dgm:alg type="hierRoot">
+                    <dgm:param type="hierAlign" val="tR"/>
+                  </dgm:alg>
+                  <dgm:constrLst>
+                    <dgm:constr type="alignOff" val="0.65"/>
+                  </dgm:constrLst>
+                </dgm:if>
+                <dgm:else name="Name9">
+                  <dgm:alg type="hierRoot">
+                    <dgm:param type="hierAlign" val="tR"/>
+                  </dgm:alg>
+                  <dgm:constrLst>
+                    <dgm:constr type="alignOff" val="0.25"/>
+                  </dgm:constrLst>
+                </dgm:else>
+              </dgm:choose>
+            </dgm:if>
+            <dgm:if name="Name10" func="var" arg="hierBranch" op="equ" val="r">
+              <dgm:choose name="Name11">
+                <dgm:if name="Name12" axis="ch" ptType="asst" func="cnt" op="gte" val="1">
+                  <dgm:alg type="hierRoot">
+                    <dgm:param type="hierAlign" val="tL"/>
+                  </dgm:alg>
+                  <dgm:constrLst>
+                    <dgm:constr type="alignOff" val="0.65"/>
+                  </dgm:constrLst>
+                </dgm:if>
+                <dgm:else name="Name13">
+                  <dgm:alg type="hierRoot">
+                    <dgm:param type="hierAlign" val="tL"/>
+                  </dgm:alg>
+                  <dgm:constrLst>
+                    <dgm:constr type="alignOff" val="0.25"/>
+                  </dgm:constrLst>
+                </dgm:else>
+              </dgm:choose>
+            </dgm:if>
+            <dgm:if name="Name14" func="var" arg="hierBranch" op="equ" val="hang">
+              <dgm:alg type="hierRoot"/>
+              <dgm:constrLst>
+                <dgm:constr type="alignOff" val="0.65"/>
+              </dgm:constrLst>
+            </dgm:if>
+            <dgm:else name="Name15">
+              <dgm:alg type="hierRoot"/>
+              <dgm:constrLst>
+                <dgm:constr type="alignOff"/>
+                <dgm:constr type="bendDist" for="des" ptType="parTrans" refType="sp" fact="0.5"/>
+              </dgm:constrLst>
+            </dgm:else>
+          </dgm:choose>
+          <dgm:shape xmlns:r="http://schemas.openxmlformats.org/officeDocument/2006/relationships" r:blip="">
+            <dgm:adjLst/>
+          </dgm:shape>
+          <dgm:presOf/>
+          <dgm:ruleLst/>
+          <dgm:layoutNode name="rootComposite1">
+            <dgm:alg type="composite"/>
+            <dgm:shape xmlns:r="http://schemas.openxmlformats.org/officeDocument/2006/relationships" r:blip="">
+              <dgm:adjLst/>
+            </dgm:shape>
+            <dgm:presOf axis="self" ptType="node" cnt="1"/>
+            <dgm:choose name="Name16">
+              <dgm:if name="Name17" func="var" arg="hierBranch" op="equ" val="init">
+                <dgm:constrLst>
+                  <dgm:constr type="l" for="ch" forName="rootText1"/>
+                  <dgm:constr type="t" for="ch" forName="rootText1"/>
+                  <dgm:constr type="w" for="ch" forName="rootText1" refType="w"/>
+                  <dgm:constr type="h" for="ch" forName="rootText1" refType="h" fact="0.9"/>
+                  <dgm:constr type="l" for="ch" forName="titleText1" refType="w" fact="0.2"/>
+                  <dgm:constr type="t" for="ch" forName="titleText1" refType="h" fact="0.7"/>
+                  <dgm:constr type="w" for="ch" forName="titleText1" refType="w" fact="0.9"/>
+                  <dgm:constr type="h" for="ch" forName="titleText1" refType="h" fact="0.3"/>
+                  <dgm:constr type="primFontSz" for="des" forName="titleText1" refType="primFontSz" refFor="des" refForName="rootText1" op="lte"/>
+                  <dgm:constr type="l" for="ch" forName="rootConnector1"/>
+                  <dgm:constr type="t" for="ch" forName="rootConnector1"/>
+                  <dgm:constr type="w" for="ch" forName="rootConnector1" refType="w" refFor="ch" refForName="rootText1" fact="0.2"/>
+                  <dgm:constr type="h" for="ch" forName="rootConnector1" refType="h" refFor="ch" refForName="rootText1"/>
+                </dgm:constrLst>
+              </dgm:if>
+              <dgm:if name="Name18" func="var" arg="hierBranch" op="equ" val="l">
+                <dgm:constrLst>
+                  <dgm:constr type="l" for="ch" forName="rootText1"/>
+                  <dgm:constr type="t" for="ch" forName="rootText1"/>
+                  <dgm:constr type="w" for="ch" forName="rootText1" refType="w"/>
+                  <dgm:constr type="h" for="ch" forName="rootText1" refType="h" fact="0.9"/>
+                  <dgm:constr type="l" for="ch" forName="titleText1" refType="w" fact="0.2"/>
+                  <dgm:constr type="t" for="ch" forName="titleText1" refType="h" fact="0.7"/>
+                  <dgm:constr type="w" for="ch" forName="titleText1" refType="w" fact="0.9"/>
+                  <dgm:constr type="h" for="ch" forName="titleText1" refType="h" fact="0.3"/>
+                  <dgm:constr type="primFontSz" for="des" forName="titleText1" refType="primFontSz" refFor="des" refForName="rootText1" op="lte"/>
+                  <dgm:constr type="r" for="ch" forName="rootConnector1" refType="w"/>
+                  <dgm:constr type="t" for="ch" forName="rootConnector1"/>
+                  <dgm:constr type="w" for="ch" forName="rootConnector1" refType="w" refFor="ch" refForName="rootText1" fact="0.2"/>
+                  <dgm:constr type="h" for="ch" forName="rootConnector1" refType="h" refFor="ch" refForName="rootText1"/>
+                </dgm:constrLst>
+              </dgm:if>
+              <dgm:if name="Name19" func="var" arg="hierBranch" op="equ" val="r">
+                <dgm:constrLst>
+                  <dgm:constr type="l" for="ch" forName="rootText1"/>
+                  <dgm:constr type="t" for="ch" forName="rootText1"/>
+                  <dgm:constr type="w" for="ch" forName="rootText1" refType="w"/>
+                  <dgm:constr type="h" for="ch" forName="rootText1" refType="h" fact="0.9"/>
+                  <dgm:constr type="l" for="ch" forName="titleText1" refType="w" fact="0.2"/>
+                  <dgm:constr type="t" for="ch" forName="titleText1" refType="h" fact="0.7"/>
+                  <dgm:constr type="w" for="ch" forName="titleText1" refType="w" fact="0.9"/>
+                  <dgm:constr type="h" for="ch" forName="titleText1" refType="h" fact="0.3"/>
+                  <dgm:constr type="primFontSz" for="des" forName="titleText1" refType="primFontSz" refFor="des" refForName="rootText1" op="lte"/>
+                  <dgm:constr type="l" for="ch" forName="rootConnector1"/>
+                  <dgm:constr type="t" for="ch" forName="rootConnector1"/>
+                  <dgm:constr type="w" for="ch" forName="rootConnector1" refType="w" refFor="ch" refForName="rootText1" fact="0.2"/>
+                  <dgm:constr type="h" for="ch" forName="rootConnector1" refType="h" refFor="ch" refForName="rootText1"/>
+                </dgm:constrLst>
+              </dgm:if>
+              <dgm:else name="Name20">
+                <dgm:constrLst>
+                  <dgm:constr type="l" for="ch" forName="rootText1"/>
+                  <dgm:constr type="t" for="ch" forName="rootText1"/>
+                  <dgm:constr type="w" for="ch" forName="rootText1" refType="w"/>
+                  <dgm:constr type="h" for="ch" forName="rootText1" refType="h" fact="0.9"/>
+                  <dgm:constr type="l" for="ch" forName="titleText1" refType="w" fact="0.2"/>
+                  <dgm:constr type="t" for="ch" forName="titleText1" refType="h" fact="0.7"/>
+                  <dgm:constr type="w" for="ch" forName="titleText1" refType="w" fact="0.9"/>
+                  <dgm:constr type="h" for="ch" forName="titleText1" refType="h" fact="0.3"/>
+                  <dgm:constr type="primFontSz" for="des" forName="titleText1" refType="primFontSz" refFor="des" refForName="rootText1" op="lte"/>
+                  <dgm:constr type="r" for="ch" forName="rootConnector1" refType="w"/>
+                  <dgm:constr type="t" for="ch" forName="rootConnector1"/>
+                  <dgm:constr type="w" for="ch" forName="rootConnector1" refType="w" refFor="ch" refForName="rootText1" fact="0.2"/>
+                  <dgm:constr type="h" for="ch" forName="rootConnector1" refType="h" refFor="ch" refForName="rootText1"/>
+                </dgm:constrLst>
+              </dgm:else>
+            </dgm:choose>
+            <dgm:ruleLst/>
+            <dgm:layoutNode name="rootText1" styleLbl="node0">
+              <dgm:varLst>
+                <dgm:chMax/>
+                <dgm:chPref val="3"/>
+              </dgm:varLst>
+              <dgm:alg type="tx"/>
+              <dgm:shape xmlns:r="http://schemas.openxmlformats.org/officeDocument/2006/relationships" type="rect" r:blip="">
+                <dgm:adjLst/>
+              </dgm:shape>
+              <dgm:presOf axis="self" ptType="node" cnt="1"/>
+              <dgm:constrLst>
+                <dgm:constr type="primFontSz" val="65"/>
+                <dgm:constr type="lMarg" refType="primFontSz" fact="0.05"/>
+                <dgm:constr type="rMarg" refType="primFontSz" fact="0.05"/>
+                <dgm:constr type="tMarg" refType="primFontSz" fact="0.05"/>
+                <dgm:constr type="bMarg" refType="h" fact="0.4"/>
+              </dgm:constrLst>
+              <dgm:ruleLst>
+                <dgm:rule type="primFontSz" val="5" fact="NaN" max="NaN"/>
+              </dgm:ruleLst>
+            </dgm:layoutNode>
+            <dgm:layoutNode name="titleText1" styleLbl="fgAcc0">
+              <dgm:varLst>
+                <dgm:chMax val="0"/>
+                <dgm:chPref val="0"/>
+              </dgm:varLst>
+              <dgm:alg type="tx">
+                <dgm:param type="parTxLTRAlign" val="r"/>
+              </dgm:alg>
+              <dgm:shape xmlns:r="http://schemas.openxmlformats.org/officeDocument/2006/relationships" type="rect" r:blip="">
+                <dgm:adjLst/>
+              </dgm:shape>
+              <dgm:presOf axis="followSib" ptType="sibTrans" hideLastTrans="0" cnt="1"/>
+              <dgm:constrLst>
+                <dgm:constr type="primFontSz" val="65"/>
+                <dgm:constr type="lMarg" refType="primFontSz" fact="0.2"/>
+                <dgm:constr type="rMarg" refType="primFontSz" fact="0.2"/>
+                <dgm:constr type="tMarg" refType="primFontSz" fact="0.05"/>
+                <dgm:constr type="bMarg" refType="primFontSz" fact="0.05"/>
+              </dgm:constrLst>
+              <dgm:ruleLst>
+                <dgm:rule type="primFontSz" val="5" fact="NaN" max="NaN"/>
+              </dgm:ruleLst>
+            </dgm:layoutNode>
+            <dgm:layoutNode name="rootConnector1" moveWith="rootText1">
+              <dgm:alg type="sp"/>
+              <dgm:shape xmlns:r="http://schemas.openxmlformats.org/officeDocument/2006/relationships" type="rect" r:blip="" hideGeom="1">
+                <dgm:adjLst/>
+              </dgm:shape>
+              <dgm:presOf axis="self" ptType="node" cnt="1"/>
+              <dgm:constrLst/>
+              <dgm:ruleLst/>
+            </dgm:layoutNode>
+          </dgm:layoutNode>
+          <dgm:layoutNode name="hierChild2">
+            <dgm:choose name="Name21">
+              <dgm:if name="Name22" func="var" arg="hierBranch" op="equ" val="l">
+                <dgm:alg type="hierChild">
+                  <dgm:param type="chAlign" val="r"/>
+                  <dgm:param type="linDir" val="fromT"/>
+                </dgm:alg>
+              </dgm:if>
+              <dgm:if name="Name23" func="var" arg="hierBranch" op="equ" val="r">
+                <dgm:alg type="hierChild">
+                  <dgm:param type="chAlign" val="l"/>
+                  <dgm:param type="linDir" val="fromT"/>
+                </dgm:alg>
+              </dgm:if>
+              <dgm:if name="Name24" func="var" arg="hierBranch" op="equ" val="hang">
+                <dgm:choose name="Name25">
+                  <dgm:if name="Name26" func="var" arg="dir" op="equ" val="norm">
+                    <dgm:alg type="hierChild">
+                      <dgm:param type="chAlign" val="l"/>
+                      <dgm:param type="linDir" val="fromL"/>
+                      <dgm:param type="secChAlign" val="t"/>
+                      <dgm:param type="secLinDir" val="fromT"/>
+                    </dgm:alg>
+                  </dgm:if>
+                  <dgm:else name="Name27">
+                    <dgm:alg type="hierChild">
+                      <dgm:param type="chAlign" val="l"/>
+                      <dgm:param type="linDir" val="fromR"/>
+                      <dgm:param type="secChAlign" val="t"/>
+                      <dgm:param type="secLinDir" val="fromT"/>
+                    </dgm:alg>
+                  </dgm:else>
+                </dgm:choose>
+              </dgm:if>
+              <dgm:else name="Name28">
+                <dgm:choose name="Name29">
+                  <dgm:if name="Name30" func="var" arg="dir" op="equ" val="norm">
+                    <dgm:alg type="hierChild"/>
+                  </dgm:if>
+                  <dgm:else name="Name31">
+                    <dgm:alg type="hierChild">
+                      <dgm:param type="linDir" val="fromR"/>
+                    </dgm:alg>
+                  </dgm:else>
+                </dgm:choose>
+              </dgm:else>
+            </dgm:choose>
+            <dgm:shape xmlns:r="http://schemas.openxmlformats.org/officeDocument/2006/relationships" r:blip="">
+              <dgm:adjLst/>
+            </dgm:shape>
+            <dgm:presOf/>
+            <dgm:constrLst/>
+            <dgm:ruleLst/>
+            <dgm:forEach name="rep2a" axis="ch" ptType="nonAsst">
+              <dgm:forEach name="Name32" axis="precedSib" ptType="parTrans" st="-1" cnt="1">
+                <dgm:choose name="Name33">
+                  <dgm:if name="Name34" func="var" arg="hierBranch" op="equ" val="std">
+                    <dgm:layoutNode name="Name35">
+                      <dgm:alg type="conn">
+                        <dgm:param type="connRout" val="bend"/>
+                        <dgm:param type="dim" val="1D"/>
+                        <dgm:param type="endSty" val="noArr"/>
+                        <dgm:param type="begPts" val="bCtr"/>
+                        <dgm:param type="endPts" val="tCtr"/>
+                        <dgm:param type="bendPt" val="end"/>
+                      </dgm:alg>
+                      <dgm:shape xmlns:r="http://schemas.openxmlformats.org/officeDocument/2006/relationships" type="conn" r:blip="" zOrderOff="-99999">
+                        <dgm:adjLst/>
+                      </dgm:shape>
+                      <dgm:presOf axis="self"/>
+                      <dgm:constrLst>
+                        <dgm:constr type="begPad"/>
+                        <dgm:constr type="endPad"/>
+                      </dgm:constrLst>
+                      <dgm:ruleLst/>
+                    </dgm:layoutNode>
+                  </dgm:if>
+                  <dgm:if name="Name36" func="var" arg="hierBranch" op="equ" val="init">
+                    <dgm:layoutNode name="Name37">
+                      <dgm:choose name="Name38">
+                        <dgm:if name="Name39" axis="self" func="depth" op="lte" val="2">
+                          <dgm:alg type="conn">
+                            <dgm:param type="connRout" val="bend"/>
+                            <dgm:param type="dim" val="1D"/>
+                            <dgm:param type="endSty" val="noArr"/>
+                            <dgm:param type="begPts" val="bCtr"/>
+                            <dgm:param type="endPts" val="tCtr"/>
+                            <dgm:param type="bendPt" val="end"/>
+                          </dgm:alg>
+                        </dgm:if>
+                        <dgm:else name="Name40">
+                          <dgm:alg type="conn">
+                            <dgm:param type="connRout" val="bend"/>
+                            <dgm:param type="dim" val="1D"/>
+                            <dgm:param type="endSty" val="noArr"/>
+                            <dgm:param type="begPts" val="bCtr"/>
+                            <dgm:param type="endPts" val="tCtr"/>
+                            <dgm:param type="bendPt" val="end"/>
+                          </dgm:alg>
+                        </dgm:else>
+                      </dgm:choose>
+                      <dgm:shape xmlns:r="http://schemas.openxmlformats.org/officeDocument/2006/relationships" type="conn" r:blip="" zOrderOff="-99999">
+                        <dgm:adjLst/>
+                      </dgm:shape>
+                      <dgm:presOf axis="self"/>
+                      <dgm:constrLst>
+                        <dgm:constr type="begPad"/>
+                        <dgm:constr type="endPad"/>
+                      </dgm:constrLst>
+                      <dgm:ruleLst/>
+                    </dgm:layoutNode>
+                  </dgm:if>
+                  <dgm:if name="Name41" func="var" arg="hierBranch" op="equ" val="hang">
+                    <dgm:layoutNode name="Name42">
+                      <dgm:alg type="conn">
+                        <dgm:param type="connRout" val="bend"/>
+                        <dgm:param type="dim" val="1D"/>
+                        <dgm:param type="endSty" val="noArr"/>
+                        <dgm:param type="begPts" val="bCtr"/>
+                        <dgm:param type="endPts" val="midL midR"/>
+                      </dgm:alg>
+                      <dgm:shape xmlns:r="http://schemas.openxmlformats.org/officeDocument/2006/relationships" type="conn" r:blip="" zOrderOff="-99999">
+                        <dgm:adjLst/>
+                      </dgm:shape>
+                      <dgm:presOf axis="self"/>
+                      <dgm:constrLst>
+                        <dgm:constr type="begPad"/>
+                        <dgm:constr type="endPad"/>
+                      </dgm:constrLst>
+                      <dgm:ruleLst/>
+                    </dgm:layoutNode>
+                  </dgm:if>
+                  <dgm:else name="Name43">
+                    <dgm:layoutNode name="Name44">
+                      <dgm:choose name="Name45">
+                        <dgm:if name="Name46" axis="self" func="depth" op="lte" val="2">
+                          <dgm:choose name="Name47">
+                            <dgm:if name="Name48" axis="par ch" ptType="node asst" func="cnt" op="gte" val="1">
+                              <dgm:alg type="conn">
+                                <dgm:param type="connRout" val="bend"/>
+                                <dgm:param type="dim" val="1D"/>
+                                <dgm:param type="endSty" val="noArr"/>
+                                <dgm:param type="begPts" val="bCtr"/>
+                                <dgm:param type="endPts" val="midL midR"/>
+                              </dgm:alg>
+                            </dgm:if>
+                            <dgm:else name="Name49">
+                              <dgm:alg type="conn">
+                                <dgm:param type="connRout" val="bend"/>
+                                <dgm:param type="dim" val="1D"/>
+                                <dgm:param type="endSty" val="noArr"/>
+                                <dgm:param type="begPts" val="bCtr"/>
+                                <dgm:param type="endPts" val="midL midR"/>
+                                <dgm:param type="srcNode" val="rootConnector1"/>
+                              </dgm:alg>
+                            </dgm:else>
+                          </dgm:choose>
+                        </dgm:if>
+                        <dgm:else name="Name50">
+                          <dgm:choose name="Name51">
+                            <dgm:if name="Name52" axis="par ch" ptType="node asst" func="cnt" op="gte" val="1">
+                              <dgm:alg type="conn">
+                                <dgm:param type="connRout" val="bend"/>
+                                <dgm:param type="dim" val="1D"/>
+                                <dgm:param type="endSty" val="noArr"/>
+                                <dgm:param type="begPts" val="bCtr"/>
+                                <dgm:param type="endPts" val="midL midR"/>
+                              </dgm:alg>
+                            </dgm:if>
+                            <dgm:else name="Name53">
+                              <dgm:alg type="conn">
+                                <dgm:param type="connRout" val="bend"/>
+                                <dgm:param type="dim" val="1D"/>
+                                <dgm:param type="endSty" val="noArr"/>
+                                <dgm:param type="begPts" val="bCtr"/>
+                                <dgm:param type="endPts" val="midL midR"/>
+                                <dgm:param type="srcNode" val="rootConnector"/>
+                              </dgm:alg>
+                            </dgm:else>
+                          </dgm:choose>
+                        </dgm:else>
+                      </dgm:choose>
+                      <dgm:shape xmlns:r="http://schemas.openxmlformats.org/officeDocument/2006/relationships" type="conn" r:blip="" zOrderOff="-99999">
+                        <dgm:adjLst/>
+                      </dgm:shape>
+                      <dgm:presOf axis="self"/>
+                      <dgm:constrLst>
+                        <dgm:constr type="begPad"/>
+                        <dgm:constr type="endPad"/>
+                      </dgm:constrLst>
+                      <dgm:ruleLst/>
+                    </dgm:layoutNode>
+                  </dgm:else>
+                </dgm:choose>
+              </dgm:forEach>
+              <dgm:layoutNode name="hierRoot2">
+                <dgm:varLst>
+                  <dgm:hierBranch val="init"/>
+                </dgm:varLst>
+                <dgm:choose name="Name54">
+                  <dgm:if name="Name55" func="var" arg="hierBranch" op="equ" val="l">
+                    <dgm:choose name="Name56">
+                      <dgm:if name="Name57" axis="ch" ptType="asst" func="cnt" op="gte" val="1">
+                        <dgm:alg type="hierRoot">
+                          <dgm:param type="hierAlign" val="tR"/>
+                        </dgm:alg>
+                        <dgm:shape xmlns:r="http://schemas.openxmlformats.org/officeDocument/2006/relationships" r:blip="">
+                          <dgm:adjLst/>
+                        </dgm:shape>
+                        <dgm:presOf/>
+                        <dgm:constrLst>
+                          <dgm:constr type="alignOff" val="0.65"/>
+                        </dgm:constrLst>
+                      </dgm:if>
+                      <dgm:else name="Name58">
+                        <dgm:alg type="hierRoot">
+                          <dgm:param type="hierAlign" val="tR"/>
+                        </dgm:alg>
+                        <dgm:shape xmlns:r="http://schemas.openxmlformats.org/officeDocument/2006/relationships" r:blip="">
+                          <dgm:adjLst/>
+                        </dgm:shape>
+                        <dgm:presOf/>
+                        <dgm:constrLst>
+                          <dgm:constr type="alignOff" val="0.25"/>
+                        </dgm:constrLst>
+                      </dgm:else>
+                    </dgm:choose>
+                  </dgm:if>
+                  <dgm:if name="Name59" func="var" arg="hierBranch" op="equ" val="r">
+                    <dgm:choose name="Name60">
+                      <dgm:if name="Name61" axis="ch" ptType="asst" func="cnt" op="gte" val="1">
+                        <dgm:alg type="hierRoot">
+                          <dgm:param type="hierAlign" val="tL"/>
+                        </dgm:alg>
+                        <dgm:shape xmlns:r="http://schemas.openxmlformats.org/officeDocument/2006/relationships" r:blip="">
+                          <dgm:adjLst/>
+                        </dgm:shape>
+                        <dgm:presOf/>
+                        <dgm:constrLst>
+                          <dgm:constr type="alignOff" val="0.65"/>
+                        </dgm:constrLst>
+                      </dgm:if>
+                      <dgm:else name="Name62">
+                        <dgm:alg type="hierRoot">
+                          <dgm:param type="hierAlign" val="tL"/>
+                        </dgm:alg>
+                        <dgm:shape xmlns:r="http://schemas.openxmlformats.org/officeDocument/2006/relationships" r:blip="">
+                          <dgm:adjLst/>
+                        </dgm:shape>
+                        <dgm:presOf/>
+                        <dgm:constrLst>
+                          <dgm:constr type="alignOff" val="0.25"/>
+                        </dgm:constrLst>
+                      </dgm:else>
+                    </dgm:choose>
+                  </dgm:if>
+                  <dgm:if name="Name63" func="var" arg="hierBranch" op="equ" val="std">
+                    <dgm:alg type="hierRoot"/>
+                    <dgm:shape xmlns:r="http://schemas.openxmlformats.org/officeDocument/2006/relationships" r:blip="">
+                      <dgm:adjLst/>
+                    </dgm:shape>
+                    <dgm:presOf/>
+                    <dgm:constrLst>
+                      <dgm:constr type="alignOff"/>
+                      <dgm:constr type="bendDist" for="des" ptType="parTrans" refType="sp" fact="0.5"/>
+                    </dgm:constrLst>
+                  </dgm:if>
+                  <dgm:if name="Name64" func="var" arg="hierBranch" op="equ" val="init">
+                    <dgm:alg type="hierRoot"/>
+                    <dgm:shape xmlns:r="http://schemas.openxmlformats.org/officeDocument/2006/relationships" r:blip="">
+                      <dgm:adjLst/>
+                    </dgm:shape>
+                    <dgm:presOf/>
+                    <dgm:constrLst>
+                      <dgm:constr type="alignOff"/>
+                      <dgm:constr type="bendDist" for="des" ptType="parTrans" refType="sp" fact="0.5"/>
+                    </dgm:constrLst>
+                  </dgm:if>
+                  <dgm:else name="Name65">
+                    <dgm:alg type="hierRoot"/>
+                    <dgm:shape xmlns:r="http://schemas.openxmlformats.org/officeDocument/2006/relationships" r:blip="">
+                      <dgm:adjLst/>
+                    </dgm:shape>
+                    <dgm:presOf/>
+                    <dgm:constrLst>
+                      <dgm:constr type="alignOff" val="0.65"/>
+                    </dgm:constrLst>
+                  </dgm:else>
+                </dgm:choose>
+                <dgm:ruleLst/>
+                <dgm:layoutNode name="rootComposite">
+                  <dgm:alg type="composite"/>
+                  <dgm:shape xmlns:r="http://schemas.openxmlformats.org/officeDocument/2006/relationships" r:blip="">
+                    <dgm:adjLst/>
+                  </dgm:shape>
+                  <dgm:presOf axis="self" ptType="node" cnt="1"/>
+                  <dgm:choose name="Name66">
+                    <dgm:if name="Name67" func="var" arg="hierBranch" op="equ" val="init">
+                      <dgm:constrLst>
+                        <dgm:constr type="l" for="ch" forName="rootText"/>
+                        <dgm:constr type="t" for="ch" forName="rootText"/>
+                        <dgm:constr type="w" for="ch" forName="rootText" refType="w"/>
+                        <dgm:constr type="h" for="ch" forName="rootText" refType="h" fact="0.9"/>
+                        <dgm:constr type="l" for="ch" forName="titleText2" refType="w" fact="0.2"/>
+                        <dgm:constr type="t" for="ch" forName="titleText2" refType="h" fact="0.7"/>
+                        <dgm:constr type="w" for="ch" forName="titleText2" refType="w" fact="0.9"/>
+                        <dgm:constr type="h" for="ch" forName="titleText2" refType="h" fact="0.3"/>
+                        <dgm:constr type="primFontSz" for="des" forName="titleText2" refType="primFontSz" refFor="des" refForName="rootText1" op="lte"/>
+                        <dgm:constr type="l" for="ch" forName="rootConnector"/>
+                        <dgm:constr type="t" for="ch" forName="rootConnector"/>
+                        <dgm:constr type="w" for="ch" forName="rootConnector" refType="w" refFor="ch" refForName="rootText" fact="0.2"/>
+                        <dgm:constr type="h" for="ch" forName="rootConnector" refType="h" refFor="ch" refForName="rootText"/>
+                      </dgm:constrLst>
+                    </dgm:if>
+                    <dgm:if name="Name68" func="var" arg="hierBranch" op="equ" val="l">
+                      <dgm:constrLst>
+                        <dgm:constr type="l" for="ch" forName="rootText"/>
+                        <dgm:constr type="t" for="ch" forName="rootText"/>
+                        <dgm:constr type="w" for="ch" forName="rootText" refType="w"/>
+                        <dgm:constr type="h" for="ch" forName="rootText" refType="h" fact="0.9"/>
+                        <dgm:constr type="l" for="ch" forName="titleText2" refType="w" fact="0.2"/>
+                        <dgm:constr type="t" for="ch" forName="titleText2" refType="h" fact="0.7"/>
+                        <dgm:constr type="w" for="ch" forName="titleText2" refType="w" fact="0.9"/>
+                        <dgm:constr type="h" for="ch" forName="titleText2" refType="h" fact="0.3"/>
+                        <dgm:constr type="primFontSz" for="des" forName="titleText2" refType="primFontSz" refFor="des" refForName="rootText1" op="lte"/>
+                        <dgm:constr type="r" for="ch" forName="rootConnector" refType="w"/>
+                        <dgm:constr type="t" for="ch" forName="rootConnector"/>
+                        <dgm:constr type="w" for="ch" forName="rootConnector" refType="w" refFor="ch" refForName="rootText" fact="0.2"/>
+                        <dgm:constr type="h" for="ch" forName="rootConnector" refType="h" refFor="ch" refForName="rootText"/>
+                      </dgm:constrLst>
+                    </dgm:if>
+                    <dgm:if name="Name69" func="var" arg="hierBranch" op="equ" val="r">
+                      <dgm:constrLst>
+                        <dgm:constr type="l" for="ch" forName="rootText"/>
+                        <dgm:constr type="t" for="ch" forName="rootText"/>
+                        <dgm:constr type="w" for="ch" forName="rootText" refType="w"/>
+                        <dgm:constr type="h" for="ch" forName="rootText" refType="h" fact="0.9"/>
+                        <dgm:constr type="l" for="ch" forName="titleText2" refType="w" fact="0.2"/>
+                        <dgm:constr type="t" for="ch" forName="titleText2" refType="h" fact="0.7"/>
+                        <dgm:constr type="w" for="ch" forName="titleText2" refType="w" fact="0.9"/>
+                        <dgm:constr type="h" for="ch" forName="titleText2" refType="h" fact="0.3"/>
+                        <dgm:constr type="primFontSz" for="des" forName="titleText2" refType="primFontSz" refFor="des" refForName="rootText1" op="lte"/>
+                        <dgm:constr type="l" for="ch" forName="rootConnector"/>
+                        <dgm:constr type="t" for="ch" forName="rootConnector"/>
+                        <dgm:constr type="w" for="ch" forName="rootConnector" refType="w" refFor="ch" refForName="rootText" fact="0.2"/>
+                        <dgm:constr type="h" for="ch" forName="rootConnector" refType="h" refFor="ch" refForName="rootText"/>
+                      </dgm:constrLst>
+                    </dgm:if>
+                    <dgm:else name="Name70">
+                      <dgm:constrLst>
+                        <dgm:constr type="l" for="ch" forName="rootText"/>
+                        <dgm:constr type="t" for="ch" forName="rootText"/>
+                        <dgm:constr type="w" for="ch" forName="rootText" refType="w"/>
+                        <dgm:constr type="h" for="ch" forName="rootText" refType="h" fact="0.9"/>
+                        <dgm:constr type="l" for="ch" forName="titleText2" refType="w" fact="0.2"/>
+                        <dgm:constr type="t" for="ch" forName="titleText2" refType="h" fact="0.7"/>
+                        <dgm:constr type="w" for="ch" forName="titleText2" refType="w" fact="0.9"/>
+                        <dgm:constr type="h" for="ch" forName="titleText2" refType="h" fact="0.3"/>
+                        <dgm:constr type="primFontSz" for="des" forName="titleText2" refType="primFontSz" refFor="des" refForName="rootText1" op="lte"/>
+                        <dgm:constr type="r" for="ch" forName="rootConnector" refType="w"/>
+                        <dgm:constr type="t" for="ch" forName="rootConnector"/>
+                        <dgm:constr type="w" for="ch" forName="rootConnector" refType="w" refFor="ch" refForName="rootText" fact="0.2"/>
+                        <dgm:constr type="h" for="ch" forName="rootConnector" refType="h" refFor="ch" refForName="rootText"/>
+                      </dgm:constrLst>
+                    </dgm:else>
+                  </dgm:choose>
+                  <dgm:ruleLst/>
+                  <dgm:layoutNode name="rootText" styleLbl="node1">
+                    <dgm:varLst>
+                      <dgm:chMax/>
+                      <dgm:chPref val="3"/>
+                    </dgm:varLst>
+                    <dgm:alg type="tx"/>
+                    <dgm:shape xmlns:r="http://schemas.openxmlformats.org/officeDocument/2006/relationships" type="rect" r:blip="">
+                      <dgm:adjLst/>
+                    </dgm:shape>
+                    <dgm:presOf axis="self" ptType="node" cnt="1"/>
+                    <dgm:constrLst>
+                      <dgm:constr type="primFontSz" val="65"/>
+                      <dgm:constr type="lMarg" refType="primFontSz" fact="0.05"/>
+                      <dgm:constr type="rMarg" refType="primFontSz" fact="0.05"/>
+                      <dgm:constr type="tMarg" refType="primFontSz" fact="0.05"/>
+                      <dgm:constr type="bMarg" refType="h" fact="0.4"/>
+                    </dgm:constrLst>
+                    <dgm:ruleLst>
+                      <dgm:rule type="primFontSz" val="5" fact="NaN" max="NaN"/>
+                    </dgm:ruleLst>
+                  </dgm:layoutNode>
+                  <dgm:layoutNode name="titleText2" styleLbl="fgAcc1">
+                    <dgm:varLst>
+                      <dgm:chMax val="0"/>
+                      <dgm:chPref val="0"/>
+                    </dgm:varLst>
+                    <dgm:alg type="tx">
+                      <dgm:param type="parTxLTRAlign" val="r"/>
+                    </dgm:alg>
+                    <dgm:shape xmlns:r="http://schemas.openxmlformats.org/officeDocument/2006/relationships" type="rect" r:blip="">
+                      <dgm:adjLst/>
+                    </dgm:shape>
+                    <dgm:presOf axis="followSib" ptType="sibTrans" hideLastTrans="0" cnt="1"/>
+                    <dgm:constrLst>
+                      <dgm:constr type="primFontSz" val="65"/>
+                      <dgm:constr type="lMarg" refType="primFontSz" fact="0.2"/>
+                      <dgm:constr type="rMarg" refType="primFontSz" fact="0.2"/>
+                      <dgm:constr type="tMarg" refType="primFontSz" fact="0.05"/>
+                      <dgm:constr type="bMarg" refType="primFontSz" fact="0.05"/>
+                    </dgm:constrLst>
+                    <dgm:ruleLst>
+                      <dgm:rule type="primFontSz" val="5" fact="NaN" max="NaN"/>
+                    </dgm:ruleLst>
+                  </dgm:layoutNode>
+                  <dgm:layoutNode name="rootConnector" moveWith="rootText">
+                    <dgm:alg type="sp"/>
+                    <dgm:shape xmlns:r="http://schemas.openxmlformats.org/officeDocument/2006/relationships" type="rect" r:blip="" hideGeom="1">
+                      <dgm:adjLst/>
+                    </dgm:shape>
+                    <dgm:presOf axis="self" ptType="node" cnt="1"/>
+                    <dgm:constrLst/>
+                    <dgm:ruleLst/>
+                  </dgm:layoutNode>
+                </dgm:layoutNode>
+                <dgm:layoutNode name="hierChild4">
+                  <dgm:choose name="Name71">
+                    <dgm:if name="Name72" func="var" arg="hierBranch" op="equ" val="l">
+                      <dgm:alg type="hierChild">
+                        <dgm:param type="chAlign" val="r"/>
+                        <dgm:param type="linDir" val="fromT"/>
+                      </dgm:alg>
+                    </dgm:if>
+                    <dgm:if name="Name73" func="var" arg="hierBranch" op="equ" val="r">
+                      <dgm:alg type="hierChild">
+                        <dgm:param type="chAlign" val="l"/>
+                        <dgm:param type="linDir" val="fromT"/>
+                      </dgm:alg>
+                    </dgm:if>
+                    <dgm:if name="Name74" func="var" arg="hierBranch" op="equ" val="hang">
+                      <dgm:choose name="Name75">
+                        <dgm:if name="Name76" func="var" arg="dir" op="equ" val="norm">
+                          <dgm:alg type="hierChild">
+                            <dgm:param type="chAlign" val="l"/>
+                            <dgm:param type="linDir" val="fromL"/>
+                            <dgm:param type="secChAlign" val="t"/>
+                            <dgm:param type="secLinDir" val="fromT"/>
+                          </dgm:alg>
+                        </dgm:if>
+                        <dgm:else name="Name77">
+                          <dgm:alg type="hierChild">
+                            <dgm:param type="chAlign" val="l"/>
+                            <dgm:param type="linDir" val="fromR"/>
+                            <dgm:param type="secChAlign" val="t"/>
+                            <dgm:param type="secLinDir" val="fromT"/>
+                          </dgm:alg>
+                        </dgm:else>
+                      </dgm:choose>
+                    </dgm:if>
+                    <dgm:if name="Name78" func="var" arg="hierBranch" op="equ" val="std">
+                      <dgm:choose name="Name79">
+                        <dgm:if name="Name80" func="var" arg="dir" op="equ" val="norm">
+                          <dgm:alg type="hierChild"/>
+                        </dgm:if>
+                        <dgm:else name="Name81">
+                          <dgm:alg type="hierChild">
+                            <dgm:param type="linDir" val="fromR"/>
+                          </dgm:alg>
+                        </dgm:else>
+                      </dgm:choose>
+                    </dgm:if>
+                    <dgm:if name="Name82" func="var" arg="hierBranch" op="equ" val="init">
+                      <dgm:choose name="Name83">
+                        <dgm:if name="Name84" func="var" arg="dir" op="equ" val="norm">
+                          <dgm:alg type="hierChild"/>
+                        </dgm:if>
+                        <dgm:else name="Name85">
+                          <dgm:alg type="hierChild">
+                            <dgm:param type="linDir" val="fromR"/>
+                          </dgm:alg>
+                        </dgm:else>
+                      </dgm:choose>
+                    </dgm:if>
+                    <dgm:else name="Name86"/>
+                  </dgm:choose>
+                  <dgm:shape xmlns:r="http://schemas.openxmlformats.org/officeDocument/2006/relationships" r:blip="">
+                    <dgm:adjLst/>
+                  </dgm:shape>
+                  <dgm:presOf/>
+                  <dgm:constrLst/>
+                  <dgm:ruleLst/>
+                  <dgm:forEach name="Name87" ref="rep2a"/>
+                </dgm:layoutNode>
+                <dgm:layoutNode name="hierChild5">
+                  <dgm:choose name="Name88">
+                    <dgm:if name="Name89" func="var" arg="dir" op="equ" val="norm">
+                      <dgm:alg type="hierChild">
+                        <dgm:param type="chAlign" val="l"/>
+                        <dgm:param type="linDir" val="fromL"/>
+                        <dgm:param type="secChAlign" val="t"/>
+                        <dgm:param type="secLinDir" val="fromT"/>
+                      </dgm:alg>
+                    </dgm:if>
+                    <dgm:else name="Name90">
+                      <dgm:alg type="hierChild">
+                        <dgm:param type="chAlign" val="l"/>
+                        <dgm:param type="linDir" val="fromR"/>
+                        <dgm:param type="secChAlign" val="t"/>
+                        <dgm:param type="secLinDir" val="fromT"/>
+                      </dgm:alg>
+                    </dgm:else>
+                  </dgm:choose>
+                  <dgm:shape xmlns:r="http://schemas.openxmlformats.org/officeDocument/2006/relationships" r:blip="">
+                    <dgm:adjLst/>
+                  </dgm:shape>
+                  <dgm:presOf/>
+                  <dgm:constrLst/>
+                  <dgm:ruleLst/>
+                  <dgm:forEach name="Name91" ref="rep2b"/>
+                </dgm:layoutNode>
+              </dgm:layoutNode>
+            </dgm:forEach>
+          </dgm:layoutNode>
+          <dgm:layoutNode name="hierChild3">
+            <dgm:choose name="Name92">
+              <dgm:if name="Name93" func="var" arg="dir" op="equ" val="norm">
+                <dgm:alg type="hierChild">
+                  <dgm:param type="chAlign" val="l"/>
+                  <dgm:param type="linDir" val="fromL"/>
+                  <dgm:param type="secChAlign" val="t"/>
+                  <dgm:param type="secLinDir" val="fromT"/>
+                </dgm:alg>
+              </dgm:if>
+              <dgm:else name="Name94">
+                <dgm:alg type="hierChild">
+                  <dgm:param type="chAlign" val="l"/>
+                  <dgm:param type="linDir" val="fromR"/>
+                  <dgm:param type="secChAlign" val="t"/>
+                  <dgm:param type="secLinDir" val="fromT"/>
+                </dgm:alg>
+              </dgm:else>
+            </dgm:choose>
+            <dgm:shape xmlns:r="http://schemas.openxmlformats.org/officeDocument/2006/relationships" r:blip="">
+              <dgm:adjLst/>
+            </dgm:shape>
+            <dgm:presOf/>
+            <dgm:constrLst/>
+            <dgm:ruleLst/>
+            <dgm:forEach name="rep2b" axis="ch" ptType="asst">
+              <dgm:forEach name="Name95" axis="precedSib" ptType="parTrans" st="-1" cnt="1">
+                <dgm:layoutNode name="Name96">
+                  <dgm:alg type="conn">
+                    <dgm:param type="connRout" val="bend"/>
+                    <dgm:param type="dim" val="1D"/>
+                    <dgm:param type="endSty" val="noArr"/>
+                    <dgm:param type="begPts" val="bCtr"/>
+                    <dgm:param type="endPts" val="midL midR"/>
+                  </dgm:alg>
+                  <dgm:shape xmlns:r="http://schemas.openxmlformats.org/officeDocument/2006/relationships" type="conn" r:blip="" zOrderOff="-99999">
+                    <dgm:adjLst/>
+                  </dgm:shape>
+                  <dgm:presOf axis="self"/>
+                  <dgm:constrLst>
+                    <dgm:constr type="begPad"/>
+                    <dgm:constr type="endPad"/>
+                  </dgm:constrLst>
+                  <dgm:ruleLst/>
+                </dgm:layoutNode>
+              </dgm:forEach>
+              <dgm:layoutNode name="hierRoot3">
+                <dgm:varLst>
+                  <dgm:hierBranch val="init"/>
+                </dgm:varLst>
+                <dgm:choose name="Name97">
+                  <dgm:if name="Name98" func="var" arg="hierBranch" op="equ" val="l">
+                    <dgm:alg type="hierRoot">
+                      <dgm:param type="hierAlign" val="tR"/>
+                    </dgm:alg>
+                    <dgm:shape xmlns:r="http://schemas.openxmlformats.org/officeDocument/2006/relationships" r:blip="">
+                      <dgm:adjLst/>
+                    </dgm:shape>
+                    <dgm:presOf/>
+                    <dgm:constrLst>
+                      <dgm:constr type="alignOff" val="0.65"/>
+                    </dgm:constrLst>
+                  </dgm:if>
+                  <dgm:if name="Name99" func="var" arg="hierBranch" op="equ" val="r">
+                    <dgm:alg type="hierRoot">
+                      <dgm:param type="hierAlign" val="tL"/>
+                    </dgm:alg>
+                    <dgm:shape xmlns:r="http://schemas.openxmlformats.org/officeDocument/2006/relationships" r:blip="">
+                      <dgm:adjLst/>
+                    </dgm:shape>
+                    <dgm:presOf/>
+                    <dgm:constrLst>
+                      <dgm:constr type="alignOff" val="0.65"/>
+                    </dgm:constrLst>
+                  </dgm:if>
+                  <dgm:if name="Name100" func="var" arg="hierBranch" op="equ" val="hang">
+                    <dgm:alg type="hierRoot"/>
+                    <dgm:shape xmlns:r="http://schemas.openxmlformats.org/officeDocument/2006/relationships" r:blip="">
+                      <dgm:adjLst/>
+                    </dgm:shape>
+                    <dgm:presOf/>
+                    <dgm:constrLst>
+                      <dgm:constr type="alignOff" val="0.65"/>
+                    </dgm:constrLst>
+                  </dgm:if>
+                  <dgm:if name="Name101" func="var" arg="hierBranch" op="equ" val="std">
+                    <dgm:alg type="hierRoot"/>
+                    <dgm:shape xmlns:r="http://schemas.openxmlformats.org/officeDocument/2006/relationships" r:blip="">
+                      <dgm:adjLst/>
+                    </dgm:shape>
+                    <dgm:presOf/>
+                    <dgm:constrLst>
+                      <dgm:constr type="alignOff"/>
+                      <dgm:constr type="bendDist" for="des" ptType="parTrans" refType="sp" fact="0.5"/>
+                    </dgm:constrLst>
+                  </dgm:if>
+                  <dgm:if name="Name102" func="var" arg="hierBranch" op="equ" val="init">
+                    <dgm:alg type="hierRoot"/>
+                    <dgm:shape xmlns:r="http://schemas.openxmlformats.org/officeDocument/2006/relationships" r:blip="">
+                      <dgm:adjLst/>
+                    </dgm:shape>
+                    <dgm:presOf/>
+                    <dgm:constrLst>
+                      <dgm:constr type="alignOff"/>
+                      <dgm:constr type="bendDist" for="des" ptType="parTrans" refType="sp" fact="0.5"/>
+                    </dgm:constrLst>
+                  </dgm:if>
+                  <dgm:else name="Name103"/>
+                </dgm:choose>
+                <dgm:ruleLst/>
+                <dgm:layoutNode name="rootComposite3">
+                  <dgm:alg type="composite"/>
+                  <dgm:shape xmlns:r="http://schemas.openxmlformats.org/officeDocument/2006/relationships" r:blip="">
+                    <dgm:adjLst/>
+                  </dgm:shape>
+                  <dgm:presOf axis="self" ptType="node" cnt="1"/>
+                  <dgm:choose name="Name104">
+                    <dgm:if name="Name105" func="var" arg="hierBranch" op="equ" val="init">
+                      <dgm:constrLst>
+                        <dgm:constr type="l" for="ch" forName="rootText3"/>
+                        <dgm:constr type="t" for="ch" forName="rootText3"/>
+                        <dgm:constr type="w" for="ch" forName="rootText3" refType="w"/>
+                        <dgm:constr type="h" for="ch" forName="rootText3" refType="h" fact="0.9"/>
+                        <dgm:constr type="l" for="ch" forName="titleText3" refType="w" fact="0.2"/>
+                        <dgm:constr type="t" for="ch" forName="titleText3" refType="h" fact="0.7"/>
+                        <dgm:constr type="w" for="ch" forName="titleText3" refType="w" fact="0.9"/>
+                        <dgm:constr type="h" for="ch" forName="titleText3" refType="h" fact="0.3"/>
+                        <dgm:constr type="primFontSz" for="des" forName="titleText3" refType="primFontSz" refFor="des" refForName="rootText3" op="lte"/>
+                        <dgm:constr type="l" for="ch" forName="rootConnector3"/>
+                        <dgm:constr type="t" for="ch" forName="rootConnector3"/>
+                        <dgm:constr type="w" for="ch" forName="rootConnector3" refType="w" refFor="ch" refForName="rootText3" fact="0.2"/>
+                        <dgm:constr type="h" for="ch" forName="rootConnector3" refType="h" refFor="ch" refForName="rootText3"/>
+                      </dgm:constrLst>
+                    </dgm:if>
+                    <dgm:if name="Name106" func="var" arg="hierBranch" op="equ" val="l">
+                      <dgm:constrLst>
+                        <dgm:constr type="l" for="ch" forName="rootText3"/>
+                        <dgm:constr type="t" for="ch" forName="rootText3"/>
+                        <dgm:constr type="w" for="ch" forName="rootText3" refType="w"/>
+                        <dgm:constr type="h" for="ch" forName="rootText3" refType="h" fact="0.9"/>
+                        <dgm:constr type="l" for="ch" forName="titleText3" refType="w" fact="0.2"/>
+                        <dgm:constr type="t" for="ch" forName="titleText3" refType="h" fact="0.7"/>
+                        <dgm:constr type="w" for="ch" forName="titleText3" refType="w" fact="0.9"/>
+                        <dgm:constr type="h" for="ch" forName="titleText3" refType="h" fact="0.3"/>
+                        <dgm:constr type="primFontSz" for="des" forName="titleText3" refType="primFontSz" refFor="des" refForName="rootText3" op="lte"/>
+                        <dgm:constr type="r" for="ch" forName="rootConnector3" refType="w"/>
+                        <dgm:constr type="t" for="ch" forName="rootConnector3"/>
+                        <dgm:constr type="w" for="ch" forName="rootConnector3" refType="w" refFor="ch" refForName="rootText3" fact="0.2"/>
+                        <dgm:constr type="h" for="ch" forName="rootConnector3" refType="h" refFor="ch" refForName="rootText3"/>
+                      </dgm:constrLst>
+                    </dgm:if>
+                    <dgm:if name="Name107" func="var" arg="hierBranch" op="equ" val="r">
+                      <dgm:constrLst>
+                        <dgm:constr type="l" for="ch" forName="rootText3"/>
+                        <dgm:constr type="t" for="ch" forName="rootText3"/>
+                        <dgm:constr type="w" for="ch" forName="rootText3" refType="w"/>
+                        <dgm:constr type="h" for="ch" forName="rootText3" refType="h" fact="0.9"/>
+                        <dgm:constr type="l" for="ch" forName="titleText3" refType="w" fact="0.2"/>
+                        <dgm:constr type="t" for="ch" forName="titleText3" refType="h" fact="0.7"/>
+                        <dgm:constr type="w" for="ch" forName="titleText3" refType="w" fact="0.9"/>
+                        <dgm:constr type="h" for="ch" forName="titleText3" refType="h" fact="0.3"/>
+                        <dgm:constr type="primFontSz" for="des" forName="titleText3" refType="primFontSz" refFor="des" refForName="rootText3" op="lte"/>
+                        <dgm:constr type="l" for="ch" forName="rootConnector3"/>
+                        <dgm:constr type="t" for="ch" forName="rootConnector3"/>
+                        <dgm:constr type="w" for="ch" forName="rootConnector3" refType="w" refFor="ch" refForName="rootText3" fact="0.2"/>
+                        <dgm:constr type="h" for="ch" forName="rootConnector3" refType="h" refFor="ch" refForName="rootText3"/>
+                      </dgm:constrLst>
+                    </dgm:if>
+                    <dgm:else name="Name108">
+                      <dgm:constrLst>
+                        <dgm:constr type="l" for="ch" forName="rootText3"/>
+                        <dgm:constr type="t" for="ch" forName="rootText3"/>
+                        <dgm:constr type="w" for="ch" forName="rootText3" refType="w"/>
+                        <dgm:constr type="h" for="ch" forName="rootText3" refType="h" fact="0.9"/>
+                        <dgm:constr type="l" for="ch" forName="titleText3" refType="w" fact="0.2"/>
+                        <dgm:constr type="t" for="ch" forName="titleText3" refType="h" fact="0.7"/>
+                        <dgm:constr type="w" for="ch" forName="titleText3" refType="w" fact="0.9"/>
+                        <dgm:constr type="h" for="ch" forName="titleText3" refType="h" fact="0.3"/>
+                        <dgm:constr type="primFontSz" for="des" forName="titleText3" refType="primFontSz" refFor="des" refForName="rootText3" op="lte"/>
+                        <dgm:constr type="r" for="ch" forName="rootConnector3" refType="w"/>
+                        <dgm:constr type="t" for="ch" forName="rootConnector3"/>
+                        <dgm:constr type="w" for="ch" forName="rootConnector3" refType="w" refFor="ch" refForName="rootText3" fact="0.2"/>
+                        <dgm:constr type="h" for="ch" forName="rootConnector3" refType="h" refFor="ch" refForName="rootText3"/>
+                      </dgm:constrLst>
+                    </dgm:else>
+                  </dgm:choose>
+                  <dgm:ruleLst/>
+                  <dgm:layoutNode name="rootText3" styleLbl="asst1">
+                    <dgm:varLst>
+                      <dgm:chPref val="3"/>
+                    </dgm:varLst>
+                    <dgm:alg type="tx"/>
+                    <dgm:shape xmlns:r="http://schemas.openxmlformats.org/officeDocument/2006/relationships" type="rect" r:blip="">
+                      <dgm:adjLst/>
+                    </dgm:shape>
+                    <dgm:presOf axis="self" ptType="node" cnt="1"/>
+                    <dgm:constrLst>
+                      <dgm:constr type="primFontSz" val="65"/>
+                      <dgm:constr type="lMarg" refType="primFontSz" fact="0.05"/>
+                      <dgm:constr type="rMarg" refType="primFontSz" fact="0.05"/>
+                      <dgm:constr type="tMarg" refType="primFontSz" fact="0.05"/>
+                      <dgm:constr type="bMarg" refType="h" fact="0.4"/>
+                    </dgm:constrLst>
+                    <dgm:ruleLst>
+                      <dgm:rule type="primFontSz" val="5" fact="NaN" max="NaN"/>
+                    </dgm:ruleLst>
+                  </dgm:layoutNode>
+                  <dgm:layoutNode name="titleText3" styleLbl="fgAcc2">
+                    <dgm:varLst>
+                      <dgm:chMax val="0"/>
+                      <dgm:chPref val="0"/>
+                    </dgm:varLst>
+                    <dgm:alg type="tx">
+                      <dgm:param type="parTxLTRAlign" val="r"/>
+                    </dgm:alg>
+                    <dgm:shape xmlns:r="http://schemas.openxmlformats.org/officeDocument/2006/relationships" type="rect" r:blip="">
+                      <dgm:adjLst/>
+                    </dgm:shape>
+                    <dgm:presOf axis="followSib" ptType="sibTrans" hideLastTrans="0" cnt="1"/>
+                    <dgm:constrLst>
+                      <dgm:constr type="primFontSz" val="65"/>
+                      <dgm:constr type="lMarg" refType="primFontSz" fact="0.2"/>
+                      <dgm:constr type="rMarg" refType="primFontSz" fact="0.2"/>
+                      <dgm:constr type="tMarg" refType="primFontSz" fact="0.05"/>
+                      <dgm:constr type="bMarg" refType="primFontSz" fact="0.05"/>
+                    </dgm:constrLst>
+                    <dgm:ruleLst>
+                      <dgm:rule type="primFontSz" val="5" fact="NaN" max="NaN"/>
+                    </dgm:ruleLst>
+                  </dgm:layoutNode>
+                  <dgm:layoutNode name="rootConnector3" moveWith="rootText1">
+                    <dgm:alg type="sp"/>
+                    <dgm:shape xmlns:r="http://schemas.openxmlformats.org/officeDocument/2006/relationships" type="rect" r:blip="" hideGeom="1">
+                      <dgm:adjLst/>
+                    </dgm:shape>
+                    <dgm:presOf axis="self" ptType="node" cnt="1"/>
+                    <dgm:constrLst/>
+                    <dgm:ruleLst/>
+                  </dgm:layoutNode>
+                </dgm:layoutNode>
+                <dgm:layoutNode name="hierChild6">
+                  <dgm:choose name="Name109">
+                    <dgm:if name="Name110" func="var" arg="hierBranch" op="equ" val="l">
+                      <dgm:alg type="hierChild">
+                        <dgm:param type="chAlign" val="r"/>
+                        <dgm:param type="linDir" val="fromT"/>
+                      </dgm:alg>
+                    </dgm:if>
+                    <dgm:if name="Name111" func="var" arg="hierBranch" op="equ" val="r">
+                      <dgm:alg type="hierChild">
+                        <dgm:param type="chAlign" val="l"/>
+                        <dgm:param type="linDir" val="fromT"/>
+                      </dgm:alg>
+                    </dgm:if>
+                    <dgm:if name="Name112" func="var" arg="hierBranch" op="equ" val="hang">
+                      <dgm:choose name="Name113">
+                        <dgm:if name="Name114" func="var" arg="dir" op="equ" val="norm">
+                          <dgm:alg type="hierChild">
+                            <dgm:param type="chAlign" val="l"/>
+                            <dgm:param type="linDir" val="fromL"/>
+                            <dgm:param type="secChAlign" val="t"/>
+                            <dgm:param type="secLinDir" val="fromT"/>
+                          </dgm:alg>
+                        </dgm:if>
+                        <dgm:else name="Name115">
+                          <dgm:alg type="hierChild">
+                            <dgm:param type="chAlign" val="l"/>
+                            <dgm:param type="linDir" val="fromR"/>
+                            <dgm:param type="secChAlign" val="t"/>
+                            <dgm:param type="secLinDir" val="fromT"/>
+                          </dgm:alg>
+                        </dgm:else>
+                      </dgm:choose>
+                    </dgm:if>
+                    <dgm:if name="Name116" func="var" arg="hierBranch" op="equ" val="std">
+                      <dgm:choose name="Name117">
+                        <dgm:if name="Name118" func="var" arg="dir" op="equ" val="norm">
+                          <dgm:alg type="hierChild"/>
+                        </dgm:if>
+                        <dgm:else name="Name119">
+                          <dgm:alg type="hierChild">
+                            <dgm:param type="linDir" val="fromR"/>
+                          </dgm:alg>
+                        </dgm:else>
+                      </dgm:choose>
+                    </dgm:if>
+                    <dgm:if name="Name120" func="var" arg="hierBranch" op="equ" val="init">
+                      <dgm:alg type="hierChild"/>
+                    </dgm:if>
+                    <dgm:else name="Name121"/>
+                  </dgm:choose>
+                  <dgm:shape xmlns:r="http://schemas.openxmlformats.org/officeDocument/2006/relationships" r:blip="">
+                    <dgm:adjLst/>
+                  </dgm:shape>
+                  <dgm:presOf/>
+                  <dgm:constrLst/>
+                  <dgm:ruleLst/>
+                  <dgm:forEach name="Name122" ref="rep2a"/>
+                </dgm:layoutNode>
+                <dgm:layoutNode name="hierChild7">
+                  <dgm:choose name="Name123">
+                    <dgm:if name="Name124" func="var" arg="dir" op="equ" val="norm">
+                      <dgm:alg type="hierChild">
+                        <dgm:param type="chAlign" val="l"/>
+                        <dgm:param type="linDir" val="fromL"/>
+                        <dgm:param type="secChAlign" val="t"/>
+                        <dgm:param type="secLinDir" val="fromT"/>
+                      </dgm:alg>
+                    </dgm:if>
+                    <dgm:else name="Name125">
+                      <dgm:alg type="hierChild">
+                        <dgm:param type="chAlign" val="l"/>
+                        <dgm:param type="linDir" val="fromR"/>
+                        <dgm:param type="secChAlign" val="t"/>
+                        <dgm:param type="secLinDir" val="fromT"/>
+                      </dgm:alg>
+                    </dgm:else>
+                  </dgm:choose>
+                  <dgm:shape xmlns:r="http://schemas.openxmlformats.org/officeDocument/2006/relationships" r:blip="">
+                    <dgm:adjLst/>
+                  </dgm:shape>
+                  <dgm:presOf/>
+                  <dgm:constrLst/>
+                  <dgm:ruleLst/>
+                  <dgm:forEach name="Name126" ref="rep2b"/>
+                </dgm:layoutNode>
+              </dgm:layoutNode>
+            </dgm:forEach>
+          </dgm:layoutNode>
+        </dgm:layoutNode>
+      </dgm:forEach>
+    </dgm:forEach>
+  </dgm:layoutNode>
+</dgm:layoutDef>
+</file>
+
 <file path=ppt/diagrams/quickStyle1.xml><?xml version="1.0" encoding="utf-8"?>
 <dgm:styleDef xmlns:dgm="http://schemas.openxmlformats.org/drawingml/2006/diagram" xmlns:a="http://schemas.openxmlformats.org/drawingml/2006/main" uniqueId="urn:microsoft.com/office/officeart/2005/8/quickstyle/simple1">
   <dgm:title val=""/>
@@ -15620,6 +20141,1040 @@
     <dgm:txPr/>
     <dgm:style>
       <a:lnRef idx="0">
+        <a:scrgbClr r="0" g="0" b="0"/>
+      </a:lnRef>
+      <a:fillRef idx="1">
+        <a:scrgbClr r="0" g="0" b="0"/>
+      </a:fillRef>
+      <a:effectRef idx="0">
+        <a:scrgbClr r="0" g="0" b="0"/>
+      </a:effectRef>
+      <a:fontRef idx="minor"/>
+    </dgm:style>
+  </dgm:styleLbl>
+  <dgm:styleLbl name="revTx">
+    <dgm:scene3d>
+      <a:camera prst="orthographicFront"/>
+      <a:lightRig rig="threePt" dir="t"/>
+    </dgm:scene3d>
+    <dgm:sp3d/>
+    <dgm:txPr/>
+    <dgm:style>
+      <a:lnRef idx="0">
+        <a:scrgbClr r="0" g="0" b="0"/>
+      </a:lnRef>
+      <a:fillRef idx="0">
+        <a:scrgbClr r="0" g="0" b="0"/>
+      </a:fillRef>
+      <a:effectRef idx="0">
+        <a:scrgbClr r="0" g="0" b="0"/>
+      </a:effectRef>
+      <a:fontRef idx="minor"/>
+    </dgm:style>
+  </dgm:styleLbl>
+</dgm:styleDef>
+</file>
+
+<file path=ppt/diagrams/quickStyle6.xml><?xml version="1.0" encoding="utf-8"?>
+<dgm:styleDef xmlns:dgm="http://schemas.openxmlformats.org/drawingml/2006/diagram" xmlns:a="http://schemas.openxmlformats.org/drawingml/2006/main" uniqueId="urn:microsoft.com/office/officeart/2005/8/quickstyle/simple1">
+  <dgm:title val=""/>
+  <dgm:desc val=""/>
+  <dgm:catLst>
+    <dgm:cat type="simple" pri="10100"/>
+  </dgm:catLst>
+  <dgm:scene3d>
+    <a:camera prst="orthographicFront"/>
+    <a:lightRig rig="threePt" dir="t"/>
+  </dgm:scene3d>
+  <dgm:styleLbl name="node0">
+    <dgm:scene3d>
+      <a:camera prst="orthographicFront"/>
+      <a:lightRig rig="threePt" dir="t"/>
+    </dgm:scene3d>
+    <dgm:sp3d/>
+    <dgm:txPr/>
+    <dgm:style>
+      <a:lnRef idx="2">
+        <a:scrgbClr r="0" g="0" b="0"/>
+      </a:lnRef>
+      <a:fillRef idx="1">
+        <a:scrgbClr r="0" g="0" b="0"/>
+      </a:fillRef>
+      <a:effectRef idx="0">
+        <a:scrgbClr r="0" g="0" b="0"/>
+      </a:effectRef>
+      <a:fontRef idx="minor">
+        <a:schemeClr val="lt1"/>
+      </a:fontRef>
+    </dgm:style>
+  </dgm:styleLbl>
+  <dgm:styleLbl name="lnNode1">
+    <dgm:scene3d>
+      <a:camera prst="orthographicFront"/>
+      <a:lightRig rig="threePt" dir="t"/>
+    </dgm:scene3d>
+    <dgm:sp3d/>
+    <dgm:txPr/>
+    <dgm:style>
+      <a:lnRef idx="2">
+        <a:scrgbClr r="0" g="0" b="0"/>
+      </a:lnRef>
+      <a:fillRef idx="1">
+        <a:scrgbClr r="0" g="0" b="0"/>
+      </a:fillRef>
+      <a:effectRef idx="0">
+        <a:scrgbClr r="0" g="0" b="0"/>
+      </a:effectRef>
+      <a:fontRef idx="minor">
+        <a:schemeClr val="lt1"/>
+      </a:fontRef>
+    </dgm:style>
+  </dgm:styleLbl>
+  <dgm:styleLbl name="vennNode1">
+    <dgm:scene3d>
+      <a:camera prst="orthographicFront"/>
+      <a:lightRig rig="threePt" dir="t"/>
+    </dgm:scene3d>
+    <dgm:sp3d/>
+    <dgm:txPr/>
+    <dgm:style>
+      <a:lnRef idx="2">
+        <a:scrgbClr r="0" g="0" b="0"/>
+      </a:lnRef>
+      <a:fillRef idx="1">
+        <a:scrgbClr r="0" g="0" b="0"/>
+      </a:fillRef>
+      <a:effectRef idx="0">
+        <a:scrgbClr r="0" g="0" b="0"/>
+      </a:effectRef>
+      <a:fontRef idx="minor">
+        <a:schemeClr val="tx1"/>
+      </a:fontRef>
+    </dgm:style>
+  </dgm:styleLbl>
+  <dgm:styleLbl name="alignNode1">
+    <dgm:scene3d>
+      <a:camera prst="orthographicFront"/>
+      <a:lightRig rig="threePt" dir="t"/>
+    </dgm:scene3d>
+    <dgm:sp3d/>
+    <dgm:txPr/>
+    <dgm:style>
+      <a:lnRef idx="2">
+        <a:scrgbClr r="0" g="0" b="0"/>
+      </a:lnRef>
+      <a:fillRef idx="1">
+        <a:scrgbClr r="0" g="0" b="0"/>
+      </a:fillRef>
+      <a:effectRef idx="0">
+        <a:scrgbClr r="0" g="0" b="0"/>
+      </a:effectRef>
+      <a:fontRef idx="minor">
+        <a:schemeClr val="lt1"/>
+      </a:fontRef>
+    </dgm:style>
+  </dgm:styleLbl>
+  <dgm:styleLbl name="node1">
+    <dgm:scene3d>
+      <a:camera prst="orthographicFront"/>
+      <a:lightRig rig="threePt" dir="t"/>
+    </dgm:scene3d>
+    <dgm:sp3d/>
+    <dgm:txPr/>
+    <dgm:style>
+      <a:lnRef idx="2">
+        <a:scrgbClr r="0" g="0" b="0"/>
+      </a:lnRef>
+      <a:fillRef idx="1">
+        <a:scrgbClr r="0" g="0" b="0"/>
+      </a:fillRef>
+      <a:effectRef idx="0">
+        <a:scrgbClr r="0" g="0" b="0"/>
+      </a:effectRef>
+      <a:fontRef idx="minor">
+        <a:schemeClr val="lt1"/>
+      </a:fontRef>
+    </dgm:style>
+  </dgm:styleLbl>
+  <dgm:styleLbl name="node2">
+    <dgm:scene3d>
+      <a:camera prst="orthographicFront"/>
+      <a:lightRig rig="threePt" dir="t"/>
+    </dgm:scene3d>
+    <dgm:sp3d/>
+    <dgm:txPr/>
+    <dgm:style>
+      <a:lnRef idx="2">
+        <a:scrgbClr r="0" g="0" b="0"/>
+      </a:lnRef>
+      <a:fillRef idx="1">
+        <a:scrgbClr r="0" g="0" b="0"/>
+      </a:fillRef>
+      <a:effectRef idx="0">
+        <a:scrgbClr r="0" g="0" b="0"/>
+      </a:effectRef>
+      <a:fontRef idx="minor">
+        <a:schemeClr val="lt1"/>
+      </a:fontRef>
+    </dgm:style>
+  </dgm:styleLbl>
+  <dgm:styleLbl name="node3">
+    <dgm:scene3d>
+      <a:camera prst="orthographicFront"/>
+      <a:lightRig rig="threePt" dir="t"/>
+    </dgm:scene3d>
+    <dgm:sp3d/>
+    <dgm:txPr/>
+    <dgm:style>
+      <a:lnRef idx="2">
+        <a:scrgbClr r="0" g="0" b="0"/>
+      </a:lnRef>
+      <a:fillRef idx="1">
+        <a:scrgbClr r="0" g="0" b="0"/>
+      </a:fillRef>
+      <a:effectRef idx="0">
+        <a:scrgbClr r="0" g="0" b="0"/>
+      </a:effectRef>
+      <a:fontRef idx="minor">
+        <a:schemeClr val="lt1"/>
+      </a:fontRef>
+    </dgm:style>
+  </dgm:styleLbl>
+  <dgm:styleLbl name="node4">
+    <dgm:scene3d>
+      <a:camera prst="orthographicFront"/>
+      <a:lightRig rig="threePt" dir="t"/>
+    </dgm:scene3d>
+    <dgm:sp3d/>
+    <dgm:txPr/>
+    <dgm:style>
+      <a:lnRef idx="2">
+        <a:scrgbClr r="0" g="0" b="0"/>
+      </a:lnRef>
+      <a:fillRef idx="1">
+        <a:scrgbClr r="0" g="0" b="0"/>
+      </a:fillRef>
+      <a:effectRef idx="0">
+        <a:scrgbClr r="0" g="0" b="0"/>
+      </a:effectRef>
+      <a:fontRef idx="minor">
+        <a:schemeClr val="lt1"/>
+      </a:fontRef>
+    </dgm:style>
+  </dgm:styleLbl>
+  <dgm:styleLbl name="fgImgPlace1">
+    <dgm:scene3d>
+      <a:camera prst="orthographicFront"/>
+      <a:lightRig rig="threePt" dir="t"/>
+    </dgm:scene3d>
+    <dgm:sp3d/>
+    <dgm:txPr/>
+    <dgm:style>
+      <a:lnRef idx="2">
+        <a:scrgbClr r="0" g="0" b="0"/>
+      </a:lnRef>
+      <a:fillRef idx="1">
+        <a:scrgbClr r="0" g="0" b="0"/>
+      </a:fillRef>
+      <a:effectRef idx="0">
+        <a:scrgbClr r="0" g="0" b="0"/>
+      </a:effectRef>
+      <a:fontRef idx="minor"/>
+    </dgm:style>
+  </dgm:styleLbl>
+  <dgm:styleLbl name="alignImgPlace1">
+    <dgm:scene3d>
+      <a:camera prst="orthographicFront"/>
+      <a:lightRig rig="threePt" dir="t"/>
+    </dgm:scene3d>
+    <dgm:sp3d/>
+    <dgm:txPr/>
+    <dgm:style>
+      <a:lnRef idx="2">
+        <a:scrgbClr r="0" g="0" b="0"/>
+      </a:lnRef>
+      <a:fillRef idx="1">
+        <a:scrgbClr r="0" g="0" b="0"/>
+      </a:fillRef>
+      <a:effectRef idx="0">
+        <a:scrgbClr r="0" g="0" b="0"/>
+      </a:effectRef>
+      <a:fontRef idx="minor"/>
+    </dgm:style>
+  </dgm:styleLbl>
+  <dgm:styleLbl name="bgImgPlace1">
+    <dgm:scene3d>
+      <a:camera prst="orthographicFront"/>
+      <a:lightRig rig="threePt" dir="t"/>
+    </dgm:scene3d>
+    <dgm:sp3d/>
+    <dgm:txPr/>
+    <dgm:style>
+      <a:lnRef idx="2">
+        <a:scrgbClr r="0" g="0" b="0"/>
+      </a:lnRef>
+      <a:fillRef idx="1">
+        <a:scrgbClr r="0" g="0" b="0"/>
+      </a:fillRef>
+      <a:effectRef idx="0">
+        <a:scrgbClr r="0" g="0" b="0"/>
+      </a:effectRef>
+      <a:fontRef idx="minor"/>
+    </dgm:style>
+  </dgm:styleLbl>
+  <dgm:styleLbl name="sibTrans2D1">
+    <dgm:scene3d>
+      <a:camera prst="orthographicFront"/>
+      <a:lightRig rig="threePt" dir="t"/>
+    </dgm:scene3d>
+    <dgm:sp3d/>
+    <dgm:txPr/>
+    <dgm:style>
+      <a:lnRef idx="0">
+        <a:scrgbClr r="0" g="0" b="0"/>
+      </a:lnRef>
+      <a:fillRef idx="1">
+        <a:scrgbClr r="0" g="0" b="0"/>
+      </a:fillRef>
+      <a:effectRef idx="0">
+        <a:scrgbClr r="0" g="0" b="0"/>
+      </a:effectRef>
+      <a:fontRef idx="minor">
+        <a:schemeClr val="lt1"/>
+      </a:fontRef>
+    </dgm:style>
+  </dgm:styleLbl>
+  <dgm:styleLbl name="fgSibTrans2D1">
+    <dgm:scene3d>
+      <a:camera prst="orthographicFront"/>
+      <a:lightRig rig="threePt" dir="t"/>
+    </dgm:scene3d>
+    <dgm:sp3d/>
+    <dgm:txPr/>
+    <dgm:style>
+      <a:lnRef idx="0">
+        <a:scrgbClr r="0" g="0" b="0"/>
+      </a:lnRef>
+      <a:fillRef idx="1">
+        <a:scrgbClr r="0" g="0" b="0"/>
+      </a:fillRef>
+      <a:effectRef idx="0">
+        <a:scrgbClr r="0" g="0" b="0"/>
+      </a:effectRef>
+      <a:fontRef idx="minor">
+        <a:schemeClr val="lt1"/>
+      </a:fontRef>
+    </dgm:style>
+  </dgm:styleLbl>
+  <dgm:styleLbl name="bgSibTrans2D1">
+    <dgm:scene3d>
+      <a:camera prst="orthographicFront"/>
+      <a:lightRig rig="threePt" dir="t"/>
+    </dgm:scene3d>
+    <dgm:sp3d/>
+    <dgm:txPr/>
+    <dgm:style>
+      <a:lnRef idx="0">
+        <a:scrgbClr r="0" g="0" b="0"/>
+      </a:lnRef>
+      <a:fillRef idx="1">
+        <a:scrgbClr r="0" g="0" b="0"/>
+      </a:fillRef>
+      <a:effectRef idx="0">
+        <a:scrgbClr r="0" g="0" b="0"/>
+      </a:effectRef>
+      <a:fontRef idx="minor">
+        <a:schemeClr val="lt1"/>
+      </a:fontRef>
+    </dgm:style>
+  </dgm:styleLbl>
+  <dgm:styleLbl name="sibTrans1D1">
+    <dgm:scene3d>
+      <a:camera prst="orthographicFront"/>
+      <a:lightRig rig="threePt" dir="t"/>
+    </dgm:scene3d>
+    <dgm:sp3d/>
+    <dgm:txPr/>
+    <dgm:style>
+      <a:lnRef idx="1">
+        <a:scrgbClr r="0" g="0" b="0"/>
+      </a:lnRef>
+      <a:fillRef idx="0">
+        <a:scrgbClr r="0" g="0" b="0"/>
+      </a:fillRef>
+      <a:effectRef idx="0">
+        <a:scrgbClr r="0" g="0" b="0"/>
+      </a:effectRef>
+      <a:fontRef idx="minor"/>
+    </dgm:style>
+  </dgm:styleLbl>
+  <dgm:styleLbl name="callout">
+    <dgm:scene3d>
+      <a:camera prst="orthographicFront"/>
+      <a:lightRig rig="threePt" dir="t"/>
+    </dgm:scene3d>
+    <dgm:sp3d/>
+    <dgm:txPr/>
+    <dgm:style>
+      <a:lnRef idx="2">
+        <a:scrgbClr r="0" g="0" b="0"/>
+      </a:lnRef>
+      <a:fillRef idx="1">
+        <a:scrgbClr r="0" g="0" b="0"/>
+      </a:fillRef>
+      <a:effectRef idx="0">
+        <a:scrgbClr r="0" g="0" b="0"/>
+      </a:effectRef>
+      <a:fontRef idx="minor"/>
+    </dgm:style>
+  </dgm:styleLbl>
+  <dgm:styleLbl name="asst0">
+    <dgm:scene3d>
+      <a:camera prst="orthographicFront"/>
+      <a:lightRig rig="threePt" dir="t"/>
+    </dgm:scene3d>
+    <dgm:sp3d/>
+    <dgm:txPr/>
+    <dgm:style>
+      <a:lnRef idx="2">
+        <a:scrgbClr r="0" g="0" b="0"/>
+      </a:lnRef>
+      <a:fillRef idx="1">
+        <a:scrgbClr r="0" g="0" b="0"/>
+      </a:fillRef>
+      <a:effectRef idx="0">
+        <a:scrgbClr r="0" g="0" b="0"/>
+      </a:effectRef>
+      <a:fontRef idx="minor">
+        <a:schemeClr val="lt1"/>
+      </a:fontRef>
+    </dgm:style>
+  </dgm:styleLbl>
+  <dgm:styleLbl name="asst1">
+    <dgm:scene3d>
+      <a:camera prst="orthographicFront"/>
+      <a:lightRig rig="threePt" dir="t"/>
+    </dgm:scene3d>
+    <dgm:sp3d/>
+    <dgm:txPr/>
+    <dgm:style>
+      <a:lnRef idx="2">
+        <a:scrgbClr r="0" g="0" b="0"/>
+      </a:lnRef>
+      <a:fillRef idx="1">
+        <a:scrgbClr r="0" g="0" b="0"/>
+      </a:fillRef>
+      <a:effectRef idx="0">
+        <a:scrgbClr r="0" g="0" b="0"/>
+      </a:effectRef>
+      <a:fontRef idx="minor">
+        <a:schemeClr val="lt1"/>
+      </a:fontRef>
+    </dgm:style>
+  </dgm:styleLbl>
+  <dgm:styleLbl name="asst2">
+    <dgm:scene3d>
+      <a:camera prst="orthographicFront"/>
+      <a:lightRig rig="threePt" dir="t"/>
+    </dgm:scene3d>
+    <dgm:sp3d/>
+    <dgm:txPr/>
+    <dgm:style>
+      <a:lnRef idx="2">
+        <a:scrgbClr r="0" g="0" b="0"/>
+      </a:lnRef>
+      <a:fillRef idx="1">
+        <a:scrgbClr r="0" g="0" b="0"/>
+      </a:fillRef>
+      <a:effectRef idx="0">
+        <a:scrgbClr r="0" g="0" b="0"/>
+      </a:effectRef>
+      <a:fontRef idx="minor">
+        <a:schemeClr val="lt1"/>
+      </a:fontRef>
+    </dgm:style>
+  </dgm:styleLbl>
+  <dgm:styleLbl name="asst3">
+    <dgm:scene3d>
+      <a:camera prst="orthographicFront"/>
+      <a:lightRig rig="threePt" dir="t"/>
+    </dgm:scene3d>
+    <dgm:sp3d/>
+    <dgm:txPr/>
+    <dgm:style>
+      <a:lnRef idx="2">
+        <a:scrgbClr r="0" g="0" b="0"/>
+      </a:lnRef>
+      <a:fillRef idx="1">
+        <a:scrgbClr r="0" g="0" b="0"/>
+      </a:fillRef>
+      <a:effectRef idx="0">
+        <a:scrgbClr r="0" g="0" b="0"/>
+      </a:effectRef>
+      <a:fontRef idx="minor">
+        <a:schemeClr val="lt1"/>
+      </a:fontRef>
+    </dgm:style>
+  </dgm:styleLbl>
+  <dgm:styleLbl name="asst4">
+    <dgm:scene3d>
+      <a:camera prst="orthographicFront"/>
+      <a:lightRig rig="threePt" dir="t"/>
+    </dgm:scene3d>
+    <dgm:sp3d/>
+    <dgm:txPr/>
+    <dgm:style>
+      <a:lnRef idx="2">
+        <a:scrgbClr r="0" g="0" b="0"/>
+      </a:lnRef>
+      <a:fillRef idx="1">
+        <a:scrgbClr r="0" g="0" b="0"/>
+      </a:fillRef>
+      <a:effectRef idx="0">
+        <a:scrgbClr r="0" g="0" b="0"/>
+      </a:effectRef>
+      <a:fontRef idx="minor">
+        <a:schemeClr val="lt1"/>
+      </a:fontRef>
+    </dgm:style>
+  </dgm:styleLbl>
+  <dgm:styleLbl name="parChTrans2D1">
+    <dgm:scene3d>
+      <a:camera prst="orthographicFront"/>
+      <a:lightRig rig="threePt" dir="t"/>
+    </dgm:scene3d>
+    <dgm:sp3d/>
+    <dgm:txPr/>
+    <dgm:style>
+      <a:lnRef idx="2">
+        <a:scrgbClr r="0" g="0" b="0"/>
+      </a:lnRef>
+      <a:fillRef idx="1">
+        <a:scrgbClr r="0" g="0" b="0"/>
+      </a:fillRef>
+      <a:effectRef idx="0">
+        <a:scrgbClr r="0" g="0" b="0"/>
+      </a:effectRef>
+      <a:fontRef idx="minor">
+        <a:schemeClr val="lt1"/>
+      </a:fontRef>
+    </dgm:style>
+  </dgm:styleLbl>
+  <dgm:styleLbl name="parChTrans2D2">
+    <dgm:scene3d>
+      <a:camera prst="orthographicFront"/>
+      <a:lightRig rig="threePt" dir="t"/>
+    </dgm:scene3d>
+    <dgm:sp3d/>
+    <dgm:txPr/>
+    <dgm:style>
+      <a:lnRef idx="2">
+        <a:scrgbClr r="0" g="0" b="0"/>
+      </a:lnRef>
+      <a:fillRef idx="1">
+        <a:scrgbClr r="0" g="0" b="0"/>
+      </a:fillRef>
+      <a:effectRef idx="0">
+        <a:scrgbClr r="0" g="0" b="0"/>
+      </a:effectRef>
+      <a:fontRef idx="minor">
+        <a:schemeClr val="lt1"/>
+      </a:fontRef>
+    </dgm:style>
+  </dgm:styleLbl>
+  <dgm:styleLbl name="parChTrans2D3">
+    <dgm:scene3d>
+      <a:camera prst="orthographicFront"/>
+      <a:lightRig rig="threePt" dir="t"/>
+    </dgm:scene3d>
+    <dgm:sp3d/>
+    <dgm:txPr/>
+    <dgm:style>
+      <a:lnRef idx="2">
+        <a:scrgbClr r="0" g="0" b="0"/>
+      </a:lnRef>
+      <a:fillRef idx="1">
+        <a:scrgbClr r="0" g="0" b="0"/>
+      </a:fillRef>
+      <a:effectRef idx="0">
+        <a:scrgbClr r="0" g="0" b="0"/>
+      </a:effectRef>
+      <a:fontRef idx="minor">
+        <a:schemeClr val="lt1"/>
+      </a:fontRef>
+    </dgm:style>
+  </dgm:styleLbl>
+  <dgm:styleLbl name="parChTrans2D4">
+    <dgm:scene3d>
+      <a:camera prst="orthographicFront"/>
+      <a:lightRig rig="threePt" dir="t"/>
+    </dgm:scene3d>
+    <dgm:sp3d/>
+    <dgm:txPr/>
+    <dgm:style>
+      <a:lnRef idx="2">
+        <a:scrgbClr r="0" g="0" b="0"/>
+      </a:lnRef>
+      <a:fillRef idx="1">
+        <a:scrgbClr r="0" g="0" b="0"/>
+      </a:fillRef>
+      <a:effectRef idx="0">
+        <a:scrgbClr r="0" g="0" b="0"/>
+      </a:effectRef>
+      <a:fontRef idx="minor">
+        <a:schemeClr val="lt1"/>
+      </a:fontRef>
+    </dgm:style>
+  </dgm:styleLbl>
+  <dgm:styleLbl name="parChTrans1D1">
+    <dgm:scene3d>
+      <a:camera prst="orthographicFront"/>
+      <a:lightRig rig="threePt" dir="t"/>
+    </dgm:scene3d>
+    <dgm:sp3d/>
+    <dgm:txPr/>
+    <dgm:style>
+      <a:lnRef idx="2">
+        <a:scrgbClr r="0" g="0" b="0"/>
+      </a:lnRef>
+      <a:fillRef idx="0">
+        <a:scrgbClr r="0" g="0" b="0"/>
+      </a:fillRef>
+      <a:effectRef idx="0">
+        <a:scrgbClr r="0" g="0" b="0"/>
+      </a:effectRef>
+      <a:fontRef idx="minor"/>
+    </dgm:style>
+  </dgm:styleLbl>
+  <dgm:styleLbl name="parChTrans1D2">
+    <dgm:scene3d>
+      <a:camera prst="orthographicFront"/>
+      <a:lightRig rig="threePt" dir="t"/>
+    </dgm:scene3d>
+    <dgm:sp3d/>
+    <dgm:txPr/>
+    <dgm:style>
+      <a:lnRef idx="2">
+        <a:scrgbClr r="0" g="0" b="0"/>
+      </a:lnRef>
+      <a:fillRef idx="0">
+        <a:scrgbClr r="0" g="0" b="0"/>
+      </a:fillRef>
+      <a:effectRef idx="0">
+        <a:scrgbClr r="0" g="0" b="0"/>
+      </a:effectRef>
+      <a:fontRef idx="minor"/>
+    </dgm:style>
+  </dgm:styleLbl>
+  <dgm:styleLbl name="parChTrans1D3">
+    <dgm:scene3d>
+      <a:camera prst="orthographicFront"/>
+      <a:lightRig rig="threePt" dir="t"/>
+    </dgm:scene3d>
+    <dgm:sp3d/>
+    <dgm:txPr/>
+    <dgm:style>
+      <a:lnRef idx="2">
+        <a:scrgbClr r="0" g="0" b="0"/>
+      </a:lnRef>
+      <a:fillRef idx="0">
+        <a:scrgbClr r="0" g="0" b="0"/>
+      </a:fillRef>
+      <a:effectRef idx="0">
+        <a:scrgbClr r="0" g="0" b="0"/>
+      </a:effectRef>
+      <a:fontRef idx="minor"/>
+    </dgm:style>
+  </dgm:styleLbl>
+  <dgm:styleLbl name="parChTrans1D4">
+    <dgm:scene3d>
+      <a:camera prst="orthographicFront"/>
+      <a:lightRig rig="threePt" dir="t"/>
+    </dgm:scene3d>
+    <dgm:sp3d/>
+    <dgm:txPr/>
+    <dgm:style>
+      <a:lnRef idx="2">
+        <a:scrgbClr r="0" g="0" b="0"/>
+      </a:lnRef>
+      <a:fillRef idx="0">
+        <a:scrgbClr r="0" g="0" b="0"/>
+      </a:fillRef>
+      <a:effectRef idx="0">
+        <a:scrgbClr r="0" g="0" b="0"/>
+      </a:effectRef>
+      <a:fontRef idx="minor"/>
+    </dgm:style>
+  </dgm:styleLbl>
+  <dgm:styleLbl name="fgAcc1">
+    <dgm:scene3d>
+      <a:camera prst="orthographicFront"/>
+      <a:lightRig rig="threePt" dir="t"/>
+    </dgm:scene3d>
+    <dgm:sp3d/>
+    <dgm:txPr/>
+    <dgm:style>
+      <a:lnRef idx="2">
+        <a:scrgbClr r="0" g="0" b="0"/>
+      </a:lnRef>
+      <a:fillRef idx="1">
+        <a:scrgbClr r="0" g="0" b="0"/>
+      </a:fillRef>
+      <a:effectRef idx="0">
+        <a:scrgbClr r="0" g="0" b="0"/>
+      </a:effectRef>
+      <a:fontRef idx="minor"/>
+    </dgm:style>
+  </dgm:styleLbl>
+  <dgm:styleLbl name="conFgAcc1">
+    <dgm:scene3d>
+      <a:camera prst="orthographicFront"/>
+      <a:lightRig rig="threePt" dir="t"/>
+    </dgm:scene3d>
+    <dgm:sp3d/>
+    <dgm:txPr/>
+    <dgm:style>
+      <a:lnRef idx="2">
+        <a:scrgbClr r="0" g="0" b="0"/>
+      </a:lnRef>
+      <a:fillRef idx="1">
+        <a:scrgbClr r="0" g="0" b="0"/>
+      </a:fillRef>
+      <a:effectRef idx="0">
+        <a:scrgbClr r="0" g="0" b="0"/>
+      </a:effectRef>
+      <a:fontRef idx="minor"/>
+    </dgm:style>
+  </dgm:styleLbl>
+  <dgm:styleLbl name="alignAcc1">
+    <dgm:scene3d>
+      <a:camera prst="orthographicFront"/>
+      <a:lightRig rig="threePt" dir="t"/>
+    </dgm:scene3d>
+    <dgm:sp3d/>
+    <dgm:txPr/>
+    <dgm:style>
+      <a:lnRef idx="2">
+        <a:scrgbClr r="0" g="0" b="0"/>
+      </a:lnRef>
+      <a:fillRef idx="1">
+        <a:scrgbClr r="0" g="0" b="0"/>
+      </a:fillRef>
+      <a:effectRef idx="0">
+        <a:scrgbClr r="0" g="0" b="0"/>
+      </a:effectRef>
+      <a:fontRef idx="minor"/>
+    </dgm:style>
+  </dgm:styleLbl>
+  <dgm:styleLbl name="trAlignAcc1">
+    <dgm:scene3d>
+      <a:camera prst="orthographicFront"/>
+      <a:lightRig rig="threePt" dir="t"/>
+    </dgm:scene3d>
+    <dgm:sp3d/>
+    <dgm:txPr/>
+    <dgm:style>
+      <a:lnRef idx="1">
+        <a:scrgbClr r="0" g="0" b="0"/>
+      </a:lnRef>
+      <a:fillRef idx="1">
+        <a:scrgbClr r="0" g="0" b="0"/>
+      </a:fillRef>
+      <a:effectRef idx="0">
+        <a:scrgbClr r="0" g="0" b="0"/>
+      </a:effectRef>
+      <a:fontRef idx="minor"/>
+    </dgm:style>
+  </dgm:styleLbl>
+  <dgm:styleLbl name="bgAcc1">
+    <dgm:scene3d>
+      <a:camera prst="orthographicFront"/>
+      <a:lightRig rig="threePt" dir="t"/>
+    </dgm:scene3d>
+    <dgm:sp3d/>
+    <dgm:txPr/>
+    <dgm:style>
+      <a:lnRef idx="2">
+        <a:scrgbClr r="0" g="0" b="0"/>
+      </a:lnRef>
+      <a:fillRef idx="1">
+        <a:scrgbClr r="0" g="0" b="0"/>
+      </a:fillRef>
+      <a:effectRef idx="0">
+        <a:scrgbClr r="0" g="0" b="0"/>
+      </a:effectRef>
+      <a:fontRef idx="minor"/>
+    </dgm:style>
+  </dgm:styleLbl>
+  <dgm:styleLbl name="solidFgAcc1">
+    <dgm:scene3d>
+      <a:camera prst="orthographicFront"/>
+      <a:lightRig rig="threePt" dir="t"/>
+    </dgm:scene3d>
+    <dgm:sp3d/>
+    <dgm:txPr/>
+    <dgm:style>
+      <a:lnRef idx="2">
+        <a:scrgbClr r="0" g="0" b="0"/>
+      </a:lnRef>
+      <a:fillRef idx="1">
+        <a:scrgbClr r="0" g="0" b="0"/>
+      </a:fillRef>
+      <a:effectRef idx="0">
+        <a:scrgbClr r="0" g="0" b="0"/>
+      </a:effectRef>
+      <a:fontRef idx="minor"/>
+    </dgm:style>
+  </dgm:styleLbl>
+  <dgm:styleLbl name="solidAlignAcc1">
+    <dgm:scene3d>
+      <a:camera prst="orthographicFront"/>
+      <a:lightRig rig="threePt" dir="t"/>
+    </dgm:scene3d>
+    <dgm:sp3d/>
+    <dgm:txPr/>
+    <dgm:style>
+      <a:lnRef idx="2">
+        <a:scrgbClr r="0" g="0" b="0"/>
+      </a:lnRef>
+      <a:fillRef idx="1">
+        <a:scrgbClr r="0" g="0" b="0"/>
+      </a:fillRef>
+      <a:effectRef idx="0">
+        <a:scrgbClr r="0" g="0" b="0"/>
+      </a:effectRef>
+      <a:fontRef idx="minor"/>
+    </dgm:style>
+  </dgm:styleLbl>
+  <dgm:styleLbl name="solidBgAcc1">
+    <dgm:scene3d>
+      <a:camera prst="orthographicFront"/>
+      <a:lightRig rig="threePt" dir="t"/>
+    </dgm:scene3d>
+    <dgm:sp3d/>
+    <dgm:txPr/>
+    <dgm:style>
+      <a:lnRef idx="2">
+        <a:scrgbClr r="0" g="0" b="0"/>
+      </a:lnRef>
+      <a:fillRef idx="1">
+        <a:scrgbClr r="0" g="0" b="0"/>
+      </a:fillRef>
+      <a:effectRef idx="0">
+        <a:scrgbClr r="0" g="0" b="0"/>
+      </a:effectRef>
+      <a:fontRef idx="minor"/>
+    </dgm:style>
+  </dgm:styleLbl>
+  <dgm:styleLbl name="fgAccFollowNode1">
+    <dgm:scene3d>
+      <a:camera prst="orthographicFront"/>
+      <a:lightRig rig="threePt" dir="t"/>
+    </dgm:scene3d>
+    <dgm:sp3d/>
+    <dgm:txPr/>
+    <dgm:style>
+      <a:lnRef idx="2">
+        <a:scrgbClr r="0" g="0" b="0"/>
+      </a:lnRef>
+      <a:fillRef idx="1">
+        <a:scrgbClr r="0" g="0" b="0"/>
+      </a:fillRef>
+      <a:effectRef idx="0">
+        <a:scrgbClr r="0" g="0" b="0"/>
+      </a:effectRef>
+      <a:fontRef idx="minor"/>
+    </dgm:style>
+  </dgm:styleLbl>
+  <dgm:styleLbl name="alignAccFollowNode1">
+    <dgm:scene3d>
+      <a:camera prst="orthographicFront"/>
+      <a:lightRig rig="threePt" dir="t"/>
+    </dgm:scene3d>
+    <dgm:sp3d/>
+    <dgm:txPr/>
+    <dgm:style>
+      <a:lnRef idx="2">
+        <a:scrgbClr r="0" g="0" b="0"/>
+      </a:lnRef>
+      <a:fillRef idx="1">
+        <a:scrgbClr r="0" g="0" b="0"/>
+      </a:fillRef>
+      <a:effectRef idx="0">
+        <a:scrgbClr r="0" g="0" b="0"/>
+      </a:effectRef>
+      <a:fontRef idx="minor"/>
+    </dgm:style>
+  </dgm:styleLbl>
+  <dgm:styleLbl name="bgAccFollowNode1">
+    <dgm:scene3d>
+      <a:camera prst="orthographicFront"/>
+      <a:lightRig rig="threePt" dir="t"/>
+    </dgm:scene3d>
+    <dgm:sp3d/>
+    <dgm:txPr/>
+    <dgm:style>
+      <a:lnRef idx="2">
+        <a:scrgbClr r="0" g="0" b="0"/>
+      </a:lnRef>
+      <a:fillRef idx="1">
+        <a:scrgbClr r="0" g="0" b="0"/>
+      </a:fillRef>
+      <a:effectRef idx="0">
+        <a:scrgbClr r="0" g="0" b="0"/>
+      </a:effectRef>
+      <a:fontRef idx="minor"/>
+    </dgm:style>
+  </dgm:styleLbl>
+  <dgm:styleLbl name="fgAcc0">
+    <dgm:scene3d>
+      <a:camera prst="orthographicFront"/>
+      <a:lightRig rig="threePt" dir="t"/>
+    </dgm:scene3d>
+    <dgm:sp3d/>
+    <dgm:txPr/>
+    <dgm:style>
+      <a:lnRef idx="2">
+        <a:scrgbClr r="0" g="0" b="0"/>
+      </a:lnRef>
+      <a:fillRef idx="1">
+        <a:scrgbClr r="0" g="0" b="0"/>
+      </a:fillRef>
+      <a:effectRef idx="0">
+        <a:scrgbClr r="0" g="0" b="0"/>
+      </a:effectRef>
+      <a:fontRef idx="minor"/>
+    </dgm:style>
+  </dgm:styleLbl>
+  <dgm:styleLbl name="fgAcc2">
+    <dgm:scene3d>
+      <a:camera prst="orthographicFront"/>
+      <a:lightRig rig="threePt" dir="t"/>
+    </dgm:scene3d>
+    <dgm:sp3d/>
+    <dgm:txPr/>
+    <dgm:style>
+      <a:lnRef idx="2">
+        <a:scrgbClr r="0" g="0" b="0"/>
+      </a:lnRef>
+      <a:fillRef idx="1">
+        <a:scrgbClr r="0" g="0" b="0"/>
+      </a:fillRef>
+      <a:effectRef idx="0">
+        <a:scrgbClr r="0" g="0" b="0"/>
+      </a:effectRef>
+      <a:fontRef idx="minor"/>
+    </dgm:style>
+  </dgm:styleLbl>
+  <dgm:styleLbl name="fgAcc3">
+    <dgm:scene3d>
+      <a:camera prst="orthographicFront"/>
+      <a:lightRig rig="threePt" dir="t"/>
+    </dgm:scene3d>
+    <dgm:sp3d/>
+    <dgm:txPr/>
+    <dgm:style>
+      <a:lnRef idx="2">
+        <a:scrgbClr r="0" g="0" b="0"/>
+      </a:lnRef>
+      <a:fillRef idx="1">
+        <a:scrgbClr r="0" g="0" b="0"/>
+      </a:fillRef>
+      <a:effectRef idx="0">
+        <a:scrgbClr r="0" g="0" b="0"/>
+      </a:effectRef>
+      <a:fontRef idx="minor"/>
+    </dgm:style>
+  </dgm:styleLbl>
+  <dgm:styleLbl name="fgAcc4">
+    <dgm:scene3d>
+      <a:camera prst="orthographicFront"/>
+      <a:lightRig rig="threePt" dir="t"/>
+    </dgm:scene3d>
+    <dgm:sp3d/>
+    <dgm:txPr/>
+    <dgm:style>
+      <a:lnRef idx="2">
+        <a:scrgbClr r="0" g="0" b="0"/>
+      </a:lnRef>
+      <a:fillRef idx="1">
+        <a:scrgbClr r="0" g="0" b="0"/>
+      </a:fillRef>
+      <a:effectRef idx="0">
+        <a:scrgbClr r="0" g="0" b="0"/>
+      </a:effectRef>
+      <a:fontRef idx="minor"/>
+    </dgm:style>
+  </dgm:styleLbl>
+  <dgm:styleLbl name="bgShp">
+    <dgm:scene3d>
+      <a:camera prst="orthographicFront"/>
+      <a:lightRig rig="threePt" dir="t"/>
+    </dgm:scene3d>
+    <dgm:sp3d/>
+    <dgm:txPr/>
+    <dgm:style>
+      <a:lnRef idx="0">
+        <a:scrgbClr r="0" g="0" b="0"/>
+      </a:lnRef>
+      <a:fillRef idx="1">
+        <a:scrgbClr r="0" g="0" b="0"/>
+      </a:fillRef>
+      <a:effectRef idx="0">
+        <a:scrgbClr r="0" g="0" b="0"/>
+      </a:effectRef>
+      <a:fontRef idx="minor"/>
+    </dgm:style>
+  </dgm:styleLbl>
+  <dgm:styleLbl name="dkBgShp">
+    <dgm:scene3d>
+      <a:camera prst="orthographicFront"/>
+      <a:lightRig rig="threePt" dir="t"/>
+    </dgm:scene3d>
+    <dgm:sp3d/>
+    <dgm:txPr/>
+    <dgm:style>
+      <a:lnRef idx="0">
+        <a:scrgbClr r="0" g="0" b="0"/>
+      </a:lnRef>
+      <a:fillRef idx="1">
+        <a:scrgbClr r="0" g="0" b="0"/>
+      </a:fillRef>
+      <a:effectRef idx="0">
+        <a:scrgbClr r="0" g="0" b="0"/>
+      </a:effectRef>
+      <a:fontRef idx="minor"/>
+    </dgm:style>
+  </dgm:styleLbl>
+  <dgm:styleLbl name="trBgShp">
+    <dgm:scene3d>
+      <a:camera prst="orthographicFront"/>
+      <a:lightRig rig="threePt" dir="t"/>
+    </dgm:scene3d>
+    <dgm:sp3d/>
+    <dgm:txPr/>
+    <dgm:style>
+      <a:lnRef idx="0">
+        <a:scrgbClr r="0" g="0" b="0"/>
+      </a:lnRef>
+      <a:fillRef idx="1">
+        <a:scrgbClr r="0" g="0" b="0"/>
+      </a:fillRef>
+      <a:effectRef idx="0">
+        <a:scrgbClr r="0" g="0" b="0"/>
+      </a:effectRef>
+      <a:fontRef idx="minor"/>
+    </dgm:style>
+  </dgm:styleLbl>
+  <dgm:styleLbl name="fgShp">
+    <dgm:scene3d>
+      <a:camera prst="orthographicFront"/>
+      <a:lightRig rig="threePt" dir="t"/>
+    </dgm:scene3d>
+    <dgm:sp3d/>
+    <dgm:txPr/>
+    <dgm:style>
+      <a:lnRef idx="2">
         <a:scrgbClr r="0" g="0" b="0"/>
       </a:lnRef>
       <a:fillRef idx="1">
@@ -15836,7 +21391,7 @@
             <a:fld id="{1D8BD707-D9CF-40AE-B4C6-C98DA3205C09}" type="datetimeFigureOut">
               <a:rPr lang="en-US" smtClean="0"/>
               <a:pPr/>
-              <a:t>2/10/2017</a:t>
+              <a:t>2/12/2017</a:t>
             </a:fld>
             <a:endParaRPr lang="en-US"/>
           </a:p>
@@ -16003,7 +21558,7 @@
             <a:fld id="{1D8BD707-D9CF-40AE-B4C6-C98DA3205C09}" type="datetimeFigureOut">
               <a:rPr lang="en-US" smtClean="0"/>
               <a:pPr/>
-              <a:t>2/10/2017</a:t>
+              <a:t>2/12/2017</a:t>
             </a:fld>
             <a:endParaRPr lang="en-US"/>
           </a:p>
@@ -16180,7 +21735,7 @@
             <a:fld id="{1D8BD707-D9CF-40AE-B4C6-C98DA3205C09}" type="datetimeFigureOut">
               <a:rPr lang="en-US" smtClean="0"/>
               <a:pPr/>
-              <a:t>2/10/2017</a:t>
+              <a:t>2/12/2017</a:t>
             </a:fld>
             <a:endParaRPr lang="en-US"/>
           </a:p>
@@ -16347,7 +21902,7 @@
             <a:fld id="{1D8BD707-D9CF-40AE-B4C6-C98DA3205C09}" type="datetimeFigureOut">
               <a:rPr lang="en-US" smtClean="0"/>
               <a:pPr/>
-              <a:t>2/10/2017</a:t>
+              <a:t>2/12/2017</a:t>
             </a:fld>
             <a:endParaRPr lang="en-US"/>
           </a:p>
@@ -16590,7 +22145,7 @@
             <a:fld id="{1D8BD707-D9CF-40AE-B4C6-C98DA3205C09}" type="datetimeFigureOut">
               <a:rPr lang="en-US" smtClean="0"/>
               <a:pPr/>
-              <a:t>2/10/2017</a:t>
+              <a:t>2/12/2017</a:t>
             </a:fld>
             <a:endParaRPr lang="en-US"/>
           </a:p>
@@ -16875,7 +22430,7 @@
             <a:fld id="{1D8BD707-D9CF-40AE-B4C6-C98DA3205C09}" type="datetimeFigureOut">
               <a:rPr lang="en-US" smtClean="0"/>
               <a:pPr/>
-              <a:t>2/10/2017</a:t>
+              <a:t>2/12/2017</a:t>
             </a:fld>
             <a:endParaRPr lang="en-US"/>
           </a:p>
@@ -17294,7 +22849,7 @@
             <a:fld id="{1D8BD707-D9CF-40AE-B4C6-C98DA3205C09}" type="datetimeFigureOut">
               <a:rPr lang="en-US" smtClean="0"/>
               <a:pPr/>
-              <a:t>2/10/2017</a:t>
+              <a:t>2/12/2017</a:t>
             </a:fld>
             <a:endParaRPr lang="en-US"/>
           </a:p>
@@ -17409,7 +22964,7 @@
             <a:fld id="{1D8BD707-D9CF-40AE-B4C6-C98DA3205C09}" type="datetimeFigureOut">
               <a:rPr lang="en-US" smtClean="0"/>
               <a:pPr/>
-              <a:t>2/10/2017</a:t>
+              <a:t>2/12/2017</a:t>
             </a:fld>
             <a:endParaRPr lang="en-US"/>
           </a:p>
@@ -17501,7 +23056,7 @@
             <a:fld id="{1D8BD707-D9CF-40AE-B4C6-C98DA3205C09}" type="datetimeFigureOut">
               <a:rPr lang="en-US" smtClean="0"/>
               <a:pPr/>
-              <a:t>2/10/2017</a:t>
+              <a:t>2/12/2017</a:t>
             </a:fld>
             <a:endParaRPr lang="en-US"/>
           </a:p>
@@ -17775,7 +23330,7 @@
             <a:fld id="{1D8BD707-D9CF-40AE-B4C6-C98DA3205C09}" type="datetimeFigureOut">
               <a:rPr lang="en-US" smtClean="0"/>
               <a:pPr/>
-              <a:t>2/10/2017</a:t>
+              <a:t>2/12/2017</a:t>
             </a:fld>
             <a:endParaRPr lang="en-US"/>
           </a:p>
@@ -18025,7 +23580,7 @@
             <a:fld id="{1D8BD707-D9CF-40AE-B4C6-C98DA3205C09}" type="datetimeFigureOut">
               <a:rPr lang="en-US" smtClean="0"/>
               <a:pPr/>
-              <a:t>2/10/2017</a:t>
+              <a:t>2/12/2017</a:t>
             </a:fld>
             <a:endParaRPr lang="en-US"/>
           </a:p>
@@ -18235,7 +23790,7 @@
             <a:fld id="{1D8BD707-D9CF-40AE-B4C6-C98DA3205C09}" type="datetimeFigureOut">
               <a:rPr lang="en-US" smtClean="0"/>
               <a:pPr/>
-              <a:t>2/10/2017</a:t>
+              <a:t>2/12/2017</a:t>
             </a:fld>
             <a:endParaRPr lang="en-US"/>
           </a:p>
@@ -19161,16 +24716,23 @@
             <a:lstStyle/>
             <a:p>
               <a:r>
-                <a:rPr lang="en-US" dirty="0" smtClean="0"/>
+                <a:rPr lang="en-US" dirty="0" smtClean="0">
+                  <a:solidFill>
+                    <a:srgbClr val="FF0000"/>
+                  </a:solidFill>
+                </a:rPr>
                 <a:t>SlavePJ</a:t>
               </a:r>
             </a:p>
             <a:p>
               <a:r>
-                <a:rPr lang="en-US" dirty="0" smtClean="0"/>
+                <a:rPr lang="en-US" dirty="0" smtClean="0">
+                  <a:solidFill>
+                    <a:srgbClr val="FF0000"/>
+                  </a:solidFill>
+                </a:rPr>
                 <a:t>Collector</a:t>
               </a:r>
-              <a:endParaRPr lang="en-US" dirty="0" smtClean="0"/>
             </a:p>
             <a:p>
               <a:endParaRPr lang="en-US" dirty="0"/>
@@ -23229,6 +28791,1065 @@
             <p:ph type="title"/>
           </p:nvPr>
         </p:nvSpPr>
+        <p:spPr/>
+        <p:txBody>
+          <a:bodyPr>
+            <a:normAutofit fontScale="90000"/>
+          </a:bodyPr>
+          <a:lstStyle/>
+          <a:p>
+            <a:r>
+              <a:rPr lang="en-US" dirty="0" smtClean="0"/>
+              <a:t/>
+            </a:r>
+            <a:br>
+              <a:rPr lang="en-US" dirty="0" smtClean="0"/>
+            </a:br>
+            <a:endParaRPr lang="en-US" dirty="0"/>
+          </a:p>
+        </p:txBody>
+      </p:sp>
+      <p:sp>
+        <p:nvSpPr>
+          <p:cNvPr id="3" name="Content Placeholder 2"/>
+          <p:cNvSpPr>
+            <a:spLocks noGrp="1"/>
+          </p:cNvSpPr>
+          <p:nvPr>
+            <p:ph idx="1"/>
+          </p:nvPr>
+        </p:nvSpPr>
+        <p:spPr/>
+        <p:txBody>
+          <a:bodyPr/>
+          <a:lstStyle/>
+          <a:p>
+            <a:pPr marL="0" indent="0">
+              <a:buNone/>
+            </a:pPr>
+            <a:endParaRPr lang="en-US" dirty="0" smtClean="0"/>
+          </a:p>
+          <a:p>
+            <a:pPr marL="0" indent="0">
+              <a:buNone/>
+            </a:pPr>
+            <a:endParaRPr lang="en-US" dirty="0" smtClean="0"/>
+          </a:p>
+        </p:txBody>
+      </p:sp>
+      <p:sp>
+        <p:nvSpPr>
+          <p:cNvPr id="5" name="Rectangle 4"/>
+          <p:cNvSpPr/>
+          <p:nvPr/>
+        </p:nvSpPr>
+        <p:spPr>
+          <a:xfrm>
+            <a:off x="152400" y="1423359"/>
+            <a:ext cx="2819400" cy="2310441"/>
+          </a:xfrm>
+          <a:prstGeom prst="rect">
+            <a:avLst/>
+          </a:prstGeom>
+          <a:solidFill>
+            <a:schemeClr val="accent1">
+              <a:lumMod val="20000"/>
+              <a:lumOff val="80000"/>
+            </a:schemeClr>
+          </a:solidFill>
+        </p:spPr>
+        <p:style>
+          <a:lnRef idx="2">
+            <a:schemeClr val="accent1">
+              <a:shade val="50000"/>
+            </a:schemeClr>
+          </a:lnRef>
+          <a:fillRef idx="1">
+            <a:schemeClr val="accent1"/>
+          </a:fillRef>
+          <a:effectRef idx="0">
+            <a:schemeClr val="accent1"/>
+          </a:effectRef>
+          <a:fontRef idx="minor">
+            <a:schemeClr val="lt1"/>
+          </a:fontRef>
+        </p:style>
+        <p:txBody>
+          <a:bodyPr rtlCol="0" anchor="ctr"/>
+          <a:lstStyle/>
+          <a:p>
+            <a:pPr algn="ctr"/>
+            <a:endParaRPr lang="en-US"/>
+          </a:p>
+        </p:txBody>
+      </p:sp>
+      <p:sp>
+        <p:nvSpPr>
+          <p:cNvPr id="6" name="Rectangle 5"/>
+          <p:cNvSpPr/>
+          <p:nvPr/>
+        </p:nvSpPr>
+        <p:spPr>
+          <a:xfrm>
+            <a:off x="6097438" y="1406106"/>
+            <a:ext cx="2895600" cy="2327694"/>
+          </a:xfrm>
+          <a:prstGeom prst="rect">
+            <a:avLst/>
+          </a:prstGeom>
+          <a:solidFill>
+            <a:schemeClr val="accent1">
+              <a:lumMod val="20000"/>
+              <a:lumOff val="80000"/>
+            </a:schemeClr>
+          </a:solidFill>
+        </p:spPr>
+        <p:style>
+          <a:lnRef idx="2">
+            <a:schemeClr val="accent1">
+              <a:shade val="50000"/>
+            </a:schemeClr>
+          </a:lnRef>
+          <a:fillRef idx="1">
+            <a:schemeClr val="accent1"/>
+          </a:fillRef>
+          <a:effectRef idx="0">
+            <a:schemeClr val="accent1"/>
+          </a:effectRef>
+          <a:fontRef idx="minor">
+            <a:schemeClr val="lt1"/>
+          </a:fontRef>
+        </p:style>
+        <p:txBody>
+          <a:bodyPr rtlCol="0" anchor="ctr"/>
+          <a:lstStyle/>
+          <a:p>
+            <a:pPr algn="ctr"/>
+            <a:endParaRPr lang="en-US"/>
+          </a:p>
+        </p:txBody>
+      </p:sp>
+      <p:pic>
+        <p:nvPicPr>
+          <p:cNvPr id="1026" name="Picture 2" descr="https://lh4.googleusercontent.com/rsiEutQMpDQ8JPa0Z57viaW6-nPgInssM-m9afFbGOiQeKpzWm0C1Nv4oGPTfDt59vzDH8dL2zo2Ywz7so_fS_Pu534mVc9q_fXe1TlpqYbvTTecT07qxf0f-FWtIarlEJw3u7-JNI9t"/>
+          <p:cNvPicPr>
+            <a:picLocks noChangeAspect="1" noChangeArrowheads="1"/>
+          </p:cNvPicPr>
+          <p:nvPr/>
+        </p:nvPicPr>
+        <p:blipFill>
+          <a:blip r:embed="rId2">
+            <a:extLst>
+              <a:ext uri="{28A0092B-C50C-407E-A947-70E740481C1C}">
+                <a14:useLocalDpi xmlns:a14="http://schemas.microsoft.com/office/drawing/2010/main" val="0"/>
+              </a:ext>
+            </a:extLst>
+          </a:blip>
+          <a:srcRect/>
+          <a:stretch>
+            <a:fillRect/>
+          </a:stretch>
+        </p:blipFill>
+        <p:spPr bwMode="auto">
+          <a:xfrm>
+            <a:off x="1066800" y="1726361"/>
+            <a:ext cx="990600" cy="990601"/>
+          </a:xfrm>
+          <a:prstGeom prst="rect">
+            <a:avLst/>
+          </a:prstGeom>
+          <a:noFill/>
+          <a:extLst>
+            <a:ext uri="{909E8E84-426E-40DD-AFC4-6F175D3DCCD1}">
+              <a14:hiddenFill xmlns:a14="http://schemas.microsoft.com/office/drawing/2010/main">
+                <a:solidFill>
+                  <a:srgbClr val="FFFFFF"/>
+                </a:solidFill>
+              </a14:hiddenFill>
+            </a:ext>
+          </a:extLst>
+        </p:spPr>
+      </p:pic>
+      <p:pic>
+        <p:nvPicPr>
+          <p:cNvPr id="1028" name="Picture 4" descr="https://lh6.googleusercontent.com/awuHlYg8VnbUKKTbw6BzhL0p3a_QE1h9Zx_5SlKXOWPBfH9k0rEyCmYbPwIYNU2L3Eidk3PZGC3_CkONcmwn1xGNY0l6MB4zi7uj9olYReGI5iRSBoUM_pvcIYwZgMZmBZQeCtJnj3V5"/>
+          <p:cNvPicPr>
+            <a:picLocks noChangeAspect="1" noChangeArrowheads="1"/>
+          </p:cNvPicPr>
+          <p:nvPr/>
+        </p:nvPicPr>
+        <p:blipFill>
+          <a:blip r:embed="rId3">
+            <a:extLst>
+              <a:ext uri="{BEBA8EAE-BF5A-486C-A8C5-ECC9F3942E4B}">
+                <a14:imgProps xmlns:a14="http://schemas.microsoft.com/office/drawing/2010/main">
+                  <a14:imgLayer r:embed="rId4">
+                    <a14:imgEffect>
+                      <a14:backgroundRemoval t="10000" b="90000" l="10000" r="90000"/>
+                    </a14:imgEffect>
+                  </a14:imgLayer>
+                </a14:imgProps>
+              </a:ext>
+              <a:ext uri="{28A0092B-C50C-407E-A947-70E740481C1C}">
+                <a14:useLocalDpi xmlns:a14="http://schemas.microsoft.com/office/drawing/2010/main" val="0"/>
+              </a:ext>
+            </a:extLst>
+          </a:blip>
+          <a:srcRect/>
+          <a:stretch>
+            <a:fillRect/>
+          </a:stretch>
+        </p:blipFill>
+        <p:spPr bwMode="auto">
+          <a:xfrm>
+            <a:off x="7248345" y="1573961"/>
+            <a:ext cx="838200" cy="1143001"/>
+          </a:xfrm>
+          <a:prstGeom prst="rect">
+            <a:avLst/>
+          </a:prstGeom>
+          <a:noFill/>
+          <a:extLst>
+            <a:ext uri="{909E8E84-426E-40DD-AFC4-6F175D3DCCD1}">
+              <a14:hiddenFill xmlns:a14="http://schemas.microsoft.com/office/drawing/2010/main">
+                <a:solidFill>
+                  <a:srgbClr val="FFFFFF"/>
+                </a:solidFill>
+              </a14:hiddenFill>
+            </a:ext>
+          </a:extLst>
+        </p:spPr>
+      </p:pic>
+      <p:sp>
+        <p:nvSpPr>
+          <p:cNvPr id="8" name="Rectangle 7"/>
+          <p:cNvSpPr/>
+          <p:nvPr/>
+        </p:nvSpPr>
+        <p:spPr>
+          <a:xfrm>
+            <a:off x="228600" y="2716962"/>
+            <a:ext cx="838200" cy="559638"/>
+          </a:xfrm>
+          <a:prstGeom prst="rect">
+            <a:avLst/>
+          </a:prstGeom>
+          <a:solidFill>
+            <a:schemeClr val="tx2">
+              <a:lumMod val="40000"/>
+              <a:lumOff val="60000"/>
+            </a:schemeClr>
+          </a:solidFill>
+        </p:spPr>
+        <p:style>
+          <a:lnRef idx="2">
+            <a:schemeClr val="accent1">
+              <a:shade val="50000"/>
+            </a:schemeClr>
+          </a:lnRef>
+          <a:fillRef idx="1">
+            <a:schemeClr val="accent1"/>
+          </a:fillRef>
+          <a:effectRef idx="0">
+            <a:schemeClr val="accent1"/>
+          </a:effectRef>
+          <a:fontRef idx="minor">
+            <a:schemeClr val="lt1"/>
+          </a:fontRef>
+        </p:style>
+        <p:txBody>
+          <a:bodyPr rtlCol="0" anchor="ctr"/>
+          <a:lstStyle/>
+          <a:p>
+            <a:pPr algn="ctr"/>
+            <a:r>
+              <a:rPr lang="en-US" dirty="0" smtClean="0"/>
+              <a:t>Object</a:t>
+            </a:r>
+            <a:endParaRPr lang="en-US" dirty="0"/>
+          </a:p>
+        </p:txBody>
+      </p:sp>
+      <p:sp>
+        <p:nvSpPr>
+          <p:cNvPr id="24" name="Right Arrow 23"/>
+          <p:cNvSpPr/>
+          <p:nvPr/>
+        </p:nvSpPr>
+        <p:spPr>
+          <a:xfrm>
+            <a:off x="1066799" y="2836036"/>
+            <a:ext cx="838199" cy="324748"/>
+          </a:xfrm>
+          <a:prstGeom prst="rightArrow">
+            <a:avLst/>
+          </a:prstGeom>
+          <a:solidFill>
+            <a:schemeClr val="tx2">
+              <a:lumMod val="40000"/>
+              <a:lumOff val="60000"/>
+            </a:schemeClr>
+          </a:solidFill>
+        </p:spPr>
+        <p:style>
+          <a:lnRef idx="2">
+            <a:schemeClr val="accent1">
+              <a:shade val="50000"/>
+            </a:schemeClr>
+          </a:lnRef>
+          <a:fillRef idx="1">
+            <a:schemeClr val="accent1"/>
+          </a:fillRef>
+          <a:effectRef idx="0">
+            <a:schemeClr val="accent1"/>
+          </a:effectRef>
+          <a:fontRef idx="minor">
+            <a:schemeClr val="lt1"/>
+          </a:fontRef>
+        </p:style>
+        <p:txBody>
+          <a:bodyPr rtlCol="0" anchor="ctr"/>
+          <a:lstStyle/>
+          <a:p>
+            <a:pPr algn="ctr"/>
+            <a:endParaRPr lang="en-US"/>
+          </a:p>
+        </p:txBody>
+      </p:sp>
+      <p:sp>
+        <p:nvSpPr>
+          <p:cNvPr id="25" name="TextBox 24"/>
+          <p:cNvSpPr txBox="1"/>
+          <p:nvPr/>
+        </p:nvSpPr>
+        <p:spPr>
+          <a:xfrm>
+            <a:off x="522976" y="3364468"/>
+            <a:ext cx="1782074" cy="369332"/>
+          </a:xfrm>
+          <a:prstGeom prst="rect">
+            <a:avLst/>
+          </a:prstGeom>
+          <a:noFill/>
+        </p:spPr>
+        <p:txBody>
+          <a:bodyPr wrap="square" rtlCol="0">
+            <a:spAutoFit/>
+          </a:bodyPr>
+          <a:lstStyle/>
+          <a:p>
+            <a:r>
+              <a:rPr lang="en-US" dirty="0" smtClean="0"/>
+              <a:t>Compression</a:t>
+            </a:r>
+            <a:endParaRPr lang="en-US" dirty="0"/>
+          </a:p>
+        </p:txBody>
+      </p:sp>
+      <p:sp>
+        <p:nvSpPr>
+          <p:cNvPr id="29" name="Rectangle 28"/>
+          <p:cNvSpPr/>
+          <p:nvPr/>
+        </p:nvSpPr>
+        <p:spPr>
+          <a:xfrm>
+            <a:off x="8093734" y="2733676"/>
+            <a:ext cx="838200" cy="559638"/>
+          </a:xfrm>
+          <a:prstGeom prst="rect">
+            <a:avLst/>
+          </a:prstGeom>
+          <a:solidFill>
+            <a:schemeClr val="tx2">
+              <a:lumMod val="40000"/>
+              <a:lumOff val="60000"/>
+            </a:schemeClr>
+          </a:solidFill>
+        </p:spPr>
+        <p:style>
+          <a:lnRef idx="2">
+            <a:schemeClr val="accent1">
+              <a:shade val="50000"/>
+            </a:schemeClr>
+          </a:lnRef>
+          <a:fillRef idx="1">
+            <a:schemeClr val="accent1"/>
+          </a:fillRef>
+          <a:effectRef idx="0">
+            <a:schemeClr val="accent1"/>
+          </a:effectRef>
+          <a:fontRef idx="minor">
+            <a:schemeClr val="lt1"/>
+          </a:fontRef>
+        </p:style>
+        <p:txBody>
+          <a:bodyPr rtlCol="0" anchor="ctr"/>
+          <a:lstStyle/>
+          <a:p>
+            <a:pPr algn="ctr"/>
+            <a:r>
+              <a:rPr lang="en-US" dirty="0" smtClean="0"/>
+              <a:t>Object</a:t>
+            </a:r>
+            <a:endParaRPr lang="en-US" dirty="0"/>
+          </a:p>
+        </p:txBody>
+      </p:sp>
+      <p:sp>
+        <p:nvSpPr>
+          <p:cNvPr id="30" name="Right Arrow 29"/>
+          <p:cNvSpPr/>
+          <p:nvPr/>
+        </p:nvSpPr>
+        <p:spPr>
+          <a:xfrm>
+            <a:off x="7248346" y="2877271"/>
+            <a:ext cx="838200" cy="233450"/>
+          </a:xfrm>
+          <a:prstGeom prst="rightArrow">
+            <a:avLst/>
+          </a:prstGeom>
+          <a:solidFill>
+            <a:schemeClr val="tx2">
+              <a:lumMod val="40000"/>
+              <a:lumOff val="60000"/>
+            </a:schemeClr>
+          </a:solidFill>
+        </p:spPr>
+        <p:style>
+          <a:lnRef idx="2">
+            <a:schemeClr val="accent1">
+              <a:shade val="50000"/>
+            </a:schemeClr>
+          </a:lnRef>
+          <a:fillRef idx="1">
+            <a:schemeClr val="accent1"/>
+          </a:fillRef>
+          <a:effectRef idx="0">
+            <a:schemeClr val="accent1"/>
+          </a:effectRef>
+          <a:fontRef idx="minor">
+            <a:schemeClr val="lt1"/>
+          </a:fontRef>
+        </p:style>
+        <p:txBody>
+          <a:bodyPr rtlCol="0" anchor="ctr"/>
+          <a:lstStyle/>
+          <a:p>
+            <a:pPr algn="ctr"/>
+            <a:endParaRPr lang="en-US"/>
+          </a:p>
+        </p:txBody>
+      </p:sp>
+      <p:sp>
+        <p:nvSpPr>
+          <p:cNvPr id="31" name="TextBox 30"/>
+          <p:cNvSpPr txBox="1"/>
+          <p:nvPr/>
+        </p:nvSpPr>
+        <p:spPr>
+          <a:xfrm>
+            <a:off x="6972300" y="3364468"/>
+            <a:ext cx="1959634" cy="369332"/>
+          </a:xfrm>
+          <a:prstGeom prst="rect">
+            <a:avLst/>
+          </a:prstGeom>
+          <a:noFill/>
+        </p:spPr>
+        <p:txBody>
+          <a:bodyPr wrap="square" rtlCol="0">
+            <a:spAutoFit/>
+          </a:bodyPr>
+          <a:lstStyle/>
+          <a:p>
+            <a:r>
+              <a:rPr lang="en-US" dirty="0" smtClean="0"/>
+              <a:t>Decompression</a:t>
+            </a:r>
+            <a:endParaRPr lang="en-US" dirty="0"/>
+          </a:p>
+        </p:txBody>
+      </p:sp>
+      <p:sp>
+        <p:nvSpPr>
+          <p:cNvPr id="32" name="TextBox 31"/>
+          <p:cNvSpPr txBox="1"/>
+          <p:nvPr/>
+        </p:nvSpPr>
+        <p:spPr>
+          <a:xfrm>
+            <a:off x="647700" y="1427037"/>
+            <a:ext cx="1532626" cy="369332"/>
+          </a:xfrm>
+          <a:prstGeom prst="rect">
+            <a:avLst/>
+          </a:prstGeom>
+          <a:noFill/>
+        </p:spPr>
+        <p:txBody>
+          <a:bodyPr wrap="square" rtlCol="0">
+            <a:spAutoFit/>
+          </a:bodyPr>
+          <a:lstStyle/>
+          <a:p>
+            <a:r>
+              <a:rPr lang="en-US" dirty="0" smtClean="0"/>
+              <a:t>Sender Node</a:t>
+            </a:r>
+            <a:endParaRPr lang="en-US" dirty="0"/>
+          </a:p>
+        </p:txBody>
+      </p:sp>
+      <p:sp>
+        <p:nvSpPr>
+          <p:cNvPr id="33" name="TextBox 32"/>
+          <p:cNvSpPr txBox="1"/>
+          <p:nvPr/>
+        </p:nvSpPr>
+        <p:spPr>
+          <a:xfrm>
+            <a:off x="7027652" y="1427037"/>
+            <a:ext cx="1532626" cy="369332"/>
+          </a:xfrm>
+          <a:prstGeom prst="rect">
+            <a:avLst/>
+          </a:prstGeom>
+          <a:noFill/>
+        </p:spPr>
+        <p:txBody>
+          <a:bodyPr wrap="square" rtlCol="0">
+            <a:spAutoFit/>
+          </a:bodyPr>
+          <a:lstStyle/>
+          <a:p>
+            <a:r>
+              <a:rPr lang="en-US" smtClean="0"/>
+              <a:t>Receiver Node</a:t>
+            </a:r>
+            <a:endParaRPr lang="en-US" dirty="0"/>
+          </a:p>
+        </p:txBody>
+      </p:sp>
+      <p:sp>
+        <p:nvSpPr>
+          <p:cNvPr id="37" name="Oval 36"/>
+          <p:cNvSpPr/>
+          <p:nvPr/>
+        </p:nvSpPr>
+        <p:spPr>
+          <a:xfrm>
+            <a:off x="5550235" y="2661039"/>
+            <a:ext cx="182880" cy="182880"/>
+          </a:xfrm>
+          <a:prstGeom prst="ellipse">
+            <a:avLst/>
+          </a:prstGeom>
+        </p:spPr>
+        <p:style>
+          <a:lnRef idx="2">
+            <a:schemeClr val="accent1">
+              <a:shade val="50000"/>
+            </a:schemeClr>
+          </a:lnRef>
+          <a:fillRef idx="1">
+            <a:schemeClr val="accent1"/>
+          </a:fillRef>
+          <a:effectRef idx="0">
+            <a:schemeClr val="accent1"/>
+          </a:effectRef>
+          <a:fontRef idx="minor">
+            <a:schemeClr val="lt1"/>
+          </a:fontRef>
+        </p:style>
+        <p:txBody>
+          <a:bodyPr rtlCol="0" anchor="ctr"/>
+          <a:lstStyle/>
+          <a:p>
+            <a:pPr algn="ctr"/>
+            <a:endParaRPr lang="en-US"/>
+          </a:p>
+        </p:txBody>
+      </p:sp>
+      <p:sp>
+        <p:nvSpPr>
+          <p:cNvPr id="38" name="Oval 37"/>
+          <p:cNvSpPr/>
+          <p:nvPr/>
+        </p:nvSpPr>
+        <p:spPr>
+          <a:xfrm>
+            <a:off x="5865962" y="2661692"/>
+            <a:ext cx="182880" cy="182880"/>
+          </a:xfrm>
+          <a:prstGeom prst="ellipse">
+            <a:avLst/>
+          </a:prstGeom>
+        </p:spPr>
+        <p:style>
+          <a:lnRef idx="2">
+            <a:schemeClr val="accent1">
+              <a:shade val="50000"/>
+            </a:schemeClr>
+          </a:lnRef>
+          <a:fillRef idx="1">
+            <a:schemeClr val="accent1"/>
+          </a:fillRef>
+          <a:effectRef idx="0">
+            <a:schemeClr val="accent1"/>
+          </a:effectRef>
+          <a:fontRef idx="minor">
+            <a:schemeClr val="lt1"/>
+          </a:fontRef>
+        </p:style>
+        <p:txBody>
+          <a:bodyPr rtlCol="0" anchor="ctr"/>
+          <a:lstStyle/>
+          <a:p>
+            <a:pPr algn="ctr"/>
+            <a:endParaRPr lang="en-US"/>
+          </a:p>
+        </p:txBody>
+      </p:sp>
+      <p:sp>
+        <p:nvSpPr>
+          <p:cNvPr id="26" name="TextBox 25"/>
+          <p:cNvSpPr txBox="1"/>
+          <p:nvPr/>
+        </p:nvSpPr>
+        <p:spPr>
+          <a:xfrm>
+            <a:off x="3337560" y="2285202"/>
+            <a:ext cx="2306990" cy="369332"/>
+          </a:xfrm>
+          <a:prstGeom prst="rect">
+            <a:avLst/>
+          </a:prstGeom>
+          <a:noFill/>
+        </p:spPr>
+        <p:txBody>
+          <a:bodyPr wrap="square" rtlCol="0">
+            <a:spAutoFit/>
+          </a:bodyPr>
+          <a:lstStyle/>
+          <a:p>
+            <a:r>
+              <a:rPr lang="en-US" dirty="0" smtClean="0"/>
+              <a:t>Sent over the network</a:t>
+            </a:r>
+            <a:endParaRPr lang="en-US" dirty="0"/>
+          </a:p>
+        </p:txBody>
+      </p:sp>
+      <p:sp>
+        <p:nvSpPr>
+          <p:cNvPr id="49" name="Oval 48"/>
+          <p:cNvSpPr/>
+          <p:nvPr/>
+        </p:nvSpPr>
+        <p:spPr>
+          <a:xfrm>
+            <a:off x="5254925" y="2661039"/>
+            <a:ext cx="182880" cy="182880"/>
+          </a:xfrm>
+          <a:prstGeom prst="ellipse">
+            <a:avLst/>
+          </a:prstGeom>
+        </p:spPr>
+        <p:style>
+          <a:lnRef idx="2">
+            <a:schemeClr val="accent1">
+              <a:shade val="50000"/>
+            </a:schemeClr>
+          </a:lnRef>
+          <a:fillRef idx="1">
+            <a:schemeClr val="accent1"/>
+          </a:fillRef>
+          <a:effectRef idx="0">
+            <a:schemeClr val="accent1"/>
+          </a:effectRef>
+          <a:fontRef idx="minor">
+            <a:schemeClr val="lt1"/>
+          </a:fontRef>
+        </p:style>
+        <p:txBody>
+          <a:bodyPr rtlCol="0" anchor="ctr"/>
+          <a:lstStyle/>
+          <a:p>
+            <a:pPr algn="ctr"/>
+            <a:endParaRPr lang="en-US"/>
+          </a:p>
+        </p:txBody>
+      </p:sp>
+      <p:sp>
+        <p:nvSpPr>
+          <p:cNvPr id="50" name="Oval 49"/>
+          <p:cNvSpPr/>
+          <p:nvPr/>
+        </p:nvSpPr>
+        <p:spPr>
+          <a:xfrm>
+            <a:off x="3123340" y="2678793"/>
+            <a:ext cx="182880" cy="182880"/>
+          </a:xfrm>
+          <a:prstGeom prst="ellipse">
+            <a:avLst/>
+          </a:prstGeom>
+        </p:spPr>
+        <p:style>
+          <a:lnRef idx="2">
+            <a:schemeClr val="accent1">
+              <a:shade val="50000"/>
+            </a:schemeClr>
+          </a:lnRef>
+          <a:fillRef idx="1">
+            <a:schemeClr val="accent1"/>
+          </a:fillRef>
+          <a:effectRef idx="0">
+            <a:schemeClr val="accent1"/>
+          </a:effectRef>
+          <a:fontRef idx="minor">
+            <a:schemeClr val="lt1"/>
+          </a:fontRef>
+        </p:style>
+        <p:txBody>
+          <a:bodyPr rtlCol="0" anchor="ctr"/>
+          <a:lstStyle/>
+          <a:p>
+            <a:pPr algn="ctr"/>
+            <a:endParaRPr lang="en-US"/>
+          </a:p>
+        </p:txBody>
+      </p:sp>
+      <p:sp>
+        <p:nvSpPr>
+          <p:cNvPr id="51" name="Oval 50"/>
+          <p:cNvSpPr/>
+          <p:nvPr/>
+        </p:nvSpPr>
+        <p:spPr>
+          <a:xfrm>
+            <a:off x="3426125" y="2678793"/>
+            <a:ext cx="182880" cy="182880"/>
+          </a:xfrm>
+          <a:prstGeom prst="ellipse">
+            <a:avLst/>
+          </a:prstGeom>
+        </p:spPr>
+        <p:style>
+          <a:lnRef idx="2">
+            <a:schemeClr val="accent1">
+              <a:shade val="50000"/>
+            </a:schemeClr>
+          </a:lnRef>
+          <a:fillRef idx="1">
+            <a:schemeClr val="accent1"/>
+          </a:fillRef>
+          <a:effectRef idx="0">
+            <a:schemeClr val="accent1"/>
+          </a:effectRef>
+          <a:fontRef idx="minor">
+            <a:schemeClr val="lt1"/>
+          </a:fontRef>
+        </p:style>
+        <p:txBody>
+          <a:bodyPr rtlCol="0" anchor="ctr"/>
+          <a:lstStyle/>
+          <a:p>
+            <a:pPr algn="ctr"/>
+            <a:endParaRPr lang="en-US"/>
+          </a:p>
+        </p:txBody>
+      </p:sp>
+      <p:sp>
+        <p:nvSpPr>
+          <p:cNvPr id="52" name="Oval 51"/>
+          <p:cNvSpPr/>
+          <p:nvPr/>
+        </p:nvSpPr>
+        <p:spPr>
+          <a:xfrm>
+            <a:off x="3715685" y="2678793"/>
+            <a:ext cx="182880" cy="182880"/>
+          </a:xfrm>
+          <a:prstGeom prst="ellipse">
+            <a:avLst/>
+          </a:prstGeom>
+        </p:spPr>
+        <p:style>
+          <a:lnRef idx="2">
+            <a:schemeClr val="accent1">
+              <a:shade val="50000"/>
+            </a:schemeClr>
+          </a:lnRef>
+          <a:fillRef idx="1">
+            <a:schemeClr val="accent1"/>
+          </a:fillRef>
+          <a:effectRef idx="0">
+            <a:schemeClr val="accent1"/>
+          </a:effectRef>
+          <a:fontRef idx="minor">
+            <a:schemeClr val="lt1"/>
+          </a:fontRef>
+        </p:style>
+        <p:txBody>
+          <a:bodyPr rtlCol="0" anchor="ctr"/>
+          <a:lstStyle/>
+          <a:p>
+            <a:pPr algn="ctr"/>
+            <a:endParaRPr lang="en-US"/>
+          </a:p>
+        </p:txBody>
+      </p:sp>
+      <p:sp>
+        <p:nvSpPr>
+          <p:cNvPr id="53" name="Oval 52"/>
+          <p:cNvSpPr/>
+          <p:nvPr/>
+        </p:nvSpPr>
+        <p:spPr>
+          <a:xfrm>
+            <a:off x="4038600" y="2678292"/>
+            <a:ext cx="182880" cy="182880"/>
+          </a:xfrm>
+          <a:prstGeom prst="ellipse">
+            <a:avLst/>
+          </a:prstGeom>
+        </p:spPr>
+        <p:style>
+          <a:lnRef idx="2">
+            <a:schemeClr val="accent1">
+              <a:shade val="50000"/>
+            </a:schemeClr>
+          </a:lnRef>
+          <a:fillRef idx="1">
+            <a:schemeClr val="accent1"/>
+          </a:fillRef>
+          <a:effectRef idx="0">
+            <a:schemeClr val="accent1"/>
+          </a:effectRef>
+          <a:fontRef idx="minor">
+            <a:schemeClr val="lt1"/>
+          </a:fontRef>
+        </p:style>
+        <p:txBody>
+          <a:bodyPr rtlCol="0" anchor="ctr"/>
+          <a:lstStyle/>
+          <a:p>
+            <a:pPr algn="ctr"/>
+            <a:endParaRPr lang="en-US"/>
+          </a:p>
+        </p:txBody>
+      </p:sp>
+      <p:sp>
+        <p:nvSpPr>
+          <p:cNvPr id="54" name="Oval 53"/>
+          <p:cNvSpPr/>
+          <p:nvPr/>
+        </p:nvSpPr>
+        <p:spPr>
+          <a:xfrm>
+            <a:off x="4967090" y="2661692"/>
+            <a:ext cx="182880" cy="182880"/>
+          </a:xfrm>
+          <a:prstGeom prst="ellipse">
+            <a:avLst/>
+          </a:prstGeom>
+        </p:spPr>
+        <p:style>
+          <a:lnRef idx="2">
+            <a:schemeClr val="accent1">
+              <a:shade val="50000"/>
+            </a:schemeClr>
+          </a:lnRef>
+          <a:fillRef idx="1">
+            <a:schemeClr val="accent1"/>
+          </a:fillRef>
+          <a:effectRef idx="0">
+            <a:schemeClr val="accent1"/>
+          </a:effectRef>
+          <a:fontRef idx="minor">
+            <a:schemeClr val="lt1"/>
+          </a:fontRef>
+        </p:style>
+        <p:txBody>
+          <a:bodyPr rtlCol="0" anchor="ctr"/>
+          <a:lstStyle/>
+          <a:p>
+            <a:pPr algn="ctr"/>
+            <a:endParaRPr lang="en-US"/>
+          </a:p>
+        </p:txBody>
+      </p:sp>
+      <p:pic>
+        <p:nvPicPr>
+          <p:cNvPr id="2050" name="Picture 2"/>
+          <p:cNvPicPr>
+            <a:picLocks noChangeAspect="1" noChangeArrowheads="1"/>
+          </p:cNvPicPr>
+          <p:nvPr/>
+        </p:nvPicPr>
+        <p:blipFill>
+          <a:blip r:embed="rId5">
+            <a:clrChange>
+              <a:clrFrom>
+                <a:srgbClr val="FFFFFF"/>
+              </a:clrFrom>
+              <a:clrTo>
+                <a:srgbClr val="FFFFFF">
+                  <a:alpha val="0"/>
+                </a:srgbClr>
+              </a:clrTo>
+            </a:clrChange>
+            <a:extLst>
+              <a:ext uri="{28A0092B-C50C-407E-A947-70E740481C1C}">
+                <a14:useLocalDpi xmlns:a14="http://schemas.microsoft.com/office/drawing/2010/main" val="0"/>
+              </a:ext>
+            </a:extLst>
+          </a:blip>
+          <a:srcRect/>
+          <a:stretch>
+            <a:fillRect/>
+          </a:stretch>
+        </p:blipFill>
+        <p:spPr bwMode="auto">
+          <a:xfrm>
+            <a:off x="6214025" y="2499893"/>
+            <a:ext cx="1019426" cy="864576"/>
+          </a:xfrm>
+          <a:prstGeom prst="rect">
+            <a:avLst/>
+          </a:prstGeom>
+          <a:noFill/>
+          <a:ln>
+            <a:noFill/>
+          </a:ln>
+          <a:extLst>
+            <a:ext uri="{909E8E84-426E-40DD-AFC4-6F175D3DCCD1}">
+              <a14:hiddenFill xmlns:a14="http://schemas.microsoft.com/office/drawing/2010/main">
+                <a:solidFill>
+                  <a:schemeClr val="accent1"/>
+                </a:solidFill>
+              </a14:hiddenFill>
+            </a:ext>
+            <a:ext uri="{91240B29-F687-4F45-9708-019B960494DF}">
+              <a14:hiddenLine xmlns:a14="http://schemas.microsoft.com/office/drawing/2010/main" w="9525">
+                <a:solidFill>
+                  <a:schemeClr val="tx1"/>
+                </a:solidFill>
+                <a:miter lim="800000"/>
+                <a:headEnd/>
+                <a:tailEnd/>
+              </a14:hiddenLine>
+            </a:ext>
+          </a:extLst>
+        </p:spPr>
+      </p:pic>
+      <p:pic>
+        <p:nvPicPr>
+          <p:cNvPr id="2051" name="Picture 3"/>
+          <p:cNvPicPr>
+            <a:picLocks noChangeAspect="1" noChangeArrowheads="1"/>
+          </p:cNvPicPr>
+          <p:nvPr/>
+        </p:nvPicPr>
+        <p:blipFill>
+          <a:blip r:embed="rId6">
+            <a:clrChange>
+              <a:clrFrom>
+                <a:srgbClr val="FFFFFF"/>
+              </a:clrFrom>
+              <a:clrTo>
+                <a:srgbClr val="FFFFFF">
+                  <a:alpha val="0"/>
+                </a:srgbClr>
+              </a:clrTo>
+            </a:clrChange>
+            <a:extLst>
+              <a:ext uri="{28A0092B-C50C-407E-A947-70E740481C1C}">
+                <a14:useLocalDpi xmlns:a14="http://schemas.microsoft.com/office/drawing/2010/main" val="0"/>
+              </a:ext>
+            </a:extLst>
+          </a:blip>
+          <a:srcRect/>
+          <a:stretch>
+            <a:fillRect/>
+          </a:stretch>
+        </p:blipFill>
+        <p:spPr bwMode="auto">
+          <a:xfrm>
+            <a:off x="1904999" y="2608355"/>
+            <a:ext cx="1016800" cy="843346"/>
+          </a:xfrm>
+          <a:prstGeom prst="rect">
+            <a:avLst/>
+          </a:prstGeom>
+          <a:noFill/>
+          <a:ln>
+            <a:noFill/>
+          </a:ln>
+          <a:extLst>
+            <a:ext uri="{909E8E84-426E-40DD-AFC4-6F175D3DCCD1}">
+              <a14:hiddenFill xmlns:a14="http://schemas.microsoft.com/office/drawing/2010/main">
+                <a:solidFill>
+                  <a:schemeClr val="accent1"/>
+                </a:solidFill>
+              </a14:hiddenFill>
+            </a:ext>
+            <a:ext uri="{91240B29-F687-4F45-9708-019B960494DF}">
+              <a14:hiddenLine xmlns:a14="http://schemas.microsoft.com/office/drawing/2010/main" w="9525">
+                <a:solidFill>
+                  <a:schemeClr val="tx1"/>
+                </a:solidFill>
+                <a:miter lim="800000"/>
+                <a:headEnd/>
+                <a:tailEnd/>
+              </a14:hiddenLine>
+            </a:ext>
+          </a:extLst>
+        </p:spPr>
+      </p:pic>
+    </p:spTree>
+    <p:extLst>
+      <p:ext uri="{BB962C8B-B14F-4D97-AF65-F5344CB8AC3E}">
+        <p14:creationId xmlns:p14="http://schemas.microsoft.com/office/powerpoint/2010/main" val="681589244"/>
+      </p:ext>
+    </p:extLst>
+  </p:cSld>
+  <p:clrMapOvr>
+    <a:masterClrMapping/>
+  </p:clrMapOvr>
+</p:sld>
+</file>
+
+<file path=ppt/slides/slide25.xml><?xml version="1.0" encoding="utf-8"?>
+<p:sld xmlns:a="http://schemas.openxmlformats.org/drawingml/2006/main" xmlns:r="http://schemas.openxmlformats.org/officeDocument/2006/relationships" xmlns:p="http://schemas.openxmlformats.org/presentationml/2006/main">
+  <p:cSld>
+    <p:spTree>
+      <p:nvGrpSpPr>
+        <p:cNvPr id="1" name=""/>
+        <p:cNvGrpSpPr/>
+        <p:nvPr/>
+      </p:nvGrpSpPr>
+      <p:grpSpPr>
+        <a:xfrm>
+          <a:off x="0" y="0"/>
+          <a:ext cx="0" cy="0"/>
+          <a:chOff x="0" y="0"/>
+          <a:chExt cx="0" cy="0"/>
+        </a:xfrm>
+      </p:grpSpPr>
+      <p:sp>
+        <p:nvSpPr>
+          <p:cNvPr id="2" name="Title 1"/>
+          <p:cNvSpPr>
+            <a:spLocks noGrp="1"/>
+          </p:cNvSpPr>
+          <p:nvPr>
+            <p:ph type="title"/>
+          </p:nvPr>
+        </p:nvSpPr>
         <p:spPr>
           <a:xfrm>
             <a:off x="457200" y="274638"/>
@@ -24130,7 +30751,7 @@
 </p:sld>
 </file>
 
-<file path=ppt/slides/slide25.xml><?xml version="1.0" encoding="utf-8"?>
+<file path=ppt/slides/slide26.xml><?xml version="1.0" encoding="utf-8"?>
 <p:sld xmlns:a="http://schemas.openxmlformats.org/drawingml/2006/main" xmlns:r="http://schemas.openxmlformats.org/officeDocument/2006/relationships" xmlns:p="http://schemas.openxmlformats.org/presentationml/2006/main">
   <p:cSld>
     <p:spTree>
@@ -24220,7 +30841,7 @@
 </p:sld>
 </file>
 
-<file path=ppt/slides/slide26.xml><?xml version="1.0" encoding="utf-8"?>
+<file path=ppt/slides/slide27.xml><?xml version="1.0" encoding="utf-8"?>
 <p:sld xmlns:a="http://schemas.openxmlformats.org/drawingml/2006/main" xmlns:r="http://schemas.openxmlformats.org/officeDocument/2006/relationships" xmlns:p="http://schemas.openxmlformats.org/presentationml/2006/main">
   <p:cSld>
     <p:spTree>
@@ -24857,6 +31478,111 @@
     <p:extLst>
       <p:ext uri="{BB962C8B-B14F-4D97-AF65-F5344CB8AC3E}">
         <p14:creationId xmlns:p14="http://schemas.microsoft.com/office/powerpoint/2010/main" val="1037245758"/>
+      </p:ext>
+    </p:extLst>
+  </p:cSld>
+  <p:clrMapOvr>
+    <a:masterClrMapping/>
+  </p:clrMapOvr>
+</p:sld>
+</file>
+
+<file path=ppt/slides/slide28.xml><?xml version="1.0" encoding="utf-8"?>
+<p:sld xmlns:a="http://schemas.openxmlformats.org/drawingml/2006/main" xmlns:r="http://schemas.openxmlformats.org/officeDocument/2006/relationships" xmlns:p="http://schemas.openxmlformats.org/presentationml/2006/main">
+  <p:cSld>
+    <p:spTree>
+      <p:nvGrpSpPr>
+        <p:cNvPr id="1" name=""/>
+        <p:cNvGrpSpPr/>
+        <p:nvPr/>
+      </p:nvGrpSpPr>
+      <p:grpSpPr>
+        <a:xfrm>
+          <a:off x="0" y="0"/>
+          <a:ext cx="0" cy="0"/>
+          <a:chOff x="0" y="0"/>
+          <a:chExt cx="0" cy="0"/>
+        </a:xfrm>
+      </p:grpSpPr>
+      <p:sp>
+        <p:nvSpPr>
+          <p:cNvPr id="2" name="Title 1"/>
+          <p:cNvSpPr>
+            <a:spLocks noGrp="1"/>
+          </p:cNvSpPr>
+          <p:nvPr>
+            <p:ph type="title"/>
+          </p:nvPr>
+        </p:nvSpPr>
+        <p:spPr/>
+        <p:txBody>
+          <a:bodyPr>
+            <a:normAutofit fontScale="90000"/>
+          </a:bodyPr>
+          <a:lstStyle/>
+          <a:p>
+            <a:r>
+              <a:rPr lang="en-US" dirty="0" smtClean="0"/>
+              <a:t/>
+            </a:r>
+            <a:br>
+              <a:rPr lang="en-US" dirty="0" smtClean="0"/>
+            </a:br>
+            <a:endParaRPr lang="en-US" dirty="0"/>
+          </a:p>
+        </p:txBody>
+      </p:sp>
+      <p:sp>
+        <p:nvSpPr>
+          <p:cNvPr id="3" name="Content Placeholder 2"/>
+          <p:cNvSpPr>
+            <a:spLocks noGrp="1"/>
+          </p:cNvSpPr>
+          <p:nvPr>
+            <p:ph idx="1"/>
+          </p:nvPr>
+        </p:nvSpPr>
+        <p:spPr/>
+        <p:txBody>
+          <a:bodyPr/>
+          <a:lstStyle/>
+          <a:p>
+            <a:pPr marL="0" indent="0">
+              <a:buNone/>
+            </a:pPr>
+            <a:endParaRPr lang="en-US" dirty="0" smtClean="0"/>
+          </a:p>
+          <a:p>
+            <a:endParaRPr lang="en-US" dirty="0" smtClean="0"/>
+          </a:p>
+        </p:txBody>
+      </p:sp>
+      <p:graphicFrame>
+        <p:nvGraphicFramePr>
+          <p:cNvPr id="4" name="Diagram 3"/>
+          <p:cNvGraphicFramePr/>
+          <p:nvPr>
+            <p:extLst>
+              <p:ext uri="{D42A27DB-BD31-4B8C-83A1-F6EECF244321}">
+                <p14:modId xmlns:p14="http://schemas.microsoft.com/office/powerpoint/2010/main" val="1820444170"/>
+              </p:ext>
+            </p:extLst>
+          </p:nvPr>
+        </p:nvGraphicFramePr>
+        <p:xfrm>
+          <a:off x="533400" y="990600"/>
+          <a:ext cx="8229600" cy="5257800"/>
+        </p:xfrm>
+        <a:graphic>
+          <a:graphicData uri="http://schemas.openxmlformats.org/drawingml/2006/diagram">
+            <dgm:relIds xmlns:dgm="http://schemas.openxmlformats.org/drawingml/2006/diagram" xmlns:r="http://schemas.openxmlformats.org/officeDocument/2006/relationships" r:dm="rId2" r:lo="rId3" r:qs="rId4" r:cs="rId5"/>
+          </a:graphicData>
+        </a:graphic>
+      </p:graphicFrame>
+    </p:spTree>
+    <p:extLst>
+      <p:ext uri="{BB962C8B-B14F-4D97-AF65-F5344CB8AC3E}">
+        <p14:creationId xmlns:p14="http://schemas.microsoft.com/office/powerpoint/2010/main" val="3023124138"/>
       </p:ext>
     </p:extLst>
   </p:cSld>
@@ -27029,11 +33755,6 @@
                 </a:rPr>
                 <a:t>MasterPJ</a:t>
               </a:r>
-              <a:endParaRPr lang="en-US" dirty="0" smtClean="0">
-                <a:solidFill>
-                  <a:srgbClr val="FF0000"/>
-                </a:solidFill>
-              </a:endParaRPr>
             </a:p>
             <a:p>
               <a:r>

--- a/pictures.pptx
+++ b/pictures.pptx
@@ -4808,10 +4808,10 @@
     <dgm:cxn modelId="{275DCCED-1CF8-47A7-B91F-8CAC53BF4272}" type="presOf" srcId="{5D21D8BC-666E-4114-80E6-FA46EFBB1481}" destId="{F879393D-987D-4A4F-9334-D42AB832B066}" srcOrd="0" destOrd="0" presId="urn:microsoft.com/office/officeart/2005/8/layout/chevron1"/>
     <dgm:cxn modelId="{44F816F0-8F9B-4FCC-BC66-8CEB73A0B259}" srcId="{5D21D8BC-666E-4114-80E6-FA46EFBB1481}" destId="{22E627A8-270D-449A-9889-7489D589131E}" srcOrd="1" destOrd="0" parTransId="{5F8071CA-105D-46D2-8F43-FD742F090B0D}" sibTransId="{4D18BCB8-F079-4C81-93C0-0D6AE7277CB1}"/>
     <dgm:cxn modelId="{F096248B-DBD5-44C4-9262-47B37A3486C9}" type="presOf" srcId="{B777BD26-EC81-4478-9E42-1BFF505858F2}" destId="{C62F374F-7C9B-4AD8-A4E0-355BE21DECAD}" srcOrd="0" destOrd="0" presId="urn:microsoft.com/office/officeart/2005/8/layout/chevron1"/>
-    <dgm:cxn modelId="{F33B0DB6-20CB-44F7-819B-E3108391589E}" type="presOf" srcId="{22E627A8-270D-449A-9889-7489D589131E}" destId="{5BAAEAA7-D021-43B8-879F-390B2EF9DB92}" srcOrd="0" destOrd="0" presId="urn:microsoft.com/office/officeart/2005/8/layout/chevron1"/>
+    <dgm:cxn modelId="{E7B56E9F-FBA9-47CC-A31A-3639C09881DD}" srcId="{5D21D8BC-666E-4114-80E6-FA46EFBB1481}" destId="{74A560BC-7102-44EB-877C-7E4ECCDE9746}" srcOrd="2" destOrd="0" parTransId="{2E880692-1496-4A21-B250-C67B174AF5EB}" sibTransId="{F3E5B471-7858-41A3-BE7B-1A274593F4CB}"/>
     <dgm:cxn modelId="{ACFE56FE-85BB-4734-9CEE-F820EA779125}" srcId="{5D21D8BC-666E-4114-80E6-FA46EFBB1481}" destId="{B777BD26-EC81-4478-9E42-1BFF505858F2}" srcOrd="0" destOrd="0" parTransId="{A174C541-9C03-422C-9349-36B0589ADCEC}" sibTransId="{2A43A43A-D58F-4F84-A074-0A4612A5D417}"/>
     <dgm:cxn modelId="{2C03FBD0-A5EE-4978-AD78-DF65A6DFCD23}" type="presOf" srcId="{74A560BC-7102-44EB-877C-7E4ECCDE9746}" destId="{68FBF925-E59F-4056-9E04-C1A849D3EDC9}" srcOrd="0" destOrd="0" presId="urn:microsoft.com/office/officeart/2005/8/layout/chevron1"/>
-    <dgm:cxn modelId="{E7B56E9F-FBA9-47CC-A31A-3639C09881DD}" srcId="{5D21D8BC-666E-4114-80E6-FA46EFBB1481}" destId="{74A560BC-7102-44EB-877C-7E4ECCDE9746}" srcOrd="2" destOrd="0" parTransId="{2E880692-1496-4A21-B250-C67B174AF5EB}" sibTransId="{F3E5B471-7858-41A3-BE7B-1A274593F4CB}"/>
+    <dgm:cxn modelId="{F33B0DB6-20CB-44F7-819B-E3108391589E}" type="presOf" srcId="{22E627A8-270D-449A-9889-7489D589131E}" destId="{5BAAEAA7-D021-43B8-879F-390B2EF9DB92}" srcOrd="0" destOrd="0" presId="urn:microsoft.com/office/officeart/2005/8/layout/chevron1"/>
     <dgm:cxn modelId="{D28DC277-4588-4CED-A3B9-C378A09561F5}" type="presParOf" srcId="{F879393D-987D-4A4F-9334-D42AB832B066}" destId="{C62F374F-7C9B-4AD8-A4E0-355BE21DECAD}" srcOrd="0" destOrd="0" presId="urn:microsoft.com/office/officeart/2005/8/layout/chevron1"/>
     <dgm:cxn modelId="{7AA790E6-6EB5-49C5-96E3-E55D9F51A029}" type="presParOf" srcId="{F879393D-987D-4A4F-9334-D42AB832B066}" destId="{D9D3CDE9-440A-4E0F-9713-36C6DCD423EE}" srcOrd="1" destOrd="0" presId="urn:microsoft.com/office/officeart/2005/8/layout/chevron1"/>
     <dgm:cxn modelId="{92256D3B-D8D0-45EC-AA96-D725095AB19A}" type="presParOf" srcId="{F879393D-987D-4A4F-9334-D42AB832B066}" destId="{5BAAEAA7-D021-43B8-879F-390B2EF9DB92}" srcOrd="2" destOrd="0" presId="urn:microsoft.com/office/officeart/2005/8/layout/chevron1"/>
@@ -4822,7 +4822,7 @@
   <dgm:whole/>
   <dgm:extLst>
     <a:ext uri="http://schemas.microsoft.com/office/drawing/2008/diagram">
-      <dsp:dataModelExt xmlns:dsp="http://schemas.microsoft.com/office/drawing/2008/diagram" relId="rId6" minVer="http://schemas.openxmlformats.org/drawingml/2006/diagram"/>
+      <dsp:dataModelExt xmlns="" xmlns:dsp="http://schemas.microsoft.com/office/drawing/2008/diagram" relId="rId6" minVer="http://schemas.openxmlformats.org/drawingml/2006/diagram"/>
     </a:ext>
   </dgm:extLst>
 </dgm:dataModel>
@@ -5305,21 +5305,21 @@
     </dgm:pt>
   </dgm:ptLst>
   <dgm:cxnLst>
+    <dgm:cxn modelId="{0634C07E-9B92-4862-AE73-669FB447C23A}" type="presOf" srcId="{B537E5C6-AC88-45DE-A692-878DAC35B119}" destId="{5535CA09-926A-457A-A4B7-21390F15F94F}" srcOrd="0" destOrd="0" presId="urn:microsoft.com/office/officeart/2005/8/layout/chevron1"/>
     <dgm:cxn modelId="{6189A4AA-D7EB-418F-9F2D-C66AC3C01A62}" srcId="{9450D4C9-C4B2-4911-A89A-514780CB9F15}" destId="{C97B20BC-3CBA-411F-AB14-F158490C5BCC}" srcOrd="6" destOrd="0" parTransId="{F7EE3B89-45E3-4220-BAF4-37722295D274}" sibTransId="{484765B2-A338-4F5A-B411-50FEAAE111D8}"/>
+    <dgm:cxn modelId="{3472B545-712D-4EE5-A0FD-FCCE69A3F421}" srcId="{9450D4C9-C4B2-4911-A89A-514780CB9F15}" destId="{8A145133-89F4-4E11-BED7-033969110BEF}" srcOrd="4" destOrd="0" parTransId="{06C89CBF-459F-4019-BA59-A67EB395C5B9}" sibTransId="{A211C329-5A6A-4787-B4B1-98439EF8D8DC}"/>
+    <dgm:cxn modelId="{C378ED72-E206-4B76-B23C-B3B4B3340B73}" srcId="{9450D4C9-C4B2-4911-A89A-514780CB9F15}" destId="{CF478C61-00AD-4194-8D4F-7DB2AE098B5C}" srcOrd="5" destOrd="0" parTransId="{2EC35964-DAF3-4C89-B364-499868C294A8}" sibTransId="{58567C9B-A274-4468-A0E3-EA814A581623}"/>
+    <dgm:cxn modelId="{B22E7FC3-8354-4071-9729-712A64B6BD46}" type="presOf" srcId="{9450D4C9-C4B2-4911-A89A-514780CB9F15}" destId="{460ED21A-C4DB-432F-A891-283E6D30FEEE}" srcOrd="0" destOrd="0" presId="urn:microsoft.com/office/officeart/2005/8/layout/chevron1"/>
+    <dgm:cxn modelId="{5F875D11-DB50-43F9-BDF2-78334F8D7E58}" srcId="{9450D4C9-C4B2-4911-A89A-514780CB9F15}" destId="{64331C73-F894-4973-9E15-1A620C348097}" srcOrd="0" destOrd="0" parTransId="{77CFB40D-6F23-4B24-A619-E0E618CEB0D8}" sibTransId="{FFC0C0DB-5B55-4194-A6BD-4ACC55D2B470}"/>
+    <dgm:cxn modelId="{482379BC-5645-4FD0-878F-8EC4CDA2EED3}" type="presOf" srcId="{CF478C61-00AD-4194-8D4F-7DB2AE098B5C}" destId="{1214DDDF-E3A3-4EB3-BFBD-CAE78864CA50}" srcOrd="0" destOrd="0" presId="urn:microsoft.com/office/officeart/2005/8/layout/chevron1"/>
+    <dgm:cxn modelId="{7000B5C2-4F63-48D2-B345-7AAD7E3D400A}" type="presOf" srcId="{C97B20BC-3CBA-411F-AB14-F158490C5BCC}" destId="{5D5D5C88-985A-485D-991E-57409E5BC77A}" srcOrd="0" destOrd="0" presId="urn:microsoft.com/office/officeart/2005/8/layout/chevron1"/>
+    <dgm:cxn modelId="{DCDA388B-27FF-47A0-B71D-9F49880F0540}" type="presOf" srcId="{64331C73-F894-4973-9E15-1A620C348097}" destId="{09A00682-3313-476D-9195-849AA0621560}" srcOrd="0" destOrd="0" presId="urn:microsoft.com/office/officeart/2005/8/layout/chevron1"/>
+    <dgm:cxn modelId="{863F3A18-B337-4D3B-86F0-8953E07EAC44}" srcId="{9450D4C9-C4B2-4911-A89A-514780CB9F15}" destId="{868111AE-E299-4D01-BF58-8129A9506C06}" srcOrd="1" destOrd="0" parTransId="{C75652AF-634A-420D-9D96-F9B77B193B68}" sibTransId="{44CBE08D-1567-41F1-8953-1BAC21412B7A}"/>
+    <dgm:cxn modelId="{09C829B3-9421-472C-992B-F9C6C7EA8079}" srcId="{9450D4C9-C4B2-4911-A89A-514780CB9F15}" destId="{962489C9-99E7-4179-9C22-D64CAB835C31}" srcOrd="3" destOrd="0" parTransId="{44042CD2-4D4B-4F8B-847E-88E42BCD2928}" sibTransId="{4A484662-FBA7-4F43-BE10-51AB84EA0D6F}"/>
     <dgm:cxn modelId="{C04C286E-F3CB-4F9C-A9D3-E1C714569928}" type="presOf" srcId="{962489C9-99E7-4179-9C22-D64CAB835C31}" destId="{9D68CD03-B1A7-4BEA-B058-FD22B6150897}" srcOrd="0" destOrd="0" presId="urn:microsoft.com/office/officeart/2005/8/layout/chevron1"/>
-    <dgm:cxn modelId="{3472B545-712D-4EE5-A0FD-FCCE69A3F421}" srcId="{9450D4C9-C4B2-4911-A89A-514780CB9F15}" destId="{8A145133-89F4-4E11-BED7-033969110BEF}" srcOrd="4" destOrd="0" parTransId="{06C89CBF-459F-4019-BA59-A67EB395C5B9}" sibTransId="{A211C329-5A6A-4787-B4B1-98439EF8D8DC}"/>
+    <dgm:cxn modelId="{57BA3C68-BC2F-4757-8247-D0ABECA113C8}" type="presOf" srcId="{8A145133-89F4-4E11-BED7-033969110BEF}" destId="{47EC26A5-DB58-47F3-B21F-7ECE3520D744}" srcOrd="0" destOrd="0" presId="urn:microsoft.com/office/officeart/2005/8/layout/chevron1"/>
     <dgm:cxn modelId="{9DF62359-97EF-4CF4-AE53-CD7F768719C7}" srcId="{9450D4C9-C4B2-4911-A89A-514780CB9F15}" destId="{B537E5C6-AC88-45DE-A692-878DAC35B119}" srcOrd="2" destOrd="0" parTransId="{21C1899A-364B-44E7-8777-92B33ED6457F}" sibTransId="{DE041BA8-1086-4C93-A56B-5A6A7F7943AB}"/>
-    <dgm:cxn modelId="{09C829B3-9421-472C-992B-F9C6C7EA8079}" srcId="{9450D4C9-C4B2-4911-A89A-514780CB9F15}" destId="{962489C9-99E7-4179-9C22-D64CAB835C31}" srcOrd="3" destOrd="0" parTransId="{44042CD2-4D4B-4F8B-847E-88E42BCD2928}" sibTransId="{4A484662-FBA7-4F43-BE10-51AB84EA0D6F}"/>
-    <dgm:cxn modelId="{7000B5C2-4F63-48D2-B345-7AAD7E3D400A}" type="presOf" srcId="{C97B20BC-3CBA-411F-AB14-F158490C5BCC}" destId="{5D5D5C88-985A-485D-991E-57409E5BC77A}" srcOrd="0" destOrd="0" presId="urn:microsoft.com/office/officeart/2005/8/layout/chevron1"/>
     <dgm:cxn modelId="{7301DC52-2307-4D26-BB4E-D7886F63C24A}" type="presOf" srcId="{868111AE-E299-4D01-BF58-8129A9506C06}" destId="{771B5359-AC59-491F-AE7E-C91287E4A360}" srcOrd="0" destOrd="0" presId="urn:microsoft.com/office/officeart/2005/8/layout/chevron1"/>
-    <dgm:cxn modelId="{C378ED72-E206-4B76-B23C-B3B4B3340B73}" srcId="{9450D4C9-C4B2-4911-A89A-514780CB9F15}" destId="{CF478C61-00AD-4194-8D4F-7DB2AE098B5C}" srcOrd="5" destOrd="0" parTransId="{2EC35964-DAF3-4C89-B364-499868C294A8}" sibTransId="{58567C9B-A274-4468-A0E3-EA814A581623}"/>
-    <dgm:cxn modelId="{482379BC-5645-4FD0-878F-8EC4CDA2EED3}" type="presOf" srcId="{CF478C61-00AD-4194-8D4F-7DB2AE098B5C}" destId="{1214DDDF-E3A3-4EB3-BFBD-CAE78864CA50}" srcOrd="0" destOrd="0" presId="urn:microsoft.com/office/officeart/2005/8/layout/chevron1"/>
-    <dgm:cxn modelId="{0634C07E-9B92-4862-AE73-669FB447C23A}" type="presOf" srcId="{B537E5C6-AC88-45DE-A692-878DAC35B119}" destId="{5535CA09-926A-457A-A4B7-21390F15F94F}" srcOrd="0" destOrd="0" presId="urn:microsoft.com/office/officeart/2005/8/layout/chevron1"/>
-    <dgm:cxn modelId="{57BA3C68-BC2F-4757-8247-D0ABECA113C8}" type="presOf" srcId="{8A145133-89F4-4E11-BED7-033969110BEF}" destId="{47EC26A5-DB58-47F3-B21F-7ECE3520D744}" srcOrd="0" destOrd="0" presId="urn:microsoft.com/office/officeart/2005/8/layout/chevron1"/>
-    <dgm:cxn modelId="{B22E7FC3-8354-4071-9729-712A64B6BD46}" type="presOf" srcId="{9450D4C9-C4B2-4911-A89A-514780CB9F15}" destId="{460ED21A-C4DB-432F-A891-283E6D30FEEE}" srcOrd="0" destOrd="0" presId="urn:microsoft.com/office/officeart/2005/8/layout/chevron1"/>
-    <dgm:cxn modelId="{863F3A18-B337-4D3B-86F0-8953E07EAC44}" srcId="{9450D4C9-C4B2-4911-A89A-514780CB9F15}" destId="{868111AE-E299-4D01-BF58-8129A9506C06}" srcOrd="1" destOrd="0" parTransId="{C75652AF-634A-420D-9D96-F9B77B193B68}" sibTransId="{44CBE08D-1567-41F1-8953-1BAC21412B7A}"/>
-    <dgm:cxn modelId="{5F875D11-DB50-43F9-BDF2-78334F8D7E58}" srcId="{9450D4C9-C4B2-4911-A89A-514780CB9F15}" destId="{64331C73-F894-4973-9E15-1A620C348097}" srcOrd="0" destOrd="0" parTransId="{77CFB40D-6F23-4B24-A619-E0E618CEB0D8}" sibTransId="{FFC0C0DB-5B55-4194-A6BD-4ACC55D2B470}"/>
-    <dgm:cxn modelId="{DCDA388B-27FF-47A0-B71D-9F49880F0540}" type="presOf" srcId="{64331C73-F894-4973-9E15-1A620C348097}" destId="{09A00682-3313-476D-9195-849AA0621560}" srcOrd="0" destOrd="0" presId="urn:microsoft.com/office/officeart/2005/8/layout/chevron1"/>
     <dgm:cxn modelId="{1F1AC9A6-1863-4DF6-8A35-A9EC6BD71052}" type="presParOf" srcId="{460ED21A-C4DB-432F-A891-283E6D30FEEE}" destId="{09A00682-3313-476D-9195-849AA0621560}" srcOrd="0" destOrd="0" presId="urn:microsoft.com/office/officeart/2005/8/layout/chevron1"/>
     <dgm:cxn modelId="{2F60A8DF-413C-41EB-8BDD-E90ED6C35836}" type="presParOf" srcId="{460ED21A-C4DB-432F-A891-283E6D30FEEE}" destId="{99E3799A-A836-4FE8-B104-89D1C921FE24}" srcOrd="1" destOrd="0" presId="urn:microsoft.com/office/officeart/2005/8/layout/chevron1"/>
     <dgm:cxn modelId="{118B86F9-54D1-46F1-92FC-BA458827B6E9}" type="presParOf" srcId="{460ED21A-C4DB-432F-A891-283E6D30FEEE}" destId="{771B5359-AC59-491F-AE7E-C91287E4A360}" srcOrd="2" destOrd="0" presId="urn:microsoft.com/office/officeart/2005/8/layout/chevron1"/>
@@ -5338,7 +5338,7 @@
   <dgm:whole/>
   <dgm:extLst>
     <a:ext uri="http://schemas.microsoft.com/office/drawing/2008/diagram">
-      <dsp:dataModelExt xmlns:dsp="http://schemas.microsoft.com/office/drawing/2008/diagram" relId="rId6" minVer="http://schemas.openxmlformats.org/drawingml/2006/diagram"/>
+      <dsp:dataModelExt xmlns="" xmlns:dsp="http://schemas.microsoft.com/office/drawing/2008/diagram" relId="rId6" minVer="http://schemas.openxmlformats.org/drawingml/2006/diagram"/>
     </a:ext>
   </dgm:extLst>
 </dgm:dataModel>
@@ -5821,21 +5821,21 @@
     </dgm:pt>
   </dgm:ptLst>
   <dgm:cxnLst>
+    <dgm:cxn modelId="{9DF62359-97EF-4CF4-AE53-CD7F768719C7}" srcId="{9450D4C9-C4B2-4911-A89A-514780CB9F15}" destId="{B537E5C6-AC88-45DE-A692-878DAC35B119}" srcOrd="2" destOrd="0" parTransId="{21C1899A-364B-44E7-8777-92B33ED6457F}" sibTransId="{DE041BA8-1086-4C93-A56B-5A6A7F7943AB}"/>
+    <dgm:cxn modelId="{5F875D11-DB50-43F9-BDF2-78334F8D7E58}" srcId="{9450D4C9-C4B2-4911-A89A-514780CB9F15}" destId="{64331C73-F894-4973-9E15-1A620C348097}" srcOrd="0" destOrd="0" parTransId="{77CFB40D-6F23-4B24-A619-E0E618CEB0D8}" sibTransId="{FFC0C0DB-5B55-4194-A6BD-4ACC55D2B470}"/>
     <dgm:cxn modelId="{6189A4AA-D7EB-418F-9F2D-C66AC3C01A62}" srcId="{9450D4C9-C4B2-4911-A89A-514780CB9F15}" destId="{C97B20BC-3CBA-411F-AB14-F158490C5BCC}" srcOrd="6" destOrd="0" parTransId="{F7EE3B89-45E3-4220-BAF4-37722295D274}" sibTransId="{484765B2-A338-4F5A-B411-50FEAAE111D8}"/>
+    <dgm:cxn modelId="{926CA9DC-DF6F-4A9D-9612-83D48BE5EA1C}" type="presOf" srcId="{64331C73-F894-4973-9E15-1A620C348097}" destId="{09A00682-3313-476D-9195-849AA0621560}" srcOrd="0" destOrd="0" presId="urn:microsoft.com/office/officeart/2005/8/layout/chevron1"/>
     <dgm:cxn modelId="{3472B545-712D-4EE5-A0FD-FCCE69A3F421}" srcId="{9450D4C9-C4B2-4911-A89A-514780CB9F15}" destId="{8A145133-89F4-4E11-BED7-033969110BEF}" srcOrd="4" destOrd="0" parTransId="{06C89CBF-459F-4019-BA59-A67EB395C5B9}" sibTransId="{A211C329-5A6A-4787-B4B1-98439EF8D8DC}"/>
-    <dgm:cxn modelId="{9DF62359-97EF-4CF4-AE53-CD7F768719C7}" srcId="{9450D4C9-C4B2-4911-A89A-514780CB9F15}" destId="{B537E5C6-AC88-45DE-A692-878DAC35B119}" srcOrd="2" destOrd="0" parTransId="{21C1899A-364B-44E7-8777-92B33ED6457F}" sibTransId="{DE041BA8-1086-4C93-A56B-5A6A7F7943AB}"/>
-    <dgm:cxn modelId="{926CA9DC-DF6F-4A9D-9612-83D48BE5EA1C}" type="presOf" srcId="{64331C73-F894-4973-9E15-1A620C348097}" destId="{09A00682-3313-476D-9195-849AA0621560}" srcOrd="0" destOrd="0" presId="urn:microsoft.com/office/officeart/2005/8/layout/chevron1"/>
+    <dgm:cxn modelId="{639D5D99-9E2A-4A71-BD4D-065403E54717}" type="presOf" srcId="{B537E5C6-AC88-45DE-A692-878DAC35B119}" destId="{5535CA09-926A-457A-A4B7-21390F15F94F}" srcOrd="0" destOrd="0" presId="urn:microsoft.com/office/officeart/2005/8/layout/chevron1"/>
+    <dgm:cxn modelId="{B3F5CCFA-FE39-4B4E-9CFC-BD7D8A83E842}" type="presOf" srcId="{CF478C61-00AD-4194-8D4F-7DB2AE098B5C}" destId="{1214DDDF-E3A3-4EB3-BFBD-CAE78864CA50}" srcOrd="0" destOrd="0" presId="urn:microsoft.com/office/officeart/2005/8/layout/chevron1"/>
+    <dgm:cxn modelId="{1C1DB8ED-0C78-4531-81AD-594F179D4A4A}" type="presOf" srcId="{8A145133-89F4-4E11-BED7-033969110BEF}" destId="{47EC26A5-DB58-47F3-B21F-7ECE3520D744}" srcOrd="0" destOrd="0" presId="urn:microsoft.com/office/officeart/2005/8/layout/chevron1"/>
+    <dgm:cxn modelId="{863F3A18-B337-4D3B-86F0-8953E07EAC44}" srcId="{9450D4C9-C4B2-4911-A89A-514780CB9F15}" destId="{868111AE-E299-4D01-BF58-8129A9506C06}" srcOrd="1" destOrd="0" parTransId="{C75652AF-634A-420D-9D96-F9B77B193B68}" sibTransId="{44CBE08D-1567-41F1-8953-1BAC21412B7A}"/>
+    <dgm:cxn modelId="{A4A6F842-F938-4989-939A-E610F0BEDC3D}" type="presOf" srcId="{9450D4C9-C4B2-4911-A89A-514780CB9F15}" destId="{460ED21A-C4DB-432F-A891-283E6D30FEEE}" srcOrd="0" destOrd="0" presId="urn:microsoft.com/office/officeart/2005/8/layout/chevron1"/>
+    <dgm:cxn modelId="{C378ED72-E206-4B76-B23C-B3B4B3340B73}" srcId="{9450D4C9-C4B2-4911-A89A-514780CB9F15}" destId="{CF478C61-00AD-4194-8D4F-7DB2AE098B5C}" srcOrd="5" destOrd="0" parTransId="{2EC35964-DAF3-4C89-B364-499868C294A8}" sibTransId="{58567C9B-A274-4468-A0E3-EA814A581623}"/>
+    <dgm:cxn modelId="{7668A89A-29E8-4E15-83A2-61AF98F853AA}" type="presOf" srcId="{868111AE-E299-4D01-BF58-8129A9506C06}" destId="{771B5359-AC59-491F-AE7E-C91287E4A360}" srcOrd="0" destOrd="0" presId="urn:microsoft.com/office/officeart/2005/8/layout/chevron1"/>
+    <dgm:cxn modelId="{4F2130A0-1415-4348-8853-90D1F7780598}" type="presOf" srcId="{962489C9-99E7-4179-9C22-D64CAB835C31}" destId="{9D68CD03-B1A7-4BEA-B058-FD22B6150897}" srcOrd="0" destOrd="0" presId="urn:microsoft.com/office/officeart/2005/8/layout/chevron1"/>
     <dgm:cxn modelId="{09C829B3-9421-472C-992B-F9C6C7EA8079}" srcId="{9450D4C9-C4B2-4911-A89A-514780CB9F15}" destId="{962489C9-99E7-4179-9C22-D64CAB835C31}" srcOrd="3" destOrd="0" parTransId="{44042CD2-4D4B-4F8B-847E-88E42BCD2928}" sibTransId="{4A484662-FBA7-4F43-BE10-51AB84EA0D6F}"/>
-    <dgm:cxn modelId="{639D5D99-9E2A-4A71-BD4D-065403E54717}" type="presOf" srcId="{B537E5C6-AC88-45DE-A692-878DAC35B119}" destId="{5535CA09-926A-457A-A4B7-21390F15F94F}" srcOrd="0" destOrd="0" presId="urn:microsoft.com/office/officeart/2005/8/layout/chevron1"/>
-    <dgm:cxn modelId="{1C1DB8ED-0C78-4531-81AD-594F179D4A4A}" type="presOf" srcId="{8A145133-89F4-4E11-BED7-033969110BEF}" destId="{47EC26A5-DB58-47F3-B21F-7ECE3520D744}" srcOrd="0" destOrd="0" presId="urn:microsoft.com/office/officeart/2005/8/layout/chevron1"/>
-    <dgm:cxn modelId="{7668A89A-29E8-4E15-83A2-61AF98F853AA}" type="presOf" srcId="{868111AE-E299-4D01-BF58-8129A9506C06}" destId="{771B5359-AC59-491F-AE7E-C91287E4A360}" srcOrd="0" destOrd="0" presId="urn:microsoft.com/office/officeart/2005/8/layout/chevron1"/>
-    <dgm:cxn modelId="{C378ED72-E206-4B76-B23C-B3B4B3340B73}" srcId="{9450D4C9-C4B2-4911-A89A-514780CB9F15}" destId="{CF478C61-00AD-4194-8D4F-7DB2AE098B5C}" srcOrd="5" destOrd="0" parTransId="{2EC35964-DAF3-4C89-B364-499868C294A8}" sibTransId="{58567C9B-A274-4468-A0E3-EA814A581623}"/>
     <dgm:cxn modelId="{77A0D87E-0458-4AB3-8FE4-5731CF46972A}" type="presOf" srcId="{C97B20BC-3CBA-411F-AB14-F158490C5BCC}" destId="{5D5D5C88-985A-485D-991E-57409E5BC77A}" srcOrd="0" destOrd="0" presId="urn:microsoft.com/office/officeart/2005/8/layout/chevron1"/>
-    <dgm:cxn modelId="{863F3A18-B337-4D3B-86F0-8953E07EAC44}" srcId="{9450D4C9-C4B2-4911-A89A-514780CB9F15}" destId="{868111AE-E299-4D01-BF58-8129A9506C06}" srcOrd="1" destOrd="0" parTransId="{C75652AF-634A-420D-9D96-F9B77B193B68}" sibTransId="{44CBE08D-1567-41F1-8953-1BAC21412B7A}"/>
-    <dgm:cxn modelId="{B3F5CCFA-FE39-4B4E-9CFC-BD7D8A83E842}" type="presOf" srcId="{CF478C61-00AD-4194-8D4F-7DB2AE098B5C}" destId="{1214DDDF-E3A3-4EB3-BFBD-CAE78864CA50}" srcOrd="0" destOrd="0" presId="urn:microsoft.com/office/officeart/2005/8/layout/chevron1"/>
-    <dgm:cxn modelId="{4F2130A0-1415-4348-8853-90D1F7780598}" type="presOf" srcId="{962489C9-99E7-4179-9C22-D64CAB835C31}" destId="{9D68CD03-B1A7-4BEA-B058-FD22B6150897}" srcOrd="0" destOrd="0" presId="urn:microsoft.com/office/officeart/2005/8/layout/chevron1"/>
-    <dgm:cxn modelId="{A4A6F842-F938-4989-939A-E610F0BEDC3D}" type="presOf" srcId="{9450D4C9-C4B2-4911-A89A-514780CB9F15}" destId="{460ED21A-C4DB-432F-A891-283E6D30FEEE}" srcOrd="0" destOrd="0" presId="urn:microsoft.com/office/officeart/2005/8/layout/chevron1"/>
-    <dgm:cxn modelId="{5F875D11-DB50-43F9-BDF2-78334F8D7E58}" srcId="{9450D4C9-C4B2-4911-A89A-514780CB9F15}" destId="{64331C73-F894-4973-9E15-1A620C348097}" srcOrd="0" destOrd="0" parTransId="{77CFB40D-6F23-4B24-A619-E0E618CEB0D8}" sibTransId="{FFC0C0DB-5B55-4194-A6BD-4ACC55D2B470}"/>
     <dgm:cxn modelId="{98901DD5-2768-4888-AE47-AD4093D629AA}" type="presParOf" srcId="{460ED21A-C4DB-432F-A891-283E6D30FEEE}" destId="{09A00682-3313-476D-9195-849AA0621560}" srcOrd="0" destOrd="0" presId="urn:microsoft.com/office/officeart/2005/8/layout/chevron1"/>
     <dgm:cxn modelId="{793183C6-7351-48F1-81BD-406C0C7251A1}" type="presParOf" srcId="{460ED21A-C4DB-432F-A891-283E6D30FEEE}" destId="{99E3799A-A836-4FE8-B104-89D1C921FE24}" srcOrd="1" destOrd="0" presId="urn:microsoft.com/office/officeart/2005/8/layout/chevron1"/>
     <dgm:cxn modelId="{0B271C2D-988A-408B-94F8-D7ABC20F8653}" type="presParOf" srcId="{460ED21A-C4DB-432F-A891-283E6D30FEEE}" destId="{771B5359-AC59-491F-AE7E-C91287E4A360}" srcOrd="2" destOrd="0" presId="urn:microsoft.com/office/officeart/2005/8/layout/chevron1"/>
@@ -5854,7 +5854,7 @@
   <dgm:whole/>
   <dgm:extLst>
     <a:ext uri="http://schemas.microsoft.com/office/drawing/2008/diagram">
-      <dsp:dataModelExt xmlns:dsp="http://schemas.microsoft.com/office/drawing/2008/diagram" relId="rId6" minVer="http://schemas.openxmlformats.org/drawingml/2006/diagram"/>
+      <dsp:dataModelExt xmlns="" xmlns:dsp="http://schemas.microsoft.com/office/drawing/2008/diagram" relId="rId6" minVer="http://schemas.openxmlformats.org/drawingml/2006/diagram"/>
     </a:ext>
   </dgm:extLst>
 </dgm:dataModel>
@@ -6200,14 +6200,14 @@
     </dgm:pt>
   </dgm:ptLst>
   <dgm:cxnLst>
+    <dgm:cxn modelId="{DCEFC734-5258-4187-81E2-2DA3C3A0600D}" srcId="{EDE96FF5-1D6F-40D9-BAA4-5F216284EA68}" destId="{D3416637-C472-49E7-8A77-42EA7EE4FB2D}" srcOrd="0" destOrd="0" parTransId="{3FF84238-6296-41FA-AC31-BE8D99191283}" sibTransId="{C2F2F837-7292-499A-9363-26D4909D7F7A}"/>
     <dgm:cxn modelId="{D29B2DFD-6448-43ED-AD6F-A88D3997D5AD}" type="presOf" srcId="{EDE96FF5-1D6F-40D9-BAA4-5F216284EA68}" destId="{633A4F81-F993-47EB-820A-B68DB3A5390E}" srcOrd="0" destOrd="0" presId="urn:microsoft.com/office/officeart/2005/8/layout/hierarchy1"/>
     <dgm:cxn modelId="{25D7E370-8D92-4E2B-B024-D053047D8CE2}" srcId="{EDE96FF5-1D6F-40D9-BAA4-5F216284EA68}" destId="{B3EDA70C-121E-4511-8433-9E3CEA3A1041}" srcOrd="1" destOrd="0" parTransId="{3203F13A-12BF-4556-A522-A41B0A00850D}" sibTransId="{0EFF336F-BB38-4F04-9D43-D16852737E47}"/>
     <dgm:cxn modelId="{E470C9C2-04B1-4DBA-BDD8-DA9E788EC044}" type="presOf" srcId="{E599E731-E7DC-479C-8CF1-D6244889523C}" destId="{D95F9AD9-2B6E-4F59-B64C-5D4FC2E366CE}" srcOrd="0" destOrd="0" presId="urn:microsoft.com/office/officeart/2005/8/layout/hierarchy1"/>
-    <dgm:cxn modelId="{DCEFC734-5258-4187-81E2-2DA3C3A0600D}" srcId="{EDE96FF5-1D6F-40D9-BAA4-5F216284EA68}" destId="{D3416637-C472-49E7-8A77-42EA7EE4FB2D}" srcOrd="0" destOrd="0" parTransId="{3FF84238-6296-41FA-AC31-BE8D99191283}" sibTransId="{C2F2F837-7292-499A-9363-26D4909D7F7A}"/>
+    <dgm:cxn modelId="{FBEA6683-523A-4555-AC76-8EA8246433E8}" type="presOf" srcId="{B3EDA70C-121E-4511-8433-9E3CEA3A1041}" destId="{62F573A8-C98B-4300-903C-ACC41DE49811}" srcOrd="0" destOrd="0" presId="urn:microsoft.com/office/officeart/2005/8/layout/hierarchy1"/>
+    <dgm:cxn modelId="{B4B656B2-B9F5-4518-B1FC-D6049C1794CC}" type="presOf" srcId="{3203F13A-12BF-4556-A522-A41B0A00850D}" destId="{82B6CC98-E7D5-4D4E-ACD9-D9D53E7526DB}" srcOrd="0" destOrd="0" presId="urn:microsoft.com/office/officeart/2005/8/layout/hierarchy1"/>
     <dgm:cxn modelId="{AA02A161-9E71-4263-A901-09BFD558970D}" type="presOf" srcId="{D3416637-C472-49E7-8A77-42EA7EE4FB2D}" destId="{2CA332BF-C7D5-44C4-86AB-C5F8609888C3}" srcOrd="0" destOrd="0" presId="urn:microsoft.com/office/officeart/2005/8/layout/hierarchy1"/>
     <dgm:cxn modelId="{01FB11D6-684D-4E49-B5B0-EAFE14330F37}" srcId="{E599E731-E7DC-479C-8CF1-D6244889523C}" destId="{EDE96FF5-1D6F-40D9-BAA4-5F216284EA68}" srcOrd="0" destOrd="0" parTransId="{0321C310-AEF3-46E8-B8A4-6C11DB864603}" sibTransId="{D4600DEE-2AE6-474A-83CF-788E07829090}"/>
-    <dgm:cxn modelId="{FBEA6683-523A-4555-AC76-8EA8246433E8}" type="presOf" srcId="{B3EDA70C-121E-4511-8433-9E3CEA3A1041}" destId="{62F573A8-C98B-4300-903C-ACC41DE49811}" srcOrd="0" destOrd="0" presId="urn:microsoft.com/office/officeart/2005/8/layout/hierarchy1"/>
-    <dgm:cxn modelId="{B4B656B2-B9F5-4518-B1FC-D6049C1794CC}" type="presOf" srcId="{3203F13A-12BF-4556-A522-A41B0A00850D}" destId="{82B6CC98-E7D5-4D4E-ACD9-D9D53E7526DB}" srcOrd="0" destOrd="0" presId="urn:microsoft.com/office/officeart/2005/8/layout/hierarchy1"/>
     <dgm:cxn modelId="{61E18A5C-F5D9-4D94-9A8A-644F91246958}" type="presOf" srcId="{3FF84238-6296-41FA-AC31-BE8D99191283}" destId="{3B4976F8-1C91-4B4A-AF74-A6A32D597C6F}" srcOrd="0" destOrd="0" presId="urn:microsoft.com/office/officeart/2005/8/layout/hierarchy1"/>
     <dgm:cxn modelId="{0C7A26C2-1BBB-4A9B-BAED-D8019201ABB6}" type="presParOf" srcId="{D95F9AD9-2B6E-4F59-B64C-5D4FC2E366CE}" destId="{CF8D7650-8692-446B-80AA-1D837010E69E}" srcOrd="0" destOrd="0" presId="urn:microsoft.com/office/officeart/2005/8/layout/hierarchy1"/>
     <dgm:cxn modelId="{34B243D6-3D1A-4412-9071-43C8F5F42BCD}" type="presParOf" srcId="{CF8D7650-8692-446B-80AA-1D837010E69E}" destId="{5C537912-794E-42DA-8968-3ADE7773EE31}" srcOrd="0" destOrd="0" presId="urn:microsoft.com/office/officeart/2005/8/layout/hierarchy1"/>
@@ -6231,7 +6231,7 @@
   <dgm:whole/>
   <dgm:extLst>
     <a:ext uri="http://schemas.microsoft.com/office/drawing/2008/diagram">
-      <dsp:dataModelExt xmlns:dsp="http://schemas.microsoft.com/office/drawing/2008/diagram" relId="rId6" minVer="http://schemas.openxmlformats.org/drawingml/2006/diagram"/>
+      <dsp:dataModelExt xmlns="" xmlns:dsp="http://schemas.microsoft.com/office/drawing/2008/diagram" relId="rId6" minVer="http://schemas.openxmlformats.org/drawingml/2006/diagram"/>
     </a:ext>
   </dgm:extLst>
 </dgm:dataModel>
@@ -6821,27 +6821,27 @@
     </dgm:pt>
   </dgm:ptLst>
   <dgm:cxnLst>
-    <dgm:cxn modelId="{1E232702-92AF-4E01-AF65-5B01B06BC5F9}" type="presOf" srcId="{BE3C59D4-0C3A-4CE8-8412-0142FC9112E5}" destId="{35FDEEF8-A771-4D6A-821D-5DD0765F4E3F}" srcOrd="0" destOrd="0" presId="urn:microsoft.com/office/officeart/2005/8/layout/hierarchy1"/>
-    <dgm:cxn modelId="{9AA3F2B4-85D7-4E67-A53B-D83B94482039}" type="presOf" srcId="{091F882E-0915-4AFC-AFCD-B1181E37E14D}" destId="{E753A8D8-B50F-42C4-B0CE-D216BE908656}" srcOrd="0" destOrd="0" presId="urn:microsoft.com/office/officeart/2005/8/layout/hierarchy1"/>
+    <dgm:cxn modelId="{7952A79E-9A23-4A9A-BE2E-18CB79CFAA62}" srcId="{E355DCEE-CFED-4B4E-95C1-C3ED3918F3D3}" destId="{6509BC69-7715-4AE9-8545-833A23F1F7D0}" srcOrd="0" destOrd="0" parTransId="{BD130280-A84B-4826-90BB-E35618FA7329}" sibTransId="{08030457-AA43-4093-AB35-36508039FC04}"/>
     <dgm:cxn modelId="{29A742B8-1028-4B3A-86FA-1F7740909746}" type="presOf" srcId="{6621E396-22BB-4BAA-86D9-A1D5854857CA}" destId="{7E592DA7-86CE-4FE6-B528-72BCA053EDAC}" srcOrd="0" destOrd="0" presId="urn:microsoft.com/office/officeart/2005/8/layout/hierarchy1"/>
-    <dgm:cxn modelId="{1481D2D9-EBDC-4E7C-ACB9-80B1F694C79C}" type="presOf" srcId="{E355DCEE-CFED-4B4E-95C1-C3ED3918F3D3}" destId="{C62030B6-9838-4D35-81EF-6AE86E8FD0B7}" srcOrd="0" destOrd="0" presId="urn:microsoft.com/office/officeart/2005/8/layout/hierarchy1"/>
-    <dgm:cxn modelId="{A5E4A230-47AD-4CCE-B63D-290746125B89}" srcId="{64341ED1-133E-4A5F-B2CA-B7839122E5E1}" destId="{E355DCEE-CFED-4B4E-95C1-C3ED3918F3D3}" srcOrd="2" destOrd="0" parTransId="{7343F464-1509-45F9-836B-82E0B529AC39}" sibTransId="{078DB322-C08D-4312-8C12-D8384FE5D6EB}"/>
-    <dgm:cxn modelId="{EAAC68D4-7227-400B-9B95-0206ABD7B679}" type="presOf" srcId="{7343F464-1509-45F9-836B-82E0B529AC39}" destId="{ECDC51A7-6312-4B5B-9113-87639623B933}" srcOrd="0" destOrd="0" presId="urn:microsoft.com/office/officeart/2005/8/layout/hierarchy1"/>
-    <dgm:cxn modelId="{869C7012-692A-402E-BF92-F79C2A072C8A}" type="presOf" srcId="{B426D3DF-981A-4ACA-BDCD-74F52BC54F36}" destId="{B20123EC-DD70-4002-B34F-72383B5AD1D0}" srcOrd="0" destOrd="0" presId="urn:microsoft.com/office/officeart/2005/8/layout/hierarchy1"/>
-    <dgm:cxn modelId="{FF4E295E-7BB3-4B76-B185-4F0106A708BA}" srcId="{6621E396-22BB-4BAA-86D9-A1D5854857CA}" destId="{64341ED1-133E-4A5F-B2CA-B7839122E5E1}" srcOrd="0" destOrd="0" parTransId="{9D095FE8-8213-4B2B-8FC7-77FFB4BB1B88}" sibTransId="{6B23510D-A384-4590-9F26-464C17EB856C}"/>
+    <dgm:cxn modelId="{06343924-9343-490C-8185-42B81C07BFD5}" type="presOf" srcId="{9C1EE866-C214-4A82-9547-61A5AA867C03}" destId="{35177D51-DA6B-4B74-8542-DDCB57DE5FAE}" srcOrd="0" destOrd="0" presId="urn:microsoft.com/office/officeart/2005/8/layout/hierarchy1"/>
     <dgm:cxn modelId="{7622F0F6-314F-4E6B-BFFE-FF0CED15058F}" srcId="{64341ED1-133E-4A5F-B2CA-B7839122E5E1}" destId="{FD996A20-6A09-41F5-9196-06E15DA4ED74}" srcOrd="1" destOrd="0" parTransId="{BE3C59D4-0C3A-4CE8-8412-0142FC9112E5}" sibTransId="{44B172B9-B2CB-4CB3-8660-38A30D50B387}"/>
     <dgm:cxn modelId="{785E77C6-80DB-499B-A7BB-61E8D05FCBB3}" type="presOf" srcId="{535ADC1B-E987-4114-88E1-0020E71ACB45}" destId="{85343B2D-6766-4596-A7C0-7ED78437CB26}" srcOrd="0" destOrd="0" presId="urn:microsoft.com/office/officeart/2005/8/layout/hierarchy1"/>
+    <dgm:cxn modelId="{AF143184-4851-4174-9641-5243E80A1E41}" type="presOf" srcId="{A92319EC-B566-4DF5-8DC2-9B499E48805C}" destId="{2E78A703-B9DD-425D-8C61-5CF4A53FAFA3}" srcOrd="0" destOrd="0" presId="urn:microsoft.com/office/officeart/2005/8/layout/hierarchy1"/>
+    <dgm:cxn modelId="{1481D2D9-EBDC-4E7C-ACB9-80B1F694C79C}" type="presOf" srcId="{E355DCEE-CFED-4B4E-95C1-C3ED3918F3D3}" destId="{C62030B6-9838-4D35-81EF-6AE86E8FD0B7}" srcOrd="0" destOrd="0" presId="urn:microsoft.com/office/officeart/2005/8/layout/hierarchy1"/>
+    <dgm:cxn modelId="{1E232702-92AF-4E01-AF65-5B01B06BC5F9}" type="presOf" srcId="{BE3C59D4-0C3A-4CE8-8412-0142FC9112E5}" destId="{35FDEEF8-A771-4D6A-821D-5DD0765F4E3F}" srcOrd="0" destOrd="0" presId="urn:microsoft.com/office/officeart/2005/8/layout/hierarchy1"/>
+    <dgm:cxn modelId="{A5E4A230-47AD-4CCE-B63D-290746125B89}" srcId="{64341ED1-133E-4A5F-B2CA-B7839122E5E1}" destId="{E355DCEE-CFED-4B4E-95C1-C3ED3918F3D3}" srcOrd="2" destOrd="0" parTransId="{7343F464-1509-45F9-836B-82E0B529AC39}" sibTransId="{078DB322-C08D-4312-8C12-D8384FE5D6EB}"/>
+    <dgm:cxn modelId="{869C7012-692A-402E-BF92-F79C2A072C8A}" type="presOf" srcId="{B426D3DF-981A-4ACA-BDCD-74F52BC54F36}" destId="{B20123EC-DD70-4002-B34F-72383B5AD1D0}" srcOrd="0" destOrd="0" presId="urn:microsoft.com/office/officeart/2005/8/layout/hierarchy1"/>
+    <dgm:cxn modelId="{239411CF-1F0E-4179-854E-288A6804E8C1}" type="presOf" srcId="{44337762-FFBD-474D-B88E-C618616EDE17}" destId="{C15F7BDE-BE17-440A-AFDC-26911405FC39}" srcOrd="0" destOrd="0" presId="urn:microsoft.com/office/officeart/2005/8/layout/hierarchy1"/>
+    <dgm:cxn modelId="{9AA3F2B4-85D7-4E67-A53B-D83B94482039}" type="presOf" srcId="{091F882E-0915-4AFC-AFCD-B1181E37E14D}" destId="{E753A8D8-B50F-42C4-B0CE-D216BE908656}" srcOrd="0" destOrd="0" presId="urn:microsoft.com/office/officeart/2005/8/layout/hierarchy1"/>
+    <dgm:cxn modelId="{FF4E295E-7BB3-4B76-B185-4F0106A708BA}" srcId="{6621E396-22BB-4BAA-86D9-A1D5854857CA}" destId="{64341ED1-133E-4A5F-B2CA-B7839122E5E1}" srcOrd="0" destOrd="0" parTransId="{9D095FE8-8213-4B2B-8FC7-77FFB4BB1B88}" sibTransId="{6B23510D-A384-4590-9F26-464C17EB856C}"/>
+    <dgm:cxn modelId="{2ABE6B4F-D2AE-4111-892F-4E82F39FE582}" type="presOf" srcId="{BD130280-A84B-4826-90BB-E35618FA7329}" destId="{1FDAFF91-CC20-4CEC-A22C-6CFA1AF43D26}" srcOrd="0" destOrd="0" presId="urn:microsoft.com/office/officeart/2005/8/layout/hierarchy1"/>
+    <dgm:cxn modelId="{973EF651-2A9A-44E8-9B31-B34D541E13C6}" type="presOf" srcId="{6509BC69-7715-4AE9-8545-833A23F1F7D0}" destId="{1DF10A25-C6B6-4B35-9C02-9BD8BC53F595}" srcOrd="0" destOrd="0" presId="urn:microsoft.com/office/officeart/2005/8/layout/hierarchy1"/>
+    <dgm:cxn modelId="{D7553362-3A4C-4B33-B7BF-53247DE2E997}" type="presOf" srcId="{64341ED1-133E-4A5F-B2CA-B7839122E5E1}" destId="{5573FD94-740A-4861-83F1-29D0DAEBDC74}" srcOrd="0" destOrd="0" presId="urn:microsoft.com/office/officeart/2005/8/layout/hierarchy1"/>
+    <dgm:cxn modelId="{EAAC68D4-7227-400B-9B95-0206ABD7B679}" type="presOf" srcId="{7343F464-1509-45F9-836B-82E0B529AC39}" destId="{ECDC51A7-6312-4B5B-9113-87639623B933}" srcOrd="0" destOrd="0" presId="urn:microsoft.com/office/officeart/2005/8/layout/hierarchy1"/>
+    <dgm:cxn modelId="{2525302B-B5D2-4C25-98D9-D15418FED570}" srcId="{E355DCEE-CFED-4B4E-95C1-C3ED3918F3D3}" destId="{9C1EE866-C214-4A82-9547-61A5AA867C03}" srcOrd="1" destOrd="0" parTransId="{535ADC1B-E987-4114-88E1-0020E71ACB45}" sibTransId="{F593FCBC-3BDA-47E4-BC69-F0F6F7CF17CA}"/>
     <dgm:cxn modelId="{628A9C82-BA29-4E3F-B65F-F63F75B68E9D}" srcId="{64341ED1-133E-4A5F-B2CA-B7839122E5E1}" destId="{091F882E-0915-4AFC-AFCD-B1181E37E14D}" srcOrd="3" destOrd="0" parTransId="{44337762-FFBD-474D-B88E-C618616EDE17}" sibTransId="{15C21F9D-4E60-420E-B892-0287CAD226B2}"/>
-    <dgm:cxn modelId="{7952A79E-9A23-4A9A-BE2E-18CB79CFAA62}" srcId="{E355DCEE-CFED-4B4E-95C1-C3ED3918F3D3}" destId="{6509BC69-7715-4AE9-8545-833A23F1F7D0}" srcOrd="0" destOrd="0" parTransId="{BD130280-A84B-4826-90BB-E35618FA7329}" sibTransId="{08030457-AA43-4093-AB35-36508039FC04}"/>
+    <dgm:cxn modelId="{1F2F3D80-A2AC-4DFD-9FDD-F19D7BC04570}" srcId="{64341ED1-133E-4A5F-B2CA-B7839122E5E1}" destId="{B426D3DF-981A-4ACA-BDCD-74F52BC54F36}" srcOrd="0" destOrd="0" parTransId="{A92319EC-B566-4DF5-8DC2-9B499E48805C}" sibTransId="{7F8B996A-D72C-4828-95CF-F00D2E1FEFCD}"/>
     <dgm:cxn modelId="{D7F088F7-70F2-4D80-B287-C9676E3ACC1D}" type="presOf" srcId="{FD996A20-6A09-41F5-9196-06E15DA4ED74}" destId="{E8E6B3F1-996D-4405-A520-CB4BB672E79C}" srcOrd="0" destOrd="0" presId="urn:microsoft.com/office/officeart/2005/8/layout/hierarchy1"/>
-    <dgm:cxn modelId="{2ABE6B4F-D2AE-4111-892F-4E82F39FE582}" type="presOf" srcId="{BD130280-A84B-4826-90BB-E35618FA7329}" destId="{1FDAFF91-CC20-4CEC-A22C-6CFA1AF43D26}" srcOrd="0" destOrd="0" presId="urn:microsoft.com/office/officeart/2005/8/layout/hierarchy1"/>
-    <dgm:cxn modelId="{1F2F3D80-A2AC-4DFD-9FDD-F19D7BC04570}" srcId="{64341ED1-133E-4A5F-B2CA-B7839122E5E1}" destId="{B426D3DF-981A-4ACA-BDCD-74F52BC54F36}" srcOrd="0" destOrd="0" parTransId="{A92319EC-B566-4DF5-8DC2-9B499E48805C}" sibTransId="{7F8B996A-D72C-4828-95CF-F00D2E1FEFCD}"/>
-    <dgm:cxn modelId="{2525302B-B5D2-4C25-98D9-D15418FED570}" srcId="{E355DCEE-CFED-4B4E-95C1-C3ED3918F3D3}" destId="{9C1EE866-C214-4A82-9547-61A5AA867C03}" srcOrd="1" destOrd="0" parTransId="{535ADC1B-E987-4114-88E1-0020E71ACB45}" sibTransId="{F593FCBC-3BDA-47E4-BC69-F0F6F7CF17CA}"/>
-    <dgm:cxn modelId="{06343924-9343-490C-8185-42B81C07BFD5}" type="presOf" srcId="{9C1EE866-C214-4A82-9547-61A5AA867C03}" destId="{35177D51-DA6B-4B74-8542-DDCB57DE5FAE}" srcOrd="0" destOrd="0" presId="urn:microsoft.com/office/officeart/2005/8/layout/hierarchy1"/>
-    <dgm:cxn modelId="{973EF651-2A9A-44E8-9B31-B34D541E13C6}" type="presOf" srcId="{6509BC69-7715-4AE9-8545-833A23F1F7D0}" destId="{1DF10A25-C6B6-4B35-9C02-9BD8BC53F595}" srcOrd="0" destOrd="0" presId="urn:microsoft.com/office/officeart/2005/8/layout/hierarchy1"/>
-    <dgm:cxn modelId="{239411CF-1F0E-4179-854E-288A6804E8C1}" type="presOf" srcId="{44337762-FFBD-474D-B88E-C618616EDE17}" destId="{C15F7BDE-BE17-440A-AFDC-26911405FC39}" srcOrd="0" destOrd="0" presId="urn:microsoft.com/office/officeart/2005/8/layout/hierarchy1"/>
-    <dgm:cxn modelId="{D7553362-3A4C-4B33-B7BF-53247DE2E997}" type="presOf" srcId="{64341ED1-133E-4A5F-B2CA-B7839122E5E1}" destId="{5573FD94-740A-4861-83F1-29D0DAEBDC74}" srcOrd="0" destOrd="0" presId="urn:microsoft.com/office/officeart/2005/8/layout/hierarchy1"/>
-    <dgm:cxn modelId="{AF143184-4851-4174-9641-5243E80A1E41}" type="presOf" srcId="{A92319EC-B566-4DF5-8DC2-9B499E48805C}" destId="{2E78A703-B9DD-425D-8C61-5CF4A53FAFA3}" srcOrd="0" destOrd="0" presId="urn:microsoft.com/office/officeart/2005/8/layout/hierarchy1"/>
     <dgm:cxn modelId="{A37C1BA9-717B-4608-BD6A-5F5D1626B9F1}" type="presParOf" srcId="{7E592DA7-86CE-4FE6-B528-72BCA053EDAC}" destId="{EB47D686-E303-417E-9EF5-4CB31FF033BA}" srcOrd="0" destOrd="0" presId="urn:microsoft.com/office/officeart/2005/8/layout/hierarchy1"/>
     <dgm:cxn modelId="{67D688D3-2880-4676-97BB-B1436622610C}" type="presParOf" srcId="{EB47D686-E303-417E-9EF5-4CB31FF033BA}" destId="{2D4E0BC2-F9F1-4407-8F38-F218C07A2C33}" srcOrd="0" destOrd="0" presId="urn:microsoft.com/office/officeart/2005/8/layout/hierarchy1"/>
     <dgm:cxn modelId="{E273DEE2-EA34-4263-86DB-F8EFFB5821F6}" type="presParOf" srcId="{2D4E0BC2-F9F1-4407-8F38-F218C07A2C33}" destId="{BEF97BD1-8EDB-42ED-B248-3EEE60E32564}" srcOrd="0" destOrd="0" presId="urn:microsoft.com/office/officeart/2005/8/layout/hierarchy1"/>
@@ -6888,7 +6888,7 @@
   <dgm:whole/>
   <dgm:extLst>
     <a:ext uri="http://schemas.microsoft.com/office/drawing/2008/diagram">
-      <dsp:dataModelExt xmlns:dsp="http://schemas.microsoft.com/office/drawing/2008/diagram" relId="rId6" minVer="http://schemas.openxmlformats.org/drawingml/2006/diagram"/>
+      <dsp:dataModelExt xmlns="" xmlns:dsp="http://schemas.microsoft.com/office/drawing/2008/diagram" relId="rId6" minVer="http://schemas.openxmlformats.org/drawingml/2006/diagram"/>
     </a:ext>
   </dgm:extLst>
 </dgm:dataModel>
@@ -6898,7 +6898,7 @@
 <dgm:dataModel xmlns:dgm="http://schemas.openxmlformats.org/drawingml/2006/diagram" xmlns:a="http://schemas.openxmlformats.org/drawingml/2006/main">
   <dgm:ptLst>
     <dgm:pt modelId="{6029898F-4230-4C04-89B4-BBC52548CEAF}" type="doc">
-      <dgm:prSet loTypeId="urn:microsoft.com/office/officeart/2008/layout/NameandTitleOrganizationalChart" loCatId="hierarchy" qsTypeId="urn:microsoft.com/office/officeart/2005/8/quickstyle/simple1" qsCatId="simple" csTypeId="urn:microsoft.com/office/officeart/2005/8/colors/accent1_2" csCatId="accent1" phldr="1"/>
+      <dgm:prSet loTypeId="urn:microsoft.com/office/officeart/2008/layout/NameandTitleOrganizationalChart" loCatId="hierarchy" qsTypeId="urn:microsoft.com/office/officeart/2005/8/quickstyle/simple3" qsCatId="simple" csTypeId="urn:microsoft.com/office/officeart/2005/8/colors/accent1_2" csCatId="accent1" phldr="1"/>
       <dgm:spPr/>
       <dgm:t>
         <a:bodyPr/>
@@ -7066,7 +7066,7 @@
         <a:p>
           <a:r>
             <a:rPr lang="en-US" dirty="0" smtClean="0"/>
-            <a:t>I/O by sending data as stream of bytes</a:t>
+            <a:t>I/O by sending data over network</a:t>
           </a:r>
           <a:endParaRPr lang="en-US" dirty="0"/>
         </a:p>
@@ -7084,6 +7084,13 @@
         </dgm:presLayoutVars>
       </dgm:prSet>
       <dgm:spPr/>
+      <dgm:t>
+        <a:bodyPr/>
+        <a:lstStyle/>
+        <a:p>
+          <a:endParaRPr lang="en-US"/>
+        </a:p>
+      </dgm:t>
     </dgm:pt>
     <dgm:pt modelId="{01209B3D-8719-4FD2-968A-CE1DB3600320}" type="pres">
       <dgm:prSet presAssocID="{DFEB0F43-0CB4-4469-ACC9-B6FED27CD188}" presName="hierRoot1" presStyleCnt="0">
@@ -7092,13 +7099,27 @@
         </dgm:presLayoutVars>
       </dgm:prSet>
       <dgm:spPr/>
+      <dgm:t>
+        <a:bodyPr/>
+        <a:lstStyle/>
+        <a:p>
+          <a:endParaRPr lang="en-US"/>
+        </a:p>
+      </dgm:t>
     </dgm:pt>
     <dgm:pt modelId="{73637B51-142A-427F-8C93-E625DD3DA50D}" type="pres">
       <dgm:prSet presAssocID="{DFEB0F43-0CB4-4469-ACC9-B6FED27CD188}" presName="rootComposite1" presStyleCnt="0"/>
       <dgm:spPr/>
+      <dgm:t>
+        <a:bodyPr/>
+        <a:lstStyle/>
+        <a:p>
+          <a:endParaRPr lang="en-US"/>
+        </a:p>
+      </dgm:t>
     </dgm:pt>
     <dgm:pt modelId="{50770E18-91D7-4E79-8868-6B6F1ABB0A5F}" type="pres">
-      <dgm:prSet presAssocID="{DFEB0F43-0CB4-4469-ACC9-B6FED27CD188}" presName="rootText1" presStyleLbl="node0" presStyleIdx="0" presStyleCnt="1" custScaleX="87065" custScaleY="71600">
+      <dgm:prSet presAssocID="{DFEB0F43-0CB4-4469-ACC9-B6FED27CD188}" presName="rootText1" presStyleLbl="node0" presStyleIdx="0" presStyleCnt="1" custScaleX="152493" custScaleY="57998">
         <dgm:presLayoutVars>
           <dgm:chMax/>
           <dgm:chPref val="3"/>
@@ -7114,25 +7135,53 @@
       </dgm:t>
     </dgm:pt>
     <dgm:pt modelId="{F5861941-A33A-4C6F-A01B-6F1E36E77ED0}" type="pres">
-      <dgm:prSet presAssocID="{DFEB0F43-0CB4-4469-ACC9-B6FED27CD188}" presName="titleText1" presStyleLbl="fgAcc0" presStyleIdx="0" presStyleCnt="1" custScaleX="61279" custScaleY="81781">
+      <dgm:prSet presAssocID="{DFEB0F43-0CB4-4469-ACC9-B6FED27CD188}" presName="titleText1" presStyleLbl="fgAcc0" presStyleIdx="0" presStyleCnt="1" custScaleX="70891" custScaleY="81781" custLinFactNeighborX="6883" custLinFactNeighborY="-71001">
         <dgm:presLayoutVars>
           <dgm:chMax val="0"/>
           <dgm:chPref val="0"/>
         </dgm:presLayoutVars>
       </dgm:prSet>
       <dgm:spPr/>
+      <dgm:t>
+        <a:bodyPr/>
+        <a:lstStyle/>
+        <a:p>
+          <a:endParaRPr lang="en-US"/>
+        </a:p>
+      </dgm:t>
     </dgm:pt>
     <dgm:pt modelId="{DD6CF781-3E53-443A-9ADC-3C2B3F798BAC}" type="pres">
       <dgm:prSet presAssocID="{DFEB0F43-0CB4-4469-ACC9-B6FED27CD188}" presName="rootConnector1" presStyleLbl="node1" presStyleIdx="0" presStyleCnt="2"/>
       <dgm:spPr/>
+      <dgm:t>
+        <a:bodyPr/>
+        <a:lstStyle/>
+        <a:p>
+          <a:endParaRPr lang="en-US"/>
+        </a:p>
+      </dgm:t>
     </dgm:pt>
     <dgm:pt modelId="{61F265D8-49EA-47A8-A5F5-BB6B720B46D6}" type="pres">
       <dgm:prSet presAssocID="{DFEB0F43-0CB4-4469-ACC9-B6FED27CD188}" presName="hierChild2" presStyleCnt="0"/>
       <dgm:spPr/>
+      <dgm:t>
+        <a:bodyPr/>
+        <a:lstStyle/>
+        <a:p>
+          <a:endParaRPr lang="en-US"/>
+        </a:p>
+      </dgm:t>
     </dgm:pt>
     <dgm:pt modelId="{96F1D845-DC2D-48F9-8EAB-4FA1016274EF}" type="pres">
       <dgm:prSet presAssocID="{6A0DD540-FD72-4453-B218-80B26E0A3A7D}" presName="Name37" presStyleLbl="parChTrans1D2" presStyleIdx="0" presStyleCnt="3"/>
       <dgm:spPr/>
+      <dgm:t>
+        <a:bodyPr/>
+        <a:lstStyle/>
+        <a:p>
+          <a:endParaRPr lang="en-US"/>
+        </a:p>
+      </dgm:t>
     </dgm:pt>
     <dgm:pt modelId="{0FC80993-DE48-4B30-AAEF-B80521B912B2}" type="pres">
       <dgm:prSet presAssocID="{DA5F2B4F-9775-4662-BAEF-040B8A64702E}" presName="hierRoot2" presStyleCnt="0">
@@ -7141,22 +7190,43 @@
         </dgm:presLayoutVars>
       </dgm:prSet>
       <dgm:spPr/>
+      <dgm:t>
+        <a:bodyPr/>
+        <a:lstStyle/>
+        <a:p>
+          <a:endParaRPr lang="en-US"/>
+        </a:p>
+      </dgm:t>
     </dgm:pt>
     <dgm:pt modelId="{A6E974E9-72BC-4B17-9C27-73BF114569DC}" type="pres">
       <dgm:prSet presAssocID="{DA5F2B4F-9775-4662-BAEF-040B8A64702E}" presName="rootComposite" presStyleCnt="0"/>
       <dgm:spPr/>
+      <dgm:t>
+        <a:bodyPr/>
+        <a:lstStyle/>
+        <a:p>
+          <a:endParaRPr lang="en-US"/>
+        </a:p>
+      </dgm:t>
     </dgm:pt>
     <dgm:pt modelId="{1ADA7FED-6F70-4CE5-A3B0-F51B3922FFFE}" type="pres">
-      <dgm:prSet presAssocID="{DA5F2B4F-9775-4662-BAEF-040B8A64702E}" presName="rootText" presStyleLbl="node1" presStyleIdx="0" presStyleCnt="2" custScaleX="83582" custScaleY="48457" custLinFactNeighborX="-36568" custLinFactNeighborY="-55830">
+      <dgm:prSet presAssocID="{DA5F2B4F-9775-4662-BAEF-040B8A64702E}" presName="rootText" presStyleLbl="node1" presStyleIdx="0" presStyleCnt="2" custScaleX="78801" custScaleY="48457" custLinFactNeighborX="-16283" custLinFactNeighborY="-51920">
         <dgm:presLayoutVars>
           <dgm:chMax/>
           <dgm:chPref val="3"/>
         </dgm:presLayoutVars>
       </dgm:prSet>
       <dgm:spPr/>
+      <dgm:t>
+        <a:bodyPr/>
+        <a:lstStyle/>
+        <a:p>
+          <a:endParaRPr lang="en-US"/>
+        </a:p>
+      </dgm:t>
     </dgm:pt>
     <dgm:pt modelId="{C6DA1240-E4B1-484D-B02D-4F2DE5D54422}" type="pres">
-      <dgm:prSet presAssocID="{DA5F2B4F-9775-4662-BAEF-040B8A64702E}" presName="titleText2" presStyleLbl="fgAcc1" presStyleIdx="0" presStyleCnt="2" custScaleX="104195" custLinFactY="-100000" custLinFactNeighborX="-48991" custLinFactNeighborY="-112166">
+      <dgm:prSet presAssocID="{DA5F2B4F-9775-4662-BAEF-040B8A64702E}" presName="titleText2" presStyleLbl="fgAcc1" presStyleIdx="0" presStyleCnt="2" custScaleX="94769" custScaleY="160573" custLinFactY="-84639" custLinFactNeighborX="-11830" custLinFactNeighborY="-100000">
         <dgm:presLayoutVars>
           <dgm:chMax val="0"/>
           <dgm:chPref val="0"/>
@@ -7174,18 +7244,46 @@
     <dgm:pt modelId="{70EC031C-7EB2-410A-B239-FE8AF44258A0}" type="pres">
       <dgm:prSet presAssocID="{DA5F2B4F-9775-4662-BAEF-040B8A64702E}" presName="rootConnector" presStyleLbl="node2" presStyleIdx="0" presStyleCnt="0"/>
       <dgm:spPr/>
+      <dgm:t>
+        <a:bodyPr/>
+        <a:lstStyle/>
+        <a:p>
+          <a:endParaRPr lang="en-US"/>
+        </a:p>
+      </dgm:t>
     </dgm:pt>
     <dgm:pt modelId="{62C1140C-1119-490C-9B09-16F116C36AEC}" type="pres">
       <dgm:prSet presAssocID="{DA5F2B4F-9775-4662-BAEF-040B8A64702E}" presName="hierChild4" presStyleCnt="0"/>
       <dgm:spPr/>
+      <dgm:t>
+        <a:bodyPr/>
+        <a:lstStyle/>
+        <a:p>
+          <a:endParaRPr lang="en-US"/>
+        </a:p>
+      </dgm:t>
     </dgm:pt>
     <dgm:pt modelId="{C5BA19D9-4CFA-457F-8914-08EC822C4CD7}" type="pres">
       <dgm:prSet presAssocID="{DA5F2B4F-9775-4662-BAEF-040B8A64702E}" presName="hierChild5" presStyleCnt="0"/>
       <dgm:spPr/>
+      <dgm:t>
+        <a:bodyPr/>
+        <a:lstStyle/>
+        <a:p>
+          <a:endParaRPr lang="en-US"/>
+        </a:p>
+      </dgm:t>
     </dgm:pt>
     <dgm:pt modelId="{CB1C7E6B-7295-402A-ADBE-54C0E1D388BE}" type="pres">
       <dgm:prSet presAssocID="{DE3FFC15-37D6-4B8F-B84F-435BBCD74A14}" presName="Name37" presStyleLbl="parChTrans1D2" presStyleIdx="1" presStyleCnt="3"/>
       <dgm:spPr/>
+      <dgm:t>
+        <a:bodyPr/>
+        <a:lstStyle/>
+        <a:p>
+          <a:endParaRPr lang="en-US"/>
+        </a:p>
+      </dgm:t>
     </dgm:pt>
     <dgm:pt modelId="{49EB97C7-DC8A-4047-B728-77696187AFAF}" type="pres">
       <dgm:prSet presAssocID="{426AE966-DFB5-42BC-AF21-BC07BAFA0F9C}" presName="hierRoot2" presStyleCnt="0">
@@ -7194,13 +7292,27 @@
         </dgm:presLayoutVars>
       </dgm:prSet>
       <dgm:spPr/>
+      <dgm:t>
+        <a:bodyPr/>
+        <a:lstStyle/>
+        <a:p>
+          <a:endParaRPr lang="en-US"/>
+        </a:p>
+      </dgm:t>
     </dgm:pt>
     <dgm:pt modelId="{ED18467E-5624-4748-8B33-158EA0324409}" type="pres">
       <dgm:prSet presAssocID="{426AE966-DFB5-42BC-AF21-BC07BAFA0F9C}" presName="rootComposite" presStyleCnt="0"/>
       <dgm:spPr/>
+      <dgm:t>
+        <a:bodyPr/>
+        <a:lstStyle/>
+        <a:p>
+          <a:endParaRPr lang="en-US"/>
+        </a:p>
+      </dgm:t>
     </dgm:pt>
     <dgm:pt modelId="{75A99C37-7CA4-4942-8AF4-242A6FA923A4}" type="pres">
-      <dgm:prSet presAssocID="{426AE966-DFB5-42BC-AF21-BC07BAFA0F9C}" presName="rootText" presStyleLbl="node1" presStyleIdx="1" presStyleCnt="2" custScaleX="89075" custScaleY="48457" custLinFactNeighborX="35556" custLinFactNeighborY="-55830">
+      <dgm:prSet presAssocID="{426AE966-DFB5-42BC-AF21-BC07BAFA0F9C}" presName="rootText" presStyleLbl="node1" presStyleIdx="1" presStyleCnt="2" custScaleX="84675" custScaleY="48457" custLinFactNeighborX="19270" custLinFactNeighborY="-51920">
         <dgm:presLayoutVars>
           <dgm:chMax/>
           <dgm:chPref val="3"/>
@@ -7216,33 +7328,75 @@
       </dgm:t>
     </dgm:pt>
     <dgm:pt modelId="{DE393D22-92CA-4137-8D76-2FBC31BDD6E9}" type="pres">
-      <dgm:prSet presAssocID="{426AE966-DFB5-42BC-AF21-BC07BAFA0F9C}" presName="titleText2" presStyleLbl="fgAcc1" presStyleIdx="1" presStyleCnt="2" custScaleX="99875" custLinFactY="-100000" custLinFactNeighborX="27551" custLinFactNeighborY="-113629">
+      <dgm:prSet presAssocID="{426AE966-DFB5-42BC-AF21-BC07BAFA0F9C}" presName="titleText2" presStyleLbl="fgAcc1" presStyleIdx="1" presStyleCnt="2" custScaleX="108345" custScaleY="154370" custLinFactY="-87741" custLinFactNeighborX="23398" custLinFactNeighborY="-100000">
         <dgm:presLayoutVars>
           <dgm:chMax val="0"/>
           <dgm:chPref val="0"/>
         </dgm:presLayoutVars>
       </dgm:prSet>
       <dgm:spPr/>
+      <dgm:t>
+        <a:bodyPr/>
+        <a:lstStyle/>
+        <a:p>
+          <a:endParaRPr lang="en-US"/>
+        </a:p>
+      </dgm:t>
     </dgm:pt>
     <dgm:pt modelId="{5DD52173-2ACA-4403-A787-62C3A4A5F89C}" type="pres">
       <dgm:prSet presAssocID="{426AE966-DFB5-42BC-AF21-BC07BAFA0F9C}" presName="rootConnector" presStyleLbl="node2" presStyleIdx="0" presStyleCnt="0"/>
       <dgm:spPr/>
+      <dgm:t>
+        <a:bodyPr/>
+        <a:lstStyle/>
+        <a:p>
+          <a:endParaRPr lang="en-US"/>
+        </a:p>
+      </dgm:t>
     </dgm:pt>
     <dgm:pt modelId="{FCBD5E44-2FA7-46F3-A9C9-CAE8345A958D}" type="pres">
       <dgm:prSet presAssocID="{426AE966-DFB5-42BC-AF21-BC07BAFA0F9C}" presName="hierChild4" presStyleCnt="0"/>
       <dgm:spPr/>
+      <dgm:t>
+        <a:bodyPr/>
+        <a:lstStyle/>
+        <a:p>
+          <a:endParaRPr lang="en-US"/>
+        </a:p>
+      </dgm:t>
     </dgm:pt>
     <dgm:pt modelId="{5E06F62F-1718-4417-A986-04486A679195}" type="pres">
       <dgm:prSet presAssocID="{426AE966-DFB5-42BC-AF21-BC07BAFA0F9C}" presName="hierChild5" presStyleCnt="0"/>
       <dgm:spPr/>
+      <dgm:t>
+        <a:bodyPr/>
+        <a:lstStyle/>
+        <a:p>
+          <a:endParaRPr lang="en-US"/>
+        </a:p>
+      </dgm:t>
     </dgm:pt>
     <dgm:pt modelId="{BCDC1482-7255-4FE8-9257-7630A6312BD0}" type="pres">
       <dgm:prSet presAssocID="{DFEB0F43-0CB4-4469-ACC9-B6FED27CD188}" presName="hierChild3" presStyleCnt="0"/>
       <dgm:spPr/>
+      <dgm:t>
+        <a:bodyPr/>
+        <a:lstStyle/>
+        <a:p>
+          <a:endParaRPr lang="en-US"/>
+        </a:p>
+      </dgm:t>
     </dgm:pt>
     <dgm:pt modelId="{B9DBE853-1220-4835-8021-A3F1FA6A5A9F}" type="pres">
       <dgm:prSet presAssocID="{6A82078C-C562-4F24-AE33-750E1AD7C515}" presName="Name96" presStyleLbl="parChTrans1D2" presStyleIdx="2" presStyleCnt="3"/>
       <dgm:spPr/>
+      <dgm:t>
+        <a:bodyPr/>
+        <a:lstStyle/>
+        <a:p>
+          <a:endParaRPr lang="en-US"/>
+        </a:p>
+      </dgm:t>
     </dgm:pt>
     <dgm:pt modelId="{BF286FA2-5DD9-4B98-858D-92458EDFE24C}" type="pres">
       <dgm:prSet presAssocID="{3C7E4A7E-4E3A-459B-9042-6D724EC57350}" presName="hierRoot3" presStyleCnt="0">
@@ -7251,10 +7405,24 @@
         </dgm:presLayoutVars>
       </dgm:prSet>
       <dgm:spPr/>
+      <dgm:t>
+        <a:bodyPr/>
+        <a:lstStyle/>
+        <a:p>
+          <a:endParaRPr lang="en-US"/>
+        </a:p>
+      </dgm:t>
     </dgm:pt>
     <dgm:pt modelId="{702BD456-F637-46EF-ACB8-928C8FEDB430}" type="pres">
       <dgm:prSet presAssocID="{3C7E4A7E-4E3A-459B-9042-6D724EC57350}" presName="rootComposite3" presStyleCnt="0"/>
       <dgm:spPr/>
+      <dgm:t>
+        <a:bodyPr/>
+        <a:lstStyle/>
+        <a:p>
+          <a:endParaRPr lang="en-US"/>
+        </a:p>
+      </dgm:t>
     </dgm:pt>
     <dgm:pt modelId="{AD02FB11-B753-4760-ADB6-F9FAD9A5836D}" type="pres">
       <dgm:prSet presAssocID="{3C7E4A7E-4E3A-459B-9042-6D724EC57350}" presName="rootText3" presStyleLbl="asst1" presStyleIdx="0" presStyleCnt="1" custScaleY="42040" custLinFactNeighborX="6212" custLinFactNeighborY="-56931">
@@ -7263,6 +7431,13 @@
         </dgm:presLayoutVars>
       </dgm:prSet>
       <dgm:spPr/>
+      <dgm:t>
+        <a:bodyPr/>
+        <a:lstStyle/>
+        <a:p>
+          <a:endParaRPr lang="en-US"/>
+        </a:p>
+      </dgm:t>
     </dgm:pt>
     <dgm:pt modelId="{2E9CF532-F6CD-4A64-A778-D54AA026FE2F}" type="pres">
       <dgm:prSet presAssocID="{3C7E4A7E-4E3A-459B-9042-6D724EC57350}" presName="titleText3" presStyleLbl="fgAcc2" presStyleIdx="0" presStyleCnt="1" custLinFactY="-100000" custLinFactNeighborX="-8203" custLinFactNeighborY="-124401">
@@ -7272,41 +7447,69 @@
         </dgm:presLayoutVars>
       </dgm:prSet>
       <dgm:spPr/>
+      <dgm:t>
+        <a:bodyPr/>
+        <a:lstStyle/>
+        <a:p>
+          <a:endParaRPr lang="en-US"/>
+        </a:p>
+      </dgm:t>
     </dgm:pt>
     <dgm:pt modelId="{D0A48193-0B53-4678-8686-17C8EF245215}" type="pres">
       <dgm:prSet presAssocID="{3C7E4A7E-4E3A-459B-9042-6D724EC57350}" presName="rootConnector3" presStyleLbl="asst1" presStyleIdx="0" presStyleCnt="1"/>
       <dgm:spPr/>
+      <dgm:t>
+        <a:bodyPr/>
+        <a:lstStyle/>
+        <a:p>
+          <a:endParaRPr lang="en-US"/>
+        </a:p>
+      </dgm:t>
     </dgm:pt>
     <dgm:pt modelId="{4C17B156-046E-425A-A39C-B9180E7FC045}" type="pres">
       <dgm:prSet presAssocID="{3C7E4A7E-4E3A-459B-9042-6D724EC57350}" presName="hierChild6" presStyleCnt="0"/>
       <dgm:spPr/>
+      <dgm:t>
+        <a:bodyPr/>
+        <a:lstStyle/>
+        <a:p>
+          <a:endParaRPr lang="en-US"/>
+        </a:p>
+      </dgm:t>
     </dgm:pt>
     <dgm:pt modelId="{FA5B5AEE-FBC1-4504-87C5-6D922C2B4D16}" type="pres">
       <dgm:prSet presAssocID="{3C7E4A7E-4E3A-459B-9042-6D724EC57350}" presName="hierChild7" presStyleCnt="0"/>
       <dgm:spPr/>
+      <dgm:t>
+        <a:bodyPr/>
+        <a:lstStyle/>
+        <a:p>
+          <a:endParaRPr lang="en-US"/>
+        </a:p>
+      </dgm:t>
     </dgm:pt>
   </dgm:ptLst>
   <dgm:cxnLst>
+    <dgm:cxn modelId="{2ABCDA28-6CE4-4E35-9EFE-FE31B97B6DF3}" type="presOf" srcId="{3C7E4A7E-4E3A-459B-9042-6D724EC57350}" destId="{AD02FB11-B753-4760-ADB6-F9FAD9A5836D}" srcOrd="0" destOrd="0" presId="urn:microsoft.com/office/officeart/2008/layout/NameandTitleOrganizationalChart"/>
+    <dgm:cxn modelId="{D63AA18C-8D6C-48FE-B1CB-8A67573FA4B3}" type="presOf" srcId="{DE3FFC15-37D6-4B8F-B84F-435BBCD74A14}" destId="{CB1C7E6B-7295-402A-ADBE-54C0E1D388BE}" srcOrd="0" destOrd="0" presId="urn:microsoft.com/office/officeart/2008/layout/NameandTitleOrganizationalChart"/>
+    <dgm:cxn modelId="{1B99A95D-BEE7-4487-9AFC-BF0CFB5EB0E4}" type="presOf" srcId="{DFEB0F43-0CB4-4469-ACC9-B6FED27CD188}" destId="{DD6CF781-3E53-443A-9ADC-3C2B3F798BAC}" srcOrd="1" destOrd="0" presId="urn:microsoft.com/office/officeart/2008/layout/NameandTitleOrganizationalChart"/>
     <dgm:cxn modelId="{D9CFD831-1ADD-4C3B-823C-681A0C1BB791}" srcId="{6029898F-4230-4C04-89B4-BBC52548CEAF}" destId="{DFEB0F43-0CB4-4469-ACC9-B6FED27CD188}" srcOrd="0" destOrd="0" parTransId="{CE9222E0-CC56-46B9-B8AA-EED518A6ED93}" sibTransId="{8ADAE65D-532D-4924-92D2-A5756AC57904}"/>
-    <dgm:cxn modelId="{57B6AE12-CDC3-40EF-8046-7A04AD3DDA73}" type="presOf" srcId="{6A0DD540-FD72-4453-B218-80B26E0A3A7D}" destId="{96F1D845-DC2D-48F9-8EAB-4FA1016274EF}" srcOrd="0" destOrd="0" presId="urn:microsoft.com/office/officeart/2008/layout/NameandTitleOrganizationalChart"/>
-    <dgm:cxn modelId="{30C9F76A-46A4-4DE4-8EC1-6B6B78AB9F79}" srcId="{DFEB0F43-0CB4-4469-ACC9-B6FED27CD188}" destId="{426AE966-DFB5-42BC-AF21-BC07BAFA0F9C}" srcOrd="2" destOrd="0" parTransId="{DE3FFC15-37D6-4B8F-B84F-435BBCD74A14}" sibTransId="{35CF3C9B-6525-4879-A358-2AB8163DA34A}"/>
-    <dgm:cxn modelId="{D63AA18C-8D6C-48FE-B1CB-8A67573FA4B3}" type="presOf" srcId="{DE3FFC15-37D6-4B8F-B84F-435BBCD74A14}" destId="{CB1C7E6B-7295-402A-ADBE-54C0E1D388BE}" srcOrd="0" destOrd="0" presId="urn:microsoft.com/office/officeart/2008/layout/NameandTitleOrganizationalChart"/>
+    <dgm:cxn modelId="{FC836C39-F536-49E8-87C1-4A4ECD15EC0C}" type="presOf" srcId="{DA5F2B4F-9775-4662-BAEF-040B8A64702E}" destId="{70EC031C-7EB2-410A-B239-FE8AF44258A0}" srcOrd="1" destOrd="0" presId="urn:microsoft.com/office/officeart/2008/layout/NameandTitleOrganizationalChart"/>
+    <dgm:cxn modelId="{8240FF2F-70A4-4D73-A32E-2EB404218086}" srcId="{DFEB0F43-0CB4-4469-ACC9-B6FED27CD188}" destId="{3C7E4A7E-4E3A-459B-9042-6D724EC57350}" srcOrd="0" destOrd="0" parTransId="{6A82078C-C562-4F24-AE33-750E1AD7C515}" sibTransId="{6B38C209-BF40-4679-A22D-14617B58B09F}"/>
+    <dgm:cxn modelId="{8F904056-B8F2-4BD4-BE2C-778E5B520C27}" type="presOf" srcId="{E4D7C7AB-F8C4-4B54-8ED7-63B8CCEBC7D7}" destId="{C6DA1240-E4B1-484D-B02D-4F2DE5D54422}" srcOrd="0" destOrd="0" presId="urn:microsoft.com/office/officeart/2008/layout/NameandTitleOrganizationalChart"/>
+    <dgm:cxn modelId="{3C6D4F3B-B982-4F91-B94E-EB07831469EF}" type="presOf" srcId="{6029898F-4230-4C04-89B4-BBC52548CEAF}" destId="{E6B80AA5-6CAE-4DE6-990D-556F3EFB2763}" srcOrd="0" destOrd="0" presId="urn:microsoft.com/office/officeart/2008/layout/NameandTitleOrganizationalChart"/>
     <dgm:cxn modelId="{37F61D48-C1B2-4937-984E-B1911F2ABC69}" type="presOf" srcId="{DFEB0F43-0CB4-4469-ACC9-B6FED27CD188}" destId="{50770E18-91D7-4E79-8868-6B6F1ABB0A5F}" srcOrd="0" destOrd="0" presId="urn:microsoft.com/office/officeart/2008/layout/NameandTitleOrganizationalChart"/>
+    <dgm:cxn modelId="{55258BF4-5535-4E6D-84BB-312B3F224392}" type="presOf" srcId="{8ADAE65D-532D-4924-92D2-A5756AC57904}" destId="{F5861941-A33A-4C6F-A01B-6F1E36E77ED0}" srcOrd="0" destOrd="0" presId="urn:microsoft.com/office/officeart/2008/layout/NameandTitleOrganizationalChart"/>
     <dgm:cxn modelId="{05B3D4F6-95AA-491D-8620-01C919590945}" type="presOf" srcId="{426AE966-DFB5-42BC-AF21-BC07BAFA0F9C}" destId="{5DD52173-2ACA-4403-A787-62C3A4A5F89C}" srcOrd="1" destOrd="0" presId="urn:microsoft.com/office/officeart/2008/layout/NameandTitleOrganizationalChart"/>
+    <dgm:cxn modelId="{A24172F5-A61F-435D-BAD8-CE16C4DC21B2}" type="presOf" srcId="{35CF3C9B-6525-4879-A358-2AB8163DA34A}" destId="{DE393D22-92CA-4137-8D76-2FBC31BDD6E9}" srcOrd="0" destOrd="0" presId="urn:microsoft.com/office/officeart/2008/layout/NameandTitleOrganizationalChart"/>
     <dgm:cxn modelId="{78DC5DC7-5CA9-4057-A870-17AC9F1F915D}" type="presOf" srcId="{426AE966-DFB5-42BC-AF21-BC07BAFA0F9C}" destId="{75A99C37-7CA4-4942-8AF4-242A6FA923A4}" srcOrd="0" destOrd="0" presId="urn:microsoft.com/office/officeart/2008/layout/NameandTitleOrganizationalChart"/>
-    <dgm:cxn modelId="{8F904056-B8F2-4BD4-BE2C-778E5B520C27}" type="presOf" srcId="{E4D7C7AB-F8C4-4B54-8ED7-63B8CCEBC7D7}" destId="{C6DA1240-E4B1-484D-B02D-4F2DE5D54422}" srcOrd="0" destOrd="0" presId="urn:microsoft.com/office/officeart/2008/layout/NameandTitleOrganizationalChart"/>
-    <dgm:cxn modelId="{A24172F5-A61F-435D-BAD8-CE16C4DC21B2}" type="presOf" srcId="{35CF3C9B-6525-4879-A358-2AB8163DA34A}" destId="{DE393D22-92CA-4137-8D76-2FBC31BDD6E9}" srcOrd="0" destOrd="0" presId="urn:microsoft.com/office/officeart/2008/layout/NameandTitleOrganizationalChart"/>
-    <dgm:cxn modelId="{F30C5C85-A9D5-4382-B422-FAE1388DB0A5}" srcId="{DFEB0F43-0CB4-4469-ACC9-B6FED27CD188}" destId="{DA5F2B4F-9775-4662-BAEF-040B8A64702E}" srcOrd="1" destOrd="0" parTransId="{6A0DD540-FD72-4453-B218-80B26E0A3A7D}" sibTransId="{E4D7C7AB-F8C4-4B54-8ED7-63B8CCEBC7D7}"/>
-    <dgm:cxn modelId="{1B99A95D-BEE7-4487-9AFC-BF0CFB5EB0E4}" type="presOf" srcId="{DFEB0F43-0CB4-4469-ACC9-B6FED27CD188}" destId="{DD6CF781-3E53-443A-9ADC-3C2B3F798BAC}" srcOrd="1" destOrd="0" presId="urn:microsoft.com/office/officeart/2008/layout/NameandTitleOrganizationalChart"/>
     <dgm:cxn modelId="{8062FCE3-C5DA-40BA-A09F-D7DFB1A6EB0E}" type="presOf" srcId="{6B38C209-BF40-4679-A22D-14617B58B09F}" destId="{2E9CF532-F6CD-4A64-A778-D54AA026FE2F}" srcOrd="0" destOrd="0" presId="urn:microsoft.com/office/officeart/2008/layout/NameandTitleOrganizationalChart"/>
     <dgm:cxn modelId="{F50E74F1-095F-46D4-8233-7606B08C5DC9}" type="presOf" srcId="{3C7E4A7E-4E3A-459B-9042-6D724EC57350}" destId="{D0A48193-0B53-4678-8686-17C8EF245215}" srcOrd="1" destOrd="0" presId="urn:microsoft.com/office/officeart/2008/layout/NameandTitleOrganizationalChart"/>
+    <dgm:cxn modelId="{30C9F76A-46A4-4DE4-8EC1-6B6B78AB9F79}" srcId="{DFEB0F43-0CB4-4469-ACC9-B6FED27CD188}" destId="{426AE966-DFB5-42BC-AF21-BC07BAFA0F9C}" srcOrd="2" destOrd="0" parTransId="{DE3FFC15-37D6-4B8F-B84F-435BBCD74A14}" sibTransId="{35CF3C9B-6525-4879-A358-2AB8163DA34A}"/>
+    <dgm:cxn modelId="{57B6AE12-CDC3-40EF-8046-7A04AD3DDA73}" type="presOf" srcId="{6A0DD540-FD72-4453-B218-80B26E0A3A7D}" destId="{96F1D845-DC2D-48F9-8EAB-4FA1016274EF}" srcOrd="0" destOrd="0" presId="urn:microsoft.com/office/officeart/2008/layout/NameandTitleOrganizationalChart"/>
     <dgm:cxn modelId="{B6A90F77-A5E3-40AD-831F-9E333CF8AA0E}" type="presOf" srcId="{6A82078C-C562-4F24-AE33-750E1AD7C515}" destId="{B9DBE853-1220-4835-8021-A3F1FA6A5A9F}" srcOrd="0" destOrd="0" presId="urn:microsoft.com/office/officeart/2008/layout/NameandTitleOrganizationalChart"/>
-    <dgm:cxn modelId="{55258BF4-5535-4E6D-84BB-312B3F224392}" type="presOf" srcId="{8ADAE65D-532D-4924-92D2-A5756AC57904}" destId="{F5861941-A33A-4C6F-A01B-6F1E36E77ED0}" srcOrd="0" destOrd="0" presId="urn:microsoft.com/office/officeart/2008/layout/NameandTitleOrganizationalChart"/>
-    <dgm:cxn modelId="{FC836C39-F536-49E8-87C1-4A4ECD15EC0C}" type="presOf" srcId="{DA5F2B4F-9775-4662-BAEF-040B8A64702E}" destId="{70EC031C-7EB2-410A-B239-FE8AF44258A0}" srcOrd="1" destOrd="0" presId="urn:microsoft.com/office/officeart/2008/layout/NameandTitleOrganizationalChart"/>
-    <dgm:cxn modelId="{3C6D4F3B-B982-4F91-B94E-EB07831469EF}" type="presOf" srcId="{6029898F-4230-4C04-89B4-BBC52548CEAF}" destId="{E6B80AA5-6CAE-4DE6-990D-556F3EFB2763}" srcOrd="0" destOrd="0" presId="urn:microsoft.com/office/officeart/2008/layout/NameandTitleOrganizationalChart"/>
-    <dgm:cxn modelId="{8240FF2F-70A4-4D73-A32E-2EB404218086}" srcId="{DFEB0F43-0CB4-4469-ACC9-B6FED27CD188}" destId="{3C7E4A7E-4E3A-459B-9042-6D724EC57350}" srcOrd="0" destOrd="0" parTransId="{6A82078C-C562-4F24-AE33-750E1AD7C515}" sibTransId="{6B38C209-BF40-4679-A22D-14617B58B09F}"/>
     <dgm:cxn modelId="{D2DA3590-4932-4490-92EE-A59E50718737}" type="presOf" srcId="{DA5F2B4F-9775-4662-BAEF-040B8A64702E}" destId="{1ADA7FED-6F70-4CE5-A3B0-F51B3922FFFE}" srcOrd="0" destOrd="0" presId="urn:microsoft.com/office/officeart/2008/layout/NameandTitleOrganizationalChart"/>
-    <dgm:cxn modelId="{2ABCDA28-6CE4-4E35-9EFE-FE31B97B6DF3}" type="presOf" srcId="{3C7E4A7E-4E3A-459B-9042-6D724EC57350}" destId="{AD02FB11-B753-4760-ADB6-F9FAD9A5836D}" srcOrd="0" destOrd="0" presId="urn:microsoft.com/office/officeart/2008/layout/NameandTitleOrganizationalChart"/>
+    <dgm:cxn modelId="{F30C5C85-A9D5-4382-B422-FAE1388DB0A5}" srcId="{DFEB0F43-0CB4-4469-ACC9-B6FED27CD188}" destId="{DA5F2B4F-9775-4662-BAEF-040B8A64702E}" srcOrd="1" destOrd="0" parTransId="{6A0DD540-FD72-4453-B218-80B26E0A3A7D}" sibTransId="{E4D7C7AB-F8C4-4B54-8ED7-63B8CCEBC7D7}"/>
     <dgm:cxn modelId="{9D7E5CC2-BDB7-42D4-B0A8-526FBC00AF30}" type="presParOf" srcId="{E6B80AA5-6CAE-4DE6-990D-556F3EFB2763}" destId="{01209B3D-8719-4FD2-968A-CE1DB3600320}" srcOrd="0" destOrd="0" presId="urn:microsoft.com/office/officeart/2008/layout/NameandTitleOrganizationalChart"/>
     <dgm:cxn modelId="{BDD78946-BECF-4CA5-B899-C5665CD72B4D}" type="presParOf" srcId="{01209B3D-8719-4FD2-968A-CE1DB3600320}" destId="{73637B51-142A-427F-8C93-E625DD3DA50D}" srcOrd="0" destOrd="0" presId="urn:microsoft.com/office/officeart/2008/layout/NameandTitleOrganizationalChart"/>
     <dgm:cxn modelId="{D0E6FDFA-583A-4490-A4C6-623DF48925C7}" type="presParOf" srcId="{73637B51-142A-427F-8C93-E625DD3DA50D}" destId="{50770E18-91D7-4E79-8868-6B6F1ABB0A5F}" srcOrd="0" destOrd="0" presId="urn:microsoft.com/office/officeart/2008/layout/NameandTitleOrganizationalChart"/>
@@ -7343,7 +7546,7 @@
   <dgm:whole/>
   <dgm:extLst>
     <a:ext uri="http://schemas.microsoft.com/office/drawing/2008/diagram">
-      <dsp:dataModelExt xmlns:dsp="http://schemas.microsoft.com/office/drawing/2008/diagram" relId="rId6" minVer="http://schemas.openxmlformats.org/drawingml/2006/diagram"/>
+      <dsp:dataModelExt xmlns="" xmlns:dsp="http://schemas.microsoft.com/office/drawing/2008/diagram" relId="rId6" minVer="http://schemas.openxmlformats.org/drawingml/2006/diagram"/>
     </a:ext>
   </dgm:extLst>
 </dgm:dataModel>
@@ -20176,11 +20379,11 @@
 </file>
 
 <file path=ppt/diagrams/quickStyle6.xml><?xml version="1.0" encoding="utf-8"?>
-<dgm:styleDef xmlns:dgm="http://schemas.openxmlformats.org/drawingml/2006/diagram" xmlns:a="http://schemas.openxmlformats.org/drawingml/2006/main" uniqueId="urn:microsoft.com/office/officeart/2005/8/quickstyle/simple1">
+<dgm:styleDef xmlns:dgm="http://schemas.openxmlformats.org/drawingml/2006/diagram" xmlns:a="http://schemas.openxmlformats.org/drawingml/2006/main" uniqueId="urn:microsoft.com/office/officeart/2005/8/quickstyle/simple3">
   <dgm:title val=""/>
   <dgm:desc val=""/>
   <dgm:catLst>
-    <dgm:cat type="simple" pri="10100"/>
+    <dgm:cat type="simple" pri="10300"/>
   </dgm:catLst>
   <dgm:scene3d>
     <a:camera prst="orthographicFront"/>
@@ -20189,59 +20392,65 @@
   <dgm:styleLbl name="node0">
     <dgm:scene3d>
       <a:camera prst="orthographicFront"/>
-      <a:lightRig rig="threePt" dir="t"/>
+      <a:lightRig rig="flat" dir="t"/>
     </dgm:scene3d>
-    <dgm:sp3d/>
+    <dgm:sp3d prstMaterial="dkEdge">
+      <a:bevelT w="8200" h="38100"/>
+    </dgm:sp3d>
     <dgm:txPr/>
     <dgm:style>
-      <a:lnRef idx="2">
+      <a:lnRef idx="0">
         <a:scrgbClr r="0" g="0" b="0"/>
       </a:lnRef>
-      <a:fillRef idx="1">
+      <a:fillRef idx="2">
         <a:scrgbClr r="0" g="0" b="0"/>
       </a:fillRef>
-      <a:effectRef idx="0">
+      <a:effectRef idx="1">
         <a:scrgbClr r="0" g="0" b="0"/>
       </a:effectRef>
       <a:fontRef idx="minor">
-        <a:schemeClr val="lt1"/>
+        <a:schemeClr val="dk1"/>
       </a:fontRef>
     </dgm:style>
   </dgm:styleLbl>
   <dgm:styleLbl name="lnNode1">
     <dgm:scene3d>
       <a:camera prst="orthographicFront"/>
-      <a:lightRig rig="threePt" dir="t"/>
+      <a:lightRig rig="flat" dir="t"/>
     </dgm:scene3d>
-    <dgm:sp3d/>
+    <dgm:sp3d prstMaterial="dkEdge">
+      <a:bevelT w="8200" h="38100"/>
+    </dgm:sp3d>
     <dgm:txPr/>
     <dgm:style>
-      <a:lnRef idx="2">
+      <a:lnRef idx="1">
         <a:scrgbClr r="0" g="0" b="0"/>
       </a:lnRef>
-      <a:fillRef idx="1">
+      <a:fillRef idx="2">
         <a:scrgbClr r="0" g="0" b="0"/>
       </a:fillRef>
       <a:effectRef idx="0">
         <a:scrgbClr r="0" g="0" b="0"/>
       </a:effectRef>
       <a:fontRef idx="minor">
-        <a:schemeClr val="lt1"/>
+        <a:schemeClr val="dk1"/>
       </a:fontRef>
     </dgm:style>
   </dgm:styleLbl>
   <dgm:styleLbl name="vennNode1">
     <dgm:scene3d>
       <a:camera prst="orthographicFront"/>
-      <a:lightRig rig="threePt" dir="t"/>
+      <a:lightRig rig="flat" dir="t"/>
     </dgm:scene3d>
-    <dgm:sp3d/>
+    <dgm:sp3d prstMaterial="dkEdge">
+      <a:bevelT w="8200" h="38100"/>
+    </dgm:sp3d>
     <dgm:txPr/>
     <dgm:style>
-      <a:lnRef idx="2">
+      <a:lnRef idx="0">
         <a:scrgbClr r="0" g="0" b="0"/>
       </a:lnRef>
-      <a:fillRef idx="1">
+      <a:fillRef idx="2">
         <a:scrgbClr r="0" g="0" b="0"/>
       </a:fillRef>
       <a:effectRef idx="0">
@@ -20260,105 +20469,113 @@
     <dgm:sp3d/>
     <dgm:txPr/>
     <dgm:style>
-      <a:lnRef idx="2">
+      <a:lnRef idx="1">
         <a:scrgbClr r="0" g="0" b="0"/>
       </a:lnRef>
-      <a:fillRef idx="1">
+      <a:fillRef idx="2">
         <a:scrgbClr r="0" g="0" b="0"/>
       </a:fillRef>
-      <a:effectRef idx="0">
+      <a:effectRef idx="1">
         <a:scrgbClr r="0" g="0" b="0"/>
       </a:effectRef>
       <a:fontRef idx="minor">
-        <a:schemeClr val="lt1"/>
+        <a:schemeClr val="dk1"/>
       </a:fontRef>
     </dgm:style>
   </dgm:styleLbl>
   <dgm:styleLbl name="node1">
     <dgm:scene3d>
       <a:camera prst="orthographicFront"/>
-      <a:lightRig rig="threePt" dir="t"/>
+      <a:lightRig rig="flat" dir="t"/>
     </dgm:scene3d>
-    <dgm:sp3d/>
+    <dgm:sp3d prstMaterial="dkEdge">
+      <a:bevelT w="8200" h="38100"/>
+    </dgm:sp3d>
     <dgm:txPr/>
     <dgm:style>
-      <a:lnRef idx="2">
+      <a:lnRef idx="0">
         <a:scrgbClr r="0" g="0" b="0"/>
       </a:lnRef>
-      <a:fillRef idx="1">
+      <a:fillRef idx="2">
         <a:scrgbClr r="0" g="0" b="0"/>
       </a:fillRef>
-      <a:effectRef idx="0">
+      <a:effectRef idx="1">
         <a:scrgbClr r="0" g="0" b="0"/>
       </a:effectRef>
       <a:fontRef idx="minor">
-        <a:schemeClr val="lt1"/>
+        <a:schemeClr val="dk1"/>
       </a:fontRef>
     </dgm:style>
   </dgm:styleLbl>
   <dgm:styleLbl name="node2">
     <dgm:scene3d>
       <a:camera prst="orthographicFront"/>
-      <a:lightRig rig="threePt" dir="t"/>
+      <a:lightRig rig="flat" dir="t"/>
     </dgm:scene3d>
-    <dgm:sp3d/>
+    <dgm:sp3d prstMaterial="dkEdge">
+      <a:bevelT w="8200" h="38100"/>
+    </dgm:sp3d>
     <dgm:txPr/>
     <dgm:style>
-      <a:lnRef idx="2">
+      <a:lnRef idx="0">
         <a:scrgbClr r="0" g="0" b="0"/>
       </a:lnRef>
-      <a:fillRef idx="1">
+      <a:fillRef idx="2">
         <a:scrgbClr r="0" g="0" b="0"/>
       </a:fillRef>
-      <a:effectRef idx="0">
+      <a:effectRef idx="1">
         <a:scrgbClr r="0" g="0" b="0"/>
       </a:effectRef>
       <a:fontRef idx="minor">
-        <a:schemeClr val="lt1"/>
+        <a:schemeClr val="dk1"/>
       </a:fontRef>
     </dgm:style>
   </dgm:styleLbl>
   <dgm:styleLbl name="node3">
     <dgm:scene3d>
       <a:camera prst="orthographicFront"/>
-      <a:lightRig rig="threePt" dir="t"/>
+      <a:lightRig rig="flat" dir="t"/>
     </dgm:scene3d>
-    <dgm:sp3d/>
+    <dgm:sp3d prstMaterial="dkEdge">
+      <a:bevelT w="8200" h="38100"/>
+    </dgm:sp3d>
     <dgm:txPr/>
     <dgm:style>
-      <a:lnRef idx="2">
+      <a:lnRef idx="0">
         <a:scrgbClr r="0" g="0" b="0"/>
       </a:lnRef>
-      <a:fillRef idx="1">
+      <a:fillRef idx="2">
         <a:scrgbClr r="0" g="0" b="0"/>
       </a:fillRef>
-      <a:effectRef idx="0">
+      <a:effectRef idx="1">
         <a:scrgbClr r="0" g="0" b="0"/>
       </a:effectRef>
       <a:fontRef idx="minor">
-        <a:schemeClr val="lt1"/>
+        <a:schemeClr val="dk1"/>
       </a:fontRef>
     </dgm:style>
   </dgm:styleLbl>
   <dgm:styleLbl name="node4">
     <dgm:scene3d>
       <a:camera prst="orthographicFront"/>
-      <a:lightRig rig="threePt" dir="t"/>
+      <a:lightRig rig="flat" dir="t"/>
     </dgm:scene3d>
-    <dgm:sp3d/>
+    <dgm:sp3d prstMaterial="dkEdge">
+      <a:bevelT w="8200" h="38100"/>
+    </dgm:sp3d>
     <dgm:txPr/>
     <dgm:style>
-      <a:lnRef idx="2">
+      <a:lnRef idx="0">
         <a:scrgbClr r="0" g="0" b="0"/>
       </a:lnRef>
-      <a:fillRef idx="1">
+      <a:fillRef idx="2">
         <a:scrgbClr r="0" g="0" b="0"/>
       </a:fillRef>
-      <a:effectRef idx="0">
+      <a:effectRef idx="1">
         <a:scrgbClr r="0" g="0" b="0"/>
       </a:effectRef>
       <a:fontRef idx="minor">
-        <a:schemeClr val="lt1"/>
+        <a:schemeClr val="dk1"/>
       </a:fontRef>
     </dgm:style>
   </dgm:styleLbl>
@@ -20370,13 +20587,13 @@
     <dgm:sp3d/>
     <dgm:txPr/>
     <dgm:style>
-      <a:lnRef idx="2">
+      <a:lnRef idx="1">
         <a:scrgbClr r="0" g="0" b="0"/>
       </a:lnRef>
       <a:fillRef idx="1">
         <a:scrgbClr r="0" g="0" b="0"/>
       </a:fillRef>
-      <a:effectRef idx="0">
+      <a:effectRef idx="1">
         <a:scrgbClr r="0" g="0" b="0"/>
       </a:effectRef>
       <a:fontRef idx="minor"/>
@@ -20390,13 +20607,13 @@
     <dgm:sp3d/>
     <dgm:txPr/>
     <dgm:style>
-      <a:lnRef idx="2">
+      <a:lnRef idx="1">
         <a:scrgbClr r="0" g="0" b="0"/>
       </a:lnRef>
       <a:fillRef idx="1">
         <a:scrgbClr r="0" g="0" b="0"/>
       </a:fillRef>
-      <a:effectRef idx="0">
+      <a:effectRef idx="1">
         <a:scrgbClr r="0" g="0" b="0"/>
       </a:effectRef>
       <a:fontRef idx="minor"/>
@@ -20410,13 +20627,13 @@
     <dgm:sp3d/>
     <dgm:txPr/>
     <dgm:style>
-      <a:lnRef idx="2">
+      <a:lnRef idx="1">
         <a:scrgbClr r="0" g="0" b="0"/>
       </a:lnRef>
       <a:fillRef idx="1">
         <a:scrgbClr r="0" g="0" b="0"/>
       </a:fillRef>
-      <a:effectRef idx="0">
+      <a:effectRef idx="1">
         <a:scrgbClr r="0" g="0" b="0"/>
       </a:effectRef>
       <a:fontRef idx="minor"/>
@@ -20433,14 +20650,14 @@
       <a:lnRef idx="0">
         <a:scrgbClr r="0" g="0" b="0"/>
       </a:lnRef>
-      <a:fillRef idx="1">
+      <a:fillRef idx="2">
         <a:scrgbClr r="0" g="0" b="0"/>
       </a:fillRef>
-      <a:effectRef idx="0">
+      <a:effectRef idx="1">
         <a:scrgbClr r="0" g="0" b="0"/>
       </a:effectRef>
       <a:fontRef idx="minor">
-        <a:schemeClr val="lt1"/>
+        <a:schemeClr val="dk1"/>
       </a:fontRef>
     </dgm:style>
   </dgm:styleLbl>
@@ -20455,14 +20672,14 @@
       <a:lnRef idx="0">
         <a:scrgbClr r="0" g="0" b="0"/>
       </a:lnRef>
-      <a:fillRef idx="1">
+      <a:fillRef idx="2">
         <a:scrgbClr r="0" g="0" b="0"/>
       </a:fillRef>
-      <a:effectRef idx="0">
+      <a:effectRef idx="1">
         <a:scrgbClr r="0" g="0" b="0"/>
       </a:effectRef>
       <a:fontRef idx="minor">
-        <a:schemeClr val="lt1"/>
+        <a:schemeClr val="dk1"/>
       </a:fontRef>
     </dgm:style>
   </dgm:styleLbl>
@@ -20477,14 +20694,14 @@
       <a:lnRef idx="0">
         <a:scrgbClr r="0" g="0" b="0"/>
       </a:lnRef>
-      <a:fillRef idx="1">
+      <a:fillRef idx="2">
         <a:scrgbClr r="0" g="0" b="0"/>
       </a:fillRef>
-      <a:effectRef idx="0">
+      <a:effectRef idx="1">
         <a:scrgbClr r="0" g="0" b="0"/>
       </a:effectRef>
       <a:fontRef idx="minor">
-        <a:schemeClr val="lt1"/>
+        <a:schemeClr val="dk1"/>
       </a:fontRef>
     </dgm:style>
   </dgm:styleLbl>
@@ -20516,13 +20733,13 @@
     <dgm:sp3d/>
     <dgm:txPr/>
     <dgm:style>
-      <a:lnRef idx="2">
+      <a:lnRef idx="1">
         <a:scrgbClr r="0" g="0" b="0"/>
       </a:lnRef>
-      <a:fillRef idx="1">
+      <a:fillRef idx="2">
         <a:scrgbClr r="0" g="0" b="0"/>
       </a:fillRef>
-      <a:effectRef idx="0">
+      <a:effectRef idx="1">
         <a:scrgbClr r="0" g="0" b="0"/>
       </a:effectRef>
       <a:fontRef idx="minor"/>
@@ -20531,110 +20748,120 @@
   <dgm:styleLbl name="asst0">
     <dgm:scene3d>
       <a:camera prst="orthographicFront"/>
-      <a:lightRig rig="threePt" dir="t"/>
+      <a:lightRig rig="flat" dir="t"/>
     </dgm:scene3d>
-    <dgm:sp3d/>
+    <dgm:sp3d prstMaterial="dkEdge">
+      <a:bevelT w="8200" h="38100"/>
+    </dgm:sp3d>
     <dgm:txPr/>
     <dgm:style>
-      <a:lnRef idx="2">
+      <a:lnRef idx="0">
         <a:scrgbClr r="0" g="0" b="0"/>
       </a:lnRef>
-      <a:fillRef idx="1">
+      <a:fillRef idx="2">
         <a:scrgbClr r="0" g="0" b="0"/>
       </a:fillRef>
-      <a:effectRef idx="0">
+      <a:effectRef idx="1">
         <a:scrgbClr r="0" g="0" b="0"/>
       </a:effectRef>
       <a:fontRef idx="minor">
-        <a:schemeClr val="lt1"/>
+        <a:schemeClr val="dk1"/>
       </a:fontRef>
     </dgm:style>
   </dgm:styleLbl>
   <dgm:styleLbl name="asst1">
     <dgm:scene3d>
       <a:camera prst="orthographicFront"/>
-      <a:lightRig rig="threePt" dir="t"/>
+      <a:lightRig rig="flat" dir="t"/>
     </dgm:scene3d>
-    <dgm:sp3d/>
+    <dgm:sp3d prstMaterial="dkEdge">
+      <a:bevelT w="8200" h="38100"/>
+    </dgm:sp3d>
     <dgm:txPr/>
     <dgm:style>
-      <a:lnRef idx="2">
+      <a:lnRef idx="0">
         <a:scrgbClr r="0" g="0" b="0"/>
       </a:lnRef>
-      <a:fillRef idx="1">
+      <a:fillRef idx="2">
         <a:scrgbClr r="0" g="0" b="0"/>
       </a:fillRef>
-      <a:effectRef idx="0">
+      <a:effectRef idx="1">
         <a:scrgbClr r="0" g="0" b="0"/>
       </a:effectRef>
       <a:fontRef idx="minor">
-        <a:schemeClr val="lt1"/>
+        <a:schemeClr val="dk1"/>
       </a:fontRef>
     </dgm:style>
   </dgm:styleLbl>
   <dgm:styleLbl name="asst2">
     <dgm:scene3d>
       <a:camera prst="orthographicFront"/>
-      <a:lightRig rig="threePt" dir="t"/>
+      <a:lightRig rig="flat" dir="t"/>
     </dgm:scene3d>
-    <dgm:sp3d/>
+    <dgm:sp3d prstMaterial="dkEdge">
+      <a:bevelT w="8200" h="38100"/>
+    </dgm:sp3d>
     <dgm:txPr/>
     <dgm:style>
-      <a:lnRef idx="2">
+      <a:lnRef idx="0">
         <a:scrgbClr r="0" g="0" b="0"/>
       </a:lnRef>
-      <a:fillRef idx="1">
+      <a:fillRef idx="2">
         <a:scrgbClr r="0" g="0" b="0"/>
       </a:fillRef>
-      <a:effectRef idx="0">
+      <a:effectRef idx="1">
         <a:scrgbClr r="0" g="0" b="0"/>
       </a:effectRef>
       <a:fontRef idx="minor">
-        <a:schemeClr val="lt1"/>
+        <a:schemeClr val="dk1"/>
       </a:fontRef>
     </dgm:style>
   </dgm:styleLbl>
   <dgm:styleLbl name="asst3">
     <dgm:scene3d>
       <a:camera prst="orthographicFront"/>
-      <a:lightRig rig="threePt" dir="t"/>
+      <a:lightRig rig="flat" dir="t"/>
     </dgm:scene3d>
-    <dgm:sp3d/>
+    <dgm:sp3d prstMaterial="dkEdge">
+      <a:bevelT w="8200" h="38100"/>
+    </dgm:sp3d>
     <dgm:txPr/>
     <dgm:style>
-      <a:lnRef idx="2">
+      <a:lnRef idx="0">
         <a:scrgbClr r="0" g="0" b="0"/>
       </a:lnRef>
-      <a:fillRef idx="1">
+      <a:fillRef idx="2">
         <a:scrgbClr r="0" g="0" b="0"/>
       </a:fillRef>
-      <a:effectRef idx="0">
+      <a:effectRef idx="1">
         <a:scrgbClr r="0" g="0" b="0"/>
       </a:effectRef>
       <a:fontRef idx="minor">
-        <a:schemeClr val="lt1"/>
+        <a:schemeClr val="dk1"/>
       </a:fontRef>
     </dgm:style>
   </dgm:styleLbl>
   <dgm:styleLbl name="asst4">
     <dgm:scene3d>
       <a:camera prst="orthographicFront"/>
-      <a:lightRig rig="threePt" dir="t"/>
+      <a:lightRig rig="flat" dir="t"/>
     </dgm:scene3d>
-    <dgm:sp3d/>
+    <dgm:sp3d prstMaterial="dkEdge">
+      <a:bevelT w="8200" h="38100"/>
+    </dgm:sp3d>
     <dgm:txPr/>
     <dgm:style>
-      <a:lnRef idx="2">
+      <a:lnRef idx="0">
         <a:scrgbClr r="0" g="0" b="0"/>
       </a:lnRef>
-      <a:fillRef idx="1">
+      <a:fillRef idx="2">
         <a:scrgbClr r="0" g="0" b="0"/>
       </a:fillRef>
-      <a:effectRef idx="0">
+      <a:effectRef idx="1">
         <a:scrgbClr r="0" g="0" b="0"/>
       </a:effectRef>
       <a:fontRef idx="minor">
-        <a:schemeClr val="lt1"/>
+        <a:schemeClr val="dk1"/>
       </a:fontRef>
     </dgm:style>
   </dgm:styleLbl>
@@ -20646,17 +20873,17 @@
     <dgm:sp3d/>
     <dgm:txPr/>
     <dgm:style>
-      <a:lnRef idx="2">
+      <a:lnRef idx="1">
         <a:scrgbClr r="0" g="0" b="0"/>
       </a:lnRef>
-      <a:fillRef idx="1">
+      <a:fillRef idx="2">
         <a:scrgbClr r="0" g="0" b="0"/>
       </a:fillRef>
-      <a:effectRef idx="0">
+      <a:effectRef idx="1">
         <a:scrgbClr r="0" g="0" b="0"/>
       </a:effectRef>
       <a:fontRef idx="minor">
-        <a:schemeClr val="lt1"/>
+        <a:schemeClr val="dk1"/>
       </a:fontRef>
     </dgm:style>
   </dgm:styleLbl>
@@ -20668,17 +20895,17 @@
     <dgm:sp3d/>
     <dgm:txPr/>
     <dgm:style>
-      <a:lnRef idx="2">
+      <a:lnRef idx="1">
         <a:scrgbClr r="0" g="0" b="0"/>
       </a:lnRef>
-      <a:fillRef idx="1">
+      <a:fillRef idx="2">
         <a:scrgbClr r="0" g="0" b="0"/>
       </a:fillRef>
-      <a:effectRef idx="0">
+      <a:effectRef idx="1">
         <a:scrgbClr r="0" g="0" b="0"/>
       </a:effectRef>
       <a:fontRef idx="minor">
-        <a:schemeClr val="lt1"/>
+        <a:schemeClr val="dk1"/>
       </a:fontRef>
     </dgm:style>
   </dgm:styleLbl>
@@ -20690,17 +20917,17 @@
     <dgm:sp3d/>
     <dgm:txPr/>
     <dgm:style>
-      <a:lnRef idx="2">
+      <a:lnRef idx="1">
         <a:scrgbClr r="0" g="0" b="0"/>
       </a:lnRef>
-      <a:fillRef idx="1">
+      <a:fillRef idx="2">
         <a:scrgbClr r="0" g="0" b="0"/>
       </a:fillRef>
-      <a:effectRef idx="0">
+      <a:effectRef idx="1">
         <a:scrgbClr r="0" g="0" b="0"/>
       </a:effectRef>
       <a:fontRef idx="minor">
-        <a:schemeClr val="lt1"/>
+        <a:schemeClr val="dk1"/>
       </a:fontRef>
     </dgm:style>
   </dgm:styleLbl>
@@ -20712,17 +20939,17 @@
     <dgm:sp3d/>
     <dgm:txPr/>
     <dgm:style>
-      <a:lnRef idx="2">
+      <a:lnRef idx="1">
         <a:scrgbClr r="0" g="0" b="0"/>
       </a:lnRef>
-      <a:fillRef idx="1">
+      <a:fillRef idx="2">
         <a:scrgbClr r="0" g="0" b="0"/>
       </a:fillRef>
-      <a:effectRef idx="0">
+      <a:effectRef idx="1">
         <a:scrgbClr r="0" g="0" b="0"/>
       </a:effectRef>
       <a:fontRef idx="minor">
-        <a:schemeClr val="lt1"/>
+        <a:schemeClr val="dk1"/>
       </a:fontRef>
     </dgm:style>
   </dgm:styleLbl>
@@ -20814,7 +21041,7 @@
     <dgm:sp3d/>
     <dgm:txPr/>
     <dgm:style>
-      <a:lnRef idx="2">
+      <a:lnRef idx="1">
         <a:scrgbClr r="0" g="0" b="0"/>
       </a:lnRef>
       <a:fillRef idx="1">
@@ -20834,7 +21061,7 @@
     <dgm:sp3d/>
     <dgm:txPr/>
     <dgm:style>
-      <a:lnRef idx="2">
+      <a:lnRef idx="1">
         <a:scrgbClr r="0" g="0" b="0"/>
       </a:lnRef>
       <a:fillRef idx="1">
@@ -20854,7 +21081,7 @@
     <dgm:sp3d/>
     <dgm:txPr/>
     <dgm:style>
-      <a:lnRef idx="2">
+      <a:lnRef idx="1">
         <a:scrgbClr r="0" g="0" b="0"/>
       </a:lnRef>
       <a:fillRef idx="1">
@@ -20894,7 +21121,7 @@
     <dgm:sp3d/>
     <dgm:txPr/>
     <dgm:style>
-      <a:lnRef idx="2">
+      <a:lnRef idx="1">
         <a:scrgbClr r="0" g="0" b="0"/>
       </a:lnRef>
       <a:fillRef idx="1">
@@ -20914,10 +21141,10 @@
     <dgm:sp3d/>
     <dgm:txPr/>
     <dgm:style>
-      <a:lnRef idx="2">
+      <a:lnRef idx="1">
         <a:scrgbClr r="0" g="0" b="0"/>
       </a:lnRef>
-      <a:fillRef idx="1">
+      <a:fillRef idx="2">
         <a:scrgbClr r="0" g="0" b="0"/>
       </a:fillRef>
       <a:effectRef idx="0">
@@ -20934,7 +21161,7 @@
     <dgm:sp3d/>
     <dgm:txPr/>
     <dgm:style>
-      <a:lnRef idx="2">
+      <a:lnRef idx="1">
         <a:scrgbClr r="0" g="0" b="0"/>
       </a:lnRef>
       <a:fillRef idx="1">
@@ -20954,7 +21181,7 @@
     <dgm:sp3d/>
     <dgm:txPr/>
     <dgm:style>
-      <a:lnRef idx="2">
+      <a:lnRef idx="1">
         <a:scrgbClr r="0" g="0" b="0"/>
       </a:lnRef>
       <a:fillRef idx="1">
@@ -20974,7 +21201,7 @@
     <dgm:sp3d/>
     <dgm:txPr/>
     <dgm:style>
-      <a:lnRef idx="2">
+      <a:lnRef idx="1">
         <a:scrgbClr r="0" g="0" b="0"/>
       </a:lnRef>
       <a:fillRef idx="1">
@@ -20994,7 +21221,7 @@
     <dgm:sp3d/>
     <dgm:txPr/>
     <dgm:style>
-      <a:lnRef idx="2">
+      <a:lnRef idx="1">
         <a:scrgbClr r="0" g="0" b="0"/>
       </a:lnRef>
       <a:fillRef idx="1">
@@ -21014,7 +21241,7 @@
     <dgm:sp3d/>
     <dgm:txPr/>
     <dgm:style>
-      <a:lnRef idx="2">
+      <a:lnRef idx="1">
         <a:scrgbClr r="0" g="0" b="0"/>
       </a:lnRef>
       <a:fillRef idx="1">
@@ -21034,7 +21261,7 @@
     <dgm:sp3d/>
     <dgm:txPr/>
     <dgm:style>
-      <a:lnRef idx="2">
+      <a:lnRef idx="1">
         <a:scrgbClr r="0" g="0" b="0"/>
       </a:lnRef>
       <a:fillRef idx="1">
@@ -21054,7 +21281,7 @@
     <dgm:sp3d/>
     <dgm:txPr/>
     <dgm:style>
-      <a:lnRef idx="2">
+      <a:lnRef idx="1">
         <a:scrgbClr r="0" g="0" b="0"/>
       </a:lnRef>
       <a:fillRef idx="1">
@@ -21074,7 +21301,7 @@
     <dgm:sp3d/>
     <dgm:txPr/>
     <dgm:style>
-      <a:lnRef idx="2">
+      <a:lnRef idx="1">
         <a:scrgbClr r="0" g="0" b="0"/>
       </a:lnRef>
       <a:fillRef idx="1">
@@ -21094,7 +21321,7 @@
     <dgm:sp3d/>
     <dgm:txPr/>
     <dgm:style>
-      <a:lnRef idx="2">
+      <a:lnRef idx="1">
         <a:scrgbClr r="0" g="0" b="0"/>
       </a:lnRef>
       <a:fillRef idx="1">
@@ -21120,7 +21347,7 @@
       <a:fillRef idx="1">
         <a:scrgbClr r="0" g="0" b="0"/>
       </a:fillRef>
-      <a:effectRef idx="0">
+      <a:effectRef idx="1">
         <a:scrgbClr r="0" g="0" b="0"/>
       </a:effectRef>
       <a:fontRef idx="minor"/>
@@ -21140,7 +21367,7 @@
       <a:fillRef idx="1">
         <a:scrgbClr r="0" g="0" b="0"/>
       </a:fillRef>
-      <a:effectRef idx="0">
+      <a:effectRef idx="1">
         <a:scrgbClr r="0" g="0" b="0"/>
       </a:effectRef>
       <a:fontRef idx="minor"/>
@@ -21169,18 +21396,20 @@
   <dgm:styleLbl name="fgShp">
     <dgm:scene3d>
       <a:camera prst="orthographicFront"/>
-      <a:lightRig rig="threePt" dir="t"/>
+      <a:lightRig rig="flat" dir="t"/>
     </dgm:scene3d>
-    <dgm:sp3d/>
+    <dgm:sp3d prstMaterial="dkEdge">
+      <a:bevelT w="8200" h="38100"/>
+    </dgm:sp3d>
     <dgm:txPr/>
     <dgm:style>
-      <a:lnRef idx="2">
+      <a:lnRef idx="1">
         <a:scrgbClr r="0" g="0" b="0"/>
       </a:lnRef>
-      <a:fillRef idx="1">
+      <a:fillRef idx="2">
         <a:scrgbClr r="0" g="0" b="0"/>
       </a:fillRef>
-      <a:effectRef idx="0">
+      <a:effectRef idx="1">
         <a:scrgbClr r="0" g="0" b="0"/>
       </a:effectRef>
       <a:fontRef idx="minor"/>
@@ -21391,7 +21620,7 @@
             <a:fld id="{1D8BD707-D9CF-40AE-B4C6-C98DA3205C09}" type="datetimeFigureOut">
               <a:rPr lang="en-US" smtClean="0"/>
               <a:pPr/>
-              <a:t>2/12/2017</a:t>
+              <a:t>2/15/2017</a:t>
             </a:fld>
             <a:endParaRPr lang="en-US"/>
           </a:p>
@@ -21558,7 +21787,7 @@
             <a:fld id="{1D8BD707-D9CF-40AE-B4C6-C98DA3205C09}" type="datetimeFigureOut">
               <a:rPr lang="en-US" smtClean="0"/>
               <a:pPr/>
-              <a:t>2/12/2017</a:t>
+              <a:t>2/15/2017</a:t>
             </a:fld>
             <a:endParaRPr lang="en-US"/>
           </a:p>
@@ -21735,7 +21964,7 @@
             <a:fld id="{1D8BD707-D9CF-40AE-B4C6-C98DA3205C09}" type="datetimeFigureOut">
               <a:rPr lang="en-US" smtClean="0"/>
               <a:pPr/>
-              <a:t>2/12/2017</a:t>
+              <a:t>2/15/2017</a:t>
             </a:fld>
             <a:endParaRPr lang="en-US"/>
           </a:p>
@@ -21902,7 +22131,7 @@
             <a:fld id="{1D8BD707-D9CF-40AE-B4C6-C98DA3205C09}" type="datetimeFigureOut">
               <a:rPr lang="en-US" smtClean="0"/>
               <a:pPr/>
-              <a:t>2/12/2017</a:t>
+              <a:t>2/15/2017</a:t>
             </a:fld>
             <a:endParaRPr lang="en-US"/>
           </a:p>
@@ -22145,7 +22374,7 @@
             <a:fld id="{1D8BD707-D9CF-40AE-B4C6-C98DA3205C09}" type="datetimeFigureOut">
               <a:rPr lang="en-US" smtClean="0"/>
               <a:pPr/>
-              <a:t>2/12/2017</a:t>
+              <a:t>2/15/2017</a:t>
             </a:fld>
             <a:endParaRPr lang="en-US"/>
           </a:p>
@@ -22430,7 +22659,7 @@
             <a:fld id="{1D8BD707-D9CF-40AE-B4C6-C98DA3205C09}" type="datetimeFigureOut">
               <a:rPr lang="en-US" smtClean="0"/>
               <a:pPr/>
-              <a:t>2/12/2017</a:t>
+              <a:t>2/15/2017</a:t>
             </a:fld>
             <a:endParaRPr lang="en-US"/>
           </a:p>
@@ -22849,7 +23078,7 @@
             <a:fld id="{1D8BD707-D9CF-40AE-B4C6-C98DA3205C09}" type="datetimeFigureOut">
               <a:rPr lang="en-US" smtClean="0"/>
               <a:pPr/>
-              <a:t>2/12/2017</a:t>
+              <a:t>2/15/2017</a:t>
             </a:fld>
             <a:endParaRPr lang="en-US"/>
           </a:p>
@@ -22964,7 +23193,7 @@
             <a:fld id="{1D8BD707-D9CF-40AE-B4C6-C98DA3205C09}" type="datetimeFigureOut">
               <a:rPr lang="en-US" smtClean="0"/>
               <a:pPr/>
-              <a:t>2/12/2017</a:t>
+              <a:t>2/15/2017</a:t>
             </a:fld>
             <a:endParaRPr lang="en-US"/>
           </a:p>
@@ -23056,7 +23285,7 @@
             <a:fld id="{1D8BD707-D9CF-40AE-B4C6-C98DA3205C09}" type="datetimeFigureOut">
               <a:rPr lang="en-US" smtClean="0"/>
               <a:pPr/>
-              <a:t>2/12/2017</a:t>
+              <a:t>2/15/2017</a:t>
             </a:fld>
             <a:endParaRPr lang="en-US"/>
           </a:p>
@@ -23330,7 +23559,7 @@
             <a:fld id="{1D8BD707-D9CF-40AE-B4C6-C98DA3205C09}" type="datetimeFigureOut">
               <a:rPr lang="en-US" smtClean="0"/>
               <a:pPr/>
-              <a:t>2/12/2017</a:t>
+              <a:t>2/15/2017</a:t>
             </a:fld>
             <a:endParaRPr lang="en-US"/>
           </a:p>
@@ -23580,7 +23809,7 @@
             <a:fld id="{1D8BD707-D9CF-40AE-B4C6-C98DA3205C09}" type="datetimeFigureOut">
               <a:rPr lang="en-US" smtClean="0"/>
               <a:pPr/>
-              <a:t>2/12/2017</a:t>
+              <a:t>2/15/2017</a:t>
             </a:fld>
             <a:endParaRPr lang="en-US"/>
           </a:p>
@@ -23790,7 +24019,7 @@
             <a:fld id="{1D8BD707-D9CF-40AE-B4C6-C98DA3205C09}" type="datetimeFigureOut">
               <a:rPr lang="en-US" smtClean="0"/>
               <a:pPr/>
-              <a:t>2/12/2017</a:t>
+              <a:t>2/15/2017</a:t>
             </a:fld>
             <a:endParaRPr lang="en-US"/>
           </a:p>
@@ -24216,7 +24445,7 @@
           <p:nvPr>
             <p:extLst>
               <p:ext uri="{D42A27DB-BD31-4B8C-83A1-F6EECF244321}">
-                <p14:modId xmlns:p14="http://schemas.microsoft.com/office/powerpoint/2010/main" val="1262172334"/>
+                <p14:modId xmlns="" xmlns:p14="http://schemas.microsoft.com/office/powerpoint/2010/main" val="1262172334"/>
               </p:ext>
             </p:extLst>
           </p:nvPr>
@@ -24264,7 +24493,7 @@
     </p:spTree>
     <p:extLst>
       <p:ext uri="{BB962C8B-B14F-4D97-AF65-F5344CB8AC3E}">
-        <p14:creationId xmlns:p14="http://schemas.microsoft.com/office/powerpoint/2010/main" val="3650172683"/>
+        <p14:creationId xmlns="" xmlns:p14="http://schemas.microsoft.com/office/powerpoint/2010/main" val="3650172683"/>
       </p:ext>
     </p:extLst>
   </p:cSld>
@@ -24380,7 +24609,7 @@
               </a:clrChange>
               <a:extLst>
                 <a:ext uri="{28A0092B-C50C-407E-A947-70E740481C1C}">
-                  <a14:useLocalDpi xmlns:a14="http://schemas.microsoft.com/office/drawing/2010/main" val="0"/>
+                  <a14:useLocalDpi xmlns="" xmlns:a14="http://schemas.microsoft.com/office/drawing/2010/main" val="0"/>
                 </a:ext>
               </a:extLst>
             </a:blip>
@@ -24403,14 +24632,14 @@
             </a:ln>
             <a:extLst>
               <a:ext uri="{909E8E84-426E-40DD-AFC4-6F175D3DCCD1}">
-                <a14:hiddenFill xmlns:a14="http://schemas.microsoft.com/office/drawing/2010/main">
+                <a14:hiddenFill xmlns="" xmlns:a14="http://schemas.microsoft.com/office/drawing/2010/main">
                   <a:solidFill>
                     <a:schemeClr val="accent1"/>
                   </a:solidFill>
                 </a14:hiddenFill>
               </a:ext>
               <a:ext uri="{91240B29-F687-4F45-9708-019B960494DF}">
-                <a14:hiddenLine xmlns:a14="http://schemas.microsoft.com/office/drawing/2010/main" w="9525">
+                <a14:hiddenLine xmlns="" xmlns:a14="http://schemas.microsoft.com/office/drawing/2010/main" w="9525">
                   <a:solidFill>
                     <a:schemeClr val="tx1"/>
                   </a:solidFill>
@@ -24525,7 +24754,7 @@
               </a:clrChange>
               <a:extLst>
                 <a:ext uri="{28A0092B-C50C-407E-A947-70E740481C1C}">
-                  <a14:useLocalDpi xmlns:a14="http://schemas.microsoft.com/office/drawing/2010/main" val="0"/>
+                  <a14:useLocalDpi xmlns="" xmlns:a14="http://schemas.microsoft.com/office/drawing/2010/main" val="0"/>
                 </a:ext>
               </a:extLst>
             </a:blip>
@@ -24548,14 +24777,14 @@
             </a:ln>
             <a:extLst>
               <a:ext uri="{909E8E84-426E-40DD-AFC4-6F175D3DCCD1}">
-                <a14:hiddenFill xmlns:a14="http://schemas.microsoft.com/office/drawing/2010/main">
+                <a14:hiddenFill xmlns="" xmlns:a14="http://schemas.microsoft.com/office/drawing/2010/main">
                   <a:solidFill>
                     <a:schemeClr val="accent1"/>
                   </a:solidFill>
                 </a14:hiddenFill>
               </a:ext>
               <a:ext uri="{91240B29-F687-4F45-9708-019B960494DF}">
-                <a14:hiddenLine xmlns:a14="http://schemas.microsoft.com/office/drawing/2010/main" w="9525">
+                <a14:hiddenLine xmlns="" xmlns:a14="http://schemas.microsoft.com/office/drawing/2010/main" w="9525">
                   <a:solidFill>
                     <a:schemeClr val="tx1"/>
                   </a:solidFill>
@@ -24651,7 +24880,7 @@
               </a:clrChange>
               <a:extLst>
                 <a:ext uri="{28A0092B-C50C-407E-A947-70E740481C1C}">
-                  <a14:useLocalDpi xmlns:a14="http://schemas.microsoft.com/office/drawing/2010/main" val="0"/>
+                  <a14:useLocalDpi xmlns="" xmlns:a14="http://schemas.microsoft.com/office/drawing/2010/main" val="0"/>
                 </a:ext>
               </a:extLst>
             </a:blip>
@@ -24674,14 +24903,14 @@
             </a:ln>
             <a:extLst>
               <a:ext uri="{909E8E84-426E-40DD-AFC4-6F175D3DCCD1}">
-                <a14:hiddenFill xmlns:a14="http://schemas.microsoft.com/office/drawing/2010/main">
+                <a14:hiddenFill xmlns="" xmlns:a14="http://schemas.microsoft.com/office/drawing/2010/main">
                   <a:solidFill>
                     <a:schemeClr val="accent1"/>
                   </a:solidFill>
                 </a14:hiddenFill>
               </a:ext>
               <a:ext uri="{91240B29-F687-4F45-9708-019B960494DF}">
-                <a14:hiddenLine xmlns:a14="http://schemas.microsoft.com/office/drawing/2010/main" w="9525">
+                <a14:hiddenLine xmlns="" xmlns:a14="http://schemas.microsoft.com/office/drawing/2010/main" w="9525">
                   <a:solidFill>
                     <a:schemeClr val="tx1"/>
                   </a:solidFill>
@@ -24743,7 +24972,7 @@
     </p:spTree>
     <p:extLst>
       <p:ext uri="{BB962C8B-B14F-4D97-AF65-F5344CB8AC3E}">
-        <p14:creationId xmlns:p14="http://schemas.microsoft.com/office/powerpoint/2010/main" val="3628031107"/>
+        <p14:creationId xmlns="" xmlns:p14="http://schemas.microsoft.com/office/powerpoint/2010/main" val="3628031107"/>
       </p:ext>
     </p:extLst>
   </p:cSld>
@@ -24830,7 +25059,7 @@
           <p:nvPr>
             <p:extLst>
               <p:ext uri="{D42A27DB-BD31-4B8C-83A1-F6EECF244321}">
-                <p14:modId xmlns:p14="http://schemas.microsoft.com/office/powerpoint/2010/main" val="2970409429"/>
+                <p14:modId xmlns="" xmlns:p14="http://schemas.microsoft.com/office/powerpoint/2010/main" val="2970409429"/>
               </p:ext>
             </p:extLst>
           </p:nvPr>
@@ -24917,7 +25146,7 @@
     </p:spTree>
     <p:extLst>
       <p:ext uri="{BB962C8B-B14F-4D97-AF65-F5344CB8AC3E}">
-        <p14:creationId xmlns:p14="http://schemas.microsoft.com/office/powerpoint/2010/main" val="3522882765"/>
+        <p14:creationId xmlns="" xmlns:p14="http://schemas.microsoft.com/office/powerpoint/2010/main" val="3522882765"/>
       </p:ext>
     </p:extLst>
   </p:cSld>
@@ -25001,7 +25230,7 @@
           <p:nvPr>
             <p:extLst>
               <p:ext uri="{D42A27DB-BD31-4B8C-83A1-F6EECF244321}">
-                <p14:modId xmlns:p14="http://schemas.microsoft.com/office/powerpoint/2010/main" val="4217214646"/>
+                <p14:modId xmlns="" xmlns:p14="http://schemas.microsoft.com/office/powerpoint/2010/main" val="4217214646"/>
               </p:ext>
             </p:extLst>
           </p:nvPr>
@@ -25019,7 +25248,7 @@
     </p:spTree>
     <p:extLst>
       <p:ext uri="{BB962C8B-B14F-4D97-AF65-F5344CB8AC3E}">
-        <p14:creationId xmlns:p14="http://schemas.microsoft.com/office/powerpoint/2010/main" val="1044658037"/>
+        <p14:creationId xmlns="" xmlns:p14="http://schemas.microsoft.com/office/powerpoint/2010/main" val="1044658037"/>
       </p:ext>
     </p:extLst>
   </p:cSld>
@@ -25106,7 +25335,7 @@
           <p:nvPr>
             <p:extLst>
               <p:ext uri="{D42A27DB-BD31-4B8C-83A1-F6EECF244321}">
-                <p14:modId xmlns:p14="http://schemas.microsoft.com/office/powerpoint/2010/main" val="3864352614"/>
+                <p14:modId xmlns="" xmlns:p14="http://schemas.microsoft.com/office/powerpoint/2010/main" val="3864352614"/>
               </p:ext>
             </p:extLst>
           </p:nvPr>
@@ -25124,7 +25353,7 @@
     </p:spTree>
     <p:extLst>
       <p:ext uri="{BB962C8B-B14F-4D97-AF65-F5344CB8AC3E}">
-        <p14:creationId xmlns:p14="http://schemas.microsoft.com/office/powerpoint/2010/main" val="2295323102"/>
+        <p14:creationId xmlns="" xmlns:p14="http://schemas.microsoft.com/office/powerpoint/2010/main" val="2295323102"/>
       </p:ext>
     </p:extLst>
   </p:cSld>
@@ -25194,7 +25423,7 @@
             </a:clrChange>
             <a:extLst>
               <a:ext uri="{28A0092B-C50C-407E-A947-70E740481C1C}">
-                <a14:useLocalDpi xmlns:a14="http://schemas.microsoft.com/office/drawing/2010/main" val="0"/>
+                <a14:useLocalDpi xmlns="" xmlns:a14="http://schemas.microsoft.com/office/drawing/2010/main" val="0"/>
               </a:ext>
             </a:extLst>
           </a:blip>
@@ -25217,14 +25446,14 @@
           </a:ln>
           <a:extLst>
             <a:ext uri="{909E8E84-426E-40DD-AFC4-6F175D3DCCD1}">
-              <a14:hiddenFill xmlns:a14="http://schemas.microsoft.com/office/drawing/2010/main">
+              <a14:hiddenFill xmlns="" xmlns:a14="http://schemas.microsoft.com/office/drawing/2010/main">
                 <a:solidFill>
                   <a:schemeClr val="accent1"/>
                 </a:solidFill>
               </a14:hiddenFill>
             </a:ext>
             <a:ext uri="{91240B29-F687-4F45-9708-019B960494DF}">
-              <a14:hiddenLine xmlns:a14="http://schemas.microsoft.com/office/drawing/2010/main" w="9525">
+              <a14:hiddenLine xmlns="" xmlns:a14="http://schemas.microsoft.com/office/drawing/2010/main" w="9525">
                 <a:solidFill>
                   <a:schemeClr val="tx1"/>
                 </a:solidFill>
@@ -25239,7 +25468,7 @@
     </p:spTree>
     <p:extLst>
       <p:ext uri="{BB962C8B-B14F-4D97-AF65-F5344CB8AC3E}">
-        <p14:creationId xmlns:p14="http://schemas.microsoft.com/office/powerpoint/2010/main" val="2745742463"/>
+        <p14:creationId xmlns="" xmlns:p14="http://schemas.microsoft.com/office/powerpoint/2010/main" val="2745742463"/>
       </p:ext>
     </p:extLst>
   </p:cSld>
@@ -25341,7 +25570,7 @@
             </a:clrChange>
             <a:extLst>
               <a:ext uri="{28A0092B-C50C-407E-A947-70E740481C1C}">
-                <a14:useLocalDpi xmlns:a14="http://schemas.microsoft.com/office/drawing/2010/main" val="0"/>
+                <a14:useLocalDpi xmlns="" xmlns:a14="http://schemas.microsoft.com/office/drawing/2010/main" val="0"/>
               </a:ext>
             </a:extLst>
           </a:blip>
@@ -25364,14 +25593,14 @@
           </a:ln>
           <a:extLst>
             <a:ext uri="{909E8E84-426E-40DD-AFC4-6F175D3DCCD1}">
-              <a14:hiddenFill xmlns:a14="http://schemas.microsoft.com/office/drawing/2010/main">
+              <a14:hiddenFill xmlns="" xmlns:a14="http://schemas.microsoft.com/office/drawing/2010/main">
                 <a:solidFill>
                   <a:schemeClr val="accent1"/>
                 </a:solidFill>
               </a14:hiddenFill>
             </a:ext>
             <a:ext uri="{91240B29-F687-4F45-9708-019B960494DF}">
-              <a14:hiddenLine xmlns:a14="http://schemas.microsoft.com/office/drawing/2010/main" w="9525">
+              <a14:hiddenLine xmlns="" xmlns:a14="http://schemas.microsoft.com/office/drawing/2010/main" w="9525">
                 <a:solidFill>
                   <a:schemeClr val="tx1"/>
                 </a:solidFill>
@@ -25386,7 +25615,7 @@
     </p:spTree>
     <p:extLst>
       <p:ext uri="{BB962C8B-B14F-4D97-AF65-F5344CB8AC3E}">
-        <p14:creationId xmlns:p14="http://schemas.microsoft.com/office/powerpoint/2010/main" val="1306052275"/>
+        <p14:creationId xmlns="" xmlns:p14="http://schemas.microsoft.com/office/powerpoint/2010/main" val="1306052275"/>
       </p:ext>
     </p:extLst>
   </p:cSld>
@@ -25488,7 +25717,7 @@
             </a:clrChange>
             <a:extLst>
               <a:ext uri="{28A0092B-C50C-407E-A947-70E740481C1C}">
-                <a14:useLocalDpi xmlns:a14="http://schemas.microsoft.com/office/drawing/2010/main" val="0"/>
+                <a14:useLocalDpi xmlns="" xmlns:a14="http://schemas.microsoft.com/office/drawing/2010/main" val="0"/>
               </a:ext>
             </a:extLst>
           </a:blip>
@@ -25511,14 +25740,14 @@
           </a:ln>
           <a:extLst>
             <a:ext uri="{909E8E84-426E-40DD-AFC4-6F175D3DCCD1}">
-              <a14:hiddenFill xmlns:a14="http://schemas.microsoft.com/office/drawing/2010/main">
+              <a14:hiddenFill xmlns="" xmlns:a14="http://schemas.microsoft.com/office/drawing/2010/main">
                 <a:solidFill>
                   <a:schemeClr val="accent1"/>
                 </a:solidFill>
               </a14:hiddenFill>
             </a:ext>
             <a:ext uri="{91240B29-F687-4F45-9708-019B960494DF}">
-              <a14:hiddenLine xmlns:a14="http://schemas.microsoft.com/office/drawing/2010/main" w="9525">
+              <a14:hiddenLine xmlns="" xmlns:a14="http://schemas.microsoft.com/office/drawing/2010/main" w="9525">
                 <a:solidFill>
                   <a:schemeClr val="tx1"/>
                 </a:solidFill>
@@ -25533,7 +25762,7 @@
     </p:spTree>
     <p:extLst>
       <p:ext uri="{BB962C8B-B14F-4D97-AF65-F5344CB8AC3E}">
-        <p14:creationId xmlns:p14="http://schemas.microsoft.com/office/powerpoint/2010/main" val="3886907763"/>
+        <p14:creationId xmlns="" xmlns:p14="http://schemas.microsoft.com/office/powerpoint/2010/main" val="3886907763"/>
       </p:ext>
     </p:extLst>
   </p:cSld>
@@ -25642,7 +25871,7 @@
             </a:clrChange>
             <a:extLst>
               <a:ext uri="{28A0092B-C50C-407E-A947-70E740481C1C}">
-                <a14:useLocalDpi xmlns:a14="http://schemas.microsoft.com/office/drawing/2010/main" val="0"/>
+                <a14:useLocalDpi xmlns="" xmlns:a14="http://schemas.microsoft.com/office/drawing/2010/main" val="0"/>
               </a:ext>
             </a:extLst>
           </a:blip>
@@ -25665,14 +25894,14 @@
           </a:ln>
           <a:extLst>
             <a:ext uri="{909E8E84-426E-40DD-AFC4-6F175D3DCCD1}">
-              <a14:hiddenFill xmlns:a14="http://schemas.microsoft.com/office/drawing/2010/main">
+              <a14:hiddenFill xmlns="" xmlns:a14="http://schemas.microsoft.com/office/drawing/2010/main">
                 <a:solidFill>
                   <a:schemeClr val="accent1"/>
                 </a:solidFill>
               </a14:hiddenFill>
             </a:ext>
             <a:ext uri="{91240B29-F687-4F45-9708-019B960494DF}">
-              <a14:hiddenLine xmlns:a14="http://schemas.microsoft.com/office/drawing/2010/main" w="9525">
+              <a14:hiddenLine xmlns="" xmlns:a14="http://schemas.microsoft.com/office/drawing/2010/main" w="9525">
                 <a:solidFill>
                   <a:schemeClr val="tx1"/>
                 </a:solidFill>
@@ -25687,7 +25916,7 @@
     </p:spTree>
     <p:extLst>
       <p:ext uri="{BB962C8B-B14F-4D97-AF65-F5344CB8AC3E}">
-        <p14:creationId xmlns:p14="http://schemas.microsoft.com/office/powerpoint/2010/main" val="2586967119"/>
+        <p14:creationId xmlns="" xmlns:p14="http://schemas.microsoft.com/office/powerpoint/2010/main" val="2586967119"/>
       </p:ext>
     </p:extLst>
   </p:cSld>
@@ -25774,7 +26003,7 @@
           <p:nvPr>
             <p:extLst>
               <p:ext uri="{D42A27DB-BD31-4B8C-83A1-F6EECF244321}">
-                <p14:modId xmlns:p14="http://schemas.microsoft.com/office/powerpoint/2010/main" val="2089266211"/>
+                <p14:modId xmlns="" xmlns:p14="http://schemas.microsoft.com/office/powerpoint/2010/main" val="2089266211"/>
               </p:ext>
             </p:extLst>
           </p:nvPr>
@@ -25792,7 +26021,7 @@
     </p:spTree>
     <p:extLst>
       <p:ext uri="{BB962C8B-B14F-4D97-AF65-F5344CB8AC3E}">
-        <p14:creationId xmlns:p14="http://schemas.microsoft.com/office/powerpoint/2010/main" val="2847007101"/>
+        <p14:creationId xmlns="" xmlns:p14="http://schemas.microsoft.com/office/powerpoint/2010/main" val="2847007101"/>
       </p:ext>
     </p:extLst>
   </p:cSld>
@@ -25852,7 +26081,7 @@
           <a:blip r:embed="rId2">
             <a:extLst>
               <a:ext uri="{28A0092B-C50C-407E-A947-70E740481C1C}">
-                <a14:useLocalDpi xmlns:a14="http://schemas.microsoft.com/office/drawing/2010/main" val="0"/>
+                <a14:useLocalDpi xmlns="" xmlns:a14="http://schemas.microsoft.com/office/drawing/2010/main" val="0"/>
               </a:ext>
             </a:extLst>
           </a:blip>
@@ -25875,14 +26104,14 @@
           </a:ln>
           <a:extLst>
             <a:ext uri="{909E8E84-426E-40DD-AFC4-6F175D3DCCD1}">
-              <a14:hiddenFill xmlns:a14="http://schemas.microsoft.com/office/drawing/2010/main">
+              <a14:hiddenFill xmlns="" xmlns:a14="http://schemas.microsoft.com/office/drawing/2010/main">
                 <a:solidFill>
                   <a:schemeClr val="accent1"/>
                 </a:solidFill>
               </a14:hiddenFill>
             </a:ext>
             <a:ext uri="{91240B29-F687-4F45-9708-019B960494DF}">
-              <a14:hiddenLine xmlns:a14="http://schemas.microsoft.com/office/drawing/2010/main" w="9525">
+              <a14:hiddenLine xmlns="" xmlns:a14="http://schemas.microsoft.com/office/drawing/2010/main" w="9525">
                 <a:solidFill>
                   <a:schemeClr val="tx1"/>
                 </a:solidFill>
@@ -25897,7 +26126,7 @@
     </p:spTree>
     <p:extLst>
       <p:ext uri="{BB962C8B-B14F-4D97-AF65-F5344CB8AC3E}">
-        <p14:creationId xmlns:p14="http://schemas.microsoft.com/office/powerpoint/2010/main" val="3820374464"/>
+        <p14:creationId xmlns="" xmlns:p14="http://schemas.microsoft.com/office/powerpoint/2010/main" val="3820374464"/>
       </p:ext>
     </p:extLst>
   </p:cSld>
@@ -26484,7 +26713,7 @@
     </p:spTree>
     <p:extLst>
       <p:ext uri="{BB962C8B-B14F-4D97-AF65-F5344CB8AC3E}">
-        <p14:creationId xmlns:p14="http://schemas.microsoft.com/office/powerpoint/2010/main" val="3429256208"/>
+        <p14:creationId xmlns="" xmlns:p14="http://schemas.microsoft.com/office/powerpoint/2010/main" val="3429256208"/>
       </p:ext>
     </p:extLst>
   </p:cSld>
@@ -26567,7 +26796,7 @@
           <a:blip r:embed="rId2">
             <a:extLst>
               <a:ext uri="{28A0092B-C50C-407E-A947-70E740481C1C}">
-                <a14:useLocalDpi xmlns:a14="http://schemas.microsoft.com/office/drawing/2010/main" val="0"/>
+                <a14:useLocalDpi xmlns="" xmlns:a14="http://schemas.microsoft.com/office/drawing/2010/main" val="0"/>
               </a:ext>
             </a:extLst>
           </a:blip>
@@ -26590,14 +26819,14 @@
           </a:ln>
           <a:extLst>
             <a:ext uri="{909E8E84-426E-40DD-AFC4-6F175D3DCCD1}">
-              <a14:hiddenFill xmlns:a14="http://schemas.microsoft.com/office/drawing/2010/main">
+              <a14:hiddenFill xmlns="" xmlns:a14="http://schemas.microsoft.com/office/drawing/2010/main">
                 <a:solidFill>
                   <a:schemeClr val="accent1"/>
                 </a:solidFill>
               </a14:hiddenFill>
             </a:ext>
             <a:ext uri="{91240B29-F687-4F45-9708-019B960494DF}">
-              <a14:hiddenLine xmlns:a14="http://schemas.microsoft.com/office/drawing/2010/main" w="9525">
+              <a14:hiddenLine xmlns="" xmlns:a14="http://schemas.microsoft.com/office/drawing/2010/main" w="9525">
                 <a:solidFill>
                   <a:schemeClr val="tx1"/>
                 </a:solidFill>
@@ -26612,7 +26841,7 @@
     </p:spTree>
     <p:extLst>
       <p:ext uri="{BB962C8B-B14F-4D97-AF65-F5344CB8AC3E}">
-        <p14:creationId xmlns:p14="http://schemas.microsoft.com/office/powerpoint/2010/main" val="796640976"/>
+        <p14:creationId xmlns="" xmlns:p14="http://schemas.microsoft.com/office/powerpoint/2010/main" val="796640976"/>
       </p:ext>
     </p:extLst>
   </p:cSld>
@@ -26698,7 +26927,7 @@
           <a:blip r:embed="rId2">
             <a:extLst>
               <a:ext uri="{28A0092B-C50C-407E-A947-70E740481C1C}">
-                <a14:useLocalDpi xmlns:a14="http://schemas.microsoft.com/office/drawing/2010/main" val="0"/>
+                <a14:useLocalDpi xmlns="" xmlns:a14="http://schemas.microsoft.com/office/drawing/2010/main" val="0"/>
               </a:ext>
             </a:extLst>
           </a:blip>
@@ -26721,14 +26950,14 @@
           </a:ln>
           <a:extLst>
             <a:ext uri="{909E8E84-426E-40DD-AFC4-6F175D3DCCD1}">
-              <a14:hiddenFill xmlns:a14="http://schemas.microsoft.com/office/drawing/2010/main">
+              <a14:hiddenFill xmlns="" xmlns:a14="http://schemas.microsoft.com/office/drawing/2010/main">
                 <a:solidFill>
                   <a:schemeClr val="accent1"/>
                 </a:solidFill>
               </a14:hiddenFill>
             </a:ext>
             <a:ext uri="{91240B29-F687-4F45-9708-019B960494DF}">
-              <a14:hiddenLine xmlns:a14="http://schemas.microsoft.com/office/drawing/2010/main" w="9525">
+              <a14:hiddenLine xmlns="" xmlns:a14="http://schemas.microsoft.com/office/drawing/2010/main" w="9525">
                 <a:solidFill>
                   <a:schemeClr val="tx1"/>
                 </a:solidFill>
@@ -26743,7 +26972,7 @@
     </p:spTree>
     <p:extLst>
       <p:ext uri="{BB962C8B-B14F-4D97-AF65-F5344CB8AC3E}">
-        <p14:creationId xmlns:p14="http://schemas.microsoft.com/office/powerpoint/2010/main" val="326179920"/>
+        <p14:creationId xmlns="" xmlns:p14="http://schemas.microsoft.com/office/powerpoint/2010/main" val="326179920"/>
       </p:ext>
     </p:extLst>
   </p:cSld>
@@ -27723,7 +27952,7 @@
     </p:spTree>
     <p:extLst>
       <p:ext uri="{BB962C8B-B14F-4D97-AF65-F5344CB8AC3E}">
-        <p14:creationId xmlns:p14="http://schemas.microsoft.com/office/powerpoint/2010/main" val="2476189663"/>
+        <p14:creationId xmlns="" xmlns:p14="http://schemas.microsoft.com/office/powerpoint/2010/main" val="2476189663"/>
       </p:ext>
     </p:extLst>
   </p:cSld>
@@ -27792,6 +28021,12 @@
         <p:txBody>
           <a:bodyPr/>
           <a:lstStyle/>
+          <a:p>
+            <a:pPr marL="0" indent="0">
+              <a:buNone/>
+            </a:pPr>
+            <a:endParaRPr lang="en-US" dirty="0" smtClean="0"/>
+          </a:p>
           <a:p>
             <a:pPr marL="0" indent="0">
               <a:buNone/>
@@ -27910,7 +28145,7 @@
           <a:blip r:embed="rId2">
             <a:extLst>
               <a:ext uri="{28A0092B-C50C-407E-A947-70E740481C1C}">
-                <a14:useLocalDpi xmlns:a14="http://schemas.microsoft.com/office/drawing/2010/main" val="0"/>
+                <a14:useLocalDpi xmlns="" xmlns:a14="http://schemas.microsoft.com/office/drawing/2010/main" val="0"/>
               </a:ext>
             </a:extLst>
           </a:blip>
@@ -27930,7 +28165,7 @@
           <a:noFill/>
           <a:extLst>
             <a:ext uri="{909E8E84-426E-40DD-AFC4-6F175D3DCCD1}">
-              <a14:hiddenFill xmlns:a14="http://schemas.microsoft.com/office/drawing/2010/main">
+              <a14:hiddenFill xmlns="" xmlns:a14="http://schemas.microsoft.com/office/drawing/2010/main">
                 <a:solidFill>
                   <a:srgbClr val="FFFFFF"/>
                 </a:solidFill>
@@ -27951,7 +28186,7 @@
           <a:blip r:embed="rId3">
             <a:extLst>
               <a:ext uri="{BEBA8EAE-BF5A-486C-A8C5-ECC9F3942E4B}">
-                <a14:imgProps xmlns:a14="http://schemas.microsoft.com/office/drawing/2010/main">
+                <a14:imgProps xmlns="" xmlns:a14="http://schemas.microsoft.com/office/drawing/2010/main">
                   <a14:imgLayer r:embed="rId4">
                     <a14:imgEffect>
                       <a14:backgroundRemoval t="10000" b="90000" l="10000" r="90000"/>
@@ -27960,7 +28195,7 @@
                 </a14:imgProps>
               </a:ext>
               <a:ext uri="{28A0092B-C50C-407E-A947-70E740481C1C}">
-                <a14:useLocalDpi xmlns:a14="http://schemas.microsoft.com/office/drawing/2010/main" val="0"/>
+                <a14:useLocalDpi xmlns="" xmlns:a14="http://schemas.microsoft.com/office/drawing/2010/main" val="0"/>
               </a:ext>
             </a:extLst>
           </a:blip>
@@ -27980,7 +28215,7 @@
           <a:noFill/>
           <a:extLst>
             <a:ext uri="{909E8E84-426E-40DD-AFC4-6F175D3DCCD1}">
-              <a14:hiddenFill xmlns:a14="http://schemas.microsoft.com/office/drawing/2010/main">
+              <a14:hiddenFill xmlns="" xmlns:a14="http://schemas.microsoft.com/office/drawing/2010/main">
                 <a:solidFill>
                   <a:srgbClr val="FFFFFF"/>
                 </a:solidFill>
@@ -28083,7 +28318,7 @@
             <a:pPr algn="ctr"/>
             <a:r>
               <a:rPr lang="en-US" dirty="0" smtClean="0"/>
-              <a:t>Stream of bytes</a:t>
+              <a:t>Sequence of bytes</a:t>
             </a:r>
             <a:endParaRPr lang="en-US" dirty="0"/>
           </a:p>
@@ -28209,7 +28444,7 @@
             <a:pPr algn="ctr"/>
             <a:r>
               <a:rPr lang="en-US" dirty="0" smtClean="0"/>
-              <a:t>Stream of bytes</a:t>
+              <a:t>Sequence of bytes</a:t>
             </a:r>
             <a:endParaRPr lang="en-US" dirty="0"/>
           </a:p>
@@ -28754,7 +28989,7 @@
     </p:spTree>
     <p:extLst>
       <p:ext uri="{BB962C8B-B14F-4D97-AF65-F5344CB8AC3E}">
-        <p14:creationId xmlns:p14="http://schemas.microsoft.com/office/powerpoint/2010/main" val="860012903"/>
+        <p14:creationId xmlns="" xmlns:p14="http://schemas.microsoft.com/office/powerpoint/2010/main" val="860012903"/>
       </p:ext>
     </p:extLst>
   </p:cSld>
@@ -28941,7 +29176,7 @@
           <a:blip r:embed="rId2">
             <a:extLst>
               <a:ext uri="{28A0092B-C50C-407E-A947-70E740481C1C}">
-                <a14:useLocalDpi xmlns:a14="http://schemas.microsoft.com/office/drawing/2010/main" val="0"/>
+                <a14:useLocalDpi xmlns="" xmlns:a14="http://schemas.microsoft.com/office/drawing/2010/main" val="0"/>
               </a:ext>
             </a:extLst>
           </a:blip>
@@ -28961,7 +29196,7 @@
           <a:noFill/>
           <a:extLst>
             <a:ext uri="{909E8E84-426E-40DD-AFC4-6F175D3DCCD1}">
-              <a14:hiddenFill xmlns:a14="http://schemas.microsoft.com/office/drawing/2010/main">
+              <a14:hiddenFill xmlns="" xmlns:a14="http://schemas.microsoft.com/office/drawing/2010/main">
                 <a:solidFill>
                   <a:srgbClr val="FFFFFF"/>
                 </a:solidFill>
@@ -28982,7 +29217,7 @@
           <a:blip r:embed="rId3">
             <a:extLst>
               <a:ext uri="{BEBA8EAE-BF5A-486C-A8C5-ECC9F3942E4B}">
-                <a14:imgProps xmlns:a14="http://schemas.microsoft.com/office/drawing/2010/main">
+                <a14:imgProps xmlns="" xmlns:a14="http://schemas.microsoft.com/office/drawing/2010/main">
                   <a14:imgLayer r:embed="rId4">
                     <a14:imgEffect>
                       <a14:backgroundRemoval t="10000" b="90000" l="10000" r="90000"/>
@@ -28991,7 +29226,7 @@
                 </a14:imgProps>
               </a:ext>
               <a:ext uri="{28A0092B-C50C-407E-A947-70E740481C1C}">
-                <a14:useLocalDpi xmlns:a14="http://schemas.microsoft.com/office/drawing/2010/main" val="0"/>
+                <a14:useLocalDpi xmlns="" xmlns:a14="http://schemas.microsoft.com/office/drawing/2010/main" val="0"/>
               </a:ext>
             </a:extLst>
           </a:blip>
@@ -29011,7 +29246,7 @@
           <a:noFill/>
           <a:extLst>
             <a:ext uri="{909E8E84-426E-40DD-AFC4-6F175D3DCCD1}">
-              <a14:hiddenFill xmlns:a14="http://schemas.microsoft.com/office/drawing/2010/main">
+              <a14:hiddenFill xmlns="" xmlns:a14="http://schemas.microsoft.com/office/drawing/2010/main">
                 <a:solidFill>
                   <a:srgbClr val="FFFFFF"/>
                 </a:solidFill>
@@ -29029,7 +29264,7 @@
         <p:spPr>
           <a:xfrm>
             <a:off x="228600" y="2716962"/>
-            <a:ext cx="838200" cy="559638"/>
+            <a:ext cx="1219200" cy="559638"/>
           </a:xfrm>
           <a:prstGeom prst="rect">
             <a:avLst/>
@@ -29064,9 +29299,13 @@
             <a:pPr algn="ctr"/>
             <a:r>
               <a:rPr lang="en-US" dirty="0" smtClean="0"/>
-              <a:t>Object</a:t>
+              <a:t>Sequence of </a:t>
             </a:r>
-            <a:endParaRPr lang="en-US" dirty="0"/>
+            <a:r>
+              <a:rPr lang="en-US" dirty="0" smtClean="0"/>
+              <a:t>bytes</a:t>
+            </a:r>
+            <a:endParaRPr lang="en-US" dirty="0" smtClean="0"/>
           </a:p>
         </p:txBody>
       </p:sp>
@@ -29078,8 +29317,8 @@
         </p:nvSpPr>
         <p:spPr>
           <a:xfrm>
-            <a:off x="1066799" y="2836036"/>
-            <a:ext cx="838199" cy="324748"/>
+            <a:off x="1524000" y="2836036"/>
+            <a:ext cx="380998" cy="288164"/>
           </a:xfrm>
           <a:prstGeom prst="rightArrow">
             <a:avLst/>
@@ -29148,64 +29387,14 @@
       </p:sp>
       <p:sp>
         <p:nvSpPr>
-          <p:cNvPr id="29" name="Rectangle 28"/>
-          <p:cNvSpPr/>
-          <p:nvPr/>
-        </p:nvSpPr>
-        <p:spPr>
-          <a:xfrm>
-            <a:off x="8093734" y="2733676"/>
-            <a:ext cx="838200" cy="559638"/>
-          </a:xfrm>
-          <a:prstGeom prst="rect">
-            <a:avLst/>
-          </a:prstGeom>
-          <a:solidFill>
-            <a:schemeClr val="tx2">
-              <a:lumMod val="40000"/>
-              <a:lumOff val="60000"/>
-            </a:schemeClr>
-          </a:solidFill>
-        </p:spPr>
-        <p:style>
-          <a:lnRef idx="2">
-            <a:schemeClr val="accent1">
-              <a:shade val="50000"/>
-            </a:schemeClr>
-          </a:lnRef>
-          <a:fillRef idx="1">
-            <a:schemeClr val="accent1"/>
-          </a:fillRef>
-          <a:effectRef idx="0">
-            <a:schemeClr val="accent1"/>
-          </a:effectRef>
-          <a:fontRef idx="minor">
-            <a:schemeClr val="lt1"/>
-          </a:fontRef>
-        </p:style>
-        <p:txBody>
-          <a:bodyPr rtlCol="0" anchor="ctr"/>
-          <a:lstStyle/>
-          <a:p>
-            <a:pPr algn="ctr"/>
-            <a:r>
-              <a:rPr lang="en-US" dirty="0" smtClean="0"/>
-              <a:t>Object</a:t>
-            </a:r>
-            <a:endParaRPr lang="en-US" dirty="0"/>
-          </a:p>
-        </p:txBody>
-      </p:sp>
-      <p:sp>
-        <p:nvSpPr>
           <p:cNvPr id="30" name="Right Arrow 29"/>
           <p:cNvSpPr/>
           <p:nvPr/>
         </p:nvSpPr>
         <p:spPr>
           <a:xfrm>
-            <a:off x="7248346" y="2877271"/>
-            <a:ext cx="838200" cy="233450"/>
+            <a:off x="7315200" y="2819401"/>
+            <a:ext cx="381000" cy="304800"/>
           </a:xfrm>
           <a:prstGeom prst="rightArrow">
             <a:avLst/>
@@ -29704,7 +29893,7 @@
             </a:clrChange>
             <a:extLst>
               <a:ext uri="{28A0092B-C50C-407E-A947-70E740481C1C}">
-                <a14:useLocalDpi xmlns:a14="http://schemas.microsoft.com/office/drawing/2010/main" val="0"/>
+                <a14:useLocalDpi xmlns="" xmlns:a14="http://schemas.microsoft.com/office/drawing/2010/main" val="0"/>
               </a:ext>
             </a:extLst>
           </a:blip>
@@ -29727,14 +29916,14 @@
           </a:ln>
           <a:extLst>
             <a:ext uri="{909E8E84-426E-40DD-AFC4-6F175D3DCCD1}">
-              <a14:hiddenFill xmlns:a14="http://schemas.microsoft.com/office/drawing/2010/main">
+              <a14:hiddenFill xmlns="" xmlns:a14="http://schemas.microsoft.com/office/drawing/2010/main">
                 <a:solidFill>
                   <a:schemeClr val="accent1"/>
                 </a:solidFill>
               </a14:hiddenFill>
             </a:ext>
             <a:ext uri="{91240B29-F687-4F45-9708-019B960494DF}">
-              <a14:hiddenLine xmlns:a14="http://schemas.microsoft.com/office/drawing/2010/main" w="9525">
+              <a14:hiddenLine xmlns="" xmlns:a14="http://schemas.microsoft.com/office/drawing/2010/main" w="9525">
                 <a:solidFill>
                   <a:schemeClr val="tx1"/>
                 </a:solidFill>
@@ -29768,7 +29957,7 @@
             </a:clrChange>
             <a:extLst>
               <a:ext uri="{28A0092B-C50C-407E-A947-70E740481C1C}">
-                <a14:useLocalDpi xmlns:a14="http://schemas.microsoft.com/office/drawing/2010/main" val="0"/>
+                <a14:useLocalDpi xmlns="" xmlns:a14="http://schemas.microsoft.com/office/drawing/2010/main" val="0"/>
               </a:ext>
             </a:extLst>
           </a:blip>
@@ -29791,14 +29980,14 @@
           </a:ln>
           <a:extLst>
             <a:ext uri="{909E8E84-426E-40DD-AFC4-6F175D3DCCD1}">
-              <a14:hiddenFill xmlns:a14="http://schemas.microsoft.com/office/drawing/2010/main">
+              <a14:hiddenFill xmlns="" xmlns:a14="http://schemas.microsoft.com/office/drawing/2010/main">
                 <a:solidFill>
                   <a:schemeClr val="accent1"/>
                 </a:solidFill>
               </a14:hiddenFill>
             </a:ext>
             <a:ext uri="{91240B29-F687-4F45-9708-019B960494DF}">
-              <a14:hiddenLine xmlns:a14="http://schemas.microsoft.com/office/drawing/2010/main" w="9525">
+              <a14:hiddenLine xmlns="" xmlns:a14="http://schemas.microsoft.com/office/drawing/2010/main" w="9525">
                 <a:solidFill>
                   <a:schemeClr val="tx1"/>
                 </a:solidFill>
@@ -29810,10 +29999,64 @@
           </a:extLst>
         </p:spPr>
       </p:pic>
+      <p:sp>
+        <p:nvSpPr>
+          <p:cNvPr id="27" name="Rectangle 26"/>
+          <p:cNvSpPr/>
+          <p:nvPr/>
+        </p:nvSpPr>
+        <p:spPr>
+          <a:xfrm>
+            <a:off x="7772400" y="2743200"/>
+            <a:ext cx="1143000" cy="559638"/>
+          </a:xfrm>
+          <a:prstGeom prst="rect">
+            <a:avLst/>
+          </a:prstGeom>
+          <a:solidFill>
+            <a:schemeClr val="tx2">
+              <a:lumMod val="40000"/>
+              <a:lumOff val="60000"/>
+            </a:schemeClr>
+          </a:solidFill>
+        </p:spPr>
+        <p:style>
+          <a:lnRef idx="2">
+            <a:schemeClr val="accent1">
+              <a:shade val="50000"/>
+            </a:schemeClr>
+          </a:lnRef>
+          <a:fillRef idx="1">
+            <a:schemeClr val="accent1"/>
+          </a:fillRef>
+          <a:effectRef idx="0">
+            <a:schemeClr val="accent1"/>
+          </a:effectRef>
+          <a:fontRef idx="minor">
+            <a:schemeClr val="lt1"/>
+          </a:fontRef>
+        </p:style>
+        <p:txBody>
+          <a:bodyPr rtlCol="0" anchor="ctr"/>
+          <a:lstStyle/>
+          <a:p>
+            <a:pPr algn="ctr"/>
+            <a:r>
+              <a:rPr lang="en-US" dirty="0" smtClean="0"/>
+              <a:t>Sequence of </a:t>
+            </a:r>
+            <a:r>
+              <a:rPr lang="en-US" dirty="0" smtClean="0"/>
+              <a:t>bytes</a:t>
+            </a:r>
+            <a:endParaRPr lang="en-US" dirty="0" smtClean="0"/>
+          </a:p>
+        </p:txBody>
+      </p:sp>
     </p:spTree>
     <p:extLst>
       <p:ext uri="{BB962C8B-B14F-4D97-AF65-F5344CB8AC3E}">
-        <p14:creationId xmlns:p14="http://schemas.microsoft.com/office/powerpoint/2010/main" val="681589244"/>
+        <p14:creationId xmlns="" xmlns:p14="http://schemas.microsoft.com/office/powerpoint/2010/main" val="681589244"/>
       </p:ext>
     </p:extLst>
   </p:cSld>
@@ -29921,7 +30164,7 @@
           <a:blip r:embed="rId2">
             <a:extLst>
               <a:ext uri="{28A0092B-C50C-407E-A947-70E740481C1C}">
-                <a14:useLocalDpi xmlns:a14="http://schemas.microsoft.com/office/drawing/2010/main" val="0"/>
+                <a14:useLocalDpi xmlns="" xmlns:a14="http://schemas.microsoft.com/office/drawing/2010/main" val="0"/>
               </a:ext>
             </a:extLst>
           </a:blip>
@@ -29944,14 +30187,14 @@
           </a:ln>
           <a:extLst>
             <a:ext uri="{909E8E84-426E-40DD-AFC4-6F175D3DCCD1}">
-              <a14:hiddenFill xmlns:a14="http://schemas.microsoft.com/office/drawing/2010/main">
+              <a14:hiddenFill xmlns="" xmlns:a14="http://schemas.microsoft.com/office/drawing/2010/main">
                 <a:solidFill>
                   <a:schemeClr val="accent1"/>
                 </a:solidFill>
               </a14:hiddenFill>
             </a:ext>
             <a:ext uri="{91240B29-F687-4F45-9708-019B960494DF}">
-              <a14:hiddenLine xmlns:a14="http://schemas.microsoft.com/office/drawing/2010/main" w="9525">
+              <a14:hiddenLine xmlns="" xmlns:a14="http://schemas.microsoft.com/office/drawing/2010/main" w="9525">
                 <a:solidFill>
                   <a:schemeClr val="tx1"/>
                 </a:solidFill>
@@ -30021,7 +30264,7 @@
           <a:blip r:embed="rId3">
             <a:extLst>
               <a:ext uri="{28A0092B-C50C-407E-A947-70E740481C1C}">
-                <a14:useLocalDpi xmlns:a14="http://schemas.microsoft.com/office/drawing/2010/main" val="0"/>
+                <a14:useLocalDpi xmlns="" xmlns:a14="http://schemas.microsoft.com/office/drawing/2010/main" val="0"/>
               </a:ext>
             </a:extLst>
           </a:blip>
@@ -30041,7 +30284,7 @@
           <a:noFill/>
           <a:extLst>
             <a:ext uri="{909E8E84-426E-40DD-AFC4-6F175D3DCCD1}">
-              <a14:hiddenFill xmlns:a14="http://schemas.microsoft.com/office/drawing/2010/main">
+              <a14:hiddenFill xmlns="" xmlns:a14="http://schemas.microsoft.com/office/drawing/2010/main">
                 <a:solidFill>
                   <a:srgbClr val="FFFFFF"/>
                 </a:solidFill>
@@ -30069,7 +30312,7 @@
           <a:noFill/>
           <a:extLst>
             <a:ext uri="{909E8E84-426E-40DD-AFC4-6F175D3DCCD1}">
-              <a14:hiddenFill xmlns:a14="http://schemas.microsoft.com/office/drawing/2010/main">
+              <a14:hiddenFill xmlns="" xmlns:a14="http://schemas.microsoft.com/office/drawing/2010/main">
                 <a:solidFill>
                   <a:srgbClr val="FFFFFF"/>
                 </a:solidFill>
@@ -30108,7 +30351,7 @@
           <a:noFill/>
           <a:extLst>
             <a:ext uri="{909E8E84-426E-40DD-AFC4-6F175D3DCCD1}">
-              <a14:hiddenFill xmlns:a14="http://schemas.microsoft.com/office/drawing/2010/main">
+              <a14:hiddenFill xmlns="" xmlns:a14="http://schemas.microsoft.com/office/drawing/2010/main">
                 <a:solidFill>
                   <a:srgbClr val="FFFFFF"/>
                 </a:solidFill>
@@ -30140,7 +30383,7 @@
           <a:blip r:embed="rId4" cstate="print">
             <a:extLst>
               <a:ext uri="{28A0092B-C50C-407E-A947-70E740481C1C}">
-                <a14:useLocalDpi xmlns:a14="http://schemas.microsoft.com/office/drawing/2010/main" val="0"/>
+                <a14:useLocalDpi xmlns="" xmlns:a14="http://schemas.microsoft.com/office/drawing/2010/main" val="0"/>
               </a:ext>
             </a:extLst>
           </a:blip>
@@ -30163,14 +30406,14 @@
           </a:ln>
           <a:extLst>
             <a:ext uri="{909E8E84-426E-40DD-AFC4-6F175D3DCCD1}">
-              <a14:hiddenFill xmlns:a14="http://schemas.microsoft.com/office/drawing/2010/main">
+              <a14:hiddenFill xmlns="" xmlns:a14="http://schemas.microsoft.com/office/drawing/2010/main">
                 <a:solidFill>
                   <a:schemeClr val="accent1"/>
                 </a:solidFill>
               </a14:hiddenFill>
             </a:ext>
             <a:ext uri="{91240B29-F687-4F45-9708-019B960494DF}">
-              <a14:hiddenLine xmlns:a14="http://schemas.microsoft.com/office/drawing/2010/main" w="9525">
+              <a14:hiddenLine xmlns="" xmlns:a14="http://schemas.microsoft.com/office/drawing/2010/main" w="9525">
                 <a:solidFill>
                   <a:schemeClr val="tx1"/>
                 </a:solidFill>
@@ -30498,7 +30741,7 @@
           <a:blip r:embed="rId5" cstate="print">
             <a:extLst>
               <a:ext uri="{28A0092B-C50C-407E-A947-70E740481C1C}">
-                <a14:useLocalDpi xmlns:a14="http://schemas.microsoft.com/office/drawing/2010/main" val="0"/>
+                <a14:useLocalDpi xmlns="" xmlns:a14="http://schemas.microsoft.com/office/drawing/2010/main" val="0"/>
               </a:ext>
             </a:extLst>
           </a:blip>
@@ -30518,7 +30761,7 @@
           <a:noFill/>
           <a:extLst>
             <a:ext uri="{909E8E84-426E-40DD-AFC4-6F175D3DCCD1}">
-              <a14:hiddenFill xmlns:a14="http://schemas.microsoft.com/office/drawing/2010/main">
+              <a14:hiddenFill xmlns="" xmlns:a14="http://schemas.microsoft.com/office/drawing/2010/main">
                 <a:solidFill>
                   <a:srgbClr val="FFFFFF"/>
                 </a:solidFill>
@@ -30630,43 +30873,13 @@
       </p:sp>
       <p:sp>
         <p:nvSpPr>
-          <p:cNvPr id="26" name="TextBox 25"/>
-          <p:cNvSpPr txBox="1"/>
-          <p:nvPr/>
-        </p:nvSpPr>
-        <p:spPr>
-          <a:xfrm>
-            <a:off x="7138807" y="3670767"/>
-            <a:ext cx="820228" cy="369332"/>
-          </a:xfrm>
-          <a:prstGeom prst="rect">
-            <a:avLst/>
-          </a:prstGeom>
-          <a:noFill/>
-        </p:spPr>
-        <p:txBody>
-          <a:bodyPr wrap="square" rtlCol="0">
-            <a:spAutoFit/>
-          </a:bodyPr>
-          <a:lstStyle/>
-          <a:p>
-            <a:r>
-              <a:rPr lang="en-US" dirty="0" smtClean="0"/>
-              <a:t>REST</a:t>
-            </a:r>
-            <a:endParaRPr lang="en-US" dirty="0"/>
-          </a:p>
-        </p:txBody>
-      </p:sp>
-      <p:sp>
-        <p:nvSpPr>
           <p:cNvPr id="27" name="TextBox 26"/>
           <p:cNvSpPr txBox="1"/>
           <p:nvPr/>
         </p:nvSpPr>
         <p:spPr>
           <a:xfrm>
-            <a:off x="7295072" y="4243854"/>
+            <a:off x="7391400" y="3810000"/>
             <a:ext cx="820228" cy="369332"/>
           </a:xfrm>
           <a:prstGeom prst="rect">
@@ -30741,7 +30954,7 @@
     </p:spTree>
     <p:extLst>
       <p:ext uri="{BB962C8B-B14F-4D97-AF65-F5344CB8AC3E}">
-        <p14:creationId xmlns:p14="http://schemas.microsoft.com/office/powerpoint/2010/main" val="2956477278"/>
+        <p14:creationId xmlns="" xmlns:p14="http://schemas.microsoft.com/office/powerpoint/2010/main" val="2956477278"/>
       </p:ext>
     </p:extLst>
   </p:cSld>
@@ -31477,7 +31690,7 @@
     </p:spTree>
     <p:extLst>
       <p:ext uri="{BB962C8B-B14F-4D97-AF65-F5344CB8AC3E}">
-        <p14:creationId xmlns:p14="http://schemas.microsoft.com/office/powerpoint/2010/main" val="1037245758"/>
+        <p14:creationId xmlns="" xmlns:p14="http://schemas.microsoft.com/office/powerpoint/2010/main" val="1037245758"/>
       </p:ext>
     </p:extLst>
   </p:cSld>
@@ -31564,14 +31777,14 @@
           <p:nvPr>
             <p:extLst>
               <p:ext uri="{D42A27DB-BD31-4B8C-83A1-F6EECF244321}">
-                <p14:modId xmlns:p14="http://schemas.microsoft.com/office/powerpoint/2010/main" val="1820444170"/>
+                <p14:modId xmlns="" xmlns:p14="http://schemas.microsoft.com/office/powerpoint/2010/main" val="1820444170"/>
               </p:ext>
             </p:extLst>
           </p:nvPr>
         </p:nvGraphicFramePr>
         <p:xfrm>
-          <a:off x="533400" y="990600"/>
-          <a:ext cx="8229600" cy="5257800"/>
+          <a:off x="0" y="457200"/>
+          <a:ext cx="8991600" cy="6400800"/>
         </p:xfrm>
         <a:graphic>
           <a:graphicData uri="http://schemas.openxmlformats.org/drawingml/2006/diagram">
@@ -31582,7 +31795,7 @@
     </p:spTree>
     <p:extLst>
       <p:ext uri="{BB962C8B-B14F-4D97-AF65-F5344CB8AC3E}">
-        <p14:creationId xmlns:p14="http://schemas.microsoft.com/office/powerpoint/2010/main" val="3023124138"/>
+        <p14:creationId xmlns="" xmlns:p14="http://schemas.microsoft.com/office/powerpoint/2010/main" val="3023124138"/>
       </p:ext>
     </p:extLst>
   </p:cSld>
@@ -31681,7 +31894,7 @@
             </a:clrChange>
             <a:extLst>
               <a:ext uri="{BEBA8EAE-BF5A-486C-A8C5-ECC9F3942E4B}">
-                <a14:imgProps xmlns:a14="http://schemas.microsoft.com/office/drawing/2010/main">
+                <a14:imgProps xmlns="" xmlns:a14="http://schemas.microsoft.com/office/drawing/2010/main">
                   <a14:imgLayer r:embed="rId3">
                     <a14:imgEffect>
                       <a14:brightnessContrast contrast="20000"/>
@@ -31690,7 +31903,7 @@
                 </a14:imgProps>
               </a:ext>
               <a:ext uri="{28A0092B-C50C-407E-A947-70E740481C1C}">
-                <a14:useLocalDpi xmlns:a14="http://schemas.microsoft.com/office/drawing/2010/main" val="0"/>
+                <a14:useLocalDpi xmlns="" xmlns:a14="http://schemas.microsoft.com/office/drawing/2010/main" val="0"/>
               </a:ext>
             </a:extLst>
           </a:blip>
@@ -31710,7 +31923,7 @@
           <a:noFill/>
           <a:extLst>
             <a:ext uri="{909E8E84-426E-40DD-AFC4-6F175D3DCCD1}">
-              <a14:hiddenFill xmlns:a14="http://schemas.microsoft.com/office/drawing/2010/main">
+              <a14:hiddenFill xmlns="" xmlns:a14="http://schemas.microsoft.com/office/drawing/2010/main">
                 <a:solidFill>
                   <a:srgbClr val="FFFFFF"/>
                 </a:solidFill>
@@ -31722,7 +31935,7 @@
     </p:spTree>
     <p:extLst>
       <p:ext uri="{BB962C8B-B14F-4D97-AF65-F5344CB8AC3E}">
-        <p14:creationId xmlns:p14="http://schemas.microsoft.com/office/powerpoint/2010/main" val="3300642838"/>
+        <p14:creationId xmlns="" xmlns:p14="http://schemas.microsoft.com/office/powerpoint/2010/main" val="3300642838"/>
       </p:ext>
     </p:extLst>
   </p:cSld>
@@ -31814,7 +32027,7 @@
           <a:blip r:embed="rId2">
             <a:extLst>
               <a:ext uri="{28A0092B-C50C-407E-A947-70E740481C1C}">
-                <a14:useLocalDpi xmlns:a14="http://schemas.microsoft.com/office/drawing/2010/main" val="0"/>
+                <a14:useLocalDpi xmlns="" xmlns:a14="http://schemas.microsoft.com/office/drawing/2010/main" val="0"/>
               </a:ext>
             </a:extLst>
           </a:blip>
@@ -31834,7 +32047,7 @@
           <a:noFill/>
           <a:extLst>
             <a:ext uri="{909E8E84-426E-40DD-AFC4-6F175D3DCCD1}">
-              <a14:hiddenFill xmlns:a14="http://schemas.microsoft.com/office/drawing/2010/main">
+              <a14:hiddenFill xmlns="" xmlns:a14="http://schemas.microsoft.com/office/drawing/2010/main">
                 <a:solidFill>
                   <a:srgbClr val="FFFFFF"/>
                 </a:solidFill>
@@ -31846,7 +32059,7 @@
     </p:spTree>
     <p:extLst>
       <p:ext uri="{BB962C8B-B14F-4D97-AF65-F5344CB8AC3E}">
-        <p14:creationId xmlns:p14="http://schemas.microsoft.com/office/powerpoint/2010/main" val="101112921"/>
+        <p14:creationId xmlns="" xmlns:p14="http://schemas.microsoft.com/office/powerpoint/2010/main" val="101112921"/>
       </p:ext>
     </p:extLst>
   </p:cSld>
@@ -31906,7 +32119,7 @@
           <a:blip r:embed="rId2">
             <a:extLst>
               <a:ext uri="{28A0092B-C50C-407E-A947-70E740481C1C}">
-                <a14:useLocalDpi xmlns:a14="http://schemas.microsoft.com/office/drawing/2010/main" val="0"/>
+                <a14:useLocalDpi xmlns="" xmlns:a14="http://schemas.microsoft.com/office/drawing/2010/main" val="0"/>
               </a:ext>
             </a:extLst>
           </a:blip>
@@ -31926,7 +32139,7 @@
           <a:noFill/>
           <a:extLst>
             <a:ext uri="{909E8E84-426E-40DD-AFC4-6F175D3DCCD1}">
-              <a14:hiddenFill xmlns:a14="http://schemas.microsoft.com/office/drawing/2010/main">
+              <a14:hiddenFill xmlns="" xmlns:a14="http://schemas.microsoft.com/office/drawing/2010/main">
                 <a:solidFill>
                   <a:srgbClr val="FFFFFF"/>
                 </a:solidFill>
@@ -31938,7 +32151,7 @@
     </p:spTree>
     <p:extLst>
       <p:ext uri="{BB962C8B-B14F-4D97-AF65-F5344CB8AC3E}">
-        <p14:creationId xmlns:p14="http://schemas.microsoft.com/office/powerpoint/2010/main" val="1283153479"/>
+        <p14:creationId xmlns="" xmlns:p14="http://schemas.microsoft.com/office/powerpoint/2010/main" val="1283153479"/>
       </p:ext>
     </p:extLst>
   </p:cSld>
@@ -32008,7 +32221,7 @@
             </a:clrChange>
             <a:extLst>
               <a:ext uri="{28A0092B-C50C-407E-A947-70E740481C1C}">
-                <a14:useLocalDpi xmlns:a14="http://schemas.microsoft.com/office/drawing/2010/main" val="0"/>
+                <a14:useLocalDpi xmlns="" xmlns:a14="http://schemas.microsoft.com/office/drawing/2010/main" val="0"/>
               </a:ext>
             </a:extLst>
           </a:blip>
@@ -32031,14 +32244,14 @@
           </a:ln>
           <a:extLst>
             <a:ext uri="{909E8E84-426E-40DD-AFC4-6F175D3DCCD1}">
-              <a14:hiddenFill xmlns:a14="http://schemas.microsoft.com/office/drawing/2010/main">
+              <a14:hiddenFill xmlns="" xmlns:a14="http://schemas.microsoft.com/office/drawing/2010/main">
                 <a:solidFill>
                   <a:schemeClr val="accent1"/>
                 </a:solidFill>
               </a14:hiddenFill>
             </a:ext>
             <a:ext uri="{91240B29-F687-4F45-9708-019B960494DF}">
-              <a14:hiddenLine xmlns:a14="http://schemas.microsoft.com/office/drawing/2010/main" w="9525">
+              <a14:hiddenLine xmlns="" xmlns:a14="http://schemas.microsoft.com/office/drawing/2010/main" w="9525">
                 <a:solidFill>
                   <a:schemeClr val="tx1"/>
                 </a:solidFill>
@@ -32115,7 +32328,7 @@
               </a:clrChange>
               <a:extLst>
                 <a:ext uri="{28A0092B-C50C-407E-A947-70E740481C1C}">
-                  <a14:useLocalDpi xmlns:a14="http://schemas.microsoft.com/office/drawing/2010/main" val="0"/>
+                  <a14:useLocalDpi xmlns="" xmlns:a14="http://schemas.microsoft.com/office/drawing/2010/main" val="0"/>
                 </a:ext>
               </a:extLst>
             </a:blip>
@@ -32138,14 +32351,14 @@
             </a:ln>
             <a:extLst>
               <a:ext uri="{909E8E84-426E-40DD-AFC4-6F175D3DCCD1}">
-                <a14:hiddenFill xmlns:a14="http://schemas.microsoft.com/office/drawing/2010/main">
+                <a14:hiddenFill xmlns="" xmlns:a14="http://schemas.microsoft.com/office/drawing/2010/main">
                   <a:solidFill>
                     <a:schemeClr val="accent1"/>
                   </a:solidFill>
                 </a14:hiddenFill>
               </a:ext>
               <a:ext uri="{91240B29-F687-4F45-9708-019B960494DF}">
-                <a14:hiddenLine xmlns:a14="http://schemas.microsoft.com/office/drawing/2010/main" w="9525">
+                <a14:hiddenLine xmlns="" xmlns:a14="http://schemas.microsoft.com/office/drawing/2010/main" w="9525">
                   <a:solidFill>
                     <a:schemeClr val="tx1"/>
                   </a:solidFill>
@@ -32230,7 +32443,7 @@
               </a:clrChange>
               <a:extLst>
                 <a:ext uri="{28A0092B-C50C-407E-A947-70E740481C1C}">
-                  <a14:useLocalDpi xmlns:a14="http://schemas.microsoft.com/office/drawing/2010/main" val="0"/>
+                  <a14:useLocalDpi xmlns="" xmlns:a14="http://schemas.microsoft.com/office/drawing/2010/main" val="0"/>
                 </a:ext>
               </a:extLst>
             </a:blip>
@@ -32253,14 +32466,14 @@
             </a:ln>
             <a:extLst>
               <a:ext uri="{909E8E84-426E-40DD-AFC4-6F175D3DCCD1}">
-                <a14:hiddenFill xmlns:a14="http://schemas.microsoft.com/office/drawing/2010/main">
+                <a14:hiddenFill xmlns="" xmlns:a14="http://schemas.microsoft.com/office/drawing/2010/main">
                   <a:solidFill>
                     <a:schemeClr val="accent1"/>
                   </a:solidFill>
                 </a14:hiddenFill>
               </a:ext>
               <a:ext uri="{91240B29-F687-4F45-9708-019B960494DF}">
-                <a14:hiddenLine xmlns:a14="http://schemas.microsoft.com/office/drawing/2010/main" w="9525">
+                <a14:hiddenLine xmlns="" xmlns:a14="http://schemas.microsoft.com/office/drawing/2010/main" w="9525">
                   <a:solidFill>
                     <a:schemeClr val="tx1"/>
                   </a:solidFill>
@@ -32344,7 +32557,7 @@
               </a:clrChange>
               <a:extLst>
                 <a:ext uri="{28A0092B-C50C-407E-A947-70E740481C1C}">
-                  <a14:useLocalDpi xmlns:a14="http://schemas.microsoft.com/office/drawing/2010/main" val="0"/>
+                  <a14:useLocalDpi xmlns="" xmlns:a14="http://schemas.microsoft.com/office/drawing/2010/main" val="0"/>
                 </a:ext>
               </a:extLst>
             </a:blip>
@@ -32367,14 +32580,14 @@
             </a:ln>
             <a:extLst>
               <a:ext uri="{909E8E84-426E-40DD-AFC4-6F175D3DCCD1}">
-                <a14:hiddenFill xmlns:a14="http://schemas.microsoft.com/office/drawing/2010/main">
+                <a14:hiddenFill xmlns="" xmlns:a14="http://schemas.microsoft.com/office/drawing/2010/main">
                   <a:solidFill>
                     <a:schemeClr val="accent1"/>
                   </a:solidFill>
                 </a14:hiddenFill>
               </a:ext>
               <a:ext uri="{91240B29-F687-4F45-9708-019B960494DF}">
-                <a14:hiddenLine xmlns:a14="http://schemas.microsoft.com/office/drawing/2010/main" w="9525">
+                <a14:hiddenLine xmlns="" xmlns:a14="http://schemas.microsoft.com/office/drawing/2010/main" w="9525">
                   <a:solidFill>
                     <a:schemeClr val="tx1"/>
                   </a:solidFill>
@@ -32450,7 +32663,7 @@
             </a:clrChange>
             <a:extLst>
               <a:ext uri="{28A0092B-C50C-407E-A947-70E740481C1C}">
-                <a14:useLocalDpi xmlns:a14="http://schemas.microsoft.com/office/drawing/2010/main" val="0"/>
+                <a14:useLocalDpi xmlns="" xmlns:a14="http://schemas.microsoft.com/office/drawing/2010/main" val="0"/>
               </a:ext>
             </a:extLst>
           </a:blip>
@@ -32473,14 +32686,14 @@
           </a:ln>
           <a:extLst>
             <a:ext uri="{909E8E84-426E-40DD-AFC4-6F175D3DCCD1}">
-              <a14:hiddenFill xmlns:a14="http://schemas.microsoft.com/office/drawing/2010/main">
+              <a14:hiddenFill xmlns="" xmlns:a14="http://schemas.microsoft.com/office/drawing/2010/main">
                 <a:solidFill>
                   <a:schemeClr val="accent1"/>
                 </a:solidFill>
               </a14:hiddenFill>
             </a:ext>
             <a:ext uri="{91240B29-F687-4F45-9708-019B960494DF}">
-              <a14:hiddenLine xmlns:a14="http://schemas.microsoft.com/office/drawing/2010/main" w="9525">
+              <a14:hiddenLine xmlns="" xmlns:a14="http://schemas.microsoft.com/office/drawing/2010/main" w="9525">
                 <a:solidFill>
                   <a:schemeClr val="tx1"/>
                 </a:solidFill>
@@ -32525,7 +32738,7 @@
     </p:spTree>
     <p:extLst>
       <p:ext uri="{BB962C8B-B14F-4D97-AF65-F5344CB8AC3E}">
-        <p14:creationId xmlns:p14="http://schemas.microsoft.com/office/powerpoint/2010/main" val="1294588456"/>
+        <p14:creationId xmlns="" xmlns:p14="http://schemas.microsoft.com/office/powerpoint/2010/main" val="1294588456"/>
       </p:ext>
     </p:extLst>
   </p:cSld>
@@ -32574,7 +32787,7 @@
             </a:clrChange>
             <a:extLst>
               <a:ext uri="{28A0092B-C50C-407E-A947-70E740481C1C}">
-                <a14:useLocalDpi xmlns:a14="http://schemas.microsoft.com/office/drawing/2010/main" val="0"/>
+                <a14:useLocalDpi xmlns="" xmlns:a14="http://schemas.microsoft.com/office/drawing/2010/main" val="0"/>
               </a:ext>
             </a:extLst>
           </a:blip>
@@ -32597,14 +32810,14 @@
           </a:ln>
           <a:extLst>
             <a:ext uri="{909E8E84-426E-40DD-AFC4-6F175D3DCCD1}">
-              <a14:hiddenFill xmlns:a14="http://schemas.microsoft.com/office/drawing/2010/main">
+              <a14:hiddenFill xmlns="" xmlns:a14="http://schemas.microsoft.com/office/drawing/2010/main">
                 <a:solidFill>
                   <a:schemeClr val="accent1"/>
                 </a:solidFill>
               </a14:hiddenFill>
             </a:ext>
             <a:ext uri="{91240B29-F687-4F45-9708-019B960494DF}">
-              <a14:hiddenLine xmlns:a14="http://schemas.microsoft.com/office/drawing/2010/main" w="9525">
+              <a14:hiddenLine xmlns="" xmlns:a14="http://schemas.microsoft.com/office/drawing/2010/main" w="9525">
                 <a:solidFill>
                   <a:schemeClr val="tx1"/>
                 </a:solidFill>
@@ -32691,7 +32904,7 @@
             </a:clrChange>
             <a:extLst>
               <a:ext uri="{28A0092B-C50C-407E-A947-70E740481C1C}">
-                <a14:useLocalDpi xmlns:a14="http://schemas.microsoft.com/office/drawing/2010/main" val="0"/>
+                <a14:useLocalDpi xmlns="" xmlns:a14="http://schemas.microsoft.com/office/drawing/2010/main" val="0"/>
               </a:ext>
             </a:extLst>
           </a:blip>
@@ -32714,14 +32927,14 @@
           </a:ln>
           <a:extLst>
             <a:ext uri="{909E8E84-426E-40DD-AFC4-6F175D3DCCD1}">
-              <a14:hiddenFill xmlns:a14="http://schemas.microsoft.com/office/drawing/2010/main">
+              <a14:hiddenFill xmlns="" xmlns:a14="http://schemas.microsoft.com/office/drawing/2010/main">
                 <a:solidFill>
                   <a:schemeClr val="accent1"/>
                 </a:solidFill>
               </a14:hiddenFill>
             </a:ext>
             <a:ext uri="{91240B29-F687-4F45-9708-019B960494DF}">
-              <a14:hiddenLine xmlns:a14="http://schemas.microsoft.com/office/drawing/2010/main" w="9525">
+              <a14:hiddenLine xmlns="" xmlns:a14="http://schemas.microsoft.com/office/drawing/2010/main" w="9525">
                 <a:solidFill>
                   <a:schemeClr val="tx1"/>
                 </a:solidFill>
@@ -32798,7 +33011,7 @@
               </a:clrChange>
               <a:extLst>
                 <a:ext uri="{28A0092B-C50C-407E-A947-70E740481C1C}">
-                  <a14:useLocalDpi xmlns:a14="http://schemas.microsoft.com/office/drawing/2010/main" val="0"/>
+                  <a14:useLocalDpi xmlns="" xmlns:a14="http://schemas.microsoft.com/office/drawing/2010/main" val="0"/>
                 </a:ext>
               </a:extLst>
             </a:blip>
@@ -32821,14 +33034,14 @@
             </a:ln>
             <a:extLst>
               <a:ext uri="{909E8E84-426E-40DD-AFC4-6F175D3DCCD1}">
-                <a14:hiddenFill xmlns:a14="http://schemas.microsoft.com/office/drawing/2010/main">
+                <a14:hiddenFill xmlns="" xmlns:a14="http://schemas.microsoft.com/office/drawing/2010/main">
                   <a:solidFill>
                     <a:schemeClr val="accent1"/>
                   </a:solidFill>
                 </a14:hiddenFill>
               </a:ext>
               <a:ext uri="{91240B29-F687-4F45-9708-019B960494DF}">
-                <a14:hiddenLine xmlns:a14="http://schemas.microsoft.com/office/drawing/2010/main" w="9525">
+                <a14:hiddenLine xmlns="" xmlns:a14="http://schemas.microsoft.com/office/drawing/2010/main" w="9525">
                   <a:solidFill>
                     <a:schemeClr val="tx1"/>
                   </a:solidFill>
@@ -32948,7 +33161,7 @@
               </a:clrChange>
               <a:extLst>
                 <a:ext uri="{28A0092B-C50C-407E-A947-70E740481C1C}">
-                  <a14:useLocalDpi xmlns:a14="http://schemas.microsoft.com/office/drawing/2010/main" val="0"/>
+                  <a14:useLocalDpi xmlns="" xmlns:a14="http://schemas.microsoft.com/office/drawing/2010/main" val="0"/>
                 </a:ext>
               </a:extLst>
             </a:blip>
@@ -32971,14 +33184,14 @@
             </a:ln>
             <a:extLst>
               <a:ext uri="{909E8E84-426E-40DD-AFC4-6F175D3DCCD1}">
-                <a14:hiddenFill xmlns:a14="http://schemas.microsoft.com/office/drawing/2010/main">
+                <a14:hiddenFill xmlns="" xmlns:a14="http://schemas.microsoft.com/office/drawing/2010/main">
                   <a:solidFill>
                     <a:schemeClr val="accent1"/>
                   </a:solidFill>
                 </a14:hiddenFill>
               </a:ext>
               <a:ext uri="{91240B29-F687-4F45-9708-019B960494DF}">
-                <a14:hiddenLine xmlns:a14="http://schemas.microsoft.com/office/drawing/2010/main" w="9525">
+                <a14:hiddenLine xmlns="" xmlns:a14="http://schemas.microsoft.com/office/drawing/2010/main" w="9525">
                   <a:solidFill>
                     <a:schemeClr val="tx1"/>
                   </a:solidFill>
@@ -33104,7 +33317,7 @@
               </a:clrChange>
               <a:extLst>
                 <a:ext uri="{28A0092B-C50C-407E-A947-70E740481C1C}">
-                  <a14:useLocalDpi xmlns:a14="http://schemas.microsoft.com/office/drawing/2010/main" val="0"/>
+                  <a14:useLocalDpi xmlns="" xmlns:a14="http://schemas.microsoft.com/office/drawing/2010/main" val="0"/>
                 </a:ext>
               </a:extLst>
             </a:blip>
@@ -33127,14 +33340,14 @@
             </a:ln>
             <a:extLst>
               <a:ext uri="{909E8E84-426E-40DD-AFC4-6F175D3DCCD1}">
-                <a14:hiddenFill xmlns:a14="http://schemas.microsoft.com/office/drawing/2010/main">
+                <a14:hiddenFill xmlns="" xmlns:a14="http://schemas.microsoft.com/office/drawing/2010/main">
                   <a:solidFill>
                     <a:schemeClr val="accent1"/>
                   </a:solidFill>
                 </a14:hiddenFill>
               </a:ext>
               <a:ext uri="{91240B29-F687-4F45-9708-019B960494DF}">
-                <a14:hiddenLine xmlns:a14="http://schemas.microsoft.com/office/drawing/2010/main" w="9525">
+                <a14:hiddenLine xmlns="" xmlns:a14="http://schemas.microsoft.com/office/drawing/2010/main" w="9525">
                   <a:solidFill>
                     <a:schemeClr val="tx1"/>
                   </a:solidFill>
@@ -33216,7 +33429,7 @@
             </a:clrChange>
             <a:extLst>
               <a:ext uri="{28A0092B-C50C-407E-A947-70E740481C1C}">
-                <a14:useLocalDpi xmlns:a14="http://schemas.microsoft.com/office/drawing/2010/main" val="0"/>
+                <a14:useLocalDpi xmlns="" xmlns:a14="http://schemas.microsoft.com/office/drawing/2010/main" val="0"/>
               </a:ext>
             </a:extLst>
           </a:blip>
@@ -33239,14 +33452,14 @@
           </a:ln>
           <a:extLst>
             <a:ext uri="{909E8E84-426E-40DD-AFC4-6F175D3DCCD1}">
-              <a14:hiddenFill xmlns:a14="http://schemas.microsoft.com/office/drawing/2010/main">
+              <a14:hiddenFill xmlns="" xmlns:a14="http://schemas.microsoft.com/office/drawing/2010/main">
                 <a:solidFill>
                   <a:schemeClr val="accent1"/>
                 </a:solidFill>
               </a14:hiddenFill>
             </a:ext>
             <a:ext uri="{91240B29-F687-4F45-9708-019B960494DF}">
-              <a14:hiddenLine xmlns:a14="http://schemas.microsoft.com/office/drawing/2010/main" w="9525">
+              <a14:hiddenLine xmlns="" xmlns:a14="http://schemas.microsoft.com/office/drawing/2010/main" w="9525">
                 <a:solidFill>
                   <a:schemeClr val="tx1"/>
                 </a:solidFill>
@@ -33261,7 +33474,7 @@
     </p:spTree>
     <p:extLst>
       <p:ext uri="{BB962C8B-B14F-4D97-AF65-F5344CB8AC3E}">
-        <p14:creationId xmlns:p14="http://schemas.microsoft.com/office/powerpoint/2010/main" val="3928047803"/>
+        <p14:creationId xmlns="" xmlns:p14="http://schemas.microsoft.com/office/powerpoint/2010/main" val="3928047803"/>
       </p:ext>
     </p:extLst>
   </p:cSld>
@@ -33310,7 +33523,7 @@
             </a:clrChange>
             <a:extLst>
               <a:ext uri="{28A0092B-C50C-407E-A947-70E740481C1C}">
-                <a14:useLocalDpi xmlns:a14="http://schemas.microsoft.com/office/drawing/2010/main" val="0"/>
+                <a14:useLocalDpi xmlns="" xmlns:a14="http://schemas.microsoft.com/office/drawing/2010/main" val="0"/>
               </a:ext>
             </a:extLst>
           </a:blip>
@@ -33333,14 +33546,14 @@
           </a:ln>
           <a:extLst>
             <a:ext uri="{909E8E84-426E-40DD-AFC4-6F175D3DCCD1}">
-              <a14:hiddenFill xmlns:a14="http://schemas.microsoft.com/office/drawing/2010/main">
+              <a14:hiddenFill xmlns="" xmlns:a14="http://schemas.microsoft.com/office/drawing/2010/main">
                 <a:solidFill>
                   <a:schemeClr val="accent1"/>
                 </a:solidFill>
               </a14:hiddenFill>
             </a:ext>
             <a:ext uri="{91240B29-F687-4F45-9708-019B960494DF}">
-              <a14:hiddenLine xmlns:a14="http://schemas.microsoft.com/office/drawing/2010/main" w="9525">
+              <a14:hiddenLine xmlns="" xmlns:a14="http://schemas.microsoft.com/office/drawing/2010/main" w="9525">
                 <a:solidFill>
                   <a:schemeClr val="tx1"/>
                 </a:solidFill>
@@ -33427,7 +33640,7 @@
             </a:clrChange>
             <a:extLst>
               <a:ext uri="{28A0092B-C50C-407E-A947-70E740481C1C}">
-                <a14:useLocalDpi xmlns:a14="http://schemas.microsoft.com/office/drawing/2010/main" val="0"/>
+                <a14:useLocalDpi xmlns="" xmlns:a14="http://schemas.microsoft.com/office/drawing/2010/main" val="0"/>
               </a:ext>
             </a:extLst>
           </a:blip>
@@ -33450,14 +33663,14 @@
           </a:ln>
           <a:extLst>
             <a:ext uri="{909E8E84-426E-40DD-AFC4-6F175D3DCCD1}">
-              <a14:hiddenFill xmlns:a14="http://schemas.microsoft.com/office/drawing/2010/main">
+              <a14:hiddenFill xmlns="" xmlns:a14="http://schemas.microsoft.com/office/drawing/2010/main">
                 <a:solidFill>
                   <a:schemeClr val="accent1"/>
                 </a:solidFill>
               </a14:hiddenFill>
             </a:ext>
             <a:ext uri="{91240B29-F687-4F45-9708-019B960494DF}">
-              <a14:hiddenLine xmlns:a14="http://schemas.microsoft.com/office/drawing/2010/main" w="9525">
+              <a14:hiddenLine xmlns="" xmlns:a14="http://schemas.microsoft.com/office/drawing/2010/main" w="9525">
                 <a:solidFill>
                   <a:schemeClr val="tx1"/>
                 </a:solidFill>
@@ -33534,7 +33747,7 @@
               </a:clrChange>
               <a:extLst>
                 <a:ext uri="{28A0092B-C50C-407E-A947-70E740481C1C}">
-                  <a14:useLocalDpi xmlns:a14="http://schemas.microsoft.com/office/drawing/2010/main" val="0"/>
+                  <a14:useLocalDpi xmlns="" xmlns:a14="http://schemas.microsoft.com/office/drawing/2010/main" val="0"/>
                 </a:ext>
               </a:extLst>
             </a:blip>
@@ -33557,14 +33770,14 @@
             </a:ln>
             <a:extLst>
               <a:ext uri="{909E8E84-426E-40DD-AFC4-6F175D3DCCD1}">
-                <a14:hiddenFill xmlns:a14="http://schemas.microsoft.com/office/drawing/2010/main">
+                <a14:hiddenFill xmlns="" xmlns:a14="http://schemas.microsoft.com/office/drawing/2010/main">
                   <a:solidFill>
                     <a:schemeClr val="accent1"/>
                   </a:solidFill>
                 </a14:hiddenFill>
               </a:ext>
               <a:ext uri="{91240B29-F687-4F45-9708-019B960494DF}">
-                <a14:hiddenLine xmlns:a14="http://schemas.microsoft.com/office/drawing/2010/main" w="9525">
+                <a14:hiddenLine xmlns="" xmlns:a14="http://schemas.microsoft.com/office/drawing/2010/main" w="9525">
                   <a:solidFill>
                     <a:schemeClr val="tx1"/>
                   </a:solidFill>
@@ -33684,7 +33897,7 @@
               </a:clrChange>
               <a:extLst>
                 <a:ext uri="{28A0092B-C50C-407E-A947-70E740481C1C}">
-                  <a14:useLocalDpi xmlns:a14="http://schemas.microsoft.com/office/drawing/2010/main" val="0"/>
+                  <a14:useLocalDpi xmlns="" xmlns:a14="http://schemas.microsoft.com/office/drawing/2010/main" val="0"/>
                 </a:ext>
               </a:extLst>
             </a:blip>
@@ -33707,14 +33920,14 @@
             </a:ln>
             <a:extLst>
               <a:ext uri="{909E8E84-426E-40DD-AFC4-6F175D3DCCD1}">
-                <a14:hiddenFill xmlns:a14="http://schemas.microsoft.com/office/drawing/2010/main">
+                <a14:hiddenFill xmlns="" xmlns:a14="http://schemas.microsoft.com/office/drawing/2010/main">
                   <a:solidFill>
                     <a:schemeClr val="accent1"/>
                   </a:solidFill>
                 </a14:hiddenFill>
               </a:ext>
               <a:ext uri="{91240B29-F687-4F45-9708-019B960494DF}">
-                <a14:hiddenLine xmlns:a14="http://schemas.microsoft.com/office/drawing/2010/main" w="9525">
+                <a14:hiddenLine xmlns="" xmlns:a14="http://schemas.microsoft.com/office/drawing/2010/main" w="9525">
                   <a:solidFill>
                     <a:schemeClr val="tx1"/>
                   </a:solidFill>
@@ -33840,7 +34053,7 @@
               </a:clrChange>
               <a:extLst>
                 <a:ext uri="{28A0092B-C50C-407E-A947-70E740481C1C}">
-                  <a14:useLocalDpi xmlns:a14="http://schemas.microsoft.com/office/drawing/2010/main" val="0"/>
+                  <a14:useLocalDpi xmlns="" xmlns:a14="http://schemas.microsoft.com/office/drawing/2010/main" val="0"/>
                 </a:ext>
               </a:extLst>
             </a:blip>
@@ -33863,14 +34076,14 @@
             </a:ln>
             <a:extLst>
               <a:ext uri="{909E8E84-426E-40DD-AFC4-6F175D3DCCD1}">
-                <a14:hiddenFill xmlns:a14="http://schemas.microsoft.com/office/drawing/2010/main">
+                <a14:hiddenFill xmlns="" xmlns:a14="http://schemas.microsoft.com/office/drawing/2010/main">
                   <a:solidFill>
                     <a:schemeClr val="accent1"/>
                   </a:solidFill>
                 </a14:hiddenFill>
               </a:ext>
               <a:ext uri="{91240B29-F687-4F45-9708-019B960494DF}">
-                <a14:hiddenLine xmlns:a14="http://schemas.microsoft.com/office/drawing/2010/main" w="9525">
+                <a14:hiddenLine xmlns="" xmlns:a14="http://schemas.microsoft.com/office/drawing/2010/main" w="9525">
                   <a:solidFill>
                     <a:schemeClr val="tx1"/>
                   </a:solidFill>
@@ -33952,7 +34165,7 @@
             </a:clrChange>
             <a:extLst>
               <a:ext uri="{28A0092B-C50C-407E-A947-70E740481C1C}">
-                <a14:useLocalDpi xmlns:a14="http://schemas.microsoft.com/office/drawing/2010/main" val="0"/>
+                <a14:useLocalDpi xmlns="" xmlns:a14="http://schemas.microsoft.com/office/drawing/2010/main" val="0"/>
               </a:ext>
             </a:extLst>
           </a:blip>
@@ -33975,14 +34188,14 @@
           </a:ln>
           <a:extLst>
             <a:ext uri="{909E8E84-426E-40DD-AFC4-6F175D3DCCD1}">
-              <a14:hiddenFill xmlns:a14="http://schemas.microsoft.com/office/drawing/2010/main">
+              <a14:hiddenFill xmlns="" xmlns:a14="http://schemas.microsoft.com/office/drawing/2010/main">
                 <a:solidFill>
                   <a:schemeClr val="accent1"/>
                 </a:solidFill>
               </a14:hiddenFill>
             </a:ext>
             <a:ext uri="{91240B29-F687-4F45-9708-019B960494DF}">
-              <a14:hiddenLine xmlns:a14="http://schemas.microsoft.com/office/drawing/2010/main" w="9525">
+              <a14:hiddenLine xmlns="" xmlns:a14="http://schemas.microsoft.com/office/drawing/2010/main" w="9525">
                 <a:solidFill>
                   <a:schemeClr val="tx1"/>
                 </a:solidFill>
@@ -33997,7 +34210,7 @@
     </p:spTree>
     <p:extLst>
       <p:ext uri="{BB962C8B-B14F-4D97-AF65-F5344CB8AC3E}">
-        <p14:creationId xmlns:p14="http://schemas.microsoft.com/office/powerpoint/2010/main" val="3573362776"/>
+        <p14:creationId xmlns="" xmlns:p14="http://schemas.microsoft.com/office/powerpoint/2010/main" val="3573362776"/>
       </p:ext>
     </p:extLst>
   </p:cSld>
@@ -34046,7 +34259,7 @@
             </a:clrChange>
             <a:extLst>
               <a:ext uri="{28A0092B-C50C-407E-A947-70E740481C1C}">
-                <a14:useLocalDpi xmlns:a14="http://schemas.microsoft.com/office/drawing/2010/main" val="0"/>
+                <a14:useLocalDpi xmlns="" xmlns:a14="http://schemas.microsoft.com/office/drawing/2010/main" val="0"/>
               </a:ext>
             </a:extLst>
           </a:blip>
@@ -34069,14 +34282,14 @@
           </a:ln>
           <a:extLst>
             <a:ext uri="{909E8E84-426E-40DD-AFC4-6F175D3DCCD1}">
-              <a14:hiddenFill xmlns:a14="http://schemas.microsoft.com/office/drawing/2010/main">
+              <a14:hiddenFill xmlns="" xmlns:a14="http://schemas.microsoft.com/office/drawing/2010/main">
                 <a:solidFill>
                   <a:schemeClr val="accent1"/>
                 </a:solidFill>
               </a14:hiddenFill>
             </a:ext>
             <a:ext uri="{91240B29-F687-4F45-9708-019B960494DF}">
-              <a14:hiddenLine xmlns:a14="http://schemas.microsoft.com/office/drawing/2010/main" w="9525">
+              <a14:hiddenLine xmlns="" xmlns:a14="http://schemas.microsoft.com/office/drawing/2010/main" w="9525">
                 <a:solidFill>
                   <a:schemeClr val="tx1"/>
                 </a:solidFill>
@@ -34163,7 +34376,7 @@
             </a:clrChange>
             <a:extLst>
               <a:ext uri="{28A0092B-C50C-407E-A947-70E740481C1C}">
-                <a14:useLocalDpi xmlns:a14="http://schemas.microsoft.com/office/drawing/2010/main" val="0"/>
+                <a14:useLocalDpi xmlns="" xmlns:a14="http://schemas.microsoft.com/office/drawing/2010/main" val="0"/>
               </a:ext>
             </a:extLst>
           </a:blip>
@@ -34186,14 +34399,14 @@
           </a:ln>
           <a:extLst>
             <a:ext uri="{909E8E84-426E-40DD-AFC4-6F175D3DCCD1}">
-              <a14:hiddenFill xmlns:a14="http://schemas.microsoft.com/office/drawing/2010/main">
+              <a14:hiddenFill xmlns="" xmlns:a14="http://schemas.microsoft.com/office/drawing/2010/main">
                 <a:solidFill>
                   <a:schemeClr val="accent1"/>
                 </a:solidFill>
               </a14:hiddenFill>
             </a:ext>
             <a:ext uri="{91240B29-F687-4F45-9708-019B960494DF}">
-              <a14:hiddenLine xmlns:a14="http://schemas.microsoft.com/office/drawing/2010/main" w="9525">
+              <a14:hiddenLine xmlns="" xmlns:a14="http://schemas.microsoft.com/office/drawing/2010/main" w="9525">
                 <a:solidFill>
                   <a:schemeClr val="tx1"/>
                 </a:solidFill>
@@ -34270,7 +34483,7 @@
               </a:clrChange>
               <a:extLst>
                 <a:ext uri="{28A0092B-C50C-407E-A947-70E740481C1C}">
-                  <a14:useLocalDpi xmlns:a14="http://schemas.microsoft.com/office/drawing/2010/main" val="0"/>
+                  <a14:useLocalDpi xmlns="" xmlns:a14="http://schemas.microsoft.com/office/drawing/2010/main" val="0"/>
                 </a:ext>
               </a:extLst>
             </a:blip>
@@ -34293,14 +34506,14 @@
             </a:ln>
             <a:extLst>
               <a:ext uri="{909E8E84-426E-40DD-AFC4-6F175D3DCCD1}">
-                <a14:hiddenFill xmlns:a14="http://schemas.microsoft.com/office/drawing/2010/main">
+                <a14:hiddenFill xmlns="" xmlns:a14="http://schemas.microsoft.com/office/drawing/2010/main">
                   <a:solidFill>
                     <a:schemeClr val="accent1"/>
                   </a:solidFill>
                 </a14:hiddenFill>
               </a:ext>
               <a:ext uri="{91240B29-F687-4F45-9708-019B960494DF}">
-                <a14:hiddenLine xmlns:a14="http://schemas.microsoft.com/office/drawing/2010/main" w="9525">
+                <a14:hiddenLine xmlns="" xmlns:a14="http://schemas.microsoft.com/office/drawing/2010/main" w="9525">
                   <a:solidFill>
                     <a:schemeClr val="tx1"/>
                   </a:solidFill>
@@ -34450,7 +34663,7 @@
               </a:clrChange>
               <a:extLst>
                 <a:ext uri="{28A0092B-C50C-407E-A947-70E740481C1C}">
-                  <a14:useLocalDpi xmlns:a14="http://schemas.microsoft.com/office/drawing/2010/main" val="0"/>
+                  <a14:useLocalDpi xmlns="" xmlns:a14="http://schemas.microsoft.com/office/drawing/2010/main" val="0"/>
                 </a:ext>
               </a:extLst>
             </a:blip>
@@ -34473,14 +34686,14 @@
             </a:ln>
             <a:extLst>
               <a:ext uri="{909E8E84-426E-40DD-AFC4-6F175D3DCCD1}">
-                <a14:hiddenFill xmlns:a14="http://schemas.microsoft.com/office/drawing/2010/main">
+                <a14:hiddenFill xmlns="" xmlns:a14="http://schemas.microsoft.com/office/drawing/2010/main">
                   <a:solidFill>
                     <a:schemeClr val="accent1"/>
                   </a:solidFill>
                 </a14:hiddenFill>
               </a:ext>
               <a:ext uri="{91240B29-F687-4F45-9708-019B960494DF}">
-                <a14:hiddenLine xmlns:a14="http://schemas.microsoft.com/office/drawing/2010/main" w="9525">
+                <a14:hiddenLine xmlns="" xmlns:a14="http://schemas.microsoft.com/office/drawing/2010/main" w="9525">
                   <a:solidFill>
                     <a:schemeClr val="tx1"/>
                   </a:solidFill>
@@ -34543,7 +34756,7 @@
     </p:spTree>
     <p:extLst>
       <p:ext uri="{BB962C8B-B14F-4D97-AF65-F5344CB8AC3E}">
-        <p14:creationId xmlns:p14="http://schemas.microsoft.com/office/powerpoint/2010/main" val="448705179"/>
+        <p14:creationId xmlns="" xmlns:p14="http://schemas.microsoft.com/office/powerpoint/2010/main" val="448705179"/>
       </p:ext>
     </p:extLst>
   </p:cSld>

--- a/pictures.pptx
+++ b/pictures.pptx
@@ -33,6 +33,7 @@
     <p:sldId id="278" r:id="rId27"/>
     <p:sldId id="279" r:id="rId28"/>
     <p:sldId id="282" r:id="rId29"/>
+    <p:sldId id="284" r:id="rId30"/>
   </p:sldIdLst>
   <p:sldSz cx="9144000" cy="6858000" type="screen4x3"/>
   <p:notesSz cx="6858000" cy="9144000"/>
@@ -4808,10 +4809,10 @@
     <dgm:cxn modelId="{275DCCED-1CF8-47A7-B91F-8CAC53BF4272}" type="presOf" srcId="{5D21D8BC-666E-4114-80E6-FA46EFBB1481}" destId="{F879393D-987D-4A4F-9334-D42AB832B066}" srcOrd="0" destOrd="0" presId="urn:microsoft.com/office/officeart/2005/8/layout/chevron1"/>
     <dgm:cxn modelId="{44F816F0-8F9B-4FCC-BC66-8CEB73A0B259}" srcId="{5D21D8BC-666E-4114-80E6-FA46EFBB1481}" destId="{22E627A8-270D-449A-9889-7489D589131E}" srcOrd="1" destOrd="0" parTransId="{5F8071CA-105D-46D2-8F43-FD742F090B0D}" sibTransId="{4D18BCB8-F079-4C81-93C0-0D6AE7277CB1}"/>
     <dgm:cxn modelId="{F096248B-DBD5-44C4-9262-47B37A3486C9}" type="presOf" srcId="{B777BD26-EC81-4478-9E42-1BFF505858F2}" destId="{C62F374F-7C9B-4AD8-A4E0-355BE21DECAD}" srcOrd="0" destOrd="0" presId="urn:microsoft.com/office/officeart/2005/8/layout/chevron1"/>
-    <dgm:cxn modelId="{E7B56E9F-FBA9-47CC-A31A-3639C09881DD}" srcId="{5D21D8BC-666E-4114-80E6-FA46EFBB1481}" destId="{74A560BC-7102-44EB-877C-7E4ECCDE9746}" srcOrd="2" destOrd="0" parTransId="{2E880692-1496-4A21-B250-C67B174AF5EB}" sibTransId="{F3E5B471-7858-41A3-BE7B-1A274593F4CB}"/>
+    <dgm:cxn modelId="{F33B0DB6-20CB-44F7-819B-E3108391589E}" type="presOf" srcId="{22E627A8-270D-449A-9889-7489D589131E}" destId="{5BAAEAA7-D021-43B8-879F-390B2EF9DB92}" srcOrd="0" destOrd="0" presId="urn:microsoft.com/office/officeart/2005/8/layout/chevron1"/>
     <dgm:cxn modelId="{ACFE56FE-85BB-4734-9CEE-F820EA779125}" srcId="{5D21D8BC-666E-4114-80E6-FA46EFBB1481}" destId="{B777BD26-EC81-4478-9E42-1BFF505858F2}" srcOrd="0" destOrd="0" parTransId="{A174C541-9C03-422C-9349-36B0589ADCEC}" sibTransId="{2A43A43A-D58F-4F84-A074-0A4612A5D417}"/>
     <dgm:cxn modelId="{2C03FBD0-A5EE-4978-AD78-DF65A6DFCD23}" type="presOf" srcId="{74A560BC-7102-44EB-877C-7E4ECCDE9746}" destId="{68FBF925-E59F-4056-9E04-C1A849D3EDC9}" srcOrd="0" destOrd="0" presId="urn:microsoft.com/office/officeart/2005/8/layout/chevron1"/>
-    <dgm:cxn modelId="{F33B0DB6-20CB-44F7-819B-E3108391589E}" type="presOf" srcId="{22E627A8-270D-449A-9889-7489D589131E}" destId="{5BAAEAA7-D021-43B8-879F-390B2EF9DB92}" srcOrd="0" destOrd="0" presId="urn:microsoft.com/office/officeart/2005/8/layout/chevron1"/>
+    <dgm:cxn modelId="{E7B56E9F-FBA9-47CC-A31A-3639C09881DD}" srcId="{5D21D8BC-666E-4114-80E6-FA46EFBB1481}" destId="{74A560BC-7102-44EB-877C-7E4ECCDE9746}" srcOrd="2" destOrd="0" parTransId="{2E880692-1496-4A21-B250-C67B174AF5EB}" sibTransId="{F3E5B471-7858-41A3-BE7B-1A274593F4CB}"/>
     <dgm:cxn modelId="{D28DC277-4588-4CED-A3B9-C378A09561F5}" type="presParOf" srcId="{F879393D-987D-4A4F-9334-D42AB832B066}" destId="{C62F374F-7C9B-4AD8-A4E0-355BE21DECAD}" srcOrd="0" destOrd="0" presId="urn:microsoft.com/office/officeart/2005/8/layout/chevron1"/>
     <dgm:cxn modelId="{7AA790E6-6EB5-49C5-96E3-E55D9F51A029}" type="presParOf" srcId="{F879393D-987D-4A4F-9334-D42AB832B066}" destId="{D9D3CDE9-440A-4E0F-9713-36C6DCD423EE}" srcOrd="1" destOrd="0" presId="urn:microsoft.com/office/officeart/2005/8/layout/chevron1"/>
     <dgm:cxn modelId="{92256D3B-D8D0-45EC-AA96-D725095AB19A}" type="presParOf" srcId="{F879393D-987D-4A4F-9334-D42AB832B066}" destId="{5BAAEAA7-D021-43B8-879F-390B2EF9DB92}" srcOrd="2" destOrd="0" presId="urn:microsoft.com/office/officeart/2005/8/layout/chevron1"/>
@@ -4822,7 +4823,7 @@
   <dgm:whole/>
   <dgm:extLst>
     <a:ext uri="http://schemas.microsoft.com/office/drawing/2008/diagram">
-      <dsp:dataModelExt xmlns="" xmlns:dsp="http://schemas.microsoft.com/office/drawing/2008/diagram" relId="rId6" minVer="http://schemas.openxmlformats.org/drawingml/2006/diagram"/>
+      <dsp:dataModelExt xmlns:dsp="http://schemas.microsoft.com/office/drawing/2008/diagram" relId="rId6" minVer="http://schemas.openxmlformats.org/drawingml/2006/diagram"/>
     </a:ext>
   </dgm:extLst>
 </dgm:dataModel>
@@ -5305,21 +5306,21 @@
     </dgm:pt>
   </dgm:ptLst>
   <dgm:cxnLst>
+    <dgm:cxn modelId="{6189A4AA-D7EB-418F-9F2D-C66AC3C01A62}" srcId="{9450D4C9-C4B2-4911-A89A-514780CB9F15}" destId="{C97B20BC-3CBA-411F-AB14-F158490C5BCC}" srcOrd="6" destOrd="0" parTransId="{F7EE3B89-45E3-4220-BAF4-37722295D274}" sibTransId="{484765B2-A338-4F5A-B411-50FEAAE111D8}"/>
+    <dgm:cxn modelId="{C04C286E-F3CB-4F9C-A9D3-E1C714569928}" type="presOf" srcId="{962489C9-99E7-4179-9C22-D64CAB835C31}" destId="{9D68CD03-B1A7-4BEA-B058-FD22B6150897}" srcOrd="0" destOrd="0" presId="urn:microsoft.com/office/officeart/2005/8/layout/chevron1"/>
+    <dgm:cxn modelId="{3472B545-712D-4EE5-A0FD-FCCE69A3F421}" srcId="{9450D4C9-C4B2-4911-A89A-514780CB9F15}" destId="{8A145133-89F4-4E11-BED7-033969110BEF}" srcOrd="4" destOrd="0" parTransId="{06C89CBF-459F-4019-BA59-A67EB395C5B9}" sibTransId="{A211C329-5A6A-4787-B4B1-98439EF8D8DC}"/>
+    <dgm:cxn modelId="{9DF62359-97EF-4CF4-AE53-CD7F768719C7}" srcId="{9450D4C9-C4B2-4911-A89A-514780CB9F15}" destId="{B537E5C6-AC88-45DE-A692-878DAC35B119}" srcOrd="2" destOrd="0" parTransId="{21C1899A-364B-44E7-8777-92B33ED6457F}" sibTransId="{DE041BA8-1086-4C93-A56B-5A6A7F7943AB}"/>
+    <dgm:cxn modelId="{09C829B3-9421-472C-992B-F9C6C7EA8079}" srcId="{9450D4C9-C4B2-4911-A89A-514780CB9F15}" destId="{962489C9-99E7-4179-9C22-D64CAB835C31}" srcOrd="3" destOrd="0" parTransId="{44042CD2-4D4B-4F8B-847E-88E42BCD2928}" sibTransId="{4A484662-FBA7-4F43-BE10-51AB84EA0D6F}"/>
+    <dgm:cxn modelId="{7000B5C2-4F63-48D2-B345-7AAD7E3D400A}" type="presOf" srcId="{C97B20BC-3CBA-411F-AB14-F158490C5BCC}" destId="{5D5D5C88-985A-485D-991E-57409E5BC77A}" srcOrd="0" destOrd="0" presId="urn:microsoft.com/office/officeart/2005/8/layout/chevron1"/>
+    <dgm:cxn modelId="{7301DC52-2307-4D26-BB4E-D7886F63C24A}" type="presOf" srcId="{868111AE-E299-4D01-BF58-8129A9506C06}" destId="{771B5359-AC59-491F-AE7E-C91287E4A360}" srcOrd="0" destOrd="0" presId="urn:microsoft.com/office/officeart/2005/8/layout/chevron1"/>
+    <dgm:cxn modelId="{C378ED72-E206-4B76-B23C-B3B4B3340B73}" srcId="{9450D4C9-C4B2-4911-A89A-514780CB9F15}" destId="{CF478C61-00AD-4194-8D4F-7DB2AE098B5C}" srcOrd="5" destOrd="0" parTransId="{2EC35964-DAF3-4C89-B364-499868C294A8}" sibTransId="{58567C9B-A274-4468-A0E3-EA814A581623}"/>
+    <dgm:cxn modelId="{482379BC-5645-4FD0-878F-8EC4CDA2EED3}" type="presOf" srcId="{CF478C61-00AD-4194-8D4F-7DB2AE098B5C}" destId="{1214DDDF-E3A3-4EB3-BFBD-CAE78864CA50}" srcOrd="0" destOrd="0" presId="urn:microsoft.com/office/officeart/2005/8/layout/chevron1"/>
     <dgm:cxn modelId="{0634C07E-9B92-4862-AE73-669FB447C23A}" type="presOf" srcId="{B537E5C6-AC88-45DE-A692-878DAC35B119}" destId="{5535CA09-926A-457A-A4B7-21390F15F94F}" srcOrd="0" destOrd="0" presId="urn:microsoft.com/office/officeart/2005/8/layout/chevron1"/>
-    <dgm:cxn modelId="{6189A4AA-D7EB-418F-9F2D-C66AC3C01A62}" srcId="{9450D4C9-C4B2-4911-A89A-514780CB9F15}" destId="{C97B20BC-3CBA-411F-AB14-F158490C5BCC}" srcOrd="6" destOrd="0" parTransId="{F7EE3B89-45E3-4220-BAF4-37722295D274}" sibTransId="{484765B2-A338-4F5A-B411-50FEAAE111D8}"/>
-    <dgm:cxn modelId="{3472B545-712D-4EE5-A0FD-FCCE69A3F421}" srcId="{9450D4C9-C4B2-4911-A89A-514780CB9F15}" destId="{8A145133-89F4-4E11-BED7-033969110BEF}" srcOrd="4" destOrd="0" parTransId="{06C89CBF-459F-4019-BA59-A67EB395C5B9}" sibTransId="{A211C329-5A6A-4787-B4B1-98439EF8D8DC}"/>
-    <dgm:cxn modelId="{C378ED72-E206-4B76-B23C-B3B4B3340B73}" srcId="{9450D4C9-C4B2-4911-A89A-514780CB9F15}" destId="{CF478C61-00AD-4194-8D4F-7DB2AE098B5C}" srcOrd="5" destOrd="0" parTransId="{2EC35964-DAF3-4C89-B364-499868C294A8}" sibTransId="{58567C9B-A274-4468-A0E3-EA814A581623}"/>
+    <dgm:cxn modelId="{57BA3C68-BC2F-4757-8247-D0ABECA113C8}" type="presOf" srcId="{8A145133-89F4-4E11-BED7-033969110BEF}" destId="{47EC26A5-DB58-47F3-B21F-7ECE3520D744}" srcOrd="0" destOrd="0" presId="urn:microsoft.com/office/officeart/2005/8/layout/chevron1"/>
     <dgm:cxn modelId="{B22E7FC3-8354-4071-9729-712A64B6BD46}" type="presOf" srcId="{9450D4C9-C4B2-4911-A89A-514780CB9F15}" destId="{460ED21A-C4DB-432F-A891-283E6D30FEEE}" srcOrd="0" destOrd="0" presId="urn:microsoft.com/office/officeart/2005/8/layout/chevron1"/>
+    <dgm:cxn modelId="{863F3A18-B337-4D3B-86F0-8953E07EAC44}" srcId="{9450D4C9-C4B2-4911-A89A-514780CB9F15}" destId="{868111AE-E299-4D01-BF58-8129A9506C06}" srcOrd="1" destOrd="0" parTransId="{C75652AF-634A-420D-9D96-F9B77B193B68}" sibTransId="{44CBE08D-1567-41F1-8953-1BAC21412B7A}"/>
     <dgm:cxn modelId="{5F875D11-DB50-43F9-BDF2-78334F8D7E58}" srcId="{9450D4C9-C4B2-4911-A89A-514780CB9F15}" destId="{64331C73-F894-4973-9E15-1A620C348097}" srcOrd="0" destOrd="0" parTransId="{77CFB40D-6F23-4B24-A619-E0E618CEB0D8}" sibTransId="{FFC0C0DB-5B55-4194-A6BD-4ACC55D2B470}"/>
-    <dgm:cxn modelId="{482379BC-5645-4FD0-878F-8EC4CDA2EED3}" type="presOf" srcId="{CF478C61-00AD-4194-8D4F-7DB2AE098B5C}" destId="{1214DDDF-E3A3-4EB3-BFBD-CAE78864CA50}" srcOrd="0" destOrd="0" presId="urn:microsoft.com/office/officeart/2005/8/layout/chevron1"/>
-    <dgm:cxn modelId="{7000B5C2-4F63-48D2-B345-7AAD7E3D400A}" type="presOf" srcId="{C97B20BC-3CBA-411F-AB14-F158490C5BCC}" destId="{5D5D5C88-985A-485D-991E-57409E5BC77A}" srcOrd="0" destOrd="0" presId="urn:microsoft.com/office/officeart/2005/8/layout/chevron1"/>
     <dgm:cxn modelId="{DCDA388B-27FF-47A0-B71D-9F49880F0540}" type="presOf" srcId="{64331C73-F894-4973-9E15-1A620C348097}" destId="{09A00682-3313-476D-9195-849AA0621560}" srcOrd="0" destOrd="0" presId="urn:microsoft.com/office/officeart/2005/8/layout/chevron1"/>
-    <dgm:cxn modelId="{863F3A18-B337-4D3B-86F0-8953E07EAC44}" srcId="{9450D4C9-C4B2-4911-A89A-514780CB9F15}" destId="{868111AE-E299-4D01-BF58-8129A9506C06}" srcOrd="1" destOrd="0" parTransId="{C75652AF-634A-420D-9D96-F9B77B193B68}" sibTransId="{44CBE08D-1567-41F1-8953-1BAC21412B7A}"/>
-    <dgm:cxn modelId="{09C829B3-9421-472C-992B-F9C6C7EA8079}" srcId="{9450D4C9-C4B2-4911-A89A-514780CB9F15}" destId="{962489C9-99E7-4179-9C22-D64CAB835C31}" srcOrd="3" destOrd="0" parTransId="{44042CD2-4D4B-4F8B-847E-88E42BCD2928}" sibTransId="{4A484662-FBA7-4F43-BE10-51AB84EA0D6F}"/>
-    <dgm:cxn modelId="{C04C286E-F3CB-4F9C-A9D3-E1C714569928}" type="presOf" srcId="{962489C9-99E7-4179-9C22-D64CAB835C31}" destId="{9D68CD03-B1A7-4BEA-B058-FD22B6150897}" srcOrd="0" destOrd="0" presId="urn:microsoft.com/office/officeart/2005/8/layout/chevron1"/>
-    <dgm:cxn modelId="{57BA3C68-BC2F-4757-8247-D0ABECA113C8}" type="presOf" srcId="{8A145133-89F4-4E11-BED7-033969110BEF}" destId="{47EC26A5-DB58-47F3-B21F-7ECE3520D744}" srcOrd="0" destOrd="0" presId="urn:microsoft.com/office/officeart/2005/8/layout/chevron1"/>
-    <dgm:cxn modelId="{9DF62359-97EF-4CF4-AE53-CD7F768719C7}" srcId="{9450D4C9-C4B2-4911-A89A-514780CB9F15}" destId="{B537E5C6-AC88-45DE-A692-878DAC35B119}" srcOrd="2" destOrd="0" parTransId="{21C1899A-364B-44E7-8777-92B33ED6457F}" sibTransId="{DE041BA8-1086-4C93-A56B-5A6A7F7943AB}"/>
-    <dgm:cxn modelId="{7301DC52-2307-4D26-BB4E-D7886F63C24A}" type="presOf" srcId="{868111AE-E299-4D01-BF58-8129A9506C06}" destId="{771B5359-AC59-491F-AE7E-C91287E4A360}" srcOrd="0" destOrd="0" presId="urn:microsoft.com/office/officeart/2005/8/layout/chevron1"/>
     <dgm:cxn modelId="{1F1AC9A6-1863-4DF6-8A35-A9EC6BD71052}" type="presParOf" srcId="{460ED21A-C4DB-432F-A891-283E6D30FEEE}" destId="{09A00682-3313-476D-9195-849AA0621560}" srcOrd="0" destOrd="0" presId="urn:microsoft.com/office/officeart/2005/8/layout/chevron1"/>
     <dgm:cxn modelId="{2F60A8DF-413C-41EB-8BDD-E90ED6C35836}" type="presParOf" srcId="{460ED21A-C4DB-432F-A891-283E6D30FEEE}" destId="{99E3799A-A836-4FE8-B104-89D1C921FE24}" srcOrd="1" destOrd="0" presId="urn:microsoft.com/office/officeart/2005/8/layout/chevron1"/>
     <dgm:cxn modelId="{118B86F9-54D1-46F1-92FC-BA458827B6E9}" type="presParOf" srcId="{460ED21A-C4DB-432F-A891-283E6D30FEEE}" destId="{771B5359-AC59-491F-AE7E-C91287E4A360}" srcOrd="2" destOrd="0" presId="urn:microsoft.com/office/officeart/2005/8/layout/chevron1"/>
@@ -5338,7 +5339,7 @@
   <dgm:whole/>
   <dgm:extLst>
     <a:ext uri="http://schemas.microsoft.com/office/drawing/2008/diagram">
-      <dsp:dataModelExt xmlns="" xmlns:dsp="http://schemas.microsoft.com/office/drawing/2008/diagram" relId="rId6" minVer="http://schemas.openxmlformats.org/drawingml/2006/diagram"/>
+      <dsp:dataModelExt xmlns:dsp="http://schemas.microsoft.com/office/drawing/2008/diagram" relId="rId6" minVer="http://schemas.openxmlformats.org/drawingml/2006/diagram"/>
     </a:ext>
   </dgm:extLst>
 </dgm:dataModel>
@@ -5821,21 +5822,21 @@
     </dgm:pt>
   </dgm:ptLst>
   <dgm:cxnLst>
+    <dgm:cxn modelId="{6189A4AA-D7EB-418F-9F2D-C66AC3C01A62}" srcId="{9450D4C9-C4B2-4911-A89A-514780CB9F15}" destId="{C97B20BC-3CBA-411F-AB14-F158490C5BCC}" srcOrd="6" destOrd="0" parTransId="{F7EE3B89-45E3-4220-BAF4-37722295D274}" sibTransId="{484765B2-A338-4F5A-B411-50FEAAE111D8}"/>
+    <dgm:cxn modelId="{3472B545-712D-4EE5-A0FD-FCCE69A3F421}" srcId="{9450D4C9-C4B2-4911-A89A-514780CB9F15}" destId="{8A145133-89F4-4E11-BED7-033969110BEF}" srcOrd="4" destOrd="0" parTransId="{06C89CBF-459F-4019-BA59-A67EB395C5B9}" sibTransId="{A211C329-5A6A-4787-B4B1-98439EF8D8DC}"/>
     <dgm:cxn modelId="{9DF62359-97EF-4CF4-AE53-CD7F768719C7}" srcId="{9450D4C9-C4B2-4911-A89A-514780CB9F15}" destId="{B537E5C6-AC88-45DE-A692-878DAC35B119}" srcOrd="2" destOrd="0" parTransId="{21C1899A-364B-44E7-8777-92B33ED6457F}" sibTransId="{DE041BA8-1086-4C93-A56B-5A6A7F7943AB}"/>
+    <dgm:cxn modelId="{926CA9DC-DF6F-4A9D-9612-83D48BE5EA1C}" type="presOf" srcId="{64331C73-F894-4973-9E15-1A620C348097}" destId="{09A00682-3313-476D-9195-849AA0621560}" srcOrd="0" destOrd="0" presId="urn:microsoft.com/office/officeart/2005/8/layout/chevron1"/>
+    <dgm:cxn modelId="{09C829B3-9421-472C-992B-F9C6C7EA8079}" srcId="{9450D4C9-C4B2-4911-A89A-514780CB9F15}" destId="{962489C9-99E7-4179-9C22-D64CAB835C31}" srcOrd="3" destOrd="0" parTransId="{44042CD2-4D4B-4F8B-847E-88E42BCD2928}" sibTransId="{4A484662-FBA7-4F43-BE10-51AB84EA0D6F}"/>
+    <dgm:cxn modelId="{639D5D99-9E2A-4A71-BD4D-065403E54717}" type="presOf" srcId="{B537E5C6-AC88-45DE-A692-878DAC35B119}" destId="{5535CA09-926A-457A-A4B7-21390F15F94F}" srcOrd="0" destOrd="0" presId="urn:microsoft.com/office/officeart/2005/8/layout/chevron1"/>
+    <dgm:cxn modelId="{1C1DB8ED-0C78-4531-81AD-594F179D4A4A}" type="presOf" srcId="{8A145133-89F4-4E11-BED7-033969110BEF}" destId="{47EC26A5-DB58-47F3-B21F-7ECE3520D744}" srcOrd="0" destOrd="0" presId="urn:microsoft.com/office/officeart/2005/8/layout/chevron1"/>
+    <dgm:cxn modelId="{7668A89A-29E8-4E15-83A2-61AF98F853AA}" type="presOf" srcId="{868111AE-E299-4D01-BF58-8129A9506C06}" destId="{771B5359-AC59-491F-AE7E-C91287E4A360}" srcOrd="0" destOrd="0" presId="urn:microsoft.com/office/officeart/2005/8/layout/chevron1"/>
+    <dgm:cxn modelId="{C378ED72-E206-4B76-B23C-B3B4B3340B73}" srcId="{9450D4C9-C4B2-4911-A89A-514780CB9F15}" destId="{CF478C61-00AD-4194-8D4F-7DB2AE098B5C}" srcOrd="5" destOrd="0" parTransId="{2EC35964-DAF3-4C89-B364-499868C294A8}" sibTransId="{58567C9B-A274-4468-A0E3-EA814A581623}"/>
+    <dgm:cxn modelId="{77A0D87E-0458-4AB3-8FE4-5731CF46972A}" type="presOf" srcId="{C97B20BC-3CBA-411F-AB14-F158490C5BCC}" destId="{5D5D5C88-985A-485D-991E-57409E5BC77A}" srcOrd="0" destOrd="0" presId="urn:microsoft.com/office/officeart/2005/8/layout/chevron1"/>
+    <dgm:cxn modelId="{863F3A18-B337-4D3B-86F0-8953E07EAC44}" srcId="{9450D4C9-C4B2-4911-A89A-514780CB9F15}" destId="{868111AE-E299-4D01-BF58-8129A9506C06}" srcOrd="1" destOrd="0" parTransId="{C75652AF-634A-420D-9D96-F9B77B193B68}" sibTransId="{44CBE08D-1567-41F1-8953-1BAC21412B7A}"/>
+    <dgm:cxn modelId="{B3F5CCFA-FE39-4B4E-9CFC-BD7D8A83E842}" type="presOf" srcId="{CF478C61-00AD-4194-8D4F-7DB2AE098B5C}" destId="{1214DDDF-E3A3-4EB3-BFBD-CAE78864CA50}" srcOrd="0" destOrd="0" presId="urn:microsoft.com/office/officeart/2005/8/layout/chevron1"/>
+    <dgm:cxn modelId="{4F2130A0-1415-4348-8853-90D1F7780598}" type="presOf" srcId="{962489C9-99E7-4179-9C22-D64CAB835C31}" destId="{9D68CD03-B1A7-4BEA-B058-FD22B6150897}" srcOrd="0" destOrd="0" presId="urn:microsoft.com/office/officeart/2005/8/layout/chevron1"/>
+    <dgm:cxn modelId="{A4A6F842-F938-4989-939A-E610F0BEDC3D}" type="presOf" srcId="{9450D4C9-C4B2-4911-A89A-514780CB9F15}" destId="{460ED21A-C4DB-432F-A891-283E6D30FEEE}" srcOrd="0" destOrd="0" presId="urn:microsoft.com/office/officeart/2005/8/layout/chevron1"/>
     <dgm:cxn modelId="{5F875D11-DB50-43F9-BDF2-78334F8D7E58}" srcId="{9450D4C9-C4B2-4911-A89A-514780CB9F15}" destId="{64331C73-F894-4973-9E15-1A620C348097}" srcOrd="0" destOrd="0" parTransId="{77CFB40D-6F23-4B24-A619-E0E618CEB0D8}" sibTransId="{FFC0C0DB-5B55-4194-A6BD-4ACC55D2B470}"/>
-    <dgm:cxn modelId="{6189A4AA-D7EB-418F-9F2D-C66AC3C01A62}" srcId="{9450D4C9-C4B2-4911-A89A-514780CB9F15}" destId="{C97B20BC-3CBA-411F-AB14-F158490C5BCC}" srcOrd="6" destOrd="0" parTransId="{F7EE3B89-45E3-4220-BAF4-37722295D274}" sibTransId="{484765B2-A338-4F5A-B411-50FEAAE111D8}"/>
-    <dgm:cxn modelId="{926CA9DC-DF6F-4A9D-9612-83D48BE5EA1C}" type="presOf" srcId="{64331C73-F894-4973-9E15-1A620C348097}" destId="{09A00682-3313-476D-9195-849AA0621560}" srcOrd="0" destOrd="0" presId="urn:microsoft.com/office/officeart/2005/8/layout/chevron1"/>
-    <dgm:cxn modelId="{3472B545-712D-4EE5-A0FD-FCCE69A3F421}" srcId="{9450D4C9-C4B2-4911-A89A-514780CB9F15}" destId="{8A145133-89F4-4E11-BED7-033969110BEF}" srcOrd="4" destOrd="0" parTransId="{06C89CBF-459F-4019-BA59-A67EB395C5B9}" sibTransId="{A211C329-5A6A-4787-B4B1-98439EF8D8DC}"/>
-    <dgm:cxn modelId="{639D5D99-9E2A-4A71-BD4D-065403E54717}" type="presOf" srcId="{B537E5C6-AC88-45DE-A692-878DAC35B119}" destId="{5535CA09-926A-457A-A4B7-21390F15F94F}" srcOrd="0" destOrd="0" presId="urn:microsoft.com/office/officeart/2005/8/layout/chevron1"/>
-    <dgm:cxn modelId="{B3F5CCFA-FE39-4B4E-9CFC-BD7D8A83E842}" type="presOf" srcId="{CF478C61-00AD-4194-8D4F-7DB2AE098B5C}" destId="{1214DDDF-E3A3-4EB3-BFBD-CAE78864CA50}" srcOrd="0" destOrd="0" presId="urn:microsoft.com/office/officeart/2005/8/layout/chevron1"/>
-    <dgm:cxn modelId="{1C1DB8ED-0C78-4531-81AD-594F179D4A4A}" type="presOf" srcId="{8A145133-89F4-4E11-BED7-033969110BEF}" destId="{47EC26A5-DB58-47F3-B21F-7ECE3520D744}" srcOrd="0" destOrd="0" presId="urn:microsoft.com/office/officeart/2005/8/layout/chevron1"/>
-    <dgm:cxn modelId="{863F3A18-B337-4D3B-86F0-8953E07EAC44}" srcId="{9450D4C9-C4B2-4911-A89A-514780CB9F15}" destId="{868111AE-E299-4D01-BF58-8129A9506C06}" srcOrd="1" destOrd="0" parTransId="{C75652AF-634A-420D-9D96-F9B77B193B68}" sibTransId="{44CBE08D-1567-41F1-8953-1BAC21412B7A}"/>
-    <dgm:cxn modelId="{A4A6F842-F938-4989-939A-E610F0BEDC3D}" type="presOf" srcId="{9450D4C9-C4B2-4911-A89A-514780CB9F15}" destId="{460ED21A-C4DB-432F-A891-283E6D30FEEE}" srcOrd="0" destOrd="0" presId="urn:microsoft.com/office/officeart/2005/8/layout/chevron1"/>
-    <dgm:cxn modelId="{C378ED72-E206-4B76-B23C-B3B4B3340B73}" srcId="{9450D4C9-C4B2-4911-A89A-514780CB9F15}" destId="{CF478C61-00AD-4194-8D4F-7DB2AE098B5C}" srcOrd="5" destOrd="0" parTransId="{2EC35964-DAF3-4C89-B364-499868C294A8}" sibTransId="{58567C9B-A274-4468-A0E3-EA814A581623}"/>
-    <dgm:cxn modelId="{7668A89A-29E8-4E15-83A2-61AF98F853AA}" type="presOf" srcId="{868111AE-E299-4D01-BF58-8129A9506C06}" destId="{771B5359-AC59-491F-AE7E-C91287E4A360}" srcOrd="0" destOrd="0" presId="urn:microsoft.com/office/officeart/2005/8/layout/chevron1"/>
-    <dgm:cxn modelId="{4F2130A0-1415-4348-8853-90D1F7780598}" type="presOf" srcId="{962489C9-99E7-4179-9C22-D64CAB835C31}" destId="{9D68CD03-B1A7-4BEA-B058-FD22B6150897}" srcOrd="0" destOrd="0" presId="urn:microsoft.com/office/officeart/2005/8/layout/chevron1"/>
-    <dgm:cxn modelId="{09C829B3-9421-472C-992B-F9C6C7EA8079}" srcId="{9450D4C9-C4B2-4911-A89A-514780CB9F15}" destId="{962489C9-99E7-4179-9C22-D64CAB835C31}" srcOrd="3" destOrd="0" parTransId="{44042CD2-4D4B-4F8B-847E-88E42BCD2928}" sibTransId="{4A484662-FBA7-4F43-BE10-51AB84EA0D6F}"/>
-    <dgm:cxn modelId="{77A0D87E-0458-4AB3-8FE4-5731CF46972A}" type="presOf" srcId="{C97B20BC-3CBA-411F-AB14-F158490C5BCC}" destId="{5D5D5C88-985A-485D-991E-57409E5BC77A}" srcOrd="0" destOrd="0" presId="urn:microsoft.com/office/officeart/2005/8/layout/chevron1"/>
     <dgm:cxn modelId="{98901DD5-2768-4888-AE47-AD4093D629AA}" type="presParOf" srcId="{460ED21A-C4DB-432F-A891-283E6D30FEEE}" destId="{09A00682-3313-476D-9195-849AA0621560}" srcOrd="0" destOrd="0" presId="urn:microsoft.com/office/officeart/2005/8/layout/chevron1"/>
     <dgm:cxn modelId="{793183C6-7351-48F1-81BD-406C0C7251A1}" type="presParOf" srcId="{460ED21A-C4DB-432F-A891-283E6D30FEEE}" destId="{99E3799A-A836-4FE8-B104-89D1C921FE24}" srcOrd="1" destOrd="0" presId="urn:microsoft.com/office/officeart/2005/8/layout/chevron1"/>
     <dgm:cxn modelId="{0B271C2D-988A-408B-94F8-D7ABC20F8653}" type="presParOf" srcId="{460ED21A-C4DB-432F-A891-283E6D30FEEE}" destId="{771B5359-AC59-491F-AE7E-C91287E4A360}" srcOrd="2" destOrd="0" presId="urn:microsoft.com/office/officeart/2005/8/layout/chevron1"/>
@@ -5854,7 +5855,7 @@
   <dgm:whole/>
   <dgm:extLst>
     <a:ext uri="http://schemas.microsoft.com/office/drawing/2008/diagram">
-      <dsp:dataModelExt xmlns="" xmlns:dsp="http://schemas.microsoft.com/office/drawing/2008/diagram" relId="rId6" minVer="http://schemas.openxmlformats.org/drawingml/2006/diagram"/>
+      <dsp:dataModelExt xmlns:dsp="http://schemas.microsoft.com/office/drawing/2008/diagram" relId="rId6" minVer="http://schemas.openxmlformats.org/drawingml/2006/diagram"/>
     </a:ext>
   </dgm:extLst>
 </dgm:dataModel>
@@ -6200,14 +6201,14 @@
     </dgm:pt>
   </dgm:ptLst>
   <dgm:cxnLst>
-    <dgm:cxn modelId="{DCEFC734-5258-4187-81E2-2DA3C3A0600D}" srcId="{EDE96FF5-1D6F-40D9-BAA4-5F216284EA68}" destId="{D3416637-C472-49E7-8A77-42EA7EE4FB2D}" srcOrd="0" destOrd="0" parTransId="{3FF84238-6296-41FA-AC31-BE8D99191283}" sibTransId="{C2F2F837-7292-499A-9363-26D4909D7F7A}"/>
     <dgm:cxn modelId="{D29B2DFD-6448-43ED-AD6F-A88D3997D5AD}" type="presOf" srcId="{EDE96FF5-1D6F-40D9-BAA4-5F216284EA68}" destId="{633A4F81-F993-47EB-820A-B68DB3A5390E}" srcOrd="0" destOrd="0" presId="urn:microsoft.com/office/officeart/2005/8/layout/hierarchy1"/>
     <dgm:cxn modelId="{25D7E370-8D92-4E2B-B024-D053047D8CE2}" srcId="{EDE96FF5-1D6F-40D9-BAA4-5F216284EA68}" destId="{B3EDA70C-121E-4511-8433-9E3CEA3A1041}" srcOrd="1" destOrd="0" parTransId="{3203F13A-12BF-4556-A522-A41B0A00850D}" sibTransId="{0EFF336F-BB38-4F04-9D43-D16852737E47}"/>
     <dgm:cxn modelId="{E470C9C2-04B1-4DBA-BDD8-DA9E788EC044}" type="presOf" srcId="{E599E731-E7DC-479C-8CF1-D6244889523C}" destId="{D95F9AD9-2B6E-4F59-B64C-5D4FC2E366CE}" srcOrd="0" destOrd="0" presId="urn:microsoft.com/office/officeart/2005/8/layout/hierarchy1"/>
+    <dgm:cxn modelId="{DCEFC734-5258-4187-81E2-2DA3C3A0600D}" srcId="{EDE96FF5-1D6F-40D9-BAA4-5F216284EA68}" destId="{D3416637-C472-49E7-8A77-42EA7EE4FB2D}" srcOrd="0" destOrd="0" parTransId="{3FF84238-6296-41FA-AC31-BE8D99191283}" sibTransId="{C2F2F837-7292-499A-9363-26D4909D7F7A}"/>
+    <dgm:cxn modelId="{AA02A161-9E71-4263-A901-09BFD558970D}" type="presOf" srcId="{D3416637-C472-49E7-8A77-42EA7EE4FB2D}" destId="{2CA332BF-C7D5-44C4-86AB-C5F8609888C3}" srcOrd="0" destOrd="0" presId="urn:microsoft.com/office/officeart/2005/8/layout/hierarchy1"/>
+    <dgm:cxn modelId="{01FB11D6-684D-4E49-B5B0-EAFE14330F37}" srcId="{E599E731-E7DC-479C-8CF1-D6244889523C}" destId="{EDE96FF5-1D6F-40D9-BAA4-5F216284EA68}" srcOrd="0" destOrd="0" parTransId="{0321C310-AEF3-46E8-B8A4-6C11DB864603}" sibTransId="{D4600DEE-2AE6-474A-83CF-788E07829090}"/>
     <dgm:cxn modelId="{FBEA6683-523A-4555-AC76-8EA8246433E8}" type="presOf" srcId="{B3EDA70C-121E-4511-8433-9E3CEA3A1041}" destId="{62F573A8-C98B-4300-903C-ACC41DE49811}" srcOrd="0" destOrd="0" presId="urn:microsoft.com/office/officeart/2005/8/layout/hierarchy1"/>
     <dgm:cxn modelId="{B4B656B2-B9F5-4518-B1FC-D6049C1794CC}" type="presOf" srcId="{3203F13A-12BF-4556-A522-A41B0A00850D}" destId="{82B6CC98-E7D5-4D4E-ACD9-D9D53E7526DB}" srcOrd="0" destOrd="0" presId="urn:microsoft.com/office/officeart/2005/8/layout/hierarchy1"/>
-    <dgm:cxn modelId="{AA02A161-9E71-4263-A901-09BFD558970D}" type="presOf" srcId="{D3416637-C472-49E7-8A77-42EA7EE4FB2D}" destId="{2CA332BF-C7D5-44C4-86AB-C5F8609888C3}" srcOrd="0" destOrd="0" presId="urn:microsoft.com/office/officeart/2005/8/layout/hierarchy1"/>
-    <dgm:cxn modelId="{01FB11D6-684D-4E49-B5B0-EAFE14330F37}" srcId="{E599E731-E7DC-479C-8CF1-D6244889523C}" destId="{EDE96FF5-1D6F-40D9-BAA4-5F216284EA68}" srcOrd="0" destOrd="0" parTransId="{0321C310-AEF3-46E8-B8A4-6C11DB864603}" sibTransId="{D4600DEE-2AE6-474A-83CF-788E07829090}"/>
     <dgm:cxn modelId="{61E18A5C-F5D9-4D94-9A8A-644F91246958}" type="presOf" srcId="{3FF84238-6296-41FA-AC31-BE8D99191283}" destId="{3B4976F8-1C91-4B4A-AF74-A6A32D597C6F}" srcOrd="0" destOrd="0" presId="urn:microsoft.com/office/officeart/2005/8/layout/hierarchy1"/>
     <dgm:cxn modelId="{0C7A26C2-1BBB-4A9B-BAED-D8019201ABB6}" type="presParOf" srcId="{D95F9AD9-2B6E-4F59-B64C-5D4FC2E366CE}" destId="{CF8D7650-8692-446B-80AA-1D837010E69E}" srcOrd="0" destOrd="0" presId="urn:microsoft.com/office/officeart/2005/8/layout/hierarchy1"/>
     <dgm:cxn modelId="{34B243D6-3D1A-4412-9071-43C8F5F42BCD}" type="presParOf" srcId="{CF8D7650-8692-446B-80AA-1D837010E69E}" destId="{5C537912-794E-42DA-8968-3ADE7773EE31}" srcOrd="0" destOrd="0" presId="urn:microsoft.com/office/officeart/2005/8/layout/hierarchy1"/>
@@ -6231,7 +6232,7 @@
   <dgm:whole/>
   <dgm:extLst>
     <a:ext uri="http://schemas.microsoft.com/office/drawing/2008/diagram">
-      <dsp:dataModelExt xmlns="" xmlns:dsp="http://schemas.microsoft.com/office/drawing/2008/diagram" relId="rId6" minVer="http://schemas.openxmlformats.org/drawingml/2006/diagram"/>
+      <dsp:dataModelExt xmlns:dsp="http://schemas.microsoft.com/office/drawing/2008/diagram" relId="rId6" minVer="http://schemas.openxmlformats.org/drawingml/2006/diagram"/>
     </a:ext>
   </dgm:extLst>
 </dgm:dataModel>
@@ -6821,27 +6822,27 @@
     </dgm:pt>
   </dgm:ptLst>
   <dgm:cxnLst>
-    <dgm:cxn modelId="{7952A79E-9A23-4A9A-BE2E-18CB79CFAA62}" srcId="{E355DCEE-CFED-4B4E-95C1-C3ED3918F3D3}" destId="{6509BC69-7715-4AE9-8545-833A23F1F7D0}" srcOrd="0" destOrd="0" parTransId="{BD130280-A84B-4826-90BB-E35618FA7329}" sibTransId="{08030457-AA43-4093-AB35-36508039FC04}"/>
+    <dgm:cxn modelId="{1E232702-92AF-4E01-AF65-5B01B06BC5F9}" type="presOf" srcId="{BE3C59D4-0C3A-4CE8-8412-0142FC9112E5}" destId="{35FDEEF8-A771-4D6A-821D-5DD0765F4E3F}" srcOrd="0" destOrd="0" presId="urn:microsoft.com/office/officeart/2005/8/layout/hierarchy1"/>
+    <dgm:cxn modelId="{9AA3F2B4-85D7-4E67-A53B-D83B94482039}" type="presOf" srcId="{091F882E-0915-4AFC-AFCD-B1181E37E14D}" destId="{E753A8D8-B50F-42C4-B0CE-D216BE908656}" srcOrd="0" destOrd="0" presId="urn:microsoft.com/office/officeart/2005/8/layout/hierarchy1"/>
     <dgm:cxn modelId="{29A742B8-1028-4B3A-86FA-1F7740909746}" type="presOf" srcId="{6621E396-22BB-4BAA-86D9-A1D5854857CA}" destId="{7E592DA7-86CE-4FE6-B528-72BCA053EDAC}" srcOrd="0" destOrd="0" presId="urn:microsoft.com/office/officeart/2005/8/layout/hierarchy1"/>
-    <dgm:cxn modelId="{06343924-9343-490C-8185-42B81C07BFD5}" type="presOf" srcId="{9C1EE866-C214-4A82-9547-61A5AA867C03}" destId="{35177D51-DA6B-4B74-8542-DDCB57DE5FAE}" srcOrd="0" destOrd="0" presId="urn:microsoft.com/office/officeart/2005/8/layout/hierarchy1"/>
+    <dgm:cxn modelId="{1481D2D9-EBDC-4E7C-ACB9-80B1F694C79C}" type="presOf" srcId="{E355DCEE-CFED-4B4E-95C1-C3ED3918F3D3}" destId="{C62030B6-9838-4D35-81EF-6AE86E8FD0B7}" srcOrd="0" destOrd="0" presId="urn:microsoft.com/office/officeart/2005/8/layout/hierarchy1"/>
+    <dgm:cxn modelId="{A5E4A230-47AD-4CCE-B63D-290746125B89}" srcId="{64341ED1-133E-4A5F-B2CA-B7839122E5E1}" destId="{E355DCEE-CFED-4B4E-95C1-C3ED3918F3D3}" srcOrd="2" destOrd="0" parTransId="{7343F464-1509-45F9-836B-82E0B529AC39}" sibTransId="{078DB322-C08D-4312-8C12-D8384FE5D6EB}"/>
+    <dgm:cxn modelId="{EAAC68D4-7227-400B-9B95-0206ABD7B679}" type="presOf" srcId="{7343F464-1509-45F9-836B-82E0B529AC39}" destId="{ECDC51A7-6312-4B5B-9113-87639623B933}" srcOrd="0" destOrd="0" presId="urn:microsoft.com/office/officeart/2005/8/layout/hierarchy1"/>
+    <dgm:cxn modelId="{869C7012-692A-402E-BF92-F79C2A072C8A}" type="presOf" srcId="{B426D3DF-981A-4ACA-BDCD-74F52BC54F36}" destId="{B20123EC-DD70-4002-B34F-72383B5AD1D0}" srcOrd="0" destOrd="0" presId="urn:microsoft.com/office/officeart/2005/8/layout/hierarchy1"/>
+    <dgm:cxn modelId="{FF4E295E-7BB3-4B76-B185-4F0106A708BA}" srcId="{6621E396-22BB-4BAA-86D9-A1D5854857CA}" destId="{64341ED1-133E-4A5F-B2CA-B7839122E5E1}" srcOrd="0" destOrd="0" parTransId="{9D095FE8-8213-4B2B-8FC7-77FFB4BB1B88}" sibTransId="{6B23510D-A384-4590-9F26-464C17EB856C}"/>
     <dgm:cxn modelId="{7622F0F6-314F-4E6B-BFFE-FF0CED15058F}" srcId="{64341ED1-133E-4A5F-B2CA-B7839122E5E1}" destId="{FD996A20-6A09-41F5-9196-06E15DA4ED74}" srcOrd="1" destOrd="0" parTransId="{BE3C59D4-0C3A-4CE8-8412-0142FC9112E5}" sibTransId="{44B172B9-B2CB-4CB3-8660-38A30D50B387}"/>
     <dgm:cxn modelId="{785E77C6-80DB-499B-A7BB-61E8D05FCBB3}" type="presOf" srcId="{535ADC1B-E987-4114-88E1-0020E71ACB45}" destId="{85343B2D-6766-4596-A7C0-7ED78437CB26}" srcOrd="0" destOrd="0" presId="urn:microsoft.com/office/officeart/2005/8/layout/hierarchy1"/>
+    <dgm:cxn modelId="{628A9C82-BA29-4E3F-B65F-F63F75B68E9D}" srcId="{64341ED1-133E-4A5F-B2CA-B7839122E5E1}" destId="{091F882E-0915-4AFC-AFCD-B1181E37E14D}" srcOrd="3" destOrd="0" parTransId="{44337762-FFBD-474D-B88E-C618616EDE17}" sibTransId="{15C21F9D-4E60-420E-B892-0287CAD226B2}"/>
+    <dgm:cxn modelId="{7952A79E-9A23-4A9A-BE2E-18CB79CFAA62}" srcId="{E355DCEE-CFED-4B4E-95C1-C3ED3918F3D3}" destId="{6509BC69-7715-4AE9-8545-833A23F1F7D0}" srcOrd="0" destOrd="0" parTransId="{BD130280-A84B-4826-90BB-E35618FA7329}" sibTransId="{08030457-AA43-4093-AB35-36508039FC04}"/>
+    <dgm:cxn modelId="{D7F088F7-70F2-4D80-B287-C9676E3ACC1D}" type="presOf" srcId="{FD996A20-6A09-41F5-9196-06E15DA4ED74}" destId="{E8E6B3F1-996D-4405-A520-CB4BB672E79C}" srcOrd="0" destOrd="0" presId="urn:microsoft.com/office/officeart/2005/8/layout/hierarchy1"/>
+    <dgm:cxn modelId="{2ABE6B4F-D2AE-4111-892F-4E82F39FE582}" type="presOf" srcId="{BD130280-A84B-4826-90BB-E35618FA7329}" destId="{1FDAFF91-CC20-4CEC-A22C-6CFA1AF43D26}" srcOrd="0" destOrd="0" presId="urn:microsoft.com/office/officeart/2005/8/layout/hierarchy1"/>
+    <dgm:cxn modelId="{1F2F3D80-A2AC-4DFD-9FDD-F19D7BC04570}" srcId="{64341ED1-133E-4A5F-B2CA-B7839122E5E1}" destId="{B426D3DF-981A-4ACA-BDCD-74F52BC54F36}" srcOrd="0" destOrd="0" parTransId="{A92319EC-B566-4DF5-8DC2-9B499E48805C}" sibTransId="{7F8B996A-D72C-4828-95CF-F00D2E1FEFCD}"/>
+    <dgm:cxn modelId="{2525302B-B5D2-4C25-98D9-D15418FED570}" srcId="{E355DCEE-CFED-4B4E-95C1-C3ED3918F3D3}" destId="{9C1EE866-C214-4A82-9547-61A5AA867C03}" srcOrd="1" destOrd="0" parTransId="{535ADC1B-E987-4114-88E1-0020E71ACB45}" sibTransId="{F593FCBC-3BDA-47E4-BC69-F0F6F7CF17CA}"/>
+    <dgm:cxn modelId="{06343924-9343-490C-8185-42B81C07BFD5}" type="presOf" srcId="{9C1EE866-C214-4A82-9547-61A5AA867C03}" destId="{35177D51-DA6B-4B74-8542-DDCB57DE5FAE}" srcOrd="0" destOrd="0" presId="urn:microsoft.com/office/officeart/2005/8/layout/hierarchy1"/>
+    <dgm:cxn modelId="{973EF651-2A9A-44E8-9B31-B34D541E13C6}" type="presOf" srcId="{6509BC69-7715-4AE9-8545-833A23F1F7D0}" destId="{1DF10A25-C6B6-4B35-9C02-9BD8BC53F595}" srcOrd="0" destOrd="0" presId="urn:microsoft.com/office/officeart/2005/8/layout/hierarchy1"/>
+    <dgm:cxn modelId="{239411CF-1F0E-4179-854E-288A6804E8C1}" type="presOf" srcId="{44337762-FFBD-474D-B88E-C618616EDE17}" destId="{C15F7BDE-BE17-440A-AFDC-26911405FC39}" srcOrd="0" destOrd="0" presId="urn:microsoft.com/office/officeart/2005/8/layout/hierarchy1"/>
+    <dgm:cxn modelId="{D7553362-3A4C-4B33-B7BF-53247DE2E997}" type="presOf" srcId="{64341ED1-133E-4A5F-B2CA-B7839122E5E1}" destId="{5573FD94-740A-4861-83F1-29D0DAEBDC74}" srcOrd="0" destOrd="0" presId="urn:microsoft.com/office/officeart/2005/8/layout/hierarchy1"/>
     <dgm:cxn modelId="{AF143184-4851-4174-9641-5243E80A1E41}" type="presOf" srcId="{A92319EC-B566-4DF5-8DC2-9B499E48805C}" destId="{2E78A703-B9DD-425D-8C61-5CF4A53FAFA3}" srcOrd="0" destOrd="0" presId="urn:microsoft.com/office/officeart/2005/8/layout/hierarchy1"/>
-    <dgm:cxn modelId="{1481D2D9-EBDC-4E7C-ACB9-80B1F694C79C}" type="presOf" srcId="{E355DCEE-CFED-4B4E-95C1-C3ED3918F3D3}" destId="{C62030B6-9838-4D35-81EF-6AE86E8FD0B7}" srcOrd="0" destOrd="0" presId="urn:microsoft.com/office/officeart/2005/8/layout/hierarchy1"/>
-    <dgm:cxn modelId="{1E232702-92AF-4E01-AF65-5B01B06BC5F9}" type="presOf" srcId="{BE3C59D4-0C3A-4CE8-8412-0142FC9112E5}" destId="{35FDEEF8-A771-4D6A-821D-5DD0765F4E3F}" srcOrd="0" destOrd="0" presId="urn:microsoft.com/office/officeart/2005/8/layout/hierarchy1"/>
-    <dgm:cxn modelId="{A5E4A230-47AD-4CCE-B63D-290746125B89}" srcId="{64341ED1-133E-4A5F-B2CA-B7839122E5E1}" destId="{E355DCEE-CFED-4B4E-95C1-C3ED3918F3D3}" srcOrd="2" destOrd="0" parTransId="{7343F464-1509-45F9-836B-82E0B529AC39}" sibTransId="{078DB322-C08D-4312-8C12-D8384FE5D6EB}"/>
-    <dgm:cxn modelId="{869C7012-692A-402E-BF92-F79C2A072C8A}" type="presOf" srcId="{B426D3DF-981A-4ACA-BDCD-74F52BC54F36}" destId="{B20123EC-DD70-4002-B34F-72383B5AD1D0}" srcOrd="0" destOrd="0" presId="urn:microsoft.com/office/officeart/2005/8/layout/hierarchy1"/>
-    <dgm:cxn modelId="{239411CF-1F0E-4179-854E-288A6804E8C1}" type="presOf" srcId="{44337762-FFBD-474D-B88E-C618616EDE17}" destId="{C15F7BDE-BE17-440A-AFDC-26911405FC39}" srcOrd="0" destOrd="0" presId="urn:microsoft.com/office/officeart/2005/8/layout/hierarchy1"/>
-    <dgm:cxn modelId="{9AA3F2B4-85D7-4E67-A53B-D83B94482039}" type="presOf" srcId="{091F882E-0915-4AFC-AFCD-B1181E37E14D}" destId="{E753A8D8-B50F-42C4-B0CE-D216BE908656}" srcOrd="0" destOrd="0" presId="urn:microsoft.com/office/officeart/2005/8/layout/hierarchy1"/>
-    <dgm:cxn modelId="{FF4E295E-7BB3-4B76-B185-4F0106A708BA}" srcId="{6621E396-22BB-4BAA-86D9-A1D5854857CA}" destId="{64341ED1-133E-4A5F-B2CA-B7839122E5E1}" srcOrd="0" destOrd="0" parTransId="{9D095FE8-8213-4B2B-8FC7-77FFB4BB1B88}" sibTransId="{6B23510D-A384-4590-9F26-464C17EB856C}"/>
-    <dgm:cxn modelId="{2ABE6B4F-D2AE-4111-892F-4E82F39FE582}" type="presOf" srcId="{BD130280-A84B-4826-90BB-E35618FA7329}" destId="{1FDAFF91-CC20-4CEC-A22C-6CFA1AF43D26}" srcOrd="0" destOrd="0" presId="urn:microsoft.com/office/officeart/2005/8/layout/hierarchy1"/>
-    <dgm:cxn modelId="{973EF651-2A9A-44E8-9B31-B34D541E13C6}" type="presOf" srcId="{6509BC69-7715-4AE9-8545-833A23F1F7D0}" destId="{1DF10A25-C6B6-4B35-9C02-9BD8BC53F595}" srcOrd="0" destOrd="0" presId="urn:microsoft.com/office/officeart/2005/8/layout/hierarchy1"/>
-    <dgm:cxn modelId="{D7553362-3A4C-4B33-B7BF-53247DE2E997}" type="presOf" srcId="{64341ED1-133E-4A5F-B2CA-B7839122E5E1}" destId="{5573FD94-740A-4861-83F1-29D0DAEBDC74}" srcOrd="0" destOrd="0" presId="urn:microsoft.com/office/officeart/2005/8/layout/hierarchy1"/>
-    <dgm:cxn modelId="{EAAC68D4-7227-400B-9B95-0206ABD7B679}" type="presOf" srcId="{7343F464-1509-45F9-836B-82E0B529AC39}" destId="{ECDC51A7-6312-4B5B-9113-87639623B933}" srcOrd="0" destOrd="0" presId="urn:microsoft.com/office/officeart/2005/8/layout/hierarchy1"/>
-    <dgm:cxn modelId="{2525302B-B5D2-4C25-98D9-D15418FED570}" srcId="{E355DCEE-CFED-4B4E-95C1-C3ED3918F3D3}" destId="{9C1EE866-C214-4A82-9547-61A5AA867C03}" srcOrd="1" destOrd="0" parTransId="{535ADC1B-E987-4114-88E1-0020E71ACB45}" sibTransId="{F593FCBC-3BDA-47E4-BC69-F0F6F7CF17CA}"/>
-    <dgm:cxn modelId="{628A9C82-BA29-4E3F-B65F-F63F75B68E9D}" srcId="{64341ED1-133E-4A5F-B2CA-B7839122E5E1}" destId="{091F882E-0915-4AFC-AFCD-B1181E37E14D}" srcOrd="3" destOrd="0" parTransId="{44337762-FFBD-474D-B88E-C618616EDE17}" sibTransId="{15C21F9D-4E60-420E-B892-0287CAD226B2}"/>
-    <dgm:cxn modelId="{1F2F3D80-A2AC-4DFD-9FDD-F19D7BC04570}" srcId="{64341ED1-133E-4A5F-B2CA-B7839122E5E1}" destId="{B426D3DF-981A-4ACA-BDCD-74F52BC54F36}" srcOrd="0" destOrd="0" parTransId="{A92319EC-B566-4DF5-8DC2-9B499E48805C}" sibTransId="{7F8B996A-D72C-4828-95CF-F00D2E1FEFCD}"/>
-    <dgm:cxn modelId="{D7F088F7-70F2-4D80-B287-C9676E3ACC1D}" type="presOf" srcId="{FD996A20-6A09-41F5-9196-06E15DA4ED74}" destId="{E8E6B3F1-996D-4405-A520-CB4BB672E79C}" srcOrd="0" destOrd="0" presId="urn:microsoft.com/office/officeart/2005/8/layout/hierarchy1"/>
     <dgm:cxn modelId="{A37C1BA9-717B-4608-BD6A-5F5D1626B9F1}" type="presParOf" srcId="{7E592DA7-86CE-4FE6-B528-72BCA053EDAC}" destId="{EB47D686-E303-417E-9EF5-4CB31FF033BA}" srcOrd="0" destOrd="0" presId="urn:microsoft.com/office/officeart/2005/8/layout/hierarchy1"/>
     <dgm:cxn modelId="{67D688D3-2880-4676-97BB-B1436622610C}" type="presParOf" srcId="{EB47D686-E303-417E-9EF5-4CB31FF033BA}" destId="{2D4E0BC2-F9F1-4407-8F38-F218C07A2C33}" srcOrd="0" destOrd="0" presId="urn:microsoft.com/office/officeart/2005/8/layout/hierarchy1"/>
     <dgm:cxn modelId="{E273DEE2-EA34-4263-86DB-F8EFFB5821F6}" type="presParOf" srcId="{2D4E0BC2-F9F1-4407-8F38-F218C07A2C33}" destId="{BEF97BD1-8EDB-42ED-B248-3EEE60E32564}" srcOrd="0" destOrd="0" presId="urn:microsoft.com/office/officeart/2005/8/layout/hierarchy1"/>
@@ -6888,7 +6889,7 @@
   <dgm:whole/>
   <dgm:extLst>
     <a:ext uri="http://schemas.microsoft.com/office/drawing/2008/diagram">
-      <dsp:dataModelExt xmlns="" xmlns:dsp="http://schemas.microsoft.com/office/drawing/2008/diagram" relId="rId6" minVer="http://schemas.openxmlformats.org/drawingml/2006/diagram"/>
+      <dsp:dataModelExt xmlns:dsp="http://schemas.microsoft.com/office/drawing/2008/diagram" relId="rId6" minVer="http://schemas.openxmlformats.org/drawingml/2006/diagram"/>
     </a:ext>
   </dgm:extLst>
 </dgm:dataModel>
@@ -7490,26 +7491,26 @@
     </dgm:pt>
   </dgm:ptLst>
   <dgm:cxnLst>
+    <dgm:cxn modelId="{8240FF2F-70A4-4D73-A32E-2EB404218086}" srcId="{DFEB0F43-0CB4-4469-ACC9-B6FED27CD188}" destId="{3C7E4A7E-4E3A-459B-9042-6D724EC57350}" srcOrd="0" destOrd="0" parTransId="{6A82078C-C562-4F24-AE33-750E1AD7C515}" sibTransId="{6B38C209-BF40-4679-A22D-14617B58B09F}"/>
+    <dgm:cxn modelId="{1B99A95D-BEE7-4487-9AFC-BF0CFB5EB0E4}" type="presOf" srcId="{DFEB0F43-0CB4-4469-ACC9-B6FED27CD188}" destId="{DD6CF781-3E53-443A-9ADC-3C2B3F798BAC}" srcOrd="1" destOrd="0" presId="urn:microsoft.com/office/officeart/2008/layout/NameandTitleOrganizationalChart"/>
+    <dgm:cxn modelId="{3C6D4F3B-B982-4F91-B94E-EB07831469EF}" type="presOf" srcId="{6029898F-4230-4C04-89B4-BBC52548CEAF}" destId="{E6B80AA5-6CAE-4DE6-990D-556F3EFB2763}" srcOrd="0" destOrd="0" presId="urn:microsoft.com/office/officeart/2008/layout/NameandTitleOrganizationalChart"/>
+    <dgm:cxn modelId="{F50E74F1-095F-46D4-8233-7606B08C5DC9}" type="presOf" srcId="{3C7E4A7E-4E3A-459B-9042-6D724EC57350}" destId="{D0A48193-0B53-4678-8686-17C8EF245215}" srcOrd="1" destOrd="0" presId="urn:microsoft.com/office/officeart/2008/layout/NameandTitleOrganizationalChart"/>
+    <dgm:cxn modelId="{57B6AE12-CDC3-40EF-8046-7A04AD3DDA73}" type="presOf" srcId="{6A0DD540-FD72-4453-B218-80B26E0A3A7D}" destId="{96F1D845-DC2D-48F9-8EAB-4FA1016274EF}" srcOrd="0" destOrd="0" presId="urn:microsoft.com/office/officeart/2008/layout/NameandTitleOrganizationalChart"/>
+    <dgm:cxn modelId="{78DC5DC7-5CA9-4057-A870-17AC9F1F915D}" type="presOf" srcId="{426AE966-DFB5-42BC-AF21-BC07BAFA0F9C}" destId="{75A99C37-7CA4-4942-8AF4-242A6FA923A4}" srcOrd="0" destOrd="0" presId="urn:microsoft.com/office/officeart/2008/layout/NameandTitleOrganizationalChart"/>
+    <dgm:cxn modelId="{05B3D4F6-95AA-491D-8620-01C919590945}" type="presOf" srcId="{426AE966-DFB5-42BC-AF21-BC07BAFA0F9C}" destId="{5DD52173-2ACA-4403-A787-62C3A4A5F89C}" srcOrd="1" destOrd="0" presId="urn:microsoft.com/office/officeart/2008/layout/NameandTitleOrganizationalChart"/>
+    <dgm:cxn modelId="{8062FCE3-C5DA-40BA-A09F-D7DFB1A6EB0E}" type="presOf" srcId="{6B38C209-BF40-4679-A22D-14617B58B09F}" destId="{2E9CF532-F6CD-4A64-A778-D54AA026FE2F}" srcOrd="0" destOrd="0" presId="urn:microsoft.com/office/officeart/2008/layout/NameandTitleOrganizationalChart"/>
+    <dgm:cxn modelId="{D9CFD831-1ADD-4C3B-823C-681A0C1BB791}" srcId="{6029898F-4230-4C04-89B4-BBC52548CEAF}" destId="{DFEB0F43-0CB4-4469-ACC9-B6FED27CD188}" srcOrd="0" destOrd="0" parTransId="{CE9222E0-CC56-46B9-B8AA-EED518A6ED93}" sibTransId="{8ADAE65D-532D-4924-92D2-A5756AC57904}"/>
+    <dgm:cxn modelId="{A24172F5-A61F-435D-BAD8-CE16C4DC21B2}" type="presOf" srcId="{35CF3C9B-6525-4879-A358-2AB8163DA34A}" destId="{DE393D22-92CA-4137-8D76-2FBC31BDD6E9}" srcOrd="0" destOrd="0" presId="urn:microsoft.com/office/officeart/2008/layout/NameandTitleOrganizationalChart"/>
+    <dgm:cxn modelId="{B6A90F77-A5E3-40AD-831F-9E333CF8AA0E}" type="presOf" srcId="{6A82078C-C562-4F24-AE33-750E1AD7C515}" destId="{B9DBE853-1220-4835-8021-A3F1FA6A5A9F}" srcOrd="0" destOrd="0" presId="urn:microsoft.com/office/officeart/2008/layout/NameandTitleOrganizationalChart"/>
+    <dgm:cxn modelId="{FC836C39-F536-49E8-87C1-4A4ECD15EC0C}" type="presOf" srcId="{DA5F2B4F-9775-4662-BAEF-040B8A64702E}" destId="{70EC031C-7EB2-410A-B239-FE8AF44258A0}" srcOrd="1" destOrd="0" presId="urn:microsoft.com/office/officeart/2008/layout/NameandTitleOrganizationalChart"/>
+    <dgm:cxn modelId="{F30C5C85-A9D5-4382-B422-FAE1388DB0A5}" srcId="{DFEB0F43-0CB4-4469-ACC9-B6FED27CD188}" destId="{DA5F2B4F-9775-4662-BAEF-040B8A64702E}" srcOrd="1" destOrd="0" parTransId="{6A0DD540-FD72-4453-B218-80B26E0A3A7D}" sibTransId="{E4D7C7AB-F8C4-4B54-8ED7-63B8CCEBC7D7}"/>
+    <dgm:cxn modelId="{55258BF4-5535-4E6D-84BB-312B3F224392}" type="presOf" srcId="{8ADAE65D-532D-4924-92D2-A5756AC57904}" destId="{F5861941-A33A-4C6F-A01B-6F1E36E77ED0}" srcOrd="0" destOrd="0" presId="urn:microsoft.com/office/officeart/2008/layout/NameandTitleOrganizationalChart"/>
+    <dgm:cxn modelId="{D63AA18C-8D6C-48FE-B1CB-8A67573FA4B3}" type="presOf" srcId="{DE3FFC15-37D6-4B8F-B84F-435BBCD74A14}" destId="{CB1C7E6B-7295-402A-ADBE-54C0E1D388BE}" srcOrd="0" destOrd="0" presId="urn:microsoft.com/office/officeart/2008/layout/NameandTitleOrganizationalChart"/>
+    <dgm:cxn modelId="{30C9F76A-46A4-4DE4-8EC1-6B6B78AB9F79}" srcId="{DFEB0F43-0CB4-4469-ACC9-B6FED27CD188}" destId="{426AE966-DFB5-42BC-AF21-BC07BAFA0F9C}" srcOrd="2" destOrd="0" parTransId="{DE3FFC15-37D6-4B8F-B84F-435BBCD74A14}" sibTransId="{35CF3C9B-6525-4879-A358-2AB8163DA34A}"/>
     <dgm:cxn modelId="{2ABCDA28-6CE4-4E35-9EFE-FE31B97B6DF3}" type="presOf" srcId="{3C7E4A7E-4E3A-459B-9042-6D724EC57350}" destId="{AD02FB11-B753-4760-ADB6-F9FAD9A5836D}" srcOrd="0" destOrd="0" presId="urn:microsoft.com/office/officeart/2008/layout/NameandTitleOrganizationalChart"/>
-    <dgm:cxn modelId="{D63AA18C-8D6C-48FE-B1CB-8A67573FA4B3}" type="presOf" srcId="{DE3FFC15-37D6-4B8F-B84F-435BBCD74A14}" destId="{CB1C7E6B-7295-402A-ADBE-54C0E1D388BE}" srcOrd="0" destOrd="0" presId="urn:microsoft.com/office/officeart/2008/layout/NameandTitleOrganizationalChart"/>
-    <dgm:cxn modelId="{1B99A95D-BEE7-4487-9AFC-BF0CFB5EB0E4}" type="presOf" srcId="{DFEB0F43-0CB4-4469-ACC9-B6FED27CD188}" destId="{DD6CF781-3E53-443A-9ADC-3C2B3F798BAC}" srcOrd="1" destOrd="0" presId="urn:microsoft.com/office/officeart/2008/layout/NameandTitleOrganizationalChart"/>
-    <dgm:cxn modelId="{D9CFD831-1ADD-4C3B-823C-681A0C1BB791}" srcId="{6029898F-4230-4C04-89B4-BBC52548CEAF}" destId="{DFEB0F43-0CB4-4469-ACC9-B6FED27CD188}" srcOrd="0" destOrd="0" parTransId="{CE9222E0-CC56-46B9-B8AA-EED518A6ED93}" sibTransId="{8ADAE65D-532D-4924-92D2-A5756AC57904}"/>
-    <dgm:cxn modelId="{FC836C39-F536-49E8-87C1-4A4ECD15EC0C}" type="presOf" srcId="{DA5F2B4F-9775-4662-BAEF-040B8A64702E}" destId="{70EC031C-7EB2-410A-B239-FE8AF44258A0}" srcOrd="1" destOrd="0" presId="urn:microsoft.com/office/officeart/2008/layout/NameandTitleOrganizationalChart"/>
-    <dgm:cxn modelId="{8240FF2F-70A4-4D73-A32E-2EB404218086}" srcId="{DFEB0F43-0CB4-4469-ACC9-B6FED27CD188}" destId="{3C7E4A7E-4E3A-459B-9042-6D724EC57350}" srcOrd="0" destOrd="0" parTransId="{6A82078C-C562-4F24-AE33-750E1AD7C515}" sibTransId="{6B38C209-BF40-4679-A22D-14617B58B09F}"/>
     <dgm:cxn modelId="{8F904056-B8F2-4BD4-BE2C-778E5B520C27}" type="presOf" srcId="{E4D7C7AB-F8C4-4B54-8ED7-63B8CCEBC7D7}" destId="{C6DA1240-E4B1-484D-B02D-4F2DE5D54422}" srcOrd="0" destOrd="0" presId="urn:microsoft.com/office/officeart/2008/layout/NameandTitleOrganizationalChart"/>
-    <dgm:cxn modelId="{3C6D4F3B-B982-4F91-B94E-EB07831469EF}" type="presOf" srcId="{6029898F-4230-4C04-89B4-BBC52548CEAF}" destId="{E6B80AA5-6CAE-4DE6-990D-556F3EFB2763}" srcOrd="0" destOrd="0" presId="urn:microsoft.com/office/officeart/2008/layout/NameandTitleOrganizationalChart"/>
+    <dgm:cxn modelId="{D2DA3590-4932-4490-92EE-A59E50718737}" type="presOf" srcId="{DA5F2B4F-9775-4662-BAEF-040B8A64702E}" destId="{1ADA7FED-6F70-4CE5-A3B0-F51B3922FFFE}" srcOrd="0" destOrd="0" presId="urn:microsoft.com/office/officeart/2008/layout/NameandTitleOrganizationalChart"/>
     <dgm:cxn modelId="{37F61D48-C1B2-4937-984E-B1911F2ABC69}" type="presOf" srcId="{DFEB0F43-0CB4-4469-ACC9-B6FED27CD188}" destId="{50770E18-91D7-4E79-8868-6B6F1ABB0A5F}" srcOrd="0" destOrd="0" presId="urn:microsoft.com/office/officeart/2008/layout/NameandTitleOrganizationalChart"/>
-    <dgm:cxn modelId="{55258BF4-5535-4E6D-84BB-312B3F224392}" type="presOf" srcId="{8ADAE65D-532D-4924-92D2-A5756AC57904}" destId="{F5861941-A33A-4C6F-A01B-6F1E36E77ED0}" srcOrd="0" destOrd="0" presId="urn:microsoft.com/office/officeart/2008/layout/NameandTitleOrganizationalChart"/>
-    <dgm:cxn modelId="{05B3D4F6-95AA-491D-8620-01C919590945}" type="presOf" srcId="{426AE966-DFB5-42BC-AF21-BC07BAFA0F9C}" destId="{5DD52173-2ACA-4403-A787-62C3A4A5F89C}" srcOrd="1" destOrd="0" presId="urn:microsoft.com/office/officeart/2008/layout/NameandTitleOrganizationalChart"/>
-    <dgm:cxn modelId="{A24172F5-A61F-435D-BAD8-CE16C4DC21B2}" type="presOf" srcId="{35CF3C9B-6525-4879-A358-2AB8163DA34A}" destId="{DE393D22-92CA-4137-8D76-2FBC31BDD6E9}" srcOrd="0" destOrd="0" presId="urn:microsoft.com/office/officeart/2008/layout/NameandTitleOrganizationalChart"/>
-    <dgm:cxn modelId="{78DC5DC7-5CA9-4057-A870-17AC9F1F915D}" type="presOf" srcId="{426AE966-DFB5-42BC-AF21-BC07BAFA0F9C}" destId="{75A99C37-7CA4-4942-8AF4-242A6FA923A4}" srcOrd="0" destOrd="0" presId="urn:microsoft.com/office/officeart/2008/layout/NameandTitleOrganizationalChart"/>
-    <dgm:cxn modelId="{8062FCE3-C5DA-40BA-A09F-D7DFB1A6EB0E}" type="presOf" srcId="{6B38C209-BF40-4679-A22D-14617B58B09F}" destId="{2E9CF532-F6CD-4A64-A778-D54AA026FE2F}" srcOrd="0" destOrd="0" presId="urn:microsoft.com/office/officeart/2008/layout/NameandTitleOrganizationalChart"/>
-    <dgm:cxn modelId="{F50E74F1-095F-46D4-8233-7606B08C5DC9}" type="presOf" srcId="{3C7E4A7E-4E3A-459B-9042-6D724EC57350}" destId="{D0A48193-0B53-4678-8686-17C8EF245215}" srcOrd="1" destOrd="0" presId="urn:microsoft.com/office/officeart/2008/layout/NameandTitleOrganizationalChart"/>
-    <dgm:cxn modelId="{30C9F76A-46A4-4DE4-8EC1-6B6B78AB9F79}" srcId="{DFEB0F43-0CB4-4469-ACC9-B6FED27CD188}" destId="{426AE966-DFB5-42BC-AF21-BC07BAFA0F9C}" srcOrd="2" destOrd="0" parTransId="{DE3FFC15-37D6-4B8F-B84F-435BBCD74A14}" sibTransId="{35CF3C9B-6525-4879-A358-2AB8163DA34A}"/>
-    <dgm:cxn modelId="{57B6AE12-CDC3-40EF-8046-7A04AD3DDA73}" type="presOf" srcId="{6A0DD540-FD72-4453-B218-80B26E0A3A7D}" destId="{96F1D845-DC2D-48F9-8EAB-4FA1016274EF}" srcOrd="0" destOrd="0" presId="urn:microsoft.com/office/officeart/2008/layout/NameandTitleOrganizationalChart"/>
-    <dgm:cxn modelId="{B6A90F77-A5E3-40AD-831F-9E333CF8AA0E}" type="presOf" srcId="{6A82078C-C562-4F24-AE33-750E1AD7C515}" destId="{B9DBE853-1220-4835-8021-A3F1FA6A5A9F}" srcOrd="0" destOrd="0" presId="urn:microsoft.com/office/officeart/2008/layout/NameandTitleOrganizationalChart"/>
-    <dgm:cxn modelId="{D2DA3590-4932-4490-92EE-A59E50718737}" type="presOf" srcId="{DA5F2B4F-9775-4662-BAEF-040B8A64702E}" destId="{1ADA7FED-6F70-4CE5-A3B0-F51B3922FFFE}" srcOrd="0" destOrd="0" presId="urn:microsoft.com/office/officeart/2008/layout/NameandTitleOrganizationalChart"/>
-    <dgm:cxn modelId="{F30C5C85-A9D5-4382-B422-FAE1388DB0A5}" srcId="{DFEB0F43-0CB4-4469-ACC9-B6FED27CD188}" destId="{DA5F2B4F-9775-4662-BAEF-040B8A64702E}" srcOrd="1" destOrd="0" parTransId="{6A0DD540-FD72-4453-B218-80B26E0A3A7D}" sibTransId="{E4D7C7AB-F8C4-4B54-8ED7-63B8CCEBC7D7}"/>
     <dgm:cxn modelId="{9D7E5CC2-BDB7-42D4-B0A8-526FBC00AF30}" type="presParOf" srcId="{E6B80AA5-6CAE-4DE6-990D-556F3EFB2763}" destId="{01209B3D-8719-4FD2-968A-CE1DB3600320}" srcOrd="0" destOrd="0" presId="urn:microsoft.com/office/officeart/2008/layout/NameandTitleOrganizationalChart"/>
     <dgm:cxn modelId="{BDD78946-BECF-4CA5-B899-C5665CD72B4D}" type="presParOf" srcId="{01209B3D-8719-4FD2-968A-CE1DB3600320}" destId="{73637B51-142A-427F-8C93-E625DD3DA50D}" srcOrd="0" destOrd="0" presId="urn:microsoft.com/office/officeart/2008/layout/NameandTitleOrganizationalChart"/>
     <dgm:cxn modelId="{D0E6FDFA-583A-4490-A4C6-623DF48925C7}" type="presParOf" srcId="{73637B51-142A-427F-8C93-E625DD3DA50D}" destId="{50770E18-91D7-4E79-8868-6B6F1ABB0A5F}" srcOrd="0" destOrd="0" presId="urn:microsoft.com/office/officeart/2008/layout/NameandTitleOrganizationalChart"/>
@@ -7546,7 +7547,7 @@
   <dgm:whole/>
   <dgm:extLst>
     <a:ext uri="http://schemas.microsoft.com/office/drawing/2008/diagram">
-      <dsp:dataModelExt xmlns="" xmlns:dsp="http://schemas.microsoft.com/office/drawing/2008/diagram" relId="rId6" minVer="http://schemas.openxmlformats.org/drawingml/2006/diagram"/>
+      <dsp:dataModelExt xmlns:dsp="http://schemas.microsoft.com/office/drawing/2008/diagram" relId="rId6" minVer="http://schemas.openxmlformats.org/drawingml/2006/diagram"/>
     </a:ext>
   </dgm:extLst>
 </dgm:dataModel>
@@ -7803,601 +7804,6 @@
       <dsp:cNvGrpSpPr/>
     </dsp:nvGrpSpPr>
     <dsp:grpSpPr/>
-    <dsp:sp modelId="{09A00682-3313-476D-9195-849AA0621560}">
-      <dsp:nvSpPr>
-        <dsp:cNvPr id="0" name=""/>
-        <dsp:cNvSpPr/>
-      </dsp:nvSpPr>
-      <dsp:spPr>
-        <a:xfrm>
-          <a:off x="0" y="1397793"/>
-          <a:ext cx="1393031" cy="557212"/>
-        </a:xfrm>
-        <a:prstGeom prst="chevron">
-          <a:avLst/>
-        </a:prstGeom>
-        <a:solidFill>
-          <a:schemeClr val="accent1">
-            <a:hueOff val="0"/>
-            <a:satOff val="0"/>
-            <a:lumOff val="0"/>
-            <a:alphaOff val="0"/>
-          </a:schemeClr>
-        </a:solidFill>
-        <a:ln w="25400" cap="flat" cmpd="sng" algn="ctr">
-          <a:solidFill>
-            <a:schemeClr val="lt1">
-              <a:hueOff val="0"/>
-              <a:satOff val="0"/>
-              <a:lumOff val="0"/>
-              <a:alphaOff val="0"/>
-            </a:schemeClr>
-          </a:solidFill>
-          <a:prstDash val="solid"/>
-        </a:ln>
-        <a:effectLst/>
-      </dsp:spPr>
-      <dsp:style>
-        <a:lnRef idx="2">
-          <a:scrgbClr r="0" g="0" b="0"/>
-        </a:lnRef>
-        <a:fillRef idx="1">
-          <a:scrgbClr r="0" g="0" b="0"/>
-        </a:fillRef>
-        <a:effectRef idx="0">
-          <a:scrgbClr r="0" g="0" b="0"/>
-        </a:effectRef>
-        <a:fontRef idx="minor">
-          <a:schemeClr val="lt1"/>
-        </a:fontRef>
-      </dsp:style>
-      <dsp:txBody>
-        <a:bodyPr spcFirstLastPara="0" vert="horz" wrap="square" lIns="40005" tIns="13335" rIns="13335" bIns="13335" numCol="1" spcCol="1270" anchor="ctr" anchorCtr="0">
-          <a:noAutofit/>
-        </a:bodyPr>
-        <a:lstStyle/>
-        <a:p>
-          <a:pPr lvl="0" algn="ctr" defTabSz="444500">
-            <a:lnSpc>
-              <a:spcPct val="90000"/>
-            </a:lnSpc>
-            <a:spcBef>
-              <a:spcPct val="0"/>
-            </a:spcBef>
-            <a:spcAft>
-              <a:spcPct val="35000"/>
-            </a:spcAft>
-          </a:pPr>
-          <a:r>
-            <a:rPr lang="en-US" sz="1000" kern="1200" dirty="0" smtClean="0">
-              <a:solidFill>
-                <a:schemeClr val="tx1"/>
-              </a:solidFill>
-            </a:rPr>
-            <a:t>Input Parsing</a:t>
-          </a:r>
-          <a:endParaRPr lang="en-US" sz="1000" kern="1200" dirty="0">
-            <a:solidFill>
-              <a:schemeClr val="tx1"/>
-            </a:solidFill>
-          </a:endParaRPr>
-        </a:p>
-      </dsp:txBody>
-      <dsp:txXfrm>
-        <a:off x="278606" y="1397793"/>
-        <a:ext cx="835819" cy="557212"/>
-      </dsp:txXfrm>
-    </dsp:sp>
-    <dsp:sp modelId="{771B5359-AC59-491F-AE7E-C91287E4A360}">
-      <dsp:nvSpPr>
-        <dsp:cNvPr id="0" name=""/>
-        <dsp:cNvSpPr/>
-      </dsp:nvSpPr>
-      <dsp:spPr>
-        <a:xfrm>
-          <a:off x="1253728" y="1397793"/>
-          <a:ext cx="1393031" cy="557212"/>
-        </a:xfrm>
-        <a:prstGeom prst="chevron">
-          <a:avLst/>
-        </a:prstGeom>
-        <a:solidFill>
-          <a:schemeClr val="accent1">
-            <a:hueOff val="0"/>
-            <a:satOff val="0"/>
-            <a:lumOff val="0"/>
-            <a:alphaOff val="0"/>
-          </a:schemeClr>
-        </a:solidFill>
-        <a:ln w="25400" cap="flat" cmpd="sng" algn="ctr">
-          <a:solidFill>
-            <a:schemeClr val="lt1">
-              <a:hueOff val="0"/>
-              <a:satOff val="0"/>
-              <a:lumOff val="0"/>
-              <a:alphaOff val="0"/>
-            </a:schemeClr>
-          </a:solidFill>
-          <a:prstDash val="solid"/>
-        </a:ln>
-        <a:effectLst/>
-      </dsp:spPr>
-      <dsp:style>
-        <a:lnRef idx="2">
-          <a:scrgbClr r="0" g="0" b="0"/>
-        </a:lnRef>
-        <a:fillRef idx="1">
-          <a:scrgbClr r="0" g="0" b="0"/>
-        </a:fillRef>
-        <a:effectRef idx="0">
-          <a:scrgbClr r="0" g="0" b="0"/>
-        </a:effectRef>
-        <a:fontRef idx="minor">
-          <a:schemeClr val="lt1"/>
-        </a:fontRef>
-      </dsp:style>
-      <dsp:txBody>
-        <a:bodyPr spcFirstLastPara="0" vert="horz" wrap="square" lIns="40005" tIns="13335" rIns="13335" bIns="13335" numCol="1" spcCol="1270" anchor="ctr" anchorCtr="0">
-          <a:noAutofit/>
-        </a:bodyPr>
-        <a:lstStyle/>
-        <a:p>
-          <a:pPr lvl="0" algn="ctr" defTabSz="444500">
-            <a:lnSpc>
-              <a:spcPct val="90000"/>
-            </a:lnSpc>
-            <a:spcBef>
-              <a:spcPct val="0"/>
-            </a:spcBef>
-            <a:spcAft>
-              <a:spcPct val="35000"/>
-            </a:spcAft>
-          </a:pPr>
-          <a:r>
-            <a:rPr lang="en-US" sz="1000" kern="1200" dirty="0" smtClean="0">
-              <a:solidFill>
-                <a:schemeClr val="tx1"/>
-              </a:solidFill>
-            </a:rPr>
-            <a:t>Print object arrangement</a:t>
-          </a:r>
-          <a:endParaRPr lang="en-US" sz="1000" kern="1200" dirty="0">
-            <a:solidFill>
-              <a:schemeClr val="tx1"/>
-            </a:solidFill>
-          </a:endParaRPr>
-        </a:p>
-      </dsp:txBody>
-      <dsp:txXfrm>
-        <a:off x="1532334" y="1397793"/>
-        <a:ext cx="835819" cy="557212"/>
-      </dsp:txXfrm>
-    </dsp:sp>
-    <dsp:sp modelId="{5535CA09-926A-457A-A4B7-21390F15F94F}">
-      <dsp:nvSpPr>
-        <dsp:cNvPr id="0" name=""/>
-        <dsp:cNvSpPr/>
-      </dsp:nvSpPr>
-      <dsp:spPr>
-        <a:xfrm>
-          <a:off x="2507456" y="1397793"/>
-          <a:ext cx="1393031" cy="557212"/>
-        </a:xfrm>
-        <a:prstGeom prst="chevron">
-          <a:avLst/>
-        </a:prstGeom>
-        <a:solidFill>
-          <a:schemeClr val="accent1">
-            <a:hueOff val="0"/>
-            <a:satOff val="0"/>
-            <a:lumOff val="0"/>
-            <a:alphaOff val="0"/>
-          </a:schemeClr>
-        </a:solidFill>
-        <a:ln w="25400" cap="flat" cmpd="sng" algn="ctr">
-          <a:solidFill>
-            <a:schemeClr val="lt1">
-              <a:hueOff val="0"/>
-              <a:satOff val="0"/>
-              <a:lumOff val="0"/>
-              <a:alphaOff val="0"/>
-            </a:schemeClr>
-          </a:solidFill>
-          <a:prstDash val="solid"/>
-        </a:ln>
-        <a:effectLst/>
-      </dsp:spPr>
-      <dsp:style>
-        <a:lnRef idx="2">
-          <a:scrgbClr r="0" g="0" b="0"/>
-        </a:lnRef>
-        <a:fillRef idx="1">
-          <a:scrgbClr r="0" g="0" b="0"/>
-        </a:fillRef>
-        <a:effectRef idx="0">
-          <a:scrgbClr r="0" g="0" b="0"/>
-        </a:effectRef>
-        <a:fontRef idx="minor">
-          <a:schemeClr val="lt1"/>
-        </a:fontRef>
-      </dsp:style>
-      <dsp:txBody>
-        <a:bodyPr spcFirstLastPara="0" vert="horz" wrap="square" lIns="40005" tIns="13335" rIns="13335" bIns="13335" numCol="1" spcCol="1270" anchor="ctr" anchorCtr="0">
-          <a:noAutofit/>
-        </a:bodyPr>
-        <a:lstStyle/>
-        <a:p>
-          <a:pPr lvl="0" algn="ctr" defTabSz="444500">
-            <a:lnSpc>
-              <a:spcPct val="90000"/>
-            </a:lnSpc>
-            <a:spcBef>
-              <a:spcPct val="0"/>
-            </a:spcBef>
-            <a:spcAft>
-              <a:spcPct val="35000"/>
-            </a:spcAft>
-          </a:pPr>
-          <a:r>
-            <a:rPr lang="en-US" sz="1000" kern="1200" dirty="0" smtClean="0">
-              <a:solidFill>
-                <a:schemeClr val="tx1"/>
-              </a:solidFill>
-            </a:rPr>
-            <a:t>Rasterization &amp; Voxelization</a:t>
-          </a:r>
-          <a:endParaRPr lang="en-US" sz="1000" kern="1200" dirty="0">
-            <a:solidFill>
-              <a:schemeClr val="tx1"/>
-            </a:solidFill>
-          </a:endParaRPr>
-        </a:p>
-      </dsp:txBody>
-      <dsp:txXfrm>
-        <a:off x="2786062" y="1397793"/>
-        <a:ext cx="835819" cy="557212"/>
-      </dsp:txXfrm>
-    </dsp:sp>
-    <dsp:sp modelId="{9D68CD03-B1A7-4BEA-B058-FD22B6150897}">
-      <dsp:nvSpPr>
-        <dsp:cNvPr id="0" name=""/>
-        <dsp:cNvSpPr/>
-      </dsp:nvSpPr>
-      <dsp:spPr>
-        <a:xfrm>
-          <a:off x="3761184" y="1397793"/>
-          <a:ext cx="1393031" cy="557212"/>
-        </a:xfrm>
-        <a:prstGeom prst="chevron">
-          <a:avLst/>
-        </a:prstGeom>
-        <a:solidFill>
-          <a:schemeClr val="accent1">
-            <a:hueOff val="0"/>
-            <a:satOff val="0"/>
-            <a:lumOff val="0"/>
-            <a:alphaOff val="0"/>
-          </a:schemeClr>
-        </a:solidFill>
-        <a:ln w="25400" cap="flat" cmpd="sng" algn="ctr">
-          <a:solidFill>
-            <a:schemeClr val="lt1">
-              <a:hueOff val="0"/>
-              <a:satOff val="0"/>
-              <a:lumOff val="0"/>
-              <a:alphaOff val="0"/>
-            </a:schemeClr>
-          </a:solidFill>
-          <a:prstDash val="solid"/>
-        </a:ln>
-        <a:effectLst/>
-      </dsp:spPr>
-      <dsp:style>
-        <a:lnRef idx="2">
-          <a:scrgbClr r="0" g="0" b="0"/>
-        </a:lnRef>
-        <a:fillRef idx="1">
-          <a:scrgbClr r="0" g="0" b="0"/>
-        </a:fillRef>
-        <a:effectRef idx="0">
-          <a:scrgbClr r="0" g="0" b="0"/>
-        </a:effectRef>
-        <a:fontRef idx="minor">
-          <a:schemeClr val="lt1"/>
-        </a:fontRef>
-      </dsp:style>
-      <dsp:txBody>
-        <a:bodyPr spcFirstLastPara="0" vert="horz" wrap="square" lIns="40005" tIns="13335" rIns="13335" bIns="13335" numCol="1" spcCol="1270" anchor="ctr" anchorCtr="0">
-          <a:noAutofit/>
-        </a:bodyPr>
-        <a:lstStyle/>
-        <a:p>
-          <a:pPr lvl="0" algn="ctr" defTabSz="444500">
-            <a:lnSpc>
-              <a:spcPct val="90000"/>
-            </a:lnSpc>
-            <a:spcBef>
-              <a:spcPct val="0"/>
-            </a:spcBef>
-            <a:spcAft>
-              <a:spcPct val="35000"/>
-            </a:spcAft>
-          </a:pPr>
-          <a:r>
-            <a:rPr lang="en-US" sz="1000" kern="1200" dirty="0" smtClean="0">
-              <a:solidFill>
-                <a:schemeClr val="tx1"/>
-              </a:solidFill>
-            </a:rPr>
-            <a:t>Tonal Value Calculation</a:t>
-          </a:r>
-          <a:endParaRPr lang="en-US" sz="1000" kern="1200" dirty="0">
-            <a:solidFill>
-              <a:schemeClr val="tx1"/>
-            </a:solidFill>
-          </a:endParaRPr>
-        </a:p>
-      </dsp:txBody>
-      <dsp:txXfrm>
-        <a:off x="4039790" y="1397793"/>
-        <a:ext cx="835819" cy="557212"/>
-      </dsp:txXfrm>
-    </dsp:sp>
-    <dsp:sp modelId="{47EC26A5-DB58-47F3-B21F-7ECE3520D744}">
-      <dsp:nvSpPr>
-        <dsp:cNvPr id="0" name=""/>
-        <dsp:cNvSpPr/>
-      </dsp:nvSpPr>
-      <dsp:spPr>
-        <a:xfrm>
-          <a:off x="5014912" y="1397793"/>
-          <a:ext cx="1393031" cy="557212"/>
-        </a:xfrm>
-        <a:prstGeom prst="chevron">
-          <a:avLst/>
-        </a:prstGeom>
-        <a:solidFill>
-          <a:schemeClr val="accent1">
-            <a:hueOff val="0"/>
-            <a:satOff val="0"/>
-            <a:lumOff val="0"/>
-            <a:alphaOff val="0"/>
-          </a:schemeClr>
-        </a:solidFill>
-        <a:ln w="25400" cap="flat" cmpd="sng" algn="ctr">
-          <a:solidFill>
-            <a:schemeClr val="lt1">
-              <a:hueOff val="0"/>
-              <a:satOff val="0"/>
-              <a:lumOff val="0"/>
-              <a:alphaOff val="0"/>
-            </a:schemeClr>
-          </a:solidFill>
-          <a:prstDash val="solid"/>
-        </a:ln>
-        <a:effectLst/>
-      </dsp:spPr>
-      <dsp:style>
-        <a:lnRef idx="2">
-          <a:scrgbClr r="0" g="0" b="0"/>
-        </a:lnRef>
-        <a:fillRef idx="1">
-          <a:scrgbClr r="0" g="0" b="0"/>
-        </a:fillRef>
-        <a:effectRef idx="0">
-          <a:scrgbClr r="0" g="0" b="0"/>
-        </a:effectRef>
-        <a:fontRef idx="minor">
-          <a:schemeClr val="lt1"/>
-        </a:fontRef>
-      </dsp:style>
-      <dsp:txBody>
-        <a:bodyPr spcFirstLastPara="0" vert="horz" wrap="square" lIns="40005" tIns="13335" rIns="13335" bIns="13335" numCol="1" spcCol="1270" anchor="ctr" anchorCtr="0">
-          <a:noAutofit/>
-        </a:bodyPr>
-        <a:lstStyle/>
-        <a:p>
-          <a:pPr lvl="0" algn="ctr" defTabSz="444500">
-            <a:lnSpc>
-              <a:spcPct val="90000"/>
-            </a:lnSpc>
-            <a:spcBef>
-              <a:spcPct val="0"/>
-            </a:spcBef>
-            <a:spcAft>
-              <a:spcPct val="35000"/>
-            </a:spcAft>
-          </a:pPr>
-          <a:r>
-            <a:rPr lang="en-US" sz="1000" kern="1200" dirty="0" smtClean="0">
-              <a:solidFill>
-                <a:schemeClr val="tx1"/>
-              </a:solidFill>
-            </a:rPr>
-            <a:t>Layer Extraction and Half-toning</a:t>
-          </a:r>
-          <a:endParaRPr lang="en-US" sz="1000" kern="1200" dirty="0">
-            <a:solidFill>
-              <a:schemeClr val="tx1"/>
-            </a:solidFill>
-          </a:endParaRPr>
-        </a:p>
-      </dsp:txBody>
-      <dsp:txXfrm>
-        <a:off x="5293518" y="1397793"/>
-        <a:ext cx="835819" cy="557212"/>
-      </dsp:txXfrm>
-    </dsp:sp>
-    <dsp:sp modelId="{1214DDDF-E3A3-4EB3-BFBD-CAE78864CA50}">
-      <dsp:nvSpPr>
-        <dsp:cNvPr id="0" name=""/>
-        <dsp:cNvSpPr/>
-      </dsp:nvSpPr>
-      <dsp:spPr>
-        <a:xfrm>
-          <a:off x="6268640" y="1397793"/>
-          <a:ext cx="1393031" cy="557212"/>
-        </a:xfrm>
-        <a:prstGeom prst="chevron">
-          <a:avLst/>
-        </a:prstGeom>
-        <a:solidFill>
-          <a:schemeClr val="accent1">
-            <a:hueOff val="0"/>
-            <a:satOff val="0"/>
-            <a:lumOff val="0"/>
-            <a:alphaOff val="0"/>
-          </a:schemeClr>
-        </a:solidFill>
-        <a:ln w="25400" cap="flat" cmpd="sng" algn="ctr">
-          <a:solidFill>
-            <a:schemeClr val="lt1">
-              <a:hueOff val="0"/>
-              <a:satOff val="0"/>
-              <a:lumOff val="0"/>
-              <a:alphaOff val="0"/>
-            </a:schemeClr>
-          </a:solidFill>
-          <a:prstDash val="solid"/>
-        </a:ln>
-        <a:effectLst/>
-      </dsp:spPr>
-      <dsp:style>
-        <a:lnRef idx="2">
-          <a:scrgbClr r="0" g="0" b="0"/>
-        </a:lnRef>
-        <a:fillRef idx="1">
-          <a:scrgbClr r="0" g="0" b="0"/>
-        </a:fillRef>
-        <a:effectRef idx="0">
-          <a:scrgbClr r="0" g="0" b="0"/>
-        </a:effectRef>
-        <a:fontRef idx="minor">
-          <a:schemeClr val="lt1"/>
-        </a:fontRef>
-      </dsp:style>
-      <dsp:txBody>
-        <a:bodyPr spcFirstLastPara="0" vert="horz" wrap="square" lIns="40005" tIns="13335" rIns="13335" bIns="13335" numCol="1" spcCol="1270" anchor="ctr" anchorCtr="0">
-          <a:noAutofit/>
-        </a:bodyPr>
-        <a:lstStyle/>
-        <a:p>
-          <a:pPr lvl="0" algn="ctr" defTabSz="444500">
-            <a:lnSpc>
-              <a:spcPct val="90000"/>
-            </a:lnSpc>
-            <a:spcBef>
-              <a:spcPct val="0"/>
-            </a:spcBef>
-            <a:spcAft>
-              <a:spcPct val="35000"/>
-            </a:spcAft>
-          </a:pPr>
-          <a:r>
-            <a:rPr lang="en-US" sz="1000" kern="1200" dirty="0" smtClean="0">
-              <a:solidFill>
-                <a:schemeClr val="tx1"/>
-              </a:solidFill>
-            </a:rPr>
-            <a:t>Surface Distance Evaluation</a:t>
-          </a:r>
-          <a:endParaRPr lang="en-US" sz="1000" kern="1200" dirty="0">
-            <a:solidFill>
-              <a:schemeClr val="tx1"/>
-            </a:solidFill>
-          </a:endParaRPr>
-        </a:p>
-      </dsp:txBody>
-      <dsp:txXfrm>
-        <a:off x="6547246" y="1397793"/>
-        <a:ext cx="835819" cy="557212"/>
-      </dsp:txXfrm>
-    </dsp:sp>
-    <dsp:sp modelId="{5D5D5C88-985A-485D-991E-57409E5BC77A}">
-      <dsp:nvSpPr>
-        <dsp:cNvPr id="0" name=""/>
-        <dsp:cNvSpPr/>
-      </dsp:nvSpPr>
-      <dsp:spPr>
-        <a:xfrm>
-          <a:off x="7522368" y="1397793"/>
-          <a:ext cx="1393031" cy="557212"/>
-        </a:xfrm>
-        <a:prstGeom prst="chevron">
-          <a:avLst/>
-        </a:prstGeom>
-        <a:solidFill>
-          <a:schemeClr val="accent1">
-            <a:hueOff val="0"/>
-            <a:satOff val="0"/>
-            <a:lumOff val="0"/>
-            <a:alphaOff val="0"/>
-          </a:schemeClr>
-        </a:solidFill>
-        <a:ln w="25400" cap="flat" cmpd="sng" algn="ctr">
-          <a:solidFill>
-            <a:schemeClr val="lt1">
-              <a:hueOff val="0"/>
-              <a:satOff val="0"/>
-              <a:lumOff val="0"/>
-              <a:alphaOff val="0"/>
-            </a:schemeClr>
-          </a:solidFill>
-          <a:prstDash val="solid"/>
-        </a:ln>
-        <a:effectLst/>
-      </dsp:spPr>
-      <dsp:style>
-        <a:lnRef idx="2">
-          <a:scrgbClr r="0" g="0" b="0"/>
-        </a:lnRef>
-        <a:fillRef idx="1">
-          <a:scrgbClr r="0" g="0" b="0"/>
-        </a:fillRef>
-        <a:effectRef idx="0">
-          <a:scrgbClr r="0" g="0" b="0"/>
-        </a:effectRef>
-        <a:fontRef idx="minor">
-          <a:schemeClr val="lt1"/>
-        </a:fontRef>
-      </dsp:style>
-      <dsp:txBody>
-        <a:bodyPr spcFirstLastPara="0" vert="horz" wrap="square" lIns="40005" tIns="13335" rIns="13335" bIns="13335" numCol="1" spcCol="1270" anchor="ctr" anchorCtr="0">
-          <a:noAutofit/>
-        </a:bodyPr>
-        <a:lstStyle/>
-        <a:p>
-          <a:pPr lvl="0" algn="ctr" defTabSz="444500">
-            <a:lnSpc>
-              <a:spcPct val="90000"/>
-            </a:lnSpc>
-            <a:spcBef>
-              <a:spcPct val="0"/>
-            </a:spcBef>
-            <a:spcAft>
-              <a:spcPct val="35000"/>
-            </a:spcAft>
-          </a:pPr>
-          <a:r>
-            <a:rPr lang="en-US" sz="1000" kern="1200" dirty="0" smtClean="0">
-              <a:solidFill>
-                <a:schemeClr val="tx1"/>
-              </a:solidFill>
-            </a:rPr>
-            <a:t>Output Generation</a:t>
-          </a:r>
-          <a:endParaRPr lang="en-US" sz="1000" kern="1200" dirty="0">
-            <a:solidFill>
-              <a:schemeClr val="tx1"/>
-            </a:solidFill>
-          </a:endParaRPr>
-        </a:p>
-      </dsp:txBody>
-      <dsp:txXfrm>
-        <a:off x="7800974" y="1397793"/>
-        <a:ext cx="835819" cy="557212"/>
-      </dsp:txXfrm>
-    </dsp:sp>
   </dsp:spTree>
 </dsp:drawing>
 </file>
@@ -8410,601 +7816,6 @@
       <dsp:cNvGrpSpPr/>
     </dsp:nvGrpSpPr>
     <dsp:grpSpPr/>
-    <dsp:sp modelId="{09A00682-3313-476D-9195-849AA0621560}">
-      <dsp:nvSpPr>
-        <dsp:cNvPr id="0" name=""/>
-        <dsp:cNvSpPr/>
-      </dsp:nvSpPr>
-      <dsp:spPr>
-        <a:xfrm>
-          <a:off x="0" y="1397793"/>
-          <a:ext cx="1393031" cy="557212"/>
-        </a:xfrm>
-        <a:prstGeom prst="chevron">
-          <a:avLst/>
-        </a:prstGeom>
-        <a:solidFill>
-          <a:schemeClr val="accent1">
-            <a:hueOff val="0"/>
-            <a:satOff val="0"/>
-            <a:lumOff val="0"/>
-            <a:alphaOff val="0"/>
-          </a:schemeClr>
-        </a:solidFill>
-        <a:ln w="25400" cap="flat" cmpd="sng" algn="ctr">
-          <a:solidFill>
-            <a:schemeClr val="lt1">
-              <a:hueOff val="0"/>
-              <a:satOff val="0"/>
-              <a:lumOff val="0"/>
-              <a:alphaOff val="0"/>
-            </a:schemeClr>
-          </a:solidFill>
-          <a:prstDash val="solid"/>
-        </a:ln>
-        <a:effectLst/>
-      </dsp:spPr>
-      <dsp:style>
-        <a:lnRef idx="2">
-          <a:scrgbClr r="0" g="0" b="0"/>
-        </a:lnRef>
-        <a:fillRef idx="1">
-          <a:scrgbClr r="0" g="0" b="0"/>
-        </a:fillRef>
-        <a:effectRef idx="0">
-          <a:scrgbClr r="0" g="0" b="0"/>
-        </a:effectRef>
-        <a:fontRef idx="minor">
-          <a:schemeClr val="lt1"/>
-        </a:fontRef>
-      </dsp:style>
-      <dsp:txBody>
-        <a:bodyPr spcFirstLastPara="0" vert="horz" wrap="square" lIns="40005" tIns="13335" rIns="13335" bIns="13335" numCol="1" spcCol="1270" anchor="ctr" anchorCtr="0">
-          <a:noAutofit/>
-        </a:bodyPr>
-        <a:lstStyle/>
-        <a:p>
-          <a:pPr lvl="0" algn="ctr" defTabSz="444500">
-            <a:lnSpc>
-              <a:spcPct val="90000"/>
-            </a:lnSpc>
-            <a:spcBef>
-              <a:spcPct val="0"/>
-            </a:spcBef>
-            <a:spcAft>
-              <a:spcPct val="35000"/>
-            </a:spcAft>
-          </a:pPr>
-          <a:r>
-            <a:rPr lang="en-US" sz="1000" kern="1200" dirty="0" smtClean="0">
-              <a:solidFill>
-                <a:schemeClr val="tx1"/>
-              </a:solidFill>
-            </a:rPr>
-            <a:t>Input Parsing</a:t>
-          </a:r>
-          <a:endParaRPr lang="en-US" sz="1000" kern="1200" dirty="0">
-            <a:solidFill>
-              <a:schemeClr val="tx1"/>
-            </a:solidFill>
-          </a:endParaRPr>
-        </a:p>
-      </dsp:txBody>
-      <dsp:txXfrm>
-        <a:off x="278606" y="1397793"/>
-        <a:ext cx="835819" cy="557212"/>
-      </dsp:txXfrm>
-    </dsp:sp>
-    <dsp:sp modelId="{771B5359-AC59-491F-AE7E-C91287E4A360}">
-      <dsp:nvSpPr>
-        <dsp:cNvPr id="0" name=""/>
-        <dsp:cNvSpPr/>
-      </dsp:nvSpPr>
-      <dsp:spPr>
-        <a:xfrm>
-          <a:off x="1253728" y="1397793"/>
-          <a:ext cx="1393031" cy="557212"/>
-        </a:xfrm>
-        <a:prstGeom prst="chevron">
-          <a:avLst/>
-        </a:prstGeom>
-        <a:solidFill>
-          <a:schemeClr val="accent1">
-            <a:hueOff val="0"/>
-            <a:satOff val="0"/>
-            <a:lumOff val="0"/>
-            <a:alphaOff val="0"/>
-          </a:schemeClr>
-        </a:solidFill>
-        <a:ln w="25400" cap="flat" cmpd="sng" algn="ctr">
-          <a:solidFill>
-            <a:schemeClr val="lt1">
-              <a:hueOff val="0"/>
-              <a:satOff val="0"/>
-              <a:lumOff val="0"/>
-              <a:alphaOff val="0"/>
-            </a:schemeClr>
-          </a:solidFill>
-          <a:prstDash val="solid"/>
-        </a:ln>
-        <a:effectLst/>
-      </dsp:spPr>
-      <dsp:style>
-        <a:lnRef idx="2">
-          <a:scrgbClr r="0" g="0" b="0"/>
-        </a:lnRef>
-        <a:fillRef idx="1">
-          <a:scrgbClr r="0" g="0" b="0"/>
-        </a:fillRef>
-        <a:effectRef idx="0">
-          <a:scrgbClr r="0" g="0" b="0"/>
-        </a:effectRef>
-        <a:fontRef idx="minor">
-          <a:schemeClr val="lt1"/>
-        </a:fontRef>
-      </dsp:style>
-      <dsp:txBody>
-        <a:bodyPr spcFirstLastPara="0" vert="horz" wrap="square" lIns="40005" tIns="13335" rIns="13335" bIns="13335" numCol="1" spcCol="1270" anchor="ctr" anchorCtr="0">
-          <a:noAutofit/>
-        </a:bodyPr>
-        <a:lstStyle/>
-        <a:p>
-          <a:pPr lvl="0" algn="ctr" defTabSz="444500">
-            <a:lnSpc>
-              <a:spcPct val="90000"/>
-            </a:lnSpc>
-            <a:spcBef>
-              <a:spcPct val="0"/>
-            </a:spcBef>
-            <a:spcAft>
-              <a:spcPct val="35000"/>
-            </a:spcAft>
-          </a:pPr>
-          <a:r>
-            <a:rPr lang="en-US" sz="1000" kern="1200" dirty="0" smtClean="0">
-              <a:solidFill>
-                <a:schemeClr val="tx1"/>
-              </a:solidFill>
-            </a:rPr>
-            <a:t>Print object arrangement</a:t>
-          </a:r>
-          <a:endParaRPr lang="en-US" sz="1000" kern="1200" dirty="0">
-            <a:solidFill>
-              <a:schemeClr val="tx1"/>
-            </a:solidFill>
-          </a:endParaRPr>
-        </a:p>
-      </dsp:txBody>
-      <dsp:txXfrm>
-        <a:off x="1532334" y="1397793"/>
-        <a:ext cx="835819" cy="557212"/>
-      </dsp:txXfrm>
-    </dsp:sp>
-    <dsp:sp modelId="{5535CA09-926A-457A-A4B7-21390F15F94F}">
-      <dsp:nvSpPr>
-        <dsp:cNvPr id="0" name=""/>
-        <dsp:cNvSpPr/>
-      </dsp:nvSpPr>
-      <dsp:spPr>
-        <a:xfrm>
-          <a:off x="2507456" y="1397793"/>
-          <a:ext cx="1393031" cy="557212"/>
-        </a:xfrm>
-        <a:prstGeom prst="chevron">
-          <a:avLst/>
-        </a:prstGeom>
-        <a:solidFill>
-          <a:schemeClr val="accent1">
-            <a:hueOff val="0"/>
-            <a:satOff val="0"/>
-            <a:lumOff val="0"/>
-            <a:alphaOff val="0"/>
-          </a:schemeClr>
-        </a:solidFill>
-        <a:ln w="25400" cap="flat" cmpd="sng" algn="ctr">
-          <a:solidFill>
-            <a:schemeClr val="lt1">
-              <a:hueOff val="0"/>
-              <a:satOff val="0"/>
-              <a:lumOff val="0"/>
-              <a:alphaOff val="0"/>
-            </a:schemeClr>
-          </a:solidFill>
-          <a:prstDash val="solid"/>
-        </a:ln>
-        <a:effectLst/>
-      </dsp:spPr>
-      <dsp:style>
-        <a:lnRef idx="2">
-          <a:scrgbClr r="0" g="0" b="0"/>
-        </a:lnRef>
-        <a:fillRef idx="1">
-          <a:scrgbClr r="0" g="0" b="0"/>
-        </a:fillRef>
-        <a:effectRef idx="0">
-          <a:scrgbClr r="0" g="0" b="0"/>
-        </a:effectRef>
-        <a:fontRef idx="minor">
-          <a:schemeClr val="lt1"/>
-        </a:fontRef>
-      </dsp:style>
-      <dsp:txBody>
-        <a:bodyPr spcFirstLastPara="0" vert="horz" wrap="square" lIns="40005" tIns="13335" rIns="13335" bIns="13335" numCol="1" spcCol="1270" anchor="ctr" anchorCtr="0">
-          <a:noAutofit/>
-        </a:bodyPr>
-        <a:lstStyle/>
-        <a:p>
-          <a:pPr lvl="0" algn="ctr" defTabSz="444500">
-            <a:lnSpc>
-              <a:spcPct val="90000"/>
-            </a:lnSpc>
-            <a:spcBef>
-              <a:spcPct val="0"/>
-            </a:spcBef>
-            <a:spcAft>
-              <a:spcPct val="35000"/>
-            </a:spcAft>
-          </a:pPr>
-          <a:r>
-            <a:rPr lang="en-US" sz="1000" kern="1200" dirty="0" smtClean="0">
-              <a:solidFill>
-                <a:schemeClr val="tx1"/>
-              </a:solidFill>
-            </a:rPr>
-            <a:t>Rasterization &amp; Voxelization</a:t>
-          </a:r>
-          <a:endParaRPr lang="en-US" sz="1000" kern="1200" dirty="0">
-            <a:solidFill>
-              <a:schemeClr val="tx1"/>
-            </a:solidFill>
-          </a:endParaRPr>
-        </a:p>
-      </dsp:txBody>
-      <dsp:txXfrm>
-        <a:off x="2786062" y="1397793"/>
-        <a:ext cx="835819" cy="557212"/>
-      </dsp:txXfrm>
-    </dsp:sp>
-    <dsp:sp modelId="{9D68CD03-B1A7-4BEA-B058-FD22B6150897}">
-      <dsp:nvSpPr>
-        <dsp:cNvPr id="0" name=""/>
-        <dsp:cNvSpPr/>
-      </dsp:nvSpPr>
-      <dsp:spPr>
-        <a:xfrm>
-          <a:off x="3761184" y="1397793"/>
-          <a:ext cx="1393031" cy="557212"/>
-        </a:xfrm>
-        <a:prstGeom prst="chevron">
-          <a:avLst/>
-        </a:prstGeom>
-        <a:solidFill>
-          <a:schemeClr val="accent1">
-            <a:hueOff val="0"/>
-            <a:satOff val="0"/>
-            <a:lumOff val="0"/>
-            <a:alphaOff val="0"/>
-          </a:schemeClr>
-        </a:solidFill>
-        <a:ln w="25400" cap="flat" cmpd="sng" algn="ctr">
-          <a:solidFill>
-            <a:schemeClr val="lt1">
-              <a:hueOff val="0"/>
-              <a:satOff val="0"/>
-              <a:lumOff val="0"/>
-              <a:alphaOff val="0"/>
-            </a:schemeClr>
-          </a:solidFill>
-          <a:prstDash val="solid"/>
-        </a:ln>
-        <a:effectLst/>
-      </dsp:spPr>
-      <dsp:style>
-        <a:lnRef idx="2">
-          <a:scrgbClr r="0" g="0" b="0"/>
-        </a:lnRef>
-        <a:fillRef idx="1">
-          <a:scrgbClr r="0" g="0" b="0"/>
-        </a:fillRef>
-        <a:effectRef idx="0">
-          <a:scrgbClr r="0" g="0" b="0"/>
-        </a:effectRef>
-        <a:fontRef idx="minor">
-          <a:schemeClr val="lt1"/>
-        </a:fontRef>
-      </dsp:style>
-      <dsp:txBody>
-        <a:bodyPr spcFirstLastPara="0" vert="horz" wrap="square" lIns="40005" tIns="13335" rIns="13335" bIns="13335" numCol="1" spcCol="1270" anchor="ctr" anchorCtr="0">
-          <a:noAutofit/>
-        </a:bodyPr>
-        <a:lstStyle/>
-        <a:p>
-          <a:pPr lvl="0" algn="ctr" defTabSz="444500">
-            <a:lnSpc>
-              <a:spcPct val="90000"/>
-            </a:lnSpc>
-            <a:spcBef>
-              <a:spcPct val="0"/>
-            </a:spcBef>
-            <a:spcAft>
-              <a:spcPct val="35000"/>
-            </a:spcAft>
-          </a:pPr>
-          <a:r>
-            <a:rPr lang="en-US" sz="1000" kern="1200" dirty="0" smtClean="0">
-              <a:solidFill>
-                <a:schemeClr val="tx1"/>
-              </a:solidFill>
-            </a:rPr>
-            <a:t>Tonal Value Calculation</a:t>
-          </a:r>
-          <a:endParaRPr lang="en-US" sz="1000" kern="1200" dirty="0">
-            <a:solidFill>
-              <a:schemeClr val="tx1"/>
-            </a:solidFill>
-          </a:endParaRPr>
-        </a:p>
-      </dsp:txBody>
-      <dsp:txXfrm>
-        <a:off x="4039790" y="1397793"/>
-        <a:ext cx="835819" cy="557212"/>
-      </dsp:txXfrm>
-    </dsp:sp>
-    <dsp:sp modelId="{47EC26A5-DB58-47F3-B21F-7ECE3520D744}">
-      <dsp:nvSpPr>
-        <dsp:cNvPr id="0" name=""/>
-        <dsp:cNvSpPr/>
-      </dsp:nvSpPr>
-      <dsp:spPr>
-        <a:xfrm>
-          <a:off x="5014912" y="1397793"/>
-          <a:ext cx="1393031" cy="557212"/>
-        </a:xfrm>
-        <a:prstGeom prst="chevron">
-          <a:avLst/>
-        </a:prstGeom>
-        <a:solidFill>
-          <a:schemeClr val="accent1">
-            <a:hueOff val="0"/>
-            <a:satOff val="0"/>
-            <a:lumOff val="0"/>
-            <a:alphaOff val="0"/>
-          </a:schemeClr>
-        </a:solidFill>
-        <a:ln w="25400" cap="flat" cmpd="sng" algn="ctr">
-          <a:solidFill>
-            <a:schemeClr val="lt1">
-              <a:hueOff val="0"/>
-              <a:satOff val="0"/>
-              <a:lumOff val="0"/>
-              <a:alphaOff val="0"/>
-            </a:schemeClr>
-          </a:solidFill>
-          <a:prstDash val="solid"/>
-        </a:ln>
-        <a:effectLst/>
-      </dsp:spPr>
-      <dsp:style>
-        <a:lnRef idx="2">
-          <a:scrgbClr r="0" g="0" b="0"/>
-        </a:lnRef>
-        <a:fillRef idx="1">
-          <a:scrgbClr r="0" g="0" b="0"/>
-        </a:fillRef>
-        <a:effectRef idx="0">
-          <a:scrgbClr r="0" g="0" b="0"/>
-        </a:effectRef>
-        <a:fontRef idx="minor">
-          <a:schemeClr val="lt1"/>
-        </a:fontRef>
-      </dsp:style>
-      <dsp:txBody>
-        <a:bodyPr spcFirstLastPara="0" vert="horz" wrap="square" lIns="40005" tIns="13335" rIns="13335" bIns="13335" numCol="1" spcCol="1270" anchor="ctr" anchorCtr="0">
-          <a:noAutofit/>
-        </a:bodyPr>
-        <a:lstStyle/>
-        <a:p>
-          <a:pPr lvl="0" algn="ctr" defTabSz="444500">
-            <a:lnSpc>
-              <a:spcPct val="90000"/>
-            </a:lnSpc>
-            <a:spcBef>
-              <a:spcPct val="0"/>
-            </a:spcBef>
-            <a:spcAft>
-              <a:spcPct val="35000"/>
-            </a:spcAft>
-          </a:pPr>
-          <a:r>
-            <a:rPr lang="en-US" sz="1000" kern="1200" dirty="0" smtClean="0">
-              <a:solidFill>
-                <a:schemeClr val="tx1"/>
-              </a:solidFill>
-            </a:rPr>
-            <a:t>Layer Extraction and Half-toning</a:t>
-          </a:r>
-          <a:endParaRPr lang="en-US" sz="1000" kern="1200" dirty="0">
-            <a:solidFill>
-              <a:schemeClr val="tx1"/>
-            </a:solidFill>
-          </a:endParaRPr>
-        </a:p>
-      </dsp:txBody>
-      <dsp:txXfrm>
-        <a:off x="5293518" y="1397793"/>
-        <a:ext cx="835819" cy="557212"/>
-      </dsp:txXfrm>
-    </dsp:sp>
-    <dsp:sp modelId="{1214DDDF-E3A3-4EB3-BFBD-CAE78864CA50}">
-      <dsp:nvSpPr>
-        <dsp:cNvPr id="0" name=""/>
-        <dsp:cNvSpPr/>
-      </dsp:nvSpPr>
-      <dsp:spPr>
-        <a:xfrm>
-          <a:off x="6268640" y="1397793"/>
-          <a:ext cx="1393031" cy="557212"/>
-        </a:xfrm>
-        <a:prstGeom prst="chevron">
-          <a:avLst/>
-        </a:prstGeom>
-        <a:solidFill>
-          <a:schemeClr val="accent1">
-            <a:hueOff val="0"/>
-            <a:satOff val="0"/>
-            <a:lumOff val="0"/>
-            <a:alphaOff val="0"/>
-          </a:schemeClr>
-        </a:solidFill>
-        <a:ln w="25400" cap="flat" cmpd="sng" algn="ctr">
-          <a:solidFill>
-            <a:schemeClr val="lt1">
-              <a:hueOff val="0"/>
-              <a:satOff val="0"/>
-              <a:lumOff val="0"/>
-              <a:alphaOff val="0"/>
-            </a:schemeClr>
-          </a:solidFill>
-          <a:prstDash val="solid"/>
-        </a:ln>
-        <a:effectLst/>
-      </dsp:spPr>
-      <dsp:style>
-        <a:lnRef idx="2">
-          <a:scrgbClr r="0" g="0" b="0"/>
-        </a:lnRef>
-        <a:fillRef idx="1">
-          <a:scrgbClr r="0" g="0" b="0"/>
-        </a:fillRef>
-        <a:effectRef idx="0">
-          <a:scrgbClr r="0" g="0" b="0"/>
-        </a:effectRef>
-        <a:fontRef idx="minor">
-          <a:schemeClr val="lt1"/>
-        </a:fontRef>
-      </dsp:style>
-      <dsp:txBody>
-        <a:bodyPr spcFirstLastPara="0" vert="horz" wrap="square" lIns="40005" tIns="13335" rIns="13335" bIns="13335" numCol="1" spcCol="1270" anchor="ctr" anchorCtr="0">
-          <a:noAutofit/>
-        </a:bodyPr>
-        <a:lstStyle/>
-        <a:p>
-          <a:pPr lvl="0" algn="ctr" defTabSz="444500">
-            <a:lnSpc>
-              <a:spcPct val="90000"/>
-            </a:lnSpc>
-            <a:spcBef>
-              <a:spcPct val="0"/>
-            </a:spcBef>
-            <a:spcAft>
-              <a:spcPct val="35000"/>
-            </a:spcAft>
-          </a:pPr>
-          <a:r>
-            <a:rPr lang="en-US" sz="1000" kern="1200" dirty="0" smtClean="0">
-              <a:solidFill>
-                <a:schemeClr val="tx1"/>
-              </a:solidFill>
-            </a:rPr>
-            <a:t>Surface Distance Evaluation</a:t>
-          </a:r>
-          <a:endParaRPr lang="en-US" sz="1000" kern="1200" dirty="0">
-            <a:solidFill>
-              <a:schemeClr val="tx1"/>
-            </a:solidFill>
-          </a:endParaRPr>
-        </a:p>
-      </dsp:txBody>
-      <dsp:txXfrm>
-        <a:off x="6547246" y="1397793"/>
-        <a:ext cx="835819" cy="557212"/>
-      </dsp:txXfrm>
-    </dsp:sp>
-    <dsp:sp modelId="{5D5D5C88-985A-485D-991E-57409E5BC77A}">
-      <dsp:nvSpPr>
-        <dsp:cNvPr id="0" name=""/>
-        <dsp:cNvSpPr/>
-      </dsp:nvSpPr>
-      <dsp:spPr>
-        <a:xfrm>
-          <a:off x="7522368" y="1397793"/>
-          <a:ext cx="1393031" cy="557212"/>
-        </a:xfrm>
-        <a:prstGeom prst="chevron">
-          <a:avLst/>
-        </a:prstGeom>
-        <a:solidFill>
-          <a:schemeClr val="accent1">
-            <a:hueOff val="0"/>
-            <a:satOff val="0"/>
-            <a:lumOff val="0"/>
-            <a:alphaOff val="0"/>
-          </a:schemeClr>
-        </a:solidFill>
-        <a:ln w="25400" cap="flat" cmpd="sng" algn="ctr">
-          <a:solidFill>
-            <a:schemeClr val="lt1">
-              <a:hueOff val="0"/>
-              <a:satOff val="0"/>
-              <a:lumOff val="0"/>
-              <a:alphaOff val="0"/>
-            </a:schemeClr>
-          </a:solidFill>
-          <a:prstDash val="solid"/>
-        </a:ln>
-        <a:effectLst/>
-      </dsp:spPr>
-      <dsp:style>
-        <a:lnRef idx="2">
-          <a:scrgbClr r="0" g="0" b="0"/>
-        </a:lnRef>
-        <a:fillRef idx="1">
-          <a:scrgbClr r="0" g="0" b="0"/>
-        </a:fillRef>
-        <a:effectRef idx="0">
-          <a:scrgbClr r="0" g="0" b="0"/>
-        </a:effectRef>
-        <a:fontRef idx="minor">
-          <a:schemeClr val="lt1"/>
-        </a:fontRef>
-      </dsp:style>
-      <dsp:txBody>
-        <a:bodyPr spcFirstLastPara="0" vert="horz" wrap="square" lIns="40005" tIns="13335" rIns="13335" bIns="13335" numCol="1" spcCol="1270" anchor="ctr" anchorCtr="0">
-          <a:noAutofit/>
-        </a:bodyPr>
-        <a:lstStyle/>
-        <a:p>
-          <a:pPr lvl="0" algn="ctr" defTabSz="444500">
-            <a:lnSpc>
-              <a:spcPct val="90000"/>
-            </a:lnSpc>
-            <a:spcBef>
-              <a:spcPct val="0"/>
-            </a:spcBef>
-            <a:spcAft>
-              <a:spcPct val="35000"/>
-            </a:spcAft>
-          </a:pPr>
-          <a:r>
-            <a:rPr lang="en-US" sz="1000" kern="1200" dirty="0" smtClean="0">
-              <a:solidFill>
-                <a:schemeClr val="tx1"/>
-              </a:solidFill>
-            </a:rPr>
-            <a:t>Output Generation</a:t>
-          </a:r>
-          <a:endParaRPr lang="en-US" sz="1000" kern="1200" dirty="0">
-            <a:solidFill>
-              <a:schemeClr val="tx1"/>
-            </a:solidFill>
-          </a:endParaRPr>
-        </a:p>
-      </dsp:txBody>
-      <dsp:txXfrm>
-        <a:off x="7800974" y="1397793"/>
-        <a:ext cx="835819" cy="557212"/>
-      </dsp:txXfrm>
-    </dsp:sp>
   </dsp:spTree>
 </dsp:drawing>
 </file>
@@ -9017,735 +7828,6 @@
       <dsp:cNvGrpSpPr/>
     </dsp:nvGrpSpPr>
     <dsp:grpSpPr/>
-    <dsp:sp modelId="{82B6CC98-E7D5-4D4E-ACD9-D9D53E7526DB}">
-      <dsp:nvSpPr>
-        <dsp:cNvPr id="0" name=""/>
-        <dsp:cNvSpPr/>
-      </dsp:nvSpPr>
-      <dsp:spPr>
-        <a:xfrm>
-          <a:off x="2841277" y="1079400"/>
-          <a:ext cx="1658541" cy="800206"/>
-        </a:xfrm>
-        <a:custGeom>
-          <a:avLst/>
-          <a:gdLst/>
-          <a:ahLst/>
-          <a:cxnLst/>
-          <a:rect l="0" t="0" r="0" b="0"/>
-          <a:pathLst>
-            <a:path>
-              <a:moveTo>
-                <a:pt x="0" y="0"/>
-              </a:moveTo>
-              <a:lnTo>
-                <a:pt x="0" y="558239"/>
-              </a:lnTo>
-              <a:lnTo>
-                <a:pt x="1658541" y="558239"/>
-              </a:lnTo>
-              <a:lnTo>
-                <a:pt x="1658541" y="800206"/>
-              </a:lnTo>
-            </a:path>
-          </a:pathLst>
-        </a:custGeom>
-        <a:noFill/>
-        <a:ln w="25400" cap="flat" cmpd="sng" algn="ctr">
-          <a:solidFill>
-            <a:schemeClr val="accent1">
-              <a:shade val="60000"/>
-              <a:hueOff val="0"/>
-              <a:satOff val="0"/>
-              <a:lumOff val="0"/>
-              <a:alphaOff val="0"/>
-            </a:schemeClr>
-          </a:solidFill>
-          <a:prstDash val="solid"/>
-        </a:ln>
-        <a:effectLst/>
-        <a:sp3d z="-40000" prstMaterial="matte"/>
-      </dsp:spPr>
-      <dsp:style>
-        <a:lnRef idx="2">
-          <a:scrgbClr r="0" g="0" b="0"/>
-        </a:lnRef>
-        <a:fillRef idx="0">
-          <a:scrgbClr r="0" g="0" b="0"/>
-        </a:fillRef>
-        <a:effectRef idx="0">
-          <a:scrgbClr r="0" g="0" b="0"/>
-        </a:effectRef>
-        <a:fontRef idx="minor"/>
-      </dsp:style>
-    </dsp:sp>
-    <dsp:sp modelId="{3B4976F8-1C91-4B4A-AF74-A6A32D597C6F}">
-      <dsp:nvSpPr>
-        <dsp:cNvPr id="0" name=""/>
-        <dsp:cNvSpPr/>
-      </dsp:nvSpPr>
-      <dsp:spPr>
-        <a:xfrm>
-          <a:off x="1305979" y="1079400"/>
-          <a:ext cx="1535297" cy="800206"/>
-        </a:xfrm>
-        <a:custGeom>
-          <a:avLst/>
-          <a:gdLst/>
-          <a:ahLst/>
-          <a:cxnLst/>
-          <a:rect l="0" t="0" r="0" b="0"/>
-          <a:pathLst>
-            <a:path>
-              <a:moveTo>
-                <a:pt x="1535297" y="0"/>
-              </a:moveTo>
-              <a:lnTo>
-                <a:pt x="1535297" y="558239"/>
-              </a:lnTo>
-              <a:lnTo>
-                <a:pt x="0" y="558239"/>
-              </a:lnTo>
-              <a:lnTo>
-                <a:pt x="0" y="800206"/>
-              </a:lnTo>
-            </a:path>
-          </a:pathLst>
-        </a:custGeom>
-        <a:noFill/>
-        <a:ln w="25400" cap="flat" cmpd="sng" algn="ctr">
-          <a:solidFill>
-            <a:schemeClr val="accent1">
-              <a:shade val="60000"/>
-              <a:hueOff val="0"/>
-              <a:satOff val="0"/>
-              <a:lumOff val="0"/>
-              <a:alphaOff val="0"/>
-            </a:schemeClr>
-          </a:solidFill>
-          <a:prstDash val="solid"/>
-        </a:ln>
-        <a:effectLst/>
-        <a:sp3d z="-40000" prstMaterial="matte"/>
-      </dsp:spPr>
-      <dsp:style>
-        <a:lnRef idx="2">
-          <a:scrgbClr r="0" g="0" b="0"/>
-        </a:lnRef>
-        <a:fillRef idx="0">
-          <a:scrgbClr r="0" g="0" b="0"/>
-        </a:fillRef>
-        <a:effectRef idx="0">
-          <a:scrgbClr r="0" g="0" b="0"/>
-        </a:effectRef>
-        <a:fontRef idx="minor"/>
-      </dsp:style>
-    </dsp:sp>
-    <dsp:sp modelId="{53C24587-0A2B-4FE3-9D3F-3944C820D5B6}">
-      <dsp:nvSpPr>
-        <dsp:cNvPr id="0" name=""/>
-        <dsp:cNvSpPr/>
-      </dsp:nvSpPr>
-      <dsp:spPr>
-        <a:xfrm>
-          <a:off x="1919577" y="308493"/>
-          <a:ext cx="1843398" cy="770906"/>
-        </a:xfrm>
-        <a:prstGeom prst="roundRect">
-          <a:avLst>
-            <a:gd name="adj" fmla="val 10000"/>
-          </a:avLst>
-        </a:prstGeom>
-        <a:solidFill>
-          <a:schemeClr val="accent1">
-            <a:hueOff val="0"/>
-            <a:satOff val="0"/>
-            <a:lumOff val="0"/>
-            <a:alphaOff val="0"/>
-          </a:schemeClr>
-        </a:solidFill>
-        <a:ln>
-          <a:noFill/>
-        </a:ln>
-        <a:effectLst/>
-        <a:scene3d>
-          <a:camera prst="orthographicFront"/>
-          <a:lightRig rig="chilly" dir="t"/>
-        </a:scene3d>
-        <a:sp3d prstMaterial="translucentPowder">
-          <a:bevelT w="127000" h="25400" prst="softRound"/>
-        </a:sp3d>
-      </dsp:spPr>
-      <dsp:style>
-        <a:lnRef idx="0">
-          <a:scrgbClr r="0" g="0" b="0"/>
-        </a:lnRef>
-        <a:fillRef idx="1">
-          <a:scrgbClr r="0" g="0" b="0"/>
-        </a:fillRef>
-        <a:effectRef idx="0">
-          <a:scrgbClr r="0" g="0" b="0"/>
-        </a:effectRef>
-        <a:fontRef idx="minor">
-          <a:schemeClr val="lt1"/>
-        </a:fontRef>
-      </dsp:style>
-    </dsp:sp>
-    <dsp:sp modelId="{633A4F81-F993-47EB-820A-B68DB3A5390E}">
-      <dsp:nvSpPr>
-        <dsp:cNvPr id="0" name=""/>
-        <dsp:cNvSpPr/>
-      </dsp:nvSpPr>
-      <dsp:spPr>
-        <a:xfrm>
-          <a:off x="2209792" y="584197"/>
-          <a:ext cx="1843398" cy="770906"/>
-        </a:xfrm>
-        <a:prstGeom prst="roundRect">
-          <a:avLst>
-            <a:gd name="adj" fmla="val 10000"/>
-          </a:avLst>
-        </a:prstGeom>
-        <a:solidFill>
-          <a:schemeClr val="lt1">
-            <a:alpha val="90000"/>
-            <a:hueOff val="0"/>
-            <a:satOff val="0"/>
-            <a:lumOff val="0"/>
-            <a:alphaOff val="0"/>
-          </a:schemeClr>
-        </a:solidFill>
-        <a:ln w="9525" cap="flat" cmpd="sng" algn="ctr">
-          <a:solidFill>
-            <a:schemeClr val="accent1">
-              <a:hueOff val="0"/>
-              <a:satOff val="0"/>
-              <a:lumOff val="0"/>
-              <a:alphaOff val="0"/>
-            </a:schemeClr>
-          </a:solidFill>
-          <a:prstDash val="solid"/>
-        </a:ln>
-        <a:effectLst/>
-        <a:scene3d>
-          <a:camera prst="orthographicFront"/>
-          <a:lightRig rig="chilly" dir="t"/>
-        </a:scene3d>
-        <a:sp3d z="12700" extrusionH="1700" prstMaterial="dkEdge">
-          <a:bevelT w="25400" h="6350" prst="softRound"/>
-          <a:bevelB w="0" h="0" prst="convex"/>
-        </a:sp3d>
-      </dsp:spPr>
-      <dsp:style>
-        <a:lnRef idx="1">
-          <a:scrgbClr r="0" g="0" b="0"/>
-        </a:lnRef>
-        <a:fillRef idx="1">
-          <a:scrgbClr r="0" g="0" b="0"/>
-        </a:fillRef>
-        <a:effectRef idx="0">
-          <a:scrgbClr r="0" g="0" b="0"/>
-        </a:effectRef>
-        <a:fontRef idx="minor"/>
-      </dsp:style>
-      <dsp:txBody>
-        <a:bodyPr spcFirstLastPara="0" vert="horz" wrap="square" lIns="60960" tIns="60960" rIns="60960" bIns="60960" numCol="1" spcCol="1270" anchor="ctr" anchorCtr="0">
-          <a:noAutofit/>
-        </a:bodyPr>
-        <a:lstStyle/>
-        <a:p>
-          <a:pPr lvl="0" algn="ctr" defTabSz="711200">
-            <a:lnSpc>
-              <a:spcPct val="90000"/>
-            </a:lnSpc>
-            <a:spcBef>
-              <a:spcPct val="0"/>
-            </a:spcBef>
-            <a:spcAft>
-              <a:spcPct val="35000"/>
-            </a:spcAft>
-          </a:pPr>
-          <a:r>
-            <a:rPr lang="en-US" sz="1600" b="1" kern="1200" dirty="0" smtClean="0"/>
-            <a:t>Shared resources</a:t>
-          </a:r>
-          <a:endParaRPr lang="en-US" sz="1600" b="1" kern="1200" dirty="0"/>
-        </a:p>
-      </dsp:txBody>
-      <dsp:txXfrm>
-        <a:off x="2232371" y="606776"/>
-        <a:ext cx="1798240" cy="725748"/>
-      </dsp:txXfrm>
-    </dsp:sp>
-    <dsp:sp modelId="{6BAED831-1434-4AE7-8DB7-037BBAC56C31}">
-      <dsp:nvSpPr>
-        <dsp:cNvPr id="0" name=""/>
-        <dsp:cNvSpPr/>
-      </dsp:nvSpPr>
-      <dsp:spPr>
-        <a:xfrm>
-          <a:off x="12" y="1879606"/>
-          <a:ext cx="2611933" cy="1658577"/>
-        </a:xfrm>
-        <a:prstGeom prst="roundRect">
-          <a:avLst>
-            <a:gd name="adj" fmla="val 10000"/>
-          </a:avLst>
-        </a:prstGeom>
-        <a:solidFill>
-          <a:schemeClr val="accent1">
-            <a:hueOff val="0"/>
-            <a:satOff val="0"/>
-            <a:lumOff val="0"/>
-            <a:alphaOff val="0"/>
-          </a:schemeClr>
-        </a:solidFill>
-        <a:ln>
-          <a:noFill/>
-        </a:ln>
-        <a:effectLst/>
-        <a:scene3d>
-          <a:camera prst="orthographicFront"/>
-          <a:lightRig rig="chilly" dir="t"/>
-        </a:scene3d>
-        <a:sp3d prstMaterial="translucentPowder">
-          <a:bevelT w="127000" h="25400" prst="softRound"/>
-        </a:sp3d>
-      </dsp:spPr>
-      <dsp:style>
-        <a:lnRef idx="0">
-          <a:scrgbClr r="0" g="0" b="0"/>
-        </a:lnRef>
-        <a:fillRef idx="1">
-          <a:scrgbClr r="0" g="0" b="0"/>
-        </a:fillRef>
-        <a:effectRef idx="0">
-          <a:scrgbClr r="0" g="0" b="0"/>
-        </a:effectRef>
-        <a:fontRef idx="minor">
-          <a:schemeClr val="lt1"/>
-        </a:fontRef>
-      </dsp:style>
-    </dsp:sp>
-    <dsp:sp modelId="{2CA332BF-C7D5-44C4-86AB-C5F8609888C3}">
-      <dsp:nvSpPr>
-        <dsp:cNvPr id="0" name=""/>
-        <dsp:cNvSpPr/>
-      </dsp:nvSpPr>
-      <dsp:spPr>
-        <a:xfrm>
-          <a:off x="290227" y="2155310"/>
-          <a:ext cx="2611933" cy="1658577"/>
-        </a:xfrm>
-        <a:prstGeom prst="roundRect">
-          <a:avLst>
-            <a:gd name="adj" fmla="val 10000"/>
-          </a:avLst>
-        </a:prstGeom>
-        <a:solidFill>
-          <a:schemeClr val="lt1">
-            <a:alpha val="90000"/>
-            <a:hueOff val="0"/>
-            <a:satOff val="0"/>
-            <a:lumOff val="0"/>
-            <a:alphaOff val="0"/>
-          </a:schemeClr>
-        </a:solidFill>
-        <a:ln w="9525" cap="flat" cmpd="sng" algn="ctr">
-          <a:solidFill>
-            <a:schemeClr val="accent1">
-              <a:hueOff val="0"/>
-              <a:satOff val="0"/>
-              <a:lumOff val="0"/>
-              <a:alphaOff val="0"/>
-            </a:schemeClr>
-          </a:solidFill>
-          <a:prstDash val="solid"/>
-        </a:ln>
-        <a:effectLst/>
-        <a:scene3d>
-          <a:camera prst="orthographicFront"/>
-          <a:lightRig rig="chilly" dir="t"/>
-        </a:scene3d>
-        <a:sp3d z="12700" extrusionH="1700" prstMaterial="dkEdge">
-          <a:bevelT w="25400" h="6350" prst="softRound"/>
-          <a:bevelB w="0" h="0" prst="convex"/>
-        </a:sp3d>
-      </dsp:spPr>
-      <dsp:style>
-        <a:lnRef idx="1">
-          <a:scrgbClr r="0" g="0" b="0"/>
-        </a:lnRef>
-        <a:fillRef idx="1">
-          <a:scrgbClr r="0" g="0" b="0"/>
-        </a:fillRef>
-        <a:effectRef idx="0">
-          <a:scrgbClr r="0" g="0" b="0"/>
-        </a:effectRef>
-        <a:fontRef idx="minor"/>
-      </dsp:style>
-      <dsp:txBody>
-        <a:bodyPr spcFirstLastPara="0" vert="horz" wrap="square" lIns="60960" tIns="60960" rIns="60960" bIns="60960" numCol="1" spcCol="1270" anchor="ctr" anchorCtr="0">
-          <a:noAutofit/>
-        </a:bodyPr>
-        <a:lstStyle/>
-        <a:p>
-          <a:pPr lvl="0" algn="ctr" defTabSz="711200">
-            <a:lnSpc>
-              <a:spcPct val="90000"/>
-            </a:lnSpc>
-            <a:spcBef>
-              <a:spcPct val="0"/>
-            </a:spcBef>
-            <a:spcAft>
-              <a:spcPct val="35000"/>
-            </a:spcAft>
-          </a:pPr>
-          <a:r>
-            <a:rPr lang="en-US" sz="1600" b="1" kern="1200" dirty="0" smtClean="0"/>
-            <a:t>Physical Resources</a:t>
-          </a:r>
-        </a:p>
-        <a:p>
-          <a:pPr lvl="0" algn="ctr" defTabSz="711200">
-            <a:lnSpc>
-              <a:spcPct val="90000"/>
-            </a:lnSpc>
-            <a:spcBef>
-              <a:spcPct val="0"/>
-            </a:spcBef>
-            <a:spcAft>
-              <a:spcPct val="35000"/>
-            </a:spcAft>
-          </a:pPr>
-          <a:r>
-            <a:rPr lang="en-US" sz="900" kern="1200" dirty="0" smtClean="0"/>
-            <a:t>- resources which can be shared with some dependence on their location </a:t>
-          </a:r>
-        </a:p>
-        <a:p>
-          <a:pPr lvl="0" algn="l" defTabSz="711200">
-            <a:lnSpc>
-              <a:spcPct val="90000"/>
-            </a:lnSpc>
-            <a:spcBef>
-              <a:spcPct val="0"/>
-            </a:spcBef>
-            <a:spcAft>
-              <a:spcPct val="35000"/>
-            </a:spcAft>
-          </a:pPr>
-          <a:endParaRPr lang="en-US" sz="900" kern="1200" dirty="0" smtClean="0"/>
-        </a:p>
-        <a:p>
-          <a:pPr lvl="0" algn="l" defTabSz="711200">
-            <a:lnSpc>
-              <a:spcPct val="90000"/>
-            </a:lnSpc>
-            <a:spcBef>
-              <a:spcPct val="0"/>
-            </a:spcBef>
-            <a:spcAft>
-              <a:spcPct val="35000"/>
-            </a:spcAft>
-          </a:pPr>
-          <a:r>
-            <a:rPr lang="en-US" sz="900" kern="1200" dirty="0" smtClean="0"/>
-            <a:t>Computation power</a:t>
-          </a:r>
-        </a:p>
-        <a:p>
-          <a:pPr lvl="0" algn="l" defTabSz="711200">
-            <a:lnSpc>
-              <a:spcPct val="90000"/>
-            </a:lnSpc>
-            <a:spcBef>
-              <a:spcPct val="0"/>
-            </a:spcBef>
-            <a:spcAft>
-              <a:spcPct val="35000"/>
-            </a:spcAft>
-          </a:pPr>
-          <a:r>
-            <a:rPr lang="en-US" sz="900" kern="1200" dirty="0" smtClean="0"/>
-            <a:t>Storage devices</a:t>
-          </a:r>
-        </a:p>
-        <a:p>
-          <a:pPr lvl="0" algn="l" defTabSz="711200">
-            <a:lnSpc>
-              <a:spcPct val="90000"/>
-            </a:lnSpc>
-            <a:spcBef>
-              <a:spcPct val="0"/>
-            </a:spcBef>
-            <a:spcAft>
-              <a:spcPct val="35000"/>
-            </a:spcAft>
-          </a:pPr>
-          <a:r>
-            <a:rPr lang="en-US" sz="900" kern="1200" dirty="0" smtClean="0"/>
-            <a:t>Communication capacity</a:t>
-          </a:r>
-        </a:p>
-        <a:p>
-          <a:pPr lvl="0" algn="ctr" defTabSz="711200">
-            <a:lnSpc>
-              <a:spcPct val="90000"/>
-            </a:lnSpc>
-            <a:spcBef>
-              <a:spcPct val="0"/>
-            </a:spcBef>
-            <a:spcAft>
-              <a:spcPct val="35000"/>
-            </a:spcAft>
-          </a:pPr>
-          <a:endParaRPr lang="en-US" sz="900" kern="1200" dirty="0"/>
-        </a:p>
-      </dsp:txBody>
-      <dsp:txXfrm>
-        <a:off x="338805" y="2203888"/>
-        <a:ext cx="2514777" cy="1561421"/>
-      </dsp:txXfrm>
-    </dsp:sp>
-    <dsp:sp modelId="{54ED80A4-9519-416E-8692-A675E58D6A01}">
-      <dsp:nvSpPr>
-        <dsp:cNvPr id="0" name=""/>
-        <dsp:cNvSpPr/>
-      </dsp:nvSpPr>
-      <dsp:spPr>
-        <a:xfrm>
-          <a:off x="3193851" y="1879606"/>
-          <a:ext cx="2611933" cy="1658577"/>
-        </a:xfrm>
-        <a:prstGeom prst="roundRect">
-          <a:avLst>
-            <a:gd name="adj" fmla="val 10000"/>
-          </a:avLst>
-        </a:prstGeom>
-        <a:solidFill>
-          <a:schemeClr val="accent1">
-            <a:hueOff val="0"/>
-            <a:satOff val="0"/>
-            <a:lumOff val="0"/>
-            <a:alphaOff val="0"/>
-          </a:schemeClr>
-        </a:solidFill>
-        <a:ln>
-          <a:noFill/>
-        </a:ln>
-        <a:effectLst/>
-        <a:scene3d>
-          <a:camera prst="orthographicFront"/>
-          <a:lightRig rig="chilly" dir="t"/>
-        </a:scene3d>
-        <a:sp3d prstMaterial="translucentPowder">
-          <a:bevelT w="127000" h="25400" prst="softRound"/>
-        </a:sp3d>
-      </dsp:spPr>
-      <dsp:style>
-        <a:lnRef idx="0">
-          <a:scrgbClr r="0" g="0" b="0"/>
-        </a:lnRef>
-        <a:fillRef idx="1">
-          <a:scrgbClr r="0" g="0" b="0"/>
-        </a:fillRef>
-        <a:effectRef idx="0">
-          <a:scrgbClr r="0" g="0" b="0"/>
-        </a:effectRef>
-        <a:fontRef idx="minor">
-          <a:schemeClr val="lt1"/>
-        </a:fontRef>
-      </dsp:style>
-    </dsp:sp>
-    <dsp:sp modelId="{62F573A8-C98B-4300-903C-ACC41DE49811}">
-      <dsp:nvSpPr>
-        <dsp:cNvPr id="0" name=""/>
-        <dsp:cNvSpPr/>
-      </dsp:nvSpPr>
-      <dsp:spPr>
-        <a:xfrm>
-          <a:off x="3484066" y="2155310"/>
-          <a:ext cx="2611933" cy="1658577"/>
-        </a:xfrm>
-        <a:prstGeom prst="roundRect">
-          <a:avLst>
-            <a:gd name="adj" fmla="val 10000"/>
-          </a:avLst>
-        </a:prstGeom>
-        <a:solidFill>
-          <a:schemeClr val="lt1">
-            <a:alpha val="90000"/>
-            <a:hueOff val="0"/>
-            <a:satOff val="0"/>
-            <a:lumOff val="0"/>
-            <a:alphaOff val="0"/>
-          </a:schemeClr>
-        </a:solidFill>
-        <a:ln w="9525" cap="flat" cmpd="sng" algn="ctr">
-          <a:solidFill>
-            <a:schemeClr val="accent1">
-              <a:hueOff val="0"/>
-              <a:satOff val="0"/>
-              <a:lumOff val="0"/>
-              <a:alphaOff val="0"/>
-            </a:schemeClr>
-          </a:solidFill>
-          <a:prstDash val="solid"/>
-        </a:ln>
-        <a:effectLst/>
-        <a:scene3d>
-          <a:camera prst="orthographicFront"/>
-          <a:lightRig rig="chilly" dir="t"/>
-        </a:scene3d>
-        <a:sp3d z="12700" extrusionH="1700" prstMaterial="dkEdge">
-          <a:bevelT w="25400" h="6350" prst="softRound"/>
-          <a:bevelB w="0" h="0" prst="convex"/>
-        </a:sp3d>
-      </dsp:spPr>
-      <dsp:style>
-        <a:lnRef idx="1">
-          <a:scrgbClr r="0" g="0" b="0"/>
-        </a:lnRef>
-        <a:fillRef idx="1">
-          <a:scrgbClr r="0" g="0" b="0"/>
-        </a:fillRef>
-        <a:effectRef idx="0">
-          <a:scrgbClr r="0" g="0" b="0"/>
-        </a:effectRef>
-        <a:fontRef idx="minor"/>
-      </dsp:style>
-      <dsp:txBody>
-        <a:bodyPr spcFirstLastPara="0" vert="horz" wrap="square" lIns="60960" tIns="60960" rIns="60960" bIns="60960" numCol="1" spcCol="1270" anchor="ctr" anchorCtr="0">
-          <a:noAutofit/>
-        </a:bodyPr>
-        <a:lstStyle/>
-        <a:p>
-          <a:pPr lvl="0" algn="ctr" defTabSz="711200">
-            <a:lnSpc>
-              <a:spcPct val="90000"/>
-            </a:lnSpc>
-            <a:spcBef>
-              <a:spcPct val="0"/>
-            </a:spcBef>
-            <a:spcAft>
-              <a:spcPct val="35000"/>
-            </a:spcAft>
-          </a:pPr>
-          <a:r>
-            <a:rPr lang="en-US" sz="1600" b="1" kern="1200" dirty="0" smtClean="0"/>
-            <a:t>Virtual Resources</a:t>
-          </a:r>
-        </a:p>
-        <a:p>
-          <a:pPr lvl="0" algn="ctr" defTabSz="711200">
-            <a:lnSpc>
-              <a:spcPct val="90000"/>
-            </a:lnSpc>
-            <a:spcBef>
-              <a:spcPct val="0"/>
-            </a:spcBef>
-            <a:spcAft>
-              <a:spcPct val="35000"/>
-            </a:spcAft>
-          </a:pPr>
-          <a:r>
-            <a:rPr lang="en-US" sz="900" kern="1200" dirty="0" smtClean="0"/>
-            <a:t>-resources which can be shared independent of their physical location</a:t>
-          </a:r>
-        </a:p>
-        <a:p>
-          <a:pPr lvl="0" algn="ctr" defTabSz="711200">
-            <a:lnSpc>
-              <a:spcPct val="90000"/>
-            </a:lnSpc>
-            <a:spcBef>
-              <a:spcPct val="0"/>
-            </a:spcBef>
-            <a:spcAft>
-              <a:spcPct val="35000"/>
-            </a:spcAft>
-          </a:pPr>
-          <a:r>
-            <a:rPr lang="en-US" sz="900" kern="1200" dirty="0" smtClean="0"/>
-            <a:t> </a:t>
-          </a:r>
-        </a:p>
-        <a:p>
-          <a:pPr lvl="0" algn="l" defTabSz="711200">
-            <a:lnSpc>
-              <a:spcPct val="90000"/>
-            </a:lnSpc>
-            <a:spcBef>
-              <a:spcPct val="0"/>
-            </a:spcBef>
-            <a:spcAft>
-              <a:spcPct val="35000"/>
-            </a:spcAft>
-          </a:pPr>
-          <a:r>
-            <a:rPr lang="en-US" sz="900" kern="1200" dirty="0" smtClean="0"/>
-            <a:t>Operating systems</a:t>
-          </a:r>
-        </a:p>
-        <a:p>
-          <a:pPr lvl="0" algn="l" defTabSz="711200">
-            <a:lnSpc>
-              <a:spcPct val="90000"/>
-            </a:lnSpc>
-            <a:spcBef>
-              <a:spcPct val="0"/>
-            </a:spcBef>
-            <a:spcAft>
-              <a:spcPct val="35000"/>
-            </a:spcAft>
-          </a:pPr>
-          <a:r>
-            <a:rPr lang="en-US" sz="900" kern="1200" dirty="0" smtClean="0"/>
-            <a:t>Software and licenses</a:t>
-          </a:r>
-        </a:p>
-        <a:p>
-          <a:pPr lvl="0" algn="l" defTabSz="711200">
-            <a:lnSpc>
-              <a:spcPct val="90000"/>
-            </a:lnSpc>
-            <a:spcBef>
-              <a:spcPct val="0"/>
-            </a:spcBef>
-            <a:spcAft>
-              <a:spcPct val="35000"/>
-            </a:spcAft>
-          </a:pPr>
-          <a:r>
-            <a:rPr lang="en-US" sz="900" kern="1200" dirty="0" smtClean="0"/>
-            <a:t>Tasks and applications </a:t>
-          </a:r>
-        </a:p>
-        <a:p>
-          <a:pPr lvl="0" algn="l" defTabSz="711200">
-            <a:lnSpc>
-              <a:spcPct val="90000"/>
-            </a:lnSpc>
-            <a:spcBef>
-              <a:spcPct val="0"/>
-            </a:spcBef>
-            <a:spcAft>
-              <a:spcPct val="35000"/>
-            </a:spcAft>
-          </a:pPr>
-          <a:r>
-            <a:rPr lang="en-US" sz="900" kern="1200" dirty="0" smtClean="0"/>
-            <a:t>Services</a:t>
-          </a:r>
-          <a:endParaRPr lang="en-US" sz="900" kern="1200" dirty="0"/>
-        </a:p>
-      </dsp:txBody>
-      <dsp:txXfrm>
-        <a:off x="3532644" y="2203888"/>
-        <a:ext cx="2514777" cy="1561421"/>
-      </dsp:txXfrm>
-    </dsp:sp>
   </dsp:spTree>
 </dsp:drawing>
 </file>
@@ -9758,1338 +7840,6 @@
       <dsp:cNvGrpSpPr/>
     </dsp:nvGrpSpPr>
     <dsp:grpSpPr/>
-    <dsp:sp modelId="{C15F7BDE-BE17-440A-AFDC-26911405FC39}">
-      <dsp:nvSpPr>
-        <dsp:cNvPr id="0" name=""/>
-        <dsp:cNvSpPr/>
-      </dsp:nvSpPr>
-      <dsp:spPr>
-        <a:xfrm>
-          <a:off x="2977157" y="1188977"/>
-          <a:ext cx="2337792" cy="370858"/>
-        </a:xfrm>
-        <a:custGeom>
-          <a:avLst/>
-          <a:gdLst/>
-          <a:ahLst/>
-          <a:cxnLst/>
-          <a:rect l="0" t="0" r="0" b="0"/>
-          <a:pathLst>
-            <a:path>
-              <a:moveTo>
-                <a:pt x="0" y="0"/>
-              </a:moveTo>
-              <a:lnTo>
-                <a:pt x="0" y="252729"/>
-              </a:lnTo>
-              <a:lnTo>
-                <a:pt x="2337792" y="252729"/>
-              </a:lnTo>
-              <a:lnTo>
-                <a:pt x="2337792" y="370858"/>
-              </a:lnTo>
-            </a:path>
-          </a:pathLst>
-        </a:custGeom>
-        <a:noFill/>
-        <a:ln w="25400" cap="flat" cmpd="sng" algn="ctr">
-          <a:solidFill>
-            <a:schemeClr val="accent1">
-              <a:shade val="60000"/>
-              <a:hueOff val="0"/>
-              <a:satOff val="0"/>
-              <a:lumOff val="0"/>
-              <a:alphaOff val="0"/>
-            </a:schemeClr>
-          </a:solidFill>
-          <a:prstDash val="solid"/>
-        </a:ln>
-        <a:effectLst/>
-        <a:sp3d z="-40000" prstMaterial="matte"/>
-      </dsp:spPr>
-      <dsp:style>
-        <a:lnRef idx="2">
-          <a:scrgbClr r="0" g="0" b="0"/>
-        </a:lnRef>
-        <a:fillRef idx="0">
-          <a:scrgbClr r="0" g="0" b="0"/>
-        </a:fillRef>
-        <a:effectRef idx="0">
-          <a:scrgbClr r="0" g="0" b="0"/>
-        </a:effectRef>
-        <a:fontRef idx="minor"/>
-      </dsp:style>
-    </dsp:sp>
-    <dsp:sp modelId="{85343B2D-6766-4596-A7C0-7ED78437CB26}">
-      <dsp:nvSpPr>
-        <dsp:cNvPr id="0" name=""/>
-        <dsp:cNvSpPr/>
-      </dsp:nvSpPr>
-      <dsp:spPr>
-        <a:xfrm>
-          <a:off x="3756421" y="2369563"/>
-          <a:ext cx="779264" cy="370858"/>
-        </a:xfrm>
-        <a:custGeom>
-          <a:avLst/>
-          <a:gdLst/>
-          <a:ahLst/>
-          <a:cxnLst/>
-          <a:rect l="0" t="0" r="0" b="0"/>
-          <a:pathLst>
-            <a:path>
-              <a:moveTo>
-                <a:pt x="0" y="0"/>
-              </a:moveTo>
-              <a:lnTo>
-                <a:pt x="0" y="252729"/>
-              </a:lnTo>
-              <a:lnTo>
-                <a:pt x="779264" y="252729"/>
-              </a:lnTo>
-              <a:lnTo>
-                <a:pt x="779264" y="370858"/>
-              </a:lnTo>
-            </a:path>
-          </a:pathLst>
-        </a:custGeom>
-        <a:noFill/>
-        <a:ln w="25400" cap="flat" cmpd="sng" algn="ctr">
-          <a:solidFill>
-            <a:schemeClr val="accent1">
-              <a:shade val="80000"/>
-              <a:hueOff val="0"/>
-              <a:satOff val="0"/>
-              <a:lumOff val="0"/>
-              <a:alphaOff val="0"/>
-            </a:schemeClr>
-          </a:solidFill>
-          <a:prstDash val="solid"/>
-        </a:ln>
-        <a:effectLst/>
-        <a:scene3d>
-          <a:camera prst="orthographicFront"/>
-          <a:lightRig rig="chilly" dir="t"/>
-        </a:scene3d>
-        <a:sp3d z="-40000" prstMaterial="matte"/>
-      </dsp:spPr>
-      <dsp:style>
-        <a:lnRef idx="2">
-          <a:scrgbClr r="0" g="0" b="0"/>
-        </a:lnRef>
-        <a:fillRef idx="0">
-          <a:scrgbClr r="0" g="0" b="0"/>
-        </a:fillRef>
-        <a:effectRef idx="0">
-          <a:scrgbClr r="0" g="0" b="0"/>
-        </a:effectRef>
-        <a:fontRef idx="minor"/>
-      </dsp:style>
-    </dsp:sp>
-    <dsp:sp modelId="{1FDAFF91-CC20-4CEC-A22C-6CFA1AF43D26}">
-      <dsp:nvSpPr>
-        <dsp:cNvPr id="0" name=""/>
-        <dsp:cNvSpPr/>
-      </dsp:nvSpPr>
-      <dsp:spPr>
-        <a:xfrm>
-          <a:off x="2977157" y="2369563"/>
-          <a:ext cx="779264" cy="370858"/>
-        </a:xfrm>
-        <a:custGeom>
-          <a:avLst/>
-          <a:gdLst/>
-          <a:ahLst/>
-          <a:cxnLst/>
-          <a:rect l="0" t="0" r="0" b="0"/>
-          <a:pathLst>
-            <a:path>
-              <a:moveTo>
-                <a:pt x="779264" y="0"/>
-              </a:moveTo>
-              <a:lnTo>
-                <a:pt x="779264" y="252729"/>
-              </a:lnTo>
-              <a:lnTo>
-                <a:pt x="0" y="252729"/>
-              </a:lnTo>
-              <a:lnTo>
-                <a:pt x="0" y="370858"/>
-              </a:lnTo>
-            </a:path>
-          </a:pathLst>
-        </a:custGeom>
-        <a:noFill/>
-        <a:ln w="25400" cap="flat" cmpd="sng" algn="ctr">
-          <a:solidFill>
-            <a:schemeClr val="accent1">
-              <a:shade val="80000"/>
-              <a:hueOff val="0"/>
-              <a:satOff val="0"/>
-              <a:lumOff val="0"/>
-              <a:alphaOff val="0"/>
-            </a:schemeClr>
-          </a:solidFill>
-          <a:prstDash val="solid"/>
-        </a:ln>
-        <a:effectLst/>
-        <a:scene3d>
-          <a:camera prst="orthographicFront"/>
-          <a:lightRig rig="chilly" dir="t"/>
-        </a:scene3d>
-        <a:sp3d z="-40000" prstMaterial="matte"/>
-      </dsp:spPr>
-      <dsp:style>
-        <a:lnRef idx="2">
-          <a:scrgbClr r="0" g="0" b="0"/>
-        </a:lnRef>
-        <a:fillRef idx="0">
-          <a:scrgbClr r="0" g="0" b="0"/>
-        </a:fillRef>
-        <a:effectRef idx="0">
-          <a:scrgbClr r="0" g="0" b="0"/>
-        </a:effectRef>
-        <a:fontRef idx="minor"/>
-      </dsp:style>
-    </dsp:sp>
-    <dsp:sp modelId="{ECDC51A7-6312-4B5B-9113-87639623B933}">
-      <dsp:nvSpPr>
-        <dsp:cNvPr id="0" name=""/>
-        <dsp:cNvSpPr/>
-      </dsp:nvSpPr>
-      <dsp:spPr>
-        <a:xfrm>
-          <a:off x="2977157" y="1188977"/>
-          <a:ext cx="779264" cy="370858"/>
-        </a:xfrm>
-        <a:custGeom>
-          <a:avLst/>
-          <a:gdLst/>
-          <a:ahLst/>
-          <a:cxnLst/>
-          <a:rect l="0" t="0" r="0" b="0"/>
-          <a:pathLst>
-            <a:path>
-              <a:moveTo>
-                <a:pt x="0" y="0"/>
-              </a:moveTo>
-              <a:lnTo>
-                <a:pt x="0" y="252729"/>
-              </a:lnTo>
-              <a:lnTo>
-                <a:pt x="779264" y="252729"/>
-              </a:lnTo>
-              <a:lnTo>
-                <a:pt x="779264" y="370858"/>
-              </a:lnTo>
-            </a:path>
-          </a:pathLst>
-        </a:custGeom>
-        <a:noFill/>
-        <a:ln w="25400" cap="flat" cmpd="sng" algn="ctr">
-          <a:solidFill>
-            <a:schemeClr val="accent1">
-              <a:shade val="60000"/>
-              <a:hueOff val="0"/>
-              <a:satOff val="0"/>
-              <a:lumOff val="0"/>
-              <a:alphaOff val="0"/>
-            </a:schemeClr>
-          </a:solidFill>
-          <a:prstDash val="solid"/>
-        </a:ln>
-        <a:effectLst/>
-        <a:sp3d z="-40000" prstMaterial="matte"/>
-      </dsp:spPr>
-      <dsp:style>
-        <a:lnRef idx="2">
-          <a:scrgbClr r="0" g="0" b="0"/>
-        </a:lnRef>
-        <a:fillRef idx="0">
-          <a:scrgbClr r="0" g="0" b="0"/>
-        </a:fillRef>
-        <a:effectRef idx="0">
-          <a:scrgbClr r="0" g="0" b="0"/>
-        </a:effectRef>
-        <a:fontRef idx="minor"/>
-      </dsp:style>
-    </dsp:sp>
-    <dsp:sp modelId="{35FDEEF8-A771-4D6A-821D-5DD0765F4E3F}">
-      <dsp:nvSpPr>
-        <dsp:cNvPr id="0" name=""/>
-        <dsp:cNvSpPr/>
-      </dsp:nvSpPr>
-      <dsp:spPr>
-        <a:xfrm>
-          <a:off x="2197893" y="1188977"/>
-          <a:ext cx="779264" cy="370858"/>
-        </a:xfrm>
-        <a:custGeom>
-          <a:avLst/>
-          <a:gdLst/>
-          <a:ahLst/>
-          <a:cxnLst/>
-          <a:rect l="0" t="0" r="0" b="0"/>
-          <a:pathLst>
-            <a:path>
-              <a:moveTo>
-                <a:pt x="779264" y="0"/>
-              </a:moveTo>
-              <a:lnTo>
-                <a:pt x="779264" y="252729"/>
-              </a:lnTo>
-              <a:lnTo>
-                <a:pt x="0" y="252729"/>
-              </a:lnTo>
-              <a:lnTo>
-                <a:pt x="0" y="370858"/>
-              </a:lnTo>
-            </a:path>
-          </a:pathLst>
-        </a:custGeom>
-        <a:noFill/>
-        <a:ln w="25400" cap="flat" cmpd="sng" algn="ctr">
-          <a:solidFill>
-            <a:schemeClr val="accent1">
-              <a:shade val="60000"/>
-              <a:hueOff val="0"/>
-              <a:satOff val="0"/>
-              <a:lumOff val="0"/>
-              <a:alphaOff val="0"/>
-            </a:schemeClr>
-          </a:solidFill>
-          <a:prstDash val="solid"/>
-        </a:ln>
-        <a:effectLst/>
-        <a:sp3d z="-40000" prstMaterial="matte"/>
-      </dsp:spPr>
-      <dsp:style>
-        <a:lnRef idx="2">
-          <a:scrgbClr r="0" g="0" b="0"/>
-        </a:lnRef>
-        <a:fillRef idx="0">
-          <a:scrgbClr r="0" g="0" b="0"/>
-        </a:fillRef>
-        <a:effectRef idx="0">
-          <a:scrgbClr r="0" g="0" b="0"/>
-        </a:effectRef>
-        <a:fontRef idx="minor"/>
-      </dsp:style>
-    </dsp:sp>
-    <dsp:sp modelId="{2E78A703-B9DD-425D-8C61-5CF4A53FAFA3}">
-      <dsp:nvSpPr>
-        <dsp:cNvPr id="0" name=""/>
-        <dsp:cNvSpPr/>
-      </dsp:nvSpPr>
-      <dsp:spPr>
-        <a:xfrm>
-          <a:off x="639365" y="1188977"/>
-          <a:ext cx="2337792" cy="370858"/>
-        </a:xfrm>
-        <a:custGeom>
-          <a:avLst/>
-          <a:gdLst/>
-          <a:ahLst/>
-          <a:cxnLst/>
-          <a:rect l="0" t="0" r="0" b="0"/>
-          <a:pathLst>
-            <a:path>
-              <a:moveTo>
-                <a:pt x="2337792" y="0"/>
-              </a:moveTo>
-              <a:lnTo>
-                <a:pt x="2337792" y="252729"/>
-              </a:lnTo>
-              <a:lnTo>
-                <a:pt x="0" y="252729"/>
-              </a:lnTo>
-              <a:lnTo>
-                <a:pt x="0" y="370858"/>
-              </a:lnTo>
-            </a:path>
-          </a:pathLst>
-        </a:custGeom>
-        <a:noFill/>
-        <a:ln w="25400" cap="flat" cmpd="sng" algn="ctr">
-          <a:solidFill>
-            <a:schemeClr val="accent1">
-              <a:shade val="60000"/>
-              <a:hueOff val="0"/>
-              <a:satOff val="0"/>
-              <a:lumOff val="0"/>
-              <a:alphaOff val="0"/>
-            </a:schemeClr>
-          </a:solidFill>
-          <a:prstDash val="solid"/>
-        </a:ln>
-        <a:effectLst/>
-        <a:sp3d z="-40000" prstMaterial="matte"/>
-      </dsp:spPr>
-      <dsp:style>
-        <a:lnRef idx="2">
-          <a:scrgbClr r="0" g="0" b="0"/>
-        </a:lnRef>
-        <a:fillRef idx="0">
-          <a:scrgbClr r="0" g="0" b="0"/>
-        </a:fillRef>
-        <a:effectRef idx="0">
-          <a:scrgbClr r="0" g="0" b="0"/>
-        </a:effectRef>
-        <a:fontRef idx="minor"/>
-      </dsp:style>
-    </dsp:sp>
-    <dsp:sp modelId="{BEF97BD1-8EDB-42ED-B248-3EEE60E32564}">
-      <dsp:nvSpPr>
-        <dsp:cNvPr id="0" name=""/>
-        <dsp:cNvSpPr/>
-      </dsp:nvSpPr>
-      <dsp:spPr>
-        <a:xfrm>
-          <a:off x="2339578" y="379251"/>
-          <a:ext cx="1275159" cy="809726"/>
-        </a:xfrm>
-        <a:prstGeom prst="roundRect">
-          <a:avLst>
-            <a:gd name="adj" fmla="val 10000"/>
-          </a:avLst>
-        </a:prstGeom>
-        <a:solidFill>
-          <a:schemeClr val="accent1">
-            <a:hueOff val="0"/>
-            <a:satOff val="0"/>
-            <a:lumOff val="0"/>
-            <a:alphaOff val="0"/>
-          </a:schemeClr>
-        </a:solidFill>
-        <a:ln>
-          <a:noFill/>
-        </a:ln>
-        <a:effectLst/>
-        <a:scene3d>
-          <a:camera prst="orthographicFront"/>
-          <a:lightRig rig="chilly" dir="t"/>
-        </a:scene3d>
-        <a:sp3d prstMaterial="translucentPowder">
-          <a:bevelT w="127000" h="25400" prst="softRound"/>
-        </a:sp3d>
-      </dsp:spPr>
-      <dsp:style>
-        <a:lnRef idx="0">
-          <a:scrgbClr r="0" g="0" b="0"/>
-        </a:lnRef>
-        <a:fillRef idx="1">
-          <a:scrgbClr r="0" g="0" b="0"/>
-        </a:fillRef>
-        <a:effectRef idx="0">
-          <a:scrgbClr r="0" g="0" b="0"/>
-        </a:effectRef>
-        <a:fontRef idx="minor">
-          <a:schemeClr val="lt1"/>
-        </a:fontRef>
-      </dsp:style>
-    </dsp:sp>
-    <dsp:sp modelId="{5573FD94-740A-4861-83F1-29D0DAEBDC74}">
-      <dsp:nvSpPr>
-        <dsp:cNvPr id="0" name=""/>
-        <dsp:cNvSpPr/>
-      </dsp:nvSpPr>
-      <dsp:spPr>
-        <a:xfrm>
-          <a:off x="2481262" y="513851"/>
-          <a:ext cx="1275159" cy="809726"/>
-        </a:xfrm>
-        <a:prstGeom prst="roundRect">
-          <a:avLst>
-            <a:gd name="adj" fmla="val 10000"/>
-          </a:avLst>
-        </a:prstGeom>
-        <a:solidFill>
-          <a:schemeClr val="lt1">
-            <a:alpha val="90000"/>
-            <a:hueOff val="0"/>
-            <a:satOff val="0"/>
-            <a:lumOff val="0"/>
-            <a:alphaOff val="0"/>
-          </a:schemeClr>
-        </a:solidFill>
-        <a:ln w="9525" cap="flat" cmpd="sng" algn="ctr">
-          <a:solidFill>
-            <a:schemeClr val="accent1">
-              <a:hueOff val="0"/>
-              <a:satOff val="0"/>
-              <a:lumOff val="0"/>
-              <a:alphaOff val="0"/>
-            </a:schemeClr>
-          </a:solidFill>
-          <a:prstDash val="solid"/>
-        </a:ln>
-        <a:effectLst/>
-        <a:scene3d>
-          <a:camera prst="orthographicFront"/>
-          <a:lightRig rig="chilly" dir="t"/>
-        </a:scene3d>
-        <a:sp3d z="12700" extrusionH="1700" prstMaterial="dkEdge">
-          <a:bevelT w="25400" h="6350" prst="softRound"/>
-          <a:bevelB w="0" h="0" prst="convex"/>
-        </a:sp3d>
-      </dsp:spPr>
-      <dsp:style>
-        <a:lnRef idx="1">
-          <a:scrgbClr r="0" g="0" b="0"/>
-        </a:lnRef>
-        <a:fillRef idx="1">
-          <a:scrgbClr r="0" g="0" b="0"/>
-        </a:fillRef>
-        <a:effectRef idx="0">
-          <a:scrgbClr r="0" g="0" b="0"/>
-        </a:effectRef>
-        <a:fontRef idx="minor"/>
-      </dsp:style>
-      <dsp:txBody>
-        <a:bodyPr spcFirstLastPara="0" vert="horz" wrap="square" lIns="60960" tIns="60960" rIns="60960" bIns="60960" numCol="1" spcCol="1270" anchor="ctr" anchorCtr="0">
-          <a:noAutofit/>
-        </a:bodyPr>
-        <a:lstStyle/>
-        <a:p>
-          <a:pPr lvl="0" algn="ctr" defTabSz="711200">
-            <a:lnSpc>
-              <a:spcPct val="90000"/>
-            </a:lnSpc>
-            <a:spcBef>
-              <a:spcPct val="0"/>
-            </a:spcBef>
-            <a:spcAft>
-              <a:spcPct val="35000"/>
-            </a:spcAft>
-          </a:pPr>
-          <a:r>
-            <a:rPr lang="en-US" sz="1600" kern="1200" dirty="0" smtClean="0"/>
-            <a:t>Distributed computing</a:t>
-          </a:r>
-          <a:endParaRPr lang="en-US" sz="1600" kern="1200" dirty="0"/>
-        </a:p>
-      </dsp:txBody>
-      <dsp:txXfrm>
-        <a:off x="2504978" y="537567"/>
-        <a:ext cx="1227727" cy="762294"/>
-      </dsp:txXfrm>
-    </dsp:sp>
-    <dsp:sp modelId="{69A55FC9-07D5-493D-8766-75E430406216}">
-      <dsp:nvSpPr>
-        <dsp:cNvPr id="0" name=""/>
-        <dsp:cNvSpPr/>
-      </dsp:nvSpPr>
-      <dsp:spPr>
-        <a:xfrm>
-          <a:off x="1785" y="1559836"/>
-          <a:ext cx="1275159" cy="809726"/>
-        </a:xfrm>
-        <a:prstGeom prst="roundRect">
-          <a:avLst>
-            <a:gd name="adj" fmla="val 10000"/>
-          </a:avLst>
-        </a:prstGeom>
-        <a:solidFill>
-          <a:schemeClr val="accent1">
-            <a:hueOff val="0"/>
-            <a:satOff val="0"/>
-            <a:lumOff val="0"/>
-            <a:alphaOff val="0"/>
-          </a:schemeClr>
-        </a:solidFill>
-        <a:ln>
-          <a:noFill/>
-        </a:ln>
-        <a:effectLst/>
-        <a:scene3d>
-          <a:camera prst="orthographicFront"/>
-          <a:lightRig rig="chilly" dir="t"/>
-        </a:scene3d>
-        <a:sp3d prstMaterial="translucentPowder">
-          <a:bevelT w="127000" h="25400" prst="softRound"/>
-        </a:sp3d>
-      </dsp:spPr>
-      <dsp:style>
-        <a:lnRef idx="0">
-          <a:scrgbClr r="0" g="0" b="0"/>
-        </a:lnRef>
-        <a:fillRef idx="1">
-          <a:scrgbClr r="0" g="0" b="0"/>
-        </a:fillRef>
-        <a:effectRef idx="0">
-          <a:scrgbClr r="0" g="0" b="0"/>
-        </a:effectRef>
-        <a:fontRef idx="minor">
-          <a:schemeClr val="lt1"/>
-        </a:fontRef>
-      </dsp:style>
-    </dsp:sp>
-    <dsp:sp modelId="{B20123EC-DD70-4002-B34F-72383B5AD1D0}">
-      <dsp:nvSpPr>
-        <dsp:cNvPr id="0" name=""/>
-        <dsp:cNvSpPr/>
-      </dsp:nvSpPr>
-      <dsp:spPr>
-        <a:xfrm>
-          <a:off x="143470" y="1694436"/>
-          <a:ext cx="1275159" cy="809726"/>
-        </a:xfrm>
-        <a:prstGeom prst="roundRect">
-          <a:avLst>
-            <a:gd name="adj" fmla="val 10000"/>
-          </a:avLst>
-        </a:prstGeom>
-        <a:solidFill>
-          <a:schemeClr val="lt1">
-            <a:alpha val="90000"/>
-            <a:hueOff val="0"/>
-            <a:satOff val="0"/>
-            <a:lumOff val="0"/>
-            <a:alphaOff val="0"/>
-          </a:schemeClr>
-        </a:solidFill>
-        <a:ln w="9525" cap="flat" cmpd="sng" algn="ctr">
-          <a:solidFill>
-            <a:schemeClr val="accent1">
-              <a:hueOff val="0"/>
-              <a:satOff val="0"/>
-              <a:lumOff val="0"/>
-              <a:alphaOff val="0"/>
-            </a:schemeClr>
-          </a:solidFill>
-          <a:prstDash val="solid"/>
-        </a:ln>
-        <a:effectLst/>
-        <a:scene3d>
-          <a:camera prst="orthographicFront"/>
-          <a:lightRig rig="chilly" dir="t"/>
-        </a:scene3d>
-        <a:sp3d z="12700" extrusionH="1700" prstMaterial="dkEdge">
-          <a:bevelT w="25400" h="6350" prst="softRound"/>
-          <a:bevelB w="0" h="0" prst="convex"/>
-        </a:sp3d>
-      </dsp:spPr>
-      <dsp:style>
-        <a:lnRef idx="1">
-          <a:scrgbClr r="0" g="0" b="0"/>
-        </a:lnRef>
-        <a:fillRef idx="1">
-          <a:scrgbClr r="0" g="0" b="0"/>
-        </a:fillRef>
-        <a:effectRef idx="0">
-          <a:scrgbClr r="0" g="0" b="0"/>
-        </a:effectRef>
-        <a:fontRef idx="minor"/>
-      </dsp:style>
-      <dsp:txBody>
-        <a:bodyPr spcFirstLastPara="0" vert="horz" wrap="square" lIns="60960" tIns="60960" rIns="60960" bIns="60960" numCol="1" spcCol="1270" anchor="ctr" anchorCtr="0">
-          <a:noAutofit/>
-        </a:bodyPr>
-        <a:lstStyle/>
-        <a:p>
-          <a:pPr lvl="0" algn="ctr" defTabSz="711200">
-            <a:lnSpc>
-              <a:spcPct val="90000"/>
-            </a:lnSpc>
-            <a:spcBef>
-              <a:spcPct val="0"/>
-            </a:spcBef>
-            <a:spcAft>
-              <a:spcPct val="35000"/>
-            </a:spcAft>
-          </a:pPr>
-          <a:r>
-            <a:rPr lang="en-US" sz="1600" kern="1200" dirty="0" smtClean="0"/>
-            <a:t>Peer-to-Peer computing </a:t>
-          </a:r>
-          <a:endParaRPr lang="en-US" sz="1600" kern="1200" dirty="0"/>
-        </a:p>
-      </dsp:txBody>
-      <dsp:txXfrm>
-        <a:off x="167186" y="1718152"/>
-        <a:ext cx="1227727" cy="762294"/>
-      </dsp:txXfrm>
-    </dsp:sp>
-    <dsp:sp modelId="{2DE0B614-F651-432D-93FC-82F30F1B3E94}">
-      <dsp:nvSpPr>
-        <dsp:cNvPr id="0" name=""/>
-        <dsp:cNvSpPr/>
-      </dsp:nvSpPr>
-      <dsp:spPr>
-        <a:xfrm>
-          <a:off x="1560314" y="1559836"/>
-          <a:ext cx="1275159" cy="809726"/>
-        </a:xfrm>
-        <a:prstGeom prst="roundRect">
-          <a:avLst>
-            <a:gd name="adj" fmla="val 10000"/>
-          </a:avLst>
-        </a:prstGeom>
-        <a:solidFill>
-          <a:schemeClr val="accent1">
-            <a:hueOff val="0"/>
-            <a:satOff val="0"/>
-            <a:lumOff val="0"/>
-            <a:alphaOff val="0"/>
-          </a:schemeClr>
-        </a:solidFill>
-        <a:ln>
-          <a:noFill/>
-        </a:ln>
-        <a:effectLst/>
-        <a:scene3d>
-          <a:camera prst="orthographicFront"/>
-          <a:lightRig rig="chilly" dir="t"/>
-        </a:scene3d>
-        <a:sp3d prstMaterial="translucentPowder">
-          <a:bevelT w="127000" h="25400" prst="softRound"/>
-        </a:sp3d>
-      </dsp:spPr>
-      <dsp:style>
-        <a:lnRef idx="0">
-          <a:scrgbClr r="0" g="0" b="0"/>
-        </a:lnRef>
-        <a:fillRef idx="1">
-          <a:scrgbClr r="0" g="0" b="0"/>
-        </a:fillRef>
-        <a:effectRef idx="0">
-          <a:scrgbClr r="0" g="0" b="0"/>
-        </a:effectRef>
-        <a:fontRef idx="minor">
-          <a:schemeClr val="lt1"/>
-        </a:fontRef>
-      </dsp:style>
-    </dsp:sp>
-    <dsp:sp modelId="{E8E6B3F1-996D-4405-A520-CB4BB672E79C}">
-      <dsp:nvSpPr>
-        <dsp:cNvPr id="0" name=""/>
-        <dsp:cNvSpPr/>
-      </dsp:nvSpPr>
-      <dsp:spPr>
-        <a:xfrm>
-          <a:off x="1701998" y="1694436"/>
-          <a:ext cx="1275159" cy="809726"/>
-        </a:xfrm>
-        <a:prstGeom prst="roundRect">
-          <a:avLst>
-            <a:gd name="adj" fmla="val 10000"/>
-          </a:avLst>
-        </a:prstGeom>
-        <a:solidFill>
-          <a:schemeClr val="lt1">
-            <a:alpha val="90000"/>
-            <a:hueOff val="0"/>
-            <a:satOff val="0"/>
-            <a:lumOff val="0"/>
-            <a:alphaOff val="0"/>
-          </a:schemeClr>
-        </a:solidFill>
-        <a:ln w="9525" cap="flat" cmpd="sng" algn="ctr">
-          <a:solidFill>
-            <a:schemeClr val="accent1">
-              <a:hueOff val="0"/>
-              <a:satOff val="0"/>
-              <a:lumOff val="0"/>
-              <a:alphaOff val="0"/>
-            </a:schemeClr>
-          </a:solidFill>
-          <a:prstDash val="solid"/>
-        </a:ln>
-        <a:effectLst/>
-        <a:scene3d>
-          <a:camera prst="orthographicFront"/>
-          <a:lightRig rig="chilly" dir="t"/>
-        </a:scene3d>
-        <a:sp3d z="12700" extrusionH="1700" prstMaterial="dkEdge">
-          <a:bevelT w="25400" h="6350" prst="softRound"/>
-          <a:bevelB w="0" h="0" prst="convex"/>
-        </a:sp3d>
-      </dsp:spPr>
-      <dsp:style>
-        <a:lnRef idx="1">
-          <a:scrgbClr r="0" g="0" b="0"/>
-        </a:lnRef>
-        <a:fillRef idx="1">
-          <a:scrgbClr r="0" g="0" b="0"/>
-        </a:fillRef>
-        <a:effectRef idx="0">
-          <a:scrgbClr r="0" g="0" b="0"/>
-        </a:effectRef>
-        <a:fontRef idx="minor"/>
-      </dsp:style>
-      <dsp:txBody>
-        <a:bodyPr spcFirstLastPara="0" vert="horz" wrap="square" lIns="60960" tIns="60960" rIns="60960" bIns="60960" numCol="1" spcCol="1270" anchor="ctr" anchorCtr="0">
-          <a:noAutofit/>
-        </a:bodyPr>
-        <a:lstStyle/>
-        <a:p>
-          <a:pPr lvl="0" algn="ctr" defTabSz="711200">
-            <a:lnSpc>
-              <a:spcPct val="90000"/>
-            </a:lnSpc>
-            <a:spcBef>
-              <a:spcPct val="0"/>
-            </a:spcBef>
-            <a:spcAft>
-              <a:spcPct val="35000"/>
-            </a:spcAft>
-          </a:pPr>
-          <a:r>
-            <a:rPr lang="en-US" sz="1600" kern="1200" dirty="0" smtClean="0"/>
-            <a:t>Cluster computing </a:t>
-          </a:r>
-          <a:endParaRPr lang="en-US" sz="1600" kern="1200" dirty="0"/>
-        </a:p>
-      </dsp:txBody>
-      <dsp:txXfrm>
-        <a:off x="1725714" y="1718152"/>
-        <a:ext cx="1227727" cy="762294"/>
-      </dsp:txXfrm>
-    </dsp:sp>
-    <dsp:sp modelId="{A484A1D8-D679-4EBD-9ABE-AB9C24280E21}">
-      <dsp:nvSpPr>
-        <dsp:cNvPr id="0" name=""/>
-        <dsp:cNvSpPr/>
-      </dsp:nvSpPr>
-      <dsp:spPr>
-        <a:xfrm>
-          <a:off x="3118842" y="1559836"/>
-          <a:ext cx="1275159" cy="809726"/>
-        </a:xfrm>
-        <a:prstGeom prst="roundRect">
-          <a:avLst>
-            <a:gd name="adj" fmla="val 10000"/>
-          </a:avLst>
-        </a:prstGeom>
-        <a:solidFill>
-          <a:schemeClr val="accent1">
-            <a:hueOff val="0"/>
-            <a:satOff val="0"/>
-            <a:lumOff val="0"/>
-            <a:alphaOff val="0"/>
-          </a:schemeClr>
-        </a:solidFill>
-        <a:ln>
-          <a:noFill/>
-        </a:ln>
-        <a:effectLst/>
-        <a:scene3d>
-          <a:camera prst="orthographicFront"/>
-          <a:lightRig rig="chilly" dir="t"/>
-        </a:scene3d>
-        <a:sp3d prstMaterial="translucentPowder">
-          <a:bevelT w="127000" h="25400" prst="softRound"/>
-        </a:sp3d>
-      </dsp:spPr>
-      <dsp:style>
-        <a:lnRef idx="0">
-          <a:scrgbClr r="0" g="0" b="0"/>
-        </a:lnRef>
-        <a:fillRef idx="1">
-          <a:scrgbClr r="0" g="0" b="0"/>
-        </a:fillRef>
-        <a:effectRef idx="0">
-          <a:scrgbClr r="0" g="0" b="0"/>
-        </a:effectRef>
-        <a:fontRef idx="minor">
-          <a:schemeClr val="lt1"/>
-        </a:fontRef>
-      </dsp:style>
-    </dsp:sp>
-    <dsp:sp modelId="{C62030B6-9838-4D35-81EF-6AE86E8FD0B7}">
-      <dsp:nvSpPr>
-        <dsp:cNvPr id="0" name=""/>
-        <dsp:cNvSpPr/>
-      </dsp:nvSpPr>
-      <dsp:spPr>
-        <a:xfrm>
-          <a:off x="3260526" y="1694436"/>
-          <a:ext cx="1275159" cy="809726"/>
-        </a:xfrm>
-        <a:prstGeom prst="roundRect">
-          <a:avLst>
-            <a:gd name="adj" fmla="val 10000"/>
-          </a:avLst>
-        </a:prstGeom>
-        <a:solidFill>
-          <a:schemeClr val="lt1">
-            <a:alpha val="90000"/>
-            <a:hueOff val="0"/>
-            <a:satOff val="0"/>
-            <a:lumOff val="0"/>
-            <a:alphaOff val="0"/>
-          </a:schemeClr>
-        </a:solidFill>
-        <a:ln w="9525" cap="flat" cmpd="sng" algn="ctr">
-          <a:solidFill>
-            <a:schemeClr val="accent1">
-              <a:hueOff val="0"/>
-              <a:satOff val="0"/>
-              <a:lumOff val="0"/>
-              <a:alphaOff val="0"/>
-            </a:schemeClr>
-          </a:solidFill>
-          <a:prstDash val="solid"/>
-        </a:ln>
-        <a:effectLst/>
-        <a:scene3d>
-          <a:camera prst="orthographicFront"/>
-          <a:lightRig rig="chilly" dir="t"/>
-        </a:scene3d>
-        <a:sp3d z="12700" extrusionH="1700" prstMaterial="dkEdge">
-          <a:bevelT w="25400" h="6350" prst="softRound"/>
-          <a:bevelB w="0" h="0" prst="convex"/>
-        </a:sp3d>
-      </dsp:spPr>
-      <dsp:style>
-        <a:lnRef idx="1">
-          <a:scrgbClr r="0" g="0" b="0"/>
-        </a:lnRef>
-        <a:fillRef idx="1">
-          <a:scrgbClr r="0" g="0" b="0"/>
-        </a:fillRef>
-        <a:effectRef idx="0">
-          <a:scrgbClr r="0" g="0" b="0"/>
-        </a:effectRef>
-        <a:fontRef idx="minor"/>
-      </dsp:style>
-      <dsp:txBody>
-        <a:bodyPr spcFirstLastPara="0" vert="horz" wrap="square" lIns="60960" tIns="60960" rIns="60960" bIns="60960" numCol="1" spcCol="1270" anchor="ctr" anchorCtr="0">
-          <a:noAutofit/>
-        </a:bodyPr>
-        <a:lstStyle/>
-        <a:p>
-          <a:pPr lvl="0" algn="ctr" defTabSz="711200">
-            <a:lnSpc>
-              <a:spcPct val="90000"/>
-            </a:lnSpc>
-            <a:spcBef>
-              <a:spcPct val="0"/>
-            </a:spcBef>
-            <a:spcAft>
-              <a:spcPct val="35000"/>
-            </a:spcAft>
-          </a:pPr>
-          <a:r>
-            <a:rPr lang="en-US" sz="1600" kern="1200" dirty="0" smtClean="0"/>
-            <a:t>Utility computing</a:t>
-          </a:r>
-          <a:endParaRPr lang="en-US" sz="1600" kern="1200" dirty="0"/>
-        </a:p>
-      </dsp:txBody>
-      <dsp:txXfrm>
-        <a:off x="3284242" y="1718152"/>
-        <a:ext cx="1227727" cy="762294"/>
-      </dsp:txXfrm>
-    </dsp:sp>
-    <dsp:sp modelId="{A464E424-42A2-42FE-8F6A-D586AC60FBD8}">
-      <dsp:nvSpPr>
-        <dsp:cNvPr id="0" name=""/>
-        <dsp:cNvSpPr/>
-      </dsp:nvSpPr>
-      <dsp:spPr>
-        <a:xfrm>
-          <a:off x="2339578" y="2740421"/>
-          <a:ext cx="1275159" cy="809726"/>
-        </a:xfrm>
-        <a:prstGeom prst="roundRect">
-          <a:avLst>
-            <a:gd name="adj" fmla="val 10000"/>
-          </a:avLst>
-        </a:prstGeom>
-        <a:solidFill>
-          <a:schemeClr val="accent1">
-            <a:hueOff val="0"/>
-            <a:satOff val="0"/>
-            <a:lumOff val="0"/>
-            <a:alphaOff val="0"/>
-          </a:schemeClr>
-        </a:solidFill>
-        <a:ln>
-          <a:noFill/>
-        </a:ln>
-        <a:effectLst/>
-        <a:scene3d>
-          <a:camera prst="orthographicFront"/>
-          <a:lightRig rig="chilly" dir="t"/>
-        </a:scene3d>
-        <a:sp3d prstMaterial="translucentPowder">
-          <a:bevelT w="127000" h="25400" prst="softRound"/>
-        </a:sp3d>
-      </dsp:spPr>
-      <dsp:style>
-        <a:lnRef idx="0">
-          <a:scrgbClr r="0" g="0" b="0"/>
-        </a:lnRef>
-        <a:fillRef idx="1">
-          <a:scrgbClr r="0" g="0" b="0"/>
-        </a:fillRef>
-        <a:effectRef idx="0">
-          <a:scrgbClr r="0" g="0" b="0"/>
-        </a:effectRef>
-        <a:fontRef idx="minor">
-          <a:schemeClr val="lt1"/>
-        </a:fontRef>
-      </dsp:style>
-    </dsp:sp>
-    <dsp:sp modelId="{1DF10A25-C6B6-4B35-9C02-9BD8BC53F595}">
-      <dsp:nvSpPr>
-        <dsp:cNvPr id="0" name=""/>
-        <dsp:cNvSpPr/>
-      </dsp:nvSpPr>
-      <dsp:spPr>
-        <a:xfrm>
-          <a:off x="2481262" y="2875022"/>
-          <a:ext cx="1275159" cy="809726"/>
-        </a:xfrm>
-        <a:prstGeom prst="roundRect">
-          <a:avLst>
-            <a:gd name="adj" fmla="val 10000"/>
-          </a:avLst>
-        </a:prstGeom>
-        <a:solidFill>
-          <a:schemeClr val="lt1">
-            <a:alpha val="90000"/>
-            <a:hueOff val="0"/>
-            <a:satOff val="0"/>
-            <a:lumOff val="0"/>
-            <a:alphaOff val="0"/>
-          </a:schemeClr>
-        </a:solidFill>
-        <a:ln w="9525" cap="flat" cmpd="sng" algn="ctr">
-          <a:solidFill>
-            <a:schemeClr val="accent1">
-              <a:hueOff val="0"/>
-              <a:satOff val="0"/>
-              <a:lumOff val="0"/>
-              <a:alphaOff val="0"/>
-            </a:schemeClr>
-          </a:solidFill>
-          <a:prstDash val="solid"/>
-        </a:ln>
-        <a:effectLst/>
-        <a:scene3d>
-          <a:camera prst="orthographicFront"/>
-          <a:lightRig rig="chilly" dir="t"/>
-        </a:scene3d>
-        <a:sp3d z="12700" extrusionH="1700" prstMaterial="dkEdge">
-          <a:bevelT w="25400" h="6350" prst="softRound"/>
-          <a:bevelB w="0" h="0" prst="convex"/>
-        </a:sp3d>
-      </dsp:spPr>
-      <dsp:style>
-        <a:lnRef idx="1">
-          <a:scrgbClr r="0" g="0" b="0"/>
-        </a:lnRef>
-        <a:fillRef idx="1">
-          <a:scrgbClr r="0" g="0" b="0"/>
-        </a:fillRef>
-        <a:effectRef idx="0">
-          <a:scrgbClr r="0" g="0" b="0"/>
-        </a:effectRef>
-        <a:fontRef idx="minor"/>
-      </dsp:style>
-      <dsp:txBody>
-        <a:bodyPr spcFirstLastPara="0" vert="horz" wrap="square" lIns="60960" tIns="60960" rIns="60960" bIns="60960" numCol="1" spcCol="1270" anchor="ctr" anchorCtr="0">
-          <a:noAutofit/>
-        </a:bodyPr>
-        <a:lstStyle/>
-        <a:p>
-          <a:pPr lvl="0" algn="ctr" defTabSz="711200">
-            <a:lnSpc>
-              <a:spcPct val="90000"/>
-            </a:lnSpc>
-            <a:spcBef>
-              <a:spcPct val="0"/>
-            </a:spcBef>
-            <a:spcAft>
-              <a:spcPct val="35000"/>
-            </a:spcAft>
-          </a:pPr>
-          <a:r>
-            <a:rPr lang="en-US" sz="1600" kern="1200" dirty="0" smtClean="0"/>
-            <a:t>Grid computing</a:t>
-          </a:r>
-          <a:endParaRPr lang="en-US" sz="1600" kern="1200" dirty="0"/>
-        </a:p>
-      </dsp:txBody>
-      <dsp:txXfrm>
-        <a:off x="2504978" y="2898738"/>
-        <a:ext cx="1227727" cy="762294"/>
-      </dsp:txXfrm>
-    </dsp:sp>
-    <dsp:sp modelId="{F3349138-DD3D-4D01-ABC7-3B5EEB6CD915}">
-      <dsp:nvSpPr>
-        <dsp:cNvPr id="0" name=""/>
-        <dsp:cNvSpPr/>
-      </dsp:nvSpPr>
-      <dsp:spPr>
-        <a:xfrm>
-          <a:off x="3898106" y="2740421"/>
-          <a:ext cx="1275159" cy="809726"/>
-        </a:xfrm>
-        <a:prstGeom prst="roundRect">
-          <a:avLst>
-            <a:gd name="adj" fmla="val 10000"/>
-          </a:avLst>
-        </a:prstGeom>
-        <a:solidFill>
-          <a:schemeClr val="accent1">
-            <a:hueOff val="0"/>
-            <a:satOff val="0"/>
-            <a:lumOff val="0"/>
-            <a:alphaOff val="0"/>
-          </a:schemeClr>
-        </a:solidFill>
-        <a:ln>
-          <a:noFill/>
-        </a:ln>
-        <a:effectLst/>
-        <a:scene3d>
-          <a:camera prst="orthographicFront"/>
-          <a:lightRig rig="chilly" dir="t"/>
-        </a:scene3d>
-        <a:sp3d prstMaterial="translucentPowder">
-          <a:bevelT w="127000" h="25400" prst="softRound"/>
-        </a:sp3d>
-      </dsp:spPr>
-      <dsp:style>
-        <a:lnRef idx="0">
-          <a:scrgbClr r="0" g="0" b="0"/>
-        </a:lnRef>
-        <a:fillRef idx="1">
-          <a:scrgbClr r="0" g="0" b="0"/>
-        </a:fillRef>
-        <a:effectRef idx="0">
-          <a:scrgbClr r="0" g="0" b="0"/>
-        </a:effectRef>
-        <a:fontRef idx="minor">
-          <a:schemeClr val="lt1"/>
-        </a:fontRef>
-      </dsp:style>
-    </dsp:sp>
-    <dsp:sp modelId="{35177D51-DA6B-4B74-8542-DDCB57DE5FAE}">
-      <dsp:nvSpPr>
-        <dsp:cNvPr id="0" name=""/>
-        <dsp:cNvSpPr/>
-      </dsp:nvSpPr>
-      <dsp:spPr>
-        <a:xfrm>
-          <a:off x="4039790" y="2875022"/>
-          <a:ext cx="1275159" cy="809726"/>
-        </a:xfrm>
-        <a:prstGeom prst="roundRect">
-          <a:avLst>
-            <a:gd name="adj" fmla="val 10000"/>
-          </a:avLst>
-        </a:prstGeom>
-        <a:solidFill>
-          <a:schemeClr val="lt1">
-            <a:alpha val="90000"/>
-            <a:hueOff val="0"/>
-            <a:satOff val="0"/>
-            <a:lumOff val="0"/>
-            <a:alphaOff val="0"/>
-          </a:schemeClr>
-        </a:solidFill>
-        <a:ln w="9525" cap="flat" cmpd="sng" algn="ctr">
-          <a:solidFill>
-            <a:schemeClr val="accent1">
-              <a:hueOff val="0"/>
-              <a:satOff val="0"/>
-              <a:lumOff val="0"/>
-              <a:alphaOff val="0"/>
-            </a:schemeClr>
-          </a:solidFill>
-          <a:prstDash val="solid"/>
-        </a:ln>
-        <a:effectLst/>
-        <a:scene3d>
-          <a:camera prst="orthographicFront"/>
-          <a:lightRig rig="chilly" dir="t"/>
-        </a:scene3d>
-        <a:sp3d z="12700" extrusionH="1700" prstMaterial="dkEdge">
-          <a:bevelT w="25400" h="6350" prst="softRound"/>
-          <a:bevelB w="0" h="0" prst="convex"/>
-        </a:sp3d>
-      </dsp:spPr>
-      <dsp:style>
-        <a:lnRef idx="1">
-          <a:scrgbClr r="0" g="0" b="0"/>
-        </a:lnRef>
-        <a:fillRef idx="1">
-          <a:scrgbClr r="0" g="0" b="0"/>
-        </a:fillRef>
-        <a:effectRef idx="0">
-          <a:scrgbClr r="0" g="0" b="0"/>
-        </a:effectRef>
-        <a:fontRef idx="minor"/>
-      </dsp:style>
-      <dsp:txBody>
-        <a:bodyPr spcFirstLastPara="0" vert="horz" wrap="square" lIns="60960" tIns="60960" rIns="60960" bIns="60960" numCol="1" spcCol="1270" anchor="ctr" anchorCtr="0">
-          <a:noAutofit/>
-        </a:bodyPr>
-        <a:lstStyle/>
-        <a:p>
-          <a:pPr lvl="0" algn="ctr" defTabSz="711200">
-            <a:lnSpc>
-              <a:spcPct val="90000"/>
-            </a:lnSpc>
-            <a:spcBef>
-              <a:spcPct val="0"/>
-            </a:spcBef>
-            <a:spcAft>
-              <a:spcPct val="35000"/>
-            </a:spcAft>
-          </a:pPr>
-          <a:r>
-            <a:rPr lang="en-US" sz="1600" kern="1200" dirty="0" smtClean="0"/>
-            <a:t>Cloud computing</a:t>
-          </a:r>
-          <a:endParaRPr lang="en-US" sz="1600" kern="1200" dirty="0"/>
-        </a:p>
-      </dsp:txBody>
-      <dsp:txXfrm>
-        <a:off x="4063506" y="2898738"/>
-        <a:ext cx="1227727" cy="762294"/>
-      </dsp:txXfrm>
-    </dsp:sp>
-    <dsp:sp modelId="{AABC5D3A-A05C-4BE5-8A31-2BFE359C1ABF}">
-      <dsp:nvSpPr>
-        <dsp:cNvPr id="0" name=""/>
-        <dsp:cNvSpPr/>
-      </dsp:nvSpPr>
-      <dsp:spPr>
-        <a:xfrm>
-          <a:off x="4677370" y="1559836"/>
-          <a:ext cx="1275159" cy="809726"/>
-        </a:xfrm>
-        <a:prstGeom prst="roundRect">
-          <a:avLst>
-            <a:gd name="adj" fmla="val 10000"/>
-          </a:avLst>
-        </a:prstGeom>
-        <a:solidFill>
-          <a:schemeClr val="accent1">
-            <a:hueOff val="0"/>
-            <a:satOff val="0"/>
-            <a:lumOff val="0"/>
-            <a:alphaOff val="0"/>
-          </a:schemeClr>
-        </a:solidFill>
-        <a:ln>
-          <a:noFill/>
-        </a:ln>
-        <a:effectLst/>
-        <a:scene3d>
-          <a:camera prst="orthographicFront"/>
-          <a:lightRig rig="chilly" dir="t"/>
-        </a:scene3d>
-        <a:sp3d prstMaterial="translucentPowder">
-          <a:bevelT w="127000" h="25400" prst="softRound"/>
-        </a:sp3d>
-      </dsp:spPr>
-      <dsp:style>
-        <a:lnRef idx="0">
-          <a:scrgbClr r="0" g="0" b="0"/>
-        </a:lnRef>
-        <a:fillRef idx="1">
-          <a:scrgbClr r="0" g="0" b="0"/>
-        </a:fillRef>
-        <a:effectRef idx="0">
-          <a:scrgbClr r="0" g="0" b="0"/>
-        </a:effectRef>
-        <a:fontRef idx="minor">
-          <a:schemeClr val="lt1"/>
-        </a:fontRef>
-      </dsp:style>
-    </dsp:sp>
-    <dsp:sp modelId="{E753A8D8-B50F-42C4-B0CE-D216BE908656}">
-      <dsp:nvSpPr>
-        <dsp:cNvPr id="0" name=""/>
-        <dsp:cNvSpPr/>
-      </dsp:nvSpPr>
-      <dsp:spPr>
-        <a:xfrm>
-          <a:off x="4819054" y="1694436"/>
-          <a:ext cx="1275159" cy="809726"/>
-        </a:xfrm>
-        <a:prstGeom prst="roundRect">
-          <a:avLst>
-            <a:gd name="adj" fmla="val 10000"/>
-          </a:avLst>
-        </a:prstGeom>
-        <a:solidFill>
-          <a:schemeClr val="lt1">
-            <a:alpha val="90000"/>
-            <a:hueOff val="0"/>
-            <a:satOff val="0"/>
-            <a:lumOff val="0"/>
-            <a:alphaOff val="0"/>
-          </a:schemeClr>
-        </a:solidFill>
-        <a:ln w="9525" cap="flat" cmpd="sng" algn="ctr">
-          <a:solidFill>
-            <a:schemeClr val="accent1">
-              <a:hueOff val="0"/>
-              <a:satOff val="0"/>
-              <a:lumOff val="0"/>
-              <a:alphaOff val="0"/>
-            </a:schemeClr>
-          </a:solidFill>
-          <a:prstDash val="solid"/>
-        </a:ln>
-        <a:effectLst/>
-        <a:scene3d>
-          <a:camera prst="orthographicFront"/>
-          <a:lightRig rig="chilly" dir="t"/>
-        </a:scene3d>
-        <a:sp3d z="12700" extrusionH="1700" prstMaterial="dkEdge">
-          <a:bevelT w="25400" h="6350" prst="softRound"/>
-          <a:bevelB w="0" h="0" prst="convex"/>
-        </a:sp3d>
-      </dsp:spPr>
-      <dsp:style>
-        <a:lnRef idx="1">
-          <a:scrgbClr r="0" g="0" b="0"/>
-        </a:lnRef>
-        <a:fillRef idx="1">
-          <a:scrgbClr r="0" g="0" b="0"/>
-        </a:fillRef>
-        <a:effectRef idx="0">
-          <a:scrgbClr r="0" g="0" b="0"/>
-        </a:effectRef>
-        <a:fontRef idx="minor"/>
-      </dsp:style>
-      <dsp:txBody>
-        <a:bodyPr spcFirstLastPara="0" vert="horz" wrap="square" lIns="60960" tIns="60960" rIns="60960" bIns="60960" numCol="1" spcCol="1270" anchor="ctr" anchorCtr="0">
-          <a:noAutofit/>
-        </a:bodyPr>
-        <a:lstStyle/>
-        <a:p>
-          <a:pPr lvl="0" algn="ctr" defTabSz="711200">
-            <a:lnSpc>
-              <a:spcPct val="90000"/>
-            </a:lnSpc>
-            <a:spcBef>
-              <a:spcPct val="0"/>
-            </a:spcBef>
-            <a:spcAft>
-              <a:spcPct val="35000"/>
-            </a:spcAft>
-          </a:pPr>
-          <a:r>
-            <a:rPr lang="en-US" sz="1600" kern="1200" dirty="0" smtClean="0"/>
-            <a:t>Jungle computing</a:t>
-          </a:r>
-          <a:endParaRPr lang="en-US" sz="1600" kern="1200" dirty="0"/>
-        </a:p>
-      </dsp:txBody>
-      <dsp:txXfrm>
-        <a:off x="4842770" y="1718152"/>
-        <a:ext cx="1227727" cy="762294"/>
-      </dsp:txXfrm>
-    </dsp:sp>
   </dsp:spTree>
 </dsp:drawing>
 </file>
@@ -11109,8 +7859,8 @@
       </dsp:nvSpPr>
       <dsp:spPr>
         <a:xfrm>
-          <a:off x="3869806" y="982048"/>
-          <a:ext cx="419824" cy="849390"/>
+          <a:off x="4123924" y="962058"/>
+          <a:ext cx="506383" cy="1136881"/>
         </a:xfrm>
         <a:custGeom>
           <a:avLst/>
@@ -11121,13 +7871,13 @@
           <a:pathLst>
             <a:path>
               <a:moveTo>
-                <a:pt x="419824" y="0"/>
+                <a:pt x="506383" y="0"/>
               </a:moveTo>
               <a:lnTo>
-                <a:pt x="419824" y="849390"/>
+                <a:pt x="506383" y="1136881"/>
               </a:lnTo>
               <a:lnTo>
-                <a:pt x="0" y="849390"/>
+                <a:pt x="0" y="1136881"/>
               </a:lnTo>
             </a:path>
           </a:pathLst>
@@ -11167,8 +7917,8 @@
       </dsp:nvSpPr>
       <dsp:spPr>
         <a:xfrm>
-          <a:off x="4289630" y="982048"/>
-          <a:ext cx="2234879" cy="2340766"/>
+          <a:off x="4630307" y="962058"/>
+          <a:ext cx="2207087" cy="3000348"/>
         </a:xfrm>
         <a:custGeom>
           <a:avLst/>
@@ -11182,13 +7932,13 @@
                 <a:pt x="0" y="0"/>
               </a:moveTo>
               <a:lnTo>
-                <a:pt x="0" y="2021156"/>
+                <a:pt x="0" y="2614840"/>
               </a:lnTo>
               <a:lnTo>
-                <a:pt x="2234879" y="2021156"/>
+                <a:pt x="2207087" y="2614840"/>
               </a:lnTo>
               <a:lnTo>
-                <a:pt x="2234879" y="2340766"/>
+                <a:pt x="2207087" y="3000348"/>
               </a:lnTo>
             </a:path>
           </a:pathLst>
@@ -11228,8 +7978,8 @@
       </dsp:nvSpPr>
       <dsp:spPr>
         <a:xfrm>
-          <a:off x="1547734" y="982048"/>
-          <a:ext cx="2741896" cy="2340766"/>
+          <a:off x="1741369" y="962058"/>
+          <a:ext cx="2888938" cy="3000348"/>
         </a:xfrm>
         <a:custGeom>
           <a:avLst/>
@@ -11240,16 +7990,16 @@
           <a:pathLst>
             <a:path>
               <a:moveTo>
-                <a:pt x="2741896" y="0"/>
+                <a:pt x="2888938" y="0"/>
               </a:moveTo>
               <a:lnTo>
-                <a:pt x="2741896" y="2021156"/>
+                <a:pt x="2888938" y="2614840"/>
               </a:lnTo>
               <a:lnTo>
-                <a:pt x="0" y="2021156"/>
+                <a:pt x="0" y="2614840"/>
               </a:lnTo>
               <a:lnTo>
-                <a:pt x="0" y="2340766"/>
+                <a:pt x="0" y="3000348"/>
               </a:lnTo>
             </a:path>
           </a:pathLst>
@@ -11289,54 +8039,86 @@
       </dsp:nvSpPr>
       <dsp:spPr>
         <a:xfrm>
-          <a:off x="3137948" y="1301"/>
-          <a:ext cx="2303364" cy="980746"/>
+          <a:off x="2197259" y="3831"/>
+          <a:ext cx="4866096" cy="958227"/>
         </a:xfrm>
         <a:prstGeom prst="rect">
           <a:avLst/>
         </a:prstGeom>
-        <a:solidFill>
-          <a:schemeClr val="accent1">
-            <a:hueOff val="0"/>
-            <a:satOff val="0"/>
-            <a:lumOff val="0"/>
-            <a:alphaOff val="0"/>
-          </a:schemeClr>
-        </a:solidFill>
-        <a:ln w="25400" cap="flat" cmpd="sng" algn="ctr">
-          <a:solidFill>
-            <a:schemeClr val="lt1">
-              <a:hueOff val="0"/>
-              <a:satOff val="0"/>
-              <a:lumOff val="0"/>
-              <a:alphaOff val="0"/>
-            </a:schemeClr>
-          </a:solidFill>
-          <a:prstDash val="solid"/>
+        <a:gradFill rotWithShape="0">
+          <a:gsLst>
+            <a:gs pos="0">
+              <a:schemeClr val="accent1">
+                <a:hueOff val="0"/>
+                <a:satOff val="0"/>
+                <a:lumOff val="0"/>
+                <a:alphaOff val="0"/>
+                <a:tint val="50000"/>
+                <a:satMod val="300000"/>
+              </a:schemeClr>
+            </a:gs>
+            <a:gs pos="35000">
+              <a:schemeClr val="accent1">
+                <a:hueOff val="0"/>
+                <a:satOff val="0"/>
+                <a:lumOff val="0"/>
+                <a:alphaOff val="0"/>
+                <a:tint val="37000"/>
+                <a:satMod val="300000"/>
+              </a:schemeClr>
+            </a:gs>
+            <a:gs pos="100000">
+              <a:schemeClr val="accent1">
+                <a:hueOff val="0"/>
+                <a:satOff val="0"/>
+                <a:lumOff val="0"/>
+                <a:alphaOff val="0"/>
+                <a:tint val="15000"/>
+                <a:satMod val="350000"/>
+              </a:schemeClr>
+            </a:gs>
+          </a:gsLst>
+          <a:lin ang="16200000" scaled="1"/>
+        </a:gradFill>
+        <a:ln>
+          <a:noFill/>
         </a:ln>
-        <a:effectLst/>
+        <a:effectLst>
+          <a:outerShdw blurRad="40000" dist="20000" dir="5400000" rotWithShape="0">
+            <a:srgbClr val="000000">
+              <a:alpha val="38000"/>
+            </a:srgbClr>
+          </a:outerShdw>
+        </a:effectLst>
+        <a:scene3d>
+          <a:camera prst="orthographicFront"/>
+          <a:lightRig rig="flat" dir="t"/>
+        </a:scene3d>
+        <a:sp3d prstMaterial="dkEdge">
+          <a:bevelT w="8200" h="38100"/>
+        </a:sp3d>
       </dsp:spPr>
       <dsp:style>
-        <a:lnRef idx="2">
+        <a:lnRef idx="0">
           <a:scrgbClr r="0" g="0" b="0"/>
         </a:lnRef>
-        <a:fillRef idx="1">
+        <a:fillRef idx="2">
           <a:scrgbClr r="0" g="0" b="0"/>
         </a:fillRef>
-        <a:effectRef idx="0">
+        <a:effectRef idx="1">
           <a:scrgbClr r="0" g="0" b="0"/>
         </a:effectRef>
         <a:fontRef idx="minor">
-          <a:schemeClr val="lt1"/>
+          <a:schemeClr val="dk1"/>
         </a:fontRef>
       </dsp:style>
       <dsp:txBody>
-        <a:bodyPr spcFirstLastPara="0" vert="horz" wrap="square" lIns="16510" tIns="16510" rIns="16510" bIns="193288" numCol="1" spcCol="1270" anchor="ctr" anchorCtr="0">
+        <a:bodyPr spcFirstLastPara="0" vert="horz" wrap="square" lIns="19685" tIns="19685" rIns="19685" bIns="233140" numCol="1" spcCol="1270" anchor="ctr" anchorCtr="0">
           <a:noAutofit/>
         </a:bodyPr>
         <a:lstStyle/>
         <a:p>
-          <a:pPr lvl="0" algn="ctr" defTabSz="1155700">
+          <a:pPr lvl="0" algn="ctr" defTabSz="1377950">
             <a:lnSpc>
               <a:spcPct val="90000"/>
             </a:lnSpc>
@@ -11348,15 +8130,15 @@
             </a:spcAft>
           </a:pPr>
           <a:r>
-            <a:rPr lang="en-US" sz="2600" kern="1200" dirty="0" smtClean="0"/>
+            <a:rPr lang="en-US" sz="3100" kern="1200" dirty="0" smtClean="0"/>
             <a:t>Distributed Cuttlefish</a:t>
           </a:r>
-          <a:endParaRPr lang="en-US" sz="2600" kern="1200" dirty="0"/>
+          <a:endParaRPr lang="en-US" sz="3100" kern="1200" dirty="0"/>
         </a:p>
       </dsp:txBody>
       <dsp:txXfrm>
-        <a:off x="3137948" y="1301"/>
-        <a:ext cx="2303364" cy="980746"/>
+        <a:off x="2197259" y="3831"/>
+        <a:ext cx="4866096" cy="958227"/>
       </dsp:txXfrm>
     </dsp:sp>
     <dsp:sp modelId="{F5861941-A33A-4C6F-A01B-6F1E36E77ED0}">
@@ -11366,8 +8148,8 @@
       </dsp:nvSpPr>
       <dsp:spPr>
         <a:xfrm>
-          <a:off x="3956935" y="913756"/>
-          <a:ext cx="1459060" cy="373400"/>
+          <a:off x="4288667" y="601030"/>
+          <a:ext cx="2035937" cy="450388"/>
         </a:xfrm>
         <a:prstGeom prst="rect">
           <a:avLst/>
@@ -11381,7 +8163,7 @@
             <a:alphaOff val="0"/>
           </a:schemeClr>
         </a:solidFill>
-        <a:ln w="25400" cap="flat" cmpd="sng" algn="ctr">
+        <a:ln w="9525" cap="flat" cmpd="sng" algn="ctr">
           <a:solidFill>
             <a:schemeClr val="accent1">
               <a:hueOff val="0"/>
@@ -11395,7 +8177,7 @@
         <a:effectLst/>
       </dsp:spPr>
       <dsp:style>
-        <a:lnRef idx="2">
+        <a:lnRef idx="1">
           <a:scrgbClr r="0" g="0" b="0"/>
         </a:lnRef>
         <a:fillRef idx="1">
@@ -11407,12 +8189,12 @@
         <a:fontRef idx="minor"/>
       </dsp:style>
       <dsp:txBody>
-        <a:bodyPr spcFirstLastPara="0" vert="horz" wrap="square" lIns="58420" tIns="14605" rIns="58420" bIns="14605" numCol="1" spcCol="1270" anchor="ctr" anchorCtr="0">
+        <a:bodyPr spcFirstLastPara="0" vert="horz" wrap="square" lIns="73660" tIns="18415" rIns="73660" bIns="18415" numCol="1" spcCol="1270" anchor="ctr" anchorCtr="0">
           <a:noAutofit/>
         </a:bodyPr>
         <a:lstStyle/>
         <a:p>
-          <a:pPr lvl="0" algn="r" defTabSz="1022350">
+          <a:pPr lvl="0" algn="r" defTabSz="1289050">
             <a:lnSpc>
               <a:spcPct val="90000"/>
             </a:lnSpc>
@@ -11424,15 +8206,15 @@
             </a:spcAft>
           </a:pPr>
           <a:r>
-            <a:rPr lang="en-US" sz="2300" kern="1200" dirty="0" smtClean="0"/>
+            <a:rPr lang="en-US" sz="2900" kern="1200" dirty="0" smtClean="0"/>
             <a:t>Prototypes</a:t>
           </a:r>
-          <a:endParaRPr lang="en-US" sz="2300" kern="1200" dirty="0"/>
+          <a:endParaRPr lang="en-US" sz="2900" kern="1200" dirty="0"/>
         </a:p>
       </dsp:txBody>
       <dsp:txXfrm>
-        <a:off x="3956935" y="913756"/>
-        <a:ext cx="1459060" cy="373400"/>
+        <a:off x="4288667" y="601030"/>
+        <a:ext cx="2035937" cy="450388"/>
       </dsp:txXfrm>
     </dsp:sp>
     <dsp:sp modelId="{1ADA7FED-6F70-4CE5-A3B0-F51B3922FFFE}">
@@ -11442,54 +8224,86 @@
       </dsp:nvSpPr>
       <dsp:spPr>
         <a:xfrm>
-          <a:off x="442124" y="3322815"/>
-          <a:ext cx="2211219" cy="663743"/>
+          <a:off x="484087" y="3962406"/>
+          <a:ext cx="2514563" cy="800593"/>
         </a:xfrm>
         <a:prstGeom prst="rect">
           <a:avLst/>
         </a:prstGeom>
-        <a:solidFill>
-          <a:schemeClr val="accent1">
-            <a:hueOff val="0"/>
-            <a:satOff val="0"/>
-            <a:lumOff val="0"/>
-            <a:alphaOff val="0"/>
-          </a:schemeClr>
-        </a:solidFill>
-        <a:ln w="25400" cap="flat" cmpd="sng" algn="ctr">
-          <a:solidFill>
-            <a:schemeClr val="lt1">
-              <a:hueOff val="0"/>
-              <a:satOff val="0"/>
-              <a:lumOff val="0"/>
-              <a:alphaOff val="0"/>
-            </a:schemeClr>
-          </a:solidFill>
-          <a:prstDash val="solid"/>
+        <a:gradFill rotWithShape="0">
+          <a:gsLst>
+            <a:gs pos="0">
+              <a:schemeClr val="accent1">
+                <a:hueOff val="0"/>
+                <a:satOff val="0"/>
+                <a:lumOff val="0"/>
+                <a:alphaOff val="0"/>
+                <a:tint val="50000"/>
+                <a:satMod val="300000"/>
+              </a:schemeClr>
+            </a:gs>
+            <a:gs pos="35000">
+              <a:schemeClr val="accent1">
+                <a:hueOff val="0"/>
+                <a:satOff val="0"/>
+                <a:lumOff val="0"/>
+                <a:alphaOff val="0"/>
+                <a:tint val="37000"/>
+                <a:satMod val="300000"/>
+              </a:schemeClr>
+            </a:gs>
+            <a:gs pos="100000">
+              <a:schemeClr val="accent1">
+                <a:hueOff val="0"/>
+                <a:satOff val="0"/>
+                <a:lumOff val="0"/>
+                <a:alphaOff val="0"/>
+                <a:tint val="15000"/>
+                <a:satMod val="350000"/>
+              </a:schemeClr>
+            </a:gs>
+          </a:gsLst>
+          <a:lin ang="16200000" scaled="1"/>
+        </a:gradFill>
+        <a:ln>
+          <a:noFill/>
         </a:ln>
-        <a:effectLst/>
+        <a:effectLst>
+          <a:outerShdw blurRad="40000" dist="20000" dir="5400000" rotWithShape="0">
+            <a:srgbClr val="000000">
+              <a:alpha val="38000"/>
+            </a:srgbClr>
+          </a:outerShdw>
+        </a:effectLst>
+        <a:scene3d>
+          <a:camera prst="orthographicFront"/>
+          <a:lightRig rig="flat" dir="t"/>
+        </a:scene3d>
+        <a:sp3d prstMaterial="dkEdge">
+          <a:bevelT w="8200" h="38100"/>
+        </a:sp3d>
       </dsp:spPr>
       <dsp:style>
-        <a:lnRef idx="2">
+        <a:lnRef idx="0">
           <a:scrgbClr r="0" g="0" b="0"/>
         </a:lnRef>
-        <a:fillRef idx="1">
+        <a:fillRef idx="2">
           <a:scrgbClr r="0" g="0" b="0"/>
         </a:fillRef>
-        <a:effectRef idx="0">
+        <a:effectRef idx="1">
           <a:scrgbClr r="0" g="0" b="0"/>
         </a:effectRef>
         <a:fontRef idx="minor">
-          <a:schemeClr val="lt1"/>
+          <a:schemeClr val="dk1"/>
         </a:fontRef>
       </dsp:style>
       <dsp:txBody>
-        <a:bodyPr spcFirstLastPara="0" vert="horz" wrap="square" lIns="16510" tIns="16510" rIns="16510" bIns="193288" numCol="1" spcCol="1270" anchor="ctr" anchorCtr="0">
+        <a:bodyPr spcFirstLastPara="0" vert="horz" wrap="square" lIns="19685" tIns="19685" rIns="19685" bIns="233140" numCol="1" spcCol="1270" anchor="ctr" anchorCtr="0">
           <a:noAutofit/>
         </a:bodyPr>
         <a:lstStyle/>
         <a:p>
-          <a:pPr lvl="0" algn="ctr" defTabSz="1155700">
+          <a:pPr lvl="0" algn="ctr" defTabSz="1377950">
             <a:lnSpc>
               <a:spcPct val="90000"/>
             </a:lnSpc>
@@ -11501,15 +8315,15 @@
             </a:spcAft>
           </a:pPr>
           <a:r>
-            <a:rPr lang="en-US" sz="2600" kern="1200" dirty="0" smtClean="0"/>
+            <a:rPr lang="en-US" sz="3100" kern="1200" dirty="0" smtClean="0"/>
             <a:t>Prototype I</a:t>
           </a:r>
-          <a:endParaRPr lang="en-US" sz="2600" kern="1200" dirty="0"/>
+          <a:endParaRPr lang="en-US" sz="3100" kern="1200" dirty="0"/>
         </a:p>
       </dsp:txBody>
       <dsp:txXfrm>
-        <a:off x="442124" y="3322815"/>
-        <a:ext cx="2211219" cy="663743"/>
+        <a:off x="484087" y="3962406"/>
+        <a:ext cx="2514563" cy="800593"/>
       </dsp:txXfrm>
     </dsp:sp>
     <dsp:sp modelId="{C6DA1240-E4B1-484D-B02D-4F2DE5D54422}">
@@ -11519,8 +8333,8 @@
       </dsp:nvSpPr>
       <dsp:spPr>
         <a:xfrm>
-          <a:off x="505072" y="3831191"/>
-          <a:ext cx="2480895" cy="456586"/>
+          <a:off x="1039022" y="4495801"/>
+          <a:ext cx="2721695" cy="884314"/>
         </a:xfrm>
         <a:prstGeom prst="rect">
           <a:avLst/>
@@ -11534,7 +8348,7 @@
             <a:alphaOff val="0"/>
           </a:schemeClr>
         </a:solidFill>
-        <a:ln w="25400" cap="flat" cmpd="sng" algn="ctr">
+        <a:ln w="9525" cap="flat" cmpd="sng" algn="ctr">
           <a:solidFill>
             <a:schemeClr val="accent1">
               <a:hueOff val="0"/>
@@ -11548,7 +8362,7 @@
         <a:effectLst/>
       </dsp:spPr>
       <dsp:style>
-        <a:lnRef idx="2">
+        <a:lnRef idx="1">
           <a:scrgbClr r="0" g="0" b="0"/>
         </a:lnRef>
         <a:fillRef idx="1">
@@ -11560,12 +8374,12 @@
         <a:fontRef idx="minor"/>
       </dsp:style>
       <dsp:txBody>
-        <a:bodyPr spcFirstLastPara="0" vert="horz" wrap="square" lIns="38100" tIns="9525" rIns="38100" bIns="9525" numCol="1" spcCol="1270" anchor="ctr" anchorCtr="0">
+        <a:bodyPr spcFirstLastPara="0" vert="horz" wrap="square" lIns="68580" tIns="17145" rIns="68580" bIns="17145" numCol="1" spcCol="1270" anchor="ctr" anchorCtr="0">
           <a:noAutofit/>
         </a:bodyPr>
         <a:lstStyle/>
         <a:p>
-          <a:pPr lvl="0" algn="r" defTabSz="666750">
+          <a:pPr lvl="0" algn="r" defTabSz="1200150">
             <a:lnSpc>
               <a:spcPct val="90000"/>
             </a:lnSpc>
@@ -11577,15 +8391,15 @@
             </a:spcAft>
           </a:pPr>
           <a:r>
-            <a:rPr lang="en-US" sz="1500" kern="1200" dirty="0" smtClean="0"/>
+            <a:rPr lang="en-US" sz="2700" kern="1200" dirty="0" smtClean="0"/>
             <a:t>I/O  through disk read /writes</a:t>
           </a:r>
-          <a:endParaRPr lang="en-US" sz="1500" kern="1200" dirty="0"/>
+          <a:endParaRPr lang="en-US" sz="2700" kern="1200" dirty="0"/>
         </a:p>
       </dsp:txBody>
       <dsp:txXfrm>
-        <a:off x="505072" y="3831191"/>
-        <a:ext cx="2480895" cy="456586"/>
+        <a:off x="1039022" y="4495801"/>
+        <a:ext cx="2721695" cy="884314"/>
       </dsp:txXfrm>
     </dsp:sp>
     <dsp:sp modelId="{75A99C37-7CA4-4942-8AF4-242A6FA923A4}">
@@ -11595,54 +8409,86 @@
       </dsp:nvSpPr>
       <dsp:spPr>
         <a:xfrm>
-          <a:off x="5346240" y="3322815"/>
-          <a:ext cx="2356540" cy="663743"/>
+          <a:off x="5486392" y="3962406"/>
+          <a:ext cx="2702004" cy="800593"/>
         </a:xfrm>
         <a:prstGeom prst="rect">
           <a:avLst/>
         </a:prstGeom>
-        <a:solidFill>
-          <a:schemeClr val="accent1">
-            <a:hueOff val="0"/>
-            <a:satOff val="0"/>
-            <a:lumOff val="0"/>
-            <a:alphaOff val="0"/>
-          </a:schemeClr>
-        </a:solidFill>
-        <a:ln w="25400" cap="flat" cmpd="sng" algn="ctr">
-          <a:solidFill>
-            <a:schemeClr val="lt1">
-              <a:hueOff val="0"/>
-              <a:satOff val="0"/>
-              <a:lumOff val="0"/>
-              <a:alphaOff val="0"/>
-            </a:schemeClr>
-          </a:solidFill>
-          <a:prstDash val="solid"/>
+        <a:gradFill rotWithShape="0">
+          <a:gsLst>
+            <a:gs pos="0">
+              <a:schemeClr val="accent1">
+                <a:hueOff val="0"/>
+                <a:satOff val="0"/>
+                <a:lumOff val="0"/>
+                <a:alphaOff val="0"/>
+                <a:tint val="50000"/>
+                <a:satMod val="300000"/>
+              </a:schemeClr>
+            </a:gs>
+            <a:gs pos="35000">
+              <a:schemeClr val="accent1">
+                <a:hueOff val="0"/>
+                <a:satOff val="0"/>
+                <a:lumOff val="0"/>
+                <a:alphaOff val="0"/>
+                <a:tint val="37000"/>
+                <a:satMod val="300000"/>
+              </a:schemeClr>
+            </a:gs>
+            <a:gs pos="100000">
+              <a:schemeClr val="accent1">
+                <a:hueOff val="0"/>
+                <a:satOff val="0"/>
+                <a:lumOff val="0"/>
+                <a:alphaOff val="0"/>
+                <a:tint val="15000"/>
+                <a:satMod val="350000"/>
+              </a:schemeClr>
+            </a:gs>
+          </a:gsLst>
+          <a:lin ang="16200000" scaled="1"/>
+        </a:gradFill>
+        <a:ln>
+          <a:noFill/>
         </a:ln>
-        <a:effectLst/>
+        <a:effectLst>
+          <a:outerShdw blurRad="40000" dist="20000" dir="5400000" rotWithShape="0">
+            <a:srgbClr val="000000">
+              <a:alpha val="38000"/>
+            </a:srgbClr>
+          </a:outerShdw>
+        </a:effectLst>
+        <a:scene3d>
+          <a:camera prst="orthographicFront"/>
+          <a:lightRig rig="flat" dir="t"/>
+        </a:scene3d>
+        <a:sp3d prstMaterial="dkEdge">
+          <a:bevelT w="8200" h="38100"/>
+        </a:sp3d>
       </dsp:spPr>
       <dsp:style>
-        <a:lnRef idx="2">
+        <a:lnRef idx="0">
           <a:scrgbClr r="0" g="0" b="0"/>
         </a:lnRef>
-        <a:fillRef idx="1">
+        <a:fillRef idx="2">
           <a:scrgbClr r="0" g="0" b="0"/>
         </a:fillRef>
-        <a:effectRef idx="0">
+        <a:effectRef idx="1">
           <a:scrgbClr r="0" g="0" b="0"/>
         </a:effectRef>
         <a:fontRef idx="minor">
-          <a:schemeClr val="lt1"/>
+          <a:schemeClr val="dk1"/>
         </a:fontRef>
       </dsp:style>
       <dsp:txBody>
-        <a:bodyPr spcFirstLastPara="0" vert="horz" wrap="square" lIns="16510" tIns="16510" rIns="16510" bIns="193288" numCol="1" spcCol="1270" anchor="ctr" anchorCtr="0">
+        <a:bodyPr spcFirstLastPara="0" vert="horz" wrap="square" lIns="19685" tIns="19685" rIns="19685" bIns="233140" numCol="1" spcCol="1270" anchor="ctr" anchorCtr="0">
           <a:noAutofit/>
         </a:bodyPr>
         <a:lstStyle/>
         <a:p>
-          <a:pPr lvl="0" algn="ctr" defTabSz="1155700">
+          <a:pPr lvl="0" algn="ctr" defTabSz="1377950">
             <a:lnSpc>
               <a:spcPct val="90000"/>
             </a:lnSpc>
@@ -11654,15 +8500,15 @@
             </a:spcAft>
           </a:pPr>
           <a:r>
-            <a:rPr lang="en-US" sz="2600" kern="1200" dirty="0" smtClean="0"/>
+            <a:rPr lang="en-US" sz="3100" kern="1200" dirty="0" smtClean="0"/>
             <a:t>Prototype II</a:t>
           </a:r>
-          <a:endParaRPr lang="en-US" sz="2600" kern="1200" dirty="0"/>
+          <a:endParaRPr lang="en-US" sz="3100" kern="1200" dirty="0"/>
         </a:p>
       </dsp:txBody>
       <dsp:txXfrm>
-        <a:off x="5346240" y="3322815"/>
-        <a:ext cx="2356540" cy="663743"/>
+        <a:off x="5486392" y="3962406"/>
+        <a:ext cx="2702004" cy="800593"/>
       </dsp:txXfrm>
     </dsp:sp>
     <dsp:sp modelId="{DE393D22-92CA-4137-8D76-2FBC31BDD6E9}">
@@ -11672,8 +8518,8 @@
       </dsp:nvSpPr>
       <dsp:spPr>
         <a:xfrm>
-          <a:off x="5447662" y="3824511"/>
-          <a:ext cx="2378035" cy="456586"/>
+          <a:off x="5817316" y="4495799"/>
+          <a:ext cx="3111588" cy="850153"/>
         </a:xfrm>
         <a:prstGeom prst="rect">
           <a:avLst/>
@@ -11687,7 +8533,7 @@
             <a:alphaOff val="0"/>
           </a:schemeClr>
         </a:solidFill>
-        <a:ln w="25400" cap="flat" cmpd="sng" algn="ctr">
+        <a:ln w="9525" cap="flat" cmpd="sng" algn="ctr">
           <a:solidFill>
             <a:schemeClr val="accent1">
               <a:hueOff val="0"/>
@@ -11701,7 +8547,7 @@
         <a:effectLst/>
       </dsp:spPr>
       <dsp:style>
-        <a:lnRef idx="2">
+        <a:lnRef idx="1">
           <a:scrgbClr r="0" g="0" b="0"/>
         </a:lnRef>
         <a:fillRef idx="1">
@@ -11713,89 +8559,12 @@
         <a:fontRef idx="minor"/>
       </dsp:style>
       <dsp:txBody>
-        <a:bodyPr spcFirstLastPara="0" vert="horz" wrap="square" lIns="38100" tIns="9525" rIns="38100" bIns="9525" numCol="1" spcCol="1270" anchor="ctr" anchorCtr="0">
+        <a:bodyPr spcFirstLastPara="0" vert="horz" wrap="square" lIns="66040" tIns="16510" rIns="66040" bIns="16510" numCol="1" spcCol="1270" anchor="ctr" anchorCtr="0">
           <a:noAutofit/>
         </a:bodyPr>
         <a:lstStyle/>
         <a:p>
-          <a:pPr lvl="0" algn="r" defTabSz="666750">
-            <a:lnSpc>
-              <a:spcPct val="90000"/>
-            </a:lnSpc>
-            <a:spcBef>
-              <a:spcPct val="0"/>
-            </a:spcBef>
-            <a:spcAft>
-              <a:spcPct val="35000"/>
-            </a:spcAft>
-          </a:pPr>
-          <a:r>
-            <a:rPr lang="en-US" sz="1500" kern="1200" dirty="0" smtClean="0"/>
-            <a:t>I/O by sending data as stream of bytes</a:t>
-          </a:r>
-          <a:endParaRPr lang="en-US" sz="1500" kern="1200" dirty="0"/>
-        </a:p>
-      </dsp:txBody>
-      <dsp:txXfrm>
-        <a:off x="5447662" y="3824511"/>
-        <a:ext cx="2378035" cy="456586"/>
-      </dsp:txXfrm>
-    </dsp:sp>
-    <dsp:sp modelId="{AD02FB11-B753-4760-ADB6-F9FAD9A5836D}">
-      <dsp:nvSpPr>
-        <dsp:cNvPr id="0" name=""/>
-        <dsp:cNvSpPr/>
-      </dsp:nvSpPr>
-      <dsp:spPr>
-        <a:xfrm>
-          <a:off x="1224237" y="1543516"/>
-          <a:ext cx="2645568" cy="575846"/>
-        </a:xfrm>
-        <a:prstGeom prst="rect">
-          <a:avLst/>
-        </a:prstGeom>
-        <a:solidFill>
-          <a:schemeClr val="accent1">
-            <a:hueOff val="0"/>
-            <a:satOff val="0"/>
-            <a:lumOff val="0"/>
-            <a:alphaOff val="0"/>
-          </a:schemeClr>
-        </a:solidFill>
-        <a:ln w="25400" cap="flat" cmpd="sng" algn="ctr">
-          <a:solidFill>
-            <a:schemeClr val="lt1">
-              <a:hueOff val="0"/>
-              <a:satOff val="0"/>
-              <a:lumOff val="0"/>
-              <a:alphaOff val="0"/>
-            </a:schemeClr>
-          </a:solidFill>
-          <a:prstDash val="solid"/>
-        </a:ln>
-        <a:effectLst/>
-      </dsp:spPr>
-      <dsp:style>
-        <a:lnRef idx="2">
-          <a:scrgbClr r="0" g="0" b="0"/>
-        </a:lnRef>
-        <a:fillRef idx="1">
-          <a:scrgbClr r="0" g="0" b="0"/>
-        </a:fillRef>
-        <a:effectRef idx="0">
-          <a:scrgbClr r="0" g="0" b="0"/>
-        </a:effectRef>
-        <a:fontRef idx="minor">
-          <a:schemeClr val="lt1"/>
-        </a:fontRef>
-      </dsp:style>
-      <dsp:txBody>
-        <a:bodyPr spcFirstLastPara="0" vert="horz" wrap="square" lIns="16510" tIns="16510" rIns="16510" bIns="193288" numCol="1" spcCol="1270" anchor="ctr" anchorCtr="0">
-          <a:noAutofit/>
-        </a:bodyPr>
-        <a:lstStyle/>
-        <a:p>
-          <a:pPr lvl="0" algn="ctr" defTabSz="1155700">
+          <a:pPr lvl="0" algn="r" defTabSz="1155700">
             <a:lnSpc>
               <a:spcPct val="90000"/>
             </a:lnSpc>
@@ -11808,14 +8577,123 @@
           </a:pPr>
           <a:r>
             <a:rPr lang="en-US" sz="2600" kern="1200" dirty="0" smtClean="0"/>
-            <a:t>Criteria</a:t>
+            <a:t>I/O by sending data over network</a:t>
           </a:r>
           <a:endParaRPr lang="en-US" sz="2600" kern="1200" dirty="0"/>
         </a:p>
       </dsp:txBody>
       <dsp:txXfrm>
-        <a:off x="1224237" y="1543516"/>
-        <a:ext cx="2645568" cy="575846"/>
+        <a:off x="5817316" y="4495799"/>
+        <a:ext cx="3111588" cy="850153"/>
+      </dsp:txXfrm>
+    </dsp:sp>
+    <dsp:sp modelId="{AD02FB11-B753-4760-ADB6-F9FAD9A5836D}">
+      <dsp:nvSpPr>
+        <dsp:cNvPr id="0" name=""/>
+        <dsp:cNvSpPr/>
+      </dsp:nvSpPr>
+      <dsp:spPr>
+        <a:xfrm>
+          <a:off x="932894" y="1751653"/>
+          <a:ext cx="3191029" cy="694573"/>
+        </a:xfrm>
+        <a:prstGeom prst="rect">
+          <a:avLst/>
+        </a:prstGeom>
+        <a:gradFill rotWithShape="0">
+          <a:gsLst>
+            <a:gs pos="0">
+              <a:schemeClr val="accent1">
+                <a:hueOff val="0"/>
+                <a:satOff val="0"/>
+                <a:lumOff val="0"/>
+                <a:alphaOff val="0"/>
+                <a:tint val="50000"/>
+                <a:satMod val="300000"/>
+              </a:schemeClr>
+            </a:gs>
+            <a:gs pos="35000">
+              <a:schemeClr val="accent1">
+                <a:hueOff val="0"/>
+                <a:satOff val="0"/>
+                <a:lumOff val="0"/>
+                <a:alphaOff val="0"/>
+                <a:tint val="37000"/>
+                <a:satMod val="300000"/>
+              </a:schemeClr>
+            </a:gs>
+            <a:gs pos="100000">
+              <a:schemeClr val="accent1">
+                <a:hueOff val="0"/>
+                <a:satOff val="0"/>
+                <a:lumOff val="0"/>
+                <a:alphaOff val="0"/>
+                <a:tint val="15000"/>
+                <a:satMod val="350000"/>
+              </a:schemeClr>
+            </a:gs>
+          </a:gsLst>
+          <a:lin ang="16200000" scaled="1"/>
+        </a:gradFill>
+        <a:ln>
+          <a:noFill/>
+        </a:ln>
+        <a:effectLst>
+          <a:outerShdw blurRad="40000" dist="20000" dir="5400000" rotWithShape="0">
+            <a:srgbClr val="000000">
+              <a:alpha val="38000"/>
+            </a:srgbClr>
+          </a:outerShdw>
+        </a:effectLst>
+        <a:scene3d>
+          <a:camera prst="orthographicFront"/>
+          <a:lightRig rig="flat" dir="t"/>
+        </a:scene3d>
+        <a:sp3d prstMaterial="dkEdge">
+          <a:bevelT w="8200" h="38100"/>
+        </a:sp3d>
+      </dsp:spPr>
+      <dsp:style>
+        <a:lnRef idx="0">
+          <a:scrgbClr r="0" g="0" b="0"/>
+        </a:lnRef>
+        <a:fillRef idx="2">
+          <a:scrgbClr r="0" g="0" b="0"/>
+        </a:fillRef>
+        <a:effectRef idx="1">
+          <a:scrgbClr r="0" g="0" b="0"/>
+        </a:effectRef>
+        <a:fontRef idx="minor">
+          <a:schemeClr val="dk1"/>
+        </a:fontRef>
+      </dsp:style>
+      <dsp:txBody>
+        <a:bodyPr spcFirstLastPara="0" vert="horz" wrap="square" lIns="19685" tIns="19685" rIns="19685" bIns="233140" numCol="1" spcCol="1270" anchor="ctr" anchorCtr="0">
+          <a:noAutofit/>
+        </a:bodyPr>
+        <a:lstStyle/>
+        <a:p>
+          <a:pPr lvl="0" algn="ctr" defTabSz="1377950">
+            <a:lnSpc>
+              <a:spcPct val="90000"/>
+            </a:lnSpc>
+            <a:spcBef>
+              <a:spcPct val="0"/>
+            </a:spcBef>
+            <a:spcAft>
+              <a:spcPct val="35000"/>
+            </a:spcAft>
+          </a:pPr>
+          <a:r>
+            <a:rPr lang="en-US" sz="3100" kern="1200" dirty="0" smtClean="0"/>
+            <a:t>Criteria</a:t>
+          </a:r>
+          <a:endParaRPr lang="en-US" sz="3100" kern="1200" dirty="0"/>
+        </a:p>
+      </dsp:txBody>
+      <dsp:txXfrm>
+        <a:off x="932894" y="1751653"/>
+        <a:ext cx="3191029" cy="694573"/>
       </dsp:txXfrm>
     </dsp:sp>
     <dsp:sp modelId="{2E9CF532-F6CD-4A64-A778-D54AA026FE2F}">
@@ -11825,8 +8703,8 @@
       </dsp:nvSpPr>
       <dsp:spPr>
         <a:xfrm>
-          <a:off x="1393694" y="1967161"/>
-          <a:ext cx="2381011" cy="456586"/>
+          <a:off x="1137289" y="2262645"/>
+          <a:ext cx="2871926" cy="550724"/>
         </a:xfrm>
         <a:prstGeom prst="rect">
           <a:avLst/>
@@ -11840,7 +8718,7 @@
             <a:alphaOff val="0"/>
           </a:schemeClr>
         </a:solidFill>
-        <a:ln w="25400" cap="flat" cmpd="sng" algn="ctr">
+        <a:ln w="9525" cap="flat" cmpd="sng" algn="ctr">
           <a:solidFill>
             <a:schemeClr val="accent1">
               <a:hueOff val="0"/>
@@ -11854,7 +8732,7 @@
         <a:effectLst/>
       </dsp:spPr>
       <dsp:style>
-        <a:lnRef idx="2">
+        <a:lnRef idx="1">
           <a:scrgbClr r="0" g="0" b="0"/>
         </a:lnRef>
         <a:fillRef idx="1">
@@ -11866,12 +8744,12 @@
         <a:fontRef idx="minor"/>
       </dsp:style>
       <dsp:txBody>
-        <a:bodyPr spcFirstLastPara="0" vert="horz" wrap="square" lIns="55880" tIns="13970" rIns="55880" bIns="13970" numCol="1" spcCol="1270" anchor="ctr" anchorCtr="0">
+        <a:bodyPr spcFirstLastPara="0" vert="horz" wrap="square" lIns="68580" tIns="17145" rIns="68580" bIns="17145" numCol="1" spcCol="1270" anchor="ctr" anchorCtr="0">
           <a:noAutofit/>
         </a:bodyPr>
         <a:lstStyle/>
         <a:p>
-          <a:pPr lvl="0" algn="r" defTabSz="977900">
+          <a:pPr lvl="0" algn="r" defTabSz="1200150">
             <a:lnSpc>
               <a:spcPct val="90000"/>
             </a:lnSpc>
@@ -11883,15 +8761,15 @@
             </a:spcAft>
           </a:pPr>
           <a:r>
-            <a:rPr lang="en-US" sz="2200" kern="1200" dirty="0" smtClean="0"/>
+            <a:rPr lang="en-US" sz="2700" kern="1200" dirty="0" smtClean="0"/>
             <a:t>I/O Communication</a:t>
           </a:r>
-          <a:endParaRPr lang="en-US" sz="2200" kern="1200" dirty="0"/>
+          <a:endParaRPr lang="en-US" sz="2700" kern="1200" dirty="0"/>
         </a:p>
       </dsp:txBody>
       <dsp:txXfrm>
-        <a:off x="1393694" y="1967161"/>
-        <a:ext cx="2381011" cy="456586"/>
+        <a:off x="1137289" y="2262645"/>
+        <a:ext cx="2871926" cy="550724"/>
       </dsp:txXfrm>
     </dsp:sp>
   </dsp:spTree>
@@ -24445,7 +21323,7 @@
           <p:nvPr>
             <p:extLst>
               <p:ext uri="{D42A27DB-BD31-4B8C-83A1-F6EECF244321}">
-                <p14:modId xmlns="" xmlns:p14="http://schemas.microsoft.com/office/powerpoint/2010/main" val="1262172334"/>
+                <p14:modId xmlns:p14="http://schemas.microsoft.com/office/powerpoint/2010/main" val="1262172334"/>
               </p:ext>
             </p:extLst>
           </p:nvPr>
@@ -24493,7 +21371,7 @@
     </p:spTree>
     <p:extLst>
       <p:ext uri="{BB962C8B-B14F-4D97-AF65-F5344CB8AC3E}">
-        <p14:creationId xmlns="" xmlns:p14="http://schemas.microsoft.com/office/powerpoint/2010/main" val="3650172683"/>
+        <p14:creationId xmlns:p14="http://schemas.microsoft.com/office/powerpoint/2010/main" val="3650172683"/>
       </p:ext>
     </p:extLst>
   </p:cSld>
@@ -24609,7 +21487,7 @@
               </a:clrChange>
               <a:extLst>
                 <a:ext uri="{28A0092B-C50C-407E-A947-70E740481C1C}">
-                  <a14:useLocalDpi xmlns="" xmlns:a14="http://schemas.microsoft.com/office/drawing/2010/main" val="0"/>
+                  <a14:useLocalDpi xmlns:a14="http://schemas.microsoft.com/office/drawing/2010/main" val="0"/>
                 </a:ext>
               </a:extLst>
             </a:blip>
@@ -24632,14 +21510,14 @@
             </a:ln>
             <a:extLst>
               <a:ext uri="{909E8E84-426E-40DD-AFC4-6F175D3DCCD1}">
-                <a14:hiddenFill xmlns="" xmlns:a14="http://schemas.microsoft.com/office/drawing/2010/main">
+                <a14:hiddenFill xmlns:a14="http://schemas.microsoft.com/office/drawing/2010/main">
                   <a:solidFill>
                     <a:schemeClr val="accent1"/>
                   </a:solidFill>
                 </a14:hiddenFill>
               </a:ext>
               <a:ext uri="{91240B29-F687-4F45-9708-019B960494DF}">
-                <a14:hiddenLine xmlns="" xmlns:a14="http://schemas.microsoft.com/office/drawing/2010/main" w="9525">
+                <a14:hiddenLine xmlns:a14="http://schemas.microsoft.com/office/drawing/2010/main" w="9525">
                   <a:solidFill>
                     <a:schemeClr val="tx1"/>
                   </a:solidFill>
@@ -24754,7 +21632,7 @@
               </a:clrChange>
               <a:extLst>
                 <a:ext uri="{28A0092B-C50C-407E-A947-70E740481C1C}">
-                  <a14:useLocalDpi xmlns="" xmlns:a14="http://schemas.microsoft.com/office/drawing/2010/main" val="0"/>
+                  <a14:useLocalDpi xmlns:a14="http://schemas.microsoft.com/office/drawing/2010/main" val="0"/>
                 </a:ext>
               </a:extLst>
             </a:blip>
@@ -24777,14 +21655,14 @@
             </a:ln>
             <a:extLst>
               <a:ext uri="{909E8E84-426E-40DD-AFC4-6F175D3DCCD1}">
-                <a14:hiddenFill xmlns="" xmlns:a14="http://schemas.microsoft.com/office/drawing/2010/main">
+                <a14:hiddenFill xmlns:a14="http://schemas.microsoft.com/office/drawing/2010/main">
                   <a:solidFill>
                     <a:schemeClr val="accent1"/>
                   </a:solidFill>
                 </a14:hiddenFill>
               </a:ext>
               <a:ext uri="{91240B29-F687-4F45-9708-019B960494DF}">
-                <a14:hiddenLine xmlns="" xmlns:a14="http://schemas.microsoft.com/office/drawing/2010/main" w="9525">
+                <a14:hiddenLine xmlns:a14="http://schemas.microsoft.com/office/drawing/2010/main" w="9525">
                   <a:solidFill>
                     <a:schemeClr val="tx1"/>
                   </a:solidFill>
@@ -24880,7 +21758,7 @@
               </a:clrChange>
               <a:extLst>
                 <a:ext uri="{28A0092B-C50C-407E-A947-70E740481C1C}">
-                  <a14:useLocalDpi xmlns="" xmlns:a14="http://schemas.microsoft.com/office/drawing/2010/main" val="0"/>
+                  <a14:useLocalDpi xmlns:a14="http://schemas.microsoft.com/office/drawing/2010/main" val="0"/>
                 </a:ext>
               </a:extLst>
             </a:blip>
@@ -24903,14 +21781,14 @@
             </a:ln>
             <a:extLst>
               <a:ext uri="{909E8E84-426E-40DD-AFC4-6F175D3DCCD1}">
-                <a14:hiddenFill xmlns="" xmlns:a14="http://schemas.microsoft.com/office/drawing/2010/main">
+                <a14:hiddenFill xmlns:a14="http://schemas.microsoft.com/office/drawing/2010/main">
                   <a:solidFill>
                     <a:schemeClr val="accent1"/>
                   </a:solidFill>
                 </a14:hiddenFill>
               </a:ext>
               <a:ext uri="{91240B29-F687-4F45-9708-019B960494DF}">
-                <a14:hiddenLine xmlns="" xmlns:a14="http://schemas.microsoft.com/office/drawing/2010/main" w="9525">
+                <a14:hiddenLine xmlns:a14="http://schemas.microsoft.com/office/drawing/2010/main" w="9525">
                   <a:solidFill>
                     <a:schemeClr val="tx1"/>
                   </a:solidFill>
@@ -24972,7 +21850,7 @@
     </p:spTree>
     <p:extLst>
       <p:ext uri="{BB962C8B-B14F-4D97-AF65-F5344CB8AC3E}">
-        <p14:creationId xmlns="" xmlns:p14="http://schemas.microsoft.com/office/powerpoint/2010/main" val="3628031107"/>
+        <p14:creationId xmlns:p14="http://schemas.microsoft.com/office/powerpoint/2010/main" val="3628031107"/>
       </p:ext>
     </p:extLst>
   </p:cSld>
@@ -25059,7 +21937,7 @@
           <p:nvPr>
             <p:extLst>
               <p:ext uri="{D42A27DB-BD31-4B8C-83A1-F6EECF244321}">
-                <p14:modId xmlns="" xmlns:p14="http://schemas.microsoft.com/office/powerpoint/2010/main" val="2970409429"/>
+                <p14:modId xmlns:p14="http://schemas.microsoft.com/office/powerpoint/2010/main" val="2970409429"/>
               </p:ext>
             </p:extLst>
           </p:nvPr>
@@ -25146,7 +22024,7 @@
     </p:spTree>
     <p:extLst>
       <p:ext uri="{BB962C8B-B14F-4D97-AF65-F5344CB8AC3E}">
-        <p14:creationId xmlns="" xmlns:p14="http://schemas.microsoft.com/office/powerpoint/2010/main" val="3522882765"/>
+        <p14:creationId xmlns:p14="http://schemas.microsoft.com/office/powerpoint/2010/main" val="3522882765"/>
       </p:ext>
     </p:extLst>
   </p:cSld>
@@ -25230,7 +22108,7 @@
           <p:nvPr>
             <p:extLst>
               <p:ext uri="{D42A27DB-BD31-4B8C-83A1-F6EECF244321}">
-                <p14:modId xmlns="" xmlns:p14="http://schemas.microsoft.com/office/powerpoint/2010/main" val="4217214646"/>
+                <p14:modId xmlns:p14="http://schemas.microsoft.com/office/powerpoint/2010/main" val="4217214646"/>
               </p:ext>
             </p:extLst>
           </p:nvPr>
@@ -25248,7 +22126,7 @@
     </p:spTree>
     <p:extLst>
       <p:ext uri="{BB962C8B-B14F-4D97-AF65-F5344CB8AC3E}">
-        <p14:creationId xmlns="" xmlns:p14="http://schemas.microsoft.com/office/powerpoint/2010/main" val="1044658037"/>
+        <p14:creationId xmlns:p14="http://schemas.microsoft.com/office/powerpoint/2010/main" val="1044658037"/>
       </p:ext>
     </p:extLst>
   </p:cSld>
@@ -25335,7 +22213,7 @@
           <p:nvPr>
             <p:extLst>
               <p:ext uri="{D42A27DB-BD31-4B8C-83A1-F6EECF244321}">
-                <p14:modId xmlns="" xmlns:p14="http://schemas.microsoft.com/office/powerpoint/2010/main" val="3864352614"/>
+                <p14:modId xmlns:p14="http://schemas.microsoft.com/office/powerpoint/2010/main" val="3864352614"/>
               </p:ext>
             </p:extLst>
           </p:nvPr>
@@ -25353,7 +22231,7 @@
     </p:spTree>
     <p:extLst>
       <p:ext uri="{BB962C8B-B14F-4D97-AF65-F5344CB8AC3E}">
-        <p14:creationId xmlns="" xmlns:p14="http://schemas.microsoft.com/office/powerpoint/2010/main" val="2295323102"/>
+        <p14:creationId xmlns:p14="http://schemas.microsoft.com/office/powerpoint/2010/main" val="2295323102"/>
       </p:ext>
     </p:extLst>
   </p:cSld>
@@ -25423,7 +22301,7 @@
             </a:clrChange>
             <a:extLst>
               <a:ext uri="{28A0092B-C50C-407E-A947-70E740481C1C}">
-                <a14:useLocalDpi xmlns="" xmlns:a14="http://schemas.microsoft.com/office/drawing/2010/main" val="0"/>
+                <a14:useLocalDpi xmlns:a14="http://schemas.microsoft.com/office/drawing/2010/main" val="0"/>
               </a:ext>
             </a:extLst>
           </a:blip>
@@ -25446,14 +22324,14 @@
           </a:ln>
           <a:extLst>
             <a:ext uri="{909E8E84-426E-40DD-AFC4-6F175D3DCCD1}">
-              <a14:hiddenFill xmlns="" xmlns:a14="http://schemas.microsoft.com/office/drawing/2010/main">
+              <a14:hiddenFill xmlns:a14="http://schemas.microsoft.com/office/drawing/2010/main">
                 <a:solidFill>
                   <a:schemeClr val="accent1"/>
                 </a:solidFill>
               </a14:hiddenFill>
             </a:ext>
             <a:ext uri="{91240B29-F687-4F45-9708-019B960494DF}">
-              <a14:hiddenLine xmlns="" xmlns:a14="http://schemas.microsoft.com/office/drawing/2010/main" w="9525">
+              <a14:hiddenLine xmlns:a14="http://schemas.microsoft.com/office/drawing/2010/main" w="9525">
                 <a:solidFill>
                   <a:schemeClr val="tx1"/>
                 </a:solidFill>
@@ -25468,7 +22346,7 @@
     </p:spTree>
     <p:extLst>
       <p:ext uri="{BB962C8B-B14F-4D97-AF65-F5344CB8AC3E}">
-        <p14:creationId xmlns="" xmlns:p14="http://schemas.microsoft.com/office/powerpoint/2010/main" val="2745742463"/>
+        <p14:creationId xmlns:p14="http://schemas.microsoft.com/office/powerpoint/2010/main" val="2745742463"/>
       </p:ext>
     </p:extLst>
   </p:cSld>
@@ -25570,7 +22448,7 @@
             </a:clrChange>
             <a:extLst>
               <a:ext uri="{28A0092B-C50C-407E-A947-70E740481C1C}">
-                <a14:useLocalDpi xmlns="" xmlns:a14="http://schemas.microsoft.com/office/drawing/2010/main" val="0"/>
+                <a14:useLocalDpi xmlns:a14="http://schemas.microsoft.com/office/drawing/2010/main" val="0"/>
               </a:ext>
             </a:extLst>
           </a:blip>
@@ -25593,14 +22471,14 @@
           </a:ln>
           <a:extLst>
             <a:ext uri="{909E8E84-426E-40DD-AFC4-6F175D3DCCD1}">
-              <a14:hiddenFill xmlns="" xmlns:a14="http://schemas.microsoft.com/office/drawing/2010/main">
+              <a14:hiddenFill xmlns:a14="http://schemas.microsoft.com/office/drawing/2010/main">
                 <a:solidFill>
                   <a:schemeClr val="accent1"/>
                 </a:solidFill>
               </a14:hiddenFill>
             </a:ext>
             <a:ext uri="{91240B29-F687-4F45-9708-019B960494DF}">
-              <a14:hiddenLine xmlns="" xmlns:a14="http://schemas.microsoft.com/office/drawing/2010/main" w="9525">
+              <a14:hiddenLine xmlns:a14="http://schemas.microsoft.com/office/drawing/2010/main" w="9525">
                 <a:solidFill>
                   <a:schemeClr val="tx1"/>
                 </a:solidFill>
@@ -25615,7 +22493,7 @@
     </p:spTree>
     <p:extLst>
       <p:ext uri="{BB962C8B-B14F-4D97-AF65-F5344CB8AC3E}">
-        <p14:creationId xmlns="" xmlns:p14="http://schemas.microsoft.com/office/powerpoint/2010/main" val="1306052275"/>
+        <p14:creationId xmlns:p14="http://schemas.microsoft.com/office/powerpoint/2010/main" val="1306052275"/>
       </p:ext>
     </p:extLst>
   </p:cSld>
@@ -25717,7 +22595,7 @@
             </a:clrChange>
             <a:extLst>
               <a:ext uri="{28A0092B-C50C-407E-A947-70E740481C1C}">
-                <a14:useLocalDpi xmlns="" xmlns:a14="http://schemas.microsoft.com/office/drawing/2010/main" val="0"/>
+                <a14:useLocalDpi xmlns:a14="http://schemas.microsoft.com/office/drawing/2010/main" val="0"/>
               </a:ext>
             </a:extLst>
           </a:blip>
@@ -25740,14 +22618,14 @@
           </a:ln>
           <a:extLst>
             <a:ext uri="{909E8E84-426E-40DD-AFC4-6F175D3DCCD1}">
-              <a14:hiddenFill xmlns="" xmlns:a14="http://schemas.microsoft.com/office/drawing/2010/main">
+              <a14:hiddenFill xmlns:a14="http://schemas.microsoft.com/office/drawing/2010/main">
                 <a:solidFill>
                   <a:schemeClr val="accent1"/>
                 </a:solidFill>
               </a14:hiddenFill>
             </a:ext>
             <a:ext uri="{91240B29-F687-4F45-9708-019B960494DF}">
-              <a14:hiddenLine xmlns="" xmlns:a14="http://schemas.microsoft.com/office/drawing/2010/main" w="9525">
+              <a14:hiddenLine xmlns:a14="http://schemas.microsoft.com/office/drawing/2010/main" w="9525">
                 <a:solidFill>
                   <a:schemeClr val="tx1"/>
                 </a:solidFill>
@@ -25762,7 +22640,7 @@
     </p:spTree>
     <p:extLst>
       <p:ext uri="{BB962C8B-B14F-4D97-AF65-F5344CB8AC3E}">
-        <p14:creationId xmlns="" xmlns:p14="http://schemas.microsoft.com/office/powerpoint/2010/main" val="3886907763"/>
+        <p14:creationId xmlns:p14="http://schemas.microsoft.com/office/powerpoint/2010/main" val="3886907763"/>
       </p:ext>
     </p:extLst>
   </p:cSld>
@@ -25871,7 +22749,7 @@
             </a:clrChange>
             <a:extLst>
               <a:ext uri="{28A0092B-C50C-407E-A947-70E740481C1C}">
-                <a14:useLocalDpi xmlns="" xmlns:a14="http://schemas.microsoft.com/office/drawing/2010/main" val="0"/>
+                <a14:useLocalDpi xmlns:a14="http://schemas.microsoft.com/office/drawing/2010/main" val="0"/>
               </a:ext>
             </a:extLst>
           </a:blip>
@@ -25894,14 +22772,14 @@
           </a:ln>
           <a:extLst>
             <a:ext uri="{909E8E84-426E-40DD-AFC4-6F175D3DCCD1}">
-              <a14:hiddenFill xmlns="" xmlns:a14="http://schemas.microsoft.com/office/drawing/2010/main">
+              <a14:hiddenFill xmlns:a14="http://schemas.microsoft.com/office/drawing/2010/main">
                 <a:solidFill>
                   <a:schemeClr val="accent1"/>
                 </a:solidFill>
               </a14:hiddenFill>
             </a:ext>
             <a:ext uri="{91240B29-F687-4F45-9708-019B960494DF}">
-              <a14:hiddenLine xmlns="" xmlns:a14="http://schemas.microsoft.com/office/drawing/2010/main" w="9525">
+              <a14:hiddenLine xmlns:a14="http://schemas.m